--- a/04.環境構築/インフラ/msar_環境構築手順書.pptx
+++ b/04.環境構築/インフラ/msar_環境構築手順書.pptx
@@ -5,7 +5,7 @@
     <p:sldMasterId id="2147483660" r:id="rId1"/>
   </p:sldMasterIdLst>
   <p:notesMasterIdLst>
-    <p:notesMasterId r:id="rId43"/>
+    <p:notesMasterId r:id="rId44"/>
   </p:notesMasterIdLst>
   <p:sldIdLst>
     <p:sldId id="293" r:id="rId2"/>
@@ -19,36 +19,37 @@
     <p:sldId id="307" r:id="rId10"/>
     <p:sldId id="323" r:id="rId11"/>
     <p:sldId id="312" r:id="rId12"/>
-    <p:sldId id="334" r:id="rId13"/>
-    <p:sldId id="325" r:id="rId14"/>
-    <p:sldId id="326" r:id="rId15"/>
-    <p:sldId id="327" r:id="rId16"/>
-    <p:sldId id="328" r:id="rId17"/>
-    <p:sldId id="298" r:id="rId18"/>
-    <p:sldId id="299" r:id="rId19"/>
-    <p:sldId id="300" r:id="rId20"/>
-    <p:sldId id="313" r:id="rId21"/>
-    <p:sldId id="314" r:id="rId22"/>
-    <p:sldId id="329" r:id="rId23"/>
-    <p:sldId id="315" r:id="rId24"/>
-    <p:sldId id="330" r:id="rId25"/>
-    <p:sldId id="331" r:id="rId26"/>
-    <p:sldId id="316" r:id="rId27"/>
-    <p:sldId id="333" r:id="rId28"/>
+    <p:sldId id="325" r:id="rId13"/>
+    <p:sldId id="326" r:id="rId14"/>
+    <p:sldId id="327" r:id="rId15"/>
+    <p:sldId id="328" r:id="rId16"/>
+    <p:sldId id="298" r:id="rId17"/>
+    <p:sldId id="299" r:id="rId18"/>
+    <p:sldId id="300" r:id="rId19"/>
+    <p:sldId id="313" r:id="rId20"/>
+    <p:sldId id="314" r:id="rId21"/>
+    <p:sldId id="329" r:id="rId22"/>
+    <p:sldId id="315" r:id="rId23"/>
+    <p:sldId id="330" r:id="rId24"/>
+    <p:sldId id="331" r:id="rId25"/>
+    <p:sldId id="316" r:id="rId26"/>
+    <p:sldId id="333" r:id="rId27"/>
+    <p:sldId id="338" r:id="rId28"/>
     <p:sldId id="301" r:id="rId29"/>
     <p:sldId id="302" r:id="rId30"/>
-    <p:sldId id="303" r:id="rId31"/>
-    <p:sldId id="304" r:id="rId32"/>
-    <p:sldId id="322" r:id="rId33"/>
-    <p:sldId id="317" r:id="rId34"/>
-    <p:sldId id="318" r:id="rId35"/>
-    <p:sldId id="319" r:id="rId36"/>
-    <p:sldId id="320" r:id="rId37"/>
-    <p:sldId id="305" r:id="rId38"/>
-    <p:sldId id="309" r:id="rId39"/>
-    <p:sldId id="310" r:id="rId40"/>
-    <p:sldId id="311" r:id="rId41"/>
-    <p:sldId id="321" r:id="rId42"/>
+    <p:sldId id="336" r:id="rId31"/>
+    <p:sldId id="303" r:id="rId32"/>
+    <p:sldId id="304" r:id="rId33"/>
+    <p:sldId id="322" r:id="rId34"/>
+    <p:sldId id="317" r:id="rId35"/>
+    <p:sldId id="318" r:id="rId36"/>
+    <p:sldId id="319" r:id="rId37"/>
+    <p:sldId id="320" r:id="rId38"/>
+    <p:sldId id="305" r:id="rId39"/>
+    <p:sldId id="309" r:id="rId40"/>
+    <p:sldId id="310" r:id="rId41"/>
+    <p:sldId id="311" r:id="rId42"/>
+    <p:sldId id="321" r:id="rId43"/>
   </p:sldIdLst>
   <p:sldSz cx="12192000" cy="6858000"/>
   <p:notesSz cx="6858000" cy="9144000"/>
@@ -175,7 +176,6 @@
           <p14:sldIdLst>
             <p14:sldId id="323"/>
             <p14:sldId id="312"/>
-            <p14:sldId id="334"/>
             <p14:sldId id="325"/>
             <p14:sldId id="326"/>
             <p14:sldId id="327"/>
@@ -191,8 +191,10 @@
             <p14:sldId id="331"/>
             <p14:sldId id="316"/>
             <p14:sldId id="333"/>
+            <p14:sldId id="338"/>
             <p14:sldId id="301"/>
             <p14:sldId id="302"/>
+            <p14:sldId id="336"/>
             <p14:sldId id="303"/>
             <p14:sldId id="304"/>
           </p14:sldIdLst>
@@ -214,7 +216,7 @@
       </p14:sectionLst>
     </p:ext>
     <p:ext uri="{EFAFB233-063F-42B5-8137-9DF3F51BA10A}">
-      <p15:sldGuideLst xmlns="" xmlns:p15="http://schemas.microsoft.com/office/powerpoint/2012/main">
+      <p15:sldGuideLst xmlns:p15="http://schemas.microsoft.com/office/powerpoint/2012/main" xmlns="">
         <p15:guide id="1" orient="horz" pos="618" userDrawn="1">
           <p15:clr>
             <a:srgbClr val="A4A3A4"/>
@@ -313,7 +315,7 @@
           <a:p>
             <a:fld id="{48202444-3DC1-4369-B2A8-A46D63EF03AF}" type="datetimeFigureOut">
               <a:rPr kumimoji="1" lang="ja-JP" altLang="en-US" smtClean="0"/>
-              <a:t>20/07/13</a:t>
+              <a:t>20/07/17</a:t>
             </a:fld>
             <a:endParaRPr kumimoji="1" lang="ja-JP" altLang="en-US" dirty="0"/>
           </a:p>
@@ -1375,7 +1377,7 @@
           <p:cNvPr id="4" name="テキスト ボックス 3">
             <a:extLst>
               <a:ext uri="{FF2B5EF4-FFF2-40B4-BE49-F238E27FC236}">
-                <a16:creationId xmlns="" xmlns:a16="http://schemas.microsoft.com/office/drawing/2014/main" id="{67580315-9F96-42B0-ABA0-F43C4B2090BD}"/>
+                <a16:creationId xmlns:a16="http://schemas.microsoft.com/office/drawing/2014/main" xmlns="" id="{67580315-9F96-42B0-ABA0-F43C4B2090BD}"/>
               </a:ext>
             </a:extLst>
           </p:cNvPr>
@@ -1870,7 +1872,7 @@
           <p:cNvPr id="4" name="スライド番号プレースホルダー 3">
             <a:extLst>
               <a:ext uri="{FF2B5EF4-FFF2-40B4-BE49-F238E27FC236}">
-                <a16:creationId xmlns="" xmlns:a16="http://schemas.microsoft.com/office/drawing/2014/main" id="{A5CC420E-D7F4-4D68-B2C4-D24762D228BA}"/>
+                <a16:creationId xmlns:a16="http://schemas.microsoft.com/office/drawing/2014/main" xmlns="" id="{A5CC420E-D7F4-4D68-B2C4-D24762D228BA}"/>
               </a:ext>
             </a:extLst>
           </p:cNvPr>
@@ -1908,7 +1910,7 @@
           <p:cNvPr id="11" name="タイトル 1">
             <a:extLst>
               <a:ext uri="{FF2B5EF4-FFF2-40B4-BE49-F238E27FC236}">
-                <a16:creationId xmlns="" xmlns:a16="http://schemas.microsoft.com/office/drawing/2014/main" id="{E4AF4681-D5FB-4218-8582-63DB061BE28D}"/>
+                <a16:creationId xmlns:a16="http://schemas.microsoft.com/office/drawing/2014/main" xmlns="" id="{E4AF4681-D5FB-4218-8582-63DB061BE28D}"/>
               </a:ext>
             </a:extLst>
           </p:cNvPr>
@@ -2030,7 +2032,7 @@
           <p:cNvPr id="12" name="字幕 2">
             <a:extLst>
               <a:ext uri="{FF2B5EF4-FFF2-40B4-BE49-F238E27FC236}">
-                <a16:creationId xmlns="" xmlns:a16="http://schemas.microsoft.com/office/drawing/2014/main" id="{BAF3AF88-ED06-420F-8797-BE945A07A602}"/>
+                <a16:creationId xmlns:a16="http://schemas.microsoft.com/office/drawing/2014/main" xmlns="" id="{BAF3AF88-ED06-420F-8797-BE945A07A602}"/>
               </a:ext>
             </a:extLst>
           </p:cNvPr>
@@ -2282,7 +2284,7 @@
           <p:cNvPr id="13" name="テキスト ボックス 12">
             <a:extLst>
               <a:ext uri="{FF2B5EF4-FFF2-40B4-BE49-F238E27FC236}">
-                <a16:creationId xmlns="" xmlns:a16="http://schemas.microsoft.com/office/drawing/2014/main" id="{D39BF917-30E9-4717-8D36-97A5579E8E62}"/>
+                <a16:creationId xmlns:a16="http://schemas.microsoft.com/office/drawing/2014/main" xmlns="" id="{D39BF917-30E9-4717-8D36-97A5579E8E62}"/>
               </a:ext>
             </a:extLst>
           </p:cNvPr>
@@ -2435,7 +2437,7 @@
           <p:cNvPr id="2" name="タイトル 1">
             <a:extLst>
               <a:ext uri="{FF2B5EF4-FFF2-40B4-BE49-F238E27FC236}">
-                <a16:creationId xmlns="" xmlns:a16="http://schemas.microsoft.com/office/drawing/2014/main" id="{41FAA20E-7C33-4452-B000-1315C6D7BF74}"/>
+                <a16:creationId xmlns:a16="http://schemas.microsoft.com/office/drawing/2014/main" xmlns="" id="{41FAA20E-7C33-4452-B000-1315C6D7BF74}"/>
               </a:ext>
             </a:extLst>
           </p:cNvPr>
@@ -2468,7 +2470,7 @@
           <p:cNvPr id="3" name="コンテンツ プレースホルダー 2">
             <a:extLst>
               <a:ext uri="{FF2B5EF4-FFF2-40B4-BE49-F238E27FC236}">
-                <a16:creationId xmlns="" xmlns:a16="http://schemas.microsoft.com/office/drawing/2014/main" id="{24173F00-B91E-440E-BAD4-BB493A21AC4B}"/>
+                <a16:creationId xmlns:a16="http://schemas.microsoft.com/office/drawing/2014/main" xmlns="" id="{24173F00-B91E-440E-BAD4-BB493A21AC4B}"/>
               </a:ext>
             </a:extLst>
           </p:cNvPr>
@@ -2569,7 +2571,7 @@
           <p:cNvPr id="4" name="スライド番号プレースホルダー 3">
             <a:extLst>
               <a:ext uri="{FF2B5EF4-FFF2-40B4-BE49-F238E27FC236}">
-                <a16:creationId xmlns="" xmlns:a16="http://schemas.microsoft.com/office/drawing/2014/main" id="{3A64CE71-C252-41E0-98BA-363CD7954AFC}"/>
+                <a16:creationId xmlns:a16="http://schemas.microsoft.com/office/drawing/2014/main" xmlns="" id="{3A64CE71-C252-41E0-98BA-363CD7954AFC}"/>
               </a:ext>
             </a:extLst>
           </p:cNvPr>
@@ -3055,7 +3057,40 @@
               <a:buAutoNum type="arabicPeriod"/>
             </a:pPr>
             <a:r>
+              <a:rPr lang="en-US" altLang="ja-JP" dirty="0">
+                <a:solidFill>
+                  <a:schemeClr val="bg1">
+                    <a:lumMod val="75000"/>
+                  </a:schemeClr>
+                </a:solidFill>
+              </a:rPr>
+              <a:t>CMS </a:t>
+            </a:r>
+            <a:r>
               <a:rPr lang="ja-JP" altLang="en-US" dirty="0">
+                <a:solidFill>
+                  <a:schemeClr val="bg1">
+                    <a:lumMod val="75000"/>
+                  </a:schemeClr>
+                </a:solidFill>
+              </a:rPr>
+              <a:t>デプロイ</a:t>
+            </a:r>
+            <a:endParaRPr lang="en-US" altLang="ja-JP" dirty="0">
+              <a:solidFill>
+                <a:schemeClr val="bg1">
+                  <a:lumMod val="75000"/>
+                </a:schemeClr>
+              </a:solidFill>
+            </a:endParaRPr>
+          </a:p>
+          <a:p>
+            <a:pPr>
+              <a:buFont typeface="+mj-lt"/>
+              <a:buAutoNum type="arabicPeriod"/>
+            </a:pPr>
+            <a:r>
+              <a:rPr lang="ja-JP" altLang="en-US" dirty="0" smtClean="0">
                 <a:solidFill>
                   <a:srgbClr val="BFBFBF"/>
                 </a:solidFill>
@@ -3406,7 +3441,7 @@
           <p:cNvPr id="2" name="タイトル 1">
             <a:extLst>
               <a:ext uri="{FF2B5EF4-FFF2-40B4-BE49-F238E27FC236}">
-                <a16:creationId xmlns="" xmlns:a16="http://schemas.microsoft.com/office/drawing/2014/main" id="{41FAA20E-7C33-4452-B000-1315C6D7BF74}"/>
+                <a16:creationId xmlns:a16="http://schemas.microsoft.com/office/drawing/2014/main" xmlns="" id="{42238E76-FCE3-4A31-BD81-2D6CADD01B29}"/>
               </a:ext>
             </a:extLst>
           </p:cNvPr>
@@ -3439,655 +3474,7 @@
           <p:cNvPr id="3" name="コンテンツ プレースホルダー 2">
             <a:extLst>
               <a:ext uri="{FF2B5EF4-FFF2-40B4-BE49-F238E27FC236}">
-                <a16:creationId xmlns="" xmlns:a16="http://schemas.microsoft.com/office/drawing/2014/main" id="{24173F00-B91E-440E-BAD4-BB493A21AC4B}"/>
-              </a:ext>
-            </a:extLst>
-          </p:cNvPr>
-          <p:cNvSpPr>
-            <a:spLocks noGrp="1"/>
-          </p:cNvSpPr>
-          <p:nvPr>
-            <p:ph idx="1"/>
-          </p:nvPr>
-        </p:nvSpPr>
-        <p:spPr>
-          <a:xfrm>
-            <a:off x="3091999" y="544351"/>
-            <a:ext cx="8936179" cy="5865531"/>
-          </a:xfrm>
-        </p:spPr>
-        <p:txBody>
-          <a:bodyPr/>
-          <a:lstStyle/>
-          <a:p>
-            <a:pPr lvl="1">
-              <a:buFont typeface="+mj-lt"/>
-              <a:buAutoNum type="arabicPeriod" startAt="3"/>
-            </a:pPr>
-            <a:r>
-              <a:rPr lang="ja-JP" altLang="en-US" dirty="0" smtClean="0"/>
-              <a:t>「</a:t>
-            </a:r>
-            <a:r>
-              <a:rPr lang="en-US" altLang="ja-JP" dirty="0" smtClean="0"/>
-              <a:t>msaralbum</a:t>
-            </a:r>
-            <a:r>
-              <a:rPr lang="ja-JP" altLang="en-US" dirty="0" smtClean="0"/>
-              <a:t>」テーブルに</a:t>
-            </a:r>
-            <a:endParaRPr lang="en-US" altLang="ja-JP" dirty="0" smtClean="0"/>
-          </a:p>
-        </p:txBody>
-      </p:sp>
-      <p:sp>
-        <p:nvSpPr>
-          <p:cNvPr id="4" name="スライド番号プレースホルダー 3">
-            <a:extLst>
-              <a:ext uri="{FF2B5EF4-FFF2-40B4-BE49-F238E27FC236}">
-                <a16:creationId xmlns="" xmlns:a16="http://schemas.microsoft.com/office/drawing/2014/main" id="{3A64CE71-C252-41E0-98BA-363CD7954AFC}"/>
-              </a:ext>
-            </a:extLst>
-          </p:cNvPr>
-          <p:cNvSpPr>
-            <a:spLocks noGrp="1"/>
-          </p:cNvSpPr>
-          <p:nvPr>
-            <p:ph type="sldNum" sz="quarter" idx="12"/>
-          </p:nvPr>
-        </p:nvSpPr>
-        <p:spPr/>
-        <p:txBody>
-          <a:bodyPr/>
-          <a:lstStyle/>
-          <a:p>
-            <a:fld id="{FC7FC04C-4975-46EC-A609-F7DE0D5B1B51}" type="slidenum">
-              <a:rPr kumimoji="1" lang="ja-JP" altLang="en-US" smtClean="0"/>
-              <a:pPr/>
-              <a:t>12</a:t>
-            </a:fld>
-            <a:endParaRPr kumimoji="1" lang="ja-JP" altLang="en-US" dirty="0"/>
-          </a:p>
-        </p:txBody>
-      </p:sp>
-      <p:cxnSp>
-        <p:nvCxnSpPr>
-          <p:cNvPr id="8" name="直線コネクタ 7"/>
-          <p:cNvCxnSpPr/>
-          <p:nvPr/>
-        </p:nvCxnSpPr>
-        <p:spPr>
-          <a:xfrm>
-            <a:off x="3064392" y="607452"/>
-            <a:ext cx="0" cy="5867439"/>
-          </a:xfrm>
-          <a:prstGeom prst="line">
-            <a:avLst/>
-          </a:prstGeom>
-          <a:ln>
-            <a:solidFill>
-              <a:srgbClr val="13A0E7"/>
-            </a:solidFill>
-          </a:ln>
-        </p:spPr>
-        <p:style>
-          <a:lnRef idx="2">
-            <a:schemeClr val="accent1"/>
-          </a:lnRef>
-          <a:fillRef idx="0">
-            <a:schemeClr val="accent1"/>
-          </a:fillRef>
-          <a:effectRef idx="1">
-            <a:schemeClr val="accent1"/>
-          </a:effectRef>
-          <a:fontRef idx="minor">
-            <a:schemeClr val="tx1"/>
-          </a:fontRef>
-        </p:style>
-      </p:cxnSp>
-      <p:sp>
-        <p:nvSpPr>
-          <p:cNvPr id="10" name="コンテンツ プレースホルダー 2"/>
-          <p:cNvSpPr txBox="1">
-            <a:spLocks/>
-          </p:cNvSpPr>
-          <p:nvPr/>
-        </p:nvSpPr>
-        <p:spPr>
-          <a:xfrm>
-            <a:off x="275150" y="548855"/>
-            <a:ext cx="2761636" cy="5926035"/>
-          </a:xfrm>
-          <a:prstGeom prst="rect">
-            <a:avLst/>
-          </a:prstGeom>
-        </p:spPr>
-        <p:txBody>
-          <a:bodyPr numCol="1"/>
-          <a:lstStyle>
-            <a:lvl1pPr marL="342900" indent="-342900" algn="l" defTabSz="457200" rtl="0" eaLnBrk="1" latinLnBrk="0" hangingPunct="1">
-              <a:spcBef>
-                <a:spcPts val="1000"/>
-              </a:spcBef>
-              <a:spcAft>
-                <a:spcPts val="0"/>
-              </a:spcAft>
-              <a:buClr>
-                <a:srgbClr val="00A0E7"/>
-              </a:buClr>
-              <a:buFont typeface="Wingdings" panose="05000000000000000000" pitchFamily="2" charset="2"/>
-              <a:buChar char="Ø"/>
-              <a:defRPr kumimoji="1" sz="1800" kern="1200">
-                <a:solidFill>
-                  <a:schemeClr val="tx1">
-                    <a:lumMod val="75000"/>
-                    <a:lumOff val="25000"/>
-                  </a:schemeClr>
-                </a:solidFill>
-                <a:latin typeface="+mn-lt"/>
-                <a:ea typeface="+mn-ea"/>
-                <a:cs typeface="+mn-cs"/>
-              </a:defRPr>
-            </a:lvl1pPr>
-            <a:lvl2pPr marL="800100" indent="-342900" algn="l" defTabSz="457200" rtl="0" eaLnBrk="1" latinLnBrk="0" hangingPunct="1">
-              <a:spcBef>
-                <a:spcPts val="1000"/>
-              </a:spcBef>
-              <a:spcAft>
-                <a:spcPts val="0"/>
-              </a:spcAft>
-              <a:buClr>
-                <a:srgbClr val="00A0E7"/>
-              </a:buClr>
-              <a:buFont typeface="Wingdings" panose="05000000000000000000" pitchFamily="2" charset="2"/>
-              <a:buChar char="Ø"/>
-              <a:defRPr kumimoji="1" sz="1600" kern="1200">
-                <a:solidFill>
-                  <a:schemeClr val="tx1">
-                    <a:lumMod val="75000"/>
-                    <a:lumOff val="25000"/>
-                  </a:schemeClr>
-                </a:solidFill>
-                <a:latin typeface="+mn-lt"/>
-                <a:ea typeface="+mn-ea"/>
-                <a:cs typeface="+mn-cs"/>
-              </a:defRPr>
-            </a:lvl2pPr>
-            <a:lvl3pPr marL="1257300" indent="-342900" algn="l" defTabSz="457200" rtl="0" eaLnBrk="1" latinLnBrk="0" hangingPunct="1">
-              <a:spcBef>
-                <a:spcPts val="1000"/>
-              </a:spcBef>
-              <a:spcAft>
-                <a:spcPts val="0"/>
-              </a:spcAft>
-              <a:buClr>
-                <a:srgbClr val="00A0E7"/>
-              </a:buClr>
-              <a:buFont typeface="Wingdings" panose="05000000000000000000" pitchFamily="2" charset="2"/>
-              <a:buChar char="Ø"/>
-              <a:defRPr kumimoji="1" sz="1400" kern="1200">
-                <a:solidFill>
-                  <a:schemeClr val="tx1">
-                    <a:lumMod val="75000"/>
-                    <a:lumOff val="25000"/>
-                  </a:schemeClr>
-                </a:solidFill>
-                <a:latin typeface="+mn-lt"/>
-                <a:ea typeface="+mn-ea"/>
-                <a:cs typeface="+mn-cs"/>
-              </a:defRPr>
-            </a:lvl3pPr>
-            <a:lvl4pPr marL="1600200" indent="-228600" algn="l" defTabSz="457200" rtl="0" eaLnBrk="1" latinLnBrk="0" hangingPunct="1">
-              <a:spcBef>
-                <a:spcPts val="1000"/>
-              </a:spcBef>
-              <a:spcAft>
-                <a:spcPts val="0"/>
-              </a:spcAft>
-              <a:buClr>
-                <a:srgbClr val="00A0E7"/>
-              </a:buClr>
-              <a:buFont typeface="Wingdings" panose="05000000000000000000" pitchFamily="2" charset="2"/>
-              <a:buChar char="Ø"/>
-              <a:defRPr kumimoji="1" sz="1200" kern="1200">
-                <a:solidFill>
-                  <a:schemeClr val="tx1">
-                    <a:lumMod val="75000"/>
-                    <a:lumOff val="25000"/>
-                  </a:schemeClr>
-                </a:solidFill>
-                <a:latin typeface="+mn-lt"/>
-                <a:ea typeface="+mn-ea"/>
-                <a:cs typeface="+mn-cs"/>
-              </a:defRPr>
-            </a:lvl4pPr>
-            <a:lvl5pPr marL="2057400" indent="-228600" algn="l" defTabSz="457200" rtl="0" eaLnBrk="1" latinLnBrk="0" hangingPunct="1">
-              <a:spcBef>
-                <a:spcPts val="1000"/>
-              </a:spcBef>
-              <a:spcAft>
-                <a:spcPts val="0"/>
-              </a:spcAft>
-              <a:buClr>
-                <a:srgbClr val="00A0E7"/>
-              </a:buClr>
-              <a:buFont typeface="Wingdings" panose="05000000000000000000" pitchFamily="2" charset="2"/>
-              <a:buChar char="Ø"/>
-              <a:defRPr kumimoji="1" sz="1200" kern="1200">
-                <a:solidFill>
-                  <a:schemeClr val="tx1">
-                    <a:lumMod val="75000"/>
-                    <a:lumOff val="25000"/>
-                  </a:schemeClr>
-                </a:solidFill>
-                <a:latin typeface="+mn-lt"/>
-                <a:ea typeface="+mn-ea"/>
-                <a:cs typeface="+mn-cs"/>
-              </a:defRPr>
-            </a:lvl5pPr>
-            <a:lvl6pPr marL="2514600" indent="-228600" algn="l" defTabSz="457200" rtl="0" eaLnBrk="1" latinLnBrk="0" hangingPunct="1">
-              <a:spcBef>
-                <a:spcPts val="1000"/>
-              </a:spcBef>
-              <a:spcAft>
-                <a:spcPts val="0"/>
-              </a:spcAft>
-              <a:buClr>
-                <a:schemeClr val="accent1"/>
-              </a:buClr>
-              <a:buFont typeface="Wingdings 3" charset="2"/>
-              <a:buChar char=""/>
-              <a:defRPr kumimoji="1" sz="1200" kern="1200">
-                <a:solidFill>
-                  <a:schemeClr val="tx1">
-                    <a:lumMod val="75000"/>
-                    <a:lumOff val="25000"/>
-                  </a:schemeClr>
-                </a:solidFill>
-                <a:latin typeface="+mn-lt"/>
-                <a:ea typeface="+mn-ea"/>
-                <a:cs typeface="+mn-cs"/>
-              </a:defRPr>
-            </a:lvl6pPr>
-            <a:lvl7pPr marL="2971800" indent="-228600" algn="l" defTabSz="457200" rtl="0" eaLnBrk="1" latinLnBrk="0" hangingPunct="1">
-              <a:spcBef>
-                <a:spcPts val="1000"/>
-              </a:spcBef>
-              <a:spcAft>
-                <a:spcPts val="0"/>
-              </a:spcAft>
-              <a:buClr>
-                <a:schemeClr val="accent1"/>
-              </a:buClr>
-              <a:buFont typeface="Wingdings 3" charset="2"/>
-              <a:buChar char=""/>
-              <a:defRPr kumimoji="1" sz="1200" kern="1200">
-                <a:solidFill>
-                  <a:schemeClr val="tx1">
-                    <a:lumMod val="75000"/>
-                    <a:lumOff val="25000"/>
-                  </a:schemeClr>
-                </a:solidFill>
-                <a:latin typeface="+mn-lt"/>
-                <a:ea typeface="+mn-ea"/>
-                <a:cs typeface="+mn-cs"/>
-              </a:defRPr>
-            </a:lvl7pPr>
-            <a:lvl8pPr marL="3429000" indent="-228600" algn="l" defTabSz="457200" rtl="0" eaLnBrk="1" latinLnBrk="0" hangingPunct="1">
-              <a:spcBef>
-                <a:spcPts val="1000"/>
-              </a:spcBef>
-              <a:spcAft>
-                <a:spcPts val="0"/>
-              </a:spcAft>
-              <a:buClr>
-                <a:schemeClr val="accent1"/>
-              </a:buClr>
-              <a:buFont typeface="Wingdings 3" charset="2"/>
-              <a:buChar char=""/>
-              <a:defRPr kumimoji="1" sz="1200" kern="1200">
-                <a:solidFill>
-                  <a:schemeClr val="tx1">
-                    <a:lumMod val="75000"/>
-                    <a:lumOff val="25000"/>
-                  </a:schemeClr>
-                </a:solidFill>
-                <a:latin typeface="+mn-lt"/>
-                <a:ea typeface="+mn-ea"/>
-                <a:cs typeface="+mn-cs"/>
-              </a:defRPr>
-            </a:lvl8pPr>
-            <a:lvl9pPr marL="3886200" indent="-228600" algn="l" defTabSz="457200" rtl="0" eaLnBrk="1" latinLnBrk="0" hangingPunct="1">
-              <a:spcBef>
-                <a:spcPts val="1000"/>
-              </a:spcBef>
-              <a:spcAft>
-                <a:spcPts val="0"/>
-              </a:spcAft>
-              <a:buClr>
-                <a:schemeClr val="accent1"/>
-              </a:buClr>
-              <a:buFont typeface="Wingdings 3" charset="2"/>
-              <a:buChar char=""/>
-              <a:defRPr kumimoji="1" sz="1200" kern="1200">
-                <a:solidFill>
-                  <a:schemeClr val="tx1">
-                    <a:lumMod val="75000"/>
-                    <a:lumOff val="25000"/>
-                  </a:schemeClr>
-                </a:solidFill>
-                <a:latin typeface="+mn-lt"/>
-                <a:ea typeface="+mn-ea"/>
-                <a:cs typeface="+mn-cs"/>
-              </a:defRPr>
-            </a:lvl9pPr>
-          </a:lstStyle>
-          <a:p>
-            <a:pPr marL="0" indent="0">
-              <a:buNone/>
-            </a:pPr>
-            <a:r>
-              <a:rPr lang="ja-JP" altLang="en-US" dirty="0"/>
-              <a:t>環境</a:t>
-            </a:r>
-            <a:r>
-              <a:rPr lang="ja-JP" altLang="en-US" dirty="0" smtClean="0"/>
-              <a:t>構築手順</a:t>
-            </a:r>
-            <a:endParaRPr lang="en-US" altLang="ja-JP" dirty="0" smtClean="0"/>
-          </a:p>
-          <a:p>
-            <a:pPr>
-              <a:buFont typeface="+mj-lt"/>
-              <a:buAutoNum type="arabicPeriod"/>
-            </a:pPr>
-            <a:r>
-              <a:rPr lang="en-US" altLang="ja-JP" dirty="0" smtClean="0"/>
-              <a:t>AWS</a:t>
-            </a:r>
-            <a:r>
-              <a:rPr lang="ja-JP" altLang="en-US" dirty="0" smtClean="0"/>
-              <a:t>リソース</a:t>
-            </a:r>
-            <a:endParaRPr lang="en-US" altLang="ja-JP" dirty="0" smtClean="0"/>
-          </a:p>
-          <a:p>
-            <a:pPr lvl="1">
-              <a:buFont typeface="+mj-lt"/>
-              <a:buAutoNum type="arabicPeriod"/>
-            </a:pPr>
-            <a:r>
-              <a:rPr lang="en-US" altLang="ja-JP" dirty="0">
-                <a:solidFill>
-                  <a:srgbClr val="00A0E7"/>
-                </a:solidFill>
-              </a:rPr>
-              <a:t>DynamoDB</a:t>
-            </a:r>
-          </a:p>
-          <a:p>
-            <a:pPr lvl="1">
-              <a:buFont typeface="+mj-lt"/>
-              <a:buAutoNum type="arabicPeriod"/>
-            </a:pPr>
-            <a:r>
-              <a:rPr lang="en-US" altLang="ja-JP" dirty="0">
-                <a:solidFill>
-                  <a:srgbClr val="BFBFBF"/>
-                </a:solidFill>
-              </a:rPr>
-              <a:t>IAM (</a:t>
-            </a:r>
-            <a:r>
-              <a:rPr lang="en-US" altLang="ja-JP" dirty="0" smtClean="0">
-                <a:solidFill>
-                  <a:srgbClr val="BFBFBF"/>
-                </a:solidFill>
-              </a:rPr>
-              <a:t>Role, Policy)</a:t>
-            </a:r>
-            <a:endParaRPr lang="en-US" altLang="ja-JP" dirty="0">
-              <a:solidFill>
-                <a:srgbClr val="BFBFBF"/>
-              </a:solidFill>
-            </a:endParaRPr>
-          </a:p>
-          <a:p>
-            <a:pPr lvl="1">
-              <a:buFont typeface="+mj-lt"/>
-              <a:buAutoNum type="arabicPeriod"/>
-            </a:pPr>
-            <a:r>
-              <a:rPr lang="en-US" altLang="ja-JP" dirty="0" smtClean="0">
-                <a:solidFill>
-                  <a:srgbClr val="BFBFBF"/>
-                </a:solidFill>
-              </a:rPr>
-              <a:t>Lambda</a:t>
-            </a:r>
-          </a:p>
-          <a:p>
-            <a:pPr lvl="1">
-              <a:buFont typeface="+mj-lt"/>
-              <a:buAutoNum type="arabicPeriod"/>
-            </a:pPr>
-            <a:r>
-              <a:rPr lang="en-US" altLang="ja-JP" dirty="0" smtClean="0">
-                <a:solidFill>
-                  <a:schemeClr val="bg1">
-                    <a:lumMod val="75000"/>
-                  </a:schemeClr>
-                </a:solidFill>
-              </a:rPr>
-              <a:t>API Gateway</a:t>
-            </a:r>
-          </a:p>
-          <a:p>
-            <a:pPr lvl="1">
-              <a:buFont typeface="+mj-lt"/>
-              <a:buAutoNum type="arabicPeriod"/>
-            </a:pPr>
-            <a:r>
-              <a:rPr lang="en-US" altLang="ja-JP" dirty="0" smtClean="0">
-                <a:solidFill>
-                  <a:srgbClr val="BFBFBF"/>
-                </a:solidFill>
-              </a:rPr>
-              <a:t>S3</a:t>
-            </a:r>
-          </a:p>
-          <a:p>
-            <a:pPr lvl="1">
-              <a:buFont typeface="+mj-lt"/>
-              <a:buAutoNum type="arabicPeriod"/>
-            </a:pPr>
-            <a:r>
-              <a:rPr lang="en-US" altLang="ja-JP" dirty="0" smtClean="0">
-                <a:solidFill>
-                  <a:srgbClr val="BFBFBF"/>
-                </a:solidFill>
-              </a:rPr>
-              <a:t>CloudFront</a:t>
-            </a:r>
-          </a:p>
-          <a:p>
-            <a:pPr lvl="1">
-              <a:buFont typeface="+mj-lt"/>
-              <a:buAutoNum type="arabicPeriod"/>
-            </a:pPr>
-            <a:r>
-              <a:rPr lang="en-US" altLang="ja-JP" dirty="0" smtClean="0">
-                <a:solidFill>
-                  <a:srgbClr val="BFBFBF"/>
-                </a:solidFill>
-              </a:rPr>
-              <a:t>WAF &amp; Shields</a:t>
-            </a:r>
-          </a:p>
-          <a:p>
-            <a:pPr lvl="1">
-              <a:buFont typeface="+mj-lt"/>
-              <a:buAutoNum type="arabicPeriod"/>
-            </a:pPr>
-            <a:r>
-              <a:rPr lang="en-US" altLang="ja-JP" dirty="0" smtClean="0">
-                <a:solidFill>
-                  <a:srgbClr val="BFBFBF"/>
-                </a:solidFill>
-              </a:rPr>
-              <a:t>EC2</a:t>
-            </a:r>
-          </a:p>
-          <a:p>
-            <a:pPr>
-              <a:buFont typeface="+mj-lt"/>
-              <a:buAutoNum type="arabicPeriod"/>
-            </a:pPr>
-            <a:r>
-              <a:rPr lang="en-US" altLang="ja-JP" dirty="0" smtClean="0">
-                <a:solidFill>
-                  <a:srgbClr val="BFBFBF"/>
-                </a:solidFill>
-              </a:rPr>
-              <a:t>API </a:t>
-            </a:r>
-            <a:r>
-              <a:rPr lang="ja-JP" altLang="en-US" dirty="0" smtClean="0">
-                <a:solidFill>
-                  <a:srgbClr val="BFBFBF"/>
-                </a:solidFill>
-              </a:rPr>
-              <a:t>デプロイ</a:t>
-            </a:r>
-            <a:endParaRPr lang="en-US" altLang="ja-JP" dirty="0">
-              <a:solidFill>
-                <a:srgbClr val="BFBFBF"/>
-              </a:solidFill>
-            </a:endParaRPr>
-          </a:p>
-          <a:p>
-            <a:pPr>
-              <a:buFont typeface="+mj-lt"/>
-              <a:buAutoNum type="arabicPeriod"/>
-            </a:pPr>
-            <a:r>
-              <a:rPr lang="ja-JP" altLang="en-US" dirty="0">
-                <a:solidFill>
-                  <a:srgbClr val="BFBFBF"/>
-                </a:solidFill>
-              </a:rPr>
-              <a:t>コンテンツ</a:t>
-            </a:r>
-            <a:r>
-              <a:rPr lang="ja-JP" altLang="en-US" dirty="0" smtClean="0">
-                <a:solidFill>
-                  <a:srgbClr val="BFBFBF"/>
-                </a:solidFill>
-              </a:rPr>
-              <a:t>登録</a:t>
-            </a:r>
-            <a:endParaRPr lang="en-US" altLang="ja-JP" dirty="0" smtClean="0">
-              <a:solidFill>
-                <a:srgbClr val="BFBFBF"/>
-              </a:solidFill>
-            </a:endParaRPr>
-          </a:p>
-          <a:p>
-            <a:pPr marL="0" indent="0">
-              <a:buNone/>
-            </a:pPr>
-            <a:r>
-              <a:rPr lang="ja-JP" altLang="en-US" dirty="0" smtClean="0">
-                <a:solidFill>
-                  <a:srgbClr val="BFBFBF"/>
-                </a:solidFill>
-              </a:rPr>
-              <a:t>以上</a:t>
-            </a:r>
-            <a:endParaRPr lang="en-US" altLang="ja-JP" dirty="0" smtClean="0">
-              <a:solidFill>
-                <a:srgbClr val="BFBFBF"/>
-              </a:solidFill>
-            </a:endParaRPr>
-          </a:p>
-        </p:txBody>
-      </p:sp>
-    </p:spTree>
-    <p:extLst>
-      <p:ext uri="{BB962C8B-B14F-4D97-AF65-F5344CB8AC3E}">
-        <p14:creationId xmlns:p14="http://schemas.microsoft.com/office/powerpoint/2010/main" val="3571835532"/>
-      </p:ext>
-    </p:extLst>
-  </p:cSld>
-  <p:clrMapOvr>
-    <a:masterClrMapping/>
-  </p:clrMapOvr>
-  <p:timing>
-    <p:tnLst>
-      <p:par>
-        <p:cTn xmlns:p14="http://schemas.microsoft.com/office/powerpoint/2010/main" id="1" dur="indefinite" restart="never" nodeType="tmRoot"/>
-      </p:par>
-    </p:tnLst>
-  </p:timing>
-</p:sld>
-</file>
-
-<file path=ppt/slides/slide13.xml><?xml version="1.0" encoding="utf-8"?>
-<p:sld xmlns:a="http://schemas.openxmlformats.org/drawingml/2006/main" xmlns:r="http://schemas.openxmlformats.org/officeDocument/2006/relationships" xmlns:p="http://schemas.openxmlformats.org/presentationml/2006/main">
-  <p:cSld>
-    <p:spTree>
-      <p:nvGrpSpPr>
-        <p:cNvPr id="1" name=""/>
-        <p:cNvGrpSpPr/>
-        <p:nvPr/>
-      </p:nvGrpSpPr>
-      <p:grpSpPr>
-        <a:xfrm>
-          <a:off x="0" y="0"/>
-          <a:ext cx="0" cy="0"/>
-          <a:chOff x="0" y="0"/>
-          <a:chExt cx="0" cy="0"/>
-        </a:xfrm>
-      </p:grpSpPr>
-      <p:sp>
-        <p:nvSpPr>
-          <p:cNvPr id="2" name="タイトル 1">
-            <a:extLst>
-              <a:ext uri="{FF2B5EF4-FFF2-40B4-BE49-F238E27FC236}">
-                <a16:creationId xmlns="" xmlns:a16="http://schemas.microsoft.com/office/drawing/2014/main" id="{42238E76-FCE3-4A31-BD81-2D6CADD01B29}"/>
-              </a:ext>
-            </a:extLst>
-          </p:cNvPr>
-          <p:cNvSpPr>
-            <a:spLocks noGrp="1"/>
-          </p:cNvSpPr>
-          <p:nvPr>
-            <p:ph type="title"/>
-          </p:nvPr>
-        </p:nvSpPr>
-        <p:spPr/>
-        <p:txBody>
-          <a:bodyPr/>
-          <a:lstStyle/>
-          <a:p>
-            <a:r>
-              <a:rPr lang="en-US" altLang="ja-JP" dirty="0" smtClean="0"/>
-              <a:t>AWS</a:t>
-            </a:r>
-            <a:r>
-              <a:rPr lang="ja-JP" altLang="en-US" dirty="0" smtClean="0"/>
-              <a:t>設定</a:t>
-            </a:r>
-            <a:endParaRPr kumimoji="1" lang="ja-JP" altLang="en-US" dirty="0"/>
-          </a:p>
-        </p:txBody>
-      </p:sp>
-      <p:sp>
-        <p:nvSpPr>
-          <p:cNvPr id="3" name="コンテンツ プレースホルダー 2">
-            <a:extLst>
-              <a:ext uri="{FF2B5EF4-FFF2-40B4-BE49-F238E27FC236}">
-                <a16:creationId xmlns="" xmlns:a16="http://schemas.microsoft.com/office/drawing/2014/main" id="{8942456B-0BBA-47AC-A7AE-AC486DDE0560}"/>
+                <a16:creationId xmlns:a16="http://schemas.microsoft.com/office/drawing/2014/main" xmlns="" id="{8942456B-0BBA-47AC-A7AE-AC486DDE0560}"/>
               </a:ext>
             </a:extLst>
           </p:cNvPr>
@@ -4226,7 +3613,7 @@
           <p:cNvPr id="4" name="スライド番号プレースホルダー 3">
             <a:extLst>
               <a:ext uri="{FF2B5EF4-FFF2-40B4-BE49-F238E27FC236}">
-                <a16:creationId xmlns="" xmlns:a16="http://schemas.microsoft.com/office/drawing/2014/main" id="{9BFAADB9-E460-4E56-A164-AAFA9F53D091}"/>
+                <a16:creationId xmlns:a16="http://schemas.microsoft.com/office/drawing/2014/main" xmlns="" id="{9BFAADB9-E460-4E56-A164-AAFA9F53D091}"/>
               </a:ext>
             </a:extLst>
           </p:cNvPr>
@@ -4245,7 +3632,7 @@
             <a:fld id="{FC7FC04C-4975-46EC-A609-F7DE0D5B1B51}" type="slidenum">
               <a:rPr kumimoji="1" lang="ja-JP" altLang="en-US" smtClean="0"/>
               <a:pPr/>
-              <a:t>13</a:t>
+              <a:t>12</a:t>
             </a:fld>
             <a:endParaRPr kumimoji="1" lang="ja-JP" altLang="en-US" dirty="0"/>
           </a:p>
@@ -4714,7 +4101,40 @@
               <a:buAutoNum type="arabicPeriod"/>
             </a:pPr>
             <a:r>
+              <a:rPr lang="en-US" altLang="ja-JP" dirty="0">
+                <a:solidFill>
+                  <a:schemeClr val="bg1">
+                    <a:lumMod val="75000"/>
+                  </a:schemeClr>
+                </a:solidFill>
+              </a:rPr>
+              <a:t>CMS </a:t>
+            </a:r>
+            <a:r>
               <a:rPr lang="ja-JP" altLang="en-US" dirty="0">
+                <a:solidFill>
+                  <a:schemeClr val="bg1">
+                    <a:lumMod val="75000"/>
+                  </a:schemeClr>
+                </a:solidFill>
+              </a:rPr>
+              <a:t>デプロイ</a:t>
+            </a:r>
+            <a:endParaRPr lang="en-US" altLang="ja-JP" dirty="0">
+              <a:solidFill>
+                <a:schemeClr val="bg1">
+                  <a:lumMod val="75000"/>
+                </a:schemeClr>
+              </a:solidFill>
+            </a:endParaRPr>
+          </a:p>
+          <a:p>
+            <a:pPr>
+              <a:buFont typeface="+mj-lt"/>
+              <a:buAutoNum type="arabicPeriod"/>
+            </a:pPr>
+            <a:r>
+              <a:rPr lang="ja-JP" altLang="en-US" dirty="0" smtClean="0">
                 <a:solidFill>
                   <a:srgbClr val="BFBFBF"/>
                 </a:solidFill>
@@ -5051,7 +4471,7 @@
 </p:sld>
 </file>
 
-<file path=ppt/slides/slide14.xml><?xml version="1.0" encoding="utf-8"?>
+<file path=ppt/slides/slide13.xml><?xml version="1.0" encoding="utf-8"?>
 <p:sld xmlns:a="http://schemas.openxmlformats.org/drawingml/2006/main" xmlns:r="http://schemas.openxmlformats.org/officeDocument/2006/relationships" xmlns:p="http://schemas.openxmlformats.org/presentationml/2006/main">
   <p:cSld>
     <p:spTree>
@@ -5073,7 +4493,7 @@
           <p:cNvPr id="2" name="タイトル 1">
             <a:extLst>
               <a:ext uri="{FF2B5EF4-FFF2-40B4-BE49-F238E27FC236}">
-                <a16:creationId xmlns="" xmlns:a16="http://schemas.microsoft.com/office/drawing/2014/main" id="{24DED198-35D0-47A6-8EDD-6268D6BF7143}"/>
+                <a16:creationId xmlns:a16="http://schemas.microsoft.com/office/drawing/2014/main" xmlns="" id="{24DED198-35D0-47A6-8EDD-6268D6BF7143}"/>
               </a:ext>
             </a:extLst>
           </p:cNvPr>
@@ -5106,7 +4526,7 @@
           <p:cNvPr id="3" name="コンテンツ プレースホルダー 2">
             <a:extLst>
               <a:ext uri="{FF2B5EF4-FFF2-40B4-BE49-F238E27FC236}">
-                <a16:creationId xmlns="" xmlns:a16="http://schemas.microsoft.com/office/drawing/2014/main" id="{85BE401E-4028-43CC-A122-A5BDF709B195}"/>
+                <a16:creationId xmlns:a16="http://schemas.microsoft.com/office/drawing/2014/main" xmlns="" id="{85BE401E-4028-43CC-A122-A5BDF709B195}"/>
               </a:ext>
             </a:extLst>
           </p:cNvPr>
@@ -5288,7 +4708,7 @@
           <p:cNvPr id="4" name="スライド番号プレースホルダー 3">
             <a:extLst>
               <a:ext uri="{FF2B5EF4-FFF2-40B4-BE49-F238E27FC236}">
-                <a16:creationId xmlns="" xmlns:a16="http://schemas.microsoft.com/office/drawing/2014/main" id="{22D01535-B1F2-4F78-9A7C-D39657259FB8}"/>
+                <a16:creationId xmlns:a16="http://schemas.microsoft.com/office/drawing/2014/main" xmlns="" id="{22D01535-B1F2-4F78-9A7C-D39657259FB8}"/>
               </a:ext>
             </a:extLst>
           </p:cNvPr>
@@ -5307,7 +4727,7 @@
             <a:fld id="{FC7FC04C-4975-46EC-A609-F7DE0D5B1B51}" type="slidenum">
               <a:rPr kumimoji="1" lang="ja-JP" altLang="en-US" smtClean="0"/>
               <a:pPr/>
-              <a:t>14</a:t>
+              <a:t>13</a:t>
             </a:fld>
             <a:endParaRPr kumimoji="1" lang="ja-JP" altLang="en-US" dirty="0"/>
           </a:p>
@@ -5761,7 +5181,40 @@
               <a:buAutoNum type="arabicPeriod"/>
             </a:pPr>
             <a:r>
+              <a:rPr lang="en-US" altLang="ja-JP" dirty="0">
+                <a:solidFill>
+                  <a:schemeClr val="bg1">
+                    <a:lumMod val="75000"/>
+                  </a:schemeClr>
+                </a:solidFill>
+              </a:rPr>
+              <a:t>CMS </a:t>
+            </a:r>
+            <a:r>
               <a:rPr lang="ja-JP" altLang="en-US" dirty="0">
+                <a:solidFill>
+                  <a:schemeClr val="bg1">
+                    <a:lumMod val="75000"/>
+                  </a:schemeClr>
+                </a:solidFill>
+              </a:rPr>
+              <a:t>デプロイ</a:t>
+            </a:r>
+            <a:endParaRPr lang="en-US" altLang="ja-JP" dirty="0">
+              <a:solidFill>
+                <a:schemeClr val="bg1">
+                  <a:lumMod val="75000"/>
+                </a:schemeClr>
+              </a:solidFill>
+            </a:endParaRPr>
+          </a:p>
+          <a:p>
+            <a:pPr>
+              <a:buFont typeface="+mj-lt"/>
+              <a:buAutoNum type="arabicPeriod"/>
+            </a:pPr>
+            <a:r>
+              <a:rPr lang="ja-JP" altLang="en-US" dirty="0" smtClean="0">
                 <a:solidFill>
                   <a:srgbClr val="BFBFBF"/>
                 </a:solidFill>
@@ -5902,7 +5355,7 @@
 </p:sld>
 </file>
 
-<file path=ppt/slides/slide15.xml><?xml version="1.0" encoding="utf-8"?>
+<file path=ppt/slides/slide14.xml><?xml version="1.0" encoding="utf-8"?>
 <p:sld xmlns:a="http://schemas.openxmlformats.org/drawingml/2006/main" xmlns:r="http://schemas.openxmlformats.org/officeDocument/2006/relationships" xmlns:p="http://schemas.openxmlformats.org/presentationml/2006/main">
   <p:cSld>
     <p:spTree>
@@ -5924,7 +5377,7 @@
           <p:cNvPr id="2" name="タイトル 1">
             <a:extLst>
               <a:ext uri="{FF2B5EF4-FFF2-40B4-BE49-F238E27FC236}">
-                <a16:creationId xmlns="" xmlns:a16="http://schemas.microsoft.com/office/drawing/2014/main" id="{42238E76-FCE3-4A31-BD81-2D6CADD01B29}"/>
+                <a16:creationId xmlns:a16="http://schemas.microsoft.com/office/drawing/2014/main" xmlns="" id="{42238E76-FCE3-4A31-BD81-2D6CADD01B29}"/>
               </a:ext>
             </a:extLst>
           </p:cNvPr>
@@ -5957,7 +5410,7 @@
           <p:cNvPr id="3" name="コンテンツ プレースホルダー 2">
             <a:extLst>
               <a:ext uri="{FF2B5EF4-FFF2-40B4-BE49-F238E27FC236}">
-                <a16:creationId xmlns="" xmlns:a16="http://schemas.microsoft.com/office/drawing/2014/main" id="{8942456B-0BBA-47AC-A7AE-AC486DDE0560}"/>
+                <a16:creationId xmlns:a16="http://schemas.microsoft.com/office/drawing/2014/main" xmlns="" id="{8942456B-0BBA-47AC-A7AE-AC486DDE0560}"/>
               </a:ext>
             </a:extLst>
           </p:cNvPr>
@@ -6091,7 +5544,7 @@
           <p:cNvPr id="4" name="スライド番号プレースホルダー 3">
             <a:extLst>
               <a:ext uri="{FF2B5EF4-FFF2-40B4-BE49-F238E27FC236}">
-                <a16:creationId xmlns="" xmlns:a16="http://schemas.microsoft.com/office/drawing/2014/main" id="{9BFAADB9-E460-4E56-A164-AAFA9F53D091}"/>
+                <a16:creationId xmlns:a16="http://schemas.microsoft.com/office/drawing/2014/main" xmlns="" id="{9BFAADB9-E460-4E56-A164-AAFA9F53D091}"/>
               </a:ext>
             </a:extLst>
           </p:cNvPr>
@@ -6110,7 +5563,7 @@
             <a:fld id="{FC7FC04C-4975-46EC-A609-F7DE0D5B1B51}" type="slidenum">
               <a:rPr kumimoji="1" lang="ja-JP" altLang="en-US" smtClean="0"/>
               <a:pPr/>
-              <a:t>15</a:t>
+              <a:t>14</a:t>
             </a:fld>
             <a:endParaRPr kumimoji="1" lang="ja-JP" altLang="en-US" dirty="0"/>
           </a:p>
@@ -6567,7 +6020,40 @@
               <a:buAutoNum type="arabicPeriod"/>
             </a:pPr>
             <a:r>
+              <a:rPr lang="en-US" altLang="ja-JP" dirty="0">
+                <a:solidFill>
+                  <a:schemeClr val="bg1">
+                    <a:lumMod val="75000"/>
+                  </a:schemeClr>
+                </a:solidFill>
+              </a:rPr>
+              <a:t>CMS </a:t>
+            </a:r>
+            <a:r>
               <a:rPr lang="ja-JP" altLang="en-US" dirty="0">
+                <a:solidFill>
+                  <a:schemeClr val="bg1">
+                    <a:lumMod val="75000"/>
+                  </a:schemeClr>
+                </a:solidFill>
+              </a:rPr>
+              <a:t>デプロイ</a:t>
+            </a:r>
+            <a:endParaRPr lang="en-US" altLang="ja-JP" dirty="0">
+              <a:solidFill>
+                <a:schemeClr val="bg1">
+                  <a:lumMod val="75000"/>
+                </a:schemeClr>
+              </a:solidFill>
+            </a:endParaRPr>
+          </a:p>
+          <a:p>
+            <a:pPr>
+              <a:buFont typeface="+mj-lt"/>
+              <a:buAutoNum type="arabicPeriod"/>
+            </a:pPr>
+            <a:r>
+              <a:rPr lang="ja-JP" altLang="en-US" dirty="0" smtClean="0">
                 <a:solidFill>
                   <a:srgbClr val="BFBFBF"/>
                 </a:solidFill>
@@ -6859,7 +6345,7 @@
 </p:sld>
 </file>
 
-<file path=ppt/slides/slide16.xml><?xml version="1.0" encoding="utf-8"?>
+<file path=ppt/slides/slide15.xml><?xml version="1.0" encoding="utf-8"?>
 <p:sld xmlns:a="http://schemas.openxmlformats.org/drawingml/2006/main" xmlns:r="http://schemas.openxmlformats.org/officeDocument/2006/relationships" xmlns:p="http://schemas.openxmlformats.org/presentationml/2006/main">
   <p:cSld>
     <p:spTree>
@@ -6881,7 +6367,7 @@
           <p:cNvPr id="2" name="タイトル 1">
             <a:extLst>
               <a:ext uri="{FF2B5EF4-FFF2-40B4-BE49-F238E27FC236}">
-                <a16:creationId xmlns="" xmlns:a16="http://schemas.microsoft.com/office/drawing/2014/main" id="{24DED198-35D0-47A6-8EDD-6268D6BF7143}"/>
+                <a16:creationId xmlns:a16="http://schemas.microsoft.com/office/drawing/2014/main" xmlns="" id="{24DED198-35D0-47A6-8EDD-6268D6BF7143}"/>
               </a:ext>
             </a:extLst>
           </p:cNvPr>
@@ -6914,7 +6400,7 @@
           <p:cNvPr id="3" name="コンテンツ プレースホルダー 2">
             <a:extLst>
               <a:ext uri="{FF2B5EF4-FFF2-40B4-BE49-F238E27FC236}">
-                <a16:creationId xmlns="" xmlns:a16="http://schemas.microsoft.com/office/drawing/2014/main" id="{85BE401E-4028-43CC-A122-A5BDF709B195}"/>
+                <a16:creationId xmlns:a16="http://schemas.microsoft.com/office/drawing/2014/main" xmlns="" id="{85BE401E-4028-43CC-A122-A5BDF709B195}"/>
               </a:ext>
             </a:extLst>
           </p:cNvPr>
@@ -7600,7 +7086,40 @@
               <a:buAutoNum type="arabicPeriod"/>
             </a:pPr>
             <a:r>
+              <a:rPr lang="en-US" altLang="ja-JP" dirty="0">
+                <a:solidFill>
+                  <a:schemeClr val="bg1">
+                    <a:lumMod val="75000"/>
+                  </a:schemeClr>
+                </a:solidFill>
+              </a:rPr>
+              <a:t>CMS </a:t>
+            </a:r>
+            <a:r>
               <a:rPr lang="ja-JP" altLang="en-US" dirty="0">
+                <a:solidFill>
+                  <a:schemeClr val="bg1">
+                    <a:lumMod val="75000"/>
+                  </a:schemeClr>
+                </a:solidFill>
+              </a:rPr>
+              <a:t>デプロイ</a:t>
+            </a:r>
+            <a:endParaRPr lang="en-US" altLang="ja-JP" dirty="0">
+              <a:solidFill>
+                <a:schemeClr val="bg1">
+                  <a:lumMod val="75000"/>
+                </a:schemeClr>
+              </a:solidFill>
+            </a:endParaRPr>
+          </a:p>
+          <a:p>
+            <a:pPr>
+              <a:buFont typeface="+mj-lt"/>
+              <a:buAutoNum type="arabicPeriod"/>
+            </a:pPr>
+            <a:r>
+              <a:rPr lang="ja-JP" altLang="en-US" dirty="0" smtClean="0">
                 <a:solidFill>
                   <a:srgbClr val="BFBFBF"/>
                 </a:solidFill>
@@ -7646,7 +7165,7 @@
           <p:cNvPr id="13" name="表 12">
             <a:extLst>
               <a:ext uri="{FF2B5EF4-FFF2-40B4-BE49-F238E27FC236}">
-                <a16:creationId xmlns="" xmlns:a16="http://schemas.microsoft.com/office/drawing/2014/main" id="{043FD984-B96C-4F2B-AD3B-EAFE9C7383D1}"/>
+                <a16:creationId xmlns:a16="http://schemas.microsoft.com/office/drawing/2014/main" xmlns="" id="{043FD984-B96C-4F2B-AD3B-EAFE9C7383D1}"/>
               </a:ext>
             </a:extLst>
           </p:cNvPr>
@@ -7675,14 +7194,14 @@
                 <a:gridCol w="2541151">
                   <a:extLst>
                     <a:ext uri="{9D8B030D-6E8A-4147-A177-3AD203B41FA5}">
-                      <a16:colId xmlns="" xmlns:a16="http://schemas.microsoft.com/office/drawing/2014/main" val="147490211"/>
+                      <a16:colId xmlns:a16="http://schemas.microsoft.com/office/drawing/2014/main" xmlns="" val="147490211"/>
                     </a:ext>
                   </a:extLst>
                 </a:gridCol>
                 <a:gridCol w="2384970">
                   <a:extLst>
                     <a:ext uri="{9D8B030D-6E8A-4147-A177-3AD203B41FA5}">
-                      <a16:colId xmlns="" xmlns:a16="http://schemas.microsoft.com/office/drawing/2014/main" val="3454452461"/>
+                      <a16:colId xmlns:a16="http://schemas.microsoft.com/office/drawing/2014/main" xmlns="" val="3454452461"/>
                     </a:ext>
                   </a:extLst>
                 </a:gridCol>
@@ -7752,7 +7271,7 @@
                 </a:tc>
                 <a:extLst>
                   <a:ext uri="{0D108BD9-81ED-4DB2-BD59-A6C34878D82A}">
-                    <a16:rowId xmlns="" xmlns:a16="http://schemas.microsoft.com/office/drawing/2014/main" val="141942137"/>
+                    <a16:rowId xmlns:a16="http://schemas.microsoft.com/office/drawing/2014/main" xmlns="" val="141942137"/>
                   </a:ext>
                 </a:extLst>
               </a:tr>
@@ -7821,7 +7340,7 @@
                 </a:tc>
                 <a:extLst>
                   <a:ext uri="{0D108BD9-81ED-4DB2-BD59-A6C34878D82A}">
-                    <a16:rowId xmlns="" xmlns:a16="http://schemas.microsoft.com/office/drawing/2014/main" val="1020509416"/>
+                    <a16:rowId xmlns:a16="http://schemas.microsoft.com/office/drawing/2014/main" xmlns="" val="1020509416"/>
                   </a:ext>
                 </a:extLst>
               </a:tr>
@@ -7902,7 +7421,7 @@
                 </a:tc>
                 <a:extLst>
                   <a:ext uri="{0D108BD9-81ED-4DB2-BD59-A6C34878D82A}">
-                    <a16:rowId xmlns="" xmlns:a16="http://schemas.microsoft.com/office/drawing/2014/main" val="678387262"/>
+                    <a16:rowId xmlns:a16="http://schemas.microsoft.com/office/drawing/2014/main" xmlns="" val="678387262"/>
                   </a:ext>
                 </a:extLst>
               </a:tr>
@@ -7977,7 +7496,7 @@
                 </a:tc>
                 <a:extLst>
                   <a:ext uri="{0D108BD9-81ED-4DB2-BD59-A6C34878D82A}">
-                    <a16:rowId xmlns="" xmlns:a16="http://schemas.microsoft.com/office/drawing/2014/main" val="381659825"/>
+                    <a16:rowId xmlns:a16="http://schemas.microsoft.com/office/drawing/2014/main" xmlns="" val="381659825"/>
                   </a:ext>
                 </a:extLst>
               </a:tr>
@@ -7990,7 +7509,7 @@
           <p:cNvPr id="10" name="表 9">
             <a:extLst>
               <a:ext uri="{FF2B5EF4-FFF2-40B4-BE49-F238E27FC236}">
-                <a16:creationId xmlns="" xmlns:a16="http://schemas.microsoft.com/office/drawing/2014/main" id="{E58F77F9-6DDC-4674-A155-24D68BD1F990}"/>
+                <a16:creationId xmlns:a16="http://schemas.microsoft.com/office/drawing/2014/main" xmlns="" id="{E58F77F9-6DDC-4674-A155-24D68BD1F990}"/>
               </a:ext>
             </a:extLst>
           </p:cNvPr>
@@ -8019,14 +7538,14 @@
                 <a:gridCol w="1822407">
                   <a:extLst>
                     <a:ext uri="{9D8B030D-6E8A-4147-A177-3AD203B41FA5}">
-                      <a16:colId xmlns="" xmlns:a16="http://schemas.microsoft.com/office/drawing/2014/main" val="1330566038"/>
+                      <a16:colId xmlns:a16="http://schemas.microsoft.com/office/drawing/2014/main" xmlns="" val="1330566038"/>
                     </a:ext>
                   </a:extLst>
                 </a:gridCol>
                 <a:gridCol w="874756">
                   <a:extLst>
                     <a:ext uri="{9D8B030D-6E8A-4147-A177-3AD203B41FA5}">
-                      <a16:colId xmlns="" xmlns:a16="http://schemas.microsoft.com/office/drawing/2014/main" val="3311209190"/>
+                      <a16:colId xmlns:a16="http://schemas.microsoft.com/office/drawing/2014/main" xmlns="" val="3311209190"/>
                     </a:ext>
                   </a:extLst>
                 </a:gridCol>
@@ -8100,7 +7619,7 @@
                 </a:tc>
                 <a:extLst>
                   <a:ext uri="{0D108BD9-81ED-4DB2-BD59-A6C34878D82A}">
-                    <a16:rowId xmlns="" xmlns:a16="http://schemas.microsoft.com/office/drawing/2014/main" val="764316871"/>
+                    <a16:rowId xmlns:a16="http://schemas.microsoft.com/office/drawing/2014/main" xmlns="" val="764316871"/>
                   </a:ext>
                 </a:extLst>
               </a:tr>
@@ -8206,7 +7725,7 @@
                 </a:tc>
                 <a:extLst>
                   <a:ext uri="{0D108BD9-81ED-4DB2-BD59-A6C34878D82A}">
-                    <a16:rowId xmlns="" xmlns:a16="http://schemas.microsoft.com/office/drawing/2014/main" val="3856328109"/>
+                    <a16:rowId xmlns:a16="http://schemas.microsoft.com/office/drawing/2014/main" xmlns="" val="3856328109"/>
                   </a:ext>
                 </a:extLst>
               </a:tr>
@@ -8416,7 +7935,7 @@
                 </a:tc>
                 <a:extLst>
                   <a:ext uri="{0D108BD9-81ED-4DB2-BD59-A6C34878D82A}">
-                    <a16:rowId xmlns="" xmlns:a16="http://schemas.microsoft.com/office/drawing/2014/main" val="2496965823"/>
+                    <a16:rowId xmlns:a16="http://schemas.microsoft.com/office/drawing/2014/main" xmlns="" val="2496965823"/>
                   </a:ext>
                 </a:extLst>
               </a:tr>
@@ -8509,7 +8028,7 @@
           <p:cNvPr id="4" name="スライド番号プレースホルダー 3">
             <a:extLst>
               <a:ext uri="{FF2B5EF4-FFF2-40B4-BE49-F238E27FC236}">
-                <a16:creationId xmlns="" xmlns:a16="http://schemas.microsoft.com/office/drawing/2014/main" id="{22D01535-B1F2-4F78-9A7C-D39657259FB8}"/>
+                <a16:creationId xmlns:a16="http://schemas.microsoft.com/office/drawing/2014/main" xmlns="" id="{22D01535-B1F2-4F78-9A7C-D39657259FB8}"/>
               </a:ext>
             </a:extLst>
           </p:cNvPr>
@@ -8528,7 +8047,7 @@
             <a:fld id="{FC7FC04C-4975-46EC-A609-F7DE0D5B1B51}" type="slidenum">
               <a:rPr kumimoji="1" lang="ja-JP" altLang="en-US" smtClean="0"/>
               <a:pPr/>
-              <a:t>16</a:t>
+              <a:t>15</a:t>
             </a:fld>
             <a:endParaRPr kumimoji="1" lang="ja-JP" altLang="en-US" dirty="0"/>
           </a:p>
@@ -8554,7 +8073,7 @@
 </p:sld>
 </file>
 
-<file path=ppt/slides/slide17.xml><?xml version="1.0" encoding="utf-8"?>
+<file path=ppt/slides/slide16.xml><?xml version="1.0" encoding="utf-8"?>
 <p:sld xmlns:a="http://schemas.openxmlformats.org/drawingml/2006/main" xmlns:r="http://schemas.openxmlformats.org/officeDocument/2006/relationships" xmlns:p="http://schemas.openxmlformats.org/presentationml/2006/main">
   <p:cSld>
     <p:spTree>
@@ -8576,7 +8095,7 @@
           <p:cNvPr id="2" name="タイトル 1">
             <a:extLst>
               <a:ext uri="{FF2B5EF4-FFF2-40B4-BE49-F238E27FC236}">
-                <a16:creationId xmlns="" xmlns:a16="http://schemas.microsoft.com/office/drawing/2014/main" id="{24DED198-35D0-47A6-8EDD-6268D6BF7143}"/>
+                <a16:creationId xmlns:a16="http://schemas.microsoft.com/office/drawing/2014/main" xmlns="" id="{24DED198-35D0-47A6-8EDD-6268D6BF7143}"/>
               </a:ext>
             </a:extLst>
           </p:cNvPr>
@@ -8609,7 +8128,7 @@
           <p:cNvPr id="3" name="コンテンツ プレースホルダー 2">
             <a:extLst>
               <a:ext uri="{FF2B5EF4-FFF2-40B4-BE49-F238E27FC236}">
-                <a16:creationId xmlns="" xmlns:a16="http://schemas.microsoft.com/office/drawing/2014/main" id="{85BE401E-4028-43CC-A122-A5BDF709B195}"/>
+                <a16:creationId xmlns:a16="http://schemas.microsoft.com/office/drawing/2014/main" xmlns="" id="{85BE401E-4028-43CC-A122-A5BDF709B195}"/>
               </a:ext>
             </a:extLst>
           </p:cNvPr>
@@ -8632,7 +8151,7 @@
           <a:p>
             <a:pPr lvl="1">
               <a:buFont typeface="+mj-lt"/>
-              <a:buAutoNum type="arabicPeriod" startAt="7"/>
+              <a:buAutoNum type="arabicPeriod" startAt="6"/>
             </a:pPr>
             <a:r>
               <a:rPr lang="ja-JP" altLang="en-US" dirty="0" smtClean="0"/>
@@ -8709,35 +8228,35 @@
           <a:p>
             <a:pPr lvl="1">
               <a:buFont typeface="+mj-lt"/>
-              <a:buAutoNum type="arabicPeriod" startAt="7"/>
+              <a:buAutoNum type="arabicPeriod" startAt="6"/>
             </a:pPr>
             <a:endParaRPr lang="en-US" altLang="ja-JP" dirty="0"/>
           </a:p>
           <a:p>
             <a:pPr lvl="1">
               <a:buFont typeface="+mj-lt"/>
-              <a:buAutoNum type="arabicPeriod" startAt="7"/>
+              <a:buAutoNum type="arabicPeriod" startAt="6"/>
             </a:pPr>
             <a:endParaRPr lang="en-US" altLang="ja-JP" dirty="0"/>
           </a:p>
           <a:p>
             <a:pPr lvl="1">
               <a:buFont typeface="+mj-lt"/>
-              <a:buAutoNum type="arabicPeriod" startAt="7"/>
+              <a:buAutoNum type="arabicPeriod" startAt="6"/>
             </a:pPr>
             <a:endParaRPr lang="en-US" altLang="ja-JP" dirty="0"/>
           </a:p>
           <a:p>
             <a:pPr lvl="1">
               <a:buFont typeface="+mj-lt"/>
-              <a:buAutoNum type="arabicPeriod" startAt="7"/>
+              <a:buAutoNum type="arabicPeriod" startAt="6"/>
             </a:pPr>
             <a:endParaRPr lang="en-US" altLang="ja-JP" dirty="0"/>
           </a:p>
           <a:p>
             <a:pPr lvl="1">
               <a:buFont typeface="+mj-lt"/>
-              <a:buAutoNum type="arabicPeriod" startAt="7"/>
+              <a:buAutoNum type="arabicPeriod" startAt="6"/>
             </a:pPr>
             <a:r>
               <a:rPr lang="ja-JP" altLang="en-US" dirty="0" smtClean="0"/>
@@ -8775,7 +8294,7 @@
           <p:cNvPr id="8" name="表 7">
             <a:extLst>
               <a:ext uri="{FF2B5EF4-FFF2-40B4-BE49-F238E27FC236}">
-                <a16:creationId xmlns="" xmlns:a16="http://schemas.microsoft.com/office/drawing/2014/main" id="{5272C826-C1D9-418F-A534-E17A3F1A95EC}"/>
+                <a16:creationId xmlns:a16="http://schemas.microsoft.com/office/drawing/2014/main" xmlns="" id="{5272C826-C1D9-418F-A534-E17A3F1A95EC}"/>
               </a:ext>
             </a:extLst>
           </p:cNvPr>
@@ -8804,14 +8323,14 @@
                 <a:gridCol w="2540000">
                   <a:extLst>
                     <a:ext uri="{9D8B030D-6E8A-4147-A177-3AD203B41FA5}">
-                      <a16:colId xmlns="" xmlns:a16="http://schemas.microsoft.com/office/drawing/2014/main" val="2918184759"/>
+                      <a16:colId xmlns:a16="http://schemas.microsoft.com/office/drawing/2014/main" xmlns="" val="2918184759"/>
                     </a:ext>
                   </a:extLst>
                 </a:gridCol>
                 <a:gridCol w="1219200">
                   <a:extLst>
                     <a:ext uri="{9D8B030D-6E8A-4147-A177-3AD203B41FA5}">
-                      <a16:colId xmlns="" xmlns:a16="http://schemas.microsoft.com/office/drawing/2014/main" val="650853217"/>
+                      <a16:colId xmlns:a16="http://schemas.microsoft.com/office/drawing/2014/main" xmlns="" val="650853217"/>
                     </a:ext>
                   </a:extLst>
                 </a:gridCol>
@@ -8881,7 +8400,7 @@
                 </a:tc>
                 <a:extLst>
                   <a:ext uri="{0D108BD9-81ED-4DB2-BD59-A6C34878D82A}">
-                    <a16:rowId xmlns="" xmlns:a16="http://schemas.microsoft.com/office/drawing/2014/main" val="863991715"/>
+                    <a16:rowId xmlns:a16="http://schemas.microsoft.com/office/drawing/2014/main" xmlns="" val="863991715"/>
                   </a:ext>
                 </a:extLst>
               </a:tr>
@@ -8950,7 +8469,7 @@
                 </a:tc>
                 <a:extLst>
                   <a:ext uri="{0D108BD9-81ED-4DB2-BD59-A6C34878D82A}">
-                    <a16:rowId xmlns="" xmlns:a16="http://schemas.microsoft.com/office/drawing/2014/main" val="3672779048"/>
+                    <a16:rowId xmlns:a16="http://schemas.microsoft.com/office/drawing/2014/main" xmlns="" val="3672779048"/>
                   </a:ext>
                 </a:extLst>
               </a:tr>
@@ -9019,7 +8538,7 @@
                 </a:tc>
                 <a:extLst>
                   <a:ext uri="{0D108BD9-81ED-4DB2-BD59-A6C34878D82A}">
-                    <a16:rowId xmlns="" xmlns:a16="http://schemas.microsoft.com/office/drawing/2014/main" val="532491899"/>
+                    <a16:rowId xmlns:a16="http://schemas.microsoft.com/office/drawing/2014/main" xmlns="" val="532491899"/>
                   </a:ext>
                 </a:extLst>
               </a:tr>
@@ -9088,7 +8607,7 @@
                 </a:tc>
                 <a:extLst>
                   <a:ext uri="{0D108BD9-81ED-4DB2-BD59-A6C34878D82A}">
-                    <a16:rowId xmlns="" xmlns:a16="http://schemas.microsoft.com/office/drawing/2014/main" val="1407317058"/>
+                    <a16:rowId xmlns:a16="http://schemas.microsoft.com/office/drawing/2014/main" xmlns="" val="1407317058"/>
                   </a:ext>
                 </a:extLst>
               </a:tr>
@@ -9151,7 +8670,7 @@
                 </a:tc>
                 <a:extLst>
                   <a:ext uri="{0D108BD9-81ED-4DB2-BD59-A6C34878D82A}">
-                    <a16:rowId xmlns="" xmlns:a16="http://schemas.microsoft.com/office/drawing/2014/main" val="1393956294"/>
+                    <a16:rowId xmlns:a16="http://schemas.microsoft.com/office/drawing/2014/main" xmlns="" val="1393956294"/>
                   </a:ext>
                 </a:extLst>
               </a:tr>
@@ -9605,7 +9124,40 @@
               <a:buAutoNum type="arabicPeriod"/>
             </a:pPr>
             <a:r>
+              <a:rPr lang="en-US" altLang="ja-JP" dirty="0">
+                <a:solidFill>
+                  <a:schemeClr val="bg1">
+                    <a:lumMod val="75000"/>
+                  </a:schemeClr>
+                </a:solidFill>
+              </a:rPr>
+              <a:t>CMS </a:t>
+            </a:r>
+            <a:r>
               <a:rPr lang="ja-JP" altLang="en-US" dirty="0">
+                <a:solidFill>
+                  <a:schemeClr val="bg1">
+                    <a:lumMod val="75000"/>
+                  </a:schemeClr>
+                </a:solidFill>
+              </a:rPr>
+              <a:t>デプロイ</a:t>
+            </a:r>
+            <a:endParaRPr lang="en-US" altLang="ja-JP" dirty="0">
+              <a:solidFill>
+                <a:schemeClr val="bg1">
+                  <a:lumMod val="75000"/>
+                </a:schemeClr>
+              </a:solidFill>
+            </a:endParaRPr>
+          </a:p>
+          <a:p>
+            <a:pPr>
+              <a:buFont typeface="+mj-lt"/>
+              <a:buAutoNum type="arabicPeriod"/>
+            </a:pPr>
+            <a:r>
+              <a:rPr lang="ja-JP" altLang="en-US" dirty="0" smtClean="0">
                 <a:solidFill>
                   <a:srgbClr val="BFBFBF"/>
                 </a:solidFill>
@@ -9884,7 +9436,7 @@
           <p:cNvPr id="11" name="表 10">
             <a:extLst>
               <a:ext uri="{FF2B5EF4-FFF2-40B4-BE49-F238E27FC236}">
-                <a16:creationId xmlns="" xmlns:a16="http://schemas.microsoft.com/office/drawing/2014/main" id="{34262436-74E8-488C-8C1B-44C3F88BE676}"/>
+                <a16:creationId xmlns:a16="http://schemas.microsoft.com/office/drawing/2014/main" xmlns="" id="{34262436-74E8-488C-8C1B-44C3F88BE676}"/>
               </a:ext>
             </a:extLst>
           </p:cNvPr>
@@ -9913,21 +9465,21 @@
                 <a:gridCol w="2213275">
                   <a:extLst>
                     <a:ext uri="{9D8B030D-6E8A-4147-A177-3AD203B41FA5}">
-                      <a16:colId xmlns="" xmlns:a16="http://schemas.microsoft.com/office/drawing/2014/main" val="2864215648"/>
+                      <a16:colId xmlns:a16="http://schemas.microsoft.com/office/drawing/2014/main" xmlns="" val="2864215648"/>
                     </a:ext>
                   </a:extLst>
                 </a:gridCol>
                 <a:gridCol w="1540042">
                   <a:extLst>
                     <a:ext uri="{9D8B030D-6E8A-4147-A177-3AD203B41FA5}">
-                      <a16:colId xmlns="" xmlns:a16="http://schemas.microsoft.com/office/drawing/2014/main" val="879769541"/>
+                      <a16:colId xmlns:a16="http://schemas.microsoft.com/office/drawing/2014/main" xmlns="" val="879769541"/>
                     </a:ext>
                   </a:extLst>
                 </a:gridCol>
                 <a:gridCol w="907583">
                   <a:extLst>
                     <a:ext uri="{9D8B030D-6E8A-4147-A177-3AD203B41FA5}">
-                      <a16:colId xmlns="" xmlns:a16="http://schemas.microsoft.com/office/drawing/2014/main" val="1510221549"/>
+                      <a16:colId xmlns:a16="http://schemas.microsoft.com/office/drawing/2014/main" xmlns="" val="1510221549"/>
                     </a:ext>
                   </a:extLst>
                 </a:gridCol>
@@ -10019,7 +9571,7 @@
                 </a:tc>
                 <a:extLst>
                   <a:ext uri="{0D108BD9-81ED-4DB2-BD59-A6C34878D82A}">
-                    <a16:rowId xmlns="" xmlns:a16="http://schemas.microsoft.com/office/drawing/2014/main" val="2727521727"/>
+                    <a16:rowId xmlns:a16="http://schemas.microsoft.com/office/drawing/2014/main" xmlns="" val="2727521727"/>
                   </a:ext>
                 </a:extLst>
               </a:tr>
@@ -10092,7 +9644,7 @@
                 </a:tc>
                 <a:extLst>
                   <a:ext uri="{0D108BD9-81ED-4DB2-BD59-A6C34878D82A}">
-                    <a16:rowId xmlns="" xmlns:a16="http://schemas.microsoft.com/office/drawing/2014/main" val="257567200"/>
+                    <a16:rowId xmlns:a16="http://schemas.microsoft.com/office/drawing/2014/main" xmlns="" val="257567200"/>
                   </a:ext>
                 </a:extLst>
               </a:tr>
@@ -10171,7 +9723,7 @@
                 </a:tc>
                 <a:extLst>
                   <a:ext uri="{0D108BD9-81ED-4DB2-BD59-A6C34878D82A}">
-                    <a16:rowId xmlns="" xmlns:a16="http://schemas.microsoft.com/office/drawing/2014/main" val="731410113"/>
+                    <a16:rowId xmlns:a16="http://schemas.microsoft.com/office/drawing/2014/main" xmlns="" val="731410113"/>
                   </a:ext>
                 </a:extLst>
               </a:tr>
@@ -10262,7 +9814,7 @@
                 </a:tc>
                 <a:extLst>
                   <a:ext uri="{0D108BD9-81ED-4DB2-BD59-A6C34878D82A}">
-                    <a16:rowId xmlns="" xmlns:a16="http://schemas.microsoft.com/office/drawing/2014/main" val="2550549459"/>
+                    <a16:rowId xmlns:a16="http://schemas.microsoft.com/office/drawing/2014/main" xmlns="" val="2550549459"/>
                   </a:ext>
                 </a:extLst>
               </a:tr>
@@ -10335,7 +9887,7 @@
                 </a:tc>
                 <a:extLst>
                   <a:ext uri="{0D108BD9-81ED-4DB2-BD59-A6C34878D82A}">
-                    <a16:rowId xmlns="" xmlns:a16="http://schemas.microsoft.com/office/drawing/2014/main" val="2436432471"/>
+                    <a16:rowId xmlns:a16="http://schemas.microsoft.com/office/drawing/2014/main" xmlns="" val="2436432471"/>
                   </a:ext>
                 </a:extLst>
               </a:tr>
@@ -10414,7 +9966,7 @@
                 </a:tc>
                 <a:extLst>
                   <a:ext uri="{0D108BD9-81ED-4DB2-BD59-A6C34878D82A}">
-                    <a16:rowId xmlns="" xmlns:a16="http://schemas.microsoft.com/office/drawing/2014/main" val="1716481284"/>
+                    <a16:rowId xmlns:a16="http://schemas.microsoft.com/office/drawing/2014/main" xmlns="" val="1716481284"/>
                   </a:ext>
                 </a:extLst>
               </a:tr>
@@ -10493,7 +10045,7 @@
                 </a:tc>
                 <a:extLst>
                   <a:ext uri="{0D108BD9-81ED-4DB2-BD59-A6C34878D82A}">
-                    <a16:rowId xmlns="" xmlns:a16="http://schemas.microsoft.com/office/drawing/2014/main" val="1752396375"/>
+                    <a16:rowId xmlns:a16="http://schemas.microsoft.com/office/drawing/2014/main" xmlns="" val="1752396375"/>
                   </a:ext>
                 </a:extLst>
               </a:tr>
@@ -10566,7 +10118,7 @@
                 </a:tc>
                 <a:extLst>
                   <a:ext uri="{0D108BD9-81ED-4DB2-BD59-A6C34878D82A}">
-                    <a16:rowId xmlns="" xmlns:a16="http://schemas.microsoft.com/office/drawing/2014/main" val="414656473"/>
+                    <a16:rowId xmlns:a16="http://schemas.microsoft.com/office/drawing/2014/main" xmlns="" val="414656473"/>
                   </a:ext>
                 </a:extLst>
               </a:tr>
@@ -10645,7 +10197,7 @@
                 </a:tc>
                 <a:extLst>
                   <a:ext uri="{0D108BD9-81ED-4DB2-BD59-A6C34878D82A}">
-                    <a16:rowId xmlns="" xmlns:a16="http://schemas.microsoft.com/office/drawing/2014/main" val="869994750"/>
+                    <a16:rowId xmlns:a16="http://schemas.microsoft.com/office/drawing/2014/main" xmlns="" val="869994750"/>
                   </a:ext>
                 </a:extLst>
               </a:tr>
@@ -10748,7 +10300,7 @@
           <p:cNvPr id="4" name="スライド番号プレースホルダー 3">
             <a:extLst>
               <a:ext uri="{FF2B5EF4-FFF2-40B4-BE49-F238E27FC236}">
-                <a16:creationId xmlns="" xmlns:a16="http://schemas.microsoft.com/office/drawing/2014/main" id="{22D01535-B1F2-4F78-9A7C-D39657259FB8}"/>
+                <a16:creationId xmlns:a16="http://schemas.microsoft.com/office/drawing/2014/main" xmlns="" id="{22D01535-B1F2-4F78-9A7C-D39657259FB8}"/>
               </a:ext>
             </a:extLst>
           </p:cNvPr>
@@ -10767,7 +10319,7 @@
             <a:fld id="{FC7FC04C-4975-46EC-A609-F7DE0D5B1B51}" type="slidenum">
               <a:rPr kumimoji="1" lang="ja-JP" altLang="en-US" smtClean="0"/>
               <a:pPr/>
-              <a:t>17</a:t>
+              <a:t>16</a:t>
             </a:fld>
             <a:endParaRPr kumimoji="1" lang="ja-JP" altLang="en-US" dirty="0"/>
           </a:p>
@@ -10793,7 +10345,7 @@
 </p:sld>
 </file>
 
-<file path=ppt/slides/slide18.xml><?xml version="1.0" encoding="utf-8"?>
+<file path=ppt/slides/slide17.xml><?xml version="1.0" encoding="utf-8"?>
 <p:sld xmlns:a="http://schemas.openxmlformats.org/drawingml/2006/main" xmlns:r="http://schemas.openxmlformats.org/officeDocument/2006/relationships" xmlns:p="http://schemas.openxmlformats.org/presentationml/2006/main">
   <p:cSld>
     <p:spTree>
@@ -10815,7 +10367,7 @@
           <p:cNvPr id="2" name="タイトル 1">
             <a:extLst>
               <a:ext uri="{FF2B5EF4-FFF2-40B4-BE49-F238E27FC236}">
-                <a16:creationId xmlns="" xmlns:a16="http://schemas.microsoft.com/office/drawing/2014/main" id="{647FC2C4-FDD9-40C1-8BAA-86909C671091}"/>
+                <a16:creationId xmlns:a16="http://schemas.microsoft.com/office/drawing/2014/main" xmlns="" id="{647FC2C4-FDD9-40C1-8BAA-86909C671091}"/>
               </a:ext>
             </a:extLst>
           </p:cNvPr>
@@ -10848,7 +10400,7 @@
           <p:cNvPr id="3" name="コンテンツ プレースホルダー 2">
             <a:extLst>
               <a:ext uri="{FF2B5EF4-FFF2-40B4-BE49-F238E27FC236}">
-                <a16:creationId xmlns="" xmlns:a16="http://schemas.microsoft.com/office/drawing/2014/main" id="{D460F2C1-B2A2-41B6-AE3C-D9255F211948}"/>
+                <a16:creationId xmlns:a16="http://schemas.microsoft.com/office/drawing/2014/main" xmlns="" id="{D460F2C1-B2A2-41B6-AE3C-D9255F211948}"/>
               </a:ext>
             </a:extLst>
           </p:cNvPr>
@@ -10871,7 +10423,7 @@
           <a:p>
             <a:pPr lvl="1">
               <a:buFont typeface="+mj-lt"/>
-              <a:buAutoNum type="arabicPeriod" startAt="9"/>
+              <a:buAutoNum type="arabicPeriod" startAt="8"/>
             </a:pPr>
             <a:r>
               <a:rPr lang="ja-JP" altLang="en-US" dirty="0"/>
@@ -10905,77 +10457,77 @@
           <a:p>
             <a:pPr lvl="1">
               <a:buFont typeface="+mj-lt"/>
-              <a:buAutoNum type="arabicPeriod" startAt="9"/>
+              <a:buAutoNum type="arabicPeriod" startAt="8"/>
             </a:pPr>
             <a:endParaRPr lang="en-US" altLang="ja-JP" dirty="0"/>
           </a:p>
           <a:p>
             <a:pPr lvl="1">
               <a:buFont typeface="+mj-lt"/>
-              <a:buAutoNum type="arabicPeriod" startAt="9"/>
+              <a:buAutoNum type="arabicPeriod" startAt="8"/>
             </a:pPr>
             <a:endParaRPr kumimoji="1" lang="en-US" altLang="ja-JP" dirty="0"/>
           </a:p>
           <a:p>
             <a:pPr lvl="1">
               <a:buFont typeface="+mj-lt"/>
-              <a:buAutoNum type="arabicPeriod" startAt="9"/>
+              <a:buAutoNum type="arabicPeriod" startAt="8"/>
             </a:pPr>
             <a:endParaRPr lang="en-US" altLang="ja-JP" dirty="0"/>
           </a:p>
           <a:p>
             <a:pPr lvl="1">
               <a:buFont typeface="+mj-lt"/>
-              <a:buAutoNum type="arabicPeriod" startAt="9"/>
+              <a:buAutoNum type="arabicPeriod" startAt="8"/>
             </a:pPr>
             <a:endParaRPr kumimoji="1" lang="en-US" altLang="ja-JP" dirty="0"/>
           </a:p>
           <a:p>
             <a:pPr lvl="1">
               <a:buFont typeface="+mj-lt"/>
-              <a:buAutoNum type="arabicPeriod" startAt="9"/>
+              <a:buAutoNum type="arabicPeriod" startAt="8"/>
             </a:pPr>
             <a:endParaRPr lang="en-US" altLang="ja-JP" dirty="0"/>
           </a:p>
           <a:p>
             <a:pPr lvl="1">
               <a:buFont typeface="+mj-lt"/>
-              <a:buAutoNum type="arabicPeriod" startAt="9"/>
+              <a:buAutoNum type="arabicPeriod" startAt="8"/>
             </a:pPr>
             <a:endParaRPr kumimoji="1" lang="en-US" altLang="ja-JP" dirty="0"/>
           </a:p>
           <a:p>
             <a:pPr lvl="1">
               <a:buFont typeface="+mj-lt"/>
-              <a:buAutoNum type="arabicPeriod" startAt="9"/>
+              <a:buAutoNum type="arabicPeriod" startAt="8"/>
             </a:pPr>
             <a:endParaRPr lang="en-US" altLang="ja-JP" dirty="0"/>
           </a:p>
           <a:p>
             <a:pPr lvl="1">
               <a:buFont typeface="+mj-lt"/>
-              <a:buAutoNum type="arabicPeriod" startAt="9"/>
+              <a:buAutoNum type="arabicPeriod" startAt="8"/>
             </a:pPr>
             <a:endParaRPr kumimoji="1" lang="en-US" altLang="ja-JP" dirty="0"/>
           </a:p>
           <a:p>
             <a:pPr lvl="1">
               <a:buFont typeface="+mj-lt"/>
-              <a:buAutoNum type="arabicPeriod" startAt="9"/>
+              <a:buAutoNum type="arabicPeriod" startAt="8"/>
             </a:pPr>
             <a:endParaRPr lang="en-US" altLang="ja-JP" dirty="0"/>
           </a:p>
           <a:p>
             <a:pPr lvl="1">
               <a:buFont typeface="+mj-lt"/>
-              <a:buAutoNum type="arabicPeriod" startAt="9"/>
+              <a:buAutoNum type="arabicPeriod" startAt="8"/>
             </a:pPr>
             <a:endParaRPr kumimoji="1" lang="en-US" altLang="ja-JP" dirty="0"/>
           </a:p>
           <a:p>
             <a:pPr lvl="1">
               <a:buFont typeface="+mj-lt"/>
-              <a:buAutoNum type="arabicPeriod" startAt="9"/>
+              <a:buAutoNum type="arabicPeriod" startAt="8"/>
             </a:pPr>
             <a:r>
               <a:rPr lang="ja-JP" altLang="en-US" dirty="0"/>
@@ -11089,7 +10641,7 @@
           <p:cNvPr id="4" name="スライド番号プレースホルダー 3">
             <a:extLst>
               <a:ext uri="{FF2B5EF4-FFF2-40B4-BE49-F238E27FC236}">
-                <a16:creationId xmlns="" xmlns:a16="http://schemas.microsoft.com/office/drawing/2014/main" id="{2D621D59-C7D3-486A-953C-E3F098621406}"/>
+                <a16:creationId xmlns:a16="http://schemas.microsoft.com/office/drawing/2014/main" xmlns="" id="{2D621D59-C7D3-486A-953C-E3F098621406}"/>
               </a:ext>
             </a:extLst>
           </p:cNvPr>
@@ -11108,7 +10660,7 @@
             <a:fld id="{FC7FC04C-4975-46EC-A609-F7DE0D5B1B51}" type="slidenum">
               <a:rPr kumimoji="1" lang="ja-JP" altLang="en-US" smtClean="0"/>
               <a:pPr/>
-              <a:t>18</a:t>
+              <a:t>17</a:t>
             </a:fld>
             <a:endParaRPr kumimoji="1" lang="ja-JP" altLang="en-US" dirty="0"/>
           </a:p>
@@ -11119,7 +10671,7 @@
           <p:cNvPr id="6" name="表 5">
             <a:extLst>
               <a:ext uri="{FF2B5EF4-FFF2-40B4-BE49-F238E27FC236}">
-                <a16:creationId xmlns="" xmlns:a16="http://schemas.microsoft.com/office/drawing/2014/main" id="{6DDCBA78-176B-48EA-BE01-07BA0C50964E}"/>
+                <a16:creationId xmlns:a16="http://schemas.microsoft.com/office/drawing/2014/main" xmlns="" id="{6DDCBA78-176B-48EA-BE01-07BA0C50964E}"/>
               </a:ext>
             </a:extLst>
           </p:cNvPr>
@@ -11148,21 +10700,21 @@
                 <a:gridCol w="2461883">
                   <a:extLst>
                     <a:ext uri="{9D8B030D-6E8A-4147-A177-3AD203B41FA5}">
-                      <a16:colId xmlns="" xmlns:a16="http://schemas.microsoft.com/office/drawing/2014/main" val="2398228790"/>
+                      <a16:colId xmlns:a16="http://schemas.microsoft.com/office/drawing/2014/main" xmlns="" val="2398228790"/>
                     </a:ext>
                   </a:extLst>
                 </a:gridCol>
                 <a:gridCol w="1902479">
                   <a:extLst>
                     <a:ext uri="{9D8B030D-6E8A-4147-A177-3AD203B41FA5}">
-                      <a16:colId xmlns="" xmlns:a16="http://schemas.microsoft.com/office/drawing/2014/main" val="2139820665"/>
+                      <a16:colId xmlns:a16="http://schemas.microsoft.com/office/drawing/2014/main" xmlns="" val="2139820665"/>
                     </a:ext>
                   </a:extLst>
                 </a:gridCol>
                 <a:gridCol w="3685552">
                   <a:extLst>
                     <a:ext uri="{9D8B030D-6E8A-4147-A177-3AD203B41FA5}">
-                      <a16:colId xmlns="" xmlns:a16="http://schemas.microsoft.com/office/drawing/2014/main" val="3198237446"/>
+                      <a16:colId xmlns:a16="http://schemas.microsoft.com/office/drawing/2014/main" xmlns="" val="3198237446"/>
                     </a:ext>
                   </a:extLst>
                 </a:gridCol>
@@ -11242,7 +10794,7 @@
                 </a:tc>
                 <a:extLst>
                   <a:ext uri="{0D108BD9-81ED-4DB2-BD59-A6C34878D82A}">
-                    <a16:rowId xmlns="" xmlns:a16="http://schemas.microsoft.com/office/drawing/2014/main" val="2909880224"/>
+                    <a16:rowId xmlns:a16="http://schemas.microsoft.com/office/drawing/2014/main" xmlns="" val="2909880224"/>
                   </a:ext>
                 </a:extLst>
               </a:tr>
@@ -11321,7 +10873,7 @@
                 </a:tc>
                 <a:extLst>
                   <a:ext uri="{0D108BD9-81ED-4DB2-BD59-A6C34878D82A}">
-                    <a16:rowId xmlns="" xmlns:a16="http://schemas.microsoft.com/office/drawing/2014/main" val="2444059829"/>
+                    <a16:rowId xmlns:a16="http://schemas.microsoft.com/office/drawing/2014/main" xmlns="" val="2444059829"/>
                   </a:ext>
                 </a:extLst>
               </a:tr>
@@ -11400,7 +10952,7 @@
                 </a:tc>
                 <a:extLst>
                   <a:ext uri="{0D108BD9-81ED-4DB2-BD59-A6C34878D82A}">
-                    <a16:rowId xmlns="" xmlns:a16="http://schemas.microsoft.com/office/drawing/2014/main" val="3396811083"/>
+                    <a16:rowId xmlns:a16="http://schemas.microsoft.com/office/drawing/2014/main" xmlns="" val="3396811083"/>
                   </a:ext>
                 </a:extLst>
               </a:tr>
@@ -11479,7 +11031,7 @@
                 </a:tc>
                 <a:extLst>
                   <a:ext uri="{0D108BD9-81ED-4DB2-BD59-A6C34878D82A}">
-                    <a16:rowId xmlns="" xmlns:a16="http://schemas.microsoft.com/office/drawing/2014/main" val="3452021945"/>
+                    <a16:rowId xmlns:a16="http://schemas.microsoft.com/office/drawing/2014/main" xmlns="" val="3452021945"/>
                   </a:ext>
                 </a:extLst>
               </a:tr>
@@ -11552,7 +11104,7 @@
                 </a:tc>
                 <a:extLst>
                   <a:ext uri="{0D108BD9-81ED-4DB2-BD59-A6C34878D82A}">
-                    <a16:rowId xmlns="" xmlns:a16="http://schemas.microsoft.com/office/drawing/2014/main" val="2686333941"/>
+                    <a16:rowId xmlns:a16="http://schemas.microsoft.com/office/drawing/2014/main" xmlns="" val="2686333941"/>
                   </a:ext>
                 </a:extLst>
               </a:tr>
@@ -11625,7 +11177,7 @@
                 </a:tc>
                 <a:extLst>
                   <a:ext uri="{0D108BD9-81ED-4DB2-BD59-A6C34878D82A}">
-                    <a16:rowId xmlns="" xmlns:a16="http://schemas.microsoft.com/office/drawing/2014/main" val="709522050"/>
+                    <a16:rowId xmlns:a16="http://schemas.microsoft.com/office/drawing/2014/main" xmlns="" val="709522050"/>
                   </a:ext>
                 </a:extLst>
               </a:tr>
@@ -11698,7 +11250,7 @@
                 </a:tc>
                 <a:extLst>
                   <a:ext uri="{0D108BD9-81ED-4DB2-BD59-A6C34878D82A}">
-                    <a16:rowId xmlns="" xmlns:a16="http://schemas.microsoft.com/office/drawing/2014/main" val="3496055075"/>
+                    <a16:rowId xmlns:a16="http://schemas.microsoft.com/office/drawing/2014/main" xmlns="" val="3496055075"/>
                   </a:ext>
                 </a:extLst>
               </a:tr>
@@ -11771,7 +11323,7 @@
                 </a:tc>
                 <a:extLst>
                   <a:ext uri="{0D108BD9-81ED-4DB2-BD59-A6C34878D82A}">
-                    <a16:rowId xmlns="" xmlns:a16="http://schemas.microsoft.com/office/drawing/2014/main" val="107828841"/>
+                    <a16:rowId xmlns:a16="http://schemas.microsoft.com/office/drawing/2014/main" xmlns="" val="107828841"/>
                   </a:ext>
                 </a:extLst>
               </a:tr>
@@ -11850,7 +11402,7 @@
                 </a:tc>
                 <a:extLst>
                   <a:ext uri="{0D108BD9-81ED-4DB2-BD59-A6C34878D82A}">
-                    <a16:rowId xmlns="" xmlns:a16="http://schemas.microsoft.com/office/drawing/2014/main" val="2075286343"/>
+                    <a16:rowId xmlns:a16="http://schemas.microsoft.com/office/drawing/2014/main" xmlns="" val="2075286343"/>
                   </a:ext>
                 </a:extLst>
               </a:tr>
@@ -11929,7 +11481,7 @@
                 </a:tc>
                 <a:extLst>
                   <a:ext uri="{0D108BD9-81ED-4DB2-BD59-A6C34878D82A}">
-                    <a16:rowId xmlns="" xmlns:a16="http://schemas.microsoft.com/office/drawing/2014/main" val="892717798"/>
+                    <a16:rowId xmlns:a16="http://schemas.microsoft.com/office/drawing/2014/main" xmlns="" val="892717798"/>
                   </a:ext>
                 </a:extLst>
               </a:tr>
@@ -12008,7 +11560,7 @@
                 </a:tc>
                 <a:extLst>
                   <a:ext uri="{0D108BD9-81ED-4DB2-BD59-A6C34878D82A}">
-                    <a16:rowId xmlns="" xmlns:a16="http://schemas.microsoft.com/office/drawing/2014/main" val="2977998855"/>
+                    <a16:rowId xmlns:a16="http://schemas.microsoft.com/office/drawing/2014/main" xmlns="" val="2977998855"/>
                   </a:ext>
                 </a:extLst>
               </a:tr>
@@ -12117,7 +11669,7 @@
                 </a:tc>
                 <a:extLst>
                   <a:ext uri="{0D108BD9-81ED-4DB2-BD59-A6C34878D82A}">
-                    <a16:rowId xmlns="" xmlns:a16="http://schemas.microsoft.com/office/drawing/2014/main" val="1830001044"/>
+                    <a16:rowId xmlns:a16="http://schemas.microsoft.com/office/drawing/2014/main" xmlns="" val="1830001044"/>
                   </a:ext>
                 </a:extLst>
               </a:tr>
@@ -12202,7 +11754,7 @@
                 </a:tc>
                 <a:extLst>
                   <a:ext uri="{0D108BD9-81ED-4DB2-BD59-A6C34878D82A}">
-                    <a16:rowId xmlns="" xmlns:a16="http://schemas.microsoft.com/office/drawing/2014/main" val="971318200"/>
+                    <a16:rowId xmlns:a16="http://schemas.microsoft.com/office/drawing/2014/main" xmlns="" val="971318200"/>
                   </a:ext>
                 </a:extLst>
               </a:tr>
@@ -12314,7 +11866,7 @@
                 </a:tc>
                 <a:extLst>
                   <a:ext uri="{0D108BD9-81ED-4DB2-BD59-A6C34878D82A}">
-                    <a16:rowId xmlns="" xmlns:a16="http://schemas.microsoft.com/office/drawing/2014/main" val="1896279337"/>
+                    <a16:rowId xmlns:a16="http://schemas.microsoft.com/office/drawing/2014/main" xmlns="" val="1896279337"/>
                   </a:ext>
                 </a:extLst>
               </a:tr>
@@ -12768,7 +12320,40 @@
               <a:buAutoNum type="arabicPeriod"/>
             </a:pPr>
             <a:r>
+              <a:rPr lang="en-US" altLang="ja-JP" dirty="0">
+                <a:solidFill>
+                  <a:schemeClr val="bg1">
+                    <a:lumMod val="75000"/>
+                  </a:schemeClr>
+                </a:solidFill>
+              </a:rPr>
+              <a:t>CMS </a:t>
+            </a:r>
+            <a:r>
               <a:rPr lang="ja-JP" altLang="en-US" dirty="0">
+                <a:solidFill>
+                  <a:schemeClr val="bg1">
+                    <a:lumMod val="75000"/>
+                  </a:schemeClr>
+                </a:solidFill>
+              </a:rPr>
+              <a:t>デプロイ</a:t>
+            </a:r>
+            <a:endParaRPr lang="en-US" altLang="ja-JP" dirty="0">
+              <a:solidFill>
+                <a:schemeClr val="bg1">
+                  <a:lumMod val="75000"/>
+                </a:schemeClr>
+              </a:solidFill>
+            </a:endParaRPr>
+          </a:p>
+          <a:p>
+            <a:pPr>
+              <a:buFont typeface="+mj-lt"/>
+              <a:buAutoNum type="arabicPeriod"/>
+            </a:pPr>
+            <a:r>
+              <a:rPr lang="ja-JP" altLang="en-US" dirty="0" smtClean="0">
                 <a:solidFill>
                   <a:srgbClr val="BFBFBF"/>
                 </a:solidFill>
@@ -12829,7 +12414,7 @@
 </p:sld>
 </file>
 
-<file path=ppt/slides/slide19.xml><?xml version="1.0" encoding="utf-8"?>
+<file path=ppt/slides/slide18.xml><?xml version="1.0" encoding="utf-8"?>
 <p:sld xmlns:a="http://schemas.openxmlformats.org/drawingml/2006/main" xmlns:r="http://schemas.openxmlformats.org/officeDocument/2006/relationships" xmlns:p="http://schemas.openxmlformats.org/presentationml/2006/main">
   <p:cSld>
     <p:spTree>
@@ -12851,7 +12436,7 @@
           <p:cNvPr id="2" name="タイトル 1">
             <a:extLst>
               <a:ext uri="{FF2B5EF4-FFF2-40B4-BE49-F238E27FC236}">
-                <a16:creationId xmlns="" xmlns:a16="http://schemas.microsoft.com/office/drawing/2014/main" id="{41FAA20E-7C33-4452-B000-1315C6D7BF74}"/>
+                <a16:creationId xmlns:a16="http://schemas.microsoft.com/office/drawing/2014/main" xmlns="" id="{41FAA20E-7C33-4452-B000-1315C6D7BF74}"/>
               </a:ext>
             </a:extLst>
           </p:cNvPr>
@@ -12884,7 +12469,7 @@
           <p:cNvPr id="3" name="コンテンツ プレースホルダー 2">
             <a:extLst>
               <a:ext uri="{FF2B5EF4-FFF2-40B4-BE49-F238E27FC236}">
-                <a16:creationId xmlns="" xmlns:a16="http://schemas.microsoft.com/office/drawing/2014/main" id="{24173F00-B91E-440E-BAD4-BB493A21AC4B}"/>
+                <a16:creationId xmlns:a16="http://schemas.microsoft.com/office/drawing/2014/main" xmlns="" id="{24173F00-B91E-440E-BAD4-BB493A21AC4B}"/>
               </a:ext>
             </a:extLst>
           </p:cNvPr>
@@ -12907,7 +12492,7 @@
           <a:p>
             <a:pPr lvl="1">
               <a:buFont typeface="+mj-lt"/>
-              <a:buAutoNum type="arabicPeriod" startAt="11"/>
+              <a:buAutoNum type="arabicPeriod" startAt="10"/>
             </a:pPr>
             <a:r>
               <a:rPr lang="ja-JP" altLang="en-US" dirty="0"/>
@@ -12949,7 +12534,7 @@
           <p:cNvPr id="4" name="スライド番号プレースホルダー 3">
             <a:extLst>
               <a:ext uri="{FF2B5EF4-FFF2-40B4-BE49-F238E27FC236}">
-                <a16:creationId xmlns="" xmlns:a16="http://schemas.microsoft.com/office/drawing/2014/main" id="{3A64CE71-C252-41E0-98BA-363CD7954AFC}"/>
+                <a16:creationId xmlns:a16="http://schemas.microsoft.com/office/drawing/2014/main" xmlns="" id="{3A64CE71-C252-41E0-98BA-363CD7954AFC}"/>
               </a:ext>
             </a:extLst>
           </p:cNvPr>
@@ -12968,7 +12553,7 @@
             <a:fld id="{FC7FC04C-4975-46EC-A609-F7DE0D5B1B51}" type="slidenum">
               <a:rPr kumimoji="1" lang="ja-JP" altLang="en-US" smtClean="0"/>
               <a:pPr/>
-              <a:t>19</a:t>
+              <a:t>18</a:t>
             </a:fld>
             <a:endParaRPr kumimoji="1" lang="ja-JP" altLang="en-US" dirty="0"/>
           </a:p>
@@ -12979,7 +12564,7 @@
           <p:cNvPr id="7" name="表 6">
             <a:extLst>
               <a:ext uri="{FF2B5EF4-FFF2-40B4-BE49-F238E27FC236}">
-                <a16:creationId xmlns="" xmlns:a16="http://schemas.microsoft.com/office/drawing/2014/main" id="{98063CA4-BBF9-44CC-A612-1620B85D352F}"/>
+                <a16:creationId xmlns:a16="http://schemas.microsoft.com/office/drawing/2014/main" xmlns="" id="{98063CA4-BBF9-44CC-A612-1620B85D352F}"/>
               </a:ext>
             </a:extLst>
           </p:cNvPr>
@@ -13008,21 +12593,21 @@
                 <a:gridCol w="760683">
                   <a:extLst>
                     <a:ext uri="{9D8B030D-6E8A-4147-A177-3AD203B41FA5}">
-                      <a16:colId xmlns="" xmlns:a16="http://schemas.microsoft.com/office/drawing/2014/main" val="3097440919"/>
+                      <a16:colId xmlns:a16="http://schemas.microsoft.com/office/drawing/2014/main" xmlns="" val="3097440919"/>
                     </a:ext>
                   </a:extLst>
                 </a:gridCol>
                 <a:gridCol w="2252380">
                   <a:extLst>
                     <a:ext uri="{9D8B030D-6E8A-4147-A177-3AD203B41FA5}">
-                      <a16:colId xmlns="" xmlns:a16="http://schemas.microsoft.com/office/drawing/2014/main" val="3781596161"/>
+                      <a16:colId xmlns:a16="http://schemas.microsoft.com/office/drawing/2014/main" xmlns="" val="3781596161"/>
                     </a:ext>
                   </a:extLst>
                 </a:gridCol>
                 <a:gridCol w="3618676">
                   <a:extLst>
                     <a:ext uri="{9D8B030D-6E8A-4147-A177-3AD203B41FA5}">
-                      <a16:colId xmlns="" xmlns:a16="http://schemas.microsoft.com/office/drawing/2014/main" val="101742419"/>
+                      <a16:colId xmlns:a16="http://schemas.microsoft.com/office/drawing/2014/main" xmlns="" val="101742419"/>
                     </a:ext>
                   </a:extLst>
                 </a:gridCol>
@@ -13096,7 +12681,7 @@
                 </a:tc>
                 <a:extLst>
                   <a:ext uri="{0D108BD9-81ED-4DB2-BD59-A6C34878D82A}">
-                    <a16:rowId xmlns="" xmlns:a16="http://schemas.microsoft.com/office/drawing/2014/main" val="3698804113"/>
+                    <a16:rowId xmlns:a16="http://schemas.microsoft.com/office/drawing/2014/main" xmlns="" val="3698804113"/>
                   </a:ext>
                 </a:extLst>
               </a:tr>
@@ -13193,7 +12778,7 @@
                 </a:tc>
                 <a:extLst>
                   <a:ext uri="{0D108BD9-81ED-4DB2-BD59-A6C34878D82A}">
-                    <a16:rowId xmlns="" xmlns:a16="http://schemas.microsoft.com/office/drawing/2014/main" val="107489019"/>
+                    <a16:rowId xmlns:a16="http://schemas.microsoft.com/office/drawing/2014/main" xmlns="" val="107489019"/>
                   </a:ext>
                 </a:extLst>
               </a:tr>
@@ -13266,7 +12851,7 @@
                 </a:tc>
                 <a:extLst>
                   <a:ext uri="{0D108BD9-81ED-4DB2-BD59-A6C34878D82A}">
-                    <a16:rowId xmlns="" xmlns:a16="http://schemas.microsoft.com/office/drawing/2014/main" val="3404879894"/>
+                    <a16:rowId xmlns:a16="http://schemas.microsoft.com/office/drawing/2014/main" xmlns="" val="3404879894"/>
                   </a:ext>
                 </a:extLst>
               </a:tr>
@@ -13339,7 +12924,7 @@
                 </a:tc>
                 <a:extLst>
                   <a:ext uri="{0D108BD9-81ED-4DB2-BD59-A6C34878D82A}">
-                    <a16:rowId xmlns="" xmlns:a16="http://schemas.microsoft.com/office/drawing/2014/main" val="1504046248"/>
+                    <a16:rowId xmlns:a16="http://schemas.microsoft.com/office/drawing/2014/main" xmlns="" val="1504046248"/>
                   </a:ext>
                 </a:extLst>
               </a:tr>
@@ -13412,7 +12997,7 @@
                 </a:tc>
                 <a:extLst>
                   <a:ext uri="{0D108BD9-81ED-4DB2-BD59-A6C34878D82A}">
-                    <a16:rowId xmlns="" xmlns:a16="http://schemas.microsoft.com/office/drawing/2014/main" val="2285871372"/>
+                    <a16:rowId xmlns:a16="http://schemas.microsoft.com/office/drawing/2014/main" xmlns="" val="2285871372"/>
                   </a:ext>
                 </a:extLst>
               </a:tr>
@@ -13479,7 +13064,7 @@
                 </a:tc>
                 <a:extLst>
                   <a:ext uri="{0D108BD9-81ED-4DB2-BD59-A6C34878D82A}">
-                    <a16:rowId xmlns="" xmlns:a16="http://schemas.microsoft.com/office/drawing/2014/main" val="68402242"/>
+                    <a16:rowId xmlns:a16="http://schemas.microsoft.com/office/drawing/2014/main" xmlns="" val="68402242"/>
                   </a:ext>
                 </a:extLst>
               </a:tr>
@@ -13576,7 +13161,7 @@
                 </a:tc>
                 <a:extLst>
                   <a:ext uri="{0D108BD9-81ED-4DB2-BD59-A6C34878D82A}">
-                    <a16:rowId xmlns="" xmlns:a16="http://schemas.microsoft.com/office/drawing/2014/main" val="1909847772"/>
+                    <a16:rowId xmlns:a16="http://schemas.microsoft.com/office/drawing/2014/main" xmlns="" val="1909847772"/>
                   </a:ext>
                 </a:extLst>
               </a:tr>
@@ -13649,7 +13234,7 @@
                 </a:tc>
                 <a:extLst>
                   <a:ext uri="{0D108BD9-81ED-4DB2-BD59-A6C34878D82A}">
-                    <a16:rowId xmlns="" xmlns:a16="http://schemas.microsoft.com/office/drawing/2014/main" val="3267968211"/>
+                    <a16:rowId xmlns:a16="http://schemas.microsoft.com/office/drawing/2014/main" xmlns="" val="3267968211"/>
                   </a:ext>
                 </a:extLst>
               </a:tr>
@@ -13722,7 +13307,7 @@
                 </a:tc>
                 <a:extLst>
                   <a:ext uri="{0D108BD9-81ED-4DB2-BD59-A6C34878D82A}">
-                    <a16:rowId xmlns="" xmlns:a16="http://schemas.microsoft.com/office/drawing/2014/main" val="1862532213"/>
+                    <a16:rowId xmlns:a16="http://schemas.microsoft.com/office/drawing/2014/main" xmlns="" val="1862532213"/>
                   </a:ext>
                 </a:extLst>
               </a:tr>
@@ -13795,7 +13380,7 @@
                 </a:tc>
                 <a:extLst>
                   <a:ext uri="{0D108BD9-81ED-4DB2-BD59-A6C34878D82A}">
-                    <a16:rowId xmlns="" xmlns:a16="http://schemas.microsoft.com/office/drawing/2014/main" val="101594728"/>
+                    <a16:rowId xmlns:a16="http://schemas.microsoft.com/office/drawing/2014/main" xmlns="" val="101594728"/>
                   </a:ext>
                 </a:extLst>
               </a:tr>
@@ -13850,7 +13435,7 @@
                 </a:tc>
                 <a:extLst>
                   <a:ext uri="{0D108BD9-81ED-4DB2-BD59-A6C34878D82A}">
-                    <a16:rowId xmlns="" xmlns:a16="http://schemas.microsoft.com/office/drawing/2014/main" val="815672259"/>
+                    <a16:rowId xmlns:a16="http://schemas.microsoft.com/office/drawing/2014/main" xmlns="" val="815672259"/>
                   </a:ext>
                 </a:extLst>
               </a:tr>
@@ -13947,7 +13532,7 @@
                 </a:tc>
                 <a:extLst>
                   <a:ext uri="{0D108BD9-81ED-4DB2-BD59-A6C34878D82A}">
-                    <a16:rowId xmlns="" xmlns:a16="http://schemas.microsoft.com/office/drawing/2014/main" val="3163050151"/>
+                    <a16:rowId xmlns:a16="http://schemas.microsoft.com/office/drawing/2014/main" xmlns="" val="3163050151"/>
                   </a:ext>
                 </a:extLst>
               </a:tr>
@@ -14020,7 +13605,7 @@
                 </a:tc>
                 <a:extLst>
                   <a:ext uri="{0D108BD9-81ED-4DB2-BD59-A6C34878D82A}">
-                    <a16:rowId xmlns="" xmlns:a16="http://schemas.microsoft.com/office/drawing/2014/main" val="2127901705"/>
+                    <a16:rowId xmlns:a16="http://schemas.microsoft.com/office/drawing/2014/main" xmlns="" val="2127901705"/>
                   </a:ext>
                 </a:extLst>
               </a:tr>
@@ -14093,7 +13678,7 @@
                 </a:tc>
                 <a:extLst>
                   <a:ext uri="{0D108BD9-81ED-4DB2-BD59-A6C34878D82A}">
-                    <a16:rowId xmlns="" xmlns:a16="http://schemas.microsoft.com/office/drawing/2014/main" val="1639569515"/>
+                    <a16:rowId xmlns:a16="http://schemas.microsoft.com/office/drawing/2014/main" xmlns="" val="1639569515"/>
                   </a:ext>
                 </a:extLst>
               </a:tr>
@@ -14166,7 +13751,7 @@
                 </a:tc>
                 <a:extLst>
                   <a:ext uri="{0D108BD9-81ED-4DB2-BD59-A6C34878D82A}">
-                    <a16:rowId xmlns="" xmlns:a16="http://schemas.microsoft.com/office/drawing/2014/main" val="3566620226"/>
+                    <a16:rowId xmlns:a16="http://schemas.microsoft.com/office/drawing/2014/main" xmlns="" val="3566620226"/>
                   </a:ext>
                 </a:extLst>
               </a:tr>
@@ -14221,7 +13806,7 @@
                 </a:tc>
                 <a:extLst>
                   <a:ext uri="{0D108BD9-81ED-4DB2-BD59-A6C34878D82A}">
-                    <a16:rowId xmlns="" xmlns:a16="http://schemas.microsoft.com/office/drawing/2014/main" val="233984755"/>
+                    <a16:rowId xmlns:a16="http://schemas.microsoft.com/office/drawing/2014/main" xmlns="" val="233984755"/>
                   </a:ext>
                 </a:extLst>
               </a:tr>
@@ -14675,7 +14260,40 @@
               <a:buAutoNum type="arabicPeriod"/>
             </a:pPr>
             <a:r>
+              <a:rPr lang="en-US" altLang="ja-JP" dirty="0">
+                <a:solidFill>
+                  <a:schemeClr val="bg1">
+                    <a:lumMod val="75000"/>
+                  </a:schemeClr>
+                </a:solidFill>
+              </a:rPr>
+              <a:t>CMS </a:t>
+            </a:r>
+            <a:r>
               <a:rPr lang="ja-JP" altLang="en-US" dirty="0">
+                <a:solidFill>
+                  <a:schemeClr val="bg1">
+                    <a:lumMod val="75000"/>
+                  </a:schemeClr>
+                </a:solidFill>
+              </a:rPr>
+              <a:t>デプロイ</a:t>
+            </a:r>
+            <a:endParaRPr lang="en-US" altLang="ja-JP" dirty="0">
+              <a:solidFill>
+                <a:schemeClr val="bg1">
+                  <a:lumMod val="75000"/>
+                </a:schemeClr>
+              </a:solidFill>
+            </a:endParaRPr>
+          </a:p>
+          <a:p>
+            <a:pPr>
+              <a:buFont typeface="+mj-lt"/>
+              <a:buAutoNum type="arabicPeriod"/>
+            </a:pPr>
+            <a:r>
+              <a:rPr lang="ja-JP" altLang="en-US" dirty="0" smtClean="0">
                 <a:solidFill>
                   <a:srgbClr val="BFBFBF"/>
                 </a:solidFill>
@@ -14736,7 +14354,7 @@
 </p:sld>
 </file>
 
-<file path=ppt/slides/slide2.xml><?xml version="1.0" encoding="utf-8"?>
+<file path=ppt/slides/slide19.xml><?xml version="1.0" encoding="utf-8"?>
 <p:sld xmlns:a="http://schemas.openxmlformats.org/drawingml/2006/main" xmlns:r="http://schemas.openxmlformats.org/officeDocument/2006/relationships" xmlns:p="http://schemas.openxmlformats.org/presentationml/2006/main">
   <p:cSld>
     <p:spTree>
@@ -14758,7 +14376,7 @@
           <p:cNvPr id="2" name="タイトル 1">
             <a:extLst>
               <a:ext uri="{FF2B5EF4-FFF2-40B4-BE49-F238E27FC236}">
-                <a16:creationId xmlns="" xmlns:a16="http://schemas.microsoft.com/office/drawing/2014/main" id="{12731FC3-AB29-492B-AE6D-8CB0EBD6035D}"/>
+                <a16:creationId xmlns:a16="http://schemas.microsoft.com/office/drawing/2014/main" xmlns="" id="{41FAA20E-7C33-4452-B000-1315C6D7BF74}"/>
               </a:ext>
             </a:extLst>
           </p:cNvPr>
@@ -14775,354 +14393,6 @@
           <a:lstStyle/>
           <a:p>
             <a:r>
-              <a:rPr kumimoji="1" lang="ja-JP" altLang="en-US" dirty="0"/>
-              <a:t>改訂履歴</a:t>
-            </a:r>
-          </a:p>
-        </p:txBody>
-      </p:sp>
-      <p:sp>
-        <p:nvSpPr>
-          <p:cNvPr id="4" name="スライド番号プレースホルダー 3">
-            <a:extLst>
-              <a:ext uri="{FF2B5EF4-FFF2-40B4-BE49-F238E27FC236}">
-                <a16:creationId xmlns="" xmlns:a16="http://schemas.microsoft.com/office/drawing/2014/main" id="{5A8CD54E-7EDD-451D-9C7A-85E4A20CEBF0}"/>
-              </a:ext>
-            </a:extLst>
-          </p:cNvPr>
-          <p:cNvSpPr>
-            <a:spLocks noGrp="1"/>
-          </p:cNvSpPr>
-          <p:nvPr>
-            <p:ph type="sldNum" sz="quarter" idx="12"/>
-          </p:nvPr>
-        </p:nvSpPr>
-        <p:spPr/>
-        <p:txBody>
-          <a:bodyPr/>
-          <a:lstStyle/>
-          <a:p>
-            <a:fld id="{FC7FC04C-4975-46EC-A609-F7DE0D5B1B51}" type="slidenum">
-              <a:rPr kumimoji="1" lang="ja-JP" altLang="en-US" smtClean="0"/>
-              <a:pPr/>
-              <a:t>2</a:t>
-            </a:fld>
-            <a:endParaRPr kumimoji="1" lang="ja-JP" altLang="en-US" dirty="0"/>
-          </a:p>
-        </p:txBody>
-      </p:sp>
-      <p:graphicFrame>
-        <p:nvGraphicFramePr>
-          <p:cNvPr id="5" name="表 4">
-            <a:extLst>
-              <a:ext uri="{FF2B5EF4-FFF2-40B4-BE49-F238E27FC236}">
-                <a16:creationId xmlns="" xmlns:a16="http://schemas.microsoft.com/office/drawing/2014/main" id="{9CC6374B-4142-4113-B041-850E8ED0401A}"/>
-              </a:ext>
-            </a:extLst>
-          </p:cNvPr>
-          <p:cNvGraphicFramePr>
-            <a:graphicFrameLocks noGrp="1"/>
-          </p:cNvGraphicFramePr>
-          <p:nvPr>
-            <p:extLst>
-              <p:ext uri="{D42A27DB-BD31-4B8C-83A1-F6EECF244321}">
-                <p14:modId xmlns:p14="http://schemas.microsoft.com/office/powerpoint/2010/main" val="1424934823"/>
-              </p:ext>
-            </p:extLst>
-          </p:nvPr>
-        </p:nvGraphicFramePr>
-        <p:xfrm>
-          <a:off x="438869" y="813934"/>
-          <a:ext cx="10618771" cy="1112520"/>
-        </p:xfrm>
-        <a:graphic>
-          <a:graphicData uri="http://schemas.openxmlformats.org/drawingml/2006/table">
-            <a:tbl>
-              <a:tblPr firstRow="1" bandRow="1">
-                <a:tableStyleId>{2A488322-F2BA-4B5B-9748-0D474271808F}</a:tableStyleId>
-              </a:tblPr>
-              <a:tblGrid>
-                <a:gridCol w="654640">
-                  <a:extLst>
-                    <a:ext uri="{9D8B030D-6E8A-4147-A177-3AD203B41FA5}">
-                      <a16:colId xmlns="" xmlns:a16="http://schemas.microsoft.com/office/drawing/2014/main" val="1645166067"/>
-                    </a:ext>
-                  </a:extLst>
-                </a:gridCol>
-                <a:gridCol w="1451728">
-                  <a:extLst>
-                    <a:ext uri="{9D8B030D-6E8A-4147-A177-3AD203B41FA5}">
-                      <a16:colId xmlns="" xmlns:a16="http://schemas.microsoft.com/office/drawing/2014/main" val="1224812834"/>
-                    </a:ext>
-                  </a:extLst>
-                </a:gridCol>
-                <a:gridCol w="1366887">
-                  <a:extLst>
-                    <a:ext uri="{9D8B030D-6E8A-4147-A177-3AD203B41FA5}">
-                      <a16:colId xmlns="" xmlns:a16="http://schemas.microsoft.com/office/drawing/2014/main" val="773108700"/>
-                    </a:ext>
-                  </a:extLst>
-                </a:gridCol>
-                <a:gridCol w="7145516">
-                  <a:extLst>
-                    <a:ext uri="{9D8B030D-6E8A-4147-A177-3AD203B41FA5}">
-                      <a16:colId xmlns="" xmlns:a16="http://schemas.microsoft.com/office/drawing/2014/main" val="1915496336"/>
-                    </a:ext>
-                  </a:extLst>
-                </a:gridCol>
-              </a:tblGrid>
-              <a:tr h="370840">
-                <a:tc>
-                  <a:txBody>
-                    <a:bodyPr/>
-                    <a:lstStyle/>
-                    <a:p>
-                      <a:r>
-                        <a:rPr kumimoji="1" lang="ja-JP" altLang="en-US" dirty="0"/>
-                        <a:t>版</a:t>
-                      </a:r>
-                    </a:p>
-                  </a:txBody>
-                  <a:tcPr/>
-                </a:tc>
-                <a:tc>
-                  <a:txBody>
-                    <a:bodyPr/>
-                    <a:lstStyle/>
-                    <a:p>
-                      <a:r>
-                        <a:rPr kumimoji="1" lang="ja-JP" altLang="en-US" dirty="0"/>
-                        <a:t>日付</a:t>
-                      </a:r>
-                    </a:p>
-                  </a:txBody>
-                  <a:tcPr/>
-                </a:tc>
-                <a:tc>
-                  <a:txBody>
-                    <a:bodyPr/>
-                    <a:lstStyle/>
-                    <a:p>
-                      <a:r>
-                        <a:rPr kumimoji="1" lang="ja-JP" altLang="en-US" dirty="0"/>
-                        <a:t>更新者</a:t>
-                      </a:r>
-                    </a:p>
-                  </a:txBody>
-                  <a:tcPr/>
-                </a:tc>
-                <a:tc>
-                  <a:txBody>
-                    <a:bodyPr/>
-                    <a:lstStyle/>
-                    <a:p>
-                      <a:r>
-                        <a:rPr kumimoji="1" lang="ja-JP" altLang="en-US" dirty="0"/>
-                        <a:t>更新内容</a:t>
-                      </a:r>
-                    </a:p>
-                  </a:txBody>
-                  <a:tcPr/>
-                </a:tc>
-                <a:extLst>
-                  <a:ext uri="{0D108BD9-81ED-4DB2-BD59-A6C34878D82A}">
-                    <a16:rowId xmlns="" xmlns:a16="http://schemas.microsoft.com/office/drawing/2014/main" val="3052914816"/>
-                  </a:ext>
-                </a:extLst>
-              </a:tr>
-              <a:tr h="370840">
-                <a:tc>
-                  <a:txBody>
-                    <a:bodyPr/>
-                    <a:lstStyle/>
-                    <a:p>
-                      <a:r>
-                        <a:rPr kumimoji="1" lang="en-US" altLang="ja-JP" dirty="0"/>
-                        <a:t>1.00</a:t>
-                      </a:r>
-                      <a:endParaRPr kumimoji="1" lang="ja-JP" altLang="en-US" dirty="0"/>
-                    </a:p>
-                  </a:txBody>
-                  <a:tcPr/>
-                </a:tc>
-                <a:tc>
-                  <a:txBody>
-                    <a:bodyPr/>
-                    <a:lstStyle/>
-                    <a:p>
-                      <a:r>
-                        <a:rPr kumimoji="1" lang="en-US" altLang="ja-JP" dirty="0"/>
-                        <a:t>2019/10/31</a:t>
-                      </a:r>
-                      <a:endParaRPr kumimoji="1" lang="ja-JP" altLang="en-US" dirty="0"/>
-                    </a:p>
-                  </a:txBody>
-                  <a:tcPr/>
-                </a:tc>
-                <a:tc>
-                  <a:txBody>
-                    <a:bodyPr/>
-                    <a:lstStyle/>
-                    <a:p>
-                      <a:r>
-                        <a:rPr kumimoji="1" lang="en-US" altLang="ja-JP" dirty="0"/>
-                        <a:t>UETOMAE</a:t>
-                      </a:r>
-                      <a:endParaRPr kumimoji="1" lang="ja-JP" altLang="en-US" dirty="0"/>
-                    </a:p>
-                  </a:txBody>
-                  <a:tcPr/>
-                </a:tc>
-                <a:tc>
-                  <a:txBody>
-                    <a:bodyPr/>
-                    <a:lstStyle/>
-                    <a:p>
-                      <a:r>
-                        <a:rPr kumimoji="1" lang="ja-JP" altLang="en-US" dirty="0"/>
-                        <a:t>新規作成</a:t>
-                      </a:r>
-                    </a:p>
-                  </a:txBody>
-                  <a:tcPr/>
-                </a:tc>
-                <a:extLst>
-                  <a:ext uri="{0D108BD9-81ED-4DB2-BD59-A6C34878D82A}">
-                    <a16:rowId xmlns="" xmlns:a16="http://schemas.microsoft.com/office/drawing/2014/main" val="2549488193"/>
-                  </a:ext>
-                </a:extLst>
-              </a:tr>
-              <a:tr h="370840">
-                <a:tc>
-                  <a:txBody>
-                    <a:bodyPr/>
-                    <a:lstStyle/>
-                    <a:p>
-                      <a:r>
-                        <a:rPr kumimoji="1" lang="en-US" altLang="ja-JP" dirty="0" smtClean="0"/>
-                        <a:t>2.00</a:t>
-                      </a:r>
-                      <a:endParaRPr kumimoji="1" lang="ja-JP" altLang="en-US" dirty="0"/>
-                    </a:p>
-                  </a:txBody>
-                  <a:tcPr/>
-                </a:tc>
-                <a:tc>
-                  <a:txBody>
-                    <a:bodyPr/>
-                    <a:lstStyle/>
-                    <a:p>
-                      <a:r>
-                        <a:rPr kumimoji="1" lang="en-US" altLang="ja-JP" dirty="0" smtClean="0"/>
-                        <a:t>2020/07/02</a:t>
-                      </a:r>
-                      <a:endParaRPr kumimoji="1" lang="ja-JP" altLang="en-US" dirty="0"/>
-                    </a:p>
-                  </a:txBody>
-                  <a:tcPr/>
-                </a:tc>
-                <a:tc>
-                  <a:txBody>
-                    <a:bodyPr/>
-                    <a:lstStyle/>
-                    <a:p>
-                      <a:pPr marL="0" marR="0" indent="0" algn="l" defTabSz="457200" rtl="0" eaLnBrk="1" fontAlgn="auto" latinLnBrk="0" hangingPunct="1">
-                        <a:lnSpc>
-                          <a:spcPct val="100000"/>
-                        </a:lnSpc>
-                        <a:spcBef>
-                          <a:spcPts val="0"/>
-                        </a:spcBef>
-                        <a:spcAft>
-                          <a:spcPts val="0"/>
-                        </a:spcAft>
-                        <a:buClrTx/>
-                        <a:buSzTx/>
-                        <a:buFontTx/>
-                        <a:buNone/>
-                        <a:tabLst/>
-                        <a:defRPr/>
-                      </a:pPr>
-                      <a:r>
-                        <a:rPr kumimoji="1" lang="en-US" altLang="ja-JP" dirty="0" smtClean="0"/>
-                        <a:t>UETOMAE</a:t>
-                      </a:r>
-                      <a:endParaRPr kumimoji="1" lang="ja-JP" altLang="en-US" dirty="0" smtClean="0"/>
-                    </a:p>
-                  </a:txBody>
-                  <a:tcPr/>
-                </a:tc>
-                <a:tc>
-                  <a:txBody>
-                    <a:bodyPr/>
-                    <a:lstStyle/>
-                    <a:p>
-                      <a:r>
-                        <a:rPr kumimoji="1" lang="ja-JP" altLang="en-US" dirty="0" smtClean="0"/>
-                        <a:t>インフラ構成図追加、パラメータ一覧追加、構築手順更新</a:t>
-                      </a:r>
-                      <a:endParaRPr kumimoji="1" lang="ja-JP" altLang="en-US" dirty="0"/>
-                    </a:p>
-                  </a:txBody>
-                  <a:tcPr/>
-                </a:tc>
-              </a:tr>
-            </a:tbl>
-          </a:graphicData>
-        </a:graphic>
-      </p:graphicFrame>
-    </p:spTree>
-    <p:extLst>
-      <p:ext uri="{BB962C8B-B14F-4D97-AF65-F5344CB8AC3E}">
-        <p14:creationId xmlns:p14="http://schemas.microsoft.com/office/powerpoint/2010/main" val="1599431345"/>
-      </p:ext>
-    </p:extLst>
-  </p:cSld>
-  <p:clrMapOvr>
-    <a:masterClrMapping/>
-  </p:clrMapOvr>
-</p:sld>
-</file>
-
-<file path=ppt/slides/slide20.xml><?xml version="1.0" encoding="utf-8"?>
-<p:sld xmlns:a="http://schemas.openxmlformats.org/drawingml/2006/main" xmlns:r="http://schemas.openxmlformats.org/officeDocument/2006/relationships" xmlns:p="http://schemas.openxmlformats.org/presentationml/2006/main">
-  <p:cSld>
-    <p:spTree>
-      <p:nvGrpSpPr>
-        <p:cNvPr id="1" name=""/>
-        <p:cNvGrpSpPr/>
-        <p:nvPr/>
-      </p:nvGrpSpPr>
-      <p:grpSpPr>
-        <a:xfrm>
-          <a:off x="0" y="0"/>
-          <a:ext cx="0" cy="0"/>
-          <a:chOff x="0" y="0"/>
-          <a:chExt cx="0" cy="0"/>
-        </a:xfrm>
-      </p:grpSpPr>
-      <p:sp>
-        <p:nvSpPr>
-          <p:cNvPr id="2" name="タイトル 1">
-            <a:extLst>
-              <a:ext uri="{FF2B5EF4-FFF2-40B4-BE49-F238E27FC236}">
-                <a16:creationId xmlns="" xmlns:a16="http://schemas.microsoft.com/office/drawing/2014/main" id="{41FAA20E-7C33-4452-B000-1315C6D7BF74}"/>
-              </a:ext>
-            </a:extLst>
-          </p:cNvPr>
-          <p:cNvSpPr>
-            <a:spLocks noGrp="1"/>
-          </p:cNvSpPr>
-          <p:nvPr>
-            <p:ph type="title"/>
-          </p:nvPr>
-        </p:nvSpPr>
-        <p:spPr/>
-        <p:txBody>
-          <a:bodyPr/>
-          <a:lstStyle/>
-          <a:p>
-            <a:r>
               <a:rPr lang="en-US" altLang="ja-JP" dirty="0" smtClean="0"/>
               <a:t>AWS</a:t>
             </a:r>
@@ -15139,7 +14409,7 @@
           <p:cNvPr id="3" name="コンテンツ プレースホルダー 2">
             <a:extLst>
               <a:ext uri="{FF2B5EF4-FFF2-40B4-BE49-F238E27FC236}">
-                <a16:creationId xmlns="" xmlns:a16="http://schemas.microsoft.com/office/drawing/2014/main" id="{24173F00-B91E-440E-BAD4-BB493A21AC4B}"/>
+                <a16:creationId xmlns:a16="http://schemas.microsoft.com/office/drawing/2014/main" xmlns="" id="{24173F00-B91E-440E-BAD4-BB493A21AC4B}"/>
               </a:ext>
             </a:extLst>
           </p:cNvPr>
@@ -15397,7 +14667,7 @@
           <p:cNvPr id="4" name="スライド番号プレースホルダー 3">
             <a:extLst>
               <a:ext uri="{FF2B5EF4-FFF2-40B4-BE49-F238E27FC236}">
-                <a16:creationId xmlns="" xmlns:a16="http://schemas.microsoft.com/office/drawing/2014/main" id="{3A64CE71-C252-41E0-98BA-363CD7954AFC}"/>
+                <a16:creationId xmlns:a16="http://schemas.microsoft.com/office/drawing/2014/main" xmlns="" id="{3A64CE71-C252-41E0-98BA-363CD7954AFC}"/>
               </a:ext>
             </a:extLst>
           </p:cNvPr>
@@ -15416,7 +14686,7 @@
             <a:fld id="{FC7FC04C-4975-46EC-A609-F7DE0D5B1B51}" type="slidenum">
               <a:rPr kumimoji="1" lang="ja-JP" altLang="en-US" smtClean="0"/>
               <a:pPr/>
-              <a:t>20</a:t>
+              <a:t>19</a:t>
             </a:fld>
             <a:endParaRPr kumimoji="1" lang="ja-JP" altLang="en-US" dirty="0"/>
           </a:p>
@@ -15870,7 +15140,40 @@
               <a:buAutoNum type="arabicPeriod"/>
             </a:pPr>
             <a:r>
+              <a:rPr lang="en-US" altLang="ja-JP" dirty="0">
+                <a:solidFill>
+                  <a:schemeClr val="bg1">
+                    <a:lumMod val="75000"/>
+                  </a:schemeClr>
+                </a:solidFill>
+              </a:rPr>
+              <a:t>CMS </a:t>
+            </a:r>
+            <a:r>
               <a:rPr lang="ja-JP" altLang="en-US" dirty="0">
+                <a:solidFill>
+                  <a:schemeClr val="bg1">
+                    <a:lumMod val="75000"/>
+                  </a:schemeClr>
+                </a:solidFill>
+              </a:rPr>
+              <a:t>デプロイ</a:t>
+            </a:r>
+            <a:endParaRPr lang="en-US" altLang="ja-JP" dirty="0">
+              <a:solidFill>
+                <a:schemeClr val="bg1">
+                  <a:lumMod val="75000"/>
+                </a:schemeClr>
+              </a:solidFill>
+            </a:endParaRPr>
+          </a:p>
+          <a:p>
+            <a:pPr>
+              <a:buFont typeface="+mj-lt"/>
+              <a:buAutoNum type="arabicPeriod"/>
+            </a:pPr>
+            <a:r>
+              <a:rPr lang="ja-JP" altLang="en-US" dirty="0" smtClean="0">
                 <a:solidFill>
                   <a:srgbClr val="BFBFBF"/>
                 </a:solidFill>
@@ -16040,7 +15343,7 @@
           <p:cNvPr id="12" name="表 11">
             <a:extLst>
               <a:ext uri="{FF2B5EF4-FFF2-40B4-BE49-F238E27FC236}">
-                <a16:creationId xmlns="" xmlns:a16="http://schemas.microsoft.com/office/drawing/2014/main" id="{5272C826-C1D9-418F-A534-E17A3F1A95EC}"/>
+                <a16:creationId xmlns:a16="http://schemas.microsoft.com/office/drawing/2014/main" xmlns="" id="{5272C826-C1D9-418F-A534-E17A3F1A95EC}"/>
               </a:ext>
             </a:extLst>
           </p:cNvPr>
@@ -16069,14 +15372,14 @@
                 <a:gridCol w="1009429">
                   <a:extLst>
                     <a:ext uri="{9D8B030D-6E8A-4147-A177-3AD203B41FA5}">
-                      <a16:colId xmlns="" xmlns:a16="http://schemas.microsoft.com/office/drawing/2014/main" val="2918184759"/>
+                      <a16:colId xmlns:a16="http://schemas.microsoft.com/office/drawing/2014/main" xmlns="" val="2918184759"/>
                     </a:ext>
                   </a:extLst>
                 </a:gridCol>
                 <a:gridCol w="2749771">
                   <a:extLst>
                     <a:ext uri="{9D8B030D-6E8A-4147-A177-3AD203B41FA5}">
-                      <a16:colId xmlns="" xmlns:a16="http://schemas.microsoft.com/office/drawing/2014/main" val="650853217"/>
+                      <a16:colId xmlns:a16="http://schemas.microsoft.com/office/drawing/2014/main" xmlns="" val="650853217"/>
                     </a:ext>
                   </a:extLst>
                 </a:gridCol>
@@ -16150,7 +15453,7 @@
                 </a:tc>
                 <a:extLst>
                   <a:ext uri="{0D108BD9-81ED-4DB2-BD59-A6C34878D82A}">
-                    <a16:rowId xmlns="" xmlns:a16="http://schemas.microsoft.com/office/drawing/2014/main" val="863991715"/>
+                    <a16:rowId xmlns:a16="http://schemas.microsoft.com/office/drawing/2014/main" xmlns="" val="863991715"/>
                   </a:ext>
                 </a:extLst>
               </a:tr>
@@ -16223,7 +15526,7 @@
                 </a:tc>
                 <a:extLst>
                   <a:ext uri="{0D108BD9-81ED-4DB2-BD59-A6C34878D82A}">
-                    <a16:rowId xmlns="" xmlns:a16="http://schemas.microsoft.com/office/drawing/2014/main" val="3672779048"/>
+                    <a16:rowId xmlns:a16="http://schemas.microsoft.com/office/drawing/2014/main" xmlns="" val="3672779048"/>
                   </a:ext>
                 </a:extLst>
               </a:tr>
@@ -16236,7 +15539,7 @@
           <p:cNvPr id="13" name="表 12">
             <a:extLst>
               <a:ext uri="{FF2B5EF4-FFF2-40B4-BE49-F238E27FC236}">
-                <a16:creationId xmlns="" xmlns:a16="http://schemas.microsoft.com/office/drawing/2014/main" id="{5272C826-C1D9-418F-A534-E17A3F1A95EC}"/>
+                <a16:creationId xmlns:a16="http://schemas.microsoft.com/office/drawing/2014/main" xmlns="" id="{5272C826-C1D9-418F-A534-E17A3F1A95EC}"/>
               </a:ext>
             </a:extLst>
           </p:cNvPr>
@@ -16265,14 +15568,14 @@
                 <a:gridCol w="2555234">
                   <a:extLst>
                     <a:ext uri="{9D8B030D-6E8A-4147-A177-3AD203B41FA5}">
-                      <a16:colId xmlns="" xmlns:a16="http://schemas.microsoft.com/office/drawing/2014/main" val="2918184759"/>
+                      <a16:colId xmlns:a16="http://schemas.microsoft.com/office/drawing/2014/main" xmlns="" val="2918184759"/>
                     </a:ext>
                   </a:extLst>
                 </a:gridCol>
                 <a:gridCol w="2997700">
                   <a:extLst>
                     <a:ext uri="{9D8B030D-6E8A-4147-A177-3AD203B41FA5}">
-                      <a16:colId xmlns="" xmlns:a16="http://schemas.microsoft.com/office/drawing/2014/main" val="650853217"/>
+                      <a16:colId xmlns:a16="http://schemas.microsoft.com/office/drawing/2014/main" xmlns="" val="650853217"/>
                     </a:ext>
                   </a:extLst>
                 </a:gridCol>
@@ -16412,7 +15715,7 @@
                 </a:tc>
                 <a:extLst>
                   <a:ext uri="{0D108BD9-81ED-4DB2-BD59-A6C34878D82A}">
-                    <a16:rowId xmlns="" xmlns:a16="http://schemas.microsoft.com/office/drawing/2014/main" val="863991715"/>
+                    <a16:rowId xmlns:a16="http://schemas.microsoft.com/office/drawing/2014/main" xmlns="" val="863991715"/>
                   </a:ext>
                 </a:extLst>
               </a:tr>
@@ -16485,7 +15788,7 @@
                 </a:tc>
                 <a:extLst>
                   <a:ext uri="{0D108BD9-81ED-4DB2-BD59-A6C34878D82A}">
-                    <a16:rowId xmlns="" xmlns:a16="http://schemas.microsoft.com/office/drawing/2014/main" val="3672779048"/>
+                    <a16:rowId xmlns:a16="http://schemas.microsoft.com/office/drawing/2014/main" xmlns="" val="3672779048"/>
                   </a:ext>
                 </a:extLst>
               </a:tr>
@@ -16781,7 +16084,7 @@
           <p:cNvPr id="14" name="表 13">
             <a:extLst>
               <a:ext uri="{FF2B5EF4-FFF2-40B4-BE49-F238E27FC236}">
-                <a16:creationId xmlns="" xmlns:a16="http://schemas.microsoft.com/office/drawing/2014/main" id="{5272C826-C1D9-418F-A534-E17A3F1A95EC}"/>
+                <a16:creationId xmlns:a16="http://schemas.microsoft.com/office/drawing/2014/main" xmlns="" id="{5272C826-C1D9-418F-A534-E17A3F1A95EC}"/>
               </a:ext>
             </a:extLst>
           </p:cNvPr>
@@ -16810,14 +16113,14 @@
                 <a:gridCol w="2816309">
                   <a:extLst>
                     <a:ext uri="{9D8B030D-6E8A-4147-A177-3AD203B41FA5}">
-                      <a16:colId xmlns="" xmlns:a16="http://schemas.microsoft.com/office/drawing/2014/main" val="2918184759"/>
+                      <a16:colId xmlns:a16="http://schemas.microsoft.com/office/drawing/2014/main" xmlns="" val="2918184759"/>
                     </a:ext>
                   </a:extLst>
                 </a:gridCol>
                 <a:gridCol w="443010">
                   <a:extLst>
                     <a:ext uri="{9D8B030D-6E8A-4147-A177-3AD203B41FA5}">
-                      <a16:colId xmlns="" xmlns:a16="http://schemas.microsoft.com/office/drawing/2014/main" val="650853217"/>
+                      <a16:colId xmlns:a16="http://schemas.microsoft.com/office/drawing/2014/main" xmlns="" val="650853217"/>
                     </a:ext>
                   </a:extLst>
                 </a:gridCol>
@@ -16884,7 +16187,7 @@
                 </a:tc>
                 <a:extLst>
                   <a:ext uri="{0D108BD9-81ED-4DB2-BD59-A6C34878D82A}">
-                    <a16:rowId xmlns="" xmlns:a16="http://schemas.microsoft.com/office/drawing/2014/main" val="863991715"/>
+                    <a16:rowId xmlns:a16="http://schemas.microsoft.com/office/drawing/2014/main" xmlns="" val="863991715"/>
                   </a:ext>
                 </a:extLst>
               </a:tr>
@@ -16912,7 +16215,7 @@
 </p:sld>
 </file>
 
-<file path=ppt/slides/slide21.xml><?xml version="1.0" encoding="utf-8"?>
+<file path=ppt/slides/slide2.xml><?xml version="1.0" encoding="utf-8"?>
 <p:sld xmlns:a="http://schemas.openxmlformats.org/drawingml/2006/main" xmlns:r="http://schemas.openxmlformats.org/officeDocument/2006/relationships" xmlns:p="http://schemas.openxmlformats.org/presentationml/2006/main">
   <p:cSld>
     <p:spTree>
@@ -16934,7 +16237,7 @@
           <p:cNvPr id="2" name="タイトル 1">
             <a:extLst>
               <a:ext uri="{FF2B5EF4-FFF2-40B4-BE49-F238E27FC236}">
-                <a16:creationId xmlns="" xmlns:a16="http://schemas.microsoft.com/office/drawing/2014/main" id="{41FAA20E-7C33-4452-B000-1315C6D7BF74}"/>
+                <a16:creationId xmlns:a16="http://schemas.microsoft.com/office/drawing/2014/main" xmlns="" id="{12731FC3-AB29-492B-AE6D-8CB0EBD6035D}"/>
               </a:ext>
             </a:extLst>
           </p:cNvPr>
@@ -16951,6 +16254,354 @@
           <a:lstStyle/>
           <a:p>
             <a:r>
+              <a:rPr kumimoji="1" lang="ja-JP" altLang="en-US" dirty="0"/>
+              <a:t>改訂履歴</a:t>
+            </a:r>
+          </a:p>
+        </p:txBody>
+      </p:sp>
+      <p:sp>
+        <p:nvSpPr>
+          <p:cNvPr id="4" name="スライド番号プレースホルダー 3">
+            <a:extLst>
+              <a:ext uri="{FF2B5EF4-FFF2-40B4-BE49-F238E27FC236}">
+                <a16:creationId xmlns:a16="http://schemas.microsoft.com/office/drawing/2014/main" xmlns="" id="{5A8CD54E-7EDD-451D-9C7A-85E4A20CEBF0}"/>
+              </a:ext>
+            </a:extLst>
+          </p:cNvPr>
+          <p:cNvSpPr>
+            <a:spLocks noGrp="1"/>
+          </p:cNvSpPr>
+          <p:nvPr>
+            <p:ph type="sldNum" sz="quarter" idx="12"/>
+          </p:nvPr>
+        </p:nvSpPr>
+        <p:spPr/>
+        <p:txBody>
+          <a:bodyPr/>
+          <a:lstStyle/>
+          <a:p>
+            <a:fld id="{FC7FC04C-4975-46EC-A609-F7DE0D5B1B51}" type="slidenum">
+              <a:rPr kumimoji="1" lang="ja-JP" altLang="en-US" smtClean="0"/>
+              <a:pPr/>
+              <a:t>2</a:t>
+            </a:fld>
+            <a:endParaRPr kumimoji="1" lang="ja-JP" altLang="en-US" dirty="0"/>
+          </a:p>
+        </p:txBody>
+      </p:sp>
+      <p:graphicFrame>
+        <p:nvGraphicFramePr>
+          <p:cNvPr id="5" name="表 4">
+            <a:extLst>
+              <a:ext uri="{FF2B5EF4-FFF2-40B4-BE49-F238E27FC236}">
+                <a16:creationId xmlns:a16="http://schemas.microsoft.com/office/drawing/2014/main" xmlns="" id="{9CC6374B-4142-4113-B041-850E8ED0401A}"/>
+              </a:ext>
+            </a:extLst>
+          </p:cNvPr>
+          <p:cNvGraphicFramePr>
+            <a:graphicFrameLocks noGrp="1"/>
+          </p:cNvGraphicFramePr>
+          <p:nvPr>
+            <p:extLst>
+              <p:ext uri="{D42A27DB-BD31-4B8C-83A1-F6EECF244321}">
+                <p14:modId xmlns:p14="http://schemas.microsoft.com/office/powerpoint/2010/main" val="1424934823"/>
+              </p:ext>
+            </p:extLst>
+          </p:nvPr>
+        </p:nvGraphicFramePr>
+        <p:xfrm>
+          <a:off x="438869" y="813934"/>
+          <a:ext cx="10618771" cy="1112520"/>
+        </p:xfrm>
+        <a:graphic>
+          <a:graphicData uri="http://schemas.openxmlformats.org/drawingml/2006/table">
+            <a:tbl>
+              <a:tblPr firstRow="1" bandRow="1">
+                <a:tableStyleId>{2A488322-F2BA-4B5B-9748-0D474271808F}</a:tableStyleId>
+              </a:tblPr>
+              <a:tblGrid>
+                <a:gridCol w="654640">
+                  <a:extLst>
+                    <a:ext uri="{9D8B030D-6E8A-4147-A177-3AD203B41FA5}">
+                      <a16:colId xmlns:a16="http://schemas.microsoft.com/office/drawing/2014/main" xmlns="" val="1645166067"/>
+                    </a:ext>
+                  </a:extLst>
+                </a:gridCol>
+                <a:gridCol w="1451728">
+                  <a:extLst>
+                    <a:ext uri="{9D8B030D-6E8A-4147-A177-3AD203B41FA5}">
+                      <a16:colId xmlns:a16="http://schemas.microsoft.com/office/drawing/2014/main" xmlns="" val="1224812834"/>
+                    </a:ext>
+                  </a:extLst>
+                </a:gridCol>
+                <a:gridCol w="1366887">
+                  <a:extLst>
+                    <a:ext uri="{9D8B030D-6E8A-4147-A177-3AD203B41FA5}">
+                      <a16:colId xmlns:a16="http://schemas.microsoft.com/office/drawing/2014/main" xmlns="" val="773108700"/>
+                    </a:ext>
+                  </a:extLst>
+                </a:gridCol>
+                <a:gridCol w="7145516">
+                  <a:extLst>
+                    <a:ext uri="{9D8B030D-6E8A-4147-A177-3AD203B41FA5}">
+                      <a16:colId xmlns:a16="http://schemas.microsoft.com/office/drawing/2014/main" xmlns="" val="1915496336"/>
+                    </a:ext>
+                  </a:extLst>
+                </a:gridCol>
+              </a:tblGrid>
+              <a:tr h="370840">
+                <a:tc>
+                  <a:txBody>
+                    <a:bodyPr/>
+                    <a:lstStyle/>
+                    <a:p>
+                      <a:r>
+                        <a:rPr kumimoji="1" lang="ja-JP" altLang="en-US" dirty="0"/>
+                        <a:t>版</a:t>
+                      </a:r>
+                    </a:p>
+                  </a:txBody>
+                  <a:tcPr/>
+                </a:tc>
+                <a:tc>
+                  <a:txBody>
+                    <a:bodyPr/>
+                    <a:lstStyle/>
+                    <a:p>
+                      <a:r>
+                        <a:rPr kumimoji="1" lang="ja-JP" altLang="en-US" dirty="0"/>
+                        <a:t>日付</a:t>
+                      </a:r>
+                    </a:p>
+                  </a:txBody>
+                  <a:tcPr/>
+                </a:tc>
+                <a:tc>
+                  <a:txBody>
+                    <a:bodyPr/>
+                    <a:lstStyle/>
+                    <a:p>
+                      <a:r>
+                        <a:rPr kumimoji="1" lang="ja-JP" altLang="en-US" dirty="0"/>
+                        <a:t>更新者</a:t>
+                      </a:r>
+                    </a:p>
+                  </a:txBody>
+                  <a:tcPr/>
+                </a:tc>
+                <a:tc>
+                  <a:txBody>
+                    <a:bodyPr/>
+                    <a:lstStyle/>
+                    <a:p>
+                      <a:r>
+                        <a:rPr kumimoji="1" lang="ja-JP" altLang="en-US" dirty="0"/>
+                        <a:t>更新内容</a:t>
+                      </a:r>
+                    </a:p>
+                  </a:txBody>
+                  <a:tcPr/>
+                </a:tc>
+                <a:extLst>
+                  <a:ext uri="{0D108BD9-81ED-4DB2-BD59-A6C34878D82A}">
+                    <a16:rowId xmlns:a16="http://schemas.microsoft.com/office/drawing/2014/main" xmlns="" val="3052914816"/>
+                  </a:ext>
+                </a:extLst>
+              </a:tr>
+              <a:tr h="370840">
+                <a:tc>
+                  <a:txBody>
+                    <a:bodyPr/>
+                    <a:lstStyle/>
+                    <a:p>
+                      <a:r>
+                        <a:rPr kumimoji="1" lang="en-US" altLang="ja-JP" dirty="0"/>
+                        <a:t>1.00</a:t>
+                      </a:r>
+                      <a:endParaRPr kumimoji="1" lang="ja-JP" altLang="en-US" dirty="0"/>
+                    </a:p>
+                  </a:txBody>
+                  <a:tcPr/>
+                </a:tc>
+                <a:tc>
+                  <a:txBody>
+                    <a:bodyPr/>
+                    <a:lstStyle/>
+                    <a:p>
+                      <a:r>
+                        <a:rPr kumimoji="1" lang="en-US" altLang="ja-JP" dirty="0"/>
+                        <a:t>2019/10/31</a:t>
+                      </a:r>
+                      <a:endParaRPr kumimoji="1" lang="ja-JP" altLang="en-US" dirty="0"/>
+                    </a:p>
+                  </a:txBody>
+                  <a:tcPr/>
+                </a:tc>
+                <a:tc>
+                  <a:txBody>
+                    <a:bodyPr/>
+                    <a:lstStyle/>
+                    <a:p>
+                      <a:r>
+                        <a:rPr kumimoji="1" lang="en-US" altLang="ja-JP" dirty="0"/>
+                        <a:t>UETOMAE</a:t>
+                      </a:r>
+                      <a:endParaRPr kumimoji="1" lang="ja-JP" altLang="en-US" dirty="0"/>
+                    </a:p>
+                  </a:txBody>
+                  <a:tcPr/>
+                </a:tc>
+                <a:tc>
+                  <a:txBody>
+                    <a:bodyPr/>
+                    <a:lstStyle/>
+                    <a:p>
+                      <a:r>
+                        <a:rPr kumimoji="1" lang="ja-JP" altLang="en-US" dirty="0"/>
+                        <a:t>新規作成</a:t>
+                      </a:r>
+                    </a:p>
+                  </a:txBody>
+                  <a:tcPr/>
+                </a:tc>
+                <a:extLst>
+                  <a:ext uri="{0D108BD9-81ED-4DB2-BD59-A6C34878D82A}">
+                    <a16:rowId xmlns:a16="http://schemas.microsoft.com/office/drawing/2014/main" xmlns="" val="2549488193"/>
+                  </a:ext>
+                </a:extLst>
+              </a:tr>
+              <a:tr h="370840">
+                <a:tc>
+                  <a:txBody>
+                    <a:bodyPr/>
+                    <a:lstStyle/>
+                    <a:p>
+                      <a:r>
+                        <a:rPr kumimoji="1" lang="en-US" altLang="ja-JP" dirty="0" smtClean="0"/>
+                        <a:t>2.00</a:t>
+                      </a:r>
+                      <a:endParaRPr kumimoji="1" lang="ja-JP" altLang="en-US" dirty="0"/>
+                    </a:p>
+                  </a:txBody>
+                  <a:tcPr/>
+                </a:tc>
+                <a:tc>
+                  <a:txBody>
+                    <a:bodyPr/>
+                    <a:lstStyle/>
+                    <a:p>
+                      <a:r>
+                        <a:rPr kumimoji="1" lang="en-US" altLang="ja-JP" dirty="0" smtClean="0"/>
+                        <a:t>2020/07/02</a:t>
+                      </a:r>
+                      <a:endParaRPr kumimoji="1" lang="ja-JP" altLang="en-US" dirty="0"/>
+                    </a:p>
+                  </a:txBody>
+                  <a:tcPr/>
+                </a:tc>
+                <a:tc>
+                  <a:txBody>
+                    <a:bodyPr/>
+                    <a:lstStyle/>
+                    <a:p>
+                      <a:pPr marL="0" marR="0" indent="0" algn="l" defTabSz="457200" rtl="0" eaLnBrk="1" fontAlgn="auto" latinLnBrk="0" hangingPunct="1">
+                        <a:lnSpc>
+                          <a:spcPct val="100000"/>
+                        </a:lnSpc>
+                        <a:spcBef>
+                          <a:spcPts val="0"/>
+                        </a:spcBef>
+                        <a:spcAft>
+                          <a:spcPts val="0"/>
+                        </a:spcAft>
+                        <a:buClrTx/>
+                        <a:buSzTx/>
+                        <a:buFontTx/>
+                        <a:buNone/>
+                        <a:tabLst/>
+                        <a:defRPr/>
+                      </a:pPr>
+                      <a:r>
+                        <a:rPr kumimoji="1" lang="en-US" altLang="ja-JP" dirty="0" smtClean="0"/>
+                        <a:t>UETOMAE</a:t>
+                      </a:r>
+                      <a:endParaRPr kumimoji="1" lang="ja-JP" altLang="en-US" dirty="0" smtClean="0"/>
+                    </a:p>
+                  </a:txBody>
+                  <a:tcPr/>
+                </a:tc>
+                <a:tc>
+                  <a:txBody>
+                    <a:bodyPr/>
+                    <a:lstStyle/>
+                    <a:p>
+                      <a:r>
+                        <a:rPr kumimoji="1" lang="ja-JP" altLang="en-US" dirty="0" smtClean="0"/>
+                        <a:t>インフラ構成図追加、パラメータ一覧追加、構築手順更新</a:t>
+                      </a:r>
+                      <a:endParaRPr kumimoji="1" lang="ja-JP" altLang="en-US" dirty="0"/>
+                    </a:p>
+                  </a:txBody>
+                  <a:tcPr/>
+                </a:tc>
+              </a:tr>
+            </a:tbl>
+          </a:graphicData>
+        </a:graphic>
+      </p:graphicFrame>
+    </p:spTree>
+    <p:extLst>
+      <p:ext uri="{BB962C8B-B14F-4D97-AF65-F5344CB8AC3E}">
+        <p14:creationId xmlns:p14="http://schemas.microsoft.com/office/powerpoint/2010/main" val="1599431345"/>
+      </p:ext>
+    </p:extLst>
+  </p:cSld>
+  <p:clrMapOvr>
+    <a:masterClrMapping/>
+  </p:clrMapOvr>
+</p:sld>
+</file>
+
+<file path=ppt/slides/slide20.xml><?xml version="1.0" encoding="utf-8"?>
+<p:sld xmlns:a="http://schemas.openxmlformats.org/drawingml/2006/main" xmlns:r="http://schemas.openxmlformats.org/officeDocument/2006/relationships" xmlns:p="http://schemas.openxmlformats.org/presentationml/2006/main">
+  <p:cSld>
+    <p:spTree>
+      <p:nvGrpSpPr>
+        <p:cNvPr id="1" name=""/>
+        <p:cNvGrpSpPr/>
+        <p:nvPr/>
+      </p:nvGrpSpPr>
+      <p:grpSpPr>
+        <a:xfrm>
+          <a:off x="0" y="0"/>
+          <a:ext cx="0" cy="0"/>
+          <a:chOff x="0" y="0"/>
+          <a:chExt cx="0" cy="0"/>
+        </a:xfrm>
+      </p:grpSpPr>
+      <p:sp>
+        <p:nvSpPr>
+          <p:cNvPr id="2" name="タイトル 1">
+            <a:extLst>
+              <a:ext uri="{FF2B5EF4-FFF2-40B4-BE49-F238E27FC236}">
+                <a16:creationId xmlns:a16="http://schemas.microsoft.com/office/drawing/2014/main" xmlns="" id="{41FAA20E-7C33-4452-B000-1315C6D7BF74}"/>
+              </a:ext>
+            </a:extLst>
+          </p:cNvPr>
+          <p:cNvSpPr>
+            <a:spLocks noGrp="1"/>
+          </p:cNvSpPr>
+          <p:nvPr>
+            <p:ph type="title"/>
+          </p:nvPr>
+        </p:nvSpPr>
+        <p:spPr/>
+        <p:txBody>
+          <a:bodyPr/>
+          <a:lstStyle/>
+          <a:p>
+            <a:r>
               <a:rPr lang="en-US" altLang="ja-JP" dirty="0" smtClean="0"/>
               <a:t>AWS</a:t>
             </a:r>
@@ -16967,7 +16618,7 @@
           <p:cNvPr id="3" name="コンテンツ プレースホルダー 2">
             <a:extLst>
               <a:ext uri="{FF2B5EF4-FFF2-40B4-BE49-F238E27FC236}">
-                <a16:creationId xmlns="" xmlns:a16="http://schemas.microsoft.com/office/drawing/2014/main" id="{24173F00-B91E-440E-BAD4-BB493A21AC4B}"/>
+                <a16:creationId xmlns:a16="http://schemas.microsoft.com/office/drawing/2014/main" xmlns="" id="{24173F00-B91E-440E-BAD4-BB493A21AC4B}"/>
               </a:ext>
             </a:extLst>
           </p:cNvPr>
@@ -17156,7 +16807,7 @@
           <p:cNvPr id="4" name="スライド番号プレースホルダー 3">
             <a:extLst>
               <a:ext uri="{FF2B5EF4-FFF2-40B4-BE49-F238E27FC236}">
-                <a16:creationId xmlns="" xmlns:a16="http://schemas.microsoft.com/office/drawing/2014/main" id="{3A64CE71-C252-41E0-98BA-363CD7954AFC}"/>
+                <a16:creationId xmlns:a16="http://schemas.microsoft.com/office/drawing/2014/main" xmlns="" id="{3A64CE71-C252-41E0-98BA-363CD7954AFC}"/>
               </a:ext>
             </a:extLst>
           </p:cNvPr>
@@ -17175,7 +16826,7 @@
             <a:fld id="{FC7FC04C-4975-46EC-A609-F7DE0D5B1B51}" type="slidenum">
               <a:rPr kumimoji="1" lang="ja-JP" altLang="en-US" smtClean="0"/>
               <a:pPr/>
-              <a:t>21</a:t>
+              <a:t>20</a:t>
             </a:fld>
             <a:endParaRPr kumimoji="1" lang="ja-JP" altLang="en-US" dirty="0"/>
           </a:p>
@@ -17631,7 +17282,40 @@
               <a:buAutoNum type="arabicPeriod"/>
             </a:pPr>
             <a:r>
+              <a:rPr lang="en-US" altLang="ja-JP" dirty="0">
+                <a:solidFill>
+                  <a:schemeClr val="bg1">
+                    <a:lumMod val="75000"/>
+                  </a:schemeClr>
+                </a:solidFill>
+              </a:rPr>
+              <a:t>CMS </a:t>
+            </a:r>
+            <a:r>
               <a:rPr lang="ja-JP" altLang="en-US" dirty="0">
+                <a:solidFill>
+                  <a:schemeClr val="bg1">
+                    <a:lumMod val="75000"/>
+                  </a:schemeClr>
+                </a:solidFill>
+              </a:rPr>
+              <a:t>デプロイ</a:t>
+            </a:r>
+            <a:endParaRPr lang="en-US" altLang="ja-JP" dirty="0">
+              <a:solidFill>
+                <a:schemeClr val="bg1">
+                  <a:lumMod val="75000"/>
+                </a:schemeClr>
+              </a:solidFill>
+            </a:endParaRPr>
+          </a:p>
+          <a:p>
+            <a:pPr>
+              <a:buFont typeface="+mj-lt"/>
+              <a:buAutoNum type="arabicPeriod"/>
+            </a:pPr>
+            <a:r>
+              <a:rPr lang="ja-JP" altLang="en-US" dirty="0" smtClean="0">
                 <a:solidFill>
                   <a:srgbClr val="BFBFBF"/>
                 </a:solidFill>
@@ -17918,7 +17602,7 @@
 </p:sld>
 </file>
 
-<file path=ppt/slides/slide22.xml><?xml version="1.0" encoding="utf-8"?>
+<file path=ppt/slides/slide21.xml><?xml version="1.0" encoding="utf-8"?>
 <p:sld xmlns:a="http://schemas.openxmlformats.org/drawingml/2006/main" xmlns:r="http://schemas.openxmlformats.org/officeDocument/2006/relationships" xmlns:p="http://schemas.openxmlformats.org/presentationml/2006/main">
   <p:cSld>
     <p:spTree>
@@ -17940,7 +17624,7 @@
           <p:cNvPr id="2" name="タイトル 1">
             <a:extLst>
               <a:ext uri="{FF2B5EF4-FFF2-40B4-BE49-F238E27FC236}">
-                <a16:creationId xmlns="" xmlns:a16="http://schemas.microsoft.com/office/drawing/2014/main" id="{41FAA20E-7C33-4452-B000-1315C6D7BF74}"/>
+                <a16:creationId xmlns:a16="http://schemas.microsoft.com/office/drawing/2014/main" xmlns="" id="{41FAA20E-7C33-4452-B000-1315C6D7BF74}"/>
               </a:ext>
             </a:extLst>
           </p:cNvPr>
@@ -17973,7 +17657,7 @@
           <p:cNvPr id="3" name="コンテンツ プレースホルダー 2">
             <a:extLst>
               <a:ext uri="{FF2B5EF4-FFF2-40B4-BE49-F238E27FC236}">
-                <a16:creationId xmlns="" xmlns:a16="http://schemas.microsoft.com/office/drawing/2014/main" id="{24173F00-B91E-440E-BAD4-BB493A21AC4B}"/>
+                <a16:creationId xmlns:a16="http://schemas.microsoft.com/office/drawing/2014/main" xmlns="" id="{24173F00-B91E-440E-BAD4-BB493A21AC4B}"/>
               </a:ext>
             </a:extLst>
           </p:cNvPr>
@@ -18327,7 +18011,7 @@
           <p:cNvPr id="4" name="スライド番号プレースホルダー 3">
             <a:extLst>
               <a:ext uri="{FF2B5EF4-FFF2-40B4-BE49-F238E27FC236}">
-                <a16:creationId xmlns="" xmlns:a16="http://schemas.microsoft.com/office/drawing/2014/main" id="{3A64CE71-C252-41E0-98BA-363CD7954AFC}"/>
+                <a16:creationId xmlns:a16="http://schemas.microsoft.com/office/drawing/2014/main" xmlns="" id="{3A64CE71-C252-41E0-98BA-363CD7954AFC}"/>
               </a:ext>
             </a:extLst>
           </p:cNvPr>
@@ -18346,7 +18030,7 @@
             <a:fld id="{FC7FC04C-4975-46EC-A609-F7DE0D5B1B51}" type="slidenum">
               <a:rPr kumimoji="1" lang="ja-JP" altLang="en-US" smtClean="0"/>
               <a:pPr/>
-              <a:t>22</a:t>
+              <a:t>21</a:t>
             </a:fld>
             <a:endParaRPr kumimoji="1" lang="ja-JP" altLang="en-US" dirty="0"/>
           </a:p>
@@ -18802,7 +18486,40 @@
               <a:buAutoNum type="arabicPeriod"/>
             </a:pPr>
             <a:r>
+              <a:rPr lang="en-US" altLang="ja-JP" dirty="0">
+                <a:solidFill>
+                  <a:schemeClr val="bg1">
+                    <a:lumMod val="75000"/>
+                  </a:schemeClr>
+                </a:solidFill>
+              </a:rPr>
+              <a:t>CMS </a:t>
+            </a:r>
+            <a:r>
               <a:rPr lang="ja-JP" altLang="en-US" dirty="0">
+                <a:solidFill>
+                  <a:schemeClr val="bg1">
+                    <a:lumMod val="75000"/>
+                  </a:schemeClr>
+                </a:solidFill>
+              </a:rPr>
+              <a:t>デプロイ</a:t>
+            </a:r>
+            <a:endParaRPr lang="en-US" altLang="ja-JP" dirty="0">
+              <a:solidFill>
+                <a:schemeClr val="bg1">
+                  <a:lumMod val="75000"/>
+                </a:schemeClr>
+              </a:solidFill>
+            </a:endParaRPr>
+          </a:p>
+          <a:p>
+            <a:pPr>
+              <a:buFont typeface="+mj-lt"/>
+              <a:buAutoNum type="arabicPeriod"/>
+            </a:pPr>
+            <a:r>
+              <a:rPr lang="ja-JP" altLang="en-US" dirty="0" smtClean="0">
                 <a:solidFill>
                   <a:srgbClr val="BFBFBF"/>
                 </a:solidFill>
@@ -18848,7 +18565,7 @@
           <p:cNvPr id="15" name="表 14">
             <a:extLst>
               <a:ext uri="{FF2B5EF4-FFF2-40B4-BE49-F238E27FC236}">
-                <a16:creationId xmlns="" xmlns:a16="http://schemas.microsoft.com/office/drawing/2014/main" id="{34262436-74E8-488C-8C1B-44C3F88BE676}"/>
+                <a16:creationId xmlns:a16="http://schemas.microsoft.com/office/drawing/2014/main" xmlns="" id="{34262436-74E8-488C-8C1B-44C3F88BE676}"/>
               </a:ext>
             </a:extLst>
           </p:cNvPr>
@@ -18877,21 +18594,21 @@
                 <a:gridCol w="2146489">
                   <a:extLst>
                     <a:ext uri="{9D8B030D-6E8A-4147-A177-3AD203B41FA5}">
-                      <a16:colId xmlns="" xmlns:a16="http://schemas.microsoft.com/office/drawing/2014/main" val="2864215648"/>
+                      <a16:colId xmlns:a16="http://schemas.microsoft.com/office/drawing/2014/main" xmlns="" val="2864215648"/>
                     </a:ext>
                   </a:extLst>
                 </a:gridCol>
                 <a:gridCol w="2746105">
                   <a:extLst>
                     <a:ext uri="{9D8B030D-6E8A-4147-A177-3AD203B41FA5}">
-                      <a16:colId xmlns="" xmlns:a16="http://schemas.microsoft.com/office/drawing/2014/main" val="879769541"/>
+                      <a16:colId xmlns:a16="http://schemas.microsoft.com/office/drawing/2014/main" xmlns="" val="879769541"/>
                     </a:ext>
                   </a:extLst>
                 </a:gridCol>
                 <a:gridCol w="2540479">
                   <a:extLst>
                     <a:ext uri="{9D8B030D-6E8A-4147-A177-3AD203B41FA5}">
-                      <a16:colId xmlns="" xmlns:a16="http://schemas.microsoft.com/office/drawing/2014/main" val="1510221549"/>
+                      <a16:colId xmlns:a16="http://schemas.microsoft.com/office/drawing/2014/main" xmlns="" val="1510221549"/>
                     </a:ext>
                   </a:extLst>
                 </a:gridCol>
@@ -19191,7 +18908,7 @@
           <p:cNvPr id="16" name="表 15">
             <a:extLst>
               <a:ext uri="{FF2B5EF4-FFF2-40B4-BE49-F238E27FC236}">
-                <a16:creationId xmlns="" xmlns:a16="http://schemas.microsoft.com/office/drawing/2014/main" id="{34262436-74E8-488C-8C1B-44C3F88BE676}"/>
+                <a16:creationId xmlns:a16="http://schemas.microsoft.com/office/drawing/2014/main" xmlns="" id="{34262436-74E8-488C-8C1B-44C3F88BE676}"/>
               </a:ext>
             </a:extLst>
           </p:cNvPr>
@@ -19220,14 +18937,14 @@
                 <a:gridCol w="2161256">
                   <a:extLst>
                     <a:ext uri="{9D8B030D-6E8A-4147-A177-3AD203B41FA5}">
-                      <a16:colId xmlns="" xmlns:a16="http://schemas.microsoft.com/office/drawing/2014/main" val="2864215648"/>
+                      <a16:colId xmlns:a16="http://schemas.microsoft.com/office/drawing/2014/main" xmlns="" val="2864215648"/>
                     </a:ext>
                   </a:extLst>
                 </a:gridCol>
                 <a:gridCol w="5257050">
                   <a:extLst>
                     <a:ext uri="{9D8B030D-6E8A-4147-A177-3AD203B41FA5}">
-                      <a16:colId xmlns="" xmlns:a16="http://schemas.microsoft.com/office/drawing/2014/main" val="879769541"/>
+                      <a16:colId xmlns:a16="http://schemas.microsoft.com/office/drawing/2014/main" xmlns="" val="879769541"/>
                     </a:ext>
                   </a:extLst>
                 </a:gridCol>
@@ -19430,7 +19147,7 @@
 </p:sld>
 </file>
 
-<file path=ppt/slides/slide23.xml><?xml version="1.0" encoding="utf-8"?>
+<file path=ppt/slides/slide22.xml><?xml version="1.0" encoding="utf-8"?>
 <p:sld xmlns:a="http://schemas.openxmlformats.org/drawingml/2006/main" xmlns:r="http://schemas.openxmlformats.org/officeDocument/2006/relationships" xmlns:p="http://schemas.openxmlformats.org/presentationml/2006/main">
   <p:cSld>
     <p:spTree>
@@ -19452,7 +19169,7 @@
           <p:cNvPr id="2" name="タイトル 1">
             <a:extLst>
               <a:ext uri="{FF2B5EF4-FFF2-40B4-BE49-F238E27FC236}">
-                <a16:creationId xmlns="" xmlns:a16="http://schemas.microsoft.com/office/drawing/2014/main" id="{41FAA20E-7C33-4452-B000-1315C6D7BF74}"/>
+                <a16:creationId xmlns:a16="http://schemas.microsoft.com/office/drawing/2014/main" xmlns="" id="{41FAA20E-7C33-4452-B000-1315C6D7BF74}"/>
               </a:ext>
             </a:extLst>
           </p:cNvPr>
@@ -19485,7 +19202,7 @@
           <p:cNvPr id="3" name="コンテンツ プレースホルダー 2">
             <a:extLst>
               <a:ext uri="{FF2B5EF4-FFF2-40B4-BE49-F238E27FC236}">
-                <a16:creationId xmlns="" xmlns:a16="http://schemas.microsoft.com/office/drawing/2014/main" id="{24173F00-B91E-440E-BAD4-BB493A21AC4B}"/>
+                <a16:creationId xmlns:a16="http://schemas.microsoft.com/office/drawing/2014/main" xmlns="" id="{24173F00-B91E-440E-BAD4-BB493A21AC4B}"/>
               </a:ext>
             </a:extLst>
           </p:cNvPr>
@@ -20136,7 +19853,40 @@
               <a:buAutoNum type="arabicPeriod"/>
             </a:pPr>
             <a:r>
+              <a:rPr lang="en-US" altLang="ja-JP" dirty="0">
+                <a:solidFill>
+                  <a:schemeClr val="bg1">
+                    <a:lumMod val="75000"/>
+                  </a:schemeClr>
+                </a:solidFill>
+              </a:rPr>
+              <a:t>CMS </a:t>
+            </a:r>
+            <a:r>
               <a:rPr lang="ja-JP" altLang="en-US" dirty="0">
+                <a:solidFill>
+                  <a:schemeClr val="bg1">
+                    <a:lumMod val="75000"/>
+                  </a:schemeClr>
+                </a:solidFill>
+              </a:rPr>
+              <a:t>デプロイ</a:t>
+            </a:r>
+            <a:endParaRPr lang="en-US" altLang="ja-JP" dirty="0">
+              <a:solidFill>
+                <a:schemeClr val="bg1">
+                  <a:lumMod val="75000"/>
+                </a:schemeClr>
+              </a:solidFill>
+            </a:endParaRPr>
+          </a:p>
+          <a:p>
+            <a:pPr>
+              <a:buFont typeface="+mj-lt"/>
+              <a:buAutoNum type="arabicPeriod"/>
+            </a:pPr>
+            <a:r>
+              <a:rPr lang="ja-JP" altLang="en-US" dirty="0" smtClean="0">
                 <a:solidFill>
                   <a:srgbClr val="BFBFBF"/>
                 </a:solidFill>
@@ -20368,7 +20118,7 @@
           <p:cNvPr id="4" name="スライド番号プレースホルダー 3">
             <a:extLst>
               <a:ext uri="{FF2B5EF4-FFF2-40B4-BE49-F238E27FC236}">
-                <a16:creationId xmlns="" xmlns:a16="http://schemas.microsoft.com/office/drawing/2014/main" id="{3A64CE71-C252-41E0-98BA-363CD7954AFC}"/>
+                <a16:creationId xmlns:a16="http://schemas.microsoft.com/office/drawing/2014/main" xmlns="" id="{3A64CE71-C252-41E0-98BA-363CD7954AFC}"/>
               </a:ext>
             </a:extLst>
           </p:cNvPr>
@@ -20387,7 +20137,7 @@
             <a:fld id="{FC7FC04C-4975-46EC-A609-F7DE0D5B1B51}" type="slidenum">
               <a:rPr kumimoji="1" lang="ja-JP" altLang="en-US" smtClean="0"/>
               <a:pPr/>
-              <a:t>23</a:t>
+              <a:t>22</a:t>
             </a:fld>
             <a:endParaRPr kumimoji="1" lang="ja-JP" altLang="en-US" dirty="0"/>
           </a:p>
@@ -20413,7 +20163,7 @@
 </p:sld>
 </file>
 
-<file path=ppt/slides/slide24.xml><?xml version="1.0" encoding="utf-8"?>
+<file path=ppt/slides/slide23.xml><?xml version="1.0" encoding="utf-8"?>
 <p:sld xmlns:a="http://schemas.openxmlformats.org/drawingml/2006/main" xmlns:r="http://schemas.openxmlformats.org/officeDocument/2006/relationships" xmlns:p="http://schemas.openxmlformats.org/presentationml/2006/main">
   <p:cSld>
     <p:spTree>
@@ -20435,7 +20185,7 @@
           <p:cNvPr id="2" name="タイトル 1">
             <a:extLst>
               <a:ext uri="{FF2B5EF4-FFF2-40B4-BE49-F238E27FC236}">
-                <a16:creationId xmlns="" xmlns:a16="http://schemas.microsoft.com/office/drawing/2014/main" id="{41FAA20E-7C33-4452-B000-1315C6D7BF74}"/>
+                <a16:creationId xmlns:a16="http://schemas.microsoft.com/office/drawing/2014/main" xmlns="" id="{41FAA20E-7C33-4452-B000-1315C6D7BF74}"/>
               </a:ext>
             </a:extLst>
           </p:cNvPr>
@@ -20468,7 +20218,7 @@
           <p:cNvPr id="3" name="コンテンツ プレースホルダー 2">
             <a:extLst>
               <a:ext uri="{FF2B5EF4-FFF2-40B4-BE49-F238E27FC236}">
-                <a16:creationId xmlns="" xmlns:a16="http://schemas.microsoft.com/office/drawing/2014/main" id="{24173F00-B91E-440E-BAD4-BB493A21AC4B}"/>
+                <a16:creationId xmlns:a16="http://schemas.microsoft.com/office/drawing/2014/main" xmlns="" id="{24173F00-B91E-440E-BAD4-BB493A21AC4B}"/>
               </a:ext>
             </a:extLst>
           </p:cNvPr>
@@ -20880,7 +20630,7 @@
           <p:cNvPr id="4" name="スライド番号プレースホルダー 3">
             <a:extLst>
               <a:ext uri="{FF2B5EF4-FFF2-40B4-BE49-F238E27FC236}">
-                <a16:creationId xmlns="" xmlns:a16="http://schemas.microsoft.com/office/drawing/2014/main" id="{3A64CE71-C252-41E0-98BA-363CD7954AFC}"/>
+                <a16:creationId xmlns:a16="http://schemas.microsoft.com/office/drawing/2014/main" xmlns="" id="{3A64CE71-C252-41E0-98BA-363CD7954AFC}"/>
               </a:ext>
             </a:extLst>
           </p:cNvPr>
@@ -20899,7 +20649,7 @@
             <a:fld id="{FC7FC04C-4975-46EC-A609-F7DE0D5B1B51}" type="slidenum">
               <a:rPr kumimoji="1" lang="ja-JP" altLang="en-US" smtClean="0"/>
               <a:pPr/>
-              <a:t>24</a:t>
+              <a:t>23</a:t>
             </a:fld>
             <a:endParaRPr kumimoji="1" lang="ja-JP" altLang="en-US" dirty="0"/>
           </a:p>
@@ -21357,7 +21107,40 @@
               <a:buAutoNum type="arabicPeriod"/>
             </a:pPr>
             <a:r>
+              <a:rPr lang="en-US" altLang="ja-JP" dirty="0">
+                <a:solidFill>
+                  <a:schemeClr val="bg1">
+                    <a:lumMod val="75000"/>
+                  </a:schemeClr>
+                </a:solidFill>
+              </a:rPr>
+              <a:t>CMS </a:t>
+            </a:r>
+            <a:r>
               <a:rPr lang="ja-JP" altLang="en-US" dirty="0">
+                <a:solidFill>
+                  <a:schemeClr val="bg1">
+                    <a:lumMod val="75000"/>
+                  </a:schemeClr>
+                </a:solidFill>
+              </a:rPr>
+              <a:t>デプロイ</a:t>
+            </a:r>
+            <a:endParaRPr lang="en-US" altLang="ja-JP" dirty="0">
+              <a:solidFill>
+                <a:schemeClr val="bg1">
+                  <a:lumMod val="75000"/>
+                </a:schemeClr>
+              </a:solidFill>
+            </a:endParaRPr>
+          </a:p>
+          <a:p>
+            <a:pPr>
+              <a:buFont typeface="+mj-lt"/>
+              <a:buAutoNum type="arabicPeriod"/>
+            </a:pPr>
+            <a:r>
+              <a:rPr lang="ja-JP" altLang="en-US" dirty="0" smtClean="0">
                 <a:solidFill>
                   <a:srgbClr val="BFBFBF"/>
                 </a:solidFill>
@@ -21403,7 +21186,7 @@
           <p:cNvPr id="7" name="表 6">
             <a:extLst>
               <a:ext uri="{FF2B5EF4-FFF2-40B4-BE49-F238E27FC236}">
-                <a16:creationId xmlns="" xmlns:a16="http://schemas.microsoft.com/office/drawing/2014/main" id="{34262436-74E8-488C-8C1B-44C3F88BE676}"/>
+                <a16:creationId xmlns:a16="http://schemas.microsoft.com/office/drawing/2014/main" xmlns="" id="{34262436-74E8-488C-8C1B-44C3F88BE676}"/>
               </a:ext>
             </a:extLst>
           </p:cNvPr>
@@ -21432,14 +21215,14 @@
                 <a:gridCol w="1562174">
                   <a:extLst>
                     <a:ext uri="{9D8B030D-6E8A-4147-A177-3AD203B41FA5}">
-                      <a16:colId xmlns="" xmlns:a16="http://schemas.microsoft.com/office/drawing/2014/main" val="2864215648"/>
+                      <a16:colId xmlns:a16="http://schemas.microsoft.com/office/drawing/2014/main" xmlns="" val="2864215648"/>
                     </a:ext>
                   </a:extLst>
                 </a:gridCol>
                 <a:gridCol w="5881476">
                   <a:extLst>
                     <a:ext uri="{9D8B030D-6E8A-4147-A177-3AD203B41FA5}">
-                      <a16:colId xmlns="" xmlns:a16="http://schemas.microsoft.com/office/drawing/2014/main" val="879769541"/>
+                      <a16:colId xmlns:a16="http://schemas.microsoft.com/office/drawing/2014/main" xmlns="" val="879769541"/>
                     </a:ext>
                   </a:extLst>
                 </a:gridCol>
@@ -21841,7 +21624,7 @@
 </p:sld>
 </file>
 
-<file path=ppt/slides/slide25.xml><?xml version="1.0" encoding="utf-8"?>
+<file path=ppt/slides/slide24.xml><?xml version="1.0" encoding="utf-8"?>
 <p:sld xmlns:a="http://schemas.openxmlformats.org/drawingml/2006/main" xmlns:r="http://schemas.openxmlformats.org/officeDocument/2006/relationships" xmlns:p="http://schemas.openxmlformats.org/presentationml/2006/main">
   <p:cSld>
     <p:spTree>
@@ -21863,7 +21646,7 @@
           <p:cNvPr id="2" name="タイトル 1">
             <a:extLst>
               <a:ext uri="{FF2B5EF4-FFF2-40B4-BE49-F238E27FC236}">
-                <a16:creationId xmlns="" xmlns:a16="http://schemas.microsoft.com/office/drawing/2014/main" id="{41FAA20E-7C33-4452-B000-1315C6D7BF74}"/>
+                <a16:creationId xmlns:a16="http://schemas.microsoft.com/office/drawing/2014/main" xmlns="" id="{41FAA20E-7C33-4452-B000-1315C6D7BF74}"/>
               </a:ext>
             </a:extLst>
           </p:cNvPr>
@@ -21896,7 +21679,7 @@
           <p:cNvPr id="3" name="コンテンツ プレースホルダー 2">
             <a:extLst>
               <a:ext uri="{FF2B5EF4-FFF2-40B4-BE49-F238E27FC236}">
-                <a16:creationId xmlns="" xmlns:a16="http://schemas.microsoft.com/office/drawing/2014/main" id="{24173F00-B91E-440E-BAD4-BB493A21AC4B}"/>
+                <a16:creationId xmlns:a16="http://schemas.microsoft.com/office/drawing/2014/main" xmlns="" id="{24173F00-B91E-440E-BAD4-BB493A21AC4B}"/>
               </a:ext>
             </a:extLst>
           </p:cNvPr>
@@ -22265,7 +22048,7 @@
           <p:cNvPr id="4" name="スライド番号プレースホルダー 3">
             <a:extLst>
               <a:ext uri="{FF2B5EF4-FFF2-40B4-BE49-F238E27FC236}">
-                <a16:creationId xmlns="" xmlns:a16="http://schemas.microsoft.com/office/drawing/2014/main" id="{3A64CE71-C252-41E0-98BA-363CD7954AFC}"/>
+                <a16:creationId xmlns:a16="http://schemas.microsoft.com/office/drawing/2014/main" xmlns="" id="{3A64CE71-C252-41E0-98BA-363CD7954AFC}"/>
               </a:ext>
             </a:extLst>
           </p:cNvPr>
@@ -22284,7 +22067,7 @@
             <a:fld id="{FC7FC04C-4975-46EC-A609-F7DE0D5B1B51}" type="slidenum">
               <a:rPr kumimoji="1" lang="ja-JP" altLang="en-US" smtClean="0"/>
               <a:pPr/>
-              <a:t>25</a:t>
+              <a:t>24</a:t>
             </a:fld>
             <a:endParaRPr kumimoji="1" lang="ja-JP" altLang="en-US" dirty="0"/>
           </a:p>
@@ -22742,7 +22525,40 @@
               <a:buAutoNum type="arabicPeriod"/>
             </a:pPr>
             <a:r>
+              <a:rPr lang="en-US" altLang="ja-JP" dirty="0">
+                <a:solidFill>
+                  <a:schemeClr val="bg1">
+                    <a:lumMod val="75000"/>
+                  </a:schemeClr>
+                </a:solidFill>
+              </a:rPr>
+              <a:t>CMS </a:t>
+            </a:r>
+            <a:r>
               <a:rPr lang="ja-JP" altLang="en-US" dirty="0">
+                <a:solidFill>
+                  <a:schemeClr val="bg1">
+                    <a:lumMod val="75000"/>
+                  </a:schemeClr>
+                </a:solidFill>
+              </a:rPr>
+              <a:t>デプロイ</a:t>
+            </a:r>
+            <a:endParaRPr lang="en-US" altLang="ja-JP" dirty="0">
+              <a:solidFill>
+                <a:schemeClr val="bg1">
+                  <a:lumMod val="75000"/>
+                </a:schemeClr>
+              </a:solidFill>
+            </a:endParaRPr>
+          </a:p>
+          <a:p>
+            <a:pPr>
+              <a:buFont typeface="+mj-lt"/>
+              <a:buAutoNum type="arabicPeriod"/>
+            </a:pPr>
+            <a:r>
+              <a:rPr lang="ja-JP" altLang="en-US" dirty="0" smtClean="0">
                 <a:solidFill>
                   <a:srgbClr val="BFBFBF"/>
                 </a:solidFill>
@@ -22788,7 +22604,7 @@
           <p:cNvPr id="7" name="表 6">
             <a:extLst>
               <a:ext uri="{FF2B5EF4-FFF2-40B4-BE49-F238E27FC236}">
-                <a16:creationId xmlns="" xmlns:a16="http://schemas.microsoft.com/office/drawing/2014/main" id="{34262436-74E8-488C-8C1B-44C3F88BE676}"/>
+                <a16:creationId xmlns:a16="http://schemas.microsoft.com/office/drawing/2014/main" xmlns="" id="{34262436-74E8-488C-8C1B-44C3F88BE676}"/>
               </a:ext>
             </a:extLst>
           </p:cNvPr>
@@ -22817,14 +22633,14 @@
                 <a:gridCol w="1562174">
                   <a:extLst>
                     <a:ext uri="{9D8B030D-6E8A-4147-A177-3AD203B41FA5}">
-                      <a16:colId xmlns="" xmlns:a16="http://schemas.microsoft.com/office/drawing/2014/main" val="2864215648"/>
+                      <a16:colId xmlns:a16="http://schemas.microsoft.com/office/drawing/2014/main" xmlns="" val="2864215648"/>
                     </a:ext>
                   </a:extLst>
                 </a:gridCol>
                 <a:gridCol w="5881476">
                   <a:extLst>
                     <a:ext uri="{9D8B030D-6E8A-4147-A177-3AD203B41FA5}">
-                      <a16:colId xmlns="" xmlns:a16="http://schemas.microsoft.com/office/drawing/2014/main" val="879769541"/>
+                      <a16:colId xmlns:a16="http://schemas.microsoft.com/office/drawing/2014/main" xmlns="" val="879769541"/>
                     </a:ext>
                   </a:extLst>
                 </a:gridCol>
@@ -23153,7 +22969,7 @@
 </p:sld>
 </file>
 
-<file path=ppt/slides/slide26.xml><?xml version="1.0" encoding="utf-8"?>
+<file path=ppt/slides/slide25.xml><?xml version="1.0" encoding="utf-8"?>
 <p:sld xmlns:a="http://schemas.openxmlformats.org/drawingml/2006/main" xmlns:r="http://schemas.openxmlformats.org/officeDocument/2006/relationships" xmlns:p="http://schemas.openxmlformats.org/presentationml/2006/main">
   <p:cSld>
     <p:spTree>
@@ -23175,7 +22991,7 @@
           <p:cNvPr id="2" name="タイトル 1">
             <a:extLst>
               <a:ext uri="{FF2B5EF4-FFF2-40B4-BE49-F238E27FC236}">
-                <a16:creationId xmlns="" xmlns:a16="http://schemas.microsoft.com/office/drawing/2014/main" id="{41FAA20E-7C33-4452-B000-1315C6D7BF74}"/>
+                <a16:creationId xmlns:a16="http://schemas.microsoft.com/office/drawing/2014/main" xmlns="" id="{41FAA20E-7C33-4452-B000-1315C6D7BF74}"/>
               </a:ext>
             </a:extLst>
           </p:cNvPr>
@@ -23208,7 +23024,7 @@
           <p:cNvPr id="3" name="コンテンツ プレースホルダー 2">
             <a:extLst>
               <a:ext uri="{FF2B5EF4-FFF2-40B4-BE49-F238E27FC236}">
-                <a16:creationId xmlns="" xmlns:a16="http://schemas.microsoft.com/office/drawing/2014/main" id="{24173F00-B91E-440E-BAD4-BB493A21AC4B}"/>
+                <a16:creationId xmlns:a16="http://schemas.microsoft.com/office/drawing/2014/main" xmlns="" id="{24173F00-B91E-440E-BAD4-BB493A21AC4B}"/>
               </a:ext>
             </a:extLst>
           </p:cNvPr>
@@ -23527,7 +23343,7 @@
           <p:cNvPr id="4" name="スライド番号プレースホルダー 3">
             <a:extLst>
               <a:ext uri="{FF2B5EF4-FFF2-40B4-BE49-F238E27FC236}">
-                <a16:creationId xmlns="" xmlns:a16="http://schemas.microsoft.com/office/drawing/2014/main" id="{3A64CE71-C252-41E0-98BA-363CD7954AFC}"/>
+                <a16:creationId xmlns:a16="http://schemas.microsoft.com/office/drawing/2014/main" xmlns="" id="{3A64CE71-C252-41E0-98BA-363CD7954AFC}"/>
               </a:ext>
             </a:extLst>
           </p:cNvPr>
@@ -23546,7 +23362,7 @@
             <a:fld id="{FC7FC04C-4975-46EC-A609-F7DE0D5B1B51}" type="slidenum">
               <a:rPr kumimoji="1" lang="ja-JP" altLang="en-US" smtClean="0"/>
               <a:pPr/>
-              <a:t>26</a:t>
+              <a:t>25</a:t>
             </a:fld>
             <a:endParaRPr kumimoji="1" lang="ja-JP" altLang="en-US" dirty="0"/>
           </a:p>
@@ -24000,7 +23816,40 @@
               <a:buAutoNum type="arabicPeriod"/>
             </a:pPr>
             <a:r>
+              <a:rPr lang="en-US" altLang="ja-JP" dirty="0">
+                <a:solidFill>
+                  <a:schemeClr val="bg1">
+                    <a:lumMod val="75000"/>
+                  </a:schemeClr>
+                </a:solidFill>
+              </a:rPr>
+              <a:t>CMS </a:t>
+            </a:r>
+            <a:r>
               <a:rPr lang="ja-JP" altLang="en-US" dirty="0">
+                <a:solidFill>
+                  <a:schemeClr val="bg1">
+                    <a:lumMod val="75000"/>
+                  </a:schemeClr>
+                </a:solidFill>
+              </a:rPr>
+              <a:t>デプロイ</a:t>
+            </a:r>
+            <a:endParaRPr lang="en-US" altLang="ja-JP" dirty="0">
+              <a:solidFill>
+                <a:schemeClr val="bg1">
+                  <a:lumMod val="75000"/>
+                </a:schemeClr>
+              </a:solidFill>
+            </a:endParaRPr>
+          </a:p>
+          <a:p>
+            <a:pPr>
+              <a:buFont typeface="+mj-lt"/>
+              <a:buAutoNum type="arabicPeriod"/>
+            </a:pPr>
+            <a:r>
+              <a:rPr lang="ja-JP" altLang="en-US" dirty="0" smtClean="0">
                 <a:solidFill>
                   <a:srgbClr val="BFBFBF"/>
                 </a:solidFill>
@@ -24159,7 +24008,7 @@
 </p:sld>
 </file>
 
-<file path=ppt/slides/slide27.xml><?xml version="1.0" encoding="utf-8"?>
+<file path=ppt/slides/slide26.xml><?xml version="1.0" encoding="utf-8"?>
 <p:sld xmlns:a="http://schemas.openxmlformats.org/drawingml/2006/main" xmlns:r="http://schemas.openxmlformats.org/officeDocument/2006/relationships" xmlns:p="http://schemas.openxmlformats.org/presentationml/2006/main">
   <p:cSld>
     <p:spTree>
@@ -24181,7 +24030,7 @@
           <p:cNvPr id="2" name="タイトル 1">
             <a:extLst>
               <a:ext uri="{FF2B5EF4-FFF2-40B4-BE49-F238E27FC236}">
-                <a16:creationId xmlns="" xmlns:a16="http://schemas.microsoft.com/office/drawing/2014/main" id="{41FAA20E-7C33-4452-B000-1315C6D7BF74}"/>
+                <a16:creationId xmlns:a16="http://schemas.microsoft.com/office/drawing/2014/main" xmlns="" id="{41FAA20E-7C33-4452-B000-1315C6D7BF74}"/>
               </a:ext>
             </a:extLst>
           </p:cNvPr>
@@ -24214,7 +24063,7 @@
           <p:cNvPr id="3" name="コンテンツ プレースホルダー 2">
             <a:extLst>
               <a:ext uri="{FF2B5EF4-FFF2-40B4-BE49-F238E27FC236}">
-                <a16:creationId xmlns="" xmlns:a16="http://schemas.microsoft.com/office/drawing/2014/main" id="{24173F00-B91E-440E-BAD4-BB493A21AC4B}"/>
+                <a16:creationId xmlns:a16="http://schemas.microsoft.com/office/drawing/2014/main" xmlns="" id="{24173F00-B91E-440E-BAD4-BB493A21AC4B}"/>
               </a:ext>
             </a:extLst>
           </p:cNvPr>
@@ -24506,7 +24355,7 @@
           <p:cNvPr id="4" name="スライド番号プレースホルダー 3">
             <a:extLst>
               <a:ext uri="{FF2B5EF4-FFF2-40B4-BE49-F238E27FC236}">
-                <a16:creationId xmlns="" xmlns:a16="http://schemas.microsoft.com/office/drawing/2014/main" id="{3A64CE71-C252-41E0-98BA-363CD7954AFC}"/>
+                <a16:creationId xmlns:a16="http://schemas.microsoft.com/office/drawing/2014/main" xmlns="" id="{3A64CE71-C252-41E0-98BA-363CD7954AFC}"/>
               </a:ext>
             </a:extLst>
           </p:cNvPr>
@@ -24525,7 +24374,7 @@
             <a:fld id="{FC7FC04C-4975-46EC-A609-F7DE0D5B1B51}" type="slidenum">
               <a:rPr kumimoji="1" lang="ja-JP" altLang="en-US" smtClean="0"/>
               <a:pPr/>
-              <a:t>27</a:t>
+              <a:t>26</a:t>
             </a:fld>
             <a:endParaRPr kumimoji="1" lang="ja-JP" altLang="en-US" dirty="0"/>
           </a:p>
@@ -24979,7 +24828,40 @@
               <a:buAutoNum type="arabicPeriod"/>
             </a:pPr>
             <a:r>
+              <a:rPr lang="en-US" altLang="ja-JP" dirty="0">
+                <a:solidFill>
+                  <a:schemeClr val="bg1">
+                    <a:lumMod val="75000"/>
+                  </a:schemeClr>
+                </a:solidFill>
+              </a:rPr>
+              <a:t>CMS </a:t>
+            </a:r>
+            <a:r>
               <a:rPr lang="ja-JP" altLang="en-US" dirty="0">
+                <a:solidFill>
+                  <a:schemeClr val="bg1">
+                    <a:lumMod val="75000"/>
+                  </a:schemeClr>
+                </a:solidFill>
+              </a:rPr>
+              <a:t>デプロイ</a:t>
+            </a:r>
+            <a:endParaRPr lang="en-US" altLang="ja-JP" dirty="0">
+              <a:solidFill>
+                <a:schemeClr val="bg1">
+                  <a:lumMod val="75000"/>
+                </a:schemeClr>
+              </a:solidFill>
+            </a:endParaRPr>
+          </a:p>
+          <a:p>
+            <a:pPr>
+              <a:buFont typeface="+mj-lt"/>
+              <a:buAutoNum type="arabicPeriod"/>
+            </a:pPr>
+            <a:r>
+              <a:rPr lang="ja-JP" altLang="en-US" dirty="0" smtClean="0">
                 <a:solidFill>
                   <a:srgbClr val="BFBFBF"/>
                 </a:solidFill>
@@ -25025,7 +24907,7 @@
           <p:cNvPr id="11" name="表 10">
             <a:extLst>
               <a:ext uri="{FF2B5EF4-FFF2-40B4-BE49-F238E27FC236}">
-                <a16:creationId xmlns="" xmlns:a16="http://schemas.microsoft.com/office/drawing/2014/main" id="{3824BA45-4555-4A4B-859E-D45B5DBE9166}"/>
+                <a16:creationId xmlns:a16="http://schemas.microsoft.com/office/drawing/2014/main" xmlns="" id="{3824BA45-4555-4A4B-859E-D45B5DBE9166}"/>
               </a:ext>
             </a:extLst>
           </p:cNvPr>
@@ -25054,14 +24936,14 @@
                 <a:gridCol w="1251285">
                   <a:extLst>
                     <a:ext uri="{9D8B030D-6E8A-4147-A177-3AD203B41FA5}">
-                      <a16:colId xmlns="" xmlns:a16="http://schemas.microsoft.com/office/drawing/2014/main" val="486962398"/>
+                      <a16:colId xmlns:a16="http://schemas.microsoft.com/office/drawing/2014/main" xmlns="" val="486962398"/>
                     </a:ext>
                   </a:extLst>
                 </a:gridCol>
                 <a:gridCol w="1251285">
                   <a:extLst>
                     <a:ext uri="{9D8B030D-6E8A-4147-A177-3AD203B41FA5}">
-                      <a16:colId xmlns="" xmlns:a16="http://schemas.microsoft.com/office/drawing/2014/main" val="1228622091"/>
+                      <a16:colId xmlns:a16="http://schemas.microsoft.com/office/drawing/2014/main" xmlns="" val="1228622091"/>
                     </a:ext>
                   </a:extLst>
                 </a:gridCol>
@@ -25124,7 +25006,7 @@
                 </a:tc>
                 <a:extLst>
                   <a:ext uri="{0D108BD9-81ED-4DB2-BD59-A6C34878D82A}">
-                    <a16:rowId xmlns="" xmlns:a16="http://schemas.microsoft.com/office/drawing/2014/main" val="3951679411"/>
+                    <a16:rowId xmlns:a16="http://schemas.microsoft.com/office/drawing/2014/main" xmlns="" val="3951679411"/>
                   </a:ext>
                 </a:extLst>
               </a:tr>
@@ -25218,7 +25100,7 @@
                 </a:tc>
                 <a:extLst>
                   <a:ext uri="{0D108BD9-81ED-4DB2-BD59-A6C34878D82A}">
-                    <a16:rowId xmlns="" xmlns:a16="http://schemas.microsoft.com/office/drawing/2014/main" val="655885765"/>
+                    <a16:rowId xmlns:a16="http://schemas.microsoft.com/office/drawing/2014/main" xmlns="" val="655885765"/>
                   </a:ext>
                 </a:extLst>
               </a:tr>
@@ -25329,7 +25211,7 @@
                 </a:tc>
                 <a:extLst>
                   <a:ext uri="{0D108BD9-81ED-4DB2-BD59-A6C34878D82A}">
-                    <a16:rowId xmlns="" xmlns:a16="http://schemas.microsoft.com/office/drawing/2014/main" val="4269180922"/>
+                    <a16:rowId xmlns:a16="http://schemas.microsoft.com/office/drawing/2014/main" xmlns="" val="4269180922"/>
                   </a:ext>
                 </a:extLst>
               </a:tr>
@@ -25451,6 +25333,829 @@
 </p:sld>
 </file>
 
+<file path=ppt/slides/slide27.xml><?xml version="1.0" encoding="utf-8"?>
+<p:sld xmlns:a="http://schemas.openxmlformats.org/drawingml/2006/main" xmlns:r="http://schemas.openxmlformats.org/officeDocument/2006/relationships" xmlns:p="http://schemas.openxmlformats.org/presentationml/2006/main">
+  <p:cSld>
+    <p:spTree>
+      <p:nvGrpSpPr>
+        <p:cNvPr id="1" name=""/>
+        <p:cNvGrpSpPr/>
+        <p:nvPr/>
+      </p:nvGrpSpPr>
+      <p:grpSpPr>
+        <a:xfrm>
+          <a:off x="0" y="0"/>
+          <a:ext cx="0" cy="0"/>
+          <a:chOff x="0" y="0"/>
+          <a:chExt cx="0" cy="0"/>
+        </a:xfrm>
+      </p:grpSpPr>
+      <p:sp>
+        <p:nvSpPr>
+          <p:cNvPr id="2" name="タイトル 1">
+            <a:extLst>
+              <a:ext uri="{FF2B5EF4-FFF2-40B4-BE49-F238E27FC236}">
+                <a16:creationId xmlns:a16="http://schemas.microsoft.com/office/drawing/2014/main" xmlns="" id="{41FAA20E-7C33-4452-B000-1315C6D7BF74}"/>
+              </a:ext>
+            </a:extLst>
+          </p:cNvPr>
+          <p:cNvSpPr>
+            <a:spLocks noGrp="1"/>
+          </p:cNvSpPr>
+          <p:nvPr>
+            <p:ph type="title"/>
+          </p:nvPr>
+        </p:nvSpPr>
+        <p:spPr/>
+        <p:txBody>
+          <a:bodyPr/>
+          <a:lstStyle/>
+          <a:p>
+            <a:r>
+              <a:rPr lang="en-US" altLang="ja-JP" dirty="0" smtClean="0"/>
+              <a:t>AWS</a:t>
+            </a:r>
+            <a:r>
+              <a:rPr lang="ja-JP" altLang="en-US" dirty="0" smtClean="0"/>
+              <a:t>設定</a:t>
+            </a:r>
+            <a:endParaRPr kumimoji="1" lang="ja-JP" altLang="en-US" dirty="0"/>
+          </a:p>
+        </p:txBody>
+      </p:sp>
+      <p:sp>
+        <p:nvSpPr>
+          <p:cNvPr id="3" name="コンテンツ プレースホルダー 2">
+            <a:extLst>
+              <a:ext uri="{FF2B5EF4-FFF2-40B4-BE49-F238E27FC236}">
+                <a16:creationId xmlns:a16="http://schemas.microsoft.com/office/drawing/2014/main" xmlns="" id="{24173F00-B91E-440E-BAD4-BB493A21AC4B}"/>
+              </a:ext>
+            </a:extLst>
+          </p:cNvPr>
+          <p:cNvSpPr>
+            <a:spLocks noGrp="1"/>
+          </p:cNvSpPr>
+          <p:nvPr>
+            <p:ph idx="1"/>
+          </p:nvPr>
+        </p:nvSpPr>
+        <p:spPr>
+          <a:xfrm>
+            <a:off x="3091999" y="553524"/>
+            <a:ext cx="8936179" cy="5856357"/>
+          </a:xfrm>
+        </p:spPr>
+        <p:txBody>
+          <a:bodyPr/>
+          <a:lstStyle/>
+          <a:p>
+            <a:pPr lvl="1">
+              <a:buFont typeface="+mj-lt"/>
+              <a:buAutoNum type="arabicPeriod" startAt="5"/>
+            </a:pPr>
+            <a:r>
+              <a:rPr lang="ja-JP" altLang="en-US" dirty="0" smtClean="0"/>
+              <a:t>作成した</a:t>
+            </a:r>
+            <a:r>
+              <a:rPr lang="en-US" altLang="ja-JP" dirty="0" smtClean="0"/>
+              <a:t>EC2</a:t>
+            </a:r>
+            <a:r>
+              <a:rPr lang="ja-JP" altLang="en-US" dirty="0" smtClean="0"/>
+              <a:t>インスタンスに</a:t>
+            </a:r>
+            <a:r>
+              <a:rPr lang="en-US" altLang="ja-JP" dirty="0" smtClean="0"/>
+              <a:t> ssh </a:t>
+            </a:r>
+            <a:r>
+              <a:rPr lang="ja-JP" altLang="en-US" dirty="0" smtClean="0"/>
+              <a:t>でリモートアクセスする。</a:t>
+            </a:r>
+            <a:endParaRPr lang="en-US" altLang="ja-JP" dirty="0" smtClean="0"/>
+          </a:p>
+          <a:p>
+            <a:pPr lvl="2">
+              <a:buFont typeface="+mj-lt"/>
+              <a:buAutoNum type="arabicPeriod"/>
+            </a:pPr>
+            <a:r>
+              <a:rPr lang="ja-JP" altLang="en-US" dirty="0" smtClean="0"/>
+              <a:t>キーペアのアクセス権限を</a:t>
+            </a:r>
+            <a:r>
+              <a:rPr lang="en-US" altLang="ja-JP" dirty="0" smtClean="0"/>
+              <a:t> 400 (read only) </a:t>
+            </a:r>
+            <a:r>
+              <a:rPr lang="ja-JP" altLang="en-US" dirty="0" smtClean="0"/>
+              <a:t>に更新する</a:t>
+            </a:r>
+            <a:endParaRPr lang="en-US" altLang="ja-JP" dirty="0" smtClean="0"/>
+          </a:p>
+          <a:p>
+            <a:pPr marL="914400" lvl="2" indent="0">
+              <a:buNone/>
+            </a:pPr>
+            <a:r>
+              <a:rPr lang="en-US" altLang="ja-JP" dirty="0" smtClean="0"/>
+              <a:t>$</a:t>
+            </a:r>
+            <a:r>
+              <a:rPr lang="ja-JP" altLang="en-US" dirty="0" smtClean="0"/>
+              <a:t> </a:t>
+            </a:r>
+            <a:r>
+              <a:rPr lang="en-US" altLang="ja-JP" dirty="0" smtClean="0"/>
+              <a:t>ssh </a:t>
+            </a:r>
+            <a:r>
+              <a:rPr lang="mr-IN" altLang="ja-JP" dirty="0" smtClean="0"/>
+              <a:t>–</a:t>
+            </a:r>
+            <a:r>
+              <a:rPr lang="en-US" altLang="ja-JP" dirty="0" smtClean="0"/>
+              <a:t>i {</a:t>
+            </a:r>
+            <a:r>
+              <a:rPr lang="ja-JP" altLang="en-US" dirty="0" smtClean="0"/>
+              <a:t>キーペアのパス</a:t>
+            </a:r>
+            <a:r>
+              <a:rPr lang="en-US" altLang="ja-JP" dirty="0" smtClean="0"/>
+              <a:t>} centos@{</a:t>
+            </a:r>
+            <a:r>
+              <a:rPr lang="ja-JP" altLang="en-US" dirty="0" smtClean="0"/>
+              <a:t>サーバの</a:t>
+            </a:r>
+            <a:r>
+              <a:rPr lang="en-US" altLang="ja-JP" dirty="0" smtClean="0"/>
+              <a:t>IP</a:t>
+            </a:r>
+            <a:r>
+              <a:rPr lang="ja-JP" altLang="en-US" dirty="0" smtClean="0"/>
+              <a:t>アドレス</a:t>
+            </a:r>
+            <a:r>
+              <a:rPr lang="en-US" altLang="ja-JP" dirty="0" smtClean="0"/>
+              <a:t> </a:t>
+            </a:r>
+            <a:r>
+              <a:rPr lang="ja-JP" altLang="en-US" dirty="0" smtClean="0"/>
+              <a:t>またはドメイン名</a:t>
+            </a:r>
+            <a:r>
+              <a:rPr lang="en-US" altLang="ja-JP" dirty="0" smtClean="0"/>
+              <a:t>}</a:t>
+            </a:r>
+            <a:endParaRPr lang="en-US" altLang="ja-JP" dirty="0" smtClean="0"/>
+          </a:p>
+          <a:p>
+            <a:pPr lvl="1">
+              <a:buFont typeface="+mj-lt"/>
+              <a:buAutoNum type="arabicPeriod" startAt="5"/>
+            </a:pPr>
+            <a:r>
+              <a:rPr lang="ja-JP" altLang="en-US" dirty="0" smtClean="0"/>
+              <a:t>ユーティリティ インストール</a:t>
+            </a:r>
+            <a:r>
+              <a:rPr lang="en-US" altLang="ja-JP" dirty="0" smtClean="0"/>
+              <a:t> (zip, unzip, vim ...)</a:t>
+            </a:r>
+          </a:p>
+          <a:p>
+            <a:pPr lvl="1">
+              <a:buFont typeface="+mj-lt"/>
+              <a:buAutoNum type="arabicPeriod" startAt="5"/>
+            </a:pPr>
+            <a:r>
+              <a:rPr lang="en-US" altLang="ja-JP" dirty="0" smtClean="0"/>
+              <a:t>OS</a:t>
+            </a:r>
+            <a:r>
+              <a:rPr lang="ja-JP" altLang="en-US" dirty="0" smtClean="0"/>
+              <a:t>設定、アクセス権限設定</a:t>
+            </a:r>
+            <a:endParaRPr lang="en-US" altLang="ja-JP" dirty="0" smtClean="0"/>
+          </a:p>
+          <a:p>
+            <a:pPr lvl="1">
+              <a:buFont typeface="+mj-lt"/>
+              <a:buAutoNum type="arabicPeriod" startAt="5"/>
+            </a:pPr>
+            <a:r>
+              <a:rPr lang="ja-JP" altLang="en-US" dirty="0" smtClean="0"/>
+              <a:t>ミドルウェア インストール</a:t>
+            </a:r>
+            <a:endParaRPr lang="en-US" altLang="ja-JP" dirty="0"/>
+          </a:p>
+          <a:p>
+            <a:pPr lvl="2">
+              <a:buFont typeface="+mj-lt"/>
+              <a:buAutoNum type="arabicPeriod"/>
+            </a:pPr>
+            <a:r>
+              <a:rPr lang="en-US" altLang="ja-JP" dirty="0"/>
+              <a:t>W</a:t>
+            </a:r>
+            <a:r>
+              <a:rPr lang="en-US" altLang="ja-JP" dirty="0" smtClean="0"/>
+              <a:t>eb</a:t>
+            </a:r>
+            <a:r>
+              <a:rPr lang="ja-JP" altLang="en-US" dirty="0" smtClean="0"/>
+              <a:t>サーバ</a:t>
+            </a:r>
+            <a:endParaRPr lang="en-US" altLang="ja-JP" dirty="0" smtClean="0"/>
+          </a:p>
+          <a:p>
+            <a:pPr lvl="1">
+              <a:buFont typeface="+mj-lt"/>
+              <a:buAutoNum type="arabicPeriod" startAt="5"/>
+            </a:pPr>
+            <a:r>
+              <a:rPr lang="ja-JP" altLang="en-US" dirty="0" smtClean="0"/>
+              <a:t>パッケージマネージャ、ランタイム インストール</a:t>
+            </a:r>
+            <a:endParaRPr lang="en-US" altLang="ja-JP" dirty="0" smtClean="0"/>
+          </a:p>
+        </p:txBody>
+      </p:sp>
+      <p:sp>
+        <p:nvSpPr>
+          <p:cNvPr id="4" name="スライド番号プレースホルダー 3">
+            <a:extLst>
+              <a:ext uri="{FF2B5EF4-FFF2-40B4-BE49-F238E27FC236}">
+                <a16:creationId xmlns:a16="http://schemas.microsoft.com/office/drawing/2014/main" xmlns="" id="{3A64CE71-C252-41E0-98BA-363CD7954AFC}"/>
+              </a:ext>
+            </a:extLst>
+          </p:cNvPr>
+          <p:cNvSpPr>
+            <a:spLocks noGrp="1"/>
+          </p:cNvSpPr>
+          <p:nvPr>
+            <p:ph type="sldNum" sz="quarter" idx="12"/>
+          </p:nvPr>
+        </p:nvSpPr>
+        <p:spPr/>
+        <p:txBody>
+          <a:bodyPr/>
+          <a:lstStyle/>
+          <a:p>
+            <a:fld id="{FC7FC04C-4975-46EC-A609-F7DE0D5B1B51}" type="slidenum">
+              <a:rPr kumimoji="1" lang="ja-JP" altLang="en-US" smtClean="0"/>
+              <a:pPr/>
+              <a:t>27</a:t>
+            </a:fld>
+            <a:endParaRPr kumimoji="1" lang="ja-JP" altLang="en-US" dirty="0"/>
+          </a:p>
+        </p:txBody>
+      </p:sp>
+      <p:cxnSp>
+        <p:nvCxnSpPr>
+          <p:cNvPr id="8" name="直線コネクタ 7"/>
+          <p:cNvCxnSpPr/>
+          <p:nvPr/>
+        </p:nvCxnSpPr>
+        <p:spPr>
+          <a:xfrm>
+            <a:off x="3064392" y="607452"/>
+            <a:ext cx="0" cy="5867439"/>
+          </a:xfrm>
+          <a:prstGeom prst="line">
+            <a:avLst/>
+          </a:prstGeom>
+          <a:ln>
+            <a:solidFill>
+              <a:srgbClr val="13A0E7"/>
+            </a:solidFill>
+          </a:ln>
+        </p:spPr>
+        <p:style>
+          <a:lnRef idx="2">
+            <a:schemeClr val="accent1"/>
+          </a:lnRef>
+          <a:fillRef idx="0">
+            <a:schemeClr val="accent1"/>
+          </a:fillRef>
+          <a:effectRef idx="1">
+            <a:schemeClr val="accent1"/>
+          </a:effectRef>
+          <a:fontRef idx="minor">
+            <a:schemeClr val="tx1"/>
+          </a:fontRef>
+        </p:style>
+      </p:cxnSp>
+      <p:sp>
+        <p:nvSpPr>
+          <p:cNvPr id="10" name="コンテンツ プレースホルダー 2"/>
+          <p:cNvSpPr txBox="1">
+            <a:spLocks/>
+          </p:cNvSpPr>
+          <p:nvPr/>
+        </p:nvSpPr>
+        <p:spPr>
+          <a:xfrm>
+            <a:off x="275150" y="548855"/>
+            <a:ext cx="2761636" cy="5926035"/>
+          </a:xfrm>
+          <a:prstGeom prst="rect">
+            <a:avLst/>
+          </a:prstGeom>
+        </p:spPr>
+        <p:txBody>
+          <a:bodyPr numCol="1"/>
+          <a:lstStyle>
+            <a:lvl1pPr marL="342900" indent="-342900" algn="l" defTabSz="457200" rtl="0" eaLnBrk="1" latinLnBrk="0" hangingPunct="1">
+              <a:spcBef>
+                <a:spcPts val="1000"/>
+              </a:spcBef>
+              <a:spcAft>
+                <a:spcPts val="0"/>
+              </a:spcAft>
+              <a:buClr>
+                <a:srgbClr val="00A0E7"/>
+              </a:buClr>
+              <a:buFont typeface="Wingdings" panose="05000000000000000000" pitchFamily="2" charset="2"/>
+              <a:buChar char="Ø"/>
+              <a:defRPr kumimoji="1" sz="1800" kern="1200">
+                <a:solidFill>
+                  <a:schemeClr val="tx1">
+                    <a:lumMod val="75000"/>
+                    <a:lumOff val="25000"/>
+                  </a:schemeClr>
+                </a:solidFill>
+                <a:latin typeface="+mn-lt"/>
+                <a:ea typeface="+mn-ea"/>
+                <a:cs typeface="+mn-cs"/>
+              </a:defRPr>
+            </a:lvl1pPr>
+            <a:lvl2pPr marL="800100" indent="-342900" algn="l" defTabSz="457200" rtl="0" eaLnBrk="1" latinLnBrk="0" hangingPunct="1">
+              <a:spcBef>
+                <a:spcPts val="1000"/>
+              </a:spcBef>
+              <a:spcAft>
+                <a:spcPts val="0"/>
+              </a:spcAft>
+              <a:buClr>
+                <a:srgbClr val="00A0E7"/>
+              </a:buClr>
+              <a:buFont typeface="Wingdings" panose="05000000000000000000" pitchFamily="2" charset="2"/>
+              <a:buChar char="Ø"/>
+              <a:defRPr kumimoji="1" sz="1600" kern="1200">
+                <a:solidFill>
+                  <a:schemeClr val="tx1">
+                    <a:lumMod val="75000"/>
+                    <a:lumOff val="25000"/>
+                  </a:schemeClr>
+                </a:solidFill>
+                <a:latin typeface="+mn-lt"/>
+                <a:ea typeface="+mn-ea"/>
+                <a:cs typeface="+mn-cs"/>
+              </a:defRPr>
+            </a:lvl2pPr>
+            <a:lvl3pPr marL="1257300" indent="-342900" algn="l" defTabSz="457200" rtl="0" eaLnBrk="1" latinLnBrk="0" hangingPunct="1">
+              <a:spcBef>
+                <a:spcPts val="1000"/>
+              </a:spcBef>
+              <a:spcAft>
+                <a:spcPts val="0"/>
+              </a:spcAft>
+              <a:buClr>
+                <a:srgbClr val="00A0E7"/>
+              </a:buClr>
+              <a:buFont typeface="Wingdings" panose="05000000000000000000" pitchFamily="2" charset="2"/>
+              <a:buChar char="Ø"/>
+              <a:defRPr kumimoji="1" sz="1400" kern="1200">
+                <a:solidFill>
+                  <a:schemeClr val="tx1">
+                    <a:lumMod val="75000"/>
+                    <a:lumOff val="25000"/>
+                  </a:schemeClr>
+                </a:solidFill>
+                <a:latin typeface="+mn-lt"/>
+                <a:ea typeface="+mn-ea"/>
+                <a:cs typeface="+mn-cs"/>
+              </a:defRPr>
+            </a:lvl3pPr>
+            <a:lvl4pPr marL="1600200" indent="-228600" algn="l" defTabSz="457200" rtl="0" eaLnBrk="1" latinLnBrk="0" hangingPunct="1">
+              <a:spcBef>
+                <a:spcPts val="1000"/>
+              </a:spcBef>
+              <a:spcAft>
+                <a:spcPts val="0"/>
+              </a:spcAft>
+              <a:buClr>
+                <a:srgbClr val="00A0E7"/>
+              </a:buClr>
+              <a:buFont typeface="Wingdings" panose="05000000000000000000" pitchFamily="2" charset="2"/>
+              <a:buChar char="Ø"/>
+              <a:defRPr kumimoji="1" sz="1200" kern="1200">
+                <a:solidFill>
+                  <a:schemeClr val="tx1">
+                    <a:lumMod val="75000"/>
+                    <a:lumOff val="25000"/>
+                  </a:schemeClr>
+                </a:solidFill>
+                <a:latin typeface="+mn-lt"/>
+                <a:ea typeface="+mn-ea"/>
+                <a:cs typeface="+mn-cs"/>
+              </a:defRPr>
+            </a:lvl4pPr>
+            <a:lvl5pPr marL="2057400" indent="-228600" algn="l" defTabSz="457200" rtl="0" eaLnBrk="1" latinLnBrk="0" hangingPunct="1">
+              <a:spcBef>
+                <a:spcPts val="1000"/>
+              </a:spcBef>
+              <a:spcAft>
+                <a:spcPts val="0"/>
+              </a:spcAft>
+              <a:buClr>
+                <a:srgbClr val="00A0E7"/>
+              </a:buClr>
+              <a:buFont typeface="Wingdings" panose="05000000000000000000" pitchFamily="2" charset="2"/>
+              <a:buChar char="Ø"/>
+              <a:defRPr kumimoji="1" sz="1200" kern="1200">
+                <a:solidFill>
+                  <a:schemeClr val="tx1">
+                    <a:lumMod val="75000"/>
+                    <a:lumOff val="25000"/>
+                  </a:schemeClr>
+                </a:solidFill>
+                <a:latin typeface="+mn-lt"/>
+                <a:ea typeface="+mn-ea"/>
+                <a:cs typeface="+mn-cs"/>
+              </a:defRPr>
+            </a:lvl5pPr>
+            <a:lvl6pPr marL="2514600" indent="-228600" algn="l" defTabSz="457200" rtl="0" eaLnBrk="1" latinLnBrk="0" hangingPunct="1">
+              <a:spcBef>
+                <a:spcPts val="1000"/>
+              </a:spcBef>
+              <a:spcAft>
+                <a:spcPts val="0"/>
+              </a:spcAft>
+              <a:buClr>
+                <a:schemeClr val="accent1"/>
+              </a:buClr>
+              <a:buFont typeface="Wingdings 3" charset="2"/>
+              <a:buChar char=""/>
+              <a:defRPr kumimoji="1" sz="1200" kern="1200">
+                <a:solidFill>
+                  <a:schemeClr val="tx1">
+                    <a:lumMod val="75000"/>
+                    <a:lumOff val="25000"/>
+                  </a:schemeClr>
+                </a:solidFill>
+                <a:latin typeface="+mn-lt"/>
+                <a:ea typeface="+mn-ea"/>
+                <a:cs typeface="+mn-cs"/>
+              </a:defRPr>
+            </a:lvl6pPr>
+            <a:lvl7pPr marL="2971800" indent="-228600" algn="l" defTabSz="457200" rtl="0" eaLnBrk="1" latinLnBrk="0" hangingPunct="1">
+              <a:spcBef>
+                <a:spcPts val="1000"/>
+              </a:spcBef>
+              <a:spcAft>
+                <a:spcPts val="0"/>
+              </a:spcAft>
+              <a:buClr>
+                <a:schemeClr val="accent1"/>
+              </a:buClr>
+              <a:buFont typeface="Wingdings 3" charset="2"/>
+              <a:buChar char=""/>
+              <a:defRPr kumimoji="1" sz="1200" kern="1200">
+                <a:solidFill>
+                  <a:schemeClr val="tx1">
+                    <a:lumMod val="75000"/>
+                    <a:lumOff val="25000"/>
+                  </a:schemeClr>
+                </a:solidFill>
+                <a:latin typeface="+mn-lt"/>
+                <a:ea typeface="+mn-ea"/>
+                <a:cs typeface="+mn-cs"/>
+              </a:defRPr>
+            </a:lvl7pPr>
+            <a:lvl8pPr marL="3429000" indent="-228600" algn="l" defTabSz="457200" rtl="0" eaLnBrk="1" latinLnBrk="0" hangingPunct="1">
+              <a:spcBef>
+                <a:spcPts val="1000"/>
+              </a:spcBef>
+              <a:spcAft>
+                <a:spcPts val="0"/>
+              </a:spcAft>
+              <a:buClr>
+                <a:schemeClr val="accent1"/>
+              </a:buClr>
+              <a:buFont typeface="Wingdings 3" charset="2"/>
+              <a:buChar char=""/>
+              <a:defRPr kumimoji="1" sz="1200" kern="1200">
+                <a:solidFill>
+                  <a:schemeClr val="tx1">
+                    <a:lumMod val="75000"/>
+                    <a:lumOff val="25000"/>
+                  </a:schemeClr>
+                </a:solidFill>
+                <a:latin typeface="+mn-lt"/>
+                <a:ea typeface="+mn-ea"/>
+                <a:cs typeface="+mn-cs"/>
+              </a:defRPr>
+            </a:lvl8pPr>
+            <a:lvl9pPr marL="3886200" indent="-228600" algn="l" defTabSz="457200" rtl="0" eaLnBrk="1" latinLnBrk="0" hangingPunct="1">
+              <a:spcBef>
+                <a:spcPts val="1000"/>
+              </a:spcBef>
+              <a:spcAft>
+                <a:spcPts val="0"/>
+              </a:spcAft>
+              <a:buClr>
+                <a:schemeClr val="accent1"/>
+              </a:buClr>
+              <a:buFont typeface="Wingdings 3" charset="2"/>
+              <a:buChar char=""/>
+              <a:defRPr kumimoji="1" sz="1200" kern="1200">
+                <a:solidFill>
+                  <a:schemeClr val="tx1">
+                    <a:lumMod val="75000"/>
+                    <a:lumOff val="25000"/>
+                  </a:schemeClr>
+                </a:solidFill>
+                <a:latin typeface="+mn-lt"/>
+                <a:ea typeface="+mn-ea"/>
+                <a:cs typeface="+mn-cs"/>
+              </a:defRPr>
+            </a:lvl9pPr>
+          </a:lstStyle>
+          <a:p>
+            <a:pPr marL="0" indent="0">
+              <a:buNone/>
+            </a:pPr>
+            <a:r>
+              <a:rPr lang="ja-JP" altLang="en-US" dirty="0"/>
+              <a:t>環境</a:t>
+            </a:r>
+            <a:r>
+              <a:rPr lang="ja-JP" altLang="en-US" dirty="0" smtClean="0"/>
+              <a:t>構築手順</a:t>
+            </a:r>
+            <a:endParaRPr lang="en-US" altLang="ja-JP" dirty="0" smtClean="0"/>
+          </a:p>
+          <a:p>
+            <a:pPr>
+              <a:buFont typeface="+mj-lt"/>
+              <a:buAutoNum type="arabicPeriod"/>
+            </a:pPr>
+            <a:r>
+              <a:rPr lang="en-US" altLang="ja-JP" dirty="0" smtClean="0"/>
+              <a:t>AWS</a:t>
+            </a:r>
+            <a:r>
+              <a:rPr lang="ja-JP" altLang="en-US" dirty="0" smtClean="0"/>
+              <a:t>リソース</a:t>
+            </a:r>
+            <a:endParaRPr lang="en-US" altLang="ja-JP" dirty="0" smtClean="0"/>
+          </a:p>
+          <a:p>
+            <a:pPr lvl="1">
+              <a:buFont typeface="+mj-lt"/>
+              <a:buAutoNum type="arabicPeriod"/>
+            </a:pPr>
+            <a:r>
+              <a:rPr lang="en-US" altLang="ja-JP" dirty="0">
+                <a:solidFill>
+                  <a:srgbClr val="BFBFBF"/>
+                </a:solidFill>
+              </a:rPr>
+              <a:t>DynamoDB</a:t>
+            </a:r>
+          </a:p>
+          <a:p>
+            <a:pPr lvl="1">
+              <a:buFont typeface="+mj-lt"/>
+              <a:buAutoNum type="arabicPeriod"/>
+            </a:pPr>
+            <a:r>
+              <a:rPr lang="en-US" altLang="ja-JP" dirty="0">
+                <a:solidFill>
+                  <a:srgbClr val="BFBFBF"/>
+                </a:solidFill>
+              </a:rPr>
+              <a:t>IAM (Role, Policy)</a:t>
+            </a:r>
+          </a:p>
+          <a:p>
+            <a:pPr lvl="1">
+              <a:buFont typeface="+mj-lt"/>
+              <a:buAutoNum type="arabicPeriod"/>
+            </a:pPr>
+            <a:r>
+              <a:rPr lang="en-US" altLang="ja-JP" dirty="0" smtClean="0">
+                <a:solidFill>
+                  <a:srgbClr val="BFBFBF"/>
+                </a:solidFill>
+              </a:rPr>
+              <a:t>Lambda</a:t>
+            </a:r>
+          </a:p>
+          <a:p>
+            <a:pPr lvl="1">
+              <a:buFont typeface="+mj-lt"/>
+              <a:buAutoNum type="arabicPeriod"/>
+            </a:pPr>
+            <a:r>
+              <a:rPr lang="en-US" altLang="ja-JP" dirty="0" smtClean="0">
+                <a:solidFill>
+                  <a:schemeClr val="bg1">
+                    <a:lumMod val="75000"/>
+                  </a:schemeClr>
+                </a:solidFill>
+              </a:rPr>
+              <a:t>API Gateway</a:t>
+            </a:r>
+          </a:p>
+          <a:p>
+            <a:pPr lvl="1">
+              <a:buFont typeface="+mj-lt"/>
+              <a:buAutoNum type="arabicPeriod"/>
+            </a:pPr>
+            <a:r>
+              <a:rPr lang="en-US" altLang="ja-JP" dirty="0" smtClean="0">
+                <a:solidFill>
+                  <a:srgbClr val="BFBFBF"/>
+                </a:solidFill>
+              </a:rPr>
+              <a:t>S3</a:t>
+            </a:r>
+          </a:p>
+          <a:p>
+            <a:pPr lvl="1">
+              <a:buFont typeface="+mj-lt"/>
+              <a:buAutoNum type="arabicPeriod"/>
+            </a:pPr>
+            <a:r>
+              <a:rPr lang="en-US" altLang="ja-JP" dirty="0" smtClean="0">
+                <a:solidFill>
+                  <a:srgbClr val="BFBFBF"/>
+                </a:solidFill>
+              </a:rPr>
+              <a:t>CloudFront</a:t>
+            </a:r>
+          </a:p>
+          <a:p>
+            <a:pPr lvl="1">
+              <a:buFont typeface="+mj-lt"/>
+              <a:buAutoNum type="arabicPeriod"/>
+            </a:pPr>
+            <a:r>
+              <a:rPr lang="en-US" altLang="ja-JP" dirty="0" smtClean="0">
+                <a:solidFill>
+                  <a:srgbClr val="BFBFBF"/>
+                </a:solidFill>
+              </a:rPr>
+              <a:t>WAF &amp; Shields</a:t>
+            </a:r>
+          </a:p>
+          <a:p>
+            <a:pPr lvl="1">
+              <a:buFont typeface="+mj-lt"/>
+              <a:buAutoNum type="arabicPeriod"/>
+            </a:pPr>
+            <a:r>
+              <a:rPr lang="en-US" altLang="ja-JP" dirty="0" smtClean="0">
+                <a:solidFill>
+                  <a:srgbClr val="00A0E7"/>
+                </a:solidFill>
+              </a:rPr>
+              <a:t>EC2</a:t>
+            </a:r>
+          </a:p>
+          <a:p>
+            <a:pPr>
+              <a:buFont typeface="+mj-lt"/>
+              <a:buAutoNum type="arabicPeriod"/>
+            </a:pPr>
+            <a:r>
+              <a:rPr lang="en-US" altLang="ja-JP" dirty="0" smtClean="0">
+                <a:solidFill>
+                  <a:srgbClr val="BFBFBF"/>
+                </a:solidFill>
+              </a:rPr>
+              <a:t>API </a:t>
+            </a:r>
+            <a:r>
+              <a:rPr lang="ja-JP" altLang="en-US" dirty="0" smtClean="0">
+                <a:solidFill>
+                  <a:srgbClr val="BFBFBF"/>
+                </a:solidFill>
+              </a:rPr>
+              <a:t>デプロイ</a:t>
+            </a:r>
+            <a:endParaRPr lang="en-US" altLang="ja-JP" dirty="0">
+              <a:solidFill>
+                <a:srgbClr val="BFBFBF"/>
+              </a:solidFill>
+            </a:endParaRPr>
+          </a:p>
+          <a:p>
+            <a:pPr>
+              <a:buFont typeface="+mj-lt"/>
+              <a:buAutoNum type="arabicPeriod"/>
+            </a:pPr>
+            <a:r>
+              <a:rPr lang="en-US" altLang="ja-JP" dirty="0">
+                <a:solidFill>
+                  <a:schemeClr val="bg1">
+                    <a:lumMod val="75000"/>
+                  </a:schemeClr>
+                </a:solidFill>
+              </a:rPr>
+              <a:t>CMS </a:t>
+            </a:r>
+            <a:r>
+              <a:rPr lang="ja-JP" altLang="en-US" dirty="0">
+                <a:solidFill>
+                  <a:schemeClr val="bg1">
+                    <a:lumMod val="75000"/>
+                  </a:schemeClr>
+                </a:solidFill>
+              </a:rPr>
+              <a:t>デプロイ</a:t>
+            </a:r>
+            <a:endParaRPr lang="en-US" altLang="ja-JP" dirty="0">
+              <a:solidFill>
+                <a:schemeClr val="bg1">
+                  <a:lumMod val="75000"/>
+                </a:schemeClr>
+              </a:solidFill>
+            </a:endParaRPr>
+          </a:p>
+          <a:p>
+            <a:pPr>
+              <a:buFont typeface="+mj-lt"/>
+              <a:buAutoNum type="arabicPeriod"/>
+            </a:pPr>
+            <a:r>
+              <a:rPr lang="ja-JP" altLang="en-US" dirty="0" smtClean="0">
+                <a:solidFill>
+                  <a:srgbClr val="BFBFBF"/>
+                </a:solidFill>
+              </a:rPr>
+              <a:t>コンテンツ</a:t>
+            </a:r>
+            <a:r>
+              <a:rPr lang="ja-JP" altLang="en-US" dirty="0" smtClean="0">
+                <a:solidFill>
+                  <a:srgbClr val="BFBFBF"/>
+                </a:solidFill>
+              </a:rPr>
+              <a:t>登録</a:t>
+            </a:r>
+            <a:endParaRPr lang="en-US" altLang="ja-JP" dirty="0" smtClean="0">
+              <a:solidFill>
+                <a:srgbClr val="BFBFBF"/>
+              </a:solidFill>
+            </a:endParaRPr>
+          </a:p>
+          <a:p>
+            <a:pPr marL="0" indent="0">
+              <a:buNone/>
+            </a:pPr>
+            <a:r>
+              <a:rPr lang="ja-JP" altLang="en-US" dirty="0" smtClean="0">
+                <a:solidFill>
+                  <a:srgbClr val="BFBFBF"/>
+                </a:solidFill>
+              </a:rPr>
+              <a:t>以上</a:t>
+            </a:r>
+            <a:endParaRPr lang="en-US" altLang="ja-JP" dirty="0" smtClean="0">
+              <a:solidFill>
+                <a:srgbClr val="BFBFBF"/>
+              </a:solidFill>
+            </a:endParaRPr>
+          </a:p>
+        </p:txBody>
+      </p:sp>
+    </p:spTree>
+    <p:extLst>
+      <p:ext uri="{BB962C8B-B14F-4D97-AF65-F5344CB8AC3E}">
+        <p14:creationId xmlns:p14="http://schemas.microsoft.com/office/powerpoint/2010/main" val="136922898"/>
+      </p:ext>
+    </p:extLst>
+  </p:cSld>
+  <p:clrMapOvr>
+    <a:masterClrMapping/>
+  </p:clrMapOvr>
+  <p:timing>
+    <p:tnLst>
+      <p:par>
+        <p:cTn xmlns:p14="http://schemas.microsoft.com/office/powerpoint/2010/main" id="1" dur="indefinite" restart="never" nodeType="tmRoot"/>
+      </p:par>
+    </p:tnLst>
+  </p:timing>
+</p:sld>
+</file>
+
 <file path=ppt/slides/slide28.xml><?xml version="1.0" encoding="utf-8"?>
 <p:sld xmlns:a="http://schemas.openxmlformats.org/drawingml/2006/main" xmlns:r="http://schemas.openxmlformats.org/officeDocument/2006/relationships" xmlns:p="http://schemas.openxmlformats.org/presentationml/2006/main">
   <p:cSld>
@@ -25473,7 +26178,7 @@
           <p:cNvPr id="2" name="タイトル 1">
             <a:extLst>
               <a:ext uri="{FF2B5EF4-FFF2-40B4-BE49-F238E27FC236}">
-                <a16:creationId xmlns="" xmlns:a16="http://schemas.microsoft.com/office/drawing/2014/main" id="{088B8BCD-F08D-4BBA-A1AB-1E863725A893}"/>
+                <a16:creationId xmlns:a16="http://schemas.microsoft.com/office/drawing/2014/main" xmlns="" id="{088B8BCD-F08D-4BBA-A1AB-1E863725A893}"/>
               </a:ext>
             </a:extLst>
           </p:cNvPr>
@@ -25490,12 +26195,12 @@
           <a:lstStyle/>
           <a:p>
             <a:r>
-              <a:rPr lang="en-US" altLang="ja-JP" dirty="0" smtClean="0"/>
-              <a:t>AWS</a:t>
-            </a:r>
-            <a:r>
-              <a:rPr lang="ja-JP" altLang="en-US" dirty="0" smtClean="0"/>
-              <a:t>設定</a:t>
+              <a:rPr kumimoji="1" lang="en-US" altLang="ja-JP" dirty="0" smtClean="0"/>
+              <a:t>API</a:t>
+            </a:r>
+            <a:r>
+              <a:rPr kumimoji="1" lang="ja-JP" altLang="en-US" dirty="0" smtClean="0"/>
+              <a:t> デプロイ</a:t>
             </a:r>
             <a:endParaRPr kumimoji="1" lang="ja-JP" altLang="en-US" dirty="0"/>
           </a:p>
@@ -25506,7 +26211,7 @@
           <p:cNvPr id="3" name="コンテンツ プレースホルダー 2">
             <a:extLst>
               <a:ext uri="{FF2B5EF4-FFF2-40B4-BE49-F238E27FC236}">
-                <a16:creationId xmlns="" xmlns:a16="http://schemas.microsoft.com/office/drawing/2014/main" id="{A7A32151-9B8F-44C6-94BE-A0C67BE48453}"/>
+                <a16:creationId xmlns:a16="http://schemas.microsoft.com/office/drawing/2014/main" xmlns="" id="{A7A32151-9B8F-44C6-94BE-A0C67BE48453}"/>
               </a:ext>
             </a:extLst>
           </p:cNvPr>
@@ -25731,7 +26436,7 @@
           <p:cNvPr id="4" name="スライド番号プレースホルダー 3">
             <a:extLst>
               <a:ext uri="{FF2B5EF4-FFF2-40B4-BE49-F238E27FC236}">
-                <a16:creationId xmlns="" xmlns:a16="http://schemas.microsoft.com/office/drawing/2014/main" id="{36D9B9E9-7BC9-40DD-8ADE-EBEB192923F1}"/>
+                <a16:creationId xmlns:a16="http://schemas.microsoft.com/office/drawing/2014/main" xmlns="" id="{36D9B9E9-7BC9-40DD-8ADE-EBEB192923F1}"/>
               </a:ext>
             </a:extLst>
           </p:cNvPr>
@@ -25761,7 +26466,7 @@
           <p:cNvPr id="5" name="表 4">
             <a:extLst>
               <a:ext uri="{FF2B5EF4-FFF2-40B4-BE49-F238E27FC236}">
-                <a16:creationId xmlns="" xmlns:a16="http://schemas.microsoft.com/office/drawing/2014/main" id="{D842007C-3FC8-4371-8652-A83A536A50E2}"/>
+                <a16:creationId xmlns:a16="http://schemas.microsoft.com/office/drawing/2014/main" xmlns="" id="{D842007C-3FC8-4371-8652-A83A536A50E2}"/>
               </a:ext>
             </a:extLst>
           </p:cNvPr>
@@ -25790,21 +26495,21 @@
                 <a:gridCol w="1830688">
                   <a:extLst>
                     <a:ext uri="{9D8B030D-6E8A-4147-A177-3AD203B41FA5}">
-                      <a16:colId xmlns="" xmlns:a16="http://schemas.microsoft.com/office/drawing/2014/main" val="2804029949"/>
+                      <a16:colId xmlns:a16="http://schemas.microsoft.com/office/drawing/2014/main" xmlns="" val="2804029949"/>
                     </a:ext>
                   </a:extLst>
                 </a:gridCol>
                 <a:gridCol w="1259021">
                   <a:extLst>
                     <a:ext uri="{9D8B030D-6E8A-4147-A177-3AD203B41FA5}">
-                      <a16:colId xmlns="" xmlns:a16="http://schemas.microsoft.com/office/drawing/2014/main" val="512352544"/>
+                      <a16:colId xmlns:a16="http://schemas.microsoft.com/office/drawing/2014/main" xmlns="" val="512352544"/>
                     </a:ext>
                   </a:extLst>
                 </a:gridCol>
                 <a:gridCol w="2512195">
                   <a:extLst>
                     <a:ext uri="{9D8B030D-6E8A-4147-A177-3AD203B41FA5}">
-                      <a16:colId xmlns="" xmlns:a16="http://schemas.microsoft.com/office/drawing/2014/main" val="3115216659"/>
+                      <a16:colId xmlns:a16="http://schemas.microsoft.com/office/drawing/2014/main" xmlns="" val="3115216659"/>
                     </a:ext>
                   </a:extLst>
                 </a:gridCol>
@@ -25896,7 +26601,7 @@
                 </a:tc>
                 <a:extLst>
                   <a:ext uri="{0D108BD9-81ED-4DB2-BD59-A6C34878D82A}">
-                    <a16:rowId xmlns="" xmlns:a16="http://schemas.microsoft.com/office/drawing/2014/main" val="2148776483"/>
+                    <a16:rowId xmlns:a16="http://schemas.microsoft.com/office/drawing/2014/main" xmlns="" val="2148776483"/>
                   </a:ext>
                 </a:extLst>
               </a:tr>
@@ -25969,7 +26674,7 @@
                 </a:tc>
                 <a:extLst>
                   <a:ext uri="{0D108BD9-81ED-4DB2-BD59-A6C34878D82A}">
-                    <a16:rowId xmlns="" xmlns:a16="http://schemas.microsoft.com/office/drawing/2014/main" val="2791181300"/>
+                    <a16:rowId xmlns:a16="http://schemas.microsoft.com/office/drawing/2014/main" xmlns="" val="2791181300"/>
                   </a:ext>
                 </a:extLst>
               </a:tr>
@@ -26042,7 +26747,7 @@
                 </a:tc>
                 <a:extLst>
                   <a:ext uri="{0D108BD9-81ED-4DB2-BD59-A6C34878D82A}">
-                    <a16:rowId xmlns="" xmlns:a16="http://schemas.microsoft.com/office/drawing/2014/main" val="156981234"/>
+                    <a16:rowId xmlns:a16="http://schemas.microsoft.com/office/drawing/2014/main" xmlns="" val="156981234"/>
                   </a:ext>
                 </a:extLst>
               </a:tr>
@@ -26055,7 +26760,7 @@
           <p:cNvPr id="6" name="表 5">
             <a:extLst>
               <a:ext uri="{FF2B5EF4-FFF2-40B4-BE49-F238E27FC236}">
-                <a16:creationId xmlns="" xmlns:a16="http://schemas.microsoft.com/office/drawing/2014/main" id="{F001A894-50B0-48F0-815C-4C8C6E104348}"/>
+                <a16:creationId xmlns:a16="http://schemas.microsoft.com/office/drawing/2014/main" xmlns="" id="{F001A894-50B0-48F0-815C-4C8C6E104348}"/>
               </a:ext>
             </a:extLst>
           </p:cNvPr>
@@ -26084,21 +26789,21 @@
                 <a:gridCol w="903706">
                   <a:extLst>
                     <a:ext uri="{9D8B030D-6E8A-4147-A177-3AD203B41FA5}">
-                      <a16:colId xmlns="" xmlns:a16="http://schemas.microsoft.com/office/drawing/2014/main" val="2669971787"/>
+                      <a16:colId xmlns:a16="http://schemas.microsoft.com/office/drawing/2014/main" xmlns="" val="2669971787"/>
                     </a:ext>
                   </a:extLst>
                 </a:gridCol>
                 <a:gridCol w="1425074">
                   <a:extLst>
                     <a:ext uri="{9D8B030D-6E8A-4147-A177-3AD203B41FA5}">
-                      <a16:colId xmlns="" xmlns:a16="http://schemas.microsoft.com/office/drawing/2014/main" val="565529827"/>
+                      <a16:colId xmlns:a16="http://schemas.microsoft.com/office/drawing/2014/main" xmlns="" val="565529827"/>
                     </a:ext>
                   </a:extLst>
                 </a:gridCol>
                 <a:gridCol w="2050716">
                   <a:extLst>
                     <a:ext uri="{9D8B030D-6E8A-4147-A177-3AD203B41FA5}">
-                      <a16:colId xmlns="" xmlns:a16="http://schemas.microsoft.com/office/drawing/2014/main" val="1803121343"/>
+                      <a16:colId xmlns:a16="http://schemas.microsoft.com/office/drawing/2014/main" xmlns="" val="1803121343"/>
                     </a:ext>
                   </a:extLst>
                 </a:gridCol>
@@ -26190,7 +26895,7 @@
                 </a:tc>
                 <a:extLst>
                   <a:ext uri="{0D108BD9-81ED-4DB2-BD59-A6C34878D82A}">
-                    <a16:rowId xmlns="" xmlns:a16="http://schemas.microsoft.com/office/drawing/2014/main" val="1474283993"/>
+                    <a16:rowId xmlns:a16="http://schemas.microsoft.com/office/drawing/2014/main" xmlns="" val="1474283993"/>
                   </a:ext>
                 </a:extLst>
               </a:tr>
@@ -26263,7 +26968,7 @@
                 </a:tc>
                 <a:extLst>
                   <a:ext uri="{0D108BD9-81ED-4DB2-BD59-A6C34878D82A}">
-                    <a16:rowId xmlns="" xmlns:a16="http://schemas.microsoft.com/office/drawing/2014/main" val="1116055654"/>
+                    <a16:rowId xmlns:a16="http://schemas.microsoft.com/office/drawing/2014/main" xmlns="" val="1116055654"/>
                   </a:ext>
                 </a:extLst>
               </a:tr>
@@ -26360,7 +27065,7 @@
                 </a:tc>
                 <a:extLst>
                   <a:ext uri="{0D108BD9-81ED-4DB2-BD59-A6C34878D82A}">
-                    <a16:rowId xmlns="" xmlns:a16="http://schemas.microsoft.com/office/drawing/2014/main" val="618552372"/>
+                    <a16:rowId xmlns:a16="http://schemas.microsoft.com/office/drawing/2014/main" xmlns="" val="618552372"/>
                   </a:ext>
                 </a:extLst>
               </a:tr>
@@ -26433,7 +27138,7 @@
                 </a:tc>
                 <a:extLst>
                   <a:ext uri="{0D108BD9-81ED-4DB2-BD59-A6C34878D82A}">
-                    <a16:rowId xmlns="" xmlns:a16="http://schemas.microsoft.com/office/drawing/2014/main" val="616743796"/>
+                    <a16:rowId xmlns:a16="http://schemas.microsoft.com/office/drawing/2014/main" xmlns="" val="616743796"/>
                   </a:ext>
                 </a:extLst>
               </a:tr>
@@ -26909,7 +27614,40 @@
               <a:buAutoNum type="arabicPeriod"/>
             </a:pPr>
             <a:r>
+              <a:rPr lang="en-US" altLang="ja-JP" dirty="0">
+                <a:solidFill>
+                  <a:schemeClr val="bg1">
+                    <a:lumMod val="75000"/>
+                  </a:schemeClr>
+                </a:solidFill>
+              </a:rPr>
+              <a:t>CMS </a:t>
+            </a:r>
+            <a:r>
               <a:rPr lang="ja-JP" altLang="en-US" dirty="0">
+                <a:solidFill>
+                  <a:schemeClr val="bg1">
+                    <a:lumMod val="75000"/>
+                  </a:schemeClr>
+                </a:solidFill>
+              </a:rPr>
+              <a:t>デプロイ</a:t>
+            </a:r>
+            <a:endParaRPr lang="en-US" altLang="ja-JP" dirty="0">
+              <a:solidFill>
+                <a:schemeClr val="bg1">
+                  <a:lumMod val="75000"/>
+                </a:schemeClr>
+              </a:solidFill>
+            </a:endParaRPr>
+          </a:p>
+          <a:p>
+            <a:pPr>
+              <a:buFont typeface="+mj-lt"/>
+              <a:buAutoNum type="arabicPeriod"/>
+            </a:pPr>
+            <a:r>
+              <a:rPr lang="ja-JP" altLang="en-US" dirty="0" smtClean="0">
                 <a:solidFill>
                   <a:srgbClr val="BFBFBF"/>
                 </a:solidFill>
@@ -26992,7 +27730,7 @@
           <p:cNvPr id="2" name="タイトル 1">
             <a:extLst>
               <a:ext uri="{FF2B5EF4-FFF2-40B4-BE49-F238E27FC236}">
-                <a16:creationId xmlns="" xmlns:a16="http://schemas.microsoft.com/office/drawing/2014/main" id="{6560C43E-DBFC-4F26-B1E3-F48CB447A1AB}"/>
+                <a16:creationId xmlns:a16="http://schemas.microsoft.com/office/drawing/2014/main" xmlns="" id="{6560C43E-DBFC-4F26-B1E3-F48CB447A1AB}"/>
               </a:ext>
             </a:extLst>
           </p:cNvPr>
@@ -27010,11 +27748,15 @@
           <a:p>
             <a:r>
               <a:rPr lang="en-US" altLang="ja-JP" dirty="0" smtClean="0"/>
-              <a:t>AWS</a:t>
+              <a:t>API</a:t>
             </a:r>
             <a:r>
               <a:rPr lang="ja-JP" altLang="en-US" dirty="0" smtClean="0"/>
-              <a:t>設定</a:t>
+              <a:t> </a:t>
+            </a:r>
+            <a:r>
+              <a:rPr lang="ja-JP" altLang="en-US" dirty="0" smtClean="0"/>
+              <a:t>デプロイ</a:t>
             </a:r>
             <a:endParaRPr kumimoji="1" lang="ja-JP" altLang="en-US" dirty="0"/>
           </a:p>
@@ -27025,7 +27767,7 @@
           <p:cNvPr id="3" name="コンテンツ プレースホルダー 2">
             <a:extLst>
               <a:ext uri="{FF2B5EF4-FFF2-40B4-BE49-F238E27FC236}">
-                <a16:creationId xmlns="" xmlns:a16="http://schemas.microsoft.com/office/drawing/2014/main" id="{6FC9A7EE-65C1-414B-9ED9-FF653BF56B4A}"/>
+                <a16:creationId xmlns:a16="http://schemas.microsoft.com/office/drawing/2014/main" xmlns="" id="{6FC9A7EE-65C1-414B-9ED9-FF653BF56B4A}"/>
               </a:ext>
             </a:extLst>
           </p:cNvPr>
@@ -27274,7 +28016,7 @@
           <p:cNvPr id="4" name="スライド番号プレースホルダー 3">
             <a:extLst>
               <a:ext uri="{FF2B5EF4-FFF2-40B4-BE49-F238E27FC236}">
-                <a16:creationId xmlns="" xmlns:a16="http://schemas.microsoft.com/office/drawing/2014/main" id="{3983BF5F-7F92-4E6E-89D1-1F15FFC0653E}"/>
+                <a16:creationId xmlns:a16="http://schemas.microsoft.com/office/drawing/2014/main" xmlns="" id="{3983BF5F-7F92-4E6E-89D1-1F15FFC0653E}"/>
               </a:ext>
             </a:extLst>
           </p:cNvPr>
@@ -27304,7 +28046,7 @@
           <p:cNvPr id="5" name="表 4">
             <a:extLst>
               <a:ext uri="{FF2B5EF4-FFF2-40B4-BE49-F238E27FC236}">
-                <a16:creationId xmlns="" xmlns:a16="http://schemas.microsoft.com/office/drawing/2014/main" id="{D9843871-5C4A-4C44-8970-402E0DEFC328}"/>
+                <a16:creationId xmlns:a16="http://schemas.microsoft.com/office/drawing/2014/main" xmlns="" id="{D9843871-5C4A-4C44-8970-402E0DEFC328}"/>
               </a:ext>
             </a:extLst>
           </p:cNvPr>
@@ -27333,14 +28075,14 @@
                 <a:gridCol w="1463041">
                   <a:extLst>
                     <a:ext uri="{9D8B030D-6E8A-4147-A177-3AD203B41FA5}">
-                      <a16:colId xmlns="" xmlns:a16="http://schemas.microsoft.com/office/drawing/2014/main" val="2601223865"/>
+                      <a16:colId xmlns:a16="http://schemas.microsoft.com/office/drawing/2014/main" xmlns="" val="2601223865"/>
                     </a:ext>
                   </a:extLst>
                 </a:gridCol>
                 <a:gridCol w="2290813">
                   <a:extLst>
                     <a:ext uri="{9D8B030D-6E8A-4147-A177-3AD203B41FA5}">
-                      <a16:colId xmlns="" xmlns:a16="http://schemas.microsoft.com/office/drawing/2014/main" val="1373850020"/>
+                      <a16:colId xmlns:a16="http://schemas.microsoft.com/office/drawing/2014/main" xmlns="" val="1373850020"/>
                     </a:ext>
                   </a:extLst>
                 </a:gridCol>
@@ -27404,7 +28146,7 @@
                 </a:tc>
                 <a:extLst>
                   <a:ext uri="{0D108BD9-81ED-4DB2-BD59-A6C34878D82A}">
-                    <a16:rowId xmlns="" xmlns:a16="http://schemas.microsoft.com/office/drawing/2014/main" val="955087541"/>
+                    <a16:rowId xmlns:a16="http://schemas.microsoft.com/office/drawing/2014/main" xmlns="" val="955087541"/>
                   </a:ext>
                 </a:extLst>
               </a:tr>
@@ -27467,7 +28209,7 @@
                 </a:tc>
                 <a:extLst>
                   <a:ext uri="{0D108BD9-81ED-4DB2-BD59-A6C34878D82A}">
-                    <a16:rowId xmlns="" xmlns:a16="http://schemas.microsoft.com/office/drawing/2014/main" val="841426669"/>
+                    <a16:rowId xmlns:a16="http://schemas.microsoft.com/office/drawing/2014/main" xmlns="" val="841426669"/>
                   </a:ext>
                 </a:extLst>
               </a:tr>
@@ -27530,7 +28272,7 @@
                 </a:tc>
                 <a:extLst>
                   <a:ext uri="{0D108BD9-81ED-4DB2-BD59-A6C34878D82A}">
-                    <a16:rowId xmlns="" xmlns:a16="http://schemas.microsoft.com/office/drawing/2014/main" val="2866578238"/>
+                    <a16:rowId xmlns:a16="http://schemas.microsoft.com/office/drawing/2014/main" xmlns="" val="2866578238"/>
                   </a:ext>
                 </a:extLst>
               </a:tr>
@@ -27593,7 +28335,7 @@
                 </a:tc>
                 <a:extLst>
                   <a:ext uri="{0D108BD9-81ED-4DB2-BD59-A6C34878D82A}">
-                    <a16:rowId xmlns="" xmlns:a16="http://schemas.microsoft.com/office/drawing/2014/main" val="3638318724"/>
+                    <a16:rowId xmlns:a16="http://schemas.microsoft.com/office/drawing/2014/main" xmlns="" val="3638318724"/>
                   </a:ext>
                 </a:extLst>
               </a:tr>
@@ -27606,7 +28348,7 @@
           <p:cNvPr id="10" name="表 10">
             <a:extLst>
               <a:ext uri="{FF2B5EF4-FFF2-40B4-BE49-F238E27FC236}">
-                <a16:creationId xmlns="" xmlns:a16="http://schemas.microsoft.com/office/drawing/2014/main" id="{3824BA45-4555-4A4B-859E-D45B5DBE9166}"/>
+                <a16:creationId xmlns:a16="http://schemas.microsoft.com/office/drawing/2014/main" xmlns="" id="{3824BA45-4555-4A4B-859E-D45B5DBE9166}"/>
               </a:ext>
             </a:extLst>
           </p:cNvPr>
@@ -27635,14 +28377,14 @@
                 <a:gridCol w="1876927">
                   <a:extLst>
                     <a:ext uri="{9D8B030D-6E8A-4147-A177-3AD203B41FA5}">
-                      <a16:colId xmlns="" xmlns:a16="http://schemas.microsoft.com/office/drawing/2014/main" val="486962398"/>
+                      <a16:colId xmlns:a16="http://schemas.microsoft.com/office/drawing/2014/main" xmlns="" val="486962398"/>
                     </a:ext>
                   </a:extLst>
                 </a:gridCol>
                 <a:gridCol w="1876927">
                   <a:extLst>
                     <a:ext uri="{9D8B030D-6E8A-4147-A177-3AD203B41FA5}">
-                      <a16:colId xmlns="" xmlns:a16="http://schemas.microsoft.com/office/drawing/2014/main" val="1228622091"/>
+                      <a16:colId xmlns:a16="http://schemas.microsoft.com/office/drawing/2014/main" xmlns="" val="1228622091"/>
                     </a:ext>
                   </a:extLst>
                 </a:gridCol>
@@ -27684,7 +28426,7 @@
                 </a:tc>
                 <a:extLst>
                   <a:ext uri="{0D108BD9-81ED-4DB2-BD59-A6C34878D82A}">
-                    <a16:rowId xmlns="" xmlns:a16="http://schemas.microsoft.com/office/drawing/2014/main" val="3951679411"/>
+                    <a16:rowId xmlns:a16="http://schemas.microsoft.com/office/drawing/2014/main" xmlns="" val="3951679411"/>
                   </a:ext>
                 </a:extLst>
               </a:tr>
@@ -27727,7 +28469,7 @@
                 </a:tc>
                 <a:extLst>
                   <a:ext uri="{0D108BD9-81ED-4DB2-BD59-A6C34878D82A}">
-                    <a16:rowId xmlns="" xmlns:a16="http://schemas.microsoft.com/office/drawing/2014/main" val="655885765"/>
+                    <a16:rowId xmlns:a16="http://schemas.microsoft.com/office/drawing/2014/main" xmlns="" val="655885765"/>
                   </a:ext>
                 </a:extLst>
               </a:tr>
@@ -27770,7 +28512,7 @@
                 </a:tc>
                 <a:extLst>
                   <a:ext uri="{0D108BD9-81ED-4DB2-BD59-A6C34878D82A}">
-                    <a16:rowId xmlns="" xmlns:a16="http://schemas.microsoft.com/office/drawing/2014/main" val="4269180922"/>
+                    <a16:rowId xmlns:a16="http://schemas.microsoft.com/office/drawing/2014/main" xmlns="" val="4269180922"/>
                   </a:ext>
                 </a:extLst>
               </a:tr>
@@ -27783,7 +28525,7 @@
           <p:cNvPr id="12" name="表 11">
             <a:extLst>
               <a:ext uri="{FF2B5EF4-FFF2-40B4-BE49-F238E27FC236}">
-                <a16:creationId xmlns="" xmlns:a16="http://schemas.microsoft.com/office/drawing/2014/main" id="{CD33F8CD-E491-4529-B852-9BFD2AB249F4}"/>
+                <a16:creationId xmlns:a16="http://schemas.microsoft.com/office/drawing/2014/main" xmlns="" id="{CD33F8CD-E491-4529-B852-9BFD2AB249F4}"/>
               </a:ext>
             </a:extLst>
           </p:cNvPr>
@@ -27812,7 +28554,7 @@
                 <a:gridCol w="3195587">
                   <a:extLst>
                     <a:ext uri="{9D8B030D-6E8A-4147-A177-3AD203B41FA5}">
-                      <a16:colId xmlns="" xmlns:a16="http://schemas.microsoft.com/office/drawing/2014/main" val="2300322249"/>
+                      <a16:colId xmlns:a16="http://schemas.microsoft.com/office/drawing/2014/main" xmlns="" val="2300322249"/>
                     </a:ext>
                   </a:extLst>
                 </a:gridCol>
@@ -27851,7 +28593,7 @@
                 </a:tc>
                 <a:extLst>
                   <a:ext uri="{0D108BD9-81ED-4DB2-BD59-A6C34878D82A}">
-                    <a16:rowId xmlns="" xmlns:a16="http://schemas.microsoft.com/office/drawing/2014/main" val="2786235083"/>
+                    <a16:rowId xmlns:a16="http://schemas.microsoft.com/office/drawing/2014/main" xmlns="" val="2786235083"/>
                   </a:ext>
                 </a:extLst>
               </a:tr>
@@ -27889,7 +28631,7 @@
                 </a:tc>
                 <a:extLst>
                   <a:ext uri="{0D108BD9-81ED-4DB2-BD59-A6C34878D82A}">
-                    <a16:rowId xmlns="" xmlns:a16="http://schemas.microsoft.com/office/drawing/2014/main" val="3177149070"/>
+                    <a16:rowId xmlns:a16="http://schemas.microsoft.com/office/drawing/2014/main" xmlns="" val="3177149070"/>
                   </a:ext>
                 </a:extLst>
               </a:tr>
@@ -28353,7 +29095,7 @@
               </a:rPr>
               <a:t>デプロイ</a:t>
             </a:r>
-            <a:endParaRPr lang="en-US" altLang="ja-JP" dirty="0">
+            <a:endParaRPr lang="en-US" altLang="ja-JP" dirty="0" smtClean="0">
               <a:solidFill>
                 <a:srgbClr val="404040"/>
               </a:solidFill>
@@ -28365,20 +29107,45 @@
               <a:buAutoNum type="arabicPeriod"/>
             </a:pPr>
             <a:r>
-              <a:rPr lang="ja-JP" altLang="en-US" dirty="0">
+              <a:rPr lang="en-US" altLang="ja-JP" dirty="0" smtClean="0">
+                <a:solidFill>
+                  <a:schemeClr val="bg1">
+                    <a:lumMod val="75000"/>
+                  </a:schemeClr>
+                </a:solidFill>
+              </a:rPr>
+              <a:t>CMS </a:t>
+            </a:r>
+            <a:r>
+              <a:rPr lang="ja-JP" altLang="en-US" dirty="0" smtClean="0">
+                <a:solidFill>
+                  <a:schemeClr val="bg1">
+                    <a:lumMod val="75000"/>
+                  </a:schemeClr>
+                </a:solidFill>
+              </a:rPr>
+              <a:t>デプロイ</a:t>
+            </a:r>
+            <a:endParaRPr lang="en-US" altLang="ja-JP" dirty="0">
+              <a:solidFill>
+                <a:schemeClr val="bg1">
+                  <a:lumMod val="75000"/>
+                </a:schemeClr>
+              </a:solidFill>
+            </a:endParaRPr>
+          </a:p>
+          <a:p>
+            <a:pPr>
+              <a:buFont typeface="+mj-lt"/>
+              <a:buAutoNum type="arabicPeriod"/>
+            </a:pPr>
+            <a:r>
+              <a:rPr lang="ja-JP" altLang="en-US" dirty="0" smtClean="0">
                 <a:solidFill>
                   <a:srgbClr val="BFBFBF"/>
                 </a:solidFill>
               </a:rPr>
-              <a:t>コンテンツ</a:t>
-            </a:r>
-            <a:r>
-              <a:rPr lang="ja-JP" altLang="en-US" dirty="0" smtClean="0">
-                <a:solidFill>
-                  <a:srgbClr val="BFBFBF"/>
-                </a:solidFill>
-              </a:rPr>
-              <a:t>登録</a:t>
+              <a:t>コンテンツ登録</a:t>
             </a:r>
             <a:endParaRPr lang="en-US" altLang="ja-JP" dirty="0" smtClean="0">
               <a:solidFill>
@@ -28698,10 +29465,676 @@
       </p:grpSpPr>
       <p:sp>
         <p:nvSpPr>
+          <p:cNvPr id="2" name="タイトル 1"/>
+          <p:cNvSpPr>
+            <a:spLocks noGrp="1"/>
+          </p:cNvSpPr>
+          <p:nvPr>
+            <p:ph type="title"/>
+          </p:nvPr>
+        </p:nvSpPr>
+        <p:spPr/>
+        <p:txBody>
+          <a:bodyPr/>
+          <a:lstStyle/>
+          <a:p>
+            <a:r>
+              <a:rPr lang="ja-JP" altLang="ja-JP" dirty="0" smtClean="0"/>
+              <a:t>C</a:t>
+            </a:r>
+            <a:r>
+              <a:rPr lang="en-US" altLang="ja-JP" dirty="0" smtClean="0"/>
+              <a:t>MS</a:t>
+            </a:r>
+            <a:r>
+              <a:rPr lang="ja-JP" altLang="en-US" dirty="0" smtClean="0"/>
+              <a:t> デプロイ</a:t>
+            </a:r>
+            <a:endParaRPr kumimoji="1" lang="ja-JP" altLang="en-US" dirty="0"/>
+          </a:p>
+        </p:txBody>
+      </p:sp>
+      <p:sp>
+        <p:nvSpPr>
+          <p:cNvPr id="3" name="コンテンツ プレースホルダー 2"/>
+          <p:cNvSpPr>
+            <a:spLocks noGrp="1"/>
+          </p:cNvSpPr>
+          <p:nvPr>
+            <p:ph idx="1"/>
+          </p:nvPr>
+        </p:nvSpPr>
+        <p:spPr>
+          <a:xfrm>
+            <a:off x="3091341" y="548856"/>
+            <a:ext cx="8936837" cy="5861025"/>
+          </a:xfrm>
+        </p:spPr>
+        <p:txBody>
+          <a:bodyPr/>
+          <a:lstStyle/>
+          <a:p>
+            <a:pPr>
+              <a:buFont typeface="+mj-lt"/>
+              <a:buAutoNum type="arabicPeriod"/>
+            </a:pPr>
+            <a:r>
+              <a:rPr kumimoji="1" lang="ja-JP" altLang="en-US" dirty="0" smtClean="0"/>
+              <a:t>プログラム配置</a:t>
+            </a:r>
+            <a:endParaRPr kumimoji="1" lang="en-US" altLang="ja-JP" dirty="0" smtClean="0"/>
+          </a:p>
+          <a:p>
+            <a:pPr>
+              <a:buFont typeface="+mj-lt"/>
+              <a:buAutoNum type="arabicPeriod"/>
+            </a:pPr>
+            <a:r>
+              <a:rPr kumimoji="1" lang="ja-JP" altLang="en-US" dirty="0" smtClean="0"/>
+              <a:t>フォルダ、ファイルアクセス権限設定</a:t>
+            </a:r>
+            <a:endParaRPr kumimoji="1" lang="en-US" altLang="ja-JP" dirty="0" smtClean="0"/>
+          </a:p>
+          <a:p>
+            <a:pPr>
+              <a:buFont typeface="+mj-lt"/>
+              <a:buAutoNum type="arabicPeriod"/>
+            </a:pPr>
+            <a:r>
+              <a:rPr kumimoji="1" lang="ja-JP" altLang="en-US" dirty="0" smtClean="0"/>
+              <a:t>環境変数設定</a:t>
+            </a:r>
+            <a:endParaRPr kumimoji="1" lang="en-US" altLang="ja-JP" dirty="0" smtClean="0"/>
+          </a:p>
+          <a:p>
+            <a:pPr>
+              <a:buFont typeface="+mj-lt"/>
+              <a:buAutoNum type="arabicPeriod"/>
+            </a:pPr>
+            <a:r>
+              <a:rPr lang="ja-JP" altLang="en-US" dirty="0" smtClean="0"/>
+              <a:t>サーバ再起動</a:t>
+            </a:r>
+            <a:endParaRPr kumimoji="1" lang="ja-JP" altLang="en-US" dirty="0"/>
+          </a:p>
+        </p:txBody>
+      </p:sp>
+      <p:sp>
+        <p:nvSpPr>
+          <p:cNvPr id="4" name="スライド番号プレースホルダー 3"/>
+          <p:cNvSpPr>
+            <a:spLocks noGrp="1"/>
+          </p:cNvSpPr>
+          <p:nvPr>
+            <p:ph type="sldNum" sz="quarter" idx="12"/>
+          </p:nvPr>
+        </p:nvSpPr>
+        <p:spPr/>
+        <p:txBody>
+          <a:bodyPr/>
+          <a:lstStyle/>
+          <a:p>
+            <a:fld id="{FC7FC04C-4975-46EC-A609-F7DE0D5B1B51}" type="slidenum">
+              <a:rPr kumimoji="1" lang="ja-JP" altLang="en-US" smtClean="0"/>
+              <a:pPr/>
+              <a:t>30</a:t>
+            </a:fld>
+            <a:endParaRPr kumimoji="1" lang="ja-JP" altLang="en-US" dirty="0"/>
+          </a:p>
+        </p:txBody>
+      </p:sp>
+      <p:cxnSp>
+        <p:nvCxnSpPr>
+          <p:cNvPr id="5" name="直線コネクタ 4"/>
+          <p:cNvCxnSpPr/>
+          <p:nvPr/>
+        </p:nvCxnSpPr>
+        <p:spPr>
+          <a:xfrm>
+            <a:off x="3064392" y="607452"/>
+            <a:ext cx="0" cy="5867439"/>
+          </a:xfrm>
+          <a:prstGeom prst="line">
+            <a:avLst/>
+          </a:prstGeom>
+          <a:ln>
+            <a:solidFill>
+              <a:srgbClr val="13A0E7"/>
+            </a:solidFill>
+          </a:ln>
+        </p:spPr>
+        <p:style>
+          <a:lnRef idx="2">
+            <a:schemeClr val="accent1"/>
+          </a:lnRef>
+          <a:fillRef idx="0">
+            <a:schemeClr val="accent1"/>
+          </a:fillRef>
+          <a:effectRef idx="1">
+            <a:schemeClr val="accent1"/>
+          </a:effectRef>
+          <a:fontRef idx="minor">
+            <a:schemeClr val="tx1"/>
+          </a:fontRef>
+        </p:style>
+      </p:cxnSp>
+      <p:sp>
+        <p:nvSpPr>
+          <p:cNvPr id="6" name="コンテンツ プレースホルダー 2"/>
+          <p:cNvSpPr txBox="1">
+            <a:spLocks/>
+          </p:cNvSpPr>
+          <p:nvPr/>
+        </p:nvSpPr>
+        <p:spPr>
+          <a:xfrm>
+            <a:off x="275150" y="548855"/>
+            <a:ext cx="2761636" cy="5926035"/>
+          </a:xfrm>
+          <a:prstGeom prst="rect">
+            <a:avLst/>
+          </a:prstGeom>
+        </p:spPr>
+        <p:txBody>
+          <a:bodyPr numCol="1"/>
+          <a:lstStyle>
+            <a:lvl1pPr marL="342900" indent="-342900" algn="l" defTabSz="457200" rtl="0" eaLnBrk="1" latinLnBrk="0" hangingPunct="1">
+              <a:spcBef>
+                <a:spcPts val="1000"/>
+              </a:spcBef>
+              <a:spcAft>
+                <a:spcPts val="0"/>
+              </a:spcAft>
+              <a:buClr>
+                <a:srgbClr val="00A0E7"/>
+              </a:buClr>
+              <a:buFont typeface="Wingdings" panose="05000000000000000000" pitchFamily="2" charset="2"/>
+              <a:buChar char="Ø"/>
+              <a:defRPr kumimoji="1" sz="1800" kern="1200">
+                <a:solidFill>
+                  <a:schemeClr val="tx1">
+                    <a:lumMod val="75000"/>
+                    <a:lumOff val="25000"/>
+                  </a:schemeClr>
+                </a:solidFill>
+                <a:latin typeface="+mn-lt"/>
+                <a:ea typeface="+mn-ea"/>
+                <a:cs typeface="+mn-cs"/>
+              </a:defRPr>
+            </a:lvl1pPr>
+            <a:lvl2pPr marL="800100" indent="-342900" algn="l" defTabSz="457200" rtl="0" eaLnBrk="1" latinLnBrk="0" hangingPunct="1">
+              <a:spcBef>
+                <a:spcPts val="1000"/>
+              </a:spcBef>
+              <a:spcAft>
+                <a:spcPts val="0"/>
+              </a:spcAft>
+              <a:buClr>
+                <a:srgbClr val="00A0E7"/>
+              </a:buClr>
+              <a:buFont typeface="Wingdings" panose="05000000000000000000" pitchFamily="2" charset="2"/>
+              <a:buChar char="Ø"/>
+              <a:defRPr kumimoji="1" sz="1600" kern="1200">
+                <a:solidFill>
+                  <a:schemeClr val="tx1">
+                    <a:lumMod val="75000"/>
+                    <a:lumOff val="25000"/>
+                  </a:schemeClr>
+                </a:solidFill>
+                <a:latin typeface="+mn-lt"/>
+                <a:ea typeface="+mn-ea"/>
+                <a:cs typeface="+mn-cs"/>
+              </a:defRPr>
+            </a:lvl2pPr>
+            <a:lvl3pPr marL="1257300" indent="-342900" algn="l" defTabSz="457200" rtl="0" eaLnBrk="1" latinLnBrk="0" hangingPunct="1">
+              <a:spcBef>
+                <a:spcPts val="1000"/>
+              </a:spcBef>
+              <a:spcAft>
+                <a:spcPts val="0"/>
+              </a:spcAft>
+              <a:buClr>
+                <a:srgbClr val="00A0E7"/>
+              </a:buClr>
+              <a:buFont typeface="Wingdings" panose="05000000000000000000" pitchFamily="2" charset="2"/>
+              <a:buChar char="Ø"/>
+              <a:defRPr kumimoji="1" sz="1400" kern="1200">
+                <a:solidFill>
+                  <a:schemeClr val="tx1">
+                    <a:lumMod val="75000"/>
+                    <a:lumOff val="25000"/>
+                  </a:schemeClr>
+                </a:solidFill>
+                <a:latin typeface="+mn-lt"/>
+                <a:ea typeface="+mn-ea"/>
+                <a:cs typeface="+mn-cs"/>
+              </a:defRPr>
+            </a:lvl3pPr>
+            <a:lvl4pPr marL="1600200" indent="-228600" algn="l" defTabSz="457200" rtl="0" eaLnBrk="1" latinLnBrk="0" hangingPunct="1">
+              <a:spcBef>
+                <a:spcPts val="1000"/>
+              </a:spcBef>
+              <a:spcAft>
+                <a:spcPts val="0"/>
+              </a:spcAft>
+              <a:buClr>
+                <a:srgbClr val="00A0E7"/>
+              </a:buClr>
+              <a:buFont typeface="Wingdings" panose="05000000000000000000" pitchFamily="2" charset="2"/>
+              <a:buChar char="Ø"/>
+              <a:defRPr kumimoji="1" sz="1200" kern="1200">
+                <a:solidFill>
+                  <a:schemeClr val="tx1">
+                    <a:lumMod val="75000"/>
+                    <a:lumOff val="25000"/>
+                  </a:schemeClr>
+                </a:solidFill>
+                <a:latin typeface="+mn-lt"/>
+                <a:ea typeface="+mn-ea"/>
+                <a:cs typeface="+mn-cs"/>
+              </a:defRPr>
+            </a:lvl4pPr>
+            <a:lvl5pPr marL="2057400" indent="-228600" algn="l" defTabSz="457200" rtl="0" eaLnBrk="1" latinLnBrk="0" hangingPunct="1">
+              <a:spcBef>
+                <a:spcPts val="1000"/>
+              </a:spcBef>
+              <a:spcAft>
+                <a:spcPts val="0"/>
+              </a:spcAft>
+              <a:buClr>
+                <a:srgbClr val="00A0E7"/>
+              </a:buClr>
+              <a:buFont typeface="Wingdings" panose="05000000000000000000" pitchFamily="2" charset="2"/>
+              <a:buChar char="Ø"/>
+              <a:defRPr kumimoji="1" sz="1200" kern="1200">
+                <a:solidFill>
+                  <a:schemeClr val="tx1">
+                    <a:lumMod val="75000"/>
+                    <a:lumOff val="25000"/>
+                  </a:schemeClr>
+                </a:solidFill>
+                <a:latin typeface="+mn-lt"/>
+                <a:ea typeface="+mn-ea"/>
+                <a:cs typeface="+mn-cs"/>
+              </a:defRPr>
+            </a:lvl5pPr>
+            <a:lvl6pPr marL="2514600" indent="-228600" algn="l" defTabSz="457200" rtl="0" eaLnBrk="1" latinLnBrk="0" hangingPunct="1">
+              <a:spcBef>
+                <a:spcPts val="1000"/>
+              </a:spcBef>
+              <a:spcAft>
+                <a:spcPts val="0"/>
+              </a:spcAft>
+              <a:buClr>
+                <a:schemeClr val="accent1"/>
+              </a:buClr>
+              <a:buFont typeface="Wingdings 3" charset="2"/>
+              <a:buChar char=""/>
+              <a:defRPr kumimoji="1" sz="1200" kern="1200">
+                <a:solidFill>
+                  <a:schemeClr val="tx1">
+                    <a:lumMod val="75000"/>
+                    <a:lumOff val="25000"/>
+                  </a:schemeClr>
+                </a:solidFill>
+                <a:latin typeface="+mn-lt"/>
+                <a:ea typeface="+mn-ea"/>
+                <a:cs typeface="+mn-cs"/>
+              </a:defRPr>
+            </a:lvl6pPr>
+            <a:lvl7pPr marL="2971800" indent="-228600" algn="l" defTabSz="457200" rtl="0" eaLnBrk="1" latinLnBrk="0" hangingPunct="1">
+              <a:spcBef>
+                <a:spcPts val="1000"/>
+              </a:spcBef>
+              <a:spcAft>
+                <a:spcPts val="0"/>
+              </a:spcAft>
+              <a:buClr>
+                <a:schemeClr val="accent1"/>
+              </a:buClr>
+              <a:buFont typeface="Wingdings 3" charset="2"/>
+              <a:buChar char=""/>
+              <a:defRPr kumimoji="1" sz="1200" kern="1200">
+                <a:solidFill>
+                  <a:schemeClr val="tx1">
+                    <a:lumMod val="75000"/>
+                    <a:lumOff val="25000"/>
+                  </a:schemeClr>
+                </a:solidFill>
+                <a:latin typeface="+mn-lt"/>
+                <a:ea typeface="+mn-ea"/>
+                <a:cs typeface="+mn-cs"/>
+              </a:defRPr>
+            </a:lvl7pPr>
+            <a:lvl8pPr marL="3429000" indent="-228600" algn="l" defTabSz="457200" rtl="0" eaLnBrk="1" latinLnBrk="0" hangingPunct="1">
+              <a:spcBef>
+                <a:spcPts val="1000"/>
+              </a:spcBef>
+              <a:spcAft>
+                <a:spcPts val="0"/>
+              </a:spcAft>
+              <a:buClr>
+                <a:schemeClr val="accent1"/>
+              </a:buClr>
+              <a:buFont typeface="Wingdings 3" charset="2"/>
+              <a:buChar char=""/>
+              <a:defRPr kumimoji="1" sz="1200" kern="1200">
+                <a:solidFill>
+                  <a:schemeClr val="tx1">
+                    <a:lumMod val="75000"/>
+                    <a:lumOff val="25000"/>
+                  </a:schemeClr>
+                </a:solidFill>
+                <a:latin typeface="+mn-lt"/>
+                <a:ea typeface="+mn-ea"/>
+                <a:cs typeface="+mn-cs"/>
+              </a:defRPr>
+            </a:lvl8pPr>
+            <a:lvl9pPr marL="3886200" indent="-228600" algn="l" defTabSz="457200" rtl="0" eaLnBrk="1" latinLnBrk="0" hangingPunct="1">
+              <a:spcBef>
+                <a:spcPts val="1000"/>
+              </a:spcBef>
+              <a:spcAft>
+                <a:spcPts val="0"/>
+              </a:spcAft>
+              <a:buClr>
+                <a:schemeClr val="accent1"/>
+              </a:buClr>
+              <a:buFont typeface="Wingdings 3" charset="2"/>
+              <a:buChar char=""/>
+              <a:defRPr kumimoji="1" sz="1200" kern="1200">
+                <a:solidFill>
+                  <a:schemeClr val="tx1">
+                    <a:lumMod val="75000"/>
+                    <a:lumOff val="25000"/>
+                  </a:schemeClr>
+                </a:solidFill>
+                <a:latin typeface="+mn-lt"/>
+                <a:ea typeface="+mn-ea"/>
+                <a:cs typeface="+mn-cs"/>
+              </a:defRPr>
+            </a:lvl9pPr>
+          </a:lstStyle>
+          <a:p>
+            <a:pPr marL="0" indent="0">
+              <a:buNone/>
+            </a:pPr>
+            <a:r>
+              <a:rPr lang="ja-JP" altLang="en-US" dirty="0"/>
+              <a:t>環境</a:t>
+            </a:r>
+            <a:r>
+              <a:rPr lang="ja-JP" altLang="en-US" dirty="0" smtClean="0"/>
+              <a:t>構築手順</a:t>
+            </a:r>
+            <a:endParaRPr lang="en-US" altLang="ja-JP" dirty="0" smtClean="0"/>
+          </a:p>
+          <a:p>
+            <a:pPr>
+              <a:buFont typeface="+mj-lt"/>
+              <a:buAutoNum type="arabicPeriod"/>
+            </a:pPr>
+            <a:r>
+              <a:rPr lang="en-US" altLang="ja-JP" dirty="0" smtClean="0">
+                <a:solidFill>
+                  <a:schemeClr val="bg1">
+                    <a:lumMod val="75000"/>
+                  </a:schemeClr>
+                </a:solidFill>
+              </a:rPr>
+              <a:t>AWS</a:t>
+            </a:r>
+            <a:r>
+              <a:rPr lang="ja-JP" altLang="en-US" dirty="0" smtClean="0">
+                <a:solidFill>
+                  <a:schemeClr val="bg1">
+                    <a:lumMod val="75000"/>
+                  </a:schemeClr>
+                </a:solidFill>
+              </a:rPr>
+              <a:t>リソース</a:t>
+            </a:r>
+            <a:endParaRPr lang="en-US" altLang="ja-JP" dirty="0" smtClean="0">
+              <a:solidFill>
+                <a:schemeClr val="bg1">
+                  <a:lumMod val="75000"/>
+                </a:schemeClr>
+              </a:solidFill>
+            </a:endParaRPr>
+          </a:p>
+          <a:p>
+            <a:pPr lvl="1">
+              <a:buFont typeface="+mj-lt"/>
+              <a:buAutoNum type="arabicPeriod"/>
+            </a:pPr>
+            <a:r>
+              <a:rPr lang="en-US" altLang="ja-JP" dirty="0">
+                <a:solidFill>
+                  <a:srgbClr val="BFBFBF"/>
+                </a:solidFill>
+              </a:rPr>
+              <a:t>DynamoDB</a:t>
+            </a:r>
+          </a:p>
+          <a:p>
+            <a:pPr lvl="1">
+              <a:buFont typeface="+mj-lt"/>
+              <a:buAutoNum type="arabicPeriod"/>
+            </a:pPr>
+            <a:r>
+              <a:rPr lang="en-US" altLang="ja-JP" dirty="0">
+                <a:solidFill>
+                  <a:srgbClr val="BFBFBF"/>
+                </a:solidFill>
+              </a:rPr>
+              <a:t>IAM (Role, Policy)</a:t>
+            </a:r>
+          </a:p>
+          <a:p>
+            <a:pPr lvl="1">
+              <a:buFont typeface="+mj-lt"/>
+              <a:buAutoNum type="arabicPeriod"/>
+            </a:pPr>
+            <a:r>
+              <a:rPr lang="en-US" altLang="ja-JP" dirty="0" smtClean="0">
+                <a:solidFill>
+                  <a:schemeClr val="bg1">
+                    <a:lumMod val="75000"/>
+                  </a:schemeClr>
+                </a:solidFill>
+              </a:rPr>
+              <a:t>Lambda</a:t>
+            </a:r>
+          </a:p>
+          <a:p>
+            <a:pPr lvl="1">
+              <a:buFont typeface="+mj-lt"/>
+              <a:buAutoNum type="arabicPeriod"/>
+            </a:pPr>
+            <a:r>
+              <a:rPr lang="en-US" altLang="ja-JP" dirty="0" smtClean="0">
+                <a:solidFill>
+                  <a:schemeClr val="bg1">
+                    <a:lumMod val="75000"/>
+                  </a:schemeClr>
+                </a:solidFill>
+              </a:rPr>
+              <a:t>API Gateway</a:t>
+            </a:r>
+          </a:p>
+          <a:p>
+            <a:pPr lvl="1">
+              <a:buFont typeface="+mj-lt"/>
+              <a:buAutoNum type="arabicPeriod"/>
+            </a:pPr>
+            <a:r>
+              <a:rPr lang="en-US" altLang="ja-JP" dirty="0" smtClean="0">
+                <a:solidFill>
+                  <a:srgbClr val="BFBFBF"/>
+                </a:solidFill>
+              </a:rPr>
+              <a:t>S3</a:t>
+            </a:r>
+          </a:p>
+          <a:p>
+            <a:pPr lvl="1">
+              <a:buFont typeface="+mj-lt"/>
+              <a:buAutoNum type="arabicPeriod"/>
+            </a:pPr>
+            <a:r>
+              <a:rPr lang="en-US" altLang="ja-JP" dirty="0" smtClean="0">
+                <a:solidFill>
+                  <a:srgbClr val="BFBFBF"/>
+                </a:solidFill>
+              </a:rPr>
+              <a:t>CloudFront</a:t>
+            </a:r>
+          </a:p>
+          <a:p>
+            <a:pPr lvl="1">
+              <a:buFont typeface="+mj-lt"/>
+              <a:buAutoNum type="arabicPeriod"/>
+            </a:pPr>
+            <a:r>
+              <a:rPr lang="en-US" altLang="ja-JP" dirty="0" smtClean="0">
+                <a:solidFill>
+                  <a:srgbClr val="BFBFBF"/>
+                </a:solidFill>
+              </a:rPr>
+              <a:t>WAF &amp; Shields</a:t>
+            </a:r>
+          </a:p>
+          <a:p>
+            <a:pPr lvl="1">
+              <a:buFont typeface="+mj-lt"/>
+              <a:buAutoNum type="arabicPeriod"/>
+            </a:pPr>
+            <a:r>
+              <a:rPr lang="en-US" altLang="ja-JP" dirty="0" smtClean="0">
+                <a:solidFill>
+                  <a:srgbClr val="BFBFBF"/>
+                </a:solidFill>
+              </a:rPr>
+              <a:t>EC2</a:t>
+            </a:r>
+          </a:p>
+          <a:p>
+            <a:pPr>
+              <a:buFont typeface="+mj-lt"/>
+              <a:buAutoNum type="arabicPeriod"/>
+            </a:pPr>
+            <a:r>
+              <a:rPr lang="en-US" altLang="ja-JP" dirty="0" smtClean="0">
+                <a:solidFill>
+                  <a:srgbClr val="BFBFBF"/>
+                </a:solidFill>
+              </a:rPr>
+              <a:t>API </a:t>
+            </a:r>
+            <a:r>
+              <a:rPr lang="ja-JP" altLang="en-US" dirty="0" smtClean="0">
+                <a:solidFill>
+                  <a:srgbClr val="BFBFBF"/>
+                </a:solidFill>
+              </a:rPr>
+              <a:t>デプロイ</a:t>
+            </a:r>
+            <a:endParaRPr lang="en-US" altLang="ja-JP" dirty="0" smtClean="0">
+              <a:solidFill>
+                <a:srgbClr val="BFBFBF"/>
+              </a:solidFill>
+            </a:endParaRPr>
+          </a:p>
+          <a:p>
+            <a:pPr>
+              <a:buFont typeface="+mj-lt"/>
+              <a:buAutoNum type="arabicPeriod"/>
+            </a:pPr>
+            <a:r>
+              <a:rPr lang="en-US" altLang="ja-JP" dirty="0" smtClean="0"/>
+              <a:t>CMS </a:t>
+            </a:r>
+            <a:r>
+              <a:rPr lang="ja-JP" altLang="en-US" dirty="0" smtClean="0"/>
+              <a:t>デプロイ</a:t>
+            </a:r>
+            <a:endParaRPr lang="en-US" altLang="ja-JP" dirty="0"/>
+          </a:p>
+          <a:p>
+            <a:pPr>
+              <a:buFont typeface="+mj-lt"/>
+              <a:buAutoNum type="arabicPeriod"/>
+            </a:pPr>
+            <a:r>
+              <a:rPr lang="ja-JP" altLang="en-US" dirty="0" smtClean="0">
+                <a:solidFill>
+                  <a:srgbClr val="BFBFBF"/>
+                </a:solidFill>
+              </a:rPr>
+              <a:t>コンテンツ登録</a:t>
+            </a:r>
+            <a:endParaRPr lang="en-US" altLang="ja-JP" dirty="0" smtClean="0">
+              <a:solidFill>
+                <a:srgbClr val="BFBFBF"/>
+              </a:solidFill>
+            </a:endParaRPr>
+          </a:p>
+          <a:p>
+            <a:pPr marL="0" indent="0">
+              <a:buNone/>
+            </a:pPr>
+            <a:r>
+              <a:rPr lang="ja-JP" altLang="en-US" dirty="0" smtClean="0">
+                <a:solidFill>
+                  <a:srgbClr val="BFBFBF"/>
+                </a:solidFill>
+              </a:rPr>
+              <a:t>以上</a:t>
+            </a:r>
+            <a:endParaRPr lang="en-US" altLang="ja-JP" dirty="0" smtClean="0">
+              <a:solidFill>
+                <a:srgbClr val="BFBFBF"/>
+              </a:solidFill>
+            </a:endParaRPr>
+          </a:p>
+        </p:txBody>
+      </p:sp>
+    </p:spTree>
+    <p:extLst>
+      <p:ext uri="{BB962C8B-B14F-4D97-AF65-F5344CB8AC3E}">
+        <p14:creationId xmlns:p14="http://schemas.microsoft.com/office/powerpoint/2010/main" val="2226588346"/>
+      </p:ext>
+    </p:extLst>
+  </p:cSld>
+  <p:clrMapOvr>
+    <a:masterClrMapping/>
+  </p:clrMapOvr>
+</p:sld>
+</file>
+
+<file path=ppt/slides/slide31.xml><?xml version="1.0" encoding="utf-8"?>
+<p:sld xmlns:a="http://schemas.openxmlformats.org/drawingml/2006/main" xmlns:r="http://schemas.openxmlformats.org/officeDocument/2006/relationships" xmlns:p="http://schemas.openxmlformats.org/presentationml/2006/main">
+  <p:cSld>
+    <p:spTree>
+      <p:nvGrpSpPr>
+        <p:cNvPr id="1" name=""/>
+        <p:cNvGrpSpPr/>
+        <p:nvPr/>
+      </p:nvGrpSpPr>
+      <p:grpSpPr>
+        <a:xfrm>
+          <a:off x="0" y="0"/>
+          <a:ext cx="0" cy="0"/>
+          <a:chOff x="0" y="0"/>
+          <a:chExt cx="0" cy="0"/>
+        </a:xfrm>
+      </p:grpSpPr>
+      <p:sp>
+        <p:nvSpPr>
           <p:cNvPr id="2" name="タイトル 1">
             <a:extLst>
               <a:ext uri="{FF2B5EF4-FFF2-40B4-BE49-F238E27FC236}">
-                <a16:creationId xmlns="" xmlns:a16="http://schemas.microsoft.com/office/drawing/2014/main" id="{92F3BE3C-D5D5-433F-8097-54C94A0D9C8D}"/>
+                <a16:creationId xmlns:a16="http://schemas.microsoft.com/office/drawing/2014/main" xmlns="" id="{92F3BE3C-D5D5-433F-8097-54C94A0D9C8D}"/>
               </a:ext>
             </a:extLst>
           </p:cNvPr>
@@ -28742,7 +30175,7 @@
           <p:cNvPr id="3" name="コンテンツ プレースホルダー 2">
             <a:extLst>
               <a:ext uri="{FF2B5EF4-FFF2-40B4-BE49-F238E27FC236}">
-                <a16:creationId xmlns="" xmlns:a16="http://schemas.microsoft.com/office/drawing/2014/main" id="{A93EB655-C80D-4A74-9D21-50647752DED6}"/>
+                <a16:creationId xmlns:a16="http://schemas.microsoft.com/office/drawing/2014/main" xmlns="" id="{A93EB655-C80D-4A74-9D21-50647752DED6}"/>
               </a:ext>
             </a:extLst>
           </p:cNvPr>
@@ -28774,139 +30207,66 @@
             <a:endParaRPr kumimoji="1" lang="en-US" altLang="ja-JP" dirty="0"/>
           </a:p>
           <a:p>
+            <a:pPr>
+              <a:buFont typeface="+mj-lt"/>
+              <a:buAutoNum type="arabicPeriod"/>
+            </a:pPr>
+            <a:r>
+              <a:rPr lang="sv-SE" altLang="ja-JP" dirty="0" smtClean="0"/>
+              <a:t>Vuforia</a:t>
+            </a:r>
+            <a:r>
+              <a:rPr lang="ja-JP" altLang="sv-SE" dirty="0"/>
+              <a:t>サービスにログイン</a:t>
+            </a:r>
+            <a:r>
+              <a:rPr lang="ja-JP" altLang="sv-SE" dirty="0" smtClean="0"/>
+              <a:t>する</a:t>
+            </a:r>
+            <a:r>
+              <a:rPr lang="ja-JP" altLang="en-US" dirty="0" smtClean="0"/>
+              <a:t>。</a:t>
+            </a:r>
+            <a:endParaRPr lang="ja-JP" altLang="sv-SE" dirty="0"/>
+          </a:p>
+          <a:p>
             <a:pPr marL="457200" lvl="1" indent="0">
               <a:buNone/>
             </a:pPr>
             <a:r>
-              <a:rPr lang="ja-JP" altLang="en-US" dirty="0" smtClean="0"/>
-              <a:t>＊後述の手順 </a:t>
-            </a:r>
-            <a:r>
               <a:rPr lang="en-US" altLang="ja-JP" dirty="0" smtClean="0"/>
-              <a:t>3</a:t>
-            </a:r>
-            <a:r>
-              <a:rPr lang="ja-JP" altLang="en-US" dirty="0" smtClean="0"/>
-              <a:t>，</a:t>
-            </a:r>
-            <a:r>
-              <a:rPr lang="en-US" altLang="ja-JP" dirty="0" smtClean="0"/>
-              <a:t>4</a:t>
+              <a:t>URL</a:t>
             </a:r>
             <a:r>
               <a:rPr lang="ja-JP" altLang="en-US" dirty="0" smtClean="0"/>
               <a:t>「</a:t>
             </a:r>
             <a:r>
-              <a:rPr lang="ja-JP" altLang="en-US" dirty="0"/>
-              <a:t>ターゲットイメージの評価</a:t>
+              <a:rPr lang="sv-SE" altLang="ja-JP" dirty="0" smtClean="0"/>
+              <a:t>https</a:t>
+            </a:r>
+            <a:r>
+              <a:rPr lang="sv-SE" altLang="ja-JP" dirty="0"/>
+              <a:t>://developer.vuforia.com/vui/auth/</a:t>
+            </a:r>
+            <a:r>
+              <a:rPr lang="sv-SE" altLang="ja-JP" dirty="0" smtClean="0"/>
+              <a:t>login</a:t>
             </a:r>
             <a:r>
               <a:rPr lang="ja-JP" altLang="en-US" dirty="0" smtClean="0"/>
-              <a:t>」のための準備。</a:t>
-            </a:r>
-            <a:endParaRPr lang="en-US" altLang="ja-JP" dirty="0"/>
-          </a:p>
-          <a:p>
-            <a:pPr marL="457200" lvl="1" indent="0">
-              <a:buNone/>
-            </a:pPr>
-            <a:r>
-              <a:rPr lang="ja-JP" altLang="en-US" dirty="0"/>
-              <a:t>目的</a:t>
-            </a:r>
-            <a:r>
-              <a:rPr lang="ja-JP" altLang="en-US" dirty="0" smtClean="0"/>
-              <a:t>：</a:t>
-            </a:r>
-            <a:r>
-              <a:rPr lang="en-US" altLang="ja-JP" dirty="0" smtClean="0"/>
-              <a:t>AR</a:t>
-            </a:r>
-            <a:r>
-              <a:rPr lang="ja-JP" altLang="en-US" dirty="0" smtClean="0"/>
-              <a:t>アプリがターゲットを検出および追跡する安定性を増す。</a:t>
-            </a:r>
-            <a:endParaRPr lang="en-US" altLang="ja-JP" dirty="0"/>
-          </a:p>
-          <a:p>
-            <a:pPr marL="457200" lvl="1" indent="0">
-              <a:buNone/>
-            </a:pPr>
-            <a:r>
-              <a:rPr lang="en-US" altLang="ja-JP" dirty="0"/>
-              <a:t>Photoshop</a:t>
-            </a:r>
-            <a:r>
-              <a:rPr lang="ja-JP" altLang="en-US" dirty="0"/>
+              <a:t>」</a:t>
+            </a:r>
+            <a:r>
+              <a:rPr lang="ja-JP" altLang="sv-SE" dirty="0" smtClean="0"/>
               <a:t>を</a:t>
             </a:r>
             <a:r>
-              <a:rPr lang="ja-JP" altLang="en-US" dirty="0" smtClean="0"/>
-              <a:t>使う：</a:t>
-            </a:r>
-            <a:endParaRPr lang="ja-JP" altLang="en-US" dirty="0"/>
-          </a:p>
-          <a:p>
-            <a:pPr lvl="2">
-              <a:buFont typeface="+mj-lt"/>
-              <a:buAutoNum type="arabicPeriod"/>
-            </a:pPr>
-            <a:r>
-              <a:rPr lang="ja-JP" altLang="en-US" dirty="0"/>
-              <a:t>ファイル⇒開く⇒画像を</a:t>
-            </a:r>
-            <a:r>
-              <a:rPr lang="ja-JP" altLang="en-US" dirty="0" smtClean="0"/>
-              <a:t>選択する</a:t>
-            </a:r>
-            <a:endParaRPr lang="ja-JP" altLang="en-US" dirty="0"/>
-          </a:p>
-          <a:p>
-            <a:pPr lvl="2">
-              <a:buFont typeface="+mj-lt"/>
-              <a:buAutoNum type="arabicPeriod"/>
-            </a:pPr>
-            <a:r>
-              <a:rPr lang="ja-JP" altLang="en-US" dirty="0"/>
-              <a:t>画像⇒画像サイズ⇒入力幅</a:t>
-            </a:r>
-            <a:r>
-              <a:rPr lang="en-US" altLang="ja-JP" dirty="0"/>
-              <a:t>= 320</a:t>
-            </a:r>
-            <a:r>
-              <a:rPr lang="ja-JP" altLang="en-US" dirty="0"/>
-              <a:t>ピクセル</a:t>
-            </a:r>
-          </a:p>
-          <a:p>
-            <a:pPr lvl="2">
-              <a:buFont typeface="+mj-lt"/>
-              <a:buAutoNum type="arabicPeriod"/>
-            </a:pPr>
-            <a:r>
-              <a:rPr lang="ja-JP" altLang="en-US" dirty="0"/>
-              <a:t>画像⇒調整⇒明るさ</a:t>
-            </a:r>
-            <a:r>
-              <a:rPr lang="en-US" altLang="ja-JP" dirty="0"/>
-              <a:t>/</a:t>
-            </a:r>
-            <a:r>
-              <a:rPr lang="ja-JP" altLang="en-US" dirty="0"/>
-              <a:t>コントラスト⇒「コントラスト」</a:t>
-            </a:r>
-            <a:r>
-              <a:rPr lang="en-US" altLang="ja-JP" dirty="0"/>
-              <a:t>= 80</a:t>
-            </a:r>
-            <a:r>
-              <a:rPr lang="ja-JP" altLang="en-US" dirty="0"/>
-              <a:t>と入力し</a:t>
-            </a:r>
-            <a:r>
-              <a:rPr lang="ja-JP" altLang="en-US" dirty="0" smtClean="0"/>
+              <a:rPr lang="ja-JP" altLang="sv-SE" dirty="0"/>
+              <a:t>開き</a:t>
+            </a:r>
+            <a:r>
+              <a:rPr lang="ja-JP" altLang="sv-SE" dirty="0" smtClean="0"/>
               <a:t>、</a:t>
             </a:r>
             <a:r>
@@ -28918,178 +30278,103 @@
             </a:br>
             <a:r>
               <a:rPr lang="ja-JP" altLang="en-US" dirty="0" smtClean="0"/>
-              <a:t>「</a:t>
-            </a:r>
+              <a:t>下記の</a:t>
+            </a:r>
+            <a:r>
+              <a:rPr lang="ja-JP" altLang="sv-SE" dirty="0" smtClean="0"/>
+              <a:t>アカウント</a:t>
+            </a:r>
+            <a:r>
+              <a:rPr lang="ja-JP" altLang="sv-SE" dirty="0"/>
+              <a:t>で</a:t>
+            </a:r>
+            <a:r>
+              <a:rPr lang="ja-JP" altLang="sv-SE" dirty="0" smtClean="0"/>
+              <a:t>ログイン</a:t>
+            </a:r>
+            <a:r>
+              <a:rPr lang="ja-JP" altLang="en-US" dirty="0" smtClean="0"/>
+              <a:t>する</a:t>
+            </a:r>
+            <a:r>
+              <a:rPr lang="ja-JP" altLang="sv-SE" dirty="0" smtClean="0"/>
+              <a:t>。</a:t>
+            </a:r>
+            <a:endParaRPr lang="ja-JP" altLang="sv-SE" dirty="0"/>
+          </a:p>
+          <a:p>
+            <a:pPr lvl="1"/>
+            <a:r>
+              <a:rPr lang="ja-JP" altLang="sv-SE" dirty="0"/>
+              <a:t>メール：</a:t>
+            </a:r>
+            <a:r>
+              <a:rPr lang="sv-SE" altLang="ja-JP" dirty="0"/>
+              <a:t>anh.nhv@beetechsoft.com</a:t>
+            </a:r>
+          </a:p>
+          <a:p>
+            <a:pPr lvl="1"/>
+            <a:r>
+              <a:rPr lang="ja-JP" altLang="sv-SE" dirty="0"/>
+              <a:t>パスワード：</a:t>
+            </a:r>
+            <a:r>
+              <a:rPr lang="sv-SE" altLang="ja-JP" dirty="0"/>
+              <a:t>Beetech @ msar2019</a:t>
+            </a:r>
+          </a:p>
+          <a:p>
+            <a:pPr>
+              <a:buFont typeface="+mj-lt"/>
+              <a:buAutoNum type="arabicPeriod" startAt="3"/>
+            </a:pPr>
             <a:r>
               <a:rPr lang="ja-JP" altLang="en-US" dirty="0"/>
-              <a:t>レガシーを使用」を</a:t>
-            </a:r>
-            <a:r>
-              <a:rPr lang="ja-JP" altLang="en-US" dirty="0" smtClean="0"/>
-              <a:t>選択する</a:t>
-            </a:r>
-            <a:endParaRPr lang="ja-JP" altLang="en-US" dirty="0"/>
-          </a:p>
-          <a:p>
-            <a:pPr lvl="2">
+              <a:t>アルバムを作成し、画像ターゲットをアルバムに追加する。</a:t>
+            </a:r>
+          </a:p>
+          <a:p>
+            <a:pPr lvl="1">
               <a:buFont typeface="+mj-lt"/>
               <a:buAutoNum type="arabicPeriod"/>
             </a:pPr>
             <a:r>
+              <a:rPr lang="en-US" altLang="ja-JP" dirty="0"/>
+              <a:t>URL</a:t>
+            </a:r>
+            <a:r>
               <a:rPr lang="ja-JP" altLang="en-US" dirty="0"/>
-              <a:t>画像⇒モード⇒グレースケール</a:t>
-            </a:r>
-          </a:p>
-          <a:p>
-            <a:pPr lvl="2">
+              <a:t>「</a:t>
+            </a:r>
+            <a:r>
+              <a:rPr lang="en-US" altLang="ja-JP" dirty="0"/>
+              <a:t>https://developer.vuforia.com/</a:t>
+            </a:r>
+            <a:r>
+              <a:rPr lang="en-US" altLang="ja-JP" dirty="0" err="1"/>
+              <a:t>vui</a:t>
+            </a:r>
+            <a:r>
+              <a:rPr lang="en-US" altLang="ja-JP" dirty="0"/>
+              <a:t>/develop/licenses</a:t>
+            </a:r>
+            <a:r>
+              <a:rPr lang="ja-JP" altLang="en-US" dirty="0"/>
+              <a:t>」</a:t>
+            </a:r>
+            <a:endParaRPr lang="en-US" altLang="ja-JP" dirty="0"/>
+          </a:p>
+          <a:p>
+            <a:pPr lvl="1">
               <a:buFont typeface="+mj-lt"/>
               <a:buAutoNum type="arabicPeriod"/>
             </a:pPr>
             <a:r>
               <a:rPr lang="ja-JP" altLang="en-US" dirty="0"/>
-              <a:t>ファイル⇒名前を付けて保存⇒保存先</a:t>
-            </a:r>
-            <a:r>
-              <a:rPr lang="ja-JP" altLang="en-US" dirty="0" smtClean="0"/>
-              <a:t>のパス</a:t>
-            </a:r>
-            <a:r>
-              <a:rPr lang="ja-JP" altLang="en-US" dirty="0"/>
-              <a:t>を</a:t>
-            </a:r>
-            <a:r>
-              <a:rPr lang="ja-JP" altLang="en-US" dirty="0" smtClean="0"/>
-              <a:t>入力する</a:t>
-            </a:r>
-            <a:endParaRPr lang="en-US" altLang="ja-JP" dirty="0"/>
-          </a:p>
-          <a:p>
-            <a:pPr>
-              <a:buFont typeface="+mj-lt"/>
-              <a:buAutoNum type="arabicPeriod"/>
-            </a:pPr>
-            <a:r>
-              <a:rPr lang="sv-SE" altLang="ja-JP" dirty="0"/>
-              <a:t>Vuforia</a:t>
-            </a:r>
-            <a:r>
-              <a:rPr lang="ja-JP" altLang="sv-SE" dirty="0"/>
-              <a:t>サービスにログイン</a:t>
-            </a:r>
-            <a:r>
-              <a:rPr lang="ja-JP" altLang="sv-SE" dirty="0" smtClean="0"/>
-              <a:t>する</a:t>
-            </a:r>
-            <a:r>
-              <a:rPr lang="ja-JP" altLang="en-US" dirty="0" smtClean="0"/>
-              <a:t>。</a:t>
-            </a:r>
-            <a:endParaRPr lang="ja-JP" altLang="sv-SE" dirty="0"/>
-          </a:p>
-          <a:p>
-            <a:pPr marL="457200" lvl="1" indent="0">
-              <a:buNone/>
-            </a:pPr>
-            <a:r>
-              <a:rPr lang="en-US" altLang="ja-JP" dirty="0" smtClean="0"/>
-              <a:t>URL</a:t>
-            </a:r>
-            <a:r>
-              <a:rPr lang="ja-JP" altLang="en-US" dirty="0" smtClean="0"/>
-              <a:t>「</a:t>
-            </a:r>
-            <a:r>
-              <a:rPr lang="sv-SE" altLang="ja-JP" dirty="0" smtClean="0"/>
-              <a:t>https</a:t>
-            </a:r>
-            <a:r>
-              <a:rPr lang="sv-SE" altLang="ja-JP" dirty="0"/>
-              <a:t>://developer.vuforia.com/vui/auth/</a:t>
-            </a:r>
-            <a:r>
-              <a:rPr lang="sv-SE" altLang="ja-JP" dirty="0" smtClean="0"/>
-              <a:t>login</a:t>
-            </a:r>
-            <a:r>
-              <a:rPr lang="ja-JP" altLang="en-US" dirty="0" smtClean="0"/>
-              <a:t>」</a:t>
-            </a:r>
-            <a:r>
-              <a:rPr lang="ja-JP" altLang="sv-SE" dirty="0" smtClean="0"/>
-              <a:t>を</a:t>
-            </a:r>
-            <a:r>
-              <a:rPr lang="ja-JP" altLang="sv-SE" dirty="0"/>
-              <a:t>開き</a:t>
-            </a:r>
-            <a:r>
-              <a:rPr lang="ja-JP" altLang="sv-SE" dirty="0" smtClean="0"/>
-              <a:t>、</a:t>
-            </a:r>
-            <a:r>
-              <a:rPr lang="en-US" altLang="ja-JP" dirty="0" smtClean="0"/>
-              <a:t/>
-            </a:r>
-            <a:br>
-              <a:rPr lang="en-US" altLang="ja-JP" dirty="0" smtClean="0"/>
-            </a:br>
-            <a:r>
-              <a:rPr lang="ja-JP" altLang="en-US" dirty="0" smtClean="0"/>
-              <a:t>下記の</a:t>
-            </a:r>
-            <a:r>
-              <a:rPr lang="ja-JP" altLang="sv-SE" dirty="0" smtClean="0"/>
-              <a:t>アカウント</a:t>
-            </a:r>
-            <a:r>
-              <a:rPr lang="ja-JP" altLang="sv-SE" dirty="0"/>
-              <a:t>で</a:t>
-            </a:r>
-            <a:r>
-              <a:rPr lang="ja-JP" altLang="sv-SE" dirty="0" smtClean="0"/>
-              <a:t>ログイン</a:t>
-            </a:r>
-            <a:r>
-              <a:rPr lang="ja-JP" altLang="en-US" dirty="0" smtClean="0"/>
-              <a:t>する</a:t>
-            </a:r>
-            <a:r>
-              <a:rPr lang="ja-JP" altLang="sv-SE" dirty="0" smtClean="0"/>
-              <a:t>。</a:t>
-            </a:r>
-            <a:endParaRPr lang="ja-JP" altLang="sv-SE" dirty="0"/>
-          </a:p>
-          <a:p>
-            <a:pPr lvl="1"/>
-            <a:r>
-              <a:rPr lang="ja-JP" altLang="sv-SE" dirty="0"/>
-              <a:t>メール：</a:t>
-            </a:r>
-            <a:r>
-              <a:rPr lang="sv-SE" altLang="ja-JP" dirty="0"/>
-              <a:t>anh.nhv@beetechsoft.com</a:t>
-            </a:r>
-          </a:p>
-          <a:p>
-            <a:pPr lvl="1"/>
-            <a:r>
-              <a:rPr lang="ja-JP" altLang="sv-SE" dirty="0"/>
-              <a:t>パスワード：</a:t>
-            </a:r>
-            <a:r>
-              <a:rPr lang="sv-SE" altLang="ja-JP" dirty="0"/>
-              <a:t>Beetech @ msar2019</a:t>
-            </a:r>
-          </a:p>
-          <a:p>
-            <a:pPr marL="457200" lvl="1" indent="0">
-              <a:buNone/>
-            </a:pPr>
+              <a:t>ターゲットイメージ⇒データベースの追加</a:t>
+            </a:r>
             <a:endParaRPr lang="ja-JP" altLang="en-US" dirty="0"/>
-          </a:p>
-          <a:p>
-            <a:pPr lvl="1"/>
-            <a:endParaRPr kumimoji="1" lang="ja-JP" altLang="en-US" dirty="0"/>
           </a:p>
         </p:txBody>
       </p:sp>
@@ -29098,7 +30383,7 @@
           <p:cNvPr id="4" name="スライド番号プレースホルダー 3">
             <a:extLst>
               <a:ext uri="{FF2B5EF4-FFF2-40B4-BE49-F238E27FC236}">
-                <a16:creationId xmlns="" xmlns:a16="http://schemas.microsoft.com/office/drawing/2014/main" id="{E64C7290-AA49-4814-897E-3E72F67E37DE}"/>
+                <a16:creationId xmlns:a16="http://schemas.microsoft.com/office/drawing/2014/main" xmlns="" id="{E64C7290-AA49-4814-897E-3E72F67E37DE}"/>
               </a:ext>
             </a:extLst>
           </p:cNvPr>
@@ -29117,7 +30402,7 @@
             <a:fld id="{FC7FC04C-4975-46EC-A609-F7DE0D5B1B51}" type="slidenum">
               <a:rPr kumimoji="1" lang="ja-JP" altLang="en-US" smtClean="0"/>
               <a:pPr/>
-              <a:t>30</a:t>
+              <a:t>31</a:t>
             </a:fld>
             <a:endParaRPr kumimoji="1" lang="ja-JP" altLang="en-US" dirty="0"/>
           </a:p>
@@ -29571,7 +30856,7 @@
             </a:r>
             <a:endParaRPr lang="en-US" altLang="ja-JP" dirty="0">
               <a:solidFill>
-                <a:srgbClr val="BFBFBF"/>
+                <a:srgbClr val="404040"/>
               </a:solidFill>
             </a:endParaRPr>
           </a:p>
@@ -29581,7 +30866,40 @@
               <a:buAutoNum type="arabicPeriod"/>
             </a:pPr>
             <a:r>
-              <a:rPr lang="ja-JP" altLang="en-US" dirty="0"/>
+              <a:rPr lang="en-US" altLang="ja-JP" dirty="0">
+                <a:solidFill>
+                  <a:schemeClr val="bg1">
+                    <a:lumMod val="75000"/>
+                  </a:schemeClr>
+                </a:solidFill>
+              </a:rPr>
+              <a:t>CMS </a:t>
+            </a:r>
+            <a:r>
+              <a:rPr lang="ja-JP" altLang="en-US" dirty="0">
+                <a:solidFill>
+                  <a:schemeClr val="bg1">
+                    <a:lumMod val="75000"/>
+                  </a:schemeClr>
+                </a:solidFill>
+              </a:rPr>
+              <a:t>デプロイ</a:t>
+            </a:r>
+            <a:endParaRPr lang="en-US" altLang="ja-JP" dirty="0">
+              <a:solidFill>
+                <a:schemeClr val="bg1">
+                  <a:lumMod val="75000"/>
+                </a:schemeClr>
+              </a:solidFill>
+            </a:endParaRPr>
+          </a:p>
+          <a:p>
+            <a:pPr>
+              <a:buFont typeface="+mj-lt"/>
+              <a:buAutoNum type="arabicPeriod"/>
+            </a:pPr>
+            <a:r>
+              <a:rPr lang="ja-JP" altLang="en-US" dirty="0" smtClean="0"/>
               <a:t>コンテンツ</a:t>
             </a:r>
             <a:r>
@@ -29630,7 +30948,7 @@
 </p:sld>
 </file>
 
-<file path=ppt/slides/slide31.xml><?xml version="1.0" encoding="utf-8"?>
+<file path=ppt/slides/slide32.xml><?xml version="1.0" encoding="utf-8"?>
 <p:sld xmlns:a="http://schemas.openxmlformats.org/drawingml/2006/main" xmlns:r="http://schemas.openxmlformats.org/officeDocument/2006/relationships" xmlns:p="http://schemas.openxmlformats.org/presentationml/2006/main">
   <p:cSld>
     <p:spTree>
@@ -29652,7 +30970,7 @@
           <p:cNvPr id="2" name="タイトル 1">
             <a:extLst>
               <a:ext uri="{FF2B5EF4-FFF2-40B4-BE49-F238E27FC236}">
-                <a16:creationId xmlns="" xmlns:a16="http://schemas.microsoft.com/office/drawing/2014/main" id="{4E51E73E-8AF5-43C0-AA71-32FD82309E32}"/>
+                <a16:creationId xmlns:a16="http://schemas.microsoft.com/office/drawing/2014/main" xmlns="" id="{4E51E73E-8AF5-43C0-AA71-32FD82309E32}"/>
               </a:ext>
             </a:extLst>
           </p:cNvPr>
@@ -29689,7 +31007,7 @@
           <p:cNvPr id="3" name="コンテンツ プレースホルダー 2">
             <a:extLst>
               <a:ext uri="{FF2B5EF4-FFF2-40B4-BE49-F238E27FC236}">
-                <a16:creationId xmlns="" xmlns:a16="http://schemas.microsoft.com/office/drawing/2014/main" id="{D9C1B3F4-9EF0-4300-B55B-EE832D41124E}"/>
+                <a16:creationId xmlns:a16="http://schemas.microsoft.com/office/drawing/2014/main" xmlns="" id="{D9C1B3F4-9EF0-4300-B55B-EE832D41124E}"/>
               </a:ext>
             </a:extLst>
           </p:cNvPr>
@@ -29710,105 +31028,17 @@
           <a:bodyPr/>
           <a:lstStyle/>
           <a:p>
-            <a:pPr>
-              <a:buFont typeface="+mj-lt"/>
-              <a:buAutoNum type="arabicPeriod" startAt="3"/>
-            </a:pPr>
-            <a:r>
-              <a:rPr lang="ja-JP" altLang="en-US" dirty="0"/>
-              <a:t>アルバムを作成し、画像ターゲットをアルバムに</a:t>
-            </a:r>
-            <a:r>
-              <a:rPr lang="ja-JP" altLang="en-US" dirty="0" smtClean="0"/>
-              <a:t>追加する。</a:t>
-            </a:r>
-            <a:endParaRPr lang="ja-JP" altLang="en-US" dirty="0"/>
-          </a:p>
-          <a:p>
             <a:pPr lvl="1">
               <a:buFont typeface="+mj-lt"/>
               <a:buAutoNum type="arabicPeriod"/>
             </a:pPr>
             <a:r>
-              <a:rPr lang="en-US" altLang="ja-JP" dirty="0" smtClean="0"/>
-              <a:t>URL</a:t>
-            </a:r>
-            <a:r>
               <a:rPr lang="ja-JP" altLang="en-US" dirty="0" smtClean="0"/>
-              <a:t>「</a:t>
-            </a:r>
-            <a:r>
-              <a:rPr lang="en-US" altLang="ja-JP" dirty="0" smtClean="0"/>
-              <a:t>https</a:t>
-            </a:r>
-            <a:r>
-              <a:rPr lang="en-US" altLang="ja-JP" dirty="0"/>
-              <a:t>://developer.vuforia.com/vui/develop/</a:t>
-            </a:r>
-            <a:r>
-              <a:rPr lang="en-US" altLang="ja-JP" dirty="0" smtClean="0"/>
-              <a:t>licenses</a:t>
-            </a:r>
-            <a:r>
-              <a:rPr lang="ja-JP" altLang="en-US" dirty="0" smtClean="0"/>
-              <a:t>」</a:t>
-            </a:r>
-            <a:endParaRPr lang="en-US" altLang="ja-JP" dirty="0"/>
-          </a:p>
-          <a:p>
-            <a:pPr lvl="1">
-              <a:buFont typeface="+mj-lt"/>
-              <a:buAutoNum type="arabicPeriod"/>
-            </a:pPr>
-            <a:r>
-              <a:rPr lang="ja-JP" altLang="en-US" dirty="0" smtClean="0"/>
-              <a:t>ターゲットイメージ⇒データベース</a:t>
+              <a:t>データベース</a:t>
             </a:r>
             <a:r>
               <a:rPr lang="ja-JP" altLang="en-US" dirty="0"/>
-              <a:t>の</a:t>
-            </a:r>
-            <a:r>
-              <a:rPr lang="ja-JP" altLang="en-US" dirty="0" smtClean="0"/>
-              <a:t>追加⇒</a:t>
-            </a:r>
-            <a:r>
-              <a:rPr lang="ja-JP" altLang="en-US" dirty="0"/>
-              <a:t>データベース名を入力し</a:t>
-            </a:r>
-            <a:r>
-              <a:rPr lang="ja-JP" altLang="en-US" dirty="0" smtClean="0"/>
-              <a:t>、</a:t>
-            </a:r>
-            <a:r>
-              <a:rPr lang="en-US" altLang="ja-JP" dirty="0" smtClean="0"/>
-              <a:t/>
-            </a:r>
-            <a:br>
-              <a:rPr lang="en-US" altLang="ja-JP" dirty="0" smtClean="0"/>
-            </a:br>
-            <a:r>
-              <a:rPr lang="ja-JP" altLang="en-US" dirty="0" smtClean="0"/>
-              <a:t>タイプ</a:t>
-            </a:r>
-            <a:r>
-              <a:rPr lang="ja-JP" altLang="en-US" dirty="0"/>
-              <a:t>：デバイスを選択</a:t>
-            </a:r>
-            <a:r>
-              <a:rPr lang="ja-JP" altLang="en-US" dirty="0" smtClean="0"/>
-              <a:t>⇒作成を押す</a:t>
-            </a:r>
-            <a:endParaRPr lang="ja-JP" altLang="en-US" dirty="0"/>
-          </a:p>
-          <a:p>
-            <a:pPr lvl="1">
-              <a:buFont typeface="+mj-lt"/>
-              <a:buAutoNum type="arabicPeriod"/>
-            </a:pPr>
-            <a:r>
-              <a:rPr lang="ja-JP" altLang="en-US" dirty="0"/>
-              <a:t>データベースが作成されたら、データベースをクリック⇒ターゲットを追加⇒</a:t>
+              <a:t>が作成されたら、データベースをクリック⇒ターゲットを追加⇒</a:t>
             </a:r>
             <a:r>
               <a:rPr lang="en-US" altLang="ja-JP" dirty="0"/>
@@ -30066,7 +31296,7 @@
           <p:cNvPr id="4" name="スライド番号プレースホルダー 3">
             <a:extLst>
               <a:ext uri="{FF2B5EF4-FFF2-40B4-BE49-F238E27FC236}">
-                <a16:creationId xmlns="" xmlns:a16="http://schemas.microsoft.com/office/drawing/2014/main" id="{96F74474-9D89-4750-A6C5-EB24B011AA5F}"/>
+                <a16:creationId xmlns:a16="http://schemas.microsoft.com/office/drawing/2014/main" xmlns="" id="{96F74474-9D89-4750-A6C5-EB24B011AA5F}"/>
               </a:ext>
             </a:extLst>
           </p:cNvPr>
@@ -30085,7 +31315,7 @@
             <a:fld id="{FC7FC04C-4975-46EC-A609-F7DE0D5B1B51}" type="slidenum">
               <a:rPr kumimoji="1" lang="ja-JP" altLang="en-US" smtClean="0"/>
               <a:pPr/>
-              <a:t>31</a:t>
+              <a:t>32</a:t>
             </a:fld>
             <a:endParaRPr kumimoji="1" lang="ja-JP" altLang="en-US" dirty="0"/>
           </a:p>
@@ -30096,7 +31326,7 @@
           <p:cNvPr id="5" name="テキスト ボックス 4">
             <a:extLst>
               <a:ext uri="{FF2B5EF4-FFF2-40B4-BE49-F238E27FC236}">
-                <a16:creationId xmlns="" xmlns:a16="http://schemas.microsoft.com/office/drawing/2014/main" id="{71FED841-B37C-4655-B094-D9D9B244EFB4}"/>
+                <a16:creationId xmlns:a16="http://schemas.microsoft.com/office/drawing/2014/main" xmlns="" id="{71FED841-B37C-4655-B094-D9D9B244EFB4}"/>
               </a:ext>
             </a:extLst>
           </p:cNvPr>
@@ -30105,7 +31335,7 @@
         </p:nvSpPr>
         <p:spPr>
           <a:xfrm>
-            <a:off x="3958052" y="2329313"/>
+            <a:off x="3958052" y="975678"/>
             <a:ext cx="4523874" cy="1200329"/>
           </a:xfrm>
           <a:prstGeom prst="rect">
@@ -30591,7 +31821,7 @@
             </a:r>
             <a:endParaRPr lang="en-US" altLang="ja-JP" dirty="0">
               <a:solidFill>
-                <a:srgbClr val="BFBFBF"/>
+                <a:srgbClr val="404040"/>
               </a:solidFill>
             </a:endParaRPr>
           </a:p>
@@ -30601,7 +31831,40 @@
               <a:buAutoNum type="arabicPeriod"/>
             </a:pPr>
             <a:r>
-              <a:rPr lang="ja-JP" altLang="en-US" dirty="0"/>
+              <a:rPr lang="en-US" altLang="ja-JP" dirty="0">
+                <a:solidFill>
+                  <a:schemeClr val="bg1">
+                    <a:lumMod val="75000"/>
+                  </a:schemeClr>
+                </a:solidFill>
+              </a:rPr>
+              <a:t>CMS </a:t>
+            </a:r>
+            <a:r>
+              <a:rPr lang="ja-JP" altLang="en-US" dirty="0">
+                <a:solidFill>
+                  <a:schemeClr val="bg1">
+                    <a:lumMod val="75000"/>
+                  </a:schemeClr>
+                </a:solidFill>
+              </a:rPr>
+              <a:t>デプロイ</a:t>
+            </a:r>
+            <a:endParaRPr lang="en-US" altLang="ja-JP" dirty="0">
+              <a:solidFill>
+                <a:schemeClr val="bg1">
+                  <a:lumMod val="75000"/>
+                </a:schemeClr>
+              </a:solidFill>
+            </a:endParaRPr>
+          </a:p>
+          <a:p>
+            <a:pPr>
+              <a:buFont typeface="+mj-lt"/>
+              <a:buAutoNum type="arabicPeriod"/>
+            </a:pPr>
+            <a:r>
+              <a:rPr lang="ja-JP" altLang="en-US" dirty="0" smtClean="0"/>
               <a:t>コンテンツ</a:t>
             </a:r>
             <a:r>
@@ -30677,89 +31940,6 @@
 </p:sld>
 </file>
 
-<file path=ppt/slides/slide32.xml><?xml version="1.0" encoding="utf-8"?>
-<p:sld xmlns:a="http://schemas.openxmlformats.org/drawingml/2006/main" xmlns:r="http://schemas.openxmlformats.org/officeDocument/2006/relationships" xmlns:p="http://schemas.openxmlformats.org/presentationml/2006/main">
-  <p:cSld>
-    <p:spTree>
-      <p:nvGrpSpPr>
-        <p:cNvPr id="1" name=""/>
-        <p:cNvGrpSpPr/>
-        <p:nvPr/>
-      </p:nvGrpSpPr>
-      <p:grpSpPr>
-        <a:xfrm>
-          <a:off x="0" y="0"/>
-          <a:ext cx="0" cy="0"/>
-          <a:chOff x="0" y="0"/>
-          <a:chExt cx="0" cy="0"/>
-        </a:xfrm>
-      </p:grpSpPr>
-      <p:sp>
-        <p:nvSpPr>
-          <p:cNvPr id="2" name="タイトル 1"/>
-          <p:cNvSpPr>
-            <a:spLocks noGrp="1"/>
-          </p:cNvSpPr>
-          <p:nvPr>
-            <p:ph type="title"/>
-          </p:nvPr>
-        </p:nvSpPr>
-        <p:spPr/>
-        <p:txBody>
-          <a:bodyPr/>
-          <a:lstStyle/>
-          <a:p>
-            <a:r>
-              <a:rPr kumimoji="1" lang="en-US" altLang="ja-JP" dirty="0" smtClean="0"/>
-              <a:t>IV.</a:t>
-            </a:r>
-            <a:r>
-              <a:rPr kumimoji="1" lang="ja-JP" altLang="en-US" dirty="0" smtClean="0"/>
-              <a:t> パラメータ一覧</a:t>
-            </a:r>
-            <a:endParaRPr kumimoji="1" lang="ja-JP" altLang="en-US" dirty="0"/>
-          </a:p>
-        </p:txBody>
-      </p:sp>
-      <p:sp>
-        <p:nvSpPr>
-          <p:cNvPr id="3" name="テキスト プレースホルダー 2"/>
-          <p:cNvSpPr>
-            <a:spLocks noGrp="1"/>
-          </p:cNvSpPr>
-          <p:nvPr>
-            <p:ph type="body" idx="1"/>
-          </p:nvPr>
-        </p:nvSpPr>
-        <p:spPr/>
-        <p:txBody>
-          <a:bodyPr/>
-          <a:lstStyle/>
-          <a:p>
-            <a:endParaRPr kumimoji="1" lang="ja-JP" altLang="en-US"/>
-          </a:p>
-        </p:txBody>
-      </p:sp>
-    </p:spTree>
-    <p:extLst>
-      <p:ext uri="{BB962C8B-B14F-4D97-AF65-F5344CB8AC3E}">
-        <p14:creationId xmlns:p14="http://schemas.microsoft.com/office/powerpoint/2010/main" val="933022980"/>
-      </p:ext>
-    </p:extLst>
-  </p:cSld>
-  <p:clrMapOvr>
-    <a:masterClrMapping/>
-  </p:clrMapOvr>
-  <p:timing>
-    <p:tnLst>
-      <p:par>
-        <p:cTn xmlns:p14="http://schemas.microsoft.com/office/powerpoint/2010/main" id="1" dur="indefinite" restart="never" nodeType="tmRoot"/>
-      </p:par>
-    </p:tnLst>
-  </p:timing>
-</p:sld>
-</file>
-
 <file path=ppt/slides/slide33.xml><?xml version="1.0" encoding="utf-8"?>
 <p:sld xmlns:a="http://schemas.openxmlformats.org/drawingml/2006/main" xmlns:r="http://schemas.openxmlformats.org/officeDocument/2006/relationships" xmlns:p="http://schemas.openxmlformats.org/presentationml/2006/main">
   <p:cSld>
@@ -30793,6 +31973,89 @@
           <a:lstStyle/>
           <a:p>
             <a:r>
+              <a:rPr kumimoji="1" lang="en-US" altLang="ja-JP" dirty="0" smtClean="0"/>
+              <a:t>IV.</a:t>
+            </a:r>
+            <a:r>
+              <a:rPr kumimoji="1" lang="ja-JP" altLang="en-US" dirty="0" smtClean="0"/>
+              <a:t> パラメータ一覧</a:t>
+            </a:r>
+            <a:endParaRPr kumimoji="1" lang="ja-JP" altLang="en-US" dirty="0"/>
+          </a:p>
+        </p:txBody>
+      </p:sp>
+      <p:sp>
+        <p:nvSpPr>
+          <p:cNvPr id="3" name="テキスト プレースホルダー 2"/>
+          <p:cNvSpPr>
+            <a:spLocks noGrp="1"/>
+          </p:cNvSpPr>
+          <p:nvPr>
+            <p:ph type="body" idx="1"/>
+          </p:nvPr>
+        </p:nvSpPr>
+        <p:spPr/>
+        <p:txBody>
+          <a:bodyPr/>
+          <a:lstStyle/>
+          <a:p>
+            <a:endParaRPr kumimoji="1" lang="ja-JP" altLang="en-US"/>
+          </a:p>
+        </p:txBody>
+      </p:sp>
+    </p:spTree>
+    <p:extLst>
+      <p:ext uri="{BB962C8B-B14F-4D97-AF65-F5344CB8AC3E}">
+        <p14:creationId xmlns:p14="http://schemas.microsoft.com/office/powerpoint/2010/main" val="933022980"/>
+      </p:ext>
+    </p:extLst>
+  </p:cSld>
+  <p:clrMapOvr>
+    <a:masterClrMapping/>
+  </p:clrMapOvr>
+  <p:timing>
+    <p:tnLst>
+      <p:par>
+        <p:cTn xmlns:p14="http://schemas.microsoft.com/office/powerpoint/2010/main" id="1" dur="indefinite" restart="never" nodeType="tmRoot"/>
+      </p:par>
+    </p:tnLst>
+  </p:timing>
+</p:sld>
+</file>
+
+<file path=ppt/slides/slide34.xml><?xml version="1.0" encoding="utf-8"?>
+<p:sld xmlns:a="http://schemas.openxmlformats.org/drawingml/2006/main" xmlns:r="http://schemas.openxmlformats.org/officeDocument/2006/relationships" xmlns:p="http://schemas.openxmlformats.org/presentationml/2006/main">
+  <p:cSld>
+    <p:spTree>
+      <p:nvGrpSpPr>
+        <p:cNvPr id="1" name=""/>
+        <p:cNvGrpSpPr/>
+        <p:nvPr/>
+      </p:nvGrpSpPr>
+      <p:grpSpPr>
+        <a:xfrm>
+          <a:off x="0" y="0"/>
+          <a:ext cx="0" cy="0"/>
+          <a:chOff x="0" y="0"/>
+          <a:chExt cx="0" cy="0"/>
+        </a:xfrm>
+      </p:grpSpPr>
+      <p:sp>
+        <p:nvSpPr>
+          <p:cNvPr id="2" name="タイトル 1"/>
+          <p:cNvSpPr>
+            <a:spLocks noGrp="1"/>
+          </p:cNvSpPr>
+          <p:nvPr>
+            <p:ph type="title"/>
+          </p:nvPr>
+        </p:nvSpPr>
+        <p:spPr/>
+        <p:txBody>
+          <a:bodyPr/>
+          <a:lstStyle/>
+          <a:p>
+            <a:r>
               <a:rPr kumimoji="1" lang="ja-JP" altLang="en-US" dirty="0" smtClean="0"/>
               <a:t>パラメータ一覧</a:t>
             </a:r>
@@ -30822,7 +32085,7 @@
             <a:fld id="{FC7FC04C-4975-46EC-A609-F7DE0D5B1B51}" type="slidenum">
               <a:rPr kumimoji="1" lang="ja-JP" altLang="en-US" smtClean="0"/>
               <a:pPr/>
-              <a:t>33</a:t>
+              <a:t>34</a:t>
             </a:fld>
             <a:endParaRPr kumimoji="1" lang="ja-JP" altLang="en-US" dirty="0"/>
           </a:p>
@@ -31258,7 +32521,7 @@
 </p:sld>
 </file>
 
-<file path=ppt/slides/slide34.xml><?xml version="1.0" encoding="utf-8"?>
+<file path=ppt/slides/slide35.xml><?xml version="1.0" encoding="utf-8"?>
 <p:sld xmlns:a="http://schemas.openxmlformats.org/drawingml/2006/main" xmlns:r="http://schemas.openxmlformats.org/officeDocument/2006/relationships" xmlns:p="http://schemas.openxmlformats.org/presentationml/2006/main">
   <p:cSld>
     <p:spTree>
@@ -31320,7 +32583,7 @@
             <a:fld id="{FC7FC04C-4975-46EC-A609-F7DE0D5B1B51}" type="slidenum">
               <a:rPr kumimoji="1" lang="ja-JP" altLang="en-US" smtClean="0"/>
               <a:pPr/>
-              <a:t>34</a:t>
+              <a:t>35</a:t>
             </a:fld>
             <a:endParaRPr kumimoji="1" lang="ja-JP" altLang="en-US" dirty="0"/>
           </a:p>
@@ -31756,7 +33019,7 @@
 </p:sld>
 </file>
 
-<file path=ppt/slides/slide35.xml><?xml version="1.0" encoding="utf-8"?>
+<file path=ppt/slides/slide36.xml><?xml version="1.0" encoding="utf-8"?>
 <p:sld xmlns:a="http://schemas.openxmlformats.org/drawingml/2006/main" xmlns:r="http://schemas.openxmlformats.org/officeDocument/2006/relationships" xmlns:p="http://schemas.openxmlformats.org/presentationml/2006/main">
   <p:cSld>
     <p:spTree>
@@ -31818,7 +33081,7 @@
             <a:fld id="{FC7FC04C-4975-46EC-A609-F7DE0D5B1B51}" type="slidenum">
               <a:rPr kumimoji="1" lang="ja-JP" altLang="en-US" smtClean="0"/>
               <a:pPr/>
-              <a:t>35</a:t>
+              <a:t>36</a:t>
             </a:fld>
             <a:endParaRPr kumimoji="1" lang="ja-JP" altLang="en-US" dirty="0"/>
           </a:p>
@@ -32254,7 +33517,7 @@
 </p:sld>
 </file>
 
-<file path=ppt/slides/slide36.xml><?xml version="1.0" encoding="utf-8"?>
+<file path=ppt/slides/slide37.xml><?xml version="1.0" encoding="utf-8"?>
 <p:sld xmlns:a="http://schemas.openxmlformats.org/drawingml/2006/main" xmlns:r="http://schemas.openxmlformats.org/officeDocument/2006/relationships" xmlns:p="http://schemas.openxmlformats.org/presentationml/2006/main">
   <p:cSld>
     <p:spTree>
@@ -32316,7 +33579,7 @@
             <a:fld id="{FC7FC04C-4975-46EC-A609-F7DE0D5B1B51}" type="slidenum">
               <a:rPr kumimoji="1" lang="ja-JP" altLang="en-US" smtClean="0"/>
               <a:pPr/>
-              <a:t>36</a:t>
+              <a:t>37</a:t>
             </a:fld>
             <a:endParaRPr kumimoji="1" lang="ja-JP" altLang="en-US" dirty="0"/>
           </a:p>
@@ -32752,7 +34015,7 @@
 </p:sld>
 </file>
 
-<file path=ppt/slides/slide37.xml><?xml version="1.0" encoding="utf-8"?>
+<file path=ppt/slides/slide38.xml><?xml version="1.0" encoding="utf-8"?>
 <p:sld xmlns:a="http://schemas.openxmlformats.org/drawingml/2006/main" xmlns:r="http://schemas.openxmlformats.org/officeDocument/2006/relationships" xmlns:p="http://schemas.openxmlformats.org/presentationml/2006/main">
   <p:cSld>
     <p:spTree>
@@ -33545,7 +34808,7 @@
             <a:fld id="{FC7FC04C-4975-46EC-A609-F7DE0D5B1B51}" type="slidenum">
               <a:rPr kumimoji="1" lang="ja-JP" altLang="en-US" smtClean="0"/>
               <a:pPr/>
-              <a:t>37</a:t>
+              <a:t>38</a:t>
             </a:fld>
             <a:endParaRPr kumimoji="1" lang="ja-JP" altLang="en-US" dirty="0"/>
           </a:p>
@@ -33960,7 +35223,7 @@
 </p:sld>
 </file>
 
-<file path=ppt/slides/slide38.xml><?xml version="1.0" encoding="utf-8"?>
+<file path=ppt/slides/slide39.xml><?xml version="1.0" encoding="utf-8"?>
 <p:sld xmlns:a="http://schemas.openxmlformats.org/drawingml/2006/main" xmlns:r="http://schemas.openxmlformats.org/officeDocument/2006/relationships" xmlns:p="http://schemas.openxmlformats.org/presentationml/2006/main">
   <p:cSld>
     <p:spTree>
@@ -34381,7 +35644,7 @@
             <a:fld id="{FC7FC04C-4975-46EC-A609-F7DE0D5B1B51}" type="slidenum">
               <a:rPr kumimoji="1" lang="ja-JP" altLang="en-US" smtClean="0"/>
               <a:pPr/>
-              <a:t>38</a:t>
+              <a:t>39</a:t>
             </a:fld>
             <a:endParaRPr kumimoji="1" lang="ja-JP" altLang="en-US" dirty="0"/>
           </a:p>
@@ -34787,7 +36050,90 @@
 </p:sld>
 </file>
 
-<file path=ppt/slides/slide39.xml><?xml version="1.0" encoding="utf-8"?>
+<file path=ppt/slides/slide4.xml><?xml version="1.0" encoding="utf-8"?>
+<p:sld xmlns:a="http://schemas.openxmlformats.org/drawingml/2006/main" xmlns:r="http://schemas.openxmlformats.org/officeDocument/2006/relationships" xmlns:p="http://schemas.openxmlformats.org/presentationml/2006/main">
+  <p:cSld>
+    <p:spTree>
+      <p:nvGrpSpPr>
+        <p:cNvPr id="1" name=""/>
+        <p:cNvGrpSpPr/>
+        <p:nvPr/>
+      </p:nvGrpSpPr>
+      <p:grpSpPr>
+        <a:xfrm>
+          <a:off x="0" y="0"/>
+          <a:ext cx="0" cy="0"/>
+          <a:chOff x="0" y="0"/>
+          <a:chExt cx="0" cy="0"/>
+        </a:xfrm>
+      </p:grpSpPr>
+      <p:sp>
+        <p:nvSpPr>
+          <p:cNvPr id="2" name="タイトル 1"/>
+          <p:cNvSpPr>
+            <a:spLocks noGrp="1"/>
+          </p:cNvSpPr>
+          <p:nvPr>
+            <p:ph type="title"/>
+          </p:nvPr>
+        </p:nvSpPr>
+        <p:spPr/>
+        <p:txBody>
+          <a:bodyPr/>
+          <a:lstStyle/>
+          <a:p>
+            <a:r>
+              <a:rPr kumimoji="1" lang="en-US" altLang="ja-JP" dirty="0" smtClean="0"/>
+              <a:t>I.</a:t>
+            </a:r>
+            <a:r>
+              <a:rPr kumimoji="1" lang="ja-JP" altLang="en-US" dirty="0" smtClean="0"/>
+              <a:t> インフラ構成図</a:t>
+            </a:r>
+            <a:endParaRPr kumimoji="1" lang="ja-JP" altLang="en-US" dirty="0"/>
+          </a:p>
+        </p:txBody>
+      </p:sp>
+      <p:sp>
+        <p:nvSpPr>
+          <p:cNvPr id="3" name="テキスト プレースホルダー 2"/>
+          <p:cNvSpPr>
+            <a:spLocks noGrp="1"/>
+          </p:cNvSpPr>
+          <p:nvPr>
+            <p:ph type="body" idx="1"/>
+          </p:nvPr>
+        </p:nvSpPr>
+        <p:spPr/>
+        <p:txBody>
+          <a:bodyPr/>
+          <a:lstStyle/>
+          <a:p>
+            <a:endParaRPr kumimoji="1" lang="ja-JP" altLang="en-US"/>
+          </a:p>
+        </p:txBody>
+      </p:sp>
+    </p:spTree>
+    <p:extLst>
+      <p:ext uri="{BB962C8B-B14F-4D97-AF65-F5344CB8AC3E}">
+        <p14:creationId xmlns:p14="http://schemas.microsoft.com/office/powerpoint/2010/main" val="2707565104"/>
+      </p:ext>
+    </p:extLst>
+  </p:cSld>
+  <p:clrMapOvr>
+    <a:masterClrMapping/>
+  </p:clrMapOvr>
+  <p:timing>
+    <p:tnLst>
+      <p:par>
+        <p:cTn xmlns:p14="http://schemas.microsoft.com/office/powerpoint/2010/main" id="1" dur="indefinite" restart="never" nodeType="tmRoot"/>
+      </p:par>
+    </p:tnLst>
+  </p:timing>
+</p:sld>
+</file>
+
+<file path=ppt/slides/slide40.xml><?xml version="1.0" encoding="utf-8"?>
 <p:sld xmlns:a="http://schemas.openxmlformats.org/drawingml/2006/main" xmlns:r="http://schemas.openxmlformats.org/officeDocument/2006/relationships" xmlns:p="http://schemas.openxmlformats.org/presentationml/2006/main">
   <p:cSld>
     <p:spTree>
@@ -35549,7 +36895,7 @@
             <a:fld id="{FC7FC04C-4975-46EC-A609-F7DE0D5B1B51}" type="slidenum">
               <a:rPr kumimoji="1" lang="ja-JP" altLang="en-US" smtClean="0"/>
               <a:pPr/>
-              <a:t>39</a:t>
+              <a:t>40</a:t>
             </a:fld>
             <a:endParaRPr kumimoji="1" lang="ja-JP" altLang="en-US" dirty="0"/>
           </a:p>
@@ -35951,90 +37297,7 @@
 </p:sld>
 </file>
 
-<file path=ppt/slides/slide4.xml><?xml version="1.0" encoding="utf-8"?>
-<p:sld xmlns:a="http://schemas.openxmlformats.org/drawingml/2006/main" xmlns:r="http://schemas.openxmlformats.org/officeDocument/2006/relationships" xmlns:p="http://schemas.openxmlformats.org/presentationml/2006/main">
-  <p:cSld>
-    <p:spTree>
-      <p:nvGrpSpPr>
-        <p:cNvPr id="1" name=""/>
-        <p:cNvGrpSpPr/>
-        <p:nvPr/>
-      </p:nvGrpSpPr>
-      <p:grpSpPr>
-        <a:xfrm>
-          <a:off x="0" y="0"/>
-          <a:ext cx="0" cy="0"/>
-          <a:chOff x="0" y="0"/>
-          <a:chExt cx="0" cy="0"/>
-        </a:xfrm>
-      </p:grpSpPr>
-      <p:sp>
-        <p:nvSpPr>
-          <p:cNvPr id="2" name="タイトル 1"/>
-          <p:cNvSpPr>
-            <a:spLocks noGrp="1"/>
-          </p:cNvSpPr>
-          <p:nvPr>
-            <p:ph type="title"/>
-          </p:nvPr>
-        </p:nvSpPr>
-        <p:spPr/>
-        <p:txBody>
-          <a:bodyPr/>
-          <a:lstStyle/>
-          <a:p>
-            <a:r>
-              <a:rPr kumimoji="1" lang="en-US" altLang="ja-JP" dirty="0" smtClean="0"/>
-              <a:t>I.</a:t>
-            </a:r>
-            <a:r>
-              <a:rPr kumimoji="1" lang="ja-JP" altLang="en-US" dirty="0" smtClean="0"/>
-              <a:t> インフラ構成図</a:t>
-            </a:r>
-            <a:endParaRPr kumimoji="1" lang="ja-JP" altLang="en-US" dirty="0"/>
-          </a:p>
-        </p:txBody>
-      </p:sp>
-      <p:sp>
-        <p:nvSpPr>
-          <p:cNvPr id="3" name="テキスト プレースホルダー 2"/>
-          <p:cNvSpPr>
-            <a:spLocks noGrp="1"/>
-          </p:cNvSpPr>
-          <p:nvPr>
-            <p:ph type="body" idx="1"/>
-          </p:nvPr>
-        </p:nvSpPr>
-        <p:spPr/>
-        <p:txBody>
-          <a:bodyPr/>
-          <a:lstStyle/>
-          <a:p>
-            <a:endParaRPr kumimoji="1" lang="ja-JP" altLang="en-US"/>
-          </a:p>
-        </p:txBody>
-      </p:sp>
-    </p:spTree>
-    <p:extLst>
-      <p:ext uri="{BB962C8B-B14F-4D97-AF65-F5344CB8AC3E}">
-        <p14:creationId xmlns:p14="http://schemas.microsoft.com/office/powerpoint/2010/main" val="2707565104"/>
-      </p:ext>
-    </p:extLst>
-  </p:cSld>
-  <p:clrMapOvr>
-    <a:masterClrMapping/>
-  </p:clrMapOvr>
-  <p:timing>
-    <p:tnLst>
-      <p:par>
-        <p:cTn xmlns:p14="http://schemas.microsoft.com/office/powerpoint/2010/main" id="1" dur="indefinite" restart="never" nodeType="tmRoot"/>
-      </p:par>
-    </p:tnLst>
-  </p:timing>
-</p:sld>
-</file>
-
-<file path=ppt/slides/slide40.xml><?xml version="1.0" encoding="utf-8"?>
+<file path=ppt/slides/slide41.xml><?xml version="1.0" encoding="utf-8"?>
 <p:sld xmlns:a="http://schemas.openxmlformats.org/drawingml/2006/main" xmlns:r="http://schemas.openxmlformats.org/officeDocument/2006/relationships" xmlns:p="http://schemas.openxmlformats.org/presentationml/2006/main">
   <p:cSld>
     <p:spTree>
@@ -36484,7 +37747,7 @@
             <a:fld id="{FC7FC04C-4975-46EC-A609-F7DE0D5B1B51}" type="slidenum">
               <a:rPr kumimoji="1" lang="ja-JP" altLang="en-US" smtClean="0"/>
               <a:pPr/>
-              <a:t>40</a:t>
+              <a:t>41</a:t>
             </a:fld>
             <a:endParaRPr kumimoji="1" lang="ja-JP" altLang="en-US" dirty="0"/>
           </a:p>
@@ -37654,7 +38917,7 @@
 </p:sld>
 </file>
 
-<file path=ppt/slides/slide41.xml><?xml version="1.0" encoding="utf-8"?>
+<file path=ppt/slides/slide42.xml><?xml version="1.0" encoding="utf-8"?>
 <p:sld xmlns:a="http://schemas.openxmlformats.org/drawingml/2006/main" xmlns:r="http://schemas.openxmlformats.org/officeDocument/2006/relationships" xmlns:p="http://schemas.openxmlformats.org/presentationml/2006/main">
   <p:cSld>
     <p:spTree>
@@ -37716,7 +38979,7 @@
             <a:fld id="{FC7FC04C-4975-46EC-A609-F7DE0D5B1B51}" type="slidenum">
               <a:rPr kumimoji="1" lang="ja-JP" altLang="en-US" smtClean="0"/>
               <a:pPr/>
-              <a:t>41</a:t>
+              <a:t>42</a:t>
             </a:fld>
             <a:endParaRPr kumimoji="1" lang="ja-JP" altLang="en-US" dirty="0"/>
           </a:p>
@@ -38237,7 +39500,7 @@
             <p:cNvPr id="112" name="Rectangle 47">
               <a:extLst>
                 <a:ext uri="{FF2B5EF4-FFF2-40B4-BE49-F238E27FC236}">
-                  <a16:creationId xmlns:a16="http://schemas.microsoft.com/office/drawing/2014/main" xmlns="" id="{F7C6A05A-B131-904E-9DAD-91CFCA42673E}"/>
+                  <a16:creationId xmlns="" xmlns:a16="http://schemas.microsoft.com/office/drawing/2014/main" id="{F7C6A05A-B131-904E-9DAD-91CFCA42673E}"/>
                 </a:ext>
               </a:extLst>
             </p:cNvPr>
@@ -38302,7 +39565,7 @@
             <p:cNvPr id="111" name="Rectangle 47">
               <a:extLst>
                 <a:ext uri="{FF2B5EF4-FFF2-40B4-BE49-F238E27FC236}">
-                  <a16:creationId xmlns:a16="http://schemas.microsoft.com/office/drawing/2014/main" xmlns="" id="{F7C6A05A-B131-904E-9DAD-91CFCA42673E}"/>
+                  <a16:creationId xmlns="" xmlns:a16="http://schemas.microsoft.com/office/drawing/2014/main" id="{F7C6A05A-B131-904E-9DAD-91CFCA42673E}"/>
                 </a:ext>
               </a:extLst>
             </p:cNvPr>
@@ -38367,7 +39630,7 @@
             <p:cNvPr id="82" name="Rectangle 47">
               <a:extLst>
                 <a:ext uri="{FF2B5EF4-FFF2-40B4-BE49-F238E27FC236}">
-                  <a16:creationId xmlns:a16="http://schemas.microsoft.com/office/drawing/2014/main" xmlns="" id="{F7C6A05A-B131-904E-9DAD-91CFCA42673E}"/>
+                  <a16:creationId xmlns="" xmlns:a16="http://schemas.microsoft.com/office/drawing/2014/main" id="{F7C6A05A-B131-904E-9DAD-91CFCA42673E}"/>
                 </a:ext>
               </a:extLst>
             </p:cNvPr>
@@ -38431,7 +39694,7 @@
           <p:cNvPr id="110" name="Rectangle 47">
             <a:extLst>
               <a:ext uri="{FF2B5EF4-FFF2-40B4-BE49-F238E27FC236}">
-                <a16:creationId xmlns:a16="http://schemas.microsoft.com/office/drawing/2014/main" xmlns="" id="{F7C6A05A-B131-904E-9DAD-91CFCA42673E}"/>
+                <a16:creationId xmlns="" xmlns:a16="http://schemas.microsoft.com/office/drawing/2014/main" id="{F7C6A05A-B131-904E-9DAD-91CFCA42673E}"/>
               </a:ext>
             </a:extLst>
           </p:cNvPr>
@@ -38494,7 +39757,7 @@
           <p:cNvPr id="108" name="Rectangle 47">
             <a:extLst>
               <a:ext uri="{FF2B5EF4-FFF2-40B4-BE49-F238E27FC236}">
-                <a16:creationId xmlns:a16="http://schemas.microsoft.com/office/drawing/2014/main" xmlns="" id="{F7C6A05A-B131-904E-9DAD-91CFCA42673E}"/>
+                <a16:creationId xmlns="" xmlns:a16="http://schemas.microsoft.com/office/drawing/2014/main" id="{F7C6A05A-B131-904E-9DAD-91CFCA42673E}"/>
               </a:ext>
             </a:extLst>
           </p:cNvPr>
@@ -38558,7 +39821,7 @@
           <p:cNvPr id="102" name="Rectangle 36">
             <a:extLst>
               <a:ext uri="{FF2B5EF4-FFF2-40B4-BE49-F238E27FC236}">
-                <a16:creationId xmlns:a16="http://schemas.microsoft.com/office/drawing/2014/main" xmlns="" id="{305B98DC-5AF5-3342-A4B1-F62852BC80FE}"/>
+                <a16:creationId xmlns="" xmlns:a16="http://schemas.microsoft.com/office/drawing/2014/main" id="{305B98DC-5AF5-3342-A4B1-F62852BC80FE}"/>
               </a:ext>
             </a:extLst>
           </p:cNvPr>
@@ -38623,7 +39886,7 @@
           <p:cNvPr id="2" name="タイトル 1">
             <a:extLst>
               <a:ext uri="{FF2B5EF4-FFF2-40B4-BE49-F238E27FC236}">
-                <a16:creationId xmlns:a16="http://schemas.microsoft.com/office/drawing/2014/main" xmlns="" id="{1A3C72B1-DD7E-4C64-B1AC-556F59194061}"/>
+                <a16:creationId xmlns="" xmlns:a16="http://schemas.microsoft.com/office/drawing/2014/main" id="{1A3C72B1-DD7E-4C64-B1AC-556F59194061}"/>
               </a:ext>
             </a:extLst>
           </p:cNvPr>
@@ -38661,7 +39924,7 @@
           <p:cNvPr id="28" name="Rectangle 47">
             <a:extLst>
               <a:ext uri="{FF2B5EF4-FFF2-40B4-BE49-F238E27FC236}">
-                <a16:creationId xmlns:a16="http://schemas.microsoft.com/office/drawing/2014/main" xmlns="" id="{F7C6A05A-B131-904E-9DAD-91CFCA42673E}"/>
+                <a16:creationId xmlns="" xmlns:a16="http://schemas.microsoft.com/office/drawing/2014/main" id="{F7C6A05A-B131-904E-9DAD-91CFCA42673E}"/>
               </a:ext>
             </a:extLst>
           </p:cNvPr>
@@ -38725,7 +39988,7 @@
           <p:cNvPr id="34" name="Graphic 50">
             <a:extLst>
               <a:ext uri="{FF2B5EF4-FFF2-40B4-BE49-F238E27FC236}">
-                <a16:creationId xmlns:a16="http://schemas.microsoft.com/office/drawing/2014/main" xmlns="" id="{90480268-FA8A-6D4B-8724-6B01F65849EB}"/>
+                <a16:creationId xmlns="" xmlns:a16="http://schemas.microsoft.com/office/drawing/2014/main" id="{90480268-FA8A-6D4B-8724-6B01F65849EB}"/>
               </a:ext>
             </a:extLst>
           </p:cNvPr>
@@ -38738,7 +40001,7 @@
           <a:blip r:embed="rId2">
             <a:extLst>
               <a:ext uri="{96DAC541-7B7A-43D3-8B79-37D633B846F1}">
-                <asvg:svgBlip xmlns:asvg="http://schemas.microsoft.com/office/drawing/2016/SVG/main" xmlns="" r:embed="rId7"/>
+                <asvg:svgBlip xmlns="" xmlns:asvg="http://schemas.microsoft.com/office/drawing/2016/SVG/main" r:embed="rId7"/>
               </a:ext>
             </a:extLst>
           </a:blip>
@@ -38775,7 +40038,7 @@
             <p:cNvPr id="36" name="Graphic 39">
               <a:extLst>
                 <a:ext uri="{FF2B5EF4-FFF2-40B4-BE49-F238E27FC236}">
-                  <a16:creationId xmlns:a16="http://schemas.microsoft.com/office/drawing/2014/main" xmlns="" id="{6FA71975-EA2D-784E-8A28-738A17320E91}"/>
+                  <a16:creationId xmlns="" xmlns:a16="http://schemas.microsoft.com/office/drawing/2014/main" id="{6FA71975-EA2D-784E-8A28-738A17320E91}"/>
                 </a:ext>
               </a:extLst>
             </p:cNvPr>
@@ -38788,7 +40051,7 @@
             <a:blip r:embed="rId8">
               <a:extLst>
                 <a:ext uri="{96DAC541-7B7A-43D3-8B79-37D633B846F1}">
-                  <asvg:svgBlip xmlns:asvg="http://schemas.microsoft.com/office/drawing/2016/SVG/main" xmlns="" r:embed="rId29"/>
+                  <asvg:svgBlip xmlns="" xmlns:asvg="http://schemas.microsoft.com/office/drawing/2016/SVG/main" r:embed="rId29"/>
                 </a:ext>
               </a:extLst>
             </a:blip>
@@ -38811,7 +40074,7 @@
             <p:cNvPr id="38" name="TextBox 90">
               <a:extLst>
                 <a:ext uri="{FF2B5EF4-FFF2-40B4-BE49-F238E27FC236}">
-                  <a16:creationId xmlns:a16="http://schemas.microsoft.com/office/drawing/2014/main" xmlns="" id="{37743B23-AAC5-CC49-9C18-C68DBC507174}"/>
+                  <a16:creationId xmlns="" xmlns:a16="http://schemas.microsoft.com/office/drawing/2014/main" id="{37743B23-AAC5-CC49-9C18-C68DBC507174}"/>
                 </a:ext>
               </a:extLst>
             </p:cNvPr>
@@ -38866,7 +40129,7 @@
             <p:cNvPr id="37" name="Graphic 41">
               <a:extLst>
                 <a:ext uri="{FF2B5EF4-FFF2-40B4-BE49-F238E27FC236}">
-                  <a16:creationId xmlns:a16="http://schemas.microsoft.com/office/drawing/2014/main" xmlns="" id="{1A56C62F-612C-5841-B7E7-B15DA92D0BDE}"/>
+                  <a16:creationId xmlns="" xmlns:a16="http://schemas.microsoft.com/office/drawing/2014/main" id="{1A56C62F-612C-5841-B7E7-B15DA92D0BDE}"/>
                 </a:ext>
               </a:extLst>
             </p:cNvPr>
@@ -38879,7 +40142,7 @@
             <a:blip r:embed="rId30">
               <a:extLst>
                 <a:ext uri="{96DAC541-7B7A-43D3-8B79-37D633B846F1}">
-                  <asvg:svgBlip xmlns:asvg="http://schemas.microsoft.com/office/drawing/2016/SVG/main" xmlns="" r:embed="rId31"/>
+                  <asvg:svgBlip xmlns="" xmlns:asvg="http://schemas.microsoft.com/office/drawing/2016/SVG/main" r:embed="rId31"/>
                 </a:ext>
               </a:extLst>
             </a:blip>
@@ -38902,7 +40165,7 @@
             <p:cNvPr id="39" name="TextBox 93">
               <a:extLst>
                 <a:ext uri="{FF2B5EF4-FFF2-40B4-BE49-F238E27FC236}">
-                  <a16:creationId xmlns:a16="http://schemas.microsoft.com/office/drawing/2014/main" xmlns="" id="{4EDB2C05-2F10-9C42-9C35-AE4BB249A665}"/>
+                  <a16:creationId xmlns="" xmlns:a16="http://schemas.microsoft.com/office/drawing/2014/main" id="{4EDB2C05-2F10-9C42-9C35-AE4BB249A665}"/>
                 </a:ext>
               </a:extLst>
             </p:cNvPr>
@@ -38957,7 +40220,7 @@
             <p:cNvPr id="40" name="Graphic 23">
               <a:extLst>
                 <a:ext uri="{FF2B5EF4-FFF2-40B4-BE49-F238E27FC236}">
-                  <a16:creationId xmlns:a16="http://schemas.microsoft.com/office/drawing/2014/main" xmlns="" id="{5F43C684-E7CD-7B41-ACA7-B11152EF7F46}"/>
+                  <a16:creationId xmlns="" xmlns:a16="http://schemas.microsoft.com/office/drawing/2014/main" id="{5F43C684-E7CD-7B41-ACA7-B11152EF7F46}"/>
                 </a:ext>
               </a:extLst>
             </p:cNvPr>
@@ -38970,7 +40233,7 @@
             <a:blip r:embed="rId32">
               <a:extLst>
                 <a:ext uri="{96DAC541-7B7A-43D3-8B79-37D633B846F1}">
-                  <asvg:svgBlip xmlns:asvg="http://schemas.microsoft.com/office/drawing/2016/SVG/main" xmlns="" r:embed="rId17"/>
+                  <asvg:svgBlip xmlns="" xmlns:asvg="http://schemas.microsoft.com/office/drawing/2016/SVG/main" r:embed="rId17"/>
                 </a:ext>
               </a:extLst>
             </a:blip>
@@ -38993,7 +40256,7 @@
             <p:cNvPr id="41" name="TextBox 72">
               <a:extLst>
                 <a:ext uri="{FF2B5EF4-FFF2-40B4-BE49-F238E27FC236}">
-                  <a16:creationId xmlns:a16="http://schemas.microsoft.com/office/drawing/2014/main" xmlns="" id="{2E08DBCE-1ACF-424F-814D-23C461589D8E}"/>
+                  <a16:creationId xmlns="" xmlns:a16="http://schemas.microsoft.com/office/drawing/2014/main" id="{2E08DBCE-1ACF-424F-814D-23C461589D8E}"/>
                 </a:ext>
               </a:extLst>
             </p:cNvPr>
@@ -39048,7 +40311,7 @@
             <p:cNvPr id="44" name="Graphic 71">
               <a:extLst>
                 <a:ext uri="{FF2B5EF4-FFF2-40B4-BE49-F238E27FC236}">
-                  <a16:creationId xmlns:a16="http://schemas.microsoft.com/office/drawing/2014/main" xmlns="" id="{31D711CB-BE6B-6644-AD61-BCF2CDB2A587}"/>
+                  <a16:creationId xmlns="" xmlns:a16="http://schemas.microsoft.com/office/drawing/2014/main" id="{31D711CB-BE6B-6644-AD61-BCF2CDB2A587}"/>
                 </a:ext>
               </a:extLst>
             </p:cNvPr>
@@ -39061,7 +40324,7 @@
             <a:blip r:embed="rId33">
               <a:extLst>
                 <a:ext uri="{96DAC541-7B7A-43D3-8B79-37D633B846F1}">
-                  <asvg:svgBlip xmlns:asvg="http://schemas.microsoft.com/office/drawing/2016/SVG/main" xmlns="" r:embed="rId19"/>
+                  <asvg:svgBlip xmlns="" xmlns:asvg="http://schemas.microsoft.com/office/drawing/2016/SVG/main" r:embed="rId19"/>
                 </a:ext>
               </a:extLst>
             </a:blip>
@@ -39084,7 +40347,7 @@
             <p:cNvPr id="45" name="TextBox 75">
               <a:extLst>
                 <a:ext uri="{FF2B5EF4-FFF2-40B4-BE49-F238E27FC236}">
-                  <a16:creationId xmlns:a16="http://schemas.microsoft.com/office/drawing/2014/main" xmlns="" id="{9ABBCCC2-6A9F-CE45-9C04-D783E79573D6}"/>
+                  <a16:creationId xmlns="" xmlns:a16="http://schemas.microsoft.com/office/drawing/2014/main" id="{9ABBCCC2-6A9F-CE45-9C04-D783E79573D6}"/>
                 </a:ext>
               </a:extLst>
             </p:cNvPr>
@@ -39147,7 +40410,7 @@
             <p:cNvPr id="46" name="TextBox 8">
               <a:extLst>
                 <a:ext uri="{FF2B5EF4-FFF2-40B4-BE49-F238E27FC236}">
-                  <a16:creationId xmlns:a16="http://schemas.microsoft.com/office/drawing/2014/main" xmlns="" id="{EE5AD722-65A2-3441-BC67-C1ED5707E6E2}"/>
+                  <a16:creationId xmlns="" xmlns:a16="http://schemas.microsoft.com/office/drawing/2014/main" id="{EE5AD722-65A2-3441-BC67-C1ED5707E6E2}"/>
                 </a:ext>
               </a:extLst>
             </p:cNvPr>
@@ -39195,7 +40458,7 @@
             <p:cNvPr id="47" name="Graphic 33">
               <a:extLst>
                 <a:ext uri="{FF2B5EF4-FFF2-40B4-BE49-F238E27FC236}">
-                  <a16:creationId xmlns:a16="http://schemas.microsoft.com/office/drawing/2014/main" xmlns="" id="{239FDEEB-7049-3C46-AD29-71A07202049A}"/>
+                  <a16:creationId xmlns="" xmlns:a16="http://schemas.microsoft.com/office/drawing/2014/main" id="{239FDEEB-7049-3C46-AD29-71A07202049A}"/>
                 </a:ext>
               </a:extLst>
             </p:cNvPr>
@@ -39208,7 +40471,7 @@
             <a:blip r:embed="rId34">
               <a:extLst>
                 <a:ext uri="{96DAC541-7B7A-43D3-8B79-37D633B846F1}">
-                  <asvg:svgBlip xmlns:asvg="http://schemas.microsoft.com/office/drawing/2016/SVG/main" xmlns="" r:embed="rId16"/>
+                  <asvg:svgBlip xmlns="" xmlns:asvg="http://schemas.microsoft.com/office/drawing/2016/SVG/main" r:embed="rId16"/>
                 </a:ext>
               </a:extLst>
             </a:blip>
@@ -39246,7 +40509,7 @@
             <p:cNvPr id="48" name="TextBox 4">
               <a:extLst>
                 <a:ext uri="{FF2B5EF4-FFF2-40B4-BE49-F238E27FC236}">
-                  <a16:creationId xmlns:a16="http://schemas.microsoft.com/office/drawing/2014/main" xmlns="" id="{98493F85-0788-B14E-AA06-484C3E93C5D7}"/>
+                  <a16:creationId xmlns="" xmlns:a16="http://schemas.microsoft.com/office/drawing/2014/main" id="{98493F85-0788-B14E-AA06-484C3E93C5D7}"/>
                 </a:ext>
               </a:extLst>
             </p:cNvPr>
@@ -39297,7 +40560,7 @@
             <p:cNvPr id="50" name="Graphic 19">
               <a:extLst>
                 <a:ext uri="{FF2B5EF4-FFF2-40B4-BE49-F238E27FC236}">
-                  <a16:creationId xmlns:a16="http://schemas.microsoft.com/office/drawing/2014/main" xmlns="" id="{E3415E5B-FE82-7A40-8F0B-7A0EC616D16B}"/>
+                  <a16:creationId xmlns="" xmlns:a16="http://schemas.microsoft.com/office/drawing/2014/main" id="{E3415E5B-FE82-7A40-8F0B-7A0EC616D16B}"/>
                 </a:ext>
               </a:extLst>
             </p:cNvPr>
@@ -39310,7 +40573,7 @@
             <a:blip r:embed="rId35">
               <a:extLst>
                 <a:ext uri="{96DAC541-7B7A-43D3-8B79-37D633B846F1}">
-                  <asvg:svgBlip xmlns:asvg="http://schemas.microsoft.com/office/drawing/2016/SVG/main" xmlns="" r:embed="rId6"/>
+                  <asvg:svgBlip xmlns="" xmlns:asvg="http://schemas.microsoft.com/office/drawing/2016/SVG/main" r:embed="rId6"/>
                 </a:ext>
               </a:extLst>
             </a:blip>
@@ -39348,7 +40611,7 @@
             <p:cNvPr id="51" name="TextBox 9">
               <a:extLst>
                 <a:ext uri="{FF2B5EF4-FFF2-40B4-BE49-F238E27FC236}">
-                  <a16:creationId xmlns:a16="http://schemas.microsoft.com/office/drawing/2014/main" xmlns="" id="{0B311536-12F3-9C40-8153-5AF1A85390A9}"/>
+                  <a16:creationId xmlns="" xmlns:a16="http://schemas.microsoft.com/office/drawing/2014/main" id="{0B311536-12F3-9C40-8153-5AF1A85390A9}"/>
                 </a:ext>
               </a:extLst>
             </p:cNvPr>
@@ -39396,7 +40659,7 @@
             <p:cNvPr id="52" name="Graphic 47">
               <a:extLst>
                 <a:ext uri="{FF2B5EF4-FFF2-40B4-BE49-F238E27FC236}">
-                  <a16:creationId xmlns:a16="http://schemas.microsoft.com/office/drawing/2014/main" xmlns="" id="{64ACDB4E-B998-9447-845B-246D5827B993}"/>
+                  <a16:creationId xmlns="" xmlns:a16="http://schemas.microsoft.com/office/drawing/2014/main" id="{64ACDB4E-B998-9447-845B-246D5827B993}"/>
                 </a:ext>
               </a:extLst>
             </p:cNvPr>
@@ -39409,7 +40672,7 @@
             <a:blip r:embed="rId36">
               <a:extLst>
                 <a:ext uri="{96DAC541-7B7A-43D3-8B79-37D633B846F1}">
-                  <asvg:svgBlip xmlns:asvg="http://schemas.microsoft.com/office/drawing/2016/SVG/main" xmlns="" r:embed="rId25"/>
+                  <asvg:svgBlip xmlns="" xmlns:asvg="http://schemas.microsoft.com/office/drawing/2016/SVG/main" r:embed="rId25"/>
                 </a:ext>
               </a:extLst>
             </a:blip>
@@ -39447,7 +40710,7 @@
             <p:cNvPr id="54" name="TextBox 34">
               <a:extLst>
                 <a:ext uri="{FF2B5EF4-FFF2-40B4-BE49-F238E27FC236}">
-                  <a16:creationId xmlns:a16="http://schemas.microsoft.com/office/drawing/2014/main" xmlns="" id="{15E56E6E-0E7C-E14A-90F3-EFD2E907FD70}"/>
+                  <a16:creationId xmlns="" xmlns:a16="http://schemas.microsoft.com/office/drawing/2014/main" id="{15E56E6E-0E7C-E14A-90F3-EFD2E907FD70}"/>
                 </a:ext>
               </a:extLst>
             </p:cNvPr>
@@ -39484,7 +40747,7 @@
             <p:cNvPr id="55" name="Graphic 44">
               <a:extLst>
                 <a:ext uri="{FF2B5EF4-FFF2-40B4-BE49-F238E27FC236}">
-                  <a16:creationId xmlns:a16="http://schemas.microsoft.com/office/drawing/2014/main" xmlns="" id="{E2DAEC15-20F6-3647-8A23-EC2BA0B080D7}"/>
+                  <a16:creationId xmlns="" xmlns:a16="http://schemas.microsoft.com/office/drawing/2014/main" id="{E2DAEC15-20F6-3647-8A23-EC2BA0B080D7}"/>
                 </a:ext>
               </a:extLst>
             </p:cNvPr>
@@ -39497,7 +40760,7 @@
             <a:blip r:embed="rId37">
               <a:extLst>
                 <a:ext uri="{96DAC541-7B7A-43D3-8B79-37D633B846F1}">
-                  <asvg:svgBlip xmlns:asvg="http://schemas.microsoft.com/office/drawing/2016/SVG/main" xmlns="" r:embed="rId11"/>
+                  <asvg:svgBlip xmlns="" xmlns:asvg="http://schemas.microsoft.com/office/drawing/2016/SVG/main" r:embed="rId11"/>
                 </a:ext>
               </a:extLst>
             </a:blip>
@@ -39535,7 +40798,7 @@
             <p:cNvPr id="56" name="TextBox 8">
               <a:extLst>
                 <a:ext uri="{FF2B5EF4-FFF2-40B4-BE49-F238E27FC236}">
-                  <a16:creationId xmlns:a16="http://schemas.microsoft.com/office/drawing/2014/main" xmlns="" id="{D7ECF936-B8F2-B944-B1E5-0DC7D3F9AAB9}"/>
+                  <a16:creationId xmlns="" xmlns:a16="http://schemas.microsoft.com/office/drawing/2014/main" id="{D7ECF936-B8F2-B944-B1E5-0DC7D3F9AAB9}"/>
                 </a:ext>
               </a:extLst>
             </p:cNvPr>
@@ -39571,7 +40834,7 @@
             <p:cNvPr id="57" name="Graphic 26">
               <a:extLst>
                 <a:ext uri="{FF2B5EF4-FFF2-40B4-BE49-F238E27FC236}">
-                  <a16:creationId xmlns:a16="http://schemas.microsoft.com/office/drawing/2014/main" xmlns="" id="{6474A222-3CF8-3F41-AB6E-29E3FCA4874B}"/>
+                  <a16:creationId xmlns="" xmlns:a16="http://schemas.microsoft.com/office/drawing/2014/main" id="{6474A222-3CF8-3F41-AB6E-29E3FCA4874B}"/>
                 </a:ext>
               </a:extLst>
             </p:cNvPr>
@@ -39584,7 +40847,7 @@
             <a:blip r:embed="rId38">
               <a:extLst>
                 <a:ext uri="{96DAC541-7B7A-43D3-8B79-37D633B846F1}">
-                  <asvg:svgBlip xmlns:asvg="http://schemas.microsoft.com/office/drawing/2016/SVG/main" xmlns="" r:embed="rId9"/>
+                  <asvg:svgBlip xmlns="" xmlns:asvg="http://schemas.microsoft.com/office/drawing/2016/SVG/main" r:embed="rId9"/>
                 </a:ext>
               </a:extLst>
             </a:blip>
@@ -39608,7 +40871,7 @@
           <p:cNvPr id="58" name="Rectangle 32">
             <a:extLst>
               <a:ext uri="{FF2B5EF4-FFF2-40B4-BE49-F238E27FC236}">
-                <a16:creationId xmlns:a16="http://schemas.microsoft.com/office/drawing/2014/main" xmlns="" id="{1D4F0FC7-668E-E64B-A231-B1E7896F3CB6}"/>
+                <a16:creationId xmlns="" xmlns:a16="http://schemas.microsoft.com/office/drawing/2014/main" id="{1D4F0FC7-668E-E64B-A231-B1E7896F3CB6}"/>
               </a:ext>
             </a:extLst>
           </p:cNvPr>
@@ -39673,7 +40936,7 @@
           <p:cNvPr id="61" name="Graphic 48">
             <a:extLst>
               <a:ext uri="{FF2B5EF4-FFF2-40B4-BE49-F238E27FC236}">
-                <a16:creationId xmlns:a16="http://schemas.microsoft.com/office/drawing/2014/main" xmlns="" id="{C479E131-CAE3-B74A-B95D-A24EEB0BA49D}"/>
+                <a16:creationId xmlns="" xmlns:a16="http://schemas.microsoft.com/office/drawing/2014/main" id="{C479E131-CAE3-B74A-B95D-A24EEB0BA49D}"/>
               </a:ext>
             </a:extLst>
           </p:cNvPr>
@@ -39686,7 +40949,7 @@
           <a:blip r:embed="rId39">
             <a:extLst>
               <a:ext uri="{96DAC541-7B7A-43D3-8B79-37D633B846F1}">
-                <asvg:svgBlip xmlns:asvg="http://schemas.microsoft.com/office/drawing/2016/SVG/main" xmlns="" r:embed="rId40"/>
+                <asvg:svgBlip xmlns="" xmlns:asvg="http://schemas.microsoft.com/office/drawing/2016/SVG/main" r:embed="rId40"/>
               </a:ext>
             </a:extLst>
           </a:blip>
@@ -39723,7 +40986,7 @@
             <p:cNvPr id="62" name="TextBox 8">
               <a:extLst>
                 <a:ext uri="{FF2B5EF4-FFF2-40B4-BE49-F238E27FC236}">
-                  <a16:creationId xmlns:a16="http://schemas.microsoft.com/office/drawing/2014/main" xmlns="" id="{D7ECF936-B8F2-B944-B1E5-0DC7D3F9AAB9}"/>
+                  <a16:creationId xmlns="" xmlns:a16="http://schemas.microsoft.com/office/drawing/2014/main" id="{D7ECF936-B8F2-B944-B1E5-0DC7D3F9AAB9}"/>
                 </a:ext>
               </a:extLst>
             </p:cNvPr>
@@ -39764,7 +41027,7 @@
             <p:cNvPr id="63" name="Graphic 36">
               <a:extLst>
                 <a:ext uri="{FF2B5EF4-FFF2-40B4-BE49-F238E27FC236}">
-                  <a16:creationId xmlns:a16="http://schemas.microsoft.com/office/drawing/2014/main" xmlns="" id="{0B16542F-4C0D-DE45-99C9-05EC9CD8FE3D}"/>
+                  <a16:creationId xmlns="" xmlns:a16="http://schemas.microsoft.com/office/drawing/2014/main" id="{0B16542F-4C0D-DE45-99C9-05EC9CD8FE3D}"/>
                 </a:ext>
               </a:extLst>
             </p:cNvPr>
@@ -39777,7 +41040,7 @@
             <a:blip r:embed="rId41">
               <a:extLst>
                 <a:ext uri="{96DAC541-7B7A-43D3-8B79-37D633B846F1}">
-                  <asvg:svgBlip xmlns:asvg="http://schemas.microsoft.com/office/drawing/2016/SVG/main" xmlns="" r:embed="rId13"/>
+                  <asvg:svgBlip xmlns="" xmlns:asvg="http://schemas.microsoft.com/office/drawing/2016/SVG/main" r:embed="rId13"/>
                 </a:ext>
               </a:extLst>
             </a:blip>
@@ -39815,7 +41078,7 @@
             <p:cNvPr id="42" name="TextBox 14">
               <a:extLst>
                 <a:ext uri="{FF2B5EF4-FFF2-40B4-BE49-F238E27FC236}">
-                  <a16:creationId xmlns:a16="http://schemas.microsoft.com/office/drawing/2014/main" xmlns="" id="{E3C0960A-3D31-6D47-8EAA-93DE09090CDD}"/>
+                  <a16:creationId xmlns="" xmlns:a16="http://schemas.microsoft.com/office/drawing/2014/main" id="{E3C0960A-3D31-6D47-8EAA-93DE09090CDD}"/>
                 </a:ext>
               </a:extLst>
             </p:cNvPr>
@@ -39863,7 +41126,7 @@
             <p:cNvPr id="43" name="Graphic 8">
               <a:extLst>
                 <a:ext uri="{FF2B5EF4-FFF2-40B4-BE49-F238E27FC236}">
-                  <a16:creationId xmlns:a16="http://schemas.microsoft.com/office/drawing/2014/main" xmlns="" id="{0CFADCF2-BD45-E64B-885E-54763259CE56}"/>
+                  <a16:creationId xmlns="" xmlns:a16="http://schemas.microsoft.com/office/drawing/2014/main" id="{0CFADCF2-BD45-E64B-885E-54763259CE56}"/>
                 </a:ext>
               </a:extLst>
             </p:cNvPr>
@@ -39876,7 +41139,7 @@
             <a:blip r:embed="rId42">
               <a:extLst>
                 <a:ext uri="{96DAC541-7B7A-43D3-8B79-37D633B846F1}">
-                  <asvg:svgBlip xmlns:asvg="http://schemas.microsoft.com/office/drawing/2016/SVG/main" xmlns="" r:embed="rId43"/>
+                  <asvg:svgBlip xmlns="" xmlns:asvg="http://schemas.microsoft.com/office/drawing/2016/SVG/main" r:embed="rId43"/>
                 </a:ext>
               </a:extLst>
             </a:blip>
@@ -40308,7 +41571,7 @@
             <p:cNvPr id="85" name="TextBox 5">
               <a:extLst>
                 <a:ext uri="{FF2B5EF4-FFF2-40B4-BE49-F238E27FC236}">
-                  <a16:creationId xmlns:a16="http://schemas.microsoft.com/office/drawing/2014/main" xmlns="" id="{48B11175-8F26-E049-8FCE-A7F653ADEDC5}"/>
+                  <a16:creationId xmlns="" xmlns:a16="http://schemas.microsoft.com/office/drawing/2014/main" id="{48B11175-8F26-E049-8FCE-A7F653ADEDC5}"/>
                 </a:ext>
               </a:extLst>
             </p:cNvPr>
@@ -40356,7 +41619,7 @@
             <p:cNvPr id="86" name="Graphic 33">
               <a:extLst>
                 <a:ext uri="{FF2B5EF4-FFF2-40B4-BE49-F238E27FC236}">
-                  <a16:creationId xmlns:a16="http://schemas.microsoft.com/office/drawing/2014/main" xmlns="" id="{E8A76DD7-2470-9240-BE0E-8F1412C59C96}"/>
+                  <a16:creationId xmlns="" xmlns:a16="http://schemas.microsoft.com/office/drawing/2014/main" id="{E8A76DD7-2470-9240-BE0E-8F1412C59C96}"/>
                 </a:ext>
               </a:extLst>
             </p:cNvPr>
@@ -40369,7 +41632,7 @@
             <a:blip r:embed="rId44">
               <a:extLst>
                 <a:ext uri="{96DAC541-7B7A-43D3-8B79-37D633B846F1}">
-                  <asvg:svgBlip xmlns:asvg="http://schemas.microsoft.com/office/drawing/2016/SVG/main" xmlns="" r:embed="rId45"/>
+                  <asvg:svgBlip xmlns="" xmlns:asvg="http://schemas.microsoft.com/office/drawing/2016/SVG/main" r:embed="rId45"/>
                 </a:ext>
               </a:extLst>
             </a:blip>
@@ -40430,7 +41693,7 @@
           <p:cNvPr id="103" name="Rectangle 25">
             <a:extLst>
               <a:ext uri="{FF2B5EF4-FFF2-40B4-BE49-F238E27FC236}">
-                <a16:creationId xmlns:a16="http://schemas.microsoft.com/office/drawing/2014/main" xmlns="" id="{92A0ABFB-D447-D349-9C47-3EE861DD0794}"/>
+                <a16:creationId xmlns="" xmlns:a16="http://schemas.microsoft.com/office/drawing/2014/main" id="{92A0ABFB-D447-D349-9C47-3EE861DD0794}"/>
               </a:ext>
             </a:extLst>
           </p:cNvPr>
@@ -40495,7 +41758,7 @@
           <p:cNvPr id="104" name="Graphic 66">
             <a:extLst>
               <a:ext uri="{FF2B5EF4-FFF2-40B4-BE49-F238E27FC236}">
-                <a16:creationId xmlns:a16="http://schemas.microsoft.com/office/drawing/2014/main" xmlns="" id="{811370A0-DDEF-2649-86F1-55809DBD16DB}"/>
+                <a16:creationId xmlns="" xmlns:a16="http://schemas.microsoft.com/office/drawing/2014/main" id="{811370A0-DDEF-2649-86F1-55809DBD16DB}"/>
               </a:ext>
             </a:extLst>
           </p:cNvPr>
@@ -40508,7 +41771,7 @@
           <a:blip r:embed="rId46">
             <a:extLst>
               <a:ext uri="{96DAC541-7B7A-43D3-8B79-37D633B846F1}">
-                <asvg:svgBlip xmlns:asvg="http://schemas.microsoft.com/office/drawing/2016/SVG/main" xmlns="" r:embed="rId23"/>
+                <asvg:svgBlip xmlns="" xmlns:asvg="http://schemas.microsoft.com/office/drawing/2016/SVG/main" r:embed="rId23"/>
               </a:ext>
             </a:extLst>
           </a:blip>
@@ -40710,7 +41973,7 @@
             <p:cNvPr id="88" name="TextBox 8">
               <a:extLst>
                 <a:ext uri="{FF2B5EF4-FFF2-40B4-BE49-F238E27FC236}">
-                  <a16:creationId xmlns:a16="http://schemas.microsoft.com/office/drawing/2014/main" xmlns="" id="{D7ECF936-B8F2-B944-B1E5-0DC7D3F9AAB9}"/>
+                  <a16:creationId xmlns="" xmlns:a16="http://schemas.microsoft.com/office/drawing/2014/main" id="{D7ECF936-B8F2-B944-B1E5-0DC7D3F9AAB9}"/>
                 </a:ext>
               </a:extLst>
             </p:cNvPr>
@@ -40746,7 +42009,7 @@
             <p:cNvPr id="89" name="Graphic 26">
               <a:extLst>
                 <a:ext uri="{FF2B5EF4-FFF2-40B4-BE49-F238E27FC236}">
-                  <a16:creationId xmlns:a16="http://schemas.microsoft.com/office/drawing/2014/main" xmlns="" id="{6474A222-3CF8-3F41-AB6E-29E3FCA4874B}"/>
+                  <a16:creationId xmlns="" xmlns:a16="http://schemas.microsoft.com/office/drawing/2014/main" id="{6474A222-3CF8-3F41-AB6E-29E3FCA4874B}"/>
                 </a:ext>
               </a:extLst>
             </p:cNvPr>
@@ -40759,7 +42022,7 @@
             <a:blip r:embed="rId38">
               <a:extLst>
                 <a:ext uri="{96DAC541-7B7A-43D3-8B79-37D633B846F1}">
-                  <asvg:svgBlip xmlns:asvg="http://schemas.microsoft.com/office/drawing/2016/SVG/main" xmlns="" r:embed="rId9"/>
+                  <asvg:svgBlip xmlns="" xmlns:asvg="http://schemas.microsoft.com/office/drawing/2016/SVG/main" r:embed="rId9"/>
                 </a:ext>
               </a:extLst>
             </a:blip>
@@ -41121,7 +42384,7 @@
           <p:cNvPr id="2" name="タイトル 1">
             <a:extLst>
               <a:ext uri="{FF2B5EF4-FFF2-40B4-BE49-F238E27FC236}">
-                <a16:creationId xmlns="" xmlns:a16="http://schemas.microsoft.com/office/drawing/2014/main" id="{42238E76-FCE3-4A31-BD81-2D6CADD01B29}"/>
+                <a16:creationId xmlns:a16="http://schemas.microsoft.com/office/drawing/2014/main" xmlns="" id="{42238E76-FCE3-4A31-BD81-2D6CADD01B29}"/>
               </a:ext>
             </a:extLst>
           </p:cNvPr>
@@ -41154,7 +42417,7 @@
           <p:cNvPr id="3" name="コンテンツ プレースホルダー 2">
             <a:extLst>
               <a:ext uri="{FF2B5EF4-FFF2-40B4-BE49-F238E27FC236}">
-                <a16:creationId xmlns="" xmlns:a16="http://schemas.microsoft.com/office/drawing/2014/main" id="{8942456B-0BBA-47AC-A7AE-AC486DDE0560}"/>
+                <a16:creationId xmlns:a16="http://schemas.microsoft.com/office/drawing/2014/main" xmlns="" id="{8942456B-0BBA-47AC-A7AE-AC486DDE0560}"/>
               </a:ext>
             </a:extLst>
           </p:cNvPr>
@@ -41346,13 +42609,8 @@
             </a:pPr>
             <a:r>
               <a:rPr lang="ja-JP" altLang="en-US" dirty="0" smtClean="0"/>
-              <a:t>ベーシックプラン／開発者プラン／</a:t>
-            </a:r>
-            <a:r>
-              <a:rPr lang="ja-JP" altLang="en-US" dirty="0" smtClean="0"/>
-              <a:t>ビジネスプラン</a:t>
-            </a:r>
-            <a:endParaRPr lang="ja-JP" altLang="en-US" dirty="0" smtClean="0"/>
+              <a:t>ベーシックプラン／開発者プラン／ビジネスプラン</a:t>
+            </a:r>
           </a:p>
         </p:txBody>
       </p:sp>
@@ -41361,7 +42619,7 @@
           <p:cNvPr id="4" name="スライド番号プレースホルダー 3">
             <a:extLst>
               <a:ext uri="{FF2B5EF4-FFF2-40B4-BE49-F238E27FC236}">
-                <a16:creationId xmlns="" xmlns:a16="http://schemas.microsoft.com/office/drawing/2014/main" id="{9BFAADB9-E460-4E56-A164-AAFA9F53D091}"/>
+                <a16:creationId xmlns:a16="http://schemas.microsoft.com/office/drawing/2014/main" xmlns="" id="{9BFAADB9-E460-4E56-A164-AAFA9F53D091}"/>
               </a:ext>
             </a:extLst>
           </p:cNvPr>
@@ -41825,7 +43083,7 @@
           <p:cNvPr id="2" name="タイトル 1">
             <a:extLst>
               <a:ext uri="{FF2B5EF4-FFF2-40B4-BE49-F238E27FC236}">
-                <a16:creationId xmlns="" xmlns:a16="http://schemas.microsoft.com/office/drawing/2014/main" id="{42238E76-FCE3-4A31-BD81-2D6CADD01B29}"/>
+                <a16:creationId xmlns:a16="http://schemas.microsoft.com/office/drawing/2014/main" xmlns="" id="{42238E76-FCE3-4A31-BD81-2D6CADD01B29}"/>
               </a:ext>
             </a:extLst>
           </p:cNvPr>
@@ -41858,7 +43116,7 @@
           <p:cNvPr id="3" name="コンテンツ プレースホルダー 2">
             <a:extLst>
               <a:ext uri="{FF2B5EF4-FFF2-40B4-BE49-F238E27FC236}">
-                <a16:creationId xmlns="" xmlns:a16="http://schemas.microsoft.com/office/drawing/2014/main" id="{8942456B-0BBA-47AC-A7AE-AC486DDE0560}"/>
+                <a16:creationId xmlns:a16="http://schemas.microsoft.com/office/drawing/2014/main" xmlns="" id="{8942456B-0BBA-47AC-A7AE-AC486DDE0560}"/>
               </a:ext>
             </a:extLst>
           </p:cNvPr>
@@ -41881,11 +43139,7 @@
           <a:p>
             <a:r>
               <a:rPr lang="en-US" altLang="ja-JP" dirty="0" smtClean="0"/>
-              <a:t>AWS</a:t>
-            </a:r>
-            <a:r>
-              <a:rPr lang="en-US" altLang="ja-JP" dirty="0" smtClean="0"/>
-              <a:t> API</a:t>
+              <a:t>AWS API</a:t>
             </a:r>
             <a:r>
               <a:rPr lang="ja-JP" altLang="en-US" dirty="0" smtClean="0"/>
@@ -41974,11 +43228,7 @@
             </a:r>
             <a:r>
               <a:rPr lang="ja-JP" altLang="en-US" dirty="0" smtClean="0"/>
-              <a:t>ファイルをダウンロードする」ボタンを押して、ファイルをダウンロードする</a:t>
-            </a:r>
-            <a:r>
-              <a:rPr lang="ja-JP" altLang="en-US" dirty="0" smtClean="0"/>
-              <a:t>。</a:t>
+              <a:t>ファイルをダウンロードする」ボタンを押して、ファイルをダウンロードする。</a:t>
             </a:r>
             <a:r>
               <a:rPr lang="en-US" altLang="ja-JP" dirty="0"/>
@@ -42011,11 +43261,6 @@
               </a:rPr>
               <a:t>】</a:t>
             </a:r>
-            <a:endParaRPr lang="en-US" altLang="ja-JP" dirty="0" smtClean="0">
-              <a:solidFill>
-                <a:schemeClr val="accent1"/>
-              </a:solidFill>
-            </a:endParaRPr>
           </a:p>
         </p:txBody>
       </p:sp>
@@ -42024,7 +43269,7 @@
           <p:cNvPr id="4" name="スライド番号プレースホルダー 3">
             <a:extLst>
               <a:ext uri="{FF2B5EF4-FFF2-40B4-BE49-F238E27FC236}">
-                <a16:creationId xmlns="" xmlns:a16="http://schemas.microsoft.com/office/drawing/2014/main" id="{9BFAADB9-E460-4E56-A164-AAFA9F53D091}"/>
+                <a16:creationId xmlns:a16="http://schemas.microsoft.com/office/drawing/2014/main" xmlns="" id="{9BFAADB9-E460-4E56-A164-AAFA9F53D091}"/>
               </a:ext>
             </a:extLst>
           </p:cNvPr>
@@ -42488,7 +43733,7 @@
           <p:cNvPr id="2" name="タイトル 1">
             <a:extLst>
               <a:ext uri="{FF2B5EF4-FFF2-40B4-BE49-F238E27FC236}">
-                <a16:creationId xmlns="" xmlns:a16="http://schemas.microsoft.com/office/drawing/2014/main" id="{42238E76-FCE3-4A31-BD81-2D6CADD01B29}"/>
+                <a16:creationId xmlns:a16="http://schemas.microsoft.com/office/drawing/2014/main" xmlns="" id="{42238E76-FCE3-4A31-BD81-2D6CADD01B29}"/>
               </a:ext>
             </a:extLst>
           </p:cNvPr>
@@ -42529,7 +43774,7 @@
           <p:cNvPr id="3" name="コンテンツ プレースホルダー 2">
             <a:extLst>
               <a:ext uri="{FF2B5EF4-FFF2-40B4-BE49-F238E27FC236}">
-                <a16:creationId xmlns="" xmlns:a16="http://schemas.microsoft.com/office/drawing/2014/main" id="{8942456B-0BBA-47AC-A7AE-AC486DDE0560}"/>
+                <a16:creationId xmlns:a16="http://schemas.microsoft.com/office/drawing/2014/main" xmlns="" id="{8942456B-0BBA-47AC-A7AE-AC486DDE0560}"/>
               </a:ext>
             </a:extLst>
           </p:cNvPr>
@@ -42698,7 +43943,7 @@
           <p:cNvPr id="4" name="スライド番号プレースホルダー 3">
             <a:extLst>
               <a:ext uri="{FF2B5EF4-FFF2-40B4-BE49-F238E27FC236}">
-                <a16:creationId xmlns="" xmlns:a16="http://schemas.microsoft.com/office/drawing/2014/main" id="{9BFAADB9-E460-4E56-A164-AAFA9F53D091}"/>
+                <a16:creationId xmlns:a16="http://schemas.microsoft.com/office/drawing/2014/main" xmlns="" id="{9BFAADB9-E460-4E56-A164-AAFA9F53D091}"/>
               </a:ext>
             </a:extLst>
           </p:cNvPr>
@@ -43129,19 +44374,7 @@
             </a:r>
             <a:r>
               <a:rPr kumimoji="1" lang="ja-JP" altLang="en-US" sz="1600" dirty="0" smtClean="0"/>
-              <a:t>コンソールへのログインを許可</a:t>
-            </a:r>
-            <a:r>
-              <a:rPr kumimoji="1" lang="ja-JP" altLang="en-US" sz="1600" dirty="0" smtClean="0"/>
-              <a:t>するユーザー</a:t>
-            </a:r>
-            <a:r>
-              <a:rPr kumimoji="1" lang="ja-JP" altLang="en-US" sz="1600" dirty="0" smtClean="0"/>
-              <a:t>を追加</a:t>
-            </a:r>
-            <a:r>
-              <a:rPr kumimoji="1" lang="ja-JP" altLang="en-US" sz="1600" dirty="0" smtClean="0"/>
-              <a:t>する</a:t>
+              <a:t>コンソールへのログインを許可するユーザーを追加する</a:t>
             </a:r>
             <a:endParaRPr kumimoji="1" lang="en-US" altLang="ja-JP" sz="1600" dirty="0" smtClean="0"/>
           </a:p>
@@ -43152,11 +44385,7 @@
             </a:r>
             <a:r>
               <a:rPr kumimoji="1" lang="ja-JP" altLang="en-US" sz="1600" dirty="0" smtClean="0"/>
-              <a:t>（環境構築・保守を行うエンジニア、システムを</a:t>
-            </a:r>
-            <a:r>
-              <a:rPr kumimoji="1" lang="ja-JP" altLang="en-US" sz="1600" dirty="0" smtClean="0"/>
-              <a:t>運用するシステム管理者が該当する）</a:t>
+              <a:t>（環境構築・保守を行うエンジニア、システムを運用するシステム管理者が該当する）</a:t>
             </a:r>
             <a:endParaRPr kumimoji="1" lang="en-US" altLang="ja-JP" sz="1600" dirty="0" smtClean="0"/>
           </a:p>
@@ -43419,7 +44648,7 @@
   <a:extraClrSchemeLst/>
   <a:extLst>
     <a:ext uri="{05A4C25C-085E-4340-85A3-A5531E510DB2}">
-      <thm15:themeFamily xmlns="" xmlns:thm15="http://schemas.microsoft.com/office/thememl/2012/main" name="プレゼンテーション1" id="{E6564793-4896-4E0C-8801-A9230543B816}" vid="{FD5737D2-78B0-4D47-8894-10CDEF9A2F60}"/>
+      <thm15:themeFamily xmlns:thm15="http://schemas.microsoft.com/office/thememl/2012/main" xmlns="" name="プレゼンテーション1" id="{E6564793-4896-4E0C-8801-A9230543B816}" vid="{FD5737D2-78B0-4D47-8894-10CDEF9A2F60}"/>
     </a:ext>
   </a:extLst>
 </a:theme>
@@ -43714,7 +44943,7 @@
   <a:extraClrSchemeLst/>
   <a:extLst>
     <a:ext uri="{05A4C25C-085E-4340-85A3-A5531E510DB2}">
-      <thm15:themeFamily xmlns="" xmlns:thm15="http://schemas.microsoft.com/office/thememl/2012/main" name="Office Theme" id="{62F939B6-93AF-4DB8-9C6B-D6C7DFDC589F}" vid="{4A3C46E8-61CC-4603-A589-7422A47A8E4A}"/>
+      <thm15:themeFamily xmlns:thm15="http://schemas.microsoft.com/office/thememl/2012/main" xmlns="" name="Office Theme" id="{62F939B6-93AF-4DB8-9C6B-D6C7DFDC589F}" vid="{4A3C46E8-61CC-4603-A589-7422A47A8E4A}"/>
     </a:ext>
   </a:extLst>
 </a:theme>

--- a/04.環境構築/インフラ/msar_環境構築手順書.pptx
+++ b/04.環境構築/インフラ/msar_環境構築手順書.pptx
@@ -5,7 +5,7 @@
     <p:sldMasterId id="2147483660" r:id="rId1"/>
   </p:sldMasterIdLst>
   <p:notesMasterIdLst>
-    <p:notesMasterId r:id="rId44"/>
+    <p:notesMasterId r:id="rId46"/>
   </p:notesMasterIdLst>
   <p:sldIdLst>
     <p:sldId id="293" r:id="rId2"/>
@@ -35,21 +35,23 @@
     <p:sldId id="316" r:id="rId26"/>
     <p:sldId id="333" r:id="rId27"/>
     <p:sldId id="338" r:id="rId28"/>
-    <p:sldId id="301" r:id="rId29"/>
-    <p:sldId id="302" r:id="rId30"/>
-    <p:sldId id="336" r:id="rId31"/>
-    <p:sldId id="303" r:id="rId32"/>
-    <p:sldId id="304" r:id="rId33"/>
-    <p:sldId id="322" r:id="rId34"/>
-    <p:sldId id="317" r:id="rId35"/>
-    <p:sldId id="318" r:id="rId36"/>
-    <p:sldId id="319" r:id="rId37"/>
-    <p:sldId id="320" r:id="rId38"/>
-    <p:sldId id="305" r:id="rId39"/>
-    <p:sldId id="309" r:id="rId40"/>
-    <p:sldId id="310" r:id="rId41"/>
-    <p:sldId id="311" r:id="rId42"/>
-    <p:sldId id="321" r:id="rId43"/>
+    <p:sldId id="339" r:id="rId29"/>
+    <p:sldId id="340" r:id="rId30"/>
+    <p:sldId id="301" r:id="rId31"/>
+    <p:sldId id="302" r:id="rId32"/>
+    <p:sldId id="336" r:id="rId33"/>
+    <p:sldId id="303" r:id="rId34"/>
+    <p:sldId id="304" r:id="rId35"/>
+    <p:sldId id="322" r:id="rId36"/>
+    <p:sldId id="317" r:id="rId37"/>
+    <p:sldId id="318" r:id="rId38"/>
+    <p:sldId id="319" r:id="rId39"/>
+    <p:sldId id="320" r:id="rId40"/>
+    <p:sldId id="305" r:id="rId41"/>
+    <p:sldId id="309" r:id="rId42"/>
+    <p:sldId id="310" r:id="rId43"/>
+    <p:sldId id="311" r:id="rId44"/>
+    <p:sldId id="321" r:id="rId45"/>
   </p:sldIdLst>
   <p:sldSz cx="12192000" cy="6858000"/>
   <p:notesSz cx="6858000" cy="9144000"/>
@@ -192,6 +194,8 @@
             <p14:sldId id="316"/>
             <p14:sldId id="333"/>
             <p14:sldId id="338"/>
+            <p14:sldId id="339"/>
+            <p14:sldId id="340"/>
             <p14:sldId id="301"/>
             <p14:sldId id="302"/>
             <p14:sldId id="336"/>
@@ -216,7 +220,7 @@
       </p14:sectionLst>
     </p:ext>
     <p:ext uri="{EFAFB233-063F-42B5-8137-9DF3F51BA10A}">
-      <p15:sldGuideLst xmlns:p15="http://schemas.microsoft.com/office/powerpoint/2012/main" xmlns="">
+      <p15:sldGuideLst xmlns="" xmlns:p15="http://schemas.microsoft.com/office/powerpoint/2012/main">
         <p15:guide id="1" orient="horz" pos="618" userDrawn="1">
           <p15:clr>
             <a:srgbClr val="A4A3A4"/>
@@ -315,7 +319,7 @@
           <a:p>
             <a:fld id="{48202444-3DC1-4369-B2A8-A46D63EF03AF}" type="datetimeFigureOut">
               <a:rPr kumimoji="1" lang="ja-JP" altLang="en-US" smtClean="0"/>
-              <a:t>20/07/17</a:t>
+              <a:t>20/07/23</a:t>
             </a:fld>
             <a:endParaRPr kumimoji="1" lang="ja-JP" altLang="en-US" dirty="0"/>
           </a:p>
@@ -1377,7 +1381,7 @@
           <p:cNvPr id="4" name="テキスト ボックス 3">
             <a:extLst>
               <a:ext uri="{FF2B5EF4-FFF2-40B4-BE49-F238E27FC236}">
-                <a16:creationId xmlns:a16="http://schemas.microsoft.com/office/drawing/2014/main" xmlns="" id="{67580315-9F96-42B0-ABA0-F43C4B2090BD}"/>
+                <a16:creationId xmlns="" xmlns:a16="http://schemas.microsoft.com/office/drawing/2014/main" id="{67580315-9F96-42B0-ABA0-F43C4B2090BD}"/>
               </a:ext>
             </a:extLst>
           </p:cNvPr>
@@ -1872,7 +1876,7 @@
           <p:cNvPr id="4" name="スライド番号プレースホルダー 3">
             <a:extLst>
               <a:ext uri="{FF2B5EF4-FFF2-40B4-BE49-F238E27FC236}">
-                <a16:creationId xmlns:a16="http://schemas.microsoft.com/office/drawing/2014/main" xmlns="" id="{A5CC420E-D7F4-4D68-B2C4-D24762D228BA}"/>
+                <a16:creationId xmlns="" xmlns:a16="http://schemas.microsoft.com/office/drawing/2014/main" id="{A5CC420E-D7F4-4D68-B2C4-D24762D228BA}"/>
               </a:ext>
             </a:extLst>
           </p:cNvPr>
@@ -1910,7 +1914,7 @@
           <p:cNvPr id="11" name="タイトル 1">
             <a:extLst>
               <a:ext uri="{FF2B5EF4-FFF2-40B4-BE49-F238E27FC236}">
-                <a16:creationId xmlns:a16="http://schemas.microsoft.com/office/drawing/2014/main" xmlns="" id="{E4AF4681-D5FB-4218-8582-63DB061BE28D}"/>
+                <a16:creationId xmlns="" xmlns:a16="http://schemas.microsoft.com/office/drawing/2014/main" id="{E4AF4681-D5FB-4218-8582-63DB061BE28D}"/>
               </a:ext>
             </a:extLst>
           </p:cNvPr>
@@ -2032,7 +2036,7 @@
           <p:cNvPr id="12" name="字幕 2">
             <a:extLst>
               <a:ext uri="{FF2B5EF4-FFF2-40B4-BE49-F238E27FC236}">
-                <a16:creationId xmlns:a16="http://schemas.microsoft.com/office/drawing/2014/main" xmlns="" id="{BAF3AF88-ED06-420F-8797-BE945A07A602}"/>
+                <a16:creationId xmlns="" xmlns:a16="http://schemas.microsoft.com/office/drawing/2014/main" id="{BAF3AF88-ED06-420F-8797-BE945A07A602}"/>
               </a:ext>
             </a:extLst>
           </p:cNvPr>
@@ -2284,7 +2288,7 @@
           <p:cNvPr id="13" name="テキスト ボックス 12">
             <a:extLst>
               <a:ext uri="{FF2B5EF4-FFF2-40B4-BE49-F238E27FC236}">
-                <a16:creationId xmlns:a16="http://schemas.microsoft.com/office/drawing/2014/main" xmlns="" id="{D39BF917-30E9-4717-8D36-97A5579E8E62}"/>
+                <a16:creationId xmlns="" xmlns:a16="http://schemas.microsoft.com/office/drawing/2014/main" id="{D39BF917-30E9-4717-8D36-97A5579E8E62}"/>
               </a:ext>
             </a:extLst>
           </p:cNvPr>
@@ -2437,7 +2441,7 @@
           <p:cNvPr id="2" name="タイトル 1">
             <a:extLst>
               <a:ext uri="{FF2B5EF4-FFF2-40B4-BE49-F238E27FC236}">
-                <a16:creationId xmlns:a16="http://schemas.microsoft.com/office/drawing/2014/main" xmlns="" id="{41FAA20E-7C33-4452-B000-1315C6D7BF74}"/>
+                <a16:creationId xmlns="" xmlns:a16="http://schemas.microsoft.com/office/drawing/2014/main" id="{41FAA20E-7C33-4452-B000-1315C6D7BF74}"/>
               </a:ext>
             </a:extLst>
           </p:cNvPr>
@@ -2470,7 +2474,7 @@
           <p:cNvPr id="3" name="コンテンツ プレースホルダー 2">
             <a:extLst>
               <a:ext uri="{FF2B5EF4-FFF2-40B4-BE49-F238E27FC236}">
-                <a16:creationId xmlns:a16="http://schemas.microsoft.com/office/drawing/2014/main" xmlns="" id="{24173F00-B91E-440E-BAD4-BB493A21AC4B}"/>
+                <a16:creationId xmlns="" xmlns:a16="http://schemas.microsoft.com/office/drawing/2014/main" id="{24173F00-B91E-440E-BAD4-BB493A21AC4B}"/>
               </a:ext>
             </a:extLst>
           </p:cNvPr>
@@ -2571,7 +2575,7 @@
           <p:cNvPr id="4" name="スライド番号プレースホルダー 3">
             <a:extLst>
               <a:ext uri="{FF2B5EF4-FFF2-40B4-BE49-F238E27FC236}">
-                <a16:creationId xmlns:a16="http://schemas.microsoft.com/office/drawing/2014/main" xmlns="" id="{3A64CE71-C252-41E0-98BA-363CD7954AFC}"/>
+                <a16:creationId xmlns="" xmlns:a16="http://schemas.microsoft.com/office/drawing/2014/main" id="{3A64CE71-C252-41E0-98BA-363CD7954AFC}"/>
               </a:ext>
             </a:extLst>
           </p:cNvPr>
@@ -3023,59 +3027,6 @@
               </a:rPr>
               <a:t>EC2</a:t>
             </a:r>
-          </a:p>
-          <a:p>
-            <a:pPr>
-              <a:buFont typeface="+mj-lt"/>
-              <a:buAutoNum type="arabicPeriod"/>
-            </a:pPr>
-            <a:r>
-              <a:rPr lang="en-US" altLang="ja-JP" dirty="0" smtClean="0">
-                <a:solidFill>
-                  <a:srgbClr val="BFBFBF"/>
-                </a:solidFill>
-              </a:rPr>
-              <a:t>API </a:t>
-            </a:r>
-            <a:r>
-              <a:rPr lang="ja-JP" altLang="en-US" dirty="0" smtClean="0">
-                <a:solidFill>
-                  <a:srgbClr val="BFBFBF"/>
-                </a:solidFill>
-              </a:rPr>
-              <a:t>デプロイ</a:t>
-            </a:r>
-            <a:endParaRPr lang="en-US" altLang="ja-JP" dirty="0">
-              <a:solidFill>
-                <a:srgbClr val="BFBFBF"/>
-              </a:solidFill>
-            </a:endParaRPr>
-          </a:p>
-          <a:p>
-            <a:pPr>
-              <a:buFont typeface="+mj-lt"/>
-              <a:buAutoNum type="arabicPeriod"/>
-            </a:pPr>
-            <a:r>
-              <a:rPr lang="en-US" altLang="ja-JP" dirty="0">
-                <a:solidFill>
-                  <a:schemeClr val="bg1">
-                    <a:lumMod val="75000"/>
-                  </a:schemeClr>
-                </a:solidFill>
-              </a:rPr>
-              <a:t>CMS </a:t>
-            </a:r>
-            <a:r>
-              <a:rPr lang="ja-JP" altLang="en-US" dirty="0">
-                <a:solidFill>
-                  <a:schemeClr val="bg1">
-                    <a:lumMod val="75000"/>
-                  </a:schemeClr>
-                </a:solidFill>
-              </a:rPr>
-              <a:t>デプロイ</a:t>
-            </a:r>
             <a:endParaRPr lang="en-US" altLang="ja-JP" dirty="0">
               <a:solidFill>
                 <a:schemeClr val="bg1">
@@ -3085,25 +3036,134 @@
             </a:endParaRPr>
           </a:p>
           <a:p>
+            <a:pPr lvl="1">
+              <a:buFont typeface="+mj-lt"/>
+              <a:buAutoNum type="arabicPeriod"/>
+            </a:pPr>
+            <a:r>
+              <a:rPr lang="ja-JP" altLang="ja-JP" dirty="0">
+                <a:solidFill>
+                  <a:schemeClr val="bg1">
+                    <a:lumMod val="75000"/>
+                  </a:schemeClr>
+                </a:solidFill>
+              </a:rPr>
+              <a:t>C</a:t>
+            </a:r>
+            <a:r>
+              <a:rPr lang="en-US" altLang="ja-JP" dirty="0">
+                <a:solidFill>
+                  <a:schemeClr val="bg1">
+                    <a:lumMod val="75000"/>
+                  </a:schemeClr>
+                </a:solidFill>
+              </a:rPr>
+              <a:t>ognite</a:t>
+            </a:r>
+          </a:p>
+          <a:p>
+            <a:pPr lvl="1">
+              <a:buFont typeface="+mj-lt"/>
+              <a:buAutoNum type="arabicPeriod"/>
+            </a:pPr>
+            <a:r>
+              <a:rPr lang="ja-JP" altLang="ja-JP" dirty="0">
+                <a:solidFill>
+                  <a:schemeClr val="bg1">
+                    <a:lumMod val="75000"/>
+                  </a:schemeClr>
+                </a:solidFill>
+              </a:rPr>
+              <a:t>R</a:t>
+            </a:r>
+            <a:r>
+              <a:rPr lang="en-US" altLang="ja-JP" dirty="0">
+                <a:solidFill>
+                  <a:schemeClr val="bg1">
+                    <a:lumMod val="75000"/>
+                  </a:schemeClr>
+                </a:solidFill>
+              </a:rPr>
+              <a:t>oute53</a:t>
+            </a:r>
+            <a:endParaRPr lang="en-US" altLang="ja-JP" dirty="0" smtClean="0">
+              <a:solidFill>
+                <a:srgbClr val="BFBFBF"/>
+              </a:solidFill>
+            </a:endParaRPr>
+          </a:p>
+          <a:p>
             <a:pPr>
               <a:buFont typeface="+mj-lt"/>
               <a:buAutoNum type="arabicPeriod"/>
             </a:pPr>
             <a:r>
+              <a:rPr lang="en-US" altLang="ja-JP" dirty="0" smtClean="0">
+                <a:solidFill>
+                  <a:srgbClr val="BFBFBF"/>
+                </a:solidFill>
+              </a:rPr>
+              <a:t>API </a:t>
+            </a:r>
+            <a:r>
               <a:rPr lang="ja-JP" altLang="en-US" dirty="0" smtClean="0">
                 <a:solidFill>
                   <a:srgbClr val="BFBFBF"/>
                 </a:solidFill>
               </a:rPr>
-              <a:t>コンテンツ</a:t>
-            </a:r>
+              <a:t>デプロイ</a:t>
+            </a:r>
+            <a:endParaRPr lang="en-US" altLang="ja-JP" dirty="0">
+              <a:solidFill>
+                <a:srgbClr val="BFBFBF"/>
+              </a:solidFill>
+            </a:endParaRPr>
+          </a:p>
+          <a:p>
+            <a:pPr>
+              <a:buFont typeface="+mj-lt"/>
+              <a:buAutoNum type="arabicPeriod"/>
+            </a:pPr>
+            <a:r>
+              <a:rPr lang="en-US" altLang="ja-JP" dirty="0">
+                <a:solidFill>
+                  <a:schemeClr val="bg1">
+                    <a:lumMod val="75000"/>
+                  </a:schemeClr>
+                </a:solidFill>
+              </a:rPr>
+              <a:t>CMS </a:t>
+            </a:r>
+            <a:r>
+              <a:rPr lang="ja-JP" altLang="en-US" dirty="0">
+                <a:solidFill>
+                  <a:schemeClr val="bg1">
+                    <a:lumMod val="75000"/>
+                  </a:schemeClr>
+                </a:solidFill>
+              </a:rPr>
+              <a:t>デプロイ</a:t>
+            </a:r>
+            <a:endParaRPr lang="en-US" altLang="ja-JP" dirty="0">
+              <a:solidFill>
+                <a:schemeClr val="bg1">
+                  <a:lumMod val="75000"/>
+                </a:schemeClr>
+              </a:solidFill>
+            </a:endParaRPr>
+          </a:p>
+          <a:p>
+            <a:pPr>
+              <a:buFont typeface="+mj-lt"/>
+              <a:buAutoNum type="arabicPeriod"/>
+            </a:pPr>
             <a:r>
               <a:rPr lang="ja-JP" altLang="en-US" dirty="0" smtClean="0">
                 <a:solidFill>
                   <a:srgbClr val="BFBFBF"/>
                 </a:solidFill>
               </a:rPr>
-              <a:t>登録</a:t>
+              <a:t>コンテンツ登録</a:t>
             </a:r>
             <a:endParaRPr lang="en-US" altLang="ja-JP" dirty="0" smtClean="0">
               <a:solidFill>
@@ -3441,7 +3501,7 @@
           <p:cNvPr id="2" name="タイトル 1">
             <a:extLst>
               <a:ext uri="{FF2B5EF4-FFF2-40B4-BE49-F238E27FC236}">
-                <a16:creationId xmlns:a16="http://schemas.microsoft.com/office/drawing/2014/main" xmlns="" id="{42238E76-FCE3-4A31-BD81-2D6CADD01B29}"/>
+                <a16:creationId xmlns="" xmlns:a16="http://schemas.microsoft.com/office/drawing/2014/main" id="{42238E76-FCE3-4A31-BD81-2D6CADD01B29}"/>
               </a:ext>
             </a:extLst>
           </p:cNvPr>
@@ -3474,7 +3534,7 @@
           <p:cNvPr id="3" name="コンテンツ プレースホルダー 2">
             <a:extLst>
               <a:ext uri="{FF2B5EF4-FFF2-40B4-BE49-F238E27FC236}">
-                <a16:creationId xmlns:a16="http://schemas.microsoft.com/office/drawing/2014/main" xmlns="" id="{8942456B-0BBA-47AC-A7AE-AC486DDE0560}"/>
+                <a16:creationId xmlns="" xmlns:a16="http://schemas.microsoft.com/office/drawing/2014/main" id="{8942456B-0BBA-47AC-A7AE-AC486DDE0560}"/>
               </a:ext>
             </a:extLst>
           </p:cNvPr>
@@ -3613,7 +3673,7 @@
           <p:cNvPr id="4" name="スライド番号プレースホルダー 3">
             <a:extLst>
               <a:ext uri="{FF2B5EF4-FFF2-40B4-BE49-F238E27FC236}">
-                <a16:creationId xmlns:a16="http://schemas.microsoft.com/office/drawing/2014/main" xmlns="" id="{9BFAADB9-E460-4E56-A164-AAFA9F53D091}"/>
+                <a16:creationId xmlns="" xmlns:a16="http://schemas.microsoft.com/office/drawing/2014/main" id="{9BFAADB9-E460-4E56-A164-AAFA9F53D091}"/>
               </a:ext>
             </a:extLst>
           </p:cNvPr>
@@ -4067,59 +4127,6 @@
               </a:rPr>
               <a:t>EC2</a:t>
             </a:r>
-          </a:p>
-          <a:p>
-            <a:pPr>
-              <a:buFont typeface="+mj-lt"/>
-              <a:buAutoNum type="arabicPeriod"/>
-            </a:pPr>
-            <a:r>
-              <a:rPr lang="en-US" altLang="ja-JP" dirty="0" smtClean="0">
-                <a:solidFill>
-                  <a:srgbClr val="BFBFBF"/>
-                </a:solidFill>
-              </a:rPr>
-              <a:t>API </a:t>
-            </a:r>
-            <a:r>
-              <a:rPr lang="ja-JP" altLang="en-US" dirty="0" smtClean="0">
-                <a:solidFill>
-                  <a:srgbClr val="BFBFBF"/>
-                </a:solidFill>
-              </a:rPr>
-              <a:t>デプロイ</a:t>
-            </a:r>
-            <a:endParaRPr lang="en-US" altLang="ja-JP" dirty="0">
-              <a:solidFill>
-                <a:srgbClr val="BFBFBF"/>
-              </a:solidFill>
-            </a:endParaRPr>
-          </a:p>
-          <a:p>
-            <a:pPr>
-              <a:buFont typeface="+mj-lt"/>
-              <a:buAutoNum type="arabicPeriod"/>
-            </a:pPr>
-            <a:r>
-              <a:rPr lang="en-US" altLang="ja-JP" dirty="0">
-                <a:solidFill>
-                  <a:schemeClr val="bg1">
-                    <a:lumMod val="75000"/>
-                  </a:schemeClr>
-                </a:solidFill>
-              </a:rPr>
-              <a:t>CMS </a:t>
-            </a:r>
-            <a:r>
-              <a:rPr lang="ja-JP" altLang="en-US" dirty="0">
-                <a:solidFill>
-                  <a:schemeClr val="bg1">
-                    <a:lumMod val="75000"/>
-                  </a:schemeClr>
-                </a:solidFill>
-              </a:rPr>
-              <a:t>デプロイ</a:t>
-            </a:r>
             <a:endParaRPr lang="en-US" altLang="ja-JP" dirty="0">
               <a:solidFill>
                 <a:schemeClr val="bg1">
@@ -4129,25 +4136,134 @@
             </a:endParaRPr>
           </a:p>
           <a:p>
+            <a:pPr lvl="1">
+              <a:buFont typeface="+mj-lt"/>
+              <a:buAutoNum type="arabicPeriod"/>
+            </a:pPr>
+            <a:r>
+              <a:rPr lang="ja-JP" altLang="ja-JP" dirty="0">
+                <a:solidFill>
+                  <a:schemeClr val="bg1">
+                    <a:lumMod val="75000"/>
+                  </a:schemeClr>
+                </a:solidFill>
+              </a:rPr>
+              <a:t>C</a:t>
+            </a:r>
+            <a:r>
+              <a:rPr lang="en-US" altLang="ja-JP" dirty="0">
+                <a:solidFill>
+                  <a:schemeClr val="bg1">
+                    <a:lumMod val="75000"/>
+                  </a:schemeClr>
+                </a:solidFill>
+              </a:rPr>
+              <a:t>ognite</a:t>
+            </a:r>
+          </a:p>
+          <a:p>
+            <a:pPr lvl="1">
+              <a:buFont typeface="+mj-lt"/>
+              <a:buAutoNum type="arabicPeriod"/>
+            </a:pPr>
+            <a:r>
+              <a:rPr lang="ja-JP" altLang="ja-JP" dirty="0">
+                <a:solidFill>
+                  <a:schemeClr val="bg1">
+                    <a:lumMod val="75000"/>
+                  </a:schemeClr>
+                </a:solidFill>
+              </a:rPr>
+              <a:t>R</a:t>
+            </a:r>
+            <a:r>
+              <a:rPr lang="en-US" altLang="ja-JP" dirty="0">
+                <a:solidFill>
+                  <a:schemeClr val="bg1">
+                    <a:lumMod val="75000"/>
+                  </a:schemeClr>
+                </a:solidFill>
+              </a:rPr>
+              <a:t>oute53</a:t>
+            </a:r>
+            <a:endParaRPr lang="en-US" altLang="ja-JP" dirty="0" smtClean="0">
+              <a:solidFill>
+                <a:srgbClr val="BFBFBF"/>
+              </a:solidFill>
+            </a:endParaRPr>
+          </a:p>
+          <a:p>
             <a:pPr>
               <a:buFont typeface="+mj-lt"/>
               <a:buAutoNum type="arabicPeriod"/>
             </a:pPr>
             <a:r>
+              <a:rPr lang="en-US" altLang="ja-JP" dirty="0" smtClean="0">
+                <a:solidFill>
+                  <a:srgbClr val="BFBFBF"/>
+                </a:solidFill>
+              </a:rPr>
+              <a:t>API </a:t>
+            </a:r>
+            <a:r>
               <a:rPr lang="ja-JP" altLang="en-US" dirty="0" smtClean="0">
                 <a:solidFill>
                   <a:srgbClr val="BFBFBF"/>
                 </a:solidFill>
               </a:rPr>
-              <a:t>コンテンツ</a:t>
-            </a:r>
+              <a:t>デプロイ</a:t>
+            </a:r>
+            <a:endParaRPr lang="en-US" altLang="ja-JP" dirty="0">
+              <a:solidFill>
+                <a:srgbClr val="BFBFBF"/>
+              </a:solidFill>
+            </a:endParaRPr>
+          </a:p>
+          <a:p>
+            <a:pPr>
+              <a:buFont typeface="+mj-lt"/>
+              <a:buAutoNum type="arabicPeriod"/>
+            </a:pPr>
+            <a:r>
+              <a:rPr lang="en-US" altLang="ja-JP" dirty="0">
+                <a:solidFill>
+                  <a:schemeClr val="bg1">
+                    <a:lumMod val="75000"/>
+                  </a:schemeClr>
+                </a:solidFill>
+              </a:rPr>
+              <a:t>CMS </a:t>
+            </a:r>
+            <a:r>
+              <a:rPr lang="ja-JP" altLang="en-US" dirty="0">
+                <a:solidFill>
+                  <a:schemeClr val="bg1">
+                    <a:lumMod val="75000"/>
+                  </a:schemeClr>
+                </a:solidFill>
+              </a:rPr>
+              <a:t>デプロイ</a:t>
+            </a:r>
+            <a:endParaRPr lang="en-US" altLang="ja-JP" dirty="0">
+              <a:solidFill>
+                <a:schemeClr val="bg1">
+                  <a:lumMod val="75000"/>
+                </a:schemeClr>
+              </a:solidFill>
+            </a:endParaRPr>
+          </a:p>
+          <a:p>
+            <a:pPr>
+              <a:buFont typeface="+mj-lt"/>
+              <a:buAutoNum type="arabicPeriod"/>
+            </a:pPr>
             <a:r>
               <a:rPr lang="ja-JP" altLang="en-US" dirty="0" smtClean="0">
                 <a:solidFill>
                   <a:srgbClr val="BFBFBF"/>
                 </a:solidFill>
               </a:rPr>
-              <a:t>登録</a:t>
+              <a:t>コンテンツ登録</a:t>
             </a:r>
             <a:endParaRPr lang="en-US" altLang="ja-JP" dirty="0" smtClean="0">
               <a:solidFill>
@@ -4493,7 +4609,7 @@
           <p:cNvPr id="2" name="タイトル 1">
             <a:extLst>
               <a:ext uri="{FF2B5EF4-FFF2-40B4-BE49-F238E27FC236}">
-                <a16:creationId xmlns:a16="http://schemas.microsoft.com/office/drawing/2014/main" xmlns="" id="{24DED198-35D0-47A6-8EDD-6268D6BF7143}"/>
+                <a16:creationId xmlns="" xmlns:a16="http://schemas.microsoft.com/office/drawing/2014/main" id="{24DED198-35D0-47A6-8EDD-6268D6BF7143}"/>
               </a:ext>
             </a:extLst>
           </p:cNvPr>
@@ -4526,7 +4642,7 @@
           <p:cNvPr id="3" name="コンテンツ プレースホルダー 2">
             <a:extLst>
               <a:ext uri="{FF2B5EF4-FFF2-40B4-BE49-F238E27FC236}">
-                <a16:creationId xmlns:a16="http://schemas.microsoft.com/office/drawing/2014/main" xmlns="" id="{85BE401E-4028-43CC-A122-A5BDF709B195}"/>
+                <a16:creationId xmlns="" xmlns:a16="http://schemas.microsoft.com/office/drawing/2014/main" id="{85BE401E-4028-43CC-A122-A5BDF709B195}"/>
               </a:ext>
             </a:extLst>
           </p:cNvPr>
@@ -4708,7 +4824,7 @@
           <p:cNvPr id="4" name="スライド番号プレースホルダー 3">
             <a:extLst>
               <a:ext uri="{FF2B5EF4-FFF2-40B4-BE49-F238E27FC236}">
-                <a16:creationId xmlns:a16="http://schemas.microsoft.com/office/drawing/2014/main" xmlns="" id="{22D01535-B1F2-4F78-9A7C-D39657259FB8}"/>
+                <a16:creationId xmlns="" xmlns:a16="http://schemas.microsoft.com/office/drawing/2014/main" id="{22D01535-B1F2-4F78-9A7C-D39657259FB8}"/>
               </a:ext>
             </a:extLst>
           </p:cNvPr>
@@ -5147,59 +5263,6 @@
               </a:rPr>
               <a:t>EC2</a:t>
             </a:r>
-          </a:p>
-          <a:p>
-            <a:pPr>
-              <a:buFont typeface="+mj-lt"/>
-              <a:buAutoNum type="arabicPeriod"/>
-            </a:pPr>
-            <a:r>
-              <a:rPr lang="en-US" altLang="ja-JP" dirty="0" smtClean="0">
-                <a:solidFill>
-                  <a:srgbClr val="BFBFBF"/>
-                </a:solidFill>
-              </a:rPr>
-              <a:t>API </a:t>
-            </a:r>
-            <a:r>
-              <a:rPr lang="ja-JP" altLang="en-US" dirty="0" smtClean="0">
-                <a:solidFill>
-                  <a:srgbClr val="BFBFBF"/>
-                </a:solidFill>
-              </a:rPr>
-              <a:t>デプロイ</a:t>
-            </a:r>
-            <a:endParaRPr lang="en-US" altLang="ja-JP" dirty="0">
-              <a:solidFill>
-                <a:srgbClr val="BFBFBF"/>
-              </a:solidFill>
-            </a:endParaRPr>
-          </a:p>
-          <a:p>
-            <a:pPr>
-              <a:buFont typeface="+mj-lt"/>
-              <a:buAutoNum type="arabicPeriod"/>
-            </a:pPr>
-            <a:r>
-              <a:rPr lang="en-US" altLang="ja-JP" dirty="0">
-                <a:solidFill>
-                  <a:schemeClr val="bg1">
-                    <a:lumMod val="75000"/>
-                  </a:schemeClr>
-                </a:solidFill>
-              </a:rPr>
-              <a:t>CMS </a:t>
-            </a:r>
-            <a:r>
-              <a:rPr lang="ja-JP" altLang="en-US" dirty="0">
-                <a:solidFill>
-                  <a:schemeClr val="bg1">
-                    <a:lumMod val="75000"/>
-                  </a:schemeClr>
-                </a:solidFill>
-              </a:rPr>
-              <a:t>デプロイ</a:t>
-            </a:r>
             <a:endParaRPr lang="en-US" altLang="ja-JP" dirty="0">
               <a:solidFill>
                 <a:schemeClr val="bg1">
@@ -5209,25 +5272,134 @@
             </a:endParaRPr>
           </a:p>
           <a:p>
+            <a:pPr lvl="1">
+              <a:buFont typeface="+mj-lt"/>
+              <a:buAutoNum type="arabicPeriod"/>
+            </a:pPr>
+            <a:r>
+              <a:rPr lang="ja-JP" altLang="ja-JP" dirty="0">
+                <a:solidFill>
+                  <a:schemeClr val="bg1">
+                    <a:lumMod val="75000"/>
+                  </a:schemeClr>
+                </a:solidFill>
+              </a:rPr>
+              <a:t>C</a:t>
+            </a:r>
+            <a:r>
+              <a:rPr lang="en-US" altLang="ja-JP" dirty="0">
+                <a:solidFill>
+                  <a:schemeClr val="bg1">
+                    <a:lumMod val="75000"/>
+                  </a:schemeClr>
+                </a:solidFill>
+              </a:rPr>
+              <a:t>ognite</a:t>
+            </a:r>
+          </a:p>
+          <a:p>
+            <a:pPr lvl="1">
+              <a:buFont typeface="+mj-lt"/>
+              <a:buAutoNum type="arabicPeriod"/>
+            </a:pPr>
+            <a:r>
+              <a:rPr lang="ja-JP" altLang="ja-JP" dirty="0">
+                <a:solidFill>
+                  <a:schemeClr val="bg1">
+                    <a:lumMod val="75000"/>
+                  </a:schemeClr>
+                </a:solidFill>
+              </a:rPr>
+              <a:t>R</a:t>
+            </a:r>
+            <a:r>
+              <a:rPr lang="en-US" altLang="ja-JP" dirty="0">
+                <a:solidFill>
+                  <a:schemeClr val="bg1">
+                    <a:lumMod val="75000"/>
+                  </a:schemeClr>
+                </a:solidFill>
+              </a:rPr>
+              <a:t>oute53</a:t>
+            </a:r>
+            <a:endParaRPr lang="en-US" altLang="ja-JP" dirty="0" smtClean="0">
+              <a:solidFill>
+                <a:srgbClr val="BFBFBF"/>
+              </a:solidFill>
+            </a:endParaRPr>
+          </a:p>
+          <a:p>
             <a:pPr>
               <a:buFont typeface="+mj-lt"/>
               <a:buAutoNum type="arabicPeriod"/>
             </a:pPr>
             <a:r>
+              <a:rPr lang="en-US" altLang="ja-JP" dirty="0" smtClean="0">
+                <a:solidFill>
+                  <a:srgbClr val="BFBFBF"/>
+                </a:solidFill>
+              </a:rPr>
+              <a:t>API </a:t>
+            </a:r>
+            <a:r>
               <a:rPr lang="ja-JP" altLang="en-US" dirty="0" smtClean="0">
                 <a:solidFill>
                   <a:srgbClr val="BFBFBF"/>
                 </a:solidFill>
               </a:rPr>
-              <a:t>コンテンツ</a:t>
-            </a:r>
+              <a:t>デプロイ</a:t>
+            </a:r>
+            <a:endParaRPr lang="en-US" altLang="ja-JP" dirty="0">
+              <a:solidFill>
+                <a:srgbClr val="BFBFBF"/>
+              </a:solidFill>
+            </a:endParaRPr>
+          </a:p>
+          <a:p>
+            <a:pPr>
+              <a:buFont typeface="+mj-lt"/>
+              <a:buAutoNum type="arabicPeriod"/>
+            </a:pPr>
+            <a:r>
+              <a:rPr lang="en-US" altLang="ja-JP" dirty="0">
+                <a:solidFill>
+                  <a:schemeClr val="bg1">
+                    <a:lumMod val="75000"/>
+                  </a:schemeClr>
+                </a:solidFill>
+              </a:rPr>
+              <a:t>CMS </a:t>
+            </a:r>
+            <a:r>
+              <a:rPr lang="ja-JP" altLang="en-US" dirty="0">
+                <a:solidFill>
+                  <a:schemeClr val="bg1">
+                    <a:lumMod val="75000"/>
+                  </a:schemeClr>
+                </a:solidFill>
+              </a:rPr>
+              <a:t>デプロイ</a:t>
+            </a:r>
+            <a:endParaRPr lang="en-US" altLang="ja-JP" dirty="0">
+              <a:solidFill>
+                <a:schemeClr val="bg1">
+                  <a:lumMod val="75000"/>
+                </a:schemeClr>
+              </a:solidFill>
+            </a:endParaRPr>
+          </a:p>
+          <a:p>
+            <a:pPr>
+              <a:buFont typeface="+mj-lt"/>
+              <a:buAutoNum type="arabicPeriod"/>
+            </a:pPr>
             <a:r>
               <a:rPr lang="ja-JP" altLang="en-US" dirty="0" smtClean="0">
                 <a:solidFill>
                   <a:srgbClr val="BFBFBF"/>
                 </a:solidFill>
               </a:rPr>
-              <a:t>登録</a:t>
+              <a:t>コンテンツ登録</a:t>
             </a:r>
             <a:endParaRPr lang="en-US" altLang="ja-JP" dirty="0" smtClean="0">
               <a:solidFill>
@@ -5377,7 +5549,7 @@
           <p:cNvPr id="2" name="タイトル 1">
             <a:extLst>
               <a:ext uri="{FF2B5EF4-FFF2-40B4-BE49-F238E27FC236}">
-                <a16:creationId xmlns:a16="http://schemas.microsoft.com/office/drawing/2014/main" xmlns="" id="{42238E76-FCE3-4A31-BD81-2D6CADD01B29}"/>
+                <a16:creationId xmlns="" xmlns:a16="http://schemas.microsoft.com/office/drawing/2014/main" id="{42238E76-FCE3-4A31-BD81-2D6CADD01B29}"/>
               </a:ext>
             </a:extLst>
           </p:cNvPr>
@@ -5410,7 +5582,7 @@
           <p:cNvPr id="3" name="コンテンツ プレースホルダー 2">
             <a:extLst>
               <a:ext uri="{FF2B5EF4-FFF2-40B4-BE49-F238E27FC236}">
-                <a16:creationId xmlns:a16="http://schemas.microsoft.com/office/drawing/2014/main" xmlns="" id="{8942456B-0BBA-47AC-A7AE-AC486DDE0560}"/>
+                <a16:creationId xmlns="" xmlns:a16="http://schemas.microsoft.com/office/drawing/2014/main" id="{8942456B-0BBA-47AC-A7AE-AC486DDE0560}"/>
               </a:ext>
             </a:extLst>
           </p:cNvPr>
@@ -5544,7 +5716,7 @@
           <p:cNvPr id="4" name="スライド番号プレースホルダー 3">
             <a:extLst>
               <a:ext uri="{FF2B5EF4-FFF2-40B4-BE49-F238E27FC236}">
-                <a16:creationId xmlns:a16="http://schemas.microsoft.com/office/drawing/2014/main" xmlns="" id="{9BFAADB9-E460-4E56-A164-AAFA9F53D091}"/>
+                <a16:creationId xmlns="" xmlns:a16="http://schemas.microsoft.com/office/drawing/2014/main" id="{9BFAADB9-E460-4E56-A164-AAFA9F53D091}"/>
               </a:ext>
             </a:extLst>
           </p:cNvPr>
@@ -5986,59 +6158,6 @@
               </a:rPr>
               <a:t>EC2</a:t>
             </a:r>
-          </a:p>
-          <a:p>
-            <a:pPr>
-              <a:buFont typeface="+mj-lt"/>
-              <a:buAutoNum type="arabicPeriod"/>
-            </a:pPr>
-            <a:r>
-              <a:rPr lang="en-US" altLang="ja-JP" dirty="0" smtClean="0">
-                <a:solidFill>
-                  <a:srgbClr val="BFBFBF"/>
-                </a:solidFill>
-              </a:rPr>
-              <a:t>API </a:t>
-            </a:r>
-            <a:r>
-              <a:rPr lang="ja-JP" altLang="en-US" dirty="0" smtClean="0">
-                <a:solidFill>
-                  <a:srgbClr val="BFBFBF"/>
-                </a:solidFill>
-              </a:rPr>
-              <a:t>デプロイ</a:t>
-            </a:r>
-            <a:endParaRPr lang="en-US" altLang="ja-JP" dirty="0">
-              <a:solidFill>
-                <a:srgbClr val="BFBFBF"/>
-              </a:solidFill>
-            </a:endParaRPr>
-          </a:p>
-          <a:p>
-            <a:pPr>
-              <a:buFont typeface="+mj-lt"/>
-              <a:buAutoNum type="arabicPeriod"/>
-            </a:pPr>
-            <a:r>
-              <a:rPr lang="en-US" altLang="ja-JP" dirty="0">
-                <a:solidFill>
-                  <a:schemeClr val="bg1">
-                    <a:lumMod val="75000"/>
-                  </a:schemeClr>
-                </a:solidFill>
-              </a:rPr>
-              <a:t>CMS </a:t>
-            </a:r>
-            <a:r>
-              <a:rPr lang="ja-JP" altLang="en-US" dirty="0">
-                <a:solidFill>
-                  <a:schemeClr val="bg1">
-                    <a:lumMod val="75000"/>
-                  </a:schemeClr>
-                </a:solidFill>
-              </a:rPr>
-              <a:t>デプロイ</a:t>
-            </a:r>
             <a:endParaRPr lang="en-US" altLang="ja-JP" dirty="0">
               <a:solidFill>
                 <a:schemeClr val="bg1">
@@ -6048,25 +6167,134 @@
             </a:endParaRPr>
           </a:p>
           <a:p>
+            <a:pPr lvl="1">
+              <a:buFont typeface="+mj-lt"/>
+              <a:buAutoNum type="arabicPeriod"/>
+            </a:pPr>
+            <a:r>
+              <a:rPr lang="ja-JP" altLang="ja-JP" dirty="0">
+                <a:solidFill>
+                  <a:schemeClr val="bg1">
+                    <a:lumMod val="75000"/>
+                  </a:schemeClr>
+                </a:solidFill>
+              </a:rPr>
+              <a:t>C</a:t>
+            </a:r>
+            <a:r>
+              <a:rPr lang="en-US" altLang="ja-JP" dirty="0">
+                <a:solidFill>
+                  <a:schemeClr val="bg1">
+                    <a:lumMod val="75000"/>
+                  </a:schemeClr>
+                </a:solidFill>
+              </a:rPr>
+              <a:t>ognite</a:t>
+            </a:r>
+          </a:p>
+          <a:p>
+            <a:pPr lvl="1">
+              <a:buFont typeface="+mj-lt"/>
+              <a:buAutoNum type="arabicPeriod"/>
+            </a:pPr>
+            <a:r>
+              <a:rPr lang="ja-JP" altLang="ja-JP" dirty="0">
+                <a:solidFill>
+                  <a:schemeClr val="bg1">
+                    <a:lumMod val="75000"/>
+                  </a:schemeClr>
+                </a:solidFill>
+              </a:rPr>
+              <a:t>R</a:t>
+            </a:r>
+            <a:r>
+              <a:rPr lang="en-US" altLang="ja-JP" dirty="0">
+                <a:solidFill>
+                  <a:schemeClr val="bg1">
+                    <a:lumMod val="75000"/>
+                  </a:schemeClr>
+                </a:solidFill>
+              </a:rPr>
+              <a:t>oute53</a:t>
+            </a:r>
+            <a:endParaRPr lang="en-US" altLang="ja-JP" dirty="0" smtClean="0">
+              <a:solidFill>
+                <a:srgbClr val="BFBFBF"/>
+              </a:solidFill>
+            </a:endParaRPr>
+          </a:p>
+          <a:p>
             <a:pPr>
               <a:buFont typeface="+mj-lt"/>
               <a:buAutoNum type="arabicPeriod"/>
             </a:pPr>
             <a:r>
+              <a:rPr lang="en-US" altLang="ja-JP" dirty="0" smtClean="0">
+                <a:solidFill>
+                  <a:srgbClr val="BFBFBF"/>
+                </a:solidFill>
+              </a:rPr>
+              <a:t>API </a:t>
+            </a:r>
+            <a:r>
               <a:rPr lang="ja-JP" altLang="en-US" dirty="0" smtClean="0">
                 <a:solidFill>
                   <a:srgbClr val="BFBFBF"/>
                 </a:solidFill>
               </a:rPr>
-              <a:t>コンテンツ</a:t>
-            </a:r>
+              <a:t>デプロイ</a:t>
+            </a:r>
+            <a:endParaRPr lang="en-US" altLang="ja-JP" dirty="0">
+              <a:solidFill>
+                <a:srgbClr val="BFBFBF"/>
+              </a:solidFill>
+            </a:endParaRPr>
+          </a:p>
+          <a:p>
+            <a:pPr>
+              <a:buFont typeface="+mj-lt"/>
+              <a:buAutoNum type="arabicPeriod"/>
+            </a:pPr>
+            <a:r>
+              <a:rPr lang="en-US" altLang="ja-JP" dirty="0">
+                <a:solidFill>
+                  <a:schemeClr val="bg1">
+                    <a:lumMod val="75000"/>
+                  </a:schemeClr>
+                </a:solidFill>
+              </a:rPr>
+              <a:t>CMS </a:t>
+            </a:r>
+            <a:r>
+              <a:rPr lang="ja-JP" altLang="en-US" dirty="0">
+                <a:solidFill>
+                  <a:schemeClr val="bg1">
+                    <a:lumMod val="75000"/>
+                  </a:schemeClr>
+                </a:solidFill>
+              </a:rPr>
+              <a:t>デプロイ</a:t>
+            </a:r>
+            <a:endParaRPr lang="en-US" altLang="ja-JP" dirty="0">
+              <a:solidFill>
+                <a:schemeClr val="bg1">
+                  <a:lumMod val="75000"/>
+                </a:schemeClr>
+              </a:solidFill>
+            </a:endParaRPr>
+          </a:p>
+          <a:p>
+            <a:pPr>
+              <a:buFont typeface="+mj-lt"/>
+              <a:buAutoNum type="arabicPeriod"/>
+            </a:pPr>
             <a:r>
               <a:rPr lang="ja-JP" altLang="en-US" dirty="0" smtClean="0">
                 <a:solidFill>
                   <a:srgbClr val="BFBFBF"/>
                 </a:solidFill>
               </a:rPr>
-              <a:t>登録</a:t>
+              <a:t>コンテンツ登録</a:t>
             </a:r>
             <a:endParaRPr lang="en-US" altLang="ja-JP" dirty="0" smtClean="0">
               <a:solidFill>
@@ -6367,7 +6595,7 @@
           <p:cNvPr id="2" name="タイトル 1">
             <a:extLst>
               <a:ext uri="{FF2B5EF4-FFF2-40B4-BE49-F238E27FC236}">
-                <a16:creationId xmlns:a16="http://schemas.microsoft.com/office/drawing/2014/main" xmlns="" id="{24DED198-35D0-47A6-8EDD-6268D6BF7143}"/>
+                <a16:creationId xmlns="" xmlns:a16="http://schemas.microsoft.com/office/drawing/2014/main" id="{24DED198-35D0-47A6-8EDD-6268D6BF7143}"/>
               </a:ext>
             </a:extLst>
           </p:cNvPr>
@@ -6400,7 +6628,7 @@
           <p:cNvPr id="3" name="コンテンツ プレースホルダー 2">
             <a:extLst>
               <a:ext uri="{FF2B5EF4-FFF2-40B4-BE49-F238E27FC236}">
-                <a16:creationId xmlns:a16="http://schemas.microsoft.com/office/drawing/2014/main" xmlns="" id="{85BE401E-4028-43CC-A122-A5BDF709B195}"/>
+                <a16:creationId xmlns="" xmlns:a16="http://schemas.microsoft.com/office/drawing/2014/main" id="{85BE401E-4028-43CC-A122-A5BDF709B195}"/>
               </a:ext>
             </a:extLst>
           </p:cNvPr>
@@ -7052,59 +7280,6 @@
               </a:rPr>
               <a:t>EC2</a:t>
             </a:r>
-          </a:p>
-          <a:p>
-            <a:pPr>
-              <a:buFont typeface="+mj-lt"/>
-              <a:buAutoNum type="arabicPeriod"/>
-            </a:pPr>
-            <a:r>
-              <a:rPr lang="en-US" altLang="ja-JP" dirty="0" smtClean="0">
-                <a:solidFill>
-                  <a:srgbClr val="BFBFBF"/>
-                </a:solidFill>
-              </a:rPr>
-              <a:t>API </a:t>
-            </a:r>
-            <a:r>
-              <a:rPr lang="ja-JP" altLang="en-US" dirty="0" smtClean="0">
-                <a:solidFill>
-                  <a:srgbClr val="BFBFBF"/>
-                </a:solidFill>
-              </a:rPr>
-              <a:t>デプロイ</a:t>
-            </a:r>
-            <a:endParaRPr lang="en-US" altLang="ja-JP" dirty="0">
-              <a:solidFill>
-                <a:srgbClr val="BFBFBF"/>
-              </a:solidFill>
-            </a:endParaRPr>
-          </a:p>
-          <a:p>
-            <a:pPr>
-              <a:buFont typeface="+mj-lt"/>
-              <a:buAutoNum type="arabicPeriod"/>
-            </a:pPr>
-            <a:r>
-              <a:rPr lang="en-US" altLang="ja-JP" dirty="0">
-                <a:solidFill>
-                  <a:schemeClr val="bg1">
-                    <a:lumMod val="75000"/>
-                  </a:schemeClr>
-                </a:solidFill>
-              </a:rPr>
-              <a:t>CMS </a:t>
-            </a:r>
-            <a:r>
-              <a:rPr lang="ja-JP" altLang="en-US" dirty="0">
-                <a:solidFill>
-                  <a:schemeClr val="bg1">
-                    <a:lumMod val="75000"/>
-                  </a:schemeClr>
-                </a:solidFill>
-              </a:rPr>
-              <a:t>デプロイ</a:t>
-            </a:r>
             <a:endParaRPr lang="en-US" altLang="ja-JP" dirty="0">
               <a:solidFill>
                 <a:schemeClr val="bg1">
@@ -7114,25 +7289,134 @@
             </a:endParaRPr>
           </a:p>
           <a:p>
+            <a:pPr lvl="1">
+              <a:buFont typeface="+mj-lt"/>
+              <a:buAutoNum type="arabicPeriod"/>
+            </a:pPr>
+            <a:r>
+              <a:rPr lang="ja-JP" altLang="ja-JP" dirty="0">
+                <a:solidFill>
+                  <a:schemeClr val="bg1">
+                    <a:lumMod val="75000"/>
+                  </a:schemeClr>
+                </a:solidFill>
+              </a:rPr>
+              <a:t>C</a:t>
+            </a:r>
+            <a:r>
+              <a:rPr lang="en-US" altLang="ja-JP" dirty="0">
+                <a:solidFill>
+                  <a:schemeClr val="bg1">
+                    <a:lumMod val="75000"/>
+                  </a:schemeClr>
+                </a:solidFill>
+              </a:rPr>
+              <a:t>ognite</a:t>
+            </a:r>
+          </a:p>
+          <a:p>
+            <a:pPr lvl="1">
+              <a:buFont typeface="+mj-lt"/>
+              <a:buAutoNum type="arabicPeriod"/>
+            </a:pPr>
+            <a:r>
+              <a:rPr lang="ja-JP" altLang="ja-JP" dirty="0">
+                <a:solidFill>
+                  <a:schemeClr val="bg1">
+                    <a:lumMod val="75000"/>
+                  </a:schemeClr>
+                </a:solidFill>
+              </a:rPr>
+              <a:t>R</a:t>
+            </a:r>
+            <a:r>
+              <a:rPr lang="en-US" altLang="ja-JP" dirty="0">
+                <a:solidFill>
+                  <a:schemeClr val="bg1">
+                    <a:lumMod val="75000"/>
+                  </a:schemeClr>
+                </a:solidFill>
+              </a:rPr>
+              <a:t>oute53</a:t>
+            </a:r>
+            <a:endParaRPr lang="en-US" altLang="ja-JP" dirty="0" smtClean="0">
+              <a:solidFill>
+                <a:srgbClr val="BFBFBF"/>
+              </a:solidFill>
+            </a:endParaRPr>
+          </a:p>
+          <a:p>
             <a:pPr>
               <a:buFont typeface="+mj-lt"/>
               <a:buAutoNum type="arabicPeriod"/>
             </a:pPr>
             <a:r>
+              <a:rPr lang="en-US" altLang="ja-JP" dirty="0" smtClean="0">
+                <a:solidFill>
+                  <a:srgbClr val="BFBFBF"/>
+                </a:solidFill>
+              </a:rPr>
+              <a:t>API </a:t>
+            </a:r>
+            <a:r>
               <a:rPr lang="ja-JP" altLang="en-US" dirty="0" smtClean="0">
                 <a:solidFill>
                   <a:srgbClr val="BFBFBF"/>
                 </a:solidFill>
               </a:rPr>
-              <a:t>コンテンツ</a:t>
-            </a:r>
+              <a:t>デプロイ</a:t>
+            </a:r>
+            <a:endParaRPr lang="en-US" altLang="ja-JP" dirty="0">
+              <a:solidFill>
+                <a:srgbClr val="BFBFBF"/>
+              </a:solidFill>
+            </a:endParaRPr>
+          </a:p>
+          <a:p>
+            <a:pPr>
+              <a:buFont typeface="+mj-lt"/>
+              <a:buAutoNum type="arabicPeriod"/>
+            </a:pPr>
+            <a:r>
+              <a:rPr lang="en-US" altLang="ja-JP" dirty="0">
+                <a:solidFill>
+                  <a:schemeClr val="bg1">
+                    <a:lumMod val="75000"/>
+                  </a:schemeClr>
+                </a:solidFill>
+              </a:rPr>
+              <a:t>CMS </a:t>
+            </a:r>
+            <a:r>
+              <a:rPr lang="ja-JP" altLang="en-US" dirty="0">
+                <a:solidFill>
+                  <a:schemeClr val="bg1">
+                    <a:lumMod val="75000"/>
+                  </a:schemeClr>
+                </a:solidFill>
+              </a:rPr>
+              <a:t>デプロイ</a:t>
+            </a:r>
+            <a:endParaRPr lang="en-US" altLang="ja-JP" dirty="0">
+              <a:solidFill>
+                <a:schemeClr val="bg1">
+                  <a:lumMod val="75000"/>
+                </a:schemeClr>
+              </a:solidFill>
+            </a:endParaRPr>
+          </a:p>
+          <a:p>
+            <a:pPr>
+              <a:buFont typeface="+mj-lt"/>
+              <a:buAutoNum type="arabicPeriod"/>
+            </a:pPr>
             <a:r>
               <a:rPr lang="ja-JP" altLang="en-US" dirty="0" smtClean="0">
                 <a:solidFill>
                   <a:srgbClr val="BFBFBF"/>
                 </a:solidFill>
               </a:rPr>
-              <a:t>登録</a:t>
+              <a:t>コンテンツ登録</a:t>
             </a:r>
             <a:endParaRPr lang="en-US" altLang="ja-JP" dirty="0" smtClean="0">
               <a:solidFill>
@@ -7165,7 +7449,7 @@
           <p:cNvPr id="13" name="表 12">
             <a:extLst>
               <a:ext uri="{FF2B5EF4-FFF2-40B4-BE49-F238E27FC236}">
-                <a16:creationId xmlns:a16="http://schemas.microsoft.com/office/drawing/2014/main" xmlns="" id="{043FD984-B96C-4F2B-AD3B-EAFE9C7383D1}"/>
+                <a16:creationId xmlns="" xmlns:a16="http://schemas.microsoft.com/office/drawing/2014/main" id="{043FD984-B96C-4F2B-AD3B-EAFE9C7383D1}"/>
               </a:ext>
             </a:extLst>
           </p:cNvPr>
@@ -7194,14 +7478,14 @@
                 <a:gridCol w="2541151">
                   <a:extLst>
                     <a:ext uri="{9D8B030D-6E8A-4147-A177-3AD203B41FA5}">
-                      <a16:colId xmlns:a16="http://schemas.microsoft.com/office/drawing/2014/main" xmlns="" val="147490211"/>
+                      <a16:colId xmlns="" xmlns:a16="http://schemas.microsoft.com/office/drawing/2014/main" val="147490211"/>
                     </a:ext>
                   </a:extLst>
                 </a:gridCol>
                 <a:gridCol w="2384970">
                   <a:extLst>
                     <a:ext uri="{9D8B030D-6E8A-4147-A177-3AD203B41FA5}">
-                      <a16:colId xmlns:a16="http://schemas.microsoft.com/office/drawing/2014/main" xmlns="" val="3454452461"/>
+                      <a16:colId xmlns="" xmlns:a16="http://schemas.microsoft.com/office/drawing/2014/main" val="3454452461"/>
                     </a:ext>
                   </a:extLst>
                 </a:gridCol>
@@ -7271,7 +7555,7 @@
                 </a:tc>
                 <a:extLst>
                   <a:ext uri="{0D108BD9-81ED-4DB2-BD59-A6C34878D82A}">
-                    <a16:rowId xmlns:a16="http://schemas.microsoft.com/office/drawing/2014/main" xmlns="" val="141942137"/>
+                    <a16:rowId xmlns="" xmlns:a16="http://schemas.microsoft.com/office/drawing/2014/main" val="141942137"/>
                   </a:ext>
                 </a:extLst>
               </a:tr>
@@ -7340,7 +7624,7 @@
                 </a:tc>
                 <a:extLst>
                   <a:ext uri="{0D108BD9-81ED-4DB2-BD59-A6C34878D82A}">
-                    <a16:rowId xmlns:a16="http://schemas.microsoft.com/office/drawing/2014/main" xmlns="" val="1020509416"/>
+                    <a16:rowId xmlns="" xmlns:a16="http://schemas.microsoft.com/office/drawing/2014/main" val="1020509416"/>
                   </a:ext>
                 </a:extLst>
               </a:tr>
@@ -7421,7 +7705,7 @@
                 </a:tc>
                 <a:extLst>
                   <a:ext uri="{0D108BD9-81ED-4DB2-BD59-A6C34878D82A}">
-                    <a16:rowId xmlns:a16="http://schemas.microsoft.com/office/drawing/2014/main" xmlns="" val="678387262"/>
+                    <a16:rowId xmlns="" xmlns:a16="http://schemas.microsoft.com/office/drawing/2014/main" val="678387262"/>
                   </a:ext>
                 </a:extLst>
               </a:tr>
@@ -7496,7 +7780,7 @@
                 </a:tc>
                 <a:extLst>
                   <a:ext uri="{0D108BD9-81ED-4DB2-BD59-A6C34878D82A}">
-                    <a16:rowId xmlns:a16="http://schemas.microsoft.com/office/drawing/2014/main" xmlns="" val="381659825"/>
+                    <a16:rowId xmlns="" xmlns:a16="http://schemas.microsoft.com/office/drawing/2014/main" val="381659825"/>
                   </a:ext>
                 </a:extLst>
               </a:tr>
@@ -7509,7 +7793,7 @@
           <p:cNvPr id="10" name="表 9">
             <a:extLst>
               <a:ext uri="{FF2B5EF4-FFF2-40B4-BE49-F238E27FC236}">
-                <a16:creationId xmlns:a16="http://schemas.microsoft.com/office/drawing/2014/main" xmlns="" id="{E58F77F9-6DDC-4674-A155-24D68BD1F990}"/>
+                <a16:creationId xmlns="" xmlns:a16="http://schemas.microsoft.com/office/drawing/2014/main" id="{E58F77F9-6DDC-4674-A155-24D68BD1F990}"/>
               </a:ext>
             </a:extLst>
           </p:cNvPr>
@@ -7538,14 +7822,14 @@
                 <a:gridCol w="1822407">
                   <a:extLst>
                     <a:ext uri="{9D8B030D-6E8A-4147-A177-3AD203B41FA5}">
-                      <a16:colId xmlns:a16="http://schemas.microsoft.com/office/drawing/2014/main" xmlns="" val="1330566038"/>
+                      <a16:colId xmlns="" xmlns:a16="http://schemas.microsoft.com/office/drawing/2014/main" val="1330566038"/>
                     </a:ext>
                   </a:extLst>
                 </a:gridCol>
                 <a:gridCol w="874756">
                   <a:extLst>
                     <a:ext uri="{9D8B030D-6E8A-4147-A177-3AD203B41FA5}">
-                      <a16:colId xmlns:a16="http://schemas.microsoft.com/office/drawing/2014/main" xmlns="" val="3311209190"/>
+                      <a16:colId xmlns="" xmlns:a16="http://schemas.microsoft.com/office/drawing/2014/main" val="3311209190"/>
                     </a:ext>
                   </a:extLst>
                 </a:gridCol>
@@ -7619,7 +7903,7 @@
                 </a:tc>
                 <a:extLst>
                   <a:ext uri="{0D108BD9-81ED-4DB2-BD59-A6C34878D82A}">
-                    <a16:rowId xmlns:a16="http://schemas.microsoft.com/office/drawing/2014/main" xmlns="" val="764316871"/>
+                    <a16:rowId xmlns="" xmlns:a16="http://schemas.microsoft.com/office/drawing/2014/main" val="764316871"/>
                   </a:ext>
                 </a:extLst>
               </a:tr>
@@ -7725,7 +8009,7 @@
                 </a:tc>
                 <a:extLst>
                   <a:ext uri="{0D108BD9-81ED-4DB2-BD59-A6C34878D82A}">
-                    <a16:rowId xmlns:a16="http://schemas.microsoft.com/office/drawing/2014/main" xmlns="" val="3856328109"/>
+                    <a16:rowId xmlns="" xmlns:a16="http://schemas.microsoft.com/office/drawing/2014/main" val="3856328109"/>
                   </a:ext>
                 </a:extLst>
               </a:tr>
@@ -7935,7 +8219,7 @@
                 </a:tc>
                 <a:extLst>
                   <a:ext uri="{0D108BD9-81ED-4DB2-BD59-A6C34878D82A}">
-                    <a16:rowId xmlns:a16="http://schemas.microsoft.com/office/drawing/2014/main" xmlns="" val="2496965823"/>
+                    <a16:rowId xmlns="" xmlns:a16="http://schemas.microsoft.com/office/drawing/2014/main" val="2496965823"/>
                   </a:ext>
                 </a:extLst>
               </a:tr>
@@ -8028,7 +8312,7 @@
           <p:cNvPr id="4" name="スライド番号プレースホルダー 3">
             <a:extLst>
               <a:ext uri="{FF2B5EF4-FFF2-40B4-BE49-F238E27FC236}">
-                <a16:creationId xmlns:a16="http://schemas.microsoft.com/office/drawing/2014/main" xmlns="" id="{22D01535-B1F2-4F78-9A7C-D39657259FB8}"/>
+                <a16:creationId xmlns="" xmlns:a16="http://schemas.microsoft.com/office/drawing/2014/main" id="{22D01535-B1F2-4F78-9A7C-D39657259FB8}"/>
               </a:ext>
             </a:extLst>
           </p:cNvPr>
@@ -8095,7 +8379,7 @@
           <p:cNvPr id="2" name="タイトル 1">
             <a:extLst>
               <a:ext uri="{FF2B5EF4-FFF2-40B4-BE49-F238E27FC236}">
-                <a16:creationId xmlns:a16="http://schemas.microsoft.com/office/drawing/2014/main" xmlns="" id="{24DED198-35D0-47A6-8EDD-6268D6BF7143}"/>
+                <a16:creationId xmlns="" xmlns:a16="http://schemas.microsoft.com/office/drawing/2014/main" id="{24DED198-35D0-47A6-8EDD-6268D6BF7143}"/>
               </a:ext>
             </a:extLst>
           </p:cNvPr>
@@ -8128,7 +8412,7 @@
           <p:cNvPr id="3" name="コンテンツ プレースホルダー 2">
             <a:extLst>
               <a:ext uri="{FF2B5EF4-FFF2-40B4-BE49-F238E27FC236}">
-                <a16:creationId xmlns:a16="http://schemas.microsoft.com/office/drawing/2014/main" xmlns="" id="{85BE401E-4028-43CC-A122-A5BDF709B195}"/>
+                <a16:creationId xmlns="" xmlns:a16="http://schemas.microsoft.com/office/drawing/2014/main" id="{85BE401E-4028-43CC-A122-A5BDF709B195}"/>
               </a:ext>
             </a:extLst>
           </p:cNvPr>
@@ -8294,7 +8578,7 @@
           <p:cNvPr id="8" name="表 7">
             <a:extLst>
               <a:ext uri="{FF2B5EF4-FFF2-40B4-BE49-F238E27FC236}">
-                <a16:creationId xmlns:a16="http://schemas.microsoft.com/office/drawing/2014/main" xmlns="" id="{5272C826-C1D9-418F-A534-E17A3F1A95EC}"/>
+                <a16:creationId xmlns="" xmlns:a16="http://schemas.microsoft.com/office/drawing/2014/main" id="{5272C826-C1D9-418F-A534-E17A3F1A95EC}"/>
               </a:ext>
             </a:extLst>
           </p:cNvPr>
@@ -8323,14 +8607,14 @@
                 <a:gridCol w="2540000">
                   <a:extLst>
                     <a:ext uri="{9D8B030D-6E8A-4147-A177-3AD203B41FA5}">
-                      <a16:colId xmlns:a16="http://schemas.microsoft.com/office/drawing/2014/main" xmlns="" val="2918184759"/>
+                      <a16:colId xmlns="" xmlns:a16="http://schemas.microsoft.com/office/drawing/2014/main" val="2918184759"/>
                     </a:ext>
                   </a:extLst>
                 </a:gridCol>
                 <a:gridCol w="1219200">
                   <a:extLst>
                     <a:ext uri="{9D8B030D-6E8A-4147-A177-3AD203B41FA5}">
-                      <a16:colId xmlns:a16="http://schemas.microsoft.com/office/drawing/2014/main" xmlns="" val="650853217"/>
+                      <a16:colId xmlns="" xmlns:a16="http://schemas.microsoft.com/office/drawing/2014/main" val="650853217"/>
                     </a:ext>
                   </a:extLst>
                 </a:gridCol>
@@ -8400,7 +8684,7 @@
                 </a:tc>
                 <a:extLst>
                   <a:ext uri="{0D108BD9-81ED-4DB2-BD59-A6C34878D82A}">
-                    <a16:rowId xmlns:a16="http://schemas.microsoft.com/office/drawing/2014/main" xmlns="" val="863991715"/>
+                    <a16:rowId xmlns="" xmlns:a16="http://schemas.microsoft.com/office/drawing/2014/main" val="863991715"/>
                   </a:ext>
                 </a:extLst>
               </a:tr>
@@ -8469,7 +8753,7 @@
                 </a:tc>
                 <a:extLst>
                   <a:ext uri="{0D108BD9-81ED-4DB2-BD59-A6C34878D82A}">
-                    <a16:rowId xmlns:a16="http://schemas.microsoft.com/office/drawing/2014/main" xmlns="" val="3672779048"/>
+                    <a16:rowId xmlns="" xmlns:a16="http://schemas.microsoft.com/office/drawing/2014/main" val="3672779048"/>
                   </a:ext>
                 </a:extLst>
               </a:tr>
@@ -8538,7 +8822,7 @@
                 </a:tc>
                 <a:extLst>
                   <a:ext uri="{0D108BD9-81ED-4DB2-BD59-A6C34878D82A}">
-                    <a16:rowId xmlns:a16="http://schemas.microsoft.com/office/drawing/2014/main" xmlns="" val="532491899"/>
+                    <a16:rowId xmlns="" xmlns:a16="http://schemas.microsoft.com/office/drawing/2014/main" val="532491899"/>
                   </a:ext>
                 </a:extLst>
               </a:tr>
@@ -8607,7 +8891,7 @@
                 </a:tc>
                 <a:extLst>
                   <a:ext uri="{0D108BD9-81ED-4DB2-BD59-A6C34878D82A}">
-                    <a16:rowId xmlns:a16="http://schemas.microsoft.com/office/drawing/2014/main" xmlns="" val="1407317058"/>
+                    <a16:rowId xmlns="" xmlns:a16="http://schemas.microsoft.com/office/drawing/2014/main" val="1407317058"/>
                   </a:ext>
                 </a:extLst>
               </a:tr>
@@ -8670,7 +8954,7 @@
                 </a:tc>
                 <a:extLst>
                   <a:ext uri="{0D108BD9-81ED-4DB2-BD59-A6C34878D82A}">
-                    <a16:rowId xmlns:a16="http://schemas.microsoft.com/office/drawing/2014/main" xmlns="" val="1393956294"/>
+                    <a16:rowId xmlns="" xmlns:a16="http://schemas.microsoft.com/office/drawing/2014/main" val="1393956294"/>
                   </a:ext>
                 </a:extLst>
               </a:tr>
@@ -9090,59 +9374,6 @@
               </a:rPr>
               <a:t>EC2</a:t>
             </a:r>
-          </a:p>
-          <a:p>
-            <a:pPr>
-              <a:buFont typeface="+mj-lt"/>
-              <a:buAutoNum type="arabicPeriod"/>
-            </a:pPr>
-            <a:r>
-              <a:rPr lang="en-US" altLang="ja-JP" dirty="0" smtClean="0">
-                <a:solidFill>
-                  <a:srgbClr val="BFBFBF"/>
-                </a:solidFill>
-              </a:rPr>
-              <a:t>API </a:t>
-            </a:r>
-            <a:r>
-              <a:rPr lang="ja-JP" altLang="en-US" dirty="0" smtClean="0">
-                <a:solidFill>
-                  <a:srgbClr val="BFBFBF"/>
-                </a:solidFill>
-              </a:rPr>
-              <a:t>デプロイ</a:t>
-            </a:r>
-            <a:endParaRPr lang="en-US" altLang="ja-JP" dirty="0">
-              <a:solidFill>
-                <a:srgbClr val="BFBFBF"/>
-              </a:solidFill>
-            </a:endParaRPr>
-          </a:p>
-          <a:p>
-            <a:pPr>
-              <a:buFont typeface="+mj-lt"/>
-              <a:buAutoNum type="arabicPeriod"/>
-            </a:pPr>
-            <a:r>
-              <a:rPr lang="en-US" altLang="ja-JP" dirty="0">
-                <a:solidFill>
-                  <a:schemeClr val="bg1">
-                    <a:lumMod val="75000"/>
-                  </a:schemeClr>
-                </a:solidFill>
-              </a:rPr>
-              <a:t>CMS </a:t>
-            </a:r>
-            <a:r>
-              <a:rPr lang="ja-JP" altLang="en-US" dirty="0">
-                <a:solidFill>
-                  <a:schemeClr val="bg1">
-                    <a:lumMod val="75000"/>
-                  </a:schemeClr>
-                </a:solidFill>
-              </a:rPr>
-              <a:t>デプロイ</a:t>
-            </a:r>
             <a:endParaRPr lang="en-US" altLang="ja-JP" dirty="0">
               <a:solidFill>
                 <a:schemeClr val="bg1">
@@ -9152,25 +9383,134 @@
             </a:endParaRPr>
           </a:p>
           <a:p>
+            <a:pPr lvl="1">
+              <a:buFont typeface="+mj-lt"/>
+              <a:buAutoNum type="arabicPeriod"/>
+            </a:pPr>
+            <a:r>
+              <a:rPr lang="ja-JP" altLang="ja-JP" dirty="0">
+                <a:solidFill>
+                  <a:schemeClr val="bg1">
+                    <a:lumMod val="75000"/>
+                  </a:schemeClr>
+                </a:solidFill>
+              </a:rPr>
+              <a:t>C</a:t>
+            </a:r>
+            <a:r>
+              <a:rPr lang="en-US" altLang="ja-JP" dirty="0">
+                <a:solidFill>
+                  <a:schemeClr val="bg1">
+                    <a:lumMod val="75000"/>
+                  </a:schemeClr>
+                </a:solidFill>
+              </a:rPr>
+              <a:t>ognite</a:t>
+            </a:r>
+          </a:p>
+          <a:p>
+            <a:pPr lvl="1">
+              <a:buFont typeface="+mj-lt"/>
+              <a:buAutoNum type="arabicPeriod"/>
+            </a:pPr>
+            <a:r>
+              <a:rPr lang="ja-JP" altLang="ja-JP" dirty="0">
+                <a:solidFill>
+                  <a:schemeClr val="bg1">
+                    <a:lumMod val="75000"/>
+                  </a:schemeClr>
+                </a:solidFill>
+              </a:rPr>
+              <a:t>R</a:t>
+            </a:r>
+            <a:r>
+              <a:rPr lang="en-US" altLang="ja-JP" dirty="0">
+                <a:solidFill>
+                  <a:schemeClr val="bg1">
+                    <a:lumMod val="75000"/>
+                  </a:schemeClr>
+                </a:solidFill>
+              </a:rPr>
+              <a:t>oute53</a:t>
+            </a:r>
+            <a:endParaRPr lang="en-US" altLang="ja-JP" dirty="0" smtClean="0">
+              <a:solidFill>
+                <a:srgbClr val="BFBFBF"/>
+              </a:solidFill>
+            </a:endParaRPr>
+          </a:p>
+          <a:p>
             <a:pPr>
               <a:buFont typeface="+mj-lt"/>
               <a:buAutoNum type="arabicPeriod"/>
             </a:pPr>
             <a:r>
+              <a:rPr lang="en-US" altLang="ja-JP" dirty="0" smtClean="0">
+                <a:solidFill>
+                  <a:srgbClr val="BFBFBF"/>
+                </a:solidFill>
+              </a:rPr>
+              <a:t>API </a:t>
+            </a:r>
+            <a:r>
               <a:rPr lang="ja-JP" altLang="en-US" dirty="0" smtClean="0">
                 <a:solidFill>
                   <a:srgbClr val="BFBFBF"/>
                 </a:solidFill>
               </a:rPr>
-              <a:t>コンテンツ</a:t>
-            </a:r>
+              <a:t>デプロイ</a:t>
+            </a:r>
+            <a:endParaRPr lang="en-US" altLang="ja-JP" dirty="0">
+              <a:solidFill>
+                <a:srgbClr val="BFBFBF"/>
+              </a:solidFill>
+            </a:endParaRPr>
+          </a:p>
+          <a:p>
+            <a:pPr>
+              <a:buFont typeface="+mj-lt"/>
+              <a:buAutoNum type="arabicPeriod"/>
+            </a:pPr>
+            <a:r>
+              <a:rPr lang="en-US" altLang="ja-JP" dirty="0">
+                <a:solidFill>
+                  <a:schemeClr val="bg1">
+                    <a:lumMod val="75000"/>
+                  </a:schemeClr>
+                </a:solidFill>
+              </a:rPr>
+              <a:t>CMS </a:t>
+            </a:r>
+            <a:r>
+              <a:rPr lang="ja-JP" altLang="en-US" dirty="0">
+                <a:solidFill>
+                  <a:schemeClr val="bg1">
+                    <a:lumMod val="75000"/>
+                  </a:schemeClr>
+                </a:solidFill>
+              </a:rPr>
+              <a:t>デプロイ</a:t>
+            </a:r>
+            <a:endParaRPr lang="en-US" altLang="ja-JP" dirty="0">
+              <a:solidFill>
+                <a:schemeClr val="bg1">
+                  <a:lumMod val="75000"/>
+                </a:schemeClr>
+              </a:solidFill>
+            </a:endParaRPr>
+          </a:p>
+          <a:p>
+            <a:pPr>
+              <a:buFont typeface="+mj-lt"/>
+              <a:buAutoNum type="arabicPeriod"/>
+            </a:pPr>
             <a:r>
               <a:rPr lang="ja-JP" altLang="en-US" dirty="0" smtClean="0">
                 <a:solidFill>
                   <a:srgbClr val="BFBFBF"/>
                 </a:solidFill>
               </a:rPr>
-              <a:t>登録</a:t>
+              <a:t>コンテンツ登録</a:t>
             </a:r>
             <a:endParaRPr lang="en-US" altLang="ja-JP" dirty="0" smtClean="0">
               <a:solidFill>
@@ -9436,7 +9776,7 @@
           <p:cNvPr id="11" name="表 10">
             <a:extLst>
               <a:ext uri="{FF2B5EF4-FFF2-40B4-BE49-F238E27FC236}">
-                <a16:creationId xmlns:a16="http://schemas.microsoft.com/office/drawing/2014/main" xmlns="" id="{34262436-74E8-488C-8C1B-44C3F88BE676}"/>
+                <a16:creationId xmlns="" xmlns:a16="http://schemas.microsoft.com/office/drawing/2014/main" id="{34262436-74E8-488C-8C1B-44C3F88BE676}"/>
               </a:ext>
             </a:extLst>
           </p:cNvPr>
@@ -9465,21 +9805,21 @@
                 <a:gridCol w="2213275">
                   <a:extLst>
                     <a:ext uri="{9D8B030D-6E8A-4147-A177-3AD203B41FA5}">
-                      <a16:colId xmlns:a16="http://schemas.microsoft.com/office/drawing/2014/main" xmlns="" val="2864215648"/>
+                      <a16:colId xmlns="" xmlns:a16="http://schemas.microsoft.com/office/drawing/2014/main" val="2864215648"/>
                     </a:ext>
                   </a:extLst>
                 </a:gridCol>
                 <a:gridCol w="1540042">
                   <a:extLst>
                     <a:ext uri="{9D8B030D-6E8A-4147-A177-3AD203B41FA5}">
-                      <a16:colId xmlns:a16="http://schemas.microsoft.com/office/drawing/2014/main" xmlns="" val="879769541"/>
+                      <a16:colId xmlns="" xmlns:a16="http://schemas.microsoft.com/office/drawing/2014/main" val="879769541"/>
                     </a:ext>
                   </a:extLst>
                 </a:gridCol>
                 <a:gridCol w="907583">
                   <a:extLst>
                     <a:ext uri="{9D8B030D-6E8A-4147-A177-3AD203B41FA5}">
-                      <a16:colId xmlns:a16="http://schemas.microsoft.com/office/drawing/2014/main" xmlns="" val="1510221549"/>
+                      <a16:colId xmlns="" xmlns:a16="http://schemas.microsoft.com/office/drawing/2014/main" val="1510221549"/>
                     </a:ext>
                   </a:extLst>
                 </a:gridCol>
@@ -9571,7 +9911,7 @@
                 </a:tc>
                 <a:extLst>
                   <a:ext uri="{0D108BD9-81ED-4DB2-BD59-A6C34878D82A}">
-                    <a16:rowId xmlns:a16="http://schemas.microsoft.com/office/drawing/2014/main" xmlns="" val="2727521727"/>
+                    <a16:rowId xmlns="" xmlns:a16="http://schemas.microsoft.com/office/drawing/2014/main" val="2727521727"/>
                   </a:ext>
                 </a:extLst>
               </a:tr>
@@ -9644,7 +9984,7 @@
                 </a:tc>
                 <a:extLst>
                   <a:ext uri="{0D108BD9-81ED-4DB2-BD59-A6C34878D82A}">
-                    <a16:rowId xmlns:a16="http://schemas.microsoft.com/office/drawing/2014/main" xmlns="" val="257567200"/>
+                    <a16:rowId xmlns="" xmlns:a16="http://schemas.microsoft.com/office/drawing/2014/main" val="257567200"/>
                   </a:ext>
                 </a:extLst>
               </a:tr>
@@ -9723,7 +10063,7 @@
                 </a:tc>
                 <a:extLst>
                   <a:ext uri="{0D108BD9-81ED-4DB2-BD59-A6C34878D82A}">
-                    <a16:rowId xmlns:a16="http://schemas.microsoft.com/office/drawing/2014/main" xmlns="" val="731410113"/>
+                    <a16:rowId xmlns="" xmlns:a16="http://schemas.microsoft.com/office/drawing/2014/main" val="731410113"/>
                   </a:ext>
                 </a:extLst>
               </a:tr>
@@ -9814,7 +10154,7 @@
                 </a:tc>
                 <a:extLst>
                   <a:ext uri="{0D108BD9-81ED-4DB2-BD59-A6C34878D82A}">
-                    <a16:rowId xmlns:a16="http://schemas.microsoft.com/office/drawing/2014/main" xmlns="" val="2550549459"/>
+                    <a16:rowId xmlns="" xmlns:a16="http://schemas.microsoft.com/office/drawing/2014/main" val="2550549459"/>
                   </a:ext>
                 </a:extLst>
               </a:tr>
@@ -9887,7 +10227,7 @@
                 </a:tc>
                 <a:extLst>
                   <a:ext uri="{0D108BD9-81ED-4DB2-BD59-A6C34878D82A}">
-                    <a16:rowId xmlns:a16="http://schemas.microsoft.com/office/drawing/2014/main" xmlns="" val="2436432471"/>
+                    <a16:rowId xmlns="" xmlns:a16="http://schemas.microsoft.com/office/drawing/2014/main" val="2436432471"/>
                   </a:ext>
                 </a:extLst>
               </a:tr>
@@ -9966,7 +10306,7 @@
                 </a:tc>
                 <a:extLst>
                   <a:ext uri="{0D108BD9-81ED-4DB2-BD59-A6C34878D82A}">
-                    <a16:rowId xmlns:a16="http://schemas.microsoft.com/office/drawing/2014/main" xmlns="" val="1716481284"/>
+                    <a16:rowId xmlns="" xmlns:a16="http://schemas.microsoft.com/office/drawing/2014/main" val="1716481284"/>
                   </a:ext>
                 </a:extLst>
               </a:tr>
@@ -10045,7 +10385,7 @@
                 </a:tc>
                 <a:extLst>
                   <a:ext uri="{0D108BD9-81ED-4DB2-BD59-A6C34878D82A}">
-                    <a16:rowId xmlns:a16="http://schemas.microsoft.com/office/drawing/2014/main" xmlns="" val="1752396375"/>
+                    <a16:rowId xmlns="" xmlns:a16="http://schemas.microsoft.com/office/drawing/2014/main" val="1752396375"/>
                   </a:ext>
                 </a:extLst>
               </a:tr>
@@ -10118,7 +10458,7 @@
                 </a:tc>
                 <a:extLst>
                   <a:ext uri="{0D108BD9-81ED-4DB2-BD59-A6C34878D82A}">
-                    <a16:rowId xmlns:a16="http://schemas.microsoft.com/office/drawing/2014/main" xmlns="" val="414656473"/>
+                    <a16:rowId xmlns="" xmlns:a16="http://schemas.microsoft.com/office/drawing/2014/main" val="414656473"/>
                   </a:ext>
                 </a:extLst>
               </a:tr>
@@ -10197,7 +10537,7 @@
                 </a:tc>
                 <a:extLst>
                   <a:ext uri="{0D108BD9-81ED-4DB2-BD59-A6C34878D82A}">
-                    <a16:rowId xmlns:a16="http://schemas.microsoft.com/office/drawing/2014/main" xmlns="" val="869994750"/>
+                    <a16:rowId xmlns="" xmlns:a16="http://schemas.microsoft.com/office/drawing/2014/main" val="869994750"/>
                   </a:ext>
                 </a:extLst>
               </a:tr>
@@ -10300,7 +10640,7 @@
           <p:cNvPr id="4" name="スライド番号プレースホルダー 3">
             <a:extLst>
               <a:ext uri="{FF2B5EF4-FFF2-40B4-BE49-F238E27FC236}">
-                <a16:creationId xmlns:a16="http://schemas.microsoft.com/office/drawing/2014/main" xmlns="" id="{22D01535-B1F2-4F78-9A7C-D39657259FB8}"/>
+                <a16:creationId xmlns="" xmlns:a16="http://schemas.microsoft.com/office/drawing/2014/main" id="{22D01535-B1F2-4F78-9A7C-D39657259FB8}"/>
               </a:ext>
             </a:extLst>
           </p:cNvPr>
@@ -10367,7 +10707,7 @@
           <p:cNvPr id="2" name="タイトル 1">
             <a:extLst>
               <a:ext uri="{FF2B5EF4-FFF2-40B4-BE49-F238E27FC236}">
-                <a16:creationId xmlns:a16="http://schemas.microsoft.com/office/drawing/2014/main" xmlns="" id="{647FC2C4-FDD9-40C1-8BAA-86909C671091}"/>
+                <a16:creationId xmlns="" xmlns:a16="http://schemas.microsoft.com/office/drawing/2014/main" id="{647FC2C4-FDD9-40C1-8BAA-86909C671091}"/>
               </a:ext>
             </a:extLst>
           </p:cNvPr>
@@ -10400,7 +10740,7 @@
           <p:cNvPr id="3" name="コンテンツ プレースホルダー 2">
             <a:extLst>
               <a:ext uri="{FF2B5EF4-FFF2-40B4-BE49-F238E27FC236}">
-                <a16:creationId xmlns:a16="http://schemas.microsoft.com/office/drawing/2014/main" xmlns="" id="{D460F2C1-B2A2-41B6-AE3C-D9255F211948}"/>
+                <a16:creationId xmlns="" xmlns:a16="http://schemas.microsoft.com/office/drawing/2014/main" id="{D460F2C1-B2A2-41B6-AE3C-D9255F211948}"/>
               </a:ext>
             </a:extLst>
           </p:cNvPr>
@@ -10641,7 +10981,7 @@
           <p:cNvPr id="4" name="スライド番号プレースホルダー 3">
             <a:extLst>
               <a:ext uri="{FF2B5EF4-FFF2-40B4-BE49-F238E27FC236}">
-                <a16:creationId xmlns:a16="http://schemas.microsoft.com/office/drawing/2014/main" xmlns="" id="{2D621D59-C7D3-486A-953C-E3F098621406}"/>
+                <a16:creationId xmlns="" xmlns:a16="http://schemas.microsoft.com/office/drawing/2014/main" id="{2D621D59-C7D3-486A-953C-E3F098621406}"/>
               </a:ext>
             </a:extLst>
           </p:cNvPr>
@@ -10671,7 +11011,7 @@
           <p:cNvPr id="6" name="表 5">
             <a:extLst>
               <a:ext uri="{FF2B5EF4-FFF2-40B4-BE49-F238E27FC236}">
-                <a16:creationId xmlns:a16="http://schemas.microsoft.com/office/drawing/2014/main" xmlns="" id="{6DDCBA78-176B-48EA-BE01-07BA0C50964E}"/>
+                <a16:creationId xmlns="" xmlns:a16="http://schemas.microsoft.com/office/drawing/2014/main" id="{6DDCBA78-176B-48EA-BE01-07BA0C50964E}"/>
               </a:ext>
             </a:extLst>
           </p:cNvPr>
@@ -10700,21 +11040,21 @@
                 <a:gridCol w="2461883">
                   <a:extLst>
                     <a:ext uri="{9D8B030D-6E8A-4147-A177-3AD203B41FA5}">
-                      <a16:colId xmlns:a16="http://schemas.microsoft.com/office/drawing/2014/main" xmlns="" val="2398228790"/>
+                      <a16:colId xmlns="" xmlns:a16="http://schemas.microsoft.com/office/drawing/2014/main" val="2398228790"/>
                     </a:ext>
                   </a:extLst>
                 </a:gridCol>
                 <a:gridCol w="1902479">
                   <a:extLst>
                     <a:ext uri="{9D8B030D-6E8A-4147-A177-3AD203B41FA5}">
-                      <a16:colId xmlns:a16="http://schemas.microsoft.com/office/drawing/2014/main" xmlns="" val="2139820665"/>
+                      <a16:colId xmlns="" xmlns:a16="http://schemas.microsoft.com/office/drawing/2014/main" val="2139820665"/>
                     </a:ext>
                   </a:extLst>
                 </a:gridCol>
                 <a:gridCol w="3685552">
                   <a:extLst>
                     <a:ext uri="{9D8B030D-6E8A-4147-A177-3AD203B41FA5}">
-                      <a16:colId xmlns:a16="http://schemas.microsoft.com/office/drawing/2014/main" xmlns="" val="3198237446"/>
+                      <a16:colId xmlns="" xmlns:a16="http://schemas.microsoft.com/office/drawing/2014/main" val="3198237446"/>
                     </a:ext>
                   </a:extLst>
                 </a:gridCol>
@@ -10794,7 +11134,7 @@
                 </a:tc>
                 <a:extLst>
                   <a:ext uri="{0D108BD9-81ED-4DB2-BD59-A6C34878D82A}">
-                    <a16:rowId xmlns:a16="http://schemas.microsoft.com/office/drawing/2014/main" xmlns="" val="2909880224"/>
+                    <a16:rowId xmlns="" xmlns:a16="http://schemas.microsoft.com/office/drawing/2014/main" val="2909880224"/>
                   </a:ext>
                 </a:extLst>
               </a:tr>
@@ -10873,7 +11213,7 @@
                 </a:tc>
                 <a:extLst>
                   <a:ext uri="{0D108BD9-81ED-4DB2-BD59-A6C34878D82A}">
-                    <a16:rowId xmlns:a16="http://schemas.microsoft.com/office/drawing/2014/main" xmlns="" val="2444059829"/>
+                    <a16:rowId xmlns="" xmlns:a16="http://schemas.microsoft.com/office/drawing/2014/main" val="2444059829"/>
                   </a:ext>
                 </a:extLst>
               </a:tr>
@@ -10952,7 +11292,7 @@
                 </a:tc>
                 <a:extLst>
                   <a:ext uri="{0D108BD9-81ED-4DB2-BD59-A6C34878D82A}">
-                    <a16:rowId xmlns:a16="http://schemas.microsoft.com/office/drawing/2014/main" xmlns="" val="3396811083"/>
+                    <a16:rowId xmlns="" xmlns:a16="http://schemas.microsoft.com/office/drawing/2014/main" val="3396811083"/>
                   </a:ext>
                 </a:extLst>
               </a:tr>
@@ -11031,7 +11371,7 @@
                 </a:tc>
                 <a:extLst>
                   <a:ext uri="{0D108BD9-81ED-4DB2-BD59-A6C34878D82A}">
-                    <a16:rowId xmlns:a16="http://schemas.microsoft.com/office/drawing/2014/main" xmlns="" val="3452021945"/>
+                    <a16:rowId xmlns="" xmlns:a16="http://schemas.microsoft.com/office/drawing/2014/main" val="3452021945"/>
                   </a:ext>
                 </a:extLst>
               </a:tr>
@@ -11104,7 +11444,7 @@
                 </a:tc>
                 <a:extLst>
                   <a:ext uri="{0D108BD9-81ED-4DB2-BD59-A6C34878D82A}">
-                    <a16:rowId xmlns:a16="http://schemas.microsoft.com/office/drawing/2014/main" xmlns="" val="2686333941"/>
+                    <a16:rowId xmlns="" xmlns:a16="http://schemas.microsoft.com/office/drawing/2014/main" val="2686333941"/>
                   </a:ext>
                 </a:extLst>
               </a:tr>
@@ -11177,7 +11517,7 @@
                 </a:tc>
                 <a:extLst>
                   <a:ext uri="{0D108BD9-81ED-4DB2-BD59-A6C34878D82A}">
-                    <a16:rowId xmlns:a16="http://schemas.microsoft.com/office/drawing/2014/main" xmlns="" val="709522050"/>
+                    <a16:rowId xmlns="" xmlns:a16="http://schemas.microsoft.com/office/drawing/2014/main" val="709522050"/>
                   </a:ext>
                 </a:extLst>
               </a:tr>
@@ -11250,7 +11590,7 @@
                 </a:tc>
                 <a:extLst>
                   <a:ext uri="{0D108BD9-81ED-4DB2-BD59-A6C34878D82A}">
-                    <a16:rowId xmlns:a16="http://schemas.microsoft.com/office/drawing/2014/main" xmlns="" val="3496055075"/>
+                    <a16:rowId xmlns="" xmlns:a16="http://schemas.microsoft.com/office/drawing/2014/main" val="3496055075"/>
                   </a:ext>
                 </a:extLst>
               </a:tr>
@@ -11323,7 +11663,7 @@
                 </a:tc>
                 <a:extLst>
                   <a:ext uri="{0D108BD9-81ED-4DB2-BD59-A6C34878D82A}">
-                    <a16:rowId xmlns:a16="http://schemas.microsoft.com/office/drawing/2014/main" xmlns="" val="107828841"/>
+                    <a16:rowId xmlns="" xmlns:a16="http://schemas.microsoft.com/office/drawing/2014/main" val="107828841"/>
                   </a:ext>
                 </a:extLst>
               </a:tr>
@@ -11402,7 +11742,7 @@
                 </a:tc>
                 <a:extLst>
                   <a:ext uri="{0D108BD9-81ED-4DB2-BD59-A6C34878D82A}">
-                    <a16:rowId xmlns:a16="http://schemas.microsoft.com/office/drawing/2014/main" xmlns="" val="2075286343"/>
+                    <a16:rowId xmlns="" xmlns:a16="http://schemas.microsoft.com/office/drawing/2014/main" val="2075286343"/>
                   </a:ext>
                 </a:extLst>
               </a:tr>
@@ -11481,7 +11821,7 @@
                 </a:tc>
                 <a:extLst>
                   <a:ext uri="{0D108BD9-81ED-4DB2-BD59-A6C34878D82A}">
-                    <a16:rowId xmlns:a16="http://schemas.microsoft.com/office/drawing/2014/main" xmlns="" val="892717798"/>
+                    <a16:rowId xmlns="" xmlns:a16="http://schemas.microsoft.com/office/drawing/2014/main" val="892717798"/>
                   </a:ext>
                 </a:extLst>
               </a:tr>
@@ -11560,7 +11900,7 @@
                 </a:tc>
                 <a:extLst>
                   <a:ext uri="{0D108BD9-81ED-4DB2-BD59-A6C34878D82A}">
-                    <a16:rowId xmlns:a16="http://schemas.microsoft.com/office/drawing/2014/main" xmlns="" val="2977998855"/>
+                    <a16:rowId xmlns="" xmlns:a16="http://schemas.microsoft.com/office/drawing/2014/main" val="2977998855"/>
                   </a:ext>
                 </a:extLst>
               </a:tr>
@@ -11669,7 +12009,7 @@
                 </a:tc>
                 <a:extLst>
                   <a:ext uri="{0D108BD9-81ED-4DB2-BD59-A6C34878D82A}">
-                    <a16:rowId xmlns:a16="http://schemas.microsoft.com/office/drawing/2014/main" xmlns="" val="1830001044"/>
+                    <a16:rowId xmlns="" xmlns:a16="http://schemas.microsoft.com/office/drawing/2014/main" val="1830001044"/>
                   </a:ext>
                 </a:extLst>
               </a:tr>
@@ -11754,7 +12094,7 @@
                 </a:tc>
                 <a:extLst>
                   <a:ext uri="{0D108BD9-81ED-4DB2-BD59-A6C34878D82A}">
-                    <a16:rowId xmlns:a16="http://schemas.microsoft.com/office/drawing/2014/main" xmlns="" val="971318200"/>
+                    <a16:rowId xmlns="" xmlns:a16="http://schemas.microsoft.com/office/drawing/2014/main" val="971318200"/>
                   </a:ext>
                 </a:extLst>
               </a:tr>
@@ -11866,7 +12206,7 @@
                 </a:tc>
                 <a:extLst>
                   <a:ext uri="{0D108BD9-81ED-4DB2-BD59-A6C34878D82A}">
-                    <a16:rowId xmlns:a16="http://schemas.microsoft.com/office/drawing/2014/main" xmlns="" val="1896279337"/>
+                    <a16:rowId xmlns="" xmlns:a16="http://schemas.microsoft.com/office/drawing/2014/main" val="1896279337"/>
                   </a:ext>
                 </a:extLst>
               </a:tr>
@@ -12286,59 +12626,6 @@
               </a:rPr>
               <a:t>EC2</a:t>
             </a:r>
-          </a:p>
-          <a:p>
-            <a:pPr>
-              <a:buFont typeface="+mj-lt"/>
-              <a:buAutoNum type="arabicPeriod"/>
-            </a:pPr>
-            <a:r>
-              <a:rPr lang="en-US" altLang="ja-JP" dirty="0" smtClean="0">
-                <a:solidFill>
-                  <a:srgbClr val="BFBFBF"/>
-                </a:solidFill>
-              </a:rPr>
-              <a:t>API </a:t>
-            </a:r>
-            <a:r>
-              <a:rPr lang="ja-JP" altLang="en-US" dirty="0" smtClean="0">
-                <a:solidFill>
-                  <a:srgbClr val="BFBFBF"/>
-                </a:solidFill>
-              </a:rPr>
-              <a:t>デプロイ</a:t>
-            </a:r>
-            <a:endParaRPr lang="en-US" altLang="ja-JP" dirty="0">
-              <a:solidFill>
-                <a:srgbClr val="BFBFBF"/>
-              </a:solidFill>
-            </a:endParaRPr>
-          </a:p>
-          <a:p>
-            <a:pPr>
-              <a:buFont typeface="+mj-lt"/>
-              <a:buAutoNum type="arabicPeriod"/>
-            </a:pPr>
-            <a:r>
-              <a:rPr lang="en-US" altLang="ja-JP" dirty="0">
-                <a:solidFill>
-                  <a:schemeClr val="bg1">
-                    <a:lumMod val="75000"/>
-                  </a:schemeClr>
-                </a:solidFill>
-              </a:rPr>
-              <a:t>CMS </a:t>
-            </a:r>
-            <a:r>
-              <a:rPr lang="ja-JP" altLang="en-US" dirty="0">
-                <a:solidFill>
-                  <a:schemeClr val="bg1">
-                    <a:lumMod val="75000"/>
-                  </a:schemeClr>
-                </a:solidFill>
-              </a:rPr>
-              <a:t>デプロイ</a:t>
-            </a:r>
             <a:endParaRPr lang="en-US" altLang="ja-JP" dirty="0">
               <a:solidFill>
                 <a:schemeClr val="bg1">
@@ -12348,25 +12635,134 @@
             </a:endParaRPr>
           </a:p>
           <a:p>
+            <a:pPr lvl="1">
+              <a:buFont typeface="+mj-lt"/>
+              <a:buAutoNum type="arabicPeriod"/>
+            </a:pPr>
+            <a:r>
+              <a:rPr lang="ja-JP" altLang="ja-JP" dirty="0">
+                <a:solidFill>
+                  <a:schemeClr val="bg1">
+                    <a:lumMod val="75000"/>
+                  </a:schemeClr>
+                </a:solidFill>
+              </a:rPr>
+              <a:t>C</a:t>
+            </a:r>
+            <a:r>
+              <a:rPr lang="en-US" altLang="ja-JP" dirty="0">
+                <a:solidFill>
+                  <a:schemeClr val="bg1">
+                    <a:lumMod val="75000"/>
+                  </a:schemeClr>
+                </a:solidFill>
+              </a:rPr>
+              <a:t>ognite</a:t>
+            </a:r>
+          </a:p>
+          <a:p>
+            <a:pPr lvl="1">
+              <a:buFont typeface="+mj-lt"/>
+              <a:buAutoNum type="arabicPeriod"/>
+            </a:pPr>
+            <a:r>
+              <a:rPr lang="ja-JP" altLang="ja-JP" dirty="0">
+                <a:solidFill>
+                  <a:schemeClr val="bg1">
+                    <a:lumMod val="75000"/>
+                  </a:schemeClr>
+                </a:solidFill>
+              </a:rPr>
+              <a:t>R</a:t>
+            </a:r>
+            <a:r>
+              <a:rPr lang="en-US" altLang="ja-JP" dirty="0">
+                <a:solidFill>
+                  <a:schemeClr val="bg1">
+                    <a:lumMod val="75000"/>
+                  </a:schemeClr>
+                </a:solidFill>
+              </a:rPr>
+              <a:t>oute53</a:t>
+            </a:r>
+            <a:endParaRPr lang="en-US" altLang="ja-JP" dirty="0" smtClean="0">
+              <a:solidFill>
+                <a:srgbClr val="BFBFBF"/>
+              </a:solidFill>
+            </a:endParaRPr>
+          </a:p>
+          <a:p>
             <a:pPr>
               <a:buFont typeface="+mj-lt"/>
               <a:buAutoNum type="arabicPeriod"/>
             </a:pPr>
             <a:r>
+              <a:rPr lang="en-US" altLang="ja-JP" dirty="0" smtClean="0">
+                <a:solidFill>
+                  <a:srgbClr val="BFBFBF"/>
+                </a:solidFill>
+              </a:rPr>
+              <a:t>API </a:t>
+            </a:r>
+            <a:r>
               <a:rPr lang="ja-JP" altLang="en-US" dirty="0" smtClean="0">
                 <a:solidFill>
                   <a:srgbClr val="BFBFBF"/>
                 </a:solidFill>
               </a:rPr>
-              <a:t>コンテンツ</a:t>
-            </a:r>
+              <a:t>デプロイ</a:t>
+            </a:r>
+            <a:endParaRPr lang="en-US" altLang="ja-JP" dirty="0">
+              <a:solidFill>
+                <a:srgbClr val="BFBFBF"/>
+              </a:solidFill>
+            </a:endParaRPr>
+          </a:p>
+          <a:p>
+            <a:pPr>
+              <a:buFont typeface="+mj-lt"/>
+              <a:buAutoNum type="arabicPeriod"/>
+            </a:pPr>
+            <a:r>
+              <a:rPr lang="en-US" altLang="ja-JP" dirty="0">
+                <a:solidFill>
+                  <a:schemeClr val="bg1">
+                    <a:lumMod val="75000"/>
+                  </a:schemeClr>
+                </a:solidFill>
+              </a:rPr>
+              <a:t>CMS </a:t>
+            </a:r>
+            <a:r>
+              <a:rPr lang="ja-JP" altLang="en-US" dirty="0">
+                <a:solidFill>
+                  <a:schemeClr val="bg1">
+                    <a:lumMod val="75000"/>
+                  </a:schemeClr>
+                </a:solidFill>
+              </a:rPr>
+              <a:t>デプロイ</a:t>
+            </a:r>
+            <a:endParaRPr lang="en-US" altLang="ja-JP" dirty="0">
+              <a:solidFill>
+                <a:schemeClr val="bg1">
+                  <a:lumMod val="75000"/>
+                </a:schemeClr>
+              </a:solidFill>
+            </a:endParaRPr>
+          </a:p>
+          <a:p>
+            <a:pPr>
+              <a:buFont typeface="+mj-lt"/>
+              <a:buAutoNum type="arabicPeriod"/>
+            </a:pPr>
             <a:r>
               <a:rPr lang="ja-JP" altLang="en-US" dirty="0" smtClean="0">
                 <a:solidFill>
                   <a:srgbClr val="BFBFBF"/>
                 </a:solidFill>
               </a:rPr>
-              <a:t>登録</a:t>
+              <a:t>コンテンツ登録</a:t>
             </a:r>
             <a:endParaRPr lang="en-US" altLang="ja-JP" dirty="0" smtClean="0">
               <a:solidFill>
@@ -12436,7 +12832,7 @@
           <p:cNvPr id="2" name="タイトル 1">
             <a:extLst>
               <a:ext uri="{FF2B5EF4-FFF2-40B4-BE49-F238E27FC236}">
-                <a16:creationId xmlns:a16="http://schemas.microsoft.com/office/drawing/2014/main" xmlns="" id="{41FAA20E-7C33-4452-B000-1315C6D7BF74}"/>
+                <a16:creationId xmlns="" xmlns:a16="http://schemas.microsoft.com/office/drawing/2014/main" id="{41FAA20E-7C33-4452-B000-1315C6D7BF74}"/>
               </a:ext>
             </a:extLst>
           </p:cNvPr>
@@ -12469,7 +12865,7 @@
           <p:cNvPr id="3" name="コンテンツ プレースホルダー 2">
             <a:extLst>
               <a:ext uri="{FF2B5EF4-FFF2-40B4-BE49-F238E27FC236}">
-                <a16:creationId xmlns:a16="http://schemas.microsoft.com/office/drawing/2014/main" xmlns="" id="{24173F00-B91E-440E-BAD4-BB493A21AC4B}"/>
+                <a16:creationId xmlns="" xmlns:a16="http://schemas.microsoft.com/office/drawing/2014/main" id="{24173F00-B91E-440E-BAD4-BB493A21AC4B}"/>
               </a:ext>
             </a:extLst>
           </p:cNvPr>
@@ -12534,7 +12930,7 @@
           <p:cNvPr id="4" name="スライド番号プレースホルダー 3">
             <a:extLst>
               <a:ext uri="{FF2B5EF4-FFF2-40B4-BE49-F238E27FC236}">
-                <a16:creationId xmlns:a16="http://schemas.microsoft.com/office/drawing/2014/main" xmlns="" id="{3A64CE71-C252-41E0-98BA-363CD7954AFC}"/>
+                <a16:creationId xmlns="" xmlns:a16="http://schemas.microsoft.com/office/drawing/2014/main" id="{3A64CE71-C252-41E0-98BA-363CD7954AFC}"/>
               </a:ext>
             </a:extLst>
           </p:cNvPr>
@@ -12564,7 +12960,7 @@
           <p:cNvPr id="7" name="表 6">
             <a:extLst>
               <a:ext uri="{FF2B5EF4-FFF2-40B4-BE49-F238E27FC236}">
-                <a16:creationId xmlns:a16="http://schemas.microsoft.com/office/drawing/2014/main" xmlns="" id="{98063CA4-BBF9-44CC-A612-1620B85D352F}"/>
+                <a16:creationId xmlns="" xmlns:a16="http://schemas.microsoft.com/office/drawing/2014/main" id="{98063CA4-BBF9-44CC-A612-1620B85D352F}"/>
               </a:ext>
             </a:extLst>
           </p:cNvPr>
@@ -12593,21 +12989,21 @@
                 <a:gridCol w="760683">
                   <a:extLst>
                     <a:ext uri="{9D8B030D-6E8A-4147-A177-3AD203B41FA5}">
-                      <a16:colId xmlns:a16="http://schemas.microsoft.com/office/drawing/2014/main" xmlns="" val="3097440919"/>
+                      <a16:colId xmlns="" xmlns:a16="http://schemas.microsoft.com/office/drawing/2014/main" val="3097440919"/>
                     </a:ext>
                   </a:extLst>
                 </a:gridCol>
                 <a:gridCol w="2252380">
                   <a:extLst>
                     <a:ext uri="{9D8B030D-6E8A-4147-A177-3AD203B41FA5}">
-                      <a16:colId xmlns:a16="http://schemas.microsoft.com/office/drawing/2014/main" xmlns="" val="3781596161"/>
+                      <a16:colId xmlns="" xmlns:a16="http://schemas.microsoft.com/office/drawing/2014/main" val="3781596161"/>
                     </a:ext>
                   </a:extLst>
                 </a:gridCol>
                 <a:gridCol w="3618676">
                   <a:extLst>
                     <a:ext uri="{9D8B030D-6E8A-4147-A177-3AD203B41FA5}">
-                      <a16:colId xmlns:a16="http://schemas.microsoft.com/office/drawing/2014/main" xmlns="" val="101742419"/>
+                      <a16:colId xmlns="" xmlns:a16="http://schemas.microsoft.com/office/drawing/2014/main" val="101742419"/>
                     </a:ext>
                   </a:extLst>
                 </a:gridCol>
@@ -12681,7 +13077,7 @@
                 </a:tc>
                 <a:extLst>
                   <a:ext uri="{0D108BD9-81ED-4DB2-BD59-A6C34878D82A}">
-                    <a16:rowId xmlns:a16="http://schemas.microsoft.com/office/drawing/2014/main" xmlns="" val="3698804113"/>
+                    <a16:rowId xmlns="" xmlns:a16="http://schemas.microsoft.com/office/drawing/2014/main" val="3698804113"/>
                   </a:ext>
                 </a:extLst>
               </a:tr>
@@ -12778,7 +13174,7 @@
                 </a:tc>
                 <a:extLst>
                   <a:ext uri="{0D108BD9-81ED-4DB2-BD59-A6C34878D82A}">
-                    <a16:rowId xmlns:a16="http://schemas.microsoft.com/office/drawing/2014/main" xmlns="" val="107489019"/>
+                    <a16:rowId xmlns="" xmlns:a16="http://schemas.microsoft.com/office/drawing/2014/main" val="107489019"/>
                   </a:ext>
                 </a:extLst>
               </a:tr>
@@ -12851,7 +13247,7 @@
                 </a:tc>
                 <a:extLst>
                   <a:ext uri="{0D108BD9-81ED-4DB2-BD59-A6C34878D82A}">
-                    <a16:rowId xmlns:a16="http://schemas.microsoft.com/office/drawing/2014/main" xmlns="" val="3404879894"/>
+                    <a16:rowId xmlns="" xmlns:a16="http://schemas.microsoft.com/office/drawing/2014/main" val="3404879894"/>
                   </a:ext>
                 </a:extLst>
               </a:tr>
@@ -12924,7 +13320,7 @@
                 </a:tc>
                 <a:extLst>
                   <a:ext uri="{0D108BD9-81ED-4DB2-BD59-A6C34878D82A}">
-                    <a16:rowId xmlns:a16="http://schemas.microsoft.com/office/drawing/2014/main" xmlns="" val="1504046248"/>
+                    <a16:rowId xmlns="" xmlns:a16="http://schemas.microsoft.com/office/drawing/2014/main" val="1504046248"/>
                   </a:ext>
                 </a:extLst>
               </a:tr>
@@ -12997,7 +13393,7 @@
                 </a:tc>
                 <a:extLst>
                   <a:ext uri="{0D108BD9-81ED-4DB2-BD59-A6C34878D82A}">
-                    <a16:rowId xmlns:a16="http://schemas.microsoft.com/office/drawing/2014/main" xmlns="" val="2285871372"/>
+                    <a16:rowId xmlns="" xmlns:a16="http://schemas.microsoft.com/office/drawing/2014/main" val="2285871372"/>
                   </a:ext>
                 </a:extLst>
               </a:tr>
@@ -13064,7 +13460,7 @@
                 </a:tc>
                 <a:extLst>
                   <a:ext uri="{0D108BD9-81ED-4DB2-BD59-A6C34878D82A}">
-                    <a16:rowId xmlns:a16="http://schemas.microsoft.com/office/drawing/2014/main" xmlns="" val="68402242"/>
+                    <a16:rowId xmlns="" xmlns:a16="http://schemas.microsoft.com/office/drawing/2014/main" val="68402242"/>
                   </a:ext>
                 </a:extLst>
               </a:tr>
@@ -13161,7 +13557,7 @@
                 </a:tc>
                 <a:extLst>
                   <a:ext uri="{0D108BD9-81ED-4DB2-BD59-A6C34878D82A}">
-                    <a16:rowId xmlns:a16="http://schemas.microsoft.com/office/drawing/2014/main" xmlns="" val="1909847772"/>
+                    <a16:rowId xmlns="" xmlns:a16="http://schemas.microsoft.com/office/drawing/2014/main" val="1909847772"/>
                   </a:ext>
                 </a:extLst>
               </a:tr>
@@ -13234,7 +13630,7 @@
                 </a:tc>
                 <a:extLst>
                   <a:ext uri="{0D108BD9-81ED-4DB2-BD59-A6C34878D82A}">
-                    <a16:rowId xmlns:a16="http://schemas.microsoft.com/office/drawing/2014/main" xmlns="" val="3267968211"/>
+                    <a16:rowId xmlns="" xmlns:a16="http://schemas.microsoft.com/office/drawing/2014/main" val="3267968211"/>
                   </a:ext>
                 </a:extLst>
               </a:tr>
@@ -13307,7 +13703,7 @@
                 </a:tc>
                 <a:extLst>
                   <a:ext uri="{0D108BD9-81ED-4DB2-BD59-A6C34878D82A}">
-                    <a16:rowId xmlns:a16="http://schemas.microsoft.com/office/drawing/2014/main" xmlns="" val="1862532213"/>
+                    <a16:rowId xmlns="" xmlns:a16="http://schemas.microsoft.com/office/drawing/2014/main" val="1862532213"/>
                   </a:ext>
                 </a:extLst>
               </a:tr>
@@ -13380,7 +13776,7 @@
                 </a:tc>
                 <a:extLst>
                   <a:ext uri="{0D108BD9-81ED-4DB2-BD59-A6C34878D82A}">
-                    <a16:rowId xmlns:a16="http://schemas.microsoft.com/office/drawing/2014/main" xmlns="" val="101594728"/>
+                    <a16:rowId xmlns="" xmlns:a16="http://schemas.microsoft.com/office/drawing/2014/main" val="101594728"/>
                   </a:ext>
                 </a:extLst>
               </a:tr>
@@ -13435,7 +13831,7 @@
                 </a:tc>
                 <a:extLst>
                   <a:ext uri="{0D108BD9-81ED-4DB2-BD59-A6C34878D82A}">
-                    <a16:rowId xmlns:a16="http://schemas.microsoft.com/office/drawing/2014/main" xmlns="" val="815672259"/>
+                    <a16:rowId xmlns="" xmlns:a16="http://schemas.microsoft.com/office/drawing/2014/main" val="815672259"/>
                   </a:ext>
                 </a:extLst>
               </a:tr>
@@ -13532,7 +13928,7 @@
                 </a:tc>
                 <a:extLst>
                   <a:ext uri="{0D108BD9-81ED-4DB2-BD59-A6C34878D82A}">
-                    <a16:rowId xmlns:a16="http://schemas.microsoft.com/office/drawing/2014/main" xmlns="" val="3163050151"/>
+                    <a16:rowId xmlns="" xmlns:a16="http://schemas.microsoft.com/office/drawing/2014/main" val="3163050151"/>
                   </a:ext>
                 </a:extLst>
               </a:tr>
@@ -13605,7 +14001,7 @@
                 </a:tc>
                 <a:extLst>
                   <a:ext uri="{0D108BD9-81ED-4DB2-BD59-A6C34878D82A}">
-                    <a16:rowId xmlns:a16="http://schemas.microsoft.com/office/drawing/2014/main" xmlns="" val="2127901705"/>
+                    <a16:rowId xmlns="" xmlns:a16="http://schemas.microsoft.com/office/drawing/2014/main" val="2127901705"/>
                   </a:ext>
                 </a:extLst>
               </a:tr>
@@ -13678,7 +14074,7 @@
                 </a:tc>
                 <a:extLst>
                   <a:ext uri="{0D108BD9-81ED-4DB2-BD59-A6C34878D82A}">
-                    <a16:rowId xmlns:a16="http://schemas.microsoft.com/office/drawing/2014/main" xmlns="" val="1639569515"/>
+                    <a16:rowId xmlns="" xmlns:a16="http://schemas.microsoft.com/office/drawing/2014/main" val="1639569515"/>
                   </a:ext>
                 </a:extLst>
               </a:tr>
@@ -13751,7 +14147,7 @@
                 </a:tc>
                 <a:extLst>
                   <a:ext uri="{0D108BD9-81ED-4DB2-BD59-A6C34878D82A}">
-                    <a16:rowId xmlns:a16="http://schemas.microsoft.com/office/drawing/2014/main" xmlns="" val="3566620226"/>
+                    <a16:rowId xmlns="" xmlns:a16="http://schemas.microsoft.com/office/drawing/2014/main" val="3566620226"/>
                   </a:ext>
                 </a:extLst>
               </a:tr>
@@ -13806,7 +14202,7 @@
                 </a:tc>
                 <a:extLst>
                   <a:ext uri="{0D108BD9-81ED-4DB2-BD59-A6C34878D82A}">
-                    <a16:rowId xmlns:a16="http://schemas.microsoft.com/office/drawing/2014/main" xmlns="" val="233984755"/>
+                    <a16:rowId xmlns="" xmlns:a16="http://schemas.microsoft.com/office/drawing/2014/main" val="233984755"/>
                   </a:ext>
                 </a:extLst>
               </a:tr>
@@ -14226,59 +14622,6 @@
               </a:rPr>
               <a:t>EC2</a:t>
             </a:r>
-          </a:p>
-          <a:p>
-            <a:pPr>
-              <a:buFont typeface="+mj-lt"/>
-              <a:buAutoNum type="arabicPeriod"/>
-            </a:pPr>
-            <a:r>
-              <a:rPr lang="en-US" altLang="ja-JP" dirty="0" smtClean="0">
-                <a:solidFill>
-                  <a:srgbClr val="BFBFBF"/>
-                </a:solidFill>
-              </a:rPr>
-              <a:t>API </a:t>
-            </a:r>
-            <a:r>
-              <a:rPr lang="ja-JP" altLang="en-US" dirty="0" smtClean="0">
-                <a:solidFill>
-                  <a:srgbClr val="BFBFBF"/>
-                </a:solidFill>
-              </a:rPr>
-              <a:t>デプロイ</a:t>
-            </a:r>
-            <a:endParaRPr lang="en-US" altLang="ja-JP" dirty="0">
-              <a:solidFill>
-                <a:srgbClr val="BFBFBF"/>
-              </a:solidFill>
-            </a:endParaRPr>
-          </a:p>
-          <a:p>
-            <a:pPr>
-              <a:buFont typeface="+mj-lt"/>
-              <a:buAutoNum type="arabicPeriod"/>
-            </a:pPr>
-            <a:r>
-              <a:rPr lang="en-US" altLang="ja-JP" dirty="0">
-                <a:solidFill>
-                  <a:schemeClr val="bg1">
-                    <a:lumMod val="75000"/>
-                  </a:schemeClr>
-                </a:solidFill>
-              </a:rPr>
-              <a:t>CMS </a:t>
-            </a:r>
-            <a:r>
-              <a:rPr lang="ja-JP" altLang="en-US" dirty="0">
-                <a:solidFill>
-                  <a:schemeClr val="bg1">
-                    <a:lumMod val="75000"/>
-                  </a:schemeClr>
-                </a:solidFill>
-              </a:rPr>
-              <a:t>デプロイ</a:t>
-            </a:r>
             <a:endParaRPr lang="en-US" altLang="ja-JP" dirty="0">
               <a:solidFill>
                 <a:schemeClr val="bg1">
@@ -14288,25 +14631,134 @@
             </a:endParaRPr>
           </a:p>
           <a:p>
+            <a:pPr lvl="1">
+              <a:buFont typeface="+mj-lt"/>
+              <a:buAutoNum type="arabicPeriod"/>
+            </a:pPr>
+            <a:r>
+              <a:rPr lang="ja-JP" altLang="ja-JP" dirty="0">
+                <a:solidFill>
+                  <a:schemeClr val="bg1">
+                    <a:lumMod val="75000"/>
+                  </a:schemeClr>
+                </a:solidFill>
+              </a:rPr>
+              <a:t>C</a:t>
+            </a:r>
+            <a:r>
+              <a:rPr lang="en-US" altLang="ja-JP" dirty="0">
+                <a:solidFill>
+                  <a:schemeClr val="bg1">
+                    <a:lumMod val="75000"/>
+                  </a:schemeClr>
+                </a:solidFill>
+              </a:rPr>
+              <a:t>ognite</a:t>
+            </a:r>
+          </a:p>
+          <a:p>
+            <a:pPr lvl="1">
+              <a:buFont typeface="+mj-lt"/>
+              <a:buAutoNum type="arabicPeriod"/>
+            </a:pPr>
+            <a:r>
+              <a:rPr lang="ja-JP" altLang="ja-JP" dirty="0">
+                <a:solidFill>
+                  <a:schemeClr val="bg1">
+                    <a:lumMod val="75000"/>
+                  </a:schemeClr>
+                </a:solidFill>
+              </a:rPr>
+              <a:t>R</a:t>
+            </a:r>
+            <a:r>
+              <a:rPr lang="en-US" altLang="ja-JP" dirty="0">
+                <a:solidFill>
+                  <a:schemeClr val="bg1">
+                    <a:lumMod val="75000"/>
+                  </a:schemeClr>
+                </a:solidFill>
+              </a:rPr>
+              <a:t>oute53</a:t>
+            </a:r>
+            <a:endParaRPr lang="en-US" altLang="ja-JP" dirty="0" smtClean="0">
+              <a:solidFill>
+                <a:srgbClr val="BFBFBF"/>
+              </a:solidFill>
+            </a:endParaRPr>
+          </a:p>
+          <a:p>
             <a:pPr>
               <a:buFont typeface="+mj-lt"/>
               <a:buAutoNum type="arabicPeriod"/>
             </a:pPr>
             <a:r>
+              <a:rPr lang="en-US" altLang="ja-JP" dirty="0" smtClean="0">
+                <a:solidFill>
+                  <a:srgbClr val="BFBFBF"/>
+                </a:solidFill>
+              </a:rPr>
+              <a:t>API </a:t>
+            </a:r>
+            <a:r>
               <a:rPr lang="ja-JP" altLang="en-US" dirty="0" smtClean="0">
                 <a:solidFill>
                   <a:srgbClr val="BFBFBF"/>
                 </a:solidFill>
               </a:rPr>
-              <a:t>コンテンツ</a:t>
-            </a:r>
+              <a:t>デプロイ</a:t>
+            </a:r>
+            <a:endParaRPr lang="en-US" altLang="ja-JP" dirty="0">
+              <a:solidFill>
+                <a:srgbClr val="BFBFBF"/>
+              </a:solidFill>
+            </a:endParaRPr>
+          </a:p>
+          <a:p>
+            <a:pPr>
+              <a:buFont typeface="+mj-lt"/>
+              <a:buAutoNum type="arabicPeriod"/>
+            </a:pPr>
+            <a:r>
+              <a:rPr lang="en-US" altLang="ja-JP" dirty="0">
+                <a:solidFill>
+                  <a:schemeClr val="bg1">
+                    <a:lumMod val="75000"/>
+                  </a:schemeClr>
+                </a:solidFill>
+              </a:rPr>
+              <a:t>CMS </a:t>
+            </a:r>
+            <a:r>
+              <a:rPr lang="ja-JP" altLang="en-US" dirty="0">
+                <a:solidFill>
+                  <a:schemeClr val="bg1">
+                    <a:lumMod val="75000"/>
+                  </a:schemeClr>
+                </a:solidFill>
+              </a:rPr>
+              <a:t>デプロイ</a:t>
+            </a:r>
+            <a:endParaRPr lang="en-US" altLang="ja-JP" dirty="0">
+              <a:solidFill>
+                <a:schemeClr val="bg1">
+                  <a:lumMod val="75000"/>
+                </a:schemeClr>
+              </a:solidFill>
+            </a:endParaRPr>
+          </a:p>
+          <a:p>
+            <a:pPr>
+              <a:buFont typeface="+mj-lt"/>
+              <a:buAutoNum type="arabicPeriod"/>
+            </a:pPr>
             <a:r>
               <a:rPr lang="ja-JP" altLang="en-US" dirty="0" smtClean="0">
                 <a:solidFill>
                   <a:srgbClr val="BFBFBF"/>
                 </a:solidFill>
               </a:rPr>
-              <a:t>登録</a:t>
+              <a:t>コンテンツ登録</a:t>
             </a:r>
             <a:endParaRPr lang="en-US" altLang="ja-JP" dirty="0" smtClean="0">
               <a:solidFill>
@@ -14376,7 +14828,7 @@
           <p:cNvPr id="2" name="タイトル 1">
             <a:extLst>
               <a:ext uri="{FF2B5EF4-FFF2-40B4-BE49-F238E27FC236}">
-                <a16:creationId xmlns:a16="http://schemas.microsoft.com/office/drawing/2014/main" xmlns="" id="{41FAA20E-7C33-4452-B000-1315C6D7BF74}"/>
+                <a16:creationId xmlns="" xmlns:a16="http://schemas.microsoft.com/office/drawing/2014/main" id="{41FAA20E-7C33-4452-B000-1315C6D7BF74}"/>
               </a:ext>
             </a:extLst>
           </p:cNvPr>
@@ -14409,7 +14861,7 @@
           <p:cNvPr id="3" name="コンテンツ プレースホルダー 2">
             <a:extLst>
               <a:ext uri="{FF2B5EF4-FFF2-40B4-BE49-F238E27FC236}">
-                <a16:creationId xmlns:a16="http://schemas.microsoft.com/office/drawing/2014/main" xmlns="" id="{24173F00-B91E-440E-BAD4-BB493A21AC4B}"/>
+                <a16:creationId xmlns="" xmlns:a16="http://schemas.microsoft.com/office/drawing/2014/main" id="{24173F00-B91E-440E-BAD4-BB493A21AC4B}"/>
               </a:ext>
             </a:extLst>
           </p:cNvPr>
@@ -14667,7 +15119,7 @@
           <p:cNvPr id="4" name="スライド番号プレースホルダー 3">
             <a:extLst>
               <a:ext uri="{FF2B5EF4-FFF2-40B4-BE49-F238E27FC236}">
-                <a16:creationId xmlns:a16="http://schemas.microsoft.com/office/drawing/2014/main" xmlns="" id="{3A64CE71-C252-41E0-98BA-363CD7954AFC}"/>
+                <a16:creationId xmlns="" xmlns:a16="http://schemas.microsoft.com/office/drawing/2014/main" id="{3A64CE71-C252-41E0-98BA-363CD7954AFC}"/>
               </a:ext>
             </a:extLst>
           </p:cNvPr>
@@ -15106,59 +15558,6 @@
               </a:rPr>
               <a:t>EC2</a:t>
             </a:r>
-          </a:p>
-          <a:p>
-            <a:pPr>
-              <a:buFont typeface="+mj-lt"/>
-              <a:buAutoNum type="arabicPeriod"/>
-            </a:pPr>
-            <a:r>
-              <a:rPr lang="en-US" altLang="ja-JP" dirty="0" smtClean="0">
-                <a:solidFill>
-                  <a:srgbClr val="BFBFBF"/>
-                </a:solidFill>
-              </a:rPr>
-              <a:t>API </a:t>
-            </a:r>
-            <a:r>
-              <a:rPr lang="ja-JP" altLang="en-US" dirty="0" smtClean="0">
-                <a:solidFill>
-                  <a:srgbClr val="BFBFBF"/>
-                </a:solidFill>
-              </a:rPr>
-              <a:t>デプロイ</a:t>
-            </a:r>
-            <a:endParaRPr lang="en-US" altLang="ja-JP" dirty="0">
-              <a:solidFill>
-                <a:srgbClr val="BFBFBF"/>
-              </a:solidFill>
-            </a:endParaRPr>
-          </a:p>
-          <a:p>
-            <a:pPr>
-              <a:buFont typeface="+mj-lt"/>
-              <a:buAutoNum type="arabicPeriod"/>
-            </a:pPr>
-            <a:r>
-              <a:rPr lang="en-US" altLang="ja-JP" dirty="0">
-                <a:solidFill>
-                  <a:schemeClr val="bg1">
-                    <a:lumMod val="75000"/>
-                  </a:schemeClr>
-                </a:solidFill>
-              </a:rPr>
-              <a:t>CMS </a:t>
-            </a:r>
-            <a:r>
-              <a:rPr lang="ja-JP" altLang="en-US" dirty="0">
-                <a:solidFill>
-                  <a:schemeClr val="bg1">
-                    <a:lumMod val="75000"/>
-                  </a:schemeClr>
-                </a:solidFill>
-              </a:rPr>
-              <a:t>デプロイ</a:t>
-            </a:r>
             <a:endParaRPr lang="en-US" altLang="ja-JP" dirty="0">
               <a:solidFill>
                 <a:schemeClr val="bg1">
@@ -15168,25 +15567,134 @@
             </a:endParaRPr>
           </a:p>
           <a:p>
+            <a:pPr lvl="1">
+              <a:buFont typeface="+mj-lt"/>
+              <a:buAutoNum type="arabicPeriod"/>
+            </a:pPr>
+            <a:r>
+              <a:rPr lang="ja-JP" altLang="ja-JP" dirty="0">
+                <a:solidFill>
+                  <a:schemeClr val="bg1">
+                    <a:lumMod val="75000"/>
+                  </a:schemeClr>
+                </a:solidFill>
+              </a:rPr>
+              <a:t>C</a:t>
+            </a:r>
+            <a:r>
+              <a:rPr lang="en-US" altLang="ja-JP" dirty="0">
+                <a:solidFill>
+                  <a:schemeClr val="bg1">
+                    <a:lumMod val="75000"/>
+                  </a:schemeClr>
+                </a:solidFill>
+              </a:rPr>
+              <a:t>ognite</a:t>
+            </a:r>
+          </a:p>
+          <a:p>
+            <a:pPr lvl="1">
+              <a:buFont typeface="+mj-lt"/>
+              <a:buAutoNum type="arabicPeriod"/>
+            </a:pPr>
+            <a:r>
+              <a:rPr lang="ja-JP" altLang="ja-JP" dirty="0">
+                <a:solidFill>
+                  <a:schemeClr val="bg1">
+                    <a:lumMod val="75000"/>
+                  </a:schemeClr>
+                </a:solidFill>
+              </a:rPr>
+              <a:t>R</a:t>
+            </a:r>
+            <a:r>
+              <a:rPr lang="en-US" altLang="ja-JP" dirty="0">
+                <a:solidFill>
+                  <a:schemeClr val="bg1">
+                    <a:lumMod val="75000"/>
+                  </a:schemeClr>
+                </a:solidFill>
+              </a:rPr>
+              <a:t>oute53</a:t>
+            </a:r>
+            <a:endParaRPr lang="en-US" altLang="ja-JP" dirty="0" smtClean="0">
+              <a:solidFill>
+                <a:srgbClr val="BFBFBF"/>
+              </a:solidFill>
+            </a:endParaRPr>
+          </a:p>
+          <a:p>
             <a:pPr>
               <a:buFont typeface="+mj-lt"/>
               <a:buAutoNum type="arabicPeriod"/>
             </a:pPr>
             <a:r>
+              <a:rPr lang="en-US" altLang="ja-JP" dirty="0" smtClean="0">
+                <a:solidFill>
+                  <a:srgbClr val="BFBFBF"/>
+                </a:solidFill>
+              </a:rPr>
+              <a:t>API </a:t>
+            </a:r>
+            <a:r>
               <a:rPr lang="ja-JP" altLang="en-US" dirty="0" smtClean="0">
                 <a:solidFill>
                   <a:srgbClr val="BFBFBF"/>
                 </a:solidFill>
               </a:rPr>
-              <a:t>コンテンツ</a:t>
-            </a:r>
+              <a:t>デプロイ</a:t>
+            </a:r>
+            <a:endParaRPr lang="en-US" altLang="ja-JP" dirty="0">
+              <a:solidFill>
+                <a:srgbClr val="BFBFBF"/>
+              </a:solidFill>
+            </a:endParaRPr>
+          </a:p>
+          <a:p>
+            <a:pPr>
+              <a:buFont typeface="+mj-lt"/>
+              <a:buAutoNum type="arabicPeriod"/>
+            </a:pPr>
+            <a:r>
+              <a:rPr lang="en-US" altLang="ja-JP" dirty="0">
+                <a:solidFill>
+                  <a:schemeClr val="bg1">
+                    <a:lumMod val="75000"/>
+                  </a:schemeClr>
+                </a:solidFill>
+              </a:rPr>
+              <a:t>CMS </a:t>
+            </a:r>
+            <a:r>
+              <a:rPr lang="ja-JP" altLang="en-US" dirty="0">
+                <a:solidFill>
+                  <a:schemeClr val="bg1">
+                    <a:lumMod val="75000"/>
+                  </a:schemeClr>
+                </a:solidFill>
+              </a:rPr>
+              <a:t>デプロイ</a:t>
+            </a:r>
+            <a:endParaRPr lang="en-US" altLang="ja-JP" dirty="0">
+              <a:solidFill>
+                <a:schemeClr val="bg1">
+                  <a:lumMod val="75000"/>
+                </a:schemeClr>
+              </a:solidFill>
+            </a:endParaRPr>
+          </a:p>
+          <a:p>
+            <a:pPr>
+              <a:buFont typeface="+mj-lt"/>
+              <a:buAutoNum type="arabicPeriod"/>
+            </a:pPr>
             <a:r>
               <a:rPr lang="ja-JP" altLang="en-US" dirty="0" smtClean="0">
                 <a:solidFill>
                   <a:srgbClr val="BFBFBF"/>
                 </a:solidFill>
               </a:rPr>
-              <a:t>登録</a:t>
+              <a:t>コンテンツ登録</a:t>
             </a:r>
             <a:endParaRPr lang="en-US" altLang="ja-JP" dirty="0" smtClean="0">
               <a:solidFill>
@@ -15343,7 +15851,7 @@
           <p:cNvPr id="12" name="表 11">
             <a:extLst>
               <a:ext uri="{FF2B5EF4-FFF2-40B4-BE49-F238E27FC236}">
-                <a16:creationId xmlns:a16="http://schemas.microsoft.com/office/drawing/2014/main" xmlns="" id="{5272C826-C1D9-418F-A534-E17A3F1A95EC}"/>
+                <a16:creationId xmlns="" xmlns:a16="http://schemas.microsoft.com/office/drawing/2014/main" id="{5272C826-C1D9-418F-A534-E17A3F1A95EC}"/>
               </a:ext>
             </a:extLst>
           </p:cNvPr>
@@ -15372,14 +15880,14 @@
                 <a:gridCol w="1009429">
                   <a:extLst>
                     <a:ext uri="{9D8B030D-6E8A-4147-A177-3AD203B41FA5}">
-                      <a16:colId xmlns:a16="http://schemas.microsoft.com/office/drawing/2014/main" xmlns="" val="2918184759"/>
+                      <a16:colId xmlns="" xmlns:a16="http://schemas.microsoft.com/office/drawing/2014/main" val="2918184759"/>
                     </a:ext>
                   </a:extLst>
                 </a:gridCol>
                 <a:gridCol w="2749771">
                   <a:extLst>
                     <a:ext uri="{9D8B030D-6E8A-4147-A177-3AD203B41FA5}">
-                      <a16:colId xmlns:a16="http://schemas.microsoft.com/office/drawing/2014/main" xmlns="" val="650853217"/>
+                      <a16:colId xmlns="" xmlns:a16="http://schemas.microsoft.com/office/drawing/2014/main" val="650853217"/>
                     </a:ext>
                   </a:extLst>
                 </a:gridCol>
@@ -15453,7 +15961,7 @@
                 </a:tc>
                 <a:extLst>
                   <a:ext uri="{0D108BD9-81ED-4DB2-BD59-A6C34878D82A}">
-                    <a16:rowId xmlns:a16="http://schemas.microsoft.com/office/drawing/2014/main" xmlns="" val="863991715"/>
+                    <a16:rowId xmlns="" xmlns:a16="http://schemas.microsoft.com/office/drawing/2014/main" val="863991715"/>
                   </a:ext>
                 </a:extLst>
               </a:tr>
@@ -15526,7 +16034,7 @@
                 </a:tc>
                 <a:extLst>
                   <a:ext uri="{0D108BD9-81ED-4DB2-BD59-A6C34878D82A}">
-                    <a16:rowId xmlns:a16="http://schemas.microsoft.com/office/drawing/2014/main" xmlns="" val="3672779048"/>
+                    <a16:rowId xmlns="" xmlns:a16="http://schemas.microsoft.com/office/drawing/2014/main" val="3672779048"/>
                   </a:ext>
                 </a:extLst>
               </a:tr>
@@ -15539,7 +16047,7 @@
           <p:cNvPr id="13" name="表 12">
             <a:extLst>
               <a:ext uri="{FF2B5EF4-FFF2-40B4-BE49-F238E27FC236}">
-                <a16:creationId xmlns:a16="http://schemas.microsoft.com/office/drawing/2014/main" xmlns="" id="{5272C826-C1D9-418F-A534-E17A3F1A95EC}"/>
+                <a16:creationId xmlns="" xmlns:a16="http://schemas.microsoft.com/office/drawing/2014/main" id="{5272C826-C1D9-418F-A534-E17A3F1A95EC}"/>
               </a:ext>
             </a:extLst>
           </p:cNvPr>
@@ -15568,14 +16076,14 @@
                 <a:gridCol w="2555234">
                   <a:extLst>
                     <a:ext uri="{9D8B030D-6E8A-4147-A177-3AD203B41FA5}">
-                      <a16:colId xmlns:a16="http://schemas.microsoft.com/office/drawing/2014/main" xmlns="" val="2918184759"/>
+                      <a16:colId xmlns="" xmlns:a16="http://schemas.microsoft.com/office/drawing/2014/main" val="2918184759"/>
                     </a:ext>
                   </a:extLst>
                 </a:gridCol>
                 <a:gridCol w="2997700">
                   <a:extLst>
                     <a:ext uri="{9D8B030D-6E8A-4147-A177-3AD203B41FA5}">
-                      <a16:colId xmlns:a16="http://schemas.microsoft.com/office/drawing/2014/main" xmlns="" val="650853217"/>
+                      <a16:colId xmlns="" xmlns:a16="http://schemas.microsoft.com/office/drawing/2014/main" val="650853217"/>
                     </a:ext>
                   </a:extLst>
                 </a:gridCol>
@@ -15715,7 +16223,7 @@
                 </a:tc>
                 <a:extLst>
                   <a:ext uri="{0D108BD9-81ED-4DB2-BD59-A6C34878D82A}">
-                    <a16:rowId xmlns:a16="http://schemas.microsoft.com/office/drawing/2014/main" xmlns="" val="863991715"/>
+                    <a16:rowId xmlns="" xmlns:a16="http://schemas.microsoft.com/office/drawing/2014/main" val="863991715"/>
                   </a:ext>
                 </a:extLst>
               </a:tr>
@@ -15788,7 +16296,7 @@
                 </a:tc>
                 <a:extLst>
                   <a:ext uri="{0D108BD9-81ED-4DB2-BD59-A6C34878D82A}">
-                    <a16:rowId xmlns:a16="http://schemas.microsoft.com/office/drawing/2014/main" xmlns="" val="3672779048"/>
+                    <a16:rowId xmlns="" xmlns:a16="http://schemas.microsoft.com/office/drawing/2014/main" val="3672779048"/>
                   </a:ext>
                 </a:extLst>
               </a:tr>
@@ -16084,7 +16592,7 @@
           <p:cNvPr id="14" name="表 13">
             <a:extLst>
               <a:ext uri="{FF2B5EF4-FFF2-40B4-BE49-F238E27FC236}">
-                <a16:creationId xmlns:a16="http://schemas.microsoft.com/office/drawing/2014/main" xmlns="" id="{5272C826-C1D9-418F-A534-E17A3F1A95EC}"/>
+                <a16:creationId xmlns="" xmlns:a16="http://schemas.microsoft.com/office/drawing/2014/main" id="{5272C826-C1D9-418F-A534-E17A3F1A95EC}"/>
               </a:ext>
             </a:extLst>
           </p:cNvPr>
@@ -16113,14 +16621,14 @@
                 <a:gridCol w="2816309">
                   <a:extLst>
                     <a:ext uri="{9D8B030D-6E8A-4147-A177-3AD203B41FA5}">
-                      <a16:colId xmlns:a16="http://schemas.microsoft.com/office/drawing/2014/main" xmlns="" val="2918184759"/>
+                      <a16:colId xmlns="" xmlns:a16="http://schemas.microsoft.com/office/drawing/2014/main" val="2918184759"/>
                     </a:ext>
                   </a:extLst>
                 </a:gridCol>
                 <a:gridCol w="443010">
                   <a:extLst>
                     <a:ext uri="{9D8B030D-6E8A-4147-A177-3AD203B41FA5}">
-                      <a16:colId xmlns:a16="http://schemas.microsoft.com/office/drawing/2014/main" xmlns="" val="650853217"/>
+                      <a16:colId xmlns="" xmlns:a16="http://schemas.microsoft.com/office/drawing/2014/main" val="650853217"/>
                     </a:ext>
                   </a:extLst>
                 </a:gridCol>
@@ -16187,7 +16695,7 @@
                 </a:tc>
                 <a:extLst>
                   <a:ext uri="{0D108BD9-81ED-4DB2-BD59-A6C34878D82A}">
-                    <a16:rowId xmlns:a16="http://schemas.microsoft.com/office/drawing/2014/main" xmlns="" val="863991715"/>
+                    <a16:rowId xmlns="" xmlns:a16="http://schemas.microsoft.com/office/drawing/2014/main" val="863991715"/>
                   </a:ext>
                 </a:extLst>
               </a:tr>
@@ -16237,7 +16745,7 @@
           <p:cNvPr id="2" name="タイトル 1">
             <a:extLst>
               <a:ext uri="{FF2B5EF4-FFF2-40B4-BE49-F238E27FC236}">
-                <a16:creationId xmlns:a16="http://schemas.microsoft.com/office/drawing/2014/main" xmlns="" id="{12731FC3-AB29-492B-AE6D-8CB0EBD6035D}"/>
+                <a16:creationId xmlns="" xmlns:a16="http://schemas.microsoft.com/office/drawing/2014/main" id="{12731FC3-AB29-492B-AE6D-8CB0EBD6035D}"/>
               </a:ext>
             </a:extLst>
           </p:cNvPr>
@@ -16265,7 +16773,7 @@
           <p:cNvPr id="4" name="スライド番号プレースホルダー 3">
             <a:extLst>
               <a:ext uri="{FF2B5EF4-FFF2-40B4-BE49-F238E27FC236}">
-                <a16:creationId xmlns:a16="http://schemas.microsoft.com/office/drawing/2014/main" xmlns="" id="{5A8CD54E-7EDD-451D-9C7A-85E4A20CEBF0}"/>
+                <a16:creationId xmlns="" xmlns:a16="http://schemas.microsoft.com/office/drawing/2014/main" id="{5A8CD54E-7EDD-451D-9C7A-85E4A20CEBF0}"/>
               </a:ext>
             </a:extLst>
           </p:cNvPr>
@@ -16295,7 +16803,7 @@
           <p:cNvPr id="5" name="表 4">
             <a:extLst>
               <a:ext uri="{FF2B5EF4-FFF2-40B4-BE49-F238E27FC236}">
-                <a16:creationId xmlns:a16="http://schemas.microsoft.com/office/drawing/2014/main" xmlns="" id="{9CC6374B-4142-4113-B041-850E8ED0401A}"/>
+                <a16:creationId xmlns="" xmlns:a16="http://schemas.microsoft.com/office/drawing/2014/main" id="{9CC6374B-4142-4113-B041-850E8ED0401A}"/>
               </a:ext>
             </a:extLst>
           </p:cNvPr>
@@ -16324,28 +16832,28 @@
                 <a:gridCol w="654640">
                   <a:extLst>
                     <a:ext uri="{9D8B030D-6E8A-4147-A177-3AD203B41FA5}">
-                      <a16:colId xmlns:a16="http://schemas.microsoft.com/office/drawing/2014/main" xmlns="" val="1645166067"/>
+                      <a16:colId xmlns="" xmlns:a16="http://schemas.microsoft.com/office/drawing/2014/main" val="1645166067"/>
                     </a:ext>
                   </a:extLst>
                 </a:gridCol>
                 <a:gridCol w="1451728">
                   <a:extLst>
                     <a:ext uri="{9D8B030D-6E8A-4147-A177-3AD203B41FA5}">
-                      <a16:colId xmlns:a16="http://schemas.microsoft.com/office/drawing/2014/main" xmlns="" val="1224812834"/>
+                      <a16:colId xmlns="" xmlns:a16="http://schemas.microsoft.com/office/drawing/2014/main" val="1224812834"/>
                     </a:ext>
                   </a:extLst>
                 </a:gridCol>
                 <a:gridCol w="1366887">
                   <a:extLst>
                     <a:ext uri="{9D8B030D-6E8A-4147-A177-3AD203B41FA5}">
-                      <a16:colId xmlns:a16="http://schemas.microsoft.com/office/drawing/2014/main" xmlns="" val="773108700"/>
+                      <a16:colId xmlns="" xmlns:a16="http://schemas.microsoft.com/office/drawing/2014/main" val="773108700"/>
                     </a:ext>
                   </a:extLst>
                 </a:gridCol>
                 <a:gridCol w="7145516">
                   <a:extLst>
                     <a:ext uri="{9D8B030D-6E8A-4147-A177-3AD203B41FA5}">
-                      <a16:colId xmlns:a16="http://schemas.microsoft.com/office/drawing/2014/main" xmlns="" val="1915496336"/>
+                      <a16:colId xmlns="" xmlns:a16="http://schemas.microsoft.com/office/drawing/2014/main" val="1915496336"/>
                     </a:ext>
                   </a:extLst>
                 </a:gridCol>
@@ -16405,7 +16913,7 @@
                 </a:tc>
                 <a:extLst>
                   <a:ext uri="{0D108BD9-81ED-4DB2-BD59-A6C34878D82A}">
-                    <a16:rowId xmlns:a16="http://schemas.microsoft.com/office/drawing/2014/main" xmlns="" val="3052914816"/>
+                    <a16:rowId xmlns="" xmlns:a16="http://schemas.microsoft.com/office/drawing/2014/main" val="3052914816"/>
                   </a:ext>
                 </a:extLst>
               </a:tr>
@@ -16467,7 +16975,7 @@
                 </a:tc>
                 <a:extLst>
                   <a:ext uri="{0D108BD9-81ED-4DB2-BD59-A6C34878D82A}">
-                    <a16:rowId xmlns:a16="http://schemas.microsoft.com/office/drawing/2014/main" xmlns="" val="2549488193"/>
+                    <a16:rowId xmlns="" xmlns:a16="http://schemas.microsoft.com/office/drawing/2014/main" val="2549488193"/>
                   </a:ext>
                 </a:extLst>
               </a:tr>
@@ -16585,7 +17093,7 @@
           <p:cNvPr id="2" name="タイトル 1">
             <a:extLst>
               <a:ext uri="{FF2B5EF4-FFF2-40B4-BE49-F238E27FC236}">
-                <a16:creationId xmlns:a16="http://schemas.microsoft.com/office/drawing/2014/main" xmlns="" id="{41FAA20E-7C33-4452-B000-1315C6D7BF74}"/>
+                <a16:creationId xmlns="" xmlns:a16="http://schemas.microsoft.com/office/drawing/2014/main" id="{41FAA20E-7C33-4452-B000-1315C6D7BF74}"/>
               </a:ext>
             </a:extLst>
           </p:cNvPr>
@@ -16618,7 +17126,7 @@
           <p:cNvPr id="3" name="コンテンツ プレースホルダー 2">
             <a:extLst>
               <a:ext uri="{FF2B5EF4-FFF2-40B4-BE49-F238E27FC236}">
-                <a16:creationId xmlns:a16="http://schemas.microsoft.com/office/drawing/2014/main" xmlns="" id="{24173F00-B91E-440E-BAD4-BB493A21AC4B}"/>
+                <a16:creationId xmlns="" xmlns:a16="http://schemas.microsoft.com/office/drawing/2014/main" id="{24173F00-B91E-440E-BAD4-BB493A21AC4B}"/>
               </a:ext>
             </a:extLst>
           </p:cNvPr>
@@ -16807,7 +17315,7 @@
           <p:cNvPr id="4" name="スライド番号プレースホルダー 3">
             <a:extLst>
               <a:ext uri="{FF2B5EF4-FFF2-40B4-BE49-F238E27FC236}">
-                <a16:creationId xmlns:a16="http://schemas.microsoft.com/office/drawing/2014/main" xmlns="" id="{3A64CE71-C252-41E0-98BA-363CD7954AFC}"/>
+                <a16:creationId xmlns="" xmlns:a16="http://schemas.microsoft.com/office/drawing/2014/main" id="{3A64CE71-C252-41E0-98BA-363CD7954AFC}"/>
               </a:ext>
             </a:extLst>
           </p:cNvPr>
@@ -17248,59 +17756,6 @@
               </a:rPr>
               <a:t>EC2</a:t>
             </a:r>
-          </a:p>
-          <a:p>
-            <a:pPr>
-              <a:buFont typeface="+mj-lt"/>
-              <a:buAutoNum type="arabicPeriod"/>
-            </a:pPr>
-            <a:r>
-              <a:rPr lang="en-US" altLang="ja-JP" dirty="0" smtClean="0">
-                <a:solidFill>
-                  <a:srgbClr val="BFBFBF"/>
-                </a:solidFill>
-              </a:rPr>
-              <a:t>API </a:t>
-            </a:r>
-            <a:r>
-              <a:rPr lang="ja-JP" altLang="en-US" dirty="0" smtClean="0">
-                <a:solidFill>
-                  <a:srgbClr val="BFBFBF"/>
-                </a:solidFill>
-              </a:rPr>
-              <a:t>デプロイ</a:t>
-            </a:r>
-            <a:endParaRPr lang="en-US" altLang="ja-JP" dirty="0">
-              <a:solidFill>
-                <a:srgbClr val="BFBFBF"/>
-              </a:solidFill>
-            </a:endParaRPr>
-          </a:p>
-          <a:p>
-            <a:pPr>
-              <a:buFont typeface="+mj-lt"/>
-              <a:buAutoNum type="arabicPeriod"/>
-            </a:pPr>
-            <a:r>
-              <a:rPr lang="en-US" altLang="ja-JP" dirty="0">
-                <a:solidFill>
-                  <a:schemeClr val="bg1">
-                    <a:lumMod val="75000"/>
-                  </a:schemeClr>
-                </a:solidFill>
-              </a:rPr>
-              <a:t>CMS </a:t>
-            </a:r>
-            <a:r>
-              <a:rPr lang="ja-JP" altLang="en-US" dirty="0">
-                <a:solidFill>
-                  <a:schemeClr val="bg1">
-                    <a:lumMod val="75000"/>
-                  </a:schemeClr>
-                </a:solidFill>
-              </a:rPr>
-              <a:t>デプロイ</a:t>
-            </a:r>
             <a:endParaRPr lang="en-US" altLang="ja-JP" dirty="0">
               <a:solidFill>
                 <a:schemeClr val="bg1">
@@ -17310,25 +17765,134 @@
             </a:endParaRPr>
           </a:p>
           <a:p>
+            <a:pPr lvl="1">
+              <a:buFont typeface="+mj-lt"/>
+              <a:buAutoNum type="arabicPeriod"/>
+            </a:pPr>
+            <a:r>
+              <a:rPr lang="ja-JP" altLang="ja-JP" dirty="0">
+                <a:solidFill>
+                  <a:schemeClr val="bg1">
+                    <a:lumMod val="75000"/>
+                  </a:schemeClr>
+                </a:solidFill>
+              </a:rPr>
+              <a:t>C</a:t>
+            </a:r>
+            <a:r>
+              <a:rPr lang="en-US" altLang="ja-JP" dirty="0">
+                <a:solidFill>
+                  <a:schemeClr val="bg1">
+                    <a:lumMod val="75000"/>
+                  </a:schemeClr>
+                </a:solidFill>
+              </a:rPr>
+              <a:t>ognite</a:t>
+            </a:r>
+          </a:p>
+          <a:p>
+            <a:pPr lvl="1">
+              <a:buFont typeface="+mj-lt"/>
+              <a:buAutoNum type="arabicPeriod"/>
+            </a:pPr>
+            <a:r>
+              <a:rPr lang="ja-JP" altLang="ja-JP" dirty="0">
+                <a:solidFill>
+                  <a:schemeClr val="bg1">
+                    <a:lumMod val="75000"/>
+                  </a:schemeClr>
+                </a:solidFill>
+              </a:rPr>
+              <a:t>R</a:t>
+            </a:r>
+            <a:r>
+              <a:rPr lang="en-US" altLang="ja-JP" dirty="0">
+                <a:solidFill>
+                  <a:schemeClr val="bg1">
+                    <a:lumMod val="75000"/>
+                  </a:schemeClr>
+                </a:solidFill>
+              </a:rPr>
+              <a:t>oute53</a:t>
+            </a:r>
+            <a:endParaRPr lang="en-US" altLang="ja-JP" dirty="0" smtClean="0">
+              <a:solidFill>
+                <a:srgbClr val="BFBFBF"/>
+              </a:solidFill>
+            </a:endParaRPr>
+          </a:p>
+          <a:p>
             <a:pPr>
               <a:buFont typeface="+mj-lt"/>
               <a:buAutoNum type="arabicPeriod"/>
             </a:pPr>
             <a:r>
+              <a:rPr lang="en-US" altLang="ja-JP" dirty="0" smtClean="0">
+                <a:solidFill>
+                  <a:srgbClr val="BFBFBF"/>
+                </a:solidFill>
+              </a:rPr>
+              <a:t>API </a:t>
+            </a:r>
+            <a:r>
               <a:rPr lang="ja-JP" altLang="en-US" dirty="0" smtClean="0">
                 <a:solidFill>
                   <a:srgbClr val="BFBFBF"/>
                 </a:solidFill>
               </a:rPr>
-              <a:t>コンテンツ</a:t>
-            </a:r>
+              <a:t>デプロイ</a:t>
+            </a:r>
+            <a:endParaRPr lang="en-US" altLang="ja-JP" dirty="0">
+              <a:solidFill>
+                <a:srgbClr val="BFBFBF"/>
+              </a:solidFill>
+            </a:endParaRPr>
+          </a:p>
+          <a:p>
+            <a:pPr>
+              <a:buFont typeface="+mj-lt"/>
+              <a:buAutoNum type="arabicPeriod"/>
+            </a:pPr>
+            <a:r>
+              <a:rPr lang="en-US" altLang="ja-JP" dirty="0">
+                <a:solidFill>
+                  <a:schemeClr val="bg1">
+                    <a:lumMod val="75000"/>
+                  </a:schemeClr>
+                </a:solidFill>
+              </a:rPr>
+              <a:t>CMS </a:t>
+            </a:r>
+            <a:r>
+              <a:rPr lang="ja-JP" altLang="en-US" dirty="0">
+                <a:solidFill>
+                  <a:schemeClr val="bg1">
+                    <a:lumMod val="75000"/>
+                  </a:schemeClr>
+                </a:solidFill>
+              </a:rPr>
+              <a:t>デプロイ</a:t>
+            </a:r>
+            <a:endParaRPr lang="en-US" altLang="ja-JP" dirty="0">
+              <a:solidFill>
+                <a:schemeClr val="bg1">
+                  <a:lumMod val="75000"/>
+                </a:schemeClr>
+              </a:solidFill>
+            </a:endParaRPr>
+          </a:p>
+          <a:p>
+            <a:pPr>
+              <a:buFont typeface="+mj-lt"/>
+              <a:buAutoNum type="arabicPeriod"/>
+            </a:pPr>
             <a:r>
               <a:rPr lang="ja-JP" altLang="en-US" dirty="0" smtClean="0">
                 <a:solidFill>
                   <a:srgbClr val="BFBFBF"/>
                 </a:solidFill>
               </a:rPr>
-              <a:t>登録</a:t>
+              <a:t>コンテンツ登録</a:t>
             </a:r>
             <a:endParaRPr lang="en-US" altLang="ja-JP" dirty="0" smtClean="0">
               <a:solidFill>
@@ -17624,7 +18188,7 @@
           <p:cNvPr id="2" name="タイトル 1">
             <a:extLst>
               <a:ext uri="{FF2B5EF4-FFF2-40B4-BE49-F238E27FC236}">
-                <a16:creationId xmlns:a16="http://schemas.microsoft.com/office/drawing/2014/main" xmlns="" id="{41FAA20E-7C33-4452-B000-1315C6D7BF74}"/>
+                <a16:creationId xmlns="" xmlns:a16="http://schemas.microsoft.com/office/drawing/2014/main" id="{41FAA20E-7C33-4452-B000-1315C6D7BF74}"/>
               </a:ext>
             </a:extLst>
           </p:cNvPr>
@@ -17657,7 +18221,7 @@
           <p:cNvPr id="3" name="コンテンツ プレースホルダー 2">
             <a:extLst>
               <a:ext uri="{FF2B5EF4-FFF2-40B4-BE49-F238E27FC236}">
-                <a16:creationId xmlns:a16="http://schemas.microsoft.com/office/drawing/2014/main" xmlns="" id="{24173F00-B91E-440E-BAD4-BB493A21AC4B}"/>
+                <a16:creationId xmlns="" xmlns:a16="http://schemas.microsoft.com/office/drawing/2014/main" id="{24173F00-B91E-440E-BAD4-BB493A21AC4B}"/>
               </a:ext>
             </a:extLst>
           </p:cNvPr>
@@ -18011,7 +18575,7 @@
           <p:cNvPr id="4" name="スライド番号プレースホルダー 3">
             <a:extLst>
               <a:ext uri="{FF2B5EF4-FFF2-40B4-BE49-F238E27FC236}">
-                <a16:creationId xmlns:a16="http://schemas.microsoft.com/office/drawing/2014/main" xmlns="" id="{3A64CE71-C252-41E0-98BA-363CD7954AFC}"/>
+                <a16:creationId xmlns="" xmlns:a16="http://schemas.microsoft.com/office/drawing/2014/main" id="{3A64CE71-C252-41E0-98BA-363CD7954AFC}"/>
               </a:ext>
             </a:extLst>
           </p:cNvPr>
@@ -18452,59 +19016,6 @@
               </a:rPr>
               <a:t>EC2</a:t>
             </a:r>
-          </a:p>
-          <a:p>
-            <a:pPr>
-              <a:buFont typeface="+mj-lt"/>
-              <a:buAutoNum type="arabicPeriod"/>
-            </a:pPr>
-            <a:r>
-              <a:rPr lang="en-US" altLang="ja-JP" dirty="0" smtClean="0">
-                <a:solidFill>
-                  <a:srgbClr val="BFBFBF"/>
-                </a:solidFill>
-              </a:rPr>
-              <a:t>API </a:t>
-            </a:r>
-            <a:r>
-              <a:rPr lang="ja-JP" altLang="en-US" dirty="0" smtClean="0">
-                <a:solidFill>
-                  <a:srgbClr val="BFBFBF"/>
-                </a:solidFill>
-              </a:rPr>
-              <a:t>デプロイ</a:t>
-            </a:r>
-            <a:endParaRPr lang="en-US" altLang="ja-JP" dirty="0">
-              <a:solidFill>
-                <a:srgbClr val="BFBFBF"/>
-              </a:solidFill>
-            </a:endParaRPr>
-          </a:p>
-          <a:p>
-            <a:pPr>
-              <a:buFont typeface="+mj-lt"/>
-              <a:buAutoNum type="arabicPeriod"/>
-            </a:pPr>
-            <a:r>
-              <a:rPr lang="en-US" altLang="ja-JP" dirty="0">
-                <a:solidFill>
-                  <a:schemeClr val="bg1">
-                    <a:lumMod val="75000"/>
-                  </a:schemeClr>
-                </a:solidFill>
-              </a:rPr>
-              <a:t>CMS </a:t>
-            </a:r>
-            <a:r>
-              <a:rPr lang="ja-JP" altLang="en-US" dirty="0">
-                <a:solidFill>
-                  <a:schemeClr val="bg1">
-                    <a:lumMod val="75000"/>
-                  </a:schemeClr>
-                </a:solidFill>
-              </a:rPr>
-              <a:t>デプロイ</a:t>
-            </a:r>
             <a:endParaRPr lang="en-US" altLang="ja-JP" dirty="0">
               <a:solidFill>
                 <a:schemeClr val="bg1">
@@ -18514,25 +19025,134 @@
             </a:endParaRPr>
           </a:p>
           <a:p>
+            <a:pPr lvl="1">
+              <a:buFont typeface="+mj-lt"/>
+              <a:buAutoNum type="arabicPeriod"/>
+            </a:pPr>
+            <a:r>
+              <a:rPr lang="ja-JP" altLang="ja-JP" dirty="0">
+                <a:solidFill>
+                  <a:schemeClr val="bg1">
+                    <a:lumMod val="75000"/>
+                  </a:schemeClr>
+                </a:solidFill>
+              </a:rPr>
+              <a:t>C</a:t>
+            </a:r>
+            <a:r>
+              <a:rPr lang="en-US" altLang="ja-JP" dirty="0">
+                <a:solidFill>
+                  <a:schemeClr val="bg1">
+                    <a:lumMod val="75000"/>
+                  </a:schemeClr>
+                </a:solidFill>
+              </a:rPr>
+              <a:t>ognite</a:t>
+            </a:r>
+          </a:p>
+          <a:p>
+            <a:pPr lvl="1">
+              <a:buFont typeface="+mj-lt"/>
+              <a:buAutoNum type="arabicPeriod"/>
+            </a:pPr>
+            <a:r>
+              <a:rPr lang="ja-JP" altLang="ja-JP" dirty="0">
+                <a:solidFill>
+                  <a:schemeClr val="bg1">
+                    <a:lumMod val="75000"/>
+                  </a:schemeClr>
+                </a:solidFill>
+              </a:rPr>
+              <a:t>R</a:t>
+            </a:r>
+            <a:r>
+              <a:rPr lang="en-US" altLang="ja-JP" dirty="0">
+                <a:solidFill>
+                  <a:schemeClr val="bg1">
+                    <a:lumMod val="75000"/>
+                  </a:schemeClr>
+                </a:solidFill>
+              </a:rPr>
+              <a:t>oute53</a:t>
+            </a:r>
+            <a:endParaRPr lang="en-US" altLang="ja-JP" dirty="0" smtClean="0">
+              <a:solidFill>
+                <a:srgbClr val="BFBFBF"/>
+              </a:solidFill>
+            </a:endParaRPr>
+          </a:p>
+          <a:p>
             <a:pPr>
               <a:buFont typeface="+mj-lt"/>
               <a:buAutoNum type="arabicPeriod"/>
             </a:pPr>
             <a:r>
+              <a:rPr lang="en-US" altLang="ja-JP" dirty="0" smtClean="0">
+                <a:solidFill>
+                  <a:srgbClr val="BFBFBF"/>
+                </a:solidFill>
+              </a:rPr>
+              <a:t>API </a:t>
+            </a:r>
+            <a:r>
               <a:rPr lang="ja-JP" altLang="en-US" dirty="0" smtClean="0">
                 <a:solidFill>
                   <a:srgbClr val="BFBFBF"/>
                 </a:solidFill>
               </a:rPr>
-              <a:t>コンテンツ</a:t>
-            </a:r>
+              <a:t>デプロイ</a:t>
+            </a:r>
+            <a:endParaRPr lang="en-US" altLang="ja-JP" dirty="0">
+              <a:solidFill>
+                <a:srgbClr val="BFBFBF"/>
+              </a:solidFill>
+            </a:endParaRPr>
+          </a:p>
+          <a:p>
+            <a:pPr>
+              <a:buFont typeface="+mj-lt"/>
+              <a:buAutoNum type="arabicPeriod"/>
+            </a:pPr>
+            <a:r>
+              <a:rPr lang="en-US" altLang="ja-JP" dirty="0">
+                <a:solidFill>
+                  <a:schemeClr val="bg1">
+                    <a:lumMod val="75000"/>
+                  </a:schemeClr>
+                </a:solidFill>
+              </a:rPr>
+              <a:t>CMS </a:t>
+            </a:r>
+            <a:r>
+              <a:rPr lang="ja-JP" altLang="en-US" dirty="0">
+                <a:solidFill>
+                  <a:schemeClr val="bg1">
+                    <a:lumMod val="75000"/>
+                  </a:schemeClr>
+                </a:solidFill>
+              </a:rPr>
+              <a:t>デプロイ</a:t>
+            </a:r>
+            <a:endParaRPr lang="en-US" altLang="ja-JP" dirty="0">
+              <a:solidFill>
+                <a:schemeClr val="bg1">
+                  <a:lumMod val="75000"/>
+                </a:schemeClr>
+              </a:solidFill>
+            </a:endParaRPr>
+          </a:p>
+          <a:p>
+            <a:pPr>
+              <a:buFont typeface="+mj-lt"/>
+              <a:buAutoNum type="arabicPeriod"/>
+            </a:pPr>
             <a:r>
               <a:rPr lang="ja-JP" altLang="en-US" dirty="0" smtClean="0">
                 <a:solidFill>
                   <a:srgbClr val="BFBFBF"/>
                 </a:solidFill>
               </a:rPr>
-              <a:t>登録</a:t>
+              <a:t>コンテンツ登録</a:t>
             </a:r>
             <a:endParaRPr lang="en-US" altLang="ja-JP" dirty="0" smtClean="0">
               <a:solidFill>
@@ -18565,7 +19185,7 @@
           <p:cNvPr id="15" name="表 14">
             <a:extLst>
               <a:ext uri="{FF2B5EF4-FFF2-40B4-BE49-F238E27FC236}">
-                <a16:creationId xmlns:a16="http://schemas.microsoft.com/office/drawing/2014/main" xmlns="" id="{34262436-74E8-488C-8C1B-44C3F88BE676}"/>
+                <a16:creationId xmlns="" xmlns:a16="http://schemas.microsoft.com/office/drawing/2014/main" id="{34262436-74E8-488C-8C1B-44C3F88BE676}"/>
               </a:ext>
             </a:extLst>
           </p:cNvPr>
@@ -18594,21 +19214,21 @@
                 <a:gridCol w="2146489">
                   <a:extLst>
                     <a:ext uri="{9D8B030D-6E8A-4147-A177-3AD203B41FA5}">
-                      <a16:colId xmlns:a16="http://schemas.microsoft.com/office/drawing/2014/main" xmlns="" val="2864215648"/>
+                      <a16:colId xmlns="" xmlns:a16="http://schemas.microsoft.com/office/drawing/2014/main" val="2864215648"/>
                     </a:ext>
                   </a:extLst>
                 </a:gridCol>
                 <a:gridCol w="2746105">
                   <a:extLst>
                     <a:ext uri="{9D8B030D-6E8A-4147-A177-3AD203B41FA5}">
-                      <a16:colId xmlns:a16="http://schemas.microsoft.com/office/drawing/2014/main" xmlns="" val="879769541"/>
+                      <a16:colId xmlns="" xmlns:a16="http://schemas.microsoft.com/office/drawing/2014/main" val="879769541"/>
                     </a:ext>
                   </a:extLst>
                 </a:gridCol>
                 <a:gridCol w="2540479">
                   <a:extLst>
                     <a:ext uri="{9D8B030D-6E8A-4147-A177-3AD203B41FA5}">
-                      <a16:colId xmlns:a16="http://schemas.microsoft.com/office/drawing/2014/main" xmlns="" val="1510221549"/>
+                      <a16:colId xmlns="" xmlns:a16="http://schemas.microsoft.com/office/drawing/2014/main" val="1510221549"/>
                     </a:ext>
                   </a:extLst>
                 </a:gridCol>
@@ -18908,7 +19528,7 @@
           <p:cNvPr id="16" name="表 15">
             <a:extLst>
               <a:ext uri="{FF2B5EF4-FFF2-40B4-BE49-F238E27FC236}">
-                <a16:creationId xmlns:a16="http://schemas.microsoft.com/office/drawing/2014/main" xmlns="" id="{34262436-74E8-488C-8C1B-44C3F88BE676}"/>
+                <a16:creationId xmlns="" xmlns:a16="http://schemas.microsoft.com/office/drawing/2014/main" id="{34262436-74E8-488C-8C1B-44C3F88BE676}"/>
               </a:ext>
             </a:extLst>
           </p:cNvPr>
@@ -18937,14 +19557,14 @@
                 <a:gridCol w="2161256">
                   <a:extLst>
                     <a:ext uri="{9D8B030D-6E8A-4147-A177-3AD203B41FA5}">
-                      <a16:colId xmlns:a16="http://schemas.microsoft.com/office/drawing/2014/main" xmlns="" val="2864215648"/>
+                      <a16:colId xmlns="" xmlns:a16="http://schemas.microsoft.com/office/drawing/2014/main" val="2864215648"/>
                     </a:ext>
                   </a:extLst>
                 </a:gridCol>
                 <a:gridCol w="5257050">
                   <a:extLst>
                     <a:ext uri="{9D8B030D-6E8A-4147-A177-3AD203B41FA5}">
-                      <a16:colId xmlns:a16="http://schemas.microsoft.com/office/drawing/2014/main" xmlns="" val="879769541"/>
+                      <a16:colId xmlns="" xmlns:a16="http://schemas.microsoft.com/office/drawing/2014/main" val="879769541"/>
                     </a:ext>
                   </a:extLst>
                 </a:gridCol>
@@ -19169,7 +19789,7 @@
           <p:cNvPr id="2" name="タイトル 1">
             <a:extLst>
               <a:ext uri="{FF2B5EF4-FFF2-40B4-BE49-F238E27FC236}">
-                <a16:creationId xmlns:a16="http://schemas.microsoft.com/office/drawing/2014/main" xmlns="" id="{41FAA20E-7C33-4452-B000-1315C6D7BF74}"/>
+                <a16:creationId xmlns="" xmlns:a16="http://schemas.microsoft.com/office/drawing/2014/main" id="{41FAA20E-7C33-4452-B000-1315C6D7BF74}"/>
               </a:ext>
             </a:extLst>
           </p:cNvPr>
@@ -19202,7 +19822,7 @@
           <p:cNvPr id="3" name="コンテンツ プレースホルダー 2">
             <a:extLst>
               <a:ext uri="{FF2B5EF4-FFF2-40B4-BE49-F238E27FC236}">
-                <a16:creationId xmlns:a16="http://schemas.microsoft.com/office/drawing/2014/main" xmlns="" id="{24173F00-B91E-440E-BAD4-BB493A21AC4B}"/>
+                <a16:creationId xmlns="" xmlns:a16="http://schemas.microsoft.com/office/drawing/2014/main" id="{24173F00-B91E-440E-BAD4-BB493A21AC4B}"/>
               </a:ext>
             </a:extLst>
           </p:cNvPr>
@@ -19819,59 +20439,6 @@
               </a:rPr>
               <a:t>EC2</a:t>
             </a:r>
-          </a:p>
-          <a:p>
-            <a:pPr>
-              <a:buFont typeface="+mj-lt"/>
-              <a:buAutoNum type="arabicPeriod"/>
-            </a:pPr>
-            <a:r>
-              <a:rPr lang="en-US" altLang="ja-JP" dirty="0" smtClean="0">
-                <a:solidFill>
-                  <a:srgbClr val="BFBFBF"/>
-                </a:solidFill>
-              </a:rPr>
-              <a:t>API </a:t>
-            </a:r>
-            <a:r>
-              <a:rPr lang="ja-JP" altLang="en-US" dirty="0" smtClean="0">
-                <a:solidFill>
-                  <a:srgbClr val="BFBFBF"/>
-                </a:solidFill>
-              </a:rPr>
-              <a:t>デプロイ</a:t>
-            </a:r>
-            <a:endParaRPr lang="en-US" altLang="ja-JP" dirty="0">
-              <a:solidFill>
-                <a:srgbClr val="BFBFBF"/>
-              </a:solidFill>
-            </a:endParaRPr>
-          </a:p>
-          <a:p>
-            <a:pPr>
-              <a:buFont typeface="+mj-lt"/>
-              <a:buAutoNum type="arabicPeriod"/>
-            </a:pPr>
-            <a:r>
-              <a:rPr lang="en-US" altLang="ja-JP" dirty="0">
-                <a:solidFill>
-                  <a:schemeClr val="bg1">
-                    <a:lumMod val="75000"/>
-                  </a:schemeClr>
-                </a:solidFill>
-              </a:rPr>
-              <a:t>CMS </a:t>
-            </a:r>
-            <a:r>
-              <a:rPr lang="ja-JP" altLang="en-US" dirty="0">
-                <a:solidFill>
-                  <a:schemeClr val="bg1">
-                    <a:lumMod val="75000"/>
-                  </a:schemeClr>
-                </a:solidFill>
-              </a:rPr>
-              <a:t>デプロイ</a:t>
-            </a:r>
             <a:endParaRPr lang="en-US" altLang="ja-JP" dirty="0">
               <a:solidFill>
                 <a:schemeClr val="bg1">
@@ -19881,25 +20448,134 @@
             </a:endParaRPr>
           </a:p>
           <a:p>
+            <a:pPr lvl="1">
+              <a:buFont typeface="+mj-lt"/>
+              <a:buAutoNum type="arabicPeriod"/>
+            </a:pPr>
+            <a:r>
+              <a:rPr lang="ja-JP" altLang="ja-JP" dirty="0">
+                <a:solidFill>
+                  <a:schemeClr val="bg1">
+                    <a:lumMod val="75000"/>
+                  </a:schemeClr>
+                </a:solidFill>
+              </a:rPr>
+              <a:t>C</a:t>
+            </a:r>
+            <a:r>
+              <a:rPr lang="en-US" altLang="ja-JP" dirty="0">
+                <a:solidFill>
+                  <a:schemeClr val="bg1">
+                    <a:lumMod val="75000"/>
+                  </a:schemeClr>
+                </a:solidFill>
+              </a:rPr>
+              <a:t>ognite</a:t>
+            </a:r>
+          </a:p>
+          <a:p>
+            <a:pPr lvl="1">
+              <a:buFont typeface="+mj-lt"/>
+              <a:buAutoNum type="arabicPeriod"/>
+            </a:pPr>
+            <a:r>
+              <a:rPr lang="ja-JP" altLang="ja-JP" dirty="0">
+                <a:solidFill>
+                  <a:schemeClr val="bg1">
+                    <a:lumMod val="75000"/>
+                  </a:schemeClr>
+                </a:solidFill>
+              </a:rPr>
+              <a:t>R</a:t>
+            </a:r>
+            <a:r>
+              <a:rPr lang="en-US" altLang="ja-JP" dirty="0">
+                <a:solidFill>
+                  <a:schemeClr val="bg1">
+                    <a:lumMod val="75000"/>
+                  </a:schemeClr>
+                </a:solidFill>
+              </a:rPr>
+              <a:t>oute53</a:t>
+            </a:r>
+            <a:endParaRPr lang="en-US" altLang="ja-JP" dirty="0" smtClean="0">
+              <a:solidFill>
+                <a:srgbClr val="BFBFBF"/>
+              </a:solidFill>
+            </a:endParaRPr>
+          </a:p>
+          <a:p>
             <a:pPr>
               <a:buFont typeface="+mj-lt"/>
               <a:buAutoNum type="arabicPeriod"/>
             </a:pPr>
             <a:r>
+              <a:rPr lang="en-US" altLang="ja-JP" dirty="0" smtClean="0">
+                <a:solidFill>
+                  <a:srgbClr val="BFBFBF"/>
+                </a:solidFill>
+              </a:rPr>
+              <a:t>API </a:t>
+            </a:r>
+            <a:r>
               <a:rPr lang="ja-JP" altLang="en-US" dirty="0" smtClean="0">
                 <a:solidFill>
                   <a:srgbClr val="BFBFBF"/>
                 </a:solidFill>
               </a:rPr>
-              <a:t>コンテンツ</a:t>
-            </a:r>
+              <a:t>デプロイ</a:t>
+            </a:r>
+            <a:endParaRPr lang="en-US" altLang="ja-JP" dirty="0">
+              <a:solidFill>
+                <a:srgbClr val="BFBFBF"/>
+              </a:solidFill>
+            </a:endParaRPr>
+          </a:p>
+          <a:p>
+            <a:pPr>
+              <a:buFont typeface="+mj-lt"/>
+              <a:buAutoNum type="arabicPeriod"/>
+            </a:pPr>
+            <a:r>
+              <a:rPr lang="en-US" altLang="ja-JP" dirty="0">
+                <a:solidFill>
+                  <a:schemeClr val="bg1">
+                    <a:lumMod val="75000"/>
+                  </a:schemeClr>
+                </a:solidFill>
+              </a:rPr>
+              <a:t>CMS </a:t>
+            </a:r>
+            <a:r>
+              <a:rPr lang="ja-JP" altLang="en-US" dirty="0">
+                <a:solidFill>
+                  <a:schemeClr val="bg1">
+                    <a:lumMod val="75000"/>
+                  </a:schemeClr>
+                </a:solidFill>
+              </a:rPr>
+              <a:t>デプロイ</a:t>
+            </a:r>
+            <a:endParaRPr lang="en-US" altLang="ja-JP" dirty="0">
+              <a:solidFill>
+                <a:schemeClr val="bg1">
+                  <a:lumMod val="75000"/>
+                </a:schemeClr>
+              </a:solidFill>
+            </a:endParaRPr>
+          </a:p>
+          <a:p>
+            <a:pPr>
+              <a:buFont typeface="+mj-lt"/>
+              <a:buAutoNum type="arabicPeriod"/>
+            </a:pPr>
             <a:r>
               <a:rPr lang="ja-JP" altLang="en-US" dirty="0" smtClean="0">
                 <a:solidFill>
                   <a:srgbClr val="BFBFBF"/>
                 </a:solidFill>
               </a:rPr>
-              <a:t>登録</a:t>
+              <a:t>コンテンツ登録</a:t>
             </a:r>
             <a:endParaRPr lang="en-US" altLang="ja-JP" dirty="0" smtClean="0">
               <a:solidFill>
@@ -20118,7 +20794,7 @@
           <p:cNvPr id="4" name="スライド番号プレースホルダー 3">
             <a:extLst>
               <a:ext uri="{FF2B5EF4-FFF2-40B4-BE49-F238E27FC236}">
-                <a16:creationId xmlns:a16="http://schemas.microsoft.com/office/drawing/2014/main" xmlns="" id="{3A64CE71-C252-41E0-98BA-363CD7954AFC}"/>
+                <a16:creationId xmlns="" xmlns:a16="http://schemas.microsoft.com/office/drawing/2014/main" id="{3A64CE71-C252-41E0-98BA-363CD7954AFC}"/>
               </a:ext>
             </a:extLst>
           </p:cNvPr>
@@ -20185,7 +20861,7 @@
           <p:cNvPr id="2" name="タイトル 1">
             <a:extLst>
               <a:ext uri="{FF2B5EF4-FFF2-40B4-BE49-F238E27FC236}">
-                <a16:creationId xmlns:a16="http://schemas.microsoft.com/office/drawing/2014/main" xmlns="" id="{41FAA20E-7C33-4452-B000-1315C6D7BF74}"/>
+                <a16:creationId xmlns="" xmlns:a16="http://schemas.microsoft.com/office/drawing/2014/main" id="{41FAA20E-7C33-4452-B000-1315C6D7BF74}"/>
               </a:ext>
             </a:extLst>
           </p:cNvPr>
@@ -20218,7 +20894,7 @@
           <p:cNvPr id="3" name="コンテンツ プレースホルダー 2">
             <a:extLst>
               <a:ext uri="{FF2B5EF4-FFF2-40B4-BE49-F238E27FC236}">
-                <a16:creationId xmlns:a16="http://schemas.microsoft.com/office/drawing/2014/main" xmlns="" id="{24173F00-B91E-440E-BAD4-BB493A21AC4B}"/>
+                <a16:creationId xmlns="" xmlns:a16="http://schemas.microsoft.com/office/drawing/2014/main" id="{24173F00-B91E-440E-BAD4-BB493A21AC4B}"/>
               </a:ext>
             </a:extLst>
           </p:cNvPr>
@@ -20630,7 +21306,7 @@
           <p:cNvPr id="4" name="スライド番号プレースホルダー 3">
             <a:extLst>
               <a:ext uri="{FF2B5EF4-FFF2-40B4-BE49-F238E27FC236}">
-                <a16:creationId xmlns:a16="http://schemas.microsoft.com/office/drawing/2014/main" xmlns="" id="{3A64CE71-C252-41E0-98BA-363CD7954AFC}"/>
+                <a16:creationId xmlns="" xmlns:a16="http://schemas.microsoft.com/office/drawing/2014/main" id="{3A64CE71-C252-41E0-98BA-363CD7954AFC}"/>
               </a:ext>
             </a:extLst>
           </p:cNvPr>
@@ -21073,59 +21749,6 @@
               </a:rPr>
               <a:t>EC2</a:t>
             </a:r>
-          </a:p>
-          <a:p>
-            <a:pPr>
-              <a:buFont typeface="+mj-lt"/>
-              <a:buAutoNum type="arabicPeriod"/>
-            </a:pPr>
-            <a:r>
-              <a:rPr lang="en-US" altLang="ja-JP" dirty="0" smtClean="0">
-                <a:solidFill>
-                  <a:srgbClr val="BFBFBF"/>
-                </a:solidFill>
-              </a:rPr>
-              <a:t>API </a:t>
-            </a:r>
-            <a:r>
-              <a:rPr lang="ja-JP" altLang="en-US" dirty="0" smtClean="0">
-                <a:solidFill>
-                  <a:srgbClr val="BFBFBF"/>
-                </a:solidFill>
-              </a:rPr>
-              <a:t>デプロイ</a:t>
-            </a:r>
-            <a:endParaRPr lang="en-US" altLang="ja-JP" dirty="0">
-              <a:solidFill>
-                <a:srgbClr val="BFBFBF"/>
-              </a:solidFill>
-            </a:endParaRPr>
-          </a:p>
-          <a:p>
-            <a:pPr>
-              <a:buFont typeface="+mj-lt"/>
-              <a:buAutoNum type="arabicPeriod"/>
-            </a:pPr>
-            <a:r>
-              <a:rPr lang="en-US" altLang="ja-JP" dirty="0">
-                <a:solidFill>
-                  <a:schemeClr val="bg1">
-                    <a:lumMod val="75000"/>
-                  </a:schemeClr>
-                </a:solidFill>
-              </a:rPr>
-              <a:t>CMS </a:t>
-            </a:r>
-            <a:r>
-              <a:rPr lang="ja-JP" altLang="en-US" dirty="0">
-                <a:solidFill>
-                  <a:schemeClr val="bg1">
-                    <a:lumMod val="75000"/>
-                  </a:schemeClr>
-                </a:solidFill>
-              </a:rPr>
-              <a:t>デプロイ</a:t>
-            </a:r>
             <a:endParaRPr lang="en-US" altLang="ja-JP" dirty="0">
               <a:solidFill>
                 <a:schemeClr val="bg1">
@@ -21135,25 +21758,134 @@
             </a:endParaRPr>
           </a:p>
           <a:p>
+            <a:pPr lvl="1">
+              <a:buFont typeface="+mj-lt"/>
+              <a:buAutoNum type="arabicPeriod"/>
+            </a:pPr>
+            <a:r>
+              <a:rPr lang="ja-JP" altLang="ja-JP" dirty="0">
+                <a:solidFill>
+                  <a:schemeClr val="bg1">
+                    <a:lumMod val="75000"/>
+                  </a:schemeClr>
+                </a:solidFill>
+              </a:rPr>
+              <a:t>C</a:t>
+            </a:r>
+            <a:r>
+              <a:rPr lang="en-US" altLang="ja-JP" dirty="0">
+                <a:solidFill>
+                  <a:schemeClr val="bg1">
+                    <a:lumMod val="75000"/>
+                  </a:schemeClr>
+                </a:solidFill>
+              </a:rPr>
+              <a:t>ognite</a:t>
+            </a:r>
+          </a:p>
+          <a:p>
+            <a:pPr lvl="1">
+              <a:buFont typeface="+mj-lt"/>
+              <a:buAutoNum type="arabicPeriod"/>
+            </a:pPr>
+            <a:r>
+              <a:rPr lang="ja-JP" altLang="ja-JP" dirty="0">
+                <a:solidFill>
+                  <a:schemeClr val="bg1">
+                    <a:lumMod val="75000"/>
+                  </a:schemeClr>
+                </a:solidFill>
+              </a:rPr>
+              <a:t>R</a:t>
+            </a:r>
+            <a:r>
+              <a:rPr lang="en-US" altLang="ja-JP" dirty="0">
+                <a:solidFill>
+                  <a:schemeClr val="bg1">
+                    <a:lumMod val="75000"/>
+                  </a:schemeClr>
+                </a:solidFill>
+              </a:rPr>
+              <a:t>oute53</a:t>
+            </a:r>
+            <a:endParaRPr lang="en-US" altLang="ja-JP" dirty="0" smtClean="0">
+              <a:solidFill>
+                <a:srgbClr val="BFBFBF"/>
+              </a:solidFill>
+            </a:endParaRPr>
+          </a:p>
+          <a:p>
             <a:pPr>
               <a:buFont typeface="+mj-lt"/>
               <a:buAutoNum type="arabicPeriod"/>
             </a:pPr>
             <a:r>
+              <a:rPr lang="en-US" altLang="ja-JP" dirty="0" smtClean="0">
+                <a:solidFill>
+                  <a:srgbClr val="BFBFBF"/>
+                </a:solidFill>
+              </a:rPr>
+              <a:t>API </a:t>
+            </a:r>
+            <a:r>
               <a:rPr lang="ja-JP" altLang="en-US" dirty="0" smtClean="0">
                 <a:solidFill>
                   <a:srgbClr val="BFBFBF"/>
                 </a:solidFill>
               </a:rPr>
-              <a:t>コンテンツ</a:t>
-            </a:r>
+              <a:t>デプロイ</a:t>
+            </a:r>
+            <a:endParaRPr lang="en-US" altLang="ja-JP" dirty="0">
+              <a:solidFill>
+                <a:srgbClr val="BFBFBF"/>
+              </a:solidFill>
+            </a:endParaRPr>
+          </a:p>
+          <a:p>
+            <a:pPr>
+              <a:buFont typeface="+mj-lt"/>
+              <a:buAutoNum type="arabicPeriod"/>
+            </a:pPr>
+            <a:r>
+              <a:rPr lang="en-US" altLang="ja-JP" dirty="0">
+                <a:solidFill>
+                  <a:schemeClr val="bg1">
+                    <a:lumMod val="75000"/>
+                  </a:schemeClr>
+                </a:solidFill>
+              </a:rPr>
+              <a:t>CMS </a:t>
+            </a:r>
+            <a:r>
+              <a:rPr lang="ja-JP" altLang="en-US" dirty="0">
+                <a:solidFill>
+                  <a:schemeClr val="bg1">
+                    <a:lumMod val="75000"/>
+                  </a:schemeClr>
+                </a:solidFill>
+              </a:rPr>
+              <a:t>デプロイ</a:t>
+            </a:r>
+            <a:endParaRPr lang="en-US" altLang="ja-JP" dirty="0">
+              <a:solidFill>
+                <a:schemeClr val="bg1">
+                  <a:lumMod val="75000"/>
+                </a:schemeClr>
+              </a:solidFill>
+            </a:endParaRPr>
+          </a:p>
+          <a:p>
+            <a:pPr>
+              <a:buFont typeface="+mj-lt"/>
+              <a:buAutoNum type="arabicPeriod"/>
+            </a:pPr>
             <a:r>
               <a:rPr lang="ja-JP" altLang="en-US" dirty="0" smtClean="0">
                 <a:solidFill>
                   <a:srgbClr val="BFBFBF"/>
                 </a:solidFill>
               </a:rPr>
-              <a:t>登録</a:t>
+              <a:t>コンテンツ登録</a:t>
             </a:r>
             <a:endParaRPr lang="en-US" altLang="ja-JP" dirty="0" smtClean="0">
               <a:solidFill>
@@ -21186,7 +21918,7 @@
           <p:cNvPr id="7" name="表 6">
             <a:extLst>
               <a:ext uri="{FF2B5EF4-FFF2-40B4-BE49-F238E27FC236}">
-                <a16:creationId xmlns:a16="http://schemas.microsoft.com/office/drawing/2014/main" xmlns="" id="{34262436-74E8-488C-8C1B-44C3F88BE676}"/>
+                <a16:creationId xmlns="" xmlns:a16="http://schemas.microsoft.com/office/drawing/2014/main" id="{34262436-74E8-488C-8C1B-44C3F88BE676}"/>
               </a:ext>
             </a:extLst>
           </p:cNvPr>
@@ -21215,14 +21947,14 @@
                 <a:gridCol w="1562174">
                   <a:extLst>
                     <a:ext uri="{9D8B030D-6E8A-4147-A177-3AD203B41FA5}">
-                      <a16:colId xmlns:a16="http://schemas.microsoft.com/office/drawing/2014/main" xmlns="" val="2864215648"/>
+                      <a16:colId xmlns="" xmlns:a16="http://schemas.microsoft.com/office/drawing/2014/main" val="2864215648"/>
                     </a:ext>
                   </a:extLst>
                 </a:gridCol>
                 <a:gridCol w="5881476">
                   <a:extLst>
                     <a:ext uri="{9D8B030D-6E8A-4147-A177-3AD203B41FA5}">
-                      <a16:colId xmlns:a16="http://schemas.microsoft.com/office/drawing/2014/main" xmlns="" val="879769541"/>
+                      <a16:colId xmlns="" xmlns:a16="http://schemas.microsoft.com/office/drawing/2014/main" val="879769541"/>
                     </a:ext>
                   </a:extLst>
                 </a:gridCol>
@@ -21646,7 +22378,7 @@
           <p:cNvPr id="2" name="タイトル 1">
             <a:extLst>
               <a:ext uri="{FF2B5EF4-FFF2-40B4-BE49-F238E27FC236}">
-                <a16:creationId xmlns:a16="http://schemas.microsoft.com/office/drawing/2014/main" xmlns="" id="{41FAA20E-7C33-4452-B000-1315C6D7BF74}"/>
+                <a16:creationId xmlns="" xmlns:a16="http://schemas.microsoft.com/office/drawing/2014/main" id="{41FAA20E-7C33-4452-B000-1315C6D7BF74}"/>
               </a:ext>
             </a:extLst>
           </p:cNvPr>
@@ -21679,7 +22411,7 @@
           <p:cNvPr id="3" name="コンテンツ プレースホルダー 2">
             <a:extLst>
               <a:ext uri="{FF2B5EF4-FFF2-40B4-BE49-F238E27FC236}">
-                <a16:creationId xmlns:a16="http://schemas.microsoft.com/office/drawing/2014/main" xmlns="" id="{24173F00-B91E-440E-BAD4-BB493A21AC4B}"/>
+                <a16:creationId xmlns="" xmlns:a16="http://schemas.microsoft.com/office/drawing/2014/main" id="{24173F00-B91E-440E-BAD4-BB493A21AC4B}"/>
               </a:ext>
             </a:extLst>
           </p:cNvPr>
@@ -22048,7 +22780,7 @@
           <p:cNvPr id="4" name="スライド番号プレースホルダー 3">
             <a:extLst>
               <a:ext uri="{FF2B5EF4-FFF2-40B4-BE49-F238E27FC236}">
-                <a16:creationId xmlns:a16="http://schemas.microsoft.com/office/drawing/2014/main" xmlns="" id="{3A64CE71-C252-41E0-98BA-363CD7954AFC}"/>
+                <a16:creationId xmlns="" xmlns:a16="http://schemas.microsoft.com/office/drawing/2014/main" id="{3A64CE71-C252-41E0-98BA-363CD7954AFC}"/>
               </a:ext>
             </a:extLst>
           </p:cNvPr>
@@ -22491,59 +23223,6 @@
               </a:rPr>
               <a:t>EC2</a:t>
             </a:r>
-          </a:p>
-          <a:p>
-            <a:pPr>
-              <a:buFont typeface="+mj-lt"/>
-              <a:buAutoNum type="arabicPeriod"/>
-            </a:pPr>
-            <a:r>
-              <a:rPr lang="en-US" altLang="ja-JP" dirty="0" smtClean="0">
-                <a:solidFill>
-                  <a:srgbClr val="BFBFBF"/>
-                </a:solidFill>
-              </a:rPr>
-              <a:t>API </a:t>
-            </a:r>
-            <a:r>
-              <a:rPr lang="ja-JP" altLang="en-US" dirty="0" smtClean="0">
-                <a:solidFill>
-                  <a:srgbClr val="BFBFBF"/>
-                </a:solidFill>
-              </a:rPr>
-              <a:t>デプロイ</a:t>
-            </a:r>
-            <a:endParaRPr lang="en-US" altLang="ja-JP" dirty="0">
-              <a:solidFill>
-                <a:srgbClr val="BFBFBF"/>
-              </a:solidFill>
-            </a:endParaRPr>
-          </a:p>
-          <a:p>
-            <a:pPr>
-              <a:buFont typeface="+mj-lt"/>
-              <a:buAutoNum type="arabicPeriod"/>
-            </a:pPr>
-            <a:r>
-              <a:rPr lang="en-US" altLang="ja-JP" dirty="0">
-                <a:solidFill>
-                  <a:schemeClr val="bg1">
-                    <a:lumMod val="75000"/>
-                  </a:schemeClr>
-                </a:solidFill>
-              </a:rPr>
-              <a:t>CMS </a:t>
-            </a:r>
-            <a:r>
-              <a:rPr lang="ja-JP" altLang="en-US" dirty="0">
-                <a:solidFill>
-                  <a:schemeClr val="bg1">
-                    <a:lumMod val="75000"/>
-                  </a:schemeClr>
-                </a:solidFill>
-              </a:rPr>
-              <a:t>デプロイ</a:t>
-            </a:r>
             <a:endParaRPr lang="en-US" altLang="ja-JP" dirty="0">
               <a:solidFill>
                 <a:schemeClr val="bg1">
@@ -22553,25 +23232,134 @@
             </a:endParaRPr>
           </a:p>
           <a:p>
+            <a:pPr lvl="1">
+              <a:buFont typeface="+mj-lt"/>
+              <a:buAutoNum type="arabicPeriod"/>
+            </a:pPr>
+            <a:r>
+              <a:rPr lang="ja-JP" altLang="ja-JP" dirty="0">
+                <a:solidFill>
+                  <a:schemeClr val="bg1">
+                    <a:lumMod val="75000"/>
+                  </a:schemeClr>
+                </a:solidFill>
+              </a:rPr>
+              <a:t>C</a:t>
+            </a:r>
+            <a:r>
+              <a:rPr lang="en-US" altLang="ja-JP" dirty="0">
+                <a:solidFill>
+                  <a:schemeClr val="bg1">
+                    <a:lumMod val="75000"/>
+                  </a:schemeClr>
+                </a:solidFill>
+              </a:rPr>
+              <a:t>ognite</a:t>
+            </a:r>
+          </a:p>
+          <a:p>
+            <a:pPr lvl="1">
+              <a:buFont typeface="+mj-lt"/>
+              <a:buAutoNum type="arabicPeriod"/>
+            </a:pPr>
+            <a:r>
+              <a:rPr lang="ja-JP" altLang="ja-JP" dirty="0">
+                <a:solidFill>
+                  <a:schemeClr val="bg1">
+                    <a:lumMod val="75000"/>
+                  </a:schemeClr>
+                </a:solidFill>
+              </a:rPr>
+              <a:t>R</a:t>
+            </a:r>
+            <a:r>
+              <a:rPr lang="en-US" altLang="ja-JP" dirty="0">
+                <a:solidFill>
+                  <a:schemeClr val="bg1">
+                    <a:lumMod val="75000"/>
+                  </a:schemeClr>
+                </a:solidFill>
+              </a:rPr>
+              <a:t>oute53</a:t>
+            </a:r>
+            <a:endParaRPr lang="en-US" altLang="ja-JP" dirty="0" smtClean="0">
+              <a:solidFill>
+                <a:srgbClr val="BFBFBF"/>
+              </a:solidFill>
+            </a:endParaRPr>
+          </a:p>
+          <a:p>
             <a:pPr>
               <a:buFont typeface="+mj-lt"/>
               <a:buAutoNum type="arabicPeriod"/>
             </a:pPr>
             <a:r>
+              <a:rPr lang="en-US" altLang="ja-JP" dirty="0" smtClean="0">
+                <a:solidFill>
+                  <a:srgbClr val="BFBFBF"/>
+                </a:solidFill>
+              </a:rPr>
+              <a:t>API </a:t>
+            </a:r>
+            <a:r>
               <a:rPr lang="ja-JP" altLang="en-US" dirty="0" smtClean="0">
                 <a:solidFill>
                   <a:srgbClr val="BFBFBF"/>
                 </a:solidFill>
               </a:rPr>
-              <a:t>コンテンツ</a:t>
-            </a:r>
+              <a:t>デプロイ</a:t>
+            </a:r>
+            <a:endParaRPr lang="en-US" altLang="ja-JP" dirty="0">
+              <a:solidFill>
+                <a:srgbClr val="BFBFBF"/>
+              </a:solidFill>
+            </a:endParaRPr>
+          </a:p>
+          <a:p>
+            <a:pPr>
+              <a:buFont typeface="+mj-lt"/>
+              <a:buAutoNum type="arabicPeriod"/>
+            </a:pPr>
+            <a:r>
+              <a:rPr lang="en-US" altLang="ja-JP" dirty="0">
+                <a:solidFill>
+                  <a:schemeClr val="bg1">
+                    <a:lumMod val="75000"/>
+                  </a:schemeClr>
+                </a:solidFill>
+              </a:rPr>
+              <a:t>CMS </a:t>
+            </a:r>
+            <a:r>
+              <a:rPr lang="ja-JP" altLang="en-US" dirty="0">
+                <a:solidFill>
+                  <a:schemeClr val="bg1">
+                    <a:lumMod val="75000"/>
+                  </a:schemeClr>
+                </a:solidFill>
+              </a:rPr>
+              <a:t>デプロイ</a:t>
+            </a:r>
+            <a:endParaRPr lang="en-US" altLang="ja-JP" dirty="0">
+              <a:solidFill>
+                <a:schemeClr val="bg1">
+                  <a:lumMod val="75000"/>
+                </a:schemeClr>
+              </a:solidFill>
+            </a:endParaRPr>
+          </a:p>
+          <a:p>
+            <a:pPr>
+              <a:buFont typeface="+mj-lt"/>
+              <a:buAutoNum type="arabicPeriod"/>
+            </a:pPr>
             <a:r>
               <a:rPr lang="ja-JP" altLang="en-US" dirty="0" smtClean="0">
                 <a:solidFill>
                   <a:srgbClr val="BFBFBF"/>
                 </a:solidFill>
               </a:rPr>
-              <a:t>登録</a:t>
+              <a:t>コンテンツ登録</a:t>
             </a:r>
             <a:endParaRPr lang="en-US" altLang="ja-JP" dirty="0" smtClean="0">
               <a:solidFill>
@@ -22604,7 +23392,7 @@
           <p:cNvPr id="7" name="表 6">
             <a:extLst>
               <a:ext uri="{FF2B5EF4-FFF2-40B4-BE49-F238E27FC236}">
-                <a16:creationId xmlns:a16="http://schemas.microsoft.com/office/drawing/2014/main" xmlns="" id="{34262436-74E8-488C-8C1B-44C3F88BE676}"/>
+                <a16:creationId xmlns="" xmlns:a16="http://schemas.microsoft.com/office/drawing/2014/main" id="{34262436-74E8-488C-8C1B-44C3F88BE676}"/>
               </a:ext>
             </a:extLst>
           </p:cNvPr>
@@ -22633,14 +23421,14 @@
                 <a:gridCol w="1562174">
                   <a:extLst>
                     <a:ext uri="{9D8B030D-6E8A-4147-A177-3AD203B41FA5}">
-                      <a16:colId xmlns:a16="http://schemas.microsoft.com/office/drawing/2014/main" xmlns="" val="2864215648"/>
+                      <a16:colId xmlns="" xmlns:a16="http://schemas.microsoft.com/office/drawing/2014/main" val="2864215648"/>
                     </a:ext>
                   </a:extLst>
                 </a:gridCol>
                 <a:gridCol w="5881476">
                   <a:extLst>
                     <a:ext uri="{9D8B030D-6E8A-4147-A177-3AD203B41FA5}">
-                      <a16:colId xmlns:a16="http://schemas.microsoft.com/office/drawing/2014/main" xmlns="" val="879769541"/>
+                      <a16:colId xmlns="" xmlns:a16="http://schemas.microsoft.com/office/drawing/2014/main" val="879769541"/>
                     </a:ext>
                   </a:extLst>
                 </a:gridCol>
@@ -22991,7 +23779,7 @@
           <p:cNvPr id="2" name="タイトル 1">
             <a:extLst>
               <a:ext uri="{FF2B5EF4-FFF2-40B4-BE49-F238E27FC236}">
-                <a16:creationId xmlns:a16="http://schemas.microsoft.com/office/drawing/2014/main" xmlns="" id="{41FAA20E-7C33-4452-B000-1315C6D7BF74}"/>
+                <a16:creationId xmlns="" xmlns:a16="http://schemas.microsoft.com/office/drawing/2014/main" id="{41FAA20E-7C33-4452-B000-1315C6D7BF74}"/>
               </a:ext>
             </a:extLst>
           </p:cNvPr>
@@ -23024,7 +23812,7 @@
           <p:cNvPr id="3" name="コンテンツ プレースホルダー 2">
             <a:extLst>
               <a:ext uri="{FF2B5EF4-FFF2-40B4-BE49-F238E27FC236}">
-                <a16:creationId xmlns:a16="http://schemas.microsoft.com/office/drawing/2014/main" xmlns="" id="{24173F00-B91E-440E-BAD4-BB493A21AC4B}"/>
+                <a16:creationId xmlns="" xmlns:a16="http://schemas.microsoft.com/office/drawing/2014/main" id="{24173F00-B91E-440E-BAD4-BB493A21AC4B}"/>
               </a:ext>
             </a:extLst>
           </p:cNvPr>
@@ -23343,7 +24131,7 @@
           <p:cNvPr id="4" name="スライド番号プレースホルダー 3">
             <a:extLst>
               <a:ext uri="{FF2B5EF4-FFF2-40B4-BE49-F238E27FC236}">
-                <a16:creationId xmlns:a16="http://schemas.microsoft.com/office/drawing/2014/main" xmlns="" id="{3A64CE71-C252-41E0-98BA-363CD7954AFC}"/>
+                <a16:creationId xmlns="" xmlns:a16="http://schemas.microsoft.com/office/drawing/2014/main" id="{3A64CE71-C252-41E0-98BA-363CD7954AFC}"/>
               </a:ext>
             </a:extLst>
           </p:cNvPr>
@@ -23782,59 +24570,6 @@
               </a:rPr>
               <a:t>EC2</a:t>
             </a:r>
-          </a:p>
-          <a:p>
-            <a:pPr>
-              <a:buFont typeface="+mj-lt"/>
-              <a:buAutoNum type="arabicPeriod"/>
-            </a:pPr>
-            <a:r>
-              <a:rPr lang="en-US" altLang="ja-JP" dirty="0" smtClean="0">
-                <a:solidFill>
-                  <a:srgbClr val="BFBFBF"/>
-                </a:solidFill>
-              </a:rPr>
-              <a:t>API </a:t>
-            </a:r>
-            <a:r>
-              <a:rPr lang="ja-JP" altLang="en-US" dirty="0" smtClean="0">
-                <a:solidFill>
-                  <a:srgbClr val="BFBFBF"/>
-                </a:solidFill>
-              </a:rPr>
-              <a:t>デプロイ</a:t>
-            </a:r>
-            <a:endParaRPr lang="en-US" altLang="ja-JP" dirty="0">
-              <a:solidFill>
-                <a:srgbClr val="BFBFBF"/>
-              </a:solidFill>
-            </a:endParaRPr>
-          </a:p>
-          <a:p>
-            <a:pPr>
-              <a:buFont typeface="+mj-lt"/>
-              <a:buAutoNum type="arabicPeriod"/>
-            </a:pPr>
-            <a:r>
-              <a:rPr lang="en-US" altLang="ja-JP" dirty="0">
-                <a:solidFill>
-                  <a:schemeClr val="bg1">
-                    <a:lumMod val="75000"/>
-                  </a:schemeClr>
-                </a:solidFill>
-              </a:rPr>
-              <a:t>CMS </a:t>
-            </a:r>
-            <a:r>
-              <a:rPr lang="ja-JP" altLang="en-US" dirty="0">
-                <a:solidFill>
-                  <a:schemeClr val="bg1">
-                    <a:lumMod val="75000"/>
-                  </a:schemeClr>
-                </a:solidFill>
-              </a:rPr>
-              <a:t>デプロイ</a:t>
-            </a:r>
             <a:endParaRPr lang="en-US" altLang="ja-JP" dirty="0">
               <a:solidFill>
                 <a:schemeClr val="bg1">
@@ -23844,25 +24579,134 @@
             </a:endParaRPr>
           </a:p>
           <a:p>
+            <a:pPr lvl="1">
+              <a:buFont typeface="+mj-lt"/>
+              <a:buAutoNum type="arabicPeriod"/>
+            </a:pPr>
+            <a:r>
+              <a:rPr lang="ja-JP" altLang="ja-JP" dirty="0">
+                <a:solidFill>
+                  <a:schemeClr val="bg1">
+                    <a:lumMod val="75000"/>
+                  </a:schemeClr>
+                </a:solidFill>
+              </a:rPr>
+              <a:t>C</a:t>
+            </a:r>
+            <a:r>
+              <a:rPr lang="en-US" altLang="ja-JP" dirty="0">
+                <a:solidFill>
+                  <a:schemeClr val="bg1">
+                    <a:lumMod val="75000"/>
+                  </a:schemeClr>
+                </a:solidFill>
+              </a:rPr>
+              <a:t>ognite</a:t>
+            </a:r>
+          </a:p>
+          <a:p>
+            <a:pPr lvl="1">
+              <a:buFont typeface="+mj-lt"/>
+              <a:buAutoNum type="arabicPeriod"/>
+            </a:pPr>
+            <a:r>
+              <a:rPr lang="ja-JP" altLang="ja-JP" dirty="0">
+                <a:solidFill>
+                  <a:schemeClr val="bg1">
+                    <a:lumMod val="75000"/>
+                  </a:schemeClr>
+                </a:solidFill>
+              </a:rPr>
+              <a:t>R</a:t>
+            </a:r>
+            <a:r>
+              <a:rPr lang="en-US" altLang="ja-JP" dirty="0">
+                <a:solidFill>
+                  <a:schemeClr val="bg1">
+                    <a:lumMod val="75000"/>
+                  </a:schemeClr>
+                </a:solidFill>
+              </a:rPr>
+              <a:t>oute53</a:t>
+            </a:r>
+            <a:endParaRPr lang="en-US" altLang="ja-JP" dirty="0" smtClean="0">
+              <a:solidFill>
+                <a:srgbClr val="00A0E7"/>
+              </a:solidFill>
+            </a:endParaRPr>
+          </a:p>
+          <a:p>
             <a:pPr>
               <a:buFont typeface="+mj-lt"/>
               <a:buAutoNum type="arabicPeriod"/>
             </a:pPr>
             <a:r>
+              <a:rPr lang="en-US" altLang="ja-JP" dirty="0" smtClean="0">
+                <a:solidFill>
+                  <a:srgbClr val="BFBFBF"/>
+                </a:solidFill>
+              </a:rPr>
+              <a:t>API </a:t>
+            </a:r>
+            <a:r>
               <a:rPr lang="ja-JP" altLang="en-US" dirty="0" smtClean="0">
                 <a:solidFill>
                   <a:srgbClr val="BFBFBF"/>
                 </a:solidFill>
               </a:rPr>
-              <a:t>コンテンツ</a:t>
-            </a:r>
+              <a:t>デプロイ</a:t>
+            </a:r>
+            <a:endParaRPr lang="en-US" altLang="ja-JP" dirty="0">
+              <a:solidFill>
+                <a:srgbClr val="BFBFBF"/>
+              </a:solidFill>
+            </a:endParaRPr>
+          </a:p>
+          <a:p>
+            <a:pPr>
+              <a:buFont typeface="+mj-lt"/>
+              <a:buAutoNum type="arabicPeriod"/>
+            </a:pPr>
+            <a:r>
+              <a:rPr lang="en-US" altLang="ja-JP" dirty="0">
+                <a:solidFill>
+                  <a:schemeClr val="bg1">
+                    <a:lumMod val="75000"/>
+                  </a:schemeClr>
+                </a:solidFill>
+              </a:rPr>
+              <a:t>CMS </a:t>
+            </a:r>
+            <a:r>
+              <a:rPr lang="ja-JP" altLang="en-US" dirty="0">
+                <a:solidFill>
+                  <a:schemeClr val="bg1">
+                    <a:lumMod val="75000"/>
+                  </a:schemeClr>
+                </a:solidFill>
+              </a:rPr>
+              <a:t>デプロイ</a:t>
+            </a:r>
+            <a:endParaRPr lang="en-US" altLang="ja-JP" dirty="0">
+              <a:solidFill>
+                <a:schemeClr val="bg1">
+                  <a:lumMod val="75000"/>
+                </a:schemeClr>
+              </a:solidFill>
+            </a:endParaRPr>
+          </a:p>
+          <a:p>
+            <a:pPr>
+              <a:buFont typeface="+mj-lt"/>
+              <a:buAutoNum type="arabicPeriod"/>
+            </a:pPr>
             <a:r>
               <a:rPr lang="ja-JP" altLang="en-US" dirty="0" smtClean="0">
                 <a:solidFill>
                   <a:srgbClr val="BFBFBF"/>
                 </a:solidFill>
               </a:rPr>
-              <a:t>登録</a:t>
+              <a:t>コンテンツ登録</a:t>
             </a:r>
             <a:endParaRPr lang="en-US" altLang="ja-JP" dirty="0" smtClean="0">
               <a:solidFill>
@@ -24030,7 +24874,7 @@
           <p:cNvPr id="2" name="タイトル 1">
             <a:extLst>
               <a:ext uri="{FF2B5EF4-FFF2-40B4-BE49-F238E27FC236}">
-                <a16:creationId xmlns:a16="http://schemas.microsoft.com/office/drawing/2014/main" xmlns="" id="{41FAA20E-7C33-4452-B000-1315C6D7BF74}"/>
+                <a16:creationId xmlns="" xmlns:a16="http://schemas.microsoft.com/office/drawing/2014/main" id="{41FAA20E-7C33-4452-B000-1315C6D7BF74}"/>
               </a:ext>
             </a:extLst>
           </p:cNvPr>
@@ -24063,7 +24907,7 @@
           <p:cNvPr id="3" name="コンテンツ プレースホルダー 2">
             <a:extLst>
               <a:ext uri="{FF2B5EF4-FFF2-40B4-BE49-F238E27FC236}">
-                <a16:creationId xmlns:a16="http://schemas.microsoft.com/office/drawing/2014/main" xmlns="" id="{24173F00-B91E-440E-BAD4-BB493A21AC4B}"/>
+                <a16:creationId xmlns="" xmlns:a16="http://schemas.microsoft.com/office/drawing/2014/main" id="{24173F00-B91E-440E-BAD4-BB493A21AC4B}"/>
               </a:ext>
             </a:extLst>
           </p:cNvPr>
@@ -24355,7 +25199,7 @@
           <p:cNvPr id="4" name="スライド番号プレースホルダー 3">
             <a:extLst>
               <a:ext uri="{FF2B5EF4-FFF2-40B4-BE49-F238E27FC236}">
-                <a16:creationId xmlns:a16="http://schemas.microsoft.com/office/drawing/2014/main" xmlns="" id="{3A64CE71-C252-41E0-98BA-363CD7954AFC}"/>
+                <a16:creationId xmlns="" xmlns:a16="http://schemas.microsoft.com/office/drawing/2014/main" id="{3A64CE71-C252-41E0-98BA-363CD7954AFC}"/>
               </a:ext>
             </a:extLst>
           </p:cNvPr>
@@ -24794,59 +25638,6 @@
               </a:rPr>
               <a:t>EC2</a:t>
             </a:r>
-          </a:p>
-          <a:p>
-            <a:pPr>
-              <a:buFont typeface="+mj-lt"/>
-              <a:buAutoNum type="arabicPeriod"/>
-            </a:pPr>
-            <a:r>
-              <a:rPr lang="en-US" altLang="ja-JP" dirty="0" smtClean="0">
-                <a:solidFill>
-                  <a:srgbClr val="BFBFBF"/>
-                </a:solidFill>
-              </a:rPr>
-              <a:t>API </a:t>
-            </a:r>
-            <a:r>
-              <a:rPr lang="ja-JP" altLang="en-US" dirty="0" smtClean="0">
-                <a:solidFill>
-                  <a:srgbClr val="BFBFBF"/>
-                </a:solidFill>
-              </a:rPr>
-              <a:t>デプロイ</a:t>
-            </a:r>
-            <a:endParaRPr lang="en-US" altLang="ja-JP" dirty="0">
-              <a:solidFill>
-                <a:srgbClr val="BFBFBF"/>
-              </a:solidFill>
-            </a:endParaRPr>
-          </a:p>
-          <a:p>
-            <a:pPr>
-              <a:buFont typeface="+mj-lt"/>
-              <a:buAutoNum type="arabicPeriod"/>
-            </a:pPr>
-            <a:r>
-              <a:rPr lang="en-US" altLang="ja-JP" dirty="0">
-                <a:solidFill>
-                  <a:schemeClr val="bg1">
-                    <a:lumMod val="75000"/>
-                  </a:schemeClr>
-                </a:solidFill>
-              </a:rPr>
-              <a:t>CMS </a:t>
-            </a:r>
-            <a:r>
-              <a:rPr lang="ja-JP" altLang="en-US" dirty="0">
-                <a:solidFill>
-                  <a:schemeClr val="bg1">
-                    <a:lumMod val="75000"/>
-                  </a:schemeClr>
-                </a:solidFill>
-              </a:rPr>
-              <a:t>デプロイ</a:t>
-            </a:r>
             <a:endParaRPr lang="en-US" altLang="ja-JP" dirty="0">
               <a:solidFill>
                 <a:schemeClr val="bg1">
@@ -24856,25 +25647,134 @@
             </a:endParaRPr>
           </a:p>
           <a:p>
+            <a:pPr lvl="1">
+              <a:buFont typeface="+mj-lt"/>
+              <a:buAutoNum type="arabicPeriod"/>
+            </a:pPr>
+            <a:r>
+              <a:rPr lang="ja-JP" altLang="ja-JP" dirty="0">
+                <a:solidFill>
+                  <a:schemeClr val="bg1">
+                    <a:lumMod val="75000"/>
+                  </a:schemeClr>
+                </a:solidFill>
+              </a:rPr>
+              <a:t>C</a:t>
+            </a:r>
+            <a:r>
+              <a:rPr lang="en-US" altLang="ja-JP" dirty="0">
+                <a:solidFill>
+                  <a:schemeClr val="bg1">
+                    <a:lumMod val="75000"/>
+                  </a:schemeClr>
+                </a:solidFill>
+              </a:rPr>
+              <a:t>ognite</a:t>
+            </a:r>
+          </a:p>
+          <a:p>
+            <a:pPr lvl="1">
+              <a:buFont typeface="+mj-lt"/>
+              <a:buAutoNum type="arabicPeriod"/>
+            </a:pPr>
+            <a:r>
+              <a:rPr lang="ja-JP" altLang="ja-JP" dirty="0">
+                <a:solidFill>
+                  <a:schemeClr val="bg1">
+                    <a:lumMod val="75000"/>
+                  </a:schemeClr>
+                </a:solidFill>
+              </a:rPr>
+              <a:t>R</a:t>
+            </a:r>
+            <a:r>
+              <a:rPr lang="en-US" altLang="ja-JP" dirty="0">
+                <a:solidFill>
+                  <a:schemeClr val="bg1">
+                    <a:lumMod val="75000"/>
+                  </a:schemeClr>
+                </a:solidFill>
+              </a:rPr>
+              <a:t>oute53</a:t>
+            </a:r>
+            <a:endParaRPr lang="en-US" altLang="ja-JP" dirty="0" smtClean="0">
+              <a:solidFill>
+                <a:srgbClr val="00A0E7"/>
+              </a:solidFill>
+            </a:endParaRPr>
+          </a:p>
+          <a:p>
             <a:pPr>
               <a:buFont typeface="+mj-lt"/>
               <a:buAutoNum type="arabicPeriod"/>
             </a:pPr>
             <a:r>
+              <a:rPr lang="en-US" altLang="ja-JP" dirty="0" smtClean="0">
+                <a:solidFill>
+                  <a:srgbClr val="BFBFBF"/>
+                </a:solidFill>
+              </a:rPr>
+              <a:t>API </a:t>
+            </a:r>
+            <a:r>
               <a:rPr lang="ja-JP" altLang="en-US" dirty="0" smtClean="0">
                 <a:solidFill>
                   <a:srgbClr val="BFBFBF"/>
                 </a:solidFill>
               </a:rPr>
-              <a:t>コンテンツ</a:t>
-            </a:r>
+              <a:t>デプロイ</a:t>
+            </a:r>
+            <a:endParaRPr lang="en-US" altLang="ja-JP" dirty="0">
+              <a:solidFill>
+                <a:srgbClr val="BFBFBF"/>
+              </a:solidFill>
+            </a:endParaRPr>
+          </a:p>
+          <a:p>
+            <a:pPr>
+              <a:buFont typeface="+mj-lt"/>
+              <a:buAutoNum type="arabicPeriod"/>
+            </a:pPr>
+            <a:r>
+              <a:rPr lang="en-US" altLang="ja-JP" dirty="0">
+                <a:solidFill>
+                  <a:schemeClr val="bg1">
+                    <a:lumMod val="75000"/>
+                  </a:schemeClr>
+                </a:solidFill>
+              </a:rPr>
+              <a:t>CMS </a:t>
+            </a:r>
+            <a:r>
+              <a:rPr lang="ja-JP" altLang="en-US" dirty="0">
+                <a:solidFill>
+                  <a:schemeClr val="bg1">
+                    <a:lumMod val="75000"/>
+                  </a:schemeClr>
+                </a:solidFill>
+              </a:rPr>
+              <a:t>デプロイ</a:t>
+            </a:r>
+            <a:endParaRPr lang="en-US" altLang="ja-JP" dirty="0">
+              <a:solidFill>
+                <a:schemeClr val="bg1">
+                  <a:lumMod val="75000"/>
+                </a:schemeClr>
+              </a:solidFill>
+            </a:endParaRPr>
+          </a:p>
+          <a:p>
+            <a:pPr>
+              <a:buFont typeface="+mj-lt"/>
+              <a:buAutoNum type="arabicPeriod"/>
+            </a:pPr>
             <a:r>
               <a:rPr lang="ja-JP" altLang="en-US" dirty="0" smtClean="0">
                 <a:solidFill>
                   <a:srgbClr val="BFBFBF"/>
                 </a:solidFill>
               </a:rPr>
-              <a:t>登録</a:t>
+              <a:t>コンテンツ登録</a:t>
             </a:r>
             <a:endParaRPr lang="en-US" altLang="ja-JP" dirty="0" smtClean="0">
               <a:solidFill>
@@ -24907,7 +25807,7 @@
           <p:cNvPr id="11" name="表 10">
             <a:extLst>
               <a:ext uri="{FF2B5EF4-FFF2-40B4-BE49-F238E27FC236}">
-                <a16:creationId xmlns:a16="http://schemas.microsoft.com/office/drawing/2014/main" xmlns="" id="{3824BA45-4555-4A4B-859E-D45B5DBE9166}"/>
+                <a16:creationId xmlns="" xmlns:a16="http://schemas.microsoft.com/office/drawing/2014/main" id="{3824BA45-4555-4A4B-859E-D45B5DBE9166}"/>
               </a:ext>
             </a:extLst>
           </p:cNvPr>
@@ -24936,14 +25836,14 @@
                 <a:gridCol w="1251285">
                   <a:extLst>
                     <a:ext uri="{9D8B030D-6E8A-4147-A177-3AD203B41FA5}">
-                      <a16:colId xmlns:a16="http://schemas.microsoft.com/office/drawing/2014/main" xmlns="" val="486962398"/>
+                      <a16:colId xmlns="" xmlns:a16="http://schemas.microsoft.com/office/drawing/2014/main" val="486962398"/>
                     </a:ext>
                   </a:extLst>
                 </a:gridCol>
                 <a:gridCol w="1251285">
                   <a:extLst>
                     <a:ext uri="{9D8B030D-6E8A-4147-A177-3AD203B41FA5}">
-                      <a16:colId xmlns:a16="http://schemas.microsoft.com/office/drawing/2014/main" xmlns="" val="1228622091"/>
+                      <a16:colId xmlns="" xmlns:a16="http://schemas.microsoft.com/office/drawing/2014/main" val="1228622091"/>
                     </a:ext>
                   </a:extLst>
                 </a:gridCol>
@@ -25006,7 +25906,7 @@
                 </a:tc>
                 <a:extLst>
                   <a:ext uri="{0D108BD9-81ED-4DB2-BD59-A6C34878D82A}">
-                    <a16:rowId xmlns:a16="http://schemas.microsoft.com/office/drawing/2014/main" xmlns="" val="3951679411"/>
+                    <a16:rowId xmlns="" xmlns:a16="http://schemas.microsoft.com/office/drawing/2014/main" val="3951679411"/>
                   </a:ext>
                 </a:extLst>
               </a:tr>
@@ -25100,7 +26000,7 @@
                 </a:tc>
                 <a:extLst>
                   <a:ext uri="{0D108BD9-81ED-4DB2-BD59-A6C34878D82A}">
-                    <a16:rowId xmlns:a16="http://schemas.microsoft.com/office/drawing/2014/main" xmlns="" val="655885765"/>
+                    <a16:rowId xmlns="" xmlns:a16="http://schemas.microsoft.com/office/drawing/2014/main" val="655885765"/>
                   </a:ext>
                 </a:extLst>
               </a:tr>
@@ -25211,7 +26111,7 @@
                 </a:tc>
                 <a:extLst>
                   <a:ext uri="{0D108BD9-81ED-4DB2-BD59-A6C34878D82A}">
-                    <a16:rowId xmlns:a16="http://schemas.microsoft.com/office/drawing/2014/main" xmlns="" val="4269180922"/>
+                    <a16:rowId xmlns="" xmlns:a16="http://schemas.microsoft.com/office/drawing/2014/main" val="4269180922"/>
                   </a:ext>
                 </a:extLst>
               </a:tr>
@@ -25355,7 +26255,7 @@
           <p:cNvPr id="2" name="タイトル 1">
             <a:extLst>
               <a:ext uri="{FF2B5EF4-FFF2-40B4-BE49-F238E27FC236}">
-                <a16:creationId xmlns:a16="http://schemas.microsoft.com/office/drawing/2014/main" xmlns="" id="{41FAA20E-7C33-4452-B000-1315C6D7BF74}"/>
+                <a16:creationId xmlns="" xmlns:a16="http://schemas.microsoft.com/office/drawing/2014/main" id="{41FAA20E-7C33-4452-B000-1315C6D7BF74}"/>
               </a:ext>
             </a:extLst>
           </p:cNvPr>
@@ -25388,7 +26288,7 @@
           <p:cNvPr id="3" name="コンテンツ プレースホルダー 2">
             <a:extLst>
               <a:ext uri="{FF2B5EF4-FFF2-40B4-BE49-F238E27FC236}">
-                <a16:creationId xmlns:a16="http://schemas.microsoft.com/office/drawing/2014/main" xmlns="" id="{24173F00-B91E-440E-BAD4-BB493A21AC4B}"/>
+                <a16:creationId xmlns="" xmlns:a16="http://schemas.microsoft.com/office/drawing/2014/main" id="{24173F00-B91E-440E-BAD4-BB493A21AC4B}"/>
               </a:ext>
             </a:extLst>
           </p:cNvPr>
@@ -25510,7 +26410,6 @@
               <a:rPr lang="en-US" altLang="ja-JP" dirty="0" smtClean="0"/>
               <a:t>}</a:t>
             </a:r>
-            <a:endParaRPr lang="en-US" altLang="ja-JP" dirty="0" smtClean="0"/>
           </a:p>
           <a:p>
             <a:pPr lvl="1">
@@ -25589,7 +26488,7 @@
           <p:cNvPr id="4" name="スライド番号プレースホルダー 3">
             <a:extLst>
               <a:ext uri="{FF2B5EF4-FFF2-40B4-BE49-F238E27FC236}">
-                <a16:creationId xmlns:a16="http://schemas.microsoft.com/office/drawing/2014/main" xmlns="" id="{3A64CE71-C252-41E0-98BA-363CD7954AFC}"/>
+                <a16:creationId xmlns="" xmlns:a16="http://schemas.microsoft.com/office/drawing/2014/main" id="{3A64CE71-C252-41E0-98BA-363CD7954AFC}"/>
               </a:ext>
             </a:extLst>
           </p:cNvPr>
@@ -26028,59 +26927,6 @@
               </a:rPr>
               <a:t>EC2</a:t>
             </a:r>
-          </a:p>
-          <a:p>
-            <a:pPr>
-              <a:buFont typeface="+mj-lt"/>
-              <a:buAutoNum type="arabicPeriod"/>
-            </a:pPr>
-            <a:r>
-              <a:rPr lang="en-US" altLang="ja-JP" dirty="0" smtClean="0">
-                <a:solidFill>
-                  <a:srgbClr val="BFBFBF"/>
-                </a:solidFill>
-              </a:rPr>
-              <a:t>API </a:t>
-            </a:r>
-            <a:r>
-              <a:rPr lang="ja-JP" altLang="en-US" dirty="0" smtClean="0">
-                <a:solidFill>
-                  <a:srgbClr val="BFBFBF"/>
-                </a:solidFill>
-              </a:rPr>
-              <a:t>デプロイ</a:t>
-            </a:r>
-            <a:endParaRPr lang="en-US" altLang="ja-JP" dirty="0">
-              <a:solidFill>
-                <a:srgbClr val="BFBFBF"/>
-              </a:solidFill>
-            </a:endParaRPr>
-          </a:p>
-          <a:p>
-            <a:pPr>
-              <a:buFont typeface="+mj-lt"/>
-              <a:buAutoNum type="arabicPeriod"/>
-            </a:pPr>
-            <a:r>
-              <a:rPr lang="en-US" altLang="ja-JP" dirty="0">
-                <a:solidFill>
-                  <a:schemeClr val="bg1">
-                    <a:lumMod val="75000"/>
-                  </a:schemeClr>
-                </a:solidFill>
-              </a:rPr>
-              <a:t>CMS </a:t>
-            </a:r>
-            <a:r>
-              <a:rPr lang="ja-JP" altLang="en-US" dirty="0">
-                <a:solidFill>
-                  <a:schemeClr val="bg1">
-                    <a:lumMod val="75000"/>
-                  </a:schemeClr>
-                </a:solidFill>
-              </a:rPr>
-              <a:t>デプロイ</a:t>
-            </a:r>
             <a:endParaRPr lang="en-US" altLang="ja-JP" dirty="0">
               <a:solidFill>
                 <a:schemeClr val="bg1">
@@ -26090,25 +26936,134 @@
             </a:endParaRPr>
           </a:p>
           <a:p>
+            <a:pPr lvl="1">
+              <a:buFont typeface="+mj-lt"/>
+              <a:buAutoNum type="arabicPeriod"/>
+            </a:pPr>
+            <a:r>
+              <a:rPr lang="ja-JP" altLang="ja-JP" dirty="0">
+                <a:solidFill>
+                  <a:schemeClr val="bg1">
+                    <a:lumMod val="75000"/>
+                  </a:schemeClr>
+                </a:solidFill>
+              </a:rPr>
+              <a:t>C</a:t>
+            </a:r>
+            <a:r>
+              <a:rPr lang="en-US" altLang="ja-JP" dirty="0">
+                <a:solidFill>
+                  <a:schemeClr val="bg1">
+                    <a:lumMod val="75000"/>
+                  </a:schemeClr>
+                </a:solidFill>
+              </a:rPr>
+              <a:t>ognite</a:t>
+            </a:r>
+          </a:p>
+          <a:p>
+            <a:pPr lvl="1">
+              <a:buFont typeface="+mj-lt"/>
+              <a:buAutoNum type="arabicPeriod"/>
+            </a:pPr>
+            <a:r>
+              <a:rPr lang="ja-JP" altLang="ja-JP" dirty="0">
+                <a:solidFill>
+                  <a:schemeClr val="bg1">
+                    <a:lumMod val="75000"/>
+                  </a:schemeClr>
+                </a:solidFill>
+              </a:rPr>
+              <a:t>R</a:t>
+            </a:r>
+            <a:r>
+              <a:rPr lang="en-US" altLang="ja-JP" dirty="0">
+                <a:solidFill>
+                  <a:schemeClr val="bg1">
+                    <a:lumMod val="75000"/>
+                  </a:schemeClr>
+                </a:solidFill>
+              </a:rPr>
+              <a:t>oute53</a:t>
+            </a:r>
+            <a:endParaRPr lang="en-US" altLang="ja-JP" dirty="0" smtClean="0">
+              <a:solidFill>
+                <a:srgbClr val="00A0E7"/>
+              </a:solidFill>
+            </a:endParaRPr>
+          </a:p>
+          <a:p>
             <a:pPr>
               <a:buFont typeface="+mj-lt"/>
               <a:buAutoNum type="arabicPeriod"/>
             </a:pPr>
             <a:r>
+              <a:rPr lang="en-US" altLang="ja-JP" dirty="0" smtClean="0">
+                <a:solidFill>
+                  <a:srgbClr val="BFBFBF"/>
+                </a:solidFill>
+              </a:rPr>
+              <a:t>API </a:t>
+            </a:r>
+            <a:r>
               <a:rPr lang="ja-JP" altLang="en-US" dirty="0" smtClean="0">
                 <a:solidFill>
                   <a:srgbClr val="BFBFBF"/>
                 </a:solidFill>
               </a:rPr>
-              <a:t>コンテンツ</a:t>
-            </a:r>
+              <a:t>デプロイ</a:t>
+            </a:r>
+            <a:endParaRPr lang="en-US" altLang="ja-JP" dirty="0">
+              <a:solidFill>
+                <a:srgbClr val="BFBFBF"/>
+              </a:solidFill>
+            </a:endParaRPr>
+          </a:p>
+          <a:p>
+            <a:pPr>
+              <a:buFont typeface="+mj-lt"/>
+              <a:buAutoNum type="arabicPeriod"/>
+            </a:pPr>
+            <a:r>
+              <a:rPr lang="en-US" altLang="ja-JP" dirty="0">
+                <a:solidFill>
+                  <a:schemeClr val="bg1">
+                    <a:lumMod val="75000"/>
+                  </a:schemeClr>
+                </a:solidFill>
+              </a:rPr>
+              <a:t>CMS </a:t>
+            </a:r>
+            <a:r>
+              <a:rPr lang="ja-JP" altLang="en-US" dirty="0">
+                <a:solidFill>
+                  <a:schemeClr val="bg1">
+                    <a:lumMod val="75000"/>
+                  </a:schemeClr>
+                </a:solidFill>
+              </a:rPr>
+              <a:t>デプロイ</a:t>
+            </a:r>
+            <a:endParaRPr lang="en-US" altLang="ja-JP" dirty="0">
+              <a:solidFill>
+                <a:schemeClr val="bg1">
+                  <a:lumMod val="75000"/>
+                </a:schemeClr>
+              </a:solidFill>
+            </a:endParaRPr>
+          </a:p>
+          <a:p>
+            <a:pPr>
+              <a:buFont typeface="+mj-lt"/>
+              <a:buAutoNum type="arabicPeriod"/>
+            </a:pPr>
             <a:r>
               <a:rPr lang="ja-JP" altLang="en-US" dirty="0" smtClean="0">
                 <a:solidFill>
                   <a:srgbClr val="BFBFBF"/>
                 </a:solidFill>
               </a:rPr>
-              <a:t>登録</a:t>
+              <a:t>コンテンツ登録</a:t>
             </a:r>
             <a:endParaRPr lang="en-US" altLang="ja-JP" dirty="0" smtClean="0">
               <a:solidFill>
@@ -26178,7 +27133,7 @@
           <p:cNvPr id="2" name="タイトル 1">
             <a:extLst>
               <a:ext uri="{FF2B5EF4-FFF2-40B4-BE49-F238E27FC236}">
-                <a16:creationId xmlns:a16="http://schemas.microsoft.com/office/drawing/2014/main" xmlns="" id="{088B8BCD-F08D-4BBA-A1AB-1E863725A893}"/>
+                <a16:creationId xmlns="" xmlns:a16="http://schemas.microsoft.com/office/drawing/2014/main" id="{41FAA20E-7C33-4452-B000-1315C6D7BF74}"/>
               </a:ext>
             </a:extLst>
           </p:cNvPr>
@@ -26195,12 +27150,12 @@
           <a:lstStyle/>
           <a:p>
             <a:r>
-              <a:rPr kumimoji="1" lang="en-US" altLang="ja-JP" dirty="0" smtClean="0"/>
-              <a:t>API</a:t>
-            </a:r>
-            <a:r>
-              <a:rPr kumimoji="1" lang="ja-JP" altLang="en-US" dirty="0" smtClean="0"/>
-              <a:t> デプロイ</a:t>
+              <a:rPr lang="en-US" altLang="ja-JP" dirty="0" smtClean="0"/>
+              <a:t>AWS</a:t>
+            </a:r>
+            <a:r>
+              <a:rPr lang="ja-JP" altLang="en-US" dirty="0" smtClean="0"/>
+              <a:t>設定</a:t>
             </a:r>
             <a:endParaRPr kumimoji="1" lang="ja-JP" altLang="en-US" dirty="0"/>
           </a:p>
@@ -26211,7 +27166,1668 @@
           <p:cNvPr id="3" name="コンテンツ プレースホルダー 2">
             <a:extLst>
               <a:ext uri="{FF2B5EF4-FFF2-40B4-BE49-F238E27FC236}">
-                <a16:creationId xmlns:a16="http://schemas.microsoft.com/office/drawing/2014/main" xmlns="" id="{A7A32151-9B8F-44C6-94BE-A0C67BE48453}"/>
+                <a16:creationId xmlns="" xmlns:a16="http://schemas.microsoft.com/office/drawing/2014/main" id="{24173F00-B91E-440E-BAD4-BB493A21AC4B}"/>
+              </a:ext>
+            </a:extLst>
+          </p:cNvPr>
+          <p:cNvSpPr>
+            <a:spLocks noGrp="1"/>
+          </p:cNvSpPr>
+          <p:nvPr>
+            <p:ph idx="1"/>
+          </p:nvPr>
+        </p:nvSpPr>
+        <p:spPr>
+          <a:xfrm>
+            <a:off x="3091999" y="553524"/>
+            <a:ext cx="8936179" cy="5856357"/>
+          </a:xfrm>
+        </p:spPr>
+        <p:txBody>
+          <a:bodyPr/>
+          <a:lstStyle/>
+          <a:p>
+            <a:pPr lvl="1">
+              <a:buFont typeface="+mj-lt"/>
+              <a:buAutoNum type="arabicPeriod" startAt="5"/>
+            </a:pPr>
+            <a:endParaRPr lang="en-US" altLang="ja-JP" dirty="0" smtClean="0"/>
+          </a:p>
+        </p:txBody>
+      </p:sp>
+      <p:sp>
+        <p:nvSpPr>
+          <p:cNvPr id="4" name="スライド番号プレースホルダー 3">
+            <a:extLst>
+              <a:ext uri="{FF2B5EF4-FFF2-40B4-BE49-F238E27FC236}">
+                <a16:creationId xmlns="" xmlns:a16="http://schemas.microsoft.com/office/drawing/2014/main" id="{3A64CE71-C252-41E0-98BA-363CD7954AFC}"/>
+              </a:ext>
+            </a:extLst>
+          </p:cNvPr>
+          <p:cNvSpPr>
+            <a:spLocks noGrp="1"/>
+          </p:cNvSpPr>
+          <p:nvPr>
+            <p:ph type="sldNum" sz="quarter" idx="12"/>
+          </p:nvPr>
+        </p:nvSpPr>
+        <p:spPr/>
+        <p:txBody>
+          <a:bodyPr/>
+          <a:lstStyle/>
+          <a:p>
+            <a:fld id="{FC7FC04C-4975-46EC-A609-F7DE0D5B1B51}" type="slidenum">
+              <a:rPr kumimoji="1" lang="ja-JP" altLang="en-US" smtClean="0"/>
+              <a:pPr/>
+              <a:t>28</a:t>
+            </a:fld>
+            <a:endParaRPr kumimoji="1" lang="ja-JP" altLang="en-US" dirty="0"/>
+          </a:p>
+        </p:txBody>
+      </p:sp>
+      <p:cxnSp>
+        <p:nvCxnSpPr>
+          <p:cNvPr id="8" name="直線コネクタ 7"/>
+          <p:cNvCxnSpPr/>
+          <p:nvPr/>
+        </p:nvCxnSpPr>
+        <p:spPr>
+          <a:xfrm>
+            <a:off x="3064392" y="607452"/>
+            <a:ext cx="0" cy="5867439"/>
+          </a:xfrm>
+          <a:prstGeom prst="line">
+            <a:avLst/>
+          </a:prstGeom>
+          <a:ln>
+            <a:solidFill>
+              <a:srgbClr val="13A0E7"/>
+            </a:solidFill>
+          </a:ln>
+        </p:spPr>
+        <p:style>
+          <a:lnRef idx="2">
+            <a:schemeClr val="accent1"/>
+          </a:lnRef>
+          <a:fillRef idx="0">
+            <a:schemeClr val="accent1"/>
+          </a:fillRef>
+          <a:effectRef idx="1">
+            <a:schemeClr val="accent1"/>
+          </a:effectRef>
+          <a:fontRef idx="minor">
+            <a:schemeClr val="tx1"/>
+          </a:fontRef>
+        </p:style>
+      </p:cxnSp>
+      <p:sp>
+        <p:nvSpPr>
+          <p:cNvPr id="10" name="コンテンツ プレースホルダー 2"/>
+          <p:cNvSpPr txBox="1">
+            <a:spLocks/>
+          </p:cNvSpPr>
+          <p:nvPr/>
+        </p:nvSpPr>
+        <p:spPr>
+          <a:xfrm>
+            <a:off x="275150" y="548855"/>
+            <a:ext cx="2761636" cy="5926035"/>
+          </a:xfrm>
+          <a:prstGeom prst="rect">
+            <a:avLst/>
+          </a:prstGeom>
+        </p:spPr>
+        <p:txBody>
+          <a:bodyPr numCol="1"/>
+          <a:lstStyle>
+            <a:lvl1pPr marL="342900" indent="-342900" algn="l" defTabSz="457200" rtl="0" eaLnBrk="1" latinLnBrk="0" hangingPunct="1">
+              <a:spcBef>
+                <a:spcPts val="1000"/>
+              </a:spcBef>
+              <a:spcAft>
+                <a:spcPts val="0"/>
+              </a:spcAft>
+              <a:buClr>
+                <a:srgbClr val="00A0E7"/>
+              </a:buClr>
+              <a:buFont typeface="Wingdings" panose="05000000000000000000" pitchFamily="2" charset="2"/>
+              <a:buChar char="Ø"/>
+              <a:defRPr kumimoji="1" sz="1800" kern="1200">
+                <a:solidFill>
+                  <a:schemeClr val="tx1">
+                    <a:lumMod val="75000"/>
+                    <a:lumOff val="25000"/>
+                  </a:schemeClr>
+                </a:solidFill>
+                <a:latin typeface="+mn-lt"/>
+                <a:ea typeface="+mn-ea"/>
+                <a:cs typeface="+mn-cs"/>
+              </a:defRPr>
+            </a:lvl1pPr>
+            <a:lvl2pPr marL="800100" indent="-342900" algn="l" defTabSz="457200" rtl="0" eaLnBrk="1" latinLnBrk="0" hangingPunct="1">
+              <a:spcBef>
+                <a:spcPts val="1000"/>
+              </a:spcBef>
+              <a:spcAft>
+                <a:spcPts val="0"/>
+              </a:spcAft>
+              <a:buClr>
+                <a:srgbClr val="00A0E7"/>
+              </a:buClr>
+              <a:buFont typeface="Wingdings" panose="05000000000000000000" pitchFamily="2" charset="2"/>
+              <a:buChar char="Ø"/>
+              <a:defRPr kumimoji="1" sz="1600" kern="1200">
+                <a:solidFill>
+                  <a:schemeClr val="tx1">
+                    <a:lumMod val="75000"/>
+                    <a:lumOff val="25000"/>
+                  </a:schemeClr>
+                </a:solidFill>
+                <a:latin typeface="+mn-lt"/>
+                <a:ea typeface="+mn-ea"/>
+                <a:cs typeface="+mn-cs"/>
+              </a:defRPr>
+            </a:lvl2pPr>
+            <a:lvl3pPr marL="1257300" indent="-342900" algn="l" defTabSz="457200" rtl="0" eaLnBrk="1" latinLnBrk="0" hangingPunct="1">
+              <a:spcBef>
+                <a:spcPts val="1000"/>
+              </a:spcBef>
+              <a:spcAft>
+                <a:spcPts val="0"/>
+              </a:spcAft>
+              <a:buClr>
+                <a:srgbClr val="00A0E7"/>
+              </a:buClr>
+              <a:buFont typeface="Wingdings" panose="05000000000000000000" pitchFamily="2" charset="2"/>
+              <a:buChar char="Ø"/>
+              <a:defRPr kumimoji="1" sz="1400" kern="1200">
+                <a:solidFill>
+                  <a:schemeClr val="tx1">
+                    <a:lumMod val="75000"/>
+                    <a:lumOff val="25000"/>
+                  </a:schemeClr>
+                </a:solidFill>
+                <a:latin typeface="+mn-lt"/>
+                <a:ea typeface="+mn-ea"/>
+                <a:cs typeface="+mn-cs"/>
+              </a:defRPr>
+            </a:lvl3pPr>
+            <a:lvl4pPr marL="1600200" indent="-228600" algn="l" defTabSz="457200" rtl="0" eaLnBrk="1" latinLnBrk="0" hangingPunct="1">
+              <a:spcBef>
+                <a:spcPts val="1000"/>
+              </a:spcBef>
+              <a:spcAft>
+                <a:spcPts val="0"/>
+              </a:spcAft>
+              <a:buClr>
+                <a:srgbClr val="00A0E7"/>
+              </a:buClr>
+              <a:buFont typeface="Wingdings" panose="05000000000000000000" pitchFamily="2" charset="2"/>
+              <a:buChar char="Ø"/>
+              <a:defRPr kumimoji="1" sz="1200" kern="1200">
+                <a:solidFill>
+                  <a:schemeClr val="tx1">
+                    <a:lumMod val="75000"/>
+                    <a:lumOff val="25000"/>
+                  </a:schemeClr>
+                </a:solidFill>
+                <a:latin typeface="+mn-lt"/>
+                <a:ea typeface="+mn-ea"/>
+                <a:cs typeface="+mn-cs"/>
+              </a:defRPr>
+            </a:lvl4pPr>
+            <a:lvl5pPr marL="2057400" indent="-228600" algn="l" defTabSz="457200" rtl="0" eaLnBrk="1" latinLnBrk="0" hangingPunct="1">
+              <a:spcBef>
+                <a:spcPts val="1000"/>
+              </a:spcBef>
+              <a:spcAft>
+                <a:spcPts val="0"/>
+              </a:spcAft>
+              <a:buClr>
+                <a:srgbClr val="00A0E7"/>
+              </a:buClr>
+              <a:buFont typeface="Wingdings" panose="05000000000000000000" pitchFamily="2" charset="2"/>
+              <a:buChar char="Ø"/>
+              <a:defRPr kumimoji="1" sz="1200" kern="1200">
+                <a:solidFill>
+                  <a:schemeClr val="tx1">
+                    <a:lumMod val="75000"/>
+                    <a:lumOff val="25000"/>
+                  </a:schemeClr>
+                </a:solidFill>
+                <a:latin typeface="+mn-lt"/>
+                <a:ea typeface="+mn-ea"/>
+                <a:cs typeface="+mn-cs"/>
+              </a:defRPr>
+            </a:lvl5pPr>
+            <a:lvl6pPr marL="2514600" indent="-228600" algn="l" defTabSz="457200" rtl="0" eaLnBrk="1" latinLnBrk="0" hangingPunct="1">
+              <a:spcBef>
+                <a:spcPts val="1000"/>
+              </a:spcBef>
+              <a:spcAft>
+                <a:spcPts val="0"/>
+              </a:spcAft>
+              <a:buClr>
+                <a:schemeClr val="accent1"/>
+              </a:buClr>
+              <a:buFont typeface="Wingdings 3" charset="2"/>
+              <a:buChar char=""/>
+              <a:defRPr kumimoji="1" sz="1200" kern="1200">
+                <a:solidFill>
+                  <a:schemeClr val="tx1">
+                    <a:lumMod val="75000"/>
+                    <a:lumOff val="25000"/>
+                  </a:schemeClr>
+                </a:solidFill>
+                <a:latin typeface="+mn-lt"/>
+                <a:ea typeface="+mn-ea"/>
+                <a:cs typeface="+mn-cs"/>
+              </a:defRPr>
+            </a:lvl6pPr>
+            <a:lvl7pPr marL="2971800" indent="-228600" algn="l" defTabSz="457200" rtl="0" eaLnBrk="1" latinLnBrk="0" hangingPunct="1">
+              <a:spcBef>
+                <a:spcPts val="1000"/>
+              </a:spcBef>
+              <a:spcAft>
+                <a:spcPts val="0"/>
+              </a:spcAft>
+              <a:buClr>
+                <a:schemeClr val="accent1"/>
+              </a:buClr>
+              <a:buFont typeface="Wingdings 3" charset="2"/>
+              <a:buChar char=""/>
+              <a:defRPr kumimoji="1" sz="1200" kern="1200">
+                <a:solidFill>
+                  <a:schemeClr val="tx1">
+                    <a:lumMod val="75000"/>
+                    <a:lumOff val="25000"/>
+                  </a:schemeClr>
+                </a:solidFill>
+                <a:latin typeface="+mn-lt"/>
+                <a:ea typeface="+mn-ea"/>
+                <a:cs typeface="+mn-cs"/>
+              </a:defRPr>
+            </a:lvl7pPr>
+            <a:lvl8pPr marL="3429000" indent="-228600" algn="l" defTabSz="457200" rtl="0" eaLnBrk="1" latinLnBrk="0" hangingPunct="1">
+              <a:spcBef>
+                <a:spcPts val="1000"/>
+              </a:spcBef>
+              <a:spcAft>
+                <a:spcPts val="0"/>
+              </a:spcAft>
+              <a:buClr>
+                <a:schemeClr val="accent1"/>
+              </a:buClr>
+              <a:buFont typeface="Wingdings 3" charset="2"/>
+              <a:buChar char=""/>
+              <a:defRPr kumimoji="1" sz="1200" kern="1200">
+                <a:solidFill>
+                  <a:schemeClr val="tx1">
+                    <a:lumMod val="75000"/>
+                    <a:lumOff val="25000"/>
+                  </a:schemeClr>
+                </a:solidFill>
+                <a:latin typeface="+mn-lt"/>
+                <a:ea typeface="+mn-ea"/>
+                <a:cs typeface="+mn-cs"/>
+              </a:defRPr>
+            </a:lvl8pPr>
+            <a:lvl9pPr marL="3886200" indent="-228600" algn="l" defTabSz="457200" rtl="0" eaLnBrk="1" latinLnBrk="0" hangingPunct="1">
+              <a:spcBef>
+                <a:spcPts val="1000"/>
+              </a:spcBef>
+              <a:spcAft>
+                <a:spcPts val="0"/>
+              </a:spcAft>
+              <a:buClr>
+                <a:schemeClr val="accent1"/>
+              </a:buClr>
+              <a:buFont typeface="Wingdings 3" charset="2"/>
+              <a:buChar char=""/>
+              <a:defRPr kumimoji="1" sz="1200" kern="1200">
+                <a:solidFill>
+                  <a:schemeClr val="tx1">
+                    <a:lumMod val="75000"/>
+                    <a:lumOff val="25000"/>
+                  </a:schemeClr>
+                </a:solidFill>
+                <a:latin typeface="+mn-lt"/>
+                <a:ea typeface="+mn-ea"/>
+                <a:cs typeface="+mn-cs"/>
+              </a:defRPr>
+            </a:lvl9pPr>
+          </a:lstStyle>
+          <a:p>
+            <a:pPr marL="0" indent="0">
+              <a:buNone/>
+            </a:pPr>
+            <a:r>
+              <a:rPr lang="ja-JP" altLang="en-US" dirty="0"/>
+              <a:t>環境</a:t>
+            </a:r>
+            <a:r>
+              <a:rPr lang="ja-JP" altLang="en-US" dirty="0" smtClean="0"/>
+              <a:t>構築手順</a:t>
+            </a:r>
+            <a:endParaRPr lang="en-US" altLang="ja-JP" dirty="0" smtClean="0"/>
+          </a:p>
+          <a:p>
+            <a:pPr>
+              <a:buFont typeface="+mj-lt"/>
+              <a:buAutoNum type="arabicPeriod"/>
+            </a:pPr>
+            <a:r>
+              <a:rPr lang="en-US" altLang="ja-JP" dirty="0" smtClean="0"/>
+              <a:t>AWS</a:t>
+            </a:r>
+            <a:r>
+              <a:rPr lang="ja-JP" altLang="en-US" dirty="0" smtClean="0"/>
+              <a:t>リソース</a:t>
+            </a:r>
+            <a:endParaRPr lang="en-US" altLang="ja-JP" dirty="0" smtClean="0"/>
+          </a:p>
+          <a:p>
+            <a:pPr lvl="1">
+              <a:buFont typeface="+mj-lt"/>
+              <a:buAutoNum type="arabicPeriod"/>
+            </a:pPr>
+            <a:r>
+              <a:rPr lang="en-US" altLang="ja-JP" dirty="0">
+                <a:solidFill>
+                  <a:srgbClr val="BFBFBF"/>
+                </a:solidFill>
+              </a:rPr>
+              <a:t>DynamoDB</a:t>
+            </a:r>
+          </a:p>
+          <a:p>
+            <a:pPr lvl="1">
+              <a:buFont typeface="+mj-lt"/>
+              <a:buAutoNum type="arabicPeriod"/>
+            </a:pPr>
+            <a:r>
+              <a:rPr lang="en-US" altLang="ja-JP" dirty="0">
+                <a:solidFill>
+                  <a:srgbClr val="BFBFBF"/>
+                </a:solidFill>
+              </a:rPr>
+              <a:t>IAM (Role, Policy)</a:t>
+            </a:r>
+          </a:p>
+          <a:p>
+            <a:pPr lvl="1">
+              <a:buFont typeface="+mj-lt"/>
+              <a:buAutoNum type="arabicPeriod"/>
+            </a:pPr>
+            <a:r>
+              <a:rPr lang="en-US" altLang="ja-JP" dirty="0" smtClean="0">
+                <a:solidFill>
+                  <a:srgbClr val="BFBFBF"/>
+                </a:solidFill>
+              </a:rPr>
+              <a:t>Lambda</a:t>
+            </a:r>
+          </a:p>
+          <a:p>
+            <a:pPr lvl="1">
+              <a:buFont typeface="+mj-lt"/>
+              <a:buAutoNum type="arabicPeriod"/>
+            </a:pPr>
+            <a:r>
+              <a:rPr lang="en-US" altLang="ja-JP" dirty="0" smtClean="0">
+                <a:solidFill>
+                  <a:schemeClr val="bg1">
+                    <a:lumMod val="75000"/>
+                  </a:schemeClr>
+                </a:solidFill>
+              </a:rPr>
+              <a:t>API Gateway</a:t>
+            </a:r>
+          </a:p>
+          <a:p>
+            <a:pPr lvl="1">
+              <a:buFont typeface="+mj-lt"/>
+              <a:buAutoNum type="arabicPeriod"/>
+            </a:pPr>
+            <a:r>
+              <a:rPr lang="en-US" altLang="ja-JP" dirty="0" smtClean="0">
+                <a:solidFill>
+                  <a:srgbClr val="BFBFBF"/>
+                </a:solidFill>
+              </a:rPr>
+              <a:t>S3</a:t>
+            </a:r>
+          </a:p>
+          <a:p>
+            <a:pPr lvl="1">
+              <a:buFont typeface="+mj-lt"/>
+              <a:buAutoNum type="arabicPeriod"/>
+            </a:pPr>
+            <a:r>
+              <a:rPr lang="en-US" altLang="ja-JP" dirty="0" smtClean="0">
+                <a:solidFill>
+                  <a:srgbClr val="BFBFBF"/>
+                </a:solidFill>
+              </a:rPr>
+              <a:t>CloudFront</a:t>
+            </a:r>
+          </a:p>
+          <a:p>
+            <a:pPr lvl="1">
+              <a:buFont typeface="+mj-lt"/>
+              <a:buAutoNum type="arabicPeriod"/>
+            </a:pPr>
+            <a:r>
+              <a:rPr lang="en-US" altLang="ja-JP" dirty="0" smtClean="0">
+                <a:solidFill>
+                  <a:srgbClr val="BFBFBF"/>
+                </a:solidFill>
+              </a:rPr>
+              <a:t>WAF &amp; Shields</a:t>
+            </a:r>
+          </a:p>
+          <a:p>
+            <a:pPr lvl="1">
+              <a:buFont typeface="+mj-lt"/>
+              <a:buAutoNum type="arabicPeriod"/>
+            </a:pPr>
+            <a:r>
+              <a:rPr lang="en-US" altLang="ja-JP" dirty="0" smtClean="0">
+                <a:solidFill>
+                  <a:schemeClr val="bg1">
+                    <a:lumMod val="75000"/>
+                  </a:schemeClr>
+                </a:solidFill>
+              </a:rPr>
+              <a:t>EC2</a:t>
+            </a:r>
+          </a:p>
+          <a:p>
+            <a:pPr lvl="1">
+              <a:buFont typeface="+mj-lt"/>
+              <a:buAutoNum type="arabicPeriod"/>
+            </a:pPr>
+            <a:r>
+              <a:rPr lang="ja-JP" altLang="ja-JP" dirty="0" smtClean="0">
+                <a:solidFill>
+                  <a:srgbClr val="00A0E7"/>
+                </a:solidFill>
+              </a:rPr>
+              <a:t>C</a:t>
+            </a:r>
+            <a:r>
+              <a:rPr lang="en-US" altLang="ja-JP" dirty="0" smtClean="0">
+                <a:solidFill>
+                  <a:srgbClr val="00A0E7"/>
+                </a:solidFill>
+              </a:rPr>
+              <a:t>ognite</a:t>
+            </a:r>
+          </a:p>
+          <a:p>
+            <a:pPr lvl="1">
+              <a:buFont typeface="+mj-lt"/>
+              <a:buAutoNum type="arabicPeriod"/>
+            </a:pPr>
+            <a:r>
+              <a:rPr lang="ja-JP" altLang="ja-JP" dirty="0" smtClean="0">
+                <a:solidFill>
+                  <a:schemeClr val="bg1">
+                    <a:lumMod val="75000"/>
+                  </a:schemeClr>
+                </a:solidFill>
+              </a:rPr>
+              <a:t>R</a:t>
+            </a:r>
+            <a:r>
+              <a:rPr lang="en-US" altLang="ja-JP" dirty="0" smtClean="0">
+                <a:solidFill>
+                  <a:schemeClr val="bg1">
+                    <a:lumMod val="75000"/>
+                  </a:schemeClr>
+                </a:solidFill>
+              </a:rPr>
+              <a:t>oute53</a:t>
+            </a:r>
+            <a:endParaRPr lang="en-US" altLang="ja-JP" dirty="0" smtClean="0">
+              <a:solidFill>
+                <a:schemeClr val="bg1">
+                  <a:lumMod val="75000"/>
+                </a:schemeClr>
+              </a:solidFill>
+            </a:endParaRPr>
+          </a:p>
+          <a:p>
+            <a:pPr>
+              <a:buFont typeface="+mj-lt"/>
+              <a:buAutoNum type="arabicPeriod"/>
+            </a:pPr>
+            <a:r>
+              <a:rPr lang="en-US" altLang="ja-JP" dirty="0" smtClean="0">
+                <a:solidFill>
+                  <a:srgbClr val="BFBFBF"/>
+                </a:solidFill>
+              </a:rPr>
+              <a:t>API </a:t>
+            </a:r>
+            <a:r>
+              <a:rPr lang="ja-JP" altLang="en-US" dirty="0" smtClean="0">
+                <a:solidFill>
+                  <a:srgbClr val="BFBFBF"/>
+                </a:solidFill>
+              </a:rPr>
+              <a:t>デプロイ</a:t>
+            </a:r>
+            <a:endParaRPr lang="en-US" altLang="ja-JP" dirty="0">
+              <a:solidFill>
+                <a:srgbClr val="BFBFBF"/>
+              </a:solidFill>
+            </a:endParaRPr>
+          </a:p>
+          <a:p>
+            <a:pPr>
+              <a:buFont typeface="+mj-lt"/>
+              <a:buAutoNum type="arabicPeriod"/>
+            </a:pPr>
+            <a:r>
+              <a:rPr lang="en-US" altLang="ja-JP" dirty="0">
+                <a:solidFill>
+                  <a:schemeClr val="bg1">
+                    <a:lumMod val="75000"/>
+                  </a:schemeClr>
+                </a:solidFill>
+              </a:rPr>
+              <a:t>CMS </a:t>
+            </a:r>
+            <a:r>
+              <a:rPr lang="ja-JP" altLang="en-US" dirty="0">
+                <a:solidFill>
+                  <a:schemeClr val="bg1">
+                    <a:lumMod val="75000"/>
+                  </a:schemeClr>
+                </a:solidFill>
+              </a:rPr>
+              <a:t>デプロイ</a:t>
+            </a:r>
+            <a:endParaRPr lang="en-US" altLang="ja-JP" dirty="0">
+              <a:solidFill>
+                <a:schemeClr val="bg1">
+                  <a:lumMod val="75000"/>
+                </a:schemeClr>
+              </a:solidFill>
+            </a:endParaRPr>
+          </a:p>
+          <a:p>
+            <a:pPr>
+              <a:buFont typeface="+mj-lt"/>
+              <a:buAutoNum type="arabicPeriod"/>
+            </a:pPr>
+            <a:r>
+              <a:rPr lang="ja-JP" altLang="en-US" dirty="0" smtClean="0">
+                <a:solidFill>
+                  <a:srgbClr val="BFBFBF"/>
+                </a:solidFill>
+              </a:rPr>
+              <a:t>コンテンツ登録</a:t>
+            </a:r>
+            <a:endParaRPr lang="en-US" altLang="ja-JP" dirty="0" smtClean="0">
+              <a:solidFill>
+                <a:srgbClr val="BFBFBF"/>
+              </a:solidFill>
+            </a:endParaRPr>
+          </a:p>
+          <a:p>
+            <a:pPr marL="0" indent="0">
+              <a:buNone/>
+            </a:pPr>
+            <a:r>
+              <a:rPr lang="ja-JP" altLang="en-US" dirty="0" smtClean="0">
+                <a:solidFill>
+                  <a:srgbClr val="BFBFBF"/>
+                </a:solidFill>
+              </a:rPr>
+              <a:t>以上</a:t>
+            </a:r>
+            <a:endParaRPr lang="en-US" altLang="ja-JP" dirty="0" smtClean="0">
+              <a:solidFill>
+                <a:srgbClr val="BFBFBF"/>
+              </a:solidFill>
+            </a:endParaRPr>
+          </a:p>
+        </p:txBody>
+      </p:sp>
+    </p:spTree>
+    <p:extLst>
+      <p:ext uri="{BB962C8B-B14F-4D97-AF65-F5344CB8AC3E}">
+        <p14:creationId xmlns:p14="http://schemas.microsoft.com/office/powerpoint/2010/main" val="1069473577"/>
+      </p:ext>
+    </p:extLst>
+  </p:cSld>
+  <p:clrMapOvr>
+    <a:masterClrMapping/>
+  </p:clrMapOvr>
+  <p:timing>
+    <p:tnLst>
+      <p:par>
+        <p:cTn xmlns:p14="http://schemas.microsoft.com/office/powerpoint/2010/main" id="1" dur="indefinite" restart="never" nodeType="tmRoot"/>
+      </p:par>
+    </p:tnLst>
+  </p:timing>
+</p:sld>
+</file>
+
+<file path=ppt/slides/slide29.xml><?xml version="1.0" encoding="utf-8"?>
+<p:sld xmlns:a="http://schemas.openxmlformats.org/drawingml/2006/main" xmlns:r="http://schemas.openxmlformats.org/officeDocument/2006/relationships" xmlns:p="http://schemas.openxmlformats.org/presentationml/2006/main">
+  <p:cSld>
+    <p:spTree>
+      <p:nvGrpSpPr>
+        <p:cNvPr id="1" name=""/>
+        <p:cNvGrpSpPr/>
+        <p:nvPr/>
+      </p:nvGrpSpPr>
+      <p:grpSpPr>
+        <a:xfrm>
+          <a:off x="0" y="0"/>
+          <a:ext cx="0" cy="0"/>
+          <a:chOff x="0" y="0"/>
+          <a:chExt cx="0" cy="0"/>
+        </a:xfrm>
+      </p:grpSpPr>
+      <p:sp>
+        <p:nvSpPr>
+          <p:cNvPr id="2" name="タイトル 1">
+            <a:extLst>
+              <a:ext uri="{FF2B5EF4-FFF2-40B4-BE49-F238E27FC236}">
+                <a16:creationId xmlns="" xmlns:a16="http://schemas.microsoft.com/office/drawing/2014/main" id="{41FAA20E-7C33-4452-B000-1315C6D7BF74}"/>
+              </a:ext>
+            </a:extLst>
+          </p:cNvPr>
+          <p:cNvSpPr>
+            <a:spLocks noGrp="1"/>
+          </p:cNvSpPr>
+          <p:nvPr>
+            <p:ph type="title"/>
+          </p:nvPr>
+        </p:nvSpPr>
+        <p:spPr/>
+        <p:txBody>
+          <a:bodyPr/>
+          <a:lstStyle/>
+          <a:p>
+            <a:r>
+              <a:rPr lang="en-US" altLang="ja-JP" dirty="0" smtClean="0"/>
+              <a:t>AWS</a:t>
+            </a:r>
+            <a:r>
+              <a:rPr lang="ja-JP" altLang="en-US" dirty="0" smtClean="0"/>
+              <a:t>設定</a:t>
+            </a:r>
+            <a:endParaRPr kumimoji="1" lang="ja-JP" altLang="en-US" dirty="0"/>
+          </a:p>
+        </p:txBody>
+      </p:sp>
+      <p:sp>
+        <p:nvSpPr>
+          <p:cNvPr id="3" name="コンテンツ プレースホルダー 2">
+            <a:extLst>
+              <a:ext uri="{FF2B5EF4-FFF2-40B4-BE49-F238E27FC236}">
+                <a16:creationId xmlns="" xmlns:a16="http://schemas.microsoft.com/office/drawing/2014/main" id="{24173F00-B91E-440E-BAD4-BB493A21AC4B}"/>
+              </a:ext>
+            </a:extLst>
+          </p:cNvPr>
+          <p:cNvSpPr>
+            <a:spLocks noGrp="1"/>
+          </p:cNvSpPr>
+          <p:nvPr>
+            <p:ph idx="1"/>
+          </p:nvPr>
+        </p:nvSpPr>
+        <p:spPr>
+          <a:xfrm>
+            <a:off x="3091999" y="553524"/>
+            <a:ext cx="8936179" cy="5856357"/>
+          </a:xfrm>
+        </p:spPr>
+        <p:txBody>
+          <a:bodyPr/>
+          <a:lstStyle/>
+          <a:p>
+            <a:pPr lvl="1">
+              <a:buFont typeface="+mj-lt"/>
+              <a:buAutoNum type="arabicPeriod" startAt="5"/>
+            </a:pPr>
+            <a:endParaRPr lang="en-US" altLang="ja-JP" dirty="0" smtClean="0"/>
+          </a:p>
+        </p:txBody>
+      </p:sp>
+      <p:sp>
+        <p:nvSpPr>
+          <p:cNvPr id="4" name="スライド番号プレースホルダー 3">
+            <a:extLst>
+              <a:ext uri="{FF2B5EF4-FFF2-40B4-BE49-F238E27FC236}">
+                <a16:creationId xmlns="" xmlns:a16="http://schemas.microsoft.com/office/drawing/2014/main" id="{3A64CE71-C252-41E0-98BA-363CD7954AFC}"/>
+              </a:ext>
+            </a:extLst>
+          </p:cNvPr>
+          <p:cNvSpPr>
+            <a:spLocks noGrp="1"/>
+          </p:cNvSpPr>
+          <p:nvPr>
+            <p:ph type="sldNum" sz="quarter" idx="12"/>
+          </p:nvPr>
+        </p:nvSpPr>
+        <p:spPr/>
+        <p:txBody>
+          <a:bodyPr/>
+          <a:lstStyle/>
+          <a:p>
+            <a:fld id="{FC7FC04C-4975-46EC-A609-F7DE0D5B1B51}" type="slidenum">
+              <a:rPr kumimoji="1" lang="ja-JP" altLang="en-US" smtClean="0"/>
+              <a:pPr/>
+              <a:t>29</a:t>
+            </a:fld>
+            <a:endParaRPr kumimoji="1" lang="ja-JP" altLang="en-US" dirty="0"/>
+          </a:p>
+        </p:txBody>
+      </p:sp>
+      <p:cxnSp>
+        <p:nvCxnSpPr>
+          <p:cNvPr id="8" name="直線コネクタ 7"/>
+          <p:cNvCxnSpPr/>
+          <p:nvPr/>
+        </p:nvCxnSpPr>
+        <p:spPr>
+          <a:xfrm>
+            <a:off x="3064392" y="607452"/>
+            <a:ext cx="0" cy="5867439"/>
+          </a:xfrm>
+          <a:prstGeom prst="line">
+            <a:avLst/>
+          </a:prstGeom>
+          <a:ln>
+            <a:solidFill>
+              <a:srgbClr val="13A0E7"/>
+            </a:solidFill>
+          </a:ln>
+        </p:spPr>
+        <p:style>
+          <a:lnRef idx="2">
+            <a:schemeClr val="accent1"/>
+          </a:lnRef>
+          <a:fillRef idx="0">
+            <a:schemeClr val="accent1"/>
+          </a:fillRef>
+          <a:effectRef idx="1">
+            <a:schemeClr val="accent1"/>
+          </a:effectRef>
+          <a:fontRef idx="minor">
+            <a:schemeClr val="tx1"/>
+          </a:fontRef>
+        </p:style>
+      </p:cxnSp>
+      <p:sp>
+        <p:nvSpPr>
+          <p:cNvPr id="10" name="コンテンツ プレースホルダー 2"/>
+          <p:cNvSpPr txBox="1">
+            <a:spLocks/>
+          </p:cNvSpPr>
+          <p:nvPr/>
+        </p:nvSpPr>
+        <p:spPr>
+          <a:xfrm>
+            <a:off x="275150" y="548855"/>
+            <a:ext cx="2761636" cy="5926035"/>
+          </a:xfrm>
+          <a:prstGeom prst="rect">
+            <a:avLst/>
+          </a:prstGeom>
+        </p:spPr>
+        <p:txBody>
+          <a:bodyPr numCol="1"/>
+          <a:lstStyle>
+            <a:lvl1pPr marL="342900" indent="-342900" algn="l" defTabSz="457200" rtl="0" eaLnBrk="1" latinLnBrk="0" hangingPunct="1">
+              <a:spcBef>
+                <a:spcPts val="1000"/>
+              </a:spcBef>
+              <a:spcAft>
+                <a:spcPts val="0"/>
+              </a:spcAft>
+              <a:buClr>
+                <a:srgbClr val="00A0E7"/>
+              </a:buClr>
+              <a:buFont typeface="Wingdings" panose="05000000000000000000" pitchFamily="2" charset="2"/>
+              <a:buChar char="Ø"/>
+              <a:defRPr kumimoji="1" sz="1800" kern="1200">
+                <a:solidFill>
+                  <a:schemeClr val="tx1">
+                    <a:lumMod val="75000"/>
+                    <a:lumOff val="25000"/>
+                  </a:schemeClr>
+                </a:solidFill>
+                <a:latin typeface="+mn-lt"/>
+                <a:ea typeface="+mn-ea"/>
+                <a:cs typeface="+mn-cs"/>
+              </a:defRPr>
+            </a:lvl1pPr>
+            <a:lvl2pPr marL="800100" indent="-342900" algn="l" defTabSz="457200" rtl="0" eaLnBrk="1" latinLnBrk="0" hangingPunct="1">
+              <a:spcBef>
+                <a:spcPts val="1000"/>
+              </a:spcBef>
+              <a:spcAft>
+                <a:spcPts val="0"/>
+              </a:spcAft>
+              <a:buClr>
+                <a:srgbClr val="00A0E7"/>
+              </a:buClr>
+              <a:buFont typeface="Wingdings" panose="05000000000000000000" pitchFamily="2" charset="2"/>
+              <a:buChar char="Ø"/>
+              <a:defRPr kumimoji="1" sz="1600" kern="1200">
+                <a:solidFill>
+                  <a:schemeClr val="tx1">
+                    <a:lumMod val="75000"/>
+                    <a:lumOff val="25000"/>
+                  </a:schemeClr>
+                </a:solidFill>
+                <a:latin typeface="+mn-lt"/>
+                <a:ea typeface="+mn-ea"/>
+                <a:cs typeface="+mn-cs"/>
+              </a:defRPr>
+            </a:lvl2pPr>
+            <a:lvl3pPr marL="1257300" indent="-342900" algn="l" defTabSz="457200" rtl="0" eaLnBrk="1" latinLnBrk="0" hangingPunct="1">
+              <a:spcBef>
+                <a:spcPts val="1000"/>
+              </a:spcBef>
+              <a:spcAft>
+                <a:spcPts val="0"/>
+              </a:spcAft>
+              <a:buClr>
+                <a:srgbClr val="00A0E7"/>
+              </a:buClr>
+              <a:buFont typeface="Wingdings" panose="05000000000000000000" pitchFamily="2" charset="2"/>
+              <a:buChar char="Ø"/>
+              <a:defRPr kumimoji="1" sz="1400" kern="1200">
+                <a:solidFill>
+                  <a:schemeClr val="tx1">
+                    <a:lumMod val="75000"/>
+                    <a:lumOff val="25000"/>
+                  </a:schemeClr>
+                </a:solidFill>
+                <a:latin typeface="+mn-lt"/>
+                <a:ea typeface="+mn-ea"/>
+                <a:cs typeface="+mn-cs"/>
+              </a:defRPr>
+            </a:lvl3pPr>
+            <a:lvl4pPr marL="1600200" indent="-228600" algn="l" defTabSz="457200" rtl="0" eaLnBrk="1" latinLnBrk="0" hangingPunct="1">
+              <a:spcBef>
+                <a:spcPts val="1000"/>
+              </a:spcBef>
+              <a:spcAft>
+                <a:spcPts val="0"/>
+              </a:spcAft>
+              <a:buClr>
+                <a:srgbClr val="00A0E7"/>
+              </a:buClr>
+              <a:buFont typeface="Wingdings" panose="05000000000000000000" pitchFamily="2" charset="2"/>
+              <a:buChar char="Ø"/>
+              <a:defRPr kumimoji="1" sz="1200" kern="1200">
+                <a:solidFill>
+                  <a:schemeClr val="tx1">
+                    <a:lumMod val="75000"/>
+                    <a:lumOff val="25000"/>
+                  </a:schemeClr>
+                </a:solidFill>
+                <a:latin typeface="+mn-lt"/>
+                <a:ea typeface="+mn-ea"/>
+                <a:cs typeface="+mn-cs"/>
+              </a:defRPr>
+            </a:lvl4pPr>
+            <a:lvl5pPr marL="2057400" indent="-228600" algn="l" defTabSz="457200" rtl="0" eaLnBrk="1" latinLnBrk="0" hangingPunct="1">
+              <a:spcBef>
+                <a:spcPts val="1000"/>
+              </a:spcBef>
+              <a:spcAft>
+                <a:spcPts val="0"/>
+              </a:spcAft>
+              <a:buClr>
+                <a:srgbClr val="00A0E7"/>
+              </a:buClr>
+              <a:buFont typeface="Wingdings" panose="05000000000000000000" pitchFamily="2" charset="2"/>
+              <a:buChar char="Ø"/>
+              <a:defRPr kumimoji="1" sz="1200" kern="1200">
+                <a:solidFill>
+                  <a:schemeClr val="tx1">
+                    <a:lumMod val="75000"/>
+                    <a:lumOff val="25000"/>
+                  </a:schemeClr>
+                </a:solidFill>
+                <a:latin typeface="+mn-lt"/>
+                <a:ea typeface="+mn-ea"/>
+                <a:cs typeface="+mn-cs"/>
+              </a:defRPr>
+            </a:lvl5pPr>
+            <a:lvl6pPr marL="2514600" indent="-228600" algn="l" defTabSz="457200" rtl="0" eaLnBrk="1" latinLnBrk="0" hangingPunct="1">
+              <a:spcBef>
+                <a:spcPts val="1000"/>
+              </a:spcBef>
+              <a:spcAft>
+                <a:spcPts val="0"/>
+              </a:spcAft>
+              <a:buClr>
+                <a:schemeClr val="accent1"/>
+              </a:buClr>
+              <a:buFont typeface="Wingdings 3" charset="2"/>
+              <a:buChar char=""/>
+              <a:defRPr kumimoji="1" sz="1200" kern="1200">
+                <a:solidFill>
+                  <a:schemeClr val="tx1">
+                    <a:lumMod val="75000"/>
+                    <a:lumOff val="25000"/>
+                  </a:schemeClr>
+                </a:solidFill>
+                <a:latin typeface="+mn-lt"/>
+                <a:ea typeface="+mn-ea"/>
+                <a:cs typeface="+mn-cs"/>
+              </a:defRPr>
+            </a:lvl6pPr>
+            <a:lvl7pPr marL="2971800" indent="-228600" algn="l" defTabSz="457200" rtl="0" eaLnBrk="1" latinLnBrk="0" hangingPunct="1">
+              <a:spcBef>
+                <a:spcPts val="1000"/>
+              </a:spcBef>
+              <a:spcAft>
+                <a:spcPts val="0"/>
+              </a:spcAft>
+              <a:buClr>
+                <a:schemeClr val="accent1"/>
+              </a:buClr>
+              <a:buFont typeface="Wingdings 3" charset="2"/>
+              <a:buChar char=""/>
+              <a:defRPr kumimoji="1" sz="1200" kern="1200">
+                <a:solidFill>
+                  <a:schemeClr val="tx1">
+                    <a:lumMod val="75000"/>
+                    <a:lumOff val="25000"/>
+                  </a:schemeClr>
+                </a:solidFill>
+                <a:latin typeface="+mn-lt"/>
+                <a:ea typeface="+mn-ea"/>
+                <a:cs typeface="+mn-cs"/>
+              </a:defRPr>
+            </a:lvl7pPr>
+            <a:lvl8pPr marL="3429000" indent="-228600" algn="l" defTabSz="457200" rtl="0" eaLnBrk="1" latinLnBrk="0" hangingPunct="1">
+              <a:spcBef>
+                <a:spcPts val="1000"/>
+              </a:spcBef>
+              <a:spcAft>
+                <a:spcPts val="0"/>
+              </a:spcAft>
+              <a:buClr>
+                <a:schemeClr val="accent1"/>
+              </a:buClr>
+              <a:buFont typeface="Wingdings 3" charset="2"/>
+              <a:buChar char=""/>
+              <a:defRPr kumimoji="1" sz="1200" kern="1200">
+                <a:solidFill>
+                  <a:schemeClr val="tx1">
+                    <a:lumMod val="75000"/>
+                    <a:lumOff val="25000"/>
+                  </a:schemeClr>
+                </a:solidFill>
+                <a:latin typeface="+mn-lt"/>
+                <a:ea typeface="+mn-ea"/>
+                <a:cs typeface="+mn-cs"/>
+              </a:defRPr>
+            </a:lvl8pPr>
+            <a:lvl9pPr marL="3886200" indent="-228600" algn="l" defTabSz="457200" rtl="0" eaLnBrk="1" latinLnBrk="0" hangingPunct="1">
+              <a:spcBef>
+                <a:spcPts val="1000"/>
+              </a:spcBef>
+              <a:spcAft>
+                <a:spcPts val="0"/>
+              </a:spcAft>
+              <a:buClr>
+                <a:schemeClr val="accent1"/>
+              </a:buClr>
+              <a:buFont typeface="Wingdings 3" charset="2"/>
+              <a:buChar char=""/>
+              <a:defRPr kumimoji="1" sz="1200" kern="1200">
+                <a:solidFill>
+                  <a:schemeClr val="tx1">
+                    <a:lumMod val="75000"/>
+                    <a:lumOff val="25000"/>
+                  </a:schemeClr>
+                </a:solidFill>
+                <a:latin typeface="+mn-lt"/>
+                <a:ea typeface="+mn-ea"/>
+                <a:cs typeface="+mn-cs"/>
+              </a:defRPr>
+            </a:lvl9pPr>
+          </a:lstStyle>
+          <a:p>
+            <a:pPr marL="0" indent="0">
+              <a:buNone/>
+            </a:pPr>
+            <a:r>
+              <a:rPr lang="ja-JP" altLang="en-US" dirty="0"/>
+              <a:t>環境</a:t>
+            </a:r>
+            <a:r>
+              <a:rPr lang="ja-JP" altLang="en-US" dirty="0" smtClean="0"/>
+              <a:t>構築手順</a:t>
+            </a:r>
+            <a:endParaRPr lang="en-US" altLang="ja-JP" dirty="0" smtClean="0"/>
+          </a:p>
+          <a:p>
+            <a:pPr>
+              <a:buFont typeface="+mj-lt"/>
+              <a:buAutoNum type="arabicPeriod"/>
+            </a:pPr>
+            <a:r>
+              <a:rPr lang="en-US" altLang="ja-JP" dirty="0" smtClean="0"/>
+              <a:t>AWS</a:t>
+            </a:r>
+            <a:r>
+              <a:rPr lang="ja-JP" altLang="en-US" dirty="0" smtClean="0"/>
+              <a:t>リソース</a:t>
+            </a:r>
+            <a:endParaRPr lang="en-US" altLang="ja-JP" dirty="0" smtClean="0"/>
+          </a:p>
+          <a:p>
+            <a:pPr lvl="1">
+              <a:buFont typeface="+mj-lt"/>
+              <a:buAutoNum type="arabicPeriod"/>
+            </a:pPr>
+            <a:r>
+              <a:rPr lang="en-US" altLang="ja-JP" dirty="0">
+                <a:solidFill>
+                  <a:srgbClr val="BFBFBF"/>
+                </a:solidFill>
+              </a:rPr>
+              <a:t>DynamoDB</a:t>
+            </a:r>
+          </a:p>
+          <a:p>
+            <a:pPr lvl="1">
+              <a:buFont typeface="+mj-lt"/>
+              <a:buAutoNum type="arabicPeriod"/>
+            </a:pPr>
+            <a:r>
+              <a:rPr lang="en-US" altLang="ja-JP" dirty="0">
+                <a:solidFill>
+                  <a:srgbClr val="BFBFBF"/>
+                </a:solidFill>
+              </a:rPr>
+              <a:t>IAM (Role, Policy)</a:t>
+            </a:r>
+          </a:p>
+          <a:p>
+            <a:pPr lvl="1">
+              <a:buFont typeface="+mj-lt"/>
+              <a:buAutoNum type="arabicPeriod"/>
+            </a:pPr>
+            <a:r>
+              <a:rPr lang="en-US" altLang="ja-JP" dirty="0" smtClean="0">
+                <a:solidFill>
+                  <a:srgbClr val="BFBFBF"/>
+                </a:solidFill>
+              </a:rPr>
+              <a:t>Lambda</a:t>
+            </a:r>
+          </a:p>
+          <a:p>
+            <a:pPr lvl="1">
+              <a:buFont typeface="+mj-lt"/>
+              <a:buAutoNum type="arabicPeriod"/>
+            </a:pPr>
+            <a:r>
+              <a:rPr lang="en-US" altLang="ja-JP" dirty="0" smtClean="0">
+                <a:solidFill>
+                  <a:schemeClr val="bg1">
+                    <a:lumMod val="75000"/>
+                  </a:schemeClr>
+                </a:solidFill>
+              </a:rPr>
+              <a:t>API Gateway</a:t>
+            </a:r>
+          </a:p>
+          <a:p>
+            <a:pPr lvl="1">
+              <a:buFont typeface="+mj-lt"/>
+              <a:buAutoNum type="arabicPeriod"/>
+            </a:pPr>
+            <a:r>
+              <a:rPr lang="en-US" altLang="ja-JP" dirty="0" smtClean="0">
+                <a:solidFill>
+                  <a:srgbClr val="BFBFBF"/>
+                </a:solidFill>
+              </a:rPr>
+              <a:t>S3</a:t>
+            </a:r>
+          </a:p>
+          <a:p>
+            <a:pPr lvl="1">
+              <a:buFont typeface="+mj-lt"/>
+              <a:buAutoNum type="arabicPeriod"/>
+            </a:pPr>
+            <a:r>
+              <a:rPr lang="en-US" altLang="ja-JP" dirty="0" smtClean="0">
+                <a:solidFill>
+                  <a:srgbClr val="BFBFBF"/>
+                </a:solidFill>
+              </a:rPr>
+              <a:t>CloudFront</a:t>
+            </a:r>
+          </a:p>
+          <a:p>
+            <a:pPr lvl="1">
+              <a:buFont typeface="+mj-lt"/>
+              <a:buAutoNum type="arabicPeriod"/>
+            </a:pPr>
+            <a:r>
+              <a:rPr lang="en-US" altLang="ja-JP" dirty="0" smtClean="0">
+                <a:solidFill>
+                  <a:srgbClr val="BFBFBF"/>
+                </a:solidFill>
+              </a:rPr>
+              <a:t>WAF &amp; Shields</a:t>
+            </a:r>
+          </a:p>
+          <a:p>
+            <a:pPr lvl="1">
+              <a:buFont typeface="+mj-lt"/>
+              <a:buAutoNum type="arabicPeriod"/>
+            </a:pPr>
+            <a:r>
+              <a:rPr lang="en-US" altLang="ja-JP" dirty="0" smtClean="0">
+                <a:solidFill>
+                  <a:schemeClr val="bg1">
+                    <a:lumMod val="75000"/>
+                  </a:schemeClr>
+                </a:solidFill>
+              </a:rPr>
+              <a:t>EC2</a:t>
+            </a:r>
+          </a:p>
+          <a:p>
+            <a:pPr lvl="1">
+              <a:buFont typeface="+mj-lt"/>
+              <a:buAutoNum type="arabicPeriod"/>
+            </a:pPr>
+            <a:r>
+              <a:rPr lang="ja-JP" altLang="ja-JP" dirty="0" smtClean="0">
+                <a:solidFill>
+                  <a:schemeClr val="bg1">
+                    <a:lumMod val="75000"/>
+                  </a:schemeClr>
+                </a:solidFill>
+              </a:rPr>
+              <a:t>C</a:t>
+            </a:r>
+            <a:r>
+              <a:rPr lang="en-US" altLang="ja-JP" dirty="0" smtClean="0">
+                <a:solidFill>
+                  <a:schemeClr val="bg1">
+                    <a:lumMod val="75000"/>
+                  </a:schemeClr>
+                </a:solidFill>
+              </a:rPr>
+              <a:t>ognite</a:t>
+            </a:r>
+          </a:p>
+          <a:p>
+            <a:pPr lvl="1">
+              <a:buFont typeface="+mj-lt"/>
+              <a:buAutoNum type="arabicPeriod"/>
+            </a:pPr>
+            <a:r>
+              <a:rPr lang="ja-JP" altLang="ja-JP" dirty="0" smtClean="0">
+                <a:solidFill>
+                  <a:srgbClr val="00A0E7"/>
+                </a:solidFill>
+              </a:rPr>
+              <a:t>R</a:t>
+            </a:r>
+            <a:r>
+              <a:rPr lang="en-US" altLang="ja-JP" dirty="0" smtClean="0">
+                <a:solidFill>
+                  <a:srgbClr val="00A0E7"/>
+                </a:solidFill>
+              </a:rPr>
+              <a:t>oute53</a:t>
+            </a:r>
+            <a:endParaRPr lang="en-US" altLang="ja-JP" dirty="0" smtClean="0">
+              <a:solidFill>
+                <a:srgbClr val="00A0E7"/>
+              </a:solidFill>
+            </a:endParaRPr>
+          </a:p>
+          <a:p>
+            <a:pPr>
+              <a:buFont typeface="+mj-lt"/>
+              <a:buAutoNum type="arabicPeriod"/>
+            </a:pPr>
+            <a:r>
+              <a:rPr lang="en-US" altLang="ja-JP" dirty="0" smtClean="0">
+                <a:solidFill>
+                  <a:srgbClr val="BFBFBF"/>
+                </a:solidFill>
+              </a:rPr>
+              <a:t>API </a:t>
+            </a:r>
+            <a:r>
+              <a:rPr lang="ja-JP" altLang="en-US" dirty="0" smtClean="0">
+                <a:solidFill>
+                  <a:srgbClr val="BFBFBF"/>
+                </a:solidFill>
+              </a:rPr>
+              <a:t>デプロイ</a:t>
+            </a:r>
+            <a:endParaRPr lang="en-US" altLang="ja-JP" dirty="0">
+              <a:solidFill>
+                <a:srgbClr val="BFBFBF"/>
+              </a:solidFill>
+            </a:endParaRPr>
+          </a:p>
+          <a:p>
+            <a:pPr>
+              <a:buFont typeface="+mj-lt"/>
+              <a:buAutoNum type="arabicPeriod"/>
+            </a:pPr>
+            <a:r>
+              <a:rPr lang="en-US" altLang="ja-JP" dirty="0">
+                <a:solidFill>
+                  <a:schemeClr val="bg1">
+                    <a:lumMod val="75000"/>
+                  </a:schemeClr>
+                </a:solidFill>
+              </a:rPr>
+              <a:t>CMS </a:t>
+            </a:r>
+            <a:r>
+              <a:rPr lang="ja-JP" altLang="en-US" dirty="0">
+                <a:solidFill>
+                  <a:schemeClr val="bg1">
+                    <a:lumMod val="75000"/>
+                  </a:schemeClr>
+                </a:solidFill>
+              </a:rPr>
+              <a:t>デプロイ</a:t>
+            </a:r>
+            <a:endParaRPr lang="en-US" altLang="ja-JP" dirty="0">
+              <a:solidFill>
+                <a:schemeClr val="bg1">
+                  <a:lumMod val="75000"/>
+                </a:schemeClr>
+              </a:solidFill>
+            </a:endParaRPr>
+          </a:p>
+          <a:p>
+            <a:pPr>
+              <a:buFont typeface="+mj-lt"/>
+              <a:buAutoNum type="arabicPeriod"/>
+            </a:pPr>
+            <a:r>
+              <a:rPr lang="ja-JP" altLang="en-US" dirty="0" smtClean="0">
+                <a:solidFill>
+                  <a:srgbClr val="BFBFBF"/>
+                </a:solidFill>
+              </a:rPr>
+              <a:t>コンテンツ登録</a:t>
+            </a:r>
+            <a:endParaRPr lang="en-US" altLang="ja-JP" dirty="0" smtClean="0">
+              <a:solidFill>
+                <a:srgbClr val="BFBFBF"/>
+              </a:solidFill>
+            </a:endParaRPr>
+          </a:p>
+          <a:p>
+            <a:pPr marL="0" indent="0">
+              <a:buNone/>
+            </a:pPr>
+            <a:r>
+              <a:rPr lang="ja-JP" altLang="en-US" dirty="0" smtClean="0">
+                <a:solidFill>
+                  <a:srgbClr val="BFBFBF"/>
+                </a:solidFill>
+              </a:rPr>
+              <a:t>以上</a:t>
+            </a:r>
+            <a:endParaRPr lang="en-US" altLang="ja-JP" dirty="0" smtClean="0">
+              <a:solidFill>
+                <a:srgbClr val="BFBFBF"/>
+              </a:solidFill>
+            </a:endParaRPr>
+          </a:p>
+        </p:txBody>
+      </p:sp>
+    </p:spTree>
+    <p:extLst>
+      <p:ext uri="{BB962C8B-B14F-4D97-AF65-F5344CB8AC3E}">
+        <p14:creationId xmlns:p14="http://schemas.microsoft.com/office/powerpoint/2010/main" val="2358543514"/>
+      </p:ext>
+    </p:extLst>
+  </p:cSld>
+  <p:clrMapOvr>
+    <a:masterClrMapping/>
+  </p:clrMapOvr>
+  <p:timing>
+    <p:tnLst>
+      <p:par>
+        <p:cTn xmlns:p14="http://schemas.microsoft.com/office/powerpoint/2010/main" id="1" dur="indefinite" restart="never" nodeType="tmRoot"/>
+      </p:par>
+    </p:tnLst>
+  </p:timing>
+</p:sld>
+</file>
+
+<file path=ppt/slides/slide3.xml><?xml version="1.0" encoding="utf-8"?>
+<p:sld xmlns:a="http://schemas.openxmlformats.org/drawingml/2006/main" xmlns:r="http://schemas.openxmlformats.org/officeDocument/2006/relationships" xmlns:p="http://schemas.openxmlformats.org/presentationml/2006/main">
+  <p:cSld>
+    <p:spTree>
+      <p:nvGrpSpPr>
+        <p:cNvPr id="1" name=""/>
+        <p:cNvGrpSpPr/>
+        <p:nvPr/>
+      </p:nvGrpSpPr>
+      <p:grpSpPr>
+        <a:xfrm>
+          <a:off x="0" y="0"/>
+          <a:ext cx="0" cy="0"/>
+          <a:chOff x="0" y="0"/>
+          <a:chExt cx="0" cy="0"/>
+        </a:xfrm>
+      </p:grpSpPr>
+      <p:sp>
+        <p:nvSpPr>
+          <p:cNvPr id="2" name="タイトル 1"/>
+          <p:cNvSpPr>
+            <a:spLocks noGrp="1"/>
+          </p:cNvSpPr>
+          <p:nvPr>
+            <p:ph type="title"/>
+          </p:nvPr>
+        </p:nvSpPr>
+        <p:spPr/>
+        <p:txBody>
+          <a:bodyPr/>
+          <a:lstStyle/>
+          <a:p>
+            <a:r>
+              <a:rPr kumimoji="1" lang="ja-JP" altLang="en-US" dirty="0" smtClean="0"/>
+              <a:t>目次</a:t>
+            </a:r>
+            <a:endParaRPr kumimoji="1" lang="ja-JP" altLang="en-US" dirty="0"/>
+          </a:p>
+        </p:txBody>
+      </p:sp>
+      <p:sp>
+        <p:nvSpPr>
+          <p:cNvPr id="3" name="コンテンツ プレースホルダー 2"/>
+          <p:cNvSpPr>
+            <a:spLocks noGrp="1"/>
+          </p:cNvSpPr>
+          <p:nvPr>
+            <p:ph idx="1"/>
+          </p:nvPr>
+        </p:nvSpPr>
+        <p:spPr>
+          <a:xfrm>
+            <a:off x="275149" y="548855"/>
+            <a:ext cx="11753029" cy="5677533"/>
+          </a:xfrm>
+        </p:spPr>
+        <p:txBody>
+          <a:bodyPr numCol="1" anchor="ctr"/>
+          <a:lstStyle/>
+          <a:p>
+            <a:pPr marL="400050" indent="-400050">
+              <a:buFont typeface="+mj-lt"/>
+              <a:buAutoNum type="romanUcPeriod"/>
+            </a:pPr>
+            <a:r>
+              <a:rPr lang="ja-JP" altLang="en-US" dirty="0" smtClean="0"/>
+              <a:t>インフラ構成図</a:t>
+            </a:r>
+            <a:endParaRPr kumimoji="1" lang="en-US" altLang="ja-JP" dirty="0" smtClean="0"/>
+          </a:p>
+          <a:p>
+            <a:pPr marL="400050" indent="-400050">
+              <a:buFont typeface="+mj-lt"/>
+              <a:buAutoNum type="romanUcPeriod"/>
+            </a:pPr>
+            <a:endParaRPr kumimoji="1" lang="en-US" altLang="ja-JP" dirty="0" smtClean="0"/>
+          </a:p>
+          <a:p>
+            <a:pPr marL="400050" indent="-400050">
+              <a:buFont typeface="+mj-lt"/>
+              <a:buAutoNum type="romanUcPeriod"/>
+            </a:pPr>
+            <a:r>
+              <a:rPr kumimoji="1" lang="ja-JP" altLang="en-US" dirty="0" smtClean="0"/>
+              <a:t>アカウント準備</a:t>
+            </a:r>
+            <a:endParaRPr lang="en-US" altLang="ja-JP" dirty="0"/>
+          </a:p>
+          <a:p>
+            <a:pPr lvl="1">
+              <a:buFont typeface="+mj-lt"/>
+              <a:buAutoNum type="arabicPeriod"/>
+            </a:pPr>
+            <a:r>
+              <a:rPr lang="en-US" altLang="ja-JP" dirty="0"/>
+              <a:t>AWS</a:t>
+            </a:r>
+            <a:r>
+              <a:rPr lang="ja-JP" altLang="en-US" dirty="0"/>
+              <a:t>アカウント登録</a:t>
+            </a:r>
+            <a:endParaRPr lang="en-US" altLang="ja-JP" dirty="0"/>
+          </a:p>
+          <a:p>
+            <a:pPr lvl="1">
+              <a:buFont typeface="+mj-lt"/>
+              <a:buAutoNum type="arabicPeriod"/>
+            </a:pPr>
+            <a:r>
+              <a:rPr lang="en-US" altLang="ja-JP" dirty="0"/>
+              <a:t>AWS IAM</a:t>
+            </a:r>
+            <a:r>
+              <a:rPr lang="ja-JP" altLang="en-US" dirty="0"/>
+              <a:t>ユーザー登録</a:t>
+            </a:r>
+            <a:endParaRPr kumimoji="1" lang="en-US" altLang="ja-JP" dirty="0" smtClean="0"/>
+          </a:p>
+          <a:p>
+            <a:pPr marL="857250" lvl="1" indent="-400050">
+              <a:buFont typeface="+mj-lt"/>
+              <a:buAutoNum type="romanUcPeriod"/>
+            </a:pPr>
+            <a:endParaRPr kumimoji="1" lang="en-US" altLang="ja-JP" dirty="0" smtClean="0"/>
+          </a:p>
+          <a:p>
+            <a:pPr marL="400050" indent="-400050">
+              <a:buFont typeface="+mj-lt"/>
+              <a:buAutoNum type="romanUcPeriod"/>
+            </a:pPr>
+            <a:r>
+              <a:rPr kumimoji="1" lang="ja-JP" altLang="en-US" dirty="0" smtClean="0"/>
+              <a:t>環境構築手順</a:t>
+            </a:r>
+            <a:endParaRPr lang="en-US" altLang="ja-JP" dirty="0" smtClean="0"/>
+          </a:p>
+          <a:p>
+            <a:pPr lvl="1">
+              <a:buFont typeface="+mj-lt"/>
+              <a:buAutoNum type="arabicPeriod"/>
+            </a:pPr>
+            <a:r>
+              <a:rPr lang="en-US" altLang="ja-JP" dirty="0" smtClean="0"/>
+              <a:t>AWS</a:t>
+            </a:r>
+            <a:r>
+              <a:rPr lang="ja-JP" altLang="en-US" dirty="0" smtClean="0"/>
+              <a:t>リソース</a:t>
+            </a:r>
+            <a:endParaRPr lang="en-US" altLang="ja-JP" dirty="0"/>
+          </a:p>
+          <a:p>
+            <a:pPr lvl="1">
+              <a:buFont typeface="+mj-lt"/>
+              <a:buAutoNum type="arabicPeriod"/>
+            </a:pPr>
+            <a:r>
+              <a:rPr lang="en-US" altLang="ja-JP" dirty="0" smtClean="0"/>
+              <a:t>API </a:t>
+            </a:r>
+            <a:r>
+              <a:rPr lang="ja-JP" altLang="en-US" dirty="0" smtClean="0"/>
+              <a:t>デプロイ</a:t>
+            </a:r>
+            <a:endParaRPr lang="en-US" altLang="ja-JP" dirty="0" smtClean="0"/>
+          </a:p>
+          <a:p>
+            <a:pPr lvl="1">
+              <a:buFont typeface="+mj-lt"/>
+              <a:buAutoNum type="arabicPeriod"/>
+            </a:pPr>
+            <a:r>
+              <a:rPr lang="ja-JP" altLang="en-US" dirty="0" smtClean="0"/>
+              <a:t>コンテンツ登録</a:t>
+            </a:r>
+            <a:endParaRPr lang="en-US" altLang="ja-JP" dirty="0" smtClean="0"/>
+          </a:p>
+          <a:p>
+            <a:pPr>
+              <a:buFont typeface="+mj-lt"/>
+              <a:buAutoNum type="romanUcPeriod"/>
+            </a:pPr>
+            <a:endParaRPr lang="en-US" altLang="ja-JP" dirty="0" smtClean="0"/>
+          </a:p>
+          <a:p>
+            <a:pPr>
+              <a:buFont typeface="+mj-lt"/>
+              <a:buAutoNum type="romanUcPeriod"/>
+            </a:pPr>
+            <a:r>
+              <a:rPr lang="ja-JP" altLang="en-US" dirty="0" smtClean="0"/>
+              <a:t>パラメータ一覧</a:t>
+            </a:r>
+          </a:p>
+          <a:p>
+            <a:pPr lvl="1"/>
+            <a:r>
+              <a:rPr lang="en-US" altLang="ja-JP" dirty="0" smtClean="0"/>
+              <a:t>AWS</a:t>
+            </a:r>
+            <a:r>
+              <a:rPr lang="ja-JP" altLang="en-US" dirty="0" smtClean="0"/>
+              <a:t>・</a:t>
+            </a:r>
+            <a:r>
+              <a:rPr lang="ja-JP" altLang="ja-JP" dirty="0"/>
+              <a:t>V</a:t>
+            </a:r>
+            <a:r>
+              <a:rPr lang="en-US" altLang="ja-JP" dirty="0"/>
+              <a:t>uforia</a:t>
+            </a:r>
+            <a:endParaRPr lang="ja-JP" altLang="en-US" dirty="0"/>
+          </a:p>
+        </p:txBody>
+      </p:sp>
+      <p:sp>
+        <p:nvSpPr>
+          <p:cNvPr id="4" name="スライド番号プレースホルダー 3"/>
+          <p:cNvSpPr>
+            <a:spLocks noGrp="1"/>
+          </p:cNvSpPr>
+          <p:nvPr>
+            <p:ph type="sldNum" sz="quarter" idx="12"/>
+          </p:nvPr>
+        </p:nvSpPr>
+        <p:spPr/>
+        <p:txBody>
+          <a:bodyPr/>
+          <a:lstStyle/>
+          <a:p>
+            <a:fld id="{FC7FC04C-4975-46EC-A609-F7DE0D5B1B51}" type="slidenum">
+              <a:rPr kumimoji="1" lang="ja-JP" altLang="en-US" smtClean="0"/>
+              <a:pPr/>
+              <a:t>3</a:t>
+            </a:fld>
+            <a:endParaRPr kumimoji="1" lang="ja-JP" altLang="en-US" dirty="0"/>
+          </a:p>
+        </p:txBody>
+      </p:sp>
+    </p:spTree>
+    <p:extLst>
+      <p:ext uri="{BB962C8B-B14F-4D97-AF65-F5344CB8AC3E}">
+        <p14:creationId xmlns:p14="http://schemas.microsoft.com/office/powerpoint/2010/main" val="493525940"/>
+      </p:ext>
+    </p:extLst>
+  </p:cSld>
+  <p:clrMapOvr>
+    <a:masterClrMapping/>
+  </p:clrMapOvr>
+</p:sld>
+</file>
+
+<file path=ppt/slides/slide30.xml><?xml version="1.0" encoding="utf-8"?>
+<p:sld xmlns:a="http://schemas.openxmlformats.org/drawingml/2006/main" xmlns:r="http://schemas.openxmlformats.org/officeDocument/2006/relationships" xmlns:p="http://schemas.openxmlformats.org/presentationml/2006/main">
+  <p:cSld>
+    <p:spTree>
+      <p:nvGrpSpPr>
+        <p:cNvPr id="1" name=""/>
+        <p:cNvGrpSpPr/>
+        <p:nvPr/>
+      </p:nvGrpSpPr>
+      <p:grpSpPr>
+        <a:xfrm>
+          <a:off x="0" y="0"/>
+          <a:ext cx="0" cy="0"/>
+          <a:chOff x="0" y="0"/>
+          <a:chExt cx="0" cy="0"/>
+        </a:xfrm>
+      </p:grpSpPr>
+      <p:sp>
+        <p:nvSpPr>
+          <p:cNvPr id="2" name="タイトル 1">
+            <a:extLst>
+              <a:ext uri="{FF2B5EF4-FFF2-40B4-BE49-F238E27FC236}">
+                <a16:creationId xmlns="" xmlns:a16="http://schemas.microsoft.com/office/drawing/2014/main" id="{088B8BCD-F08D-4BBA-A1AB-1E863725A893}"/>
+              </a:ext>
+            </a:extLst>
+          </p:cNvPr>
+          <p:cNvSpPr>
+            <a:spLocks noGrp="1"/>
+          </p:cNvSpPr>
+          <p:nvPr>
+            <p:ph type="title"/>
+          </p:nvPr>
+        </p:nvSpPr>
+        <p:spPr/>
+        <p:txBody>
+          <a:bodyPr/>
+          <a:lstStyle/>
+          <a:p>
+            <a:r>
+              <a:rPr kumimoji="1" lang="en-US" altLang="ja-JP" dirty="0" smtClean="0"/>
+              <a:t>API</a:t>
+            </a:r>
+            <a:r>
+              <a:rPr kumimoji="1" lang="ja-JP" altLang="en-US" dirty="0" smtClean="0"/>
+              <a:t> デプロイ</a:t>
+            </a:r>
+            <a:endParaRPr kumimoji="1" lang="ja-JP" altLang="en-US" dirty="0"/>
+          </a:p>
+        </p:txBody>
+      </p:sp>
+      <p:sp>
+        <p:nvSpPr>
+          <p:cNvPr id="3" name="コンテンツ プレースホルダー 2">
+            <a:extLst>
+              <a:ext uri="{FF2B5EF4-FFF2-40B4-BE49-F238E27FC236}">
+                <a16:creationId xmlns="" xmlns:a16="http://schemas.microsoft.com/office/drawing/2014/main" id="{A7A32151-9B8F-44C6-94BE-A0C67BE48453}"/>
               </a:ext>
             </a:extLst>
           </p:cNvPr>
@@ -26436,7 +29052,7 @@
           <p:cNvPr id="4" name="スライド番号プレースホルダー 3">
             <a:extLst>
               <a:ext uri="{FF2B5EF4-FFF2-40B4-BE49-F238E27FC236}">
-                <a16:creationId xmlns:a16="http://schemas.microsoft.com/office/drawing/2014/main" xmlns="" id="{36D9B9E9-7BC9-40DD-8ADE-EBEB192923F1}"/>
+                <a16:creationId xmlns="" xmlns:a16="http://schemas.microsoft.com/office/drawing/2014/main" id="{36D9B9E9-7BC9-40DD-8ADE-EBEB192923F1}"/>
               </a:ext>
             </a:extLst>
           </p:cNvPr>
@@ -26455,7 +29071,7 @@
             <a:fld id="{FC7FC04C-4975-46EC-A609-F7DE0D5B1B51}" type="slidenum">
               <a:rPr kumimoji="1" lang="ja-JP" altLang="en-US" smtClean="0"/>
               <a:pPr/>
-              <a:t>28</a:t>
+              <a:t>30</a:t>
             </a:fld>
             <a:endParaRPr kumimoji="1" lang="ja-JP" altLang="en-US" dirty="0"/>
           </a:p>
@@ -26466,7 +29082,7 @@
           <p:cNvPr id="5" name="表 4">
             <a:extLst>
               <a:ext uri="{FF2B5EF4-FFF2-40B4-BE49-F238E27FC236}">
-                <a16:creationId xmlns:a16="http://schemas.microsoft.com/office/drawing/2014/main" xmlns="" id="{D842007C-3FC8-4371-8652-A83A536A50E2}"/>
+                <a16:creationId xmlns="" xmlns:a16="http://schemas.microsoft.com/office/drawing/2014/main" id="{D842007C-3FC8-4371-8652-A83A536A50E2}"/>
               </a:ext>
             </a:extLst>
           </p:cNvPr>
@@ -26495,21 +29111,21 @@
                 <a:gridCol w="1830688">
                   <a:extLst>
                     <a:ext uri="{9D8B030D-6E8A-4147-A177-3AD203B41FA5}">
-                      <a16:colId xmlns:a16="http://schemas.microsoft.com/office/drawing/2014/main" xmlns="" val="2804029949"/>
+                      <a16:colId xmlns="" xmlns:a16="http://schemas.microsoft.com/office/drawing/2014/main" val="2804029949"/>
                     </a:ext>
                   </a:extLst>
                 </a:gridCol>
                 <a:gridCol w="1259021">
                   <a:extLst>
                     <a:ext uri="{9D8B030D-6E8A-4147-A177-3AD203B41FA5}">
-                      <a16:colId xmlns:a16="http://schemas.microsoft.com/office/drawing/2014/main" xmlns="" val="512352544"/>
+                      <a16:colId xmlns="" xmlns:a16="http://schemas.microsoft.com/office/drawing/2014/main" val="512352544"/>
                     </a:ext>
                   </a:extLst>
                 </a:gridCol>
                 <a:gridCol w="2512195">
                   <a:extLst>
                     <a:ext uri="{9D8B030D-6E8A-4147-A177-3AD203B41FA5}">
-                      <a16:colId xmlns:a16="http://schemas.microsoft.com/office/drawing/2014/main" xmlns="" val="3115216659"/>
+                      <a16:colId xmlns="" xmlns:a16="http://schemas.microsoft.com/office/drawing/2014/main" val="3115216659"/>
                     </a:ext>
                   </a:extLst>
                 </a:gridCol>
@@ -26601,7 +29217,7 @@
                 </a:tc>
                 <a:extLst>
                   <a:ext uri="{0D108BD9-81ED-4DB2-BD59-A6C34878D82A}">
-                    <a16:rowId xmlns:a16="http://schemas.microsoft.com/office/drawing/2014/main" xmlns="" val="2148776483"/>
+                    <a16:rowId xmlns="" xmlns:a16="http://schemas.microsoft.com/office/drawing/2014/main" val="2148776483"/>
                   </a:ext>
                 </a:extLst>
               </a:tr>
@@ -26674,7 +29290,7 @@
                 </a:tc>
                 <a:extLst>
                   <a:ext uri="{0D108BD9-81ED-4DB2-BD59-A6C34878D82A}">
-                    <a16:rowId xmlns:a16="http://schemas.microsoft.com/office/drawing/2014/main" xmlns="" val="2791181300"/>
+                    <a16:rowId xmlns="" xmlns:a16="http://schemas.microsoft.com/office/drawing/2014/main" val="2791181300"/>
                   </a:ext>
                 </a:extLst>
               </a:tr>
@@ -26747,7 +29363,7 @@
                 </a:tc>
                 <a:extLst>
                   <a:ext uri="{0D108BD9-81ED-4DB2-BD59-A6C34878D82A}">
-                    <a16:rowId xmlns:a16="http://schemas.microsoft.com/office/drawing/2014/main" xmlns="" val="156981234"/>
+                    <a16:rowId xmlns="" xmlns:a16="http://schemas.microsoft.com/office/drawing/2014/main" val="156981234"/>
                   </a:ext>
                 </a:extLst>
               </a:tr>
@@ -26760,7 +29376,7 @@
           <p:cNvPr id="6" name="表 5">
             <a:extLst>
               <a:ext uri="{FF2B5EF4-FFF2-40B4-BE49-F238E27FC236}">
-                <a16:creationId xmlns:a16="http://schemas.microsoft.com/office/drawing/2014/main" xmlns="" id="{F001A894-50B0-48F0-815C-4C8C6E104348}"/>
+                <a16:creationId xmlns="" xmlns:a16="http://schemas.microsoft.com/office/drawing/2014/main" id="{F001A894-50B0-48F0-815C-4C8C6E104348}"/>
               </a:ext>
             </a:extLst>
           </p:cNvPr>
@@ -26789,21 +29405,21 @@
                 <a:gridCol w="903706">
                   <a:extLst>
                     <a:ext uri="{9D8B030D-6E8A-4147-A177-3AD203B41FA5}">
-                      <a16:colId xmlns:a16="http://schemas.microsoft.com/office/drawing/2014/main" xmlns="" val="2669971787"/>
+                      <a16:colId xmlns="" xmlns:a16="http://schemas.microsoft.com/office/drawing/2014/main" val="2669971787"/>
                     </a:ext>
                   </a:extLst>
                 </a:gridCol>
                 <a:gridCol w="1425074">
                   <a:extLst>
                     <a:ext uri="{9D8B030D-6E8A-4147-A177-3AD203B41FA5}">
-                      <a16:colId xmlns:a16="http://schemas.microsoft.com/office/drawing/2014/main" xmlns="" val="565529827"/>
+                      <a16:colId xmlns="" xmlns:a16="http://schemas.microsoft.com/office/drawing/2014/main" val="565529827"/>
                     </a:ext>
                   </a:extLst>
                 </a:gridCol>
                 <a:gridCol w="2050716">
                   <a:extLst>
                     <a:ext uri="{9D8B030D-6E8A-4147-A177-3AD203B41FA5}">
-                      <a16:colId xmlns:a16="http://schemas.microsoft.com/office/drawing/2014/main" xmlns="" val="1803121343"/>
+                      <a16:colId xmlns="" xmlns:a16="http://schemas.microsoft.com/office/drawing/2014/main" val="1803121343"/>
                     </a:ext>
                   </a:extLst>
                 </a:gridCol>
@@ -26895,7 +29511,7 @@
                 </a:tc>
                 <a:extLst>
                   <a:ext uri="{0D108BD9-81ED-4DB2-BD59-A6C34878D82A}">
-                    <a16:rowId xmlns:a16="http://schemas.microsoft.com/office/drawing/2014/main" xmlns="" val="1474283993"/>
+                    <a16:rowId xmlns="" xmlns:a16="http://schemas.microsoft.com/office/drawing/2014/main" val="1474283993"/>
                   </a:ext>
                 </a:extLst>
               </a:tr>
@@ -26968,7 +29584,7 @@
                 </a:tc>
                 <a:extLst>
                   <a:ext uri="{0D108BD9-81ED-4DB2-BD59-A6C34878D82A}">
-                    <a16:rowId xmlns:a16="http://schemas.microsoft.com/office/drawing/2014/main" xmlns="" val="1116055654"/>
+                    <a16:rowId xmlns="" xmlns:a16="http://schemas.microsoft.com/office/drawing/2014/main" val="1116055654"/>
                   </a:ext>
                 </a:extLst>
               </a:tr>
@@ -27065,7 +29681,7 @@
                 </a:tc>
                 <a:extLst>
                   <a:ext uri="{0D108BD9-81ED-4DB2-BD59-A6C34878D82A}">
-                    <a16:rowId xmlns:a16="http://schemas.microsoft.com/office/drawing/2014/main" xmlns="" val="618552372"/>
+                    <a16:rowId xmlns="" xmlns:a16="http://schemas.microsoft.com/office/drawing/2014/main" val="618552372"/>
                   </a:ext>
                 </a:extLst>
               </a:tr>
@@ -27138,7 +29754,7 @@
                 </a:tc>
                 <a:extLst>
                   <a:ext uri="{0D108BD9-81ED-4DB2-BD59-A6C34878D82A}">
-                    <a16:rowId xmlns:a16="http://schemas.microsoft.com/office/drawing/2014/main" xmlns="" val="616743796"/>
+                    <a16:rowId xmlns="" xmlns:a16="http://schemas.microsoft.com/office/drawing/2014/main" val="616743796"/>
                   </a:ext>
                 </a:extLst>
               </a:tr>
@@ -27580,59 +30196,6 @@
               </a:rPr>
               <a:t>EC2</a:t>
             </a:r>
-          </a:p>
-          <a:p>
-            <a:pPr>
-              <a:buFont typeface="+mj-lt"/>
-              <a:buAutoNum type="arabicPeriod"/>
-            </a:pPr>
-            <a:r>
-              <a:rPr lang="en-US" altLang="ja-JP" dirty="0" smtClean="0">
-                <a:solidFill>
-                  <a:srgbClr val="404040"/>
-                </a:solidFill>
-              </a:rPr>
-              <a:t>API </a:t>
-            </a:r>
-            <a:r>
-              <a:rPr lang="ja-JP" altLang="en-US" dirty="0" smtClean="0">
-                <a:solidFill>
-                  <a:srgbClr val="404040"/>
-                </a:solidFill>
-              </a:rPr>
-              <a:t>デプロイ</a:t>
-            </a:r>
-            <a:endParaRPr lang="en-US" altLang="ja-JP" dirty="0">
-              <a:solidFill>
-                <a:srgbClr val="404040"/>
-              </a:solidFill>
-            </a:endParaRPr>
-          </a:p>
-          <a:p>
-            <a:pPr>
-              <a:buFont typeface="+mj-lt"/>
-              <a:buAutoNum type="arabicPeriod"/>
-            </a:pPr>
-            <a:r>
-              <a:rPr lang="en-US" altLang="ja-JP" dirty="0">
-                <a:solidFill>
-                  <a:schemeClr val="bg1">
-                    <a:lumMod val="75000"/>
-                  </a:schemeClr>
-                </a:solidFill>
-              </a:rPr>
-              <a:t>CMS </a:t>
-            </a:r>
-            <a:r>
-              <a:rPr lang="ja-JP" altLang="en-US" dirty="0">
-                <a:solidFill>
-                  <a:schemeClr val="bg1">
-                    <a:lumMod val="75000"/>
-                  </a:schemeClr>
-                </a:solidFill>
-              </a:rPr>
-              <a:t>デプロイ</a:t>
-            </a:r>
             <a:endParaRPr lang="en-US" altLang="ja-JP" dirty="0">
               <a:solidFill>
                 <a:schemeClr val="bg1">
@@ -27642,25 +30205,134 @@
             </a:endParaRPr>
           </a:p>
           <a:p>
+            <a:pPr lvl="1">
+              <a:buFont typeface="+mj-lt"/>
+              <a:buAutoNum type="arabicPeriod"/>
+            </a:pPr>
+            <a:r>
+              <a:rPr lang="ja-JP" altLang="ja-JP" dirty="0">
+                <a:solidFill>
+                  <a:schemeClr val="bg1">
+                    <a:lumMod val="75000"/>
+                  </a:schemeClr>
+                </a:solidFill>
+              </a:rPr>
+              <a:t>C</a:t>
+            </a:r>
+            <a:r>
+              <a:rPr lang="en-US" altLang="ja-JP" dirty="0">
+                <a:solidFill>
+                  <a:schemeClr val="bg1">
+                    <a:lumMod val="75000"/>
+                  </a:schemeClr>
+                </a:solidFill>
+              </a:rPr>
+              <a:t>ognite</a:t>
+            </a:r>
+          </a:p>
+          <a:p>
+            <a:pPr lvl="1">
+              <a:buFont typeface="+mj-lt"/>
+              <a:buAutoNum type="arabicPeriod"/>
+            </a:pPr>
+            <a:r>
+              <a:rPr lang="ja-JP" altLang="ja-JP" dirty="0">
+                <a:solidFill>
+                  <a:schemeClr val="bg1">
+                    <a:lumMod val="75000"/>
+                  </a:schemeClr>
+                </a:solidFill>
+              </a:rPr>
+              <a:t>R</a:t>
+            </a:r>
+            <a:r>
+              <a:rPr lang="en-US" altLang="ja-JP" dirty="0">
+                <a:solidFill>
+                  <a:schemeClr val="bg1">
+                    <a:lumMod val="75000"/>
+                  </a:schemeClr>
+                </a:solidFill>
+              </a:rPr>
+              <a:t>oute53</a:t>
+            </a:r>
+            <a:endParaRPr lang="en-US" altLang="ja-JP" dirty="0" smtClean="0">
+              <a:solidFill>
+                <a:srgbClr val="BFBFBF"/>
+              </a:solidFill>
+            </a:endParaRPr>
+          </a:p>
+          <a:p>
             <a:pPr>
               <a:buFont typeface="+mj-lt"/>
               <a:buAutoNum type="arabicPeriod"/>
             </a:pPr>
             <a:r>
+              <a:rPr lang="en-US" altLang="ja-JP" dirty="0" smtClean="0">
+                <a:solidFill>
+                  <a:srgbClr val="404040"/>
+                </a:solidFill>
+              </a:rPr>
+              <a:t>API </a:t>
+            </a:r>
+            <a:r>
               <a:rPr lang="ja-JP" altLang="en-US" dirty="0" smtClean="0">
                 <a:solidFill>
+                  <a:srgbClr val="404040"/>
+                </a:solidFill>
+              </a:rPr>
+              <a:t>デプロイ</a:t>
+            </a:r>
+            <a:endParaRPr lang="en-US" altLang="ja-JP" dirty="0">
+              <a:solidFill>
+                <a:srgbClr val="404040"/>
+              </a:solidFill>
+            </a:endParaRPr>
+          </a:p>
+          <a:p>
+            <a:pPr>
+              <a:buFont typeface="+mj-lt"/>
+              <a:buAutoNum type="arabicPeriod"/>
+            </a:pPr>
+            <a:r>
+              <a:rPr lang="en-US" altLang="ja-JP" dirty="0">
+                <a:solidFill>
+                  <a:schemeClr val="bg1">
+                    <a:lumMod val="75000"/>
+                  </a:schemeClr>
+                </a:solidFill>
+              </a:rPr>
+              <a:t>CMS </a:t>
+            </a:r>
+            <a:r>
+              <a:rPr lang="ja-JP" altLang="en-US" dirty="0">
+                <a:solidFill>
+                  <a:schemeClr val="bg1">
+                    <a:lumMod val="75000"/>
+                  </a:schemeClr>
+                </a:solidFill>
+              </a:rPr>
+              <a:t>デプロイ</a:t>
+            </a:r>
+            <a:endParaRPr lang="en-US" altLang="ja-JP" dirty="0">
+              <a:solidFill>
+                <a:schemeClr val="bg1">
+                  <a:lumMod val="75000"/>
+                </a:schemeClr>
+              </a:solidFill>
+            </a:endParaRPr>
+          </a:p>
+          <a:p>
+            <a:pPr>
+              <a:buFont typeface="+mj-lt"/>
+              <a:buAutoNum type="arabicPeriod"/>
+            </a:pPr>
+            <a:r>
+              <a:rPr lang="ja-JP" altLang="en-US" dirty="0" smtClean="0">
+                <a:solidFill>
                   <a:srgbClr val="BFBFBF"/>
                 </a:solidFill>
               </a:rPr>
-              <a:t>コンテンツ</a:t>
-            </a:r>
-            <a:r>
-              <a:rPr lang="ja-JP" altLang="en-US" dirty="0" smtClean="0">
-                <a:solidFill>
-                  <a:srgbClr val="BFBFBF"/>
-                </a:solidFill>
-              </a:rPr>
-              <a:t>登録</a:t>
+              <a:t>コンテンツ登録</a:t>
             </a:r>
             <a:endParaRPr lang="en-US" altLang="ja-JP" dirty="0" smtClean="0">
               <a:solidFill>
@@ -27708,7 +30380,7 @@
 </p:sld>
 </file>
 
-<file path=ppt/slides/slide29.xml><?xml version="1.0" encoding="utf-8"?>
+<file path=ppt/slides/slide31.xml><?xml version="1.0" encoding="utf-8"?>
 <p:sld xmlns:a="http://schemas.openxmlformats.org/drawingml/2006/main" xmlns:r="http://schemas.openxmlformats.org/officeDocument/2006/relationships" xmlns:p="http://schemas.openxmlformats.org/presentationml/2006/main">
   <p:cSld>
     <p:spTree>
@@ -27730,7 +30402,7 @@
           <p:cNvPr id="2" name="タイトル 1">
             <a:extLst>
               <a:ext uri="{FF2B5EF4-FFF2-40B4-BE49-F238E27FC236}">
-                <a16:creationId xmlns:a16="http://schemas.microsoft.com/office/drawing/2014/main" xmlns="" id="{6560C43E-DBFC-4F26-B1E3-F48CB447A1AB}"/>
+                <a16:creationId xmlns="" xmlns:a16="http://schemas.microsoft.com/office/drawing/2014/main" id="{6560C43E-DBFC-4F26-B1E3-F48CB447A1AB}"/>
               </a:ext>
             </a:extLst>
           </p:cNvPr>
@@ -27752,11 +30424,7 @@
             </a:r>
             <a:r>
               <a:rPr lang="ja-JP" altLang="en-US" dirty="0" smtClean="0"/>
-              <a:t> </a:t>
-            </a:r>
-            <a:r>
-              <a:rPr lang="ja-JP" altLang="en-US" dirty="0" smtClean="0"/>
-              <a:t>デプロイ</a:t>
+              <a:t> デプロイ</a:t>
             </a:r>
             <a:endParaRPr kumimoji="1" lang="ja-JP" altLang="en-US" dirty="0"/>
           </a:p>
@@ -27767,7 +30435,7 @@
           <p:cNvPr id="3" name="コンテンツ プレースホルダー 2">
             <a:extLst>
               <a:ext uri="{FF2B5EF4-FFF2-40B4-BE49-F238E27FC236}">
-                <a16:creationId xmlns:a16="http://schemas.microsoft.com/office/drawing/2014/main" xmlns="" id="{6FC9A7EE-65C1-414B-9ED9-FF653BF56B4A}"/>
+                <a16:creationId xmlns="" xmlns:a16="http://schemas.microsoft.com/office/drawing/2014/main" id="{6FC9A7EE-65C1-414B-9ED9-FF653BF56B4A}"/>
               </a:ext>
             </a:extLst>
           </p:cNvPr>
@@ -28016,7 +30684,7 @@
           <p:cNvPr id="4" name="スライド番号プレースホルダー 3">
             <a:extLst>
               <a:ext uri="{FF2B5EF4-FFF2-40B4-BE49-F238E27FC236}">
-                <a16:creationId xmlns:a16="http://schemas.microsoft.com/office/drawing/2014/main" xmlns="" id="{3983BF5F-7F92-4E6E-89D1-1F15FFC0653E}"/>
+                <a16:creationId xmlns="" xmlns:a16="http://schemas.microsoft.com/office/drawing/2014/main" id="{3983BF5F-7F92-4E6E-89D1-1F15FFC0653E}"/>
               </a:ext>
             </a:extLst>
           </p:cNvPr>
@@ -28035,7 +30703,7 @@
             <a:fld id="{FC7FC04C-4975-46EC-A609-F7DE0D5B1B51}" type="slidenum">
               <a:rPr kumimoji="1" lang="ja-JP" altLang="en-US" smtClean="0"/>
               <a:pPr/>
-              <a:t>29</a:t>
+              <a:t>31</a:t>
             </a:fld>
             <a:endParaRPr kumimoji="1" lang="ja-JP" altLang="en-US" dirty="0"/>
           </a:p>
@@ -28046,7 +30714,7 @@
           <p:cNvPr id="5" name="表 4">
             <a:extLst>
               <a:ext uri="{FF2B5EF4-FFF2-40B4-BE49-F238E27FC236}">
-                <a16:creationId xmlns:a16="http://schemas.microsoft.com/office/drawing/2014/main" xmlns="" id="{D9843871-5C4A-4C44-8970-402E0DEFC328}"/>
+                <a16:creationId xmlns="" xmlns:a16="http://schemas.microsoft.com/office/drawing/2014/main" id="{D9843871-5C4A-4C44-8970-402E0DEFC328}"/>
               </a:ext>
             </a:extLst>
           </p:cNvPr>
@@ -28075,14 +30743,14 @@
                 <a:gridCol w="1463041">
                   <a:extLst>
                     <a:ext uri="{9D8B030D-6E8A-4147-A177-3AD203B41FA5}">
-                      <a16:colId xmlns:a16="http://schemas.microsoft.com/office/drawing/2014/main" xmlns="" val="2601223865"/>
+                      <a16:colId xmlns="" xmlns:a16="http://schemas.microsoft.com/office/drawing/2014/main" val="2601223865"/>
                     </a:ext>
                   </a:extLst>
                 </a:gridCol>
                 <a:gridCol w="2290813">
                   <a:extLst>
                     <a:ext uri="{9D8B030D-6E8A-4147-A177-3AD203B41FA5}">
-                      <a16:colId xmlns:a16="http://schemas.microsoft.com/office/drawing/2014/main" xmlns="" val="1373850020"/>
+                      <a16:colId xmlns="" xmlns:a16="http://schemas.microsoft.com/office/drawing/2014/main" val="1373850020"/>
                     </a:ext>
                   </a:extLst>
                 </a:gridCol>
@@ -28146,7 +30814,7 @@
                 </a:tc>
                 <a:extLst>
                   <a:ext uri="{0D108BD9-81ED-4DB2-BD59-A6C34878D82A}">
-                    <a16:rowId xmlns:a16="http://schemas.microsoft.com/office/drawing/2014/main" xmlns="" val="955087541"/>
+                    <a16:rowId xmlns="" xmlns:a16="http://schemas.microsoft.com/office/drawing/2014/main" val="955087541"/>
                   </a:ext>
                 </a:extLst>
               </a:tr>
@@ -28209,7 +30877,7 @@
                 </a:tc>
                 <a:extLst>
                   <a:ext uri="{0D108BD9-81ED-4DB2-BD59-A6C34878D82A}">
-                    <a16:rowId xmlns:a16="http://schemas.microsoft.com/office/drawing/2014/main" xmlns="" val="841426669"/>
+                    <a16:rowId xmlns="" xmlns:a16="http://schemas.microsoft.com/office/drawing/2014/main" val="841426669"/>
                   </a:ext>
                 </a:extLst>
               </a:tr>
@@ -28272,7 +30940,7 @@
                 </a:tc>
                 <a:extLst>
                   <a:ext uri="{0D108BD9-81ED-4DB2-BD59-A6C34878D82A}">
-                    <a16:rowId xmlns:a16="http://schemas.microsoft.com/office/drawing/2014/main" xmlns="" val="2866578238"/>
+                    <a16:rowId xmlns="" xmlns:a16="http://schemas.microsoft.com/office/drawing/2014/main" val="2866578238"/>
                   </a:ext>
                 </a:extLst>
               </a:tr>
@@ -28335,7 +31003,7 @@
                 </a:tc>
                 <a:extLst>
                   <a:ext uri="{0D108BD9-81ED-4DB2-BD59-A6C34878D82A}">
-                    <a16:rowId xmlns:a16="http://schemas.microsoft.com/office/drawing/2014/main" xmlns="" val="3638318724"/>
+                    <a16:rowId xmlns="" xmlns:a16="http://schemas.microsoft.com/office/drawing/2014/main" val="3638318724"/>
                   </a:ext>
                 </a:extLst>
               </a:tr>
@@ -28348,7 +31016,7 @@
           <p:cNvPr id="10" name="表 10">
             <a:extLst>
               <a:ext uri="{FF2B5EF4-FFF2-40B4-BE49-F238E27FC236}">
-                <a16:creationId xmlns:a16="http://schemas.microsoft.com/office/drawing/2014/main" xmlns="" id="{3824BA45-4555-4A4B-859E-D45B5DBE9166}"/>
+                <a16:creationId xmlns="" xmlns:a16="http://schemas.microsoft.com/office/drawing/2014/main" id="{3824BA45-4555-4A4B-859E-D45B5DBE9166}"/>
               </a:ext>
             </a:extLst>
           </p:cNvPr>
@@ -28377,14 +31045,14 @@
                 <a:gridCol w="1876927">
                   <a:extLst>
                     <a:ext uri="{9D8B030D-6E8A-4147-A177-3AD203B41FA5}">
-                      <a16:colId xmlns:a16="http://schemas.microsoft.com/office/drawing/2014/main" xmlns="" val="486962398"/>
+                      <a16:colId xmlns="" xmlns:a16="http://schemas.microsoft.com/office/drawing/2014/main" val="486962398"/>
                     </a:ext>
                   </a:extLst>
                 </a:gridCol>
                 <a:gridCol w="1876927">
                   <a:extLst>
                     <a:ext uri="{9D8B030D-6E8A-4147-A177-3AD203B41FA5}">
-                      <a16:colId xmlns:a16="http://schemas.microsoft.com/office/drawing/2014/main" xmlns="" val="1228622091"/>
+                      <a16:colId xmlns="" xmlns:a16="http://schemas.microsoft.com/office/drawing/2014/main" val="1228622091"/>
                     </a:ext>
                   </a:extLst>
                 </a:gridCol>
@@ -28426,7 +31094,7 @@
                 </a:tc>
                 <a:extLst>
                   <a:ext uri="{0D108BD9-81ED-4DB2-BD59-A6C34878D82A}">
-                    <a16:rowId xmlns:a16="http://schemas.microsoft.com/office/drawing/2014/main" xmlns="" val="3951679411"/>
+                    <a16:rowId xmlns="" xmlns:a16="http://schemas.microsoft.com/office/drawing/2014/main" val="3951679411"/>
                   </a:ext>
                 </a:extLst>
               </a:tr>
@@ -28469,7 +31137,7 @@
                 </a:tc>
                 <a:extLst>
                   <a:ext uri="{0D108BD9-81ED-4DB2-BD59-A6C34878D82A}">
-                    <a16:rowId xmlns:a16="http://schemas.microsoft.com/office/drawing/2014/main" xmlns="" val="655885765"/>
+                    <a16:rowId xmlns="" xmlns:a16="http://schemas.microsoft.com/office/drawing/2014/main" val="655885765"/>
                   </a:ext>
                 </a:extLst>
               </a:tr>
@@ -28512,7 +31180,7 @@
                 </a:tc>
                 <a:extLst>
                   <a:ext uri="{0D108BD9-81ED-4DB2-BD59-A6C34878D82A}">
-                    <a16:rowId xmlns:a16="http://schemas.microsoft.com/office/drawing/2014/main" xmlns="" val="4269180922"/>
+                    <a16:rowId xmlns="" xmlns:a16="http://schemas.microsoft.com/office/drawing/2014/main" val="4269180922"/>
                   </a:ext>
                 </a:extLst>
               </a:tr>
@@ -28525,7 +31193,7 @@
           <p:cNvPr id="12" name="表 11">
             <a:extLst>
               <a:ext uri="{FF2B5EF4-FFF2-40B4-BE49-F238E27FC236}">
-                <a16:creationId xmlns:a16="http://schemas.microsoft.com/office/drawing/2014/main" xmlns="" id="{CD33F8CD-E491-4529-B852-9BFD2AB249F4}"/>
+                <a16:creationId xmlns="" xmlns:a16="http://schemas.microsoft.com/office/drawing/2014/main" id="{CD33F8CD-E491-4529-B852-9BFD2AB249F4}"/>
               </a:ext>
             </a:extLst>
           </p:cNvPr>
@@ -28554,7 +31222,7 @@
                 <a:gridCol w="3195587">
                   <a:extLst>
                     <a:ext uri="{9D8B030D-6E8A-4147-A177-3AD203B41FA5}">
-                      <a16:colId xmlns:a16="http://schemas.microsoft.com/office/drawing/2014/main" xmlns="" val="2300322249"/>
+                      <a16:colId xmlns="" xmlns:a16="http://schemas.microsoft.com/office/drawing/2014/main" val="2300322249"/>
                     </a:ext>
                   </a:extLst>
                 </a:gridCol>
@@ -28593,7 +31261,7 @@
                 </a:tc>
                 <a:extLst>
                   <a:ext uri="{0D108BD9-81ED-4DB2-BD59-A6C34878D82A}">
-                    <a16:rowId xmlns:a16="http://schemas.microsoft.com/office/drawing/2014/main" xmlns="" val="2786235083"/>
+                    <a16:rowId xmlns="" xmlns:a16="http://schemas.microsoft.com/office/drawing/2014/main" val="2786235083"/>
                   </a:ext>
                 </a:extLst>
               </a:tr>
@@ -28631,7 +31299,7 @@
                 </a:tc>
                 <a:extLst>
                   <a:ext uri="{0D108BD9-81ED-4DB2-BD59-A6C34878D82A}">
-                    <a16:rowId xmlns:a16="http://schemas.microsoft.com/office/drawing/2014/main" xmlns="" val="3177149070"/>
+                    <a16:rowId xmlns="" xmlns:a16="http://schemas.microsoft.com/office/drawing/2014/main" val="3177149070"/>
                   </a:ext>
                 </a:extLst>
               </a:tr>
@@ -29073,6 +31741,70 @@
               </a:rPr>
               <a:t>EC2</a:t>
             </a:r>
+            <a:endParaRPr lang="en-US" altLang="ja-JP" dirty="0">
+              <a:solidFill>
+                <a:schemeClr val="bg1">
+                  <a:lumMod val="75000"/>
+                </a:schemeClr>
+              </a:solidFill>
+            </a:endParaRPr>
+          </a:p>
+          <a:p>
+            <a:pPr lvl="1">
+              <a:buFont typeface="+mj-lt"/>
+              <a:buAutoNum type="arabicPeriod"/>
+            </a:pPr>
+            <a:r>
+              <a:rPr lang="ja-JP" altLang="ja-JP" dirty="0">
+                <a:solidFill>
+                  <a:schemeClr val="bg1">
+                    <a:lumMod val="75000"/>
+                  </a:schemeClr>
+                </a:solidFill>
+              </a:rPr>
+              <a:t>C</a:t>
+            </a:r>
+            <a:r>
+              <a:rPr lang="en-US" altLang="ja-JP" dirty="0">
+                <a:solidFill>
+                  <a:schemeClr val="bg1">
+                    <a:lumMod val="75000"/>
+                  </a:schemeClr>
+                </a:solidFill>
+              </a:rPr>
+              <a:t>ognite</a:t>
+            </a:r>
+          </a:p>
+          <a:p>
+            <a:pPr lvl="1">
+              <a:buFont typeface="+mj-lt"/>
+              <a:buAutoNum type="arabicPeriod"/>
+            </a:pPr>
+            <a:r>
+              <a:rPr lang="ja-JP" altLang="ja-JP" dirty="0">
+                <a:solidFill>
+                  <a:schemeClr val="bg1">
+                    <a:lumMod val="75000"/>
+                  </a:schemeClr>
+                </a:solidFill>
+              </a:rPr>
+              <a:t>R</a:t>
+            </a:r>
+            <a:r>
+              <a:rPr lang="en-US" altLang="ja-JP" dirty="0">
+                <a:solidFill>
+                  <a:schemeClr val="bg1">
+                    <a:lumMod val="75000"/>
+                  </a:schemeClr>
+                </a:solidFill>
+              </a:rPr>
+              <a:t>oute53</a:t>
+            </a:r>
+            <a:endParaRPr lang="en-US" altLang="ja-JP" dirty="0" smtClean="0">
+              <a:solidFill>
+                <a:srgbClr val="BFBFBF"/>
+              </a:solidFill>
+            </a:endParaRPr>
           </a:p>
           <a:p>
             <a:pPr>
@@ -29193,7 +31925,7 @@
 </p:sld>
 </file>
 
-<file path=ppt/slides/slide3.xml><?xml version="1.0" encoding="utf-8"?>
+<file path=ppt/slides/slide32.xml><?xml version="1.0" encoding="utf-8"?>
 <p:sld xmlns:a="http://schemas.openxmlformats.org/drawingml/2006/main" xmlns:r="http://schemas.openxmlformats.org/officeDocument/2006/relationships" xmlns:p="http://schemas.openxmlformats.org/presentationml/2006/main">
   <p:cSld>
     <p:spTree>
@@ -29226,259 +31958,6 @@
           <a:lstStyle/>
           <a:p>
             <a:r>
-              <a:rPr kumimoji="1" lang="ja-JP" altLang="en-US" dirty="0" smtClean="0"/>
-              <a:t>目次</a:t>
-            </a:r>
-            <a:endParaRPr kumimoji="1" lang="ja-JP" altLang="en-US" dirty="0"/>
-          </a:p>
-        </p:txBody>
-      </p:sp>
-      <p:sp>
-        <p:nvSpPr>
-          <p:cNvPr id="3" name="コンテンツ プレースホルダー 2"/>
-          <p:cNvSpPr>
-            <a:spLocks noGrp="1"/>
-          </p:cNvSpPr>
-          <p:nvPr>
-            <p:ph idx="1"/>
-          </p:nvPr>
-        </p:nvSpPr>
-        <p:spPr>
-          <a:xfrm>
-            <a:off x="275149" y="548855"/>
-            <a:ext cx="11753029" cy="5677533"/>
-          </a:xfrm>
-        </p:spPr>
-        <p:txBody>
-          <a:bodyPr numCol="1" anchor="ctr"/>
-          <a:lstStyle/>
-          <a:p>
-            <a:pPr marL="400050" indent="-400050">
-              <a:buFont typeface="+mj-lt"/>
-              <a:buAutoNum type="romanUcPeriod"/>
-            </a:pPr>
-            <a:r>
-              <a:rPr lang="ja-JP" altLang="en-US" dirty="0" smtClean="0"/>
-              <a:t>インフラ構成図</a:t>
-            </a:r>
-            <a:endParaRPr kumimoji="1" lang="en-US" altLang="ja-JP" dirty="0" smtClean="0"/>
-          </a:p>
-          <a:p>
-            <a:pPr marL="400050" indent="-400050">
-              <a:buFont typeface="+mj-lt"/>
-              <a:buAutoNum type="romanUcPeriod"/>
-            </a:pPr>
-            <a:endParaRPr kumimoji="1" lang="en-US" altLang="ja-JP" dirty="0" smtClean="0"/>
-          </a:p>
-          <a:p>
-            <a:pPr marL="400050" indent="-400050">
-              <a:buFont typeface="+mj-lt"/>
-              <a:buAutoNum type="romanUcPeriod"/>
-            </a:pPr>
-            <a:r>
-              <a:rPr kumimoji="1" lang="ja-JP" altLang="en-US" dirty="0" smtClean="0"/>
-              <a:t>アカウント準備</a:t>
-            </a:r>
-            <a:endParaRPr lang="en-US" altLang="ja-JP" dirty="0"/>
-          </a:p>
-          <a:p>
-            <a:pPr lvl="1">
-              <a:buFont typeface="+mj-lt"/>
-              <a:buAutoNum type="arabicPeriod"/>
-            </a:pPr>
-            <a:r>
-              <a:rPr lang="en-US" altLang="ja-JP" dirty="0"/>
-              <a:t>AWS</a:t>
-            </a:r>
-            <a:r>
-              <a:rPr lang="ja-JP" altLang="en-US" dirty="0"/>
-              <a:t>アカウント登録</a:t>
-            </a:r>
-            <a:endParaRPr lang="en-US" altLang="ja-JP" dirty="0"/>
-          </a:p>
-          <a:p>
-            <a:pPr lvl="1">
-              <a:buFont typeface="+mj-lt"/>
-              <a:buAutoNum type="arabicPeriod"/>
-            </a:pPr>
-            <a:r>
-              <a:rPr lang="en-US" altLang="ja-JP" dirty="0"/>
-              <a:t>AWS IAM</a:t>
-            </a:r>
-            <a:r>
-              <a:rPr lang="ja-JP" altLang="en-US" dirty="0"/>
-              <a:t>ユーザー登録</a:t>
-            </a:r>
-            <a:endParaRPr kumimoji="1" lang="en-US" altLang="ja-JP" dirty="0" smtClean="0"/>
-          </a:p>
-          <a:p>
-            <a:pPr marL="857250" lvl="1" indent="-400050">
-              <a:buFont typeface="+mj-lt"/>
-              <a:buAutoNum type="romanUcPeriod"/>
-            </a:pPr>
-            <a:endParaRPr kumimoji="1" lang="en-US" altLang="ja-JP" dirty="0" smtClean="0"/>
-          </a:p>
-          <a:p>
-            <a:pPr marL="400050" indent="-400050">
-              <a:buFont typeface="+mj-lt"/>
-              <a:buAutoNum type="romanUcPeriod"/>
-            </a:pPr>
-            <a:r>
-              <a:rPr kumimoji="1" lang="ja-JP" altLang="en-US" dirty="0" smtClean="0"/>
-              <a:t>環境構築手順</a:t>
-            </a:r>
-            <a:endParaRPr lang="en-US" altLang="ja-JP" dirty="0" smtClean="0"/>
-          </a:p>
-          <a:p>
-            <a:pPr lvl="1">
-              <a:buFont typeface="+mj-lt"/>
-              <a:buAutoNum type="arabicPeriod"/>
-            </a:pPr>
-            <a:r>
-              <a:rPr lang="en-US" altLang="ja-JP" dirty="0" smtClean="0"/>
-              <a:t>AWS</a:t>
-            </a:r>
-            <a:r>
-              <a:rPr lang="ja-JP" altLang="en-US" dirty="0" smtClean="0"/>
-              <a:t>リソース</a:t>
-            </a:r>
-            <a:endParaRPr lang="en-US" altLang="ja-JP" dirty="0"/>
-          </a:p>
-          <a:p>
-            <a:pPr lvl="1">
-              <a:buFont typeface="+mj-lt"/>
-              <a:buAutoNum type="arabicPeriod"/>
-            </a:pPr>
-            <a:r>
-              <a:rPr lang="en-US" altLang="ja-JP" dirty="0" smtClean="0"/>
-              <a:t>API </a:t>
-            </a:r>
-            <a:r>
-              <a:rPr lang="ja-JP" altLang="en-US" dirty="0" smtClean="0"/>
-              <a:t>デプロイ</a:t>
-            </a:r>
-            <a:endParaRPr lang="en-US" altLang="ja-JP" dirty="0" smtClean="0"/>
-          </a:p>
-          <a:p>
-            <a:pPr lvl="1">
-              <a:buFont typeface="+mj-lt"/>
-              <a:buAutoNum type="arabicPeriod"/>
-            </a:pPr>
-            <a:r>
-              <a:rPr lang="ja-JP" altLang="en-US" dirty="0" smtClean="0"/>
-              <a:t>コンテンツ登録</a:t>
-            </a:r>
-            <a:endParaRPr lang="en-US" altLang="ja-JP" dirty="0" smtClean="0"/>
-          </a:p>
-          <a:p>
-            <a:pPr>
-              <a:buFont typeface="+mj-lt"/>
-              <a:buAutoNum type="romanUcPeriod"/>
-            </a:pPr>
-            <a:endParaRPr lang="en-US" altLang="ja-JP" dirty="0" smtClean="0"/>
-          </a:p>
-          <a:p>
-            <a:pPr>
-              <a:buFont typeface="+mj-lt"/>
-              <a:buAutoNum type="romanUcPeriod"/>
-            </a:pPr>
-            <a:r>
-              <a:rPr lang="ja-JP" altLang="en-US" dirty="0" smtClean="0"/>
-              <a:t>パラメータ一覧</a:t>
-            </a:r>
-          </a:p>
-          <a:p>
-            <a:pPr lvl="1"/>
-            <a:r>
-              <a:rPr lang="en-US" altLang="ja-JP" dirty="0" smtClean="0"/>
-              <a:t>AWS</a:t>
-            </a:r>
-            <a:r>
-              <a:rPr lang="ja-JP" altLang="en-US" dirty="0" smtClean="0"/>
-              <a:t>・</a:t>
-            </a:r>
-            <a:r>
-              <a:rPr lang="ja-JP" altLang="ja-JP" dirty="0"/>
-              <a:t>V</a:t>
-            </a:r>
-            <a:r>
-              <a:rPr lang="en-US" altLang="ja-JP" dirty="0"/>
-              <a:t>uforia</a:t>
-            </a:r>
-            <a:endParaRPr lang="ja-JP" altLang="en-US" dirty="0"/>
-          </a:p>
-        </p:txBody>
-      </p:sp>
-      <p:sp>
-        <p:nvSpPr>
-          <p:cNvPr id="4" name="スライド番号プレースホルダー 3"/>
-          <p:cNvSpPr>
-            <a:spLocks noGrp="1"/>
-          </p:cNvSpPr>
-          <p:nvPr>
-            <p:ph type="sldNum" sz="quarter" idx="12"/>
-          </p:nvPr>
-        </p:nvSpPr>
-        <p:spPr/>
-        <p:txBody>
-          <a:bodyPr/>
-          <a:lstStyle/>
-          <a:p>
-            <a:fld id="{FC7FC04C-4975-46EC-A609-F7DE0D5B1B51}" type="slidenum">
-              <a:rPr kumimoji="1" lang="ja-JP" altLang="en-US" smtClean="0"/>
-              <a:pPr/>
-              <a:t>3</a:t>
-            </a:fld>
-            <a:endParaRPr kumimoji="1" lang="ja-JP" altLang="en-US" dirty="0"/>
-          </a:p>
-        </p:txBody>
-      </p:sp>
-    </p:spTree>
-    <p:extLst>
-      <p:ext uri="{BB962C8B-B14F-4D97-AF65-F5344CB8AC3E}">
-        <p14:creationId xmlns:p14="http://schemas.microsoft.com/office/powerpoint/2010/main" val="493525940"/>
-      </p:ext>
-    </p:extLst>
-  </p:cSld>
-  <p:clrMapOvr>
-    <a:masterClrMapping/>
-  </p:clrMapOvr>
-</p:sld>
-</file>
-
-<file path=ppt/slides/slide30.xml><?xml version="1.0" encoding="utf-8"?>
-<p:sld xmlns:a="http://schemas.openxmlformats.org/drawingml/2006/main" xmlns:r="http://schemas.openxmlformats.org/officeDocument/2006/relationships" xmlns:p="http://schemas.openxmlformats.org/presentationml/2006/main">
-  <p:cSld>
-    <p:spTree>
-      <p:nvGrpSpPr>
-        <p:cNvPr id="1" name=""/>
-        <p:cNvGrpSpPr/>
-        <p:nvPr/>
-      </p:nvGrpSpPr>
-      <p:grpSpPr>
-        <a:xfrm>
-          <a:off x="0" y="0"/>
-          <a:ext cx="0" cy="0"/>
-          <a:chOff x="0" y="0"/>
-          <a:chExt cx="0" cy="0"/>
-        </a:xfrm>
-      </p:grpSpPr>
-      <p:sp>
-        <p:nvSpPr>
-          <p:cNvPr id="2" name="タイトル 1"/>
-          <p:cNvSpPr>
-            <a:spLocks noGrp="1"/>
-          </p:cNvSpPr>
-          <p:nvPr>
-            <p:ph type="title"/>
-          </p:nvPr>
-        </p:nvSpPr>
-        <p:spPr/>
-        <p:txBody>
-          <a:bodyPr/>
-          <a:lstStyle/>
-          <a:p>
-            <a:r>
               <a:rPr lang="ja-JP" altLang="ja-JP" dirty="0" smtClean="0"/>
               <a:t>C</a:t>
             </a:r>
@@ -29577,7 +32056,7 @@
             <a:fld id="{FC7FC04C-4975-46EC-A609-F7DE0D5B1B51}" type="slidenum">
               <a:rPr kumimoji="1" lang="ja-JP" altLang="en-US" smtClean="0"/>
               <a:pPr/>
-              <a:t>30</a:t>
+              <a:t>32</a:t>
             </a:fld>
             <a:endParaRPr kumimoji="1" lang="ja-JP" altLang="en-US" dirty="0"/>
           </a:p>
@@ -30017,6 +32496,70 @@
               </a:rPr>
               <a:t>EC2</a:t>
             </a:r>
+            <a:endParaRPr lang="en-US" altLang="ja-JP" dirty="0">
+              <a:solidFill>
+                <a:schemeClr val="bg1">
+                  <a:lumMod val="75000"/>
+                </a:schemeClr>
+              </a:solidFill>
+            </a:endParaRPr>
+          </a:p>
+          <a:p>
+            <a:pPr lvl="1">
+              <a:buFont typeface="+mj-lt"/>
+              <a:buAutoNum type="arabicPeriod"/>
+            </a:pPr>
+            <a:r>
+              <a:rPr lang="ja-JP" altLang="ja-JP" dirty="0">
+                <a:solidFill>
+                  <a:schemeClr val="bg1">
+                    <a:lumMod val="75000"/>
+                  </a:schemeClr>
+                </a:solidFill>
+              </a:rPr>
+              <a:t>C</a:t>
+            </a:r>
+            <a:r>
+              <a:rPr lang="en-US" altLang="ja-JP" dirty="0">
+                <a:solidFill>
+                  <a:schemeClr val="bg1">
+                    <a:lumMod val="75000"/>
+                  </a:schemeClr>
+                </a:solidFill>
+              </a:rPr>
+              <a:t>ognite</a:t>
+            </a:r>
+          </a:p>
+          <a:p>
+            <a:pPr lvl="1">
+              <a:buFont typeface="+mj-lt"/>
+              <a:buAutoNum type="arabicPeriod"/>
+            </a:pPr>
+            <a:r>
+              <a:rPr lang="ja-JP" altLang="ja-JP" dirty="0">
+                <a:solidFill>
+                  <a:schemeClr val="bg1">
+                    <a:lumMod val="75000"/>
+                  </a:schemeClr>
+                </a:solidFill>
+              </a:rPr>
+              <a:t>R</a:t>
+            </a:r>
+            <a:r>
+              <a:rPr lang="en-US" altLang="ja-JP" dirty="0">
+                <a:solidFill>
+                  <a:schemeClr val="bg1">
+                    <a:lumMod val="75000"/>
+                  </a:schemeClr>
+                </a:solidFill>
+              </a:rPr>
+              <a:t>oute53</a:t>
+            </a:r>
+            <a:endParaRPr lang="en-US" altLang="ja-JP" dirty="0" smtClean="0">
+              <a:solidFill>
+                <a:srgbClr val="BFBFBF"/>
+              </a:solidFill>
+            </a:endParaRPr>
           </a:p>
           <a:p>
             <a:pPr>
@@ -30112,7 +32655,7 @@
 </p:sld>
 </file>
 
-<file path=ppt/slides/slide31.xml><?xml version="1.0" encoding="utf-8"?>
+<file path=ppt/slides/slide33.xml><?xml version="1.0" encoding="utf-8"?>
 <p:sld xmlns:a="http://schemas.openxmlformats.org/drawingml/2006/main" xmlns:r="http://schemas.openxmlformats.org/officeDocument/2006/relationships" xmlns:p="http://schemas.openxmlformats.org/presentationml/2006/main">
   <p:cSld>
     <p:spTree>
@@ -30134,7 +32677,7 @@
           <p:cNvPr id="2" name="タイトル 1">
             <a:extLst>
               <a:ext uri="{FF2B5EF4-FFF2-40B4-BE49-F238E27FC236}">
-                <a16:creationId xmlns:a16="http://schemas.microsoft.com/office/drawing/2014/main" xmlns="" id="{92F3BE3C-D5D5-433F-8097-54C94A0D9C8D}"/>
+                <a16:creationId xmlns="" xmlns:a16="http://schemas.microsoft.com/office/drawing/2014/main" id="{92F3BE3C-D5D5-433F-8097-54C94A0D9C8D}"/>
               </a:ext>
             </a:extLst>
           </p:cNvPr>
@@ -30175,7 +32718,7 @@
           <p:cNvPr id="3" name="コンテンツ プレースホルダー 2">
             <a:extLst>
               <a:ext uri="{FF2B5EF4-FFF2-40B4-BE49-F238E27FC236}">
-                <a16:creationId xmlns:a16="http://schemas.microsoft.com/office/drawing/2014/main" xmlns="" id="{A93EB655-C80D-4A74-9D21-50647752DED6}"/>
+                <a16:creationId xmlns="" xmlns:a16="http://schemas.microsoft.com/office/drawing/2014/main" id="{A93EB655-C80D-4A74-9D21-50647752DED6}"/>
               </a:ext>
             </a:extLst>
           </p:cNvPr>
@@ -30374,7 +32917,6 @@
               <a:rPr lang="ja-JP" altLang="en-US" dirty="0"/>
               <a:t>ターゲットイメージ⇒データベースの追加</a:t>
             </a:r>
-            <a:endParaRPr lang="ja-JP" altLang="en-US" dirty="0"/>
           </a:p>
         </p:txBody>
       </p:sp>
@@ -30383,7 +32925,7 @@
           <p:cNvPr id="4" name="スライド番号プレースホルダー 3">
             <a:extLst>
               <a:ext uri="{FF2B5EF4-FFF2-40B4-BE49-F238E27FC236}">
-                <a16:creationId xmlns:a16="http://schemas.microsoft.com/office/drawing/2014/main" xmlns="" id="{E64C7290-AA49-4814-897E-3E72F67E37DE}"/>
+                <a16:creationId xmlns="" xmlns:a16="http://schemas.microsoft.com/office/drawing/2014/main" id="{E64C7290-AA49-4814-897E-3E72F67E37DE}"/>
               </a:ext>
             </a:extLst>
           </p:cNvPr>
@@ -30402,7 +32944,7 @@
             <a:fld id="{FC7FC04C-4975-46EC-A609-F7DE0D5B1B51}" type="slidenum">
               <a:rPr kumimoji="1" lang="ja-JP" altLang="en-US" smtClean="0"/>
               <a:pPr/>
-              <a:t>31</a:t>
+              <a:t>33</a:t>
             </a:fld>
             <a:endParaRPr kumimoji="1" lang="ja-JP" altLang="en-US" dirty="0"/>
           </a:p>
@@ -30832,59 +33374,6 @@
               </a:rPr>
               <a:t>EC2</a:t>
             </a:r>
-          </a:p>
-          <a:p>
-            <a:pPr>
-              <a:buFont typeface="+mj-lt"/>
-              <a:buAutoNum type="arabicPeriod"/>
-            </a:pPr>
-            <a:r>
-              <a:rPr lang="en-US" altLang="ja-JP" dirty="0" smtClean="0">
-                <a:solidFill>
-                  <a:srgbClr val="BFBFBF"/>
-                </a:solidFill>
-              </a:rPr>
-              <a:t>API </a:t>
-            </a:r>
-            <a:r>
-              <a:rPr lang="ja-JP" altLang="en-US" dirty="0" smtClean="0">
-                <a:solidFill>
-                  <a:srgbClr val="BFBFBF"/>
-                </a:solidFill>
-              </a:rPr>
-              <a:t>デプロイ</a:t>
-            </a:r>
-            <a:endParaRPr lang="en-US" altLang="ja-JP" dirty="0">
-              <a:solidFill>
-                <a:srgbClr val="404040"/>
-              </a:solidFill>
-            </a:endParaRPr>
-          </a:p>
-          <a:p>
-            <a:pPr>
-              <a:buFont typeface="+mj-lt"/>
-              <a:buAutoNum type="arabicPeriod"/>
-            </a:pPr>
-            <a:r>
-              <a:rPr lang="en-US" altLang="ja-JP" dirty="0">
-                <a:solidFill>
-                  <a:schemeClr val="bg1">
-                    <a:lumMod val="75000"/>
-                  </a:schemeClr>
-                </a:solidFill>
-              </a:rPr>
-              <a:t>CMS </a:t>
-            </a:r>
-            <a:r>
-              <a:rPr lang="ja-JP" altLang="en-US" dirty="0">
-                <a:solidFill>
-                  <a:schemeClr val="bg1">
-                    <a:lumMod val="75000"/>
-                  </a:schemeClr>
-                </a:solidFill>
-              </a:rPr>
-              <a:t>デプロイ</a:t>
-            </a:r>
             <a:endParaRPr lang="en-US" altLang="ja-JP" dirty="0">
               <a:solidFill>
                 <a:schemeClr val="bg1">
@@ -30894,17 +33383,130 @@
             </a:endParaRPr>
           </a:p>
           <a:p>
+            <a:pPr lvl="1">
+              <a:buFont typeface="+mj-lt"/>
+              <a:buAutoNum type="arabicPeriod"/>
+            </a:pPr>
+            <a:r>
+              <a:rPr lang="ja-JP" altLang="ja-JP" dirty="0">
+                <a:solidFill>
+                  <a:schemeClr val="bg1">
+                    <a:lumMod val="75000"/>
+                  </a:schemeClr>
+                </a:solidFill>
+              </a:rPr>
+              <a:t>C</a:t>
+            </a:r>
+            <a:r>
+              <a:rPr lang="en-US" altLang="ja-JP" dirty="0">
+                <a:solidFill>
+                  <a:schemeClr val="bg1">
+                    <a:lumMod val="75000"/>
+                  </a:schemeClr>
+                </a:solidFill>
+              </a:rPr>
+              <a:t>ognite</a:t>
+            </a:r>
+          </a:p>
+          <a:p>
+            <a:pPr lvl="1">
+              <a:buFont typeface="+mj-lt"/>
+              <a:buAutoNum type="arabicPeriod"/>
+            </a:pPr>
+            <a:r>
+              <a:rPr lang="ja-JP" altLang="ja-JP" dirty="0">
+                <a:solidFill>
+                  <a:schemeClr val="bg1">
+                    <a:lumMod val="75000"/>
+                  </a:schemeClr>
+                </a:solidFill>
+              </a:rPr>
+              <a:t>R</a:t>
+            </a:r>
+            <a:r>
+              <a:rPr lang="en-US" altLang="ja-JP" dirty="0">
+                <a:solidFill>
+                  <a:schemeClr val="bg1">
+                    <a:lumMod val="75000"/>
+                  </a:schemeClr>
+                </a:solidFill>
+              </a:rPr>
+              <a:t>oute53</a:t>
+            </a:r>
+            <a:endParaRPr lang="en-US" altLang="ja-JP" dirty="0" smtClean="0">
+              <a:solidFill>
+                <a:srgbClr val="BFBFBF"/>
+              </a:solidFill>
+            </a:endParaRPr>
+          </a:p>
+          <a:p>
             <a:pPr>
               <a:buFont typeface="+mj-lt"/>
               <a:buAutoNum type="arabicPeriod"/>
             </a:pPr>
             <a:r>
+              <a:rPr lang="en-US" altLang="ja-JP" dirty="0" smtClean="0">
+                <a:solidFill>
+                  <a:srgbClr val="BFBFBF"/>
+                </a:solidFill>
+              </a:rPr>
+              <a:t>API </a:t>
+            </a:r>
+            <a:r>
+              <a:rPr lang="ja-JP" altLang="en-US" dirty="0" smtClean="0">
+                <a:solidFill>
+                  <a:srgbClr val="BFBFBF"/>
+                </a:solidFill>
+              </a:rPr>
+              <a:t>デプロイ</a:t>
+            </a:r>
+            <a:endParaRPr lang="en-US" altLang="ja-JP" dirty="0">
+              <a:solidFill>
+                <a:srgbClr val="404040"/>
+              </a:solidFill>
+            </a:endParaRPr>
+          </a:p>
+          <a:p>
+            <a:pPr>
+              <a:buFont typeface="+mj-lt"/>
+              <a:buAutoNum type="arabicPeriod"/>
+            </a:pPr>
+            <a:r>
+              <a:rPr lang="en-US" altLang="ja-JP" dirty="0">
+                <a:solidFill>
+                  <a:schemeClr val="bg1">
+                    <a:lumMod val="75000"/>
+                  </a:schemeClr>
+                </a:solidFill>
+              </a:rPr>
+              <a:t>CMS </a:t>
+            </a:r>
+            <a:r>
+              <a:rPr lang="ja-JP" altLang="en-US" dirty="0">
+                <a:solidFill>
+                  <a:schemeClr val="bg1">
+                    <a:lumMod val="75000"/>
+                  </a:schemeClr>
+                </a:solidFill>
+              </a:rPr>
+              <a:t>デプロイ</a:t>
+            </a:r>
+            <a:endParaRPr lang="en-US" altLang="ja-JP" dirty="0">
+              <a:solidFill>
+                <a:schemeClr val="bg1">
+                  <a:lumMod val="75000"/>
+                </a:schemeClr>
+              </a:solidFill>
+            </a:endParaRPr>
+          </a:p>
+          <a:p>
+            <a:pPr>
+              <a:buFont typeface="+mj-lt"/>
+              <a:buAutoNum type="arabicPeriod"/>
+            </a:pPr>
+            <a:r>
               <a:rPr lang="ja-JP" altLang="en-US" dirty="0" smtClean="0"/>
-              <a:t>コンテンツ</a:t>
-            </a:r>
-            <a:r>
-              <a:rPr lang="ja-JP" altLang="en-US" dirty="0" smtClean="0"/>
-              <a:t>登録</a:t>
+              <a:t>コンテンツ登録</a:t>
             </a:r>
             <a:endParaRPr lang="en-US" altLang="ja-JP" dirty="0" smtClean="0"/>
           </a:p>
@@ -30948,7 +33550,7 @@
 </p:sld>
 </file>
 
-<file path=ppt/slides/slide32.xml><?xml version="1.0" encoding="utf-8"?>
+<file path=ppt/slides/slide34.xml><?xml version="1.0" encoding="utf-8"?>
 <p:sld xmlns:a="http://schemas.openxmlformats.org/drawingml/2006/main" xmlns:r="http://schemas.openxmlformats.org/officeDocument/2006/relationships" xmlns:p="http://schemas.openxmlformats.org/presentationml/2006/main">
   <p:cSld>
     <p:spTree>
@@ -30970,7 +33572,7 @@
           <p:cNvPr id="2" name="タイトル 1">
             <a:extLst>
               <a:ext uri="{FF2B5EF4-FFF2-40B4-BE49-F238E27FC236}">
-                <a16:creationId xmlns:a16="http://schemas.microsoft.com/office/drawing/2014/main" xmlns="" id="{4E51E73E-8AF5-43C0-AA71-32FD82309E32}"/>
+                <a16:creationId xmlns="" xmlns:a16="http://schemas.microsoft.com/office/drawing/2014/main" id="{4E51E73E-8AF5-43C0-AA71-32FD82309E32}"/>
               </a:ext>
             </a:extLst>
           </p:cNvPr>
@@ -31007,7 +33609,7 @@
           <p:cNvPr id="3" name="コンテンツ プレースホルダー 2">
             <a:extLst>
               <a:ext uri="{FF2B5EF4-FFF2-40B4-BE49-F238E27FC236}">
-                <a16:creationId xmlns:a16="http://schemas.microsoft.com/office/drawing/2014/main" xmlns="" id="{D9C1B3F4-9EF0-4300-B55B-EE832D41124E}"/>
+                <a16:creationId xmlns="" xmlns:a16="http://schemas.microsoft.com/office/drawing/2014/main" id="{D9C1B3F4-9EF0-4300-B55B-EE832D41124E}"/>
               </a:ext>
             </a:extLst>
           </p:cNvPr>
@@ -31296,7 +33898,7 @@
           <p:cNvPr id="4" name="スライド番号プレースホルダー 3">
             <a:extLst>
               <a:ext uri="{FF2B5EF4-FFF2-40B4-BE49-F238E27FC236}">
-                <a16:creationId xmlns:a16="http://schemas.microsoft.com/office/drawing/2014/main" xmlns="" id="{96F74474-9D89-4750-A6C5-EB24B011AA5F}"/>
+                <a16:creationId xmlns="" xmlns:a16="http://schemas.microsoft.com/office/drawing/2014/main" id="{96F74474-9D89-4750-A6C5-EB24B011AA5F}"/>
               </a:ext>
             </a:extLst>
           </p:cNvPr>
@@ -31315,7 +33917,7 @@
             <a:fld id="{FC7FC04C-4975-46EC-A609-F7DE0D5B1B51}" type="slidenum">
               <a:rPr kumimoji="1" lang="ja-JP" altLang="en-US" smtClean="0"/>
               <a:pPr/>
-              <a:t>32</a:t>
+              <a:t>34</a:t>
             </a:fld>
             <a:endParaRPr kumimoji="1" lang="ja-JP" altLang="en-US" dirty="0"/>
           </a:p>
@@ -31326,7 +33928,7 @@
           <p:cNvPr id="5" name="テキスト ボックス 4">
             <a:extLst>
               <a:ext uri="{FF2B5EF4-FFF2-40B4-BE49-F238E27FC236}">
-                <a16:creationId xmlns:a16="http://schemas.microsoft.com/office/drawing/2014/main" xmlns="" id="{71FED841-B37C-4655-B094-D9D9B244EFB4}"/>
+                <a16:creationId xmlns="" xmlns:a16="http://schemas.microsoft.com/office/drawing/2014/main" id="{71FED841-B37C-4655-B094-D9D9B244EFB4}"/>
               </a:ext>
             </a:extLst>
           </p:cNvPr>
@@ -31797,59 +34399,6 @@
               </a:rPr>
               <a:t>EC2</a:t>
             </a:r>
-          </a:p>
-          <a:p>
-            <a:pPr>
-              <a:buFont typeface="+mj-lt"/>
-              <a:buAutoNum type="arabicPeriod"/>
-            </a:pPr>
-            <a:r>
-              <a:rPr lang="en-US" altLang="ja-JP" dirty="0" smtClean="0">
-                <a:solidFill>
-                  <a:srgbClr val="BFBFBF"/>
-                </a:solidFill>
-              </a:rPr>
-              <a:t>API </a:t>
-            </a:r>
-            <a:r>
-              <a:rPr lang="ja-JP" altLang="en-US" dirty="0" smtClean="0">
-                <a:solidFill>
-                  <a:srgbClr val="BFBFBF"/>
-                </a:solidFill>
-              </a:rPr>
-              <a:t>デプロイ</a:t>
-            </a:r>
-            <a:endParaRPr lang="en-US" altLang="ja-JP" dirty="0">
-              <a:solidFill>
-                <a:srgbClr val="404040"/>
-              </a:solidFill>
-            </a:endParaRPr>
-          </a:p>
-          <a:p>
-            <a:pPr>
-              <a:buFont typeface="+mj-lt"/>
-              <a:buAutoNum type="arabicPeriod"/>
-            </a:pPr>
-            <a:r>
-              <a:rPr lang="en-US" altLang="ja-JP" dirty="0">
-                <a:solidFill>
-                  <a:schemeClr val="bg1">
-                    <a:lumMod val="75000"/>
-                  </a:schemeClr>
-                </a:solidFill>
-              </a:rPr>
-              <a:t>CMS </a:t>
-            </a:r>
-            <a:r>
-              <a:rPr lang="ja-JP" altLang="en-US" dirty="0">
-                <a:solidFill>
-                  <a:schemeClr val="bg1">
-                    <a:lumMod val="75000"/>
-                  </a:schemeClr>
-                </a:solidFill>
-              </a:rPr>
-              <a:t>デプロイ</a:t>
-            </a:r>
             <a:endParaRPr lang="en-US" altLang="ja-JP" dirty="0">
               <a:solidFill>
                 <a:schemeClr val="bg1">
@@ -31859,17 +34408,130 @@
             </a:endParaRPr>
           </a:p>
           <a:p>
+            <a:pPr lvl="1">
+              <a:buFont typeface="+mj-lt"/>
+              <a:buAutoNum type="arabicPeriod"/>
+            </a:pPr>
+            <a:r>
+              <a:rPr lang="ja-JP" altLang="ja-JP" dirty="0">
+                <a:solidFill>
+                  <a:schemeClr val="bg1">
+                    <a:lumMod val="75000"/>
+                  </a:schemeClr>
+                </a:solidFill>
+              </a:rPr>
+              <a:t>C</a:t>
+            </a:r>
+            <a:r>
+              <a:rPr lang="en-US" altLang="ja-JP" dirty="0">
+                <a:solidFill>
+                  <a:schemeClr val="bg1">
+                    <a:lumMod val="75000"/>
+                  </a:schemeClr>
+                </a:solidFill>
+              </a:rPr>
+              <a:t>ognite</a:t>
+            </a:r>
+          </a:p>
+          <a:p>
+            <a:pPr lvl="1">
+              <a:buFont typeface="+mj-lt"/>
+              <a:buAutoNum type="arabicPeriod"/>
+            </a:pPr>
+            <a:r>
+              <a:rPr lang="ja-JP" altLang="ja-JP" dirty="0">
+                <a:solidFill>
+                  <a:schemeClr val="bg1">
+                    <a:lumMod val="75000"/>
+                  </a:schemeClr>
+                </a:solidFill>
+              </a:rPr>
+              <a:t>R</a:t>
+            </a:r>
+            <a:r>
+              <a:rPr lang="en-US" altLang="ja-JP" dirty="0">
+                <a:solidFill>
+                  <a:schemeClr val="bg1">
+                    <a:lumMod val="75000"/>
+                  </a:schemeClr>
+                </a:solidFill>
+              </a:rPr>
+              <a:t>oute53</a:t>
+            </a:r>
+            <a:endParaRPr lang="en-US" altLang="ja-JP" dirty="0" smtClean="0">
+              <a:solidFill>
+                <a:srgbClr val="BFBFBF"/>
+              </a:solidFill>
+            </a:endParaRPr>
+          </a:p>
+          <a:p>
             <a:pPr>
               <a:buFont typeface="+mj-lt"/>
               <a:buAutoNum type="arabicPeriod"/>
             </a:pPr>
             <a:r>
+              <a:rPr lang="en-US" altLang="ja-JP" dirty="0" smtClean="0">
+                <a:solidFill>
+                  <a:srgbClr val="BFBFBF"/>
+                </a:solidFill>
+              </a:rPr>
+              <a:t>API </a:t>
+            </a:r>
+            <a:r>
+              <a:rPr lang="ja-JP" altLang="en-US" dirty="0" smtClean="0">
+                <a:solidFill>
+                  <a:srgbClr val="BFBFBF"/>
+                </a:solidFill>
+              </a:rPr>
+              <a:t>デプロイ</a:t>
+            </a:r>
+            <a:endParaRPr lang="en-US" altLang="ja-JP" dirty="0">
+              <a:solidFill>
+                <a:srgbClr val="404040"/>
+              </a:solidFill>
+            </a:endParaRPr>
+          </a:p>
+          <a:p>
+            <a:pPr>
+              <a:buFont typeface="+mj-lt"/>
+              <a:buAutoNum type="arabicPeriod"/>
+            </a:pPr>
+            <a:r>
+              <a:rPr lang="en-US" altLang="ja-JP" dirty="0">
+                <a:solidFill>
+                  <a:schemeClr val="bg1">
+                    <a:lumMod val="75000"/>
+                  </a:schemeClr>
+                </a:solidFill>
+              </a:rPr>
+              <a:t>CMS </a:t>
+            </a:r>
+            <a:r>
+              <a:rPr lang="ja-JP" altLang="en-US" dirty="0">
+                <a:solidFill>
+                  <a:schemeClr val="bg1">
+                    <a:lumMod val="75000"/>
+                  </a:schemeClr>
+                </a:solidFill>
+              </a:rPr>
+              <a:t>デプロイ</a:t>
+            </a:r>
+            <a:endParaRPr lang="en-US" altLang="ja-JP" dirty="0">
+              <a:solidFill>
+                <a:schemeClr val="bg1">
+                  <a:lumMod val="75000"/>
+                </a:schemeClr>
+              </a:solidFill>
+            </a:endParaRPr>
+          </a:p>
+          <a:p>
+            <a:pPr>
+              <a:buFont typeface="+mj-lt"/>
+              <a:buAutoNum type="arabicPeriod"/>
+            </a:pPr>
+            <a:r>
               <a:rPr lang="ja-JP" altLang="en-US" dirty="0" smtClean="0"/>
-              <a:t>コンテンツ</a:t>
-            </a:r>
-            <a:r>
-              <a:rPr lang="ja-JP" altLang="en-US" dirty="0" smtClean="0"/>
-              <a:t>登録</a:t>
+              <a:t>コンテンツ登録</a:t>
             </a:r>
             <a:endParaRPr lang="en-US" altLang="ja-JP" dirty="0" smtClean="0"/>
           </a:p>
@@ -31940,7 +34602,7 @@
 </p:sld>
 </file>
 
-<file path=ppt/slides/slide33.xml><?xml version="1.0" encoding="utf-8"?>
+<file path=ppt/slides/slide35.xml><?xml version="1.0" encoding="utf-8"?>
 <p:sld xmlns:a="http://schemas.openxmlformats.org/drawingml/2006/main" xmlns:r="http://schemas.openxmlformats.org/officeDocument/2006/relationships" xmlns:p="http://schemas.openxmlformats.org/presentationml/2006/main">
   <p:cSld>
     <p:spTree>
@@ -32023,7 +34685,7 @@
 </p:sld>
 </file>
 
-<file path=ppt/slides/slide34.xml><?xml version="1.0" encoding="utf-8"?>
+<file path=ppt/slides/slide36.xml><?xml version="1.0" encoding="utf-8"?>
 <p:sld xmlns:a="http://schemas.openxmlformats.org/drawingml/2006/main" xmlns:r="http://schemas.openxmlformats.org/officeDocument/2006/relationships" xmlns:p="http://schemas.openxmlformats.org/presentationml/2006/main">
   <p:cSld>
     <p:spTree>
@@ -32085,7 +34747,7 @@
             <a:fld id="{FC7FC04C-4975-46EC-A609-F7DE0D5B1B51}" type="slidenum">
               <a:rPr kumimoji="1" lang="ja-JP" altLang="en-US" smtClean="0"/>
               <a:pPr/>
-              <a:t>34</a:t>
+              <a:t>36</a:t>
             </a:fld>
             <a:endParaRPr kumimoji="1" lang="ja-JP" altLang="en-US" dirty="0"/>
           </a:p>
@@ -32521,7 +35183,7 @@
 </p:sld>
 </file>
 
-<file path=ppt/slides/slide35.xml><?xml version="1.0" encoding="utf-8"?>
+<file path=ppt/slides/slide37.xml><?xml version="1.0" encoding="utf-8"?>
 <p:sld xmlns:a="http://schemas.openxmlformats.org/drawingml/2006/main" xmlns:r="http://schemas.openxmlformats.org/officeDocument/2006/relationships" xmlns:p="http://schemas.openxmlformats.org/presentationml/2006/main">
   <p:cSld>
     <p:spTree>
@@ -32583,7 +35245,7 @@
             <a:fld id="{FC7FC04C-4975-46EC-A609-F7DE0D5B1B51}" type="slidenum">
               <a:rPr kumimoji="1" lang="ja-JP" altLang="en-US" smtClean="0"/>
               <a:pPr/>
-              <a:t>35</a:t>
+              <a:t>37</a:t>
             </a:fld>
             <a:endParaRPr kumimoji="1" lang="ja-JP" altLang="en-US" dirty="0"/>
           </a:p>
@@ -33019,7 +35681,7 @@
 </p:sld>
 </file>
 
-<file path=ppt/slides/slide36.xml><?xml version="1.0" encoding="utf-8"?>
+<file path=ppt/slides/slide38.xml><?xml version="1.0" encoding="utf-8"?>
 <p:sld xmlns:a="http://schemas.openxmlformats.org/drawingml/2006/main" xmlns:r="http://schemas.openxmlformats.org/officeDocument/2006/relationships" xmlns:p="http://schemas.openxmlformats.org/presentationml/2006/main">
   <p:cSld>
     <p:spTree>
@@ -33081,7 +35743,7 @@
             <a:fld id="{FC7FC04C-4975-46EC-A609-F7DE0D5B1B51}" type="slidenum">
               <a:rPr kumimoji="1" lang="ja-JP" altLang="en-US" smtClean="0"/>
               <a:pPr/>
-              <a:t>36</a:t>
+              <a:t>38</a:t>
             </a:fld>
             <a:endParaRPr kumimoji="1" lang="ja-JP" altLang="en-US" dirty="0"/>
           </a:p>
@@ -33517,7 +36179,7 @@
 </p:sld>
 </file>
 
-<file path=ppt/slides/slide37.xml><?xml version="1.0" encoding="utf-8"?>
+<file path=ppt/slides/slide39.xml><?xml version="1.0" encoding="utf-8"?>
 <p:sld xmlns:a="http://schemas.openxmlformats.org/drawingml/2006/main" xmlns:r="http://schemas.openxmlformats.org/officeDocument/2006/relationships" xmlns:p="http://schemas.openxmlformats.org/presentationml/2006/main">
   <p:cSld>
     <p:spTree>
@@ -33579,7 +36241,7 @@
             <a:fld id="{FC7FC04C-4975-46EC-A609-F7DE0D5B1B51}" type="slidenum">
               <a:rPr kumimoji="1" lang="ja-JP" altLang="en-US" smtClean="0"/>
               <a:pPr/>
-              <a:t>37</a:t>
+              <a:t>39</a:t>
             </a:fld>
             <a:endParaRPr kumimoji="1" lang="ja-JP" altLang="en-US" dirty="0"/>
           </a:p>
@@ -34015,7 +36677,90 @@
 </p:sld>
 </file>
 
-<file path=ppt/slides/slide38.xml><?xml version="1.0" encoding="utf-8"?>
+<file path=ppt/slides/slide4.xml><?xml version="1.0" encoding="utf-8"?>
+<p:sld xmlns:a="http://schemas.openxmlformats.org/drawingml/2006/main" xmlns:r="http://schemas.openxmlformats.org/officeDocument/2006/relationships" xmlns:p="http://schemas.openxmlformats.org/presentationml/2006/main">
+  <p:cSld>
+    <p:spTree>
+      <p:nvGrpSpPr>
+        <p:cNvPr id="1" name=""/>
+        <p:cNvGrpSpPr/>
+        <p:nvPr/>
+      </p:nvGrpSpPr>
+      <p:grpSpPr>
+        <a:xfrm>
+          <a:off x="0" y="0"/>
+          <a:ext cx="0" cy="0"/>
+          <a:chOff x="0" y="0"/>
+          <a:chExt cx="0" cy="0"/>
+        </a:xfrm>
+      </p:grpSpPr>
+      <p:sp>
+        <p:nvSpPr>
+          <p:cNvPr id="2" name="タイトル 1"/>
+          <p:cNvSpPr>
+            <a:spLocks noGrp="1"/>
+          </p:cNvSpPr>
+          <p:nvPr>
+            <p:ph type="title"/>
+          </p:nvPr>
+        </p:nvSpPr>
+        <p:spPr/>
+        <p:txBody>
+          <a:bodyPr/>
+          <a:lstStyle/>
+          <a:p>
+            <a:r>
+              <a:rPr kumimoji="1" lang="en-US" altLang="ja-JP" dirty="0" smtClean="0"/>
+              <a:t>I.</a:t>
+            </a:r>
+            <a:r>
+              <a:rPr kumimoji="1" lang="ja-JP" altLang="en-US" dirty="0" smtClean="0"/>
+              <a:t> インフラ構成図</a:t>
+            </a:r>
+            <a:endParaRPr kumimoji="1" lang="ja-JP" altLang="en-US" dirty="0"/>
+          </a:p>
+        </p:txBody>
+      </p:sp>
+      <p:sp>
+        <p:nvSpPr>
+          <p:cNvPr id="3" name="テキスト プレースホルダー 2"/>
+          <p:cNvSpPr>
+            <a:spLocks noGrp="1"/>
+          </p:cNvSpPr>
+          <p:nvPr>
+            <p:ph type="body" idx="1"/>
+          </p:nvPr>
+        </p:nvSpPr>
+        <p:spPr/>
+        <p:txBody>
+          <a:bodyPr/>
+          <a:lstStyle/>
+          <a:p>
+            <a:endParaRPr kumimoji="1" lang="ja-JP" altLang="en-US"/>
+          </a:p>
+        </p:txBody>
+      </p:sp>
+    </p:spTree>
+    <p:extLst>
+      <p:ext uri="{BB962C8B-B14F-4D97-AF65-F5344CB8AC3E}">
+        <p14:creationId xmlns:p14="http://schemas.microsoft.com/office/powerpoint/2010/main" val="2707565104"/>
+      </p:ext>
+    </p:extLst>
+  </p:cSld>
+  <p:clrMapOvr>
+    <a:masterClrMapping/>
+  </p:clrMapOvr>
+  <p:timing>
+    <p:tnLst>
+      <p:par>
+        <p:cTn xmlns:p14="http://schemas.microsoft.com/office/powerpoint/2010/main" id="1" dur="indefinite" restart="never" nodeType="tmRoot"/>
+      </p:par>
+    </p:tnLst>
+  </p:timing>
+</p:sld>
+</file>
+
+<file path=ppt/slides/slide40.xml><?xml version="1.0" encoding="utf-8"?>
 <p:sld xmlns:a="http://schemas.openxmlformats.org/drawingml/2006/main" xmlns:r="http://schemas.openxmlformats.org/officeDocument/2006/relationships" xmlns:p="http://schemas.openxmlformats.org/presentationml/2006/main">
   <p:cSld>
     <p:spTree>
@@ -34808,7 +37553,7 @@
             <a:fld id="{FC7FC04C-4975-46EC-A609-F7DE0D5B1B51}" type="slidenum">
               <a:rPr kumimoji="1" lang="ja-JP" altLang="en-US" smtClean="0"/>
               <a:pPr/>
-              <a:t>38</a:t>
+              <a:t>40</a:t>
             </a:fld>
             <a:endParaRPr kumimoji="1" lang="ja-JP" altLang="en-US" dirty="0"/>
           </a:p>
@@ -35223,7 +37968,7 @@
 </p:sld>
 </file>
 
-<file path=ppt/slides/slide39.xml><?xml version="1.0" encoding="utf-8"?>
+<file path=ppt/slides/slide41.xml><?xml version="1.0" encoding="utf-8"?>
 <p:sld xmlns:a="http://schemas.openxmlformats.org/drawingml/2006/main" xmlns:r="http://schemas.openxmlformats.org/officeDocument/2006/relationships" xmlns:p="http://schemas.openxmlformats.org/presentationml/2006/main">
   <p:cSld>
     <p:spTree>
@@ -35644,7 +38389,7 @@
             <a:fld id="{FC7FC04C-4975-46EC-A609-F7DE0D5B1B51}" type="slidenum">
               <a:rPr kumimoji="1" lang="ja-JP" altLang="en-US" smtClean="0"/>
               <a:pPr/>
-              <a:t>39</a:t>
+              <a:t>41</a:t>
             </a:fld>
             <a:endParaRPr kumimoji="1" lang="ja-JP" altLang="en-US" dirty="0"/>
           </a:p>
@@ -36050,90 +38795,7 @@
 </p:sld>
 </file>
 
-<file path=ppt/slides/slide4.xml><?xml version="1.0" encoding="utf-8"?>
-<p:sld xmlns:a="http://schemas.openxmlformats.org/drawingml/2006/main" xmlns:r="http://schemas.openxmlformats.org/officeDocument/2006/relationships" xmlns:p="http://schemas.openxmlformats.org/presentationml/2006/main">
-  <p:cSld>
-    <p:spTree>
-      <p:nvGrpSpPr>
-        <p:cNvPr id="1" name=""/>
-        <p:cNvGrpSpPr/>
-        <p:nvPr/>
-      </p:nvGrpSpPr>
-      <p:grpSpPr>
-        <a:xfrm>
-          <a:off x="0" y="0"/>
-          <a:ext cx="0" cy="0"/>
-          <a:chOff x="0" y="0"/>
-          <a:chExt cx="0" cy="0"/>
-        </a:xfrm>
-      </p:grpSpPr>
-      <p:sp>
-        <p:nvSpPr>
-          <p:cNvPr id="2" name="タイトル 1"/>
-          <p:cNvSpPr>
-            <a:spLocks noGrp="1"/>
-          </p:cNvSpPr>
-          <p:nvPr>
-            <p:ph type="title"/>
-          </p:nvPr>
-        </p:nvSpPr>
-        <p:spPr/>
-        <p:txBody>
-          <a:bodyPr/>
-          <a:lstStyle/>
-          <a:p>
-            <a:r>
-              <a:rPr kumimoji="1" lang="en-US" altLang="ja-JP" dirty="0" smtClean="0"/>
-              <a:t>I.</a:t>
-            </a:r>
-            <a:r>
-              <a:rPr kumimoji="1" lang="ja-JP" altLang="en-US" dirty="0" smtClean="0"/>
-              <a:t> インフラ構成図</a:t>
-            </a:r>
-            <a:endParaRPr kumimoji="1" lang="ja-JP" altLang="en-US" dirty="0"/>
-          </a:p>
-        </p:txBody>
-      </p:sp>
-      <p:sp>
-        <p:nvSpPr>
-          <p:cNvPr id="3" name="テキスト プレースホルダー 2"/>
-          <p:cNvSpPr>
-            <a:spLocks noGrp="1"/>
-          </p:cNvSpPr>
-          <p:nvPr>
-            <p:ph type="body" idx="1"/>
-          </p:nvPr>
-        </p:nvSpPr>
-        <p:spPr/>
-        <p:txBody>
-          <a:bodyPr/>
-          <a:lstStyle/>
-          <a:p>
-            <a:endParaRPr kumimoji="1" lang="ja-JP" altLang="en-US"/>
-          </a:p>
-        </p:txBody>
-      </p:sp>
-    </p:spTree>
-    <p:extLst>
-      <p:ext uri="{BB962C8B-B14F-4D97-AF65-F5344CB8AC3E}">
-        <p14:creationId xmlns:p14="http://schemas.microsoft.com/office/powerpoint/2010/main" val="2707565104"/>
-      </p:ext>
-    </p:extLst>
-  </p:cSld>
-  <p:clrMapOvr>
-    <a:masterClrMapping/>
-  </p:clrMapOvr>
-  <p:timing>
-    <p:tnLst>
-      <p:par>
-        <p:cTn xmlns:p14="http://schemas.microsoft.com/office/powerpoint/2010/main" id="1" dur="indefinite" restart="never" nodeType="tmRoot"/>
-      </p:par>
-    </p:tnLst>
-  </p:timing>
-</p:sld>
-</file>
-
-<file path=ppt/slides/slide40.xml><?xml version="1.0" encoding="utf-8"?>
+<file path=ppt/slides/slide42.xml><?xml version="1.0" encoding="utf-8"?>
 <p:sld xmlns:a="http://schemas.openxmlformats.org/drawingml/2006/main" xmlns:r="http://schemas.openxmlformats.org/officeDocument/2006/relationships" xmlns:p="http://schemas.openxmlformats.org/presentationml/2006/main">
   <p:cSld>
     <p:spTree>
@@ -36895,7 +39557,7 @@
             <a:fld id="{FC7FC04C-4975-46EC-A609-F7DE0D5B1B51}" type="slidenum">
               <a:rPr kumimoji="1" lang="ja-JP" altLang="en-US" smtClean="0"/>
               <a:pPr/>
-              <a:t>40</a:t>
+              <a:t>42</a:t>
             </a:fld>
             <a:endParaRPr kumimoji="1" lang="ja-JP" altLang="en-US" dirty="0"/>
           </a:p>
@@ -37297,7 +39959,7 @@
 </p:sld>
 </file>
 
-<file path=ppt/slides/slide41.xml><?xml version="1.0" encoding="utf-8"?>
+<file path=ppt/slides/slide43.xml><?xml version="1.0" encoding="utf-8"?>
 <p:sld xmlns:a="http://schemas.openxmlformats.org/drawingml/2006/main" xmlns:r="http://schemas.openxmlformats.org/officeDocument/2006/relationships" xmlns:p="http://schemas.openxmlformats.org/presentationml/2006/main">
   <p:cSld>
     <p:spTree>
@@ -37747,7 +40409,7 @@
             <a:fld id="{FC7FC04C-4975-46EC-A609-F7DE0D5B1B51}" type="slidenum">
               <a:rPr kumimoji="1" lang="ja-JP" altLang="en-US" smtClean="0"/>
               <a:pPr/>
-              <a:t>41</a:t>
+              <a:t>43</a:t>
             </a:fld>
             <a:endParaRPr kumimoji="1" lang="ja-JP" altLang="en-US" dirty="0"/>
           </a:p>
@@ -38917,7 +41579,7 @@
 </p:sld>
 </file>
 
-<file path=ppt/slides/slide42.xml><?xml version="1.0" encoding="utf-8"?>
+<file path=ppt/slides/slide44.xml><?xml version="1.0" encoding="utf-8"?>
 <p:sld xmlns:a="http://schemas.openxmlformats.org/drawingml/2006/main" xmlns:r="http://schemas.openxmlformats.org/officeDocument/2006/relationships" xmlns:p="http://schemas.openxmlformats.org/presentationml/2006/main">
   <p:cSld>
     <p:spTree>
@@ -38979,7 +41641,7 @@
             <a:fld id="{FC7FC04C-4975-46EC-A609-F7DE0D5B1B51}" type="slidenum">
               <a:rPr kumimoji="1" lang="ja-JP" altLang="en-US" smtClean="0"/>
               <a:pPr/>
-              <a:t>42</a:t>
+              <a:t>44</a:t>
             </a:fld>
             <a:endParaRPr kumimoji="1" lang="ja-JP" altLang="en-US" dirty="0"/>
           </a:p>
@@ -39500,7 +42162,7 @@
             <p:cNvPr id="112" name="Rectangle 47">
               <a:extLst>
                 <a:ext uri="{FF2B5EF4-FFF2-40B4-BE49-F238E27FC236}">
-                  <a16:creationId xmlns="" xmlns:a16="http://schemas.microsoft.com/office/drawing/2014/main" id="{F7C6A05A-B131-904E-9DAD-91CFCA42673E}"/>
+                  <a16:creationId xmlns:a16="http://schemas.microsoft.com/office/drawing/2014/main" xmlns="" id="{F7C6A05A-B131-904E-9DAD-91CFCA42673E}"/>
                 </a:ext>
               </a:extLst>
             </p:cNvPr>
@@ -39565,7 +42227,7 @@
             <p:cNvPr id="111" name="Rectangle 47">
               <a:extLst>
                 <a:ext uri="{FF2B5EF4-FFF2-40B4-BE49-F238E27FC236}">
-                  <a16:creationId xmlns="" xmlns:a16="http://schemas.microsoft.com/office/drawing/2014/main" id="{F7C6A05A-B131-904E-9DAD-91CFCA42673E}"/>
+                  <a16:creationId xmlns:a16="http://schemas.microsoft.com/office/drawing/2014/main" xmlns="" id="{F7C6A05A-B131-904E-9DAD-91CFCA42673E}"/>
                 </a:ext>
               </a:extLst>
             </p:cNvPr>
@@ -39630,7 +42292,7 @@
             <p:cNvPr id="82" name="Rectangle 47">
               <a:extLst>
                 <a:ext uri="{FF2B5EF4-FFF2-40B4-BE49-F238E27FC236}">
-                  <a16:creationId xmlns="" xmlns:a16="http://schemas.microsoft.com/office/drawing/2014/main" id="{F7C6A05A-B131-904E-9DAD-91CFCA42673E}"/>
+                  <a16:creationId xmlns:a16="http://schemas.microsoft.com/office/drawing/2014/main" xmlns="" id="{F7C6A05A-B131-904E-9DAD-91CFCA42673E}"/>
                 </a:ext>
               </a:extLst>
             </p:cNvPr>
@@ -39694,7 +42356,7 @@
           <p:cNvPr id="110" name="Rectangle 47">
             <a:extLst>
               <a:ext uri="{FF2B5EF4-FFF2-40B4-BE49-F238E27FC236}">
-                <a16:creationId xmlns="" xmlns:a16="http://schemas.microsoft.com/office/drawing/2014/main" id="{F7C6A05A-B131-904E-9DAD-91CFCA42673E}"/>
+                <a16:creationId xmlns:a16="http://schemas.microsoft.com/office/drawing/2014/main" xmlns="" id="{F7C6A05A-B131-904E-9DAD-91CFCA42673E}"/>
               </a:ext>
             </a:extLst>
           </p:cNvPr>
@@ -39757,7 +42419,7 @@
           <p:cNvPr id="108" name="Rectangle 47">
             <a:extLst>
               <a:ext uri="{FF2B5EF4-FFF2-40B4-BE49-F238E27FC236}">
-                <a16:creationId xmlns="" xmlns:a16="http://schemas.microsoft.com/office/drawing/2014/main" id="{F7C6A05A-B131-904E-9DAD-91CFCA42673E}"/>
+                <a16:creationId xmlns:a16="http://schemas.microsoft.com/office/drawing/2014/main" xmlns="" id="{F7C6A05A-B131-904E-9DAD-91CFCA42673E}"/>
               </a:ext>
             </a:extLst>
           </p:cNvPr>
@@ -39821,7 +42483,7 @@
           <p:cNvPr id="102" name="Rectangle 36">
             <a:extLst>
               <a:ext uri="{FF2B5EF4-FFF2-40B4-BE49-F238E27FC236}">
-                <a16:creationId xmlns="" xmlns:a16="http://schemas.microsoft.com/office/drawing/2014/main" id="{305B98DC-5AF5-3342-A4B1-F62852BC80FE}"/>
+                <a16:creationId xmlns:a16="http://schemas.microsoft.com/office/drawing/2014/main" xmlns="" id="{305B98DC-5AF5-3342-A4B1-F62852BC80FE}"/>
               </a:ext>
             </a:extLst>
           </p:cNvPr>
@@ -39886,7 +42548,7 @@
           <p:cNvPr id="2" name="タイトル 1">
             <a:extLst>
               <a:ext uri="{FF2B5EF4-FFF2-40B4-BE49-F238E27FC236}">
-                <a16:creationId xmlns="" xmlns:a16="http://schemas.microsoft.com/office/drawing/2014/main" id="{1A3C72B1-DD7E-4C64-B1AC-556F59194061}"/>
+                <a16:creationId xmlns:a16="http://schemas.microsoft.com/office/drawing/2014/main" xmlns="" id="{1A3C72B1-DD7E-4C64-B1AC-556F59194061}"/>
               </a:ext>
             </a:extLst>
           </p:cNvPr>
@@ -39924,7 +42586,7 @@
           <p:cNvPr id="28" name="Rectangle 47">
             <a:extLst>
               <a:ext uri="{FF2B5EF4-FFF2-40B4-BE49-F238E27FC236}">
-                <a16:creationId xmlns="" xmlns:a16="http://schemas.microsoft.com/office/drawing/2014/main" id="{F7C6A05A-B131-904E-9DAD-91CFCA42673E}"/>
+                <a16:creationId xmlns:a16="http://schemas.microsoft.com/office/drawing/2014/main" xmlns="" id="{F7C6A05A-B131-904E-9DAD-91CFCA42673E}"/>
               </a:ext>
             </a:extLst>
           </p:cNvPr>
@@ -39988,7 +42650,7 @@
           <p:cNvPr id="34" name="Graphic 50">
             <a:extLst>
               <a:ext uri="{FF2B5EF4-FFF2-40B4-BE49-F238E27FC236}">
-                <a16:creationId xmlns="" xmlns:a16="http://schemas.microsoft.com/office/drawing/2014/main" id="{90480268-FA8A-6D4B-8724-6B01F65849EB}"/>
+                <a16:creationId xmlns:a16="http://schemas.microsoft.com/office/drawing/2014/main" xmlns="" id="{90480268-FA8A-6D4B-8724-6B01F65849EB}"/>
               </a:ext>
             </a:extLst>
           </p:cNvPr>
@@ -40001,7 +42663,7 @@
           <a:blip r:embed="rId2">
             <a:extLst>
               <a:ext uri="{96DAC541-7B7A-43D3-8B79-37D633B846F1}">
-                <asvg:svgBlip xmlns="" xmlns:asvg="http://schemas.microsoft.com/office/drawing/2016/SVG/main" r:embed="rId7"/>
+                <asvg:svgBlip xmlns:asvg="http://schemas.microsoft.com/office/drawing/2016/SVG/main" xmlns="" r:embed="rId7"/>
               </a:ext>
             </a:extLst>
           </a:blip>
@@ -40038,7 +42700,7 @@
             <p:cNvPr id="36" name="Graphic 39">
               <a:extLst>
                 <a:ext uri="{FF2B5EF4-FFF2-40B4-BE49-F238E27FC236}">
-                  <a16:creationId xmlns="" xmlns:a16="http://schemas.microsoft.com/office/drawing/2014/main" id="{6FA71975-EA2D-784E-8A28-738A17320E91}"/>
+                  <a16:creationId xmlns:a16="http://schemas.microsoft.com/office/drawing/2014/main" xmlns="" id="{6FA71975-EA2D-784E-8A28-738A17320E91}"/>
                 </a:ext>
               </a:extLst>
             </p:cNvPr>
@@ -40051,7 +42713,7 @@
             <a:blip r:embed="rId8">
               <a:extLst>
                 <a:ext uri="{96DAC541-7B7A-43D3-8B79-37D633B846F1}">
-                  <asvg:svgBlip xmlns="" xmlns:asvg="http://schemas.microsoft.com/office/drawing/2016/SVG/main" r:embed="rId29"/>
+                  <asvg:svgBlip xmlns:asvg="http://schemas.microsoft.com/office/drawing/2016/SVG/main" xmlns="" r:embed="rId29"/>
                 </a:ext>
               </a:extLst>
             </a:blip>
@@ -40074,7 +42736,7 @@
             <p:cNvPr id="38" name="TextBox 90">
               <a:extLst>
                 <a:ext uri="{FF2B5EF4-FFF2-40B4-BE49-F238E27FC236}">
-                  <a16:creationId xmlns="" xmlns:a16="http://schemas.microsoft.com/office/drawing/2014/main" id="{37743B23-AAC5-CC49-9C18-C68DBC507174}"/>
+                  <a16:creationId xmlns:a16="http://schemas.microsoft.com/office/drawing/2014/main" xmlns="" id="{37743B23-AAC5-CC49-9C18-C68DBC507174}"/>
                 </a:ext>
               </a:extLst>
             </p:cNvPr>
@@ -40129,7 +42791,7 @@
             <p:cNvPr id="37" name="Graphic 41">
               <a:extLst>
                 <a:ext uri="{FF2B5EF4-FFF2-40B4-BE49-F238E27FC236}">
-                  <a16:creationId xmlns="" xmlns:a16="http://schemas.microsoft.com/office/drawing/2014/main" id="{1A56C62F-612C-5841-B7E7-B15DA92D0BDE}"/>
+                  <a16:creationId xmlns:a16="http://schemas.microsoft.com/office/drawing/2014/main" xmlns="" id="{1A56C62F-612C-5841-B7E7-B15DA92D0BDE}"/>
                 </a:ext>
               </a:extLst>
             </p:cNvPr>
@@ -40142,7 +42804,7 @@
             <a:blip r:embed="rId30">
               <a:extLst>
                 <a:ext uri="{96DAC541-7B7A-43D3-8B79-37D633B846F1}">
-                  <asvg:svgBlip xmlns="" xmlns:asvg="http://schemas.microsoft.com/office/drawing/2016/SVG/main" r:embed="rId31"/>
+                  <asvg:svgBlip xmlns:asvg="http://schemas.microsoft.com/office/drawing/2016/SVG/main" xmlns="" r:embed="rId31"/>
                 </a:ext>
               </a:extLst>
             </a:blip>
@@ -40165,7 +42827,7 @@
             <p:cNvPr id="39" name="TextBox 93">
               <a:extLst>
                 <a:ext uri="{FF2B5EF4-FFF2-40B4-BE49-F238E27FC236}">
-                  <a16:creationId xmlns="" xmlns:a16="http://schemas.microsoft.com/office/drawing/2014/main" id="{4EDB2C05-2F10-9C42-9C35-AE4BB249A665}"/>
+                  <a16:creationId xmlns:a16="http://schemas.microsoft.com/office/drawing/2014/main" xmlns="" id="{4EDB2C05-2F10-9C42-9C35-AE4BB249A665}"/>
                 </a:ext>
               </a:extLst>
             </p:cNvPr>
@@ -40220,7 +42882,7 @@
             <p:cNvPr id="40" name="Graphic 23">
               <a:extLst>
                 <a:ext uri="{FF2B5EF4-FFF2-40B4-BE49-F238E27FC236}">
-                  <a16:creationId xmlns="" xmlns:a16="http://schemas.microsoft.com/office/drawing/2014/main" id="{5F43C684-E7CD-7B41-ACA7-B11152EF7F46}"/>
+                  <a16:creationId xmlns:a16="http://schemas.microsoft.com/office/drawing/2014/main" xmlns="" id="{5F43C684-E7CD-7B41-ACA7-B11152EF7F46}"/>
                 </a:ext>
               </a:extLst>
             </p:cNvPr>
@@ -40233,7 +42895,7 @@
             <a:blip r:embed="rId32">
               <a:extLst>
                 <a:ext uri="{96DAC541-7B7A-43D3-8B79-37D633B846F1}">
-                  <asvg:svgBlip xmlns="" xmlns:asvg="http://schemas.microsoft.com/office/drawing/2016/SVG/main" r:embed="rId17"/>
+                  <asvg:svgBlip xmlns:asvg="http://schemas.microsoft.com/office/drawing/2016/SVG/main" xmlns="" r:embed="rId17"/>
                 </a:ext>
               </a:extLst>
             </a:blip>
@@ -40256,7 +42918,7 @@
             <p:cNvPr id="41" name="TextBox 72">
               <a:extLst>
                 <a:ext uri="{FF2B5EF4-FFF2-40B4-BE49-F238E27FC236}">
-                  <a16:creationId xmlns="" xmlns:a16="http://schemas.microsoft.com/office/drawing/2014/main" id="{2E08DBCE-1ACF-424F-814D-23C461589D8E}"/>
+                  <a16:creationId xmlns:a16="http://schemas.microsoft.com/office/drawing/2014/main" xmlns="" id="{2E08DBCE-1ACF-424F-814D-23C461589D8E}"/>
                 </a:ext>
               </a:extLst>
             </p:cNvPr>
@@ -40311,7 +42973,7 @@
             <p:cNvPr id="44" name="Graphic 71">
               <a:extLst>
                 <a:ext uri="{FF2B5EF4-FFF2-40B4-BE49-F238E27FC236}">
-                  <a16:creationId xmlns="" xmlns:a16="http://schemas.microsoft.com/office/drawing/2014/main" id="{31D711CB-BE6B-6644-AD61-BCF2CDB2A587}"/>
+                  <a16:creationId xmlns:a16="http://schemas.microsoft.com/office/drawing/2014/main" xmlns="" id="{31D711CB-BE6B-6644-AD61-BCF2CDB2A587}"/>
                 </a:ext>
               </a:extLst>
             </p:cNvPr>
@@ -40324,7 +42986,7 @@
             <a:blip r:embed="rId33">
               <a:extLst>
                 <a:ext uri="{96DAC541-7B7A-43D3-8B79-37D633B846F1}">
-                  <asvg:svgBlip xmlns="" xmlns:asvg="http://schemas.microsoft.com/office/drawing/2016/SVG/main" r:embed="rId19"/>
+                  <asvg:svgBlip xmlns:asvg="http://schemas.microsoft.com/office/drawing/2016/SVG/main" xmlns="" r:embed="rId19"/>
                 </a:ext>
               </a:extLst>
             </a:blip>
@@ -40347,7 +43009,7 @@
             <p:cNvPr id="45" name="TextBox 75">
               <a:extLst>
                 <a:ext uri="{FF2B5EF4-FFF2-40B4-BE49-F238E27FC236}">
-                  <a16:creationId xmlns="" xmlns:a16="http://schemas.microsoft.com/office/drawing/2014/main" id="{9ABBCCC2-6A9F-CE45-9C04-D783E79573D6}"/>
+                  <a16:creationId xmlns:a16="http://schemas.microsoft.com/office/drawing/2014/main" xmlns="" id="{9ABBCCC2-6A9F-CE45-9C04-D783E79573D6}"/>
                 </a:ext>
               </a:extLst>
             </p:cNvPr>
@@ -40410,7 +43072,7 @@
             <p:cNvPr id="46" name="TextBox 8">
               <a:extLst>
                 <a:ext uri="{FF2B5EF4-FFF2-40B4-BE49-F238E27FC236}">
-                  <a16:creationId xmlns="" xmlns:a16="http://schemas.microsoft.com/office/drawing/2014/main" id="{EE5AD722-65A2-3441-BC67-C1ED5707E6E2}"/>
+                  <a16:creationId xmlns:a16="http://schemas.microsoft.com/office/drawing/2014/main" xmlns="" id="{EE5AD722-65A2-3441-BC67-C1ED5707E6E2}"/>
                 </a:ext>
               </a:extLst>
             </p:cNvPr>
@@ -40458,7 +43120,7 @@
             <p:cNvPr id="47" name="Graphic 33">
               <a:extLst>
                 <a:ext uri="{FF2B5EF4-FFF2-40B4-BE49-F238E27FC236}">
-                  <a16:creationId xmlns="" xmlns:a16="http://schemas.microsoft.com/office/drawing/2014/main" id="{239FDEEB-7049-3C46-AD29-71A07202049A}"/>
+                  <a16:creationId xmlns:a16="http://schemas.microsoft.com/office/drawing/2014/main" xmlns="" id="{239FDEEB-7049-3C46-AD29-71A07202049A}"/>
                 </a:ext>
               </a:extLst>
             </p:cNvPr>
@@ -40471,7 +43133,7 @@
             <a:blip r:embed="rId34">
               <a:extLst>
                 <a:ext uri="{96DAC541-7B7A-43D3-8B79-37D633B846F1}">
-                  <asvg:svgBlip xmlns="" xmlns:asvg="http://schemas.microsoft.com/office/drawing/2016/SVG/main" r:embed="rId16"/>
+                  <asvg:svgBlip xmlns:asvg="http://schemas.microsoft.com/office/drawing/2016/SVG/main" xmlns="" r:embed="rId16"/>
                 </a:ext>
               </a:extLst>
             </a:blip>
@@ -40509,7 +43171,7 @@
             <p:cNvPr id="48" name="TextBox 4">
               <a:extLst>
                 <a:ext uri="{FF2B5EF4-FFF2-40B4-BE49-F238E27FC236}">
-                  <a16:creationId xmlns="" xmlns:a16="http://schemas.microsoft.com/office/drawing/2014/main" id="{98493F85-0788-B14E-AA06-484C3E93C5D7}"/>
+                  <a16:creationId xmlns:a16="http://schemas.microsoft.com/office/drawing/2014/main" xmlns="" id="{98493F85-0788-B14E-AA06-484C3E93C5D7}"/>
                 </a:ext>
               </a:extLst>
             </p:cNvPr>
@@ -40560,7 +43222,7 @@
             <p:cNvPr id="50" name="Graphic 19">
               <a:extLst>
                 <a:ext uri="{FF2B5EF4-FFF2-40B4-BE49-F238E27FC236}">
-                  <a16:creationId xmlns="" xmlns:a16="http://schemas.microsoft.com/office/drawing/2014/main" id="{E3415E5B-FE82-7A40-8F0B-7A0EC616D16B}"/>
+                  <a16:creationId xmlns:a16="http://schemas.microsoft.com/office/drawing/2014/main" xmlns="" id="{E3415E5B-FE82-7A40-8F0B-7A0EC616D16B}"/>
                 </a:ext>
               </a:extLst>
             </p:cNvPr>
@@ -40573,7 +43235,7 @@
             <a:blip r:embed="rId35">
               <a:extLst>
                 <a:ext uri="{96DAC541-7B7A-43D3-8B79-37D633B846F1}">
-                  <asvg:svgBlip xmlns="" xmlns:asvg="http://schemas.microsoft.com/office/drawing/2016/SVG/main" r:embed="rId6"/>
+                  <asvg:svgBlip xmlns:asvg="http://schemas.microsoft.com/office/drawing/2016/SVG/main" xmlns="" r:embed="rId6"/>
                 </a:ext>
               </a:extLst>
             </a:blip>
@@ -40611,7 +43273,7 @@
             <p:cNvPr id="51" name="TextBox 9">
               <a:extLst>
                 <a:ext uri="{FF2B5EF4-FFF2-40B4-BE49-F238E27FC236}">
-                  <a16:creationId xmlns="" xmlns:a16="http://schemas.microsoft.com/office/drawing/2014/main" id="{0B311536-12F3-9C40-8153-5AF1A85390A9}"/>
+                  <a16:creationId xmlns:a16="http://schemas.microsoft.com/office/drawing/2014/main" xmlns="" id="{0B311536-12F3-9C40-8153-5AF1A85390A9}"/>
                 </a:ext>
               </a:extLst>
             </p:cNvPr>
@@ -40659,7 +43321,7 @@
             <p:cNvPr id="52" name="Graphic 47">
               <a:extLst>
                 <a:ext uri="{FF2B5EF4-FFF2-40B4-BE49-F238E27FC236}">
-                  <a16:creationId xmlns="" xmlns:a16="http://schemas.microsoft.com/office/drawing/2014/main" id="{64ACDB4E-B998-9447-845B-246D5827B993}"/>
+                  <a16:creationId xmlns:a16="http://schemas.microsoft.com/office/drawing/2014/main" xmlns="" id="{64ACDB4E-B998-9447-845B-246D5827B993}"/>
                 </a:ext>
               </a:extLst>
             </p:cNvPr>
@@ -40672,7 +43334,7 @@
             <a:blip r:embed="rId36">
               <a:extLst>
                 <a:ext uri="{96DAC541-7B7A-43D3-8B79-37D633B846F1}">
-                  <asvg:svgBlip xmlns="" xmlns:asvg="http://schemas.microsoft.com/office/drawing/2016/SVG/main" r:embed="rId25"/>
+                  <asvg:svgBlip xmlns:asvg="http://schemas.microsoft.com/office/drawing/2016/SVG/main" xmlns="" r:embed="rId25"/>
                 </a:ext>
               </a:extLst>
             </a:blip>
@@ -40710,7 +43372,7 @@
             <p:cNvPr id="54" name="TextBox 34">
               <a:extLst>
                 <a:ext uri="{FF2B5EF4-FFF2-40B4-BE49-F238E27FC236}">
-                  <a16:creationId xmlns="" xmlns:a16="http://schemas.microsoft.com/office/drawing/2014/main" id="{15E56E6E-0E7C-E14A-90F3-EFD2E907FD70}"/>
+                  <a16:creationId xmlns:a16="http://schemas.microsoft.com/office/drawing/2014/main" xmlns="" id="{15E56E6E-0E7C-E14A-90F3-EFD2E907FD70}"/>
                 </a:ext>
               </a:extLst>
             </p:cNvPr>
@@ -40747,7 +43409,7 @@
             <p:cNvPr id="55" name="Graphic 44">
               <a:extLst>
                 <a:ext uri="{FF2B5EF4-FFF2-40B4-BE49-F238E27FC236}">
-                  <a16:creationId xmlns="" xmlns:a16="http://schemas.microsoft.com/office/drawing/2014/main" id="{E2DAEC15-20F6-3647-8A23-EC2BA0B080D7}"/>
+                  <a16:creationId xmlns:a16="http://schemas.microsoft.com/office/drawing/2014/main" xmlns="" id="{E2DAEC15-20F6-3647-8A23-EC2BA0B080D7}"/>
                 </a:ext>
               </a:extLst>
             </p:cNvPr>
@@ -40760,7 +43422,7 @@
             <a:blip r:embed="rId37">
               <a:extLst>
                 <a:ext uri="{96DAC541-7B7A-43D3-8B79-37D633B846F1}">
-                  <asvg:svgBlip xmlns="" xmlns:asvg="http://schemas.microsoft.com/office/drawing/2016/SVG/main" r:embed="rId11"/>
+                  <asvg:svgBlip xmlns:asvg="http://schemas.microsoft.com/office/drawing/2016/SVG/main" xmlns="" r:embed="rId11"/>
                 </a:ext>
               </a:extLst>
             </a:blip>
@@ -40798,7 +43460,7 @@
             <p:cNvPr id="56" name="TextBox 8">
               <a:extLst>
                 <a:ext uri="{FF2B5EF4-FFF2-40B4-BE49-F238E27FC236}">
-                  <a16:creationId xmlns="" xmlns:a16="http://schemas.microsoft.com/office/drawing/2014/main" id="{D7ECF936-B8F2-B944-B1E5-0DC7D3F9AAB9}"/>
+                  <a16:creationId xmlns:a16="http://schemas.microsoft.com/office/drawing/2014/main" xmlns="" id="{D7ECF936-B8F2-B944-B1E5-0DC7D3F9AAB9}"/>
                 </a:ext>
               </a:extLst>
             </p:cNvPr>
@@ -40834,7 +43496,7 @@
             <p:cNvPr id="57" name="Graphic 26">
               <a:extLst>
                 <a:ext uri="{FF2B5EF4-FFF2-40B4-BE49-F238E27FC236}">
-                  <a16:creationId xmlns="" xmlns:a16="http://schemas.microsoft.com/office/drawing/2014/main" id="{6474A222-3CF8-3F41-AB6E-29E3FCA4874B}"/>
+                  <a16:creationId xmlns:a16="http://schemas.microsoft.com/office/drawing/2014/main" xmlns="" id="{6474A222-3CF8-3F41-AB6E-29E3FCA4874B}"/>
                 </a:ext>
               </a:extLst>
             </p:cNvPr>
@@ -40847,7 +43509,7 @@
             <a:blip r:embed="rId38">
               <a:extLst>
                 <a:ext uri="{96DAC541-7B7A-43D3-8B79-37D633B846F1}">
-                  <asvg:svgBlip xmlns="" xmlns:asvg="http://schemas.microsoft.com/office/drawing/2016/SVG/main" r:embed="rId9"/>
+                  <asvg:svgBlip xmlns:asvg="http://schemas.microsoft.com/office/drawing/2016/SVG/main" xmlns="" r:embed="rId9"/>
                 </a:ext>
               </a:extLst>
             </a:blip>
@@ -40871,7 +43533,7 @@
           <p:cNvPr id="58" name="Rectangle 32">
             <a:extLst>
               <a:ext uri="{FF2B5EF4-FFF2-40B4-BE49-F238E27FC236}">
-                <a16:creationId xmlns="" xmlns:a16="http://schemas.microsoft.com/office/drawing/2014/main" id="{1D4F0FC7-668E-E64B-A231-B1E7896F3CB6}"/>
+                <a16:creationId xmlns:a16="http://schemas.microsoft.com/office/drawing/2014/main" xmlns="" id="{1D4F0FC7-668E-E64B-A231-B1E7896F3CB6}"/>
               </a:ext>
             </a:extLst>
           </p:cNvPr>
@@ -40936,7 +43598,7 @@
           <p:cNvPr id="61" name="Graphic 48">
             <a:extLst>
               <a:ext uri="{FF2B5EF4-FFF2-40B4-BE49-F238E27FC236}">
-                <a16:creationId xmlns="" xmlns:a16="http://schemas.microsoft.com/office/drawing/2014/main" id="{C479E131-CAE3-B74A-B95D-A24EEB0BA49D}"/>
+                <a16:creationId xmlns:a16="http://schemas.microsoft.com/office/drawing/2014/main" xmlns="" id="{C479E131-CAE3-B74A-B95D-A24EEB0BA49D}"/>
               </a:ext>
             </a:extLst>
           </p:cNvPr>
@@ -40949,7 +43611,7 @@
           <a:blip r:embed="rId39">
             <a:extLst>
               <a:ext uri="{96DAC541-7B7A-43D3-8B79-37D633B846F1}">
-                <asvg:svgBlip xmlns="" xmlns:asvg="http://schemas.microsoft.com/office/drawing/2016/SVG/main" r:embed="rId40"/>
+                <asvg:svgBlip xmlns:asvg="http://schemas.microsoft.com/office/drawing/2016/SVG/main" xmlns="" r:embed="rId40"/>
               </a:ext>
             </a:extLst>
           </a:blip>
@@ -40986,7 +43648,7 @@
             <p:cNvPr id="62" name="TextBox 8">
               <a:extLst>
                 <a:ext uri="{FF2B5EF4-FFF2-40B4-BE49-F238E27FC236}">
-                  <a16:creationId xmlns="" xmlns:a16="http://schemas.microsoft.com/office/drawing/2014/main" id="{D7ECF936-B8F2-B944-B1E5-0DC7D3F9AAB9}"/>
+                  <a16:creationId xmlns:a16="http://schemas.microsoft.com/office/drawing/2014/main" xmlns="" id="{D7ECF936-B8F2-B944-B1E5-0DC7D3F9AAB9}"/>
                 </a:ext>
               </a:extLst>
             </p:cNvPr>
@@ -41027,7 +43689,7 @@
             <p:cNvPr id="63" name="Graphic 36">
               <a:extLst>
                 <a:ext uri="{FF2B5EF4-FFF2-40B4-BE49-F238E27FC236}">
-                  <a16:creationId xmlns="" xmlns:a16="http://schemas.microsoft.com/office/drawing/2014/main" id="{0B16542F-4C0D-DE45-99C9-05EC9CD8FE3D}"/>
+                  <a16:creationId xmlns:a16="http://schemas.microsoft.com/office/drawing/2014/main" xmlns="" id="{0B16542F-4C0D-DE45-99C9-05EC9CD8FE3D}"/>
                 </a:ext>
               </a:extLst>
             </p:cNvPr>
@@ -41040,7 +43702,7 @@
             <a:blip r:embed="rId41">
               <a:extLst>
                 <a:ext uri="{96DAC541-7B7A-43D3-8B79-37D633B846F1}">
-                  <asvg:svgBlip xmlns="" xmlns:asvg="http://schemas.microsoft.com/office/drawing/2016/SVG/main" r:embed="rId13"/>
+                  <asvg:svgBlip xmlns:asvg="http://schemas.microsoft.com/office/drawing/2016/SVG/main" xmlns="" r:embed="rId13"/>
                 </a:ext>
               </a:extLst>
             </a:blip>
@@ -41078,7 +43740,7 @@
             <p:cNvPr id="42" name="TextBox 14">
               <a:extLst>
                 <a:ext uri="{FF2B5EF4-FFF2-40B4-BE49-F238E27FC236}">
-                  <a16:creationId xmlns="" xmlns:a16="http://schemas.microsoft.com/office/drawing/2014/main" id="{E3C0960A-3D31-6D47-8EAA-93DE09090CDD}"/>
+                  <a16:creationId xmlns:a16="http://schemas.microsoft.com/office/drawing/2014/main" xmlns="" id="{E3C0960A-3D31-6D47-8EAA-93DE09090CDD}"/>
                 </a:ext>
               </a:extLst>
             </p:cNvPr>
@@ -41126,7 +43788,7 @@
             <p:cNvPr id="43" name="Graphic 8">
               <a:extLst>
                 <a:ext uri="{FF2B5EF4-FFF2-40B4-BE49-F238E27FC236}">
-                  <a16:creationId xmlns="" xmlns:a16="http://schemas.microsoft.com/office/drawing/2014/main" id="{0CFADCF2-BD45-E64B-885E-54763259CE56}"/>
+                  <a16:creationId xmlns:a16="http://schemas.microsoft.com/office/drawing/2014/main" xmlns="" id="{0CFADCF2-BD45-E64B-885E-54763259CE56}"/>
                 </a:ext>
               </a:extLst>
             </p:cNvPr>
@@ -41139,7 +43801,7 @@
             <a:blip r:embed="rId42">
               <a:extLst>
                 <a:ext uri="{96DAC541-7B7A-43D3-8B79-37D633B846F1}">
-                  <asvg:svgBlip xmlns="" xmlns:asvg="http://schemas.microsoft.com/office/drawing/2016/SVG/main" r:embed="rId43"/>
+                  <asvg:svgBlip xmlns:asvg="http://schemas.microsoft.com/office/drawing/2016/SVG/main" xmlns="" r:embed="rId43"/>
                 </a:ext>
               </a:extLst>
             </a:blip>
@@ -41571,7 +44233,7 @@
             <p:cNvPr id="85" name="TextBox 5">
               <a:extLst>
                 <a:ext uri="{FF2B5EF4-FFF2-40B4-BE49-F238E27FC236}">
-                  <a16:creationId xmlns="" xmlns:a16="http://schemas.microsoft.com/office/drawing/2014/main" id="{48B11175-8F26-E049-8FCE-A7F653ADEDC5}"/>
+                  <a16:creationId xmlns:a16="http://schemas.microsoft.com/office/drawing/2014/main" xmlns="" id="{48B11175-8F26-E049-8FCE-A7F653ADEDC5}"/>
                 </a:ext>
               </a:extLst>
             </p:cNvPr>
@@ -41619,7 +44281,7 @@
             <p:cNvPr id="86" name="Graphic 33">
               <a:extLst>
                 <a:ext uri="{FF2B5EF4-FFF2-40B4-BE49-F238E27FC236}">
-                  <a16:creationId xmlns="" xmlns:a16="http://schemas.microsoft.com/office/drawing/2014/main" id="{E8A76DD7-2470-9240-BE0E-8F1412C59C96}"/>
+                  <a16:creationId xmlns:a16="http://schemas.microsoft.com/office/drawing/2014/main" xmlns="" id="{E8A76DD7-2470-9240-BE0E-8F1412C59C96}"/>
                 </a:ext>
               </a:extLst>
             </p:cNvPr>
@@ -41632,7 +44294,7 @@
             <a:blip r:embed="rId44">
               <a:extLst>
                 <a:ext uri="{96DAC541-7B7A-43D3-8B79-37D633B846F1}">
-                  <asvg:svgBlip xmlns="" xmlns:asvg="http://schemas.microsoft.com/office/drawing/2016/SVG/main" r:embed="rId45"/>
+                  <asvg:svgBlip xmlns:asvg="http://schemas.microsoft.com/office/drawing/2016/SVG/main" xmlns="" r:embed="rId45"/>
                 </a:ext>
               </a:extLst>
             </a:blip>
@@ -41693,7 +44355,7 @@
           <p:cNvPr id="103" name="Rectangle 25">
             <a:extLst>
               <a:ext uri="{FF2B5EF4-FFF2-40B4-BE49-F238E27FC236}">
-                <a16:creationId xmlns="" xmlns:a16="http://schemas.microsoft.com/office/drawing/2014/main" id="{92A0ABFB-D447-D349-9C47-3EE861DD0794}"/>
+                <a16:creationId xmlns:a16="http://schemas.microsoft.com/office/drawing/2014/main" xmlns="" id="{92A0ABFB-D447-D349-9C47-3EE861DD0794}"/>
               </a:ext>
             </a:extLst>
           </p:cNvPr>
@@ -41758,7 +44420,7 @@
           <p:cNvPr id="104" name="Graphic 66">
             <a:extLst>
               <a:ext uri="{FF2B5EF4-FFF2-40B4-BE49-F238E27FC236}">
-                <a16:creationId xmlns="" xmlns:a16="http://schemas.microsoft.com/office/drawing/2014/main" id="{811370A0-DDEF-2649-86F1-55809DBD16DB}"/>
+                <a16:creationId xmlns:a16="http://schemas.microsoft.com/office/drawing/2014/main" xmlns="" id="{811370A0-DDEF-2649-86F1-55809DBD16DB}"/>
               </a:ext>
             </a:extLst>
           </p:cNvPr>
@@ -41771,7 +44433,7 @@
           <a:blip r:embed="rId46">
             <a:extLst>
               <a:ext uri="{96DAC541-7B7A-43D3-8B79-37D633B846F1}">
-                <asvg:svgBlip xmlns="" xmlns:asvg="http://schemas.microsoft.com/office/drawing/2016/SVG/main" r:embed="rId23"/>
+                <asvg:svgBlip xmlns:asvg="http://schemas.microsoft.com/office/drawing/2016/SVG/main" xmlns="" r:embed="rId23"/>
               </a:ext>
             </a:extLst>
           </a:blip>
@@ -41973,7 +44635,7 @@
             <p:cNvPr id="88" name="TextBox 8">
               <a:extLst>
                 <a:ext uri="{FF2B5EF4-FFF2-40B4-BE49-F238E27FC236}">
-                  <a16:creationId xmlns="" xmlns:a16="http://schemas.microsoft.com/office/drawing/2014/main" id="{D7ECF936-B8F2-B944-B1E5-0DC7D3F9AAB9}"/>
+                  <a16:creationId xmlns:a16="http://schemas.microsoft.com/office/drawing/2014/main" xmlns="" id="{D7ECF936-B8F2-B944-B1E5-0DC7D3F9AAB9}"/>
                 </a:ext>
               </a:extLst>
             </p:cNvPr>
@@ -42009,7 +44671,7 @@
             <p:cNvPr id="89" name="Graphic 26">
               <a:extLst>
                 <a:ext uri="{FF2B5EF4-FFF2-40B4-BE49-F238E27FC236}">
-                  <a16:creationId xmlns="" xmlns:a16="http://schemas.microsoft.com/office/drawing/2014/main" id="{6474A222-3CF8-3F41-AB6E-29E3FCA4874B}"/>
+                  <a16:creationId xmlns:a16="http://schemas.microsoft.com/office/drawing/2014/main" xmlns="" id="{6474A222-3CF8-3F41-AB6E-29E3FCA4874B}"/>
                 </a:ext>
               </a:extLst>
             </p:cNvPr>
@@ -42022,7 +44684,7 @@
             <a:blip r:embed="rId38">
               <a:extLst>
                 <a:ext uri="{96DAC541-7B7A-43D3-8B79-37D633B846F1}">
-                  <asvg:svgBlip xmlns="" xmlns:asvg="http://schemas.microsoft.com/office/drawing/2016/SVG/main" r:embed="rId9"/>
+                  <asvg:svgBlip xmlns:asvg="http://schemas.microsoft.com/office/drawing/2016/SVG/main" xmlns="" r:embed="rId9"/>
                 </a:ext>
               </a:extLst>
             </a:blip>
@@ -42384,7 +45046,7 @@
           <p:cNvPr id="2" name="タイトル 1">
             <a:extLst>
               <a:ext uri="{FF2B5EF4-FFF2-40B4-BE49-F238E27FC236}">
-                <a16:creationId xmlns:a16="http://schemas.microsoft.com/office/drawing/2014/main" xmlns="" id="{42238E76-FCE3-4A31-BD81-2D6CADD01B29}"/>
+                <a16:creationId xmlns="" xmlns:a16="http://schemas.microsoft.com/office/drawing/2014/main" id="{42238E76-FCE3-4A31-BD81-2D6CADD01B29}"/>
               </a:ext>
             </a:extLst>
           </p:cNvPr>
@@ -42417,7 +45079,7 @@
           <p:cNvPr id="3" name="コンテンツ プレースホルダー 2">
             <a:extLst>
               <a:ext uri="{FF2B5EF4-FFF2-40B4-BE49-F238E27FC236}">
-                <a16:creationId xmlns:a16="http://schemas.microsoft.com/office/drawing/2014/main" xmlns="" id="{8942456B-0BBA-47AC-A7AE-AC486DDE0560}"/>
+                <a16:creationId xmlns="" xmlns:a16="http://schemas.microsoft.com/office/drawing/2014/main" id="{8942456B-0BBA-47AC-A7AE-AC486DDE0560}"/>
               </a:ext>
             </a:extLst>
           </p:cNvPr>
@@ -42619,7 +45281,7 @@
           <p:cNvPr id="4" name="スライド番号プレースホルダー 3">
             <a:extLst>
               <a:ext uri="{FF2B5EF4-FFF2-40B4-BE49-F238E27FC236}">
-                <a16:creationId xmlns:a16="http://schemas.microsoft.com/office/drawing/2014/main" xmlns="" id="{9BFAADB9-E460-4E56-A164-AAFA9F53D091}"/>
+                <a16:creationId xmlns="" xmlns:a16="http://schemas.microsoft.com/office/drawing/2014/main" id="{9BFAADB9-E460-4E56-A164-AAFA9F53D091}"/>
               </a:ext>
             </a:extLst>
           </p:cNvPr>
@@ -43083,7 +45745,7 @@
           <p:cNvPr id="2" name="タイトル 1">
             <a:extLst>
               <a:ext uri="{FF2B5EF4-FFF2-40B4-BE49-F238E27FC236}">
-                <a16:creationId xmlns:a16="http://schemas.microsoft.com/office/drawing/2014/main" xmlns="" id="{42238E76-FCE3-4A31-BD81-2D6CADD01B29}"/>
+                <a16:creationId xmlns="" xmlns:a16="http://schemas.microsoft.com/office/drawing/2014/main" id="{42238E76-FCE3-4A31-BD81-2D6CADD01B29}"/>
               </a:ext>
             </a:extLst>
           </p:cNvPr>
@@ -43116,7 +45778,7 @@
           <p:cNvPr id="3" name="コンテンツ プレースホルダー 2">
             <a:extLst>
               <a:ext uri="{FF2B5EF4-FFF2-40B4-BE49-F238E27FC236}">
-                <a16:creationId xmlns:a16="http://schemas.microsoft.com/office/drawing/2014/main" xmlns="" id="{8942456B-0BBA-47AC-A7AE-AC486DDE0560}"/>
+                <a16:creationId xmlns="" xmlns:a16="http://schemas.microsoft.com/office/drawing/2014/main" id="{8942456B-0BBA-47AC-A7AE-AC486DDE0560}"/>
               </a:ext>
             </a:extLst>
           </p:cNvPr>
@@ -43269,7 +45931,7 @@
           <p:cNvPr id="4" name="スライド番号プレースホルダー 3">
             <a:extLst>
               <a:ext uri="{FF2B5EF4-FFF2-40B4-BE49-F238E27FC236}">
-                <a16:creationId xmlns:a16="http://schemas.microsoft.com/office/drawing/2014/main" xmlns="" id="{9BFAADB9-E460-4E56-A164-AAFA9F53D091}"/>
+                <a16:creationId xmlns="" xmlns:a16="http://schemas.microsoft.com/office/drawing/2014/main" id="{9BFAADB9-E460-4E56-A164-AAFA9F53D091}"/>
               </a:ext>
             </a:extLst>
           </p:cNvPr>
@@ -43733,7 +46395,7 @@
           <p:cNvPr id="2" name="タイトル 1">
             <a:extLst>
               <a:ext uri="{FF2B5EF4-FFF2-40B4-BE49-F238E27FC236}">
-                <a16:creationId xmlns:a16="http://schemas.microsoft.com/office/drawing/2014/main" xmlns="" id="{42238E76-FCE3-4A31-BD81-2D6CADD01B29}"/>
+                <a16:creationId xmlns="" xmlns:a16="http://schemas.microsoft.com/office/drawing/2014/main" id="{42238E76-FCE3-4A31-BD81-2D6CADD01B29}"/>
               </a:ext>
             </a:extLst>
           </p:cNvPr>
@@ -43774,7 +46436,7 @@
           <p:cNvPr id="3" name="コンテンツ プレースホルダー 2">
             <a:extLst>
               <a:ext uri="{FF2B5EF4-FFF2-40B4-BE49-F238E27FC236}">
-                <a16:creationId xmlns:a16="http://schemas.microsoft.com/office/drawing/2014/main" xmlns="" id="{8942456B-0BBA-47AC-A7AE-AC486DDE0560}"/>
+                <a16:creationId xmlns="" xmlns:a16="http://schemas.microsoft.com/office/drawing/2014/main" id="{8942456B-0BBA-47AC-A7AE-AC486DDE0560}"/>
               </a:ext>
             </a:extLst>
           </p:cNvPr>
@@ -43943,7 +46605,7 @@
           <p:cNvPr id="4" name="スライド番号プレースホルダー 3">
             <a:extLst>
               <a:ext uri="{FF2B5EF4-FFF2-40B4-BE49-F238E27FC236}">
-                <a16:creationId xmlns:a16="http://schemas.microsoft.com/office/drawing/2014/main" xmlns="" id="{9BFAADB9-E460-4E56-A164-AAFA9F53D091}"/>
+                <a16:creationId xmlns="" xmlns:a16="http://schemas.microsoft.com/office/drawing/2014/main" id="{9BFAADB9-E460-4E56-A164-AAFA9F53D091}"/>
               </a:ext>
             </a:extLst>
           </p:cNvPr>
@@ -44648,7 +47310,7 @@
   <a:extraClrSchemeLst/>
   <a:extLst>
     <a:ext uri="{05A4C25C-085E-4340-85A3-A5531E510DB2}">
-      <thm15:themeFamily xmlns:thm15="http://schemas.microsoft.com/office/thememl/2012/main" xmlns="" name="プレゼンテーション1" id="{E6564793-4896-4E0C-8801-A9230543B816}" vid="{FD5737D2-78B0-4D47-8894-10CDEF9A2F60}"/>
+      <thm15:themeFamily xmlns="" xmlns:thm15="http://schemas.microsoft.com/office/thememl/2012/main" name="プレゼンテーション1" id="{E6564793-4896-4E0C-8801-A9230543B816}" vid="{FD5737D2-78B0-4D47-8894-10CDEF9A2F60}"/>
     </a:ext>
   </a:extLst>
 </a:theme>
@@ -44943,7 +47605,7 @@
   <a:extraClrSchemeLst/>
   <a:extLst>
     <a:ext uri="{05A4C25C-085E-4340-85A3-A5531E510DB2}">
-      <thm15:themeFamily xmlns:thm15="http://schemas.microsoft.com/office/thememl/2012/main" xmlns="" name="Office Theme" id="{62F939B6-93AF-4DB8-9C6B-D6C7DFDC589F}" vid="{4A3C46E8-61CC-4603-A589-7422A47A8E4A}"/>
+      <thm15:themeFamily xmlns="" xmlns:thm15="http://schemas.microsoft.com/office/thememl/2012/main" name="Office Theme" id="{62F939B6-93AF-4DB8-9C6B-D6C7DFDC589F}" vid="{4A3C46E8-61CC-4603-A589-7422A47A8E4A}"/>
     </a:ext>
   </a:extLst>
 </a:theme>

--- a/04.環境構築/インフラ/msar_環境構築手順書.pptx
+++ b/04.環境構築/インフラ/msar_環境構築手順書.pptx
@@ -5,7 +5,7 @@
     <p:sldMasterId id="2147483660" r:id="rId1"/>
   </p:sldMasterIdLst>
   <p:notesMasterIdLst>
-    <p:notesMasterId r:id="rId46"/>
+    <p:notesMasterId r:id="rId47"/>
   </p:notesMasterIdLst>
   <p:sldIdLst>
     <p:sldId id="293" r:id="rId2"/>
@@ -35,23 +35,24 @@
     <p:sldId id="316" r:id="rId26"/>
     <p:sldId id="333" r:id="rId27"/>
     <p:sldId id="338" r:id="rId28"/>
-    <p:sldId id="339" r:id="rId29"/>
-    <p:sldId id="340" r:id="rId30"/>
-    <p:sldId id="301" r:id="rId31"/>
-    <p:sldId id="302" r:id="rId32"/>
-    <p:sldId id="336" r:id="rId33"/>
-    <p:sldId id="303" r:id="rId34"/>
-    <p:sldId id="304" r:id="rId35"/>
-    <p:sldId id="322" r:id="rId36"/>
-    <p:sldId id="317" r:id="rId37"/>
-    <p:sldId id="318" r:id="rId38"/>
-    <p:sldId id="319" r:id="rId39"/>
-    <p:sldId id="320" r:id="rId40"/>
-    <p:sldId id="305" r:id="rId41"/>
-    <p:sldId id="309" r:id="rId42"/>
-    <p:sldId id="310" r:id="rId43"/>
-    <p:sldId id="311" r:id="rId44"/>
-    <p:sldId id="321" r:id="rId45"/>
+    <p:sldId id="341" r:id="rId29"/>
+    <p:sldId id="339" r:id="rId30"/>
+    <p:sldId id="340" r:id="rId31"/>
+    <p:sldId id="301" r:id="rId32"/>
+    <p:sldId id="302" r:id="rId33"/>
+    <p:sldId id="336" r:id="rId34"/>
+    <p:sldId id="303" r:id="rId35"/>
+    <p:sldId id="304" r:id="rId36"/>
+    <p:sldId id="322" r:id="rId37"/>
+    <p:sldId id="317" r:id="rId38"/>
+    <p:sldId id="318" r:id="rId39"/>
+    <p:sldId id="319" r:id="rId40"/>
+    <p:sldId id="320" r:id="rId41"/>
+    <p:sldId id="305" r:id="rId42"/>
+    <p:sldId id="309" r:id="rId43"/>
+    <p:sldId id="310" r:id="rId44"/>
+    <p:sldId id="311" r:id="rId45"/>
+    <p:sldId id="321" r:id="rId46"/>
   </p:sldIdLst>
   <p:sldSz cx="12192000" cy="6858000"/>
   <p:notesSz cx="6858000" cy="9144000"/>
@@ -194,11 +195,16 @@
             <p14:sldId id="316"/>
             <p14:sldId id="333"/>
             <p14:sldId id="338"/>
+            <p14:sldId id="341"/>
             <p14:sldId id="339"/>
             <p14:sldId id="340"/>
             <p14:sldId id="301"/>
             <p14:sldId id="302"/>
             <p14:sldId id="336"/>
+          </p14:sldIdLst>
+        </p14:section>
+        <p14:section name="データ移行" id="{ECC1E9B1-4477-B349-B2F4-4BBA88817886}">
+          <p14:sldIdLst>
             <p14:sldId id="303"/>
             <p14:sldId id="304"/>
           </p14:sldIdLst>
@@ -3041,108 +3047,14 @@
               <a:buAutoNum type="arabicPeriod"/>
             </a:pPr>
             <a:r>
-              <a:rPr lang="ja-JP" altLang="ja-JP" dirty="0">
+              <a:rPr lang="en-US" altLang="ja-JP" dirty="0" smtClean="0">
                 <a:solidFill>
                   <a:schemeClr val="bg1">
                     <a:lumMod val="75000"/>
                   </a:schemeClr>
                 </a:solidFill>
               </a:rPr>
-              <a:t>C</a:t>
-            </a:r>
-            <a:r>
-              <a:rPr lang="en-US" altLang="ja-JP" dirty="0">
-                <a:solidFill>
-                  <a:schemeClr val="bg1">
-                    <a:lumMod val="75000"/>
-                  </a:schemeClr>
-                </a:solidFill>
-              </a:rPr>
-              <a:t>ognite</a:t>
-            </a:r>
-          </a:p>
-          <a:p>
-            <a:pPr lvl="1">
-              <a:buFont typeface="+mj-lt"/>
-              <a:buAutoNum type="arabicPeriod"/>
-            </a:pPr>
-            <a:r>
-              <a:rPr lang="ja-JP" altLang="ja-JP" dirty="0">
-                <a:solidFill>
-                  <a:schemeClr val="bg1">
-                    <a:lumMod val="75000"/>
-                  </a:schemeClr>
-                </a:solidFill>
-              </a:rPr>
-              <a:t>R</a:t>
-            </a:r>
-            <a:r>
-              <a:rPr lang="en-US" altLang="ja-JP" dirty="0">
-                <a:solidFill>
-                  <a:schemeClr val="bg1">
-                    <a:lumMod val="75000"/>
-                  </a:schemeClr>
-                </a:solidFill>
-              </a:rPr>
-              <a:t>oute53</a:t>
-            </a:r>
-            <a:endParaRPr lang="en-US" altLang="ja-JP" dirty="0" smtClean="0">
-              <a:solidFill>
-                <a:srgbClr val="BFBFBF"/>
-              </a:solidFill>
-            </a:endParaRPr>
-          </a:p>
-          <a:p>
-            <a:pPr>
-              <a:buFont typeface="+mj-lt"/>
-              <a:buAutoNum type="arabicPeriod"/>
-            </a:pPr>
-            <a:r>
-              <a:rPr lang="en-US" altLang="ja-JP" dirty="0" smtClean="0">
-                <a:solidFill>
-                  <a:srgbClr val="BFBFBF"/>
-                </a:solidFill>
-              </a:rPr>
-              <a:t>API </a:t>
-            </a:r>
-            <a:r>
-              <a:rPr lang="ja-JP" altLang="en-US" dirty="0" smtClean="0">
-                <a:solidFill>
-                  <a:srgbClr val="BFBFBF"/>
-                </a:solidFill>
-              </a:rPr>
-              <a:t>デプロイ</a:t>
-            </a:r>
-            <a:endParaRPr lang="en-US" altLang="ja-JP" dirty="0">
-              <a:solidFill>
-                <a:srgbClr val="BFBFBF"/>
-              </a:solidFill>
-            </a:endParaRPr>
-          </a:p>
-          <a:p>
-            <a:pPr>
-              <a:buFont typeface="+mj-lt"/>
-              <a:buAutoNum type="arabicPeriod"/>
-            </a:pPr>
-            <a:r>
-              <a:rPr lang="en-US" altLang="ja-JP" dirty="0">
-                <a:solidFill>
-                  <a:schemeClr val="bg1">
-                    <a:lumMod val="75000"/>
-                  </a:schemeClr>
-                </a:solidFill>
-              </a:rPr>
-              <a:t>CMS </a:t>
-            </a:r>
-            <a:r>
-              <a:rPr lang="ja-JP" altLang="en-US" dirty="0">
-                <a:solidFill>
-                  <a:schemeClr val="bg1">
-                    <a:lumMod val="75000"/>
-                  </a:schemeClr>
-                </a:solidFill>
-              </a:rPr>
-              <a:t>デプロイ</a:t>
+              <a:t>Cognito</a:t>
             </a:r>
             <a:endParaRPr lang="en-US" altLang="ja-JP" dirty="0">
               <a:solidFill>
@@ -3153,21 +3065,93 @@
             </a:endParaRPr>
           </a:p>
           <a:p>
+            <a:pPr lvl="1">
+              <a:buFont typeface="+mj-lt"/>
+              <a:buAutoNum type="arabicPeriod"/>
+            </a:pPr>
+            <a:r>
+              <a:rPr lang="ja-JP" altLang="ja-JP" dirty="0">
+                <a:solidFill>
+                  <a:schemeClr val="bg1">
+                    <a:lumMod val="75000"/>
+                  </a:schemeClr>
+                </a:solidFill>
+              </a:rPr>
+              <a:t>R</a:t>
+            </a:r>
+            <a:r>
+              <a:rPr lang="en-US" altLang="ja-JP" dirty="0">
+                <a:solidFill>
+                  <a:schemeClr val="bg1">
+                    <a:lumMod val="75000"/>
+                  </a:schemeClr>
+                </a:solidFill>
+              </a:rPr>
+              <a:t>oute53</a:t>
+            </a:r>
+            <a:endParaRPr lang="en-US" altLang="ja-JP" dirty="0" smtClean="0">
+              <a:solidFill>
+                <a:srgbClr val="BFBFBF"/>
+              </a:solidFill>
+            </a:endParaRPr>
+          </a:p>
+          <a:p>
             <a:pPr>
               <a:buFont typeface="+mj-lt"/>
               <a:buAutoNum type="arabicPeriod"/>
             </a:pPr>
             <a:r>
+              <a:rPr lang="en-US" altLang="ja-JP" dirty="0" smtClean="0">
+                <a:solidFill>
+                  <a:srgbClr val="BFBFBF"/>
+                </a:solidFill>
+              </a:rPr>
+              <a:t>API </a:t>
+            </a:r>
+            <a:r>
               <a:rPr lang="ja-JP" altLang="en-US" dirty="0" smtClean="0">
                 <a:solidFill>
                   <a:srgbClr val="BFBFBF"/>
                 </a:solidFill>
               </a:rPr>
-              <a:t>コンテンツ登録</a:t>
-            </a:r>
-            <a:endParaRPr lang="en-US" altLang="ja-JP" dirty="0" smtClean="0">
+              <a:t>デプロイ</a:t>
+            </a:r>
+            <a:endParaRPr lang="en-US" altLang="ja-JP" dirty="0">
               <a:solidFill>
                 <a:srgbClr val="BFBFBF"/>
+              </a:solidFill>
+            </a:endParaRPr>
+          </a:p>
+          <a:p>
+            <a:pPr>
+              <a:buFont typeface="+mj-lt"/>
+              <a:buAutoNum type="arabicPeriod"/>
+            </a:pPr>
+            <a:r>
+              <a:rPr lang="en-US" altLang="ja-JP" dirty="0">
+                <a:solidFill>
+                  <a:schemeClr val="bg1">
+                    <a:lumMod val="75000"/>
+                  </a:schemeClr>
+                </a:solidFill>
+              </a:rPr>
+              <a:t>CMS </a:t>
+            </a:r>
+            <a:r>
+              <a:rPr lang="ja-JP" altLang="en-US" dirty="0">
+                <a:solidFill>
+                  <a:schemeClr val="bg1">
+                    <a:lumMod val="75000"/>
+                  </a:schemeClr>
+                </a:solidFill>
+              </a:rPr>
+              <a:t>デプロイ</a:t>
+            </a:r>
+            <a:endParaRPr lang="en-US" altLang="ja-JP" dirty="0">
+              <a:solidFill>
+                <a:schemeClr val="bg1">
+                  <a:lumMod val="75000"/>
+                </a:schemeClr>
               </a:solidFill>
             </a:endParaRPr>
           </a:p>
@@ -4141,108 +4125,14 @@
               <a:buAutoNum type="arabicPeriod"/>
             </a:pPr>
             <a:r>
-              <a:rPr lang="ja-JP" altLang="ja-JP" dirty="0">
+              <a:rPr lang="en-US" altLang="ja-JP" dirty="0" smtClean="0">
                 <a:solidFill>
                   <a:schemeClr val="bg1">
                     <a:lumMod val="75000"/>
                   </a:schemeClr>
                 </a:solidFill>
               </a:rPr>
-              <a:t>C</a:t>
-            </a:r>
-            <a:r>
-              <a:rPr lang="en-US" altLang="ja-JP" dirty="0">
-                <a:solidFill>
-                  <a:schemeClr val="bg1">
-                    <a:lumMod val="75000"/>
-                  </a:schemeClr>
-                </a:solidFill>
-              </a:rPr>
-              <a:t>ognite</a:t>
-            </a:r>
-          </a:p>
-          <a:p>
-            <a:pPr lvl="1">
-              <a:buFont typeface="+mj-lt"/>
-              <a:buAutoNum type="arabicPeriod"/>
-            </a:pPr>
-            <a:r>
-              <a:rPr lang="ja-JP" altLang="ja-JP" dirty="0">
-                <a:solidFill>
-                  <a:schemeClr val="bg1">
-                    <a:lumMod val="75000"/>
-                  </a:schemeClr>
-                </a:solidFill>
-              </a:rPr>
-              <a:t>R</a:t>
-            </a:r>
-            <a:r>
-              <a:rPr lang="en-US" altLang="ja-JP" dirty="0">
-                <a:solidFill>
-                  <a:schemeClr val="bg1">
-                    <a:lumMod val="75000"/>
-                  </a:schemeClr>
-                </a:solidFill>
-              </a:rPr>
-              <a:t>oute53</a:t>
-            </a:r>
-            <a:endParaRPr lang="en-US" altLang="ja-JP" dirty="0" smtClean="0">
-              <a:solidFill>
-                <a:srgbClr val="BFBFBF"/>
-              </a:solidFill>
-            </a:endParaRPr>
-          </a:p>
-          <a:p>
-            <a:pPr>
-              <a:buFont typeface="+mj-lt"/>
-              <a:buAutoNum type="arabicPeriod"/>
-            </a:pPr>
-            <a:r>
-              <a:rPr lang="en-US" altLang="ja-JP" dirty="0" smtClean="0">
-                <a:solidFill>
-                  <a:srgbClr val="BFBFBF"/>
-                </a:solidFill>
-              </a:rPr>
-              <a:t>API </a:t>
-            </a:r>
-            <a:r>
-              <a:rPr lang="ja-JP" altLang="en-US" dirty="0" smtClean="0">
-                <a:solidFill>
-                  <a:srgbClr val="BFBFBF"/>
-                </a:solidFill>
-              </a:rPr>
-              <a:t>デプロイ</a:t>
-            </a:r>
-            <a:endParaRPr lang="en-US" altLang="ja-JP" dirty="0">
-              <a:solidFill>
-                <a:srgbClr val="BFBFBF"/>
-              </a:solidFill>
-            </a:endParaRPr>
-          </a:p>
-          <a:p>
-            <a:pPr>
-              <a:buFont typeface="+mj-lt"/>
-              <a:buAutoNum type="arabicPeriod"/>
-            </a:pPr>
-            <a:r>
-              <a:rPr lang="en-US" altLang="ja-JP" dirty="0">
-                <a:solidFill>
-                  <a:schemeClr val="bg1">
-                    <a:lumMod val="75000"/>
-                  </a:schemeClr>
-                </a:solidFill>
-              </a:rPr>
-              <a:t>CMS </a:t>
-            </a:r>
-            <a:r>
-              <a:rPr lang="ja-JP" altLang="en-US" dirty="0">
-                <a:solidFill>
-                  <a:schemeClr val="bg1">
-                    <a:lumMod val="75000"/>
-                  </a:schemeClr>
-                </a:solidFill>
-              </a:rPr>
-              <a:t>デプロイ</a:t>
+              <a:t>Cognito</a:t>
             </a:r>
             <a:endParaRPr lang="en-US" altLang="ja-JP" dirty="0">
               <a:solidFill>
@@ -4253,21 +4143,93 @@
             </a:endParaRPr>
           </a:p>
           <a:p>
+            <a:pPr lvl="1">
+              <a:buFont typeface="+mj-lt"/>
+              <a:buAutoNum type="arabicPeriod"/>
+            </a:pPr>
+            <a:r>
+              <a:rPr lang="ja-JP" altLang="ja-JP" dirty="0">
+                <a:solidFill>
+                  <a:schemeClr val="bg1">
+                    <a:lumMod val="75000"/>
+                  </a:schemeClr>
+                </a:solidFill>
+              </a:rPr>
+              <a:t>R</a:t>
+            </a:r>
+            <a:r>
+              <a:rPr lang="en-US" altLang="ja-JP" dirty="0">
+                <a:solidFill>
+                  <a:schemeClr val="bg1">
+                    <a:lumMod val="75000"/>
+                  </a:schemeClr>
+                </a:solidFill>
+              </a:rPr>
+              <a:t>oute53</a:t>
+            </a:r>
+            <a:endParaRPr lang="en-US" altLang="ja-JP" dirty="0" smtClean="0">
+              <a:solidFill>
+                <a:srgbClr val="BFBFBF"/>
+              </a:solidFill>
+            </a:endParaRPr>
+          </a:p>
+          <a:p>
             <a:pPr>
               <a:buFont typeface="+mj-lt"/>
               <a:buAutoNum type="arabicPeriod"/>
             </a:pPr>
             <a:r>
+              <a:rPr lang="en-US" altLang="ja-JP" dirty="0" smtClean="0">
+                <a:solidFill>
+                  <a:srgbClr val="BFBFBF"/>
+                </a:solidFill>
+              </a:rPr>
+              <a:t>API </a:t>
+            </a:r>
+            <a:r>
               <a:rPr lang="ja-JP" altLang="en-US" dirty="0" smtClean="0">
                 <a:solidFill>
                   <a:srgbClr val="BFBFBF"/>
                 </a:solidFill>
               </a:rPr>
-              <a:t>コンテンツ登録</a:t>
+              <a:t>デプロイ</a:t>
+            </a:r>
+            <a:endParaRPr lang="en-US" altLang="ja-JP" dirty="0">
+              <a:solidFill>
+                <a:srgbClr val="BFBFBF"/>
+              </a:solidFill>
+            </a:endParaRPr>
+          </a:p>
+          <a:p>
+            <a:pPr>
+              <a:buFont typeface="+mj-lt"/>
+              <a:buAutoNum type="arabicPeriod"/>
+            </a:pPr>
+            <a:r>
+              <a:rPr lang="en-US" altLang="ja-JP" dirty="0">
+                <a:solidFill>
+                  <a:schemeClr val="bg1">
+                    <a:lumMod val="75000"/>
+                  </a:schemeClr>
+                </a:solidFill>
+              </a:rPr>
+              <a:t>CMS </a:t>
+            </a:r>
+            <a:r>
+              <a:rPr lang="ja-JP" altLang="en-US" dirty="0" smtClean="0">
+                <a:solidFill>
+                  <a:schemeClr val="bg1">
+                    <a:lumMod val="75000"/>
+                  </a:schemeClr>
+                </a:solidFill>
+              </a:rPr>
+              <a:t>デプロイ</a:t>
             </a:r>
             <a:endParaRPr lang="en-US" altLang="ja-JP" dirty="0" smtClean="0">
               <a:solidFill>
-                <a:srgbClr val="BFBFBF"/>
+                <a:schemeClr val="bg1">
+                  <a:lumMod val="75000"/>
+                </a:schemeClr>
               </a:solidFill>
             </a:endParaRPr>
           </a:p>
@@ -5277,108 +5239,14 @@
               <a:buAutoNum type="arabicPeriod"/>
             </a:pPr>
             <a:r>
-              <a:rPr lang="ja-JP" altLang="ja-JP" dirty="0">
+              <a:rPr lang="en-US" altLang="ja-JP" dirty="0" smtClean="0">
                 <a:solidFill>
                   <a:schemeClr val="bg1">
                     <a:lumMod val="75000"/>
                   </a:schemeClr>
                 </a:solidFill>
               </a:rPr>
-              <a:t>C</a:t>
-            </a:r>
-            <a:r>
-              <a:rPr lang="en-US" altLang="ja-JP" dirty="0">
-                <a:solidFill>
-                  <a:schemeClr val="bg1">
-                    <a:lumMod val="75000"/>
-                  </a:schemeClr>
-                </a:solidFill>
-              </a:rPr>
-              <a:t>ognite</a:t>
-            </a:r>
-          </a:p>
-          <a:p>
-            <a:pPr lvl="1">
-              <a:buFont typeface="+mj-lt"/>
-              <a:buAutoNum type="arabicPeriod"/>
-            </a:pPr>
-            <a:r>
-              <a:rPr lang="ja-JP" altLang="ja-JP" dirty="0">
-                <a:solidFill>
-                  <a:schemeClr val="bg1">
-                    <a:lumMod val="75000"/>
-                  </a:schemeClr>
-                </a:solidFill>
-              </a:rPr>
-              <a:t>R</a:t>
-            </a:r>
-            <a:r>
-              <a:rPr lang="en-US" altLang="ja-JP" dirty="0">
-                <a:solidFill>
-                  <a:schemeClr val="bg1">
-                    <a:lumMod val="75000"/>
-                  </a:schemeClr>
-                </a:solidFill>
-              </a:rPr>
-              <a:t>oute53</a:t>
-            </a:r>
-            <a:endParaRPr lang="en-US" altLang="ja-JP" dirty="0" smtClean="0">
-              <a:solidFill>
-                <a:srgbClr val="BFBFBF"/>
-              </a:solidFill>
-            </a:endParaRPr>
-          </a:p>
-          <a:p>
-            <a:pPr>
-              <a:buFont typeface="+mj-lt"/>
-              <a:buAutoNum type="arabicPeriod"/>
-            </a:pPr>
-            <a:r>
-              <a:rPr lang="en-US" altLang="ja-JP" dirty="0" smtClean="0">
-                <a:solidFill>
-                  <a:srgbClr val="BFBFBF"/>
-                </a:solidFill>
-              </a:rPr>
-              <a:t>API </a:t>
-            </a:r>
-            <a:r>
-              <a:rPr lang="ja-JP" altLang="en-US" dirty="0" smtClean="0">
-                <a:solidFill>
-                  <a:srgbClr val="BFBFBF"/>
-                </a:solidFill>
-              </a:rPr>
-              <a:t>デプロイ</a:t>
-            </a:r>
-            <a:endParaRPr lang="en-US" altLang="ja-JP" dirty="0">
-              <a:solidFill>
-                <a:srgbClr val="BFBFBF"/>
-              </a:solidFill>
-            </a:endParaRPr>
-          </a:p>
-          <a:p>
-            <a:pPr>
-              <a:buFont typeface="+mj-lt"/>
-              <a:buAutoNum type="arabicPeriod"/>
-            </a:pPr>
-            <a:r>
-              <a:rPr lang="en-US" altLang="ja-JP" dirty="0">
-                <a:solidFill>
-                  <a:schemeClr val="bg1">
-                    <a:lumMod val="75000"/>
-                  </a:schemeClr>
-                </a:solidFill>
-              </a:rPr>
-              <a:t>CMS </a:t>
-            </a:r>
-            <a:r>
-              <a:rPr lang="ja-JP" altLang="en-US" dirty="0">
-                <a:solidFill>
-                  <a:schemeClr val="bg1">
-                    <a:lumMod val="75000"/>
-                  </a:schemeClr>
-                </a:solidFill>
-              </a:rPr>
-              <a:t>デプロイ</a:t>
+              <a:t>Cognito</a:t>
             </a:r>
             <a:endParaRPr lang="en-US" altLang="ja-JP" dirty="0">
               <a:solidFill>
@@ -5389,21 +5257,93 @@
             </a:endParaRPr>
           </a:p>
           <a:p>
+            <a:pPr lvl="1">
+              <a:buFont typeface="+mj-lt"/>
+              <a:buAutoNum type="arabicPeriod"/>
+            </a:pPr>
+            <a:r>
+              <a:rPr lang="ja-JP" altLang="ja-JP" dirty="0">
+                <a:solidFill>
+                  <a:schemeClr val="bg1">
+                    <a:lumMod val="75000"/>
+                  </a:schemeClr>
+                </a:solidFill>
+              </a:rPr>
+              <a:t>R</a:t>
+            </a:r>
+            <a:r>
+              <a:rPr lang="en-US" altLang="ja-JP" dirty="0">
+                <a:solidFill>
+                  <a:schemeClr val="bg1">
+                    <a:lumMod val="75000"/>
+                  </a:schemeClr>
+                </a:solidFill>
+              </a:rPr>
+              <a:t>oute53</a:t>
+            </a:r>
+            <a:endParaRPr lang="en-US" altLang="ja-JP" dirty="0" smtClean="0">
+              <a:solidFill>
+                <a:srgbClr val="BFBFBF"/>
+              </a:solidFill>
+            </a:endParaRPr>
+          </a:p>
+          <a:p>
             <a:pPr>
               <a:buFont typeface="+mj-lt"/>
               <a:buAutoNum type="arabicPeriod"/>
             </a:pPr>
             <a:r>
+              <a:rPr lang="en-US" altLang="ja-JP" dirty="0" smtClean="0">
+                <a:solidFill>
+                  <a:srgbClr val="BFBFBF"/>
+                </a:solidFill>
+              </a:rPr>
+              <a:t>API </a:t>
+            </a:r>
+            <a:r>
               <a:rPr lang="ja-JP" altLang="en-US" dirty="0" smtClean="0">
                 <a:solidFill>
                   <a:srgbClr val="BFBFBF"/>
                 </a:solidFill>
               </a:rPr>
-              <a:t>コンテンツ登録</a:t>
-            </a:r>
-            <a:endParaRPr lang="en-US" altLang="ja-JP" dirty="0" smtClean="0">
+              <a:t>デプロイ</a:t>
+            </a:r>
+            <a:endParaRPr lang="en-US" altLang="ja-JP" dirty="0">
               <a:solidFill>
                 <a:srgbClr val="BFBFBF"/>
+              </a:solidFill>
+            </a:endParaRPr>
+          </a:p>
+          <a:p>
+            <a:pPr>
+              <a:buFont typeface="+mj-lt"/>
+              <a:buAutoNum type="arabicPeriod"/>
+            </a:pPr>
+            <a:r>
+              <a:rPr lang="en-US" altLang="ja-JP" dirty="0">
+                <a:solidFill>
+                  <a:schemeClr val="bg1">
+                    <a:lumMod val="75000"/>
+                  </a:schemeClr>
+                </a:solidFill>
+              </a:rPr>
+              <a:t>CMS </a:t>
+            </a:r>
+            <a:r>
+              <a:rPr lang="ja-JP" altLang="en-US" dirty="0">
+                <a:solidFill>
+                  <a:schemeClr val="bg1">
+                    <a:lumMod val="75000"/>
+                  </a:schemeClr>
+                </a:solidFill>
+              </a:rPr>
+              <a:t>デプロイ</a:t>
+            </a:r>
+            <a:endParaRPr lang="en-US" altLang="ja-JP" dirty="0">
+              <a:solidFill>
+                <a:schemeClr val="bg1">
+                  <a:lumMod val="75000"/>
+                </a:schemeClr>
               </a:solidFill>
             </a:endParaRPr>
           </a:p>
@@ -6172,108 +6112,14 @@
               <a:buAutoNum type="arabicPeriod"/>
             </a:pPr>
             <a:r>
-              <a:rPr lang="ja-JP" altLang="ja-JP" dirty="0">
+              <a:rPr lang="en-US" altLang="ja-JP" dirty="0" smtClean="0">
                 <a:solidFill>
                   <a:schemeClr val="bg1">
                     <a:lumMod val="75000"/>
                   </a:schemeClr>
                 </a:solidFill>
               </a:rPr>
-              <a:t>C</a:t>
-            </a:r>
-            <a:r>
-              <a:rPr lang="en-US" altLang="ja-JP" dirty="0">
-                <a:solidFill>
-                  <a:schemeClr val="bg1">
-                    <a:lumMod val="75000"/>
-                  </a:schemeClr>
-                </a:solidFill>
-              </a:rPr>
-              <a:t>ognite</a:t>
-            </a:r>
-          </a:p>
-          <a:p>
-            <a:pPr lvl="1">
-              <a:buFont typeface="+mj-lt"/>
-              <a:buAutoNum type="arabicPeriod"/>
-            </a:pPr>
-            <a:r>
-              <a:rPr lang="ja-JP" altLang="ja-JP" dirty="0">
-                <a:solidFill>
-                  <a:schemeClr val="bg1">
-                    <a:lumMod val="75000"/>
-                  </a:schemeClr>
-                </a:solidFill>
-              </a:rPr>
-              <a:t>R</a:t>
-            </a:r>
-            <a:r>
-              <a:rPr lang="en-US" altLang="ja-JP" dirty="0">
-                <a:solidFill>
-                  <a:schemeClr val="bg1">
-                    <a:lumMod val="75000"/>
-                  </a:schemeClr>
-                </a:solidFill>
-              </a:rPr>
-              <a:t>oute53</a:t>
-            </a:r>
-            <a:endParaRPr lang="en-US" altLang="ja-JP" dirty="0" smtClean="0">
-              <a:solidFill>
-                <a:srgbClr val="BFBFBF"/>
-              </a:solidFill>
-            </a:endParaRPr>
-          </a:p>
-          <a:p>
-            <a:pPr>
-              <a:buFont typeface="+mj-lt"/>
-              <a:buAutoNum type="arabicPeriod"/>
-            </a:pPr>
-            <a:r>
-              <a:rPr lang="en-US" altLang="ja-JP" dirty="0" smtClean="0">
-                <a:solidFill>
-                  <a:srgbClr val="BFBFBF"/>
-                </a:solidFill>
-              </a:rPr>
-              <a:t>API </a:t>
-            </a:r>
-            <a:r>
-              <a:rPr lang="ja-JP" altLang="en-US" dirty="0" smtClean="0">
-                <a:solidFill>
-                  <a:srgbClr val="BFBFBF"/>
-                </a:solidFill>
-              </a:rPr>
-              <a:t>デプロイ</a:t>
-            </a:r>
-            <a:endParaRPr lang="en-US" altLang="ja-JP" dirty="0">
-              <a:solidFill>
-                <a:srgbClr val="BFBFBF"/>
-              </a:solidFill>
-            </a:endParaRPr>
-          </a:p>
-          <a:p>
-            <a:pPr>
-              <a:buFont typeface="+mj-lt"/>
-              <a:buAutoNum type="arabicPeriod"/>
-            </a:pPr>
-            <a:r>
-              <a:rPr lang="en-US" altLang="ja-JP" dirty="0">
-                <a:solidFill>
-                  <a:schemeClr val="bg1">
-                    <a:lumMod val="75000"/>
-                  </a:schemeClr>
-                </a:solidFill>
-              </a:rPr>
-              <a:t>CMS </a:t>
-            </a:r>
-            <a:r>
-              <a:rPr lang="ja-JP" altLang="en-US" dirty="0">
-                <a:solidFill>
-                  <a:schemeClr val="bg1">
-                    <a:lumMod val="75000"/>
-                  </a:schemeClr>
-                </a:solidFill>
-              </a:rPr>
-              <a:t>デプロイ</a:t>
+              <a:t>Cognito</a:t>
             </a:r>
             <a:endParaRPr lang="en-US" altLang="ja-JP" dirty="0">
               <a:solidFill>
@@ -6284,21 +6130,93 @@
             </a:endParaRPr>
           </a:p>
           <a:p>
+            <a:pPr lvl="1">
+              <a:buFont typeface="+mj-lt"/>
+              <a:buAutoNum type="arabicPeriod"/>
+            </a:pPr>
+            <a:r>
+              <a:rPr lang="ja-JP" altLang="ja-JP" dirty="0">
+                <a:solidFill>
+                  <a:schemeClr val="bg1">
+                    <a:lumMod val="75000"/>
+                  </a:schemeClr>
+                </a:solidFill>
+              </a:rPr>
+              <a:t>R</a:t>
+            </a:r>
+            <a:r>
+              <a:rPr lang="en-US" altLang="ja-JP" dirty="0">
+                <a:solidFill>
+                  <a:schemeClr val="bg1">
+                    <a:lumMod val="75000"/>
+                  </a:schemeClr>
+                </a:solidFill>
+              </a:rPr>
+              <a:t>oute53</a:t>
+            </a:r>
+            <a:endParaRPr lang="en-US" altLang="ja-JP" dirty="0" smtClean="0">
+              <a:solidFill>
+                <a:srgbClr val="BFBFBF"/>
+              </a:solidFill>
+            </a:endParaRPr>
+          </a:p>
+          <a:p>
             <a:pPr>
               <a:buFont typeface="+mj-lt"/>
               <a:buAutoNum type="arabicPeriod"/>
             </a:pPr>
             <a:r>
+              <a:rPr lang="en-US" altLang="ja-JP" dirty="0" smtClean="0">
+                <a:solidFill>
+                  <a:srgbClr val="BFBFBF"/>
+                </a:solidFill>
+              </a:rPr>
+              <a:t>API </a:t>
+            </a:r>
+            <a:r>
               <a:rPr lang="ja-JP" altLang="en-US" dirty="0" smtClean="0">
                 <a:solidFill>
                   <a:srgbClr val="BFBFBF"/>
                 </a:solidFill>
               </a:rPr>
-              <a:t>コンテンツ登録</a:t>
-            </a:r>
-            <a:endParaRPr lang="en-US" altLang="ja-JP" dirty="0" smtClean="0">
+              <a:t>デプロイ</a:t>
+            </a:r>
+            <a:endParaRPr lang="en-US" altLang="ja-JP" dirty="0">
               <a:solidFill>
                 <a:srgbClr val="BFBFBF"/>
+              </a:solidFill>
+            </a:endParaRPr>
+          </a:p>
+          <a:p>
+            <a:pPr>
+              <a:buFont typeface="+mj-lt"/>
+              <a:buAutoNum type="arabicPeriod"/>
+            </a:pPr>
+            <a:r>
+              <a:rPr lang="en-US" altLang="ja-JP" dirty="0">
+                <a:solidFill>
+                  <a:schemeClr val="bg1">
+                    <a:lumMod val="75000"/>
+                  </a:schemeClr>
+                </a:solidFill>
+              </a:rPr>
+              <a:t>CMS </a:t>
+            </a:r>
+            <a:r>
+              <a:rPr lang="ja-JP" altLang="en-US" dirty="0">
+                <a:solidFill>
+                  <a:schemeClr val="bg1">
+                    <a:lumMod val="75000"/>
+                  </a:schemeClr>
+                </a:solidFill>
+              </a:rPr>
+              <a:t>デプロイ</a:t>
+            </a:r>
+            <a:endParaRPr lang="en-US" altLang="ja-JP" dirty="0">
+              <a:solidFill>
+                <a:schemeClr val="bg1">
+                  <a:lumMod val="75000"/>
+                </a:schemeClr>
               </a:solidFill>
             </a:endParaRPr>
           </a:p>
@@ -7294,108 +7212,14 @@
               <a:buAutoNum type="arabicPeriod"/>
             </a:pPr>
             <a:r>
-              <a:rPr lang="ja-JP" altLang="ja-JP" dirty="0">
+              <a:rPr lang="en-US" altLang="ja-JP" dirty="0" smtClean="0">
                 <a:solidFill>
                   <a:schemeClr val="bg1">
                     <a:lumMod val="75000"/>
                   </a:schemeClr>
                 </a:solidFill>
               </a:rPr>
-              <a:t>C</a:t>
-            </a:r>
-            <a:r>
-              <a:rPr lang="en-US" altLang="ja-JP" dirty="0">
-                <a:solidFill>
-                  <a:schemeClr val="bg1">
-                    <a:lumMod val="75000"/>
-                  </a:schemeClr>
-                </a:solidFill>
-              </a:rPr>
-              <a:t>ognite</a:t>
-            </a:r>
-          </a:p>
-          <a:p>
-            <a:pPr lvl="1">
-              <a:buFont typeface="+mj-lt"/>
-              <a:buAutoNum type="arabicPeriod"/>
-            </a:pPr>
-            <a:r>
-              <a:rPr lang="ja-JP" altLang="ja-JP" dirty="0">
-                <a:solidFill>
-                  <a:schemeClr val="bg1">
-                    <a:lumMod val="75000"/>
-                  </a:schemeClr>
-                </a:solidFill>
-              </a:rPr>
-              <a:t>R</a:t>
-            </a:r>
-            <a:r>
-              <a:rPr lang="en-US" altLang="ja-JP" dirty="0">
-                <a:solidFill>
-                  <a:schemeClr val="bg1">
-                    <a:lumMod val="75000"/>
-                  </a:schemeClr>
-                </a:solidFill>
-              </a:rPr>
-              <a:t>oute53</a:t>
-            </a:r>
-            <a:endParaRPr lang="en-US" altLang="ja-JP" dirty="0" smtClean="0">
-              <a:solidFill>
-                <a:srgbClr val="BFBFBF"/>
-              </a:solidFill>
-            </a:endParaRPr>
-          </a:p>
-          <a:p>
-            <a:pPr>
-              <a:buFont typeface="+mj-lt"/>
-              <a:buAutoNum type="arabicPeriod"/>
-            </a:pPr>
-            <a:r>
-              <a:rPr lang="en-US" altLang="ja-JP" dirty="0" smtClean="0">
-                <a:solidFill>
-                  <a:srgbClr val="BFBFBF"/>
-                </a:solidFill>
-              </a:rPr>
-              <a:t>API </a:t>
-            </a:r>
-            <a:r>
-              <a:rPr lang="ja-JP" altLang="en-US" dirty="0" smtClean="0">
-                <a:solidFill>
-                  <a:srgbClr val="BFBFBF"/>
-                </a:solidFill>
-              </a:rPr>
-              <a:t>デプロイ</a:t>
-            </a:r>
-            <a:endParaRPr lang="en-US" altLang="ja-JP" dirty="0">
-              <a:solidFill>
-                <a:srgbClr val="BFBFBF"/>
-              </a:solidFill>
-            </a:endParaRPr>
-          </a:p>
-          <a:p>
-            <a:pPr>
-              <a:buFont typeface="+mj-lt"/>
-              <a:buAutoNum type="arabicPeriod"/>
-            </a:pPr>
-            <a:r>
-              <a:rPr lang="en-US" altLang="ja-JP" dirty="0">
-                <a:solidFill>
-                  <a:schemeClr val="bg1">
-                    <a:lumMod val="75000"/>
-                  </a:schemeClr>
-                </a:solidFill>
-              </a:rPr>
-              <a:t>CMS </a:t>
-            </a:r>
-            <a:r>
-              <a:rPr lang="ja-JP" altLang="en-US" dirty="0">
-                <a:solidFill>
-                  <a:schemeClr val="bg1">
-                    <a:lumMod val="75000"/>
-                  </a:schemeClr>
-                </a:solidFill>
-              </a:rPr>
-              <a:t>デプロイ</a:t>
+              <a:t>Cognito</a:t>
             </a:r>
             <a:endParaRPr lang="en-US" altLang="ja-JP" dirty="0">
               <a:solidFill>
@@ -7406,21 +7230,93 @@
             </a:endParaRPr>
           </a:p>
           <a:p>
+            <a:pPr lvl="1">
+              <a:buFont typeface="+mj-lt"/>
+              <a:buAutoNum type="arabicPeriod"/>
+            </a:pPr>
+            <a:r>
+              <a:rPr lang="ja-JP" altLang="ja-JP" dirty="0">
+                <a:solidFill>
+                  <a:schemeClr val="bg1">
+                    <a:lumMod val="75000"/>
+                  </a:schemeClr>
+                </a:solidFill>
+              </a:rPr>
+              <a:t>R</a:t>
+            </a:r>
+            <a:r>
+              <a:rPr lang="en-US" altLang="ja-JP" dirty="0">
+                <a:solidFill>
+                  <a:schemeClr val="bg1">
+                    <a:lumMod val="75000"/>
+                  </a:schemeClr>
+                </a:solidFill>
+              </a:rPr>
+              <a:t>oute53</a:t>
+            </a:r>
+            <a:endParaRPr lang="en-US" altLang="ja-JP" dirty="0" smtClean="0">
+              <a:solidFill>
+                <a:srgbClr val="BFBFBF"/>
+              </a:solidFill>
+            </a:endParaRPr>
+          </a:p>
+          <a:p>
             <a:pPr>
               <a:buFont typeface="+mj-lt"/>
               <a:buAutoNum type="arabicPeriod"/>
             </a:pPr>
             <a:r>
+              <a:rPr lang="en-US" altLang="ja-JP" dirty="0" smtClean="0">
+                <a:solidFill>
+                  <a:srgbClr val="BFBFBF"/>
+                </a:solidFill>
+              </a:rPr>
+              <a:t>API </a:t>
+            </a:r>
+            <a:r>
               <a:rPr lang="ja-JP" altLang="en-US" dirty="0" smtClean="0">
                 <a:solidFill>
                   <a:srgbClr val="BFBFBF"/>
                 </a:solidFill>
               </a:rPr>
-              <a:t>コンテンツ登録</a:t>
-            </a:r>
-            <a:endParaRPr lang="en-US" altLang="ja-JP" dirty="0" smtClean="0">
+              <a:t>デプロイ</a:t>
+            </a:r>
+            <a:endParaRPr lang="en-US" altLang="ja-JP" dirty="0">
               <a:solidFill>
                 <a:srgbClr val="BFBFBF"/>
+              </a:solidFill>
+            </a:endParaRPr>
+          </a:p>
+          <a:p>
+            <a:pPr>
+              <a:buFont typeface="+mj-lt"/>
+              <a:buAutoNum type="arabicPeriod"/>
+            </a:pPr>
+            <a:r>
+              <a:rPr lang="en-US" altLang="ja-JP" dirty="0">
+                <a:solidFill>
+                  <a:schemeClr val="bg1">
+                    <a:lumMod val="75000"/>
+                  </a:schemeClr>
+                </a:solidFill>
+              </a:rPr>
+              <a:t>CMS </a:t>
+            </a:r>
+            <a:r>
+              <a:rPr lang="ja-JP" altLang="en-US" dirty="0">
+                <a:solidFill>
+                  <a:schemeClr val="bg1">
+                    <a:lumMod val="75000"/>
+                  </a:schemeClr>
+                </a:solidFill>
+              </a:rPr>
+              <a:t>デプロイ</a:t>
+            </a:r>
+            <a:endParaRPr lang="en-US" altLang="ja-JP" dirty="0">
+              <a:solidFill>
+                <a:schemeClr val="bg1">
+                  <a:lumMod val="75000"/>
+                </a:schemeClr>
               </a:solidFill>
             </a:endParaRPr>
           </a:p>
@@ -9388,108 +9284,14 @@
               <a:buAutoNum type="arabicPeriod"/>
             </a:pPr>
             <a:r>
-              <a:rPr lang="ja-JP" altLang="ja-JP" dirty="0">
+              <a:rPr lang="en-US" altLang="ja-JP" dirty="0" smtClean="0">
                 <a:solidFill>
                   <a:schemeClr val="bg1">
                     <a:lumMod val="75000"/>
                   </a:schemeClr>
                 </a:solidFill>
               </a:rPr>
-              <a:t>C</a:t>
-            </a:r>
-            <a:r>
-              <a:rPr lang="en-US" altLang="ja-JP" dirty="0">
-                <a:solidFill>
-                  <a:schemeClr val="bg1">
-                    <a:lumMod val="75000"/>
-                  </a:schemeClr>
-                </a:solidFill>
-              </a:rPr>
-              <a:t>ognite</a:t>
-            </a:r>
-          </a:p>
-          <a:p>
-            <a:pPr lvl="1">
-              <a:buFont typeface="+mj-lt"/>
-              <a:buAutoNum type="arabicPeriod"/>
-            </a:pPr>
-            <a:r>
-              <a:rPr lang="ja-JP" altLang="ja-JP" dirty="0">
-                <a:solidFill>
-                  <a:schemeClr val="bg1">
-                    <a:lumMod val="75000"/>
-                  </a:schemeClr>
-                </a:solidFill>
-              </a:rPr>
-              <a:t>R</a:t>
-            </a:r>
-            <a:r>
-              <a:rPr lang="en-US" altLang="ja-JP" dirty="0">
-                <a:solidFill>
-                  <a:schemeClr val="bg1">
-                    <a:lumMod val="75000"/>
-                  </a:schemeClr>
-                </a:solidFill>
-              </a:rPr>
-              <a:t>oute53</a:t>
-            </a:r>
-            <a:endParaRPr lang="en-US" altLang="ja-JP" dirty="0" smtClean="0">
-              <a:solidFill>
-                <a:srgbClr val="BFBFBF"/>
-              </a:solidFill>
-            </a:endParaRPr>
-          </a:p>
-          <a:p>
-            <a:pPr>
-              <a:buFont typeface="+mj-lt"/>
-              <a:buAutoNum type="arabicPeriod"/>
-            </a:pPr>
-            <a:r>
-              <a:rPr lang="en-US" altLang="ja-JP" dirty="0" smtClean="0">
-                <a:solidFill>
-                  <a:srgbClr val="BFBFBF"/>
-                </a:solidFill>
-              </a:rPr>
-              <a:t>API </a:t>
-            </a:r>
-            <a:r>
-              <a:rPr lang="ja-JP" altLang="en-US" dirty="0" smtClean="0">
-                <a:solidFill>
-                  <a:srgbClr val="BFBFBF"/>
-                </a:solidFill>
-              </a:rPr>
-              <a:t>デプロイ</a:t>
-            </a:r>
-            <a:endParaRPr lang="en-US" altLang="ja-JP" dirty="0">
-              <a:solidFill>
-                <a:srgbClr val="BFBFBF"/>
-              </a:solidFill>
-            </a:endParaRPr>
-          </a:p>
-          <a:p>
-            <a:pPr>
-              <a:buFont typeface="+mj-lt"/>
-              <a:buAutoNum type="arabicPeriod"/>
-            </a:pPr>
-            <a:r>
-              <a:rPr lang="en-US" altLang="ja-JP" dirty="0">
-                <a:solidFill>
-                  <a:schemeClr val="bg1">
-                    <a:lumMod val="75000"/>
-                  </a:schemeClr>
-                </a:solidFill>
-              </a:rPr>
-              <a:t>CMS </a:t>
-            </a:r>
-            <a:r>
-              <a:rPr lang="ja-JP" altLang="en-US" dirty="0">
-                <a:solidFill>
-                  <a:schemeClr val="bg1">
-                    <a:lumMod val="75000"/>
-                  </a:schemeClr>
-                </a:solidFill>
-              </a:rPr>
-              <a:t>デプロイ</a:t>
+              <a:t>Cognito</a:t>
             </a:r>
             <a:endParaRPr lang="en-US" altLang="ja-JP" dirty="0">
               <a:solidFill>
@@ -9500,21 +9302,93 @@
             </a:endParaRPr>
           </a:p>
           <a:p>
+            <a:pPr lvl="1">
+              <a:buFont typeface="+mj-lt"/>
+              <a:buAutoNum type="arabicPeriod"/>
+            </a:pPr>
+            <a:r>
+              <a:rPr lang="ja-JP" altLang="ja-JP" dirty="0">
+                <a:solidFill>
+                  <a:schemeClr val="bg1">
+                    <a:lumMod val="75000"/>
+                  </a:schemeClr>
+                </a:solidFill>
+              </a:rPr>
+              <a:t>R</a:t>
+            </a:r>
+            <a:r>
+              <a:rPr lang="en-US" altLang="ja-JP" dirty="0">
+                <a:solidFill>
+                  <a:schemeClr val="bg1">
+                    <a:lumMod val="75000"/>
+                  </a:schemeClr>
+                </a:solidFill>
+              </a:rPr>
+              <a:t>oute53</a:t>
+            </a:r>
+            <a:endParaRPr lang="en-US" altLang="ja-JP" dirty="0" smtClean="0">
+              <a:solidFill>
+                <a:srgbClr val="BFBFBF"/>
+              </a:solidFill>
+            </a:endParaRPr>
+          </a:p>
+          <a:p>
             <a:pPr>
               <a:buFont typeface="+mj-lt"/>
               <a:buAutoNum type="arabicPeriod"/>
             </a:pPr>
             <a:r>
+              <a:rPr lang="en-US" altLang="ja-JP" dirty="0" smtClean="0">
+                <a:solidFill>
+                  <a:srgbClr val="BFBFBF"/>
+                </a:solidFill>
+              </a:rPr>
+              <a:t>API </a:t>
+            </a:r>
+            <a:r>
               <a:rPr lang="ja-JP" altLang="en-US" dirty="0" smtClean="0">
                 <a:solidFill>
                   <a:srgbClr val="BFBFBF"/>
                 </a:solidFill>
               </a:rPr>
-              <a:t>コンテンツ登録</a:t>
-            </a:r>
-            <a:endParaRPr lang="en-US" altLang="ja-JP" dirty="0" smtClean="0">
+              <a:t>デプロイ</a:t>
+            </a:r>
+            <a:endParaRPr lang="en-US" altLang="ja-JP" dirty="0">
               <a:solidFill>
                 <a:srgbClr val="BFBFBF"/>
+              </a:solidFill>
+            </a:endParaRPr>
+          </a:p>
+          <a:p>
+            <a:pPr>
+              <a:buFont typeface="+mj-lt"/>
+              <a:buAutoNum type="arabicPeriod"/>
+            </a:pPr>
+            <a:r>
+              <a:rPr lang="en-US" altLang="ja-JP" dirty="0">
+                <a:solidFill>
+                  <a:schemeClr val="bg1">
+                    <a:lumMod val="75000"/>
+                  </a:schemeClr>
+                </a:solidFill>
+              </a:rPr>
+              <a:t>CMS </a:t>
+            </a:r>
+            <a:r>
+              <a:rPr lang="ja-JP" altLang="en-US" dirty="0">
+                <a:solidFill>
+                  <a:schemeClr val="bg1">
+                    <a:lumMod val="75000"/>
+                  </a:schemeClr>
+                </a:solidFill>
+              </a:rPr>
+              <a:t>デプロイ</a:t>
+            </a:r>
+            <a:endParaRPr lang="en-US" altLang="ja-JP" dirty="0">
+              <a:solidFill>
+                <a:schemeClr val="bg1">
+                  <a:lumMod val="75000"/>
+                </a:schemeClr>
               </a:solidFill>
             </a:endParaRPr>
           </a:p>
@@ -12640,108 +12514,14 @@
               <a:buAutoNum type="arabicPeriod"/>
             </a:pPr>
             <a:r>
-              <a:rPr lang="ja-JP" altLang="ja-JP" dirty="0">
+              <a:rPr lang="en-US" altLang="ja-JP" dirty="0" smtClean="0">
                 <a:solidFill>
                   <a:schemeClr val="bg1">
                     <a:lumMod val="75000"/>
                   </a:schemeClr>
                 </a:solidFill>
               </a:rPr>
-              <a:t>C</a:t>
-            </a:r>
-            <a:r>
-              <a:rPr lang="en-US" altLang="ja-JP" dirty="0">
-                <a:solidFill>
-                  <a:schemeClr val="bg1">
-                    <a:lumMod val="75000"/>
-                  </a:schemeClr>
-                </a:solidFill>
-              </a:rPr>
-              <a:t>ognite</a:t>
-            </a:r>
-          </a:p>
-          <a:p>
-            <a:pPr lvl="1">
-              <a:buFont typeface="+mj-lt"/>
-              <a:buAutoNum type="arabicPeriod"/>
-            </a:pPr>
-            <a:r>
-              <a:rPr lang="ja-JP" altLang="ja-JP" dirty="0">
-                <a:solidFill>
-                  <a:schemeClr val="bg1">
-                    <a:lumMod val="75000"/>
-                  </a:schemeClr>
-                </a:solidFill>
-              </a:rPr>
-              <a:t>R</a:t>
-            </a:r>
-            <a:r>
-              <a:rPr lang="en-US" altLang="ja-JP" dirty="0">
-                <a:solidFill>
-                  <a:schemeClr val="bg1">
-                    <a:lumMod val="75000"/>
-                  </a:schemeClr>
-                </a:solidFill>
-              </a:rPr>
-              <a:t>oute53</a:t>
-            </a:r>
-            <a:endParaRPr lang="en-US" altLang="ja-JP" dirty="0" smtClean="0">
-              <a:solidFill>
-                <a:srgbClr val="BFBFBF"/>
-              </a:solidFill>
-            </a:endParaRPr>
-          </a:p>
-          <a:p>
-            <a:pPr>
-              <a:buFont typeface="+mj-lt"/>
-              <a:buAutoNum type="arabicPeriod"/>
-            </a:pPr>
-            <a:r>
-              <a:rPr lang="en-US" altLang="ja-JP" dirty="0" smtClean="0">
-                <a:solidFill>
-                  <a:srgbClr val="BFBFBF"/>
-                </a:solidFill>
-              </a:rPr>
-              <a:t>API </a:t>
-            </a:r>
-            <a:r>
-              <a:rPr lang="ja-JP" altLang="en-US" dirty="0" smtClean="0">
-                <a:solidFill>
-                  <a:srgbClr val="BFBFBF"/>
-                </a:solidFill>
-              </a:rPr>
-              <a:t>デプロイ</a:t>
-            </a:r>
-            <a:endParaRPr lang="en-US" altLang="ja-JP" dirty="0">
-              <a:solidFill>
-                <a:srgbClr val="BFBFBF"/>
-              </a:solidFill>
-            </a:endParaRPr>
-          </a:p>
-          <a:p>
-            <a:pPr>
-              <a:buFont typeface="+mj-lt"/>
-              <a:buAutoNum type="arabicPeriod"/>
-            </a:pPr>
-            <a:r>
-              <a:rPr lang="en-US" altLang="ja-JP" dirty="0">
-                <a:solidFill>
-                  <a:schemeClr val="bg1">
-                    <a:lumMod val="75000"/>
-                  </a:schemeClr>
-                </a:solidFill>
-              </a:rPr>
-              <a:t>CMS </a:t>
-            </a:r>
-            <a:r>
-              <a:rPr lang="ja-JP" altLang="en-US" dirty="0">
-                <a:solidFill>
-                  <a:schemeClr val="bg1">
-                    <a:lumMod val="75000"/>
-                  </a:schemeClr>
-                </a:solidFill>
-              </a:rPr>
-              <a:t>デプロイ</a:t>
+              <a:t>Cognito</a:t>
             </a:r>
             <a:endParaRPr lang="en-US" altLang="ja-JP" dirty="0">
               <a:solidFill>
@@ -12752,21 +12532,93 @@
             </a:endParaRPr>
           </a:p>
           <a:p>
+            <a:pPr lvl="1">
+              <a:buFont typeface="+mj-lt"/>
+              <a:buAutoNum type="arabicPeriod"/>
+            </a:pPr>
+            <a:r>
+              <a:rPr lang="ja-JP" altLang="ja-JP" dirty="0">
+                <a:solidFill>
+                  <a:schemeClr val="bg1">
+                    <a:lumMod val="75000"/>
+                  </a:schemeClr>
+                </a:solidFill>
+              </a:rPr>
+              <a:t>R</a:t>
+            </a:r>
+            <a:r>
+              <a:rPr lang="en-US" altLang="ja-JP" dirty="0">
+                <a:solidFill>
+                  <a:schemeClr val="bg1">
+                    <a:lumMod val="75000"/>
+                  </a:schemeClr>
+                </a:solidFill>
+              </a:rPr>
+              <a:t>oute53</a:t>
+            </a:r>
+            <a:endParaRPr lang="en-US" altLang="ja-JP" dirty="0" smtClean="0">
+              <a:solidFill>
+                <a:srgbClr val="BFBFBF"/>
+              </a:solidFill>
+            </a:endParaRPr>
+          </a:p>
+          <a:p>
             <a:pPr>
               <a:buFont typeface="+mj-lt"/>
               <a:buAutoNum type="arabicPeriod"/>
             </a:pPr>
             <a:r>
+              <a:rPr lang="en-US" altLang="ja-JP" dirty="0" smtClean="0">
+                <a:solidFill>
+                  <a:srgbClr val="BFBFBF"/>
+                </a:solidFill>
+              </a:rPr>
+              <a:t>API </a:t>
+            </a:r>
+            <a:r>
               <a:rPr lang="ja-JP" altLang="en-US" dirty="0" smtClean="0">
                 <a:solidFill>
                   <a:srgbClr val="BFBFBF"/>
                 </a:solidFill>
               </a:rPr>
-              <a:t>コンテンツ登録</a:t>
-            </a:r>
-            <a:endParaRPr lang="en-US" altLang="ja-JP" dirty="0" smtClean="0">
+              <a:t>デプロイ</a:t>
+            </a:r>
+            <a:endParaRPr lang="en-US" altLang="ja-JP" dirty="0">
               <a:solidFill>
                 <a:srgbClr val="BFBFBF"/>
+              </a:solidFill>
+            </a:endParaRPr>
+          </a:p>
+          <a:p>
+            <a:pPr>
+              <a:buFont typeface="+mj-lt"/>
+              <a:buAutoNum type="arabicPeriod"/>
+            </a:pPr>
+            <a:r>
+              <a:rPr lang="en-US" altLang="ja-JP" dirty="0">
+                <a:solidFill>
+                  <a:schemeClr val="bg1">
+                    <a:lumMod val="75000"/>
+                  </a:schemeClr>
+                </a:solidFill>
+              </a:rPr>
+              <a:t>CMS </a:t>
+            </a:r>
+            <a:r>
+              <a:rPr lang="ja-JP" altLang="en-US" dirty="0">
+                <a:solidFill>
+                  <a:schemeClr val="bg1">
+                    <a:lumMod val="75000"/>
+                  </a:schemeClr>
+                </a:solidFill>
+              </a:rPr>
+              <a:t>デプロイ</a:t>
+            </a:r>
+            <a:endParaRPr lang="en-US" altLang="ja-JP" dirty="0">
+              <a:solidFill>
+                <a:schemeClr val="bg1">
+                  <a:lumMod val="75000"/>
+                </a:schemeClr>
               </a:solidFill>
             </a:endParaRPr>
           </a:p>
@@ -14636,108 +14488,14 @@
               <a:buAutoNum type="arabicPeriod"/>
             </a:pPr>
             <a:r>
-              <a:rPr lang="ja-JP" altLang="ja-JP" dirty="0">
+              <a:rPr lang="en-US" altLang="ja-JP" dirty="0" smtClean="0">
                 <a:solidFill>
                   <a:schemeClr val="bg1">
                     <a:lumMod val="75000"/>
                   </a:schemeClr>
                 </a:solidFill>
               </a:rPr>
-              <a:t>C</a:t>
-            </a:r>
-            <a:r>
-              <a:rPr lang="en-US" altLang="ja-JP" dirty="0">
-                <a:solidFill>
-                  <a:schemeClr val="bg1">
-                    <a:lumMod val="75000"/>
-                  </a:schemeClr>
-                </a:solidFill>
-              </a:rPr>
-              <a:t>ognite</a:t>
-            </a:r>
-          </a:p>
-          <a:p>
-            <a:pPr lvl="1">
-              <a:buFont typeface="+mj-lt"/>
-              <a:buAutoNum type="arabicPeriod"/>
-            </a:pPr>
-            <a:r>
-              <a:rPr lang="ja-JP" altLang="ja-JP" dirty="0">
-                <a:solidFill>
-                  <a:schemeClr val="bg1">
-                    <a:lumMod val="75000"/>
-                  </a:schemeClr>
-                </a:solidFill>
-              </a:rPr>
-              <a:t>R</a:t>
-            </a:r>
-            <a:r>
-              <a:rPr lang="en-US" altLang="ja-JP" dirty="0">
-                <a:solidFill>
-                  <a:schemeClr val="bg1">
-                    <a:lumMod val="75000"/>
-                  </a:schemeClr>
-                </a:solidFill>
-              </a:rPr>
-              <a:t>oute53</a:t>
-            </a:r>
-            <a:endParaRPr lang="en-US" altLang="ja-JP" dirty="0" smtClean="0">
-              <a:solidFill>
-                <a:srgbClr val="BFBFBF"/>
-              </a:solidFill>
-            </a:endParaRPr>
-          </a:p>
-          <a:p>
-            <a:pPr>
-              <a:buFont typeface="+mj-lt"/>
-              <a:buAutoNum type="arabicPeriod"/>
-            </a:pPr>
-            <a:r>
-              <a:rPr lang="en-US" altLang="ja-JP" dirty="0" smtClean="0">
-                <a:solidFill>
-                  <a:srgbClr val="BFBFBF"/>
-                </a:solidFill>
-              </a:rPr>
-              <a:t>API </a:t>
-            </a:r>
-            <a:r>
-              <a:rPr lang="ja-JP" altLang="en-US" dirty="0" smtClean="0">
-                <a:solidFill>
-                  <a:srgbClr val="BFBFBF"/>
-                </a:solidFill>
-              </a:rPr>
-              <a:t>デプロイ</a:t>
-            </a:r>
-            <a:endParaRPr lang="en-US" altLang="ja-JP" dirty="0">
-              <a:solidFill>
-                <a:srgbClr val="BFBFBF"/>
-              </a:solidFill>
-            </a:endParaRPr>
-          </a:p>
-          <a:p>
-            <a:pPr>
-              <a:buFont typeface="+mj-lt"/>
-              <a:buAutoNum type="arabicPeriod"/>
-            </a:pPr>
-            <a:r>
-              <a:rPr lang="en-US" altLang="ja-JP" dirty="0">
-                <a:solidFill>
-                  <a:schemeClr val="bg1">
-                    <a:lumMod val="75000"/>
-                  </a:schemeClr>
-                </a:solidFill>
-              </a:rPr>
-              <a:t>CMS </a:t>
-            </a:r>
-            <a:r>
-              <a:rPr lang="ja-JP" altLang="en-US" dirty="0">
-                <a:solidFill>
-                  <a:schemeClr val="bg1">
-                    <a:lumMod val="75000"/>
-                  </a:schemeClr>
-                </a:solidFill>
-              </a:rPr>
-              <a:t>デプロイ</a:t>
+              <a:t>Cognito</a:t>
             </a:r>
             <a:endParaRPr lang="en-US" altLang="ja-JP" dirty="0">
               <a:solidFill>
@@ -14748,21 +14506,93 @@
             </a:endParaRPr>
           </a:p>
           <a:p>
+            <a:pPr lvl="1">
+              <a:buFont typeface="+mj-lt"/>
+              <a:buAutoNum type="arabicPeriod"/>
+            </a:pPr>
+            <a:r>
+              <a:rPr lang="ja-JP" altLang="ja-JP" dirty="0">
+                <a:solidFill>
+                  <a:schemeClr val="bg1">
+                    <a:lumMod val="75000"/>
+                  </a:schemeClr>
+                </a:solidFill>
+              </a:rPr>
+              <a:t>R</a:t>
+            </a:r>
+            <a:r>
+              <a:rPr lang="en-US" altLang="ja-JP" dirty="0">
+                <a:solidFill>
+                  <a:schemeClr val="bg1">
+                    <a:lumMod val="75000"/>
+                  </a:schemeClr>
+                </a:solidFill>
+              </a:rPr>
+              <a:t>oute53</a:t>
+            </a:r>
+            <a:endParaRPr lang="en-US" altLang="ja-JP" dirty="0" smtClean="0">
+              <a:solidFill>
+                <a:srgbClr val="BFBFBF"/>
+              </a:solidFill>
+            </a:endParaRPr>
+          </a:p>
+          <a:p>
             <a:pPr>
               <a:buFont typeface="+mj-lt"/>
               <a:buAutoNum type="arabicPeriod"/>
             </a:pPr>
             <a:r>
+              <a:rPr lang="en-US" altLang="ja-JP" dirty="0" smtClean="0">
+                <a:solidFill>
+                  <a:srgbClr val="BFBFBF"/>
+                </a:solidFill>
+              </a:rPr>
+              <a:t>API </a:t>
+            </a:r>
+            <a:r>
               <a:rPr lang="ja-JP" altLang="en-US" dirty="0" smtClean="0">
                 <a:solidFill>
                   <a:srgbClr val="BFBFBF"/>
                 </a:solidFill>
               </a:rPr>
-              <a:t>コンテンツ登録</a:t>
-            </a:r>
-            <a:endParaRPr lang="en-US" altLang="ja-JP" dirty="0" smtClean="0">
+              <a:t>デプロイ</a:t>
+            </a:r>
+            <a:endParaRPr lang="en-US" altLang="ja-JP" dirty="0">
               <a:solidFill>
                 <a:srgbClr val="BFBFBF"/>
+              </a:solidFill>
+            </a:endParaRPr>
+          </a:p>
+          <a:p>
+            <a:pPr>
+              <a:buFont typeface="+mj-lt"/>
+              <a:buAutoNum type="arabicPeriod"/>
+            </a:pPr>
+            <a:r>
+              <a:rPr lang="en-US" altLang="ja-JP" dirty="0">
+                <a:solidFill>
+                  <a:schemeClr val="bg1">
+                    <a:lumMod val="75000"/>
+                  </a:schemeClr>
+                </a:solidFill>
+              </a:rPr>
+              <a:t>CMS </a:t>
+            </a:r>
+            <a:r>
+              <a:rPr lang="ja-JP" altLang="en-US" dirty="0">
+                <a:solidFill>
+                  <a:schemeClr val="bg1">
+                    <a:lumMod val="75000"/>
+                  </a:schemeClr>
+                </a:solidFill>
+              </a:rPr>
+              <a:t>デプロイ</a:t>
+            </a:r>
+            <a:endParaRPr lang="en-US" altLang="ja-JP" dirty="0">
+              <a:solidFill>
+                <a:schemeClr val="bg1">
+                  <a:lumMod val="75000"/>
+                </a:schemeClr>
               </a:solidFill>
             </a:endParaRPr>
           </a:p>
@@ -15572,108 +15402,14 @@
               <a:buAutoNum type="arabicPeriod"/>
             </a:pPr>
             <a:r>
-              <a:rPr lang="ja-JP" altLang="ja-JP" dirty="0">
+              <a:rPr lang="en-US" altLang="ja-JP" dirty="0" smtClean="0">
                 <a:solidFill>
                   <a:schemeClr val="bg1">
                     <a:lumMod val="75000"/>
                   </a:schemeClr>
                 </a:solidFill>
               </a:rPr>
-              <a:t>C</a:t>
-            </a:r>
-            <a:r>
-              <a:rPr lang="en-US" altLang="ja-JP" dirty="0">
-                <a:solidFill>
-                  <a:schemeClr val="bg1">
-                    <a:lumMod val="75000"/>
-                  </a:schemeClr>
-                </a:solidFill>
-              </a:rPr>
-              <a:t>ognite</a:t>
-            </a:r>
-          </a:p>
-          <a:p>
-            <a:pPr lvl="1">
-              <a:buFont typeface="+mj-lt"/>
-              <a:buAutoNum type="arabicPeriod"/>
-            </a:pPr>
-            <a:r>
-              <a:rPr lang="ja-JP" altLang="ja-JP" dirty="0">
-                <a:solidFill>
-                  <a:schemeClr val="bg1">
-                    <a:lumMod val="75000"/>
-                  </a:schemeClr>
-                </a:solidFill>
-              </a:rPr>
-              <a:t>R</a:t>
-            </a:r>
-            <a:r>
-              <a:rPr lang="en-US" altLang="ja-JP" dirty="0">
-                <a:solidFill>
-                  <a:schemeClr val="bg1">
-                    <a:lumMod val="75000"/>
-                  </a:schemeClr>
-                </a:solidFill>
-              </a:rPr>
-              <a:t>oute53</a:t>
-            </a:r>
-            <a:endParaRPr lang="en-US" altLang="ja-JP" dirty="0" smtClean="0">
-              <a:solidFill>
-                <a:srgbClr val="BFBFBF"/>
-              </a:solidFill>
-            </a:endParaRPr>
-          </a:p>
-          <a:p>
-            <a:pPr>
-              <a:buFont typeface="+mj-lt"/>
-              <a:buAutoNum type="arabicPeriod"/>
-            </a:pPr>
-            <a:r>
-              <a:rPr lang="en-US" altLang="ja-JP" dirty="0" smtClean="0">
-                <a:solidFill>
-                  <a:srgbClr val="BFBFBF"/>
-                </a:solidFill>
-              </a:rPr>
-              <a:t>API </a:t>
-            </a:r>
-            <a:r>
-              <a:rPr lang="ja-JP" altLang="en-US" dirty="0" smtClean="0">
-                <a:solidFill>
-                  <a:srgbClr val="BFBFBF"/>
-                </a:solidFill>
-              </a:rPr>
-              <a:t>デプロイ</a:t>
-            </a:r>
-            <a:endParaRPr lang="en-US" altLang="ja-JP" dirty="0">
-              <a:solidFill>
-                <a:srgbClr val="BFBFBF"/>
-              </a:solidFill>
-            </a:endParaRPr>
-          </a:p>
-          <a:p>
-            <a:pPr>
-              <a:buFont typeface="+mj-lt"/>
-              <a:buAutoNum type="arabicPeriod"/>
-            </a:pPr>
-            <a:r>
-              <a:rPr lang="en-US" altLang="ja-JP" dirty="0">
-                <a:solidFill>
-                  <a:schemeClr val="bg1">
-                    <a:lumMod val="75000"/>
-                  </a:schemeClr>
-                </a:solidFill>
-              </a:rPr>
-              <a:t>CMS </a:t>
-            </a:r>
-            <a:r>
-              <a:rPr lang="ja-JP" altLang="en-US" dirty="0">
-                <a:solidFill>
-                  <a:schemeClr val="bg1">
-                    <a:lumMod val="75000"/>
-                  </a:schemeClr>
-                </a:solidFill>
-              </a:rPr>
-              <a:t>デプロイ</a:t>
+              <a:t>Cognito</a:t>
             </a:r>
             <a:endParaRPr lang="en-US" altLang="ja-JP" dirty="0">
               <a:solidFill>
@@ -15684,21 +15420,93 @@
             </a:endParaRPr>
           </a:p>
           <a:p>
+            <a:pPr lvl="1">
+              <a:buFont typeface="+mj-lt"/>
+              <a:buAutoNum type="arabicPeriod"/>
+            </a:pPr>
+            <a:r>
+              <a:rPr lang="ja-JP" altLang="ja-JP" dirty="0">
+                <a:solidFill>
+                  <a:schemeClr val="bg1">
+                    <a:lumMod val="75000"/>
+                  </a:schemeClr>
+                </a:solidFill>
+              </a:rPr>
+              <a:t>R</a:t>
+            </a:r>
+            <a:r>
+              <a:rPr lang="en-US" altLang="ja-JP" dirty="0">
+                <a:solidFill>
+                  <a:schemeClr val="bg1">
+                    <a:lumMod val="75000"/>
+                  </a:schemeClr>
+                </a:solidFill>
+              </a:rPr>
+              <a:t>oute53</a:t>
+            </a:r>
+            <a:endParaRPr lang="en-US" altLang="ja-JP" dirty="0" smtClean="0">
+              <a:solidFill>
+                <a:srgbClr val="BFBFBF"/>
+              </a:solidFill>
+            </a:endParaRPr>
+          </a:p>
+          <a:p>
             <a:pPr>
               <a:buFont typeface="+mj-lt"/>
               <a:buAutoNum type="arabicPeriod"/>
             </a:pPr>
             <a:r>
+              <a:rPr lang="en-US" altLang="ja-JP" dirty="0" smtClean="0">
+                <a:solidFill>
+                  <a:srgbClr val="BFBFBF"/>
+                </a:solidFill>
+              </a:rPr>
+              <a:t>API </a:t>
+            </a:r>
+            <a:r>
               <a:rPr lang="ja-JP" altLang="en-US" dirty="0" smtClean="0">
                 <a:solidFill>
                   <a:srgbClr val="BFBFBF"/>
                 </a:solidFill>
               </a:rPr>
-              <a:t>コンテンツ登録</a:t>
-            </a:r>
-            <a:endParaRPr lang="en-US" altLang="ja-JP" dirty="0" smtClean="0">
+              <a:t>デプロイ</a:t>
+            </a:r>
+            <a:endParaRPr lang="en-US" altLang="ja-JP" dirty="0">
               <a:solidFill>
                 <a:srgbClr val="BFBFBF"/>
+              </a:solidFill>
+            </a:endParaRPr>
+          </a:p>
+          <a:p>
+            <a:pPr>
+              <a:buFont typeface="+mj-lt"/>
+              <a:buAutoNum type="arabicPeriod"/>
+            </a:pPr>
+            <a:r>
+              <a:rPr lang="en-US" altLang="ja-JP" dirty="0">
+                <a:solidFill>
+                  <a:schemeClr val="bg1">
+                    <a:lumMod val="75000"/>
+                  </a:schemeClr>
+                </a:solidFill>
+              </a:rPr>
+              <a:t>CMS </a:t>
+            </a:r>
+            <a:r>
+              <a:rPr lang="ja-JP" altLang="en-US" dirty="0">
+                <a:solidFill>
+                  <a:schemeClr val="bg1">
+                    <a:lumMod val="75000"/>
+                  </a:schemeClr>
+                </a:solidFill>
+              </a:rPr>
+              <a:t>デプロイ</a:t>
+            </a:r>
+            <a:endParaRPr lang="en-US" altLang="ja-JP" dirty="0">
+              <a:solidFill>
+                <a:schemeClr val="bg1">
+                  <a:lumMod val="75000"/>
+                </a:schemeClr>
               </a:solidFill>
             </a:endParaRPr>
           </a:p>
@@ -16162,6 +15970,17 @@
                         <a:t>」、値「</a:t>
                       </a:r>
                       <a:r>
+                        <a:rPr lang="en-US" altLang="ja-JP" sz="1200" b="0" i="0" u="none" strike="noStrike" dirty="0" err="1" smtClean="0">
+                          <a:solidFill>
+                            <a:srgbClr val="000000"/>
+                          </a:solidFill>
+                          <a:effectLst/>
+                          <a:latin typeface="游ゴシック" panose="020B0400000000000000" pitchFamily="50" charset="-128"/>
+                          <a:ea typeface="游ゴシック" panose="020B0400000000000000" pitchFamily="50" charset="-128"/>
+                        </a:rPr>
+                        <a:t>MsAR</a:t>
+                      </a:r>
+                      <a:r>
                         <a:rPr lang="en-US" altLang="ja-JP" sz="1200" b="0" i="0" u="none" strike="noStrike" dirty="0" smtClean="0">
                           <a:solidFill>
                             <a:srgbClr val="000000"/>
@@ -16170,7 +15989,7 @@
                           <a:latin typeface="游ゴシック" panose="020B0400000000000000" pitchFamily="50" charset="-128"/>
                           <a:ea typeface="游ゴシック" panose="020B0400000000000000" pitchFamily="50" charset="-128"/>
                         </a:rPr>
-                        <a:t>MsAR </a:t>
+                        <a:t> </a:t>
                       </a:r>
                       <a:r>
                         <a:rPr lang="ja-JP" altLang="en-US" sz="1200" b="0" i="0" u="none" strike="noStrike" dirty="0" smtClean="0">
@@ -17770,108 +17589,14 @@
               <a:buAutoNum type="arabicPeriod"/>
             </a:pPr>
             <a:r>
-              <a:rPr lang="ja-JP" altLang="ja-JP" dirty="0">
+              <a:rPr lang="en-US" altLang="ja-JP" dirty="0" smtClean="0">
                 <a:solidFill>
                   <a:schemeClr val="bg1">
                     <a:lumMod val="75000"/>
                   </a:schemeClr>
                 </a:solidFill>
               </a:rPr>
-              <a:t>C</a:t>
-            </a:r>
-            <a:r>
-              <a:rPr lang="en-US" altLang="ja-JP" dirty="0">
-                <a:solidFill>
-                  <a:schemeClr val="bg1">
-                    <a:lumMod val="75000"/>
-                  </a:schemeClr>
-                </a:solidFill>
-              </a:rPr>
-              <a:t>ognite</a:t>
-            </a:r>
-          </a:p>
-          <a:p>
-            <a:pPr lvl="1">
-              <a:buFont typeface="+mj-lt"/>
-              <a:buAutoNum type="arabicPeriod"/>
-            </a:pPr>
-            <a:r>
-              <a:rPr lang="ja-JP" altLang="ja-JP" dirty="0">
-                <a:solidFill>
-                  <a:schemeClr val="bg1">
-                    <a:lumMod val="75000"/>
-                  </a:schemeClr>
-                </a:solidFill>
-              </a:rPr>
-              <a:t>R</a:t>
-            </a:r>
-            <a:r>
-              <a:rPr lang="en-US" altLang="ja-JP" dirty="0">
-                <a:solidFill>
-                  <a:schemeClr val="bg1">
-                    <a:lumMod val="75000"/>
-                  </a:schemeClr>
-                </a:solidFill>
-              </a:rPr>
-              <a:t>oute53</a:t>
-            </a:r>
-            <a:endParaRPr lang="en-US" altLang="ja-JP" dirty="0" smtClean="0">
-              <a:solidFill>
-                <a:srgbClr val="BFBFBF"/>
-              </a:solidFill>
-            </a:endParaRPr>
-          </a:p>
-          <a:p>
-            <a:pPr>
-              <a:buFont typeface="+mj-lt"/>
-              <a:buAutoNum type="arabicPeriod"/>
-            </a:pPr>
-            <a:r>
-              <a:rPr lang="en-US" altLang="ja-JP" dirty="0" smtClean="0">
-                <a:solidFill>
-                  <a:srgbClr val="BFBFBF"/>
-                </a:solidFill>
-              </a:rPr>
-              <a:t>API </a:t>
-            </a:r>
-            <a:r>
-              <a:rPr lang="ja-JP" altLang="en-US" dirty="0" smtClean="0">
-                <a:solidFill>
-                  <a:srgbClr val="BFBFBF"/>
-                </a:solidFill>
-              </a:rPr>
-              <a:t>デプロイ</a:t>
-            </a:r>
-            <a:endParaRPr lang="en-US" altLang="ja-JP" dirty="0">
-              <a:solidFill>
-                <a:srgbClr val="BFBFBF"/>
-              </a:solidFill>
-            </a:endParaRPr>
-          </a:p>
-          <a:p>
-            <a:pPr>
-              <a:buFont typeface="+mj-lt"/>
-              <a:buAutoNum type="arabicPeriod"/>
-            </a:pPr>
-            <a:r>
-              <a:rPr lang="en-US" altLang="ja-JP" dirty="0">
-                <a:solidFill>
-                  <a:schemeClr val="bg1">
-                    <a:lumMod val="75000"/>
-                  </a:schemeClr>
-                </a:solidFill>
-              </a:rPr>
-              <a:t>CMS </a:t>
-            </a:r>
-            <a:r>
-              <a:rPr lang="ja-JP" altLang="en-US" dirty="0">
-                <a:solidFill>
-                  <a:schemeClr val="bg1">
-                    <a:lumMod val="75000"/>
-                  </a:schemeClr>
-                </a:solidFill>
-              </a:rPr>
-              <a:t>デプロイ</a:t>
+              <a:t>Cognito</a:t>
             </a:r>
             <a:endParaRPr lang="en-US" altLang="ja-JP" dirty="0">
               <a:solidFill>
@@ -17882,21 +17607,93 @@
             </a:endParaRPr>
           </a:p>
           <a:p>
+            <a:pPr lvl="1">
+              <a:buFont typeface="+mj-lt"/>
+              <a:buAutoNum type="arabicPeriod"/>
+            </a:pPr>
+            <a:r>
+              <a:rPr lang="ja-JP" altLang="ja-JP" dirty="0">
+                <a:solidFill>
+                  <a:schemeClr val="bg1">
+                    <a:lumMod val="75000"/>
+                  </a:schemeClr>
+                </a:solidFill>
+              </a:rPr>
+              <a:t>R</a:t>
+            </a:r>
+            <a:r>
+              <a:rPr lang="en-US" altLang="ja-JP" dirty="0">
+                <a:solidFill>
+                  <a:schemeClr val="bg1">
+                    <a:lumMod val="75000"/>
+                  </a:schemeClr>
+                </a:solidFill>
+              </a:rPr>
+              <a:t>oute53</a:t>
+            </a:r>
+            <a:endParaRPr lang="en-US" altLang="ja-JP" dirty="0" smtClean="0">
+              <a:solidFill>
+                <a:srgbClr val="BFBFBF"/>
+              </a:solidFill>
+            </a:endParaRPr>
+          </a:p>
+          <a:p>
             <a:pPr>
               <a:buFont typeface="+mj-lt"/>
               <a:buAutoNum type="arabicPeriod"/>
             </a:pPr>
             <a:r>
+              <a:rPr lang="en-US" altLang="ja-JP" dirty="0" smtClean="0">
+                <a:solidFill>
+                  <a:srgbClr val="BFBFBF"/>
+                </a:solidFill>
+              </a:rPr>
+              <a:t>API </a:t>
+            </a:r>
+            <a:r>
               <a:rPr lang="ja-JP" altLang="en-US" dirty="0" smtClean="0">
                 <a:solidFill>
                   <a:srgbClr val="BFBFBF"/>
                 </a:solidFill>
               </a:rPr>
-              <a:t>コンテンツ登録</a:t>
-            </a:r>
-            <a:endParaRPr lang="en-US" altLang="ja-JP" dirty="0" smtClean="0">
+              <a:t>デプロイ</a:t>
+            </a:r>
+            <a:endParaRPr lang="en-US" altLang="ja-JP" dirty="0">
               <a:solidFill>
                 <a:srgbClr val="BFBFBF"/>
+              </a:solidFill>
+            </a:endParaRPr>
+          </a:p>
+          <a:p>
+            <a:pPr>
+              <a:buFont typeface="+mj-lt"/>
+              <a:buAutoNum type="arabicPeriod"/>
+            </a:pPr>
+            <a:r>
+              <a:rPr lang="en-US" altLang="ja-JP" dirty="0">
+                <a:solidFill>
+                  <a:schemeClr val="bg1">
+                    <a:lumMod val="75000"/>
+                  </a:schemeClr>
+                </a:solidFill>
+              </a:rPr>
+              <a:t>CMS </a:t>
+            </a:r>
+            <a:r>
+              <a:rPr lang="ja-JP" altLang="en-US" dirty="0">
+                <a:solidFill>
+                  <a:schemeClr val="bg1">
+                    <a:lumMod val="75000"/>
+                  </a:schemeClr>
+                </a:solidFill>
+              </a:rPr>
+              <a:t>デプロイ</a:t>
+            </a:r>
+            <a:endParaRPr lang="en-US" altLang="ja-JP" dirty="0">
+              <a:solidFill>
+                <a:schemeClr val="bg1">
+                  <a:lumMod val="75000"/>
+                </a:schemeClr>
               </a:solidFill>
             </a:endParaRPr>
           </a:p>
@@ -18453,8 +18250,12 @@
               <a:t>」、値「</a:t>
             </a:r>
             <a:r>
+              <a:rPr lang="en-US" altLang="ja-JP" dirty="0" err="1"/>
+              <a:t>MsAR</a:t>
+            </a:r>
+            <a:r>
               <a:rPr lang="en-US" altLang="ja-JP" dirty="0"/>
-              <a:t>MsAR </a:t>
+              <a:t> </a:t>
             </a:r>
             <a:r>
               <a:rPr lang="ja-JP" altLang="en-US" dirty="0"/>
@@ -19030,108 +18831,14 @@
               <a:buAutoNum type="arabicPeriod"/>
             </a:pPr>
             <a:r>
-              <a:rPr lang="ja-JP" altLang="ja-JP" dirty="0">
+              <a:rPr lang="en-US" altLang="ja-JP" dirty="0" smtClean="0">
                 <a:solidFill>
                   <a:schemeClr val="bg1">
                     <a:lumMod val="75000"/>
                   </a:schemeClr>
                 </a:solidFill>
               </a:rPr>
-              <a:t>C</a:t>
-            </a:r>
-            <a:r>
-              <a:rPr lang="en-US" altLang="ja-JP" dirty="0">
-                <a:solidFill>
-                  <a:schemeClr val="bg1">
-                    <a:lumMod val="75000"/>
-                  </a:schemeClr>
-                </a:solidFill>
-              </a:rPr>
-              <a:t>ognite</a:t>
-            </a:r>
-          </a:p>
-          <a:p>
-            <a:pPr lvl="1">
-              <a:buFont typeface="+mj-lt"/>
-              <a:buAutoNum type="arabicPeriod"/>
-            </a:pPr>
-            <a:r>
-              <a:rPr lang="ja-JP" altLang="ja-JP" dirty="0">
-                <a:solidFill>
-                  <a:schemeClr val="bg1">
-                    <a:lumMod val="75000"/>
-                  </a:schemeClr>
-                </a:solidFill>
-              </a:rPr>
-              <a:t>R</a:t>
-            </a:r>
-            <a:r>
-              <a:rPr lang="en-US" altLang="ja-JP" dirty="0">
-                <a:solidFill>
-                  <a:schemeClr val="bg1">
-                    <a:lumMod val="75000"/>
-                  </a:schemeClr>
-                </a:solidFill>
-              </a:rPr>
-              <a:t>oute53</a:t>
-            </a:r>
-            <a:endParaRPr lang="en-US" altLang="ja-JP" dirty="0" smtClean="0">
-              <a:solidFill>
-                <a:srgbClr val="BFBFBF"/>
-              </a:solidFill>
-            </a:endParaRPr>
-          </a:p>
-          <a:p>
-            <a:pPr>
-              <a:buFont typeface="+mj-lt"/>
-              <a:buAutoNum type="arabicPeriod"/>
-            </a:pPr>
-            <a:r>
-              <a:rPr lang="en-US" altLang="ja-JP" dirty="0" smtClean="0">
-                <a:solidFill>
-                  <a:srgbClr val="BFBFBF"/>
-                </a:solidFill>
-              </a:rPr>
-              <a:t>API </a:t>
-            </a:r>
-            <a:r>
-              <a:rPr lang="ja-JP" altLang="en-US" dirty="0" smtClean="0">
-                <a:solidFill>
-                  <a:srgbClr val="BFBFBF"/>
-                </a:solidFill>
-              </a:rPr>
-              <a:t>デプロイ</a:t>
-            </a:r>
-            <a:endParaRPr lang="en-US" altLang="ja-JP" dirty="0">
-              <a:solidFill>
-                <a:srgbClr val="BFBFBF"/>
-              </a:solidFill>
-            </a:endParaRPr>
-          </a:p>
-          <a:p>
-            <a:pPr>
-              <a:buFont typeface="+mj-lt"/>
-              <a:buAutoNum type="arabicPeriod"/>
-            </a:pPr>
-            <a:r>
-              <a:rPr lang="en-US" altLang="ja-JP" dirty="0">
-                <a:solidFill>
-                  <a:schemeClr val="bg1">
-                    <a:lumMod val="75000"/>
-                  </a:schemeClr>
-                </a:solidFill>
-              </a:rPr>
-              <a:t>CMS </a:t>
-            </a:r>
-            <a:r>
-              <a:rPr lang="ja-JP" altLang="en-US" dirty="0">
-                <a:solidFill>
-                  <a:schemeClr val="bg1">
-                    <a:lumMod val="75000"/>
-                  </a:schemeClr>
-                </a:solidFill>
-              </a:rPr>
-              <a:t>デプロイ</a:t>
+              <a:t>Cognito</a:t>
             </a:r>
             <a:endParaRPr lang="en-US" altLang="ja-JP" dirty="0">
               <a:solidFill>
@@ -19142,21 +18849,93 @@
             </a:endParaRPr>
           </a:p>
           <a:p>
+            <a:pPr lvl="1">
+              <a:buFont typeface="+mj-lt"/>
+              <a:buAutoNum type="arabicPeriod"/>
+            </a:pPr>
+            <a:r>
+              <a:rPr lang="ja-JP" altLang="ja-JP" dirty="0">
+                <a:solidFill>
+                  <a:schemeClr val="bg1">
+                    <a:lumMod val="75000"/>
+                  </a:schemeClr>
+                </a:solidFill>
+              </a:rPr>
+              <a:t>R</a:t>
+            </a:r>
+            <a:r>
+              <a:rPr lang="en-US" altLang="ja-JP" dirty="0">
+                <a:solidFill>
+                  <a:schemeClr val="bg1">
+                    <a:lumMod val="75000"/>
+                  </a:schemeClr>
+                </a:solidFill>
+              </a:rPr>
+              <a:t>oute53</a:t>
+            </a:r>
+            <a:endParaRPr lang="en-US" altLang="ja-JP" dirty="0" smtClean="0">
+              <a:solidFill>
+                <a:srgbClr val="BFBFBF"/>
+              </a:solidFill>
+            </a:endParaRPr>
+          </a:p>
+          <a:p>
             <a:pPr>
               <a:buFont typeface="+mj-lt"/>
               <a:buAutoNum type="arabicPeriod"/>
             </a:pPr>
             <a:r>
+              <a:rPr lang="en-US" altLang="ja-JP" dirty="0" smtClean="0">
+                <a:solidFill>
+                  <a:srgbClr val="BFBFBF"/>
+                </a:solidFill>
+              </a:rPr>
+              <a:t>API </a:t>
+            </a:r>
+            <a:r>
               <a:rPr lang="ja-JP" altLang="en-US" dirty="0" smtClean="0">
                 <a:solidFill>
                   <a:srgbClr val="BFBFBF"/>
                 </a:solidFill>
               </a:rPr>
-              <a:t>コンテンツ登録</a:t>
-            </a:r>
-            <a:endParaRPr lang="en-US" altLang="ja-JP" dirty="0" smtClean="0">
+              <a:t>デプロイ</a:t>
+            </a:r>
+            <a:endParaRPr lang="en-US" altLang="ja-JP" dirty="0">
               <a:solidFill>
                 <a:srgbClr val="BFBFBF"/>
+              </a:solidFill>
+            </a:endParaRPr>
+          </a:p>
+          <a:p>
+            <a:pPr>
+              <a:buFont typeface="+mj-lt"/>
+              <a:buAutoNum type="arabicPeriod"/>
+            </a:pPr>
+            <a:r>
+              <a:rPr lang="en-US" altLang="ja-JP" dirty="0">
+                <a:solidFill>
+                  <a:schemeClr val="bg1">
+                    <a:lumMod val="75000"/>
+                  </a:schemeClr>
+                </a:solidFill>
+              </a:rPr>
+              <a:t>CMS </a:t>
+            </a:r>
+            <a:r>
+              <a:rPr lang="ja-JP" altLang="en-US" dirty="0">
+                <a:solidFill>
+                  <a:schemeClr val="bg1">
+                    <a:lumMod val="75000"/>
+                  </a:schemeClr>
+                </a:solidFill>
+              </a:rPr>
+              <a:t>デプロイ</a:t>
+            </a:r>
+            <a:endParaRPr lang="en-US" altLang="ja-JP" dirty="0">
+              <a:solidFill>
+                <a:schemeClr val="bg1">
+                  <a:lumMod val="75000"/>
+                </a:schemeClr>
               </a:solidFill>
             </a:endParaRPr>
           </a:p>
@@ -20453,108 +20232,14 @@
               <a:buAutoNum type="arabicPeriod"/>
             </a:pPr>
             <a:r>
-              <a:rPr lang="ja-JP" altLang="ja-JP" dirty="0">
+              <a:rPr lang="en-US" altLang="ja-JP" dirty="0" smtClean="0">
                 <a:solidFill>
                   <a:schemeClr val="bg1">
                     <a:lumMod val="75000"/>
                   </a:schemeClr>
                 </a:solidFill>
               </a:rPr>
-              <a:t>C</a:t>
-            </a:r>
-            <a:r>
-              <a:rPr lang="en-US" altLang="ja-JP" dirty="0">
-                <a:solidFill>
-                  <a:schemeClr val="bg1">
-                    <a:lumMod val="75000"/>
-                  </a:schemeClr>
-                </a:solidFill>
-              </a:rPr>
-              <a:t>ognite</a:t>
-            </a:r>
-          </a:p>
-          <a:p>
-            <a:pPr lvl="1">
-              <a:buFont typeface="+mj-lt"/>
-              <a:buAutoNum type="arabicPeriod"/>
-            </a:pPr>
-            <a:r>
-              <a:rPr lang="ja-JP" altLang="ja-JP" dirty="0">
-                <a:solidFill>
-                  <a:schemeClr val="bg1">
-                    <a:lumMod val="75000"/>
-                  </a:schemeClr>
-                </a:solidFill>
-              </a:rPr>
-              <a:t>R</a:t>
-            </a:r>
-            <a:r>
-              <a:rPr lang="en-US" altLang="ja-JP" dirty="0">
-                <a:solidFill>
-                  <a:schemeClr val="bg1">
-                    <a:lumMod val="75000"/>
-                  </a:schemeClr>
-                </a:solidFill>
-              </a:rPr>
-              <a:t>oute53</a:t>
-            </a:r>
-            <a:endParaRPr lang="en-US" altLang="ja-JP" dirty="0" smtClean="0">
-              <a:solidFill>
-                <a:srgbClr val="BFBFBF"/>
-              </a:solidFill>
-            </a:endParaRPr>
-          </a:p>
-          <a:p>
-            <a:pPr>
-              <a:buFont typeface="+mj-lt"/>
-              <a:buAutoNum type="arabicPeriod"/>
-            </a:pPr>
-            <a:r>
-              <a:rPr lang="en-US" altLang="ja-JP" dirty="0" smtClean="0">
-                <a:solidFill>
-                  <a:srgbClr val="BFBFBF"/>
-                </a:solidFill>
-              </a:rPr>
-              <a:t>API </a:t>
-            </a:r>
-            <a:r>
-              <a:rPr lang="ja-JP" altLang="en-US" dirty="0" smtClean="0">
-                <a:solidFill>
-                  <a:srgbClr val="BFBFBF"/>
-                </a:solidFill>
-              </a:rPr>
-              <a:t>デプロイ</a:t>
-            </a:r>
-            <a:endParaRPr lang="en-US" altLang="ja-JP" dirty="0">
-              <a:solidFill>
-                <a:srgbClr val="BFBFBF"/>
-              </a:solidFill>
-            </a:endParaRPr>
-          </a:p>
-          <a:p>
-            <a:pPr>
-              <a:buFont typeface="+mj-lt"/>
-              <a:buAutoNum type="arabicPeriod"/>
-            </a:pPr>
-            <a:r>
-              <a:rPr lang="en-US" altLang="ja-JP" dirty="0">
-                <a:solidFill>
-                  <a:schemeClr val="bg1">
-                    <a:lumMod val="75000"/>
-                  </a:schemeClr>
-                </a:solidFill>
-              </a:rPr>
-              <a:t>CMS </a:t>
-            </a:r>
-            <a:r>
-              <a:rPr lang="ja-JP" altLang="en-US" dirty="0">
-                <a:solidFill>
-                  <a:schemeClr val="bg1">
-                    <a:lumMod val="75000"/>
-                  </a:schemeClr>
-                </a:solidFill>
-              </a:rPr>
-              <a:t>デプロイ</a:t>
+              <a:t>Cognito</a:t>
             </a:r>
             <a:endParaRPr lang="en-US" altLang="ja-JP" dirty="0">
               <a:solidFill>
@@ -20565,21 +20250,93 @@
             </a:endParaRPr>
           </a:p>
           <a:p>
+            <a:pPr lvl="1">
+              <a:buFont typeface="+mj-lt"/>
+              <a:buAutoNum type="arabicPeriod"/>
+            </a:pPr>
+            <a:r>
+              <a:rPr lang="ja-JP" altLang="ja-JP" dirty="0">
+                <a:solidFill>
+                  <a:schemeClr val="bg1">
+                    <a:lumMod val="75000"/>
+                  </a:schemeClr>
+                </a:solidFill>
+              </a:rPr>
+              <a:t>R</a:t>
+            </a:r>
+            <a:r>
+              <a:rPr lang="en-US" altLang="ja-JP" dirty="0">
+                <a:solidFill>
+                  <a:schemeClr val="bg1">
+                    <a:lumMod val="75000"/>
+                  </a:schemeClr>
+                </a:solidFill>
+              </a:rPr>
+              <a:t>oute53</a:t>
+            </a:r>
+            <a:endParaRPr lang="en-US" altLang="ja-JP" dirty="0" smtClean="0">
+              <a:solidFill>
+                <a:srgbClr val="BFBFBF"/>
+              </a:solidFill>
+            </a:endParaRPr>
+          </a:p>
+          <a:p>
             <a:pPr>
               <a:buFont typeface="+mj-lt"/>
               <a:buAutoNum type="arabicPeriod"/>
             </a:pPr>
             <a:r>
+              <a:rPr lang="en-US" altLang="ja-JP" dirty="0" smtClean="0">
+                <a:solidFill>
+                  <a:srgbClr val="BFBFBF"/>
+                </a:solidFill>
+              </a:rPr>
+              <a:t>API </a:t>
+            </a:r>
+            <a:r>
               <a:rPr lang="ja-JP" altLang="en-US" dirty="0" smtClean="0">
                 <a:solidFill>
                   <a:srgbClr val="BFBFBF"/>
                 </a:solidFill>
               </a:rPr>
-              <a:t>コンテンツ登録</a:t>
-            </a:r>
-            <a:endParaRPr lang="en-US" altLang="ja-JP" dirty="0" smtClean="0">
+              <a:t>デプロイ</a:t>
+            </a:r>
+            <a:endParaRPr lang="en-US" altLang="ja-JP" dirty="0">
               <a:solidFill>
                 <a:srgbClr val="BFBFBF"/>
+              </a:solidFill>
+            </a:endParaRPr>
+          </a:p>
+          <a:p>
+            <a:pPr>
+              <a:buFont typeface="+mj-lt"/>
+              <a:buAutoNum type="arabicPeriod"/>
+            </a:pPr>
+            <a:r>
+              <a:rPr lang="en-US" altLang="ja-JP" dirty="0">
+                <a:solidFill>
+                  <a:schemeClr val="bg1">
+                    <a:lumMod val="75000"/>
+                  </a:schemeClr>
+                </a:solidFill>
+              </a:rPr>
+              <a:t>CMS </a:t>
+            </a:r>
+            <a:r>
+              <a:rPr lang="ja-JP" altLang="en-US" dirty="0">
+                <a:solidFill>
+                  <a:schemeClr val="bg1">
+                    <a:lumMod val="75000"/>
+                  </a:schemeClr>
+                </a:solidFill>
+              </a:rPr>
+              <a:t>デプロイ</a:t>
+            </a:r>
+            <a:endParaRPr lang="en-US" altLang="ja-JP" dirty="0">
+              <a:solidFill>
+                <a:schemeClr val="bg1">
+                  <a:lumMod val="75000"/>
+                </a:schemeClr>
               </a:solidFill>
             </a:endParaRPr>
           </a:p>
@@ -21763,108 +21520,14 @@
               <a:buAutoNum type="arabicPeriod"/>
             </a:pPr>
             <a:r>
-              <a:rPr lang="ja-JP" altLang="ja-JP" dirty="0">
+              <a:rPr lang="en-US" altLang="ja-JP" dirty="0" smtClean="0">
                 <a:solidFill>
                   <a:schemeClr val="bg1">
                     <a:lumMod val="75000"/>
                   </a:schemeClr>
                 </a:solidFill>
               </a:rPr>
-              <a:t>C</a:t>
-            </a:r>
-            <a:r>
-              <a:rPr lang="en-US" altLang="ja-JP" dirty="0">
-                <a:solidFill>
-                  <a:schemeClr val="bg1">
-                    <a:lumMod val="75000"/>
-                  </a:schemeClr>
-                </a:solidFill>
-              </a:rPr>
-              <a:t>ognite</a:t>
-            </a:r>
-          </a:p>
-          <a:p>
-            <a:pPr lvl="1">
-              <a:buFont typeface="+mj-lt"/>
-              <a:buAutoNum type="arabicPeriod"/>
-            </a:pPr>
-            <a:r>
-              <a:rPr lang="ja-JP" altLang="ja-JP" dirty="0">
-                <a:solidFill>
-                  <a:schemeClr val="bg1">
-                    <a:lumMod val="75000"/>
-                  </a:schemeClr>
-                </a:solidFill>
-              </a:rPr>
-              <a:t>R</a:t>
-            </a:r>
-            <a:r>
-              <a:rPr lang="en-US" altLang="ja-JP" dirty="0">
-                <a:solidFill>
-                  <a:schemeClr val="bg1">
-                    <a:lumMod val="75000"/>
-                  </a:schemeClr>
-                </a:solidFill>
-              </a:rPr>
-              <a:t>oute53</a:t>
-            </a:r>
-            <a:endParaRPr lang="en-US" altLang="ja-JP" dirty="0" smtClean="0">
-              <a:solidFill>
-                <a:srgbClr val="BFBFBF"/>
-              </a:solidFill>
-            </a:endParaRPr>
-          </a:p>
-          <a:p>
-            <a:pPr>
-              <a:buFont typeface="+mj-lt"/>
-              <a:buAutoNum type="arabicPeriod"/>
-            </a:pPr>
-            <a:r>
-              <a:rPr lang="en-US" altLang="ja-JP" dirty="0" smtClean="0">
-                <a:solidFill>
-                  <a:srgbClr val="BFBFBF"/>
-                </a:solidFill>
-              </a:rPr>
-              <a:t>API </a:t>
-            </a:r>
-            <a:r>
-              <a:rPr lang="ja-JP" altLang="en-US" dirty="0" smtClean="0">
-                <a:solidFill>
-                  <a:srgbClr val="BFBFBF"/>
-                </a:solidFill>
-              </a:rPr>
-              <a:t>デプロイ</a:t>
-            </a:r>
-            <a:endParaRPr lang="en-US" altLang="ja-JP" dirty="0">
-              <a:solidFill>
-                <a:srgbClr val="BFBFBF"/>
-              </a:solidFill>
-            </a:endParaRPr>
-          </a:p>
-          <a:p>
-            <a:pPr>
-              <a:buFont typeface="+mj-lt"/>
-              <a:buAutoNum type="arabicPeriod"/>
-            </a:pPr>
-            <a:r>
-              <a:rPr lang="en-US" altLang="ja-JP" dirty="0">
-                <a:solidFill>
-                  <a:schemeClr val="bg1">
-                    <a:lumMod val="75000"/>
-                  </a:schemeClr>
-                </a:solidFill>
-              </a:rPr>
-              <a:t>CMS </a:t>
-            </a:r>
-            <a:r>
-              <a:rPr lang="ja-JP" altLang="en-US" dirty="0">
-                <a:solidFill>
-                  <a:schemeClr val="bg1">
-                    <a:lumMod val="75000"/>
-                  </a:schemeClr>
-                </a:solidFill>
-              </a:rPr>
-              <a:t>デプロイ</a:t>
+              <a:t>Cognito</a:t>
             </a:r>
             <a:endParaRPr lang="en-US" altLang="ja-JP" dirty="0">
               <a:solidFill>
@@ -21875,21 +21538,93 @@
             </a:endParaRPr>
           </a:p>
           <a:p>
+            <a:pPr lvl="1">
+              <a:buFont typeface="+mj-lt"/>
+              <a:buAutoNum type="arabicPeriod"/>
+            </a:pPr>
+            <a:r>
+              <a:rPr lang="ja-JP" altLang="ja-JP" dirty="0">
+                <a:solidFill>
+                  <a:schemeClr val="bg1">
+                    <a:lumMod val="75000"/>
+                  </a:schemeClr>
+                </a:solidFill>
+              </a:rPr>
+              <a:t>R</a:t>
+            </a:r>
+            <a:r>
+              <a:rPr lang="en-US" altLang="ja-JP" dirty="0">
+                <a:solidFill>
+                  <a:schemeClr val="bg1">
+                    <a:lumMod val="75000"/>
+                  </a:schemeClr>
+                </a:solidFill>
+              </a:rPr>
+              <a:t>oute53</a:t>
+            </a:r>
+            <a:endParaRPr lang="en-US" altLang="ja-JP" dirty="0" smtClean="0">
+              <a:solidFill>
+                <a:srgbClr val="BFBFBF"/>
+              </a:solidFill>
+            </a:endParaRPr>
+          </a:p>
+          <a:p>
             <a:pPr>
               <a:buFont typeface="+mj-lt"/>
               <a:buAutoNum type="arabicPeriod"/>
             </a:pPr>
             <a:r>
+              <a:rPr lang="en-US" altLang="ja-JP" dirty="0" smtClean="0">
+                <a:solidFill>
+                  <a:srgbClr val="BFBFBF"/>
+                </a:solidFill>
+              </a:rPr>
+              <a:t>API </a:t>
+            </a:r>
+            <a:r>
               <a:rPr lang="ja-JP" altLang="en-US" dirty="0" smtClean="0">
                 <a:solidFill>
                   <a:srgbClr val="BFBFBF"/>
                 </a:solidFill>
               </a:rPr>
-              <a:t>コンテンツ登録</a:t>
-            </a:r>
-            <a:endParaRPr lang="en-US" altLang="ja-JP" dirty="0" smtClean="0">
+              <a:t>デプロイ</a:t>
+            </a:r>
+            <a:endParaRPr lang="en-US" altLang="ja-JP" dirty="0">
               <a:solidFill>
                 <a:srgbClr val="BFBFBF"/>
+              </a:solidFill>
+            </a:endParaRPr>
+          </a:p>
+          <a:p>
+            <a:pPr>
+              <a:buFont typeface="+mj-lt"/>
+              <a:buAutoNum type="arabicPeriod"/>
+            </a:pPr>
+            <a:r>
+              <a:rPr lang="en-US" altLang="ja-JP" dirty="0">
+                <a:solidFill>
+                  <a:schemeClr val="bg1">
+                    <a:lumMod val="75000"/>
+                  </a:schemeClr>
+                </a:solidFill>
+              </a:rPr>
+              <a:t>CMS </a:t>
+            </a:r>
+            <a:r>
+              <a:rPr lang="ja-JP" altLang="en-US" dirty="0">
+                <a:solidFill>
+                  <a:schemeClr val="bg1">
+                    <a:lumMod val="75000"/>
+                  </a:schemeClr>
+                </a:solidFill>
+              </a:rPr>
+              <a:t>デプロイ</a:t>
+            </a:r>
+            <a:endParaRPr lang="en-US" altLang="ja-JP" dirty="0">
+              <a:solidFill>
+                <a:schemeClr val="bg1">
+                  <a:lumMod val="75000"/>
+                </a:schemeClr>
               </a:solidFill>
             </a:endParaRPr>
           </a:p>
@@ -23223,7 +22958,7 @@
               </a:rPr>
               <a:t>EC2</a:t>
             </a:r>
-            <a:endParaRPr lang="en-US" altLang="ja-JP" dirty="0">
+            <a:endParaRPr lang="en-US" altLang="ja-JP" dirty="0" smtClean="0">
               <a:solidFill>
                 <a:schemeClr val="bg1">
                   <a:lumMod val="75000"/>
@@ -23237,110 +22972,16 @@
               <a:buAutoNum type="arabicPeriod"/>
             </a:pPr>
             <a:r>
-              <a:rPr lang="ja-JP" altLang="ja-JP" dirty="0">
+              <a:rPr lang="en-US" altLang="ja-JP" dirty="0" smtClean="0">
                 <a:solidFill>
                   <a:schemeClr val="bg1">
                     <a:lumMod val="75000"/>
                   </a:schemeClr>
                 </a:solidFill>
               </a:rPr>
-              <a:t>C</a:t>
-            </a:r>
-            <a:r>
-              <a:rPr lang="en-US" altLang="ja-JP" dirty="0">
-                <a:solidFill>
-                  <a:schemeClr val="bg1">
-                    <a:lumMod val="75000"/>
-                  </a:schemeClr>
-                </a:solidFill>
-              </a:rPr>
-              <a:t>ognite</a:t>
-            </a:r>
-          </a:p>
-          <a:p>
-            <a:pPr lvl="1">
-              <a:buFont typeface="+mj-lt"/>
-              <a:buAutoNum type="arabicPeriod"/>
-            </a:pPr>
-            <a:r>
-              <a:rPr lang="ja-JP" altLang="ja-JP" dirty="0">
-                <a:solidFill>
-                  <a:schemeClr val="bg1">
-                    <a:lumMod val="75000"/>
-                  </a:schemeClr>
-                </a:solidFill>
-              </a:rPr>
-              <a:t>R</a:t>
-            </a:r>
-            <a:r>
-              <a:rPr lang="en-US" altLang="ja-JP" dirty="0">
-                <a:solidFill>
-                  <a:schemeClr val="bg1">
-                    <a:lumMod val="75000"/>
-                  </a:schemeClr>
-                </a:solidFill>
-              </a:rPr>
-              <a:t>oute53</a:t>
+              <a:t>Cognito</a:t>
             </a:r>
             <a:endParaRPr lang="en-US" altLang="ja-JP" dirty="0" smtClean="0">
-              <a:solidFill>
-                <a:srgbClr val="BFBFBF"/>
-              </a:solidFill>
-            </a:endParaRPr>
-          </a:p>
-          <a:p>
-            <a:pPr>
-              <a:buFont typeface="+mj-lt"/>
-              <a:buAutoNum type="arabicPeriod"/>
-            </a:pPr>
-            <a:r>
-              <a:rPr lang="en-US" altLang="ja-JP" dirty="0" smtClean="0">
-                <a:solidFill>
-                  <a:srgbClr val="BFBFBF"/>
-                </a:solidFill>
-              </a:rPr>
-              <a:t>API </a:t>
-            </a:r>
-            <a:r>
-              <a:rPr lang="ja-JP" altLang="en-US" dirty="0" smtClean="0">
-                <a:solidFill>
-                  <a:srgbClr val="BFBFBF"/>
-                </a:solidFill>
-              </a:rPr>
-              <a:t>デプロイ</a:t>
-            </a:r>
-            <a:endParaRPr lang="en-US" altLang="ja-JP" dirty="0">
-              <a:solidFill>
-                <a:srgbClr val="BFBFBF"/>
-              </a:solidFill>
-            </a:endParaRPr>
-          </a:p>
-          <a:p>
-            <a:pPr>
-              <a:buFont typeface="+mj-lt"/>
-              <a:buAutoNum type="arabicPeriod"/>
-            </a:pPr>
-            <a:r>
-              <a:rPr lang="en-US" altLang="ja-JP" dirty="0">
-                <a:solidFill>
-                  <a:schemeClr val="bg1">
-                    <a:lumMod val="75000"/>
-                  </a:schemeClr>
-                </a:solidFill>
-              </a:rPr>
-              <a:t>CMS </a:t>
-            </a:r>
-            <a:r>
-              <a:rPr lang="ja-JP" altLang="en-US" dirty="0">
-                <a:solidFill>
-                  <a:schemeClr val="bg1">
-                    <a:lumMod val="75000"/>
-                  </a:schemeClr>
-                </a:solidFill>
-              </a:rPr>
-              <a:t>デプロイ</a:t>
-            </a:r>
-            <a:endParaRPr lang="en-US" altLang="ja-JP" dirty="0">
               <a:solidFill>
                 <a:schemeClr val="bg1">
                   <a:lumMod val="75000"/>
@@ -23349,21 +22990,93 @@
             </a:endParaRPr>
           </a:p>
           <a:p>
+            <a:pPr lvl="1">
+              <a:buFont typeface="+mj-lt"/>
+              <a:buAutoNum type="arabicPeriod"/>
+            </a:pPr>
+            <a:r>
+              <a:rPr lang="ja-JP" altLang="ja-JP" dirty="0" smtClean="0">
+                <a:solidFill>
+                  <a:schemeClr val="bg1">
+                    <a:lumMod val="75000"/>
+                  </a:schemeClr>
+                </a:solidFill>
+              </a:rPr>
+              <a:t>R</a:t>
+            </a:r>
+            <a:r>
+              <a:rPr lang="en-US" altLang="ja-JP" dirty="0" smtClean="0">
+                <a:solidFill>
+                  <a:schemeClr val="bg1">
+                    <a:lumMod val="75000"/>
+                  </a:schemeClr>
+                </a:solidFill>
+              </a:rPr>
+              <a:t>oute53</a:t>
+            </a:r>
+            <a:endParaRPr lang="en-US" altLang="ja-JP" dirty="0" smtClean="0">
+              <a:solidFill>
+                <a:srgbClr val="BFBFBF"/>
+              </a:solidFill>
+            </a:endParaRPr>
+          </a:p>
+          <a:p>
             <a:pPr>
               <a:buFont typeface="+mj-lt"/>
               <a:buAutoNum type="arabicPeriod"/>
             </a:pPr>
             <a:r>
+              <a:rPr lang="en-US" altLang="ja-JP" dirty="0" smtClean="0">
+                <a:solidFill>
+                  <a:srgbClr val="BFBFBF"/>
+                </a:solidFill>
+              </a:rPr>
+              <a:t>API </a:t>
+            </a:r>
+            <a:r>
               <a:rPr lang="ja-JP" altLang="en-US" dirty="0" smtClean="0">
                 <a:solidFill>
                   <a:srgbClr val="BFBFBF"/>
                 </a:solidFill>
               </a:rPr>
-              <a:t>コンテンツ登録</a:t>
-            </a:r>
-            <a:endParaRPr lang="en-US" altLang="ja-JP" dirty="0" smtClean="0">
+              <a:t>デプロイ</a:t>
+            </a:r>
+            <a:endParaRPr lang="en-US" altLang="ja-JP" dirty="0">
               <a:solidFill>
                 <a:srgbClr val="BFBFBF"/>
+              </a:solidFill>
+            </a:endParaRPr>
+          </a:p>
+          <a:p>
+            <a:pPr>
+              <a:buFont typeface="+mj-lt"/>
+              <a:buAutoNum type="arabicPeriod"/>
+            </a:pPr>
+            <a:r>
+              <a:rPr lang="en-US" altLang="ja-JP" dirty="0">
+                <a:solidFill>
+                  <a:schemeClr val="bg1">
+                    <a:lumMod val="75000"/>
+                  </a:schemeClr>
+                </a:solidFill>
+              </a:rPr>
+              <a:t>CMS </a:t>
+            </a:r>
+            <a:r>
+              <a:rPr lang="ja-JP" altLang="en-US" dirty="0">
+                <a:solidFill>
+                  <a:schemeClr val="bg1">
+                    <a:lumMod val="75000"/>
+                  </a:schemeClr>
+                </a:solidFill>
+              </a:rPr>
+              <a:t>デプロイ</a:t>
+            </a:r>
+            <a:endParaRPr lang="en-US" altLang="ja-JP" dirty="0">
+              <a:solidFill>
+                <a:schemeClr val="bg1">
+                  <a:lumMod val="75000"/>
+                </a:schemeClr>
               </a:solidFill>
             </a:endParaRPr>
           </a:p>
@@ -24096,8 +23809,12 @@
               <a:t>」と値「</a:t>
             </a:r>
             <a:r>
+              <a:rPr lang="en-US" altLang="ja-JP" dirty="0" err="1" smtClean="0"/>
+              <a:t>MsAR</a:t>
+            </a:r>
+            <a:r>
               <a:rPr lang="en-US" altLang="ja-JP" dirty="0" smtClean="0"/>
-              <a:t>MsAR </a:t>
+              <a:t> </a:t>
             </a:r>
             <a:r>
               <a:rPr lang="ja-JP" altLang="en-US" dirty="0" smtClean="0"/>
@@ -24570,7 +24287,7 @@
               </a:rPr>
               <a:t>EC2</a:t>
             </a:r>
-            <a:endParaRPr lang="en-US" altLang="ja-JP" dirty="0">
+            <a:endParaRPr lang="en-US" altLang="ja-JP" dirty="0" smtClean="0">
               <a:solidFill>
                 <a:schemeClr val="bg1">
                   <a:lumMod val="75000"/>
@@ -24584,110 +24301,16 @@
               <a:buAutoNum type="arabicPeriod"/>
             </a:pPr>
             <a:r>
-              <a:rPr lang="ja-JP" altLang="ja-JP" dirty="0">
+              <a:rPr lang="en-US" altLang="ja-JP" dirty="0" smtClean="0">
                 <a:solidFill>
                   <a:schemeClr val="bg1">
                     <a:lumMod val="75000"/>
                   </a:schemeClr>
                 </a:solidFill>
               </a:rPr>
-              <a:t>C</a:t>
-            </a:r>
-            <a:r>
-              <a:rPr lang="en-US" altLang="ja-JP" dirty="0">
-                <a:solidFill>
-                  <a:schemeClr val="bg1">
-                    <a:lumMod val="75000"/>
-                  </a:schemeClr>
-                </a:solidFill>
-              </a:rPr>
-              <a:t>ognite</a:t>
-            </a:r>
-          </a:p>
-          <a:p>
-            <a:pPr lvl="1">
-              <a:buFont typeface="+mj-lt"/>
-              <a:buAutoNum type="arabicPeriod"/>
-            </a:pPr>
-            <a:r>
-              <a:rPr lang="ja-JP" altLang="ja-JP" dirty="0">
-                <a:solidFill>
-                  <a:schemeClr val="bg1">
-                    <a:lumMod val="75000"/>
-                  </a:schemeClr>
-                </a:solidFill>
-              </a:rPr>
-              <a:t>R</a:t>
-            </a:r>
-            <a:r>
-              <a:rPr lang="en-US" altLang="ja-JP" dirty="0">
-                <a:solidFill>
-                  <a:schemeClr val="bg1">
-                    <a:lumMod val="75000"/>
-                  </a:schemeClr>
-                </a:solidFill>
-              </a:rPr>
-              <a:t>oute53</a:t>
+              <a:t>Cognito</a:t>
             </a:r>
             <a:endParaRPr lang="en-US" altLang="ja-JP" dirty="0" smtClean="0">
-              <a:solidFill>
-                <a:srgbClr val="00A0E7"/>
-              </a:solidFill>
-            </a:endParaRPr>
-          </a:p>
-          <a:p>
-            <a:pPr>
-              <a:buFont typeface="+mj-lt"/>
-              <a:buAutoNum type="arabicPeriod"/>
-            </a:pPr>
-            <a:r>
-              <a:rPr lang="en-US" altLang="ja-JP" dirty="0" smtClean="0">
-                <a:solidFill>
-                  <a:srgbClr val="BFBFBF"/>
-                </a:solidFill>
-              </a:rPr>
-              <a:t>API </a:t>
-            </a:r>
-            <a:r>
-              <a:rPr lang="ja-JP" altLang="en-US" dirty="0" smtClean="0">
-                <a:solidFill>
-                  <a:srgbClr val="BFBFBF"/>
-                </a:solidFill>
-              </a:rPr>
-              <a:t>デプロイ</a:t>
-            </a:r>
-            <a:endParaRPr lang="en-US" altLang="ja-JP" dirty="0">
-              <a:solidFill>
-                <a:srgbClr val="BFBFBF"/>
-              </a:solidFill>
-            </a:endParaRPr>
-          </a:p>
-          <a:p>
-            <a:pPr>
-              <a:buFont typeface="+mj-lt"/>
-              <a:buAutoNum type="arabicPeriod"/>
-            </a:pPr>
-            <a:r>
-              <a:rPr lang="en-US" altLang="ja-JP" dirty="0">
-                <a:solidFill>
-                  <a:schemeClr val="bg1">
-                    <a:lumMod val="75000"/>
-                  </a:schemeClr>
-                </a:solidFill>
-              </a:rPr>
-              <a:t>CMS </a:t>
-            </a:r>
-            <a:r>
-              <a:rPr lang="ja-JP" altLang="en-US" dirty="0">
-                <a:solidFill>
-                  <a:schemeClr val="bg1">
-                    <a:lumMod val="75000"/>
-                  </a:schemeClr>
-                </a:solidFill>
-              </a:rPr>
-              <a:t>デプロイ</a:t>
-            </a:r>
-            <a:endParaRPr lang="en-US" altLang="ja-JP" dirty="0">
               <a:solidFill>
                 <a:schemeClr val="bg1">
                   <a:lumMod val="75000"/>
@@ -24696,21 +24319,93 @@
             </a:endParaRPr>
           </a:p>
           <a:p>
+            <a:pPr lvl="1">
+              <a:buFont typeface="+mj-lt"/>
+              <a:buAutoNum type="arabicPeriod"/>
+            </a:pPr>
+            <a:r>
+              <a:rPr lang="ja-JP" altLang="ja-JP" dirty="0" smtClean="0">
+                <a:solidFill>
+                  <a:schemeClr val="bg1">
+                    <a:lumMod val="75000"/>
+                  </a:schemeClr>
+                </a:solidFill>
+              </a:rPr>
+              <a:t>R</a:t>
+            </a:r>
+            <a:r>
+              <a:rPr lang="en-US" altLang="ja-JP" dirty="0" smtClean="0">
+                <a:solidFill>
+                  <a:schemeClr val="bg1">
+                    <a:lumMod val="75000"/>
+                  </a:schemeClr>
+                </a:solidFill>
+              </a:rPr>
+              <a:t>oute53</a:t>
+            </a:r>
+            <a:endParaRPr lang="en-US" altLang="ja-JP" dirty="0" smtClean="0">
+              <a:solidFill>
+                <a:srgbClr val="00A0E7"/>
+              </a:solidFill>
+            </a:endParaRPr>
+          </a:p>
+          <a:p>
             <a:pPr>
               <a:buFont typeface="+mj-lt"/>
               <a:buAutoNum type="arabicPeriod"/>
             </a:pPr>
             <a:r>
+              <a:rPr lang="en-US" altLang="ja-JP" dirty="0" smtClean="0">
+                <a:solidFill>
+                  <a:srgbClr val="BFBFBF"/>
+                </a:solidFill>
+              </a:rPr>
+              <a:t>API </a:t>
+            </a:r>
+            <a:r>
               <a:rPr lang="ja-JP" altLang="en-US" dirty="0" smtClean="0">
                 <a:solidFill>
                   <a:srgbClr val="BFBFBF"/>
                 </a:solidFill>
               </a:rPr>
-              <a:t>コンテンツ登録</a:t>
-            </a:r>
-            <a:endParaRPr lang="en-US" altLang="ja-JP" dirty="0" smtClean="0">
+              <a:t>デプロイ</a:t>
+            </a:r>
+            <a:endParaRPr lang="en-US" altLang="ja-JP" dirty="0">
               <a:solidFill>
                 <a:srgbClr val="BFBFBF"/>
+              </a:solidFill>
+            </a:endParaRPr>
+          </a:p>
+          <a:p>
+            <a:pPr>
+              <a:buFont typeface="+mj-lt"/>
+              <a:buAutoNum type="arabicPeriod"/>
+            </a:pPr>
+            <a:r>
+              <a:rPr lang="en-US" altLang="ja-JP" dirty="0">
+                <a:solidFill>
+                  <a:schemeClr val="bg1">
+                    <a:lumMod val="75000"/>
+                  </a:schemeClr>
+                </a:solidFill>
+              </a:rPr>
+              <a:t>CMS </a:t>
+            </a:r>
+            <a:r>
+              <a:rPr lang="ja-JP" altLang="en-US" dirty="0">
+                <a:solidFill>
+                  <a:schemeClr val="bg1">
+                    <a:lumMod val="75000"/>
+                  </a:schemeClr>
+                </a:solidFill>
+              </a:rPr>
+              <a:t>デプロイ</a:t>
+            </a:r>
+            <a:endParaRPr lang="en-US" altLang="ja-JP" dirty="0">
+              <a:solidFill>
+                <a:schemeClr val="bg1">
+                  <a:lumMod val="75000"/>
+                </a:schemeClr>
               </a:solidFill>
             </a:endParaRPr>
           </a:p>
@@ -25638,7 +25333,7 @@
               </a:rPr>
               <a:t>EC2</a:t>
             </a:r>
-            <a:endParaRPr lang="en-US" altLang="ja-JP" dirty="0">
+            <a:endParaRPr lang="en-US" altLang="ja-JP" dirty="0" smtClean="0">
               <a:solidFill>
                 <a:schemeClr val="bg1">
                   <a:lumMod val="75000"/>
@@ -25652,110 +25347,16 @@
               <a:buAutoNum type="arabicPeriod"/>
             </a:pPr>
             <a:r>
-              <a:rPr lang="ja-JP" altLang="ja-JP" dirty="0">
+              <a:rPr lang="en-US" altLang="ja-JP" dirty="0" smtClean="0">
                 <a:solidFill>
                   <a:schemeClr val="bg1">
                     <a:lumMod val="75000"/>
                   </a:schemeClr>
                 </a:solidFill>
               </a:rPr>
-              <a:t>C</a:t>
-            </a:r>
-            <a:r>
-              <a:rPr lang="en-US" altLang="ja-JP" dirty="0">
-                <a:solidFill>
-                  <a:schemeClr val="bg1">
-                    <a:lumMod val="75000"/>
-                  </a:schemeClr>
-                </a:solidFill>
-              </a:rPr>
-              <a:t>ognite</a:t>
-            </a:r>
-          </a:p>
-          <a:p>
-            <a:pPr lvl="1">
-              <a:buFont typeface="+mj-lt"/>
-              <a:buAutoNum type="arabicPeriod"/>
-            </a:pPr>
-            <a:r>
-              <a:rPr lang="ja-JP" altLang="ja-JP" dirty="0">
-                <a:solidFill>
-                  <a:schemeClr val="bg1">
-                    <a:lumMod val="75000"/>
-                  </a:schemeClr>
-                </a:solidFill>
-              </a:rPr>
-              <a:t>R</a:t>
-            </a:r>
-            <a:r>
-              <a:rPr lang="en-US" altLang="ja-JP" dirty="0">
-                <a:solidFill>
-                  <a:schemeClr val="bg1">
-                    <a:lumMod val="75000"/>
-                  </a:schemeClr>
-                </a:solidFill>
-              </a:rPr>
-              <a:t>oute53</a:t>
+              <a:t>Cognito</a:t>
             </a:r>
             <a:endParaRPr lang="en-US" altLang="ja-JP" dirty="0" smtClean="0">
-              <a:solidFill>
-                <a:srgbClr val="00A0E7"/>
-              </a:solidFill>
-            </a:endParaRPr>
-          </a:p>
-          <a:p>
-            <a:pPr>
-              <a:buFont typeface="+mj-lt"/>
-              <a:buAutoNum type="arabicPeriod"/>
-            </a:pPr>
-            <a:r>
-              <a:rPr lang="en-US" altLang="ja-JP" dirty="0" smtClean="0">
-                <a:solidFill>
-                  <a:srgbClr val="BFBFBF"/>
-                </a:solidFill>
-              </a:rPr>
-              <a:t>API </a:t>
-            </a:r>
-            <a:r>
-              <a:rPr lang="ja-JP" altLang="en-US" dirty="0" smtClean="0">
-                <a:solidFill>
-                  <a:srgbClr val="BFBFBF"/>
-                </a:solidFill>
-              </a:rPr>
-              <a:t>デプロイ</a:t>
-            </a:r>
-            <a:endParaRPr lang="en-US" altLang="ja-JP" dirty="0">
-              <a:solidFill>
-                <a:srgbClr val="BFBFBF"/>
-              </a:solidFill>
-            </a:endParaRPr>
-          </a:p>
-          <a:p>
-            <a:pPr>
-              <a:buFont typeface="+mj-lt"/>
-              <a:buAutoNum type="arabicPeriod"/>
-            </a:pPr>
-            <a:r>
-              <a:rPr lang="en-US" altLang="ja-JP" dirty="0">
-                <a:solidFill>
-                  <a:schemeClr val="bg1">
-                    <a:lumMod val="75000"/>
-                  </a:schemeClr>
-                </a:solidFill>
-              </a:rPr>
-              <a:t>CMS </a:t>
-            </a:r>
-            <a:r>
-              <a:rPr lang="ja-JP" altLang="en-US" dirty="0">
-                <a:solidFill>
-                  <a:schemeClr val="bg1">
-                    <a:lumMod val="75000"/>
-                  </a:schemeClr>
-                </a:solidFill>
-              </a:rPr>
-              <a:t>デプロイ</a:t>
-            </a:r>
-            <a:endParaRPr lang="en-US" altLang="ja-JP" dirty="0">
               <a:solidFill>
                 <a:schemeClr val="bg1">
                   <a:lumMod val="75000"/>
@@ -25764,21 +25365,93 @@
             </a:endParaRPr>
           </a:p>
           <a:p>
+            <a:pPr lvl="1">
+              <a:buFont typeface="+mj-lt"/>
+              <a:buAutoNum type="arabicPeriod"/>
+            </a:pPr>
+            <a:r>
+              <a:rPr lang="ja-JP" altLang="ja-JP" dirty="0" smtClean="0">
+                <a:solidFill>
+                  <a:schemeClr val="bg1">
+                    <a:lumMod val="75000"/>
+                  </a:schemeClr>
+                </a:solidFill>
+              </a:rPr>
+              <a:t>R</a:t>
+            </a:r>
+            <a:r>
+              <a:rPr lang="en-US" altLang="ja-JP" dirty="0" smtClean="0">
+                <a:solidFill>
+                  <a:schemeClr val="bg1">
+                    <a:lumMod val="75000"/>
+                  </a:schemeClr>
+                </a:solidFill>
+              </a:rPr>
+              <a:t>oute53</a:t>
+            </a:r>
+            <a:endParaRPr lang="en-US" altLang="ja-JP" dirty="0" smtClean="0">
+              <a:solidFill>
+                <a:srgbClr val="00A0E7"/>
+              </a:solidFill>
+            </a:endParaRPr>
+          </a:p>
+          <a:p>
             <a:pPr>
               <a:buFont typeface="+mj-lt"/>
               <a:buAutoNum type="arabicPeriod"/>
             </a:pPr>
             <a:r>
+              <a:rPr lang="en-US" altLang="ja-JP" dirty="0" smtClean="0">
+                <a:solidFill>
+                  <a:srgbClr val="BFBFBF"/>
+                </a:solidFill>
+              </a:rPr>
+              <a:t>API </a:t>
+            </a:r>
+            <a:r>
               <a:rPr lang="ja-JP" altLang="en-US" dirty="0" smtClean="0">
                 <a:solidFill>
                   <a:srgbClr val="BFBFBF"/>
                 </a:solidFill>
               </a:rPr>
-              <a:t>コンテンツ登録</a:t>
-            </a:r>
-            <a:endParaRPr lang="en-US" altLang="ja-JP" dirty="0" smtClean="0">
+              <a:t>デプロイ</a:t>
+            </a:r>
+            <a:endParaRPr lang="en-US" altLang="ja-JP" dirty="0">
               <a:solidFill>
                 <a:srgbClr val="BFBFBF"/>
+              </a:solidFill>
+            </a:endParaRPr>
+          </a:p>
+          <a:p>
+            <a:pPr>
+              <a:buFont typeface="+mj-lt"/>
+              <a:buAutoNum type="arabicPeriod"/>
+            </a:pPr>
+            <a:r>
+              <a:rPr lang="en-US" altLang="ja-JP" dirty="0">
+                <a:solidFill>
+                  <a:schemeClr val="bg1">
+                    <a:lumMod val="75000"/>
+                  </a:schemeClr>
+                </a:solidFill>
+              </a:rPr>
+              <a:t>CMS </a:t>
+            </a:r>
+            <a:r>
+              <a:rPr lang="ja-JP" altLang="en-US" dirty="0">
+                <a:solidFill>
+                  <a:schemeClr val="bg1">
+                    <a:lumMod val="75000"/>
+                  </a:schemeClr>
+                </a:solidFill>
+              </a:rPr>
+              <a:t>デプロイ</a:t>
+            </a:r>
+            <a:endParaRPr lang="en-US" altLang="ja-JP" dirty="0">
+              <a:solidFill>
+                <a:schemeClr val="bg1">
+                  <a:lumMod val="75000"/>
+                </a:schemeClr>
               </a:solidFill>
             </a:endParaRPr>
           </a:p>
@@ -26341,73 +26014,107 @@
               <a:buAutoNum type="arabicPeriod"/>
             </a:pPr>
             <a:r>
-              <a:rPr lang="ja-JP" altLang="en-US" dirty="0" smtClean="0"/>
+              <a:rPr lang="ja-JP" altLang="en-US" dirty="0" smtClean="0">
+                <a:latin typeface="+mn-ea"/>
+              </a:rPr>
               <a:t>キーペアのアクセス権限を</a:t>
             </a:r>
             <a:r>
-              <a:rPr lang="en-US" altLang="ja-JP" dirty="0" smtClean="0"/>
+              <a:rPr lang="en-US" altLang="ja-JP" dirty="0" smtClean="0">
+                <a:latin typeface="+mn-ea"/>
+              </a:rPr>
               <a:t> 400 (read only) </a:t>
             </a:r>
             <a:r>
-              <a:rPr lang="ja-JP" altLang="en-US" dirty="0" smtClean="0"/>
+              <a:rPr lang="ja-JP" altLang="en-US" dirty="0" smtClean="0">
+                <a:latin typeface="+mn-ea"/>
+              </a:rPr>
               <a:t>に更新する</a:t>
             </a:r>
-            <a:endParaRPr lang="en-US" altLang="ja-JP" dirty="0" smtClean="0"/>
+            <a:endParaRPr lang="en-US" altLang="ja-JP" dirty="0" smtClean="0">
+              <a:latin typeface="+mn-ea"/>
+            </a:endParaRPr>
           </a:p>
           <a:p>
             <a:pPr marL="914400" lvl="2" indent="0">
               <a:buNone/>
             </a:pPr>
             <a:r>
-              <a:rPr lang="en-US" altLang="ja-JP" dirty="0" smtClean="0"/>
+              <a:rPr lang="en-US" altLang="ja-JP" dirty="0" smtClean="0">
+                <a:latin typeface="+mn-ea"/>
+              </a:rPr>
               <a:t>$</a:t>
             </a:r>
             <a:r>
-              <a:rPr lang="ja-JP" altLang="en-US" dirty="0" smtClean="0"/>
+              <a:rPr lang="ja-JP" altLang="en-US" dirty="0" smtClean="0">
+                <a:latin typeface="+mn-ea"/>
+              </a:rPr>
               <a:t> </a:t>
             </a:r>
             <a:r>
-              <a:rPr lang="en-US" altLang="ja-JP" dirty="0" smtClean="0"/>
+              <a:rPr lang="en-US" altLang="ja-JP" dirty="0" smtClean="0">
+                <a:latin typeface="+mn-ea"/>
+              </a:rPr>
               <a:t>ssh </a:t>
             </a:r>
             <a:r>
-              <a:rPr lang="mr-IN" altLang="ja-JP" dirty="0" smtClean="0"/>
+              <a:rPr lang="mr-IN" altLang="ja-JP" dirty="0" smtClean="0">
+                <a:latin typeface="+mn-ea"/>
+              </a:rPr>
               <a:t>–</a:t>
             </a:r>
             <a:r>
-              <a:rPr lang="en-US" altLang="ja-JP" dirty="0" smtClean="0"/>
+              <a:rPr lang="en-US" altLang="ja-JP" dirty="0" smtClean="0">
+                <a:latin typeface="+mn-ea"/>
+              </a:rPr>
               <a:t>i {</a:t>
             </a:r>
             <a:r>
-              <a:rPr lang="ja-JP" altLang="en-US" dirty="0" smtClean="0"/>
+              <a:rPr lang="ja-JP" altLang="en-US" dirty="0" smtClean="0">
+                <a:latin typeface="+mn-ea"/>
+              </a:rPr>
               <a:t>キーペアのパス</a:t>
             </a:r>
             <a:r>
-              <a:rPr lang="en-US" altLang="ja-JP" dirty="0" smtClean="0"/>
+              <a:rPr lang="en-US" altLang="ja-JP" dirty="0" smtClean="0">
+                <a:latin typeface="+mn-ea"/>
+              </a:rPr>
               <a:t>} centos@{</a:t>
             </a:r>
             <a:r>
-              <a:rPr lang="ja-JP" altLang="en-US" dirty="0" smtClean="0"/>
+              <a:rPr lang="ja-JP" altLang="en-US" dirty="0" smtClean="0">
+                <a:latin typeface="+mn-ea"/>
+              </a:rPr>
               <a:t>サーバの</a:t>
             </a:r>
             <a:r>
-              <a:rPr lang="en-US" altLang="ja-JP" dirty="0" smtClean="0"/>
+              <a:rPr lang="en-US" altLang="ja-JP" dirty="0" smtClean="0">
+                <a:latin typeface="+mn-ea"/>
+              </a:rPr>
               <a:t>IP</a:t>
             </a:r>
             <a:r>
-              <a:rPr lang="ja-JP" altLang="en-US" dirty="0" smtClean="0"/>
+              <a:rPr lang="ja-JP" altLang="en-US" dirty="0" smtClean="0">
+                <a:latin typeface="+mn-ea"/>
+              </a:rPr>
               <a:t>アドレス</a:t>
             </a:r>
             <a:r>
-              <a:rPr lang="en-US" altLang="ja-JP" dirty="0" smtClean="0"/>
+              <a:rPr lang="en-US" altLang="ja-JP" dirty="0" smtClean="0">
+                <a:latin typeface="+mn-ea"/>
+              </a:rPr>
               <a:t> </a:t>
             </a:r>
             <a:r>
-              <a:rPr lang="ja-JP" altLang="en-US" dirty="0" smtClean="0"/>
+              <a:rPr lang="ja-JP" altLang="en-US" dirty="0" smtClean="0">
+                <a:latin typeface="+mn-ea"/>
+              </a:rPr>
               <a:t>またはドメイン名</a:t>
             </a:r>
             <a:r>
-              <a:rPr lang="en-US" altLang="ja-JP" dirty="0" smtClean="0"/>
+              <a:rPr lang="en-US" altLang="ja-JP" dirty="0" smtClean="0">
+                <a:latin typeface="+mn-ea"/>
+              </a:rPr>
               <a:t>}</a:t>
             </a:r>
           </a:p>
@@ -26417,13 +26124,49 @@
               <a:buAutoNum type="arabicPeriod" startAt="5"/>
             </a:pPr>
             <a:r>
-              <a:rPr lang="ja-JP" altLang="en-US" dirty="0" smtClean="0"/>
+              <a:rPr lang="ja-JP" altLang="en-US" dirty="0" smtClean="0">
+                <a:latin typeface="+mn-ea"/>
+              </a:rPr>
               <a:t>ユーティリティ インストール</a:t>
             </a:r>
             <a:r>
-              <a:rPr lang="en-US" altLang="ja-JP" dirty="0" smtClean="0"/>
-              <a:t> (zip, unzip, vim ...)</a:t>
-            </a:r>
+              <a:rPr lang="en-US" altLang="ja-JP" dirty="0" smtClean="0">
+                <a:latin typeface="+mn-ea"/>
+              </a:rPr>
+              <a:t> (zip, unzip, vim ...</a:t>
+            </a:r>
+            <a:r>
+              <a:rPr lang="en-US" altLang="ja-JP" dirty="0" smtClean="0">
+                <a:latin typeface="+mn-ea"/>
+              </a:rPr>
+              <a:t>)</a:t>
+            </a:r>
+          </a:p>
+          <a:p>
+            <a:pPr marL="914400" lvl="2" indent="0">
+              <a:buNone/>
+            </a:pPr>
+            <a:r>
+              <a:rPr lang="en-US" altLang="ja-JP" dirty="0" smtClean="0">
+                <a:latin typeface="+mn-ea"/>
+              </a:rPr>
+              <a:t>$ sudo yum install </a:t>
+            </a:r>
+            <a:r>
+              <a:rPr lang="mr-IN" altLang="ja-JP" dirty="0" smtClean="0">
+                <a:latin typeface="+mn-ea"/>
+              </a:rPr>
+              <a:t>–</a:t>
+            </a:r>
+            <a:r>
+              <a:rPr lang="en-US" altLang="ja-JP" dirty="0" smtClean="0">
+                <a:latin typeface="+mn-ea"/>
+              </a:rPr>
+              <a:t>y zip unzip wget vim git yum-utils</a:t>
+            </a:r>
+            <a:endParaRPr lang="en-US" altLang="ja-JP" dirty="0" smtClean="0">
+              <a:latin typeface="+mn-ea"/>
+            </a:endParaRPr>
           </a:p>
           <a:p>
             <a:pPr lvl="1">
@@ -26431,14 +26174,95 @@
               <a:buAutoNum type="arabicPeriod" startAt="5"/>
             </a:pPr>
             <a:r>
-              <a:rPr lang="en-US" altLang="ja-JP" dirty="0" smtClean="0"/>
+              <a:rPr lang="en-US" altLang="ja-JP" dirty="0" smtClean="0">
+                <a:latin typeface="+mn-ea"/>
+              </a:rPr>
               <a:t>OS</a:t>
             </a:r>
             <a:r>
-              <a:rPr lang="ja-JP" altLang="en-US" dirty="0" smtClean="0"/>
-              <a:t>設定、アクセス権限設定</a:t>
-            </a:r>
-            <a:endParaRPr lang="en-US" altLang="ja-JP" dirty="0" smtClean="0"/>
+              <a:rPr lang="ja-JP" altLang="en-US" dirty="0" smtClean="0">
+                <a:latin typeface="+mn-ea"/>
+              </a:rPr>
+              <a:t>設定、アクセス権限</a:t>
+            </a:r>
+            <a:r>
+              <a:rPr lang="ja-JP" altLang="en-US" dirty="0" smtClean="0">
+                <a:latin typeface="+mn-ea"/>
+              </a:rPr>
+              <a:t>設定</a:t>
+            </a:r>
+            <a:endParaRPr lang="en-US" altLang="ja-JP" dirty="0" smtClean="0">
+              <a:latin typeface="+mn-ea"/>
+            </a:endParaRPr>
+          </a:p>
+          <a:p>
+            <a:pPr marL="914400" lvl="2" indent="0">
+              <a:buNone/>
+            </a:pPr>
+            <a:r>
+              <a:rPr lang="en-US" altLang="ja-JP" dirty="0" smtClean="0">
+                <a:latin typeface="+mn-ea"/>
+              </a:rPr>
+              <a:t>$ sudo timedatectl set-timezone Asia/Tokyo</a:t>
+            </a:r>
+            <a:br>
+              <a:rPr lang="en-US" altLang="ja-JP" dirty="0" smtClean="0">
+                <a:latin typeface="+mn-ea"/>
+              </a:rPr>
+            </a:br>
+            <a:r>
+              <a:rPr lang="en-US" altLang="ja-JP" dirty="0" smtClean="0">
+                <a:latin typeface="+mn-ea"/>
+              </a:rPr>
+              <a:t>$ setenforce 0</a:t>
+            </a:r>
+            <a:br>
+              <a:rPr lang="en-US" altLang="ja-JP" dirty="0" smtClean="0">
+                <a:latin typeface="+mn-ea"/>
+              </a:rPr>
+            </a:br>
+            <a:r>
+              <a:rPr lang="en-US" altLang="ja-JP" dirty="0" smtClean="0">
+                <a:latin typeface="+mn-ea"/>
+              </a:rPr>
+              <a:t>$ cat &lt;&lt;-SELINUX &gt; /etc/selinux/config</a:t>
+            </a:r>
+            <a:br>
+              <a:rPr lang="en-US" altLang="ja-JP" dirty="0" smtClean="0">
+                <a:latin typeface="+mn-ea"/>
+              </a:rPr>
+            </a:br>
+            <a:r>
+              <a:rPr lang="en-US" altLang="ja-JP" dirty="0" smtClean="0">
+                <a:latin typeface="+mn-ea"/>
+              </a:rPr>
+              <a:t>SELINUX=disabled</a:t>
+            </a:r>
+            <a:br>
+              <a:rPr lang="en-US" altLang="ja-JP" dirty="0" smtClean="0">
+                <a:latin typeface="+mn-ea"/>
+              </a:rPr>
+            </a:br>
+            <a:r>
+              <a:rPr lang="en-US" altLang="ja-JP" dirty="0" smtClean="0">
+                <a:latin typeface="+mn-ea"/>
+              </a:rPr>
+              <a:t>SELINUXTYPE=targeted</a:t>
+            </a:r>
+            <a:br>
+              <a:rPr lang="en-US" altLang="ja-JP" dirty="0" smtClean="0">
+                <a:latin typeface="+mn-ea"/>
+              </a:rPr>
+            </a:br>
+            <a:r>
+              <a:rPr lang="en-US" altLang="ja-JP" dirty="0" smtClean="0">
+                <a:latin typeface="+mn-ea"/>
+              </a:rPr>
+              <a:t>SELINUX</a:t>
+            </a:r>
+            <a:endParaRPr lang="en-US" altLang="ja-JP" dirty="0" smtClean="0">
+              <a:latin typeface="+mn-ea"/>
+            </a:endParaRPr>
           </a:p>
           <a:p>
             <a:pPr lvl="1">
@@ -26446,10 +26270,14 @@
               <a:buAutoNum type="arabicPeriod" startAt="5"/>
             </a:pPr>
             <a:r>
-              <a:rPr lang="ja-JP" altLang="en-US" dirty="0" smtClean="0"/>
+              <a:rPr lang="ja-JP" altLang="en-US" dirty="0" smtClean="0">
+                <a:latin typeface="+mn-ea"/>
+              </a:rPr>
               <a:t>ミドルウェア インストール</a:t>
             </a:r>
-            <a:endParaRPr lang="en-US" altLang="ja-JP" dirty="0"/>
+            <a:endParaRPr lang="en-US" altLang="ja-JP" dirty="0">
+              <a:latin typeface="+mn-ea"/>
+            </a:endParaRPr>
           </a:p>
           <a:p>
             <a:pPr lvl="2">
@@ -26457,29 +26285,74 @@
               <a:buAutoNum type="arabicPeriod"/>
             </a:pPr>
             <a:r>
-              <a:rPr lang="en-US" altLang="ja-JP" dirty="0"/>
+              <a:rPr lang="en-US" altLang="ja-JP" dirty="0">
+                <a:latin typeface="+mn-ea"/>
+              </a:rPr>
               <a:t>W</a:t>
             </a:r>
             <a:r>
-              <a:rPr lang="en-US" altLang="ja-JP" dirty="0" smtClean="0"/>
+              <a:rPr lang="en-US" altLang="ja-JP" dirty="0" smtClean="0">
+                <a:latin typeface="+mn-ea"/>
+              </a:rPr>
               <a:t>eb</a:t>
             </a:r>
             <a:r>
-              <a:rPr lang="ja-JP" altLang="en-US" dirty="0" smtClean="0"/>
+              <a:rPr lang="ja-JP" altLang="en-US" dirty="0" smtClean="0">
+                <a:latin typeface="+mn-ea"/>
+              </a:rPr>
               <a:t>サーバ</a:t>
             </a:r>
-            <a:endParaRPr lang="en-US" altLang="ja-JP" dirty="0" smtClean="0"/>
-          </a:p>
-          <a:p>
-            <a:pPr lvl="1">
-              <a:buFont typeface="+mj-lt"/>
-              <a:buAutoNum type="arabicPeriod" startAt="5"/>
-            </a:pPr>
-            <a:r>
-              <a:rPr lang="ja-JP" altLang="en-US" dirty="0" smtClean="0"/>
-              <a:t>パッケージマネージャ、ランタイム インストール</a:t>
-            </a:r>
-            <a:endParaRPr lang="en-US" altLang="ja-JP" dirty="0" smtClean="0"/>
+            <a:endParaRPr lang="en-US" altLang="ja-JP" dirty="0" smtClean="0">
+              <a:latin typeface="+mn-ea"/>
+            </a:endParaRPr>
+          </a:p>
+          <a:p>
+            <a:pPr marL="914400" lvl="2" indent="0">
+              <a:buNone/>
+            </a:pPr>
+            <a:r>
+              <a:rPr lang="en-US" altLang="ja-JP" dirty="0" smtClean="0">
+                <a:latin typeface="+mn-ea"/>
+              </a:rPr>
+              <a:t>$ sudo yum install </a:t>
+            </a:r>
+            <a:r>
+              <a:rPr lang="mr-IN" altLang="ja-JP" dirty="0" smtClean="0">
+                <a:latin typeface="+mn-ea"/>
+              </a:rPr>
+              <a:t>–</a:t>
+            </a:r>
+            <a:r>
+              <a:rPr lang="en-US" altLang="ja-JP" dirty="0" smtClean="0">
+                <a:latin typeface="+mn-ea"/>
+              </a:rPr>
+              <a:t>y httpd</a:t>
+            </a:r>
+            <a:br>
+              <a:rPr lang="en-US" altLang="ja-JP" dirty="0" smtClean="0">
+                <a:latin typeface="+mn-ea"/>
+              </a:rPr>
+            </a:br>
+            <a:r>
+              <a:rPr lang="en-US" altLang="ja-JP" dirty="0" smtClean="0">
+                <a:latin typeface="+mn-ea"/>
+              </a:rPr>
+              <a:t>$ sudo systemctl start httpd.service</a:t>
+            </a:r>
+            <a:br>
+              <a:rPr lang="en-US" altLang="ja-JP" dirty="0" smtClean="0">
+                <a:latin typeface="+mn-ea"/>
+              </a:rPr>
+            </a:br>
+            <a:r>
+              <a:rPr lang="en-US" altLang="ja-JP" dirty="0" smtClean="0">
+                <a:latin typeface="+mn-ea"/>
+              </a:rPr>
+              <a:t>$ sudo systemctl enable httpd.service</a:t>
+            </a:r>
+            <a:endParaRPr lang="en-US" altLang="ja-JP" dirty="0" smtClean="0">
+              <a:latin typeface="+mn-ea"/>
+            </a:endParaRPr>
           </a:p>
         </p:txBody>
       </p:sp>
@@ -26927,6 +26800,120 @@
               </a:rPr>
               <a:t>EC2</a:t>
             </a:r>
+            <a:endParaRPr lang="en-US" altLang="ja-JP" dirty="0" smtClean="0">
+              <a:solidFill>
+                <a:schemeClr val="bg1">
+                  <a:lumMod val="75000"/>
+                </a:schemeClr>
+              </a:solidFill>
+            </a:endParaRPr>
+          </a:p>
+          <a:p>
+            <a:pPr lvl="1">
+              <a:buFont typeface="+mj-lt"/>
+              <a:buAutoNum type="arabicPeriod"/>
+            </a:pPr>
+            <a:r>
+              <a:rPr lang="en-US" altLang="ja-JP" dirty="0" smtClean="0">
+                <a:solidFill>
+                  <a:schemeClr val="bg1">
+                    <a:lumMod val="75000"/>
+                  </a:schemeClr>
+                </a:solidFill>
+              </a:rPr>
+              <a:t>Cognito</a:t>
+            </a:r>
+            <a:endParaRPr lang="en-US" altLang="ja-JP" dirty="0" smtClean="0">
+              <a:solidFill>
+                <a:schemeClr val="bg1">
+                  <a:lumMod val="75000"/>
+                </a:schemeClr>
+              </a:solidFill>
+            </a:endParaRPr>
+          </a:p>
+          <a:p>
+            <a:pPr lvl="1">
+              <a:buFont typeface="+mj-lt"/>
+              <a:buAutoNum type="arabicPeriod"/>
+            </a:pPr>
+            <a:r>
+              <a:rPr lang="ja-JP" altLang="ja-JP" dirty="0" smtClean="0">
+                <a:solidFill>
+                  <a:schemeClr val="bg1">
+                    <a:lumMod val="75000"/>
+                  </a:schemeClr>
+                </a:solidFill>
+              </a:rPr>
+              <a:t>R</a:t>
+            </a:r>
+            <a:r>
+              <a:rPr lang="en-US" altLang="ja-JP" dirty="0" smtClean="0">
+                <a:solidFill>
+                  <a:schemeClr val="bg1">
+                    <a:lumMod val="75000"/>
+                  </a:schemeClr>
+                </a:solidFill>
+              </a:rPr>
+              <a:t>oute53</a:t>
+            </a:r>
+            <a:endParaRPr lang="en-US" altLang="ja-JP" dirty="0" smtClean="0">
+              <a:solidFill>
+                <a:srgbClr val="00A0E7"/>
+              </a:solidFill>
+            </a:endParaRPr>
+          </a:p>
+          <a:p>
+            <a:pPr>
+              <a:buFont typeface="+mj-lt"/>
+              <a:buAutoNum type="arabicPeriod"/>
+            </a:pPr>
+            <a:r>
+              <a:rPr lang="en-US" altLang="ja-JP" dirty="0" smtClean="0">
+                <a:solidFill>
+                  <a:srgbClr val="BFBFBF"/>
+                </a:solidFill>
+              </a:rPr>
+              <a:t>API </a:t>
+            </a:r>
+            <a:r>
+              <a:rPr lang="ja-JP" altLang="en-US" dirty="0" smtClean="0">
+                <a:solidFill>
+                  <a:srgbClr val="BFBFBF"/>
+                </a:solidFill>
+              </a:rPr>
+              <a:t>デプロイ</a:t>
+            </a:r>
+            <a:endParaRPr lang="en-US" altLang="ja-JP" dirty="0">
+              <a:solidFill>
+                <a:srgbClr val="BFBFBF"/>
+              </a:solidFill>
+            </a:endParaRPr>
+          </a:p>
+          <a:p>
+            <a:pPr>
+              <a:buFont typeface="+mj-lt"/>
+              <a:buAutoNum type="arabicPeriod"/>
+            </a:pPr>
+            <a:r>
+              <a:rPr lang="en-US" altLang="ja-JP" dirty="0">
+                <a:solidFill>
+                  <a:schemeClr val="bg1">
+                    <a:lumMod val="75000"/>
+                  </a:schemeClr>
+                </a:solidFill>
+              </a:rPr>
+              <a:t>CMS </a:t>
+            </a:r>
+            <a:r>
+              <a:rPr lang="ja-JP" altLang="en-US" dirty="0">
+                <a:solidFill>
+                  <a:schemeClr val="bg1">
+                    <a:lumMod val="75000"/>
+                  </a:schemeClr>
+                </a:solidFill>
+              </a:rPr>
+              <a:t>デプロイ</a:t>
+            </a:r>
             <a:endParaRPr lang="en-US" altLang="ja-JP" dirty="0">
               <a:solidFill>
                 <a:schemeClr val="bg1">
@@ -26936,134 +26923,16 @@
             </a:endParaRPr>
           </a:p>
           <a:p>
-            <a:pPr lvl="1">
-              <a:buFont typeface="+mj-lt"/>
-              <a:buAutoNum type="arabicPeriod"/>
-            </a:pPr>
-            <a:r>
-              <a:rPr lang="ja-JP" altLang="ja-JP" dirty="0">
-                <a:solidFill>
-                  <a:schemeClr val="bg1">
-                    <a:lumMod val="75000"/>
-                  </a:schemeClr>
-                </a:solidFill>
-              </a:rPr>
-              <a:t>C</a:t>
-            </a:r>
-            <a:r>
-              <a:rPr lang="en-US" altLang="ja-JP" dirty="0">
-                <a:solidFill>
-                  <a:schemeClr val="bg1">
-                    <a:lumMod val="75000"/>
-                  </a:schemeClr>
-                </a:solidFill>
-              </a:rPr>
-              <a:t>ognite</a:t>
-            </a:r>
-          </a:p>
-          <a:p>
-            <a:pPr lvl="1">
-              <a:buFont typeface="+mj-lt"/>
-              <a:buAutoNum type="arabicPeriod"/>
-            </a:pPr>
-            <a:r>
-              <a:rPr lang="ja-JP" altLang="ja-JP" dirty="0">
-                <a:solidFill>
-                  <a:schemeClr val="bg1">
-                    <a:lumMod val="75000"/>
-                  </a:schemeClr>
-                </a:solidFill>
-              </a:rPr>
-              <a:t>R</a:t>
-            </a:r>
-            <a:r>
-              <a:rPr lang="en-US" altLang="ja-JP" dirty="0">
-                <a:solidFill>
-                  <a:schemeClr val="bg1">
-                    <a:lumMod val="75000"/>
-                  </a:schemeClr>
-                </a:solidFill>
-              </a:rPr>
-              <a:t>oute53</a:t>
-            </a:r>
-            <a:endParaRPr lang="en-US" altLang="ja-JP" dirty="0" smtClean="0">
-              <a:solidFill>
-                <a:srgbClr val="00A0E7"/>
-              </a:solidFill>
-            </a:endParaRPr>
-          </a:p>
-          <a:p>
-            <a:pPr>
-              <a:buFont typeface="+mj-lt"/>
-              <a:buAutoNum type="arabicPeriod"/>
-            </a:pPr>
-            <a:r>
-              <a:rPr lang="en-US" altLang="ja-JP" dirty="0" smtClean="0">
+            <a:pPr marL="0" indent="0">
+              <a:buNone/>
+            </a:pPr>
+            <a:r>
+              <a:rPr lang="ja-JP" altLang="en-US" dirty="0" smtClean="0">
                 <a:solidFill>
                   <a:srgbClr val="BFBFBF"/>
                 </a:solidFill>
               </a:rPr>
-              <a:t>API </a:t>
-            </a:r>
-            <a:r>
-              <a:rPr lang="ja-JP" altLang="en-US" dirty="0" smtClean="0">
-                <a:solidFill>
-                  <a:srgbClr val="BFBFBF"/>
-                </a:solidFill>
-              </a:rPr>
-              <a:t>デプロイ</a:t>
-            </a:r>
-            <a:endParaRPr lang="en-US" altLang="ja-JP" dirty="0">
-              <a:solidFill>
-                <a:srgbClr val="BFBFBF"/>
-              </a:solidFill>
-            </a:endParaRPr>
-          </a:p>
-          <a:p>
-            <a:pPr>
-              <a:buFont typeface="+mj-lt"/>
-              <a:buAutoNum type="arabicPeriod"/>
-            </a:pPr>
-            <a:r>
-              <a:rPr lang="en-US" altLang="ja-JP" dirty="0">
-                <a:solidFill>
-                  <a:schemeClr val="bg1">
-                    <a:lumMod val="75000"/>
-                  </a:schemeClr>
-                </a:solidFill>
-              </a:rPr>
-              <a:t>CMS </a:t>
-            </a:r>
-            <a:r>
-              <a:rPr lang="ja-JP" altLang="en-US" dirty="0">
-                <a:solidFill>
-                  <a:schemeClr val="bg1">
-                    <a:lumMod val="75000"/>
-                  </a:schemeClr>
-                </a:solidFill>
-              </a:rPr>
-              <a:t>デプロイ</a:t>
-            </a:r>
-            <a:endParaRPr lang="en-US" altLang="ja-JP" dirty="0">
-              <a:solidFill>
-                <a:schemeClr val="bg1">
-                  <a:lumMod val="75000"/>
-                </a:schemeClr>
-              </a:solidFill>
-            </a:endParaRPr>
-          </a:p>
-          <a:p>
-            <a:pPr>
-              <a:buFont typeface="+mj-lt"/>
-              <a:buAutoNum type="arabicPeriod"/>
-            </a:pPr>
-            <a:r>
-              <a:rPr lang="ja-JP" altLang="en-US" dirty="0" smtClean="0">
-                <a:solidFill>
-                  <a:srgbClr val="BFBFBF"/>
-                </a:solidFill>
-              </a:rPr>
-              <a:t>コンテンツ登録</a:t>
+              <a:t>以上</a:t>
             </a:r>
             <a:endParaRPr lang="en-US" altLang="ja-JP" dirty="0" smtClean="0">
               <a:solidFill>
@@ -27071,23 +26940,174 @@
               </a:solidFill>
             </a:endParaRPr>
           </a:p>
-          <a:p>
-            <a:pPr marL="0" indent="0">
-              <a:buNone/>
-            </a:pPr>
-            <a:r>
-              <a:rPr lang="ja-JP" altLang="en-US" dirty="0" smtClean="0">
-                <a:solidFill>
-                  <a:srgbClr val="BFBFBF"/>
-                </a:solidFill>
-              </a:rPr>
-              <a:t>以上</a:t>
-            </a:r>
-            <a:endParaRPr lang="en-US" altLang="ja-JP" dirty="0" smtClean="0">
-              <a:solidFill>
-                <a:srgbClr val="BFBFBF"/>
-              </a:solidFill>
-            </a:endParaRPr>
+        </p:txBody>
+      </p:sp>
+      <p:sp>
+        <p:nvSpPr>
+          <p:cNvPr id="7" name="テキスト ボックス 6">
+            <a:extLst>
+              <a:ext uri="{FF2B5EF4-FFF2-40B4-BE49-F238E27FC236}">
+                <a16:creationId xmlns="" xmlns:a16="http://schemas.microsoft.com/office/drawing/2014/main" id="{71FED841-B37C-4655-B094-D9D9B244EFB4}"/>
+              </a:ext>
+            </a:extLst>
+          </p:cNvPr>
+          <p:cNvSpPr txBox="1"/>
+          <p:nvPr/>
+        </p:nvSpPr>
+        <p:spPr>
+          <a:xfrm>
+            <a:off x="3926643" y="1293198"/>
+            <a:ext cx="7488266" cy="307777"/>
+          </a:xfrm>
+          <a:prstGeom prst="rect">
+            <a:avLst/>
+          </a:prstGeom>
+          <a:noFill/>
+          <a:ln>
+            <a:solidFill>
+              <a:srgbClr val="00A0E7"/>
+            </a:solidFill>
+          </a:ln>
+        </p:spPr>
+        <p:txBody>
+          <a:bodyPr wrap="square" rtlCol="0">
+            <a:spAutoFit/>
+          </a:bodyPr>
+          <a:lstStyle/>
+          <a:p>
+            <a:endParaRPr kumimoji="1" lang="ja-JP" altLang="en-US" sz="1400" dirty="0"/>
+          </a:p>
+        </p:txBody>
+      </p:sp>
+      <p:sp>
+        <p:nvSpPr>
+          <p:cNvPr id="9" name="テキスト ボックス 8">
+            <a:extLst>
+              <a:ext uri="{FF2B5EF4-FFF2-40B4-BE49-F238E27FC236}">
+                <a16:creationId xmlns="" xmlns:a16="http://schemas.microsoft.com/office/drawing/2014/main" id="{71FED841-B37C-4655-B094-D9D9B244EFB4}"/>
+              </a:ext>
+            </a:extLst>
+          </p:cNvPr>
+          <p:cNvSpPr txBox="1"/>
+          <p:nvPr/>
+        </p:nvSpPr>
+        <p:spPr>
+          <a:xfrm>
+            <a:off x="3926643" y="1980367"/>
+            <a:ext cx="7488266" cy="307777"/>
+          </a:xfrm>
+          <a:prstGeom prst="rect">
+            <a:avLst/>
+          </a:prstGeom>
+          <a:noFill/>
+          <a:ln>
+            <a:solidFill>
+              <a:srgbClr val="00A0E7"/>
+            </a:solidFill>
+          </a:ln>
+        </p:spPr>
+        <p:txBody>
+          <a:bodyPr wrap="square" rtlCol="0">
+            <a:spAutoFit/>
+          </a:bodyPr>
+          <a:lstStyle/>
+          <a:p>
+            <a:endParaRPr kumimoji="1" lang="ja-JP" altLang="en-US" sz="1400" dirty="0"/>
+          </a:p>
+        </p:txBody>
+      </p:sp>
+      <p:sp>
+        <p:nvSpPr>
+          <p:cNvPr id="11" name="テキスト ボックス 10">
+            <a:extLst>
+              <a:ext uri="{FF2B5EF4-FFF2-40B4-BE49-F238E27FC236}">
+                <a16:creationId xmlns="" xmlns:a16="http://schemas.microsoft.com/office/drawing/2014/main" id="{71FED841-B37C-4655-B094-D9D9B244EFB4}"/>
+              </a:ext>
+            </a:extLst>
+          </p:cNvPr>
+          <p:cNvSpPr txBox="1"/>
+          <p:nvPr/>
+        </p:nvSpPr>
+        <p:spPr>
+          <a:xfrm>
+            <a:off x="3926643" y="2684249"/>
+            <a:ext cx="7488266" cy="1384995"/>
+          </a:xfrm>
+          <a:prstGeom prst="rect">
+            <a:avLst/>
+          </a:prstGeom>
+          <a:noFill/>
+          <a:ln>
+            <a:solidFill>
+              <a:srgbClr val="00A0E7"/>
+            </a:solidFill>
+          </a:ln>
+        </p:spPr>
+        <p:txBody>
+          <a:bodyPr wrap="square" rtlCol="0">
+            <a:spAutoFit/>
+          </a:bodyPr>
+          <a:lstStyle/>
+          <a:p>
+            <a:endParaRPr kumimoji="1" lang="en-US" altLang="ja-JP" sz="1400" dirty="0"/>
+          </a:p>
+          <a:p>
+            <a:endParaRPr kumimoji="1" lang="en-US" altLang="ja-JP" sz="1400" dirty="0" smtClean="0"/>
+          </a:p>
+          <a:p>
+            <a:endParaRPr kumimoji="1" lang="en-US" altLang="ja-JP" sz="1400" dirty="0"/>
+          </a:p>
+          <a:p>
+            <a:endParaRPr kumimoji="1" lang="en-US" altLang="ja-JP" sz="1400" dirty="0"/>
+          </a:p>
+          <a:p>
+            <a:endParaRPr kumimoji="1" lang="en-US" altLang="ja-JP" sz="1400" dirty="0" smtClean="0"/>
+          </a:p>
+          <a:p>
+            <a:endParaRPr kumimoji="1" lang="ja-JP" altLang="en-US" sz="1400" dirty="0"/>
+          </a:p>
+        </p:txBody>
+      </p:sp>
+      <p:sp>
+        <p:nvSpPr>
+          <p:cNvPr id="12" name="テキスト ボックス 11">
+            <a:extLst>
+              <a:ext uri="{FF2B5EF4-FFF2-40B4-BE49-F238E27FC236}">
+                <a16:creationId xmlns="" xmlns:a16="http://schemas.microsoft.com/office/drawing/2014/main" id="{71FED841-B37C-4655-B094-D9D9B244EFB4}"/>
+              </a:ext>
+            </a:extLst>
+          </p:cNvPr>
+          <p:cNvSpPr txBox="1"/>
+          <p:nvPr/>
+        </p:nvSpPr>
+        <p:spPr>
+          <a:xfrm>
+            <a:off x="3926643" y="4825324"/>
+            <a:ext cx="7488266" cy="738664"/>
+          </a:xfrm>
+          <a:prstGeom prst="rect">
+            <a:avLst/>
+          </a:prstGeom>
+          <a:noFill/>
+          <a:ln>
+            <a:solidFill>
+              <a:srgbClr val="00A0E7"/>
+            </a:solidFill>
+          </a:ln>
+        </p:spPr>
+        <p:txBody>
+          <a:bodyPr wrap="square" rtlCol="0">
+            <a:spAutoFit/>
+          </a:bodyPr>
+          <a:lstStyle/>
+          <a:p>
+            <a:endParaRPr kumimoji="1" lang="en-US" altLang="ja-JP" sz="1400" dirty="0"/>
+          </a:p>
+          <a:p>
+            <a:endParaRPr kumimoji="1" lang="en-US" altLang="ja-JP" sz="1400" dirty="0" smtClean="0"/>
+          </a:p>
+          <a:p>
+            <a:endParaRPr kumimoji="1" lang="ja-JP" altLang="en-US" sz="1400" dirty="0"/>
           </a:p>
         </p:txBody>
       </p:sp>
@@ -27189,9 +27209,394 @@
           <a:p>
             <a:pPr lvl="1">
               <a:buFont typeface="+mj-lt"/>
-              <a:buAutoNum type="arabicPeriod" startAt="5"/>
-            </a:pPr>
-            <a:endParaRPr lang="en-US" altLang="ja-JP" dirty="0" smtClean="0"/>
+              <a:buAutoNum type="arabicPeriod" startAt="9"/>
+            </a:pPr>
+            <a:r>
+              <a:rPr lang="ja-JP" altLang="en-US" dirty="0" smtClean="0"/>
+              <a:t>パッケ</a:t>
+            </a:r>
+            <a:r>
+              <a:rPr lang="ja-JP" altLang="en-US" dirty="0" smtClean="0">
+                <a:latin typeface="+mn-ea"/>
+              </a:rPr>
+              <a:t>ージマネージャ</a:t>
+            </a:r>
+            <a:r>
+              <a:rPr lang="ja-JP" altLang="en-US" dirty="0" smtClean="0">
+                <a:latin typeface="+mn-ea"/>
+              </a:rPr>
+              <a:t>、ランタイム </a:t>
+            </a:r>
+            <a:r>
+              <a:rPr lang="ja-JP" altLang="en-US" dirty="0" smtClean="0">
+                <a:latin typeface="+mn-ea"/>
+              </a:rPr>
+              <a:t>インストール</a:t>
+            </a:r>
+            <a:endParaRPr lang="en-US" altLang="ja-JP" dirty="0" smtClean="0">
+              <a:latin typeface="+mn-ea"/>
+            </a:endParaRPr>
+          </a:p>
+          <a:p>
+            <a:pPr marL="914400" lvl="2" indent="0">
+              <a:buNone/>
+            </a:pPr>
+            <a:r>
+              <a:rPr lang="en-US" altLang="ja-JP" dirty="0" smtClean="0">
+                <a:latin typeface="+mn-ea"/>
+              </a:rPr>
+              <a:t>$ </a:t>
+            </a:r>
+            <a:r>
+              <a:rPr lang="en-US" altLang="ja-JP" dirty="0" smtClean="0">
+                <a:latin typeface="+mn-ea"/>
+              </a:rPr>
+              <a:t>sudo </a:t>
+            </a:r>
+            <a:r>
+              <a:rPr lang="en-US" altLang="ja-JP" dirty="0">
+                <a:latin typeface="+mn-ea"/>
+              </a:rPr>
+              <a:t>yum localinstall -y https://dl.fedoraproject.org/pub/epel/epel-release-latest-7.</a:t>
+            </a:r>
+            <a:r>
+              <a:rPr lang="en-US" altLang="ja-JP" dirty="0" smtClean="0">
+                <a:latin typeface="+mn-ea"/>
+              </a:rPr>
+              <a:t>noarch.rpm</a:t>
+            </a:r>
+            <a:br>
+              <a:rPr lang="en-US" altLang="ja-JP" dirty="0" smtClean="0">
+                <a:latin typeface="+mn-ea"/>
+              </a:rPr>
+            </a:br>
+            <a:r>
+              <a:rPr lang="en-US" altLang="ja-JP" dirty="0">
+                <a:latin typeface="+mn-ea"/>
+              </a:rPr>
+              <a:t>$ sudo yum localinstall -y http://rpms.remirepo.net/enterprise/remi-release-7.rpm</a:t>
+            </a:r>
+            <a:br>
+              <a:rPr lang="en-US" altLang="ja-JP" dirty="0">
+                <a:latin typeface="+mn-ea"/>
+              </a:rPr>
+            </a:br>
+            <a:r>
+              <a:rPr lang="en-US" altLang="ja-JP" dirty="0">
+                <a:latin typeface="+mn-ea"/>
+              </a:rPr>
+              <a:t>$ sudo yum-config-manager --enable remi-php74</a:t>
+            </a:r>
+            <a:br>
+              <a:rPr lang="en-US" altLang="ja-JP" dirty="0">
+                <a:latin typeface="+mn-ea"/>
+              </a:rPr>
+            </a:br>
+            <a:r>
+              <a:rPr lang="en-US" altLang="ja-JP" dirty="0">
+                <a:latin typeface="+mn-ea"/>
+              </a:rPr>
+              <a:t>$ sudo yum update </a:t>
+            </a:r>
+            <a:r>
+              <a:rPr lang="mr-IN" altLang="ja-JP" dirty="0" smtClean="0">
+                <a:latin typeface="+mn-ea"/>
+              </a:rPr>
+              <a:t>–</a:t>
+            </a:r>
+            <a:r>
+              <a:rPr lang="en-US" altLang="ja-JP" dirty="0">
+                <a:latin typeface="+mn-ea"/>
+              </a:rPr>
+              <a:t>y</a:t>
+            </a:r>
+            <a:br>
+              <a:rPr lang="en-US" altLang="ja-JP" dirty="0">
+                <a:latin typeface="+mn-ea"/>
+              </a:rPr>
+            </a:br>
+            <a:r>
+              <a:rPr lang="en-US" altLang="ja-JP" dirty="0">
+                <a:latin typeface="+mn-ea"/>
+              </a:rPr>
+              <a:t>$ sudo yum install -y </a:t>
+            </a:r>
+            <a:r>
+              <a:rPr lang="en-US" altLang="ja-JP" dirty="0" smtClean="0">
+                <a:latin typeface="+mn-ea"/>
+              </a:rPr>
+              <a:t>php php-bcmath php-cli php-ctype php-devel php-json php-mbstring php-tokenizer php-xml php0pdo</a:t>
+            </a:r>
+            <a:endParaRPr lang="en-US" altLang="ja-JP" dirty="0">
+              <a:latin typeface="+mn-ea"/>
+            </a:endParaRPr>
+          </a:p>
+          <a:p>
+            <a:pPr marL="914400" lvl="2" indent="0">
+              <a:buNone/>
+            </a:pPr>
+            <a:r>
+              <a:rPr lang="en-US" altLang="ja-JP" dirty="0" smtClean="0">
+                <a:latin typeface="+mn-ea"/>
+              </a:rPr>
+              <a:t>$ </a:t>
+            </a:r>
+            <a:r>
+              <a:rPr lang="en-US" altLang="ja-JP" dirty="0" smtClean="0">
+                <a:latin typeface="+mn-ea"/>
+              </a:rPr>
+              <a:t>sudo </a:t>
+            </a:r>
+            <a:r>
+              <a:rPr lang="en-US" altLang="ja-JP" dirty="0">
+                <a:latin typeface="+mn-ea"/>
+              </a:rPr>
+              <a:t>cat &lt;&lt;-PHP_INI &gt;&gt; /etc/</a:t>
+            </a:r>
+            <a:r>
+              <a:rPr lang="en-US" altLang="ja-JP" dirty="0" smtClean="0">
+                <a:latin typeface="+mn-ea"/>
+              </a:rPr>
+              <a:t>php.ini</a:t>
+            </a:r>
+            <a:r>
+              <a:rPr lang="en-US" altLang="ja-JP" dirty="0">
+                <a:latin typeface="+mn-ea"/>
+              </a:rPr>
+              <a:t/>
+            </a:r>
+            <a:br>
+              <a:rPr lang="en-US" altLang="ja-JP" dirty="0">
+                <a:latin typeface="+mn-ea"/>
+              </a:rPr>
+            </a:br>
+            <a:r>
+              <a:rPr lang="en-US" altLang="ja-JP" dirty="0" smtClean="0">
+                <a:latin typeface="+mn-ea"/>
+              </a:rPr>
+              <a:t>error_logs </a:t>
+            </a:r>
+            <a:r>
+              <a:rPr lang="en-US" altLang="ja-JP" dirty="0">
+                <a:latin typeface="+mn-ea"/>
+              </a:rPr>
+              <a:t>= /var/log/</a:t>
+            </a:r>
+            <a:r>
+              <a:rPr lang="en-US" altLang="ja-JP" dirty="0" smtClean="0">
+                <a:latin typeface="+mn-ea"/>
+              </a:rPr>
+              <a:t>php_errors.log</a:t>
+            </a:r>
+            <a:br>
+              <a:rPr lang="en-US" altLang="ja-JP" dirty="0" smtClean="0">
+                <a:latin typeface="+mn-ea"/>
+              </a:rPr>
+            </a:br>
+            <a:r>
+              <a:rPr lang="en-US" altLang="ja-JP" dirty="0" smtClean="0">
+                <a:latin typeface="+mn-ea"/>
+              </a:rPr>
+              <a:t>date.timezone </a:t>
+            </a:r>
+            <a:r>
+              <a:rPr lang="en-US" altLang="ja-JP" dirty="0">
+                <a:latin typeface="+mn-ea"/>
+              </a:rPr>
+              <a:t>= "Asia/</a:t>
+            </a:r>
+            <a:r>
+              <a:rPr lang="en-US" altLang="ja-JP" dirty="0" smtClean="0">
+                <a:latin typeface="+mn-ea"/>
+              </a:rPr>
+              <a:t>Tokyo”</a:t>
+            </a:r>
+            <a:br>
+              <a:rPr lang="en-US" altLang="ja-JP" dirty="0" smtClean="0">
+                <a:latin typeface="+mn-ea"/>
+              </a:rPr>
+            </a:br>
+            <a:r>
+              <a:rPr lang="en-US" altLang="ja-JP" dirty="0" smtClean="0">
+                <a:latin typeface="+mn-ea"/>
+              </a:rPr>
+              <a:t>mbstring.language </a:t>
+            </a:r>
+            <a:r>
+              <a:rPr lang="en-US" altLang="ja-JP" dirty="0">
+                <a:latin typeface="+mn-ea"/>
+              </a:rPr>
+              <a:t>= </a:t>
+            </a:r>
+            <a:r>
+              <a:rPr lang="en-US" altLang="ja-JP" dirty="0" smtClean="0">
+                <a:latin typeface="+mn-ea"/>
+              </a:rPr>
+              <a:t>Japanese</a:t>
+            </a:r>
+            <a:br>
+              <a:rPr lang="en-US" altLang="ja-JP" dirty="0" smtClean="0">
+                <a:latin typeface="+mn-ea"/>
+              </a:rPr>
+            </a:br>
+            <a:r>
+              <a:rPr lang="en-US" altLang="ja-JP" dirty="0" smtClean="0">
+                <a:latin typeface="+mn-ea"/>
+              </a:rPr>
+              <a:t>mbstring.internal_encoding </a:t>
+            </a:r>
+            <a:r>
+              <a:rPr lang="en-US" altLang="ja-JP" dirty="0">
+                <a:latin typeface="+mn-ea"/>
+              </a:rPr>
+              <a:t>= UTF-</a:t>
+            </a:r>
+            <a:r>
+              <a:rPr lang="en-US" altLang="ja-JP" dirty="0" smtClean="0">
+                <a:latin typeface="+mn-ea"/>
+              </a:rPr>
+              <a:t>8</a:t>
+            </a:r>
+            <a:br>
+              <a:rPr lang="en-US" altLang="ja-JP" dirty="0" smtClean="0">
+                <a:latin typeface="+mn-ea"/>
+              </a:rPr>
+            </a:br>
+            <a:r>
+              <a:rPr lang="en-US" altLang="ja-JP" dirty="0" smtClean="0">
+                <a:latin typeface="+mn-ea"/>
+              </a:rPr>
+              <a:t>memory_limit</a:t>
+            </a:r>
+            <a:r>
+              <a:rPr lang="en-US" altLang="ja-JP" dirty="0">
+                <a:latin typeface="+mn-ea"/>
+              </a:rPr>
+              <a:t>=</a:t>
+            </a:r>
+            <a:r>
+              <a:rPr lang="en-US" altLang="ja-JP" dirty="0" smtClean="0">
+                <a:latin typeface="+mn-ea"/>
+              </a:rPr>
+              <a:t>1024M</a:t>
+            </a:r>
+            <a:br>
+              <a:rPr lang="en-US" altLang="ja-JP" dirty="0" smtClean="0">
+                <a:latin typeface="+mn-ea"/>
+              </a:rPr>
+            </a:br>
+            <a:r>
+              <a:rPr lang="en-US" altLang="ja-JP" dirty="0" smtClean="0">
+                <a:latin typeface="+mn-ea"/>
+              </a:rPr>
+              <a:t>upload_max_filesize</a:t>
+            </a:r>
+            <a:r>
+              <a:rPr lang="en-US" altLang="ja-JP" dirty="0">
+                <a:latin typeface="+mn-ea"/>
+              </a:rPr>
+              <a:t>=</a:t>
+            </a:r>
+            <a:r>
+              <a:rPr lang="en-US" altLang="ja-JP" dirty="0" smtClean="0">
+                <a:latin typeface="+mn-ea"/>
+              </a:rPr>
+              <a:t>512M</a:t>
+            </a:r>
+            <a:br>
+              <a:rPr lang="en-US" altLang="ja-JP" dirty="0" smtClean="0">
+                <a:latin typeface="+mn-ea"/>
+              </a:rPr>
+            </a:br>
+            <a:r>
+              <a:rPr lang="en-US" altLang="ja-JP" dirty="0" smtClean="0">
+                <a:latin typeface="+mn-ea"/>
+              </a:rPr>
+              <a:t>post_max_size</a:t>
+            </a:r>
+            <a:r>
+              <a:rPr lang="en-US" altLang="ja-JP" dirty="0">
+                <a:latin typeface="+mn-ea"/>
+              </a:rPr>
+              <a:t>=</a:t>
+            </a:r>
+            <a:r>
+              <a:rPr lang="en-US" altLang="ja-JP" dirty="0" smtClean="0">
+                <a:latin typeface="+mn-ea"/>
+              </a:rPr>
+              <a:t>1024M</a:t>
+            </a:r>
+            <a:br>
+              <a:rPr lang="en-US" altLang="ja-JP" dirty="0" smtClean="0">
+                <a:latin typeface="+mn-ea"/>
+              </a:rPr>
+            </a:br>
+            <a:r>
+              <a:rPr lang="en-US" altLang="ja-JP" dirty="0" smtClean="0">
+                <a:latin typeface="+mn-ea"/>
+              </a:rPr>
+              <a:t>PHP_INI</a:t>
+            </a:r>
+          </a:p>
+          <a:p>
+            <a:pPr marL="914400" lvl="2" indent="0">
+              <a:buNone/>
+            </a:pPr>
+            <a:r>
+              <a:rPr lang="en-US" altLang="ja-JP" dirty="0">
+                <a:latin typeface="+mn-ea"/>
+              </a:rPr>
+              <a:t>$sudo php -r "copy('https://getcomposer.org/installer', 'composer-setup.php')</a:t>
+            </a:r>
+            <a:r>
+              <a:rPr lang="en-US" altLang="ja-JP" dirty="0" smtClean="0">
+                <a:latin typeface="+mn-ea"/>
+              </a:rPr>
+              <a:t>;”</a:t>
+            </a:r>
+            <a:br>
+              <a:rPr lang="en-US" altLang="ja-JP" dirty="0" smtClean="0">
+                <a:latin typeface="+mn-ea"/>
+              </a:rPr>
+            </a:br>
+            <a:r>
+              <a:rPr lang="en-US" altLang="ja-JP" dirty="0" smtClean="0">
+                <a:latin typeface="+mn-ea"/>
+              </a:rPr>
+              <a:t>$ sudo </a:t>
+            </a:r>
+            <a:r>
+              <a:rPr lang="en-US" altLang="ja-JP" dirty="0">
+                <a:latin typeface="+mn-ea"/>
+              </a:rPr>
+              <a:t>php composer-setup.php --install-dir=/usr/local/bin --filename=</a:t>
+            </a:r>
+            <a:r>
+              <a:rPr lang="en-US" altLang="ja-JP" dirty="0" smtClean="0">
+                <a:latin typeface="+mn-ea"/>
+              </a:rPr>
+              <a:t>composer</a:t>
+            </a:r>
+            <a:br>
+              <a:rPr lang="en-US" altLang="ja-JP" dirty="0" smtClean="0">
+                <a:latin typeface="+mn-ea"/>
+              </a:rPr>
+            </a:br>
+            <a:r>
+              <a:rPr lang="en-US" altLang="ja-JP" dirty="0" smtClean="0">
+                <a:latin typeface="+mn-ea"/>
+              </a:rPr>
+              <a:t>$ sudo </a:t>
+            </a:r>
+            <a:r>
+              <a:rPr lang="en-US" altLang="ja-JP" dirty="0">
+                <a:latin typeface="+mn-ea"/>
+              </a:rPr>
+              <a:t>php -r "unlink('composer-setup.php');"</a:t>
+            </a:r>
+            <a:endParaRPr lang="en-US" altLang="ja-JP" dirty="0" smtClean="0">
+              <a:latin typeface="+mn-ea"/>
+            </a:endParaRPr>
           </a:p>
         </p:txBody>
       </p:sp>
@@ -27634,60 +28039,10 @@
             <a:r>
               <a:rPr lang="en-US" altLang="ja-JP" dirty="0" smtClean="0">
                 <a:solidFill>
-                  <a:schemeClr val="bg1">
-                    <a:lumMod val="75000"/>
-                  </a:schemeClr>
+                  <a:srgbClr val="00A0E7"/>
                 </a:solidFill>
               </a:rPr>
               <a:t>EC2</a:t>
-            </a:r>
-          </a:p>
-          <a:p>
-            <a:pPr lvl="1">
-              <a:buFont typeface="+mj-lt"/>
-              <a:buAutoNum type="arabicPeriod"/>
-            </a:pPr>
-            <a:r>
-              <a:rPr lang="ja-JP" altLang="ja-JP" dirty="0" smtClean="0">
-                <a:solidFill>
-                  <a:srgbClr val="00A0E7"/>
-                </a:solidFill>
-              </a:rPr>
-              <a:t>C</a:t>
-            </a:r>
-            <a:r>
-              <a:rPr lang="en-US" altLang="ja-JP" dirty="0" smtClean="0">
-                <a:solidFill>
-                  <a:srgbClr val="00A0E7"/>
-                </a:solidFill>
-              </a:rPr>
-              <a:t>ognite</a:t>
-            </a:r>
-          </a:p>
-          <a:p>
-            <a:pPr lvl="1">
-              <a:buFont typeface="+mj-lt"/>
-              <a:buAutoNum type="arabicPeriod"/>
-            </a:pPr>
-            <a:r>
-              <a:rPr lang="ja-JP" altLang="ja-JP" dirty="0" smtClean="0">
-                <a:solidFill>
-                  <a:schemeClr val="bg1">
-                    <a:lumMod val="75000"/>
-                  </a:schemeClr>
-                </a:solidFill>
-              </a:rPr>
-              <a:t>R</a:t>
-            </a:r>
-            <a:r>
-              <a:rPr lang="en-US" altLang="ja-JP" dirty="0" smtClean="0">
-                <a:solidFill>
-                  <a:schemeClr val="bg1">
-                    <a:lumMod val="75000"/>
-                  </a:schemeClr>
-                </a:solidFill>
-              </a:rPr>
-              <a:t>oute53</a:t>
             </a:r>
             <a:endParaRPr lang="en-US" altLang="ja-JP" dirty="0" smtClean="0">
               <a:solidFill>
@@ -27698,6 +28053,60 @@
             </a:endParaRPr>
           </a:p>
           <a:p>
+            <a:pPr lvl="1">
+              <a:buFont typeface="+mj-lt"/>
+              <a:buAutoNum type="arabicPeriod"/>
+            </a:pPr>
+            <a:r>
+              <a:rPr lang="en-US" altLang="ja-JP" dirty="0" smtClean="0">
+                <a:solidFill>
+                  <a:schemeClr val="bg1">
+                    <a:lumMod val="75000"/>
+                  </a:schemeClr>
+                </a:solidFill>
+              </a:rPr>
+              <a:t>Cognito</a:t>
+            </a:r>
+            <a:endParaRPr lang="en-US" altLang="ja-JP" dirty="0" smtClean="0">
+              <a:solidFill>
+                <a:schemeClr val="bg1">
+                  <a:lumMod val="75000"/>
+                </a:schemeClr>
+              </a:solidFill>
+            </a:endParaRPr>
+          </a:p>
+          <a:p>
+            <a:pPr lvl="1">
+              <a:buFont typeface="+mj-lt"/>
+              <a:buAutoNum type="arabicPeriod"/>
+            </a:pPr>
+            <a:r>
+              <a:rPr lang="ja-JP" altLang="ja-JP" dirty="0" smtClean="0">
+                <a:solidFill>
+                  <a:schemeClr val="bg1">
+                    <a:lumMod val="75000"/>
+                  </a:schemeClr>
+                </a:solidFill>
+              </a:rPr>
+              <a:t>R</a:t>
+            </a:r>
+            <a:r>
+              <a:rPr lang="en-US" altLang="ja-JP" dirty="0" smtClean="0">
+                <a:solidFill>
+                  <a:schemeClr val="bg1">
+                    <a:lumMod val="75000"/>
+                  </a:schemeClr>
+                </a:solidFill>
+              </a:rPr>
+              <a:t>oute53</a:t>
+            </a:r>
+            <a:endParaRPr lang="en-US" altLang="ja-JP" dirty="0" smtClean="0">
+              <a:solidFill>
+                <a:srgbClr val="00A0E7"/>
+              </a:solidFill>
+            </a:endParaRPr>
+          </a:p>
+          <a:p>
             <a:pPr>
               <a:buFont typeface="+mj-lt"/>
               <a:buAutoNum type="arabicPeriod"/>
@@ -27758,9 +28167,8 @@
             </a:endParaRPr>
           </a:p>
           <a:p>
-            <a:pPr>
-              <a:buFont typeface="+mj-lt"/>
-              <a:buAutoNum type="arabicPeriod"/>
+            <a:pPr marL="0" indent="0">
+              <a:buNone/>
             </a:pPr>
             <a:r>
               <a:rPr lang="ja-JP" altLang="en-US" dirty="0" smtClean="0">
@@ -27768,7 +28176,7 @@
                   <a:srgbClr val="BFBFBF"/>
                 </a:solidFill>
               </a:rPr>
-              <a:t>コンテンツ登録</a:t>
+              <a:t>以上</a:t>
             </a:r>
             <a:endParaRPr lang="en-US" altLang="ja-JP" dirty="0" smtClean="0">
               <a:solidFill>
@@ -27776,30 +28184,109 @@
               </a:solidFill>
             </a:endParaRPr>
           </a:p>
-          <a:p>
-            <a:pPr marL="0" indent="0">
-              <a:buNone/>
-            </a:pPr>
-            <a:r>
-              <a:rPr lang="ja-JP" altLang="en-US" dirty="0" smtClean="0">
-                <a:solidFill>
-                  <a:srgbClr val="BFBFBF"/>
-                </a:solidFill>
-              </a:rPr>
-              <a:t>以上</a:t>
-            </a:r>
-            <a:endParaRPr lang="en-US" altLang="ja-JP" dirty="0" smtClean="0">
-              <a:solidFill>
-                <a:srgbClr val="BFBFBF"/>
-              </a:solidFill>
-            </a:endParaRPr>
+        </p:txBody>
+      </p:sp>
+      <p:sp>
+        <p:nvSpPr>
+          <p:cNvPr id="12" name="テキスト ボックス 11">
+            <a:extLst>
+              <a:ext uri="{FF2B5EF4-FFF2-40B4-BE49-F238E27FC236}">
+                <a16:creationId xmlns="" xmlns:a16="http://schemas.microsoft.com/office/drawing/2014/main" id="{71FED841-B37C-4655-B094-D9D9B244EFB4}"/>
+              </a:ext>
+            </a:extLst>
+          </p:cNvPr>
+          <p:cNvSpPr txBox="1"/>
+          <p:nvPr/>
+        </p:nvSpPr>
+        <p:spPr>
+          <a:xfrm>
+            <a:off x="3926643" y="881399"/>
+            <a:ext cx="8054394" cy="4616648"/>
+          </a:xfrm>
+          <a:prstGeom prst="rect">
+            <a:avLst/>
+          </a:prstGeom>
+          <a:noFill/>
+          <a:ln>
+            <a:solidFill>
+              <a:srgbClr val="00A0E7"/>
+            </a:solidFill>
+          </a:ln>
+        </p:spPr>
+        <p:txBody>
+          <a:bodyPr wrap="square" rtlCol="0">
+            <a:spAutoFit/>
+          </a:bodyPr>
+          <a:lstStyle/>
+          <a:p>
+            <a:endParaRPr kumimoji="1" lang="en-US" altLang="ja-JP" sz="1400" dirty="0"/>
+          </a:p>
+          <a:p>
+            <a:endParaRPr kumimoji="1" lang="en-US" altLang="ja-JP" sz="1400" dirty="0" smtClean="0"/>
+          </a:p>
+          <a:p>
+            <a:endParaRPr kumimoji="1" lang="en-US" altLang="ja-JP" sz="1400" dirty="0" smtClean="0"/>
+          </a:p>
+          <a:p>
+            <a:endParaRPr kumimoji="1" lang="en-US" altLang="ja-JP" sz="1400" dirty="0"/>
+          </a:p>
+          <a:p>
+            <a:endParaRPr kumimoji="1" lang="en-US" altLang="ja-JP" sz="1400" dirty="0" smtClean="0"/>
+          </a:p>
+          <a:p>
+            <a:endParaRPr kumimoji="1" lang="en-US" altLang="ja-JP" sz="1400" dirty="0"/>
+          </a:p>
+          <a:p>
+            <a:endParaRPr kumimoji="1" lang="en-US" altLang="ja-JP" sz="1400" dirty="0" smtClean="0"/>
+          </a:p>
+          <a:p>
+            <a:endParaRPr kumimoji="1" lang="en-US" altLang="ja-JP" sz="1400" dirty="0"/>
+          </a:p>
+          <a:p>
+            <a:endParaRPr kumimoji="1" lang="en-US" altLang="ja-JP" sz="1400" dirty="0" smtClean="0"/>
+          </a:p>
+          <a:p>
+            <a:endParaRPr kumimoji="1" lang="en-US" altLang="ja-JP" sz="1400" dirty="0"/>
+          </a:p>
+          <a:p>
+            <a:endParaRPr kumimoji="1" lang="en-US" altLang="ja-JP" sz="1400" dirty="0" smtClean="0"/>
+          </a:p>
+          <a:p>
+            <a:endParaRPr kumimoji="1" lang="en-US" altLang="ja-JP" sz="1400" dirty="0"/>
+          </a:p>
+          <a:p>
+            <a:endParaRPr kumimoji="1" lang="en-US" altLang="ja-JP" sz="1400" dirty="0" smtClean="0"/>
+          </a:p>
+          <a:p>
+            <a:endParaRPr kumimoji="1" lang="en-US" altLang="ja-JP" sz="1400" dirty="0"/>
+          </a:p>
+          <a:p>
+            <a:endParaRPr kumimoji="1" lang="en-US" altLang="ja-JP" sz="1400" dirty="0" smtClean="0"/>
+          </a:p>
+          <a:p>
+            <a:endParaRPr kumimoji="1" lang="en-US" altLang="ja-JP" sz="1400" dirty="0"/>
+          </a:p>
+          <a:p>
+            <a:endParaRPr kumimoji="1" lang="en-US" altLang="ja-JP" sz="1400" dirty="0" smtClean="0"/>
+          </a:p>
+          <a:p>
+            <a:endParaRPr kumimoji="1" lang="en-US" altLang="ja-JP" sz="1400" dirty="0"/>
+          </a:p>
+          <a:p>
+            <a:endParaRPr kumimoji="1" lang="en-US" altLang="ja-JP" sz="1400" dirty="0" smtClean="0"/>
+          </a:p>
+          <a:p>
+            <a:endParaRPr kumimoji="1" lang="en-US" altLang="ja-JP" sz="1400" dirty="0"/>
+          </a:p>
+          <a:p>
+            <a:endParaRPr kumimoji="1" lang="ja-JP" altLang="en-US" sz="1400" dirty="0"/>
           </a:p>
         </p:txBody>
       </p:sp>
     </p:spTree>
     <p:extLst>
       <p:ext uri="{BB962C8B-B14F-4D97-AF65-F5344CB8AC3E}">
-        <p14:creationId xmlns:p14="http://schemas.microsoft.com/office/powerpoint/2010/main" val="1069473577"/>
+        <p14:creationId xmlns:p14="http://schemas.microsoft.com/office/powerpoint/2010/main" val="1562754021"/>
       </p:ext>
     </p:extLst>
   </p:cSld>
@@ -27884,19 +28371,290 @@
         </p:nvSpPr>
         <p:spPr>
           <a:xfrm>
-            <a:off x="3091999" y="553524"/>
-            <a:ext cx="8936179" cy="5856357"/>
+            <a:off x="3091999" y="1487327"/>
+            <a:ext cx="8936179" cy="4922554"/>
           </a:xfrm>
         </p:spPr>
         <p:txBody>
           <a:bodyPr/>
           <a:lstStyle/>
           <a:p>
+            <a:r>
+              <a:rPr lang="en-US" altLang="ja-JP" dirty="0" smtClean="0"/>
+              <a:t>Cognito</a:t>
+            </a:r>
+            <a:endParaRPr lang="en-US" altLang="ja-JP" dirty="0"/>
+          </a:p>
+          <a:p>
+            <a:pPr marL="457200" lvl="1" indent="0">
+              <a:buNone/>
+            </a:pPr>
+            <a:r>
+              <a:rPr lang="ja-JP" altLang="en-US" dirty="0" smtClean="0"/>
+              <a:t>システムにアクセスできるアカウント</a:t>
+            </a:r>
+            <a:r>
+              <a:rPr lang="ja-JP" altLang="en-US" dirty="0" smtClean="0"/>
+              <a:t>を</a:t>
+            </a:r>
+            <a:r>
+              <a:rPr lang="ja-JP" altLang="en-US" dirty="0"/>
+              <a:t>設定・管理する。</a:t>
+            </a:r>
+            <a:endParaRPr lang="en-US" altLang="ja-JP" dirty="0"/>
+          </a:p>
+          <a:p>
             <a:pPr lvl="1">
               <a:buFont typeface="+mj-lt"/>
-              <a:buAutoNum type="arabicPeriod" startAt="5"/>
-            </a:pPr>
+              <a:buAutoNum type="arabicPeriod"/>
+            </a:pPr>
+            <a:r>
+              <a:rPr lang="en-US" altLang="ja-JP" dirty="0"/>
+              <a:t>AWS</a:t>
+            </a:r>
+            <a:r>
+              <a:rPr lang="ja-JP" altLang="en-US" dirty="0"/>
+              <a:t>マネジメントコンソール</a:t>
+            </a:r>
+            <a:r>
+              <a:rPr lang="ja-JP" altLang="en-US" dirty="0" smtClean="0"/>
+              <a:t>の</a:t>
+            </a:r>
+            <a:r>
+              <a:rPr lang="en-US" altLang="ja-JP" dirty="0" smtClean="0"/>
+              <a:t>Cognito</a:t>
+            </a:r>
+            <a:r>
+              <a:rPr lang="ja-JP" altLang="en-US" dirty="0" smtClean="0"/>
+              <a:t>サービス</a:t>
+            </a:r>
+            <a:r>
+              <a:rPr lang="ja-JP" altLang="en-US" dirty="0"/>
+              <a:t>にアクセスする。</a:t>
+            </a:r>
+            <a:endParaRPr lang="en-US" altLang="ja-JP" dirty="0"/>
+          </a:p>
+          <a:p>
+            <a:pPr lvl="1">
+              <a:buFont typeface="+mj-lt"/>
+              <a:buAutoNum type="arabicPeriod"/>
+            </a:pPr>
+            <a:r>
+              <a:rPr lang="ja-JP" altLang="en-US" dirty="0" smtClean="0"/>
+              <a:t>サービス</a:t>
+            </a:r>
+            <a:r>
+              <a:rPr lang="ja-JP" altLang="en-US" dirty="0" smtClean="0"/>
+              <a:t>ページで「</a:t>
+            </a:r>
+            <a:r>
+              <a:rPr lang="ja-JP" altLang="en-US" dirty="0" smtClean="0"/>
+              <a:t>ユーザープールの管理</a:t>
+            </a:r>
+            <a:r>
+              <a:rPr lang="ja-JP" altLang="en-US" dirty="0" smtClean="0"/>
+              <a:t>」</a:t>
+            </a:r>
+            <a:r>
+              <a:rPr lang="ja-JP" altLang="en-US" dirty="0"/>
+              <a:t>ボタンを</a:t>
+            </a:r>
+            <a:r>
+              <a:rPr lang="ja-JP" altLang="en-US" dirty="0" smtClean="0"/>
+              <a:t>押</a:t>
+            </a:r>
+            <a:r>
+              <a:rPr lang="ja-JP" altLang="en-US" dirty="0" smtClean="0"/>
+              <a:t>し、</a:t>
+            </a:r>
+            <a:r>
+              <a:rPr lang="en-US" altLang="ja-JP" dirty="0" smtClean="0"/>
+              <a:t/>
+            </a:r>
+            <a:br>
+              <a:rPr lang="en-US" altLang="ja-JP" dirty="0" smtClean="0"/>
+            </a:br>
+            <a:r>
+              <a:rPr lang="ja-JP" altLang="en-US" dirty="0" smtClean="0"/>
+              <a:t>ユーザープール</a:t>
+            </a:r>
+            <a:r>
+              <a:rPr lang="en-US" altLang="ja-JP" dirty="0" smtClean="0"/>
+              <a:t> </a:t>
+            </a:r>
+            <a:r>
+              <a:rPr lang="ja-JP" altLang="en-US" dirty="0" smtClean="0"/>
+              <a:t>ページで「ユーザープールを作成する」ボタンを押す</a:t>
+            </a:r>
+            <a:r>
+              <a:rPr lang="ja-JP" altLang="en-US" dirty="0" smtClean="0"/>
+              <a:t>。</a:t>
+            </a:r>
             <a:endParaRPr lang="en-US" altLang="ja-JP" dirty="0" smtClean="0"/>
+          </a:p>
+          <a:p>
+            <a:pPr lvl="2">
+              <a:buFont typeface="+mj-lt"/>
+              <a:buAutoNum type="arabicPeriod"/>
+            </a:pPr>
+            <a:r>
+              <a:rPr lang="ja-JP" altLang="en-US" dirty="0" smtClean="0"/>
+              <a:t>プール名「</a:t>
+            </a:r>
+            <a:r>
+              <a:rPr lang="en-US" altLang="ja-JP" dirty="0" smtClean="0"/>
+              <a:t>msar-prod</a:t>
+            </a:r>
+            <a:r>
+              <a:rPr lang="ja-JP" altLang="en-US" dirty="0" smtClean="0"/>
+              <a:t>」を入力して、「ステップに従って設定する」ボタンを押す。</a:t>
+            </a:r>
+            <a:endParaRPr lang="en-US" altLang="ja-JP" dirty="0" smtClean="0"/>
+          </a:p>
+          <a:p>
+            <a:pPr lvl="2">
+              <a:buFont typeface="+mj-lt"/>
+              <a:buAutoNum type="arabicPeriod"/>
+            </a:pPr>
+            <a:r>
+              <a:rPr lang="ja-JP" altLang="en-US" dirty="0" smtClean="0"/>
+              <a:t>エンドユーザーのサインイン方式からデバイスまで初期値のまま、</a:t>
+            </a:r>
+            <a:r>
+              <a:rPr lang="en-US" altLang="ja-JP" dirty="0" smtClean="0"/>
+              <a:t/>
+            </a:r>
+            <a:br>
+              <a:rPr lang="en-US" altLang="ja-JP" dirty="0" smtClean="0"/>
+            </a:br>
+            <a:r>
+              <a:rPr lang="ja-JP" altLang="en-US" dirty="0" smtClean="0"/>
+              <a:t>「次のステップ」ボタンを押す。</a:t>
+            </a:r>
+            <a:endParaRPr lang="en-US" altLang="ja-JP" dirty="0" smtClean="0"/>
+          </a:p>
+          <a:p>
+            <a:pPr lvl="2">
+              <a:buFont typeface="+mj-lt"/>
+              <a:buAutoNum type="arabicPeriod"/>
+            </a:pPr>
+            <a:r>
+              <a:rPr lang="ja-JP" altLang="en-US" dirty="0" smtClean="0"/>
+              <a:t>デバイスページで「</a:t>
+            </a:r>
+            <a:r>
+              <a:rPr lang="en-US" altLang="ja-JP" dirty="0" smtClean="0"/>
+              <a:t>User Opt In</a:t>
+            </a:r>
+            <a:r>
+              <a:rPr lang="ja-JP" altLang="en-US" dirty="0" smtClean="0"/>
+              <a:t>」を選択し、</a:t>
+            </a:r>
+            <a:r>
+              <a:rPr lang="ja-JP" altLang="en-US" dirty="0"/>
+              <a:t>「次のステップ」ボタンを押す</a:t>
+            </a:r>
+            <a:r>
+              <a:rPr lang="ja-JP" altLang="en-US" dirty="0" smtClean="0"/>
+              <a:t>。</a:t>
+            </a:r>
+            <a:endParaRPr lang="en-US" altLang="ja-JP" dirty="0" smtClean="0"/>
+          </a:p>
+          <a:p>
+            <a:pPr lvl="2">
+              <a:buFont typeface="+mj-lt"/>
+              <a:buAutoNum type="arabicPeriod"/>
+            </a:pPr>
+            <a:r>
+              <a:rPr lang="ja-JP" altLang="en-US" dirty="0" smtClean="0"/>
+              <a:t>アプリクライアントページで「アプリクライアントの追加」リンクを押す。</a:t>
+            </a:r>
+            <a:r>
+              <a:rPr lang="en-US" altLang="ja-JP" dirty="0" smtClean="0"/>
+              <a:t/>
+            </a:r>
+            <a:br>
+              <a:rPr lang="en-US" altLang="ja-JP" dirty="0" smtClean="0"/>
+            </a:br>
+            <a:r>
+              <a:rPr lang="ja-JP" altLang="en-US" dirty="0" smtClean="0"/>
+              <a:t>下記を入力して「アプリクライアントの作成」ボタンを押し、</a:t>
+            </a:r>
+            <a:r>
+              <a:rPr lang="ja-JP" altLang="en-US" dirty="0" smtClean="0"/>
+              <a:t>「</a:t>
+            </a:r>
+            <a:r>
+              <a:rPr lang="ja-JP" altLang="en-US" dirty="0"/>
+              <a:t>次のステップ」ボタンを押す。</a:t>
+            </a:r>
+            <a:endParaRPr lang="en-US" altLang="ja-JP" dirty="0" smtClean="0"/>
+          </a:p>
+          <a:p>
+            <a:pPr lvl="3"/>
+            <a:r>
+              <a:rPr lang="ja-JP" altLang="en-US" dirty="0" smtClean="0"/>
+              <a:t>アプリクライアント名に「</a:t>
+            </a:r>
+            <a:r>
+              <a:rPr lang="en-US" altLang="ja-JP" dirty="0" smtClean="0"/>
+              <a:t>msar-prod</a:t>
+            </a:r>
+            <a:r>
+              <a:rPr lang="ja-JP" altLang="en-US" dirty="0" smtClean="0"/>
+              <a:t>」を入力</a:t>
+            </a:r>
+            <a:endParaRPr lang="en-US" altLang="ja-JP" dirty="0" smtClean="0"/>
+          </a:p>
+          <a:p>
+            <a:pPr lvl="3"/>
+            <a:r>
+              <a:rPr lang="ja-JP" altLang="en-US" dirty="0" smtClean="0"/>
+              <a:t>「クライアントシークレットを生成」のチェックを外す</a:t>
+            </a:r>
+            <a:endParaRPr lang="en-US" altLang="ja-JP" dirty="0" smtClean="0"/>
+          </a:p>
+          <a:p>
+            <a:pPr lvl="3"/>
+            <a:r>
+              <a:rPr lang="ja-JP" altLang="en-US" dirty="0" smtClean="0"/>
+              <a:t>「レガシー」をチェック</a:t>
+            </a:r>
+            <a:endParaRPr lang="en-US" altLang="ja-JP" dirty="0" smtClean="0"/>
+          </a:p>
+          <a:p>
+            <a:pPr lvl="2">
+              <a:buFont typeface="+mj-lt"/>
+              <a:buAutoNum type="arabicPeriod"/>
+            </a:pPr>
+            <a:r>
+              <a:rPr lang="ja-JP" altLang="en-US" dirty="0" smtClean="0"/>
+              <a:t>トリガーページは</a:t>
+            </a:r>
+            <a:r>
+              <a:rPr lang="ja-JP" altLang="en-US" dirty="0" smtClean="0"/>
+              <a:t>初期値</a:t>
+            </a:r>
+            <a:r>
+              <a:rPr lang="ja-JP" altLang="en-US" dirty="0"/>
+              <a:t>のまま</a:t>
+            </a:r>
+            <a:r>
+              <a:rPr lang="ja-JP" altLang="en-US" dirty="0" smtClean="0"/>
+              <a:t>、「次</a:t>
+            </a:r>
+            <a:r>
+              <a:rPr lang="ja-JP" altLang="en-US" dirty="0"/>
+              <a:t>のステップ」ボタンを押す。</a:t>
+            </a:r>
+            <a:endParaRPr lang="en-US" altLang="ja-JP" dirty="0"/>
+          </a:p>
+          <a:p>
+            <a:pPr lvl="2">
+              <a:buFont typeface="+mj-lt"/>
+              <a:buAutoNum type="arabicPeriod"/>
+            </a:pPr>
+            <a:endParaRPr lang="en-US" altLang="ja-JP" dirty="0"/>
           </a:p>
         </p:txBody>
       </p:sp>
@@ -28355,9 +29113,7 @@
             <a:r>
               <a:rPr lang="ja-JP" altLang="ja-JP" dirty="0" smtClean="0">
                 <a:solidFill>
-                  <a:schemeClr val="bg1">
-                    <a:lumMod val="75000"/>
-                  </a:schemeClr>
+                  <a:srgbClr val="00A0E7"/>
                 </a:solidFill>
               </a:rPr>
               <a:t>C</a:t>
@@ -28365,26 +29121,10 @@
             <a:r>
               <a:rPr lang="en-US" altLang="ja-JP" dirty="0" smtClean="0">
                 <a:solidFill>
-                  <a:schemeClr val="bg1">
-                    <a:lumMod val="75000"/>
-                  </a:schemeClr>
-                </a:solidFill>
-              </a:rPr>
-              <a:t>ognite</a:t>
-            </a:r>
-          </a:p>
-          <a:p>
-            <a:pPr lvl="1">
-              <a:buFont typeface="+mj-lt"/>
-              <a:buAutoNum type="arabicPeriod"/>
-            </a:pPr>
-            <a:r>
-              <a:rPr lang="ja-JP" altLang="ja-JP" dirty="0" smtClean="0">
-                <a:solidFill>
                   <a:srgbClr val="00A0E7"/>
                 </a:solidFill>
               </a:rPr>
-              <a:t>R</a:t>
+              <a:t>ognit</a:t>
             </a:r>
             <a:r>
               <a:rPr lang="en-US" altLang="ja-JP" dirty="0" smtClean="0">
@@ -28392,13 +29132,39 @@
                   <a:srgbClr val="00A0E7"/>
                 </a:solidFill>
               </a:rPr>
-              <a:t>oute53</a:t>
+              <a:t>o</a:t>
             </a:r>
             <a:endParaRPr lang="en-US" altLang="ja-JP" dirty="0" smtClean="0">
               <a:solidFill>
                 <a:srgbClr val="00A0E7"/>
               </a:solidFill>
             </a:endParaRPr>
+          </a:p>
+          <a:p>
+            <a:pPr lvl="1">
+              <a:buFont typeface="+mj-lt"/>
+              <a:buAutoNum type="arabicPeriod"/>
+            </a:pPr>
+            <a:r>
+              <a:rPr lang="ja-JP" altLang="ja-JP" dirty="0" smtClean="0">
+                <a:solidFill>
+                  <a:schemeClr val="bg1">
+                    <a:lumMod val="75000"/>
+                  </a:schemeClr>
+                </a:solidFill>
+              </a:rPr>
+              <a:t>R</a:t>
+            </a:r>
+            <a:r>
+              <a:rPr lang="en-US" altLang="ja-JP" dirty="0" smtClean="0">
+                <a:solidFill>
+                  <a:schemeClr val="bg1">
+                    <a:lumMod val="75000"/>
+                  </a:schemeClr>
+                </a:solidFill>
+              </a:rPr>
+              <a:t>oute53</a:t>
+            </a:r>
           </a:p>
           <a:p>
             <a:pPr>
@@ -28461,9 +29227,8 @@
             </a:endParaRPr>
           </a:p>
           <a:p>
-            <a:pPr>
-              <a:buFont typeface="+mj-lt"/>
-              <a:buAutoNum type="arabicPeriod"/>
+            <a:pPr marL="0" indent="0">
+              <a:buNone/>
             </a:pPr>
             <a:r>
               <a:rPr lang="ja-JP" altLang="en-US" dirty="0" smtClean="0">
@@ -28471,7 +29236,7 @@
                   <a:srgbClr val="BFBFBF"/>
                 </a:solidFill>
               </a:rPr>
-              <a:t>コンテンツ登録</a:t>
+              <a:t>以上</a:t>
             </a:r>
             <a:endParaRPr lang="en-US" altLang="ja-JP" dirty="0" smtClean="0">
               <a:solidFill>
@@ -28479,30 +29244,110 @@
               </a:solidFill>
             </a:endParaRPr>
           </a:p>
-          <a:p>
-            <a:pPr marL="0" indent="0">
-              <a:buNone/>
-            </a:pPr>
-            <a:r>
-              <a:rPr lang="ja-JP" altLang="en-US" dirty="0" smtClean="0">
-                <a:solidFill>
-                  <a:srgbClr val="BFBFBF"/>
-                </a:solidFill>
-              </a:rPr>
-              <a:t>以上</a:t>
-            </a:r>
-            <a:endParaRPr lang="en-US" altLang="ja-JP" dirty="0" smtClean="0">
-              <a:solidFill>
-                <a:srgbClr val="BFBFBF"/>
-              </a:solidFill>
-            </a:endParaRPr>
+        </p:txBody>
+      </p:sp>
+      <p:sp>
+        <p:nvSpPr>
+          <p:cNvPr id="7" name="角丸四角形 6"/>
+          <p:cNvSpPr/>
+          <p:nvPr/>
+        </p:nvSpPr>
+        <p:spPr>
+          <a:xfrm>
+            <a:off x="3105803" y="548856"/>
+            <a:ext cx="8889546" cy="883137"/>
+          </a:xfrm>
+          <a:prstGeom prst="roundRect">
+            <a:avLst/>
+          </a:prstGeom>
+          <a:solidFill>
+            <a:srgbClr val="FFFFFF"/>
+          </a:solidFill>
+          <a:ln>
+            <a:solidFill>
+              <a:schemeClr val="tx1"/>
+            </a:solidFill>
+            <a:prstDash val="dash"/>
+          </a:ln>
+          <a:effectLst/>
+        </p:spPr>
+        <p:style>
+          <a:lnRef idx="1">
+            <a:schemeClr val="accent1"/>
+          </a:lnRef>
+          <a:fillRef idx="3">
+            <a:schemeClr val="accent1"/>
+          </a:fillRef>
+          <a:effectRef idx="2">
+            <a:schemeClr val="accent1"/>
+          </a:effectRef>
+          <a:fontRef idx="minor">
+            <a:schemeClr val="lt1"/>
+          </a:fontRef>
+        </p:style>
+        <p:txBody>
+          <a:bodyPr rtlCol="0" anchor="ctr"/>
+          <a:lstStyle/>
+          <a:p>
+            <a:pPr algn="ctr"/>
+            <a:endParaRPr kumimoji="1" lang="ja-JP" altLang="en-US"/>
+          </a:p>
+        </p:txBody>
+      </p:sp>
+      <p:sp>
+        <p:nvSpPr>
+          <p:cNvPr id="9" name="テキスト ボックス 8"/>
+          <p:cNvSpPr txBox="1"/>
+          <p:nvPr/>
+        </p:nvSpPr>
+        <p:spPr>
+          <a:xfrm>
+            <a:off x="3149938" y="610153"/>
+            <a:ext cx="4147289" cy="338554"/>
+          </a:xfrm>
+          <a:prstGeom prst="rect">
+            <a:avLst/>
+          </a:prstGeom>
+          <a:noFill/>
+        </p:spPr>
+        <p:txBody>
+          <a:bodyPr wrap="none" rtlCol="0">
+            <a:spAutoFit/>
+          </a:bodyPr>
+          <a:lstStyle/>
+          <a:p>
+            <a:r>
+              <a:rPr kumimoji="1" lang="ja-JP" altLang="en-US" sz="1600" dirty="0"/>
+              <a:t>・設置するリージョン</a:t>
+            </a:r>
+            <a:r>
+              <a:rPr kumimoji="1" lang="en-US" altLang="ja-JP" sz="1600" dirty="0"/>
+              <a:t> (</a:t>
+            </a:r>
+            <a:r>
+              <a:rPr kumimoji="1" lang="ja-JP" altLang="en-US" sz="1600" dirty="0"/>
+              <a:t>地域</a:t>
+            </a:r>
+            <a:r>
+              <a:rPr kumimoji="1" lang="en-US" altLang="ja-JP" sz="1600" dirty="0"/>
+              <a:t>)</a:t>
+            </a:r>
+            <a:r>
+              <a:rPr kumimoji="1" lang="en-US" altLang="en-US" sz="1600" dirty="0"/>
+              <a:t> </a:t>
+            </a:r>
+            <a:r>
+              <a:rPr kumimoji="1" lang="ja-JP" altLang="en-US" sz="1600" dirty="0"/>
+              <a:t>の誤りに注意</a:t>
+            </a:r>
+            <a:endParaRPr kumimoji="1" lang="en-US" altLang="ja-JP" sz="1600" dirty="0"/>
           </a:p>
         </p:txBody>
       </p:sp>
     </p:spTree>
     <p:extLst>
       <p:ext uri="{BB962C8B-B14F-4D97-AF65-F5344CB8AC3E}">
-        <p14:creationId xmlns:p14="http://schemas.microsoft.com/office/powerpoint/2010/main" val="2358543514"/>
+        <p14:creationId xmlns:p14="http://schemas.microsoft.com/office/powerpoint/2010/main" val="1069473577"/>
       </p:ext>
     </p:extLst>
   </p:cSld>
@@ -28690,6 +29535,24 @@
               <a:buFont typeface="+mj-lt"/>
               <a:buAutoNum type="arabicPeriod"/>
             </a:pPr>
+            <a:endParaRPr lang="en-US" altLang="ja-JP" dirty="0" smtClean="0"/>
+          </a:p>
+          <a:p>
+            <a:pPr>
+              <a:buFont typeface="+mj-lt"/>
+              <a:buAutoNum type="romanUcPeriod"/>
+            </a:pPr>
+            <a:r>
+              <a:rPr lang="ja-JP" altLang="en-US" dirty="0" smtClean="0"/>
+              <a:t>データ移行</a:t>
+            </a:r>
+            <a:endParaRPr lang="en-US" altLang="ja-JP" dirty="0" smtClean="0"/>
+          </a:p>
+          <a:p>
+            <a:pPr lvl="1">
+              <a:buFont typeface="+mj-lt"/>
+              <a:buAutoNum type="arabicPeriod"/>
+            </a:pPr>
             <a:r>
               <a:rPr lang="ja-JP" altLang="en-US" dirty="0" smtClean="0"/>
               <a:t>コンテンツ登録</a:t>
@@ -28794,6 +29657,1009 @@
           <p:cNvPr id="2" name="タイトル 1">
             <a:extLst>
               <a:ext uri="{FF2B5EF4-FFF2-40B4-BE49-F238E27FC236}">
+                <a16:creationId xmlns="" xmlns:a16="http://schemas.microsoft.com/office/drawing/2014/main" id="{41FAA20E-7C33-4452-B000-1315C6D7BF74}"/>
+              </a:ext>
+            </a:extLst>
+          </p:cNvPr>
+          <p:cNvSpPr>
+            <a:spLocks noGrp="1"/>
+          </p:cNvSpPr>
+          <p:nvPr>
+            <p:ph type="title"/>
+          </p:nvPr>
+        </p:nvSpPr>
+        <p:spPr/>
+        <p:txBody>
+          <a:bodyPr/>
+          <a:lstStyle/>
+          <a:p>
+            <a:r>
+              <a:rPr lang="en-US" altLang="ja-JP" dirty="0" smtClean="0"/>
+              <a:t>AWS</a:t>
+            </a:r>
+            <a:r>
+              <a:rPr lang="ja-JP" altLang="en-US" dirty="0" smtClean="0"/>
+              <a:t>設定</a:t>
+            </a:r>
+            <a:endParaRPr kumimoji="1" lang="ja-JP" altLang="en-US" dirty="0"/>
+          </a:p>
+        </p:txBody>
+      </p:sp>
+      <p:sp>
+        <p:nvSpPr>
+          <p:cNvPr id="3" name="コンテンツ プレースホルダー 2">
+            <a:extLst>
+              <a:ext uri="{FF2B5EF4-FFF2-40B4-BE49-F238E27FC236}">
+                <a16:creationId xmlns="" xmlns:a16="http://schemas.microsoft.com/office/drawing/2014/main" id="{24173F00-B91E-440E-BAD4-BB493A21AC4B}"/>
+              </a:ext>
+            </a:extLst>
+          </p:cNvPr>
+          <p:cNvSpPr>
+            <a:spLocks noGrp="1"/>
+          </p:cNvSpPr>
+          <p:nvPr>
+            <p:ph idx="1"/>
+          </p:nvPr>
+        </p:nvSpPr>
+        <p:spPr>
+          <a:xfrm>
+            <a:off x="3091999" y="1487327"/>
+            <a:ext cx="8936179" cy="4922554"/>
+          </a:xfrm>
+        </p:spPr>
+        <p:txBody>
+          <a:bodyPr/>
+          <a:lstStyle/>
+          <a:p>
+            <a:pPr>
+              <a:buFont typeface="+mj-lt"/>
+              <a:buAutoNum type="arabicPeriod"/>
+            </a:pPr>
+            <a:r>
+              <a:rPr lang="en-US" altLang="ja-JP" dirty="0" smtClean="0"/>
+              <a:t>Route53</a:t>
+            </a:r>
+            <a:r>
+              <a:rPr lang="en-US" altLang="ja-JP" dirty="0"/>
+              <a:t/>
+            </a:r>
+            <a:br>
+              <a:rPr lang="en-US" altLang="ja-JP" dirty="0"/>
+            </a:br>
+            <a:r>
+              <a:rPr lang="en-US" altLang="ja-JP" dirty="0" smtClean="0"/>
+              <a:t>EC2</a:t>
+            </a:r>
+            <a:r>
+              <a:rPr lang="ja-JP" altLang="en-US" dirty="0" smtClean="0"/>
+              <a:t>インスタンスへの</a:t>
+            </a:r>
+            <a:r>
+              <a:rPr lang="en-US" altLang="ja-JP" dirty="0" smtClean="0"/>
+              <a:t>DNS</a:t>
+            </a:r>
+            <a:r>
+              <a:rPr lang="ja-JP" altLang="en-US" dirty="0" smtClean="0"/>
+              <a:t>を</a:t>
+            </a:r>
+            <a:r>
+              <a:rPr lang="ja-JP" altLang="en-US" dirty="0"/>
+              <a:t>設定・管理する</a:t>
+            </a:r>
+            <a:r>
+              <a:rPr lang="ja-JP" altLang="en-US" dirty="0" smtClean="0"/>
+              <a:t>。</a:t>
+            </a:r>
+            <a:endParaRPr lang="en-US" altLang="ja-JP" dirty="0" smtClean="0"/>
+          </a:p>
+          <a:p>
+            <a:pPr lvl="1">
+              <a:buFont typeface="+mj-lt"/>
+              <a:buAutoNum type="arabicPeriod"/>
+            </a:pPr>
+            <a:r>
+              <a:rPr lang="ja-JP" altLang="en-US" dirty="0" smtClean="0"/>
+              <a:t>ホストゾーン ページを開いて、「ホストゾーンの作成」ボタンを</a:t>
+            </a:r>
+            <a:r>
+              <a:rPr lang="ja-JP" altLang="en-US" dirty="0" smtClean="0"/>
+              <a:t>押す。</a:t>
+            </a:r>
+            <a:r>
+              <a:rPr lang="en-US" altLang="ja-JP" dirty="0" smtClean="0"/>
+              <a:t/>
+            </a:r>
+            <a:br>
+              <a:rPr lang="en-US" altLang="ja-JP" dirty="0" smtClean="0"/>
+            </a:br>
+            <a:r>
+              <a:rPr lang="ja-JP" altLang="en-US" dirty="0" smtClean="0"/>
+              <a:t>下記を入力して</a:t>
+            </a:r>
+            <a:r>
+              <a:rPr lang="ja-JP" altLang="en-US" dirty="0"/>
+              <a:t>「ホストゾーンの作成」ボタンを押す</a:t>
+            </a:r>
+            <a:r>
+              <a:rPr lang="ja-JP" altLang="en-US" dirty="0" smtClean="0"/>
+              <a:t>。</a:t>
+            </a:r>
+            <a:endParaRPr lang="en-US" altLang="ja-JP" dirty="0"/>
+          </a:p>
+          <a:p>
+            <a:pPr lvl="2"/>
+            <a:r>
+              <a:rPr lang="ja-JP" altLang="en-US" dirty="0" smtClean="0"/>
+              <a:t>「ドメイン名」にドメインプロバイダから取得しているドメイン名を入力する。</a:t>
+            </a:r>
+            <a:endParaRPr lang="en-US" altLang="ja-JP" dirty="0" smtClean="0"/>
+          </a:p>
+          <a:p>
+            <a:pPr lvl="2"/>
+            <a:r>
+              <a:rPr lang="ja-JP" altLang="en-US" dirty="0" smtClean="0"/>
+              <a:t>タイプに「パブリックホストゾーン」を選択する。</a:t>
+            </a:r>
+            <a:endParaRPr lang="en-US" altLang="ja-JP" dirty="0" smtClean="0"/>
+          </a:p>
+          <a:p>
+            <a:pPr lvl="1">
+              <a:buFont typeface="+mj-lt"/>
+              <a:buAutoNum type="arabicPeriod"/>
+            </a:pPr>
+            <a:r>
+              <a:rPr lang="ja-JP" altLang="en-US" dirty="0"/>
+              <a:t>ホストゾーン </a:t>
+            </a:r>
+            <a:r>
+              <a:rPr lang="ja-JP" altLang="en-US" dirty="0" smtClean="0"/>
+              <a:t>ページ</a:t>
+            </a:r>
+            <a:r>
+              <a:rPr lang="ja-JP" altLang="en-US" dirty="0" smtClean="0"/>
+              <a:t>で、上記</a:t>
+            </a:r>
+            <a:r>
+              <a:rPr lang="en-US" altLang="ja-JP" dirty="0" smtClean="0"/>
+              <a:t>1</a:t>
+            </a:r>
+            <a:r>
+              <a:rPr lang="ja-JP" altLang="en-US" dirty="0" smtClean="0"/>
+              <a:t>で作成したゾーンを選択して、</a:t>
+            </a:r>
+            <a:r>
+              <a:rPr lang="en-US" altLang="ja-JP" dirty="0" smtClean="0"/>
+              <a:t/>
+            </a:r>
+            <a:br>
+              <a:rPr lang="en-US" altLang="ja-JP" dirty="0" smtClean="0"/>
+            </a:br>
+            <a:r>
+              <a:rPr lang="ja-JP" altLang="en-US" dirty="0" smtClean="0"/>
+              <a:t>レコードに</a:t>
+            </a:r>
+            <a:r>
+              <a:rPr lang="en-US" altLang="ja-JP" dirty="0" smtClean="0"/>
+              <a:t> </a:t>
+            </a:r>
+            <a:r>
+              <a:rPr lang="ja-JP" altLang="en-US" dirty="0" smtClean="0"/>
+              <a:t>サーバの</a:t>
+            </a:r>
+            <a:r>
+              <a:rPr lang="en-US" altLang="ja-JP" dirty="0" smtClean="0"/>
+              <a:t> </a:t>
+            </a:r>
+            <a:r>
+              <a:rPr lang="en-US" altLang="en-US" dirty="0" smtClean="0"/>
+              <a:t>I</a:t>
+            </a:r>
+            <a:r>
+              <a:rPr lang="en-US" altLang="ja-JP" dirty="0" smtClean="0"/>
+              <a:t>P</a:t>
+            </a:r>
+            <a:r>
+              <a:rPr lang="ja-JP" altLang="en-US" dirty="0" smtClean="0"/>
+              <a:t>アドレスを設定する「</a:t>
+            </a:r>
+            <a:r>
+              <a:rPr lang="en-US" altLang="ja-JP" dirty="0" smtClean="0"/>
+              <a:t>A</a:t>
+            </a:r>
+            <a:r>
+              <a:rPr lang="ja-JP" altLang="en-US" dirty="0" smtClean="0"/>
+              <a:t>レコード」を追加する。</a:t>
+            </a:r>
+            <a:endParaRPr lang="en-US" altLang="ja-JP" dirty="0" smtClean="0"/>
+          </a:p>
+          <a:p>
+            <a:pPr lvl="1">
+              <a:buFont typeface="+mj-lt"/>
+              <a:buAutoNum type="arabicPeriod"/>
+            </a:pPr>
+            <a:r>
+              <a:rPr lang="en-US" altLang="ja-JP" dirty="0" smtClean="0"/>
+              <a:t>NS</a:t>
+            </a:r>
+            <a:r>
+              <a:rPr lang="ja-JP" altLang="en-US" dirty="0" smtClean="0"/>
+              <a:t>レコードの</a:t>
+            </a:r>
+            <a:r>
+              <a:rPr lang="en-US" altLang="ja-JP" dirty="0" smtClean="0"/>
+              <a:t> </a:t>
+            </a:r>
+            <a:r>
+              <a:rPr lang="en-US" altLang="en-US" dirty="0"/>
+              <a:t>4</a:t>
+            </a:r>
+            <a:r>
+              <a:rPr lang="ja-JP" altLang="en-US" dirty="0" smtClean="0"/>
+              <a:t>つの</a:t>
+            </a:r>
+            <a:r>
+              <a:rPr lang="en-US" altLang="ja-JP" dirty="0" smtClean="0"/>
+              <a:t>DN</a:t>
+            </a:r>
+            <a:r>
+              <a:rPr lang="ja-JP" altLang="en-US" dirty="0" smtClean="0"/>
+              <a:t>サーバのドメイン名を、</a:t>
+            </a:r>
+            <a:r>
+              <a:rPr lang="en-US" altLang="ja-JP" dirty="0" smtClean="0"/>
+              <a:t/>
+            </a:r>
+            <a:br>
+              <a:rPr lang="en-US" altLang="ja-JP" dirty="0" smtClean="0"/>
+            </a:br>
+            <a:r>
+              <a:rPr lang="ja-JP" altLang="en-US" dirty="0" smtClean="0"/>
+              <a:t>ドメインプロバイダの</a:t>
+            </a:r>
+            <a:r>
+              <a:rPr lang="en-US" altLang="ja-JP" dirty="0" smtClean="0"/>
+              <a:t>NS</a:t>
+            </a:r>
+            <a:r>
+              <a:rPr lang="ja-JP" altLang="en-US" dirty="0" smtClean="0"/>
+              <a:t>設定に追加する。</a:t>
+            </a:r>
+            <a:endParaRPr lang="en-US" altLang="ja-JP" dirty="0" smtClean="0"/>
+          </a:p>
+        </p:txBody>
+      </p:sp>
+      <p:sp>
+        <p:nvSpPr>
+          <p:cNvPr id="4" name="スライド番号プレースホルダー 3">
+            <a:extLst>
+              <a:ext uri="{FF2B5EF4-FFF2-40B4-BE49-F238E27FC236}">
+                <a16:creationId xmlns="" xmlns:a16="http://schemas.microsoft.com/office/drawing/2014/main" id="{3A64CE71-C252-41E0-98BA-363CD7954AFC}"/>
+              </a:ext>
+            </a:extLst>
+          </p:cNvPr>
+          <p:cNvSpPr>
+            <a:spLocks noGrp="1"/>
+          </p:cNvSpPr>
+          <p:nvPr>
+            <p:ph type="sldNum" sz="quarter" idx="12"/>
+          </p:nvPr>
+        </p:nvSpPr>
+        <p:spPr/>
+        <p:txBody>
+          <a:bodyPr/>
+          <a:lstStyle/>
+          <a:p>
+            <a:fld id="{FC7FC04C-4975-46EC-A609-F7DE0D5B1B51}" type="slidenum">
+              <a:rPr kumimoji="1" lang="ja-JP" altLang="en-US" smtClean="0"/>
+              <a:pPr/>
+              <a:t>30</a:t>
+            </a:fld>
+            <a:endParaRPr kumimoji="1" lang="ja-JP" altLang="en-US" dirty="0"/>
+          </a:p>
+        </p:txBody>
+      </p:sp>
+      <p:cxnSp>
+        <p:nvCxnSpPr>
+          <p:cNvPr id="8" name="直線コネクタ 7"/>
+          <p:cNvCxnSpPr/>
+          <p:nvPr/>
+        </p:nvCxnSpPr>
+        <p:spPr>
+          <a:xfrm>
+            <a:off x="3064392" y="607452"/>
+            <a:ext cx="0" cy="5867439"/>
+          </a:xfrm>
+          <a:prstGeom prst="line">
+            <a:avLst/>
+          </a:prstGeom>
+          <a:ln>
+            <a:solidFill>
+              <a:srgbClr val="13A0E7"/>
+            </a:solidFill>
+          </a:ln>
+        </p:spPr>
+        <p:style>
+          <a:lnRef idx="2">
+            <a:schemeClr val="accent1"/>
+          </a:lnRef>
+          <a:fillRef idx="0">
+            <a:schemeClr val="accent1"/>
+          </a:fillRef>
+          <a:effectRef idx="1">
+            <a:schemeClr val="accent1"/>
+          </a:effectRef>
+          <a:fontRef idx="minor">
+            <a:schemeClr val="tx1"/>
+          </a:fontRef>
+        </p:style>
+      </p:cxnSp>
+      <p:sp>
+        <p:nvSpPr>
+          <p:cNvPr id="10" name="コンテンツ プレースホルダー 2"/>
+          <p:cNvSpPr txBox="1">
+            <a:spLocks/>
+          </p:cNvSpPr>
+          <p:nvPr/>
+        </p:nvSpPr>
+        <p:spPr>
+          <a:xfrm>
+            <a:off x="275150" y="548855"/>
+            <a:ext cx="2761636" cy="5926035"/>
+          </a:xfrm>
+          <a:prstGeom prst="rect">
+            <a:avLst/>
+          </a:prstGeom>
+        </p:spPr>
+        <p:txBody>
+          <a:bodyPr numCol="1"/>
+          <a:lstStyle>
+            <a:lvl1pPr marL="342900" indent="-342900" algn="l" defTabSz="457200" rtl="0" eaLnBrk="1" latinLnBrk="0" hangingPunct="1">
+              <a:spcBef>
+                <a:spcPts val="1000"/>
+              </a:spcBef>
+              <a:spcAft>
+                <a:spcPts val="0"/>
+              </a:spcAft>
+              <a:buClr>
+                <a:srgbClr val="00A0E7"/>
+              </a:buClr>
+              <a:buFont typeface="Wingdings" panose="05000000000000000000" pitchFamily="2" charset="2"/>
+              <a:buChar char="Ø"/>
+              <a:defRPr kumimoji="1" sz="1800" kern="1200">
+                <a:solidFill>
+                  <a:schemeClr val="tx1">
+                    <a:lumMod val="75000"/>
+                    <a:lumOff val="25000"/>
+                  </a:schemeClr>
+                </a:solidFill>
+                <a:latin typeface="+mn-lt"/>
+                <a:ea typeface="+mn-ea"/>
+                <a:cs typeface="+mn-cs"/>
+              </a:defRPr>
+            </a:lvl1pPr>
+            <a:lvl2pPr marL="800100" indent="-342900" algn="l" defTabSz="457200" rtl="0" eaLnBrk="1" latinLnBrk="0" hangingPunct="1">
+              <a:spcBef>
+                <a:spcPts val="1000"/>
+              </a:spcBef>
+              <a:spcAft>
+                <a:spcPts val="0"/>
+              </a:spcAft>
+              <a:buClr>
+                <a:srgbClr val="00A0E7"/>
+              </a:buClr>
+              <a:buFont typeface="Wingdings" panose="05000000000000000000" pitchFamily="2" charset="2"/>
+              <a:buChar char="Ø"/>
+              <a:defRPr kumimoji="1" sz="1600" kern="1200">
+                <a:solidFill>
+                  <a:schemeClr val="tx1">
+                    <a:lumMod val="75000"/>
+                    <a:lumOff val="25000"/>
+                  </a:schemeClr>
+                </a:solidFill>
+                <a:latin typeface="+mn-lt"/>
+                <a:ea typeface="+mn-ea"/>
+                <a:cs typeface="+mn-cs"/>
+              </a:defRPr>
+            </a:lvl2pPr>
+            <a:lvl3pPr marL="1257300" indent="-342900" algn="l" defTabSz="457200" rtl="0" eaLnBrk="1" latinLnBrk="0" hangingPunct="1">
+              <a:spcBef>
+                <a:spcPts val="1000"/>
+              </a:spcBef>
+              <a:spcAft>
+                <a:spcPts val="0"/>
+              </a:spcAft>
+              <a:buClr>
+                <a:srgbClr val="00A0E7"/>
+              </a:buClr>
+              <a:buFont typeface="Wingdings" panose="05000000000000000000" pitchFamily="2" charset="2"/>
+              <a:buChar char="Ø"/>
+              <a:defRPr kumimoji="1" sz="1400" kern="1200">
+                <a:solidFill>
+                  <a:schemeClr val="tx1">
+                    <a:lumMod val="75000"/>
+                    <a:lumOff val="25000"/>
+                  </a:schemeClr>
+                </a:solidFill>
+                <a:latin typeface="+mn-lt"/>
+                <a:ea typeface="+mn-ea"/>
+                <a:cs typeface="+mn-cs"/>
+              </a:defRPr>
+            </a:lvl3pPr>
+            <a:lvl4pPr marL="1600200" indent="-228600" algn="l" defTabSz="457200" rtl="0" eaLnBrk="1" latinLnBrk="0" hangingPunct="1">
+              <a:spcBef>
+                <a:spcPts val="1000"/>
+              </a:spcBef>
+              <a:spcAft>
+                <a:spcPts val="0"/>
+              </a:spcAft>
+              <a:buClr>
+                <a:srgbClr val="00A0E7"/>
+              </a:buClr>
+              <a:buFont typeface="Wingdings" panose="05000000000000000000" pitchFamily="2" charset="2"/>
+              <a:buChar char="Ø"/>
+              <a:defRPr kumimoji="1" sz="1200" kern="1200">
+                <a:solidFill>
+                  <a:schemeClr val="tx1">
+                    <a:lumMod val="75000"/>
+                    <a:lumOff val="25000"/>
+                  </a:schemeClr>
+                </a:solidFill>
+                <a:latin typeface="+mn-lt"/>
+                <a:ea typeface="+mn-ea"/>
+                <a:cs typeface="+mn-cs"/>
+              </a:defRPr>
+            </a:lvl4pPr>
+            <a:lvl5pPr marL="2057400" indent="-228600" algn="l" defTabSz="457200" rtl="0" eaLnBrk="1" latinLnBrk="0" hangingPunct="1">
+              <a:spcBef>
+                <a:spcPts val="1000"/>
+              </a:spcBef>
+              <a:spcAft>
+                <a:spcPts val="0"/>
+              </a:spcAft>
+              <a:buClr>
+                <a:srgbClr val="00A0E7"/>
+              </a:buClr>
+              <a:buFont typeface="Wingdings" panose="05000000000000000000" pitchFamily="2" charset="2"/>
+              <a:buChar char="Ø"/>
+              <a:defRPr kumimoji="1" sz="1200" kern="1200">
+                <a:solidFill>
+                  <a:schemeClr val="tx1">
+                    <a:lumMod val="75000"/>
+                    <a:lumOff val="25000"/>
+                  </a:schemeClr>
+                </a:solidFill>
+                <a:latin typeface="+mn-lt"/>
+                <a:ea typeface="+mn-ea"/>
+                <a:cs typeface="+mn-cs"/>
+              </a:defRPr>
+            </a:lvl5pPr>
+            <a:lvl6pPr marL="2514600" indent="-228600" algn="l" defTabSz="457200" rtl="0" eaLnBrk="1" latinLnBrk="0" hangingPunct="1">
+              <a:spcBef>
+                <a:spcPts val="1000"/>
+              </a:spcBef>
+              <a:spcAft>
+                <a:spcPts val="0"/>
+              </a:spcAft>
+              <a:buClr>
+                <a:schemeClr val="accent1"/>
+              </a:buClr>
+              <a:buFont typeface="Wingdings 3" charset="2"/>
+              <a:buChar char=""/>
+              <a:defRPr kumimoji="1" sz="1200" kern="1200">
+                <a:solidFill>
+                  <a:schemeClr val="tx1">
+                    <a:lumMod val="75000"/>
+                    <a:lumOff val="25000"/>
+                  </a:schemeClr>
+                </a:solidFill>
+                <a:latin typeface="+mn-lt"/>
+                <a:ea typeface="+mn-ea"/>
+                <a:cs typeface="+mn-cs"/>
+              </a:defRPr>
+            </a:lvl6pPr>
+            <a:lvl7pPr marL="2971800" indent="-228600" algn="l" defTabSz="457200" rtl="0" eaLnBrk="1" latinLnBrk="0" hangingPunct="1">
+              <a:spcBef>
+                <a:spcPts val="1000"/>
+              </a:spcBef>
+              <a:spcAft>
+                <a:spcPts val="0"/>
+              </a:spcAft>
+              <a:buClr>
+                <a:schemeClr val="accent1"/>
+              </a:buClr>
+              <a:buFont typeface="Wingdings 3" charset="2"/>
+              <a:buChar char=""/>
+              <a:defRPr kumimoji="1" sz="1200" kern="1200">
+                <a:solidFill>
+                  <a:schemeClr val="tx1">
+                    <a:lumMod val="75000"/>
+                    <a:lumOff val="25000"/>
+                  </a:schemeClr>
+                </a:solidFill>
+                <a:latin typeface="+mn-lt"/>
+                <a:ea typeface="+mn-ea"/>
+                <a:cs typeface="+mn-cs"/>
+              </a:defRPr>
+            </a:lvl7pPr>
+            <a:lvl8pPr marL="3429000" indent="-228600" algn="l" defTabSz="457200" rtl="0" eaLnBrk="1" latinLnBrk="0" hangingPunct="1">
+              <a:spcBef>
+                <a:spcPts val="1000"/>
+              </a:spcBef>
+              <a:spcAft>
+                <a:spcPts val="0"/>
+              </a:spcAft>
+              <a:buClr>
+                <a:schemeClr val="accent1"/>
+              </a:buClr>
+              <a:buFont typeface="Wingdings 3" charset="2"/>
+              <a:buChar char=""/>
+              <a:defRPr kumimoji="1" sz="1200" kern="1200">
+                <a:solidFill>
+                  <a:schemeClr val="tx1">
+                    <a:lumMod val="75000"/>
+                    <a:lumOff val="25000"/>
+                  </a:schemeClr>
+                </a:solidFill>
+                <a:latin typeface="+mn-lt"/>
+                <a:ea typeface="+mn-ea"/>
+                <a:cs typeface="+mn-cs"/>
+              </a:defRPr>
+            </a:lvl8pPr>
+            <a:lvl9pPr marL="3886200" indent="-228600" algn="l" defTabSz="457200" rtl="0" eaLnBrk="1" latinLnBrk="0" hangingPunct="1">
+              <a:spcBef>
+                <a:spcPts val="1000"/>
+              </a:spcBef>
+              <a:spcAft>
+                <a:spcPts val="0"/>
+              </a:spcAft>
+              <a:buClr>
+                <a:schemeClr val="accent1"/>
+              </a:buClr>
+              <a:buFont typeface="Wingdings 3" charset="2"/>
+              <a:buChar char=""/>
+              <a:defRPr kumimoji="1" sz="1200" kern="1200">
+                <a:solidFill>
+                  <a:schemeClr val="tx1">
+                    <a:lumMod val="75000"/>
+                    <a:lumOff val="25000"/>
+                  </a:schemeClr>
+                </a:solidFill>
+                <a:latin typeface="+mn-lt"/>
+                <a:ea typeface="+mn-ea"/>
+                <a:cs typeface="+mn-cs"/>
+              </a:defRPr>
+            </a:lvl9pPr>
+          </a:lstStyle>
+          <a:p>
+            <a:pPr marL="0" indent="0">
+              <a:buNone/>
+            </a:pPr>
+            <a:r>
+              <a:rPr lang="ja-JP" altLang="en-US" dirty="0"/>
+              <a:t>環境</a:t>
+            </a:r>
+            <a:r>
+              <a:rPr lang="ja-JP" altLang="en-US" dirty="0" smtClean="0"/>
+              <a:t>構築手順</a:t>
+            </a:r>
+            <a:endParaRPr lang="en-US" altLang="ja-JP" dirty="0" smtClean="0"/>
+          </a:p>
+          <a:p>
+            <a:pPr>
+              <a:buFont typeface="+mj-lt"/>
+              <a:buAutoNum type="arabicPeriod"/>
+            </a:pPr>
+            <a:r>
+              <a:rPr lang="en-US" altLang="ja-JP" dirty="0" smtClean="0"/>
+              <a:t>AWS</a:t>
+            </a:r>
+            <a:r>
+              <a:rPr lang="ja-JP" altLang="en-US" dirty="0" smtClean="0"/>
+              <a:t>リソース</a:t>
+            </a:r>
+            <a:endParaRPr lang="en-US" altLang="ja-JP" dirty="0" smtClean="0"/>
+          </a:p>
+          <a:p>
+            <a:pPr lvl="1">
+              <a:buFont typeface="+mj-lt"/>
+              <a:buAutoNum type="arabicPeriod"/>
+            </a:pPr>
+            <a:r>
+              <a:rPr lang="en-US" altLang="ja-JP" dirty="0">
+                <a:solidFill>
+                  <a:srgbClr val="BFBFBF"/>
+                </a:solidFill>
+              </a:rPr>
+              <a:t>DynamoDB</a:t>
+            </a:r>
+          </a:p>
+          <a:p>
+            <a:pPr lvl="1">
+              <a:buFont typeface="+mj-lt"/>
+              <a:buAutoNum type="arabicPeriod"/>
+            </a:pPr>
+            <a:r>
+              <a:rPr lang="en-US" altLang="ja-JP" dirty="0">
+                <a:solidFill>
+                  <a:srgbClr val="BFBFBF"/>
+                </a:solidFill>
+              </a:rPr>
+              <a:t>IAM (Role, Policy)</a:t>
+            </a:r>
+          </a:p>
+          <a:p>
+            <a:pPr lvl="1">
+              <a:buFont typeface="+mj-lt"/>
+              <a:buAutoNum type="arabicPeriod"/>
+            </a:pPr>
+            <a:r>
+              <a:rPr lang="en-US" altLang="ja-JP" dirty="0" smtClean="0">
+                <a:solidFill>
+                  <a:srgbClr val="BFBFBF"/>
+                </a:solidFill>
+              </a:rPr>
+              <a:t>Lambda</a:t>
+            </a:r>
+          </a:p>
+          <a:p>
+            <a:pPr lvl="1">
+              <a:buFont typeface="+mj-lt"/>
+              <a:buAutoNum type="arabicPeriod"/>
+            </a:pPr>
+            <a:r>
+              <a:rPr lang="en-US" altLang="ja-JP" dirty="0" smtClean="0">
+                <a:solidFill>
+                  <a:schemeClr val="bg1">
+                    <a:lumMod val="75000"/>
+                  </a:schemeClr>
+                </a:solidFill>
+              </a:rPr>
+              <a:t>API Gateway</a:t>
+            </a:r>
+          </a:p>
+          <a:p>
+            <a:pPr lvl="1">
+              <a:buFont typeface="+mj-lt"/>
+              <a:buAutoNum type="arabicPeriod"/>
+            </a:pPr>
+            <a:r>
+              <a:rPr lang="en-US" altLang="ja-JP" dirty="0" smtClean="0">
+                <a:solidFill>
+                  <a:srgbClr val="BFBFBF"/>
+                </a:solidFill>
+              </a:rPr>
+              <a:t>S3</a:t>
+            </a:r>
+          </a:p>
+          <a:p>
+            <a:pPr lvl="1">
+              <a:buFont typeface="+mj-lt"/>
+              <a:buAutoNum type="arabicPeriod"/>
+            </a:pPr>
+            <a:r>
+              <a:rPr lang="en-US" altLang="ja-JP" dirty="0" smtClean="0">
+                <a:solidFill>
+                  <a:srgbClr val="BFBFBF"/>
+                </a:solidFill>
+              </a:rPr>
+              <a:t>CloudFront</a:t>
+            </a:r>
+          </a:p>
+          <a:p>
+            <a:pPr lvl="1">
+              <a:buFont typeface="+mj-lt"/>
+              <a:buAutoNum type="arabicPeriod"/>
+            </a:pPr>
+            <a:r>
+              <a:rPr lang="en-US" altLang="ja-JP" dirty="0" smtClean="0">
+                <a:solidFill>
+                  <a:srgbClr val="BFBFBF"/>
+                </a:solidFill>
+              </a:rPr>
+              <a:t>WAF &amp; Shields</a:t>
+            </a:r>
+          </a:p>
+          <a:p>
+            <a:pPr lvl="1">
+              <a:buFont typeface="+mj-lt"/>
+              <a:buAutoNum type="arabicPeriod"/>
+            </a:pPr>
+            <a:r>
+              <a:rPr lang="en-US" altLang="ja-JP" dirty="0" smtClean="0">
+                <a:solidFill>
+                  <a:schemeClr val="bg1">
+                    <a:lumMod val="75000"/>
+                  </a:schemeClr>
+                </a:solidFill>
+              </a:rPr>
+              <a:t>EC2</a:t>
+            </a:r>
+          </a:p>
+          <a:p>
+            <a:pPr lvl="1">
+              <a:buFont typeface="+mj-lt"/>
+              <a:buAutoNum type="arabicPeriod"/>
+            </a:pPr>
+            <a:r>
+              <a:rPr lang="ja-JP" altLang="ja-JP" dirty="0" smtClean="0">
+                <a:solidFill>
+                  <a:schemeClr val="bg1">
+                    <a:lumMod val="75000"/>
+                  </a:schemeClr>
+                </a:solidFill>
+              </a:rPr>
+              <a:t>C</a:t>
+            </a:r>
+            <a:r>
+              <a:rPr lang="en-US" altLang="ja-JP" dirty="0" smtClean="0">
+                <a:solidFill>
+                  <a:schemeClr val="bg1">
+                    <a:lumMod val="75000"/>
+                  </a:schemeClr>
+                </a:solidFill>
+              </a:rPr>
+              <a:t>ognit</a:t>
+            </a:r>
+            <a:r>
+              <a:rPr lang="en-US" altLang="ja-JP" dirty="0" smtClean="0">
+                <a:solidFill>
+                  <a:schemeClr val="bg1">
+                    <a:lumMod val="75000"/>
+                  </a:schemeClr>
+                </a:solidFill>
+              </a:rPr>
+              <a:t>o</a:t>
+            </a:r>
+            <a:endParaRPr lang="en-US" altLang="ja-JP" dirty="0" smtClean="0">
+              <a:solidFill>
+                <a:schemeClr val="bg1">
+                  <a:lumMod val="75000"/>
+                </a:schemeClr>
+              </a:solidFill>
+            </a:endParaRPr>
+          </a:p>
+          <a:p>
+            <a:pPr lvl="1">
+              <a:buFont typeface="+mj-lt"/>
+              <a:buAutoNum type="arabicPeriod"/>
+            </a:pPr>
+            <a:r>
+              <a:rPr lang="ja-JP" altLang="ja-JP" dirty="0" smtClean="0">
+                <a:solidFill>
+                  <a:srgbClr val="00A0E7"/>
+                </a:solidFill>
+              </a:rPr>
+              <a:t>R</a:t>
+            </a:r>
+            <a:r>
+              <a:rPr lang="en-US" altLang="ja-JP" dirty="0" smtClean="0">
+                <a:solidFill>
+                  <a:srgbClr val="00A0E7"/>
+                </a:solidFill>
+              </a:rPr>
+              <a:t>oute53</a:t>
+            </a:r>
+          </a:p>
+          <a:p>
+            <a:pPr>
+              <a:buFont typeface="+mj-lt"/>
+              <a:buAutoNum type="arabicPeriod"/>
+            </a:pPr>
+            <a:r>
+              <a:rPr lang="en-US" altLang="ja-JP" dirty="0" smtClean="0">
+                <a:solidFill>
+                  <a:srgbClr val="BFBFBF"/>
+                </a:solidFill>
+              </a:rPr>
+              <a:t>API </a:t>
+            </a:r>
+            <a:r>
+              <a:rPr lang="ja-JP" altLang="en-US" dirty="0" smtClean="0">
+                <a:solidFill>
+                  <a:srgbClr val="BFBFBF"/>
+                </a:solidFill>
+              </a:rPr>
+              <a:t>デプロイ</a:t>
+            </a:r>
+            <a:endParaRPr lang="en-US" altLang="ja-JP" dirty="0">
+              <a:solidFill>
+                <a:srgbClr val="BFBFBF"/>
+              </a:solidFill>
+            </a:endParaRPr>
+          </a:p>
+          <a:p>
+            <a:pPr>
+              <a:buFont typeface="+mj-lt"/>
+              <a:buAutoNum type="arabicPeriod"/>
+            </a:pPr>
+            <a:r>
+              <a:rPr lang="en-US" altLang="ja-JP" dirty="0">
+                <a:solidFill>
+                  <a:schemeClr val="bg1">
+                    <a:lumMod val="75000"/>
+                  </a:schemeClr>
+                </a:solidFill>
+              </a:rPr>
+              <a:t>CMS </a:t>
+            </a:r>
+            <a:r>
+              <a:rPr lang="ja-JP" altLang="en-US" dirty="0">
+                <a:solidFill>
+                  <a:schemeClr val="bg1">
+                    <a:lumMod val="75000"/>
+                  </a:schemeClr>
+                </a:solidFill>
+              </a:rPr>
+              <a:t>デプロイ</a:t>
+            </a:r>
+            <a:endParaRPr lang="en-US" altLang="ja-JP" dirty="0">
+              <a:solidFill>
+                <a:schemeClr val="bg1">
+                  <a:lumMod val="75000"/>
+                </a:schemeClr>
+              </a:solidFill>
+            </a:endParaRPr>
+          </a:p>
+          <a:p>
+            <a:pPr marL="0" indent="0">
+              <a:buNone/>
+            </a:pPr>
+            <a:r>
+              <a:rPr lang="ja-JP" altLang="en-US" dirty="0" smtClean="0">
+                <a:solidFill>
+                  <a:srgbClr val="BFBFBF"/>
+                </a:solidFill>
+              </a:rPr>
+              <a:t>以上</a:t>
+            </a:r>
+            <a:endParaRPr lang="en-US" altLang="ja-JP" dirty="0" smtClean="0">
+              <a:solidFill>
+                <a:srgbClr val="BFBFBF"/>
+              </a:solidFill>
+            </a:endParaRPr>
+          </a:p>
+        </p:txBody>
+      </p:sp>
+      <p:sp>
+        <p:nvSpPr>
+          <p:cNvPr id="7" name="角丸四角形 6"/>
+          <p:cNvSpPr/>
+          <p:nvPr/>
+        </p:nvSpPr>
+        <p:spPr>
+          <a:xfrm>
+            <a:off x="3105803" y="548856"/>
+            <a:ext cx="8889546" cy="883137"/>
+          </a:xfrm>
+          <a:prstGeom prst="roundRect">
+            <a:avLst/>
+          </a:prstGeom>
+          <a:solidFill>
+            <a:srgbClr val="FFFFFF"/>
+          </a:solidFill>
+          <a:ln>
+            <a:solidFill>
+              <a:schemeClr val="tx1"/>
+            </a:solidFill>
+            <a:prstDash val="dash"/>
+          </a:ln>
+          <a:effectLst/>
+        </p:spPr>
+        <p:style>
+          <a:lnRef idx="1">
+            <a:schemeClr val="accent1"/>
+          </a:lnRef>
+          <a:fillRef idx="3">
+            <a:schemeClr val="accent1"/>
+          </a:fillRef>
+          <a:effectRef idx="2">
+            <a:schemeClr val="accent1"/>
+          </a:effectRef>
+          <a:fontRef idx="minor">
+            <a:schemeClr val="lt1"/>
+          </a:fontRef>
+        </p:style>
+        <p:txBody>
+          <a:bodyPr rtlCol="0" anchor="ctr"/>
+          <a:lstStyle/>
+          <a:p>
+            <a:pPr algn="ctr"/>
+            <a:endParaRPr kumimoji="1" lang="ja-JP" altLang="en-US"/>
+          </a:p>
+        </p:txBody>
+      </p:sp>
+      <p:sp>
+        <p:nvSpPr>
+          <p:cNvPr id="9" name="テキスト ボックス 8"/>
+          <p:cNvSpPr txBox="1"/>
+          <p:nvPr/>
+        </p:nvSpPr>
+        <p:spPr>
+          <a:xfrm>
+            <a:off x="3149938" y="610153"/>
+            <a:ext cx="4147289" cy="338554"/>
+          </a:xfrm>
+          <a:prstGeom prst="rect">
+            <a:avLst/>
+          </a:prstGeom>
+          <a:noFill/>
+        </p:spPr>
+        <p:txBody>
+          <a:bodyPr wrap="none" rtlCol="0">
+            <a:spAutoFit/>
+          </a:bodyPr>
+          <a:lstStyle/>
+          <a:p>
+            <a:r>
+              <a:rPr kumimoji="1" lang="ja-JP" altLang="en-US" sz="1600" dirty="0"/>
+              <a:t>・設置するリージョン</a:t>
+            </a:r>
+            <a:r>
+              <a:rPr kumimoji="1" lang="en-US" altLang="ja-JP" sz="1600" dirty="0"/>
+              <a:t> (</a:t>
+            </a:r>
+            <a:r>
+              <a:rPr kumimoji="1" lang="ja-JP" altLang="en-US" sz="1600" dirty="0"/>
+              <a:t>地域</a:t>
+            </a:r>
+            <a:r>
+              <a:rPr kumimoji="1" lang="en-US" altLang="ja-JP" sz="1600" dirty="0"/>
+              <a:t>)</a:t>
+            </a:r>
+            <a:r>
+              <a:rPr kumimoji="1" lang="en-US" altLang="en-US" sz="1600" dirty="0"/>
+              <a:t> </a:t>
+            </a:r>
+            <a:r>
+              <a:rPr kumimoji="1" lang="ja-JP" altLang="en-US" sz="1600" dirty="0"/>
+              <a:t>の誤りに注意</a:t>
+            </a:r>
+            <a:endParaRPr kumimoji="1" lang="en-US" altLang="ja-JP" sz="1600" dirty="0"/>
+          </a:p>
+        </p:txBody>
+      </p:sp>
+    </p:spTree>
+    <p:extLst>
+      <p:ext uri="{BB962C8B-B14F-4D97-AF65-F5344CB8AC3E}">
+        <p14:creationId xmlns:p14="http://schemas.microsoft.com/office/powerpoint/2010/main" val="2358543514"/>
+      </p:ext>
+    </p:extLst>
+  </p:cSld>
+  <p:clrMapOvr>
+    <a:masterClrMapping/>
+  </p:clrMapOvr>
+  <p:timing>
+    <p:tnLst>
+      <p:par>
+        <p:cTn xmlns:p14="http://schemas.microsoft.com/office/powerpoint/2010/main" id="1" dur="indefinite" restart="never" nodeType="tmRoot"/>
+      </p:par>
+    </p:tnLst>
+  </p:timing>
+</p:sld>
+</file>
+
+<file path=ppt/slides/slide31.xml><?xml version="1.0" encoding="utf-8"?>
+<p:sld xmlns:a="http://schemas.openxmlformats.org/drawingml/2006/main" xmlns:r="http://schemas.openxmlformats.org/officeDocument/2006/relationships" xmlns:p="http://schemas.openxmlformats.org/presentationml/2006/main">
+  <p:cSld>
+    <p:spTree>
+      <p:nvGrpSpPr>
+        <p:cNvPr id="1" name=""/>
+        <p:cNvGrpSpPr/>
+        <p:nvPr/>
+      </p:nvGrpSpPr>
+      <p:grpSpPr>
+        <a:xfrm>
+          <a:off x="0" y="0"/>
+          <a:ext cx="0" cy="0"/>
+          <a:chOff x="0" y="0"/>
+          <a:chExt cx="0" cy="0"/>
+        </a:xfrm>
+      </p:grpSpPr>
+      <p:sp>
+        <p:nvSpPr>
+          <p:cNvPr id="2" name="タイトル 1">
+            <a:extLst>
+              <a:ext uri="{FF2B5EF4-FFF2-40B4-BE49-F238E27FC236}">
                 <a16:creationId xmlns="" xmlns:a16="http://schemas.microsoft.com/office/drawing/2014/main" id="{088B8BCD-F08D-4BBA-A1AB-1E863725A893}"/>
               </a:ext>
             </a:extLst>
@@ -29071,7 +30937,7 @@
             <a:fld id="{FC7FC04C-4975-46EC-A609-F7DE0D5B1B51}" type="slidenum">
               <a:rPr kumimoji="1" lang="ja-JP" altLang="en-US" smtClean="0"/>
               <a:pPr/>
-              <a:t>30</a:t>
+              <a:t>31</a:t>
             </a:fld>
             <a:endParaRPr kumimoji="1" lang="ja-JP" altLang="en-US" dirty="0"/>
           </a:p>
@@ -30210,108 +32076,14 @@
               <a:buAutoNum type="arabicPeriod"/>
             </a:pPr>
             <a:r>
-              <a:rPr lang="ja-JP" altLang="ja-JP" dirty="0">
+              <a:rPr lang="en-US" altLang="ja-JP" dirty="0" smtClean="0">
                 <a:solidFill>
                   <a:schemeClr val="bg1">
                     <a:lumMod val="75000"/>
                   </a:schemeClr>
                 </a:solidFill>
               </a:rPr>
-              <a:t>C</a:t>
-            </a:r>
-            <a:r>
-              <a:rPr lang="en-US" altLang="ja-JP" dirty="0">
-                <a:solidFill>
-                  <a:schemeClr val="bg1">
-                    <a:lumMod val="75000"/>
-                  </a:schemeClr>
-                </a:solidFill>
-              </a:rPr>
-              <a:t>ognite</a:t>
-            </a:r>
-          </a:p>
-          <a:p>
-            <a:pPr lvl="1">
-              <a:buFont typeface="+mj-lt"/>
-              <a:buAutoNum type="arabicPeriod"/>
-            </a:pPr>
-            <a:r>
-              <a:rPr lang="ja-JP" altLang="ja-JP" dirty="0">
-                <a:solidFill>
-                  <a:schemeClr val="bg1">
-                    <a:lumMod val="75000"/>
-                  </a:schemeClr>
-                </a:solidFill>
-              </a:rPr>
-              <a:t>R</a:t>
-            </a:r>
-            <a:r>
-              <a:rPr lang="en-US" altLang="ja-JP" dirty="0">
-                <a:solidFill>
-                  <a:schemeClr val="bg1">
-                    <a:lumMod val="75000"/>
-                  </a:schemeClr>
-                </a:solidFill>
-              </a:rPr>
-              <a:t>oute53</a:t>
-            </a:r>
-            <a:endParaRPr lang="en-US" altLang="ja-JP" dirty="0" smtClean="0">
-              <a:solidFill>
-                <a:srgbClr val="BFBFBF"/>
-              </a:solidFill>
-            </a:endParaRPr>
-          </a:p>
-          <a:p>
-            <a:pPr>
-              <a:buFont typeface="+mj-lt"/>
-              <a:buAutoNum type="arabicPeriod"/>
-            </a:pPr>
-            <a:r>
-              <a:rPr lang="en-US" altLang="ja-JP" dirty="0" smtClean="0">
-                <a:solidFill>
-                  <a:srgbClr val="404040"/>
-                </a:solidFill>
-              </a:rPr>
-              <a:t>API </a:t>
-            </a:r>
-            <a:r>
-              <a:rPr lang="ja-JP" altLang="en-US" dirty="0" smtClean="0">
-                <a:solidFill>
-                  <a:srgbClr val="404040"/>
-                </a:solidFill>
-              </a:rPr>
-              <a:t>デプロイ</a:t>
-            </a:r>
-            <a:endParaRPr lang="en-US" altLang="ja-JP" dirty="0">
-              <a:solidFill>
-                <a:srgbClr val="404040"/>
-              </a:solidFill>
-            </a:endParaRPr>
-          </a:p>
-          <a:p>
-            <a:pPr>
-              <a:buFont typeface="+mj-lt"/>
-              <a:buAutoNum type="arabicPeriod"/>
-            </a:pPr>
-            <a:r>
-              <a:rPr lang="en-US" altLang="ja-JP" dirty="0">
-                <a:solidFill>
-                  <a:schemeClr val="bg1">
-                    <a:lumMod val="75000"/>
-                  </a:schemeClr>
-                </a:solidFill>
-              </a:rPr>
-              <a:t>CMS </a:t>
-            </a:r>
-            <a:r>
-              <a:rPr lang="ja-JP" altLang="en-US" dirty="0">
-                <a:solidFill>
-                  <a:schemeClr val="bg1">
-                    <a:lumMod val="75000"/>
-                  </a:schemeClr>
-                </a:solidFill>
-              </a:rPr>
-              <a:t>デプロイ</a:t>
+              <a:t>Cognito</a:t>
             </a:r>
             <a:endParaRPr lang="en-US" altLang="ja-JP" dirty="0">
               <a:solidFill>
@@ -30322,21 +32094,93 @@
             </a:endParaRPr>
           </a:p>
           <a:p>
+            <a:pPr lvl="1">
+              <a:buFont typeface="+mj-lt"/>
+              <a:buAutoNum type="arabicPeriod"/>
+            </a:pPr>
+            <a:r>
+              <a:rPr lang="ja-JP" altLang="ja-JP" dirty="0">
+                <a:solidFill>
+                  <a:schemeClr val="bg1">
+                    <a:lumMod val="75000"/>
+                  </a:schemeClr>
+                </a:solidFill>
+              </a:rPr>
+              <a:t>R</a:t>
+            </a:r>
+            <a:r>
+              <a:rPr lang="en-US" altLang="ja-JP" dirty="0">
+                <a:solidFill>
+                  <a:schemeClr val="bg1">
+                    <a:lumMod val="75000"/>
+                  </a:schemeClr>
+                </a:solidFill>
+              </a:rPr>
+              <a:t>oute53</a:t>
+            </a:r>
+            <a:endParaRPr lang="en-US" altLang="ja-JP" dirty="0" smtClean="0">
+              <a:solidFill>
+                <a:srgbClr val="BFBFBF"/>
+              </a:solidFill>
+            </a:endParaRPr>
+          </a:p>
+          <a:p>
             <a:pPr>
               <a:buFont typeface="+mj-lt"/>
               <a:buAutoNum type="arabicPeriod"/>
             </a:pPr>
             <a:r>
+              <a:rPr lang="en-US" altLang="ja-JP" dirty="0" smtClean="0">
+                <a:solidFill>
+                  <a:srgbClr val="404040"/>
+                </a:solidFill>
+              </a:rPr>
+              <a:t>API </a:t>
+            </a:r>
+            <a:r>
               <a:rPr lang="ja-JP" altLang="en-US" dirty="0" smtClean="0">
                 <a:solidFill>
-                  <a:srgbClr val="BFBFBF"/>
-                </a:solidFill>
-              </a:rPr>
-              <a:t>コンテンツ登録</a:t>
-            </a:r>
-            <a:endParaRPr lang="en-US" altLang="ja-JP" dirty="0" smtClean="0">
+                  <a:srgbClr val="404040"/>
+                </a:solidFill>
+              </a:rPr>
+              <a:t>デプロイ</a:t>
+            </a:r>
+            <a:endParaRPr lang="en-US" altLang="ja-JP" dirty="0">
               <a:solidFill>
-                <a:srgbClr val="BFBFBF"/>
+                <a:srgbClr val="404040"/>
+              </a:solidFill>
+            </a:endParaRPr>
+          </a:p>
+          <a:p>
+            <a:pPr>
+              <a:buFont typeface="+mj-lt"/>
+              <a:buAutoNum type="arabicPeriod"/>
+            </a:pPr>
+            <a:r>
+              <a:rPr lang="en-US" altLang="ja-JP" dirty="0">
+                <a:solidFill>
+                  <a:schemeClr val="bg1">
+                    <a:lumMod val="75000"/>
+                  </a:schemeClr>
+                </a:solidFill>
+              </a:rPr>
+              <a:t>CMS </a:t>
+            </a:r>
+            <a:r>
+              <a:rPr lang="ja-JP" altLang="en-US" dirty="0">
+                <a:solidFill>
+                  <a:schemeClr val="bg1">
+                    <a:lumMod val="75000"/>
+                  </a:schemeClr>
+                </a:solidFill>
+              </a:rPr>
+              <a:t>デプロイ</a:t>
+            </a:r>
+            <a:endParaRPr lang="en-US" altLang="ja-JP" dirty="0">
+              <a:solidFill>
+                <a:schemeClr val="bg1">
+                  <a:lumMod val="75000"/>
+                </a:schemeClr>
               </a:solidFill>
             </a:endParaRPr>
           </a:p>
@@ -30380,7 +32224,7 @@
 </p:sld>
 </file>
 
-<file path=ppt/slides/slide31.xml><?xml version="1.0" encoding="utf-8"?>
+<file path=ppt/slides/slide32.xml><?xml version="1.0" encoding="utf-8"?>
 <p:sld xmlns:a="http://schemas.openxmlformats.org/drawingml/2006/main" xmlns:r="http://schemas.openxmlformats.org/officeDocument/2006/relationships" xmlns:p="http://schemas.openxmlformats.org/presentationml/2006/main">
   <p:cSld>
     <p:spTree>
@@ -30703,7 +32547,7 @@
             <a:fld id="{FC7FC04C-4975-46EC-A609-F7DE0D5B1B51}" type="slidenum">
               <a:rPr kumimoji="1" lang="ja-JP" altLang="en-US" smtClean="0"/>
               <a:pPr/>
-              <a:t>31</a:t>
+              <a:t>32</a:t>
             </a:fld>
             <a:endParaRPr kumimoji="1" lang="ja-JP" altLang="en-US" dirty="0"/>
           </a:p>
@@ -31755,108 +33599,14 @@
               <a:buAutoNum type="arabicPeriod"/>
             </a:pPr>
             <a:r>
-              <a:rPr lang="ja-JP" altLang="ja-JP" dirty="0">
+              <a:rPr lang="en-US" altLang="ja-JP" dirty="0" smtClean="0">
                 <a:solidFill>
                   <a:schemeClr val="bg1">
                     <a:lumMod val="75000"/>
                   </a:schemeClr>
                 </a:solidFill>
               </a:rPr>
-              <a:t>C</a:t>
-            </a:r>
-            <a:r>
-              <a:rPr lang="en-US" altLang="ja-JP" dirty="0">
-                <a:solidFill>
-                  <a:schemeClr val="bg1">
-                    <a:lumMod val="75000"/>
-                  </a:schemeClr>
-                </a:solidFill>
-              </a:rPr>
-              <a:t>ognite</a:t>
-            </a:r>
-          </a:p>
-          <a:p>
-            <a:pPr lvl="1">
-              <a:buFont typeface="+mj-lt"/>
-              <a:buAutoNum type="arabicPeriod"/>
-            </a:pPr>
-            <a:r>
-              <a:rPr lang="ja-JP" altLang="ja-JP" dirty="0">
-                <a:solidFill>
-                  <a:schemeClr val="bg1">
-                    <a:lumMod val="75000"/>
-                  </a:schemeClr>
-                </a:solidFill>
-              </a:rPr>
-              <a:t>R</a:t>
-            </a:r>
-            <a:r>
-              <a:rPr lang="en-US" altLang="ja-JP" dirty="0">
-                <a:solidFill>
-                  <a:schemeClr val="bg1">
-                    <a:lumMod val="75000"/>
-                  </a:schemeClr>
-                </a:solidFill>
-              </a:rPr>
-              <a:t>oute53</a:t>
-            </a:r>
-            <a:endParaRPr lang="en-US" altLang="ja-JP" dirty="0" smtClean="0">
-              <a:solidFill>
-                <a:srgbClr val="BFBFBF"/>
-              </a:solidFill>
-            </a:endParaRPr>
-          </a:p>
-          <a:p>
-            <a:pPr>
-              <a:buFont typeface="+mj-lt"/>
-              <a:buAutoNum type="arabicPeriod"/>
-            </a:pPr>
-            <a:r>
-              <a:rPr lang="en-US" altLang="ja-JP" dirty="0" smtClean="0">
-                <a:solidFill>
-                  <a:srgbClr val="404040"/>
-                </a:solidFill>
-              </a:rPr>
-              <a:t>API </a:t>
-            </a:r>
-            <a:r>
-              <a:rPr lang="ja-JP" altLang="en-US" dirty="0" smtClean="0">
-                <a:solidFill>
-                  <a:srgbClr val="404040"/>
-                </a:solidFill>
-              </a:rPr>
-              <a:t>デプロイ</a:t>
-            </a:r>
-            <a:endParaRPr lang="en-US" altLang="ja-JP" dirty="0" smtClean="0">
-              <a:solidFill>
-                <a:srgbClr val="404040"/>
-              </a:solidFill>
-            </a:endParaRPr>
-          </a:p>
-          <a:p>
-            <a:pPr>
-              <a:buFont typeface="+mj-lt"/>
-              <a:buAutoNum type="arabicPeriod"/>
-            </a:pPr>
-            <a:r>
-              <a:rPr lang="en-US" altLang="ja-JP" dirty="0" smtClean="0">
-                <a:solidFill>
-                  <a:schemeClr val="bg1">
-                    <a:lumMod val="75000"/>
-                  </a:schemeClr>
-                </a:solidFill>
-              </a:rPr>
-              <a:t>CMS </a:t>
-            </a:r>
-            <a:r>
-              <a:rPr lang="ja-JP" altLang="en-US" dirty="0" smtClean="0">
-                <a:solidFill>
-                  <a:schemeClr val="bg1">
-                    <a:lumMod val="75000"/>
-                  </a:schemeClr>
-                </a:solidFill>
-              </a:rPr>
-              <a:t>デプロイ</a:t>
+              <a:t>Cognito</a:t>
             </a:r>
             <a:endParaRPr lang="en-US" altLang="ja-JP" dirty="0">
               <a:solidFill>
@@ -31867,21 +33617,93 @@
             </a:endParaRPr>
           </a:p>
           <a:p>
+            <a:pPr lvl="1">
+              <a:buFont typeface="+mj-lt"/>
+              <a:buAutoNum type="arabicPeriod"/>
+            </a:pPr>
+            <a:r>
+              <a:rPr lang="ja-JP" altLang="ja-JP" dirty="0">
+                <a:solidFill>
+                  <a:schemeClr val="bg1">
+                    <a:lumMod val="75000"/>
+                  </a:schemeClr>
+                </a:solidFill>
+              </a:rPr>
+              <a:t>R</a:t>
+            </a:r>
+            <a:r>
+              <a:rPr lang="en-US" altLang="ja-JP" dirty="0">
+                <a:solidFill>
+                  <a:schemeClr val="bg1">
+                    <a:lumMod val="75000"/>
+                  </a:schemeClr>
+                </a:solidFill>
+              </a:rPr>
+              <a:t>oute53</a:t>
+            </a:r>
+            <a:endParaRPr lang="en-US" altLang="ja-JP" dirty="0" smtClean="0">
+              <a:solidFill>
+                <a:srgbClr val="BFBFBF"/>
+              </a:solidFill>
+            </a:endParaRPr>
+          </a:p>
+          <a:p>
             <a:pPr>
               <a:buFont typeface="+mj-lt"/>
               <a:buAutoNum type="arabicPeriod"/>
             </a:pPr>
             <a:r>
+              <a:rPr lang="en-US" altLang="ja-JP" dirty="0" smtClean="0">
+                <a:solidFill>
+                  <a:srgbClr val="404040"/>
+                </a:solidFill>
+              </a:rPr>
+              <a:t>API </a:t>
+            </a:r>
+            <a:r>
               <a:rPr lang="ja-JP" altLang="en-US" dirty="0" smtClean="0">
                 <a:solidFill>
-                  <a:srgbClr val="BFBFBF"/>
-                </a:solidFill>
-              </a:rPr>
-              <a:t>コンテンツ登録</a:t>
+                  <a:srgbClr val="404040"/>
+                </a:solidFill>
+              </a:rPr>
+              <a:t>デプロイ</a:t>
             </a:r>
             <a:endParaRPr lang="en-US" altLang="ja-JP" dirty="0" smtClean="0">
               <a:solidFill>
-                <a:srgbClr val="BFBFBF"/>
+                <a:srgbClr val="404040"/>
+              </a:solidFill>
+            </a:endParaRPr>
+          </a:p>
+          <a:p>
+            <a:pPr>
+              <a:buFont typeface="+mj-lt"/>
+              <a:buAutoNum type="arabicPeriod"/>
+            </a:pPr>
+            <a:r>
+              <a:rPr lang="en-US" altLang="ja-JP" dirty="0" smtClean="0">
+                <a:solidFill>
+                  <a:schemeClr val="bg1">
+                    <a:lumMod val="75000"/>
+                  </a:schemeClr>
+                </a:solidFill>
+              </a:rPr>
+              <a:t>CMS </a:t>
+            </a:r>
+            <a:r>
+              <a:rPr lang="ja-JP" altLang="en-US" dirty="0" smtClean="0">
+                <a:solidFill>
+                  <a:schemeClr val="bg1">
+                    <a:lumMod val="75000"/>
+                  </a:schemeClr>
+                </a:solidFill>
+              </a:rPr>
+              <a:t>デプロイ</a:t>
+            </a:r>
+            <a:endParaRPr lang="en-US" altLang="ja-JP" dirty="0">
+              <a:solidFill>
+                <a:schemeClr val="bg1">
+                  <a:lumMod val="75000"/>
+                </a:schemeClr>
               </a:solidFill>
             </a:endParaRPr>
           </a:p>
@@ -31925,7 +33747,7 @@
 </p:sld>
 </file>
 
-<file path=ppt/slides/slide32.xml><?xml version="1.0" encoding="utf-8"?>
+<file path=ppt/slides/slide33.xml><?xml version="1.0" encoding="utf-8"?>
 <p:sld xmlns:a="http://schemas.openxmlformats.org/drawingml/2006/main" xmlns:r="http://schemas.openxmlformats.org/officeDocument/2006/relationships" xmlns:p="http://schemas.openxmlformats.org/presentationml/2006/main">
   <p:cSld>
     <p:spTree>
@@ -32056,7 +33878,7 @@
             <a:fld id="{FC7FC04C-4975-46EC-A609-F7DE0D5B1B51}" type="slidenum">
               <a:rPr kumimoji="1" lang="ja-JP" altLang="en-US" smtClean="0"/>
               <a:pPr/>
-              <a:t>32</a:t>
+              <a:t>33</a:t>
             </a:fld>
             <a:endParaRPr kumimoji="1" lang="ja-JP" altLang="en-US" dirty="0"/>
           </a:p>
@@ -32510,25 +34332,22 @@
               <a:buAutoNum type="arabicPeriod"/>
             </a:pPr>
             <a:r>
-              <a:rPr lang="ja-JP" altLang="ja-JP" dirty="0">
+              <a:rPr lang="en-US" altLang="ja-JP" dirty="0" smtClean="0">
                 <a:solidFill>
                   <a:schemeClr val="bg1">
                     <a:lumMod val="75000"/>
                   </a:schemeClr>
                 </a:solidFill>
               </a:rPr>
-              <a:t>C</a:t>
-            </a:r>
-            <a:r>
-              <a:rPr lang="en-US" altLang="ja-JP" dirty="0">
-                <a:solidFill>
-                  <a:schemeClr val="bg1">
-                    <a:lumMod val="75000"/>
-                  </a:schemeClr>
-                </a:solidFill>
-              </a:rPr>
-              <a:t>ognite</a:t>
-            </a:r>
+              <a:t>Cognito</a:t>
+            </a:r>
+            <a:endParaRPr lang="en-US" altLang="ja-JP" dirty="0">
+              <a:solidFill>
+                <a:schemeClr val="bg1">
+                  <a:lumMod val="75000"/>
+                </a:schemeClr>
+              </a:solidFill>
+            </a:endParaRPr>
           </a:p>
           <a:p>
             <a:pPr lvl="1">
@@ -32602,25 +34421,6 @@
               <a:t>デプロイ</a:t>
             </a:r>
             <a:endParaRPr lang="en-US" altLang="ja-JP" dirty="0"/>
-          </a:p>
-          <a:p>
-            <a:pPr>
-              <a:buFont typeface="+mj-lt"/>
-              <a:buAutoNum type="arabicPeriod"/>
-            </a:pPr>
-            <a:r>
-              <a:rPr lang="ja-JP" altLang="en-US" dirty="0" smtClean="0">
-                <a:solidFill>
-                  <a:srgbClr val="BFBFBF"/>
-                </a:solidFill>
-              </a:rPr>
-              <a:t>コンテンツ登録</a:t>
-            </a:r>
-            <a:endParaRPr lang="en-US" altLang="ja-JP" dirty="0" smtClean="0">
-              <a:solidFill>
-                <a:srgbClr val="BFBFBF"/>
-              </a:solidFill>
-            </a:endParaRPr>
           </a:p>
           <a:p>
             <a:pPr marL="0" indent="0">
@@ -32655,7 +34455,7 @@
 </p:sld>
 </file>
 
-<file path=ppt/slides/slide33.xml><?xml version="1.0" encoding="utf-8"?>
+<file path=ppt/slides/slide34.xml><?xml version="1.0" encoding="utf-8"?>
 <p:sld xmlns:a="http://schemas.openxmlformats.org/drawingml/2006/main" xmlns:r="http://schemas.openxmlformats.org/officeDocument/2006/relationships" xmlns:p="http://schemas.openxmlformats.org/presentationml/2006/main">
   <p:cSld>
     <p:spTree>
@@ -32944,7 +34744,7 @@
             <a:fld id="{FC7FC04C-4975-46EC-A609-F7DE0D5B1B51}" type="slidenum">
               <a:rPr kumimoji="1" lang="ja-JP" altLang="en-US" smtClean="0"/>
               <a:pPr/>
-              <a:t>33</a:t>
+              <a:t>34</a:t>
             </a:fld>
             <a:endParaRPr kumimoji="1" lang="ja-JP" altLang="en-US" dirty="0"/>
           </a:p>
@@ -33242,269 +35042,6 @@
               <a:buAutoNum type="arabicPeriod"/>
             </a:pPr>
             <a:r>
-              <a:rPr lang="en-US" altLang="ja-JP" dirty="0" smtClean="0">
-                <a:solidFill>
-                  <a:srgbClr val="BFBFBF"/>
-                </a:solidFill>
-              </a:rPr>
-              <a:t>AWS</a:t>
-            </a:r>
-            <a:r>
-              <a:rPr lang="ja-JP" altLang="en-US" dirty="0" smtClean="0">
-                <a:solidFill>
-                  <a:srgbClr val="BFBFBF"/>
-                </a:solidFill>
-              </a:rPr>
-              <a:t>リソース</a:t>
-            </a:r>
-            <a:endParaRPr lang="en-US" altLang="ja-JP" dirty="0" smtClean="0">
-              <a:solidFill>
-                <a:srgbClr val="BFBFBF"/>
-              </a:solidFill>
-            </a:endParaRPr>
-          </a:p>
-          <a:p>
-            <a:pPr lvl="1">
-              <a:buFont typeface="+mj-lt"/>
-              <a:buAutoNum type="arabicPeriod"/>
-            </a:pPr>
-            <a:r>
-              <a:rPr lang="en-US" altLang="ja-JP" dirty="0">
-                <a:solidFill>
-                  <a:srgbClr val="BFBFBF"/>
-                </a:solidFill>
-              </a:rPr>
-              <a:t>DynamoDB</a:t>
-            </a:r>
-          </a:p>
-          <a:p>
-            <a:pPr lvl="1">
-              <a:buFont typeface="+mj-lt"/>
-              <a:buAutoNum type="arabicPeriod"/>
-            </a:pPr>
-            <a:r>
-              <a:rPr lang="en-US" altLang="ja-JP" dirty="0">
-                <a:solidFill>
-                  <a:srgbClr val="BFBFBF"/>
-                </a:solidFill>
-              </a:rPr>
-              <a:t>IAM (Role, Policy)</a:t>
-            </a:r>
-          </a:p>
-          <a:p>
-            <a:pPr lvl="1">
-              <a:buFont typeface="+mj-lt"/>
-              <a:buAutoNum type="arabicPeriod"/>
-            </a:pPr>
-            <a:r>
-              <a:rPr lang="en-US" altLang="ja-JP" dirty="0" smtClean="0">
-                <a:solidFill>
-                  <a:srgbClr val="BFBFBF"/>
-                </a:solidFill>
-              </a:rPr>
-              <a:t>Lambda</a:t>
-            </a:r>
-          </a:p>
-          <a:p>
-            <a:pPr lvl="1">
-              <a:buFont typeface="+mj-lt"/>
-              <a:buAutoNum type="arabicPeriod"/>
-            </a:pPr>
-            <a:r>
-              <a:rPr lang="en-US" altLang="ja-JP" dirty="0" smtClean="0">
-                <a:solidFill>
-                  <a:srgbClr val="BFBFBF"/>
-                </a:solidFill>
-              </a:rPr>
-              <a:t>API Gateway</a:t>
-            </a:r>
-          </a:p>
-          <a:p>
-            <a:pPr lvl="1">
-              <a:buFont typeface="+mj-lt"/>
-              <a:buAutoNum type="arabicPeriod"/>
-            </a:pPr>
-            <a:r>
-              <a:rPr lang="en-US" altLang="ja-JP" dirty="0" smtClean="0">
-                <a:solidFill>
-                  <a:srgbClr val="BFBFBF"/>
-                </a:solidFill>
-              </a:rPr>
-              <a:t>S3</a:t>
-            </a:r>
-          </a:p>
-          <a:p>
-            <a:pPr lvl="1">
-              <a:buFont typeface="+mj-lt"/>
-              <a:buAutoNum type="arabicPeriod"/>
-            </a:pPr>
-            <a:r>
-              <a:rPr lang="en-US" altLang="ja-JP" dirty="0" smtClean="0">
-                <a:solidFill>
-                  <a:srgbClr val="BFBFBF"/>
-                </a:solidFill>
-              </a:rPr>
-              <a:t>CloudFront</a:t>
-            </a:r>
-          </a:p>
-          <a:p>
-            <a:pPr lvl="1">
-              <a:buFont typeface="+mj-lt"/>
-              <a:buAutoNum type="arabicPeriod"/>
-            </a:pPr>
-            <a:r>
-              <a:rPr lang="en-US" altLang="ja-JP" dirty="0" smtClean="0">
-                <a:solidFill>
-                  <a:srgbClr val="BFBFBF"/>
-                </a:solidFill>
-              </a:rPr>
-              <a:t>WAF &amp; Shields</a:t>
-            </a:r>
-          </a:p>
-          <a:p>
-            <a:pPr lvl="1">
-              <a:buFont typeface="+mj-lt"/>
-              <a:buAutoNum type="arabicPeriod"/>
-            </a:pPr>
-            <a:r>
-              <a:rPr lang="en-US" altLang="ja-JP" dirty="0" smtClean="0">
-                <a:solidFill>
-                  <a:srgbClr val="BFBFBF"/>
-                </a:solidFill>
-              </a:rPr>
-              <a:t>EC2</a:t>
-            </a:r>
-            <a:endParaRPr lang="en-US" altLang="ja-JP" dirty="0">
-              <a:solidFill>
-                <a:schemeClr val="bg1">
-                  <a:lumMod val="75000"/>
-                </a:schemeClr>
-              </a:solidFill>
-            </a:endParaRPr>
-          </a:p>
-          <a:p>
-            <a:pPr lvl="1">
-              <a:buFont typeface="+mj-lt"/>
-              <a:buAutoNum type="arabicPeriod"/>
-            </a:pPr>
-            <a:r>
-              <a:rPr lang="ja-JP" altLang="ja-JP" dirty="0">
-                <a:solidFill>
-                  <a:schemeClr val="bg1">
-                    <a:lumMod val="75000"/>
-                  </a:schemeClr>
-                </a:solidFill>
-              </a:rPr>
-              <a:t>C</a:t>
-            </a:r>
-            <a:r>
-              <a:rPr lang="en-US" altLang="ja-JP" dirty="0">
-                <a:solidFill>
-                  <a:schemeClr val="bg1">
-                    <a:lumMod val="75000"/>
-                  </a:schemeClr>
-                </a:solidFill>
-              </a:rPr>
-              <a:t>ognite</a:t>
-            </a:r>
-          </a:p>
-          <a:p>
-            <a:pPr lvl="1">
-              <a:buFont typeface="+mj-lt"/>
-              <a:buAutoNum type="arabicPeriod"/>
-            </a:pPr>
-            <a:r>
-              <a:rPr lang="ja-JP" altLang="ja-JP" dirty="0">
-                <a:solidFill>
-                  <a:schemeClr val="bg1">
-                    <a:lumMod val="75000"/>
-                  </a:schemeClr>
-                </a:solidFill>
-              </a:rPr>
-              <a:t>R</a:t>
-            </a:r>
-            <a:r>
-              <a:rPr lang="en-US" altLang="ja-JP" dirty="0">
-                <a:solidFill>
-                  <a:schemeClr val="bg1">
-                    <a:lumMod val="75000"/>
-                  </a:schemeClr>
-                </a:solidFill>
-              </a:rPr>
-              <a:t>oute53</a:t>
-            </a:r>
-            <a:endParaRPr lang="en-US" altLang="ja-JP" dirty="0" smtClean="0">
-              <a:solidFill>
-                <a:srgbClr val="BFBFBF"/>
-              </a:solidFill>
-            </a:endParaRPr>
-          </a:p>
-          <a:p>
-            <a:pPr>
-              <a:buFont typeface="+mj-lt"/>
-              <a:buAutoNum type="arabicPeriod"/>
-            </a:pPr>
-            <a:r>
-              <a:rPr lang="en-US" altLang="ja-JP" dirty="0" smtClean="0">
-                <a:solidFill>
-                  <a:srgbClr val="BFBFBF"/>
-                </a:solidFill>
-              </a:rPr>
-              <a:t>API </a:t>
-            </a:r>
-            <a:r>
-              <a:rPr lang="ja-JP" altLang="en-US" dirty="0" smtClean="0">
-                <a:solidFill>
-                  <a:srgbClr val="BFBFBF"/>
-                </a:solidFill>
-              </a:rPr>
-              <a:t>デプロイ</a:t>
-            </a:r>
-            <a:endParaRPr lang="en-US" altLang="ja-JP" dirty="0">
-              <a:solidFill>
-                <a:srgbClr val="404040"/>
-              </a:solidFill>
-            </a:endParaRPr>
-          </a:p>
-          <a:p>
-            <a:pPr>
-              <a:buFont typeface="+mj-lt"/>
-              <a:buAutoNum type="arabicPeriod"/>
-            </a:pPr>
-            <a:r>
-              <a:rPr lang="en-US" altLang="ja-JP" dirty="0">
-                <a:solidFill>
-                  <a:schemeClr val="bg1">
-                    <a:lumMod val="75000"/>
-                  </a:schemeClr>
-                </a:solidFill>
-              </a:rPr>
-              <a:t>CMS </a:t>
-            </a:r>
-            <a:r>
-              <a:rPr lang="ja-JP" altLang="en-US" dirty="0">
-                <a:solidFill>
-                  <a:schemeClr val="bg1">
-                    <a:lumMod val="75000"/>
-                  </a:schemeClr>
-                </a:solidFill>
-              </a:rPr>
-              <a:t>デプロイ</a:t>
-            </a:r>
-            <a:endParaRPr lang="en-US" altLang="ja-JP" dirty="0">
-              <a:solidFill>
-                <a:schemeClr val="bg1">
-                  <a:lumMod val="75000"/>
-                </a:schemeClr>
-              </a:solidFill>
-            </a:endParaRPr>
-          </a:p>
-          <a:p>
-            <a:pPr>
-              <a:buFont typeface="+mj-lt"/>
-              <a:buAutoNum type="arabicPeriod"/>
-            </a:pPr>
-            <a:r>
               <a:rPr lang="ja-JP" altLang="en-US" dirty="0" smtClean="0"/>
               <a:t>コンテンツ登録</a:t>
             </a:r>
@@ -33550,7 +35087,7 @@
 </p:sld>
 </file>
 
-<file path=ppt/slides/slide34.xml><?xml version="1.0" encoding="utf-8"?>
+<file path=ppt/slides/slide35.xml><?xml version="1.0" encoding="utf-8"?>
 <p:sld xmlns:a="http://schemas.openxmlformats.org/drawingml/2006/main" xmlns:r="http://schemas.openxmlformats.org/officeDocument/2006/relationships" xmlns:p="http://schemas.openxmlformats.org/presentationml/2006/main">
   <p:cSld>
     <p:spTree>
@@ -33917,7 +35454,7 @@
             <a:fld id="{FC7FC04C-4975-46EC-A609-F7DE0D5B1B51}" type="slidenum">
               <a:rPr kumimoji="1" lang="ja-JP" altLang="en-US" smtClean="0"/>
               <a:pPr/>
-              <a:t>34</a:t>
+              <a:t>35</a:t>
             </a:fld>
             <a:endParaRPr kumimoji="1" lang="ja-JP" altLang="en-US" dirty="0"/>
           </a:p>
@@ -34260,269 +35797,6 @@
               <a:t>構築手順</a:t>
             </a:r>
             <a:endParaRPr lang="en-US" altLang="ja-JP" dirty="0" smtClean="0"/>
-          </a:p>
-          <a:p>
-            <a:pPr>
-              <a:buFont typeface="+mj-lt"/>
-              <a:buAutoNum type="arabicPeriod"/>
-            </a:pPr>
-            <a:r>
-              <a:rPr lang="en-US" altLang="ja-JP" dirty="0" smtClean="0">
-                <a:solidFill>
-                  <a:srgbClr val="BFBFBF"/>
-                </a:solidFill>
-              </a:rPr>
-              <a:t>AWS</a:t>
-            </a:r>
-            <a:r>
-              <a:rPr lang="ja-JP" altLang="en-US" dirty="0" smtClean="0">
-                <a:solidFill>
-                  <a:srgbClr val="BFBFBF"/>
-                </a:solidFill>
-              </a:rPr>
-              <a:t>リソース</a:t>
-            </a:r>
-            <a:endParaRPr lang="en-US" altLang="ja-JP" dirty="0" smtClean="0">
-              <a:solidFill>
-                <a:srgbClr val="BFBFBF"/>
-              </a:solidFill>
-            </a:endParaRPr>
-          </a:p>
-          <a:p>
-            <a:pPr lvl="1">
-              <a:buFont typeface="+mj-lt"/>
-              <a:buAutoNum type="arabicPeriod"/>
-            </a:pPr>
-            <a:r>
-              <a:rPr lang="en-US" altLang="ja-JP" dirty="0">
-                <a:solidFill>
-                  <a:srgbClr val="BFBFBF"/>
-                </a:solidFill>
-              </a:rPr>
-              <a:t>DynamoDB</a:t>
-            </a:r>
-          </a:p>
-          <a:p>
-            <a:pPr lvl="1">
-              <a:buFont typeface="+mj-lt"/>
-              <a:buAutoNum type="arabicPeriod"/>
-            </a:pPr>
-            <a:r>
-              <a:rPr lang="en-US" altLang="ja-JP" dirty="0">
-                <a:solidFill>
-                  <a:srgbClr val="BFBFBF"/>
-                </a:solidFill>
-              </a:rPr>
-              <a:t>IAM (Role, Policy)</a:t>
-            </a:r>
-          </a:p>
-          <a:p>
-            <a:pPr lvl="1">
-              <a:buFont typeface="+mj-lt"/>
-              <a:buAutoNum type="arabicPeriod"/>
-            </a:pPr>
-            <a:r>
-              <a:rPr lang="en-US" altLang="ja-JP" dirty="0" smtClean="0">
-                <a:solidFill>
-                  <a:srgbClr val="BFBFBF"/>
-                </a:solidFill>
-              </a:rPr>
-              <a:t>Lambda</a:t>
-            </a:r>
-          </a:p>
-          <a:p>
-            <a:pPr lvl="1">
-              <a:buFont typeface="+mj-lt"/>
-              <a:buAutoNum type="arabicPeriod"/>
-            </a:pPr>
-            <a:r>
-              <a:rPr lang="en-US" altLang="ja-JP" dirty="0" smtClean="0">
-                <a:solidFill>
-                  <a:srgbClr val="BFBFBF"/>
-                </a:solidFill>
-              </a:rPr>
-              <a:t>API Gateway</a:t>
-            </a:r>
-          </a:p>
-          <a:p>
-            <a:pPr lvl="1">
-              <a:buFont typeface="+mj-lt"/>
-              <a:buAutoNum type="arabicPeriod"/>
-            </a:pPr>
-            <a:r>
-              <a:rPr lang="en-US" altLang="ja-JP" dirty="0" smtClean="0">
-                <a:solidFill>
-                  <a:srgbClr val="BFBFBF"/>
-                </a:solidFill>
-              </a:rPr>
-              <a:t>S3</a:t>
-            </a:r>
-          </a:p>
-          <a:p>
-            <a:pPr lvl="1">
-              <a:buFont typeface="+mj-lt"/>
-              <a:buAutoNum type="arabicPeriod"/>
-            </a:pPr>
-            <a:r>
-              <a:rPr lang="en-US" altLang="ja-JP" dirty="0" smtClean="0">
-                <a:solidFill>
-                  <a:srgbClr val="BFBFBF"/>
-                </a:solidFill>
-              </a:rPr>
-              <a:t>CloudFront</a:t>
-            </a:r>
-          </a:p>
-          <a:p>
-            <a:pPr lvl="1">
-              <a:buFont typeface="+mj-lt"/>
-              <a:buAutoNum type="arabicPeriod"/>
-            </a:pPr>
-            <a:r>
-              <a:rPr lang="en-US" altLang="ja-JP" dirty="0" smtClean="0">
-                <a:solidFill>
-                  <a:srgbClr val="BFBFBF"/>
-                </a:solidFill>
-              </a:rPr>
-              <a:t>WAF &amp; Shields</a:t>
-            </a:r>
-          </a:p>
-          <a:p>
-            <a:pPr lvl="1">
-              <a:buFont typeface="+mj-lt"/>
-              <a:buAutoNum type="arabicPeriod"/>
-            </a:pPr>
-            <a:r>
-              <a:rPr lang="en-US" altLang="ja-JP" dirty="0" smtClean="0">
-                <a:solidFill>
-                  <a:srgbClr val="BFBFBF"/>
-                </a:solidFill>
-              </a:rPr>
-              <a:t>EC2</a:t>
-            </a:r>
-            <a:endParaRPr lang="en-US" altLang="ja-JP" dirty="0">
-              <a:solidFill>
-                <a:schemeClr val="bg1">
-                  <a:lumMod val="75000"/>
-                </a:schemeClr>
-              </a:solidFill>
-            </a:endParaRPr>
-          </a:p>
-          <a:p>
-            <a:pPr lvl="1">
-              <a:buFont typeface="+mj-lt"/>
-              <a:buAutoNum type="arabicPeriod"/>
-            </a:pPr>
-            <a:r>
-              <a:rPr lang="ja-JP" altLang="ja-JP" dirty="0">
-                <a:solidFill>
-                  <a:schemeClr val="bg1">
-                    <a:lumMod val="75000"/>
-                  </a:schemeClr>
-                </a:solidFill>
-              </a:rPr>
-              <a:t>C</a:t>
-            </a:r>
-            <a:r>
-              <a:rPr lang="en-US" altLang="ja-JP" dirty="0">
-                <a:solidFill>
-                  <a:schemeClr val="bg1">
-                    <a:lumMod val="75000"/>
-                  </a:schemeClr>
-                </a:solidFill>
-              </a:rPr>
-              <a:t>ognite</a:t>
-            </a:r>
-          </a:p>
-          <a:p>
-            <a:pPr lvl="1">
-              <a:buFont typeface="+mj-lt"/>
-              <a:buAutoNum type="arabicPeriod"/>
-            </a:pPr>
-            <a:r>
-              <a:rPr lang="ja-JP" altLang="ja-JP" dirty="0">
-                <a:solidFill>
-                  <a:schemeClr val="bg1">
-                    <a:lumMod val="75000"/>
-                  </a:schemeClr>
-                </a:solidFill>
-              </a:rPr>
-              <a:t>R</a:t>
-            </a:r>
-            <a:r>
-              <a:rPr lang="en-US" altLang="ja-JP" dirty="0">
-                <a:solidFill>
-                  <a:schemeClr val="bg1">
-                    <a:lumMod val="75000"/>
-                  </a:schemeClr>
-                </a:solidFill>
-              </a:rPr>
-              <a:t>oute53</a:t>
-            </a:r>
-            <a:endParaRPr lang="en-US" altLang="ja-JP" dirty="0" smtClean="0">
-              <a:solidFill>
-                <a:srgbClr val="BFBFBF"/>
-              </a:solidFill>
-            </a:endParaRPr>
-          </a:p>
-          <a:p>
-            <a:pPr>
-              <a:buFont typeface="+mj-lt"/>
-              <a:buAutoNum type="arabicPeriod"/>
-            </a:pPr>
-            <a:r>
-              <a:rPr lang="en-US" altLang="ja-JP" dirty="0" smtClean="0">
-                <a:solidFill>
-                  <a:srgbClr val="BFBFBF"/>
-                </a:solidFill>
-              </a:rPr>
-              <a:t>API </a:t>
-            </a:r>
-            <a:r>
-              <a:rPr lang="ja-JP" altLang="en-US" dirty="0" smtClean="0">
-                <a:solidFill>
-                  <a:srgbClr val="BFBFBF"/>
-                </a:solidFill>
-              </a:rPr>
-              <a:t>デプロイ</a:t>
-            </a:r>
-            <a:endParaRPr lang="en-US" altLang="ja-JP" dirty="0">
-              <a:solidFill>
-                <a:srgbClr val="404040"/>
-              </a:solidFill>
-            </a:endParaRPr>
-          </a:p>
-          <a:p>
-            <a:pPr>
-              <a:buFont typeface="+mj-lt"/>
-              <a:buAutoNum type="arabicPeriod"/>
-            </a:pPr>
-            <a:r>
-              <a:rPr lang="en-US" altLang="ja-JP" dirty="0">
-                <a:solidFill>
-                  <a:schemeClr val="bg1">
-                    <a:lumMod val="75000"/>
-                  </a:schemeClr>
-                </a:solidFill>
-              </a:rPr>
-              <a:t>CMS </a:t>
-            </a:r>
-            <a:r>
-              <a:rPr lang="ja-JP" altLang="en-US" dirty="0">
-                <a:solidFill>
-                  <a:schemeClr val="bg1">
-                    <a:lumMod val="75000"/>
-                  </a:schemeClr>
-                </a:solidFill>
-              </a:rPr>
-              <a:t>デプロイ</a:t>
-            </a:r>
-            <a:endParaRPr lang="en-US" altLang="ja-JP" dirty="0">
-              <a:solidFill>
-                <a:schemeClr val="bg1">
-                  <a:lumMod val="75000"/>
-                </a:schemeClr>
-              </a:solidFill>
-            </a:endParaRPr>
           </a:p>
           <a:p>
             <a:pPr>
@@ -34602,89 +35876,6 @@
 </p:sld>
 </file>
 
-<file path=ppt/slides/slide35.xml><?xml version="1.0" encoding="utf-8"?>
-<p:sld xmlns:a="http://schemas.openxmlformats.org/drawingml/2006/main" xmlns:r="http://schemas.openxmlformats.org/officeDocument/2006/relationships" xmlns:p="http://schemas.openxmlformats.org/presentationml/2006/main">
-  <p:cSld>
-    <p:spTree>
-      <p:nvGrpSpPr>
-        <p:cNvPr id="1" name=""/>
-        <p:cNvGrpSpPr/>
-        <p:nvPr/>
-      </p:nvGrpSpPr>
-      <p:grpSpPr>
-        <a:xfrm>
-          <a:off x="0" y="0"/>
-          <a:ext cx="0" cy="0"/>
-          <a:chOff x="0" y="0"/>
-          <a:chExt cx="0" cy="0"/>
-        </a:xfrm>
-      </p:grpSpPr>
-      <p:sp>
-        <p:nvSpPr>
-          <p:cNvPr id="2" name="タイトル 1"/>
-          <p:cNvSpPr>
-            <a:spLocks noGrp="1"/>
-          </p:cNvSpPr>
-          <p:nvPr>
-            <p:ph type="title"/>
-          </p:nvPr>
-        </p:nvSpPr>
-        <p:spPr/>
-        <p:txBody>
-          <a:bodyPr/>
-          <a:lstStyle/>
-          <a:p>
-            <a:r>
-              <a:rPr kumimoji="1" lang="en-US" altLang="ja-JP" dirty="0" smtClean="0"/>
-              <a:t>IV.</a:t>
-            </a:r>
-            <a:r>
-              <a:rPr kumimoji="1" lang="ja-JP" altLang="en-US" dirty="0" smtClean="0"/>
-              <a:t> パラメータ一覧</a:t>
-            </a:r>
-            <a:endParaRPr kumimoji="1" lang="ja-JP" altLang="en-US" dirty="0"/>
-          </a:p>
-        </p:txBody>
-      </p:sp>
-      <p:sp>
-        <p:nvSpPr>
-          <p:cNvPr id="3" name="テキスト プレースホルダー 2"/>
-          <p:cNvSpPr>
-            <a:spLocks noGrp="1"/>
-          </p:cNvSpPr>
-          <p:nvPr>
-            <p:ph type="body" idx="1"/>
-          </p:nvPr>
-        </p:nvSpPr>
-        <p:spPr/>
-        <p:txBody>
-          <a:bodyPr/>
-          <a:lstStyle/>
-          <a:p>
-            <a:endParaRPr kumimoji="1" lang="ja-JP" altLang="en-US"/>
-          </a:p>
-        </p:txBody>
-      </p:sp>
-    </p:spTree>
-    <p:extLst>
-      <p:ext uri="{BB962C8B-B14F-4D97-AF65-F5344CB8AC3E}">
-        <p14:creationId xmlns:p14="http://schemas.microsoft.com/office/powerpoint/2010/main" val="933022980"/>
-      </p:ext>
-    </p:extLst>
-  </p:cSld>
-  <p:clrMapOvr>
-    <a:masterClrMapping/>
-  </p:clrMapOvr>
-  <p:timing>
-    <p:tnLst>
-      <p:par>
-        <p:cTn xmlns:p14="http://schemas.microsoft.com/office/powerpoint/2010/main" id="1" dur="indefinite" restart="never" nodeType="tmRoot"/>
-      </p:par>
-    </p:tnLst>
-  </p:timing>
-</p:sld>
-</file>
-
 <file path=ppt/slides/slide36.xml><?xml version="1.0" encoding="utf-8"?>
 <p:sld xmlns:a="http://schemas.openxmlformats.org/drawingml/2006/main" xmlns:r="http://schemas.openxmlformats.org/officeDocument/2006/relationships" xmlns:p="http://schemas.openxmlformats.org/presentationml/2006/main">
   <p:cSld>
@@ -34718,6 +35909,89 @@
           <a:lstStyle/>
           <a:p>
             <a:r>
+              <a:rPr kumimoji="1" lang="en-US" altLang="ja-JP" dirty="0" smtClean="0"/>
+              <a:t>IV.</a:t>
+            </a:r>
+            <a:r>
+              <a:rPr kumimoji="1" lang="ja-JP" altLang="en-US" dirty="0" smtClean="0"/>
+              <a:t> パラメータ一覧</a:t>
+            </a:r>
+            <a:endParaRPr kumimoji="1" lang="ja-JP" altLang="en-US" dirty="0"/>
+          </a:p>
+        </p:txBody>
+      </p:sp>
+      <p:sp>
+        <p:nvSpPr>
+          <p:cNvPr id="3" name="テキスト プレースホルダー 2"/>
+          <p:cNvSpPr>
+            <a:spLocks noGrp="1"/>
+          </p:cNvSpPr>
+          <p:nvPr>
+            <p:ph type="body" idx="1"/>
+          </p:nvPr>
+        </p:nvSpPr>
+        <p:spPr/>
+        <p:txBody>
+          <a:bodyPr/>
+          <a:lstStyle/>
+          <a:p>
+            <a:endParaRPr kumimoji="1" lang="ja-JP" altLang="en-US"/>
+          </a:p>
+        </p:txBody>
+      </p:sp>
+    </p:spTree>
+    <p:extLst>
+      <p:ext uri="{BB962C8B-B14F-4D97-AF65-F5344CB8AC3E}">
+        <p14:creationId xmlns:p14="http://schemas.microsoft.com/office/powerpoint/2010/main" val="933022980"/>
+      </p:ext>
+    </p:extLst>
+  </p:cSld>
+  <p:clrMapOvr>
+    <a:masterClrMapping/>
+  </p:clrMapOvr>
+  <p:timing>
+    <p:tnLst>
+      <p:par>
+        <p:cTn xmlns:p14="http://schemas.microsoft.com/office/powerpoint/2010/main" id="1" dur="indefinite" restart="never" nodeType="tmRoot"/>
+      </p:par>
+    </p:tnLst>
+  </p:timing>
+</p:sld>
+</file>
+
+<file path=ppt/slides/slide37.xml><?xml version="1.0" encoding="utf-8"?>
+<p:sld xmlns:a="http://schemas.openxmlformats.org/drawingml/2006/main" xmlns:r="http://schemas.openxmlformats.org/officeDocument/2006/relationships" xmlns:p="http://schemas.openxmlformats.org/presentationml/2006/main">
+  <p:cSld>
+    <p:spTree>
+      <p:nvGrpSpPr>
+        <p:cNvPr id="1" name=""/>
+        <p:cNvGrpSpPr/>
+        <p:nvPr/>
+      </p:nvGrpSpPr>
+      <p:grpSpPr>
+        <a:xfrm>
+          <a:off x="0" y="0"/>
+          <a:ext cx="0" cy="0"/>
+          <a:chOff x="0" y="0"/>
+          <a:chExt cx="0" cy="0"/>
+        </a:xfrm>
+      </p:grpSpPr>
+      <p:sp>
+        <p:nvSpPr>
+          <p:cNvPr id="2" name="タイトル 1"/>
+          <p:cNvSpPr>
+            <a:spLocks noGrp="1"/>
+          </p:cNvSpPr>
+          <p:nvPr>
+            <p:ph type="title"/>
+          </p:nvPr>
+        </p:nvSpPr>
+        <p:spPr/>
+        <p:txBody>
+          <a:bodyPr/>
+          <a:lstStyle/>
+          <a:p>
+            <a:r>
               <a:rPr kumimoji="1" lang="ja-JP" altLang="en-US" dirty="0" smtClean="0"/>
               <a:t>パラメータ一覧</a:t>
             </a:r>
@@ -34747,7 +36021,7 @@
             <a:fld id="{FC7FC04C-4975-46EC-A609-F7DE0D5B1B51}" type="slidenum">
               <a:rPr kumimoji="1" lang="ja-JP" altLang="en-US" smtClean="0"/>
               <a:pPr/>
-              <a:t>36</a:t>
+              <a:t>37</a:t>
             </a:fld>
             <a:endParaRPr kumimoji="1" lang="ja-JP" altLang="en-US" dirty="0"/>
           </a:p>
@@ -35183,7 +36457,7 @@
 </p:sld>
 </file>
 
-<file path=ppt/slides/slide37.xml><?xml version="1.0" encoding="utf-8"?>
+<file path=ppt/slides/slide38.xml><?xml version="1.0" encoding="utf-8"?>
 <p:sld xmlns:a="http://schemas.openxmlformats.org/drawingml/2006/main" xmlns:r="http://schemas.openxmlformats.org/officeDocument/2006/relationships" xmlns:p="http://schemas.openxmlformats.org/presentationml/2006/main">
   <p:cSld>
     <p:spTree>
@@ -35245,7 +36519,7 @@
             <a:fld id="{FC7FC04C-4975-46EC-A609-F7DE0D5B1B51}" type="slidenum">
               <a:rPr kumimoji="1" lang="ja-JP" altLang="en-US" smtClean="0"/>
               <a:pPr/>
-              <a:t>37</a:t>
+              <a:t>38</a:t>
             </a:fld>
             <a:endParaRPr kumimoji="1" lang="ja-JP" altLang="en-US" dirty="0"/>
           </a:p>
@@ -35681,7 +36955,7 @@
 </p:sld>
 </file>
 
-<file path=ppt/slides/slide38.xml><?xml version="1.0" encoding="utf-8"?>
+<file path=ppt/slides/slide39.xml><?xml version="1.0" encoding="utf-8"?>
 <p:sld xmlns:a="http://schemas.openxmlformats.org/drawingml/2006/main" xmlns:r="http://schemas.openxmlformats.org/officeDocument/2006/relationships" xmlns:p="http://schemas.openxmlformats.org/presentationml/2006/main">
   <p:cSld>
     <p:spTree>
@@ -35743,7 +37017,7 @@
             <a:fld id="{FC7FC04C-4975-46EC-A609-F7DE0D5B1B51}" type="slidenum">
               <a:rPr kumimoji="1" lang="ja-JP" altLang="en-US" smtClean="0"/>
               <a:pPr/>
-              <a:t>38</a:t>
+              <a:t>39</a:t>
             </a:fld>
             <a:endParaRPr kumimoji="1" lang="ja-JP" altLang="en-US" dirty="0"/>
           </a:p>
@@ -36179,7 +37453,7 @@
 </p:sld>
 </file>
 
-<file path=ppt/slides/slide39.xml><?xml version="1.0" encoding="utf-8"?>
+<file path=ppt/slides/slide4.xml><?xml version="1.0" encoding="utf-8"?>
 <p:sld xmlns:a="http://schemas.openxmlformats.org/drawingml/2006/main" xmlns:r="http://schemas.openxmlformats.org/officeDocument/2006/relationships" xmlns:p="http://schemas.openxmlformats.org/presentationml/2006/main">
   <p:cSld>
     <p:spTree>
@@ -36212,6 +37486,89 @@
           <a:lstStyle/>
           <a:p>
             <a:r>
+              <a:rPr kumimoji="1" lang="en-US" altLang="ja-JP" dirty="0" smtClean="0"/>
+              <a:t>I.</a:t>
+            </a:r>
+            <a:r>
+              <a:rPr kumimoji="1" lang="ja-JP" altLang="en-US" dirty="0" smtClean="0"/>
+              <a:t> インフラ構成図</a:t>
+            </a:r>
+            <a:endParaRPr kumimoji="1" lang="ja-JP" altLang="en-US" dirty="0"/>
+          </a:p>
+        </p:txBody>
+      </p:sp>
+      <p:sp>
+        <p:nvSpPr>
+          <p:cNvPr id="3" name="テキスト プレースホルダー 2"/>
+          <p:cNvSpPr>
+            <a:spLocks noGrp="1"/>
+          </p:cNvSpPr>
+          <p:nvPr>
+            <p:ph type="body" idx="1"/>
+          </p:nvPr>
+        </p:nvSpPr>
+        <p:spPr/>
+        <p:txBody>
+          <a:bodyPr/>
+          <a:lstStyle/>
+          <a:p>
+            <a:endParaRPr kumimoji="1" lang="ja-JP" altLang="en-US"/>
+          </a:p>
+        </p:txBody>
+      </p:sp>
+    </p:spTree>
+    <p:extLst>
+      <p:ext uri="{BB962C8B-B14F-4D97-AF65-F5344CB8AC3E}">
+        <p14:creationId xmlns:p14="http://schemas.microsoft.com/office/powerpoint/2010/main" val="2707565104"/>
+      </p:ext>
+    </p:extLst>
+  </p:cSld>
+  <p:clrMapOvr>
+    <a:masterClrMapping/>
+  </p:clrMapOvr>
+  <p:timing>
+    <p:tnLst>
+      <p:par>
+        <p:cTn xmlns:p14="http://schemas.microsoft.com/office/powerpoint/2010/main" id="1" dur="indefinite" restart="never" nodeType="tmRoot"/>
+      </p:par>
+    </p:tnLst>
+  </p:timing>
+</p:sld>
+</file>
+
+<file path=ppt/slides/slide40.xml><?xml version="1.0" encoding="utf-8"?>
+<p:sld xmlns:a="http://schemas.openxmlformats.org/drawingml/2006/main" xmlns:r="http://schemas.openxmlformats.org/officeDocument/2006/relationships" xmlns:p="http://schemas.openxmlformats.org/presentationml/2006/main">
+  <p:cSld>
+    <p:spTree>
+      <p:nvGrpSpPr>
+        <p:cNvPr id="1" name=""/>
+        <p:cNvGrpSpPr/>
+        <p:nvPr/>
+      </p:nvGrpSpPr>
+      <p:grpSpPr>
+        <a:xfrm>
+          <a:off x="0" y="0"/>
+          <a:ext cx="0" cy="0"/>
+          <a:chOff x="0" y="0"/>
+          <a:chExt cx="0" cy="0"/>
+        </a:xfrm>
+      </p:grpSpPr>
+      <p:sp>
+        <p:nvSpPr>
+          <p:cNvPr id="2" name="タイトル 1"/>
+          <p:cNvSpPr>
+            <a:spLocks noGrp="1"/>
+          </p:cNvSpPr>
+          <p:nvPr>
+            <p:ph type="title"/>
+          </p:nvPr>
+        </p:nvSpPr>
+        <p:spPr/>
+        <p:txBody>
+          <a:bodyPr/>
+          <a:lstStyle/>
+          <a:p>
+            <a:r>
               <a:rPr kumimoji="1" lang="ja-JP" altLang="en-US" dirty="0" smtClean="0"/>
               <a:t>パラメータ一覧</a:t>
             </a:r>
@@ -36241,7 +37598,7 @@
             <a:fld id="{FC7FC04C-4975-46EC-A609-F7DE0D5B1B51}" type="slidenum">
               <a:rPr kumimoji="1" lang="ja-JP" altLang="en-US" smtClean="0"/>
               <a:pPr/>
-              <a:t>39</a:t>
+              <a:t>40</a:t>
             </a:fld>
             <a:endParaRPr kumimoji="1" lang="ja-JP" altLang="en-US" dirty="0"/>
           </a:p>
@@ -36677,90 +38034,7 @@
 </p:sld>
 </file>
 
-<file path=ppt/slides/slide4.xml><?xml version="1.0" encoding="utf-8"?>
-<p:sld xmlns:a="http://schemas.openxmlformats.org/drawingml/2006/main" xmlns:r="http://schemas.openxmlformats.org/officeDocument/2006/relationships" xmlns:p="http://schemas.openxmlformats.org/presentationml/2006/main">
-  <p:cSld>
-    <p:spTree>
-      <p:nvGrpSpPr>
-        <p:cNvPr id="1" name=""/>
-        <p:cNvGrpSpPr/>
-        <p:nvPr/>
-      </p:nvGrpSpPr>
-      <p:grpSpPr>
-        <a:xfrm>
-          <a:off x="0" y="0"/>
-          <a:ext cx="0" cy="0"/>
-          <a:chOff x="0" y="0"/>
-          <a:chExt cx="0" cy="0"/>
-        </a:xfrm>
-      </p:grpSpPr>
-      <p:sp>
-        <p:nvSpPr>
-          <p:cNvPr id="2" name="タイトル 1"/>
-          <p:cNvSpPr>
-            <a:spLocks noGrp="1"/>
-          </p:cNvSpPr>
-          <p:nvPr>
-            <p:ph type="title"/>
-          </p:nvPr>
-        </p:nvSpPr>
-        <p:spPr/>
-        <p:txBody>
-          <a:bodyPr/>
-          <a:lstStyle/>
-          <a:p>
-            <a:r>
-              <a:rPr kumimoji="1" lang="en-US" altLang="ja-JP" dirty="0" smtClean="0"/>
-              <a:t>I.</a:t>
-            </a:r>
-            <a:r>
-              <a:rPr kumimoji="1" lang="ja-JP" altLang="en-US" dirty="0" smtClean="0"/>
-              <a:t> インフラ構成図</a:t>
-            </a:r>
-            <a:endParaRPr kumimoji="1" lang="ja-JP" altLang="en-US" dirty="0"/>
-          </a:p>
-        </p:txBody>
-      </p:sp>
-      <p:sp>
-        <p:nvSpPr>
-          <p:cNvPr id="3" name="テキスト プレースホルダー 2"/>
-          <p:cNvSpPr>
-            <a:spLocks noGrp="1"/>
-          </p:cNvSpPr>
-          <p:nvPr>
-            <p:ph type="body" idx="1"/>
-          </p:nvPr>
-        </p:nvSpPr>
-        <p:spPr/>
-        <p:txBody>
-          <a:bodyPr/>
-          <a:lstStyle/>
-          <a:p>
-            <a:endParaRPr kumimoji="1" lang="ja-JP" altLang="en-US"/>
-          </a:p>
-        </p:txBody>
-      </p:sp>
-    </p:spTree>
-    <p:extLst>
-      <p:ext uri="{BB962C8B-B14F-4D97-AF65-F5344CB8AC3E}">
-        <p14:creationId xmlns:p14="http://schemas.microsoft.com/office/powerpoint/2010/main" val="2707565104"/>
-      </p:ext>
-    </p:extLst>
-  </p:cSld>
-  <p:clrMapOvr>
-    <a:masterClrMapping/>
-  </p:clrMapOvr>
-  <p:timing>
-    <p:tnLst>
-      <p:par>
-        <p:cTn xmlns:p14="http://schemas.microsoft.com/office/powerpoint/2010/main" id="1" dur="indefinite" restart="never" nodeType="tmRoot"/>
-      </p:par>
-    </p:tnLst>
-  </p:timing>
-</p:sld>
-</file>
-
-<file path=ppt/slides/slide40.xml><?xml version="1.0" encoding="utf-8"?>
+<file path=ppt/slides/slide41.xml><?xml version="1.0" encoding="utf-8"?>
 <p:sld xmlns:a="http://schemas.openxmlformats.org/drawingml/2006/main" xmlns:r="http://schemas.openxmlformats.org/officeDocument/2006/relationships" xmlns:p="http://schemas.openxmlformats.org/presentationml/2006/main">
   <p:cSld>
     <p:spTree>
@@ -37553,7 +38827,7 @@
             <a:fld id="{FC7FC04C-4975-46EC-A609-F7DE0D5B1B51}" type="slidenum">
               <a:rPr kumimoji="1" lang="ja-JP" altLang="en-US" smtClean="0"/>
               <a:pPr/>
-              <a:t>40</a:t>
+              <a:t>41</a:t>
             </a:fld>
             <a:endParaRPr kumimoji="1" lang="ja-JP" altLang="en-US" dirty="0"/>
           </a:p>
@@ -37968,7 +39242,7 @@
 </p:sld>
 </file>
 
-<file path=ppt/slides/slide41.xml><?xml version="1.0" encoding="utf-8"?>
+<file path=ppt/slides/slide42.xml><?xml version="1.0" encoding="utf-8"?>
 <p:sld xmlns:a="http://schemas.openxmlformats.org/drawingml/2006/main" xmlns:r="http://schemas.openxmlformats.org/officeDocument/2006/relationships" xmlns:p="http://schemas.openxmlformats.org/presentationml/2006/main">
   <p:cSld>
     <p:spTree>
@@ -38389,7 +39663,7 @@
             <a:fld id="{FC7FC04C-4975-46EC-A609-F7DE0D5B1B51}" type="slidenum">
               <a:rPr kumimoji="1" lang="ja-JP" altLang="en-US" smtClean="0"/>
               <a:pPr/>
-              <a:t>41</a:t>
+              <a:t>42</a:t>
             </a:fld>
             <a:endParaRPr kumimoji="1" lang="ja-JP" altLang="en-US" dirty="0"/>
           </a:p>
@@ -38795,7 +40069,7 @@
 </p:sld>
 </file>
 
-<file path=ppt/slides/slide42.xml><?xml version="1.0" encoding="utf-8"?>
+<file path=ppt/slides/slide43.xml><?xml version="1.0" encoding="utf-8"?>
 <p:sld xmlns:a="http://schemas.openxmlformats.org/drawingml/2006/main" xmlns:r="http://schemas.openxmlformats.org/officeDocument/2006/relationships" xmlns:p="http://schemas.openxmlformats.org/presentationml/2006/main">
   <p:cSld>
     <p:spTree>
@@ -39557,7 +40831,7 @@
             <a:fld id="{FC7FC04C-4975-46EC-A609-F7DE0D5B1B51}" type="slidenum">
               <a:rPr kumimoji="1" lang="ja-JP" altLang="en-US" smtClean="0"/>
               <a:pPr/>
-              <a:t>42</a:t>
+              <a:t>43</a:t>
             </a:fld>
             <a:endParaRPr kumimoji="1" lang="ja-JP" altLang="en-US" dirty="0"/>
           </a:p>
@@ -39959,7 +41233,7 @@
 </p:sld>
 </file>
 
-<file path=ppt/slides/slide43.xml><?xml version="1.0" encoding="utf-8"?>
+<file path=ppt/slides/slide44.xml><?xml version="1.0" encoding="utf-8"?>
 <p:sld xmlns:a="http://schemas.openxmlformats.org/drawingml/2006/main" xmlns:r="http://schemas.openxmlformats.org/officeDocument/2006/relationships" xmlns:p="http://schemas.openxmlformats.org/presentationml/2006/main">
   <p:cSld>
     <p:spTree>
@@ -40409,7 +41683,7 @@
             <a:fld id="{FC7FC04C-4975-46EC-A609-F7DE0D5B1B51}" type="slidenum">
               <a:rPr kumimoji="1" lang="ja-JP" altLang="en-US" smtClean="0"/>
               <a:pPr/>
-              <a:t>43</a:t>
+              <a:t>44</a:t>
             </a:fld>
             <a:endParaRPr kumimoji="1" lang="ja-JP" altLang="en-US" dirty="0"/>
           </a:p>
@@ -41323,7 +42597,7 @@
                     <a:p>
                       <a:pPr algn="l" fontAlgn="ctr"/>
                       <a:r>
-                        <a:rPr lang="en-US" altLang="ja-JP" sz="1100" u="none" strike="noStrike" smtClean="0">
+                        <a:rPr lang="en-US" altLang="ja-JP" sz="1100" u="none" strike="noStrike" dirty="0" smtClean="0">
                           <a:effectLst/>
                         </a:rPr>
                         <a:t>application/json</a:t>
@@ -41579,7 +42853,7 @@
 </p:sld>
 </file>
 
-<file path=ppt/slides/slide44.xml><?xml version="1.0" encoding="utf-8"?>
+<file path=ppt/slides/slide45.xml><?xml version="1.0" encoding="utf-8"?>
 <p:sld xmlns:a="http://schemas.openxmlformats.org/drawingml/2006/main" xmlns:r="http://schemas.openxmlformats.org/officeDocument/2006/relationships" xmlns:p="http://schemas.openxmlformats.org/presentationml/2006/main">
   <p:cSld>
     <p:spTree>
@@ -41641,7 +42915,7 @@
             <a:fld id="{FC7FC04C-4975-46EC-A609-F7DE0D5B1B51}" type="slidenum">
               <a:rPr kumimoji="1" lang="ja-JP" altLang="en-US" smtClean="0"/>
               <a:pPr/>
-              <a:t>44</a:t>
+              <a:t>45</a:t>
             </a:fld>
             <a:endParaRPr kumimoji="1" lang="ja-JP" altLang="en-US" dirty="0"/>
           </a:p>

--- a/04.環境構築/インフラ/msar_環境構築手順書.pptx
+++ b/04.環境構築/インフラ/msar_環境構築手順書.pptx
@@ -5,54 +5,55 @@
     <p:sldMasterId id="2147483660" r:id="rId1"/>
   </p:sldMasterIdLst>
   <p:notesMasterIdLst>
-    <p:notesMasterId r:id="rId47"/>
+    <p:notesMasterId r:id="rId48"/>
   </p:notesMasterIdLst>
   <p:sldIdLst>
     <p:sldId id="293" r:id="rId2"/>
     <p:sldId id="294" r:id="rId3"/>
     <p:sldId id="295" r:id="rId4"/>
     <p:sldId id="324" r:id="rId5"/>
-    <p:sldId id="306" r:id="rId6"/>
-    <p:sldId id="332" r:id="rId7"/>
-    <p:sldId id="296" r:id="rId8"/>
-    <p:sldId id="335" r:id="rId9"/>
-    <p:sldId id="307" r:id="rId10"/>
-    <p:sldId id="323" r:id="rId11"/>
-    <p:sldId id="312" r:id="rId12"/>
-    <p:sldId id="325" r:id="rId13"/>
-    <p:sldId id="326" r:id="rId14"/>
-    <p:sldId id="327" r:id="rId15"/>
-    <p:sldId id="328" r:id="rId16"/>
-    <p:sldId id="298" r:id="rId17"/>
-    <p:sldId id="299" r:id="rId18"/>
-    <p:sldId id="300" r:id="rId19"/>
-    <p:sldId id="313" r:id="rId20"/>
-    <p:sldId id="314" r:id="rId21"/>
-    <p:sldId id="329" r:id="rId22"/>
-    <p:sldId id="315" r:id="rId23"/>
-    <p:sldId id="330" r:id="rId24"/>
-    <p:sldId id="331" r:id="rId25"/>
-    <p:sldId id="316" r:id="rId26"/>
-    <p:sldId id="333" r:id="rId27"/>
-    <p:sldId id="338" r:id="rId28"/>
-    <p:sldId id="341" r:id="rId29"/>
-    <p:sldId id="339" r:id="rId30"/>
-    <p:sldId id="340" r:id="rId31"/>
-    <p:sldId id="301" r:id="rId32"/>
-    <p:sldId id="302" r:id="rId33"/>
-    <p:sldId id="336" r:id="rId34"/>
-    <p:sldId id="303" r:id="rId35"/>
-    <p:sldId id="304" r:id="rId36"/>
-    <p:sldId id="322" r:id="rId37"/>
-    <p:sldId id="317" r:id="rId38"/>
-    <p:sldId id="318" r:id="rId39"/>
-    <p:sldId id="319" r:id="rId40"/>
-    <p:sldId id="320" r:id="rId41"/>
-    <p:sldId id="305" r:id="rId42"/>
-    <p:sldId id="309" r:id="rId43"/>
-    <p:sldId id="310" r:id="rId44"/>
-    <p:sldId id="311" r:id="rId45"/>
-    <p:sldId id="321" r:id="rId46"/>
+    <p:sldId id="342" r:id="rId6"/>
+    <p:sldId id="343" r:id="rId7"/>
+    <p:sldId id="332" r:id="rId8"/>
+    <p:sldId id="296" r:id="rId9"/>
+    <p:sldId id="335" r:id="rId10"/>
+    <p:sldId id="307" r:id="rId11"/>
+    <p:sldId id="323" r:id="rId12"/>
+    <p:sldId id="312" r:id="rId13"/>
+    <p:sldId id="325" r:id="rId14"/>
+    <p:sldId id="326" r:id="rId15"/>
+    <p:sldId id="327" r:id="rId16"/>
+    <p:sldId id="328" r:id="rId17"/>
+    <p:sldId id="298" r:id="rId18"/>
+    <p:sldId id="299" r:id="rId19"/>
+    <p:sldId id="300" r:id="rId20"/>
+    <p:sldId id="313" r:id="rId21"/>
+    <p:sldId id="314" r:id="rId22"/>
+    <p:sldId id="329" r:id="rId23"/>
+    <p:sldId id="315" r:id="rId24"/>
+    <p:sldId id="330" r:id="rId25"/>
+    <p:sldId id="331" r:id="rId26"/>
+    <p:sldId id="316" r:id="rId27"/>
+    <p:sldId id="333" r:id="rId28"/>
+    <p:sldId id="338" r:id="rId29"/>
+    <p:sldId id="341" r:id="rId30"/>
+    <p:sldId id="339" r:id="rId31"/>
+    <p:sldId id="340" r:id="rId32"/>
+    <p:sldId id="301" r:id="rId33"/>
+    <p:sldId id="302" r:id="rId34"/>
+    <p:sldId id="336" r:id="rId35"/>
+    <p:sldId id="303" r:id="rId36"/>
+    <p:sldId id="304" r:id="rId37"/>
+    <p:sldId id="322" r:id="rId38"/>
+    <p:sldId id="317" r:id="rId39"/>
+    <p:sldId id="318" r:id="rId40"/>
+    <p:sldId id="319" r:id="rId41"/>
+    <p:sldId id="320" r:id="rId42"/>
+    <p:sldId id="305" r:id="rId43"/>
+    <p:sldId id="309" r:id="rId44"/>
+    <p:sldId id="310" r:id="rId45"/>
+    <p:sldId id="311" r:id="rId46"/>
+    <p:sldId id="321" r:id="rId47"/>
   </p:sldIdLst>
   <p:sldSz cx="12192000" cy="6858000"/>
   <p:notesSz cx="6858000" cy="9144000"/>
@@ -164,7 +165,8 @@
         <p14:section name="インフラ構成図" id="{034A4D36-83B6-994A-B6E3-B05A2F41534F}">
           <p14:sldIdLst>
             <p14:sldId id="324"/>
-            <p14:sldId id="306"/>
+            <p14:sldId id="342"/>
+            <p14:sldId id="343"/>
           </p14:sldIdLst>
         </p14:section>
         <p14:section name="アカウント準備" id="{B7B09237-39F3-514C-9C82-F12D56854DF7}">
@@ -325,7 +327,7 @@
           <a:p>
             <a:fld id="{48202444-3DC1-4369-B2A8-A46D63EF03AF}" type="datetimeFigureOut">
               <a:rPr kumimoji="1" lang="ja-JP" altLang="en-US" smtClean="0"/>
-              <a:t>20/07/23</a:t>
+              <a:t>20/07/26</a:t>
             </a:fld>
             <a:endParaRPr kumimoji="1" lang="ja-JP" altLang="en-US" dirty="0"/>
           </a:p>
@@ -2361,6 +2363,706 @@
       </p:grpSpPr>
       <p:sp>
         <p:nvSpPr>
+          <p:cNvPr id="2" name="タイトル 1">
+            <a:extLst>
+              <a:ext uri="{FF2B5EF4-FFF2-40B4-BE49-F238E27FC236}">
+                <a16:creationId xmlns="" xmlns:a16="http://schemas.microsoft.com/office/drawing/2014/main" id="{42238E76-FCE3-4A31-BD81-2D6CADD01B29}"/>
+              </a:ext>
+            </a:extLst>
+          </p:cNvPr>
+          <p:cNvSpPr>
+            <a:spLocks noGrp="1"/>
+          </p:cNvSpPr>
+          <p:nvPr>
+            <p:ph type="title"/>
+          </p:nvPr>
+        </p:nvSpPr>
+        <p:spPr/>
+        <p:txBody>
+          <a:bodyPr/>
+          <a:lstStyle/>
+          <a:p>
+            <a:r>
+              <a:rPr lang="en-US" altLang="ja-JP" dirty="0" smtClean="0"/>
+              <a:t>AWS</a:t>
+            </a:r>
+            <a:r>
+              <a:rPr lang="ja-JP" altLang="en-US" dirty="0" smtClean="0"/>
+              <a:t> </a:t>
+            </a:r>
+            <a:r>
+              <a:rPr lang="en-US" altLang="ja-JP" dirty="0" smtClean="0"/>
+              <a:t>IAM</a:t>
+            </a:r>
+            <a:r>
+              <a:rPr lang="ja-JP" altLang="en-US" dirty="0" smtClean="0"/>
+              <a:t>ユーザー作成</a:t>
+            </a:r>
+            <a:endParaRPr kumimoji="1" lang="ja-JP" altLang="en-US" dirty="0"/>
+          </a:p>
+        </p:txBody>
+      </p:sp>
+      <p:sp>
+        <p:nvSpPr>
+          <p:cNvPr id="3" name="コンテンツ プレースホルダー 2">
+            <a:extLst>
+              <a:ext uri="{FF2B5EF4-FFF2-40B4-BE49-F238E27FC236}">
+                <a16:creationId xmlns="" xmlns:a16="http://schemas.microsoft.com/office/drawing/2014/main" id="{8942456B-0BBA-47AC-A7AE-AC486DDE0560}"/>
+              </a:ext>
+            </a:extLst>
+          </p:cNvPr>
+          <p:cNvSpPr>
+            <a:spLocks noGrp="1"/>
+          </p:cNvSpPr>
+          <p:nvPr>
+            <p:ph idx="1"/>
+          </p:nvPr>
+        </p:nvSpPr>
+        <p:spPr>
+          <a:xfrm>
+            <a:off x="3105803" y="1494253"/>
+            <a:ext cx="8922376" cy="4915628"/>
+          </a:xfrm>
+        </p:spPr>
+        <p:txBody>
+          <a:bodyPr/>
+          <a:lstStyle/>
+          <a:p>
+            <a:pPr>
+              <a:buFont typeface="Wingdings" charset="2"/>
+              <a:buChar char="Ø"/>
+            </a:pPr>
+            <a:r>
+              <a:rPr lang="en-US" altLang="ja-JP" dirty="0" smtClean="0"/>
+              <a:t>IAM</a:t>
+            </a:r>
+            <a:r>
+              <a:rPr lang="ja-JP" altLang="en-US" dirty="0" smtClean="0"/>
+              <a:t>ユーザーを作る</a:t>
+            </a:r>
+            <a:endParaRPr lang="en-US" altLang="ja-JP" dirty="0" smtClean="0"/>
+          </a:p>
+          <a:p>
+            <a:pPr marL="0" indent="0">
+              <a:buNone/>
+            </a:pPr>
+            <a:r>
+              <a:rPr lang="en-US" altLang="ja-JP" sz="1600" dirty="0"/>
+              <a:t>	</a:t>
+            </a:r>
+            <a:r>
+              <a:rPr lang="en-US" altLang="ja-JP" sz="1600" dirty="0" smtClean="0"/>
+              <a:t>AWS</a:t>
+            </a:r>
+            <a:r>
+              <a:rPr lang="ja-JP" altLang="en-US" sz="1600" dirty="0" smtClean="0"/>
+              <a:t>の管理コンソールにログインできるユーザーを作成する。</a:t>
+            </a:r>
+            <a:endParaRPr lang="en-US" altLang="ja-JP" sz="1600" dirty="0" smtClean="0"/>
+          </a:p>
+          <a:p>
+            <a:pPr lvl="1">
+              <a:buFont typeface="+mj-lt"/>
+              <a:buAutoNum type="arabicPeriod"/>
+            </a:pPr>
+            <a:r>
+              <a:rPr lang="en-US" altLang="ja-JP" dirty="0" smtClean="0"/>
+              <a:t>IAM</a:t>
+            </a:r>
+            <a:r>
+              <a:rPr lang="ja-JP" altLang="en-US" dirty="0" smtClean="0"/>
+              <a:t>ページの「</a:t>
+            </a:r>
+            <a:r>
+              <a:rPr lang="en-US" altLang="ja-JP" dirty="0" smtClean="0"/>
+              <a:t>Users</a:t>
+            </a:r>
+            <a:r>
+              <a:rPr lang="ja-JP" altLang="en-US" dirty="0" smtClean="0"/>
+              <a:t>」メニューを開く。</a:t>
+            </a:r>
+            <a:endParaRPr lang="en-US" altLang="ja-JP" dirty="0" smtClean="0"/>
+          </a:p>
+          <a:p>
+            <a:pPr lvl="1">
+              <a:buFont typeface="+mj-lt"/>
+              <a:buAutoNum type="arabicPeriod"/>
+            </a:pPr>
+            <a:r>
+              <a:rPr lang="ja-JP" altLang="en-US" dirty="0" smtClean="0"/>
+              <a:t>新規ユーザーを作成する。</a:t>
+            </a:r>
+            <a:endParaRPr lang="en-US" altLang="ja-JP" dirty="0" smtClean="0"/>
+          </a:p>
+          <a:p>
+            <a:pPr lvl="2">
+              <a:buFont typeface="Arial"/>
+              <a:buChar char="•"/>
+            </a:pPr>
+            <a:r>
+              <a:rPr lang="ja-JP" altLang="en-US" dirty="0" smtClean="0"/>
+              <a:t>ユーザー名、</a:t>
+            </a:r>
+            <a:r>
+              <a:rPr lang="en-US" altLang="ja-JP" dirty="0" smtClean="0"/>
+              <a:t>AWS </a:t>
+            </a:r>
+            <a:r>
+              <a:rPr lang="ja-JP" altLang="en-US" dirty="0" smtClean="0"/>
+              <a:t>アクセスタイプ「</a:t>
+            </a:r>
+            <a:r>
+              <a:rPr lang="en-US" altLang="ja-JP" dirty="0" smtClean="0"/>
+              <a:t>AWS</a:t>
+            </a:r>
+            <a:r>
+              <a:rPr lang="en-US" altLang="en-US" dirty="0"/>
+              <a:t> </a:t>
+            </a:r>
+            <a:r>
+              <a:rPr lang="ja-JP" altLang="en-US" dirty="0" smtClean="0"/>
+              <a:t>管理コンソール アクセス」</a:t>
+            </a:r>
+            <a:endParaRPr lang="en-US" altLang="ja-JP" dirty="0" smtClean="0"/>
+          </a:p>
+          <a:p>
+            <a:pPr lvl="1">
+              <a:buFont typeface="+mj-lt"/>
+              <a:buAutoNum type="arabicPeriod"/>
+            </a:pPr>
+            <a:r>
+              <a:rPr lang="ja-JP" altLang="en-US" dirty="0" smtClean="0"/>
+              <a:t>権限を設定する。</a:t>
+            </a:r>
+            <a:endParaRPr lang="en-US" altLang="en-US" dirty="0" smtClean="0"/>
+          </a:p>
+          <a:p>
+            <a:pPr lvl="2">
+              <a:buFont typeface="Arial"/>
+              <a:buChar char="•"/>
+            </a:pPr>
+            <a:r>
+              <a:rPr lang="ja-JP" altLang="en-US" dirty="0" smtClean="0"/>
+              <a:t>グループユーザー／既存のユーザーからコピー／権限を選択して付与</a:t>
+            </a:r>
+            <a:endParaRPr lang="en-US" altLang="ja-JP" dirty="0" smtClean="0"/>
+          </a:p>
+          <a:p>
+            <a:pPr lvl="1">
+              <a:buFont typeface="+mj-lt"/>
+              <a:buAutoNum type="arabicPeriod"/>
+            </a:pPr>
+            <a:r>
+              <a:rPr lang="ja-JP" altLang="en-US" dirty="0" smtClean="0"/>
+              <a:t>タグを追加する。</a:t>
+            </a:r>
+            <a:endParaRPr lang="en-US" altLang="ja-JP" dirty="0" smtClean="0"/>
+          </a:p>
+          <a:p>
+            <a:pPr lvl="1">
+              <a:buFont typeface="+mj-lt"/>
+              <a:buAutoNum type="arabicPeriod"/>
+            </a:pPr>
+            <a:r>
+              <a:rPr lang="ja-JP" altLang="en-US" dirty="0" smtClean="0"/>
+              <a:t>入力内容を確認して登録する。</a:t>
+            </a:r>
+            <a:endParaRPr lang="en-US" altLang="ja-JP" dirty="0"/>
+          </a:p>
+        </p:txBody>
+      </p:sp>
+      <p:sp>
+        <p:nvSpPr>
+          <p:cNvPr id="4" name="スライド番号プレースホルダー 3">
+            <a:extLst>
+              <a:ext uri="{FF2B5EF4-FFF2-40B4-BE49-F238E27FC236}">
+                <a16:creationId xmlns="" xmlns:a16="http://schemas.microsoft.com/office/drawing/2014/main" id="{9BFAADB9-E460-4E56-A164-AAFA9F53D091}"/>
+              </a:ext>
+            </a:extLst>
+          </p:cNvPr>
+          <p:cNvSpPr>
+            <a:spLocks noGrp="1"/>
+          </p:cNvSpPr>
+          <p:nvPr>
+            <p:ph type="sldNum" sz="quarter" idx="12"/>
+          </p:nvPr>
+        </p:nvSpPr>
+        <p:spPr/>
+        <p:txBody>
+          <a:bodyPr/>
+          <a:lstStyle/>
+          <a:p>
+            <a:fld id="{FC7FC04C-4975-46EC-A609-F7DE0D5B1B51}" type="slidenum">
+              <a:rPr kumimoji="1" lang="ja-JP" altLang="en-US" smtClean="0"/>
+              <a:pPr/>
+              <a:t>10</a:t>
+            </a:fld>
+            <a:endParaRPr kumimoji="1" lang="ja-JP" altLang="en-US" dirty="0"/>
+          </a:p>
+        </p:txBody>
+      </p:sp>
+      <p:cxnSp>
+        <p:nvCxnSpPr>
+          <p:cNvPr id="7" name="直線コネクタ 6"/>
+          <p:cNvCxnSpPr/>
+          <p:nvPr/>
+        </p:nvCxnSpPr>
+        <p:spPr>
+          <a:xfrm>
+            <a:off x="3064392" y="607452"/>
+            <a:ext cx="0" cy="5867439"/>
+          </a:xfrm>
+          <a:prstGeom prst="line">
+            <a:avLst/>
+          </a:prstGeom>
+          <a:ln>
+            <a:solidFill>
+              <a:srgbClr val="13A0E7"/>
+            </a:solidFill>
+          </a:ln>
+        </p:spPr>
+        <p:style>
+          <a:lnRef idx="2">
+            <a:schemeClr val="accent1"/>
+          </a:lnRef>
+          <a:fillRef idx="0">
+            <a:schemeClr val="accent1"/>
+          </a:fillRef>
+          <a:effectRef idx="1">
+            <a:schemeClr val="accent1"/>
+          </a:effectRef>
+          <a:fontRef idx="minor">
+            <a:schemeClr val="tx1"/>
+          </a:fontRef>
+        </p:style>
+      </p:cxnSp>
+      <p:sp>
+        <p:nvSpPr>
+          <p:cNvPr id="9" name="コンテンツ プレースホルダー 2"/>
+          <p:cNvSpPr txBox="1">
+            <a:spLocks/>
+          </p:cNvSpPr>
+          <p:nvPr/>
+        </p:nvSpPr>
+        <p:spPr>
+          <a:xfrm>
+            <a:off x="275150" y="548855"/>
+            <a:ext cx="2761636" cy="5926035"/>
+          </a:xfrm>
+          <a:prstGeom prst="rect">
+            <a:avLst/>
+          </a:prstGeom>
+        </p:spPr>
+        <p:txBody>
+          <a:bodyPr numCol="1"/>
+          <a:lstStyle>
+            <a:lvl1pPr marL="342900" indent="-342900" algn="l" defTabSz="457200" rtl="0" eaLnBrk="1" latinLnBrk="0" hangingPunct="1">
+              <a:spcBef>
+                <a:spcPts val="1000"/>
+              </a:spcBef>
+              <a:spcAft>
+                <a:spcPts val="0"/>
+              </a:spcAft>
+              <a:buClr>
+                <a:srgbClr val="00A0E7"/>
+              </a:buClr>
+              <a:buFont typeface="Wingdings" panose="05000000000000000000" pitchFamily="2" charset="2"/>
+              <a:buChar char="Ø"/>
+              <a:defRPr kumimoji="1" sz="1800" kern="1200">
+                <a:solidFill>
+                  <a:schemeClr val="tx1">
+                    <a:lumMod val="75000"/>
+                    <a:lumOff val="25000"/>
+                  </a:schemeClr>
+                </a:solidFill>
+                <a:latin typeface="+mn-lt"/>
+                <a:ea typeface="+mn-ea"/>
+                <a:cs typeface="+mn-cs"/>
+              </a:defRPr>
+            </a:lvl1pPr>
+            <a:lvl2pPr marL="800100" indent="-342900" algn="l" defTabSz="457200" rtl="0" eaLnBrk="1" latinLnBrk="0" hangingPunct="1">
+              <a:spcBef>
+                <a:spcPts val="1000"/>
+              </a:spcBef>
+              <a:spcAft>
+                <a:spcPts val="0"/>
+              </a:spcAft>
+              <a:buClr>
+                <a:srgbClr val="00A0E7"/>
+              </a:buClr>
+              <a:buFont typeface="Wingdings" panose="05000000000000000000" pitchFamily="2" charset="2"/>
+              <a:buChar char="Ø"/>
+              <a:defRPr kumimoji="1" sz="1600" kern="1200">
+                <a:solidFill>
+                  <a:schemeClr val="tx1">
+                    <a:lumMod val="75000"/>
+                    <a:lumOff val="25000"/>
+                  </a:schemeClr>
+                </a:solidFill>
+                <a:latin typeface="+mn-lt"/>
+                <a:ea typeface="+mn-ea"/>
+                <a:cs typeface="+mn-cs"/>
+              </a:defRPr>
+            </a:lvl2pPr>
+            <a:lvl3pPr marL="1257300" indent="-342900" algn="l" defTabSz="457200" rtl="0" eaLnBrk="1" latinLnBrk="0" hangingPunct="1">
+              <a:spcBef>
+                <a:spcPts val="1000"/>
+              </a:spcBef>
+              <a:spcAft>
+                <a:spcPts val="0"/>
+              </a:spcAft>
+              <a:buClr>
+                <a:srgbClr val="00A0E7"/>
+              </a:buClr>
+              <a:buFont typeface="Wingdings" panose="05000000000000000000" pitchFamily="2" charset="2"/>
+              <a:buChar char="Ø"/>
+              <a:defRPr kumimoji="1" sz="1400" kern="1200">
+                <a:solidFill>
+                  <a:schemeClr val="tx1">
+                    <a:lumMod val="75000"/>
+                    <a:lumOff val="25000"/>
+                  </a:schemeClr>
+                </a:solidFill>
+                <a:latin typeface="+mn-lt"/>
+                <a:ea typeface="+mn-ea"/>
+                <a:cs typeface="+mn-cs"/>
+              </a:defRPr>
+            </a:lvl3pPr>
+            <a:lvl4pPr marL="1600200" indent="-228600" algn="l" defTabSz="457200" rtl="0" eaLnBrk="1" latinLnBrk="0" hangingPunct="1">
+              <a:spcBef>
+                <a:spcPts val="1000"/>
+              </a:spcBef>
+              <a:spcAft>
+                <a:spcPts val="0"/>
+              </a:spcAft>
+              <a:buClr>
+                <a:srgbClr val="00A0E7"/>
+              </a:buClr>
+              <a:buFont typeface="Wingdings" panose="05000000000000000000" pitchFamily="2" charset="2"/>
+              <a:buChar char="Ø"/>
+              <a:defRPr kumimoji="1" sz="1200" kern="1200">
+                <a:solidFill>
+                  <a:schemeClr val="tx1">
+                    <a:lumMod val="75000"/>
+                    <a:lumOff val="25000"/>
+                  </a:schemeClr>
+                </a:solidFill>
+                <a:latin typeface="+mn-lt"/>
+                <a:ea typeface="+mn-ea"/>
+                <a:cs typeface="+mn-cs"/>
+              </a:defRPr>
+            </a:lvl4pPr>
+            <a:lvl5pPr marL="2057400" indent="-228600" algn="l" defTabSz="457200" rtl="0" eaLnBrk="1" latinLnBrk="0" hangingPunct="1">
+              <a:spcBef>
+                <a:spcPts val="1000"/>
+              </a:spcBef>
+              <a:spcAft>
+                <a:spcPts val="0"/>
+              </a:spcAft>
+              <a:buClr>
+                <a:srgbClr val="00A0E7"/>
+              </a:buClr>
+              <a:buFont typeface="Wingdings" panose="05000000000000000000" pitchFamily="2" charset="2"/>
+              <a:buChar char="Ø"/>
+              <a:defRPr kumimoji="1" sz="1200" kern="1200">
+                <a:solidFill>
+                  <a:schemeClr val="tx1">
+                    <a:lumMod val="75000"/>
+                    <a:lumOff val="25000"/>
+                  </a:schemeClr>
+                </a:solidFill>
+                <a:latin typeface="+mn-lt"/>
+                <a:ea typeface="+mn-ea"/>
+                <a:cs typeface="+mn-cs"/>
+              </a:defRPr>
+            </a:lvl5pPr>
+            <a:lvl6pPr marL="2514600" indent="-228600" algn="l" defTabSz="457200" rtl="0" eaLnBrk="1" latinLnBrk="0" hangingPunct="1">
+              <a:spcBef>
+                <a:spcPts val="1000"/>
+              </a:spcBef>
+              <a:spcAft>
+                <a:spcPts val="0"/>
+              </a:spcAft>
+              <a:buClr>
+                <a:schemeClr val="accent1"/>
+              </a:buClr>
+              <a:buFont typeface="Wingdings 3" charset="2"/>
+              <a:buChar char=""/>
+              <a:defRPr kumimoji="1" sz="1200" kern="1200">
+                <a:solidFill>
+                  <a:schemeClr val="tx1">
+                    <a:lumMod val="75000"/>
+                    <a:lumOff val="25000"/>
+                  </a:schemeClr>
+                </a:solidFill>
+                <a:latin typeface="+mn-lt"/>
+                <a:ea typeface="+mn-ea"/>
+                <a:cs typeface="+mn-cs"/>
+              </a:defRPr>
+            </a:lvl6pPr>
+            <a:lvl7pPr marL="2971800" indent="-228600" algn="l" defTabSz="457200" rtl="0" eaLnBrk="1" latinLnBrk="0" hangingPunct="1">
+              <a:spcBef>
+                <a:spcPts val="1000"/>
+              </a:spcBef>
+              <a:spcAft>
+                <a:spcPts val="0"/>
+              </a:spcAft>
+              <a:buClr>
+                <a:schemeClr val="accent1"/>
+              </a:buClr>
+              <a:buFont typeface="Wingdings 3" charset="2"/>
+              <a:buChar char=""/>
+              <a:defRPr kumimoji="1" sz="1200" kern="1200">
+                <a:solidFill>
+                  <a:schemeClr val="tx1">
+                    <a:lumMod val="75000"/>
+                    <a:lumOff val="25000"/>
+                  </a:schemeClr>
+                </a:solidFill>
+                <a:latin typeface="+mn-lt"/>
+                <a:ea typeface="+mn-ea"/>
+                <a:cs typeface="+mn-cs"/>
+              </a:defRPr>
+            </a:lvl7pPr>
+            <a:lvl8pPr marL="3429000" indent="-228600" algn="l" defTabSz="457200" rtl="0" eaLnBrk="1" latinLnBrk="0" hangingPunct="1">
+              <a:spcBef>
+                <a:spcPts val="1000"/>
+              </a:spcBef>
+              <a:spcAft>
+                <a:spcPts val="0"/>
+              </a:spcAft>
+              <a:buClr>
+                <a:schemeClr val="accent1"/>
+              </a:buClr>
+              <a:buFont typeface="Wingdings 3" charset="2"/>
+              <a:buChar char=""/>
+              <a:defRPr kumimoji="1" sz="1200" kern="1200">
+                <a:solidFill>
+                  <a:schemeClr val="tx1">
+                    <a:lumMod val="75000"/>
+                    <a:lumOff val="25000"/>
+                  </a:schemeClr>
+                </a:solidFill>
+                <a:latin typeface="+mn-lt"/>
+                <a:ea typeface="+mn-ea"/>
+                <a:cs typeface="+mn-cs"/>
+              </a:defRPr>
+            </a:lvl8pPr>
+            <a:lvl9pPr marL="3886200" indent="-228600" algn="l" defTabSz="457200" rtl="0" eaLnBrk="1" latinLnBrk="0" hangingPunct="1">
+              <a:spcBef>
+                <a:spcPts val="1000"/>
+              </a:spcBef>
+              <a:spcAft>
+                <a:spcPts val="0"/>
+              </a:spcAft>
+              <a:buClr>
+                <a:schemeClr val="accent1"/>
+              </a:buClr>
+              <a:buFont typeface="Wingdings 3" charset="2"/>
+              <a:buChar char=""/>
+              <a:defRPr kumimoji="1" sz="1200" kern="1200">
+                <a:solidFill>
+                  <a:schemeClr val="tx1">
+                    <a:lumMod val="75000"/>
+                    <a:lumOff val="25000"/>
+                  </a:schemeClr>
+                </a:solidFill>
+                <a:latin typeface="+mn-lt"/>
+                <a:ea typeface="+mn-ea"/>
+                <a:cs typeface="+mn-cs"/>
+              </a:defRPr>
+            </a:lvl9pPr>
+          </a:lstStyle>
+          <a:p>
+            <a:pPr>
+              <a:buFont typeface="+mj-lt"/>
+              <a:buAutoNum type="arabicPeriod"/>
+            </a:pPr>
+            <a:r>
+              <a:rPr lang="en-US" altLang="ja-JP" dirty="0" smtClean="0">
+                <a:solidFill>
+                  <a:srgbClr val="BFBFBF"/>
+                </a:solidFill>
+              </a:rPr>
+              <a:t>AWS</a:t>
+            </a:r>
+            <a:r>
+              <a:rPr lang="ja-JP" altLang="en-US" dirty="0" smtClean="0">
+                <a:solidFill>
+                  <a:srgbClr val="BFBFBF"/>
+                </a:solidFill>
+              </a:rPr>
+              <a:t>アカウント登録</a:t>
+            </a:r>
+            <a:endParaRPr lang="en-US" altLang="ja-JP" dirty="0" smtClean="0">
+              <a:solidFill>
+                <a:srgbClr val="BFBFBF"/>
+              </a:solidFill>
+            </a:endParaRPr>
+          </a:p>
+          <a:p>
+            <a:pPr>
+              <a:buFont typeface="+mj-lt"/>
+              <a:buAutoNum type="arabicPeriod"/>
+            </a:pPr>
+            <a:r>
+              <a:rPr lang="en-US" altLang="ja-JP" dirty="0" smtClean="0">
+                <a:solidFill>
+                  <a:srgbClr val="404040"/>
+                </a:solidFill>
+              </a:rPr>
+              <a:t>AWS IAM (User</a:t>
+            </a:r>
+            <a:r>
+              <a:rPr lang="en-US" altLang="ja-JP" dirty="0" smtClean="0"/>
+              <a:t>)</a:t>
+            </a:r>
+            <a:endParaRPr lang="en-US" altLang="ja-JP" dirty="0" smtClean="0">
+              <a:solidFill>
+                <a:schemeClr val="bg1">
+                  <a:lumMod val="75000"/>
+                </a:schemeClr>
+              </a:solidFill>
+            </a:endParaRPr>
+          </a:p>
+        </p:txBody>
+      </p:sp>
+      <p:sp>
+        <p:nvSpPr>
+          <p:cNvPr id="5" name="角丸四角形 4"/>
+          <p:cNvSpPr/>
+          <p:nvPr/>
+        </p:nvSpPr>
+        <p:spPr>
+          <a:xfrm>
+            <a:off x="3105803" y="548856"/>
+            <a:ext cx="8889546" cy="883137"/>
+          </a:xfrm>
+          <a:prstGeom prst="roundRect">
+            <a:avLst/>
+          </a:prstGeom>
+          <a:solidFill>
+            <a:srgbClr val="FFFFFF"/>
+          </a:solidFill>
+          <a:ln>
+            <a:solidFill>
+              <a:schemeClr val="tx1"/>
+            </a:solidFill>
+            <a:prstDash val="dash"/>
+          </a:ln>
+          <a:effectLst/>
+        </p:spPr>
+        <p:style>
+          <a:lnRef idx="1">
+            <a:schemeClr val="accent1"/>
+          </a:lnRef>
+          <a:fillRef idx="3">
+            <a:schemeClr val="accent1"/>
+          </a:fillRef>
+          <a:effectRef idx="2">
+            <a:schemeClr val="accent1"/>
+          </a:effectRef>
+          <a:fontRef idx="minor">
+            <a:schemeClr val="lt1"/>
+          </a:fontRef>
+        </p:style>
+        <p:txBody>
+          <a:bodyPr rtlCol="0" anchor="ctr"/>
+          <a:lstStyle/>
+          <a:p>
+            <a:pPr algn="ctr"/>
+            <a:endParaRPr kumimoji="1" lang="ja-JP" altLang="en-US"/>
+          </a:p>
+        </p:txBody>
+      </p:sp>
+      <p:sp>
+        <p:nvSpPr>
+          <p:cNvPr id="6" name="テキスト ボックス 5"/>
+          <p:cNvSpPr txBox="1"/>
+          <p:nvPr/>
+        </p:nvSpPr>
+        <p:spPr>
+          <a:xfrm>
+            <a:off x="3149938" y="610153"/>
+            <a:ext cx="8392041" cy="584776"/>
+          </a:xfrm>
+          <a:prstGeom prst="rect">
+            <a:avLst/>
+          </a:prstGeom>
+          <a:noFill/>
+        </p:spPr>
+        <p:txBody>
+          <a:bodyPr wrap="none" rtlCol="0">
+            <a:spAutoFit/>
+          </a:bodyPr>
+          <a:lstStyle/>
+          <a:p>
+            <a:r>
+              <a:rPr kumimoji="1" lang="ja-JP" altLang="en-US" sz="1600" dirty="0" smtClean="0"/>
+              <a:t>・</a:t>
+            </a:r>
+            <a:r>
+              <a:rPr kumimoji="1" lang="en-US" altLang="ja-JP" sz="1600" dirty="0" smtClean="0"/>
+              <a:t>AWS </a:t>
+            </a:r>
+            <a:r>
+              <a:rPr kumimoji="1" lang="ja-JP" altLang="en-US" sz="1600" dirty="0" smtClean="0"/>
+              <a:t>コンソールへのログインを許可するユーザーを追加する</a:t>
+            </a:r>
+            <a:endParaRPr kumimoji="1" lang="en-US" altLang="ja-JP" sz="1600" dirty="0" smtClean="0"/>
+          </a:p>
+          <a:p>
+            <a:r>
+              <a:rPr kumimoji="1" lang="en-US" altLang="en-US" sz="1600" dirty="0"/>
+              <a:t> </a:t>
+            </a:r>
+            <a:r>
+              <a:rPr kumimoji="1" lang="ja-JP" altLang="en-US" sz="1600" dirty="0" smtClean="0"/>
+              <a:t>（環境構築・保守を行うエンジニア、システムを運用するシステム管理者が該当する）</a:t>
+            </a:r>
+            <a:endParaRPr kumimoji="1" lang="en-US" altLang="ja-JP" sz="1600" dirty="0" smtClean="0"/>
+          </a:p>
+        </p:txBody>
+      </p:sp>
+    </p:spTree>
+    <p:extLst>
+      <p:ext uri="{BB962C8B-B14F-4D97-AF65-F5344CB8AC3E}">
+        <p14:creationId xmlns:p14="http://schemas.microsoft.com/office/powerpoint/2010/main" val="2480489574"/>
+      </p:ext>
+    </p:extLst>
+  </p:cSld>
+  <p:clrMapOvr>
+    <a:masterClrMapping/>
+  </p:clrMapOvr>
+  <p:timing>
+    <p:tnLst>
+      <p:par>
+        <p:cTn xmlns:p14="http://schemas.microsoft.com/office/powerpoint/2010/main" id="1" dur="indefinite" restart="never" nodeType="tmRoot"/>
+      </p:par>
+    </p:tnLst>
+  </p:timing>
+</p:sld>
+</file>
+
+<file path=ppt/slides/slide11.xml><?xml version="1.0" encoding="utf-8"?>
+<p:sld xmlns:a="http://schemas.openxmlformats.org/drawingml/2006/main" xmlns:r="http://schemas.openxmlformats.org/officeDocument/2006/relationships" xmlns:p="http://schemas.openxmlformats.org/presentationml/2006/main">
+  <p:cSld>
+    <p:spTree>
+      <p:nvGrpSpPr>
+        <p:cNvPr id="1" name=""/>
+        <p:cNvGrpSpPr/>
+        <p:nvPr/>
+      </p:nvGrpSpPr>
+      <p:grpSpPr>
+        <a:xfrm>
+          <a:off x="0" y="0"/>
+          <a:ext cx="0" cy="0"/>
+          <a:chOff x="0" y="0"/>
+          <a:chExt cx="0" cy="0"/>
+        </a:xfrm>
+      </p:grpSpPr>
+      <p:sp>
+        <p:nvSpPr>
           <p:cNvPr id="2" name="タイトル 1"/>
           <p:cNvSpPr>
             <a:spLocks noGrp="1"/>
@@ -2425,7 +3127,7 @@
 </p:sld>
 </file>
 
-<file path=ppt/slides/slide11.xml><?xml version="1.0" encoding="utf-8"?>
+<file path=ppt/slides/slide12.xml><?xml version="1.0" encoding="utf-8"?>
 <p:sld xmlns:a="http://schemas.openxmlformats.org/drawingml/2006/main" xmlns:r="http://schemas.openxmlformats.org/officeDocument/2006/relationships" xmlns:p="http://schemas.openxmlformats.org/presentationml/2006/main">
   <p:cSld>
     <p:spTree>
@@ -2600,7 +3302,7 @@
             <a:fld id="{FC7FC04C-4975-46EC-A609-F7DE0D5B1B51}" type="slidenum">
               <a:rPr kumimoji="1" lang="ja-JP" altLang="en-US" smtClean="0"/>
               <a:pPr/>
-              <a:t>11</a:t>
+              <a:t>12</a:t>
             </a:fld>
             <a:endParaRPr kumimoji="1" lang="ja-JP" altLang="en-US" dirty="0"/>
           </a:p>
@@ -3463,7 +4165,7 @@
 </p:sld>
 </file>
 
-<file path=ppt/slides/slide12.xml><?xml version="1.0" encoding="utf-8"?>
+<file path=ppt/slides/slide13.xml><?xml version="1.0" encoding="utf-8"?>
 <p:sld xmlns:a="http://schemas.openxmlformats.org/drawingml/2006/main" xmlns:r="http://schemas.openxmlformats.org/officeDocument/2006/relationships" xmlns:p="http://schemas.openxmlformats.org/presentationml/2006/main">
   <p:cSld>
     <p:spTree>
@@ -3676,7 +4378,7 @@
             <a:fld id="{FC7FC04C-4975-46EC-A609-F7DE0D5B1B51}" type="slidenum">
               <a:rPr kumimoji="1" lang="ja-JP" altLang="en-US" smtClean="0"/>
               <a:pPr/>
-              <a:t>12</a:t>
+              <a:t>13</a:t>
             </a:fld>
             <a:endParaRPr kumimoji="1" lang="ja-JP" altLang="en-US" dirty="0"/>
           </a:p>
@@ -4549,7 +5251,7 @@
 </p:sld>
 </file>
 
-<file path=ppt/slides/slide13.xml><?xml version="1.0" encoding="utf-8"?>
+<file path=ppt/slides/slide14.xml><?xml version="1.0" encoding="utf-8"?>
 <p:sld xmlns:a="http://schemas.openxmlformats.org/drawingml/2006/main" xmlns:r="http://schemas.openxmlformats.org/officeDocument/2006/relationships" xmlns:p="http://schemas.openxmlformats.org/presentationml/2006/main">
   <p:cSld>
     <p:spTree>
@@ -4805,7 +5507,7 @@
             <a:fld id="{FC7FC04C-4975-46EC-A609-F7DE0D5B1B51}" type="slidenum">
               <a:rPr kumimoji="1" lang="ja-JP" altLang="en-US" smtClean="0"/>
               <a:pPr/>
-              <a:t>13</a:t>
+              <a:t>14</a:t>
             </a:fld>
             <a:endParaRPr kumimoji="1" lang="ja-JP" altLang="en-US" dirty="0"/>
           </a:p>
@@ -5467,7 +6169,7 @@
 </p:sld>
 </file>
 
-<file path=ppt/slides/slide14.xml><?xml version="1.0" encoding="utf-8"?>
+<file path=ppt/slides/slide15.xml><?xml version="1.0" encoding="utf-8"?>
 <p:sld xmlns:a="http://schemas.openxmlformats.org/drawingml/2006/main" xmlns:r="http://schemas.openxmlformats.org/officeDocument/2006/relationships" xmlns:p="http://schemas.openxmlformats.org/presentationml/2006/main">
   <p:cSld>
     <p:spTree>
@@ -5675,7 +6377,7 @@
             <a:fld id="{FC7FC04C-4975-46EC-A609-F7DE0D5B1B51}" type="slidenum">
               <a:rPr kumimoji="1" lang="ja-JP" altLang="en-US" smtClean="0"/>
               <a:pPr/>
-              <a:t>14</a:t>
+              <a:t>15</a:t>
             </a:fld>
             <a:endParaRPr kumimoji="1" lang="ja-JP" altLang="en-US" dirty="0"/>
           </a:p>
@@ -6491,7 +7193,7 @@
 </p:sld>
 </file>
 
-<file path=ppt/slides/slide15.xml><?xml version="1.0" encoding="utf-8"?>
+<file path=ppt/slides/slide16.xml><?xml version="1.0" encoding="utf-8"?>
 <p:sld xmlns:a="http://schemas.openxmlformats.org/drawingml/2006/main" xmlns:r="http://schemas.openxmlformats.org/officeDocument/2006/relationships" xmlns:p="http://schemas.openxmlformats.org/presentationml/2006/main">
   <p:cSld>
     <p:spTree>
@@ -8227,7 +8929,7 @@
             <a:fld id="{FC7FC04C-4975-46EC-A609-F7DE0D5B1B51}" type="slidenum">
               <a:rPr kumimoji="1" lang="ja-JP" altLang="en-US" smtClean="0"/>
               <a:pPr/>
-              <a:t>15</a:t>
+              <a:t>16</a:t>
             </a:fld>
             <a:endParaRPr kumimoji="1" lang="ja-JP" altLang="en-US" dirty="0"/>
           </a:p>
@@ -8253,7 +8955,7 @@
 </p:sld>
 </file>
 
-<file path=ppt/slides/slide16.xml><?xml version="1.0" encoding="utf-8"?>
+<file path=ppt/slides/slide17.xml><?xml version="1.0" encoding="utf-8"?>
 <p:sld xmlns:a="http://schemas.openxmlformats.org/drawingml/2006/main" xmlns:r="http://schemas.openxmlformats.org/officeDocument/2006/relationships" xmlns:p="http://schemas.openxmlformats.org/presentationml/2006/main">
   <p:cSld>
     <p:spTree>
@@ -10533,7 +11235,7 @@
             <a:fld id="{FC7FC04C-4975-46EC-A609-F7DE0D5B1B51}" type="slidenum">
               <a:rPr kumimoji="1" lang="ja-JP" altLang="en-US" smtClean="0"/>
               <a:pPr/>
-              <a:t>16</a:t>
+              <a:t>17</a:t>
             </a:fld>
             <a:endParaRPr kumimoji="1" lang="ja-JP" altLang="en-US" dirty="0"/>
           </a:p>
@@ -10559,7 +11261,7 @@
 </p:sld>
 </file>
 
-<file path=ppt/slides/slide17.xml><?xml version="1.0" encoding="utf-8"?>
+<file path=ppt/slides/slide18.xml><?xml version="1.0" encoding="utf-8"?>
 <p:sld xmlns:a="http://schemas.openxmlformats.org/drawingml/2006/main" xmlns:r="http://schemas.openxmlformats.org/officeDocument/2006/relationships" xmlns:p="http://schemas.openxmlformats.org/presentationml/2006/main">
   <p:cSld>
     <p:spTree>
@@ -10874,7 +11576,7 @@
             <a:fld id="{FC7FC04C-4975-46EC-A609-F7DE0D5B1B51}" type="slidenum">
               <a:rPr kumimoji="1" lang="ja-JP" altLang="en-US" smtClean="0"/>
               <a:pPr/>
-              <a:t>17</a:t>
+              <a:t>18</a:t>
             </a:fld>
             <a:endParaRPr kumimoji="1" lang="ja-JP" altLang="en-US" dirty="0"/>
           </a:p>
@@ -12662,7 +13364,7 @@
 </p:sld>
 </file>
 
-<file path=ppt/slides/slide18.xml><?xml version="1.0" encoding="utf-8"?>
+<file path=ppt/slides/slide19.xml><?xml version="1.0" encoding="utf-8"?>
 <p:sld xmlns:a="http://schemas.openxmlformats.org/drawingml/2006/main" xmlns:r="http://schemas.openxmlformats.org/officeDocument/2006/relationships" xmlns:p="http://schemas.openxmlformats.org/presentationml/2006/main">
   <p:cSld>
     <p:spTree>
@@ -12801,7 +13503,7 @@
             <a:fld id="{FC7FC04C-4975-46EC-A609-F7DE0D5B1B51}" type="slidenum">
               <a:rPr kumimoji="1" lang="ja-JP" altLang="en-US" smtClean="0"/>
               <a:pPr/>
-              <a:t>18</a:t>
+              <a:t>19</a:t>
             </a:fld>
             <a:endParaRPr kumimoji="1" lang="ja-JP" altLang="en-US" dirty="0"/>
           </a:p>
@@ -14636,7 +15338,355 @@
 </p:sld>
 </file>
 
-<file path=ppt/slides/slide19.xml><?xml version="1.0" encoding="utf-8"?>
+<file path=ppt/slides/slide2.xml><?xml version="1.0" encoding="utf-8"?>
+<p:sld xmlns:a="http://schemas.openxmlformats.org/drawingml/2006/main" xmlns:r="http://schemas.openxmlformats.org/officeDocument/2006/relationships" xmlns:p="http://schemas.openxmlformats.org/presentationml/2006/main">
+  <p:cSld>
+    <p:spTree>
+      <p:nvGrpSpPr>
+        <p:cNvPr id="1" name=""/>
+        <p:cNvGrpSpPr/>
+        <p:nvPr/>
+      </p:nvGrpSpPr>
+      <p:grpSpPr>
+        <a:xfrm>
+          <a:off x="0" y="0"/>
+          <a:ext cx="0" cy="0"/>
+          <a:chOff x="0" y="0"/>
+          <a:chExt cx="0" cy="0"/>
+        </a:xfrm>
+      </p:grpSpPr>
+      <p:sp>
+        <p:nvSpPr>
+          <p:cNvPr id="2" name="タイトル 1">
+            <a:extLst>
+              <a:ext uri="{FF2B5EF4-FFF2-40B4-BE49-F238E27FC236}">
+                <a16:creationId xmlns="" xmlns:a16="http://schemas.microsoft.com/office/drawing/2014/main" id="{12731FC3-AB29-492B-AE6D-8CB0EBD6035D}"/>
+              </a:ext>
+            </a:extLst>
+          </p:cNvPr>
+          <p:cNvSpPr>
+            <a:spLocks noGrp="1"/>
+          </p:cNvSpPr>
+          <p:nvPr>
+            <p:ph type="title"/>
+          </p:nvPr>
+        </p:nvSpPr>
+        <p:spPr/>
+        <p:txBody>
+          <a:bodyPr/>
+          <a:lstStyle/>
+          <a:p>
+            <a:r>
+              <a:rPr kumimoji="1" lang="ja-JP" altLang="en-US" dirty="0"/>
+              <a:t>改訂履歴</a:t>
+            </a:r>
+          </a:p>
+        </p:txBody>
+      </p:sp>
+      <p:sp>
+        <p:nvSpPr>
+          <p:cNvPr id="4" name="スライド番号プレースホルダー 3">
+            <a:extLst>
+              <a:ext uri="{FF2B5EF4-FFF2-40B4-BE49-F238E27FC236}">
+                <a16:creationId xmlns="" xmlns:a16="http://schemas.microsoft.com/office/drawing/2014/main" id="{5A8CD54E-7EDD-451D-9C7A-85E4A20CEBF0}"/>
+              </a:ext>
+            </a:extLst>
+          </p:cNvPr>
+          <p:cNvSpPr>
+            <a:spLocks noGrp="1"/>
+          </p:cNvSpPr>
+          <p:nvPr>
+            <p:ph type="sldNum" sz="quarter" idx="12"/>
+          </p:nvPr>
+        </p:nvSpPr>
+        <p:spPr/>
+        <p:txBody>
+          <a:bodyPr/>
+          <a:lstStyle/>
+          <a:p>
+            <a:fld id="{FC7FC04C-4975-46EC-A609-F7DE0D5B1B51}" type="slidenum">
+              <a:rPr kumimoji="1" lang="ja-JP" altLang="en-US" smtClean="0"/>
+              <a:pPr/>
+              <a:t>2</a:t>
+            </a:fld>
+            <a:endParaRPr kumimoji="1" lang="ja-JP" altLang="en-US" dirty="0"/>
+          </a:p>
+        </p:txBody>
+      </p:sp>
+      <p:graphicFrame>
+        <p:nvGraphicFramePr>
+          <p:cNvPr id="5" name="表 4">
+            <a:extLst>
+              <a:ext uri="{FF2B5EF4-FFF2-40B4-BE49-F238E27FC236}">
+                <a16:creationId xmlns="" xmlns:a16="http://schemas.microsoft.com/office/drawing/2014/main" id="{9CC6374B-4142-4113-B041-850E8ED0401A}"/>
+              </a:ext>
+            </a:extLst>
+          </p:cNvPr>
+          <p:cNvGraphicFramePr>
+            <a:graphicFrameLocks noGrp="1"/>
+          </p:cNvGraphicFramePr>
+          <p:nvPr>
+            <p:extLst>
+              <p:ext uri="{D42A27DB-BD31-4B8C-83A1-F6EECF244321}">
+                <p14:modId xmlns:p14="http://schemas.microsoft.com/office/powerpoint/2010/main" val="1424934823"/>
+              </p:ext>
+            </p:extLst>
+          </p:nvPr>
+        </p:nvGraphicFramePr>
+        <p:xfrm>
+          <a:off x="438869" y="813934"/>
+          <a:ext cx="10618771" cy="1112520"/>
+        </p:xfrm>
+        <a:graphic>
+          <a:graphicData uri="http://schemas.openxmlformats.org/drawingml/2006/table">
+            <a:tbl>
+              <a:tblPr firstRow="1" bandRow="1">
+                <a:tableStyleId>{2A488322-F2BA-4B5B-9748-0D474271808F}</a:tableStyleId>
+              </a:tblPr>
+              <a:tblGrid>
+                <a:gridCol w="654640">
+                  <a:extLst>
+                    <a:ext uri="{9D8B030D-6E8A-4147-A177-3AD203B41FA5}">
+                      <a16:colId xmlns="" xmlns:a16="http://schemas.microsoft.com/office/drawing/2014/main" val="1645166067"/>
+                    </a:ext>
+                  </a:extLst>
+                </a:gridCol>
+                <a:gridCol w="1451728">
+                  <a:extLst>
+                    <a:ext uri="{9D8B030D-6E8A-4147-A177-3AD203B41FA5}">
+                      <a16:colId xmlns="" xmlns:a16="http://schemas.microsoft.com/office/drawing/2014/main" val="1224812834"/>
+                    </a:ext>
+                  </a:extLst>
+                </a:gridCol>
+                <a:gridCol w="1366887">
+                  <a:extLst>
+                    <a:ext uri="{9D8B030D-6E8A-4147-A177-3AD203B41FA5}">
+                      <a16:colId xmlns="" xmlns:a16="http://schemas.microsoft.com/office/drawing/2014/main" val="773108700"/>
+                    </a:ext>
+                  </a:extLst>
+                </a:gridCol>
+                <a:gridCol w="7145516">
+                  <a:extLst>
+                    <a:ext uri="{9D8B030D-6E8A-4147-A177-3AD203B41FA5}">
+                      <a16:colId xmlns="" xmlns:a16="http://schemas.microsoft.com/office/drawing/2014/main" val="1915496336"/>
+                    </a:ext>
+                  </a:extLst>
+                </a:gridCol>
+              </a:tblGrid>
+              <a:tr h="370840">
+                <a:tc>
+                  <a:txBody>
+                    <a:bodyPr/>
+                    <a:lstStyle/>
+                    <a:p>
+                      <a:r>
+                        <a:rPr kumimoji="1" lang="ja-JP" altLang="en-US" dirty="0"/>
+                        <a:t>版</a:t>
+                      </a:r>
+                    </a:p>
+                  </a:txBody>
+                  <a:tcPr/>
+                </a:tc>
+                <a:tc>
+                  <a:txBody>
+                    <a:bodyPr/>
+                    <a:lstStyle/>
+                    <a:p>
+                      <a:r>
+                        <a:rPr kumimoji="1" lang="ja-JP" altLang="en-US" dirty="0"/>
+                        <a:t>日付</a:t>
+                      </a:r>
+                    </a:p>
+                  </a:txBody>
+                  <a:tcPr/>
+                </a:tc>
+                <a:tc>
+                  <a:txBody>
+                    <a:bodyPr/>
+                    <a:lstStyle/>
+                    <a:p>
+                      <a:r>
+                        <a:rPr kumimoji="1" lang="ja-JP" altLang="en-US" dirty="0"/>
+                        <a:t>更新者</a:t>
+                      </a:r>
+                    </a:p>
+                  </a:txBody>
+                  <a:tcPr/>
+                </a:tc>
+                <a:tc>
+                  <a:txBody>
+                    <a:bodyPr/>
+                    <a:lstStyle/>
+                    <a:p>
+                      <a:r>
+                        <a:rPr kumimoji="1" lang="ja-JP" altLang="en-US" dirty="0"/>
+                        <a:t>更新内容</a:t>
+                      </a:r>
+                    </a:p>
+                  </a:txBody>
+                  <a:tcPr/>
+                </a:tc>
+                <a:extLst>
+                  <a:ext uri="{0D108BD9-81ED-4DB2-BD59-A6C34878D82A}">
+                    <a16:rowId xmlns="" xmlns:a16="http://schemas.microsoft.com/office/drawing/2014/main" val="3052914816"/>
+                  </a:ext>
+                </a:extLst>
+              </a:tr>
+              <a:tr h="370840">
+                <a:tc>
+                  <a:txBody>
+                    <a:bodyPr/>
+                    <a:lstStyle/>
+                    <a:p>
+                      <a:r>
+                        <a:rPr kumimoji="1" lang="en-US" altLang="ja-JP" dirty="0"/>
+                        <a:t>1.00</a:t>
+                      </a:r>
+                      <a:endParaRPr kumimoji="1" lang="ja-JP" altLang="en-US" dirty="0"/>
+                    </a:p>
+                  </a:txBody>
+                  <a:tcPr/>
+                </a:tc>
+                <a:tc>
+                  <a:txBody>
+                    <a:bodyPr/>
+                    <a:lstStyle/>
+                    <a:p>
+                      <a:r>
+                        <a:rPr kumimoji="1" lang="en-US" altLang="ja-JP" dirty="0"/>
+                        <a:t>2019/10/31</a:t>
+                      </a:r>
+                      <a:endParaRPr kumimoji="1" lang="ja-JP" altLang="en-US" dirty="0"/>
+                    </a:p>
+                  </a:txBody>
+                  <a:tcPr/>
+                </a:tc>
+                <a:tc>
+                  <a:txBody>
+                    <a:bodyPr/>
+                    <a:lstStyle/>
+                    <a:p>
+                      <a:r>
+                        <a:rPr kumimoji="1" lang="en-US" altLang="ja-JP" dirty="0"/>
+                        <a:t>UETOMAE</a:t>
+                      </a:r>
+                      <a:endParaRPr kumimoji="1" lang="ja-JP" altLang="en-US" dirty="0"/>
+                    </a:p>
+                  </a:txBody>
+                  <a:tcPr/>
+                </a:tc>
+                <a:tc>
+                  <a:txBody>
+                    <a:bodyPr/>
+                    <a:lstStyle/>
+                    <a:p>
+                      <a:r>
+                        <a:rPr kumimoji="1" lang="ja-JP" altLang="en-US" dirty="0"/>
+                        <a:t>新規作成</a:t>
+                      </a:r>
+                    </a:p>
+                  </a:txBody>
+                  <a:tcPr/>
+                </a:tc>
+                <a:extLst>
+                  <a:ext uri="{0D108BD9-81ED-4DB2-BD59-A6C34878D82A}">
+                    <a16:rowId xmlns="" xmlns:a16="http://schemas.microsoft.com/office/drawing/2014/main" val="2549488193"/>
+                  </a:ext>
+                </a:extLst>
+              </a:tr>
+              <a:tr h="370840">
+                <a:tc>
+                  <a:txBody>
+                    <a:bodyPr/>
+                    <a:lstStyle/>
+                    <a:p>
+                      <a:r>
+                        <a:rPr kumimoji="1" lang="en-US" altLang="ja-JP" dirty="0" smtClean="0"/>
+                        <a:t>2.00</a:t>
+                      </a:r>
+                      <a:endParaRPr kumimoji="1" lang="ja-JP" altLang="en-US" dirty="0"/>
+                    </a:p>
+                  </a:txBody>
+                  <a:tcPr/>
+                </a:tc>
+                <a:tc>
+                  <a:txBody>
+                    <a:bodyPr/>
+                    <a:lstStyle/>
+                    <a:p>
+                      <a:r>
+                        <a:rPr kumimoji="1" lang="en-US" altLang="ja-JP" dirty="0" smtClean="0"/>
+                        <a:t>2020/07/02</a:t>
+                      </a:r>
+                      <a:endParaRPr kumimoji="1" lang="ja-JP" altLang="en-US" dirty="0"/>
+                    </a:p>
+                  </a:txBody>
+                  <a:tcPr/>
+                </a:tc>
+                <a:tc>
+                  <a:txBody>
+                    <a:bodyPr/>
+                    <a:lstStyle/>
+                    <a:p>
+                      <a:pPr marL="0" marR="0" indent="0" algn="l" defTabSz="457200" rtl="0" eaLnBrk="1" fontAlgn="auto" latinLnBrk="0" hangingPunct="1">
+                        <a:lnSpc>
+                          <a:spcPct val="100000"/>
+                        </a:lnSpc>
+                        <a:spcBef>
+                          <a:spcPts val="0"/>
+                        </a:spcBef>
+                        <a:spcAft>
+                          <a:spcPts val="0"/>
+                        </a:spcAft>
+                        <a:buClrTx/>
+                        <a:buSzTx/>
+                        <a:buFontTx/>
+                        <a:buNone/>
+                        <a:tabLst/>
+                        <a:defRPr/>
+                      </a:pPr>
+                      <a:r>
+                        <a:rPr kumimoji="1" lang="en-US" altLang="ja-JP" dirty="0" smtClean="0"/>
+                        <a:t>UETOMAE</a:t>
+                      </a:r>
+                      <a:endParaRPr kumimoji="1" lang="ja-JP" altLang="en-US" dirty="0" smtClean="0"/>
+                    </a:p>
+                  </a:txBody>
+                  <a:tcPr/>
+                </a:tc>
+                <a:tc>
+                  <a:txBody>
+                    <a:bodyPr/>
+                    <a:lstStyle/>
+                    <a:p>
+                      <a:r>
+                        <a:rPr kumimoji="1" lang="ja-JP" altLang="en-US" dirty="0" smtClean="0"/>
+                        <a:t>インフラ構成図追加、パラメータ一覧追加、構築手順更新</a:t>
+                      </a:r>
+                      <a:endParaRPr kumimoji="1" lang="ja-JP" altLang="en-US" dirty="0"/>
+                    </a:p>
+                  </a:txBody>
+                  <a:tcPr/>
+                </a:tc>
+              </a:tr>
+            </a:tbl>
+          </a:graphicData>
+        </a:graphic>
+      </p:graphicFrame>
+    </p:spTree>
+    <p:extLst>
+      <p:ext uri="{BB962C8B-B14F-4D97-AF65-F5344CB8AC3E}">
+        <p14:creationId xmlns:p14="http://schemas.microsoft.com/office/powerpoint/2010/main" val="1599431345"/>
+      </p:ext>
+    </p:extLst>
+  </p:cSld>
+  <p:clrMapOvr>
+    <a:masterClrMapping/>
+  </p:clrMapOvr>
+</p:sld>
+</file>
+
+<file path=ppt/slides/slide20.xml><?xml version="1.0" encoding="utf-8"?>
 <p:sld xmlns:a="http://schemas.openxmlformats.org/drawingml/2006/main" xmlns:r="http://schemas.openxmlformats.org/officeDocument/2006/relationships" xmlns:p="http://schemas.openxmlformats.org/presentationml/2006/main">
   <p:cSld>
     <p:spTree>
@@ -14968,7 +16018,7 @@
             <a:fld id="{FC7FC04C-4975-46EC-A609-F7DE0D5B1B51}" type="slidenum">
               <a:rPr kumimoji="1" lang="ja-JP" altLang="en-US" smtClean="0"/>
               <a:pPr/>
-              <a:t>19</a:t>
+              <a:t>20</a:t>
             </a:fld>
             <a:endParaRPr kumimoji="1" lang="ja-JP" altLang="en-US" dirty="0"/>
           </a:p>
@@ -16542,355 +17592,7 @@
 </p:sld>
 </file>
 
-<file path=ppt/slides/slide2.xml><?xml version="1.0" encoding="utf-8"?>
-<p:sld xmlns:a="http://schemas.openxmlformats.org/drawingml/2006/main" xmlns:r="http://schemas.openxmlformats.org/officeDocument/2006/relationships" xmlns:p="http://schemas.openxmlformats.org/presentationml/2006/main">
-  <p:cSld>
-    <p:spTree>
-      <p:nvGrpSpPr>
-        <p:cNvPr id="1" name=""/>
-        <p:cNvGrpSpPr/>
-        <p:nvPr/>
-      </p:nvGrpSpPr>
-      <p:grpSpPr>
-        <a:xfrm>
-          <a:off x="0" y="0"/>
-          <a:ext cx="0" cy="0"/>
-          <a:chOff x="0" y="0"/>
-          <a:chExt cx="0" cy="0"/>
-        </a:xfrm>
-      </p:grpSpPr>
-      <p:sp>
-        <p:nvSpPr>
-          <p:cNvPr id="2" name="タイトル 1">
-            <a:extLst>
-              <a:ext uri="{FF2B5EF4-FFF2-40B4-BE49-F238E27FC236}">
-                <a16:creationId xmlns="" xmlns:a16="http://schemas.microsoft.com/office/drawing/2014/main" id="{12731FC3-AB29-492B-AE6D-8CB0EBD6035D}"/>
-              </a:ext>
-            </a:extLst>
-          </p:cNvPr>
-          <p:cNvSpPr>
-            <a:spLocks noGrp="1"/>
-          </p:cNvSpPr>
-          <p:nvPr>
-            <p:ph type="title"/>
-          </p:nvPr>
-        </p:nvSpPr>
-        <p:spPr/>
-        <p:txBody>
-          <a:bodyPr/>
-          <a:lstStyle/>
-          <a:p>
-            <a:r>
-              <a:rPr kumimoji="1" lang="ja-JP" altLang="en-US" dirty="0"/>
-              <a:t>改訂履歴</a:t>
-            </a:r>
-          </a:p>
-        </p:txBody>
-      </p:sp>
-      <p:sp>
-        <p:nvSpPr>
-          <p:cNvPr id="4" name="スライド番号プレースホルダー 3">
-            <a:extLst>
-              <a:ext uri="{FF2B5EF4-FFF2-40B4-BE49-F238E27FC236}">
-                <a16:creationId xmlns="" xmlns:a16="http://schemas.microsoft.com/office/drawing/2014/main" id="{5A8CD54E-7EDD-451D-9C7A-85E4A20CEBF0}"/>
-              </a:ext>
-            </a:extLst>
-          </p:cNvPr>
-          <p:cNvSpPr>
-            <a:spLocks noGrp="1"/>
-          </p:cNvSpPr>
-          <p:nvPr>
-            <p:ph type="sldNum" sz="quarter" idx="12"/>
-          </p:nvPr>
-        </p:nvSpPr>
-        <p:spPr/>
-        <p:txBody>
-          <a:bodyPr/>
-          <a:lstStyle/>
-          <a:p>
-            <a:fld id="{FC7FC04C-4975-46EC-A609-F7DE0D5B1B51}" type="slidenum">
-              <a:rPr kumimoji="1" lang="ja-JP" altLang="en-US" smtClean="0"/>
-              <a:pPr/>
-              <a:t>2</a:t>
-            </a:fld>
-            <a:endParaRPr kumimoji="1" lang="ja-JP" altLang="en-US" dirty="0"/>
-          </a:p>
-        </p:txBody>
-      </p:sp>
-      <p:graphicFrame>
-        <p:nvGraphicFramePr>
-          <p:cNvPr id="5" name="表 4">
-            <a:extLst>
-              <a:ext uri="{FF2B5EF4-FFF2-40B4-BE49-F238E27FC236}">
-                <a16:creationId xmlns="" xmlns:a16="http://schemas.microsoft.com/office/drawing/2014/main" id="{9CC6374B-4142-4113-B041-850E8ED0401A}"/>
-              </a:ext>
-            </a:extLst>
-          </p:cNvPr>
-          <p:cNvGraphicFramePr>
-            <a:graphicFrameLocks noGrp="1"/>
-          </p:cNvGraphicFramePr>
-          <p:nvPr>
-            <p:extLst>
-              <p:ext uri="{D42A27DB-BD31-4B8C-83A1-F6EECF244321}">
-                <p14:modId xmlns:p14="http://schemas.microsoft.com/office/powerpoint/2010/main" val="1424934823"/>
-              </p:ext>
-            </p:extLst>
-          </p:nvPr>
-        </p:nvGraphicFramePr>
-        <p:xfrm>
-          <a:off x="438869" y="813934"/>
-          <a:ext cx="10618771" cy="1112520"/>
-        </p:xfrm>
-        <a:graphic>
-          <a:graphicData uri="http://schemas.openxmlformats.org/drawingml/2006/table">
-            <a:tbl>
-              <a:tblPr firstRow="1" bandRow="1">
-                <a:tableStyleId>{2A488322-F2BA-4B5B-9748-0D474271808F}</a:tableStyleId>
-              </a:tblPr>
-              <a:tblGrid>
-                <a:gridCol w="654640">
-                  <a:extLst>
-                    <a:ext uri="{9D8B030D-6E8A-4147-A177-3AD203B41FA5}">
-                      <a16:colId xmlns="" xmlns:a16="http://schemas.microsoft.com/office/drawing/2014/main" val="1645166067"/>
-                    </a:ext>
-                  </a:extLst>
-                </a:gridCol>
-                <a:gridCol w="1451728">
-                  <a:extLst>
-                    <a:ext uri="{9D8B030D-6E8A-4147-A177-3AD203B41FA5}">
-                      <a16:colId xmlns="" xmlns:a16="http://schemas.microsoft.com/office/drawing/2014/main" val="1224812834"/>
-                    </a:ext>
-                  </a:extLst>
-                </a:gridCol>
-                <a:gridCol w="1366887">
-                  <a:extLst>
-                    <a:ext uri="{9D8B030D-6E8A-4147-A177-3AD203B41FA5}">
-                      <a16:colId xmlns="" xmlns:a16="http://schemas.microsoft.com/office/drawing/2014/main" val="773108700"/>
-                    </a:ext>
-                  </a:extLst>
-                </a:gridCol>
-                <a:gridCol w="7145516">
-                  <a:extLst>
-                    <a:ext uri="{9D8B030D-6E8A-4147-A177-3AD203B41FA5}">
-                      <a16:colId xmlns="" xmlns:a16="http://schemas.microsoft.com/office/drawing/2014/main" val="1915496336"/>
-                    </a:ext>
-                  </a:extLst>
-                </a:gridCol>
-              </a:tblGrid>
-              <a:tr h="370840">
-                <a:tc>
-                  <a:txBody>
-                    <a:bodyPr/>
-                    <a:lstStyle/>
-                    <a:p>
-                      <a:r>
-                        <a:rPr kumimoji="1" lang="ja-JP" altLang="en-US" dirty="0"/>
-                        <a:t>版</a:t>
-                      </a:r>
-                    </a:p>
-                  </a:txBody>
-                  <a:tcPr/>
-                </a:tc>
-                <a:tc>
-                  <a:txBody>
-                    <a:bodyPr/>
-                    <a:lstStyle/>
-                    <a:p>
-                      <a:r>
-                        <a:rPr kumimoji="1" lang="ja-JP" altLang="en-US" dirty="0"/>
-                        <a:t>日付</a:t>
-                      </a:r>
-                    </a:p>
-                  </a:txBody>
-                  <a:tcPr/>
-                </a:tc>
-                <a:tc>
-                  <a:txBody>
-                    <a:bodyPr/>
-                    <a:lstStyle/>
-                    <a:p>
-                      <a:r>
-                        <a:rPr kumimoji="1" lang="ja-JP" altLang="en-US" dirty="0"/>
-                        <a:t>更新者</a:t>
-                      </a:r>
-                    </a:p>
-                  </a:txBody>
-                  <a:tcPr/>
-                </a:tc>
-                <a:tc>
-                  <a:txBody>
-                    <a:bodyPr/>
-                    <a:lstStyle/>
-                    <a:p>
-                      <a:r>
-                        <a:rPr kumimoji="1" lang="ja-JP" altLang="en-US" dirty="0"/>
-                        <a:t>更新内容</a:t>
-                      </a:r>
-                    </a:p>
-                  </a:txBody>
-                  <a:tcPr/>
-                </a:tc>
-                <a:extLst>
-                  <a:ext uri="{0D108BD9-81ED-4DB2-BD59-A6C34878D82A}">
-                    <a16:rowId xmlns="" xmlns:a16="http://schemas.microsoft.com/office/drawing/2014/main" val="3052914816"/>
-                  </a:ext>
-                </a:extLst>
-              </a:tr>
-              <a:tr h="370840">
-                <a:tc>
-                  <a:txBody>
-                    <a:bodyPr/>
-                    <a:lstStyle/>
-                    <a:p>
-                      <a:r>
-                        <a:rPr kumimoji="1" lang="en-US" altLang="ja-JP" dirty="0"/>
-                        <a:t>1.00</a:t>
-                      </a:r>
-                      <a:endParaRPr kumimoji="1" lang="ja-JP" altLang="en-US" dirty="0"/>
-                    </a:p>
-                  </a:txBody>
-                  <a:tcPr/>
-                </a:tc>
-                <a:tc>
-                  <a:txBody>
-                    <a:bodyPr/>
-                    <a:lstStyle/>
-                    <a:p>
-                      <a:r>
-                        <a:rPr kumimoji="1" lang="en-US" altLang="ja-JP" dirty="0"/>
-                        <a:t>2019/10/31</a:t>
-                      </a:r>
-                      <a:endParaRPr kumimoji="1" lang="ja-JP" altLang="en-US" dirty="0"/>
-                    </a:p>
-                  </a:txBody>
-                  <a:tcPr/>
-                </a:tc>
-                <a:tc>
-                  <a:txBody>
-                    <a:bodyPr/>
-                    <a:lstStyle/>
-                    <a:p>
-                      <a:r>
-                        <a:rPr kumimoji="1" lang="en-US" altLang="ja-JP" dirty="0"/>
-                        <a:t>UETOMAE</a:t>
-                      </a:r>
-                      <a:endParaRPr kumimoji="1" lang="ja-JP" altLang="en-US" dirty="0"/>
-                    </a:p>
-                  </a:txBody>
-                  <a:tcPr/>
-                </a:tc>
-                <a:tc>
-                  <a:txBody>
-                    <a:bodyPr/>
-                    <a:lstStyle/>
-                    <a:p>
-                      <a:r>
-                        <a:rPr kumimoji="1" lang="ja-JP" altLang="en-US" dirty="0"/>
-                        <a:t>新規作成</a:t>
-                      </a:r>
-                    </a:p>
-                  </a:txBody>
-                  <a:tcPr/>
-                </a:tc>
-                <a:extLst>
-                  <a:ext uri="{0D108BD9-81ED-4DB2-BD59-A6C34878D82A}">
-                    <a16:rowId xmlns="" xmlns:a16="http://schemas.microsoft.com/office/drawing/2014/main" val="2549488193"/>
-                  </a:ext>
-                </a:extLst>
-              </a:tr>
-              <a:tr h="370840">
-                <a:tc>
-                  <a:txBody>
-                    <a:bodyPr/>
-                    <a:lstStyle/>
-                    <a:p>
-                      <a:r>
-                        <a:rPr kumimoji="1" lang="en-US" altLang="ja-JP" dirty="0" smtClean="0"/>
-                        <a:t>2.00</a:t>
-                      </a:r>
-                      <a:endParaRPr kumimoji="1" lang="ja-JP" altLang="en-US" dirty="0"/>
-                    </a:p>
-                  </a:txBody>
-                  <a:tcPr/>
-                </a:tc>
-                <a:tc>
-                  <a:txBody>
-                    <a:bodyPr/>
-                    <a:lstStyle/>
-                    <a:p>
-                      <a:r>
-                        <a:rPr kumimoji="1" lang="en-US" altLang="ja-JP" dirty="0" smtClean="0"/>
-                        <a:t>2020/07/02</a:t>
-                      </a:r>
-                      <a:endParaRPr kumimoji="1" lang="ja-JP" altLang="en-US" dirty="0"/>
-                    </a:p>
-                  </a:txBody>
-                  <a:tcPr/>
-                </a:tc>
-                <a:tc>
-                  <a:txBody>
-                    <a:bodyPr/>
-                    <a:lstStyle/>
-                    <a:p>
-                      <a:pPr marL="0" marR="0" indent="0" algn="l" defTabSz="457200" rtl="0" eaLnBrk="1" fontAlgn="auto" latinLnBrk="0" hangingPunct="1">
-                        <a:lnSpc>
-                          <a:spcPct val="100000"/>
-                        </a:lnSpc>
-                        <a:spcBef>
-                          <a:spcPts val="0"/>
-                        </a:spcBef>
-                        <a:spcAft>
-                          <a:spcPts val="0"/>
-                        </a:spcAft>
-                        <a:buClrTx/>
-                        <a:buSzTx/>
-                        <a:buFontTx/>
-                        <a:buNone/>
-                        <a:tabLst/>
-                        <a:defRPr/>
-                      </a:pPr>
-                      <a:r>
-                        <a:rPr kumimoji="1" lang="en-US" altLang="ja-JP" dirty="0" smtClean="0"/>
-                        <a:t>UETOMAE</a:t>
-                      </a:r>
-                      <a:endParaRPr kumimoji="1" lang="ja-JP" altLang="en-US" dirty="0" smtClean="0"/>
-                    </a:p>
-                  </a:txBody>
-                  <a:tcPr/>
-                </a:tc>
-                <a:tc>
-                  <a:txBody>
-                    <a:bodyPr/>
-                    <a:lstStyle/>
-                    <a:p>
-                      <a:r>
-                        <a:rPr kumimoji="1" lang="ja-JP" altLang="en-US" dirty="0" smtClean="0"/>
-                        <a:t>インフラ構成図追加、パラメータ一覧追加、構築手順更新</a:t>
-                      </a:r>
-                      <a:endParaRPr kumimoji="1" lang="ja-JP" altLang="en-US" dirty="0"/>
-                    </a:p>
-                  </a:txBody>
-                  <a:tcPr/>
-                </a:tc>
-              </a:tr>
-            </a:tbl>
-          </a:graphicData>
-        </a:graphic>
-      </p:graphicFrame>
-    </p:spTree>
-    <p:extLst>
-      <p:ext uri="{BB962C8B-B14F-4D97-AF65-F5344CB8AC3E}">
-        <p14:creationId xmlns:p14="http://schemas.microsoft.com/office/powerpoint/2010/main" val="1599431345"/>
-      </p:ext>
-    </p:extLst>
-  </p:cSld>
-  <p:clrMapOvr>
-    <a:masterClrMapping/>
-  </p:clrMapOvr>
-</p:sld>
-</file>
-
-<file path=ppt/slides/slide20.xml><?xml version="1.0" encoding="utf-8"?>
+<file path=ppt/slides/slide21.xml><?xml version="1.0" encoding="utf-8"?>
 <p:sld xmlns:a="http://schemas.openxmlformats.org/drawingml/2006/main" xmlns:r="http://schemas.openxmlformats.org/officeDocument/2006/relationships" xmlns:p="http://schemas.openxmlformats.org/presentationml/2006/main">
   <p:cSld>
     <p:spTree>
@@ -17153,7 +17855,7 @@
             <a:fld id="{FC7FC04C-4975-46EC-A609-F7DE0D5B1B51}" type="slidenum">
               <a:rPr kumimoji="1" lang="ja-JP" altLang="en-US" smtClean="0"/>
               <a:pPr/>
-              <a:t>20</a:t>
+              <a:t>21</a:t>
             </a:fld>
             <a:endParaRPr kumimoji="1" lang="ja-JP" altLang="en-US" dirty="0"/>
           </a:p>
@@ -17963,7 +18665,7 @@
 </p:sld>
 </file>
 
-<file path=ppt/slides/slide21.xml><?xml version="1.0" encoding="utf-8"?>
+<file path=ppt/slides/slide22.xml><?xml version="1.0" encoding="utf-8"?>
 <p:sld xmlns:a="http://schemas.openxmlformats.org/drawingml/2006/main" xmlns:r="http://schemas.openxmlformats.org/officeDocument/2006/relationships" xmlns:p="http://schemas.openxmlformats.org/presentationml/2006/main">
   <p:cSld>
     <p:spTree>
@@ -18395,7 +19097,7 @@
             <a:fld id="{FC7FC04C-4975-46EC-A609-F7DE0D5B1B51}" type="slidenum">
               <a:rPr kumimoji="1" lang="ja-JP" altLang="en-US" smtClean="0"/>
               <a:pPr/>
-              <a:t>21</a:t>
+              <a:t>22</a:t>
             </a:fld>
             <a:endParaRPr kumimoji="1" lang="ja-JP" altLang="en-US" dirty="0"/>
           </a:p>
@@ -19546,7 +20248,7 @@
 </p:sld>
 </file>
 
-<file path=ppt/slides/slide22.xml><?xml version="1.0" encoding="utf-8"?>
+<file path=ppt/slides/slide23.xml><?xml version="1.0" encoding="utf-8"?>
 <p:sld xmlns:a="http://schemas.openxmlformats.org/drawingml/2006/main" xmlns:r="http://schemas.openxmlformats.org/officeDocument/2006/relationships" xmlns:p="http://schemas.openxmlformats.org/presentationml/2006/main">
   <p:cSld>
     <p:spTree>
@@ -20570,7 +21272,7 @@
             <a:fld id="{FC7FC04C-4975-46EC-A609-F7DE0D5B1B51}" type="slidenum">
               <a:rPr kumimoji="1" lang="ja-JP" altLang="en-US" smtClean="0"/>
               <a:pPr/>
-              <a:t>22</a:t>
+              <a:t>23</a:t>
             </a:fld>
             <a:endParaRPr kumimoji="1" lang="ja-JP" altLang="en-US" dirty="0"/>
           </a:p>
@@ -20596,7 +21298,7 @@
 </p:sld>
 </file>
 
-<file path=ppt/slides/slide23.xml><?xml version="1.0" encoding="utf-8"?>
+<file path=ppt/slides/slide24.xml><?xml version="1.0" encoding="utf-8"?>
 <p:sld xmlns:a="http://schemas.openxmlformats.org/drawingml/2006/main" xmlns:r="http://schemas.openxmlformats.org/officeDocument/2006/relationships" xmlns:p="http://schemas.openxmlformats.org/presentationml/2006/main">
   <p:cSld>
     <p:spTree>
@@ -21082,7 +21784,7 @@
             <a:fld id="{FC7FC04C-4975-46EC-A609-F7DE0D5B1B51}" type="slidenum">
               <a:rPr kumimoji="1" lang="ja-JP" altLang="en-US" smtClean="0"/>
               <a:pPr/>
-              <a:t>23</a:t>
+              <a:t>24</a:t>
             </a:fld>
             <a:endParaRPr kumimoji="1" lang="ja-JP" altLang="en-US" dirty="0"/>
           </a:p>
@@ -22091,7 +22793,7 @@
 </p:sld>
 </file>
 
-<file path=ppt/slides/slide24.xml><?xml version="1.0" encoding="utf-8"?>
+<file path=ppt/slides/slide25.xml><?xml version="1.0" encoding="utf-8"?>
 <p:sld xmlns:a="http://schemas.openxmlformats.org/drawingml/2006/main" xmlns:r="http://schemas.openxmlformats.org/officeDocument/2006/relationships" xmlns:p="http://schemas.openxmlformats.org/presentationml/2006/main">
   <p:cSld>
     <p:spTree>
@@ -22534,7 +23236,7 @@
             <a:fld id="{FC7FC04C-4975-46EC-A609-F7DE0D5B1B51}" type="slidenum">
               <a:rPr kumimoji="1" lang="ja-JP" altLang="en-US" smtClean="0"/>
               <a:pPr/>
-              <a:t>24</a:t>
+              <a:t>25</a:t>
             </a:fld>
             <a:endParaRPr kumimoji="1" lang="ja-JP" altLang="en-US" dirty="0"/>
           </a:p>
@@ -22981,13 +23683,6 @@
               </a:rPr>
               <a:t>Cognito</a:t>
             </a:r>
-            <a:endParaRPr lang="en-US" altLang="ja-JP" dirty="0" smtClean="0">
-              <a:solidFill>
-                <a:schemeClr val="bg1">
-                  <a:lumMod val="75000"/>
-                </a:schemeClr>
-              </a:solidFill>
-            </a:endParaRPr>
           </a:p>
           <a:p>
             <a:pPr lvl="1">
@@ -23470,7 +24165,7 @@
 </p:sld>
 </file>
 
-<file path=ppt/slides/slide25.xml><?xml version="1.0" encoding="utf-8"?>
+<file path=ppt/slides/slide26.xml><?xml version="1.0" encoding="utf-8"?>
 <p:sld xmlns:a="http://schemas.openxmlformats.org/drawingml/2006/main" xmlns:r="http://schemas.openxmlformats.org/officeDocument/2006/relationships" xmlns:p="http://schemas.openxmlformats.org/presentationml/2006/main">
   <p:cSld>
     <p:spTree>
@@ -23867,7 +24562,7 @@
             <a:fld id="{FC7FC04C-4975-46EC-A609-F7DE0D5B1B51}" type="slidenum">
               <a:rPr kumimoji="1" lang="ja-JP" altLang="en-US" smtClean="0"/>
               <a:pPr/>
-              <a:t>25</a:t>
+              <a:t>26</a:t>
             </a:fld>
             <a:endParaRPr kumimoji="1" lang="ja-JP" altLang="en-US" dirty="0"/>
           </a:p>
@@ -24310,13 +25005,6 @@
               </a:rPr>
               <a:t>Cognito</a:t>
             </a:r>
-            <a:endParaRPr lang="en-US" altLang="ja-JP" dirty="0" smtClean="0">
-              <a:solidFill>
-                <a:schemeClr val="bg1">
-                  <a:lumMod val="75000"/>
-                </a:schemeClr>
-              </a:solidFill>
-            </a:endParaRPr>
           </a:p>
           <a:p>
             <a:pPr lvl="1">
@@ -24547,7 +25235,7 @@
 </p:sld>
 </file>
 
-<file path=ppt/slides/slide26.xml><?xml version="1.0" encoding="utf-8"?>
+<file path=ppt/slides/slide27.xml><?xml version="1.0" encoding="utf-8"?>
 <p:sld xmlns:a="http://schemas.openxmlformats.org/drawingml/2006/main" xmlns:r="http://schemas.openxmlformats.org/officeDocument/2006/relationships" xmlns:p="http://schemas.openxmlformats.org/presentationml/2006/main">
   <p:cSld>
     <p:spTree>
@@ -24913,7 +25601,7 @@
             <a:fld id="{FC7FC04C-4975-46EC-A609-F7DE0D5B1B51}" type="slidenum">
               <a:rPr kumimoji="1" lang="ja-JP" altLang="en-US" smtClean="0"/>
               <a:pPr/>
-              <a:t>26</a:t>
+              <a:t>27</a:t>
             </a:fld>
             <a:endParaRPr kumimoji="1" lang="ja-JP" altLang="en-US" dirty="0"/>
           </a:p>
@@ -25356,13 +26044,6 @@
               </a:rPr>
               <a:t>Cognito</a:t>
             </a:r>
-            <a:endParaRPr lang="en-US" altLang="ja-JP" dirty="0" smtClean="0">
-              <a:solidFill>
-                <a:schemeClr val="bg1">
-                  <a:lumMod val="75000"/>
-                </a:schemeClr>
-              </a:solidFill>
-            </a:endParaRPr>
           </a:p>
           <a:p>
             <a:pPr lvl="1">
@@ -25906,7 +26587,7 @@
 </p:sld>
 </file>
 
-<file path=ppt/slides/slide27.xml><?xml version="1.0" encoding="utf-8"?>
+<file path=ppt/slides/slide28.xml><?xml version="1.0" encoding="utf-8"?>
 <p:sld xmlns:a="http://schemas.openxmlformats.org/drawingml/2006/main" xmlns:r="http://schemas.openxmlformats.org/officeDocument/2006/relationships" xmlns:p="http://schemas.openxmlformats.org/presentationml/2006/main">
   <p:cSld>
     <p:spTree>
@@ -26133,63 +26814,156 @@
               <a:rPr lang="en-US" altLang="ja-JP" dirty="0" smtClean="0">
                 <a:latin typeface="+mn-ea"/>
               </a:rPr>
-              <a:t> (zip, unzip, vim ...</a:t>
-            </a:r>
+              <a:t> (zip, unzip, vim ...)</a:t>
+            </a:r>
+          </a:p>
+          <a:p>
+            <a:pPr marL="914400" lvl="2" indent="0">
+              <a:buNone/>
+            </a:pPr>
             <a:r>
               <a:rPr lang="en-US" altLang="ja-JP" dirty="0" smtClean="0">
                 <a:latin typeface="+mn-ea"/>
               </a:rPr>
-              <a:t>)</a:t>
-            </a:r>
-          </a:p>
-          <a:p>
-            <a:pPr marL="914400" lvl="2" indent="0">
-              <a:buNone/>
-            </a:pPr>
+              <a:t>$ sudo yum install </a:t>
+            </a:r>
+            <a:r>
+              <a:rPr lang="mr-IN" altLang="ja-JP" dirty="0" smtClean="0">
+                <a:latin typeface="+mn-ea"/>
+              </a:rPr>
+              <a:t>–</a:t>
+            </a:r>
             <a:r>
               <a:rPr lang="en-US" altLang="ja-JP" dirty="0" smtClean="0">
                 <a:latin typeface="+mn-ea"/>
               </a:rPr>
-              <a:t>$ sudo yum install </a:t>
-            </a:r>
-            <a:r>
-              <a:rPr lang="mr-IN" altLang="ja-JP" dirty="0" smtClean="0">
-                <a:latin typeface="+mn-ea"/>
-              </a:rPr>
-              <a:t>–</a:t>
-            </a:r>
+              <a:t>y zip unzip wget vim git yum-utils</a:t>
+            </a:r>
+          </a:p>
+          <a:p>
+            <a:pPr lvl="1">
+              <a:buFont typeface="+mj-lt"/>
+              <a:buAutoNum type="arabicPeriod" startAt="5"/>
+            </a:pPr>
             <a:r>
               <a:rPr lang="en-US" altLang="ja-JP" dirty="0" smtClean="0">
                 <a:latin typeface="+mn-ea"/>
               </a:rPr>
-              <a:t>y zip unzip wget vim git yum-utils</a:t>
+              <a:t>OS</a:t>
+            </a:r>
+            <a:r>
+              <a:rPr lang="ja-JP" altLang="en-US" dirty="0" smtClean="0">
+                <a:latin typeface="+mn-ea"/>
+              </a:rPr>
+              <a:t>設定、アクセス権限設定</a:t>
             </a:r>
             <a:endParaRPr lang="en-US" altLang="ja-JP" dirty="0" smtClean="0">
               <a:latin typeface="+mn-ea"/>
             </a:endParaRPr>
           </a:p>
           <a:p>
+            <a:pPr marL="914400" lvl="2" indent="0">
+              <a:buNone/>
+            </a:pPr>
+            <a:r>
+              <a:rPr lang="en-US" altLang="ja-JP" dirty="0" smtClean="0">
+                <a:latin typeface="+mn-ea"/>
+              </a:rPr>
+              <a:t>$ sudo timedatectl set-timezone Asia/Tokyo</a:t>
+            </a:r>
+            <a:br>
+              <a:rPr lang="en-US" altLang="ja-JP" dirty="0" smtClean="0">
+                <a:latin typeface="+mn-ea"/>
+              </a:rPr>
+            </a:br>
+            <a:r>
+              <a:rPr lang="en-US" altLang="ja-JP" dirty="0" smtClean="0">
+                <a:latin typeface="+mn-ea"/>
+              </a:rPr>
+              <a:t>$ setenforce 0</a:t>
+            </a:r>
+            <a:br>
+              <a:rPr lang="en-US" altLang="ja-JP" dirty="0" smtClean="0">
+                <a:latin typeface="+mn-ea"/>
+              </a:rPr>
+            </a:br>
+            <a:r>
+              <a:rPr lang="en-US" altLang="ja-JP" dirty="0" smtClean="0">
+                <a:latin typeface="+mn-ea"/>
+              </a:rPr>
+              <a:t>$ cat &lt;&lt;-SELINUX &gt; /etc/selinux/config</a:t>
+            </a:r>
+            <a:br>
+              <a:rPr lang="en-US" altLang="ja-JP" dirty="0" smtClean="0">
+                <a:latin typeface="+mn-ea"/>
+              </a:rPr>
+            </a:br>
+            <a:r>
+              <a:rPr lang="en-US" altLang="ja-JP" dirty="0" smtClean="0">
+                <a:latin typeface="+mn-ea"/>
+              </a:rPr>
+              <a:t>SELINUX=disabled</a:t>
+            </a:r>
+            <a:br>
+              <a:rPr lang="en-US" altLang="ja-JP" dirty="0" smtClean="0">
+                <a:latin typeface="+mn-ea"/>
+              </a:rPr>
+            </a:br>
+            <a:r>
+              <a:rPr lang="en-US" altLang="ja-JP" dirty="0" smtClean="0">
+                <a:latin typeface="+mn-ea"/>
+              </a:rPr>
+              <a:t>SELINUXTYPE=targeted</a:t>
+            </a:r>
+            <a:br>
+              <a:rPr lang="en-US" altLang="ja-JP" dirty="0" smtClean="0">
+                <a:latin typeface="+mn-ea"/>
+              </a:rPr>
+            </a:br>
+            <a:r>
+              <a:rPr lang="en-US" altLang="ja-JP" dirty="0" smtClean="0">
+                <a:latin typeface="+mn-ea"/>
+              </a:rPr>
+              <a:t>SELINUX</a:t>
+            </a:r>
+          </a:p>
+          <a:p>
             <a:pPr lvl="1">
               <a:buFont typeface="+mj-lt"/>
               <a:buAutoNum type="arabicPeriod" startAt="5"/>
             </a:pPr>
             <a:r>
+              <a:rPr lang="ja-JP" altLang="en-US" dirty="0" smtClean="0">
+                <a:latin typeface="+mn-ea"/>
+              </a:rPr>
+              <a:t>ミドルウェア インストール</a:t>
+            </a:r>
+            <a:endParaRPr lang="en-US" altLang="ja-JP" dirty="0">
+              <a:latin typeface="+mn-ea"/>
+            </a:endParaRPr>
+          </a:p>
+          <a:p>
+            <a:pPr lvl="2">
+              <a:buFont typeface="+mj-lt"/>
+              <a:buAutoNum type="arabicPeriod"/>
+            </a:pPr>
+            <a:r>
+              <a:rPr lang="en-US" altLang="ja-JP" dirty="0">
+                <a:latin typeface="+mn-ea"/>
+              </a:rPr>
+              <a:t>W</a:t>
+            </a:r>
+            <a:r>
               <a:rPr lang="en-US" altLang="ja-JP" dirty="0" smtClean="0">
                 <a:latin typeface="+mn-ea"/>
               </a:rPr>
-              <a:t>OS</a:t>
+              <a:t>eb</a:t>
             </a:r>
             <a:r>
               <a:rPr lang="ja-JP" altLang="en-US" dirty="0" smtClean="0">
                 <a:latin typeface="+mn-ea"/>
               </a:rPr>
-              <a:t>設定、アクセス権限</a:t>
-            </a:r>
-            <a:r>
-              <a:rPr lang="ja-JP" altLang="en-US" dirty="0" smtClean="0">
-                <a:latin typeface="+mn-ea"/>
-              </a:rPr>
-              <a:t>設定</a:t>
+              <a:t>サーバ</a:t>
             </a:r>
             <a:endParaRPr lang="en-US" altLang="ja-JP" dirty="0" smtClean="0">
               <a:latin typeface="+mn-ea"/>
@@ -26203,7 +26977,19 @@
               <a:rPr lang="en-US" altLang="ja-JP" dirty="0" smtClean="0">
                 <a:latin typeface="+mn-ea"/>
               </a:rPr>
-              <a:t>$ sudo timedatectl set-timezone Asia/Tokyo</a:t>
+              <a:t>$ sudo yum install </a:t>
+            </a:r>
+            <a:r>
+              <a:rPr lang="mr-IN" altLang="ja-JP" dirty="0" smtClean="0">
+                <a:latin typeface="+mn-ea"/>
+              </a:rPr>
+              <a:t>–</a:t>
+            </a:r>
+            <a:r>
+              <a:rPr lang="en-US" altLang="ja-JP" dirty="0" smtClean="0">
+                <a:latin typeface="+mn-ea"/>
+              </a:rPr>
+              <a:t>y httpd</a:t>
             </a:r>
             <a:br>
               <a:rPr lang="en-US" altLang="ja-JP" dirty="0" smtClean="0">
@@ -26214,7 +27000,7 @@
               <a:rPr lang="en-US" altLang="ja-JP" dirty="0" smtClean="0">
                 <a:latin typeface="+mn-ea"/>
               </a:rPr>
-              <a:t>$ setenforce 0</a:t>
+              <a:t>$ sudo systemctl start httpd.service</a:t>
             </a:r>
             <a:br>
               <a:rPr lang="en-US" altLang="ja-JP" dirty="0" smtClean="0">
@@ -26225,134 +27011,8 @@
               <a:rPr lang="en-US" altLang="ja-JP" dirty="0" smtClean="0">
                 <a:latin typeface="+mn-ea"/>
               </a:rPr>
-              <a:t>$ cat &lt;&lt;-SELINUX &gt; /etc/selinux/config</a:t>
-            </a:r>
-            <a:br>
-              <a:rPr lang="en-US" altLang="ja-JP" dirty="0" smtClean="0">
-                <a:latin typeface="+mn-ea"/>
-              </a:rPr>
-            </a:br>
-            <a:r>
-              <a:rPr lang="en-US" altLang="ja-JP" dirty="0" smtClean="0">
-                <a:latin typeface="+mn-ea"/>
-              </a:rPr>
-              <a:t>SELINUX=disabled</a:t>
-            </a:r>
-            <a:br>
-              <a:rPr lang="en-US" altLang="ja-JP" dirty="0" smtClean="0">
-                <a:latin typeface="+mn-ea"/>
-              </a:rPr>
-            </a:br>
-            <a:r>
-              <a:rPr lang="en-US" altLang="ja-JP" dirty="0" smtClean="0">
-                <a:latin typeface="+mn-ea"/>
-              </a:rPr>
-              <a:t>SELINUXTYPE=targeted</a:t>
-            </a:r>
-            <a:br>
-              <a:rPr lang="en-US" altLang="ja-JP" dirty="0" smtClean="0">
-                <a:latin typeface="+mn-ea"/>
-              </a:rPr>
-            </a:br>
-            <a:r>
-              <a:rPr lang="en-US" altLang="ja-JP" dirty="0" smtClean="0">
-                <a:latin typeface="+mn-ea"/>
-              </a:rPr>
-              <a:t>SELINUX</a:t>
-            </a:r>
-            <a:endParaRPr lang="en-US" altLang="ja-JP" dirty="0" smtClean="0">
-              <a:latin typeface="+mn-ea"/>
-            </a:endParaRPr>
-          </a:p>
-          <a:p>
-            <a:pPr lvl="1">
-              <a:buFont typeface="+mj-lt"/>
-              <a:buAutoNum type="arabicPeriod" startAt="5"/>
-            </a:pPr>
-            <a:r>
-              <a:rPr lang="ja-JP" altLang="en-US" dirty="0" smtClean="0">
-                <a:latin typeface="+mn-ea"/>
-              </a:rPr>
-              <a:t>ミドルウェア インストール</a:t>
-            </a:r>
-            <a:endParaRPr lang="en-US" altLang="ja-JP" dirty="0">
-              <a:latin typeface="+mn-ea"/>
-            </a:endParaRPr>
-          </a:p>
-          <a:p>
-            <a:pPr lvl="2">
-              <a:buFont typeface="+mj-lt"/>
-              <a:buAutoNum type="arabicPeriod"/>
-            </a:pPr>
-            <a:r>
-              <a:rPr lang="en-US" altLang="ja-JP" dirty="0">
-                <a:latin typeface="+mn-ea"/>
-              </a:rPr>
-              <a:t>W</a:t>
-            </a:r>
-            <a:r>
-              <a:rPr lang="en-US" altLang="ja-JP" dirty="0" smtClean="0">
-                <a:latin typeface="+mn-ea"/>
-              </a:rPr>
-              <a:t>eb</a:t>
-            </a:r>
-            <a:r>
-              <a:rPr lang="ja-JP" altLang="en-US" dirty="0" smtClean="0">
-                <a:latin typeface="+mn-ea"/>
-              </a:rPr>
-              <a:t>サーバ</a:t>
-            </a:r>
-            <a:endParaRPr lang="en-US" altLang="ja-JP" dirty="0" smtClean="0">
-              <a:latin typeface="+mn-ea"/>
-            </a:endParaRPr>
-          </a:p>
-          <a:p>
-            <a:pPr marL="914400" lvl="2" indent="0">
-              <a:buNone/>
-            </a:pPr>
-            <a:r>
-              <a:rPr lang="en-US" altLang="ja-JP" dirty="0" smtClean="0">
-                <a:latin typeface="+mn-ea"/>
-              </a:rPr>
-              <a:t>$ sudo yum install </a:t>
-            </a:r>
-            <a:r>
-              <a:rPr lang="mr-IN" altLang="ja-JP" dirty="0" smtClean="0">
-                <a:latin typeface="+mn-ea"/>
-              </a:rPr>
-              <a:t>–</a:t>
-            </a:r>
-            <a:r>
-              <a:rPr lang="en-US" altLang="ja-JP" dirty="0" smtClean="0">
-                <a:latin typeface="+mn-ea"/>
-              </a:rPr>
-              <a:t>y httpd</a:t>
-            </a:r>
-            <a:br>
-              <a:rPr lang="en-US" altLang="ja-JP" dirty="0" smtClean="0">
-                <a:latin typeface="+mn-ea"/>
-              </a:rPr>
-            </a:br>
-            <a:r>
-              <a:rPr lang="en-US" altLang="ja-JP" dirty="0" smtClean="0">
-                <a:latin typeface="+mn-ea"/>
-              </a:rPr>
-              <a:t>$ sudo systemctl start httpd.service</a:t>
-            </a:r>
-            <a:br>
-              <a:rPr lang="en-US" altLang="ja-JP" dirty="0" smtClean="0">
-                <a:latin typeface="+mn-ea"/>
-              </a:rPr>
-            </a:br>
-            <a:r>
-              <a:rPr lang="en-US" altLang="ja-JP" dirty="0" smtClean="0">
-                <a:latin typeface="+mn-ea"/>
-              </a:rPr>
               <a:t>$ sudo systemctl enable httpd.service</a:t>
             </a:r>
-            <a:endParaRPr lang="en-US" altLang="ja-JP" dirty="0" smtClean="0">
-              <a:latin typeface="+mn-ea"/>
-            </a:endParaRPr>
           </a:p>
         </p:txBody>
       </p:sp>
@@ -26380,7 +27040,7 @@
             <a:fld id="{FC7FC04C-4975-46EC-A609-F7DE0D5B1B51}" type="slidenum">
               <a:rPr kumimoji="1" lang="ja-JP" altLang="en-US" smtClean="0"/>
               <a:pPr/>
-              <a:t>27</a:t>
+              <a:t>28</a:t>
             </a:fld>
             <a:endParaRPr kumimoji="1" lang="ja-JP" altLang="en-US" dirty="0"/>
           </a:p>
@@ -26823,13 +27483,6 @@
               </a:rPr>
               <a:t>Cognito</a:t>
             </a:r>
-            <a:endParaRPr lang="en-US" altLang="ja-JP" dirty="0" smtClean="0">
-              <a:solidFill>
-                <a:schemeClr val="bg1">
-                  <a:lumMod val="75000"/>
-                </a:schemeClr>
-              </a:solidFill>
-            </a:endParaRPr>
           </a:p>
           <a:p>
             <a:pPr lvl="1">
@@ -27131,7 +27784,7 @@
 </p:sld>
 </file>
 
-<file path=ppt/slides/slide28.xml><?xml version="1.0" encoding="utf-8"?>
+<file path=ppt/slides/slide29.xml><?xml version="1.0" encoding="utf-8"?>
 <p:sld xmlns:a="http://schemas.openxmlformats.org/drawingml/2006/main" xmlns:r="http://schemas.openxmlformats.org/officeDocument/2006/relationships" xmlns:p="http://schemas.openxmlformats.org/presentationml/2006/main">
   <p:cSld>
     <p:spTree>
@@ -27219,19 +27872,7 @@
               <a:rPr lang="ja-JP" altLang="en-US" dirty="0" smtClean="0">
                 <a:latin typeface="+mn-ea"/>
               </a:rPr>
-              <a:t>ージマネージャ</a:t>
-            </a:r>
-            <a:r>
-              <a:rPr lang="ja-JP" altLang="en-US" dirty="0" smtClean="0">
-                <a:latin typeface="+mn-ea"/>
-              </a:rPr>
-              <a:t>、ランタイム </a:t>
-            </a:r>
-            <a:r>
-              <a:rPr lang="ja-JP" altLang="en-US" dirty="0" smtClean="0">
-                <a:latin typeface="+mn-ea"/>
-              </a:rPr>
-              <a:t>インストール</a:t>
+              <a:t>ージマネージャ、ランタイム インストール</a:t>
             </a:r>
             <a:endParaRPr lang="en-US" altLang="ja-JP" dirty="0" smtClean="0">
               <a:latin typeface="+mn-ea"/>
@@ -27245,13 +27886,7 @@
               <a:rPr lang="en-US" altLang="ja-JP" dirty="0" smtClean="0">
                 <a:latin typeface="+mn-ea"/>
               </a:rPr>
-              <a:t>$ </a:t>
-            </a:r>
-            <a:r>
-              <a:rPr lang="en-US" altLang="ja-JP" dirty="0" smtClean="0">
-                <a:latin typeface="+mn-ea"/>
-              </a:rPr>
-              <a:t>sudo </a:t>
+              <a:t>$ sudo </a:t>
             </a:r>
             <a:r>
               <a:rPr lang="en-US" altLang="ja-JP" dirty="0">
@@ -27339,13 +27974,7 @@
               <a:rPr lang="en-US" altLang="ja-JP" dirty="0" smtClean="0">
                 <a:latin typeface="+mn-ea"/>
               </a:rPr>
-              <a:t>$ </a:t>
-            </a:r>
-            <a:r>
-              <a:rPr lang="en-US" altLang="ja-JP" dirty="0" smtClean="0">
-                <a:latin typeface="+mn-ea"/>
-              </a:rPr>
-              <a:t>sudo </a:t>
+              <a:t>$ sudo </a:t>
             </a:r>
             <a:r>
               <a:rPr lang="en-US" altLang="ja-JP" dirty="0">
@@ -27624,7 +28253,7 @@
             <a:fld id="{FC7FC04C-4975-46EC-A609-F7DE0D5B1B51}" type="slidenum">
               <a:rPr kumimoji="1" lang="ja-JP" altLang="en-US" smtClean="0"/>
               <a:pPr/>
-              <a:t>28</a:t>
+              <a:t>29</a:t>
             </a:fld>
             <a:endParaRPr kumimoji="1" lang="ja-JP" altLang="en-US" dirty="0"/>
           </a:p>
@@ -28067,13 +28696,6 @@
               </a:rPr>
               <a:t>Cognito</a:t>
             </a:r>
-            <a:endParaRPr lang="en-US" altLang="ja-JP" dirty="0" smtClean="0">
-              <a:solidFill>
-                <a:schemeClr val="bg1">
-                  <a:lumMod val="75000"/>
-                </a:schemeClr>
-              </a:solidFill>
-            </a:endParaRPr>
           </a:p>
           <a:p>
             <a:pPr lvl="1">
@@ -28303,7 +28925,278 @@
 </p:sld>
 </file>
 
-<file path=ppt/slides/slide29.xml><?xml version="1.0" encoding="utf-8"?>
+<file path=ppt/slides/slide3.xml><?xml version="1.0" encoding="utf-8"?>
+<p:sld xmlns:a="http://schemas.openxmlformats.org/drawingml/2006/main" xmlns:r="http://schemas.openxmlformats.org/officeDocument/2006/relationships" xmlns:p="http://schemas.openxmlformats.org/presentationml/2006/main">
+  <p:cSld>
+    <p:spTree>
+      <p:nvGrpSpPr>
+        <p:cNvPr id="1" name=""/>
+        <p:cNvGrpSpPr/>
+        <p:nvPr/>
+      </p:nvGrpSpPr>
+      <p:grpSpPr>
+        <a:xfrm>
+          <a:off x="0" y="0"/>
+          <a:ext cx="0" cy="0"/>
+          <a:chOff x="0" y="0"/>
+          <a:chExt cx="0" cy="0"/>
+        </a:xfrm>
+      </p:grpSpPr>
+      <p:sp>
+        <p:nvSpPr>
+          <p:cNvPr id="2" name="タイトル 1"/>
+          <p:cNvSpPr>
+            <a:spLocks noGrp="1"/>
+          </p:cNvSpPr>
+          <p:nvPr>
+            <p:ph type="title"/>
+          </p:nvPr>
+        </p:nvSpPr>
+        <p:spPr/>
+        <p:txBody>
+          <a:bodyPr/>
+          <a:lstStyle/>
+          <a:p>
+            <a:r>
+              <a:rPr kumimoji="1" lang="ja-JP" altLang="en-US" dirty="0" smtClean="0"/>
+              <a:t>目次</a:t>
+            </a:r>
+            <a:endParaRPr kumimoji="1" lang="ja-JP" altLang="en-US" dirty="0"/>
+          </a:p>
+        </p:txBody>
+      </p:sp>
+      <p:sp>
+        <p:nvSpPr>
+          <p:cNvPr id="3" name="コンテンツ プレースホルダー 2"/>
+          <p:cNvSpPr>
+            <a:spLocks noGrp="1"/>
+          </p:cNvSpPr>
+          <p:nvPr>
+            <p:ph idx="1"/>
+          </p:nvPr>
+        </p:nvSpPr>
+        <p:spPr>
+          <a:xfrm>
+            <a:off x="275149" y="548855"/>
+            <a:ext cx="11753029" cy="5677533"/>
+          </a:xfrm>
+        </p:spPr>
+        <p:txBody>
+          <a:bodyPr numCol="1" anchor="ctr"/>
+          <a:lstStyle/>
+          <a:p>
+            <a:pPr marL="400050" indent="-400050">
+              <a:buFont typeface="+mj-lt"/>
+              <a:buAutoNum type="romanUcPeriod"/>
+            </a:pPr>
+            <a:r>
+              <a:rPr lang="ja-JP" altLang="en-US" dirty="0" smtClean="0"/>
+              <a:t>インフラ構成図</a:t>
+            </a:r>
+            <a:endParaRPr kumimoji="1" lang="en-US" altLang="ja-JP" dirty="0" smtClean="0"/>
+          </a:p>
+          <a:p>
+            <a:pPr marL="400050" indent="-400050">
+              <a:buFont typeface="+mj-lt"/>
+              <a:buAutoNum type="romanUcPeriod"/>
+            </a:pPr>
+            <a:endParaRPr kumimoji="1" lang="en-US" altLang="ja-JP" dirty="0" smtClean="0"/>
+          </a:p>
+          <a:p>
+            <a:pPr marL="400050" indent="-400050">
+              <a:buFont typeface="+mj-lt"/>
+              <a:buAutoNum type="romanUcPeriod"/>
+            </a:pPr>
+            <a:r>
+              <a:rPr kumimoji="1" lang="ja-JP" altLang="en-US" dirty="0" smtClean="0"/>
+              <a:t>アカウント準備</a:t>
+            </a:r>
+            <a:endParaRPr lang="en-US" altLang="ja-JP" dirty="0"/>
+          </a:p>
+          <a:p>
+            <a:pPr lvl="1">
+              <a:buFont typeface="+mj-lt"/>
+              <a:buAutoNum type="arabicPeriod"/>
+            </a:pPr>
+            <a:r>
+              <a:rPr lang="en-US" altLang="ja-JP" dirty="0"/>
+              <a:t>AWS</a:t>
+            </a:r>
+            <a:r>
+              <a:rPr lang="ja-JP" altLang="en-US" dirty="0"/>
+              <a:t>アカウント登録</a:t>
+            </a:r>
+            <a:endParaRPr lang="en-US" altLang="ja-JP" dirty="0"/>
+          </a:p>
+          <a:p>
+            <a:pPr lvl="1">
+              <a:buFont typeface="+mj-lt"/>
+              <a:buAutoNum type="arabicPeriod"/>
+            </a:pPr>
+            <a:r>
+              <a:rPr lang="en-US" altLang="ja-JP" dirty="0"/>
+              <a:t>AWS IAM</a:t>
+            </a:r>
+            <a:r>
+              <a:rPr lang="ja-JP" altLang="en-US" dirty="0"/>
+              <a:t>ユーザー登録</a:t>
+            </a:r>
+            <a:endParaRPr kumimoji="1" lang="en-US" altLang="ja-JP" dirty="0" smtClean="0"/>
+          </a:p>
+          <a:p>
+            <a:pPr marL="857250" lvl="1" indent="-400050">
+              <a:buFont typeface="+mj-lt"/>
+              <a:buAutoNum type="romanUcPeriod"/>
+            </a:pPr>
+            <a:endParaRPr kumimoji="1" lang="en-US" altLang="ja-JP" dirty="0" smtClean="0"/>
+          </a:p>
+          <a:p>
+            <a:pPr marL="400050" indent="-400050">
+              <a:buFont typeface="+mj-lt"/>
+              <a:buAutoNum type="romanUcPeriod"/>
+            </a:pPr>
+            <a:r>
+              <a:rPr kumimoji="1" lang="ja-JP" altLang="en-US" dirty="0" smtClean="0"/>
+              <a:t>環境構築手順</a:t>
+            </a:r>
+            <a:endParaRPr lang="en-US" altLang="ja-JP" dirty="0" smtClean="0"/>
+          </a:p>
+          <a:p>
+            <a:pPr lvl="1">
+              <a:buFont typeface="+mj-lt"/>
+              <a:buAutoNum type="arabicPeriod"/>
+            </a:pPr>
+            <a:r>
+              <a:rPr lang="en-US" altLang="ja-JP" dirty="0" smtClean="0"/>
+              <a:t>AWS</a:t>
+            </a:r>
+            <a:r>
+              <a:rPr lang="ja-JP" altLang="en-US" dirty="0" smtClean="0"/>
+              <a:t>リソース</a:t>
+            </a:r>
+            <a:endParaRPr lang="en-US" altLang="ja-JP" dirty="0"/>
+          </a:p>
+          <a:p>
+            <a:pPr lvl="1">
+              <a:buFont typeface="+mj-lt"/>
+              <a:buAutoNum type="arabicPeriod"/>
+            </a:pPr>
+            <a:r>
+              <a:rPr lang="en-US" altLang="ja-JP" dirty="0" smtClean="0"/>
+              <a:t>API </a:t>
+            </a:r>
+            <a:r>
+              <a:rPr lang="ja-JP" altLang="en-US" dirty="0" smtClean="0"/>
+              <a:t>デプロイ</a:t>
+            </a:r>
+            <a:endParaRPr lang="en-US" altLang="ja-JP" dirty="0" smtClean="0"/>
+          </a:p>
+          <a:p>
+            <a:pPr lvl="1">
+              <a:buFont typeface="+mj-lt"/>
+              <a:buAutoNum type="arabicPeriod"/>
+            </a:pPr>
+            <a:endParaRPr lang="en-US" altLang="ja-JP" dirty="0" smtClean="0"/>
+          </a:p>
+          <a:p>
+            <a:pPr>
+              <a:buFont typeface="+mj-lt"/>
+              <a:buAutoNum type="romanUcPeriod"/>
+            </a:pPr>
+            <a:r>
+              <a:rPr lang="ja-JP" altLang="en-US" dirty="0" smtClean="0"/>
+              <a:t>データ移行</a:t>
+            </a:r>
+            <a:endParaRPr lang="en-US" altLang="ja-JP" dirty="0" smtClean="0"/>
+          </a:p>
+          <a:p>
+            <a:pPr lvl="1">
+              <a:buFont typeface="+mj-lt"/>
+              <a:buAutoNum type="arabicPeriod"/>
+            </a:pPr>
+            <a:r>
+              <a:rPr lang="ja-JP" altLang="en-US" dirty="0" smtClean="0"/>
+              <a:t>コンテンツ登録</a:t>
+            </a:r>
+            <a:endParaRPr lang="en-US" altLang="ja-JP" dirty="0" smtClean="0"/>
+          </a:p>
+          <a:p>
+            <a:pPr>
+              <a:buFont typeface="+mj-lt"/>
+              <a:buAutoNum type="romanUcPeriod"/>
+            </a:pPr>
+            <a:endParaRPr lang="en-US" altLang="ja-JP" dirty="0" smtClean="0"/>
+          </a:p>
+          <a:p>
+            <a:pPr>
+              <a:buFont typeface="+mj-lt"/>
+              <a:buAutoNum type="romanUcPeriod"/>
+            </a:pPr>
+            <a:r>
+              <a:rPr lang="ja-JP" altLang="en-US" dirty="0" smtClean="0"/>
+              <a:t>パラメータ一覧</a:t>
+            </a:r>
+          </a:p>
+          <a:p>
+            <a:pPr lvl="1"/>
+            <a:r>
+              <a:rPr lang="en-US" altLang="ja-JP" dirty="0" smtClean="0"/>
+              <a:t>AWS</a:t>
+            </a:r>
+            <a:r>
+              <a:rPr lang="ja-JP" altLang="en-US" dirty="0" smtClean="0"/>
+              <a:t>・</a:t>
+            </a:r>
+            <a:r>
+              <a:rPr lang="ja-JP" altLang="ja-JP" dirty="0"/>
+              <a:t>V</a:t>
+            </a:r>
+            <a:r>
+              <a:rPr lang="en-US" altLang="ja-JP" dirty="0"/>
+              <a:t>uforia</a:t>
+            </a:r>
+            <a:endParaRPr lang="ja-JP" altLang="en-US" dirty="0"/>
+          </a:p>
+        </p:txBody>
+      </p:sp>
+      <p:sp>
+        <p:nvSpPr>
+          <p:cNvPr id="4" name="スライド番号プレースホルダー 3"/>
+          <p:cNvSpPr>
+            <a:spLocks noGrp="1"/>
+          </p:cNvSpPr>
+          <p:nvPr>
+            <p:ph type="sldNum" sz="quarter" idx="12"/>
+          </p:nvPr>
+        </p:nvSpPr>
+        <p:spPr/>
+        <p:txBody>
+          <a:bodyPr/>
+          <a:lstStyle/>
+          <a:p>
+            <a:fld id="{FC7FC04C-4975-46EC-A609-F7DE0D5B1B51}" type="slidenum">
+              <a:rPr kumimoji="1" lang="ja-JP" altLang="en-US" smtClean="0"/>
+              <a:pPr/>
+              <a:t>3</a:t>
+            </a:fld>
+            <a:endParaRPr kumimoji="1" lang="ja-JP" altLang="en-US" dirty="0"/>
+          </a:p>
+        </p:txBody>
+      </p:sp>
+    </p:spTree>
+    <p:extLst>
+      <p:ext uri="{BB962C8B-B14F-4D97-AF65-F5344CB8AC3E}">
+        <p14:creationId xmlns:p14="http://schemas.microsoft.com/office/powerpoint/2010/main" val="493525940"/>
+      </p:ext>
+    </p:extLst>
+  </p:cSld>
+  <p:clrMapOvr>
+    <a:masterClrMapping/>
+  </p:clrMapOvr>
+</p:sld>
+</file>
+
+<file path=ppt/slides/slide30.xml><?xml version="1.0" encoding="utf-8"?>
 <p:sld xmlns:a="http://schemas.openxmlformats.org/drawingml/2006/main" xmlns:r="http://schemas.openxmlformats.org/officeDocument/2006/relationships" xmlns:p="http://schemas.openxmlformats.org/presentationml/2006/main">
   <p:cSld>
     <p:spTree>
@@ -28391,11 +29284,7 @@
             </a:pPr>
             <a:r>
               <a:rPr lang="ja-JP" altLang="en-US" dirty="0" smtClean="0"/>
-              <a:t>システムにアクセスできるアカウント</a:t>
-            </a:r>
-            <a:r>
-              <a:rPr lang="ja-JP" altLang="en-US" dirty="0" smtClean="0"/>
-              <a:t>を</a:t>
+              <a:t>システムにアクセスできるアカウントを</a:t>
             </a:r>
             <a:r>
               <a:rPr lang="ja-JP" altLang="en-US" dirty="0"/>
@@ -28441,19 +29330,7 @@
             </a:pPr>
             <a:r>
               <a:rPr lang="ja-JP" altLang="en-US" dirty="0" smtClean="0"/>
-              <a:t>サービス</a:t>
-            </a:r>
-            <a:r>
-              <a:rPr lang="ja-JP" altLang="en-US" dirty="0" smtClean="0"/>
-              <a:t>ページで「</a:t>
-            </a:r>
-            <a:r>
-              <a:rPr lang="ja-JP" altLang="en-US" dirty="0" smtClean="0"/>
-              <a:t>ユーザープールの管理</a:t>
-            </a:r>
-            <a:r>
-              <a:rPr lang="ja-JP" altLang="en-US" dirty="0" smtClean="0"/>
-              <a:t>」</a:t>
+              <a:t>サービスページで「ユーザープールの管理」</a:t>
             </a:r>
             <a:r>
               <a:rPr lang="ja-JP" altLang="en-US" dirty="0"/>
@@ -28461,11 +29338,7 @@
             </a:r>
             <a:r>
               <a:rPr lang="ja-JP" altLang="en-US" dirty="0" smtClean="0"/>
-              <a:t>押</a:t>
-            </a:r>
-            <a:r>
-              <a:rPr lang="ja-JP" altLang="en-US" dirty="0" smtClean="0"/>
-              <a:t>し、</a:t>
+              <a:t>押し、</a:t>
             </a:r>
             <a:r>
               <a:rPr lang="en-US" altLang="ja-JP" dirty="0" smtClean="0"/>
@@ -28484,11 +29357,7 @@
             </a:r>
             <a:r>
               <a:rPr lang="ja-JP" altLang="en-US" dirty="0" smtClean="0"/>
-              <a:t>ページで「ユーザープールを作成する」ボタンを押す</a:t>
-            </a:r>
-            <a:r>
-              <a:rPr lang="ja-JP" altLang="en-US" dirty="0" smtClean="0"/>
-              <a:t>。</a:t>
+              <a:t>ページで「ユーザープールを作成する」ボタンを押す。</a:t>
             </a:r>
             <a:endParaRPr lang="en-US" altLang="ja-JP" dirty="0" smtClean="0"/>
           </a:p>
@@ -28578,11 +29447,7 @@
             </a:br>
             <a:r>
               <a:rPr lang="ja-JP" altLang="en-US" dirty="0" smtClean="0"/>
-              <a:t>下記を入力して「アプリクライアントの作成」ボタンを押し、</a:t>
-            </a:r>
-            <a:r>
-              <a:rPr lang="ja-JP" altLang="en-US" dirty="0" smtClean="0"/>
-              <a:t>「</a:t>
+              <a:t>下記を入力して「アプリクライアントの作成」ボタンを押し、「</a:t>
             </a:r>
             <a:r>
               <a:rPr lang="ja-JP" altLang="en-US" dirty="0"/>
@@ -28629,11 +29494,7 @@
             </a:pPr>
             <a:r>
               <a:rPr lang="ja-JP" altLang="en-US" dirty="0" smtClean="0"/>
-              <a:t>トリガーページは</a:t>
-            </a:r>
-            <a:r>
-              <a:rPr lang="ja-JP" altLang="en-US" dirty="0" smtClean="0"/>
-              <a:t>初期値</a:t>
+              <a:t>トリガーページは初期値</a:t>
             </a:r>
             <a:r>
               <a:rPr lang="ja-JP" altLang="en-US" dirty="0"/>
@@ -28682,7 +29543,7 @@
             <a:fld id="{FC7FC04C-4975-46EC-A609-F7DE0D5B1B51}" type="slidenum">
               <a:rPr kumimoji="1" lang="ja-JP" altLang="en-US" smtClean="0"/>
               <a:pPr/>
-              <a:t>29</a:t>
+              <a:t>30</a:t>
             </a:fld>
             <a:endParaRPr kumimoji="1" lang="ja-JP" altLang="en-US" dirty="0"/>
           </a:p>
@@ -29124,21 +29985,8 @@
                   <a:srgbClr val="00A0E7"/>
                 </a:solidFill>
               </a:rPr>
-              <a:t>ognit</a:t>
-            </a:r>
-            <a:r>
-              <a:rPr lang="en-US" altLang="ja-JP" dirty="0" smtClean="0">
-                <a:solidFill>
-                  <a:srgbClr val="00A0E7"/>
-                </a:solidFill>
-              </a:rPr>
-              <a:t>o</a:t>
-            </a:r>
-            <a:endParaRPr lang="en-US" altLang="ja-JP" dirty="0" smtClean="0">
-              <a:solidFill>
-                <a:srgbClr val="00A0E7"/>
-              </a:solidFill>
-            </a:endParaRPr>
+              <a:t>ognito</a:t>
+            </a:r>
           </a:p>
           <a:p>
             <a:pPr lvl="1">
@@ -29364,278 +30212,7 @@
 </p:sld>
 </file>
 
-<file path=ppt/slides/slide3.xml><?xml version="1.0" encoding="utf-8"?>
-<p:sld xmlns:a="http://schemas.openxmlformats.org/drawingml/2006/main" xmlns:r="http://schemas.openxmlformats.org/officeDocument/2006/relationships" xmlns:p="http://schemas.openxmlformats.org/presentationml/2006/main">
-  <p:cSld>
-    <p:spTree>
-      <p:nvGrpSpPr>
-        <p:cNvPr id="1" name=""/>
-        <p:cNvGrpSpPr/>
-        <p:nvPr/>
-      </p:nvGrpSpPr>
-      <p:grpSpPr>
-        <a:xfrm>
-          <a:off x="0" y="0"/>
-          <a:ext cx="0" cy="0"/>
-          <a:chOff x="0" y="0"/>
-          <a:chExt cx="0" cy="0"/>
-        </a:xfrm>
-      </p:grpSpPr>
-      <p:sp>
-        <p:nvSpPr>
-          <p:cNvPr id="2" name="タイトル 1"/>
-          <p:cNvSpPr>
-            <a:spLocks noGrp="1"/>
-          </p:cNvSpPr>
-          <p:nvPr>
-            <p:ph type="title"/>
-          </p:nvPr>
-        </p:nvSpPr>
-        <p:spPr/>
-        <p:txBody>
-          <a:bodyPr/>
-          <a:lstStyle/>
-          <a:p>
-            <a:r>
-              <a:rPr kumimoji="1" lang="ja-JP" altLang="en-US" dirty="0" smtClean="0"/>
-              <a:t>目次</a:t>
-            </a:r>
-            <a:endParaRPr kumimoji="1" lang="ja-JP" altLang="en-US" dirty="0"/>
-          </a:p>
-        </p:txBody>
-      </p:sp>
-      <p:sp>
-        <p:nvSpPr>
-          <p:cNvPr id="3" name="コンテンツ プレースホルダー 2"/>
-          <p:cNvSpPr>
-            <a:spLocks noGrp="1"/>
-          </p:cNvSpPr>
-          <p:nvPr>
-            <p:ph idx="1"/>
-          </p:nvPr>
-        </p:nvSpPr>
-        <p:spPr>
-          <a:xfrm>
-            <a:off x="275149" y="548855"/>
-            <a:ext cx="11753029" cy="5677533"/>
-          </a:xfrm>
-        </p:spPr>
-        <p:txBody>
-          <a:bodyPr numCol="1" anchor="ctr"/>
-          <a:lstStyle/>
-          <a:p>
-            <a:pPr marL="400050" indent="-400050">
-              <a:buFont typeface="+mj-lt"/>
-              <a:buAutoNum type="romanUcPeriod"/>
-            </a:pPr>
-            <a:r>
-              <a:rPr lang="ja-JP" altLang="en-US" dirty="0" smtClean="0"/>
-              <a:t>インフラ構成図</a:t>
-            </a:r>
-            <a:endParaRPr kumimoji="1" lang="en-US" altLang="ja-JP" dirty="0" smtClean="0"/>
-          </a:p>
-          <a:p>
-            <a:pPr marL="400050" indent="-400050">
-              <a:buFont typeface="+mj-lt"/>
-              <a:buAutoNum type="romanUcPeriod"/>
-            </a:pPr>
-            <a:endParaRPr kumimoji="1" lang="en-US" altLang="ja-JP" dirty="0" smtClean="0"/>
-          </a:p>
-          <a:p>
-            <a:pPr marL="400050" indent="-400050">
-              <a:buFont typeface="+mj-lt"/>
-              <a:buAutoNum type="romanUcPeriod"/>
-            </a:pPr>
-            <a:r>
-              <a:rPr kumimoji="1" lang="ja-JP" altLang="en-US" dirty="0" smtClean="0"/>
-              <a:t>アカウント準備</a:t>
-            </a:r>
-            <a:endParaRPr lang="en-US" altLang="ja-JP" dirty="0"/>
-          </a:p>
-          <a:p>
-            <a:pPr lvl="1">
-              <a:buFont typeface="+mj-lt"/>
-              <a:buAutoNum type="arabicPeriod"/>
-            </a:pPr>
-            <a:r>
-              <a:rPr lang="en-US" altLang="ja-JP" dirty="0"/>
-              <a:t>AWS</a:t>
-            </a:r>
-            <a:r>
-              <a:rPr lang="ja-JP" altLang="en-US" dirty="0"/>
-              <a:t>アカウント登録</a:t>
-            </a:r>
-            <a:endParaRPr lang="en-US" altLang="ja-JP" dirty="0"/>
-          </a:p>
-          <a:p>
-            <a:pPr lvl="1">
-              <a:buFont typeface="+mj-lt"/>
-              <a:buAutoNum type="arabicPeriod"/>
-            </a:pPr>
-            <a:r>
-              <a:rPr lang="en-US" altLang="ja-JP" dirty="0"/>
-              <a:t>AWS IAM</a:t>
-            </a:r>
-            <a:r>
-              <a:rPr lang="ja-JP" altLang="en-US" dirty="0"/>
-              <a:t>ユーザー登録</a:t>
-            </a:r>
-            <a:endParaRPr kumimoji="1" lang="en-US" altLang="ja-JP" dirty="0" smtClean="0"/>
-          </a:p>
-          <a:p>
-            <a:pPr marL="857250" lvl="1" indent="-400050">
-              <a:buFont typeface="+mj-lt"/>
-              <a:buAutoNum type="romanUcPeriod"/>
-            </a:pPr>
-            <a:endParaRPr kumimoji="1" lang="en-US" altLang="ja-JP" dirty="0" smtClean="0"/>
-          </a:p>
-          <a:p>
-            <a:pPr marL="400050" indent="-400050">
-              <a:buFont typeface="+mj-lt"/>
-              <a:buAutoNum type="romanUcPeriod"/>
-            </a:pPr>
-            <a:r>
-              <a:rPr kumimoji="1" lang="ja-JP" altLang="en-US" dirty="0" smtClean="0"/>
-              <a:t>環境構築手順</a:t>
-            </a:r>
-            <a:endParaRPr lang="en-US" altLang="ja-JP" dirty="0" smtClean="0"/>
-          </a:p>
-          <a:p>
-            <a:pPr lvl="1">
-              <a:buFont typeface="+mj-lt"/>
-              <a:buAutoNum type="arabicPeriod"/>
-            </a:pPr>
-            <a:r>
-              <a:rPr lang="en-US" altLang="ja-JP" dirty="0" smtClean="0"/>
-              <a:t>AWS</a:t>
-            </a:r>
-            <a:r>
-              <a:rPr lang="ja-JP" altLang="en-US" dirty="0" smtClean="0"/>
-              <a:t>リソース</a:t>
-            </a:r>
-            <a:endParaRPr lang="en-US" altLang="ja-JP" dirty="0"/>
-          </a:p>
-          <a:p>
-            <a:pPr lvl="1">
-              <a:buFont typeface="+mj-lt"/>
-              <a:buAutoNum type="arabicPeriod"/>
-            </a:pPr>
-            <a:r>
-              <a:rPr lang="en-US" altLang="ja-JP" dirty="0" smtClean="0"/>
-              <a:t>API </a:t>
-            </a:r>
-            <a:r>
-              <a:rPr lang="ja-JP" altLang="en-US" dirty="0" smtClean="0"/>
-              <a:t>デプロイ</a:t>
-            </a:r>
-            <a:endParaRPr lang="en-US" altLang="ja-JP" dirty="0" smtClean="0"/>
-          </a:p>
-          <a:p>
-            <a:pPr lvl="1">
-              <a:buFont typeface="+mj-lt"/>
-              <a:buAutoNum type="arabicPeriod"/>
-            </a:pPr>
-            <a:endParaRPr lang="en-US" altLang="ja-JP" dirty="0" smtClean="0"/>
-          </a:p>
-          <a:p>
-            <a:pPr>
-              <a:buFont typeface="+mj-lt"/>
-              <a:buAutoNum type="romanUcPeriod"/>
-            </a:pPr>
-            <a:r>
-              <a:rPr lang="ja-JP" altLang="en-US" dirty="0" smtClean="0"/>
-              <a:t>データ移行</a:t>
-            </a:r>
-            <a:endParaRPr lang="en-US" altLang="ja-JP" dirty="0" smtClean="0"/>
-          </a:p>
-          <a:p>
-            <a:pPr lvl="1">
-              <a:buFont typeface="+mj-lt"/>
-              <a:buAutoNum type="arabicPeriod"/>
-            </a:pPr>
-            <a:r>
-              <a:rPr lang="ja-JP" altLang="en-US" dirty="0" smtClean="0"/>
-              <a:t>コンテンツ登録</a:t>
-            </a:r>
-            <a:endParaRPr lang="en-US" altLang="ja-JP" dirty="0" smtClean="0"/>
-          </a:p>
-          <a:p>
-            <a:pPr>
-              <a:buFont typeface="+mj-lt"/>
-              <a:buAutoNum type="romanUcPeriod"/>
-            </a:pPr>
-            <a:endParaRPr lang="en-US" altLang="ja-JP" dirty="0" smtClean="0"/>
-          </a:p>
-          <a:p>
-            <a:pPr>
-              <a:buFont typeface="+mj-lt"/>
-              <a:buAutoNum type="romanUcPeriod"/>
-            </a:pPr>
-            <a:r>
-              <a:rPr lang="ja-JP" altLang="en-US" dirty="0" smtClean="0"/>
-              <a:t>パラメータ一覧</a:t>
-            </a:r>
-          </a:p>
-          <a:p>
-            <a:pPr lvl="1"/>
-            <a:r>
-              <a:rPr lang="en-US" altLang="ja-JP" dirty="0" smtClean="0"/>
-              <a:t>AWS</a:t>
-            </a:r>
-            <a:r>
-              <a:rPr lang="ja-JP" altLang="en-US" dirty="0" smtClean="0"/>
-              <a:t>・</a:t>
-            </a:r>
-            <a:r>
-              <a:rPr lang="ja-JP" altLang="ja-JP" dirty="0"/>
-              <a:t>V</a:t>
-            </a:r>
-            <a:r>
-              <a:rPr lang="en-US" altLang="ja-JP" dirty="0"/>
-              <a:t>uforia</a:t>
-            </a:r>
-            <a:endParaRPr lang="ja-JP" altLang="en-US" dirty="0"/>
-          </a:p>
-        </p:txBody>
-      </p:sp>
-      <p:sp>
-        <p:nvSpPr>
-          <p:cNvPr id="4" name="スライド番号プレースホルダー 3"/>
-          <p:cNvSpPr>
-            <a:spLocks noGrp="1"/>
-          </p:cNvSpPr>
-          <p:nvPr>
-            <p:ph type="sldNum" sz="quarter" idx="12"/>
-          </p:nvPr>
-        </p:nvSpPr>
-        <p:spPr/>
-        <p:txBody>
-          <a:bodyPr/>
-          <a:lstStyle/>
-          <a:p>
-            <a:fld id="{FC7FC04C-4975-46EC-A609-F7DE0D5B1B51}" type="slidenum">
-              <a:rPr kumimoji="1" lang="ja-JP" altLang="en-US" smtClean="0"/>
-              <a:pPr/>
-              <a:t>3</a:t>
-            </a:fld>
-            <a:endParaRPr kumimoji="1" lang="ja-JP" altLang="en-US" dirty="0"/>
-          </a:p>
-        </p:txBody>
-      </p:sp>
-    </p:spTree>
-    <p:extLst>
-      <p:ext uri="{BB962C8B-B14F-4D97-AF65-F5344CB8AC3E}">
-        <p14:creationId xmlns:p14="http://schemas.microsoft.com/office/powerpoint/2010/main" val="493525940"/>
-      </p:ext>
-    </p:extLst>
-  </p:cSld>
-  <p:clrMapOvr>
-    <a:masterClrMapping/>
-  </p:clrMapOvr>
-</p:sld>
-</file>
-
-<file path=ppt/slides/slide30.xml><?xml version="1.0" encoding="utf-8"?>
+<file path=ppt/slides/slide31.xml><?xml version="1.0" encoding="utf-8"?>
 <p:sld xmlns:a="http://schemas.openxmlformats.org/drawingml/2006/main" xmlns:r="http://schemas.openxmlformats.org/officeDocument/2006/relationships" xmlns:p="http://schemas.openxmlformats.org/presentationml/2006/main">
   <p:cSld>
     <p:spTree>
@@ -29759,11 +30336,7 @@
             </a:pPr>
             <a:r>
               <a:rPr lang="ja-JP" altLang="en-US" dirty="0" smtClean="0"/>
-              <a:t>ホストゾーン ページを開いて、「ホストゾーンの作成」ボタンを</a:t>
-            </a:r>
-            <a:r>
-              <a:rPr lang="ja-JP" altLang="en-US" dirty="0" smtClean="0"/>
-              <a:t>押す。</a:t>
+              <a:t>ホストゾーン ページを開いて、「ホストゾーンの作成」ボタンを押す。</a:t>
             </a:r>
             <a:r>
               <a:rPr lang="en-US" altLang="ja-JP" dirty="0" smtClean="0"/>
@@ -29813,11 +30386,7 @@
             </a:r>
             <a:r>
               <a:rPr lang="ja-JP" altLang="en-US" dirty="0" smtClean="0"/>
-              <a:t>ページ</a:t>
-            </a:r>
-            <a:r>
-              <a:rPr lang="ja-JP" altLang="en-US" dirty="0" smtClean="0"/>
-              <a:t>で、上記</a:t>
+              <a:t>ページで、上記</a:t>
             </a:r>
             <a:r>
               <a:rPr lang="en-US" altLang="ja-JP" dirty="0" smtClean="0"/>
@@ -29952,7 +30521,7 @@
             <a:fld id="{FC7FC04C-4975-46EC-A609-F7DE0D5B1B51}" type="slidenum">
               <a:rPr kumimoji="1" lang="ja-JP" altLang="en-US" smtClean="0"/>
               <a:pPr/>
-              <a:t>30</a:t>
+              <a:t>31</a:t>
             </a:fld>
             <a:endParaRPr kumimoji="1" lang="ja-JP" altLang="en-US" dirty="0"/>
           </a:p>
@@ -30398,25 +30967,8 @@
                   </a:schemeClr>
                 </a:solidFill>
               </a:rPr>
-              <a:t>ognit</a:t>
-            </a:r>
-            <a:r>
-              <a:rPr lang="en-US" altLang="ja-JP" dirty="0" smtClean="0">
-                <a:solidFill>
-                  <a:schemeClr val="bg1">
-                    <a:lumMod val="75000"/>
-                  </a:schemeClr>
-                </a:solidFill>
-              </a:rPr>
-              <a:t>o</a:t>
-            </a:r>
-            <a:endParaRPr lang="en-US" altLang="ja-JP" dirty="0" smtClean="0">
-              <a:solidFill>
-                <a:schemeClr val="bg1">
-                  <a:lumMod val="75000"/>
-                </a:schemeClr>
-              </a:solidFill>
-            </a:endParaRPr>
+              <a:t>ognito</a:t>
+            </a:r>
           </a:p>
           <a:p>
             <a:pPr lvl="1">
@@ -30638,7 +31190,7 @@
 </p:sld>
 </file>
 
-<file path=ppt/slides/slide31.xml><?xml version="1.0" encoding="utf-8"?>
+<file path=ppt/slides/slide32.xml><?xml version="1.0" encoding="utf-8"?>
 <p:sld xmlns:a="http://schemas.openxmlformats.org/drawingml/2006/main" xmlns:r="http://schemas.openxmlformats.org/officeDocument/2006/relationships" xmlns:p="http://schemas.openxmlformats.org/presentationml/2006/main">
   <p:cSld>
     <p:spTree>
@@ -30937,7 +31489,7 @@
             <a:fld id="{FC7FC04C-4975-46EC-A609-F7DE0D5B1B51}" type="slidenum">
               <a:rPr kumimoji="1" lang="ja-JP" altLang="en-US" smtClean="0"/>
               <a:pPr/>
-              <a:t>31</a:t>
+              <a:t>32</a:t>
             </a:fld>
             <a:endParaRPr kumimoji="1" lang="ja-JP" altLang="en-US" dirty="0"/>
           </a:p>
@@ -32224,7 +32776,7 @@
 </p:sld>
 </file>
 
-<file path=ppt/slides/slide32.xml><?xml version="1.0" encoding="utf-8"?>
+<file path=ppt/slides/slide33.xml><?xml version="1.0" encoding="utf-8"?>
 <p:sld xmlns:a="http://schemas.openxmlformats.org/drawingml/2006/main" xmlns:r="http://schemas.openxmlformats.org/officeDocument/2006/relationships" xmlns:p="http://schemas.openxmlformats.org/presentationml/2006/main">
   <p:cSld>
     <p:spTree>
@@ -32547,7 +33099,7 @@
             <a:fld id="{FC7FC04C-4975-46EC-A609-F7DE0D5B1B51}" type="slidenum">
               <a:rPr kumimoji="1" lang="ja-JP" altLang="en-US" smtClean="0"/>
               <a:pPr/>
-              <a:t>32</a:t>
+              <a:t>33</a:t>
             </a:fld>
             <a:endParaRPr kumimoji="1" lang="ja-JP" altLang="en-US" dirty="0"/>
           </a:p>
@@ -33747,7 +34299,7 @@
 </p:sld>
 </file>
 
-<file path=ppt/slides/slide33.xml><?xml version="1.0" encoding="utf-8"?>
+<file path=ppt/slides/slide34.xml><?xml version="1.0" encoding="utf-8"?>
 <p:sld xmlns:a="http://schemas.openxmlformats.org/drawingml/2006/main" xmlns:r="http://schemas.openxmlformats.org/officeDocument/2006/relationships" xmlns:p="http://schemas.openxmlformats.org/presentationml/2006/main">
   <p:cSld>
     <p:spTree>
@@ -33878,7 +34430,7 @@
             <a:fld id="{FC7FC04C-4975-46EC-A609-F7DE0D5B1B51}" type="slidenum">
               <a:rPr kumimoji="1" lang="ja-JP" altLang="en-US" smtClean="0"/>
               <a:pPr/>
-              <a:t>33</a:t>
+              <a:t>34</a:t>
             </a:fld>
             <a:endParaRPr kumimoji="1" lang="ja-JP" altLang="en-US" dirty="0"/>
           </a:p>
@@ -34455,7 +35007,7 @@
 </p:sld>
 </file>
 
-<file path=ppt/slides/slide34.xml><?xml version="1.0" encoding="utf-8"?>
+<file path=ppt/slides/slide35.xml><?xml version="1.0" encoding="utf-8"?>
 <p:sld xmlns:a="http://schemas.openxmlformats.org/drawingml/2006/main" xmlns:r="http://schemas.openxmlformats.org/officeDocument/2006/relationships" xmlns:p="http://schemas.openxmlformats.org/presentationml/2006/main">
   <p:cSld>
     <p:spTree>
@@ -34744,7 +35296,7 @@
             <a:fld id="{FC7FC04C-4975-46EC-A609-F7DE0D5B1B51}" type="slidenum">
               <a:rPr kumimoji="1" lang="ja-JP" altLang="en-US" smtClean="0"/>
               <a:pPr/>
-              <a:t>34</a:t>
+              <a:t>35</a:t>
             </a:fld>
             <a:endParaRPr kumimoji="1" lang="ja-JP" altLang="en-US" dirty="0"/>
           </a:p>
@@ -35087,7 +35639,7 @@
 </p:sld>
 </file>
 
-<file path=ppt/slides/slide35.xml><?xml version="1.0" encoding="utf-8"?>
+<file path=ppt/slides/slide36.xml><?xml version="1.0" encoding="utf-8"?>
 <p:sld xmlns:a="http://schemas.openxmlformats.org/drawingml/2006/main" xmlns:r="http://schemas.openxmlformats.org/officeDocument/2006/relationships" xmlns:p="http://schemas.openxmlformats.org/presentationml/2006/main">
   <p:cSld>
     <p:spTree>
@@ -35454,7 +36006,7 @@
             <a:fld id="{FC7FC04C-4975-46EC-A609-F7DE0D5B1B51}" type="slidenum">
               <a:rPr kumimoji="1" lang="ja-JP" altLang="en-US" smtClean="0"/>
               <a:pPr/>
-              <a:t>35</a:t>
+              <a:t>36</a:t>
             </a:fld>
             <a:endParaRPr kumimoji="1" lang="ja-JP" altLang="en-US" dirty="0"/>
           </a:p>
@@ -35876,89 +36428,6 @@
 </p:sld>
 </file>
 
-<file path=ppt/slides/slide36.xml><?xml version="1.0" encoding="utf-8"?>
-<p:sld xmlns:a="http://schemas.openxmlformats.org/drawingml/2006/main" xmlns:r="http://schemas.openxmlformats.org/officeDocument/2006/relationships" xmlns:p="http://schemas.openxmlformats.org/presentationml/2006/main">
-  <p:cSld>
-    <p:spTree>
-      <p:nvGrpSpPr>
-        <p:cNvPr id="1" name=""/>
-        <p:cNvGrpSpPr/>
-        <p:nvPr/>
-      </p:nvGrpSpPr>
-      <p:grpSpPr>
-        <a:xfrm>
-          <a:off x="0" y="0"/>
-          <a:ext cx="0" cy="0"/>
-          <a:chOff x="0" y="0"/>
-          <a:chExt cx="0" cy="0"/>
-        </a:xfrm>
-      </p:grpSpPr>
-      <p:sp>
-        <p:nvSpPr>
-          <p:cNvPr id="2" name="タイトル 1"/>
-          <p:cNvSpPr>
-            <a:spLocks noGrp="1"/>
-          </p:cNvSpPr>
-          <p:nvPr>
-            <p:ph type="title"/>
-          </p:nvPr>
-        </p:nvSpPr>
-        <p:spPr/>
-        <p:txBody>
-          <a:bodyPr/>
-          <a:lstStyle/>
-          <a:p>
-            <a:r>
-              <a:rPr kumimoji="1" lang="en-US" altLang="ja-JP" dirty="0" smtClean="0"/>
-              <a:t>IV.</a:t>
-            </a:r>
-            <a:r>
-              <a:rPr kumimoji="1" lang="ja-JP" altLang="en-US" dirty="0" smtClean="0"/>
-              <a:t> パラメータ一覧</a:t>
-            </a:r>
-            <a:endParaRPr kumimoji="1" lang="ja-JP" altLang="en-US" dirty="0"/>
-          </a:p>
-        </p:txBody>
-      </p:sp>
-      <p:sp>
-        <p:nvSpPr>
-          <p:cNvPr id="3" name="テキスト プレースホルダー 2"/>
-          <p:cNvSpPr>
-            <a:spLocks noGrp="1"/>
-          </p:cNvSpPr>
-          <p:nvPr>
-            <p:ph type="body" idx="1"/>
-          </p:nvPr>
-        </p:nvSpPr>
-        <p:spPr/>
-        <p:txBody>
-          <a:bodyPr/>
-          <a:lstStyle/>
-          <a:p>
-            <a:endParaRPr kumimoji="1" lang="ja-JP" altLang="en-US"/>
-          </a:p>
-        </p:txBody>
-      </p:sp>
-    </p:spTree>
-    <p:extLst>
-      <p:ext uri="{BB962C8B-B14F-4D97-AF65-F5344CB8AC3E}">
-        <p14:creationId xmlns:p14="http://schemas.microsoft.com/office/powerpoint/2010/main" val="933022980"/>
-      </p:ext>
-    </p:extLst>
-  </p:cSld>
-  <p:clrMapOvr>
-    <a:masterClrMapping/>
-  </p:clrMapOvr>
-  <p:timing>
-    <p:tnLst>
-      <p:par>
-        <p:cTn xmlns:p14="http://schemas.microsoft.com/office/powerpoint/2010/main" id="1" dur="indefinite" restart="never" nodeType="tmRoot"/>
-      </p:par>
-    </p:tnLst>
-  </p:timing>
-</p:sld>
-</file>
-
 <file path=ppt/slides/slide37.xml><?xml version="1.0" encoding="utf-8"?>
 <p:sld xmlns:a="http://schemas.openxmlformats.org/drawingml/2006/main" xmlns:r="http://schemas.openxmlformats.org/officeDocument/2006/relationships" xmlns:p="http://schemas.openxmlformats.org/presentationml/2006/main">
   <p:cSld>
@@ -35992,6 +36461,89 @@
           <a:lstStyle/>
           <a:p>
             <a:r>
+              <a:rPr kumimoji="1" lang="en-US" altLang="ja-JP" dirty="0" smtClean="0"/>
+              <a:t>IV.</a:t>
+            </a:r>
+            <a:r>
+              <a:rPr kumimoji="1" lang="ja-JP" altLang="en-US" dirty="0" smtClean="0"/>
+              <a:t> パラメータ一覧</a:t>
+            </a:r>
+            <a:endParaRPr kumimoji="1" lang="ja-JP" altLang="en-US" dirty="0"/>
+          </a:p>
+        </p:txBody>
+      </p:sp>
+      <p:sp>
+        <p:nvSpPr>
+          <p:cNvPr id="3" name="テキスト プレースホルダー 2"/>
+          <p:cNvSpPr>
+            <a:spLocks noGrp="1"/>
+          </p:cNvSpPr>
+          <p:nvPr>
+            <p:ph type="body" idx="1"/>
+          </p:nvPr>
+        </p:nvSpPr>
+        <p:spPr/>
+        <p:txBody>
+          <a:bodyPr/>
+          <a:lstStyle/>
+          <a:p>
+            <a:endParaRPr kumimoji="1" lang="ja-JP" altLang="en-US"/>
+          </a:p>
+        </p:txBody>
+      </p:sp>
+    </p:spTree>
+    <p:extLst>
+      <p:ext uri="{BB962C8B-B14F-4D97-AF65-F5344CB8AC3E}">
+        <p14:creationId xmlns:p14="http://schemas.microsoft.com/office/powerpoint/2010/main" val="933022980"/>
+      </p:ext>
+    </p:extLst>
+  </p:cSld>
+  <p:clrMapOvr>
+    <a:masterClrMapping/>
+  </p:clrMapOvr>
+  <p:timing>
+    <p:tnLst>
+      <p:par>
+        <p:cTn xmlns:p14="http://schemas.microsoft.com/office/powerpoint/2010/main" id="1" dur="indefinite" restart="never" nodeType="tmRoot"/>
+      </p:par>
+    </p:tnLst>
+  </p:timing>
+</p:sld>
+</file>
+
+<file path=ppt/slides/slide38.xml><?xml version="1.0" encoding="utf-8"?>
+<p:sld xmlns:a="http://schemas.openxmlformats.org/drawingml/2006/main" xmlns:r="http://schemas.openxmlformats.org/officeDocument/2006/relationships" xmlns:p="http://schemas.openxmlformats.org/presentationml/2006/main">
+  <p:cSld>
+    <p:spTree>
+      <p:nvGrpSpPr>
+        <p:cNvPr id="1" name=""/>
+        <p:cNvGrpSpPr/>
+        <p:nvPr/>
+      </p:nvGrpSpPr>
+      <p:grpSpPr>
+        <a:xfrm>
+          <a:off x="0" y="0"/>
+          <a:ext cx="0" cy="0"/>
+          <a:chOff x="0" y="0"/>
+          <a:chExt cx="0" cy="0"/>
+        </a:xfrm>
+      </p:grpSpPr>
+      <p:sp>
+        <p:nvSpPr>
+          <p:cNvPr id="2" name="タイトル 1"/>
+          <p:cNvSpPr>
+            <a:spLocks noGrp="1"/>
+          </p:cNvSpPr>
+          <p:nvPr>
+            <p:ph type="title"/>
+          </p:nvPr>
+        </p:nvSpPr>
+        <p:spPr/>
+        <p:txBody>
+          <a:bodyPr/>
+          <a:lstStyle/>
+          <a:p>
+            <a:r>
               <a:rPr kumimoji="1" lang="ja-JP" altLang="en-US" dirty="0" smtClean="0"/>
               <a:t>パラメータ一覧</a:t>
             </a:r>
@@ -36021,7 +36573,7 @@
             <a:fld id="{FC7FC04C-4975-46EC-A609-F7DE0D5B1B51}" type="slidenum">
               <a:rPr kumimoji="1" lang="ja-JP" altLang="en-US" smtClean="0"/>
               <a:pPr/>
-              <a:t>37</a:t>
+              <a:t>38</a:t>
             </a:fld>
             <a:endParaRPr kumimoji="1" lang="ja-JP" altLang="en-US" dirty="0"/>
           </a:p>
@@ -36457,7 +37009,7 @@
 </p:sld>
 </file>
 
-<file path=ppt/slides/slide38.xml><?xml version="1.0" encoding="utf-8"?>
+<file path=ppt/slides/slide39.xml><?xml version="1.0" encoding="utf-8"?>
 <p:sld xmlns:a="http://schemas.openxmlformats.org/drawingml/2006/main" xmlns:r="http://schemas.openxmlformats.org/officeDocument/2006/relationships" xmlns:p="http://schemas.openxmlformats.org/presentationml/2006/main">
   <p:cSld>
     <p:spTree>
@@ -36519,7 +37071,7 @@
             <a:fld id="{FC7FC04C-4975-46EC-A609-F7DE0D5B1B51}" type="slidenum">
               <a:rPr kumimoji="1" lang="ja-JP" altLang="en-US" smtClean="0"/>
               <a:pPr/>
-              <a:t>38</a:t>
+              <a:t>39</a:t>
             </a:fld>
             <a:endParaRPr kumimoji="1" lang="ja-JP" altLang="en-US" dirty="0"/>
           </a:p>
@@ -36955,7 +37507,7 @@
 </p:sld>
 </file>
 
-<file path=ppt/slides/slide39.xml><?xml version="1.0" encoding="utf-8"?>
+<file path=ppt/slides/slide4.xml><?xml version="1.0" encoding="utf-8"?>
 <p:sld xmlns:a="http://schemas.openxmlformats.org/drawingml/2006/main" xmlns:r="http://schemas.openxmlformats.org/officeDocument/2006/relationships" xmlns:p="http://schemas.openxmlformats.org/presentationml/2006/main">
   <p:cSld>
     <p:spTree>
@@ -36988,6 +37540,89 @@
           <a:lstStyle/>
           <a:p>
             <a:r>
+              <a:rPr kumimoji="1" lang="en-US" altLang="ja-JP" dirty="0" smtClean="0"/>
+              <a:t>I.</a:t>
+            </a:r>
+            <a:r>
+              <a:rPr kumimoji="1" lang="ja-JP" altLang="en-US" dirty="0" smtClean="0"/>
+              <a:t> インフラ構成図</a:t>
+            </a:r>
+            <a:endParaRPr kumimoji="1" lang="ja-JP" altLang="en-US" dirty="0"/>
+          </a:p>
+        </p:txBody>
+      </p:sp>
+      <p:sp>
+        <p:nvSpPr>
+          <p:cNvPr id="3" name="テキスト プレースホルダー 2"/>
+          <p:cNvSpPr>
+            <a:spLocks noGrp="1"/>
+          </p:cNvSpPr>
+          <p:nvPr>
+            <p:ph type="body" idx="1"/>
+          </p:nvPr>
+        </p:nvSpPr>
+        <p:spPr/>
+        <p:txBody>
+          <a:bodyPr/>
+          <a:lstStyle/>
+          <a:p>
+            <a:endParaRPr kumimoji="1" lang="ja-JP" altLang="en-US"/>
+          </a:p>
+        </p:txBody>
+      </p:sp>
+    </p:spTree>
+    <p:extLst>
+      <p:ext uri="{BB962C8B-B14F-4D97-AF65-F5344CB8AC3E}">
+        <p14:creationId xmlns:p14="http://schemas.microsoft.com/office/powerpoint/2010/main" val="2707565104"/>
+      </p:ext>
+    </p:extLst>
+  </p:cSld>
+  <p:clrMapOvr>
+    <a:masterClrMapping/>
+  </p:clrMapOvr>
+  <p:timing>
+    <p:tnLst>
+      <p:par>
+        <p:cTn xmlns:p14="http://schemas.microsoft.com/office/powerpoint/2010/main" id="1" dur="indefinite" restart="never" nodeType="tmRoot"/>
+      </p:par>
+    </p:tnLst>
+  </p:timing>
+</p:sld>
+</file>
+
+<file path=ppt/slides/slide40.xml><?xml version="1.0" encoding="utf-8"?>
+<p:sld xmlns:a="http://schemas.openxmlformats.org/drawingml/2006/main" xmlns:r="http://schemas.openxmlformats.org/officeDocument/2006/relationships" xmlns:p="http://schemas.openxmlformats.org/presentationml/2006/main">
+  <p:cSld>
+    <p:spTree>
+      <p:nvGrpSpPr>
+        <p:cNvPr id="1" name=""/>
+        <p:cNvGrpSpPr/>
+        <p:nvPr/>
+      </p:nvGrpSpPr>
+      <p:grpSpPr>
+        <a:xfrm>
+          <a:off x="0" y="0"/>
+          <a:ext cx="0" cy="0"/>
+          <a:chOff x="0" y="0"/>
+          <a:chExt cx="0" cy="0"/>
+        </a:xfrm>
+      </p:grpSpPr>
+      <p:sp>
+        <p:nvSpPr>
+          <p:cNvPr id="2" name="タイトル 1"/>
+          <p:cNvSpPr>
+            <a:spLocks noGrp="1"/>
+          </p:cNvSpPr>
+          <p:nvPr>
+            <p:ph type="title"/>
+          </p:nvPr>
+        </p:nvSpPr>
+        <p:spPr/>
+        <p:txBody>
+          <a:bodyPr/>
+          <a:lstStyle/>
+          <a:p>
+            <a:r>
               <a:rPr kumimoji="1" lang="ja-JP" altLang="en-US" dirty="0" smtClean="0"/>
               <a:t>パラメータ一覧</a:t>
             </a:r>
@@ -37017,7 +37652,7 @@
             <a:fld id="{FC7FC04C-4975-46EC-A609-F7DE0D5B1B51}" type="slidenum">
               <a:rPr kumimoji="1" lang="ja-JP" altLang="en-US" smtClean="0"/>
               <a:pPr/>
-              <a:t>39</a:t>
+              <a:t>40</a:t>
             </a:fld>
             <a:endParaRPr kumimoji="1" lang="ja-JP" altLang="en-US" dirty="0"/>
           </a:p>
@@ -37453,7 +38088,7 @@
 </p:sld>
 </file>
 
-<file path=ppt/slides/slide4.xml><?xml version="1.0" encoding="utf-8"?>
+<file path=ppt/slides/slide41.xml><?xml version="1.0" encoding="utf-8"?>
 <p:sld xmlns:a="http://schemas.openxmlformats.org/drawingml/2006/main" xmlns:r="http://schemas.openxmlformats.org/officeDocument/2006/relationships" xmlns:p="http://schemas.openxmlformats.org/presentationml/2006/main">
   <p:cSld>
     <p:spTree>
@@ -37486,89 +38121,6 @@
           <a:lstStyle/>
           <a:p>
             <a:r>
-              <a:rPr kumimoji="1" lang="en-US" altLang="ja-JP" dirty="0" smtClean="0"/>
-              <a:t>I.</a:t>
-            </a:r>
-            <a:r>
-              <a:rPr kumimoji="1" lang="ja-JP" altLang="en-US" dirty="0" smtClean="0"/>
-              <a:t> インフラ構成図</a:t>
-            </a:r>
-            <a:endParaRPr kumimoji="1" lang="ja-JP" altLang="en-US" dirty="0"/>
-          </a:p>
-        </p:txBody>
-      </p:sp>
-      <p:sp>
-        <p:nvSpPr>
-          <p:cNvPr id="3" name="テキスト プレースホルダー 2"/>
-          <p:cNvSpPr>
-            <a:spLocks noGrp="1"/>
-          </p:cNvSpPr>
-          <p:nvPr>
-            <p:ph type="body" idx="1"/>
-          </p:nvPr>
-        </p:nvSpPr>
-        <p:spPr/>
-        <p:txBody>
-          <a:bodyPr/>
-          <a:lstStyle/>
-          <a:p>
-            <a:endParaRPr kumimoji="1" lang="ja-JP" altLang="en-US"/>
-          </a:p>
-        </p:txBody>
-      </p:sp>
-    </p:spTree>
-    <p:extLst>
-      <p:ext uri="{BB962C8B-B14F-4D97-AF65-F5344CB8AC3E}">
-        <p14:creationId xmlns:p14="http://schemas.microsoft.com/office/powerpoint/2010/main" val="2707565104"/>
-      </p:ext>
-    </p:extLst>
-  </p:cSld>
-  <p:clrMapOvr>
-    <a:masterClrMapping/>
-  </p:clrMapOvr>
-  <p:timing>
-    <p:tnLst>
-      <p:par>
-        <p:cTn xmlns:p14="http://schemas.microsoft.com/office/powerpoint/2010/main" id="1" dur="indefinite" restart="never" nodeType="tmRoot"/>
-      </p:par>
-    </p:tnLst>
-  </p:timing>
-</p:sld>
-</file>
-
-<file path=ppt/slides/slide40.xml><?xml version="1.0" encoding="utf-8"?>
-<p:sld xmlns:a="http://schemas.openxmlformats.org/drawingml/2006/main" xmlns:r="http://schemas.openxmlformats.org/officeDocument/2006/relationships" xmlns:p="http://schemas.openxmlformats.org/presentationml/2006/main">
-  <p:cSld>
-    <p:spTree>
-      <p:nvGrpSpPr>
-        <p:cNvPr id="1" name=""/>
-        <p:cNvGrpSpPr/>
-        <p:nvPr/>
-      </p:nvGrpSpPr>
-      <p:grpSpPr>
-        <a:xfrm>
-          <a:off x="0" y="0"/>
-          <a:ext cx="0" cy="0"/>
-          <a:chOff x="0" y="0"/>
-          <a:chExt cx="0" cy="0"/>
-        </a:xfrm>
-      </p:grpSpPr>
-      <p:sp>
-        <p:nvSpPr>
-          <p:cNvPr id="2" name="タイトル 1"/>
-          <p:cNvSpPr>
-            <a:spLocks noGrp="1"/>
-          </p:cNvSpPr>
-          <p:nvPr>
-            <p:ph type="title"/>
-          </p:nvPr>
-        </p:nvSpPr>
-        <p:spPr/>
-        <p:txBody>
-          <a:bodyPr/>
-          <a:lstStyle/>
-          <a:p>
-            <a:r>
               <a:rPr kumimoji="1" lang="ja-JP" altLang="en-US" dirty="0" smtClean="0"/>
               <a:t>パラメータ一覧</a:t>
             </a:r>
@@ -37598,7 +38150,7 @@
             <a:fld id="{FC7FC04C-4975-46EC-A609-F7DE0D5B1B51}" type="slidenum">
               <a:rPr kumimoji="1" lang="ja-JP" altLang="en-US" smtClean="0"/>
               <a:pPr/>
-              <a:t>40</a:t>
+              <a:t>41</a:t>
             </a:fld>
             <a:endParaRPr kumimoji="1" lang="ja-JP" altLang="en-US" dirty="0"/>
           </a:p>
@@ -38034,7 +38586,7 @@
 </p:sld>
 </file>
 
-<file path=ppt/slides/slide41.xml><?xml version="1.0" encoding="utf-8"?>
+<file path=ppt/slides/slide42.xml><?xml version="1.0" encoding="utf-8"?>
 <p:sld xmlns:a="http://schemas.openxmlformats.org/drawingml/2006/main" xmlns:r="http://schemas.openxmlformats.org/officeDocument/2006/relationships" xmlns:p="http://schemas.openxmlformats.org/presentationml/2006/main">
   <p:cSld>
     <p:spTree>
@@ -38827,7 +39379,7 @@
             <a:fld id="{FC7FC04C-4975-46EC-A609-F7DE0D5B1B51}" type="slidenum">
               <a:rPr kumimoji="1" lang="ja-JP" altLang="en-US" smtClean="0"/>
               <a:pPr/>
-              <a:t>41</a:t>
+              <a:t>42</a:t>
             </a:fld>
             <a:endParaRPr kumimoji="1" lang="ja-JP" altLang="en-US" dirty="0"/>
           </a:p>
@@ -39242,7 +39794,7 @@
 </p:sld>
 </file>
 
-<file path=ppt/slides/slide42.xml><?xml version="1.0" encoding="utf-8"?>
+<file path=ppt/slides/slide43.xml><?xml version="1.0" encoding="utf-8"?>
 <p:sld xmlns:a="http://schemas.openxmlformats.org/drawingml/2006/main" xmlns:r="http://schemas.openxmlformats.org/officeDocument/2006/relationships" xmlns:p="http://schemas.openxmlformats.org/presentationml/2006/main">
   <p:cSld>
     <p:spTree>
@@ -39663,7 +40215,7 @@
             <a:fld id="{FC7FC04C-4975-46EC-A609-F7DE0D5B1B51}" type="slidenum">
               <a:rPr kumimoji="1" lang="ja-JP" altLang="en-US" smtClean="0"/>
               <a:pPr/>
-              <a:t>42</a:t>
+              <a:t>43</a:t>
             </a:fld>
             <a:endParaRPr kumimoji="1" lang="ja-JP" altLang="en-US" dirty="0"/>
           </a:p>
@@ -40069,7 +40621,7 @@
 </p:sld>
 </file>
 
-<file path=ppt/slides/slide43.xml><?xml version="1.0" encoding="utf-8"?>
+<file path=ppt/slides/slide44.xml><?xml version="1.0" encoding="utf-8"?>
 <p:sld xmlns:a="http://schemas.openxmlformats.org/drawingml/2006/main" xmlns:r="http://schemas.openxmlformats.org/officeDocument/2006/relationships" xmlns:p="http://schemas.openxmlformats.org/presentationml/2006/main">
   <p:cSld>
     <p:spTree>
@@ -40831,7 +41383,7 @@
             <a:fld id="{FC7FC04C-4975-46EC-A609-F7DE0D5B1B51}" type="slidenum">
               <a:rPr kumimoji="1" lang="ja-JP" altLang="en-US" smtClean="0"/>
               <a:pPr/>
-              <a:t>43</a:t>
+              <a:t>44</a:t>
             </a:fld>
             <a:endParaRPr kumimoji="1" lang="ja-JP" altLang="en-US" dirty="0"/>
           </a:p>
@@ -41233,7 +41785,7 @@
 </p:sld>
 </file>
 
-<file path=ppt/slides/slide44.xml><?xml version="1.0" encoding="utf-8"?>
+<file path=ppt/slides/slide45.xml><?xml version="1.0" encoding="utf-8"?>
 <p:sld xmlns:a="http://schemas.openxmlformats.org/drawingml/2006/main" xmlns:r="http://schemas.openxmlformats.org/officeDocument/2006/relationships" xmlns:p="http://schemas.openxmlformats.org/presentationml/2006/main">
   <p:cSld>
     <p:spTree>
@@ -41683,7 +42235,7 @@
             <a:fld id="{FC7FC04C-4975-46EC-A609-F7DE0D5B1B51}" type="slidenum">
               <a:rPr kumimoji="1" lang="ja-JP" altLang="en-US" smtClean="0"/>
               <a:pPr/>
-              <a:t>44</a:t>
+              <a:t>45</a:t>
             </a:fld>
             <a:endParaRPr kumimoji="1" lang="ja-JP" altLang="en-US" dirty="0"/>
           </a:p>
@@ -42853,7 +43405,7 @@
 </p:sld>
 </file>
 
-<file path=ppt/slides/slide45.xml><?xml version="1.0" encoding="utf-8"?>
+<file path=ppt/slides/slide46.xml><?xml version="1.0" encoding="utf-8"?>
 <p:sld xmlns:a="http://schemas.openxmlformats.org/drawingml/2006/main" xmlns:r="http://schemas.openxmlformats.org/officeDocument/2006/relationships" xmlns:p="http://schemas.openxmlformats.org/presentationml/2006/main">
   <p:cSld>
     <p:spTree>
@@ -42915,7 +43467,7 @@
             <a:fld id="{FC7FC04C-4975-46EC-A609-F7DE0D5B1B51}" type="slidenum">
               <a:rPr kumimoji="1" lang="ja-JP" altLang="en-US" smtClean="0"/>
               <a:pPr/>
-              <a:t>45</a:t>
+              <a:t>46</a:t>
             </a:fld>
             <a:endParaRPr kumimoji="1" lang="ja-JP" altLang="en-US" dirty="0"/>
           </a:p>
@@ -43850,8 +44402,17 @@
             </a:r>
             <a:r>
               <a:rPr kumimoji="1" lang="ja-JP" altLang="en-US" dirty="0"/>
-              <a:t>インフラ構成図</a:t>
-            </a:r>
+              <a:t>インフラ</a:t>
+            </a:r>
+            <a:r>
+              <a:rPr kumimoji="1" lang="ja-JP" altLang="en-US" dirty="0" smtClean="0"/>
+              <a:t>構成図</a:t>
+            </a:r>
+            <a:r>
+              <a:rPr kumimoji="1" lang="en-US" altLang="ja-JP" dirty="0" smtClean="0"/>
+              <a:t> (v2.2.0)</a:t>
+            </a:r>
+            <a:endParaRPr kumimoji="1" lang="ja-JP" altLang="en-US" dirty="0"/>
           </a:p>
         </p:txBody>
       </p:sp>
@@ -43963,7 +44524,7 @@
         </p:nvGrpSpPr>
         <p:grpSpPr>
           <a:xfrm>
-            <a:off x="1289166" y="4734105"/>
+            <a:off x="1289166" y="4851089"/>
             <a:ext cx="1072750" cy="879746"/>
             <a:chOff x="612791" y="4460938"/>
             <a:chExt cx="1072750" cy="879746"/>
@@ -44054,7 +44615,7 @@
         </p:nvGrpSpPr>
         <p:grpSpPr>
           <a:xfrm>
-            <a:off x="533648" y="3259840"/>
+            <a:off x="533648" y="3577368"/>
             <a:ext cx="1072750" cy="879746"/>
             <a:chOff x="630273" y="1575539"/>
             <a:chExt cx="1072750" cy="879746"/>
@@ -44145,10 +44706,10 @@
         </p:nvGrpSpPr>
         <p:grpSpPr>
           <a:xfrm>
-            <a:off x="1217070" y="3549759"/>
-            <a:ext cx="1226160" cy="767163"/>
-            <a:chOff x="1148053" y="2003516"/>
-            <a:chExt cx="1226160" cy="767163"/>
+            <a:off x="1352857" y="3810234"/>
+            <a:ext cx="1153635" cy="691247"/>
+            <a:chOff x="1148052" y="2003516"/>
+            <a:chExt cx="1382019" cy="828092"/>
           </a:xfrm>
         </p:grpSpPr>
         <p:pic>
@@ -44201,8 +44762,8 @@
           </p:nvSpPr>
           <p:spPr>
             <a:xfrm>
-              <a:off x="1148053" y="2462902"/>
-              <a:ext cx="1226160" cy="307777"/>
+              <a:off x="1148052" y="2462901"/>
+              <a:ext cx="1382019" cy="368707"/>
             </a:xfrm>
             <a:prstGeom prst="rect">
               <a:avLst/>
@@ -44236,7 +44797,7 @@
         </p:nvGrpSpPr>
         <p:grpSpPr>
           <a:xfrm>
-            <a:off x="4902939" y="3146891"/>
+            <a:off x="4902939" y="3447699"/>
             <a:ext cx="1287598" cy="1258568"/>
             <a:chOff x="8485327" y="2438034"/>
             <a:chExt cx="1287598" cy="1258568"/>
@@ -44335,10 +44896,10 @@
         </p:nvGrpSpPr>
         <p:grpSpPr>
           <a:xfrm>
-            <a:off x="3616128" y="3146891"/>
-            <a:ext cx="1911838" cy="1322981"/>
-            <a:chOff x="1483839" y="1481012"/>
-            <a:chExt cx="1911838" cy="1322981"/>
+            <a:off x="3947298" y="3447699"/>
+            <a:ext cx="1249498" cy="1256133"/>
+            <a:chOff x="1815009" y="1481012"/>
+            <a:chExt cx="1249498" cy="1256133"/>
           </a:xfrm>
         </p:grpSpPr>
         <p:sp>
@@ -44355,8 +44916,8 @@
           </p:nvSpPr>
           <p:spPr>
             <a:xfrm>
-              <a:off x="1483839" y="2280773"/>
-              <a:ext cx="1911838" cy="523220"/>
+              <a:off x="1815009" y="2213925"/>
+              <a:ext cx="1249498" cy="523220"/>
             </a:xfrm>
             <a:prstGeom prst="rect">
               <a:avLst/>
@@ -44434,7 +44995,7 @@
         </p:nvGrpSpPr>
         <p:grpSpPr>
           <a:xfrm>
-            <a:off x="6883149" y="1991825"/>
+            <a:off x="6799599" y="1991825"/>
             <a:ext cx="1659180" cy="1298834"/>
             <a:chOff x="3699357" y="1384372"/>
             <a:chExt cx="1659180" cy="1298834"/>
@@ -44629,101 +45190,13 @@
       </p:grpSp>
       <p:grpSp>
         <p:nvGrpSpPr>
-          <p:cNvPr id="5" name="図形グループ 4"/>
-          <p:cNvGrpSpPr/>
-          <p:nvPr/>
-        </p:nvGrpSpPr>
-        <p:grpSpPr>
-          <a:xfrm>
-            <a:off x="8468556" y="1987208"/>
-            <a:ext cx="1405404" cy="1015513"/>
-            <a:chOff x="6186558" y="1444175"/>
-            <a:chExt cx="1405404" cy="1015513"/>
-          </a:xfrm>
-        </p:grpSpPr>
-        <p:sp>
-          <p:nvSpPr>
-            <p:cNvPr id="54" name="TextBox 34">
-              <a:extLst>
-                <a:ext uri="{FF2B5EF4-FFF2-40B4-BE49-F238E27FC236}">
-                  <a16:creationId xmlns:a16="http://schemas.microsoft.com/office/drawing/2014/main" xmlns="" id="{15E56E6E-0E7C-E14A-90F3-EFD2E907FD70}"/>
-                </a:ext>
-              </a:extLst>
-            </p:cNvPr>
-            <p:cNvSpPr txBox="1"/>
-            <p:nvPr/>
-          </p:nvSpPr>
-          <p:spPr>
-            <a:xfrm>
-              <a:off x="6186558" y="2151911"/>
-              <a:ext cx="1405404" cy="307777"/>
-            </a:xfrm>
-            <a:prstGeom prst="rect">
-              <a:avLst/>
-            </a:prstGeom>
-            <a:noFill/>
-          </p:spPr>
-          <p:txBody>
-            <a:bodyPr wrap="square" rtlCol="0">
-              <a:spAutoFit/>
-            </a:bodyPr>
-            <a:lstStyle/>
-            <a:p>
-              <a:pPr algn="ctr"/>
-              <a:r>
-                <a:rPr lang="en-US" sz="1400" dirty="0" smtClean="0"/>
-                <a:t>AWS Lambda</a:t>
-              </a:r>
-              <a:endParaRPr lang="en-US" sz="1400" dirty="0"/>
-            </a:p>
-          </p:txBody>
-        </p:sp>
-        <p:pic>
-          <p:nvPicPr>
-            <p:cNvPr id="55" name="Graphic 44">
-              <a:extLst>
-                <a:ext uri="{FF2B5EF4-FFF2-40B4-BE49-F238E27FC236}">
-                  <a16:creationId xmlns:a16="http://schemas.microsoft.com/office/drawing/2014/main" xmlns="" id="{E2DAEC15-20F6-3647-8A23-EC2BA0B080D7}"/>
-                </a:ext>
-              </a:extLst>
-            </p:cNvPr>
-            <p:cNvPicPr>
-              <a:picLocks noChangeAspect="1"/>
-            </p:cNvPicPr>
-            <p:nvPr/>
-          </p:nvPicPr>
-          <p:blipFill>
-            <a:blip r:embed="rId37">
-              <a:extLst>
-                <a:ext uri="{96DAC541-7B7A-43D3-8B79-37D633B846F1}">
-                  <asvg:svgBlip xmlns:asvg="http://schemas.microsoft.com/office/drawing/2016/SVG/main" xmlns="" r:embed="rId11"/>
-                </a:ext>
-              </a:extLst>
-            </a:blip>
-            <a:stretch>
-              <a:fillRect/>
-            </a:stretch>
-          </p:blipFill>
-          <p:spPr>
-            <a:xfrm>
-              <a:off x="6533660" y="1444175"/>
-              <a:ext cx="711200" cy="711200"/>
-            </a:xfrm>
-            <a:prstGeom prst="rect">
-              <a:avLst/>
-            </a:prstGeom>
-          </p:spPr>
-        </p:pic>
-      </p:grpSp>
-      <p:grpSp>
-        <p:nvGrpSpPr>
           <p:cNvPr id="13" name="図形グループ 12"/>
           <p:cNvGrpSpPr/>
           <p:nvPr/>
         </p:nvGrpSpPr>
         <p:grpSpPr>
           <a:xfrm>
-            <a:off x="2969718" y="3147498"/>
+            <a:off x="2969718" y="3448306"/>
             <a:ext cx="1059100" cy="1075082"/>
             <a:chOff x="5262934" y="3959380"/>
             <a:chExt cx="1059100" cy="1075082"/>
@@ -44780,7 +45253,7 @@
             <p:nvPr/>
           </p:nvPicPr>
           <p:blipFill>
-            <a:blip r:embed="rId38">
+            <a:blip r:embed="rId37">
               <a:extLst>
                 <a:ext uri="{96DAC541-7B7A-43D3-8B79-37D633B846F1}">
                   <asvg:svgBlip xmlns:asvg="http://schemas.microsoft.com/office/drawing/2016/SVG/main" xmlns="" r:embed="rId9"/>
@@ -44882,7 +45355,7 @@
           <p:nvPr/>
         </p:nvPicPr>
         <p:blipFill>
-          <a:blip r:embed="rId39">
+          <a:blip r:embed="rId38">
             <a:extLst>
               <a:ext uri="{96DAC541-7B7A-43D3-8B79-37D633B846F1}">
                 <asvg:svgBlip xmlns:asvg="http://schemas.microsoft.com/office/drawing/2016/SVG/main" xmlns="" r:embed="rId40"/>
@@ -45004,9 +45477,9 @@
         <p:grpSpPr>
           <a:xfrm>
             <a:off x="6905907" y="4609853"/>
-            <a:ext cx="1513305" cy="1320056"/>
+            <a:ext cx="1513305" cy="1303344"/>
             <a:chOff x="1927650" y="1158419"/>
-            <a:chExt cx="1513305" cy="1320056"/>
+            <a:chExt cx="1513305" cy="1303344"/>
           </a:xfrm>
         </p:grpSpPr>
         <p:sp>
@@ -45023,7 +45496,7 @@
           </p:nvSpPr>
           <p:spPr>
             <a:xfrm>
-              <a:off x="1927650" y="1955255"/>
+              <a:off x="1927650" y="1938543"/>
               <a:ext cx="1513305" cy="523220"/>
             </a:xfrm>
             <a:prstGeom prst="rect">
@@ -45105,7 +45578,7 @@
         </p:nvCxnSpPr>
         <p:spPr>
           <a:xfrm flipV="1">
-            <a:off x="3854868" y="3502491"/>
+            <a:off x="3854868" y="3803299"/>
             <a:ext cx="361579" cy="607"/>
           </a:xfrm>
           <a:prstGeom prst="straightConnector1">
@@ -45144,7 +45617,7 @@
         </p:nvCxnSpPr>
         <p:spPr>
           <a:xfrm>
-            <a:off x="4927647" y="3502491"/>
+            <a:off x="4927647" y="3803299"/>
             <a:ext cx="263491" cy="0"/>
           </a:xfrm>
           <a:prstGeom prst="straightConnector1">
@@ -45184,7 +45657,7 @@
         <p:spPr>
           <a:xfrm flipV="1">
             <a:off x="3867712" y="2347425"/>
-            <a:ext cx="3489427" cy="10095"/>
+            <a:ext cx="3405877" cy="10095"/>
           </a:xfrm>
           <a:prstGeom prst="straightConnector1">
             <a:avLst/>
@@ -45222,8 +45695,8 @@
         </p:nvCxnSpPr>
         <p:spPr>
           <a:xfrm flipV="1">
-            <a:off x="8068339" y="2342808"/>
-            <a:ext cx="747319" cy="4617"/>
+            <a:off x="7984789" y="2342808"/>
+            <a:ext cx="780739" cy="4617"/>
           </a:xfrm>
           <a:prstGeom prst="straightConnector1">
             <a:avLst/>
@@ -45261,8 +45734,8 @@
         </p:nvCxnSpPr>
         <p:spPr>
           <a:xfrm>
-            <a:off x="9526858" y="2342808"/>
-            <a:ext cx="816024" cy="4787"/>
+            <a:off x="9476728" y="2342808"/>
+            <a:ext cx="866154" cy="4787"/>
           </a:xfrm>
           <a:prstGeom prst="straightConnector1">
             <a:avLst/>
@@ -45293,14 +45766,15 @@
         <p:nvCxnSpPr>
           <p:cNvPr id="65" name="直線コネクタ 64"/>
           <p:cNvCxnSpPr>
+            <a:stCxn id="37" idx="1"/>
             <a:endCxn id="89" idx="1"/>
           </p:cNvCxnSpPr>
           <p:nvPr/>
         </p:nvCxnSpPr>
         <p:spPr>
-          <a:xfrm>
-            <a:off x="2791129" y="2344735"/>
-            <a:ext cx="365383" cy="12785"/>
+          <a:xfrm flipV="1">
+            <a:off x="1311816" y="2357520"/>
+            <a:ext cx="1844696" cy="1454798"/>
           </a:xfrm>
           <a:prstGeom prst="line">
             <a:avLst/>
@@ -45372,8 +45846,8 @@
         </p:nvCxnSpPr>
         <p:spPr>
           <a:xfrm flipV="1">
-            <a:off x="9866641" y="2512645"/>
-            <a:ext cx="140945" cy="2455959"/>
+            <a:off x="9825453" y="2512646"/>
+            <a:ext cx="182133" cy="2367125"/>
           </a:xfrm>
           <a:prstGeom prst="line">
             <a:avLst/>
@@ -45496,7 +45970,7 @@
         </p:nvGrpSpPr>
         <p:grpSpPr>
           <a:xfrm>
-            <a:off x="8551573" y="3107110"/>
+            <a:off x="10044071" y="4599829"/>
             <a:ext cx="1294780" cy="1271548"/>
             <a:chOff x="2376968" y="1257143"/>
             <a:chExt cx="1294780" cy="1271548"/>
@@ -45590,15 +46064,13 @@
       <p:cxnSp>
         <p:nvCxnSpPr>
           <p:cNvPr id="91" name="直線コネクタ 90"/>
-          <p:cNvCxnSpPr>
-            <a:stCxn id="43" idx="3"/>
-          </p:cNvCxnSpPr>
+          <p:cNvCxnSpPr/>
           <p:nvPr/>
         </p:nvCxnSpPr>
         <p:spPr>
           <a:xfrm>
-            <a:off x="8018159" y="4965453"/>
-            <a:ext cx="1848482" cy="15060"/>
+            <a:off x="8018159" y="4865183"/>
+            <a:ext cx="1790584" cy="14588"/>
           </a:xfrm>
           <a:prstGeom prst="line">
             <a:avLst/>
@@ -45639,7 +46111,7 @@
         <p:spPr>
           <a:xfrm>
             <a:off x="6405641" y="4471167"/>
-            <a:ext cx="5023711" cy="1437689"/>
+            <a:ext cx="3662169" cy="1437689"/>
           </a:xfrm>
           <a:prstGeom prst="rect">
             <a:avLst/>
@@ -45861,9 +46333,9 @@
           <p:nvPr/>
         </p:nvCxnSpPr>
         <p:spPr>
-          <a:xfrm>
-            <a:off x="1311816" y="3494790"/>
-            <a:ext cx="1831852" cy="8308"/>
+          <a:xfrm flipV="1">
+            <a:off x="1311816" y="3803906"/>
+            <a:ext cx="1831852" cy="8412"/>
           </a:xfrm>
           <a:prstGeom prst="straightConnector1">
             <a:avLst/>
@@ -45955,7 +46427,7 @@
             <p:nvPr/>
           </p:nvPicPr>
           <p:blipFill>
-            <a:blip r:embed="rId38">
+            <a:blip r:embed="rId37">
               <a:extLst>
                 <a:ext uri="{96DAC541-7B7A-43D3-8B79-37D633B846F1}">
                   <asvg:svgBlip xmlns:asvg="http://schemas.microsoft.com/office/drawing/2016/SVG/main" xmlns="" r:embed="rId9"/>
@@ -45982,13 +46454,12 @@
           <p:cNvPr id="94" name="直線矢印コネクタ 93"/>
           <p:cNvCxnSpPr>
             <a:stCxn id="36" idx="3"/>
-            <a:endCxn id="43" idx="1"/>
           </p:cNvCxnSpPr>
           <p:nvPr/>
         </p:nvCxnSpPr>
         <p:spPr>
           <a:xfrm flipV="1">
-            <a:off x="2060491" y="4965453"/>
+            <a:off x="2060491" y="5082437"/>
             <a:ext cx="5246468" cy="3602"/>
           </a:xfrm>
           <a:prstGeom prst="straightConnector1">
@@ -45999,113 +46470,6 @@
               <a:srgbClr val="13A0E7"/>
             </a:solidFill>
             <a:tailEnd type="arrow"/>
-          </a:ln>
-        </p:spPr>
-        <p:style>
-          <a:lnRef idx="2">
-            <a:schemeClr val="accent1"/>
-          </a:lnRef>
-          <a:fillRef idx="0">
-            <a:schemeClr val="accent1"/>
-          </a:fillRef>
-          <a:effectRef idx="1">
-            <a:schemeClr val="accent1"/>
-          </a:effectRef>
-          <a:fontRef idx="minor">
-            <a:schemeClr val="tx1"/>
-          </a:fontRef>
-        </p:style>
-      </p:cxnSp>
-      <p:cxnSp>
-        <p:nvCxnSpPr>
-          <p:cNvPr id="97" name="直線コネクタ 96"/>
-          <p:cNvCxnSpPr>
-            <a:stCxn id="37" idx="1"/>
-          </p:cNvCxnSpPr>
-          <p:nvPr/>
-        </p:nvCxnSpPr>
-        <p:spPr>
-          <a:xfrm flipV="1">
-            <a:off x="1311816" y="3282069"/>
-            <a:ext cx="125615" cy="212721"/>
-          </a:xfrm>
-          <a:prstGeom prst="line">
-            <a:avLst/>
-          </a:prstGeom>
-          <a:ln>
-            <a:solidFill>
-              <a:srgbClr val="13A0E7"/>
-            </a:solidFill>
-          </a:ln>
-        </p:spPr>
-        <p:style>
-          <a:lnRef idx="2">
-            <a:schemeClr val="accent1"/>
-          </a:lnRef>
-          <a:fillRef idx="0">
-            <a:schemeClr val="accent1"/>
-          </a:fillRef>
-          <a:effectRef idx="1">
-            <a:schemeClr val="accent1"/>
-          </a:effectRef>
-          <a:fontRef idx="minor">
-            <a:schemeClr val="tx1"/>
-          </a:fontRef>
-        </p:style>
-      </p:cxnSp>
-      <p:cxnSp>
-        <p:nvCxnSpPr>
-          <p:cNvPr id="98" name="直線コネクタ 97"/>
-          <p:cNvCxnSpPr/>
-          <p:nvPr/>
-        </p:nvCxnSpPr>
-        <p:spPr>
-          <a:xfrm>
-            <a:off x="1437431" y="3283694"/>
-            <a:ext cx="921073" cy="0"/>
-          </a:xfrm>
-          <a:prstGeom prst="line">
-            <a:avLst/>
-          </a:prstGeom>
-          <a:ln>
-            <a:solidFill>
-              <a:srgbClr val="13A0E7"/>
-            </a:solidFill>
-          </a:ln>
-        </p:spPr>
-        <p:style>
-          <a:lnRef idx="2">
-            <a:schemeClr val="accent1"/>
-          </a:lnRef>
-          <a:fillRef idx="0">
-            <a:schemeClr val="accent1"/>
-          </a:fillRef>
-          <a:effectRef idx="1">
-            <a:schemeClr val="accent1"/>
-          </a:effectRef>
-          <a:fontRef idx="minor">
-            <a:schemeClr val="tx1"/>
-          </a:fontRef>
-        </p:style>
-      </p:cxnSp>
-      <p:cxnSp>
-        <p:nvCxnSpPr>
-          <p:cNvPr id="106" name="直線コネクタ 105"/>
-          <p:cNvCxnSpPr/>
-          <p:nvPr/>
-        </p:nvCxnSpPr>
-        <p:spPr>
-          <a:xfrm flipV="1">
-            <a:off x="2358504" y="2344735"/>
-            <a:ext cx="418669" cy="935102"/>
-          </a:xfrm>
-          <a:prstGeom prst="line">
-            <a:avLst/>
-          </a:prstGeom>
-          <a:ln>
-            <a:solidFill>
-              <a:srgbClr val="13A0E7"/>
-            </a:solidFill>
           </a:ln>
         </p:spPr>
         <p:style>
@@ -46221,10 +46585,428 @@
           </a:p>
         </p:txBody>
       </p:sp>
+      <p:grpSp>
+        <p:nvGrpSpPr>
+          <p:cNvPr id="5" name="図形グループ 4"/>
+          <p:cNvGrpSpPr/>
+          <p:nvPr/>
+        </p:nvGrpSpPr>
+        <p:grpSpPr>
+          <a:xfrm>
+            <a:off x="8418426" y="1987208"/>
+            <a:ext cx="1405404" cy="1015513"/>
+            <a:chOff x="6186558" y="1444175"/>
+            <a:chExt cx="1405404" cy="1015513"/>
+          </a:xfrm>
+        </p:grpSpPr>
+        <p:sp>
+          <p:nvSpPr>
+            <p:cNvPr id="54" name="TextBox 34">
+              <a:extLst>
+                <a:ext uri="{FF2B5EF4-FFF2-40B4-BE49-F238E27FC236}">
+                  <a16:creationId xmlns:a16="http://schemas.microsoft.com/office/drawing/2014/main" xmlns="" id="{15E56E6E-0E7C-E14A-90F3-EFD2E907FD70}"/>
+                </a:ext>
+              </a:extLst>
+            </p:cNvPr>
+            <p:cNvSpPr txBox="1"/>
+            <p:nvPr/>
+          </p:nvSpPr>
+          <p:spPr>
+            <a:xfrm>
+              <a:off x="6186558" y="2151911"/>
+              <a:ext cx="1405404" cy="307777"/>
+            </a:xfrm>
+            <a:prstGeom prst="rect">
+              <a:avLst/>
+            </a:prstGeom>
+            <a:noFill/>
+          </p:spPr>
+          <p:txBody>
+            <a:bodyPr wrap="square" rtlCol="0">
+              <a:spAutoFit/>
+            </a:bodyPr>
+            <a:lstStyle/>
+            <a:p>
+              <a:pPr algn="ctr"/>
+              <a:r>
+                <a:rPr lang="en-US" sz="1400" dirty="0" smtClean="0"/>
+                <a:t>AWS Lambda</a:t>
+              </a:r>
+              <a:endParaRPr lang="en-US" sz="1400" dirty="0"/>
+            </a:p>
+          </p:txBody>
+        </p:sp>
+        <p:pic>
+          <p:nvPicPr>
+            <p:cNvPr id="55" name="Graphic 44">
+              <a:extLst>
+                <a:ext uri="{FF2B5EF4-FFF2-40B4-BE49-F238E27FC236}">
+                  <a16:creationId xmlns:a16="http://schemas.microsoft.com/office/drawing/2014/main" xmlns="" id="{E2DAEC15-20F6-3647-8A23-EC2BA0B080D7}"/>
+                </a:ext>
+              </a:extLst>
+            </p:cNvPr>
+            <p:cNvPicPr>
+              <a:picLocks noChangeAspect="1"/>
+            </p:cNvPicPr>
+            <p:nvPr/>
+          </p:nvPicPr>
+          <p:blipFill>
+            <a:blip r:embed="rId47">
+              <a:extLst>
+                <a:ext uri="{96DAC541-7B7A-43D3-8B79-37D633B846F1}">
+                  <asvg:svgBlip xmlns:asvg="http://schemas.microsoft.com/office/drawing/2016/SVG/main" xmlns="" r:embed="rId11"/>
+                </a:ext>
+              </a:extLst>
+            </a:blip>
+            <a:stretch>
+              <a:fillRect/>
+            </a:stretch>
+          </p:blipFill>
+          <p:spPr>
+            <a:xfrm>
+              <a:off x="6533660" y="1444175"/>
+              <a:ext cx="711200" cy="711200"/>
+            </a:xfrm>
+            <a:prstGeom prst="rect">
+              <a:avLst/>
+            </a:prstGeom>
+          </p:spPr>
+        </p:pic>
+      </p:grpSp>
+      <p:sp>
+        <p:nvSpPr>
+          <p:cNvPr id="99" name="角丸四角形吹き出し 98"/>
+          <p:cNvSpPr/>
+          <p:nvPr/>
+        </p:nvSpPr>
+        <p:spPr>
+          <a:xfrm>
+            <a:off x="8201593" y="5082670"/>
+            <a:ext cx="888621" cy="632678"/>
+          </a:xfrm>
+          <a:prstGeom prst="wedgeRoundRectCallout">
+            <a:avLst>
+              <a:gd name="adj1" fmla="val -69095"/>
+              <a:gd name="adj2" fmla="val -24921"/>
+              <a:gd name="adj3" fmla="val 16667"/>
+            </a:avLst>
+          </a:prstGeom>
+          <a:solidFill>
+            <a:srgbClr val="FFFFFF"/>
+          </a:solidFill>
+          <a:ln>
+            <a:noFill/>
+          </a:ln>
+          <a:effectLst>
+            <a:outerShdw blurRad="63500" sx="102000" sy="102000" algn="ctr" rotWithShape="0">
+              <a:prstClr val="black">
+                <a:alpha val="40000"/>
+              </a:prstClr>
+            </a:outerShdw>
+          </a:effectLst>
+        </p:spPr>
+        <p:style>
+          <a:lnRef idx="1">
+            <a:schemeClr val="accent1"/>
+          </a:lnRef>
+          <a:fillRef idx="3">
+            <a:schemeClr val="accent1"/>
+          </a:fillRef>
+          <a:effectRef idx="2">
+            <a:schemeClr val="accent1"/>
+          </a:effectRef>
+          <a:fontRef idx="minor">
+            <a:schemeClr val="lt1"/>
+          </a:fontRef>
+        </p:style>
+        <p:txBody>
+          <a:bodyPr rtlCol="0" anchor="ctr"/>
+          <a:lstStyle/>
+          <a:p>
+            <a:pPr algn="ctr"/>
+            <a:endParaRPr kumimoji="1" lang="ja-JP" altLang="en-US"/>
+          </a:p>
+        </p:txBody>
+      </p:sp>
+      <p:sp>
+        <p:nvSpPr>
+          <p:cNvPr id="100" name="テキスト ボックス 99"/>
+          <p:cNvSpPr txBox="1"/>
+          <p:nvPr/>
+        </p:nvSpPr>
+        <p:spPr>
+          <a:xfrm>
+            <a:off x="8151795" y="5095123"/>
+            <a:ext cx="955911" cy="646331"/>
+          </a:xfrm>
+          <a:prstGeom prst="rect">
+            <a:avLst/>
+          </a:prstGeom>
+          <a:noFill/>
+        </p:spPr>
+        <p:txBody>
+          <a:bodyPr wrap="none" rtlCol="0">
+            <a:spAutoFit/>
+          </a:bodyPr>
+          <a:lstStyle/>
+          <a:p>
+            <a:r>
+              <a:rPr kumimoji="1" lang="ja-JP" altLang="en-US" sz="1200" dirty="0" smtClean="0"/>
+              <a:t>・</a:t>
+            </a:r>
+            <a:r>
+              <a:rPr kumimoji="1" lang="en-US" altLang="ja-JP" sz="1200" dirty="0" smtClean="0"/>
+              <a:t>Apache</a:t>
+            </a:r>
+          </a:p>
+          <a:p>
+            <a:r>
+              <a:rPr kumimoji="1" lang="ja-JP" altLang="en-US" sz="1200" dirty="0" smtClean="0"/>
+              <a:t>・</a:t>
+            </a:r>
+            <a:r>
+              <a:rPr kumimoji="1" lang="en-US" altLang="ja-JP" sz="1200" dirty="0" smtClean="0"/>
+              <a:t>PHP</a:t>
+            </a:r>
+          </a:p>
+          <a:p>
+            <a:r>
+              <a:rPr kumimoji="1" lang="ja-JP" altLang="en-US" sz="1200" dirty="0" smtClean="0"/>
+              <a:t>・</a:t>
+            </a:r>
+            <a:r>
+              <a:rPr kumimoji="1" lang="en-US" altLang="ja-JP" sz="1200" dirty="0" smtClean="0"/>
+              <a:t>Laravel</a:t>
+            </a:r>
+            <a:endParaRPr kumimoji="1" lang="ja-JP" altLang="en-US" sz="1200" dirty="0"/>
+          </a:p>
+        </p:txBody>
+      </p:sp>
+      <p:grpSp>
+        <p:nvGrpSpPr>
+          <p:cNvPr id="18" name="図形グループ 17"/>
+          <p:cNvGrpSpPr/>
+          <p:nvPr/>
+        </p:nvGrpSpPr>
+        <p:grpSpPr>
+          <a:xfrm>
+            <a:off x="7200905" y="3256947"/>
+            <a:ext cx="1053812" cy="1252371"/>
+            <a:chOff x="3675104" y="5078509"/>
+            <a:chExt cx="1053812" cy="1252371"/>
+          </a:xfrm>
+        </p:grpSpPr>
+        <p:sp>
+          <p:nvSpPr>
+            <p:cNvPr id="101" name="TextBox 10">
+              <a:extLst>
+                <a:ext uri="{FF2B5EF4-FFF2-40B4-BE49-F238E27FC236}">
+                  <a16:creationId xmlns="" xmlns:a16="http://schemas.microsoft.com/office/drawing/2014/main" id="{99E9A16C-C445-9643-9734-20DB6E5D3E42}"/>
+                </a:ext>
+              </a:extLst>
+            </p:cNvPr>
+            <p:cNvSpPr txBox="1"/>
+            <p:nvPr/>
+          </p:nvSpPr>
+          <p:spPr>
+            <a:xfrm>
+              <a:off x="3675104" y="5807660"/>
+              <a:ext cx="1053812" cy="523220"/>
+            </a:xfrm>
+            <a:prstGeom prst="rect">
+              <a:avLst/>
+            </a:prstGeom>
+            <a:noFill/>
+          </p:spPr>
+          <p:txBody>
+            <a:bodyPr wrap="square" rtlCol="0">
+              <a:spAutoFit/>
+            </a:bodyPr>
+            <a:lstStyle/>
+            <a:p>
+              <a:pPr algn="ctr"/>
+              <a:r>
+                <a:rPr lang="en-US" sz="1400" dirty="0" smtClean="0"/>
+                <a:t>Amazon</a:t>
+              </a:r>
+              <a:br>
+                <a:rPr lang="en-US" sz="1400" dirty="0" smtClean="0"/>
+              </a:br>
+              <a:r>
+                <a:rPr lang="en-US" sz="1400" dirty="0" smtClean="0"/>
+                <a:t>Cognito</a:t>
+              </a:r>
+              <a:endParaRPr lang="en-US" sz="1400" dirty="0"/>
+            </a:p>
+          </p:txBody>
+        </p:sp>
+        <p:pic>
+          <p:nvPicPr>
+            <p:cNvPr id="107" name="Graphic 23">
+              <a:extLst>
+                <a:ext uri="{FF2B5EF4-FFF2-40B4-BE49-F238E27FC236}">
+                  <a16:creationId xmlns="" xmlns:a16="http://schemas.microsoft.com/office/drawing/2014/main" id="{E9A0F7B5-2F3A-6242-BCA5-7273277F9F0C}"/>
+                </a:ext>
+              </a:extLst>
+            </p:cNvPr>
+            <p:cNvPicPr>
+              <a:picLocks noChangeAspect="1"/>
+            </p:cNvPicPr>
+            <p:nvPr/>
+          </p:nvPicPr>
+          <p:blipFill>
+            <a:blip r:embed="rId48">
+              <a:extLst>
+                <a:ext uri="{96DAC541-7B7A-43D3-8B79-37D633B846F1}">
+                  <asvg:svgBlip xmlns="" xmlns:asvg="http://schemas.microsoft.com/office/drawing/2016/SVG/main" r:embed="rId50"/>
+                </a:ext>
+              </a:extLst>
+            </a:blip>
+            <a:stretch>
+              <a:fillRect/>
+            </a:stretch>
+          </p:blipFill>
+          <p:spPr>
+            <a:xfrm>
+              <a:off x="3846410" y="5078509"/>
+              <a:ext cx="711200" cy="711200"/>
+            </a:xfrm>
+            <a:prstGeom prst="rect">
+              <a:avLst/>
+            </a:prstGeom>
+          </p:spPr>
+        </p:pic>
+      </p:grpSp>
+      <p:grpSp>
+        <p:nvGrpSpPr>
+          <p:cNvPr id="19" name="図形グループ 18"/>
+          <p:cNvGrpSpPr/>
+          <p:nvPr/>
+        </p:nvGrpSpPr>
+        <p:grpSpPr>
+          <a:xfrm>
+            <a:off x="3031167" y="5145917"/>
+            <a:ext cx="2301904" cy="1016543"/>
+            <a:chOff x="2613419" y="5145917"/>
+            <a:chExt cx="2301904" cy="1016543"/>
+          </a:xfrm>
+        </p:grpSpPr>
+        <p:sp>
+          <p:nvSpPr>
+            <p:cNvPr id="114" name="TextBox 14">
+              <a:extLst>
+                <a:ext uri="{FF2B5EF4-FFF2-40B4-BE49-F238E27FC236}">
+                  <a16:creationId xmlns="" xmlns:a16="http://schemas.microsoft.com/office/drawing/2014/main" id="{70F1D858-0A61-B249-BFE8-EC03E7D2639D}"/>
+                </a:ext>
+              </a:extLst>
+            </p:cNvPr>
+            <p:cNvSpPr txBox="1"/>
+            <p:nvPr/>
+          </p:nvSpPr>
+          <p:spPr>
+            <a:xfrm>
+              <a:off x="2613419" y="5854683"/>
+              <a:ext cx="2301904" cy="307777"/>
+            </a:xfrm>
+            <a:prstGeom prst="rect">
+              <a:avLst/>
+            </a:prstGeom>
+            <a:noFill/>
+          </p:spPr>
+          <p:txBody>
+            <a:bodyPr wrap="square" rtlCol="0">
+              <a:spAutoFit/>
+            </a:bodyPr>
+            <a:lstStyle/>
+            <a:p>
+              <a:pPr algn="ctr"/>
+              <a:r>
+                <a:rPr lang="en-US" sz="1400" dirty="0"/>
+                <a:t>Amazon Route 53</a:t>
+              </a:r>
+            </a:p>
+          </p:txBody>
+        </p:sp>
+        <p:pic>
+          <p:nvPicPr>
+            <p:cNvPr id="115" name="Graphic 41">
+              <a:extLst>
+                <a:ext uri="{FF2B5EF4-FFF2-40B4-BE49-F238E27FC236}">
+                  <a16:creationId xmlns="" xmlns:a16="http://schemas.microsoft.com/office/drawing/2014/main" id="{5B1FEEC0-A82C-C940-A6B4-4A85ED521E63}"/>
+                </a:ext>
+              </a:extLst>
+            </p:cNvPr>
+            <p:cNvPicPr>
+              <a:picLocks noChangeAspect="1"/>
+            </p:cNvPicPr>
+            <p:nvPr/>
+          </p:nvPicPr>
+          <p:blipFill>
+            <a:blip r:embed="rId51">
+              <a:extLst>
+                <a:ext uri="{96DAC541-7B7A-43D3-8B79-37D633B846F1}">
+                  <asvg:svgBlip xmlns="" xmlns:asvg="http://schemas.microsoft.com/office/drawing/2016/SVG/main" r:embed="rId24"/>
+                </a:ext>
+              </a:extLst>
+            </a:blip>
+            <a:stretch>
+              <a:fillRect/>
+            </a:stretch>
+          </p:blipFill>
+          <p:spPr>
+            <a:xfrm>
+              <a:off x="3408771" y="5145917"/>
+              <a:ext cx="711200" cy="711200"/>
+            </a:xfrm>
+            <a:prstGeom prst="rect">
+              <a:avLst/>
+            </a:prstGeom>
+          </p:spPr>
+        </p:pic>
+      </p:grpSp>
+      <p:cxnSp>
+        <p:nvCxnSpPr>
+          <p:cNvPr id="116" name="直線矢印コネクタ 115"/>
+          <p:cNvCxnSpPr>
+            <a:stCxn id="43" idx="0"/>
+            <a:endCxn id="107" idx="2"/>
+          </p:cNvCxnSpPr>
+          <p:nvPr/>
+        </p:nvCxnSpPr>
+        <p:spPr>
+          <a:xfrm flipV="1">
+            <a:off x="7662559" y="3968147"/>
+            <a:ext cx="65252" cy="641706"/>
+          </a:xfrm>
+          <a:prstGeom prst="straightConnector1">
+            <a:avLst/>
+          </a:prstGeom>
+          <a:ln>
+            <a:solidFill>
+              <a:srgbClr val="13A0E7"/>
+            </a:solidFill>
+            <a:tailEnd type="arrow"/>
+          </a:ln>
+        </p:spPr>
+        <p:style>
+          <a:lnRef idx="2">
+            <a:schemeClr val="accent1"/>
+          </a:lnRef>
+          <a:fillRef idx="0">
+            <a:schemeClr val="accent1"/>
+          </a:fillRef>
+          <a:effectRef idx="1">
+            <a:schemeClr val="accent1"/>
+          </a:effectRef>
+          <a:fontRef idx="minor">
+            <a:schemeClr val="tx1"/>
+          </a:fontRef>
+        </p:style>
+      </p:cxnSp>
     </p:spTree>
     <p:extLst>
       <p:ext uri="{BB962C8B-B14F-4D97-AF65-F5344CB8AC3E}">
-        <p14:creationId xmlns:p14="http://schemas.microsoft.com/office/powerpoint/2010/main" val="3406981786"/>
+        <p14:creationId xmlns:p14="http://schemas.microsoft.com/office/powerpoint/2010/main" val="3253508547"/>
       </p:ext>
     </p:extLst>
   </p:cSld>
@@ -46242,6 +47024,3559 @@
 </file>
 
 <file path=ppt/slides/slide6.xml><?xml version="1.0" encoding="utf-8"?>
+<p:sld xmlns:a="http://schemas.openxmlformats.org/drawingml/2006/main" xmlns:r="http://schemas.openxmlformats.org/officeDocument/2006/relationships" xmlns:p="http://schemas.openxmlformats.org/presentationml/2006/main" show="0">
+  <p:cSld>
+    <p:spTree>
+      <p:nvGrpSpPr>
+        <p:cNvPr id="1" name=""/>
+        <p:cNvGrpSpPr/>
+        <p:nvPr/>
+      </p:nvGrpSpPr>
+      <p:grpSpPr>
+        <a:xfrm>
+          <a:off x="0" y="0"/>
+          <a:ext cx="0" cy="0"/>
+          <a:chOff x="0" y="0"/>
+          <a:chExt cx="0" cy="0"/>
+        </a:xfrm>
+      </p:grpSpPr>
+      <p:sp>
+        <p:nvSpPr>
+          <p:cNvPr id="17" name="角丸四角形吹き出し 16"/>
+          <p:cNvSpPr/>
+          <p:nvPr/>
+        </p:nvSpPr>
+        <p:spPr>
+          <a:xfrm>
+            <a:off x="5191792" y="1220307"/>
+            <a:ext cx="796824" cy="684866"/>
+          </a:xfrm>
+          <a:prstGeom prst="wedgeRoundRectCallout">
+            <a:avLst>
+              <a:gd name="adj1" fmla="val -64901"/>
+              <a:gd name="adj2" fmla="val 33409"/>
+              <a:gd name="adj3" fmla="val 16667"/>
+            </a:avLst>
+          </a:prstGeom>
+          <a:solidFill>
+            <a:srgbClr val="FFFFFF"/>
+          </a:solidFill>
+          <a:ln>
+            <a:noFill/>
+          </a:ln>
+          <a:effectLst>
+            <a:outerShdw blurRad="63500" sx="102000" sy="102000" algn="ctr" rotWithShape="0">
+              <a:prstClr val="black">
+                <a:alpha val="40000"/>
+              </a:prstClr>
+            </a:outerShdw>
+          </a:effectLst>
+        </p:spPr>
+        <p:style>
+          <a:lnRef idx="1">
+            <a:schemeClr val="accent1"/>
+          </a:lnRef>
+          <a:fillRef idx="3">
+            <a:schemeClr val="accent1"/>
+          </a:fillRef>
+          <a:effectRef idx="2">
+            <a:schemeClr val="accent1"/>
+          </a:effectRef>
+          <a:fontRef idx="minor">
+            <a:schemeClr val="lt1"/>
+          </a:fontRef>
+        </p:style>
+        <p:txBody>
+          <a:bodyPr rtlCol="0" anchor="ctr"/>
+          <a:lstStyle/>
+          <a:p>
+            <a:pPr algn="ctr"/>
+            <a:endParaRPr kumimoji="1" lang="ja-JP" altLang="en-US"/>
+          </a:p>
+        </p:txBody>
+      </p:sp>
+      <p:grpSp>
+        <p:nvGrpSpPr>
+          <p:cNvPr id="6" name="図形グループ 5"/>
+          <p:cNvGrpSpPr/>
+          <p:nvPr/>
+        </p:nvGrpSpPr>
+        <p:grpSpPr>
+          <a:xfrm>
+            <a:off x="400302" y="1884162"/>
+            <a:ext cx="2251103" cy="4260463"/>
+            <a:chOff x="400302" y="2195111"/>
+            <a:chExt cx="2251103" cy="3949514"/>
+          </a:xfrm>
+        </p:grpSpPr>
+        <p:sp>
+          <p:nvSpPr>
+            <p:cNvPr id="112" name="Rectangle 47">
+              <a:extLst>
+                <a:ext uri="{FF2B5EF4-FFF2-40B4-BE49-F238E27FC236}">
+                  <a16:creationId xmlns:a16="http://schemas.microsoft.com/office/drawing/2014/main" xmlns="" id="{F7C6A05A-B131-904E-9DAD-91CFCA42673E}"/>
+                </a:ext>
+              </a:extLst>
+            </p:cNvPr>
+            <p:cNvSpPr/>
+            <p:nvPr/>
+          </p:nvSpPr>
+          <p:spPr>
+            <a:xfrm>
+              <a:off x="511852" y="2306630"/>
+              <a:ext cx="2139553" cy="3837995"/>
+            </a:xfrm>
+            <a:prstGeom prst="rect">
+              <a:avLst/>
+            </a:prstGeom>
+            <a:solidFill>
+              <a:schemeClr val="bg1">
+                <a:lumMod val="85000"/>
+              </a:schemeClr>
+            </a:solidFill>
+            <a:ln w="12700">
+              <a:solidFill>
+                <a:srgbClr val="141B23"/>
+              </a:solidFill>
+            </a:ln>
+          </p:spPr>
+          <p:style>
+            <a:lnRef idx="2">
+              <a:schemeClr val="accent1">
+                <a:shade val="50000"/>
+              </a:schemeClr>
+            </a:lnRef>
+            <a:fillRef idx="1">
+              <a:schemeClr val="accent1"/>
+            </a:fillRef>
+            <a:effectRef idx="0">
+              <a:schemeClr val="accent1"/>
+            </a:effectRef>
+            <a:fontRef idx="minor">
+              <a:schemeClr val="lt1"/>
+            </a:fontRef>
+          </p:style>
+          <p:txBody>
+            <a:bodyPr rot="0" spcFirstLastPara="0" vertOverflow="overflow" horzOverflow="overflow" vert="horz" wrap="square" lIns="457200" tIns="91440" rIns="91440" bIns="45720" numCol="1" spcCol="0" rtlCol="0" fromWordArt="0" anchor="t" anchorCtr="0" forceAA="0" compatLnSpc="1">
+              <a:prstTxWarp prst="textNoShape">
+                <a:avLst/>
+              </a:prstTxWarp>
+              <a:noAutofit/>
+            </a:bodyPr>
+            <a:lstStyle/>
+            <a:p>
+              <a:pPr algn="l"/>
+              <a:endParaRPr lang="en-US" sz="1200" dirty="0">
+                <a:solidFill>
+                  <a:schemeClr val="tx1"/>
+                </a:solidFill>
+              </a:endParaRPr>
+            </a:p>
+          </p:txBody>
+        </p:sp>
+        <p:sp>
+          <p:nvSpPr>
+            <p:cNvPr id="111" name="Rectangle 47">
+              <a:extLst>
+                <a:ext uri="{FF2B5EF4-FFF2-40B4-BE49-F238E27FC236}">
+                  <a16:creationId xmlns:a16="http://schemas.microsoft.com/office/drawing/2014/main" xmlns="" id="{F7C6A05A-B131-904E-9DAD-91CFCA42673E}"/>
+                </a:ext>
+              </a:extLst>
+            </p:cNvPr>
+            <p:cNvSpPr/>
+            <p:nvPr/>
+          </p:nvSpPr>
+          <p:spPr>
+            <a:xfrm>
+              <a:off x="456077" y="2250870"/>
+              <a:ext cx="2139553" cy="3837995"/>
+            </a:xfrm>
+            <a:prstGeom prst="rect">
+              <a:avLst/>
+            </a:prstGeom>
+            <a:solidFill>
+              <a:schemeClr val="bg1">
+                <a:lumMod val="85000"/>
+              </a:schemeClr>
+            </a:solidFill>
+            <a:ln w="12700">
+              <a:solidFill>
+                <a:srgbClr val="141B23"/>
+              </a:solidFill>
+            </a:ln>
+          </p:spPr>
+          <p:style>
+            <a:lnRef idx="2">
+              <a:schemeClr val="accent1">
+                <a:shade val="50000"/>
+              </a:schemeClr>
+            </a:lnRef>
+            <a:fillRef idx="1">
+              <a:schemeClr val="accent1"/>
+            </a:fillRef>
+            <a:effectRef idx="0">
+              <a:schemeClr val="accent1"/>
+            </a:effectRef>
+            <a:fontRef idx="minor">
+              <a:schemeClr val="lt1"/>
+            </a:fontRef>
+          </p:style>
+          <p:txBody>
+            <a:bodyPr rot="0" spcFirstLastPara="0" vertOverflow="overflow" horzOverflow="overflow" vert="horz" wrap="square" lIns="457200" tIns="91440" rIns="91440" bIns="45720" numCol="1" spcCol="0" rtlCol="0" fromWordArt="0" anchor="t" anchorCtr="0" forceAA="0" compatLnSpc="1">
+              <a:prstTxWarp prst="textNoShape">
+                <a:avLst/>
+              </a:prstTxWarp>
+              <a:noAutofit/>
+            </a:bodyPr>
+            <a:lstStyle/>
+            <a:p>
+              <a:pPr algn="l"/>
+              <a:endParaRPr lang="en-US" sz="1200" dirty="0">
+                <a:solidFill>
+                  <a:schemeClr val="tx1"/>
+                </a:solidFill>
+              </a:endParaRPr>
+            </a:p>
+          </p:txBody>
+        </p:sp>
+        <p:sp>
+          <p:nvSpPr>
+            <p:cNvPr id="82" name="Rectangle 47">
+              <a:extLst>
+                <a:ext uri="{FF2B5EF4-FFF2-40B4-BE49-F238E27FC236}">
+                  <a16:creationId xmlns:a16="http://schemas.microsoft.com/office/drawing/2014/main" xmlns="" id="{F7C6A05A-B131-904E-9DAD-91CFCA42673E}"/>
+                </a:ext>
+              </a:extLst>
+            </p:cNvPr>
+            <p:cNvSpPr/>
+            <p:nvPr/>
+          </p:nvSpPr>
+          <p:spPr>
+            <a:xfrm>
+              <a:off x="400302" y="2195111"/>
+              <a:ext cx="2139553" cy="3837995"/>
+            </a:xfrm>
+            <a:prstGeom prst="rect">
+              <a:avLst/>
+            </a:prstGeom>
+            <a:solidFill>
+              <a:srgbClr val="FFFFFF"/>
+            </a:solidFill>
+            <a:ln w="12700">
+              <a:solidFill>
+                <a:srgbClr val="141B23"/>
+              </a:solidFill>
+            </a:ln>
+          </p:spPr>
+          <p:style>
+            <a:lnRef idx="2">
+              <a:schemeClr val="accent1">
+                <a:shade val="50000"/>
+              </a:schemeClr>
+            </a:lnRef>
+            <a:fillRef idx="1">
+              <a:schemeClr val="accent1"/>
+            </a:fillRef>
+            <a:effectRef idx="0">
+              <a:schemeClr val="accent1"/>
+            </a:effectRef>
+            <a:fontRef idx="minor">
+              <a:schemeClr val="lt1"/>
+            </a:fontRef>
+          </p:style>
+          <p:txBody>
+            <a:bodyPr rot="0" spcFirstLastPara="0" vertOverflow="overflow" horzOverflow="overflow" vert="horz" wrap="square" lIns="457200" tIns="91440" rIns="91440" bIns="45720" numCol="1" spcCol="0" rtlCol="0" fromWordArt="0" anchor="t" anchorCtr="0" forceAA="0" compatLnSpc="1">
+              <a:prstTxWarp prst="textNoShape">
+                <a:avLst/>
+              </a:prstTxWarp>
+              <a:noAutofit/>
+            </a:bodyPr>
+            <a:lstStyle/>
+            <a:p>
+              <a:pPr algn="l"/>
+              <a:endParaRPr lang="en-US" sz="1200" dirty="0">
+                <a:solidFill>
+                  <a:schemeClr val="tx1"/>
+                </a:solidFill>
+              </a:endParaRPr>
+            </a:p>
+          </p:txBody>
+        </p:sp>
+      </p:grpSp>
+      <p:sp>
+        <p:nvSpPr>
+          <p:cNvPr id="110" name="Rectangle 47">
+            <a:extLst>
+              <a:ext uri="{FF2B5EF4-FFF2-40B4-BE49-F238E27FC236}">
+                <a16:creationId xmlns:a16="http://schemas.microsoft.com/office/drawing/2014/main" xmlns="" id="{F7C6A05A-B131-904E-9DAD-91CFCA42673E}"/>
+              </a:ext>
+            </a:extLst>
+          </p:cNvPr>
+          <p:cNvSpPr/>
+          <p:nvPr/>
+        </p:nvSpPr>
+        <p:spPr>
+          <a:xfrm>
+            <a:off x="469882" y="4555893"/>
+            <a:ext cx="2000956" cy="1242518"/>
+          </a:xfrm>
+          <a:prstGeom prst="rect">
+            <a:avLst/>
+          </a:prstGeom>
+          <a:solidFill>
+            <a:srgbClr val="FFFFFF"/>
+          </a:solidFill>
+          <a:ln w="12700">
+            <a:solidFill>
+              <a:srgbClr val="141B23"/>
+            </a:solidFill>
+          </a:ln>
+        </p:spPr>
+        <p:style>
+          <a:lnRef idx="2">
+            <a:schemeClr val="accent1">
+              <a:shade val="50000"/>
+            </a:schemeClr>
+          </a:lnRef>
+          <a:fillRef idx="1">
+            <a:schemeClr val="accent1"/>
+          </a:fillRef>
+          <a:effectRef idx="0">
+            <a:schemeClr val="accent1"/>
+          </a:effectRef>
+          <a:fontRef idx="minor">
+            <a:schemeClr val="lt1"/>
+          </a:fontRef>
+        </p:style>
+        <p:txBody>
+          <a:bodyPr rot="0" spcFirstLastPara="0" vertOverflow="overflow" horzOverflow="overflow" vert="horz" wrap="square" lIns="457200" tIns="91440" rIns="91440" bIns="45720" numCol="1" spcCol="0" rtlCol="0" fromWordArt="0" anchor="t" anchorCtr="0" forceAA="0" compatLnSpc="1">
+            <a:prstTxWarp prst="textNoShape">
+              <a:avLst/>
+            </a:prstTxWarp>
+            <a:noAutofit/>
+          </a:bodyPr>
+          <a:lstStyle/>
+          <a:p>
+            <a:pPr algn="l"/>
+            <a:endParaRPr lang="en-US" sz="1200" dirty="0">
+              <a:solidFill>
+                <a:schemeClr val="tx1"/>
+              </a:solidFill>
+            </a:endParaRPr>
+          </a:p>
+        </p:txBody>
+      </p:sp>
+      <p:sp>
+        <p:nvSpPr>
+          <p:cNvPr id="108" name="Rectangle 47">
+            <a:extLst>
+              <a:ext uri="{FF2B5EF4-FFF2-40B4-BE49-F238E27FC236}">
+                <a16:creationId xmlns:a16="http://schemas.microsoft.com/office/drawing/2014/main" xmlns="" id="{F7C6A05A-B131-904E-9DAD-91CFCA42673E}"/>
+              </a:ext>
+            </a:extLst>
+          </p:cNvPr>
+          <p:cNvSpPr/>
+          <p:nvPr/>
+        </p:nvSpPr>
+        <p:spPr>
+          <a:xfrm>
+            <a:off x="469320" y="2400689"/>
+            <a:ext cx="2001517" cy="2051516"/>
+          </a:xfrm>
+          <a:prstGeom prst="rect">
+            <a:avLst/>
+          </a:prstGeom>
+          <a:solidFill>
+            <a:srgbClr val="FFFFFF"/>
+          </a:solidFill>
+          <a:ln w="12700">
+            <a:solidFill>
+              <a:srgbClr val="141B23"/>
+            </a:solidFill>
+            <a:prstDash val="dash"/>
+          </a:ln>
+        </p:spPr>
+        <p:style>
+          <a:lnRef idx="2">
+            <a:schemeClr val="accent1">
+              <a:shade val="50000"/>
+            </a:schemeClr>
+          </a:lnRef>
+          <a:fillRef idx="1">
+            <a:schemeClr val="accent1"/>
+          </a:fillRef>
+          <a:effectRef idx="0">
+            <a:schemeClr val="accent1"/>
+          </a:effectRef>
+          <a:fontRef idx="minor">
+            <a:schemeClr val="lt1"/>
+          </a:fontRef>
+        </p:style>
+        <p:txBody>
+          <a:bodyPr rot="0" spcFirstLastPara="0" vertOverflow="overflow" horzOverflow="overflow" vert="horz" wrap="square" lIns="457200" tIns="91440" rIns="91440" bIns="45720" numCol="1" spcCol="0" rtlCol="0" fromWordArt="0" anchor="t" anchorCtr="0" forceAA="0" compatLnSpc="1">
+            <a:prstTxWarp prst="textNoShape">
+              <a:avLst/>
+            </a:prstTxWarp>
+            <a:noAutofit/>
+          </a:bodyPr>
+          <a:lstStyle/>
+          <a:p>
+            <a:pPr algn="l"/>
+            <a:endParaRPr lang="en-US" sz="1200" dirty="0">
+              <a:solidFill>
+                <a:schemeClr val="tx1"/>
+              </a:solidFill>
+            </a:endParaRPr>
+          </a:p>
+        </p:txBody>
+      </p:sp>
+      <p:sp>
+        <p:nvSpPr>
+          <p:cNvPr id="102" name="Rectangle 36">
+            <a:extLst>
+              <a:ext uri="{FF2B5EF4-FFF2-40B4-BE49-F238E27FC236}">
+                <a16:creationId xmlns:a16="http://schemas.microsoft.com/office/drawing/2014/main" xmlns="" id="{305B98DC-5AF5-3342-A4B1-F62852BC80FE}"/>
+              </a:ext>
+            </a:extLst>
+          </p:cNvPr>
+          <p:cNvSpPr/>
+          <p:nvPr/>
+        </p:nvSpPr>
+        <p:spPr>
+          <a:xfrm>
+            <a:off x="6838266" y="1629836"/>
+            <a:ext cx="4508266" cy="4361853"/>
+          </a:xfrm>
+          <a:prstGeom prst="rect">
+            <a:avLst/>
+          </a:prstGeom>
+          <a:noFill/>
+          <a:ln w="12700">
+            <a:solidFill>
+              <a:srgbClr val="00A0E7"/>
+            </a:solidFill>
+            <a:prstDash val="dash"/>
+          </a:ln>
+        </p:spPr>
+        <p:style>
+          <a:lnRef idx="2">
+            <a:schemeClr val="accent1">
+              <a:shade val="50000"/>
+            </a:schemeClr>
+          </a:lnRef>
+          <a:fillRef idx="1">
+            <a:schemeClr val="accent1"/>
+          </a:fillRef>
+          <a:effectRef idx="0">
+            <a:schemeClr val="accent1"/>
+          </a:effectRef>
+          <a:fontRef idx="minor">
+            <a:schemeClr val="lt1"/>
+          </a:fontRef>
+        </p:style>
+        <p:txBody>
+          <a:bodyPr rot="0" spcFirstLastPara="0" vertOverflow="overflow" horzOverflow="overflow" vert="horz" wrap="square" lIns="91440" tIns="91440" rIns="91440" bIns="45720" numCol="1" spcCol="0" rtlCol="0" fromWordArt="0" anchor="t" anchorCtr="0" forceAA="0" compatLnSpc="1">
+            <a:prstTxWarp prst="textNoShape">
+              <a:avLst/>
+            </a:prstTxWarp>
+            <a:noAutofit/>
+          </a:bodyPr>
+          <a:lstStyle/>
+          <a:p>
+            <a:pPr algn="ctr"/>
+            <a:r>
+              <a:rPr lang="en-US" sz="1200" dirty="0">
+                <a:solidFill>
+                  <a:srgbClr val="00A0E7"/>
+                </a:solidFill>
+              </a:rPr>
+              <a:t>Availability Zone</a:t>
+            </a:r>
+          </a:p>
+        </p:txBody>
+      </p:sp>
+      <p:sp>
+        <p:nvSpPr>
+          <p:cNvPr id="2" name="タイトル 1">
+            <a:extLst>
+              <a:ext uri="{FF2B5EF4-FFF2-40B4-BE49-F238E27FC236}">
+                <a16:creationId xmlns:a16="http://schemas.microsoft.com/office/drawing/2014/main" xmlns="" id="{1A3C72B1-DD7E-4C64-B1AC-556F59194061}"/>
+              </a:ext>
+            </a:extLst>
+          </p:cNvPr>
+          <p:cNvSpPr>
+            <a:spLocks noGrp="1"/>
+          </p:cNvSpPr>
+          <p:nvPr>
+            <p:ph type="title"/>
+          </p:nvPr>
+        </p:nvSpPr>
+        <p:spPr/>
+        <p:txBody>
+          <a:bodyPr>
+            <a:normAutofit fontScale="90000"/>
+          </a:bodyPr>
+          <a:lstStyle/>
+          <a:p>
+            <a:r>
+              <a:rPr lang="en-US" altLang="ja-JP" dirty="0"/>
+              <a:t>1</a:t>
+            </a:r>
+            <a:r>
+              <a:rPr kumimoji="1" lang="en-US" altLang="ja-JP" dirty="0"/>
+              <a:t>. </a:t>
+            </a:r>
+            <a:r>
+              <a:rPr kumimoji="1" lang="ja-JP" altLang="en-US" dirty="0"/>
+              <a:t>インフラ</a:t>
+            </a:r>
+            <a:r>
+              <a:rPr kumimoji="1" lang="ja-JP" altLang="en-US" dirty="0" smtClean="0"/>
+              <a:t>構成図</a:t>
+            </a:r>
+            <a:r>
+              <a:rPr kumimoji="1" lang="en-US" altLang="ja-JP" dirty="0" smtClean="0"/>
+              <a:t> (v2.2.0)</a:t>
+            </a:r>
+            <a:endParaRPr kumimoji="1" lang="ja-JP" altLang="en-US" dirty="0"/>
+          </a:p>
+        </p:txBody>
+      </p:sp>
+      <p:sp>
+        <p:nvSpPr>
+          <p:cNvPr id="28" name="Rectangle 47">
+            <a:extLst>
+              <a:ext uri="{FF2B5EF4-FFF2-40B4-BE49-F238E27FC236}">
+                <a16:creationId xmlns:a16="http://schemas.microsoft.com/office/drawing/2014/main" xmlns="" id="{F7C6A05A-B131-904E-9DAD-91CFCA42673E}"/>
+              </a:ext>
+            </a:extLst>
+          </p:cNvPr>
+          <p:cNvSpPr/>
+          <p:nvPr/>
+        </p:nvSpPr>
+        <p:spPr>
+          <a:xfrm>
+            <a:off x="2906534" y="1134883"/>
+            <a:ext cx="8889942" cy="5022475"/>
+          </a:xfrm>
+          <a:prstGeom prst="rect">
+            <a:avLst/>
+          </a:prstGeom>
+          <a:noFill/>
+          <a:ln w="12700">
+            <a:solidFill>
+              <a:srgbClr val="141B23"/>
+            </a:solidFill>
+          </a:ln>
+        </p:spPr>
+        <p:style>
+          <a:lnRef idx="2">
+            <a:schemeClr val="accent1">
+              <a:shade val="50000"/>
+            </a:schemeClr>
+          </a:lnRef>
+          <a:fillRef idx="1">
+            <a:schemeClr val="accent1"/>
+          </a:fillRef>
+          <a:effectRef idx="0">
+            <a:schemeClr val="accent1"/>
+          </a:effectRef>
+          <a:fontRef idx="minor">
+            <a:schemeClr val="lt1"/>
+          </a:fontRef>
+        </p:style>
+        <p:txBody>
+          <a:bodyPr rot="0" spcFirstLastPara="0" vertOverflow="overflow" horzOverflow="overflow" vert="horz" wrap="square" lIns="457200" tIns="91440" rIns="91440" bIns="45720" numCol="1" spcCol="0" rtlCol="0" fromWordArt="0" anchor="t" anchorCtr="0" forceAA="0" compatLnSpc="1">
+            <a:prstTxWarp prst="textNoShape">
+              <a:avLst/>
+            </a:prstTxWarp>
+            <a:noAutofit/>
+          </a:bodyPr>
+          <a:lstStyle/>
+          <a:p>
+            <a:pPr algn="l"/>
+            <a:r>
+              <a:rPr lang="en-US" sz="1200" dirty="0">
+                <a:solidFill>
+                  <a:schemeClr val="tx1"/>
+                </a:solidFill>
+              </a:rPr>
+              <a:t>AWS Cloud</a:t>
+            </a:r>
+          </a:p>
+        </p:txBody>
+      </p:sp>
+      <p:pic>
+        <p:nvPicPr>
+          <p:cNvPr id="34" name="Graphic 50">
+            <a:extLst>
+              <a:ext uri="{FF2B5EF4-FFF2-40B4-BE49-F238E27FC236}">
+                <a16:creationId xmlns:a16="http://schemas.microsoft.com/office/drawing/2014/main" xmlns="" id="{90480268-FA8A-6D4B-8724-6B01F65849EB}"/>
+              </a:ext>
+            </a:extLst>
+          </p:cNvPr>
+          <p:cNvPicPr>
+            <a:picLocks noChangeAspect="1"/>
+          </p:cNvPicPr>
+          <p:nvPr/>
+        </p:nvPicPr>
+        <p:blipFill>
+          <a:blip r:embed="rId2">
+            <a:extLst>
+              <a:ext uri="{96DAC541-7B7A-43D3-8B79-37D633B846F1}">
+                <asvg:svgBlip xmlns:asvg="http://schemas.microsoft.com/office/drawing/2016/SVG/main" xmlns="" r:embed="rId7"/>
+              </a:ext>
+            </a:extLst>
+          </a:blip>
+          <a:stretch>
+            <a:fillRect/>
+          </a:stretch>
+        </p:blipFill>
+        <p:spPr>
+          <a:xfrm>
+            <a:off x="2906534" y="1134884"/>
+            <a:ext cx="330200" cy="330200"/>
+          </a:xfrm>
+          <a:prstGeom prst="rect">
+            <a:avLst/>
+          </a:prstGeom>
+        </p:spPr>
+      </p:pic>
+      <p:grpSp>
+        <p:nvGrpSpPr>
+          <p:cNvPr id="11" name="図形グループ 10"/>
+          <p:cNvGrpSpPr/>
+          <p:nvPr/>
+        </p:nvGrpSpPr>
+        <p:grpSpPr>
+          <a:xfrm>
+            <a:off x="1289166" y="4851089"/>
+            <a:ext cx="1072750" cy="879746"/>
+            <a:chOff x="612791" y="4460938"/>
+            <a:chExt cx="1072750" cy="879746"/>
+          </a:xfrm>
+        </p:grpSpPr>
+        <p:pic>
+          <p:nvPicPr>
+            <p:cNvPr id="36" name="Graphic 39">
+              <a:extLst>
+                <a:ext uri="{FF2B5EF4-FFF2-40B4-BE49-F238E27FC236}">
+                  <a16:creationId xmlns:a16="http://schemas.microsoft.com/office/drawing/2014/main" xmlns="" id="{6FA71975-EA2D-784E-8A28-738A17320E91}"/>
+                </a:ext>
+              </a:extLst>
+            </p:cNvPr>
+            <p:cNvPicPr>
+              <a:picLocks noChangeAspect="1"/>
+            </p:cNvPicPr>
+            <p:nvPr/>
+          </p:nvPicPr>
+          <p:blipFill>
+            <a:blip r:embed="rId8">
+              <a:extLst>
+                <a:ext uri="{96DAC541-7B7A-43D3-8B79-37D633B846F1}">
+                  <asvg:svgBlip xmlns:asvg="http://schemas.microsoft.com/office/drawing/2016/SVG/main" xmlns="" r:embed="rId29"/>
+                </a:ext>
+              </a:extLst>
+            </a:blip>
+            <a:stretch>
+              <a:fillRect/>
+            </a:stretch>
+          </p:blipFill>
+          <p:spPr>
+            <a:xfrm>
+              <a:off x="914216" y="4460938"/>
+              <a:ext cx="469900" cy="469900"/>
+            </a:xfrm>
+            <a:prstGeom prst="rect">
+              <a:avLst/>
+            </a:prstGeom>
+          </p:spPr>
+        </p:pic>
+        <p:sp>
+          <p:nvSpPr>
+            <p:cNvPr id="38" name="TextBox 90">
+              <a:extLst>
+                <a:ext uri="{FF2B5EF4-FFF2-40B4-BE49-F238E27FC236}">
+                  <a16:creationId xmlns:a16="http://schemas.microsoft.com/office/drawing/2014/main" xmlns="" id="{37743B23-AAC5-CC49-9C18-C68DBC507174}"/>
+                </a:ext>
+              </a:extLst>
+            </p:cNvPr>
+            <p:cNvSpPr txBox="1"/>
+            <p:nvPr/>
+          </p:nvSpPr>
+          <p:spPr>
+            <a:xfrm>
+              <a:off x="612791" y="5032907"/>
+              <a:ext cx="1072750" cy="307777"/>
+            </a:xfrm>
+            <a:prstGeom prst="rect">
+              <a:avLst/>
+            </a:prstGeom>
+            <a:noFill/>
+          </p:spPr>
+          <p:txBody>
+            <a:bodyPr wrap="square" rtlCol="0">
+              <a:spAutoFit/>
+            </a:bodyPr>
+            <a:lstStyle/>
+            <a:p>
+              <a:pPr algn="ctr"/>
+              <a:r>
+                <a:rPr lang="en-US" sz="1400" dirty="0">
+                  <a:solidFill>
+                    <a:srgbClr val="232F3E"/>
+                  </a:solidFill>
+                </a:rPr>
+                <a:t>User</a:t>
+              </a:r>
+            </a:p>
+          </p:txBody>
+        </p:sp>
+      </p:grpSp>
+      <p:grpSp>
+        <p:nvGrpSpPr>
+          <p:cNvPr id="10" name="図形グループ 9"/>
+          <p:cNvGrpSpPr/>
+          <p:nvPr/>
+        </p:nvGrpSpPr>
+        <p:grpSpPr>
+          <a:xfrm>
+            <a:off x="533648" y="3577368"/>
+            <a:ext cx="1072750" cy="879746"/>
+            <a:chOff x="630273" y="1575539"/>
+            <a:chExt cx="1072750" cy="879746"/>
+          </a:xfrm>
+        </p:grpSpPr>
+        <p:pic>
+          <p:nvPicPr>
+            <p:cNvPr id="37" name="Graphic 41">
+              <a:extLst>
+                <a:ext uri="{FF2B5EF4-FFF2-40B4-BE49-F238E27FC236}">
+                  <a16:creationId xmlns:a16="http://schemas.microsoft.com/office/drawing/2014/main" xmlns="" id="{1A56C62F-612C-5841-B7E7-B15DA92D0BDE}"/>
+                </a:ext>
+              </a:extLst>
+            </p:cNvPr>
+            <p:cNvPicPr>
+              <a:picLocks noChangeAspect="1"/>
+            </p:cNvPicPr>
+            <p:nvPr/>
+          </p:nvPicPr>
+          <p:blipFill>
+            <a:blip r:embed="rId30">
+              <a:extLst>
+                <a:ext uri="{96DAC541-7B7A-43D3-8B79-37D633B846F1}">
+                  <asvg:svgBlip xmlns:asvg="http://schemas.microsoft.com/office/drawing/2016/SVG/main" xmlns="" r:embed="rId31"/>
+                </a:ext>
+              </a:extLst>
+            </a:blip>
+            <a:stretch>
+              <a:fillRect/>
+            </a:stretch>
+          </p:blipFill>
+          <p:spPr>
+            <a:xfrm flipH="1">
+              <a:off x="924855" y="1575539"/>
+              <a:ext cx="483586" cy="469900"/>
+            </a:xfrm>
+            <a:prstGeom prst="rect">
+              <a:avLst/>
+            </a:prstGeom>
+          </p:spPr>
+        </p:pic>
+        <p:sp>
+          <p:nvSpPr>
+            <p:cNvPr id="39" name="TextBox 93">
+              <a:extLst>
+                <a:ext uri="{FF2B5EF4-FFF2-40B4-BE49-F238E27FC236}">
+                  <a16:creationId xmlns:a16="http://schemas.microsoft.com/office/drawing/2014/main" xmlns="" id="{4EDB2C05-2F10-9C42-9C35-AE4BB249A665}"/>
+                </a:ext>
+              </a:extLst>
+            </p:cNvPr>
+            <p:cNvSpPr txBox="1"/>
+            <p:nvPr/>
+          </p:nvSpPr>
+          <p:spPr>
+            <a:xfrm>
+              <a:off x="630273" y="2147508"/>
+              <a:ext cx="1072750" cy="307777"/>
+            </a:xfrm>
+            <a:prstGeom prst="rect">
+              <a:avLst/>
+            </a:prstGeom>
+            <a:noFill/>
+          </p:spPr>
+          <p:txBody>
+            <a:bodyPr wrap="square" rtlCol="0">
+              <a:spAutoFit/>
+            </a:bodyPr>
+            <a:lstStyle/>
+            <a:p>
+              <a:pPr algn="ctr"/>
+              <a:r>
+                <a:rPr lang="en-US" sz="1400" dirty="0">
+                  <a:solidFill>
+                    <a:srgbClr val="232F3E"/>
+                  </a:solidFill>
+                </a:rPr>
+                <a:t>Users</a:t>
+              </a:r>
+            </a:p>
+          </p:txBody>
+        </p:sp>
+      </p:grpSp>
+      <p:grpSp>
+        <p:nvGrpSpPr>
+          <p:cNvPr id="12" name="図形グループ 11"/>
+          <p:cNvGrpSpPr/>
+          <p:nvPr/>
+        </p:nvGrpSpPr>
+        <p:grpSpPr>
+          <a:xfrm>
+            <a:off x="1352857" y="3810234"/>
+            <a:ext cx="1153635" cy="691247"/>
+            <a:chOff x="1148052" y="2003516"/>
+            <a:chExt cx="1382019" cy="828092"/>
+          </a:xfrm>
+        </p:grpSpPr>
+        <p:pic>
+          <p:nvPicPr>
+            <p:cNvPr id="40" name="Graphic 23">
+              <a:extLst>
+                <a:ext uri="{FF2B5EF4-FFF2-40B4-BE49-F238E27FC236}">
+                  <a16:creationId xmlns:a16="http://schemas.microsoft.com/office/drawing/2014/main" xmlns="" id="{5F43C684-E7CD-7B41-ACA7-B11152EF7F46}"/>
+                </a:ext>
+              </a:extLst>
+            </p:cNvPr>
+            <p:cNvPicPr>
+              <a:picLocks noChangeAspect="1"/>
+            </p:cNvPicPr>
+            <p:nvPr/>
+          </p:nvPicPr>
+          <p:blipFill>
+            <a:blip r:embed="rId32">
+              <a:extLst>
+                <a:ext uri="{96DAC541-7B7A-43D3-8B79-37D633B846F1}">
+                  <asvg:svgBlip xmlns:asvg="http://schemas.microsoft.com/office/drawing/2016/SVG/main" xmlns="" r:embed="rId17"/>
+                </a:ext>
+              </a:extLst>
+            </a:blip>
+            <a:stretch>
+              <a:fillRect/>
+            </a:stretch>
+          </p:blipFill>
+          <p:spPr>
+            <a:xfrm>
+              <a:off x="1526183" y="2003516"/>
+              <a:ext cx="469900" cy="469900"/>
+            </a:xfrm>
+            <a:prstGeom prst="rect">
+              <a:avLst/>
+            </a:prstGeom>
+          </p:spPr>
+        </p:pic>
+        <p:sp>
+          <p:nvSpPr>
+            <p:cNvPr id="41" name="TextBox 72">
+              <a:extLst>
+                <a:ext uri="{FF2B5EF4-FFF2-40B4-BE49-F238E27FC236}">
+                  <a16:creationId xmlns:a16="http://schemas.microsoft.com/office/drawing/2014/main" xmlns="" id="{2E08DBCE-1ACF-424F-814D-23C461589D8E}"/>
+                </a:ext>
+              </a:extLst>
+            </p:cNvPr>
+            <p:cNvSpPr txBox="1"/>
+            <p:nvPr/>
+          </p:nvSpPr>
+          <p:spPr>
+            <a:xfrm>
+              <a:off x="1148052" y="2462901"/>
+              <a:ext cx="1382019" cy="368707"/>
+            </a:xfrm>
+            <a:prstGeom prst="rect">
+              <a:avLst/>
+            </a:prstGeom>
+            <a:noFill/>
+          </p:spPr>
+          <p:txBody>
+            <a:bodyPr wrap="square" rtlCol="0">
+              <a:spAutoFit/>
+            </a:bodyPr>
+            <a:lstStyle/>
+            <a:p>
+              <a:pPr algn="ctr"/>
+              <a:r>
+                <a:rPr lang="en-US" sz="1400" dirty="0">
+                  <a:solidFill>
+                    <a:srgbClr val="232F3E"/>
+                  </a:solidFill>
+                </a:rPr>
+                <a:t>Multimedia</a:t>
+              </a:r>
+            </a:p>
+          </p:txBody>
+        </p:sp>
+      </p:grpSp>
+      <p:grpSp>
+        <p:nvGrpSpPr>
+          <p:cNvPr id="8" name="図形グループ 7"/>
+          <p:cNvGrpSpPr/>
+          <p:nvPr/>
+        </p:nvGrpSpPr>
+        <p:grpSpPr>
+          <a:xfrm>
+            <a:off x="4902939" y="3447699"/>
+            <a:ext cx="1287598" cy="1258568"/>
+            <a:chOff x="8485327" y="2438034"/>
+            <a:chExt cx="1287598" cy="1258568"/>
+          </a:xfrm>
+        </p:grpSpPr>
+        <p:pic>
+          <p:nvPicPr>
+            <p:cNvPr id="44" name="Graphic 71">
+              <a:extLst>
+                <a:ext uri="{FF2B5EF4-FFF2-40B4-BE49-F238E27FC236}">
+                  <a16:creationId xmlns:a16="http://schemas.microsoft.com/office/drawing/2014/main" xmlns="" id="{31D711CB-BE6B-6644-AD61-BCF2CDB2A587}"/>
+                </a:ext>
+              </a:extLst>
+            </p:cNvPr>
+            <p:cNvPicPr>
+              <a:picLocks noChangeAspect="1"/>
+            </p:cNvPicPr>
+            <p:nvPr/>
+          </p:nvPicPr>
+          <p:blipFill>
+            <a:blip r:embed="rId33">
+              <a:extLst>
+                <a:ext uri="{96DAC541-7B7A-43D3-8B79-37D633B846F1}">
+                  <asvg:svgBlip xmlns:asvg="http://schemas.microsoft.com/office/drawing/2016/SVG/main" xmlns="" r:embed="rId19"/>
+                </a:ext>
+              </a:extLst>
+            </a:blip>
+            <a:stretch>
+              <a:fillRect/>
+            </a:stretch>
+          </p:blipFill>
+          <p:spPr>
+            <a:xfrm>
+              <a:off x="8773526" y="2438034"/>
+              <a:ext cx="711200" cy="711200"/>
+            </a:xfrm>
+            <a:prstGeom prst="rect">
+              <a:avLst/>
+            </a:prstGeom>
+          </p:spPr>
+        </p:pic>
+        <p:sp>
+          <p:nvSpPr>
+            <p:cNvPr id="45" name="TextBox 75">
+              <a:extLst>
+                <a:ext uri="{FF2B5EF4-FFF2-40B4-BE49-F238E27FC236}">
+                  <a16:creationId xmlns:a16="http://schemas.microsoft.com/office/drawing/2014/main" xmlns="" id="{9ABBCCC2-6A9F-CE45-9C04-D783E79573D6}"/>
+                </a:ext>
+              </a:extLst>
+            </p:cNvPr>
+            <p:cNvSpPr txBox="1"/>
+            <p:nvPr/>
+          </p:nvSpPr>
+          <p:spPr>
+            <a:xfrm>
+              <a:off x="8485327" y="3173382"/>
+              <a:ext cx="1287598" cy="523220"/>
+            </a:xfrm>
+            <a:prstGeom prst="rect">
+              <a:avLst/>
+            </a:prstGeom>
+            <a:noFill/>
+          </p:spPr>
+          <p:txBody>
+            <a:bodyPr wrap="square" rtlCol="0">
+              <a:spAutoFit/>
+            </a:bodyPr>
+            <a:lstStyle/>
+            <a:p>
+              <a:pPr algn="ctr"/>
+              <a:r>
+                <a:rPr lang="en-US" sz="1400" dirty="0"/>
+                <a:t>Amazon </a:t>
+              </a:r>
+              <a:r>
+                <a:rPr lang="en-US" sz="1400" dirty="0" smtClean="0"/>
+                <a:t/>
+              </a:r>
+              <a:br>
+                <a:rPr lang="en-US" sz="1400" dirty="0" smtClean="0"/>
+              </a:br>
+              <a:r>
+                <a:rPr lang="en-US" sz="1400" dirty="0" smtClean="0"/>
+                <a:t>S3</a:t>
+              </a:r>
+              <a:endParaRPr lang="en-US" sz="1400" dirty="0"/>
+            </a:p>
+          </p:txBody>
+        </p:sp>
+      </p:grpSp>
+      <p:grpSp>
+        <p:nvGrpSpPr>
+          <p:cNvPr id="9" name="図形グループ 8"/>
+          <p:cNvGrpSpPr/>
+          <p:nvPr/>
+        </p:nvGrpSpPr>
+        <p:grpSpPr>
+          <a:xfrm>
+            <a:off x="3947298" y="3447699"/>
+            <a:ext cx="1249498" cy="1256133"/>
+            <a:chOff x="1815009" y="1481012"/>
+            <a:chExt cx="1249498" cy="1256133"/>
+          </a:xfrm>
+        </p:grpSpPr>
+        <p:sp>
+          <p:nvSpPr>
+            <p:cNvPr id="46" name="TextBox 8">
+              <a:extLst>
+                <a:ext uri="{FF2B5EF4-FFF2-40B4-BE49-F238E27FC236}">
+                  <a16:creationId xmlns:a16="http://schemas.microsoft.com/office/drawing/2014/main" xmlns="" id="{EE5AD722-65A2-3441-BC67-C1ED5707E6E2}"/>
+                </a:ext>
+              </a:extLst>
+            </p:cNvPr>
+            <p:cNvSpPr txBox="1"/>
+            <p:nvPr/>
+          </p:nvSpPr>
+          <p:spPr>
+            <a:xfrm>
+              <a:off x="1815009" y="2213925"/>
+              <a:ext cx="1249498" cy="523220"/>
+            </a:xfrm>
+            <a:prstGeom prst="rect">
+              <a:avLst/>
+            </a:prstGeom>
+            <a:noFill/>
+          </p:spPr>
+          <p:txBody>
+            <a:bodyPr wrap="square" rtlCol="0">
+              <a:spAutoFit/>
+            </a:bodyPr>
+            <a:lstStyle/>
+            <a:p>
+              <a:pPr algn="ctr"/>
+              <a:r>
+                <a:rPr lang="en-US" sz="1400" dirty="0"/>
+                <a:t>Amazon </a:t>
+              </a:r>
+              <a:r>
+                <a:rPr lang="en-US" sz="1400" dirty="0" smtClean="0"/>
+                <a:t/>
+              </a:r>
+              <a:br>
+                <a:rPr lang="en-US" sz="1400" dirty="0" smtClean="0"/>
+              </a:br>
+              <a:r>
+                <a:rPr lang="en-US" sz="1400" dirty="0" smtClean="0"/>
+                <a:t>CloudFront</a:t>
+              </a:r>
+              <a:endParaRPr lang="en-US" sz="1400" dirty="0"/>
+            </a:p>
+          </p:txBody>
+        </p:sp>
+        <p:pic>
+          <p:nvPicPr>
+            <p:cNvPr id="47" name="Graphic 33">
+              <a:extLst>
+                <a:ext uri="{FF2B5EF4-FFF2-40B4-BE49-F238E27FC236}">
+                  <a16:creationId xmlns:a16="http://schemas.microsoft.com/office/drawing/2014/main" xmlns="" id="{239FDEEB-7049-3C46-AD29-71A07202049A}"/>
+                </a:ext>
+              </a:extLst>
+            </p:cNvPr>
+            <p:cNvPicPr>
+              <a:picLocks noChangeAspect="1"/>
+            </p:cNvPicPr>
+            <p:nvPr/>
+          </p:nvPicPr>
+          <p:blipFill>
+            <a:blip r:embed="rId34">
+              <a:extLst>
+                <a:ext uri="{96DAC541-7B7A-43D3-8B79-37D633B846F1}">
+                  <asvg:svgBlip xmlns:asvg="http://schemas.microsoft.com/office/drawing/2016/SVG/main" xmlns="" r:embed="rId16"/>
+                </a:ext>
+              </a:extLst>
+            </a:blip>
+            <a:stretch>
+              <a:fillRect/>
+            </a:stretch>
+          </p:blipFill>
+          <p:spPr>
+            <a:xfrm>
+              <a:off x="2084158" y="1481012"/>
+              <a:ext cx="711200" cy="711200"/>
+            </a:xfrm>
+            <a:prstGeom prst="rect">
+              <a:avLst/>
+            </a:prstGeom>
+          </p:spPr>
+        </p:pic>
+      </p:grpSp>
+      <p:grpSp>
+        <p:nvGrpSpPr>
+          <p:cNvPr id="3" name="図形グループ 2"/>
+          <p:cNvGrpSpPr/>
+          <p:nvPr/>
+        </p:nvGrpSpPr>
+        <p:grpSpPr>
+          <a:xfrm>
+            <a:off x="6799599" y="1991825"/>
+            <a:ext cx="1659180" cy="1298834"/>
+            <a:chOff x="3699357" y="1384372"/>
+            <a:chExt cx="1659180" cy="1298834"/>
+          </a:xfrm>
+        </p:grpSpPr>
+        <p:sp>
+          <p:nvSpPr>
+            <p:cNvPr id="48" name="TextBox 4">
+              <a:extLst>
+                <a:ext uri="{FF2B5EF4-FFF2-40B4-BE49-F238E27FC236}">
+                  <a16:creationId xmlns:a16="http://schemas.microsoft.com/office/drawing/2014/main" xmlns="" id="{98493F85-0788-B14E-AA06-484C3E93C5D7}"/>
+                </a:ext>
+              </a:extLst>
+            </p:cNvPr>
+            <p:cNvSpPr txBox="1"/>
+            <p:nvPr/>
+          </p:nvSpPr>
+          <p:spPr>
+            <a:xfrm>
+              <a:off x="3699357" y="2159986"/>
+              <a:ext cx="1659180" cy="523220"/>
+            </a:xfrm>
+            <a:prstGeom prst="rect">
+              <a:avLst/>
+            </a:prstGeom>
+            <a:noFill/>
+          </p:spPr>
+          <p:txBody>
+            <a:bodyPr wrap="square" rtlCol="0">
+              <a:spAutoFit/>
+            </a:bodyPr>
+            <a:lstStyle/>
+            <a:p>
+              <a:pPr algn="ctr"/>
+              <a:r>
+                <a:rPr lang="en-US" sz="1400" dirty="0"/>
+                <a:t>Amazon </a:t>
+              </a:r>
+              <a:r>
+                <a:rPr lang="en-US" sz="1400" dirty="0" smtClean="0"/>
+                <a:t/>
+              </a:r>
+              <a:br>
+                <a:rPr lang="en-US" sz="1400" dirty="0" smtClean="0"/>
+              </a:br>
+              <a:r>
+                <a:rPr lang="en-US" sz="1400" dirty="0" smtClean="0"/>
+                <a:t>API </a:t>
+              </a:r>
+              <a:r>
+                <a:rPr lang="en-US" sz="1400" dirty="0"/>
+                <a:t>Gateway</a:t>
+              </a:r>
+            </a:p>
+          </p:txBody>
+        </p:sp>
+        <p:pic>
+          <p:nvPicPr>
+            <p:cNvPr id="50" name="Graphic 19">
+              <a:extLst>
+                <a:ext uri="{FF2B5EF4-FFF2-40B4-BE49-F238E27FC236}">
+                  <a16:creationId xmlns:a16="http://schemas.microsoft.com/office/drawing/2014/main" xmlns="" id="{E3415E5B-FE82-7A40-8F0B-7A0EC616D16B}"/>
+                </a:ext>
+              </a:extLst>
+            </p:cNvPr>
+            <p:cNvPicPr>
+              <a:picLocks noChangeAspect="1"/>
+            </p:cNvPicPr>
+            <p:nvPr/>
+          </p:nvPicPr>
+          <p:blipFill>
+            <a:blip r:embed="rId35">
+              <a:extLst>
+                <a:ext uri="{96DAC541-7B7A-43D3-8B79-37D633B846F1}">
+                  <asvg:svgBlip xmlns:asvg="http://schemas.microsoft.com/office/drawing/2016/SVG/main" xmlns="" r:embed="rId6"/>
+                </a:ext>
+              </a:extLst>
+            </a:blip>
+            <a:stretch>
+              <a:fillRect/>
+            </a:stretch>
+          </p:blipFill>
+          <p:spPr>
+            <a:xfrm>
+              <a:off x="4173347" y="1384372"/>
+              <a:ext cx="711200" cy="711200"/>
+            </a:xfrm>
+            <a:prstGeom prst="rect">
+              <a:avLst/>
+            </a:prstGeom>
+          </p:spPr>
+        </p:pic>
+      </p:grpSp>
+      <p:grpSp>
+        <p:nvGrpSpPr>
+          <p:cNvPr id="7" name="図形グループ 6"/>
+          <p:cNvGrpSpPr/>
+          <p:nvPr/>
+        </p:nvGrpSpPr>
+        <p:grpSpPr>
+          <a:xfrm>
+            <a:off x="9719147" y="1991995"/>
+            <a:ext cx="1958670" cy="1212363"/>
+            <a:chOff x="8117934" y="1320972"/>
+            <a:chExt cx="1958670" cy="1212363"/>
+          </a:xfrm>
+        </p:grpSpPr>
+        <p:sp>
+          <p:nvSpPr>
+            <p:cNvPr id="51" name="TextBox 9">
+              <a:extLst>
+                <a:ext uri="{FF2B5EF4-FFF2-40B4-BE49-F238E27FC236}">
+                  <a16:creationId xmlns:a16="http://schemas.microsoft.com/office/drawing/2014/main" xmlns="" id="{0B311536-12F3-9C40-8153-5AF1A85390A9}"/>
+                </a:ext>
+              </a:extLst>
+            </p:cNvPr>
+            <p:cNvSpPr txBox="1"/>
+            <p:nvPr/>
+          </p:nvSpPr>
+          <p:spPr>
+            <a:xfrm>
+              <a:off x="8117934" y="2010115"/>
+              <a:ext cx="1958670" cy="523220"/>
+            </a:xfrm>
+            <a:prstGeom prst="rect">
+              <a:avLst/>
+            </a:prstGeom>
+            <a:noFill/>
+          </p:spPr>
+          <p:txBody>
+            <a:bodyPr wrap="square" rtlCol="0">
+              <a:spAutoFit/>
+            </a:bodyPr>
+            <a:lstStyle/>
+            <a:p>
+              <a:pPr algn="ctr"/>
+              <a:r>
+                <a:rPr lang="en-US" sz="1400" dirty="0"/>
+                <a:t>Amazon </a:t>
+              </a:r>
+              <a:r>
+                <a:rPr lang="en-US" sz="1400" dirty="0" smtClean="0"/>
+                <a:t/>
+              </a:r>
+              <a:br>
+                <a:rPr lang="en-US" sz="1400" dirty="0" smtClean="0"/>
+              </a:br>
+              <a:r>
+                <a:rPr lang="en-US" sz="1400" dirty="0" smtClean="0"/>
+                <a:t>DynamoDB</a:t>
+              </a:r>
+              <a:endParaRPr lang="en-US" sz="1400" dirty="0"/>
+            </a:p>
+          </p:txBody>
+        </p:sp>
+        <p:pic>
+          <p:nvPicPr>
+            <p:cNvPr id="52" name="Graphic 47">
+              <a:extLst>
+                <a:ext uri="{FF2B5EF4-FFF2-40B4-BE49-F238E27FC236}">
+                  <a16:creationId xmlns:a16="http://schemas.microsoft.com/office/drawing/2014/main" xmlns="" id="{64ACDB4E-B998-9447-845B-246D5827B993}"/>
+                </a:ext>
+              </a:extLst>
+            </p:cNvPr>
+            <p:cNvPicPr>
+              <a:picLocks noChangeAspect="1"/>
+            </p:cNvPicPr>
+            <p:nvPr/>
+          </p:nvPicPr>
+          <p:blipFill>
+            <a:blip r:embed="rId36">
+              <a:extLst>
+                <a:ext uri="{96DAC541-7B7A-43D3-8B79-37D633B846F1}">
+                  <asvg:svgBlip xmlns:asvg="http://schemas.microsoft.com/office/drawing/2016/SVG/main" xmlns="" r:embed="rId25"/>
+                </a:ext>
+              </a:extLst>
+            </a:blip>
+            <a:stretch>
+              <a:fillRect/>
+            </a:stretch>
+          </p:blipFill>
+          <p:spPr>
+            <a:xfrm>
+              <a:off x="8741669" y="1320972"/>
+              <a:ext cx="711200" cy="711200"/>
+            </a:xfrm>
+            <a:prstGeom prst="rect">
+              <a:avLst/>
+            </a:prstGeom>
+          </p:spPr>
+        </p:pic>
+      </p:grpSp>
+      <p:grpSp>
+        <p:nvGrpSpPr>
+          <p:cNvPr id="13" name="図形グループ 12"/>
+          <p:cNvGrpSpPr/>
+          <p:nvPr/>
+        </p:nvGrpSpPr>
+        <p:grpSpPr>
+          <a:xfrm>
+            <a:off x="2969718" y="3448306"/>
+            <a:ext cx="1059100" cy="1075082"/>
+            <a:chOff x="5262934" y="3959380"/>
+            <a:chExt cx="1059100" cy="1075082"/>
+          </a:xfrm>
+        </p:grpSpPr>
+        <p:sp>
+          <p:nvSpPr>
+            <p:cNvPr id="56" name="TextBox 8">
+              <a:extLst>
+                <a:ext uri="{FF2B5EF4-FFF2-40B4-BE49-F238E27FC236}">
+                  <a16:creationId xmlns:a16="http://schemas.microsoft.com/office/drawing/2014/main" xmlns="" id="{D7ECF936-B8F2-B944-B1E5-0DC7D3F9AAB9}"/>
+                </a:ext>
+              </a:extLst>
+            </p:cNvPr>
+            <p:cNvSpPr txBox="1"/>
+            <p:nvPr/>
+          </p:nvSpPr>
+          <p:spPr>
+            <a:xfrm>
+              <a:off x="5262934" y="4726685"/>
+              <a:ext cx="1059100" cy="307777"/>
+            </a:xfrm>
+            <a:prstGeom prst="rect">
+              <a:avLst/>
+            </a:prstGeom>
+            <a:noFill/>
+          </p:spPr>
+          <p:txBody>
+            <a:bodyPr wrap="square" rtlCol="0">
+              <a:spAutoFit/>
+            </a:bodyPr>
+            <a:lstStyle/>
+            <a:p>
+              <a:pPr algn="ctr"/>
+              <a:r>
+                <a:rPr lang="en-US" sz="1400" dirty="0"/>
+                <a:t>AWS WAF</a:t>
+              </a:r>
+            </a:p>
+          </p:txBody>
+        </p:sp>
+        <p:pic>
+          <p:nvPicPr>
+            <p:cNvPr id="57" name="Graphic 26">
+              <a:extLst>
+                <a:ext uri="{FF2B5EF4-FFF2-40B4-BE49-F238E27FC236}">
+                  <a16:creationId xmlns:a16="http://schemas.microsoft.com/office/drawing/2014/main" xmlns="" id="{6474A222-3CF8-3F41-AB6E-29E3FCA4874B}"/>
+                </a:ext>
+              </a:extLst>
+            </p:cNvPr>
+            <p:cNvPicPr>
+              <a:picLocks noChangeAspect="1"/>
+            </p:cNvPicPr>
+            <p:nvPr/>
+          </p:nvPicPr>
+          <p:blipFill>
+            <a:blip r:embed="rId37">
+              <a:extLst>
+                <a:ext uri="{96DAC541-7B7A-43D3-8B79-37D633B846F1}">
+                  <asvg:svgBlip xmlns:asvg="http://schemas.microsoft.com/office/drawing/2016/SVG/main" xmlns="" r:embed="rId9"/>
+                </a:ext>
+              </a:extLst>
+            </a:blip>
+            <a:stretch>
+              <a:fillRect/>
+            </a:stretch>
+          </p:blipFill>
+          <p:spPr>
+            <a:xfrm>
+              <a:off x="5436884" y="3959380"/>
+              <a:ext cx="711200" cy="711200"/>
+            </a:xfrm>
+            <a:prstGeom prst="rect">
+              <a:avLst/>
+            </a:prstGeom>
+          </p:spPr>
+        </p:pic>
+      </p:grpSp>
+      <p:sp>
+        <p:nvSpPr>
+          <p:cNvPr id="58" name="Rectangle 32">
+            <a:extLst>
+              <a:ext uri="{FF2B5EF4-FFF2-40B4-BE49-F238E27FC236}">
+                <a16:creationId xmlns:a16="http://schemas.microsoft.com/office/drawing/2014/main" xmlns="" id="{1D4F0FC7-668E-E64B-A231-B1E7896F3CB6}"/>
+              </a:ext>
+            </a:extLst>
+          </p:cNvPr>
+          <p:cNvSpPr/>
+          <p:nvPr/>
+        </p:nvSpPr>
+        <p:spPr>
+          <a:xfrm>
+            <a:off x="6138916" y="1272411"/>
+            <a:ext cx="5371691" cy="4802113"/>
+          </a:xfrm>
+          <a:prstGeom prst="rect">
+            <a:avLst/>
+          </a:prstGeom>
+          <a:noFill/>
+          <a:ln w="12700">
+            <a:solidFill>
+              <a:srgbClr val="13A0E7"/>
+            </a:solidFill>
+            <a:prstDash val="sysDash"/>
+          </a:ln>
+        </p:spPr>
+        <p:style>
+          <a:lnRef idx="2">
+            <a:schemeClr val="accent1">
+              <a:shade val="50000"/>
+            </a:schemeClr>
+          </a:lnRef>
+          <a:fillRef idx="1">
+            <a:schemeClr val="accent1"/>
+          </a:fillRef>
+          <a:effectRef idx="0">
+            <a:schemeClr val="accent1"/>
+          </a:effectRef>
+          <a:fontRef idx="minor">
+            <a:schemeClr val="lt1"/>
+          </a:fontRef>
+        </p:style>
+        <p:txBody>
+          <a:bodyPr rot="0" spcFirstLastPara="0" vertOverflow="overflow" horzOverflow="overflow" vert="horz" wrap="square" lIns="457200" tIns="91440" rIns="91440" bIns="45720" numCol="1" spcCol="0" rtlCol="0" fromWordArt="0" anchor="t" anchorCtr="0" forceAA="0" compatLnSpc="1">
+            <a:prstTxWarp prst="textNoShape">
+              <a:avLst/>
+            </a:prstTxWarp>
+            <a:noAutofit/>
+          </a:bodyPr>
+          <a:lstStyle/>
+          <a:p>
+            <a:pPr algn="l"/>
+            <a:r>
+              <a:rPr lang="en-US" sz="1200" dirty="0">
+                <a:solidFill>
+                  <a:srgbClr val="00A0E7"/>
+                </a:solidFill>
+              </a:rPr>
+              <a:t>Region</a:t>
+            </a:r>
+          </a:p>
+        </p:txBody>
+      </p:sp>
+      <p:pic>
+        <p:nvPicPr>
+          <p:cNvPr id="61" name="Graphic 48">
+            <a:extLst>
+              <a:ext uri="{FF2B5EF4-FFF2-40B4-BE49-F238E27FC236}">
+                <a16:creationId xmlns:a16="http://schemas.microsoft.com/office/drawing/2014/main" xmlns="" id="{C479E131-CAE3-B74A-B95D-A24EEB0BA49D}"/>
+              </a:ext>
+            </a:extLst>
+          </p:cNvPr>
+          <p:cNvPicPr>
+            <a:picLocks noChangeAspect="1"/>
+          </p:cNvPicPr>
+          <p:nvPr/>
+        </p:nvPicPr>
+        <p:blipFill>
+          <a:blip r:embed="rId38">
+            <a:extLst>
+              <a:ext uri="{96DAC541-7B7A-43D3-8B79-37D633B846F1}">
+                <asvg:svgBlip xmlns:asvg="http://schemas.microsoft.com/office/drawing/2016/SVG/main" xmlns="" r:embed="rId40"/>
+              </a:ext>
+            </a:extLst>
+          </a:blip>
+          <a:stretch>
+            <a:fillRect/>
+          </a:stretch>
+        </p:blipFill>
+        <p:spPr>
+          <a:xfrm>
+            <a:off x="6138916" y="1272411"/>
+            <a:ext cx="295212" cy="330200"/>
+          </a:xfrm>
+          <a:prstGeom prst="rect">
+            <a:avLst/>
+          </a:prstGeom>
+        </p:spPr>
+      </p:pic>
+      <p:grpSp>
+        <p:nvGrpSpPr>
+          <p:cNvPr id="14" name="図形グループ 13"/>
+          <p:cNvGrpSpPr/>
+          <p:nvPr/>
+        </p:nvGrpSpPr>
+        <p:grpSpPr>
+          <a:xfrm>
+            <a:off x="4167681" y="1213265"/>
+            <a:ext cx="1092240" cy="1059451"/>
+            <a:chOff x="2703741" y="3868496"/>
+            <a:chExt cx="1092240" cy="1059451"/>
+          </a:xfrm>
+        </p:grpSpPr>
+        <p:sp>
+          <p:nvSpPr>
+            <p:cNvPr id="62" name="TextBox 8">
+              <a:extLst>
+                <a:ext uri="{FF2B5EF4-FFF2-40B4-BE49-F238E27FC236}">
+                  <a16:creationId xmlns:a16="http://schemas.microsoft.com/office/drawing/2014/main" xmlns="" id="{D7ECF936-B8F2-B944-B1E5-0DC7D3F9AAB9}"/>
+                </a:ext>
+              </a:extLst>
+            </p:cNvPr>
+            <p:cNvSpPr txBox="1"/>
+            <p:nvPr/>
+          </p:nvSpPr>
+          <p:spPr>
+            <a:xfrm>
+              <a:off x="2703741" y="4620170"/>
+              <a:ext cx="1092240" cy="307777"/>
+            </a:xfrm>
+            <a:prstGeom prst="rect">
+              <a:avLst/>
+            </a:prstGeom>
+            <a:noFill/>
+          </p:spPr>
+          <p:txBody>
+            <a:bodyPr wrap="square" rtlCol="0">
+              <a:spAutoFit/>
+            </a:bodyPr>
+            <a:lstStyle/>
+            <a:p>
+              <a:pPr algn="ctr"/>
+              <a:r>
+                <a:rPr lang="en-US" sz="1400" dirty="0"/>
+                <a:t>AWS </a:t>
+              </a:r>
+              <a:r>
+                <a:rPr lang="en-US" sz="1400" dirty="0" smtClean="0"/>
+                <a:t>IAM</a:t>
+              </a:r>
+              <a:endParaRPr lang="en-US" sz="1400" dirty="0"/>
+            </a:p>
+          </p:txBody>
+        </p:sp>
+        <p:pic>
+          <p:nvPicPr>
+            <p:cNvPr id="63" name="Graphic 36">
+              <a:extLst>
+                <a:ext uri="{FF2B5EF4-FFF2-40B4-BE49-F238E27FC236}">
+                  <a16:creationId xmlns:a16="http://schemas.microsoft.com/office/drawing/2014/main" xmlns="" id="{0B16542F-4C0D-DE45-99C9-05EC9CD8FE3D}"/>
+                </a:ext>
+              </a:extLst>
+            </p:cNvPr>
+            <p:cNvPicPr>
+              <a:picLocks noChangeAspect="1"/>
+            </p:cNvPicPr>
+            <p:nvPr/>
+          </p:nvPicPr>
+          <p:blipFill>
+            <a:blip r:embed="rId41">
+              <a:extLst>
+                <a:ext uri="{96DAC541-7B7A-43D3-8B79-37D633B846F1}">
+                  <asvg:svgBlip xmlns:asvg="http://schemas.microsoft.com/office/drawing/2016/SVG/main" xmlns="" r:embed="rId13"/>
+                </a:ext>
+              </a:extLst>
+            </a:blip>
+            <a:stretch>
+              <a:fillRect/>
+            </a:stretch>
+          </p:blipFill>
+          <p:spPr>
+            <a:xfrm>
+              <a:off x="2868201" y="3868496"/>
+              <a:ext cx="711200" cy="711200"/>
+            </a:xfrm>
+            <a:prstGeom prst="rect">
+              <a:avLst/>
+            </a:prstGeom>
+          </p:spPr>
+        </p:pic>
+      </p:grpSp>
+      <p:grpSp>
+        <p:nvGrpSpPr>
+          <p:cNvPr id="4" name="図形グループ 3"/>
+          <p:cNvGrpSpPr/>
+          <p:nvPr/>
+        </p:nvGrpSpPr>
+        <p:grpSpPr>
+          <a:xfrm>
+            <a:off x="6905907" y="4609853"/>
+            <a:ext cx="1513305" cy="1303344"/>
+            <a:chOff x="1927650" y="1158419"/>
+            <a:chExt cx="1513305" cy="1303344"/>
+          </a:xfrm>
+        </p:grpSpPr>
+        <p:sp>
+          <p:nvSpPr>
+            <p:cNvPr id="42" name="TextBox 14">
+              <a:extLst>
+                <a:ext uri="{FF2B5EF4-FFF2-40B4-BE49-F238E27FC236}">
+                  <a16:creationId xmlns:a16="http://schemas.microsoft.com/office/drawing/2014/main" xmlns="" id="{E3C0960A-3D31-6D47-8EAA-93DE09090CDD}"/>
+                </a:ext>
+              </a:extLst>
+            </p:cNvPr>
+            <p:cNvSpPr txBox="1"/>
+            <p:nvPr/>
+          </p:nvSpPr>
+          <p:spPr>
+            <a:xfrm>
+              <a:off x="1927650" y="1938543"/>
+              <a:ext cx="1513305" cy="523220"/>
+            </a:xfrm>
+            <a:prstGeom prst="rect">
+              <a:avLst/>
+            </a:prstGeom>
+            <a:noFill/>
+          </p:spPr>
+          <p:txBody>
+            <a:bodyPr wrap="square" rtlCol="0">
+              <a:spAutoFit/>
+            </a:bodyPr>
+            <a:lstStyle/>
+            <a:p>
+              <a:pPr algn="ctr"/>
+              <a:r>
+                <a:rPr lang="en-US" sz="1400" dirty="0"/>
+                <a:t>Amazon </a:t>
+              </a:r>
+              <a:r>
+                <a:rPr lang="en-US" sz="1400" dirty="0" smtClean="0"/>
+                <a:t/>
+              </a:r>
+              <a:br>
+                <a:rPr lang="en-US" sz="1400" dirty="0" smtClean="0"/>
+              </a:br>
+              <a:r>
+                <a:rPr lang="en-US" sz="1400" dirty="0" smtClean="0"/>
+                <a:t>EC2</a:t>
+              </a:r>
+              <a:endParaRPr lang="en-US" sz="1400" dirty="0"/>
+            </a:p>
+          </p:txBody>
+        </p:sp>
+        <p:pic>
+          <p:nvPicPr>
+            <p:cNvPr id="43" name="Graphic 8">
+              <a:extLst>
+                <a:ext uri="{FF2B5EF4-FFF2-40B4-BE49-F238E27FC236}">
+                  <a16:creationId xmlns:a16="http://schemas.microsoft.com/office/drawing/2014/main" xmlns="" id="{0CFADCF2-BD45-E64B-885E-54763259CE56}"/>
+                </a:ext>
+              </a:extLst>
+            </p:cNvPr>
+            <p:cNvPicPr>
+              <a:picLocks noChangeAspect="1"/>
+            </p:cNvPicPr>
+            <p:nvPr/>
+          </p:nvPicPr>
+          <p:blipFill>
+            <a:blip r:embed="rId42">
+              <a:extLst>
+                <a:ext uri="{96DAC541-7B7A-43D3-8B79-37D633B846F1}">
+                  <asvg:svgBlip xmlns:asvg="http://schemas.microsoft.com/office/drawing/2016/SVG/main" xmlns="" r:embed="rId43"/>
+                </a:ext>
+              </a:extLst>
+            </a:blip>
+            <a:stretch>
+              <a:fillRect/>
+            </a:stretch>
+          </p:blipFill>
+          <p:spPr>
+            <a:xfrm>
+              <a:off x="2328702" y="1158419"/>
+              <a:ext cx="711200" cy="711200"/>
+            </a:xfrm>
+            <a:prstGeom prst="rect">
+              <a:avLst/>
+            </a:prstGeom>
+          </p:spPr>
+        </p:pic>
+      </p:grpSp>
+      <p:cxnSp>
+        <p:nvCxnSpPr>
+          <p:cNvPr id="49" name="直線矢印コネクタ 48"/>
+          <p:cNvCxnSpPr>
+            <a:stCxn id="57" idx="3"/>
+            <a:endCxn id="47" idx="1"/>
+          </p:cNvCxnSpPr>
+          <p:nvPr/>
+        </p:nvCxnSpPr>
+        <p:spPr>
+          <a:xfrm flipV="1">
+            <a:off x="3854868" y="3803299"/>
+            <a:ext cx="361579" cy="607"/>
+          </a:xfrm>
+          <a:prstGeom prst="straightConnector1">
+            <a:avLst/>
+          </a:prstGeom>
+          <a:ln>
+            <a:solidFill>
+              <a:srgbClr val="13A0E7"/>
+            </a:solidFill>
+            <a:tailEnd type="arrow"/>
+          </a:ln>
+        </p:spPr>
+        <p:style>
+          <a:lnRef idx="2">
+            <a:schemeClr val="accent1"/>
+          </a:lnRef>
+          <a:fillRef idx="0">
+            <a:schemeClr val="accent1"/>
+          </a:fillRef>
+          <a:effectRef idx="1">
+            <a:schemeClr val="accent1"/>
+          </a:effectRef>
+          <a:fontRef idx="minor">
+            <a:schemeClr val="tx1"/>
+          </a:fontRef>
+        </p:style>
+      </p:cxnSp>
+      <p:cxnSp>
+        <p:nvCxnSpPr>
+          <p:cNvPr id="53" name="直線矢印コネクタ 52"/>
+          <p:cNvCxnSpPr>
+            <a:stCxn id="47" idx="3"/>
+            <a:endCxn id="44" idx="1"/>
+          </p:cNvCxnSpPr>
+          <p:nvPr/>
+        </p:nvCxnSpPr>
+        <p:spPr>
+          <a:xfrm>
+            <a:off x="4927647" y="3803299"/>
+            <a:ext cx="263491" cy="0"/>
+          </a:xfrm>
+          <a:prstGeom prst="straightConnector1">
+            <a:avLst/>
+          </a:prstGeom>
+          <a:ln>
+            <a:solidFill>
+              <a:srgbClr val="13A0E7"/>
+            </a:solidFill>
+            <a:tailEnd type="arrow"/>
+          </a:ln>
+        </p:spPr>
+        <p:style>
+          <a:lnRef idx="2">
+            <a:schemeClr val="accent1"/>
+          </a:lnRef>
+          <a:fillRef idx="0">
+            <a:schemeClr val="accent1"/>
+          </a:fillRef>
+          <a:effectRef idx="1">
+            <a:schemeClr val="accent1"/>
+          </a:effectRef>
+          <a:fontRef idx="minor">
+            <a:schemeClr val="tx1"/>
+          </a:fontRef>
+        </p:style>
+      </p:cxnSp>
+      <p:cxnSp>
+        <p:nvCxnSpPr>
+          <p:cNvPr id="59" name="直線矢印コネクタ 58"/>
+          <p:cNvCxnSpPr>
+            <a:stCxn id="89" idx="3"/>
+            <a:endCxn id="50" idx="1"/>
+          </p:cNvCxnSpPr>
+          <p:nvPr/>
+        </p:nvCxnSpPr>
+        <p:spPr>
+          <a:xfrm flipV="1">
+            <a:off x="3867712" y="2347425"/>
+            <a:ext cx="3405877" cy="10095"/>
+          </a:xfrm>
+          <a:prstGeom prst="straightConnector1">
+            <a:avLst/>
+          </a:prstGeom>
+          <a:ln>
+            <a:solidFill>
+              <a:srgbClr val="13A0E7"/>
+            </a:solidFill>
+            <a:tailEnd type="arrow"/>
+          </a:ln>
+        </p:spPr>
+        <p:style>
+          <a:lnRef idx="2">
+            <a:schemeClr val="accent1"/>
+          </a:lnRef>
+          <a:fillRef idx="0">
+            <a:schemeClr val="accent1"/>
+          </a:fillRef>
+          <a:effectRef idx="1">
+            <a:schemeClr val="accent1"/>
+          </a:effectRef>
+          <a:fontRef idx="minor">
+            <a:schemeClr val="tx1"/>
+          </a:fontRef>
+        </p:style>
+      </p:cxnSp>
+      <p:cxnSp>
+        <p:nvCxnSpPr>
+          <p:cNvPr id="60" name="直線矢印コネクタ 59"/>
+          <p:cNvCxnSpPr>
+            <a:stCxn id="50" idx="3"/>
+            <a:endCxn id="55" idx="1"/>
+          </p:cNvCxnSpPr>
+          <p:nvPr/>
+        </p:nvCxnSpPr>
+        <p:spPr>
+          <a:xfrm flipV="1">
+            <a:off x="7984789" y="2342808"/>
+            <a:ext cx="780739" cy="4617"/>
+          </a:xfrm>
+          <a:prstGeom prst="straightConnector1">
+            <a:avLst/>
+          </a:prstGeom>
+          <a:ln>
+            <a:solidFill>
+              <a:srgbClr val="13A0E7"/>
+            </a:solidFill>
+            <a:tailEnd type="arrow"/>
+          </a:ln>
+        </p:spPr>
+        <p:style>
+          <a:lnRef idx="2">
+            <a:schemeClr val="accent1"/>
+          </a:lnRef>
+          <a:fillRef idx="0">
+            <a:schemeClr val="accent1"/>
+          </a:fillRef>
+          <a:effectRef idx="1">
+            <a:schemeClr val="accent1"/>
+          </a:effectRef>
+          <a:fontRef idx="minor">
+            <a:schemeClr val="tx1"/>
+          </a:fontRef>
+        </p:style>
+      </p:cxnSp>
+      <p:cxnSp>
+        <p:nvCxnSpPr>
+          <p:cNvPr id="64" name="直線矢印コネクタ 63"/>
+          <p:cNvCxnSpPr>
+            <a:stCxn id="55" idx="3"/>
+            <a:endCxn id="52" idx="1"/>
+          </p:cNvCxnSpPr>
+          <p:nvPr/>
+        </p:nvCxnSpPr>
+        <p:spPr>
+          <a:xfrm>
+            <a:off x="9476728" y="2342808"/>
+            <a:ext cx="866154" cy="4787"/>
+          </a:xfrm>
+          <a:prstGeom prst="straightConnector1">
+            <a:avLst/>
+          </a:prstGeom>
+          <a:ln>
+            <a:solidFill>
+              <a:srgbClr val="13A0E7"/>
+            </a:solidFill>
+            <a:tailEnd type="arrow"/>
+          </a:ln>
+        </p:spPr>
+        <p:style>
+          <a:lnRef idx="2">
+            <a:schemeClr val="accent1"/>
+          </a:lnRef>
+          <a:fillRef idx="0">
+            <a:schemeClr val="accent1"/>
+          </a:fillRef>
+          <a:effectRef idx="1">
+            <a:schemeClr val="accent1"/>
+          </a:effectRef>
+          <a:fontRef idx="minor">
+            <a:schemeClr val="tx1"/>
+          </a:fontRef>
+        </p:style>
+      </p:cxnSp>
+      <p:cxnSp>
+        <p:nvCxnSpPr>
+          <p:cNvPr id="65" name="直線コネクタ 64"/>
+          <p:cNvCxnSpPr>
+            <a:stCxn id="37" idx="1"/>
+            <a:endCxn id="89" idx="1"/>
+          </p:cNvCxnSpPr>
+          <p:nvPr/>
+        </p:nvCxnSpPr>
+        <p:spPr>
+          <a:xfrm flipV="1">
+            <a:off x="1311816" y="2357520"/>
+            <a:ext cx="1844696" cy="1454798"/>
+          </a:xfrm>
+          <a:prstGeom prst="line">
+            <a:avLst/>
+          </a:prstGeom>
+          <a:ln>
+            <a:solidFill>
+              <a:srgbClr val="13A0E7"/>
+            </a:solidFill>
+            <a:headEnd type="none"/>
+            <a:tailEnd type="arrow"/>
+          </a:ln>
+        </p:spPr>
+        <p:style>
+          <a:lnRef idx="2">
+            <a:schemeClr val="accent1"/>
+          </a:lnRef>
+          <a:fillRef idx="0">
+            <a:schemeClr val="accent1"/>
+          </a:fillRef>
+          <a:effectRef idx="1">
+            <a:schemeClr val="accent1"/>
+          </a:effectRef>
+          <a:fontRef idx="minor">
+            <a:schemeClr val="tx1"/>
+          </a:fontRef>
+        </p:style>
+      </p:cxnSp>
+      <p:cxnSp>
+        <p:nvCxnSpPr>
+          <p:cNvPr id="69" name="直線矢印コネクタ 68"/>
+          <p:cNvCxnSpPr/>
+          <p:nvPr/>
+        </p:nvCxnSpPr>
+        <p:spPr>
+          <a:xfrm>
+            <a:off x="10035193" y="2527607"/>
+            <a:ext cx="308250" cy="0"/>
+          </a:xfrm>
+          <a:prstGeom prst="straightConnector1">
+            <a:avLst/>
+          </a:prstGeom>
+          <a:ln>
+            <a:solidFill>
+              <a:srgbClr val="13A0E7"/>
+            </a:solidFill>
+            <a:tailEnd type="arrow"/>
+          </a:ln>
+        </p:spPr>
+        <p:style>
+          <a:lnRef idx="2">
+            <a:schemeClr val="accent1"/>
+          </a:lnRef>
+          <a:fillRef idx="0">
+            <a:schemeClr val="accent1"/>
+          </a:fillRef>
+          <a:effectRef idx="1">
+            <a:schemeClr val="accent1"/>
+          </a:effectRef>
+          <a:fontRef idx="minor">
+            <a:schemeClr val="tx1"/>
+          </a:fontRef>
+        </p:style>
+      </p:cxnSp>
+      <p:cxnSp>
+        <p:nvCxnSpPr>
+          <p:cNvPr id="72" name="直線コネクタ 71"/>
+          <p:cNvCxnSpPr/>
+          <p:nvPr/>
+        </p:nvCxnSpPr>
+        <p:spPr>
+          <a:xfrm flipV="1">
+            <a:off x="9825453" y="2512646"/>
+            <a:ext cx="182133" cy="2367125"/>
+          </a:xfrm>
+          <a:prstGeom prst="line">
+            <a:avLst/>
+          </a:prstGeom>
+          <a:ln>
+            <a:solidFill>
+              <a:srgbClr val="13A0E7"/>
+            </a:solidFill>
+          </a:ln>
+        </p:spPr>
+        <p:style>
+          <a:lnRef idx="2">
+            <a:schemeClr val="accent1"/>
+          </a:lnRef>
+          <a:fillRef idx="0">
+            <a:schemeClr val="accent1"/>
+          </a:fillRef>
+          <a:effectRef idx="1">
+            <a:schemeClr val="accent1"/>
+          </a:effectRef>
+          <a:fontRef idx="minor">
+            <a:schemeClr val="tx1"/>
+          </a:fontRef>
+        </p:style>
+      </p:cxnSp>
+      <p:sp>
+        <p:nvSpPr>
+          <p:cNvPr id="80" name="テキスト ボックス 79"/>
+          <p:cNvSpPr txBox="1"/>
+          <p:nvPr/>
+        </p:nvSpPr>
+        <p:spPr>
+          <a:xfrm>
+            <a:off x="7130091" y="1325351"/>
+            <a:ext cx="1900656" cy="276999"/>
+          </a:xfrm>
+          <a:prstGeom prst="rect">
+            <a:avLst/>
+          </a:prstGeom>
+          <a:noFill/>
+        </p:spPr>
+        <p:txBody>
+          <a:bodyPr wrap="none" rtlCol="0">
+            <a:spAutoFit/>
+          </a:bodyPr>
+          <a:lstStyle/>
+          <a:p>
+            <a:r>
+              <a:rPr kumimoji="1" lang="en-US" altLang="ja-JP" sz="1200" dirty="0" smtClean="0"/>
+              <a:t>ap-notheast-01 (Tokyo)</a:t>
+            </a:r>
+            <a:endParaRPr kumimoji="1" lang="ja-JP" altLang="en-US" sz="1200" dirty="0"/>
+          </a:p>
+        </p:txBody>
+      </p:sp>
+      <p:sp>
+        <p:nvSpPr>
+          <p:cNvPr id="81" name="スライド番号プレースホルダー 3"/>
+          <p:cNvSpPr>
+            <a:spLocks noGrp="1"/>
+          </p:cNvSpPr>
+          <p:nvPr>
+            <p:ph type="sldNum" sz="quarter" idx="12"/>
+          </p:nvPr>
+        </p:nvSpPr>
+        <p:spPr>
+          <a:xfrm>
+            <a:off x="11248411" y="6525338"/>
+            <a:ext cx="779767" cy="263389"/>
+          </a:xfrm>
+        </p:spPr>
+        <p:txBody>
+          <a:bodyPr/>
+          <a:lstStyle/>
+          <a:p>
+            <a:fld id="{FC7FC04C-4975-46EC-A609-F7DE0D5B1B51}" type="slidenum">
+              <a:rPr kumimoji="1" lang="ja-JP" altLang="en-US" smtClean="0"/>
+              <a:pPr/>
+              <a:t>6</a:t>
+            </a:fld>
+            <a:endParaRPr kumimoji="1" lang="ja-JP" altLang="en-US" dirty="0"/>
+          </a:p>
+        </p:txBody>
+      </p:sp>
+      <p:sp>
+        <p:nvSpPr>
+          <p:cNvPr id="83" name="テキスト ボックス 82"/>
+          <p:cNvSpPr txBox="1"/>
+          <p:nvPr/>
+        </p:nvSpPr>
+        <p:spPr>
+          <a:xfrm>
+            <a:off x="441714" y="4583505"/>
+            <a:ext cx="1261884" cy="276999"/>
+          </a:xfrm>
+          <a:prstGeom prst="rect">
+            <a:avLst/>
+          </a:prstGeom>
+          <a:noFill/>
+        </p:spPr>
+        <p:txBody>
+          <a:bodyPr wrap="none" rtlCol="0">
+            <a:spAutoFit/>
+          </a:bodyPr>
+          <a:lstStyle/>
+          <a:p>
+            <a:r>
+              <a:rPr kumimoji="1" lang="ja-JP" altLang="en-US" sz="1200" dirty="0" smtClean="0"/>
+              <a:t>学校・運用会社</a:t>
+            </a:r>
+            <a:endParaRPr kumimoji="1" lang="en-US" altLang="ja-JP" sz="1200" dirty="0" smtClean="0"/>
+          </a:p>
+        </p:txBody>
+      </p:sp>
+      <p:grpSp>
+        <p:nvGrpSpPr>
+          <p:cNvPr id="87" name="図形グループ 86"/>
+          <p:cNvGrpSpPr/>
+          <p:nvPr/>
+        </p:nvGrpSpPr>
+        <p:grpSpPr>
+          <a:xfrm>
+            <a:off x="10044071" y="4599829"/>
+            <a:ext cx="1294780" cy="1271548"/>
+            <a:chOff x="2376968" y="1257143"/>
+            <a:chExt cx="1294780" cy="1271548"/>
+          </a:xfrm>
+        </p:grpSpPr>
+        <p:sp>
+          <p:nvSpPr>
+            <p:cNvPr id="85" name="TextBox 5">
+              <a:extLst>
+                <a:ext uri="{FF2B5EF4-FFF2-40B4-BE49-F238E27FC236}">
+                  <a16:creationId xmlns:a16="http://schemas.microsoft.com/office/drawing/2014/main" xmlns="" id="{48B11175-8F26-E049-8FCE-A7F653ADEDC5}"/>
+                </a:ext>
+              </a:extLst>
+            </p:cNvPr>
+            <p:cNvSpPr txBox="1"/>
+            <p:nvPr/>
+          </p:nvSpPr>
+          <p:spPr>
+            <a:xfrm>
+              <a:off x="2376968" y="2005471"/>
+              <a:ext cx="1294780" cy="523220"/>
+            </a:xfrm>
+            <a:prstGeom prst="rect">
+              <a:avLst/>
+            </a:prstGeom>
+            <a:noFill/>
+          </p:spPr>
+          <p:txBody>
+            <a:bodyPr wrap="square" rtlCol="0">
+              <a:spAutoFit/>
+            </a:bodyPr>
+            <a:lstStyle/>
+            <a:p>
+              <a:pPr algn="ctr"/>
+              <a:r>
+                <a:rPr lang="en-US" sz="1400" dirty="0"/>
+                <a:t>Amazon </a:t>
+              </a:r>
+              <a:r>
+                <a:rPr lang="en-US" sz="1400" dirty="0" smtClean="0"/>
+                <a:t/>
+              </a:r>
+              <a:br>
+                <a:rPr lang="en-US" sz="1400" dirty="0" smtClean="0"/>
+              </a:br>
+              <a:r>
+                <a:rPr lang="en-US" sz="1400" dirty="0" smtClean="0"/>
+                <a:t>CloudWatch</a:t>
+              </a:r>
+              <a:endParaRPr lang="en-US" sz="1400" dirty="0"/>
+            </a:p>
+          </p:txBody>
+        </p:sp>
+        <p:pic>
+          <p:nvPicPr>
+            <p:cNvPr id="86" name="Graphic 33">
+              <a:extLst>
+                <a:ext uri="{FF2B5EF4-FFF2-40B4-BE49-F238E27FC236}">
+                  <a16:creationId xmlns:a16="http://schemas.microsoft.com/office/drawing/2014/main" xmlns="" id="{E8A76DD7-2470-9240-BE0E-8F1412C59C96}"/>
+                </a:ext>
+              </a:extLst>
+            </p:cNvPr>
+            <p:cNvPicPr>
+              <a:picLocks noChangeAspect="1"/>
+            </p:cNvPicPr>
+            <p:nvPr/>
+          </p:nvPicPr>
+          <p:blipFill>
+            <a:blip r:embed="rId44">
+              <a:extLst>
+                <a:ext uri="{96DAC541-7B7A-43D3-8B79-37D633B846F1}">
+                  <asvg:svgBlip xmlns:asvg="http://schemas.microsoft.com/office/drawing/2016/SVG/main" xmlns="" r:embed="rId45"/>
+                </a:ext>
+              </a:extLst>
+            </a:blip>
+            <a:stretch>
+              <a:fillRect/>
+            </a:stretch>
+          </p:blipFill>
+          <p:spPr>
+            <a:xfrm>
+              <a:off x="2668758" y="1257143"/>
+              <a:ext cx="711200" cy="711200"/>
+            </a:xfrm>
+            <a:prstGeom prst="rect">
+              <a:avLst/>
+            </a:prstGeom>
+          </p:spPr>
+        </p:pic>
+      </p:grpSp>
+      <p:cxnSp>
+        <p:nvCxnSpPr>
+          <p:cNvPr id="91" name="直線コネクタ 90"/>
+          <p:cNvCxnSpPr/>
+          <p:nvPr/>
+        </p:nvCxnSpPr>
+        <p:spPr>
+          <a:xfrm>
+            <a:off x="8018159" y="4865183"/>
+            <a:ext cx="1790584" cy="14588"/>
+          </a:xfrm>
+          <a:prstGeom prst="line">
+            <a:avLst/>
+          </a:prstGeom>
+          <a:ln>
+            <a:solidFill>
+              <a:srgbClr val="13A0E7"/>
+            </a:solidFill>
+          </a:ln>
+        </p:spPr>
+        <p:style>
+          <a:lnRef idx="2">
+            <a:schemeClr val="accent1"/>
+          </a:lnRef>
+          <a:fillRef idx="0">
+            <a:schemeClr val="accent1"/>
+          </a:fillRef>
+          <a:effectRef idx="1">
+            <a:schemeClr val="accent1"/>
+          </a:effectRef>
+          <a:fontRef idx="minor">
+            <a:schemeClr val="tx1"/>
+          </a:fontRef>
+        </p:style>
+      </p:cxnSp>
+      <p:sp>
+        <p:nvSpPr>
+          <p:cNvPr id="103" name="Rectangle 25">
+            <a:extLst>
+              <a:ext uri="{FF2B5EF4-FFF2-40B4-BE49-F238E27FC236}">
+                <a16:creationId xmlns:a16="http://schemas.microsoft.com/office/drawing/2014/main" xmlns="" id="{92A0ABFB-D447-D349-9C47-3EE861DD0794}"/>
+              </a:ext>
+            </a:extLst>
+          </p:cNvPr>
+          <p:cNvSpPr/>
+          <p:nvPr/>
+        </p:nvSpPr>
+        <p:spPr>
+          <a:xfrm>
+            <a:off x="6405641" y="4471167"/>
+            <a:ext cx="3662169" cy="1437689"/>
+          </a:xfrm>
+          <a:prstGeom prst="rect">
+            <a:avLst/>
+          </a:prstGeom>
+          <a:noFill/>
+          <a:ln w="12700">
+            <a:solidFill>
+              <a:schemeClr val="accent5"/>
+            </a:solidFill>
+          </a:ln>
+        </p:spPr>
+        <p:style>
+          <a:lnRef idx="2">
+            <a:schemeClr val="accent1">
+              <a:shade val="50000"/>
+            </a:schemeClr>
+          </a:lnRef>
+          <a:fillRef idx="1">
+            <a:schemeClr val="accent1"/>
+          </a:fillRef>
+          <a:effectRef idx="0">
+            <a:schemeClr val="accent1"/>
+          </a:effectRef>
+          <a:fontRef idx="minor">
+            <a:schemeClr val="lt1"/>
+          </a:fontRef>
+        </p:style>
+        <p:txBody>
+          <a:bodyPr rot="0" spcFirstLastPara="0" vertOverflow="overflow" horzOverflow="overflow" vert="horz" wrap="square" lIns="457200" tIns="91440" rIns="91440" bIns="45720" numCol="1" spcCol="0" rtlCol="0" fromWordArt="0" anchor="t" anchorCtr="0" forceAA="0" compatLnSpc="1">
+            <a:prstTxWarp prst="textNoShape">
+              <a:avLst/>
+            </a:prstTxWarp>
+            <a:noAutofit/>
+          </a:bodyPr>
+          <a:lstStyle/>
+          <a:p>
+            <a:pPr algn="l"/>
+            <a:r>
+              <a:rPr lang="en-US" sz="1200" dirty="0">
+                <a:ln w="0"/>
+                <a:solidFill>
+                  <a:schemeClr val="accent5"/>
+                </a:solidFill>
+              </a:rPr>
+              <a:t>VPC</a:t>
+            </a:r>
+          </a:p>
+        </p:txBody>
+      </p:sp>
+      <p:pic>
+        <p:nvPicPr>
+          <p:cNvPr id="104" name="Graphic 66">
+            <a:extLst>
+              <a:ext uri="{FF2B5EF4-FFF2-40B4-BE49-F238E27FC236}">
+                <a16:creationId xmlns:a16="http://schemas.microsoft.com/office/drawing/2014/main" xmlns="" id="{811370A0-DDEF-2649-86F1-55809DBD16DB}"/>
+              </a:ext>
+            </a:extLst>
+          </p:cNvPr>
+          <p:cNvPicPr>
+            <a:picLocks noChangeAspect="1"/>
+          </p:cNvPicPr>
+          <p:nvPr/>
+        </p:nvPicPr>
+        <p:blipFill>
+          <a:blip r:embed="rId46">
+            <a:extLst>
+              <a:ext uri="{96DAC541-7B7A-43D3-8B79-37D633B846F1}">
+                <asvg:svgBlip xmlns:asvg="http://schemas.microsoft.com/office/drawing/2016/SVG/main" xmlns="" r:embed="rId23"/>
+              </a:ext>
+            </a:extLst>
+          </a:blip>
+          <a:stretch>
+            <a:fillRect/>
+          </a:stretch>
+        </p:blipFill>
+        <p:spPr>
+          <a:xfrm>
+            <a:off x="6405641" y="4471167"/>
+            <a:ext cx="330200" cy="330200"/>
+          </a:xfrm>
+          <a:prstGeom prst="rect">
+            <a:avLst/>
+          </a:prstGeom>
+        </p:spPr>
+      </p:pic>
+      <p:sp>
+        <p:nvSpPr>
+          <p:cNvPr id="105" name="テキスト ボックス 104"/>
+          <p:cNvSpPr txBox="1"/>
+          <p:nvPr/>
+        </p:nvSpPr>
+        <p:spPr>
+          <a:xfrm>
+            <a:off x="469320" y="2718675"/>
+            <a:ext cx="1973392" cy="276999"/>
+          </a:xfrm>
+          <a:prstGeom prst="rect">
+            <a:avLst/>
+          </a:prstGeom>
+          <a:noFill/>
+        </p:spPr>
+        <p:txBody>
+          <a:bodyPr wrap="none" rtlCol="0">
+            <a:spAutoFit/>
+          </a:bodyPr>
+          <a:lstStyle/>
+          <a:p>
+            <a:r>
+              <a:rPr kumimoji="1" lang="ja-JP" altLang="en-US" sz="1200" dirty="0" smtClean="0">
+                <a:solidFill>
+                  <a:schemeClr val="tx1">
+                    <a:lumMod val="50000"/>
+                    <a:lumOff val="50000"/>
+                  </a:schemeClr>
+                </a:solidFill>
+              </a:rPr>
+              <a:t>スマートフォン</a:t>
+            </a:r>
+            <a:r>
+              <a:rPr kumimoji="1" lang="en-US" altLang="ja-JP" sz="1200" dirty="0" smtClean="0">
+                <a:solidFill>
+                  <a:schemeClr val="tx1">
+                    <a:lumMod val="50000"/>
+                    <a:lumOff val="50000"/>
+                  </a:schemeClr>
+                </a:solidFill>
+              </a:rPr>
+              <a:t> AR</a:t>
+            </a:r>
+            <a:r>
+              <a:rPr kumimoji="1" lang="ja-JP" altLang="en-US" sz="1200" dirty="0" smtClean="0">
+                <a:solidFill>
+                  <a:schemeClr val="tx1">
+                    <a:lumMod val="50000"/>
+                    <a:lumOff val="50000"/>
+                  </a:schemeClr>
+                </a:solidFill>
+              </a:rPr>
+              <a:t>アプリ</a:t>
+            </a:r>
+            <a:endParaRPr kumimoji="1" lang="ja-JP" altLang="en-US" sz="1200" dirty="0">
+              <a:solidFill>
+                <a:schemeClr val="tx1">
+                  <a:lumMod val="50000"/>
+                  <a:lumOff val="50000"/>
+                </a:schemeClr>
+              </a:solidFill>
+            </a:endParaRPr>
+          </a:p>
+        </p:txBody>
+      </p:sp>
+      <p:sp>
+        <p:nvSpPr>
+          <p:cNvPr id="109" name="テキスト ボックス 108"/>
+          <p:cNvSpPr txBox="1"/>
+          <p:nvPr/>
+        </p:nvSpPr>
+        <p:spPr>
+          <a:xfrm>
+            <a:off x="469320" y="2415031"/>
+            <a:ext cx="1723549" cy="276999"/>
+          </a:xfrm>
+          <a:prstGeom prst="rect">
+            <a:avLst/>
+          </a:prstGeom>
+          <a:noFill/>
+        </p:spPr>
+        <p:txBody>
+          <a:bodyPr wrap="none" rtlCol="0">
+            <a:spAutoFit/>
+          </a:bodyPr>
+          <a:lstStyle/>
+          <a:p>
+            <a:r>
+              <a:rPr kumimoji="1" lang="ja-JP" altLang="en-US" sz="1200" dirty="0" smtClean="0"/>
+              <a:t>学校の生徒・父兄など</a:t>
+            </a:r>
+            <a:endParaRPr kumimoji="1" lang="en-US" altLang="ja-JP" sz="1200" dirty="0" smtClean="0"/>
+          </a:p>
+        </p:txBody>
+      </p:sp>
+      <p:sp>
+        <p:nvSpPr>
+          <p:cNvPr id="113" name="テキスト ボックス 112"/>
+          <p:cNvSpPr txBox="1"/>
+          <p:nvPr/>
+        </p:nvSpPr>
+        <p:spPr>
+          <a:xfrm>
+            <a:off x="469322" y="1929633"/>
+            <a:ext cx="954107" cy="276999"/>
+          </a:xfrm>
+          <a:prstGeom prst="rect">
+            <a:avLst/>
+          </a:prstGeom>
+          <a:noFill/>
+        </p:spPr>
+        <p:txBody>
+          <a:bodyPr wrap="none" rtlCol="0">
+            <a:spAutoFit/>
+          </a:bodyPr>
+          <a:lstStyle/>
+          <a:p>
+            <a:r>
+              <a:rPr kumimoji="1" lang="ja-JP" altLang="en-US" sz="1200" dirty="0" smtClean="0"/>
+              <a:t>学校関係者</a:t>
+            </a:r>
+            <a:endParaRPr kumimoji="1" lang="ja-JP" altLang="en-US" sz="1200" dirty="0"/>
+          </a:p>
+        </p:txBody>
+      </p:sp>
+      <p:cxnSp>
+        <p:nvCxnSpPr>
+          <p:cNvPr id="78" name="直線矢印コネクタ 77"/>
+          <p:cNvCxnSpPr>
+            <a:stCxn id="37" idx="1"/>
+            <a:endCxn id="57" idx="1"/>
+          </p:cNvCxnSpPr>
+          <p:nvPr/>
+        </p:nvCxnSpPr>
+        <p:spPr>
+          <a:xfrm flipV="1">
+            <a:off x="1311816" y="3803906"/>
+            <a:ext cx="1831852" cy="8412"/>
+          </a:xfrm>
+          <a:prstGeom prst="straightConnector1">
+            <a:avLst/>
+          </a:prstGeom>
+          <a:ln>
+            <a:solidFill>
+              <a:srgbClr val="13A0E7"/>
+            </a:solidFill>
+            <a:tailEnd type="arrow"/>
+          </a:ln>
+        </p:spPr>
+        <p:style>
+          <a:lnRef idx="2">
+            <a:schemeClr val="accent1"/>
+          </a:lnRef>
+          <a:fillRef idx="0">
+            <a:schemeClr val="accent1"/>
+          </a:fillRef>
+          <a:effectRef idx="1">
+            <a:schemeClr val="accent1"/>
+          </a:effectRef>
+          <a:fontRef idx="minor">
+            <a:schemeClr val="tx1"/>
+          </a:fontRef>
+        </p:style>
+      </p:cxnSp>
+      <p:grpSp>
+        <p:nvGrpSpPr>
+          <p:cNvPr id="84" name="図形グループ 83"/>
+          <p:cNvGrpSpPr/>
+          <p:nvPr/>
+        </p:nvGrpSpPr>
+        <p:grpSpPr>
+          <a:xfrm>
+            <a:off x="2982562" y="2001920"/>
+            <a:ext cx="1059100" cy="1075082"/>
+            <a:chOff x="5262934" y="3959380"/>
+            <a:chExt cx="1059100" cy="1075082"/>
+          </a:xfrm>
+        </p:grpSpPr>
+        <p:sp>
+          <p:nvSpPr>
+            <p:cNvPr id="88" name="TextBox 8">
+              <a:extLst>
+                <a:ext uri="{FF2B5EF4-FFF2-40B4-BE49-F238E27FC236}">
+                  <a16:creationId xmlns:a16="http://schemas.microsoft.com/office/drawing/2014/main" xmlns="" id="{D7ECF936-B8F2-B944-B1E5-0DC7D3F9AAB9}"/>
+                </a:ext>
+              </a:extLst>
+            </p:cNvPr>
+            <p:cNvSpPr txBox="1"/>
+            <p:nvPr/>
+          </p:nvSpPr>
+          <p:spPr>
+            <a:xfrm>
+              <a:off x="5262934" y="4726685"/>
+              <a:ext cx="1059100" cy="307777"/>
+            </a:xfrm>
+            <a:prstGeom prst="rect">
+              <a:avLst/>
+            </a:prstGeom>
+            <a:noFill/>
+          </p:spPr>
+          <p:txBody>
+            <a:bodyPr wrap="square" rtlCol="0">
+              <a:spAutoFit/>
+            </a:bodyPr>
+            <a:lstStyle/>
+            <a:p>
+              <a:pPr algn="ctr"/>
+              <a:r>
+                <a:rPr lang="en-US" sz="1400" dirty="0"/>
+                <a:t>AWS WAF</a:t>
+              </a:r>
+            </a:p>
+          </p:txBody>
+        </p:sp>
+        <p:pic>
+          <p:nvPicPr>
+            <p:cNvPr id="89" name="Graphic 26">
+              <a:extLst>
+                <a:ext uri="{FF2B5EF4-FFF2-40B4-BE49-F238E27FC236}">
+                  <a16:creationId xmlns:a16="http://schemas.microsoft.com/office/drawing/2014/main" xmlns="" id="{6474A222-3CF8-3F41-AB6E-29E3FCA4874B}"/>
+                </a:ext>
+              </a:extLst>
+            </p:cNvPr>
+            <p:cNvPicPr>
+              <a:picLocks noChangeAspect="1"/>
+            </p:cNvPicPr>
+            <p:nvPr/>
+          </p:nvPicPr>
+          <p:blipFill>
+            <a:blip r:embed="rId37">
+              <a:extLst>
+                <a:ext uri="{96DAC541-7B7A-43D3-8B79-37D633B846F1}">
+                  <asvg:svgBlip xmlns:asvg="http://schemas.microsoft.com/office/drawing/2016/SVG/main" xmlns="" r:embed="rId9"/>
+                </a:ext>
+              </a:extLst>
+            </a:blip>
+            <a:stretch>
+              <a:fillRect/>
+            </a:stretch>
+          </p:blipFill>
+          <p:spPr>
+            <a:xfrm>
+              <a:off x="5436884" y="3959380"/>
+              <a:ext cx="711200" cy="711200"/>
+            </a:xfrm>
+            <a:prstGeom prst="rect">
+              <a:avLst/>
+            </a:prstGeom>
+          </p:spPr>
+        </p:pic>
+      </p:grpSp>
+      <p:cxnSp>
+        <p:nvCxnSpPr>
+          <p:cNvPr id="94" name="直線矢印コネクタ 93"/>
+          <p:cNvCxnSpPr>
+            <a:stCxn id="36" idx="3"/>
+          </p:cNvCxnSpPr>
+          <p:nvPr/>
+        </p:nvCxnSpPr>
+        <p:spPr>
+          <a:xfrm flipV="1">
+            <a:off x="2060491" y="5082437"/>
+            <a:ext cx="5246468" cy="3602"/>
+          </a:xfrm>
+          <a:prstGeom prst="straightConnector1">
+            <a:avLst/>
+          </a:prstGeom>
+          <a:ln>
+            <a:solidFill>
+              <a:srgbClr val="13A0E7"/>
+            </a:solidFill>
+            <a:tailEnd type="arrow"/>
+          </a:ln>
+        </p:spPr>
+        <p:style>
+          <a:lnRef idx="2">
+            <a:schemeClr val="accent1"/>
+          </a:lnRef>
+          <a:fillRef idx="0">
+            <a:schemeClr val="accent1"/>
+          </a:fillRef>
+          <a:effectRef idx="1">
+            <a:schemeClr val="accent1"/>
+          </a:effectRef>
+          <a:fontRef idx="minor">
+            <a:schemeClr val="tx1"/>
+          </a:fontRef>
+        </p:style>
+      </p:cxnSp>
+      <p:sp>
+        <p:nvSpPr>
+          <p:cNvPr id="79" name="テキスト ボックス 78"/>
+          <p:cNvSpPr txBox="1"/>
+          <p:nvPr/>
+        </p:nvSpPr>
+        <p:spPr>
+          <a:xfrm>
+            <a:off x="462966" y="4861467"/>
+            <a:ext cx="400846" cy="276999"/>
+          </a:xfrm>
+          <a:prstGeom prst="rect">
+            <a:avLst/>
+          </a:prstGeom>
+          <a:noFill/>
+        </p:spPr>
+        <p:txBody>
+          <a:bodyPr wrap="none" rtlCol="0">
+            <a:spAutoFit/>
+          </a:bodyPr>
+          <a:lstStyle/>
+          <a:p>
+            <a:r>
+              <a:rPr kumimoji="1" lang="en-US" altLang="ja-JP" sz="1200" dirty="0" smtClean="0">
+                <a:solidFill>
+                  <a:schemeClr val="tx1">
+                    <a:lumMod val="50000"/>
+                    <a:lumOff val="50000"/>
+                  </a:schemeClr>
+                </a:solidFill>
+              </a:rPr>
+              <a:t>PC</a:t>
+            </a:r>
+            <a:endParaRPr kumimoji="1" lang="ja-JP" altLang="en-US" sz="1200" dirty="0">
+              <a:solidFill>
+                <a:schemeClr val="tx1">
+                  <a:lumMod val="50000"/>
+                  <a:lumOff val="50000"/>
+                </a:schemeClr>
+              </a:solidFill>
+            </a:endParaRPr>
+          </a:p>
+        </p:txBody>
+      </p:sp>
+      <p:sp>
+        <p:nvSpPr>
+          <p:cNvPr id="16" name="テキスト ボックス 15"/>
+          <p:cNvSpPr txBox="1"/>
+          <p:nvPr/>
+        </p:nvSpPr>
+        <p:spPr>
+          <a:xfrm>
+            <a:off x="5141993" y="1232760"/>
+            <a:ext cx="774571" cy="646331"/>
+          </a:xfrm>
+          <a:prstGeom prst="rect">
+            <a:avLst/>
+          </a:prstGeom>
+          <a:noFill/>
+        </p:spPr>
+        <p:txBody>
+          <a:bodyPr wrap="none" rtlCol="0">
+            <a:spAutoFit/>
+          </a:bodyPr>
+          <a:lstStyle/>
+          <a:p>
+            <a:r>
+              <a:rPr kumimoji="1" lang="ja-JP" altLang="en-US" sz="1200" dirty="0" smtClean="0"/>
+              <a:t>・</a:t>
+            </a:r>
+            <a:r>
+              <a:rPr kumimoji="1" lang="en-US" altLang="ja-JP" sz="1200" dirty="0" smtClean="0"/>
+              <a:t>User</a:t>
+            </a:r>
+          </a:p>
+          <a:p>
+            <a:r>
+              <a:rPr kumimoji="1" lang="ja-JP" altLang="en-US" sz="1200" dirty="0" smtClean="0"/>
+              <a:t>・</a:t>
+            </a:r>
+            <a:r>
+              <a:rPr kumimoji="1" lang="en-US" altLang="ja-JP" sz="1200" dirty="0" smtClean="0"/>
+              <a:t>Role</a:t>
+            </a:r>
+          </a:p>
+          <a:p>
+            <a:r>
+              <a:rPr kumimoji="1" lang="ja-JP" altLang="en-US" sz="1200" dirty="0" smtClean="0"/>
+              <a:t>・</a:t>
+            </a:r>
+            <a:r>
+              <a:rPr kumimoji="1" lang="en-US" altLang="ja-JP" sz="1200" dirty="0" smtClean="0"/>
+              <a:t>Policy</a:t>
+            </a:r>
+            <a:endParaRPr kumimoji="1" lang="ja-JP" altLang="en-US" sz="1200" dirty="0"/>
+          </a:p>
+        </p:txBody>
+      </p:sp>
+      <p:grpSp>
+        <p:nvGrpSpPr>
+          <p:cNvPr id="15" name="図形グループ 14"/>
+          <p:cNvGrpSpPr/>
+          <p:nvPr/>
+        </p:nvGrpSpPr>
+        <p:grpSpPr>
+          <a:xfrm>
+            <a:off x="8326738" y="3233697"/>
+            <a:ext cx="1675612" cy="1261241"/>
+            <a:chOff x="6873517" y="3286073"/>
+            <a:chExt cx="1675612" cy="1261241"/>
+          </a:xfrm>
+        </p:grpSpPr>
+        <p:sp>
+          <p:nvSpPr>
+            <p:cNvPr id="90" name="TextBox 4">
+              <a:extLst>
+                <a:ext uri="{FF2B5EF4-FFF2-40B4-BE49-F238E27FC236}">
+                  <a16:creationId xmlns="" xmlns:a16="http://schemas.microsoft.com/office/drawing/2014/main" id="{1D7C7DB3-3169-5B48-B331-8240019668A8}"/>
+                </a:ext>
+              </a:extLst>
+            </p:cNvPr>
+            <p:cNvSpPr txBox="1"/>
+            <p:nvPr/>
+          </p:nvSpPr>
+          <p:spPr>
+            <a:xfrm>
+              <a:off x="6873517" y="4024094"/>
+              <a:ext cx="1675612" cy="523220"/>
+            </a:xfrm>
+            <a:prstGeom prst="rect">
+              <a:avLst/>
+            </a:prstGeom>
+            <a:noFill/>
+          </p:spPr>
+          <p:txBody>
+            <a:bodyPr wrap="square" rtlCol="0">
+              <a:spAutoFit/>
+            </a:bodyPr>
+            <a:lstStyle/>
+            <a:p>
+              <a:pPr algn="ctr"/>
+              <a:r>
+                <a:rPr lang="en-US" sz="1400" dirty="0"/>
+                <a:t>Amazon </a:t>
+              </a:r>
+              <a:r>
+                <a:rPr lang="en-US" sz="1400" dirty="0" smtClean="0"/>
+                <a:t>Aurora</a:t>
+              </a:r>
+            </a:p>
+            <a:p>
+              <a:pPr algn="ctr"/>
+              <a:r>
+                <a:rPr lang="en-US" sz="1400" dirty="0" smtClean="0"/>
+                <a:t>(Serverless)</a:t>
+              </a:r>
+              <a:endParaRPr lang="en-US" sz="1400" dirty="0"/>
+            </a:p>
+          </p:txBody>
+        </p:sp>
+        <p:pic>
+          <p:nvPicPr>
+            <p:cNvPr id="92" name="Graphic 27">
+              <a:extLst>
+                <a:ext uri="{FF2B5EF4-FFF2-40B4-BE49-F238E27FC236}">
+                  <a16:creationId xmlns="" xmlns:a16="http://schemas.microsoft.com/office/drawing/2014/main" id="{BE111FD0-BA65-1E49-9BA2-83EC0AED97E8}"/>
+                </a:ext>
+              </a:extLst>
+            </p:cNvPr>
+            <p:cNvPicPr>
+              <a:picLocks noChangeAspect="1"/>
+            </p:cNvPicPr>
+            <p:nvPr/>
+          </p:nvPicPr>
+          <p:blipFill>
+            <a:blip r:embed="rId47">
+              <a:extLst>
+                <a:ext uri="{96DAC541-7B7A-43D3-8B79-37D633B846F1}">
+                  <asvg:svgBlip xmlns="" xmlns:asvg="http://schemas.microsoft.com/office/drawing/2016/SVG/main" r:embed="rId5"/>
+                </a:ext>
+              </a:extLst>
+            </a:blip>
+            <a:stretch>
+              <a:fillRect/>
+            </a:stretch>
+          </p:blipFill>
+          <p:spPr>
+            <a:xfrm>
+              <a:off x="7355723" y="3286073"/>
+              <a:ext cx="711200" cy="711200"/>
+            </a:xfrm>
+            <a:prstGeom prst="rect">
+              <a:avLst/>
+            </a:prstGeom>
+          </p:spPr>
+        </p:pic>
+      </p:grpSp>
+      <p:cxnSp>
+        <p:nvCxnSpPr>
+          <p:cNvPr id="93" name="直線矢印コネクタ 92"/>
+          <p:cNvCxnSpPr>
+            <a:stCxn id="55" idx="2"/>
+            <a:endCxn id="92" idx="0"/>
+          </p:cNvCxnSpPr>
+          <p:nvPr/>
+        </p:nvCxnSpPr>
+        <p:spPr>
+          <a:xfrm>
+            <a:off x="9121128" y="2698408"/>
+            <a:ext cx="43416" cy="535289"/>
+          </a:xfrm>
+          <a:prstGeom prst="straightConnector1">
+            <a:avLst/>
+          </a:prstGeom>
+          <a:ln>
+            <a:solidFill>
+              <a:srgbClr val="13A0E7"/>
+            </a:solidFill>
+            <a:tailEnd type="arrow"/>
+          </a:ln>
+        </p:spPr>
+        <p:style>
+          <a:lnRef idx="2">
+            <a:schemeClr val="accent1"/>
+          </a:lnRef>
+          <a:fillRef idx="0">
+            <a:schemeClr val="accent1"/>
+          </a:fillRef>
+          <a:effectRef idx="1">
+            <a:schemeClr val="accent1"/>
+          </a:effectRef>
+          <a:fontRef idx="minor">
+            <a:schemeClr val="tx1"/>
+          </a:fontRef>
+        </p:style>
+      </p:cxnSp>
+      <p:grpSp>
+        <p:nvGrpSpPr>
+          <p:cNvPr id="5" name="図形グループ 4"/>
+          <p:cNvGrpSpPr/>
+          <p:nvPr/>
+        </p:nvGrpSpPr>
+        <p:grpSpPr>
+          <a:xfrm>
+            <a:off x="8418426" y="1987208"/>
+            <a:ext cx="1405404" cy="1015513"/>
+            <a:chOff x="6186558" y="1444175"/>
+            <a:chExt cx="1405404" cy="1015513"/>
+          </a:xfrm>
+        </p:grpSpPr>
+        <p:sp>
+          <p:nvSpPr>
+            <p:cNvPr id="54" name="TextBox 34">
+              <a:extLst>
+                <a:ext uri="{FF2B5EF4-FFF2-40B4-BE49-F238E27FC236}">
+                  <a16:creationId xmlns:a16="http://schemas.microsoft.com/office/drawing/2014/main" xmlns="" id="{15E56E6E-0E7C-E14A-90F3-EFD2E907FD70}"/>
+                </a:ext>
+              </a:extLst>
+            </p:cNvPr>
+            <p:cNvSpPr txBox="1"/>
+            <p:nvPr/>
+          </p:nvSpPr>
+          <p:spPr>
+            <a:xfrm>
+              <a:off x="6186558" y="2151911"/>
+              <a:ext cx="1405404" cy="307777"/>
+            </a:xfrm>
+            <a:prstGeom prst="rect">
+              <a:avLst/>
+            </a:prstGeom>
+            <a:noFill/>
+          </p:spPr>
+          <p:txBody>
+            <a:bodyPr wrap="square" rtlCol="0">
+              <a:spAutoFit/>
+            </a:bodyPr>
+            <a:lstStyle/>
+            <a:p>
+              <a:pPr algn="ctr"/>
+              <a:r>
+                <a:rPr lang="en-US" sz="1400" dirty="0" smtClean="0"/>
+                <a:t>AWS Lambda</a:t>
+              </a:r>
+              <a:endParaRPr lang="en-US" sz="1400" dirty="0"/>
+            </a:p>
+          </p:txBody>
+        </p:sp>
+        <p:pic>
+          <p:nvPicPr>
+            <p:cNvPr id="55" name="Graphic 44">
+              <a:extLst>
+                <a:ext uri="{FF2B5EF4-FFF2-40B4-BE49-F238E27FC236}">
+                  <a16:creationId xmlns:a16="http://schemas.microsoft.com/office/drawing/2014/main" xmlns="" id="{E2DAEC15-20F6-3647-8A23-EC2BA0B080D7}"/>
+                </a:ext>
+              </a:extLst>
+            </p:cNvPr>
+            <p:cNvPicPr>
+              <a:picLocks noChangeAspect="1"/>
+            </p:cNvPicPr>
+            <p:nvPr/>
+          </p:nvPicPr>
+          <p:blipFill>
+            <a:blip r:embed="rId48">
+              <a:extLst>
+                <a:ext uri="{96DAC541-7B7A-43D3-8B79-37D633B846F1}">
+                  <asvg:svgBlip xmlns:asvg="http://schemas.microsoft.com/office/drawing/2016/SVG/main" xmlns="" r:embed="rId11"/>
+                </a:ext>
+              </a:extLst>
+            </a:blip>
+            <a:stretch>
+              <a:fillRect/>
+            </a:stretch>
+          </p:blipFill>
+          <p:spPr>
+            <a:xfrm>
+              <a:off x="6533660" y="1444175"/>
+              <a:ext cx="711200" cy="711200"/>
+            </a:xfrm>
+            <a:prstGeom prst="rect">
+              <a:avLst/>
+            </a:prstGeom>
+          </p:spPr>
+        </p:pic>
+      </p:grpSp>
+      <p:sp>
+        <p:nvSpPr>
+          <p:cNvPr id="99" name="角丸四角形吹き出し 98"/>
+          <p:cNvSpPr/>
+          <p:nvPr/>
+        </p:nvSpPr>
+        <p:spPr>
+          <a:xfrm>
+            <a:off x="8201593" y="5082670"/>
+            <a:ext cx="888621" cy="632678"/>
+          </a:xfrm>
+          <a:prstGeom prst="wedgeRoundRectCallout">
+            <a:avLst>
+              <a:gd name="adj1" fmla="val -69095"/>
+              <a:gd name="adj2" fmla="val -24921"/>
+              <a:gd name="adj3" fmla="val 16667"/>
+            </a:avLst>
+          </a:prstGeom>
+          <a:solidFill>
+            <a:srgbClr val="FFFFFF"/>
+          </a:solidFill>
+          <a:ln>
+            <a:noFill/>
+          </a:ln>
+          <a:effectLst>
+            <a:outerShdw blurRad="63500" sx="102000" sy="102000" algn="ctr" rotWithShape="0">
+              <a:prstClr val="black">
+                <a:alpha val="40000"/>
+              </a:prstClr>
+            </a:outerShdw>
+          </a:effectLst>
+        </p:spPr>
+        <p:style>
+          <a:lnRef idx="1">
+            <a:schemeClr val="accent1"/>
+          </a:lnRef>
+          <a:fillRef idx="3">
+            <a:schemeClr val="accent1"/>
+          </a:fillRef>
+          <a:effectRef idx="2">
+            <a:schemeClr val="accent1"/>
+          </a:effectRef>
+          <a:fontRef idx="minor">
+            <a:schemeClr val="lt1"/>
+          </a:fontRef>
+        </p:style>
+        <p:txBody>
+          <a:bodyPr rtlCol="0" anchor="ctr"/>
+          <a:lstStyle/>
+          <a:p>
+            <a:pPr algn="ctr"/>
+            <a:endParaRPr kumimoji="1" lang="ja-JP" altLang="en-US"/>
+          </a:p>
+        </p:txBody>
+      </p:sp>
+      <p:sp>
+        <p:nvSpPr>
+          <p:cNvPr id="100" name="テキスト ボックス 99"/>
+          <p:cNvSpPr txBox="1"/>
+          <p:nvPr/>
+        </p:nvSpPr>
+        <p:spPr>
+          <a:xfrm>
+            <a:off x="8151795" y="5095123"/>
+            <a:ext cx="955911" cy="646331"/>
+          </a:xfrm>
+          <a:prstGeom prst="rect">
+            <a:avLst/>
+          </a:prstGeom>
+          <a:noFill/>
+        </p:spPr>
+        <p:txBody>
+          <a:bodyPr wrap="none" rtlCol="0">
+            <a:spAutoFit/>
+          </a:bodyPr>
+          <a:lstStyle/>
+          <a:p>
+            <a:r>
+              <a:rPr kumimoji="1" lang="ja-JP" altLang="en-US" sz="1200" dirty="0" smtClean="0"/>
+              <a:t>・</a:t>
+            </a:r>
+            <a:r>
+              <a:rPr kumimoji="1" lang="en-US" altLang="ja-JP" sz="1200" dirty="0" smtClean="0"/>
+              <a:t>Apache</a:t>
+            </a:r>
+          </a:p>
+          <a:p>
+            <a:r>
+              <a:rPr kumimoji="1" lang="ja-JP" altLang="en-US" sz="1200" dirty="0" smtClean="0"/>
+              <a:t>・</a:t>
+            </a:r>
+            <a:r>
+              <a:rPr kumimoji="1" lang="en-US" altLang="ja-JP" sz="1200" dirty="0" smtClean="0"/>
+              <a:t>PHP</a:t>
+            </a:r>
+          </a:p>
+          <a:p>
+            <a:r>
+              <a:rPr kumimoji="1" lang="ja-JP" altLang="en-US" sz="1200" dirty="0" smtClean="0"/>
+              <a:t>・</a:t>
+            </a:r>
+            <a:r>
+              <a:rPr kumimoji="1" lang="en-US" altLang="ja-JP" sz="1200" dirty="0" smtClean="0"/>
+              <a:t>Laravel</a:t>
+            </a:r>
+            <a:endParaRPr kumimoji="1" lang="ja-JP" altLang="en-US" sz="1200" dirty="0"/>
+          </a:p>
+        </p:txBody>
+      </p:sp>
+      <p:grpSp>
+        <p:nvGrpSpPr>
+          <p:cNvPr id="18" name="図形グループ 17"/>
+          <p:cNvGrpSpPr/>
+          <p:nvPr/>
+        </p:nvGrpSpPr>
+        <p:grpSpPr>
+          <a:xfrm>
+            <a:off x="7200905" y="3256947"/>
+            <a:ext cx="1053812" cy="1252371"/>
+            <a:chOff x="3675104" y="5078509"/>
+            <a:chExt cx="1053812" cy="1252371"/>
+          </a:xfrm>
+        </p:grpSpPr>
+        <p:sp>
+          <p:nvSpPr>
+            <p:cNvPr id="101" name="TextBox 10">
+              <a:extLst>
+                <a:ext uri="{FF2B5EF4-FFF2-40B4-BE49-F238E27FC236}">
+                  <a16:creationId xmlns="" xmlns:a16="http://schemas.microsoft.com/office/drawing/2014/main" id="{99E9A16C-C445-9643-9734-20DB6E5D3E42}"/>
+                </a:ext>
+              </a:extLst>
+            </p:cNvPr>
+            <p:cNvSpPr txBox="1"/>
+            <p:nvPr/>
+          </p:nvSpPr>
+          <p:spPr>
+            <a:xfrm>
+              <a:off x="3675104" y="5807660"/>
+              <a:ext cx="1053812" cy="523220"/>
+            </a:xfrm>
+            <a:prstGeom prst="rect">
+              <a:avLst/>
+            </a:prstGeom>
+            <a:noFill/>
+          </p:spPr>
+          <p:txBody>
+            <a:bodyPr wrap="square" rtlCol="0">
+              <a:spAutoFit/>
+            </a:bodyPr>
+            <a:lstStyle/>
+            <a:p>
+              <a:pPr algn="ctr"/>
+              <a:r>
+                <a:rPr lang="en-US" sz="1400" dirty="0" smtClean="0"/>
+                <a:t>Amazon</a:t>
+              </a:r>
+              <a:br>
+                <a:rPr lang="en-US" sz="1400" dirty="0" smtClean="0"/>
+              </a:br>
+              <a:r>
+                <a:rPr lang="en-US" sz="1400" dirty="0" smtClean="0"/>
+                <a:t>Cognito</a:t>
+              </a:r>
+              <a:endParaRPr lang="en-US" sz="1400" dirty="0"/>
+            </a:p>
+          </p:txBody>
+        </p:sp>
+        <p:pic>
+          <p:nvPicPr>
+            <p:cNvPr id="107" name="Graphic 23">
+              <a:extLst>
+                <a:ext uri="{FF2B5EF4-FFF2-40B4-BE49-F238E27FC236}">
+                  <a16:creationId xmlns="" xmlns:a16="http://schemas.microsoft.com/office/drawing/2014/main" id="{E9A0F7B5-2F3A-6242-BCA5-7273277F9F0C}"/>
+                </a:ext>
+              </a:extLst>
+            </p:cNvPr>
+            <p:cNvPicPr>
+              <a:picLocks noChangeAspect="1"/>
+            </p:cNvPicPr>
+            <p:nvPr/>
+          </p:nvPicPr>
+          <p:blipFill>
+            <a:blip r:embed="rId49">
+              <a:extLst>
+                <a:ext uri="{96DAC541-7B7A-43D3-8B79-37D633B846F1}">
+                  <asvg:svgBlip xmlns="" xmlns:asvg="http://schemas.microsoft.com/office/drawing/2016/SVG/main" r:embed="rId50"/>
+                </a:ext>
+              </a:extLst>
+            </a:blip>
+            <a:stretch>
+              <a:fillRect/>
+            </a:stretch>
+          </p:blipFill>
+          <p:spPr>
+            <a:xfrm>
+              <a:off x="3846410" y="5078509"/>
+              <a:ext cx="711200" cy="711200"/>
+            </a:xfrm>
+            <a:prstGeom prst="rect">
+              <a:avLst/>
+            </a:prstGeom>
+          </p:spPr>
+        </p:pic>
+      </p:grpSp>
+      <p:grpSp>
+        <p:nvGrpSpPr>
+          <p:cNvPr id="19" name="図形グループ 18"/>
+          <p:cNvGrpSpPr/>
+          <p:nvPr/>
+        </p:nvGrpSpPr>
+        <p:grpSpPr>
+          <a:xfrm>
+            <a:off x="3031167" y="5145917"/>
+            <a:ext cx="2301904" cy="1016543"/>
+            <a:chOff x="2613419" y="5145917"/>
+            <a:chExt cx="2301904" cy="1016543"/>
+          </a:xfrm>
+        </p:grpSpPr>
+        <p:sp>
+          <p:nvSpPr>
+            <p:cNvPr id="114" name="TextBox 14">
+              <a:extLst>
+                <a:ext uri="{FF2B5EF4-FFF2-40B4-BE49-F238E27FC236}">
+                  <a16:creationId xmlns="" xmlns:a16="http://schemas.microsoft.com/office/drawing/2014/main" id="{70F1D858-0A61-B249-BFE8-EC03E7D2639D}"/>
+                </a:ext>
+              </a:extLst>
+            </p:cNvPr>
+            <p:cNvSpPr txBox="1"/>
+            <p:nvPr/>
+          </p:nvSpPr>
+          <p:spPr>
+            <a:xfrm>
+              <a:off x="2613419" y="5854683"/>
+              <a:ext cx="2301904" cy="307777"/>
+            </a:xfrm>
+            <a:prstGeom prst="rect">
+              <a:avLst/>
+            </a:prstGeom>
+            <a:noFill/>
+          </p:spPr>
+          <p:txBody>
+            <a:bodyPr wrap="square" rtlCol="0">
+              <a:spAutoFit/>
+            </a:bodyPr>
+            <a:lstStyle/>
+            <a:p>
+              <a:pPr algn="ctr"/>
+              <a:r>
+                <a:rPr lang="en-US" sz="1400" dirty="0"/>
+                <a:t>Amazon Route 53</a:t>
+              </a:r>
+            </a:p>
+          </p:txBody>
+        </p:sp>
+        <p:pic>
+          <p:nvPicPr>
+            <p:cNvPr id="115" name="Graphic 41">
+              <a:extLst>
+                <a:ext uri="{FF2B5EF4-FFF2-40B4-BE49-F238E27FC236}">
+                  <a16:creationId xmlns="" xmlns:a16="http://schemas.microsoft.com/office/drawing/2014/main" id="{5B1FEEC0-A82C-C940-A6B4-4A85ED521E63}"/>
+                </a:ext>
+              </a:extLst>
+            </p:cNvPr>
+            <p:cNvPicPr>
+              <a:picLocks noChangeAspect="1"/>
+            </p:cNvPicPr>
+            <p:nvPr/>
+          </p:nvPicPr>
+          <p:blipFill>
+            <a:blip r:embed="rId51">
+              <a:extLst>
+                <a:ext uri="{96DAC541-7B7A-43D3-8B79-37D633B846F1}">
+                  <asvg:svgBlip xmlns="" xmlns:asvg="http://schemas.microsoft.com/office/drawing/2016/SVG/main" r:embed="rId24"/>
+                </a:ext>
+              </a:extLst>
+            </a:blip>
+            <a:stretch>
+              <a:fillRect/>
+            </a:stretch>
+          </p:blipFill>
+          <p:spPr>
+            <a:xfrm>
+              <a:off x="3408771" y="5145917"/>
+              <a:ext cx="711200" cy="711200"/>
+            </a:xfrm>
+            <a:prstGeom prst="rect">
+              <a:avLst/>
+            </a:prstGeom>
+          </p:spPr>
+        </p:pic>
+      </p:grpSp>
+      <p:cxnSp>
+        <p:nvCxnSpPr>
+          <p:cNvPr id="116" name="直線矢印コネクタ 115"/>
+          <p:cNvCxnSpPr>
+            <a:stCxn id="43" idx="0"/>
+            <a:endCxn id="107" idx="2"/>
+          </p:cNvCxnSpPr>
+          <p:nvPr/>
+        </p:nvCxnSpPr>
+        <p:spPr>
+          <a:xfrm flipV="1">
+            <a:off x="7662559" y="3968147"/>
+            <a:ext cx="65252" cy="641706"/>
+          </a:xfrm>
+          <a:prstGeom prst="straightConnector1">
+            <a:avLst/>
+          </a:prstGeom>
+          <a:ln>
+            <a:solidFill>
+              <a:srgbClr val="13A0E7"/>
+            </a:solidFill>
+            <a:tailEnd type="arrow"/>
+          </a:ln>
+        </p:spPr>
+        <p:style>
+          <a:lnRef idx="2">
+            <a:schemeClr val="accent1"/>
+          </a:lnRef>
+          <a:fillRef idx="0">
+            <a:schemeClr val="accent1"/>
+          </a:fillRef>
+          <a:effectRef idx="1">
+            <a:schemeClr val="accent1"/>
+          </a:effectRef>
+          <a:fontRef idx="minor">
+            <a:schemeClr val="tx1"/>
+          </a:fontRef>
+        </p:style>
+      </p:cxnSp>
+      <p:cxnSp>
+        <p:nvCxnSpPr>
+          <p:cNvPr id="117" name="直線矢印コネクタ 116"/>
+          <p:cNvCxnSpPr>
+            <a:endCxn id="57" idx="2"/>
+          </p:cNvCxnSpPr>
+          <p:nvPr/>
+        </p:nvCxnSpPr>
+        <p:spPr>
+          <a:xfrm flipV="1">
+            <a:off x="3365908" y="4159506"/>
+            <a:ext cx="133360" cy="703553"/>
+          </a:xfrm>
+          <a:prstGeom prst="straightConnector1">
+            <a:avLst/>
+          </a:prstGeom>
+          <a:ln>
+            <a:solidFill>
+              <a:srgbClr val="13A0E7"/>
+            </a:solidFill>
+            <a:tailEnd type="arrow"/>
+          </a:ln>
+        </p:spPr>
+        <p:style>
+          <a:lnRef idx="2">
+            <a:schemeClr val="accent1"/>
+          </a:lnRef>
+          <a:fillRef idx="0">
+            <a:schemeClr val="accent1"/>
+          </a:fillRef>
+          <a:effectRef idx="1">
+            <a:schemeClr val="accent1"/>
+          </a:effectRef>
+          <a:fontRef idx="minor">
+            <a:schemeClr val="tx1"/>
+          </a:fontRef>
+        </p:style>
+      </p:cxnSp>
+      <p:cxnSp>
+        <p:nvCxnSpPr>
+          <p:cNvPr id="118" name="直線コネクタ 117"/>
+          <p:cNvCxnSpPr/>
+          <p:nvPr/>
+        </p:nvCxnSpPr>
+        <p:spPr>
+          <a:xfrm>
+            <a:off x="3358701" y="4863061"/>
+            <a:ext cx="3943549" cy="0"/>
+          </a:xfrm>
+          <a:prstGeom prst="line">
+            <a:avLst/>
+          </a:prstGeom>
+          <a:ln>
+            <a:solidFill>
+              <a:srgbClr val="13A0E7"/>
+            </a:solidFill>
+          </a:ln>
+        </p:spPr>
+        <p:style>
+          <a:lnRef idx="2">
+            <a:schemeClr val="accent1"/>
+          </a:lnRef>
+          <a:fillRef idx="0">
+            <a:schemeClr val="accent1"/>
+          </a:fillRef>
+          <a:effectRef idx="1">
+            <a:schemeClr val="accent1"/>
+          </a:effectRef>
+          <a:fontRef idx="minor">
+            <a:schemeClr val="tx1"/>
+          </a:fontRef>
+        </p:style>
+      </p:cxnSp>
+      <p:cxnSp>
+        <p:nvCxnSpPr>
+          <p:cNvPr id="119" name="直線矢印コネクタ 118"/>
+          <p:cNvCxnSpPr/>
+          <p:nvPr/>
+        </p:nvCxnSpPr>
+        <p:spPr>
+          <a:xfrm flipV="1">
+            <a:off x="9112285" y="3943647"/>
+            <a:ext cx="73721" cy="919412"/>
+          </a:xfrm>
+          <a:prstGeom prst="straightConnector1">
+            <a:avLst/>
+          </a:prstGeom>
+          <a:ln>
+            <a:solidFill>
+              <a:srgbClr val="13A0E7"/>
+            </a:solidFill>
+            <a:tailEnd type="arrow"/>
+          </a:ln>
+        </p:spPr>
+        <p:style>
+          <a:lnRef idx="2">
+            <a:schemeClr val="accent1"/>
+          </a:lnRef>
+          <a:fillRef idx="0">
+            <a:schemeClr val="accent1"/>
+          </a:fillRef>
+          <a:effectRef idx="1">
+            <a:schemeClr val="accent1"/>
+          </a:effectRef>
+          <a:fontRef idx="minor">
+            <a:schemeClr val="tx1"/>
+          </a:fontRef>
+        </p:style>
+      </p:cxnSp>
+      <p:grpSp>
+        <p:nvGrpSpPr>
+          <p:cNvPr id="120" name="図形グループ 119"/>
+          <p:cNvGrpSpPr/>
+          <p:nvPr/>
+        </p:nvGrpSpPr>
+        <p:grpSpPr>
+          <a:xfrm>
+            <a:off x="4305980" y="2423706"/>
+            <a:ext cx="2294452" cy="796452"/>
+            <a:chOff x="6533660" y="1444175"/>
+            <a:chExt cx="2294452" cy="796452"/>
+          </a:xfrm>
+        </p:grpSpPr>
+        <p:sp>
+          <p:nvSpPr>
+            <p:cNvPr id="121" name="TextBox 34">
+              <a:extLst>
+                <a:ext uri="{FF2B5EF4-FFF2-40B4-BE49-F238E27FC236}">
+                  <a16:creationId xmlns:a16="http://schemas.microsoft.com/office/drawing/2014/main" xmlns="" id="{15E56E6E-0E7C-E14A-90F3-EFD2E907FD70}"/>
+                </a:ext>
+              </a:extLst>
+            </p:cNvPr>
+            <p:cNvSpPr txBox="1"/>
+            <p:nvPr/>
+          </p:nvSpPr>
+          <p:spPr>
+            <a:xfrm>
+              <a:off x="7256383" y="1717407"/>
+              <a:ext cx="1571729" cy="523220"/>
+            </a:xfrm>
+            <a:prstGeom prst="rect">
+              <a:avLst/>
+            </a:prstGeom>
+            <a:noFill/>
+          </p:spPr>
+          <p:txBody>
+            <a:bodyPr wrap="square" rtlCol="0">
+              <a:spAutoFit/>
+            </a:bodyPr>
+            <a:lstStyle/>
+            <a:p>
+              <a:r>
+                <a:rPr lang="en-US" sz="1400" dirty="0" smtClean="0"/>
+                <a:t>AWS</a:t>
+              </a:r>
+              <a:br>
+                <a:rPr lang="en-US" sz="1400" dirty="0" smtClean="0"/>
+              </a:br>
+              <a:r>
+                <a:rPr lang="en-US" sz="1400" dirty="0" smtClean="0"/>
+                <a:t>Lambda@Edge</a:t>
+              </a:r>
+              <a:endParaRPr lang="en-US" sz="1400" dirty="0"/>
+            </a:p>
+          </p:txBody>
+        </p:sp>
+        <p:pic>
+          <p:nvPicPr>
+            <p:cNvPr id="122" name="Graphic 44">
+              <a:extLst>
+                <a:ext uri="{FF2B5EF4-FFF2-40B4-BE49-F238E27FC236}">
+                  <a16:creationId xmlns:a16="http://schemas.microsoft.com/office/drawing/2014/main" xmlns="" id="{E2DAEC15-20F6-3647-8A23-EC2BA0B080D7}"/>
+                </a:ext>
+              </a:extLst>
+            </p:cNvPr>
+            <p:cNvPicPr>
+              <a:picLocks noChangeAspect="1"/>
+            </p:cNvPicPr>
+            <p:nvPr/>
+          </p:nvPicPr>
+          <p:blipFill>
+            <a:blip r:embed="rId48">
+              <a:extLst>
+                <a:ext uri="{96DAC541-7B7A-43D3-8B79-37D633B846F1}">
+                  <asvg:svgBlip xmlns:asvg="http://schemas.microsoft.com/office/drawing/2016/SVG/main" xmlns="" r:embed="rId11"/>
+                </a:ext>
+              </a:extLst>
+            </a:blip>
+            <a:stretch>
+              <a:fillRect/>
+            </a:stretch>
+          </p:blipFill>
+          <p:spPr>
+            <a:xfrm>
+              <a:off x="6533660" y="1444175"/>
+              <a:ext cx="711200" cy="711200"/>
+            </a:xfrm>
+            <a:prstGeom prst="rect">
+              <a:avLst/>
+            </a:prstGeom>
+          </p:spPr>
+        </p:pic>
+      </p:grpSp>
+      <p:cxnSp>
+        <p:nvCxnSpPr>
+          <p:cNvPr id="123" name="直線矢印コネクタ 122"/>
+          <p:cNvCxnSpPr>
+            <a:stCxn id="47" idx="0"/>
+            <a:endCxn id="122" idx="2"/>
+          </p:cNvCxnSpPr>
+          <p:nvPr/>
+        </p:nvCxnSpPr>
+        <p:spPr>
+          <a:xfrm flipV="1">
+            <a:off x="4572047" y="3134906"/>
+            <a:ext cx="89533" cy="312793"/>
+          </a:xfrm>
+          <a:prstGeom prst="straightConnector1">
+            <a:avLst/>
+          </a:prstGeom>
+          <a:ln>
+            <a:solidFill>
+              <a:srgbClr val="13A0E7"/>
+            </a:solidFill>
+            <a:tailEnd type="arrow"/>
+          </a:ln>
+        </p:spPr>
+        <p:style>
+          <a:lnRef idx="2">
+            <a:schemeClr val="accent1"/>
+          </a:lnRef>
+          <a:fillRef idx="0">
+            <a:schemeClr val="accent1"/>
+          </a:fillRef>
+          <a:effectRef idx="1">
+            <a:schemeClr val="accent1"/>
+          </a:effectRef>
+          <a:fontRef idx="minor">
+            <a:schemeClr val="tx1"/>
+          </a:fontRef>
+        </p:style>
+      </p:cxnSp>
+      <p:cxnSp>
+        <p:nvCxnSpPr>
+          <p:cNvPr id="124" name="直線矢印コネクタ 123"/>
+          <p:cNvCxnSpPr>
+            <a:stCxn id="122" idx="3"/>
+            <a:endCxn id="50" idx="1"/>
+          </p:cNvCxnSpPr>
+          <p:nvPr/>
+        </p:nvCxnSpPr>
+        <p:spPr>
+          <a:xfrm flipV="1">
+            <a:off x="5017180" y="2347425"/>
+            <a:ext cx="2256409" cy="431881"/>
+          </a:xfrm>
+          <a:prstGeom prst="straightConnector1">
+            <a:avLst/>
+          </a:prstGeom>
+          <a:ln>
+            <a:solidFill>
+              <a:srgbClr val="13A0E7"/>
+            </a:solidFill>
+            <a:tailEnd type="arrow"/>
+          </a:ln>
+        </p:spPr>
+        <p:style>
+          <a:lnRef idx="2">
+            <a:schemeClr val="accent1"/>
+          </a:lnRef>
+          <a:fillRef idx="0">
+            <a:schemeClr val="accent1"/>
+          </a:fillRef>
+          <a:effectRef idx="1">
+            <a:schemeClr val="accent1"/>
+          </a:effectRef>
+          <a:fontRef idx="minor">
+            <a:schemeClr val="tx1"/>
+          </a:fontRef>
+        </p:style>
+      </p:cxnSp>
+    </p:spTree>
+    <p:extLst>
+      <p:ext uri="{BB962C8B-B14F-4D97-AF65-F5344CB8AC3E}">
+        <p14:creationId xmlns:p14="http://schemas.microsoft.com/office/powerpoint/2010/main" val="2184958467"/>
+      </p:ext>
+    </p:extLst>
+  </p:cSld>
+  <p:clrMapOvr>
+    <a:masterClrMapping/>
+  </p:clrMapOvr>
+  <mc:AlternateContent xmlns:mc="http://schemas.openxmlformats.org/markup-compatibility/2006">
+    <mc:Choice xmlns:p14="http://schemas.microsoft.com/office/powerpoint/2010/main" Requires="p14">
+      <p:transition spd="slow" p14:dur="2000"/>
+    </mc:Choice>
+    <mc:Fallback>
+      <p:transition xmlns:p14="http://schemas.microsoft.com/office/powerpoint/2010/main" spd="slow"/>
+    </mc:Fallback>
+  </mc:AlternateContent>
+  <p:timing>
+    <p:tnLst>
+      <p:par>
+        <p:cTn xmlns:p14="http://schemas.microsoft.com/office/powerpoint/2010/main" id="1" dur="indefinite" restart="never" nodeType="tmRoot"/>
+      </p:par>
+    </p:tnLst>
+  </p:timing>
+</p:sld>
+</file>
+
+<file path=ppt/slides/slide7.xml><?xml version="1.0" encoding="utf-8"?>
 <p:sld xmlns:a="http://schemas.openxmlformats.org/drawingml/2006/main" xmlns:r="http://schemas.openxmlformats.org/officeDocument/2006/relationships" xmlns:p="http://schemas.openxmlformats.org/presentationml/2006/main">
   <p:cSld>
     <p:spTree>
@@ -46298,7 +50633,7 @@
 </p:sld>
 </file>
 
-<file path=ppt/slides/slide7.xml><?xml version="1.0" encoding="utf-8"?>
+<file path=ppt/slides/slide8.xml><?xml version="1.0" encoding="utf-8"?>
 <p:sld xmlns:a="http://schemas.openxmlformats.org/drawingml/2006/main" xmlns:r="http://schemas.openxmlformats.org/officeDocument/2006/relationships" xmlns:p="http://schemas.openxmlformats.org/presentationml/2006/main">
   <p:cSld>
     <p:spTree>
@@ -46574,7 +50909,7 @@
             <a:fld id="{FC7FC04C-4975-46EC-A609-F7DE0D5B1B51}" type="slidenum">
               <a:rPr kumimoji="1" lang="ja-JP" altLang="en-US" smtClean="0"/>
               <a:pPr/>
-              <a:t>7</a:t>
+              <a:t>8</a:t>
             </a:fld>
             <a:endParaRPr kumimoji="1" lang="ja-JP" altLang="en-US" dirty="0"/>
           </a:p>
@@ -46997,7 +51332,7 @@
 </p:sld>
 </file>
 
-<file path=ppt/slides/slide8.xml><?xml version="1.0" encoding="utf-8"?>
+<file path=ppt/slides/slide9.xml><?xml version="1.0" encoding="utf-8"?>
 <p:sld xmlns:a="http://schemas.openxmlformats.org/drawingml/2006/main" xmlns:r="http://schemas.openxmlformats.org/officeDocument/2006/relationships" xmlns:p="http://schemas.openxmlformats.org/presentationml/2006/main">
   <p:cSld>
     <p:spTree>
@@ -47224,7 +51559,7 @@
             <a:fld id="{FC7FC04C-4975-46EC-A609-F7DE0D5B1B51}" type="slidenum">
               <a:rPr kumimoji="1" lang="ja-JP" altLang="en-US" smtClean="0"/>
               <a:pPr/>
-              <a:t>8</a:t>
+              <a:t>9</a:t>
             </a:fld>
             <a:endParaRPr kumimoji="1" lang="ja-JP" altLang="en-US" dirty="0"/>
           </a:p>
@@ -47631,706 +51966,6 @@
     <p:extLst>
       <p:ext uri="{BB962C8B-B14F-4D97-AF65-F5344CB8AC3E}">
         <p14:creationId xmlns:p14="http://schemas.microsoft.com/office/powerpoint/2010/main" val="4253119105"/>
-      </p:ext>
-    </p:extLst>
-  </p:cSld>
-  <p:clrMapOvr>
-    <a:masterClrMapping/>
-  </p:clrMapOvr>
-  <p:timing>
-    <p:tnLst>
-      <p:par>
-        <p:cTn xmlns:p14="http://schemas.microsoft.com/office/powerpoint/2010/main" id="1" dur="indefinite" restart="never" nodeType="tmRoot"/>
-      </p:par>
-    </p:tnLst>
-  </p:timing>
-</p:sld>
-</file>
-
-<file path=ppt/slides/slide9.xml><?xml version="1.0" encoding="utf-8"?>
-<p:sld xmlns:a="http://schemas.openxmlformats.org/drawingml/2006/main" xmlns:r="http://schemas.openxmlformats.org/officeDocument/2006/relationships" xmlns:p="http://schemas.openxmlformats.org/presentationml/2006/main">
-  <p:cSld>
-    <p:spTree>
-      <p:nvGrpSpPr>
-        <p:cNvPr id="1" name=""/>
-        <p:cNvGrpSpPr/>
-        <p:nvPr/>
-      </p:nvGrpSpPr>
-      <p:grpSpPr>
-        <a:xfrm>
-          <a:off x="0" y="0"/>
-          <a:ext cx="0" cy="0"/>
-          <a:chOff x="0" y="0"/>
-          <a:chExt cx="0" cy="0"/>
-        </a:xfrm>
-      </p:grpSpPr>
-      <p:sp>
-        <p:nvSpPr>
-          <p:cNvPr id="2" name="タイトル 1">
-            <a:extLst>
-              <a:ext uri="{FF2B5EF4-FFF2-40B4-BE49-F238E27FC236}">
-                <a16:creationId xmlns="" xmlns:a16="http://schemas.microsoft.com/office/drawing/2014/main" id="{42238E76-FCE3-4A31-BD81-2D6CADD01B29}"/>
-              </a:ext>
-            </a:extLst>
-          </p:cNvPr>
-          <p:cNvSpPr>
-            <a:spLocks noGrp="1"/>
-          </p:cNvSpPr>
-          <p:nvPr>
-            <p:ph type="title"/>
-          </p:nvPr>
-        </p:nvSpPr>
-        <p:spPr/>
-        <p:txBody>
-          <a:bodyPr/>
-          <a:lstStyle/>
-          <a:p>
-            <a:r>
-              <a:rPr lang="en-US" altLang="ja-JP" dirty="0" smtClean="0"/>
-              <a:t>AWS</a:t>
-            </a:r>
-            <a:r>
-              <a:rPr lang="ja-JP" altLang="en-US" dirty="0" smtClean="0"/>
-              <a:t> </a:t>
-            </a:r>
-            <a:r>
-              <a:rPr lang="en-US" altLang="ja-JP" dirty="0" smtClean="0"/>
-              <a:t>IAM</a:t>
-            </a:r>
-            <a:r>
-              <a:rPr lang="ja-JP" altLang="en-US" dirty="0" smtClean="0"/>
-              <a:t>ユーザー作成</a:t>
-            </a:r>
-            <a:endParaRPr kumimoji="1" lang="ja-JP" altLang="en-US" dirty="0"/>
-          </a:p>
-        </p:txBody>
-      </p:sp>
-      <p:sp>
-        <p:nvSpPr>
-          <p:cNvPr id="3" name="コンテンツ プレースホルダー 2">
-            <a:extLst>
-              <a:ext uri="{FF2B5EF4-FFF2-40B4-BE49-F238E27FC236}">
-                <a16:creationId xmlns="" xmlns:a16="http://schemas.microsoft.com/office/drawing/2014/main" id="{8942456B-0BBA-47AC-A7AE-AC486DDE0560}"/>
-              </a:ext>
-            </a:extLst>
-          </p:cNvPr>
-          <p:cNvSpPr>
-            <a:spLocks noGrp="1"/>
-          </p:cNvSpPr>
-          <p:nvPr>
-            <p:ph idx="1"/>
-          </p:nvPr>
-        </p:nvSpPr>
-        <p:spPr>
-          <a:xfrm>
-            <a:off x="3105803" y="1494253"/>
-            <a:ext cx="8922376" cy="4915628"/>
-          </a:xfrm>
-        </p:spPr>
-        <p:txBody>
-          <a:bodyPr/>
-          <a:lstStyle/>
-          <a:p>
-            <a:pPr>
-              <a:buFont typeface="Wingdings" charset="2"/>
-              <a:buChar char="Ø"/>
-            </a:pPr>
-            <a:r>
-              <a:rPr lang="en-US" altLang="ja-JP" dirty="0" smtClean="0"/>
-              <a:t>IAM</a:t>
-            </a:r>
-            <a:r>
-              <a:rPr lang="ja-JP" altLang="en-US" dirty="0" smtClean="0"/>
-              <a:t>ユーザーを作る</a:t>
-            </a:r>
-            <a:endParaRPr lang="en-US" altLang="ja-JP" dirty="0" smtClean="0"/>
-          </a:p>
-          <a:p>
-            <a:pPr marL="0" indent="0">
-              <a:buNone/>
-            </a:pPr>
-            <a:r>
-              <a:rPr lang="en-US" altLang="ja-JP" sz="1600" dirty="0"/>
-              <a:t>	</a:t>
-            </a:r>
-            <a:r>
-              <a:rPr lang="en-US" altLang="ja-JP" sz="1600" dirty="0" smtClean="0"/>
-              <a:t>AWS</a:t>
-            </a:r>
-            <a:r>
-              <a:rPr lang="ja-JP" altLang="en-US" sz="1600" dirty="0" smtClean="0"/>
-              <a:t>の管理コンソールにログインできるユーザーを作成する。</a:t>
-            </a:r>
-            <a:endParaRPr lang="en-US" altLang="ja-JP" sz="1600" dirty="0" smtClean="0"/>
-          </a:p>
-          <a:p>
-            <a:pPr lvl="1">
-              <a:buFont typeface="+mj-lt"/>
-              <a:buAutoNum type="arabicPeriod"/>
-            </a:pPr>
-            <a:r>
-              <a:rPr lang="en-US" altLang="ja-JP" dirty="0" smtClean="0"/>
-              <a:t>IAM</a:t>
-            </a:r>
-            <a:r>
-              <a:rPr lang="ja-JP" altLang="en-US" dirty="0" smtClean="0"/>
-              <a:t>ページの「</a:t>
-            </a:r>
-            <a:r>
-              <a:rPr lang="en-US" altLang="ja-JP" dirty="0" smtClean="0"/>
-              <a:t>Users</a:t>
-            </a:r>
-            <a:r>
-              <a:rPr lang="ja-JP" altLang="en-US" dirty="0" smtClean="0"/>
-              <a:t>」メニューを開く。</a:t>
-            </a:r>
-            <a:endParaRPr lang="en-US" altLang="ja-JP" dirty="0" smtClean="0"/>
-          </a:p>
-          <a:p>
-            <a:pPr lvl="1">
-              <a:buFont typeface="+mj-lt"/>
-              <a:buAutoNum type="arabicPeriod"/>
-            </a:pPr>
-            <a:r>
-              <a:rPr lang="ja-JP" altLang="en-US" dirty="0" smtClean="0"/>
-              <a:t>新規ユーザーを作成する。</a:t>
-            </a:r>
-            <a:endParaRPr lang="en-US" altLang="ja-JP" dirty="0" smtClean="0"/>
-          </a:p>
-          <a:p>
-            <a:pPr lvl="2">
-              <a:buFont typeface="Arial"/>
-              <a:buChar char="•"/>
-            </a:pPr>
-            <a:r>
-              <a:rPr lang="ja-JP" altLang="en-US" dirty="0" smtClean="0"/>
-              <a:t>ユーザー名、</a:t>
-            </a:r>
-            <a:r>
-              <a:rPr lang="en-US" altLang="ja-JP" dirty="0" smtClean="0"/>
-              <a:t>AWS </a:t>
-            </a:r>
-            <a:r>
-              <a:rPr lang="ja-JP" altLang="en-US" dirty="0" smtClean="0"/>
-              <a:t>アクセスタイプ「</a:t>
-            </a:r>
-            <a:r>
-              <a:rPr lang="en-US" altLang="ja-JP" dirty="0" smtClean="0"/>
-              <a:t>AWS</a:t>
-            </a:r>
-            <a:r>
-              <a:rPr lang="en-US" altLang="en-US" dirty="0"/>
-              <a:t> </a:t>
-            </a:r>
-            <a:r>
-              <a:rPr lang="ja-JP" altLang="en-US" dirty="0" smtClean="0"/>
-              <a:t>管理コンソール アクセス」</a:t>
-            </a:r>
-            <a:endParaRPr lang="en-US" altLang="ja-JP" dirty="0" smtClean="0"/>
-          </a:p>
-          <a:p>
-            <a:pPr lvl="1">
-              <a:buFont typeface="+mj-lt"/>
-              <a:buAutoNum type="arabicPeriod"/>
-            </a:pPr>
-            <a:r>
-              <a:rPr lang="ja-JP" altLang="en-US" dirty="0" smtClean="0"/>
-              <a:t>権限を設定する。</a:t>
-            </a:r>
-            <a:endParaRPr lang="en-US" altLang="en-US" dirty="0" smtClean="0"/>
-          </a:p>
-          <a:p>
-            <a:pPr lvl="2">
-              <a:buFont typeface="Arial"/>
-              <a:buChar char="•"/>
-            </a:pPr>
-            <a:r>
-              <a:rPr lang="ja-JP" altLang="en-US" dirty="0" smtClean="0"/>
-              <a:t>グループユーザー／既存のユーザーからコピー／権限を選択して付与</a:t>
-            </a:r>
-            <a:endParaRPr lang="en-US" altLang="ja-JP" dirty="0" smtClean="0"/>
-          </a:p>
-          <a:p>
-            <a:pPr lvl="1">
-              <a:buFont typeface="+mj-lt"/>
-              <a:buAutoNum type="arabicPeriod"/>
-            </a:pPr>
-            <a:r>
-              <a:rPr lang="ja-JP" altLang="en-US" dirty="0" smtClean="0"/>
-              <a:t>タグを追加する。</a:t>
-            </a:r>
-            <a:endParaRPr lang="en-US" altLang="ja-JP" dirty="0" smtClean="0"/>
-          </a:p>
-          <a:p>
-            <a:pPr lvl="1">
-              <a:buFont typeface="+mj-lt"/>
-              <a:buAutoNum type="arabicPeriod"/>
-            </a:pPr>
-            <a:r>
-              <a:rPr lang="ja-JP" altLang="en-US" dirty="0" smtClean="0"/>
-              <a:t>入力内容を確認して登録する。</a:t>
-            </a:r>
-            <a:endParaRPr lang="en-US" altLang="ja-JP" dirty="0"/>
-          </a:p>
-        </p:txBody>
-      </p:sp>
-      <p:sp>
-        <p:nvSpPr>
-          <p:cNvPr id="4" name="スライド番号プレースホルダー 3">
-            <a:extLst>
-              <a:ext uri="{FF2B5EF4-FFF2-40B4-BE49-F238E27FC236}">
-                <a16:creationId xmlns="" xmlns:a16="http://schemas.microsoft.com/office/drawing/2014/main" id="{9BFAADB9-E460-4E56-A164-AAFA9F53D091}"/>
-              </a:ext>
-            </a:extLst>
-          </p:cNvPr>
-          <p:cNvSpPr>
-            <a:spLocks noGrp="1"/>
-          </p:cNvSpPr>
-          <p:nvPr>
-            <p:ph type="sldNum" sz="quarter" idx="12"/>
-          </p:nvPr>
-        </p:nvSpPr>
-        <p:spPr/>
-        <p:txBody>
-          <a:bodyPr/>
-          <a:lstStyle/>
-          <a:p>
-            <a:fld id="{FC7FC04C-4975-46EC-A609-F7DE0D5B1B51}" type="slidenum">
-              <a:rPr kumimoji="1" lang="ja-JP" altLang="en-US" smtClean="0"/>
-              <a:pPr/>
-              <a:t>9</a:t>
-            </a:fld>
-            <a:endParaRPr kumimoji="1" lang="ja-JP" altLang="en-US" dirty="0"/>
-          </a:p>
-        </p:txBody>
-      </p:sp>
-      <p:cxnSp>
-        <p:nvCxnSpPr>
-          <p:cNvPr id="7" name="直線コネクタ 6"/>
-          <p:cNvCxnSpPr/>
-          <p:nvPr/>
-        </p:nvCxnSpPr>
-        <p:spPr>
-          <a:xfrm>
-            <a:off x="3064392" y="607452"/>
-            <a:ext cx="0" cy="5867439"/>
-          </a:xfrm>
-          <a:prstGeom prst="line">
-            <a:avLst/>
-          </a:prstGeom>
-          <a:ln>
-            <a:solidFill>
-              <a:srgbClr val="13A0E7"/>
-            </a:solidFill>
-          </a:ln>
-        </p:spPr>
-        <p:style>
-          <a:lnRef idx="2">
-            <a:schemeClr val="accent1"/>
-          </a:lnRef>
-          <a:fillRef idx="0">
-            <a:schemeClr val="accent1"/>
-          </a:fillRef>
-          <a:effectRef idx="1">
-            <a:schemeClr val="accent1"/>
-          </a:effectRef>
-          <a:fontRef idx="minor">
-            <a:schemeClr val="tx1"/>
-          </a:fontRef>
-        </p:style>
-      </p:cxnSp>
-      <p:sp>
-        <p:nvSpPr>
-          <p:cNvPr id="9" name="コンテンツ プレースホルダー 2"/>
-          <p:cNvSpPr txBox="1">
-            <a:spLocks/>
-          </p:cNvSpPr>
-          <p:nvPr/>
-        </p:nvSpPr>
-        <p:spPr>
-          <a:xfrm>
-            <a:off x="275150" y="548855"/>
-            <a:ext cx="2761636" cy="5926035"/>
-          </a:xfrm>
-          <a:prstGeom prst="rect">
-            <a:avLst/>
-          </a:prstGeom>
-        </p:spPr>
-        <p:txBody>
-          <a:bodyPr numCol="1"/>
-          <a:lstStyle>
-            <a:lvl1pPr marL="342900" indent="-342900" algn="l" defTabSz="457200" rtl="0" eaLnBrk="1" latinLnBrk="0" hangingPunct="1">
-              <a:spcBef>
-                <a:spcPts val="1000"/>
-              </a:spcBef>
-              <a:spcAft>
-                <a:spcPts val="0"/>
-              </a:spcAft>
-              <a:buClr>
-                <a:srgbClr val="00A0E7"/>
-              </a:buClr>
-              <a:buFont typeface="Wingdings" panose="05000000000000000000" pitchFamily="2" charset="2"/>
-              <a:buChar char="Ø"/>
-              <a:defRPr kumimoji="1" sz="1800" kern="1200">
-                <a:solidFill>
-                  <a:schemeClr val="tx1">
-                    <a:lumMod val="75000"/>
-                    <a:lumOff val="25000"/>
-                  </a:schemeClr>
-                </a:solidFill>
-                <a:latin typeface="+mn-lt"/>
-                <a:ea typeface="+mn-ea"/>
-                <a:cs typeface="+mn-cs"/>
-              </a:defRPr>
-            </a:lvl1pPr>
-            <a:lvl2pPr marL="800100" indent="-342900" algn="l" defTabSz="457200" rtl="0" eaLnBrk="1" latinLnBrk="0" hangingPunct="1">
-              <a:spcBef>
-                <a:spcPts val="1000"/>
-              </a:spcBef>
-              <a:spcAft>
-                <a:spcPts val="0"/>
-              </a:spcAft>
-              <a:buClr>
-                <a:srgbClr val="00A0E7"/>
-              </a:buClr>
-              <a:buFont typeface="Wingdings" panose="05000000000000000000" pitchFamily="2" charset="2"/>
-              <a:buChar char="Ø"/>
-              <a:defRPr kumimoji="1" sz="1600" kern="1200">
-                <a:solidFill>
-                  <a:schemeClr val="tx1">
-                    <a:lumMod val="75000"/>
-                    <a:lumOff val="25000"/>
-                  </a:schemeClr>
-                </a:solidFill>
-                <a:latin typeface="+mn-lt"/>
-                <a:ea typeface="+mn-ea"/>
-                <a:cs typeface="+mn-cs"/>
-              </a:defRPr>
-            </a:lvl2pPr>
-            <a:lvl3pPr marL="1257300" indent="-342900" algn="l" defTabSz="457200" rtl="0" eaLnBrk="1" latinLnBrk="0" hangingPunct="1">
-              <a:spcBef>
-                <a:spcPts val="1000"/>
-              </a:spcBef>
-              <a:spcAft>
-                <a:spcPts val="0"/>
-              </a:spcAft>
-              <a:buClr>
-                <a:srgbClr val="00A0E7"/>
-              </a:buClr>
-              <a:buFont typeface="Wingdings" panose="05000000000000000000" pitchFamily="2" charset="2"/>
-              <a:buChar char="Ø"/>
-              <a:defRPr kumimoji="1" sz="1400" kern="1200">
-                <a:solidFill>
-                  <a:schemeClr val="tx1">
-                    <a:lumMod val="75000"/>
-                    <a:lumOff val="25000"/>
-                  </a:schemeClr>
-                </a:solidFill>
-                <a:latin typeface="+mn-lt"/>
-                <a:ea typeface="+mn-ea"/>
-                <a:cs typeface="+mn-cs"/>
-              </a:defRPr>
-            </a:lvl3pPr>
-            <a:lvl4pPr marL="1600200" indent="-228600" algn="l" defTabSz="457200" rtl="0" eaLnBrk="1" latinLnBrk="0" hangingPunct="1">
-              <a:spcBef>
-                <a:spcPts val="1000"/>
-              </a:spcBef>
-              <a:spcAft>
-                <a:spcPts val="0"/>
-              </a:spcAft>
-              <a:buClr>
-                <a:srgbClr val="00A0E7"/>
-              </a:buClr>
-              <a:buFont typeface="Wingdings" panose="05000000000000000000" pitchFamily="2" charset="2"/>
-              <a:buChar char="Ø"/>
-              <a:defRPr kumimoji="1" sz="1200" kern="1200">
-                <a:solidFill>
-                  <a:schemeClr val="tx1">
-                    <a:lumMod val="75000"/>
-                    <a:lumOff val="25000"/>
-                  </a:schemeClr>
-                </a:solidFill>
-                <a:latin typeface="+mn-lt"/>
-                <a:ea typeface="+mn-ea"/>
-                <a:cs typeface="+mn-cs"/>
-              </a:defRPr>
-            </a:lvl4pPr>
-            <a:lvl5pPr marL="2057400" indent="-228600" algn="l" defTabSz="457200" rtl="0" eaLnBrk="1" latinLnBrk="0" hangingPunct="1">
-              <a:spcBef>
-                <a:spcPts val="1000"/>
-              </a:spcBef>
-              <a:spcAft>
-                <a:spcPts val="0"/>
-              </a:spcAft>
-              <a:buClr>
-                <a:srgbClr val="00A0E7"/>
-              </a:buClr>
-              <a:buFont typeface="Wingdings" panose="05000000000000000000" pitchFamily="2" charset="2"/>
-              <a:buChar char="Ø"/>
-              <a:defRPr kumimoji="1" sz="1200" kern="1200">
-                <a:solidFill>
-                  <a:schemeClr val="tx1">
-                    <a:lumMod val="75000"/>
-                    <a:lumOff val="25000"/>
-                  </a:schemeClr>
-                </a:solidFill>
-                <a:latin typeface="+mn-lt"/>
-                <a:ea typeface="+mn-ea"/>
-                <a:cs typeface="+mn-cs"/>
-              </a:defRPr>
-            </a:lvl5pPr>
-            <a:lvl6pPr marL="2514600" indent="-228600" algn="l" defTabSz="457200" rtl="0" eaLnBrk="1" latinLnBrk="0" hangingPunct="1">
-              <a:spcBef>
-                <a:spcPts val="1000"/>
-              </a:spcBef>
-              <a:spcAft>
-                <a:spcPts val="0"/>
-              </a:spcAft>
-              <a:buClr>
-                <a:schemeClr val="accent1"/>
-              </a:buClr>
-              <a:buFont typeface="Wingdings 3" charset="2"/>
-              <a:buChar char=""/>
-              <a:defRPr kumimoji="1" sz="1200" kern="1200">
-                <a:solidFill>
-                  <a:schemeClr val="tx1">
-                    <a:lumMod val="75000"/>
-                    <a:lumOff val="25000"/>
-                  </a:schemeClr>
-                </a:solidFill>
-                <a:latin typeface="+mn-lt"/>
-                <a:ea typeface="+mn-ea"/>
-                <a:cs typeface="+mn-cs"/>
-              </a:defRPr>
-            </a:lvl6pPr>
-            <a:lvl7pPr marL="2971800" indent="-228600" algn="l" defTabSz="457200" rtl="0" eaLnBrk="1" latinLnBrk="0" hangingPunct="1">
-              <a:spcBef>
-                <a:spcPts val="1000"/>
-              </a:spcBef>
-              <a:spcAft>
-                <a:spcPts val="0"/>
-              </a:spcAft>
-              <a:buClr>
-                <a:schemeClr val="accent1"/>
-              </a:buClr>
-              <a:buFont typeface="Wingdings 3" charset="2"/>
-              <a:buChar char=""/>
-              <a:defRPr kumimoji="1" sz="1200" kern="1200">
-                <a:solidFill>
-                  <a:schemeClr val="tx1">
-                    <a:lumMod val="75000"/>
-                    <a:lumOff val="25000"/>
-                  </a:schemeClr>
-                </a:solidFill>
-                <a:latin typeface="+mn-lt"/>
-                <a:ea typeface="+mn-ea"/>
-                <a:cs typeface="+mn-cs"/>
-              </a:defRPr>
-            </a:lvl7pPr>
-            <a:lvl8pPr marL="3429000" indent="-228600" algn="l" defTabSz="457200" rtl="0" eaLnBrk="1" latinLnBrk="0" hangingPunct="1">
-              <a:spcBef>
-                <a:spcPts val="1000"/>
-              </a:spcBef>
-              <a:spcAft>
-                <a:spcPts val="0"/>
-              </a:spcAft>
-              <a:buClr>
-                <a:schemeClr val="accent1"/>
-              </a:buClr>
-              <a:buFont typeface="Wingdings 3" charset="2"/>
-              <a:buChar char=""/>
-              <a:defRPr kumimoji="1" sz="1200" kern="1200">
-                <a:solidFill>
-                  <a:schemeClr val="tx1">
-                    <a:lumMod val="75000"/>
-                    <a:lumOff val="25000"/>
-                  </a:schemeClr>
-                </a:solidFill>
-                <a:latin typeface="+mn-lt"/>
-                <a:ea typeface="+mn-ea"/>
-                <a:cs typeface="+mn-cs"/>
-              </a:defRPr>
-            </a:lvl8pPr>
-            <a:lvl9pPr marL="3886200" indent="-228600" algn="l" defTabSz="457200" rtl="0" eaLnBrk="1" latinLnBrk="0" hangingPunct="1">
-              <a:spcBef>
-                <a:spcPts val="1000"/>
-              </a:spcBef>
-              <a:spcAft>
-                <a:spcPts val="0"/>
-              </a:spcAft>
-              <a:buClr>
-                <a:schemeClr val="accent1"/>
-              </a:buClr>
-              <a:buFont typeface="Wingdings 3" charset="2"/>
-              <a:buChar char=""/>
-              <a:defRPr kumimoji="1" sz="1200" kern="1200">
-                <a:solidFill>
-                  <a:schemeClr val="tx1">
-                    <a:lumMod val="75000"/>
-                    <a:lumOff val="25000"/>
-                  </a:schemeClr>
-                </a:solidFill>
-                <a:latin typeface="+mn-lt"/>
-                <a:ea typeface="+mn-ea"/>
-                <a:cs typeface="+mn-cs"/>
-              </a:defRPr>
-            </a:lvl9pPr>
-          </a:lstStyle>
-          <a:p>
-            <a:pPr>
-              <a:buFont typeface="+mj-lt"/>
-              <a:buAutoNum type="arabicPeriod"/>
-            </a:pPr>
-            <a:r>
-              <a:rPr lang="en-US" altLang="ja-JP" dirty="0" smtClean="0">
-                <a:solidFill>
-                  <a:srgbClr val="BFBFBF"/>
-                </a:solidFill>
-              </a:rPr>
-              <a:t>AWS</a:t>
-            </a:r>
-            <a:r>
-              <a:rPr lang="ja-JP" altLang="en-US" dirty="0" smtClean="0">
-                <a:solidFill>
-                  <a:srgbClr val="BFBFBF"/>
-                </a:solidFill>
-              </a:rPr>
-              <a:t>アカウント登録</a:t>
-            </a:r>
-            <a:endParaRPr lang="en-US" altLang="ja-JP" dirty="0" smtClean="0">
-              <a:solidFill>
-                <a:srgbClr val="BFBFBF"/>
-              </a:solidFill>
-            </a:endParaRPr>
-          </a:p>
-          <a:p>
-            <a:pPr>
-              <a:buFont typeface="+mj-lt"/>
-              <a:buAutoNum type="arabicPeriod"/>
-            </a:pPr>
-            <a:r>
-              <a:rPr lang="en-US" altLang="ja-JP" dirty="0" smtClean="0">
-                <a:solidFill>
-                  <a:srgbClr val="404040"/>
-                </a:solidFill>
-              </a:rPr>
-              <a:t>AWS IAM (User</a:t>
-            </a:r>
-            <a:r>
-              <a:rPr lang="en-US" altLang="ja-JP" dirty="0" smtClean="0"/>
-              <a:t>)</a:t>
-            </a:r>
-            <a:endParaRPr lang="en-US" altLang="ja-JP" dirty="0" smtClean="0">
-              <a:solidFill>
-                <a:schemeClr val="bg1">
-                  <a:lumMod val="75000"/>
-                </a:schemeClr>
-              </a:solidFill>
-            </a:endParaRPr>
-          </a:p>
-        </p:txBody>
-      </p:sp>
-      <p:sp>
-        <p:nvSpPr>
-          <p:cNvPr id="5" name="角丸四角形 4"/>
-          <p:cNvSpPr/>
-          <p:nvPr/>
-        </p:nvSpPr>
-        <p:spPr>
-          <a:xfrm>
-            <a:off x="3105803" y="548856"/>
-            <a:ext cx="8889546" cy="883137"/>
-          </a:xfrm>
-          <a:prstGeom prst="roundRect">
-            <a:avLst/>
-          </a:prstGeom>
-          <a:solidFill>
-            <a:srgbClr val="FFFFFF"/>
-          </a:solidFill>
-          <a:ln>
-            <a:solidFill>
-              <a:schemeClr val="tx1"/>
-            </a:solidFill>
-            <a:prstDash val="dash"/>
-          </a:ln>
-          <a:effectLst/>
-        </p:spPr>
-        <p:style>
-          <a:lnRef idx="1">
-            <a:schemeClr val="accent1"/>
-          </a:lnRef>
-          <a:fillRef idx="3">
-            <a:schemeClr val="accent1"/>
-          </a:fillRef>
-          <a:effectRef idx="2">
-            <a:schemeClr val="accent1"/>
-          </a:effectRef>
-          <a:fontRef idx="minor">
-            <a:schemeClr val="lt1"/>
-          </a:fontRef>
-        </p:style>
-        <p:txBody>
-          <a:bodyPr rtlCol="0" anchor="ctr"/>
-          <a:lstStyle/>
-          <a:p>
-            <a:pPr algn="ctr"/>
-            <a:endParaRPr kumimoji="1" lang="ja-JP" altLang="en-US"/>
-          </a:p>
-        </p:txBody>
-      </p:sp>
-      <p:sp>
-        <p:nvSpPr>
-          <p:cNvPr id="6" name="テキスト ボックス 5"/>
-          <p:cNvSpPr txBox="1"/>
-          <p:nvPr/>
-        </p:nvSpPr>
-        <p:spPr>
-          <a:xfrm>
-            <a:off x="3149938" y="610153"/>
-            <a:ext cx="8392041" cy="584776"/>
-          </a:xfrm>
-          <a:prstGeom prst="rect">
-            <a:avLst/>
-          </a:prstGeom>
-          <a:noFill/>
-        </p:spPr>
-        <p:txBody>
-          <a:bodyPr wrap="none" rtlCol="0">
-            <a:spAutoFit/>
-          </a:bodyPr>
-          <a:lstStyle/>
-          <a:p>
-            <a:r>
-              <a:rPr kumimoji="1" lang="ja-JP" altLang="en-US" sz="1600" dirty="0" smtClean="0"/>
-              <a:t>・</a:t>
-            </a:r>
-            <a:r>
-              <a:rPr kumimoji="1" lang="en-US" altLang="ja-JP" sz="1600" dirty="0" smtClean="0"/>
-              <a:t>AWS </a:t>
-            </a:r>
-            <a:r>
-              <a:rPr kumimoji="1" lang="ja-JP" altLang="en-US" sz="1600" dirty="0" smtClean="0"/>
-              <a:t>コンソールへのログインを許可するユーザーを追加する</a:t>
-            </a:r>
-            <a:endParaRPr kumimoji="1" lang="en-US" altLang="ja-JP" sz="1600" dirty="0" smtClean="0"/>
-          </a:p>
-          <a:p>
-            <a:r>
-              <a:rPr kumimoji="1" lang="en-US" altLang="en-US" sz="1600" dirty="0"/>
-              <a:t> </a:t>
-            </a:r>
-            <a:r>
-              <a:rPr kumimoji="1" lang="ja-JP" altLang="en-US" sz="1600" dirty="0" smtClean="0"/>
-              <a:t>（環境構築・保守を行うエンジニア、システムを運用するシステム管理者が該当する）</a:t>
-            </a:r>
-            <a:endParaRPr kumimoji="1" lang="en-US" altLang="ja-JP" sz="1600" dirty="0" smtClean="0"/>
-          </a:p>
-        </p:txBody>
-      </p:sp>
-    </p:spTree>
-    <p:extLst>
-      <p:ext uri="{BB962C8B-B14F-4D97-AF65-F5344CB8AC3E}">
-        <p14:creationId xmlns:p14="http://schemas.microsoft.com/office/powerpoint/2010/main" val="2480489574"/>
       </p:ext>
     </p:extLst>
   </p:cSld>

--- a/04.環境構築/インフラ/msar_環境構築手順書.pptx
+++ b/04.環境構築/インフラ/msar_環境構築手順書.pptx
@@ -327,7 +327,7 @@
           <a:p>
             <a:fld id="{48202444-3DC1-4369-B2A8-A46D63EF03AF}" type="datetimeFigureOut">
               <a:rPr kumimoji="1" lang="ja-JP" altLang="en-US" smtClean="0"/>
-              <a:t>20/07/26</a:t>
+              <a:t>20/07/28</a:t>
             </a:fld>
             <a:endParaRPr kumimoji="1" lang="ja-JP" altLang="en-US" dirty="0"/>
           </a:p>
@@ -34373,7 +34373,11 @@
             </a:pPr>
             <a:r>
               <a:rPr kumimoji="1" lang="ja-JP" altLang="en-US" dirty="0" smtClean="0"/>
-              <a:t>プログラム配置</a:t>
+              <a:t>プログラム</a:t>
+            </a:r>
+            <a:r>
+              <a:rPr kumimoji="1" lang="ja-JP" altLang="en-US" dirty="0" smtClean="0"/>
+              <a:t>配置</a:t>
             </a:r>
             <a:endParaRPr kumimoji="1" lang="en-US" altLang="ja-JP" dirty="0" smtClean="0"/>
           </a:p>
@@ -34384,7 +34388,15 @@
             </a:pPr>
             <a:r>
               <a:rPr kumimoji="1" lang="ja-JP" altLang="en-US" dirty="0" smtClean="0"/>
-              <a:t>フォルダ、ファイルアクセス権限設定</a:t>
+              <a:t>ライブラリ</a:t>
+            </a:r>
+            <a:r>
+              <a:rPr kumimoji="1" lang="en-US" altLang="ja-JP" dirty="0" smtClean="0"/>
+              <a:t> </a:t>
+            </a:r>
+            <a:r>
+              <a:rPr kumimoji="1" lang="ja-JP" altLang="en-US" dirty="0" smtClean="0"/>
+              <a:t>インストール</a:t>
             </a:r>
             <a:endParaRPr kumimoji="1" lang="en-US" altLang="ja-JP" dirty="0" smtClean="0"/>
           </a:p>
@@ -34395,7 +34407,11 @@
             </a:pPr>
             <a:r>
               <a:rPr kumimoji="1" lang="ja-JP" altLang="en-US" dirty="0" smtClean="0"/>
-              <a:t>環境変数設定</a:t>
+              <a:t>フォルダ</a:t>
+            </a:r>
+            <a:r>
+              <a:rPr kumimoji="1" lang="ja-JP" altLang="en-US" dirty="0" smtClean="0"/>
+              <a:t>、ファイルアクセス権限設定</a:t>
             </a:r>
             <a:endParaRPr kumimoji="1" lang="en-US" altLang="ja-JP" dirty="0" smtClean="0"/>
           </a:p>
@@ -34405,8 +34421,34 @@
               <a:buAutoNum type="arabicPeriod"/>
             </a:pPr>
             <a:r>
+              <a:rPr kumimoji="1" lang="ja-JP" altLang="en-US" dirty="0" smtClean="0"/>
+              <a:t>環境変数設定</a:t>
+            </a:r>
+            <a:endParaRPr kumimoji="1" lang="en-US" altLang="ja-JP" dirty="0" smtClean="0"/>
+          </a:p>
+          <a:p>
+            <a:pPr>
+              <a:buFont typeface="+mj-lt"/>
+              <a:buAutoNum type="arabicPeriod"/>
+            </a:pPr>
+            <a:r>
+              <a:rPr lang="ja-JP" altLang="en-US" smtClean="0"/>
+              <a:t>バッチ追加</a:t>
+            </a:r>
+            <a:endParaRPr lang="en-US" altLang="ja-JP" smtClean="0"/>
+          </a:p>
+          <a:p>
+            <a:pPr>
+              <a:buFont typeface="+mj-lt"/>
+              <a:buAutoNum type="arabicPeriod"/>
+            </a:pPr>
+            <a:r>
               <a:rPr lang="ja-JP" altLang="en-US" dirty="0" smtClean="0"/>
-              <a:t>サーバ再起動</a:t>
+              <a:t>サーバ</a:t>
+            </a:r>
+            <a:r>
+              <a:rPr lang="ja-JP" altLang="en-US" dirty="0" smtClean="0"/>
+              <a:t>再起動</a:t>
             </a:r>
             <a:endParaRPr kumimoji="1" lang="ja-JP" altLang="en-US" dirty="0"/>
           </a:p>
@@ -36860,23 +36902,23 @@
           <a:p>
             <a:pPr lvl="1"/>
             <a:r>
+              <a:rPr lang="en-US" altLang="ja-JP" dirty="0">
+                <a:solidFill>
+                  <a:srgbClr val="00A0E7"/>
+                </a:solidFill>
+              </a:rPr>
+              <a:t>DynamoDB</a:t>
+            </a:r>
+          </a:p>
+          <a:p>
+            <a:pPr lvl="1"/>
+            <a:r>
               <a:rPr lang="en-US" altLang="ja-JP" dirty="0" smtClean="0"/>
               <a:t>AWS </a:t>
             </a:r>
             <a:r>
               <a:rPr lang="en-US" altLang="ja-JP" dirty="0"/>
               <a:t>IAM (Role)</a:t>
-            </a:r>
-          </a:p>
-          <a:p>
-            <a:pPr lvl="1"/>
-            <a:r>
-              <a:rPr lang="en-US" altLang="ja-JP" dirty="0">
-                <a:solidFill>
-                  <a:srgbClr val="00A0E7"/>
-                </a:solidFill>
-              </a:rPr>
-              <a:t>DynamoDB</a:t>
             </a:r>
           </a:p>
           <a:p>
@@ -47003,6 +47045,77 @@
           </a:fontRef>
         </p:style>
       </p:cxnSp>
+      <p:cxnSp>
+        <p:nvCxnSpPr>
+          <p:cNvPr id="90" name="直線矢印コネクタ 89"/>
+          <p:cNvCxnSpPr/>
+          <p:nvPr/>
+        </p:nvCxnSpPr>
+        <p:spPr>
+          <a:xfrm flipV="1">
+            <a:off x="3365908" y="4159506"/>
+            <a:ext cx="133360" cy="703553"/>
+          </a:xfrm>
+          <a:prstGeom prst="straightConnector1">
+            <a:avLst/>
+          </a:prstGeom>
+          <a:ln>
+            <a:solidFill>
+              <a:srgbClr val="13A0E7"/>
+            </a:solidFill>
+            <a:tailEnd type="arrow"/>
+          </a:ln>
+        </p:spPr>
+        <p:style>
+          <a:lnRef idx="2">
+            <a:schemeClr val="accent1"/>
+          </a:lnRef>
+          <a:fillRef idx="0">
+            <a:schemeClr val="accent1"/>
+          </a:fillRef>
+          <a:effectRef idx="1">
+            <a:schemeClr val="accent1"/>
+          </a:effectRef>
+          <a:fontRef idx="minor">
+            <a:schemeClr val="tx1"/>
+          </a:fontRef>
+        </p:style>
+      </p:cxnSp>
+      <p:cxnSp>
+        <p:nvCxnSpPr>
+          <p:cNvPr id="92" name="直線コネクタ 91"/>
+          <p:cNvCxnSpPr/>
+          <p:nvPr/>
+        </p:nvCxnSpPr>
+        <p:spPr>
+          <a:xfrm>
+            <a:off x="3358701" y="4863061"/>
+            <a:ext cx="3943549" cy="0"/>
+          </a:xfrm>
+          <a:prstGeom prst="line">
+            <a:avLst/>
+          </a:prstGeom>
+          <a:ln>
+            <a:solidFill>
+              <a:srgbClr val="13A0E7"/>
+            </a:solidFill>
+          </a:ln>
+        </p:spPr>
+        <p:style>
+          <a:lnRef idx="2">
+            <a:schemeClr val="accent1"/>
+          </a:lnRef>
+          <a:fillRef idx="0">
+            <a:schemeClr val="accent1"/>
+          </a:fillRef>
+          <a:effectRef idx="1">
+            <a:schemeClr val="accent1"/>
+          </a:effectRef>
+          <a:fontRef idx="minor">
+            <a:schemeClr val="tx1"/>
+          </a:fontRef>
+        </p:style>
+      </p:cxnSp>
     </p:spTree>
     <p:extLst>
       <p:ext uri="{BB962C8B-B14F-4D97-AF65-F5344CB8AC3E}">

--- a/04.環境構築/インフラ/msar_環境構築手順書.pptx
+++ b/04.環境構築/インフラ/msar_環境構築手順書.pptx
@@ -5,7 +5,7 @@
     <p:sldMasterId id="2147483660" r:id="rId1"/>
   </p:sldMasterIdLst>
   <p:notesMasterIdLst>
-    <p:notesMasterId r:id="rId47"/>
+    <p:notesMasterId r:id="rId48"/>
   </p:notesMasterIdLst>
   <p:sldIdLst>
     <p:sldId id="293" r:id="rId2"/>
@@ -38,21 +38,22 @@
     <p:sldId id="341" r:id="rId29"/>
     <p:sldId id="339" r:id="rId30"/>
     <p:sldId id="340" r:id="rId31"/>
-    <p:sldId id="301" r:id="rId32"/>
-    <p:sldId id="302" r:id="rId33"/>
-    <p:sldId id="336" r:id="rId34"/>
-    <p:sldId id="303" r:id="rId35"/>
-    <p:sldId id="304" r:id="rId36"/>
-    <p:sldId id="322" r:id="rId37"/>
-    <p:sldId id="317" r:id="rId38"/>
-    <p:sldId id="318" r:id="rId39"/>
-    <p:sldId id="319" r:id="rId40"/>
-    <p:sldId id="320" r:id="rId41"/>
-    <p:sldId id="305" r:id="rId42"/>
-    <p:sldId id="309" r:id="rId43"/>
-    <p:sldId id="310" r:id="rId44"/>
-    <p:sldId id="311" r:id="rId45"/>
-    <p:sldId id="321" r:id="rId46"/>
+    <p:sldId id="345" r:id="rId32"/>
+    <p:sldId id="301" r:id="rId33"/>
+    <p:sldId id="302" r:id="rId34"/>
+    <p:sldId id="336" r:id="rId35"/>
+    <p:sldId id="303" r:id="rId36"/>
+    <p:sldId id="304" r:id="rId37"/>
+    <p:sldId id="322" r:id="rId38"/>
+    <p:sldId id="317" r:id="rId39"/>
+    <p:sldId id="318" r:id="rId40"/>
+    <p:sldId id="319" r:id="rId41"/>
+    <p:sldId id="320" r:id="rId42"/>
+    <p:sldId id="305" r:id="rId43"/>
+    <p:sldId id="309" r:id="rId44"/>
+    <p:sldId id="310" r:id="rId45"/>
+    <p:sldId id="311" r:id="rId46"/>
+    <p:sldId id="321" r:id="rId47"/>
   </p:sldIdLst>
   <p:sldSz cx="12192000" cy="6858000"/>
   <p:notesSz cx="6858000" cy="9144000"/>
@@ -198,6 +199,7 @@
             <p14:sldId id="341"/>
             <p14:sldId id="339"/>
             <p14:sldId id="340"/>
+            <p14:sldId id="345"/>
             <p14:sldId id="301"/>
             <p14:sldId id="302"/>
             <p14:sldId id="336"/>
@@ -226,7 +228,7 @@
       </p14:sectionLst>
     </p:ext>
     <p:ext uri="{EFAFB233-063F-42B5-8137-9DF3F51BA10A}">
-      <p15:sldGuideLst xmlns="" xmlns:p15="http://schemas.microsoft.com/office/powerpoint/2012/main">
+      <p15:sldGuideLst xmlns:p15="http://schemas.microsoft.com/office/powerpoint/2012/main" xmlns="">
         <p15:guide id="1" orient="horz" pos="618" userDrawn="1">
           <p15:clr>
             <a:srgbClr val="A4A3A4"/>
@@ -325,7 +327,7 @@
           <a:p>
             <a:fld id="{48202444-3DC1-4369-B2A8-A46D63EF03AF}" type="datetimeFigureOut">
               <a:rPr kumimoji="1" lang="ja-JP" altLang="en-US" smtClean="0"/>
-              <a:t>20/08/08</a:t>
+              <a:t>20/08/27</a:t>
             </a:fld>
             <a:endParaRPr kumimoji="1" lang="ja-JP" altLang="en-US" dirty="0"/>
           </a:p>
@@ -1387,7 +1389,7 @@
           <p:cNvPr id="4" name="テキスト ボックス 3">
             <a:extLst>
               <a:ext uri="{FF2B5EF4-FFF2-40B4-BE49-F238E27FC236}">
-                <a16:creationId xmlns="" xmlns:a16="http://schemas.microsoft.com/office/drawing/2014/main" id="{67580315-9F96-42B0-ABA0-F43C4B2090BD}"/>
+                <a16:creationId xmlns:a16="http://schemas.microsoft.com/office/drawing/2014/main" xmlns="" id="{67580315-9F96-42B0-ABA0-F43C4B2090BD}"/>
               </a:ext>
             </a:extLst>
           </p:cNvPr>
@@ -1882,7 +1884,7 @@
           <p:cNvPr id="4" name="スライド番号プレースホルダー 3">
             <a:extLst>
               <a:ext uri="{FF2B5EF4-FFF2-40B4-BE49-F238E27FC236}">
-                <a16:creationId xmlns="" xmlns:a16="http://schemas.microsoft.com/office/drawing/2014/main" id="{A5CC420E-D7F4-4D68-B2C4-D24762D228BA}"/>
+                <a16:creationId xmlns:a16="http://schemas.microsoft.com/office/drawing/2014/main" xmlns="" id="{A5CC420E-D7F4-4D68-B2C4-D24762D228BA}"/>
               </a:ext>
             </a:extLst>
           </p:cNvPr>
@@ -1920,7 +1922,7 @@
           <p:cNvPr id="11" name="タイトル 1">
             <a:extLst>
               <a:ext uri="{FF2B5EF4-FFF2-40B4-BE49-F238E27FC236}">
-                <a16:creationId xmlns="" xmlns:a16="http://schemas.microsoft.com/office/drawing/2014/main" id="{E4AF4681-D5FB-4218-8582-63DB061BE28D}"/>
+                <a16:creationId xmlns:a16="http://schemas.microsoft.com/office/drawing/2014/main" xmlns="" id="{E4AF4681-D5FB-4218-8582-63DB061BE28D}"/>
               </a:ext>
             </a:extLst>
           </p:cNvPr>
@@ -2042,7 +2044,7 @@
           <p:cNvPr id="12" name="字幕 2">
             <a:extLst>
               <a:ext uri="{FF2B5EF4-FFF2-40B4-BE49-F238E27FC236}">
-                <a16:creationId xmlns="" xmlns:a16="http://schemas.microsoft.com/office/drawing/2014/main" id="{BAF3AF88-ED06-420F-8797-BE945A07A602}"/>
+                <a16:creationId xmlns:a16="http://schemas.microsoft.com/office/drawing/2014/main" xmlns="" id="{BAF3AF88-ED06-420F-8797-BE945A07A602}"/>
               </a:ext>
             </a:extLst>
           </p:cNvPr>
@@ -2275,7 +2277,15 @@
           <a:p>
             <a:r>
               <a:rPr lang="en-US" altLang="ja-JP" dirty="0" smtClean="0"/>
-              <a:t>Ver2.00   </a:t>
+              <a:t>Ver</a:t>
+            </a:r>
+            <a:r>
+              <a:rPr lang="ja-JP" altLang="ja-JP" dirty="0"/>
+              <a:t>3</a:t>
+            </a:r>
+            <a:r>
+              <a:rPr lang="en-US" altLang="ja-JP" dirty="0" smtClean="0"/>
+              <a:t>.00   </a:t>
             </a:r>
             <a:r>
               <a:rPr lang="en-US" altLang="ja-JP" dirty="0"/>
@@ -2283,7 +2293,27 @@
             </a:r>
             <a:r>
               <a:rPr lang="en-US" altLang="ja-JP" dirty="0" smtClean="0"/>
-              <a:t>2020/07/01</a:t>
+              <a:t>2020/</a:t>
+            </a:r>
+            <a:r>
+              <a:rPr lang="en-US" altLang="ja-JP" dirty="0" smtClean="0"/>
+              <a:t>0</a:t>
+            </a:r>
+            <a:r>
+              <a:rPr lang="en-US" altLang="ja-JP" dirty="0" smtClean="0"/>
+              <a:t>8</a:t>
+            </a:r>
+            <a:r>
+              <a:rPr lang="en-US" altLang="ja-JP" dirty="0" smtClean="0"/>
+              <a:t>/</a:t>
+            </a:r>
+            <a:r>
+              <a:rPr lang="en-US" altLang="ja-JP" dirty="0" smtClean="0"/>
+              <a:t>3</a:t>
+            </a:r>
+            <a:r>
+              <a:rPr lang="en-US" altLang="ja-JP" dirty="0" smtClean="0"/>
+              <a:t>1</a:t>
             </a:r>
             <a:endParaRPr lang="ja-JP" altLang="en-US" dirty="0"/>
           </a:p>
@@ -2294,7 +2324,7 @@
           <p:cNvPr id="13" name="テキスト ボックス 12">
             <a:extLst>
               <a:ext uri="{FF2B5EF4-FFF2-40B4-BE49-F238E27FC236}">
-                <a16:creationId xmlns="" xmlns:a16="http://schemas.microsoft.com/office/drawing/2014/main" id="{D39BF917-30E9-4717-8D36-97A5579E8E62}"/>
+                <a16:creationId xmlns:a16="http://schemas.microsoft.com/office/drawing/2014/main" xmlns="" id="{D39BF917-30E9-4717-8D36-97A5579E8E62}"/>
               </a:ext>
             </a:extLst>
           </p:cNvPr>
@@ -2447,7 +2477,7 @@
           <p:cNvPr id="2" name="タイトル 1">
             <a:extLst>
               <a:ext uri="{FF2B5EF4-FFF2-40B4-BE49-F238E27FC236}">
-                <a16:creationId xmlns="" xmlns:a16="http://schemas.microsoft.com/office/drawing/2014/main" id="{41FAA20E-7C33-4452-B000-1315C6D7BF74}"/>
+                <a16:creationId xmlns:a16="http://schemas.microsoft.com/office/drawing/2014/main" xmlns="" id="{41FAA20E-7C33-4452-B000-1315C6D7BF74}"/>
               </a:ext>
             </a:extLst>
           </p:cNvPr>
@@ -2480,7 +2510,7 @@
           <p:cNvPr id="3" name="コンテンツ プレースホルダー 2">
             <a:extLst>
               <a:ext uri="{FF2B5EF4-FFF2-40B4-BE49-F238E27FC236}">
-                <a16:creationId xmlns="" xmlns:a16="http://schemas.microsoft.com/office/drawing/2014/main" id="{24173F00-B91E-440E-BAD4-BB493A21AC4B}"/>
+                <a16:creationId xmlns:a16="http://schemas.microsoft.com/office/drawing/2014/main" xmlns="" id="{24173F00-B91E-440E-BAD4-BB493A21AC4B}"/>
               </a:ext>
             </a:extLst>
           </p:cNvPr>
@@ -2581,7 +2611,7 @@
           <p:cNvPr id="4" name="スライド番号プレースホルダー 3">
             <a:extLst>
               <a:ext uri="{FF2B5EF4-FFF2-40B4-BE49-F238E27FC236}">
-                <a16:creationId xmlns="" xmlns:a16="http://schemas.microsoft.com/office/drawing/2014/main" id="{3A64CE71-C252-41E0-98BA-363CD7954AFC}"/>
+                <a16:creationId xmlns:a16="http://schemas.microsoft.com/office/drawing/2014/main" xmlns="" id="{3A64CE71-C252-41E0-98BA-363CD7954AFC}"/>
               </a:ext>
             </a:extLst>
           </p:cNvPr>
@@ -3485,7 +3515,7 @@
           <p:cNvPr id="2" name="タイトル 1">
             <a:extLst>
               <a:ext uri="{FF2B5EF4-FFF2-40B4-BE49-F238E27FC236}">
-                <a16:creationId xmlns="" xmlns:a16="http://schemas.microsoft.com/office/drawing/2014/main" id="{42238E76-FCE3-4A31-BD81-2D6CADD01B29}"/>
+                <a16:creationId xmlns:a16="http://schemas.microsoft.com/office/drawing/2014/main" xmlns="" id="{42238E76-FCE3-4A31-BD81-2D6CADD01B29}"/>
               </a:ext>
             </a:extLst>
           </p:cNvPr>
@@ -3518,7 +3548,7 @@
           <p:cNvPr id="3" name="コンテンツ プレースホルダー 2">
             <a:extLst>
               <a:ext uri="{FF2B5EF4-FFF2-40B4-BE49-F238E27FC236}">
-                <a16:creationId xmlns="" xmlns:a16="http://schemas.microsoft.com/office/drawing/2014/main" id="{8942456B-0BBA-47AC-A7AE-AC486DDE0560}"/>
+                <a16:creationId xmlns:a16="http://schemas.microsoft.com/office/drawing/2014/main" xmlns="" id="{8942456B-0BBA-47AC-A7AE-AC486DDE0560}"/>
               </a:ext>
             </a:extLst>
           </p:cNvPr>
@@ -3657,7 +3687,7 @@
           <p:cNvPr id="4" name="スライド番号プレースホルダー 3">
             <a:extLst>
               <a:ext uri="{FF2B5EF4-FFF2-40B4-BE49-F238E27FC236}">
-                <a16:creationId xmlns="" xmlns:a16="http://schemas.microsoft.com/office/drawing/2014/main" id="{9BFAADB9-E460-4E56-A164-AAFA9F53D091}"/>
+                <a16:creationId xmlns:a16="http://schemas.microsoft.com/office/drawing/2014/main" xmlns="" id="{9BFAADB9-E460-4E56-A164-AAFA9F53D091}"/>
               </a:ext>
             </a:extLst>
           </p:cNvPr>
@@ -4571,7 +4601,7 @@
           <p:cNvPr id="2" name="タイトル 1">
             <a:extLst>
               <a:ext uri="{FF2B5EF4-FFF2-40B4-BE49-F238E27FC236}">
-                <a16:creationId xmlns="" xmlns:a16="http://schemas.microsoft.com/office/drawing/2014/main" id="{24DED198-35D0-47A6-8EDD-6268D6BF7143}"/>
+                <a16:creationId xmlns:a16="http://schemas.microsoft.com/office/drawing/2014/main" xmlns="" id="{24DED198-35D0-47A6-8EDD-6268D6BF7143}"/>
               </a:ext>
             </a:extLst>
           </p:cNvPr>
@@ -4604,7 +4634,7 @@
           <p:cNvPr id="3" name="コンテンツ プレースホルダー 2">
             <a:extLst>
               <a:ext uri="{FF2B5EF4-FFF2-40B4-BE49-F238E27FC236}">
-                <a16:creationId xmlns="" xmlns:a16="http://schemas.microsoft.com/office/drawing/2014/main" id="{85BE401E-4028-43CC-A122-A5BDF709B195}"/>
+                <a16:creationId xmlns:a16="http://schemas.microsoft.com/office/drawing/2014/main" xmlns="" id="{85BE401E-4028-43CC-A122-A5BDF709B195}"/>
               </a:ext>
             </a:extLst>
           </p:cNvPr>
@@ -4786,7 +4816,7 @@
           <p:cNvPr id="4" name="スライド番号プレースホルダー 3">
             <a:extLst>
               <a:ext uri="{FF2B5EF4-FFF2-40B4-BE49-F238E27FC236}">
-                <a16:creationId xmlns="" xmlns:a16="http://schemas.microsoft.com/office/drawing/2014/main" id="{22D01535-B1F2-4F78-9A7C-D39657259FB8}"/>
+                <a16:creationId xmlns:a16="http://schemas.microsoft.com/office/drawing/2014/main" xmlns="" id="{22D01535-B1F2-4F78-9A7C-D39657259FB8}"/>
               </a:ext>
             </a:extLst>
           </p:cNvPr>
@@ -5489,7 +5519,7 @@
           <p:cNvPr id="2" name="タイトル 1">
             <a:extLst>
               <a:ext uri="{FF2B5EF4-FFF2-40B4-BE49-F238E27FC236}">
-                <a16:creationId xmlns="" xmlns:a16="http://schemas.microsoft.com/office/drawing/2014/main" id="{42238E76-FCE3-4A31-BD81-2D6CADD01B29}"/>
+                <a16:creationId xmlns:a16="http://schemas.microsoft.com/office/drawing/2014/main" xmlns="" id="{42238E76-FCE3-4A31-BD81-2D6CADD01B29}"/>
               </a:ext>
             </a:extLst>
           </p:cNvPr>
@@ -5522,7 +5552,7 @@
           <p:cNvPr id="3" name="コンテンツ プレースホルダー 2">
             <a:extLst>
               <a:ext uri="{FF2B5EF4-FFF2-40B4-BE49-F238E27FC236}">
-                <a16:creationId xmlns="" xmlns:a16="http://schemas.microsoft.com/office/drawing/2014/main" id="{8942456B-0BBA-47AC-A7AE-AC486DDE0560}"/>
+                <a16:creationId xmlns:a16="http://schemas.microsoft.com/office/drawing/2014/main" xmlns="" id="{8942456B-0BBA-47AC-A7AE-AC486DDE0560}"/>
               </a:ext>
             </a:extLst>
           </p:cNvPr>
@@ -5656,7 +5686,7 @@
           <p:cNvPr id="4" name="スライド番号プレースホルダー 3">
             <a:extLst>
               <a:ext uri="{FF2B5EF4-FFF2-40B4-BE49-F238E27FC236}">
-                <a16:creationId xmlns="" xmlns:a16="http://schemas.microsoft.com/office/drawing/2014/main" id="{9BFAADB9-E460-4E56-A164-AAFA9F53D091}"/>
+                <a16:creationId xmlns:a16="http://schemas.microsoft.com/office/drawing/2014/main" xmlns="" id="{9BFAADB9-E460-4E56-A164-AAFA9F53D091}"/>
               </a:ext>
             </a:extLst>
           </p:cNvPr>
@@ -6513,7 +6543,7 @@
           <p:cNvPr id="2" name="タイトル 1">
             <a:extLst>
               <a:ext uri="{FF2B5EF4-FFF2-40B4-BE49-F238E27FC236}">
-                <a16:creationId xmlns="" xmlns:a16="http://schemas.microsoft.com/office/drawing/2014/main" id="{24DED198-35D0-47A6-8EDD-6268D6BF7143}"/>
+                <a16:creationId xmlns:a16="http://schemas.microsoft.com/office/drawing/2014/main" xmlns="" id="{24DED198-35D0-47A6-8EDD-6268D6BF7143}"/>
               </a:ext>
             </a:extLst>
           </p:cNvPr>
@@ -6546,7 +6576,7 @@
           <p:cNvPr id="3" name="コンテンツ プレースホルダー 2">
             <a:extLst>
               <a:ext uri="{FF2B5EF4-FFF2-40B4-BE49-F238E27FC236}">
-                <a16:creationId xmlns="" xmlns:a16="http://schemas.microsoft.com/office/drawing/2014/main" id="{85BE401E-4028-43CC-A122-A5BDF709B195}"/>
+                <a16:creationId xmlns:a16="http://schemas.microsoft.com/office/drawing/2014/main" xmlns="" id="{85BE401E-4028-43CC-A122-A5BDF709B195}"/>
               </a:ext>
             </a:extLst>
           </p:cNvPr>
@@ -7345,7 +7375,7 @@
           <p:cNvPr id="13" name="表 12">
             <a:extLst>
               <a:ext uri="{FF2B5EF4-FFF2-40B4-BE49-F238E27FC236}">
-                <a16:creationId xmlns="" xmlns:a16="http://schemas.microsoft.com/office/drawing/2014/main" id="{043FD984-B96C-4F2B-AD3B-EAFE9C7383D1}"/>
+                <a16:creationId xmlns:a16="http://schemas.microsoft.com/office/drawing/2014/main" xmlns="" id="{043FD984-B96C-4F2B-AD3B-EAFE9C7383D1}"/>
               </a:ext>
             </a:extLst>
           </p:cNvPr>
@@ -7374,14 +7404,14 @@
                 <a:gridCol w="2541151">
                   <a:extLst>
                     <a:ext uri="{9D8B030D-6E8A-4147-A177-3AD203B41FA5}">
-                      <a16:colId xmlns="" xmlns:a16="http://schemas.microsoft.com/office/drawing/2014/main" val="147490211"/>
+                      <a16:colId xmlns:a16="http://schemas.microsoft.com/office/drawing/2014/main" xmlns="" val="147490211"/>
                     </a:ext>
                   </a:extLst>
                 </a:gridCol>
                 <a:gridCol w="2384970">
                   <a:extLst>
                     <a:ext uri="{9D8B030D-6E8A-4147-A177-3AD203B41FA5}">
-                      <a16:colId xmlns="" xmlns:a16="http://schemas.microsoft.com/office/drawing/2014/main" val="3454452461"/>
+                      <a16:colId xmlns:a16="http://schemas.microsoft.com/office/drawing/2014/main" xmlns="" val="3454452461"/>
                     </a:ext>
                   </a:extLst>
                 </a:gridCol>
@@ -7451,7 +7481,7 @@
                 </a:tc>
                 <a:extLst>
                   <a:ext uri="{0D108BD9-81ED-4DB2-BD59-A6C34878D82A}">
-                    <a16:rowId xmlns="" xmlns:a16="http://schemas.microsoft.com/office/drawing/2014/main" val="141942137"/>
+                    <a16:rowId xmlns:a16="http://schemas.microsoft.com/office/drawing/2014/main" xmlns="" val="141942137"/>
                   </a:ext>
                 </a:extLst>
               </a:tr>
@@ -7520,7 +7550,7 @@
                 </a:tc>
                 <a:extLst>
                   <a:ext uri="{0D108BD9-81ED-4DB2-BD59-A6C34878D82A}">
-                    <a16:rowId xmlns="" xmlns:a16="http://schemas.microsoft.com/office/drawing/2014/main" val="1020509416"/>
+                    <a16:rowId xmlns:a16="http://schemas.microsoft.com/office/drawing/2014/main" xmlns="" val="1020509416"/>
                   </a:ext>
                 </a:extLst>
               </a:tr>
@@ -7601,7 +7631,7 @@
                 </a:tc>
                 <a:extLst>
                   <a:ext uri="{0D108BD9-81ED-4DB2-BD59-A6C34878D82A}">
-                    <a16:rowId xmlns="" xmlns:a16="http://schemas.microsoft.com/office/drawing/2014/main" val="678387262"/>
+                    <a16:rowId xmlns:a16="http://schemas.microsoft.com/office/drawing/2014/main" xmlns="" val="678387262"/>
                   </a:ext>
                 </a:extLst>
               </a:tr>
@@ -7676,7 +7706,7 @@
                 </a:tc>
                 <a:extLst>
                   <a:ext uri="{0D108BD9-81ED-4DB2-BD59-A6C34878D82A}">
-                    <a16:rowId xmlns="" xmlns:a16="http://schemas.microsoft.com/office/drawing/2014/main" val="381659825"/>
+                    <a16:rowId xmlns:a16="http://schemas.microsoft.com/office/drawing/2014/main" xmlns="" val="381659825"/>
                   </a:ext>
                 </a:extLst>
               </a:tr>
@@ -7689,7 +7719,7 @@
           <p:cNvPr id="10" name="表 9">
             <a:extLst>
               <a:ext uri="{FF2B5EF4-FFF2-40B4-BE49-F238E27FC236}">
-                <a16:creationId xmlns="" xmlns:a16="http://schemas.microsoft.com/office/drawing/2014/main" id="{E58F77F9-6DDC-4674-A155-24D68BD1F990}"/>
+                <a16:creationId xmlns:a16="http://schemas.microsoft.com/office/drawing/2014/main" xmlns="" id="{E58F77F9-6DDC-4674-A155-24D68BD1F990}"/>
               </a:ext>
             </a:extLst>
           </p:cNvPr>
@@ -7718,14 +7748,14 @@
                 <a:gridCol w="1822407">
                   <a:extLst>
                     <a:ext uri="{9D8B030D-6E8A-4147-A177-3AD203B41FA5}">
-                      <a16:colId xmlns="" xmlns:a16="http://schemas.microsoft.com/office/drawing/2014/main" val="1330566038"/>
+                      <a16:colId xmlns:a16="http://schemas.microsoft.com/office/drawing/2014/main" xmlns="" val="1330566038"/>
                     </a:ext>
                   </a:extLst>
                 </a:gridCol>
                 <a:gridCol w="874756">
                   <a:extLst>
                     <a:ext uri="{9D8B030D-6E8A-4147-A177-3AD203B41FA5}">
-                      <a16:colId xmlns="" xmlns:a16="http://schemas.microsoft.com/office/drawing/2014/main" val="3311209190"/>
+                      <a16:colId xmlns:a16="http://schemas.microsoft.com/office/drawing/2014/main" xmlns="" val="3311209190"/>
                     </a:ext>
                   </a:extLst>
                 </a:gridCol>
@@ -7799,7 +7829,7 @@
                 </a:tc>
                 <a:extLst>
                   <a:ext uri="{0D108BD9-81ED-4DB2-BD59-A6C34878D82A}">
-                    <a16:rowId xmlns="" xmlns:a16="http://schemas.microsoft.com/office/drawing/2014/main" val="764316871"/>
+                    <a16:rowId xmlns:a16="http://schemas.microsoft.com/office/drawing/2014/main" xmlns="" val="764316871"/>
                   </a:ext>
                 </a:extLst>
               </a:tr>
@@ -7905,7 +7935,7 @@
                 </a:tc>
                 <a:extLst>
                   <a:ext uri="{0D108BD9-81ED-4DB2-BD59-A6C34878D82A}">
-                    <a16:rowId xmlns="" xmlns:a16="http://schemas.microsoft.com/office/drawing/2014/main" val="3856328109"/>
+                    <a16:rowId xmlns:a16="http://schemas.microsoft.com/office/drawing/2014/main" xmlns="" val="3856328109"/>
                   </a:ext>
                 </a:extLst>
               </a:tr>
@@ -8115,7 +8145,7 @@
                 </a:tc>
                 <a:extLst>
                   <a:ext uri="{0D108BD9-81ED-4DB2-BD59-A6C34878D82A}">
-                    <a16:rowId xmlns="" xmlns:a16="http://schemas.microsoft.com/office/drawing/2014/main" val="2496965823"/>
+                    <a16:rowId xmlns:a16="http://schemas.microsoft.com/office/drawing/2014/main" xmlns="" val="2496965823"/>
                   </a:ext>
                 </a:extLst>
               </a:tr>
@@ -8208,7 +8238,7 @@
           <p:cNvPr id="4" name="スライド番号プレースホルダー 3">
             <a:extLst>
               <a:ext uri="{FF2B5EF4-FFF2-40B4-BE49-F238E27FC236}">
-                <a16:creationId xmlns="" xmlns:a16="http://schemas.microsoft.com/office/drawing/2014/main" id="{22D01535-B1F2-4F78-9A7C-D39657259FB8}"/>
+                <a16:creationId xmlns:a16="http://schemas.microsoft.com/office/drawing/2014/main" xmlns="" id="{22D01535-B1F2-4F78-9A7C-D39657259FB8}"/>
               </a:ext>
             </a:extLst>
           </p:cNvPr>
@@ -8275,7 +8305,7 @@
           <p:cNvPr id="2" name="タイトル 1">
             <a:extLst>
               <a:ext uri="{FF2B5EF4-FFF2-40B4-BE49-F238E27FC236}">
-                <a16:creationId xmlns="" xmlns:a16="http://schemas.microsoft.com/office/drawing/2014/main" id="{24DED198-35D0-47A6-8EDD-6268D6BF7143}"/>
+                <a16:creationId xmlns:a16="http://schemas.microsoft.com/office/drawing/2014/main" xmlns="" id="{24DED198-35D0-47A6-8EDD-6268D6BF7143}"/>
               </a:ext>
             </a:extLst>
           </p:cNvPr>
@@ -8308,7 +8338,7 @@
           <p:cNvPr id="3" name="コンテンツ プレースホルダー 2">
             <a:extLst>
               <a:ext uri="{FF2B5EF4-FFF2-40B4-BE49-F238E27FC236}">
-                <a16:creationId xmlns="" xmlns:a16="http://schemas.microsoft.com/office/drawing/2014/main" id="{85BE401E-4028-43CC-A122-A5BDF709B195}"/>
+                <a16:creationId xmlns:a16="http://schemas.microsoft.com/office/drawing/2014/main" xmlns="" id="{85BE401E-4028-43CC-A122-A5BDF709B195}"/>
               </a:ext>
             </a:extLst>
           </p:cNvPr>
@@ -8474,7 +8504,7 @@
           <p:cNvPr id="8" name="表 7">
             <a:extLst>
               <a:ext uri="{FF2B5EF4-FFF2-40B4-BE49-F238E27FC236}">
-                <a16:creationId xmlns="" xmlns:a16="http://schemas.microsoft.com/office/drawing/2014/main" id="{5272C826-C1D9-418F-A534-E17A3F1A95EC}"/>
+                <a16:creationId xmlns:a16="http://schemas.microsoft.com/office/drawing/2014/main" xmlns="" id="{5272C826-C1D9-418F-A534-E17A3F1A95EC}"/>
               </a:ext>
             </a:extLst>
           </p:cNvPr>
@@ -8503,14 +8533,14 @@
                 <a:gridCol w="2540000">
                   <a:extLst>
                     <a:ext uri="{9D8B030D-6E8A-4147-A177-3AD203B41FA5}">
-                      <a16:colId xmlns="" xmlns:a16="http://schemas.microsoft.com/office/drawing/2014/main" val="2918184759"/>
+                      <a16:colId xmlns:a16="http://schemas.microsoft.com/office/drawing/2014/main" xmlns="" val="2918184759"/>
                     </a:ext>
                   </a:extLst>
                 </a:gridCol>
                 <a:gridCol w="1219200">
                   <a:extLst>
                     <a:ext uri="{9D8B030D-6E8A-4147-A177-3AD203B41FA5}">
-                      <a16:colId xmlns="" xmlns:a16="http://schemas.microsoft.com/office/drawing/2014/main" val="650853217"/>
+                      <a16:colId xmlns:a16="http://schemas.microsoft.com/office/drawing/2014/main" xmlns="" val="650853217"/>
                     </a:ext>
                   </a:extLst>
                 </a:gridCol>
@@ -8580,7 +8610,7 @@
                 </a:tc>
                 <a:extLst>
                   <a:ext uri="{0D108BD9-81ED-4DB2-BD59-A6C34878D82A}">
-                    <a16:rowId xmlns="" xmlns:a16="http://schemas.microsoft.com/office/drawing/2014/main" val="863991715"/>
+                    <a16:rowId xmlns:a16="http://schemas.microsoft.com/office/drawing/2014/main" xmlns="" val="863991715"/>
                   </a:ext>
                 </a:extLst>
               </a:tr>
@@ -8649,7 +8679,7 @@
                 </a:tc>
                 <a:extLst>
                   <a:ext uri="{0D108BD9-81ED-4DB2-BD59-A6C34878D82A}">
-                    <a16:rowId xmlns="" xmlns:a16="http://schemas.microsoft.com/office/drawing/2014/main" val="3672779048"/>
+                    <a16:rowId xmlns:a16="http://schemas.microsoft.com/office/drawing/2014/main" xmlns="" val="3672779048"/>
                   </a:ext>
                 </a:extLst>
               </a:tr>
@@ -8718,7 +8748,7 @@
                 </a:tc>
                 <a:extLst>
                   <a:ext uri="{0D108BD9-81ED-4DB2-BD59-A6C34878D82A}">
-                    <a16:rowId xmlns="" xmlns:a16="http://schemas.microsoft.com/office/drawing/2014/main" val="532491899"/>
+                    <a16:rowId xmlns:a16="http://schemas.microsoft.com/office/drawing/2014/main" xmlns="" val="532491899"/>
                   </a:ext>
                 </a:extLst>
               </a:tr>
@@ -8787,7 +8817,7 @@
                 </a:tc>
                 <a:extLst>
                   <a:ext uri="{0D108BD9-81ED-4DB2-BD59-A6C34878D82A}">
-                    <a16:rowId xmlns="" xmlns:a16="http://schemas.microsoft.com/office/drawing/2014/main" val="1407317058"/>
+                    <a16:rowId xmlns:a16="http://schemas.microsoft.com/office/drawing/2014/main" xmlns="" val="1407317058"/>
                   </a:ext>
                 </a:extLst>
               </a:tr>
@@ -8850,7 +8880,7 @@
                 </a:tc>
                 <a:extLst>
                   <a:ext uri="{0D108BD9-81ED-4DB2-BD59-A6C34878D82A}">
-                    <a16:rowId xmlns="" xmlns:a16="http://schemas.microsoft.com/office/drawing/2014/main" val="1393956294"/>
+                    <a16:rowId xmlns:a16="http://schemas.microsoft.com/office/drawing/2014/main" xmlns="" val="1393956294"/>
                   </a:ext>
                 </a:extLst>
               </a:tr>
@@ -9650,7 +9680,7 @@
           <p:cNvPr id="11" name="表 10">
             <a:extLst>
               <a:ext uri="{FF2B5EF4-FFF2-40B4-BE49-F238E27FC236}">
-                <a16:creationId xmlns="" xmlns:a16="http://schemas.microsoft.com/office/drawing/2014/main" id="{34262436-74E8-488C-8C1B-44C3F88BE676}"/>
+                <a16:creationId xmlns:a16="http://schemas.microsoft.com/office/drawing/2014/main" xmlns="" id="{34262436-74E8-488C-8C1B-44C3F88BE676}"/>
               </a:ext>
             </a:extLst>
           </p:cNvPr>
@@ -9679,21 +9709,21 @@
                 <a:gridCol w="2213275">
                   <a:extLst>
                     <a:ext uri="{9D8B030D-6E8A-4147-A177-3AD203B41FA5}">
-                      <a16:colId xmlns="" xmlns:a16="http://schemas.microsoft.com/office/drawing/2014/main" val="2864215648"/>
+                      <a16:colId xmlns:a16="http://schemas.microsoft.com/office/drawing/2014/main" xmlns="" val="2864215648"/>
                     </a:ext>
                   </a:extLst>
                 </a:gridCol>
                 <a:gridCol w="1540042">
                   <a:extLst>
                     <a:ext uri="{9D8B030D-6E8A-4147-A177-3AD203B41FA5}">
-                      <a16:colId xmlns="" xmlns:a16="http://schemas.microsoft.com/office/drawing/2014/main" val="879769541"/>
+                      <a16:colId xmlns:a16="http://schemas.microsoft.com/office/drawing/2014/main" xmlns="" val="879769541"/>
                     </a:ext>
                   </a:extLst>
                 </a:gridCol>
                 <a:gridCol w="907583">
                   <a:extLst>
                     <a:ext uri="{9D8B030D-6E8A-4147-A177-3AD203B41FA5}">
-                      <a16:colId xmlns="" xmlns:a16="http://schemas.microsoft.com/office/drawing/2014/main" val="1510221549"/>
+                      <a16:colId xmlns:a16="http://schemas.microsoft.com/office/drawing/2014/main" xmlns="" val="1510221549"/>
                     </a:ext>
                   </a:extLst>
                 </a:gridCol>
@@ -9785,7 +9815,7 @@
                 </a:tc>
                 <a:extLst>
                   <a:ext uri="{0D108BD9-81ED-4DB2-BD59-A6C34878D82A}">
-                    <a16:rowId xmlns="" xmlns:a16="http://schemas.microsoft.com/office/drawing/2014/main" val="2727521727"/>
+                    <a16:rowId xmlns:a16="http://schemas.microsoft.com/office/drawing/2014/main" xmlns="" val="2727521727"/>
                   </a:ext>
                 </a:extLst>
               </a:tr>
@@ -9858,7 +9888,7 @@
                 </a:tc>
                 <a:extLst>
                   <a:ext uri="{0D108BD9-81ED-4DB2-BD59-A6C34878D82A}">
-                    <a16:rowId xmlns="" xmlns:a16="http://schemas.microsoft.com/office/drawing/2014/main" val="257567200"/>
+                    <a16:rowId xmlns:a16="http://schemas.microsoft.com/office/drawing/2014/main" xmlns="" val="257567200"/>
                   </a:ext>
                 </a:extLst>
               </a:tr>
@@ -9937,7 +9967,7 @@
                 </a:tc>
                 <a:extLst>
                   <a:ext uri="{0D108BD9-81ED-4DB2-BD59-A6C34878D82A}">
-                    <a16:rowId xmlns="" xmlns:a16="http://schemas.microsoft.com/office/drawing/2014/main" val="731410113"/>
+                    <a16:rowId xmlns:a16="http://schemas.microsoft.com/office/drawing/2014/main" xmlns="" val="731410113"/>
                   </a:ext>
                 </a:extLst>
               </a:tr>
@@ -10028,7 +10058,7 @@
                 </a:tc>
                 <a:extLst>
                   <a:ext uri="{0D108BD9-81ED-4DB2-BD59-A6C34878D82A}">
-                    <a16:rowId xmlns="" xmlns:a16="http://schemas.microsoft.com/office/drawing/2014/main" val="2550549459"/>
+                    <a16:rowId xmlns:a16="http://schemas.microsoft.com/office/drawing/2014/main" xmlns="" val="2550549459"/>
                   </a:ext>
                 </a:extLst>
               </a:tr>
@@ -10101,7 +10131,7 @@
                 </a:tc>
                 <a:extLst>
                   <a:ext uri="{0D108BD9-81ED-4DB2-BD59-A6C34878D82A}">
-                    <a16:rowId xmlns="" xmlns:a16="http://schemas.microsoft.com/office/drawing/2014/main" val="2436432471"/>
+                    <a16:rowId xmlns:a16="http://schemas.microsoft.com/office/drawing/2014/main" xmlns="" val="2436432471"/>
                   </a:ext>
                 </a:extLst>
               </a:tr>
@@ -10180,7 +10210,7 @@
                 </a:tc>
                 <a:extLst>
                   <a:ext uri="{0D108BD9-81ED-4DB2-BD59-A6C34878D82A}">
-                    <a16:rowId xmlns="" xmlns:a16="http://schemas.microsoft.com/office/drawing/2014/main" val="1716481284"/>
+                    <a16:rowId xmlns:a16="http://schemas.microsoft.com/office/drawing/2014/main" xmlns="" val="1716481284"/>
                   </a:ext>
                 </a:extLst>
               </a:tr>
@@ -10259,7 +10289,7 @@
                 </a:tc>
                 <a:extLst>
                   <a:ext uri="{0D108BD9-81ED-4DB2-BD59-A6C34878D82A}">
-                    <a16:rowId xmlns="" xmlns:a16="http://schemas.microsoft.com/office/drawing/2014/main" val="1752396375"/>
+                    <a16:rowId xmlns:a16="http://schemas.microsoft.com/office/drawing/2014/main" xmlns="" val="1752396375"/>
                   </a:ext>
                 </a:extLst>
               </a:tr>
@@ -10332,7 +10362,7 @@
                 </a:tc>
                 <a:extLst>
                   <a:ext uri="{0D108BD9-81ED-4DB2-BD59-A6C34878D82A}">
-                    <a16:rowId xmlns="" xmlns:a16="http://schemas.microsoft.com/office/drawing/2014/main" val="414656473"/>
+                    <a16:rowId xmlns:a16="http://schemas.microsoft.com/office/drawing/2014/main" xmlns="" val="414656473"/>
                   </a:ext>
                 </a:extLst>
               </a:tr>
@@ -10411,7 +10441,7 @@
                 </a:tc>
                 <a:extLst>
                   <a:ext uri="{0D108BD9-81ED-4DB2-BD59-A6C34878D82A}">
-                    <a16:rowId xmlns="" xmlns:a16="http://schemas.microsoft.com/office/drawing/2014/main" val="869994750"/>
+                    <a16:rowId xmlns:a16="http://schemas.microsoft.com/office/drawing/2014/main" xmlns="" val="869994750"/>
                   </a:ext>
                 </a:extLst>
               </a:tr>
@@ -10514,7 +10544,7 @@
           <p:cNvPr id="4" name="スライド番号プレースホルダー 3">
             <a:extLst>
               <a:ext uri="{FF2B5EF4-FFF2-40B4-BE49-F238E27FC236}">
-                <a16:creationId xmlns="" xmlns:a16="http://schemas.microsoft.com/office/drawing/2014/main" id="{22D01535-B1F2-4F78-9A7C-D39657259FB8}"/>
+                <a16:creationId xmlns:a16="http://schemas.microsoft.com/office/drawing/2014/main" xmlns="" id="{22D01535-B1F2-4F78-9A7C-D39657259FB8}"/>
               </a:ext>
             </a:extLst>
           </p:cNvPr>
@@ -10581,7 +10611,7 @@
           <p:cNvPr id="2" name="タイトル 1">
             <a:extLst>
               <a:ext uri="{FF2B5EF4-FFF2-40B4-BE49-F238E27FC236}">
-                <a16:creationId xmlns="" xmlns:a16="http://schemas.microsoft.com/office/drawing/2014/main" id="{647FC2C4-FDD9-40C1-8BAA-86909C671091}"/>
+                <a16:creationId xmlns:a16="http://schemas.microsoft.com/office/drawing/2014/main" xmlns="" id="{647FC2C4-FDD9-40C1-8BAA-86909C671091}"/>
               </a:ext>
             </a:extLst>
           </p:cNvPr>
@@ -10614,7 +10644,7 @@
           <p:cNvPr id="3" name="コンテンツ プレースホルダー 2">
             <a:extLst>
               <a:ext uri="{FF2B5EF4-FFF2-40B4-BE49-F238E27FC236}">
-                <a16:creationId xmlns="" xmlns:a16="http://schemas.microsoft.com/office/drawing/2014/main" id="{D460F2C1-B2A2-41B6-AE3C-D9255F211948}"/>
+                <a16:creationId xmlns:a16="http://schemas.microsoft.com/office/drawing/2014/main" xmlns="" id="{D460F2C1-B2A2-41B6-AE3C-D9255F211948}"/>
               </a:ext>
             </a:extLst>
           </p:cNvPr>
@@ -10855,7 +10885,7 @@
           <p:cNvPr id="4" name="スライド番号プレースホルダー 3">
             <a:extLst>
               <a:ext uri="{FF2B5EF4-FFF2-40B4-BE49-F238E27FC236}">
-                <a16:creationId xmlns="" xmlns:a16="http://schemas.microsoft.com/office/drawing/2014/main" id="{2D621D59-C7D3-486A-953C-E3F098621406}"/>
+                <a16:creationId xmlns:a16="http://schemas.microsoft.com/office/drawing/2014/main" xmlns="" id="{2D621D59-C7D3-486A-953C-E3F098621406}"/>
               </a:ext>
             </a:extLst>
           </p:cNvPr>
@@ -10885,7 +10915,7 @@
           <p:cNvPr id="6" name="表 5">
             <a:extLst>
               <a:ext uri="{FF2B5EF4-FFF2-40B4-BE49-F238E27FC236}">
-                <a16:creationId xmlns="" xmlns:a16="http://schemas.microsoft.com/office/drawing/2014/main" id="{6DDCBA78-176B-48EA-BE01-07BA0C50964E}"/>
+                <a16:creationId xmlns:a16="http://schemas.microsoft.com/office/drawing/2014/main" xmlns="" id="{6DDCBA78-176B-48EA-BE01-07BA0C50964E}"/>
               </a:ext>
             </a:extLst>
           </p:cNvPr>
@@ -10914,21 +10944,21 @@
                 <a:gridCol w="2461883">
                   <a:extLst>
                     <a:ext uri="{9D8B030D-6E8A-4147-A177-3AD203B41FA5}">
-                      <a16:colId xmlns="" xmlns:a16="http://schemas.microsoft.com/office/drawing/2014/main" val="2398228790"/>
+                      <a16:colId xmlns:a16="http://schemas.microsoft.com/office/drawing/2014/main" xmlns="" val="2398228790"/>
                     </a:ext>
                   </a:extLst>
                 </a:gridCol>
                 <a:gridCol w="1902479">
                   <a:extLst>
                     <a:ext uri="{9D8B030D-6E8A-4147-A177-3AD203B41FA5}">
-                      <a16:colId xmlns="" xmlns:a16="http://schemas.microsoft.com/office/drawing/2014/main" val="2139820665"/>
+                      <a16:colId xmlns:a16="http://schemas.microsoft.com/office/drawing/2014/main" xmlns="" val="2139820665"/>
                     </a:ext>
                   </a:extLst>
                 </a:gridCol>
                 <a:gridCol w="3685552">
                   <a:extLst>
                     <a:ext uri="{9D8B030D-6E8A-4147-A177-3AD203B41FA5}">
-                      <a16:colId xmlns="" xmlns:a16="http://schemas.microsoft.com/office/drawing/2014/main" val="3198237446"/>
+                      <a16:colId xmlns:a16="http://schemas.microsoft.com/office/drawing/2014/main" xmlns="" val="3198237446"/>
                     </a:ext>
                   </a:extLst>
                 </a:gridCol>
@@ -11008,7 +11038,7 @@
                 </a:tc>
                 <a:extLst>
                   <a:ext uri="{0D108BD9-81ED-4DB2-BD59-A6C34878D82A}">
-                    <a16:rowId xmlns="" xmlns:a16="http://schemas.microsoft.com/office/drawing/2014/main" val="2909880224"/>
+                    <a16:rowId xmlns:a16="http://schemas.microsoft.com/office/drawing/2014/main" xmlns="" val="2909880224"/>
                   </a:ext>
                 </a:extLst>
               </a:tr>
@@ -11087,7 +11117,7 @@
                 </a:tc>
                 <a:extLst>
                   <a:ext uri="{0D108BD9-81ED-4DB2-BD59-A6C34878D82A}">
-                    <a16:rowId xmlns="" xmlns:a16="http://schemas.microsoft.com/office/drawing/2014/main" val="2444059829"/>
+                    <a16:rowId xmlns:a16="http://schemas.microsoft.com/office/drawing/2014/main" xmlns="" val="2444059829"/>
                   </a:ext>
                 </a:extLst>
               </a:tr>
@@ -11166,7 +11196,7 @@
                 </a:tc>
                 <a:extLst>
                   <a:ext uri="{0D108BD9-81ED-4DB2-BD59-A6C34878D82A}">
-                    <a16:rowId xmlns="" xmlns:a16="http://schemas.microsoft.com/office/drawing/2014/main" val="3396811083"/>
+                    <a16:rowId xmlns:a16="http://schemas.microsoft.com/office/drawing/2014/main" xmlns="" val="3396811083"/>
                   </a:ext>
                 </a:extLst>
               </a:tr>
@@ -11245,7 +11275,7 @@
                 </a:tc>
                 <a:extLst>
                   <a:ext uri="{0D108BD9-81ED-4DB2-BD59-A6C34878D82A}">
-                    <a16:rowId xmlns="" xmlns:a16="http://schemas.microsoft.com/office/drawing/2014/main" val="3452021945"/>
+                    <a16:rowId xmlns:a16="http://schemas.microsoft.com/office/drawing/2014/main" xmlns="" val="3452021945"/>
                   </a:ext>
                 </a:extLst>
               </a:tr>
@@ -11318,7 +11348,7 @@
                 </a:tc>
                 <a:extLst>
                   <a:ext uri="{0D108BD9-81ED-4DB2-BD59-A6C34878D82A}">
-                    <a16:rowId xmlns="" xmlns:a16="http://schemas.microsoft.com/office/drawing/2014/main" val="2686333941"/>
+                    <a16:rowId xmlns:a16="http://schemas.microsoft.com/office/drawing/2014/main" xmlns="" val="2686333941"/>
                   </a:ext>
                 </a:extLst>
               </a:tr>
@@ -11391,7 +11421,7 @@
                 </a:tc>
                 <a:extLst>
                   <a:ext uri="{0D108BD9-81ED-4DB2-BD59-A6C34878D82A}">
-                    <a16:rowId xmlns="" xmlns:a16="http://schemas.microsoft.com/office/drawing/2014/main" val="709522050"/>
+                    <a16:rowId xmlns:a16="http://schemas.microsoft.com/office/drawing/2014/main" xmlns="" val="709522050"/>
                   </a:ext>
                 </a:extLst>
               </a:tr>
@@ -11464,7 +11494,7 @@
                 </a:tc>
                 <a:extLst>
                   <a:ext uri="{0D108BD9-81ED-4DB2-BD59-A6C34878D82A}">
-                    <a16:rowId xmlns="" xmlns:a16="http://schemas.microsoft.com/office/drawing/2014/main" val="3496055075"/>
+                    <a16:rowId xmlns:a16="http://schemas.microsoft.com/office/drawing/2014/main" xmlns="" val="3496055075"/>
                   </a:ext>
                 </a:extLst>
               </a:tr>
@@ -11537,7 +11567,7 @@
                 </a:tc>
                 <a:extLst>
                   <a:ext uri="{0D108BD9-81ED-4DB2-BD59-A6C34878D82A}">
-                    <a16:rowId xmlns="" xmlns:a16="http://schemas.microsoft.com/office/drawing/2014/main" val="107828841"/>
+                    <a16:rowId xmlns:a16="http://schemas.microsoft.com/office/drawing/2014/main" xmlns="" val="107828841"/>
                   </a:ext>
                 </a:extLst>
               </a:tr>
@@ -11616,7 +11646,7 @@
                 </a:tc>
                 <a:extLst>
                   <a:ext uri="{0D108BD9-81ED-4DB2-BD59-A6C34878D82A}">
-                    <a16:rowId xmlns="" xmlns:a16="http://schemas.microsoft.com/office/drawing/2014/main" val="2075286343"/>
+                    <a16:rowId xmlns:a16="http://schemas.microsoft.com/office/drawing/2014/main" xmlns="" val="2075286343"/>
                   </a:ext>
                 </a:extLst>
               </a:tr>
@@ -11695,7 +11725,7 @@
                 </a:tc>
                 <a:extLst>
                   <a:ext uri="{0D108BD9-81ED-4DB2-BD59-A6C34878D82A}">
-                    <a16:rowId xmlns="" xmlns:a16="http://schemas.microsoft.com/office/drawing/2014/main" val="892717798"/>
+                    <a16:rowId xmlns:a16="http://schemas.microsoft.com/office/drawing/2014/main" xmlns="" val="892717798"/>
                   </a:ext>
                 </a:extLst>
               </a:tr>
@@ -11774,7 +11804,7 @@
                 </a:tc>
                 <a:extLst>
                   <a:ext uri="{0D108BD9-81ED-4DB2-BD59-A6C34878D82A}">
-                    <a16:rowId xmlns="" xmlns:a16="http://schemas.microsoft.com/office/drawing/2014/main" val="2977998855"/>
+                    <a16:rowId xmlns:a16="http://schemas.microsoft.com/office/drawing/2014/main" xmlns="" val="2977998855"/>
                   </a:ext>
                 </a:extLst>
               </a:tr>
@@ -11883,7 +11913,7 @@
                 </a:tc>
                 <a:extLst>
                   <a:ext uri="{0D108BD9-81ED-4DB2-BD59-A6C34878D82A}">
-                    <a16:rowId xmlns="" xmlns:a16="http://schemas.microsoft.com/office/drawing/2014/main" val="1830001044"/>
+                    <a16:rowId xmlns:a16="http://schemas.microsoft.com/office/drawing/2014/main" xmlns="" val="1830001044"/>
                   </a:ext>
                 </a:extLst>
               </a:tr>
@@ -11968,7 +11998,7 @@
                 </a:tc>
                 <a:extLst>
                   <a:ext uri="{0D108BD9-81ED-4DB2-BD59-A6C34878D82A}">
-                    <a16:rowId xmlns="" xmlns:a16="http://schemas.microsoft.com/office/drawing/2014/main" val="971318200"/>
+                    <a16:rowId xmlns:a16="http://schemas.microsoft.com/office/drawing/2014/main" xmlns="" val="971318200"/>
                   </a:ext>
                 </a:extLst>
               </a:tr>
@@ -12080,7 +12110,7 @@
                 </a:tc>
                 <a:extLst>
                   <a:ext uri="{0D108BD9-81ED-4DB2-BD59-A6C34878D82A}">
-                    <a16:rowId xmlns="" xmlns:a16="http://schemas.microsoft.com/office/drawing/2014/main" val="1896279337"/>
+                    <a16:rowId xmlns:a16="http://schemas.microsoft.com/office/drawing/2014/main" xmlns="" val="1896279337"/>
                   </a:ext>
                 </a:extLst>
               </a:tr>
@@ -12684,7 +12714,7 @@
           <p:cNvPr id="2" name="タイトル 1">
             <a:extLst>
               <a:ext uri="{FF2B5EF4-FFF2-40B4-BE49-F238E27FC236}">
-                <a16:creationId xmlns="" xmlns:a16="http://schemas.microsoft.com/office/drawing/2014/main" id="{41FAA20E-7C33-4452-B000-1315C6D7BF74}"/>
+                <a16:creationId xmlns:a16="http://schemas.microsoft.com/office/drawing/2014/main" xmlns="" id="{41FAA20E-7C33-4452-B000-1315C6D7BF74}"/>
               </a:ext>
             </a:extLst>
           </p:cNvPr>
@@ -12717,7 +12747,7 @@
           <p:cNvPr id="3" name="コンテンツ プレースホルダー 2">
             <a:extLst>
               <a:ext uri="{FF2B5EF4-FFF2-40B4-BE49-F238E27FC236}">
-                <a16:creationId xmlns="" xmlns:a16="http://schemas.microsoft.com/office/drawing/2014/main" id="{24173F00-B91E-440E-BAD4-BB493A21AC4B}"/>
+                <a16:creationId xmlns:a16="http://schemas.microsoft.com/office/drawing/2014/main" xmlns="" id="{24173F00-B91E-440E-BAD4-BB493A21AC4B}"/>
               </a:ext>
             </a:extLst>
           </p:cNvPr>
@@ -12782,7 +12812,7 @@
           <p:cNvPr id="4" name="スライド番号プレースホルダー 3">
             <a:extLst>
               <a:ext uri="{FF2B5EF4-FFF2-40B4-BE49-F238E27FC236}">
-                <a16:creationId xmlns="" xmlns:a16="http://schemas.microsoft.com/office/drawing/2014/main" id="{3A64CE71-C252-41E0-98BA-363CD7954AFC}"/>
+                <a16:creationId xmlns:a16="http://schemas.microsoft.com/office/drawing/2014/main" xmlns="" id="{3A64CE71-C252-41E0-98BA-363CD7954AFC}"/>
               </a:ext>
             </a:extLst>
           </p:cNvPr>
@@ -12812,7 +12842,7 @@
           <p:cNvPr id="7" name="表 6">
             <a:extLst>
               <a:ext uri="{FF2B5EF4-FFF2-40B4-BE49-F238E27FC236}">
-                <a16:creationId xmlns="" xmlns:a16="http://schemas.microsoft.com/office/drawing/2014/main" id="{98063CA4-BBF9-44CC-A612-1620B85D352F}"/>
+                <a16:creationId xmlns:a16="http://schemas.microsoft.com/office/drawing/2014/main" xmlns="" id="{98063CA4-BBF9-44CC-A612-1620B85D352F}"/>
               </a:ext>
             </a:extLst>
           </p:cNvPr>
@@ -12841,21 +12871,21 @@
                 <a:gridCol w="760683">
                   <a:extLst>
                     <a:ext uri="{9D8B030D-6E8A-4147-A177-3AD203B41FA5}">
-                      <a16:colId xmlns="" xmlns:a16="http://schemas.microsoft.com/office/drawing/2014/main" val="3097440919"/>
+                      <a16:colId xmlns:a16="http://schemas.microsoft.com/office/drawing/2014/main" xmlns="" val="3097440919"/>
                     </a:ext>
                   </a:extLst>
                 </a:gridCol>
                 <a:gridCol w="2252380">
                   <a:extLst>
                     <a:ext uri="{9D8B030D-6E8A-4147-A177-3AD203B41FA5}">
-                      <a16:colId xmlns="" xmlns:a16="http://schemas.microsoft.com/office/drawing/2014/main" val="3781596161"/>
+                      <a16:colId xmlns:a16="http://schemas.microsoft.com/office/drawing/2014/main" xmlns="" val="3781596161"/>
                     </a:ext>
                   </a:extLst>
                 </a:gridCol>
                 <a:gridCol w="3618676">
                   <a:extLst>
                     <a:ext uri="{9D8B030D-6E8A-4147-A177-3AD203B41FA5}">
-                      <a16:colId xmlns="" xmlns:a16="http://schemas.microsoft.com/office/drawing/2014/main" val="101742419"/>
+                      <a16:colId xmlns:a16="http://schemas.microsoft.com/office/drawing/2014/main" xmlns="" val="101742419"/>
                     </a:ext>
                   </a:extLst>
                 </a:gridCol>
@@ -12929,7 +12959,7 @@
                 </a:tc>
                 <a:extLst>
                   <a:ext uri="{0D108BD9-81ED-4DB2-BD59-A6C34878D82A}">
-                    <a16:rowId xmlns="" xmlns:a16="http://schemas.microsoft.com/office/drawing/2014/main" val="3698804113"/>
+                    <a16:rowId xmlns:a16="http://schemas.microsoft.com/office/drawing/2014/main" xmlns="" val="3698804113"/>
                   </a:ext>
                 </a:extLst>
               </a:tr>
@@ -13026,7 +13056,7 @@
                 </a:tc>
                 <a:extLst>
                   <a:ext uri="{0D108BD9-81ED-4DB2-BD59-A6C34878D82A}">
-                    <a16:rowId xmlns="" xmlns:a16="http://schemas.microsoft.com/office/drawing/2014/main" val="107489019"/>
+                    <a16:rowId xmlns:a16="http://schemas.microsoft.com/office/drawing/2014/main" xmlns="" val="107489019"/>
                   </a:ext>
                 </a:extLst>
               </a:tr>
@@ -13099,7 +13129,7 @@
                 </a:tc>
                 <a:extLst>
                   <a:ext uri="{0D108BD9-81ED-4DB2-BD59-A6C34878D82A}">
-                    <a16:rowId xmlns="" xmlns:a16="http://schemas.microsoft.com/office/drawing/2014/main" val="3404879894"/>
+                    <a16:rowId xmlns:a16="http://schemas.microsoft.com/office/drawing/2014/main" xmlns="" val="3404879894"/>
                   </a:ext>
                 </a:extLst>
               </a:tr>
@@ -13172,7 +13202,7 @@
                 </a:tc>
                 <a:extLst>
                   <a:ext uri="{0D108BD9-81ED-4DB2-BD59-A6C34878D82A}">
-                    <a16:rowId xmlns="" xmlns:a16="http://schemas.microsoft.com/office/drawing/2014/main" val="1504046248"/>
+                    <a16:rowId xmlns:a16="http://schemas.microsoft.com/office/drawing/2014/main" xmlns="" val="1504046248"/>
                   </a:ext>
                 </a:extLst>
               </a:tr>
@@ -13245,7 +13275,7 @@
                 </a:tc>
                 <a:extLst>
                   <a:ext uri="{0D108BD9-81ED-4DB2-BD59-A6C34878D82A}">
-                    <a16:rowId xmlns="" xmlns:a16="http://schemas.microsoft.com/office/drawing/2014/main" val="2285871372"/>
+                    <a16:rowId xmlns:a16="http://schemas.microsoft.com/office/drawing/2014/main" xmlns="" val="2285871372"/>
                   </a:ext>
                 </a:extLst>
               </a:tr>
@@ -13312,7 +13342,7 @@
                 </a:tc>
                 <a:extLst>
                   <a:ext uri="{0D108BD9-81ED-4DB2-BD59-A6C34878D82A}">
-                    <a16:rowId xmlns="" xmlns:a16="http://schemas.microsoft.com/office/drawing/2014/main" val="68402242"/>
+                    <a16:rowId xmlns:a16="http://schemas.microsoft.com/office/drawing/2014/main" xmlns="" val="68402242"/>
                   </a:ext>
                 </a:extLst>
               </a:tr>
@@ -13409,7 +13439,7 @@
                 </a:tc>
                 <a:extLst>
                   <a:ext uri="{0D108BD9-81ED-4DB2-BD59-A6C34878D82A}">
-                    <a16:rowId xmlns="" xmlns:a16="http://schemas.microsoft.com/office/drawing/2014/main" val="1909847772"/>
+                    <a16:rowId xmlns:a16="http://schemas.microsoft.com/office/drawing/2014/main" xmlns="" val="1909847772"/>
                   </a:ext>
                 </a:extLst>
               </a:tr>
@@ -13482,7 +13512,7 @@
                 </a:tc>
                 <a:extLst>
                   <a:ext uri="{0D108BD9-81ED-4DB2-BD59-A6C34878D82A}">
-                    <a16:rowId xmlns="" xmlns:a16="http://schemas.microsoft.com/office/drawing/2014/main" val="3267968211"/>
+                    <a16:rowId xmlns:a16="http://schemas.microsoft.com/office/drawing/2014/main" xmlns="" val="3267968211"/>
                   </a:ext>
                 </a:extLst>
               </a:tr>
@@ -13555,7 +13585,7 @@
                 </a:tc>
                 <a:extLst>
                   <a:ext uri="{0D108BD9-81ED-4DB2-BD59-A6C34878D82A}">
-                    <a16:rowId xmlns="" xmlns:a16="http://schemas.microsoft.com/office/drawing/2014/main" val="1862532213"/>
+                    <a16:rowId xmlns:a16="http://schemas.microsoft.com/office/drawing/2014/main" xmlns="" val="1862532213"/>
                   </a:ext>
                 </a:extLst>
               </a:tr>
@@ -13628,7 +13658,7 @@
                 </a:tc>
                 <a:extLst>
                   <a:ext uri="{0D108BD9-81ED-4DB2-BD59-A6C34878D82A}">
-                    <a16:rowId xmlns="" xmlns:a16="http://schemas.microsoft.com/office/drawing/2014/main" val="101594728"/>
+                    <a16:rowId xmlns:a16="http://schemas.microsoft.com/office/drawing/2014/main" xmlns="" val="101594728"/>
                   </a:ext>
                 </a:extLst>
               </a:tr>
@@ -13683,7 +13713,7 @@
                 </a:tc>
                 <a:extLst>
                   <a:ext uri="{0D108BD9-81ED-4DB2-BD59-A6C34878D82A}">
-                    <a16:rowId xmlns="" xmlns:a16="http://schemas.microsoft.com/office/drawing/2014/main" val="815672259"/>
+                    <a16:rowId xmlns:a16="http://schemas.microsoft.com/office/drawing/2014/main" xmlns="" val="815672259"/>
                   </a:ext>
                 </a:extLst>
               </a:tr>
@@ -13780,7 +13810,7 @@
                 </a:tc>
                 <a:extLst>
                   <a:ext uri="{0D108BD9-81ED-4DB2-BD59-A6C34878D82A}">
-                    <a16:rowId xmlns="" xmlns:a16="http://schemas.microsoft.com/office/drawing/2014/main" val="3163050151"/>
+                    <a16:rowId xmlns:a16="http://schemas.microsoft.com/office/drawing/2014/main" xmlns="" val="3163050151"/>
                   </a:ext>
                 </a:extLst>
               </a:tr>
@@ -13853,7 +13883,7 @@
                 </a:tc>
                 <a:extLst>
                   <a:ext uri="{0D108BD9-81ED-4DB2-BD59-A6C34878D82A}">
-                    <a16:rowId xmlns="" xmlns:a16="http://schemas.microsoft.com/office/drawing/2014/main" val="2127901705"/>
+                    <a16:rowId xmlns:a16="http://schemas.microsoft.com/office/drawing/2014/main" xmlns="" val="2127901705"/>
                   </a:ext>
                 </a:extLst>
               </a:tr>
@@ -13926,7 +13956,7 @@
                 </a:tc>
                 <a:extLst>
                   <a:ext uri="{0D108BD9-81ED-4DB2-BD59-A6C34878D82A}">
-                    <a16:rowId xmlns="" xmlns:a16="http://schemas.microsoft.com/office/drawing/2014/main" val="1639569515"/>
+                    <a16:rowId xmlns:a16="http://schemas.microsoft.com/office/drawing/2014/main" xmlns="" val="1639569515"/>
                   </a:ext>
                 </a:extLst>
               </a:tr>
@@ -13999,7 +14029,7 @@
                 </a:tc>
                 <a:extLst>
                   <a:ext uri="{0D108BD9-81ED-4DB2-BD59-A6C34878D82A}">
-                    <a16:rowId xmlns="" xmlns:a16="http://schemas.microsoft.com/office/drawing/2014/main" val="3566620226"/>
+                    <a16:rowId xmlns:a16="http://schemas.microsoft.com/office/drawing/2014/main" xmlns="" val="3566620226"/>
                   </a:ext>
                 </a:extLst>
               </a:tr>
@@ -14054,7 +14084,7 @@
                 </a:tc>
                 <a:extLst>
                   <a:ext uri="{0D108BD9-81ED-4DB2-BD59-A6C34878D82A}">
-                    <a16:rowId xmlns="" xmlns:a16="http://schemas.microsoft.com/office/drawing/2014/main" val="233984755"/>
+                    <a16:rowId xmlns:a16="http://schemas.microsoft.com/office/drawing/2014/main" xmlns="" val="233984755"/>
                   </a:ext>
                 </a:extLst>
               </a:tr>
@@ -14658,7 +14688,7 @@
           <p:cNvPr id="2" name="タイトル 1">
             <a:extLst>
               <a:ext uri="{FF2B5EF4-FFF2-40B4-BE49-F238E27FC236}">
-                <a16:creationId xmlns="" xmlns:a16="http://schemas.microsoft.com/office/drawing/2014/main" id="{41FAA20E-7C33-4452-B000-1315C6D7BF74}"/>
+                <a16:creationId xmlns:a16="http://schemas.microsoft.com/office/drawing/2014/main" xmlns="" id="{41FAA20E-7C33-4452-B000-1315C6D7BF74}"/>
               </a:ext>
             </a:extLst>
           </p:cNvPr>
@@ -14691,7 +14721,7 @@
           <p:cNvPr id="3" name="コンテンツ プレースホルダー 2">
             <a:extLst>
               <a:ext uri="{FF2B5EF4-FFF2-40B4-BE49-F238E27FC236}">
-                <a16:creationId xmlns="" xmlns:a16="http://schemas.microsoft.com/office/drawing/2014/main" id="{24173F00-B91E-440E-BAD4-BB493A21AC4B}"/>
+                <a16:creationId xmlns:a16="http://schemas.microsoft.com/office/drawing/2014/main" xmlns="" id="{24173F00-B91E-440E-BAD4-BB493A21AC4B}"/>
               </a:ext>
             </a:extLst>
           </p:cNvPr>
@@ -14949,7 +14979,7 @@
           <p:cNvPr id="4" name="スライド番号プレースホルダー 3">
             <a:extLst>
               <a:ext uri="{FF2B5EF4-FFF2-40B4-BE49-F238E27FC236}">
-                <a16:creationId xmlns="" xmlns:a16="http://schemas.microsoft.com/office/drawing/2014/main" id="{3A64CE71-C252-41E0-98BA-363CD7954AFC}"/>
+                <a16:creationId xmlns:a16="http://schemas.microsoft.com/office/drawing/2014/main" xmlns="" id="{3A64CE71-C252-41E0-98BA-363CD7954AFC}"/>
               </a:ext>
             </a:extLst>
           </p:cNvPr>
@@ -15659,7 +15689,7 @@
           <p:cNvPr id="12" name="表 11">
             <a:extLst>
               <a:ext uri="{FF2B5EF4-FFF2-40B4-BE49-F238E27FC236}">
-                <a16:creationId xmlns="" xmlns:a16="http://schemas.microsoft.com/office/drawing/2014/main" id="{5272C826-C1D9-418F-A534-E17A3F1A95EC}"/>
+                <a16:creationId xmlns:a16="http://schemas.microsoft.com/office/drawing/2014/main" xmlns="" id="{5272C826-C1D9-418F-A534-E17A3F1A95EC}"/>
               </a:ext>
             </a:extLst>
           </p:cNvPr>
@@ -15688,14 +15718,14 @@
                 <a:gridCol w="1009429">
                   <a:extLst>
                     <a:ext uri="{9D8B030D-6E8A-4147-A177-3AD203B41FA5}">
-                      <a16:colId xmlns="" xmlns:a16="http://schemas.microsoft.com/office/drawing/2014/main" val="2918184759"/>
+                      <a16:colId xmlns:a16="http://schemas.microsoft.com/office/drawing/2014/main" xmlns="" val="2918184759"/>
                     </a:ext>
                   </a:extLst>
                 </a:gridCol>
                 <a:gridCol w="2749771">
                   <a:extLst>
                     <a:ext uri="{9D8B030D-6E8A-4147-A177-3AD203B41FA5}">
-                      <a16:colId xmlns="" xmlns:a16="http://schemas.microsoft.com/office/drawing/2014/main" val="650853217"/>
+                      <a16:colId xmlns:a16="http://schemas.microsoft.com/office/drawing/2014/main" xmlns="" val="650853217"/>
                     </a:ext>
                   </a:extLst>
                 </a:gridCol>
@@ -15769,7 +15799,7 @@
                 </a:tc>
                 <a:extLst>
                   <a:ext uri="{0D108BD9-81ED-4DB2-BD59-A6C34878D82A}">
-                    <a16:rowId xmlns="" xmlns:a16="http://schemas.microsoft.com/office/drawing/2014/main" val="863991715"/>
+                    <a16:rowId xmlns:a16="http://schemas.microsoft.com/office/drawing/2014/main" xmlns="" val="863991715"/>
                   </a:ext>
                 </a:extLst>
               </a:tr>
@@ -15842,7 +15872,7 @@
                 </a:tc>
                 <a:extLst>
                   <a:ext uri="{0D108BD9-81ED-4DB2-BD59-A6C34878D82A}">
-                    <a16:rowId xmlns="" xmlns:a16="http://schemas.microsoft.com/office/drawing/2014/main" val="3672779048"/>
+                    <a16:rowId xmlns:a16="http://schemas.microsoft.com/office/drawing/2014/main" xmlns="" val="3672779048"/>
                   </a:ext>
                 </a:extLst>
               </a:tr>
@@ -15855,7 +15885,7 @@
           <p:cNvPr id="13" name="表 12">
             <a:extLst>
               <a:ext uri="{FF2B5EF4-FFF2-40B4-BE49-F238E27FC236}">
-                <a16:creationId xmlns="" xmlns:a16="http://schemas.microsoft.com/office/drawing/2014/main" id="{5272C826-C1D9-418F-A534-E17A3F1A95EC}"/>
+                <a16:creationId xmlns:a16="http://schemas.microsoft.com/office/drawing/2014/main" xmlns="" id="{5272C826-C1D9-418F-A534-E17A3F1A95EC}"/>
               </a:ext>
             </a:extLst>
           </p:cNvPr>
@@ -15884,14 +15914,14 @@
                 <a:gridCol w="2555234">
                   <a:extLst>
                     <a:ext uri="{9D8B030D-6E8A-4147-A177-3AD203B41FA5}">
-                      <a16:colId xmlns="" xmlns:a16="http://schemas.microsoft.com/office/drawing/2014/main" val="2918184759"/>
+                      <a16:colId xmlns:a16="http://schemas.microsoft.com/office/drawing/2014/main" xmlns="" val="2918184759"/>
                     </a:ext>
                   </a:extLst>
                 </a:gridCol>
                 <a:gridCol w="2997700">
                   <a:extLst>
                     <a:ext uri="{9D8B030D-6E8A-4147-A177-3AD203B41FA5}">
-                      <a16:colId xmlns="" xmlns:a16="http://schemas.microsoft.com/office/drawing/2014/main" val="650853217"/>
+                      <a16:colId xmlns:a16="http://schemas.microsoft.com/office/drawing/2014/main" xmlns="" val="650853217"/>
                     </a:ext>
                   </a:extLst>
                 </a:gridCol>
@@ -16042,7 +16072,7 @@
                 </a:tc>
                 <a:extLst>
                   <a:ext uri="{0D108BD9-81ED-4DB2-BD59-A6C34878D82A}">
-                    <a16:rowId xmlns="" xmlns:a16="http://schemas.microsoft.com/office/drawing/2014/main" val="863991715"/>
+                    <a16:rowId xmlns:a16="http://schemas.microsoft.com/office/drawing/2014/main" xmlns="" val="863991715"/>
                   </a:ext>
                 </a:extLst>
               </a:tr>
@@ -16115,7 +16145,7 @@
                 </a:tc>
                 <a:extLst>
                   <a:ext uri="{0D108BD9-81ED-4DB2-BD59-A6C34878D82A}">
-                    <a16:rowId xmlns="" xmlns:a16="http://schemas.microsoft.com/office/drawing/2014/main" val="3672779048"/>
+                    <a16:rowId xmlns:a16="http://schemas.microsoft.com/office/drawing/2014/main" xmlns="" val="3672779048"/>
                   </a:ext>
                 </a:extLst>
               </a:tr>
@@ -16411,7 +16441,7 @@
           <p:cNvPr id="14" name="表 13">
             <a:extLst>
               <a:ext uri="{FF2B5EF4-FFF2-40B4-BE49-F238E27FC236}">
-                <a16:creationId xmlns="" xmlns:a16="http://schemas.microsoft.com/office/drawing/2014/main" id="{5272C826-C1D9-418F-A534-E17A3F1A95EC}"/>
+                <a16:creationId xmlns:a16="http://schemas.microsoft.com/office/drawing/2014/main" xmlns="" id="{5272C826-C1D9-418F-A534-E17A3F1A95EC}"/>
               </a:ext>
             </a:extLst>
           </p:cNvPr>
@@ -16440,14 +16470,14 @@
                 <a:gridCol w="2816309">
                   <a:extLst>
                     <a:ext uri="{9D8B030D-6E8A-4147-A177-3AD203B41FA5}">
-                      <a16:colId xmlns="" xmlns:a16="http://schemas.microsoft.com/office/drawing/2014/main" val="2918184759"/>
+                      <a16:colId xmlns:a16="http://schemas.microsoft.com/office/drawing/2014/main" xmlns="" val="2918184759"/>
                     </a:ext>
                   </a:extLst>
                 </a:gridCol>
                 <a:gridCol w="443010">
                   <a:extLst>
                     <a:ext uri="{9D8B030D-6E8A-4147-A177-3AD203B41FA5}">
-                      <a16:colId xmlns="" xmlns:a16="http://schemas.microsoft.com/office/drawing/2014/main" val="650853217"/>
+                      <a16:colId xmlns:a16="http://schemas.microsoft.com/office/drawing/2014/main" xmlns="" val="650853217"/>
                     </a:ext>
                   </a:extLst>
                 </a:gridCol>
@@ -16514,7 +16544,7 @@
                 </a:tc>
                 <a:extLst>
                   <a:ext uri="{0D108BD9-81ED-4DB2-BD59-A6C34878D82A}">
-                    <a16:rowId xmlns="" xmlns:a16="http://schemas.microsoft.com/office/drawing/2014/main" val="863991715"/>
+                    <a16:rowId xmlns:a16="http://schemas.microsoft.com/office/drawing/2014/main" xmlns="" val="863991715"/>
                   </a:ext>
                 </a:extLst>
               </a:tr>
@@ -16564,7 +16594,7 @@
           <p:cNvPr id="2" name="タイトル 1">
             <a:extLst>
               <a:ext uri="{FF2B5EF4-FFF2-40B4-BE49-F238E27FC236}">
-                <a16:creationId xmlns="" xmlns:a16="http://schemas.microsoft.com/office/drawing/2014/main" id="{12731FC3-AB29-492B-AE6D-8CB0EBD6035D}"/>
+                <a16:creationId xmlns:a16="http://schemas.microsoft.com/office/drawing/2014/main" xmlns="" id="{12731FC3-AB29-492B-AE6D-8CB0EBD6035D}"/>
               </a:ext>
             </a:extLst>
           </p:cNvPr>
@@ -16592,7 +16622,7 @@
           <p:cNvPr id="4" name="スライド番号プレースホルダー 3">
             <a:extLst>
               <a:ext uri="{FF2B5EF4-FFF2-40B4-BE49-F238E27FC236}">
-                <a16:creationId xmlns="" xmlns:a16="http://schemas.microsoft.com/office/drawing/2014/main" id="{5A8CD54E-7EDD-451D-9C7A-85E4A20CEBF0}"/>
+                <a16:creationId xmlns:a16="http://schemas.microsoft.com/office/drawing/2014/main" xmlns="" id="{5A8CD54E-7EDD-451D-9C7A-85E4A20CEBF0}"/>
               </a:ext>
             </a:extLst>
           </p:cNvPr>
@@ -16622,7 +16652,7 @@
           <p:cNvPr id="5" name="表 4">
             <a:extLst>
               <a:ext uri="{FF2B5EF4-FFF2-40B4-BE49-F238E27FC236}">
-                <a16:creationId xmlns="" xmlns:a16="http://schemas.microsoft.com/office/drawing/2014/main" id="{9CC6374B-4142-4113-B041-850E8ED0401A}"/>
+                <a16:creationId xmlns:a16="http://schemas.microsoft.com/office/drawing/2014/main" xmlns="" id="{9CC6374B-4142-4113-B041-850E8ED0401A}"/>
               </a:ext>
             </a:extLst>
           </p:cNvPr>
@@ -16651,28 +16681,28 @@
                 <a:gridCol w="654640">
                   <a:extLst>
                     <a:ext uri="{9D8B030D-6E8A-4147-A177-3AD203B41FA5}">
-                      <a16:colId xmlns="" xmlns:a16="http://schemas.microsoft.com/office/drawing/2014/main" val="1645166067"/>
+                      <a16:colId xmlns:a16="http://schemas.microsoft.com/office/drawing/2014/main" xmlns="" val="1645166067"/>
                     </a:ext>
                   </a:extLst>
                 </a:gridCol>
                 <a:gridCol w="1451728">
                   <a:extLst>
                     <a:ext uri="{9D8B030D-6E8A-4147-A177-3AD203B41FA5}">
-                      <a16:colId xmlns="" xmlns:a16="http://schemas.microsoft.com/office/drawing/2014/main" val="1224812834"/>
+                      <a16:colId xmlns:a16="http://schemas.microsoft.com/office/drawing/2014/main" xmlns="" val="1224812834"/>
                     </a:ext>
                   </a:extLst>
                 </a:gridCol>
                 <a:gridCol w="1366887">
                   <a:extLst>
                     <a:ext uri="{9D8B030D-6E8A-4147-A177-3AD203B41FA5}">
-                      <a16:colId xmlns="" xmlns:a16="http://schemas.microsoft.com/office/drawing/2014/main" val="773108700"/>
+                      <a16:colId xmlns:a16="http://schemas.microsoft.com/office/drawing/2014/main" xmlns="" val="773108700"/>
                     </a:ext>
                   </a:extLst>
                 </a:gridCol>
                 <a:gridCol w="7145516">
                   <a:extLst>
                     <a:ext uri="{9D8B030D-6E8A-4147-A177-3AD203B41FA5}">
-                      <a16:colId xmlns="" xmlns:a16="http://schemas.microsoft.com/office/drawing/2014/main" val="1915496336"/>
+                      <a16:colId xmlns:a16="http://schemas.microsoft.com/office/drawing/2014/main" xmlns="" val="1915496336"/>
                     </a:ext>
                   </a:extLst>
                 </a:gridCol>
@@ -16732,7 +16762,7 @@
                 </a:tc>
                 <a:extLst>
                   <a:ext uri="{0D108BD9-81ED-4DB2-BD59-A6C34878D82A}">
-                    <a16:rowId xmlns="" xmlns:a16="http://schemas.microsoft.com/office/drawing/2014/main" val="3052914816"/>
+                    <a16:rowId xmlns:a16="http://schemas.microsoft.com/office/drawing/2014/main" xmlns="" val="3052914816"/>
                   </a:ext>
                 </a:extLst>
               </a:tr>
@@ -16794,7 +16824,7 @@
                 </a:tc>
                 <a:extLst>
                   <a:ext uri="{0D108BD9-81ED-4DB2-BD59-A6C34878D82A}">
-                    <a16:rowId xmlns="" xmlns:a16="http://schemas.microsoft.com/office/drawing/2014/main" val="2549488193"/>
+                    <a16:rowId xmlns:a16="http://schemas.microsoft.com/office/drawing/2014/main" xmlns="" val="2549488193"/>
                   </a:ext>
                 </a:extLst>
               </a:tr>
@@ -16912,7 +16942,7 @@
           <p:cNvPr id="2" name="タイトル 1">
             <a:extLst>
               <a:ext uri="{FF2B5EF4-FFF2-40B4-BE49-F238E27FC236}">
-                <a16:creationId xmlns="" xmlns:a16="http://schemas.microsoft.com/office/drawing/2014/main" id="{41FAA20E-7C33-4452-B000-1315C6D7BF74}"/>
+                <a16:creationId xmlns:a16="http://schemas.microsoft.com/office/drawing/2014/main" xmlns="" id="{41FAA20E-7C33-4452-B000-1315C6D7BF74}"/>
               </a:ext>
             </a:extLst>
           </p:cNvPr>
@@ -16945,7 +16975,7 @@
           <p:cNvPr id="3" name="コンテンツ プレースホルダー 2">
             <a:extLst>
               <a:ext uri="{FF2B5EF4-FFF2-40B4-BE49-F238E27FC236}">
-                <a16:creationId xmlns="" xmlns:a16="http://schemas.microsoft.com/office/drawing/2014/main" id="{24173F00-B91E-440E-BAD4-BB493A21AC4B}"/>
+                <a16:creationId xmlns:a16="http://schemas.microsoft.com/office/drawing/2014/main" xmlns="" id="{24173F00-B91E-440E-BAD4-BB493A21AC4B}"/>
               </a:ext>
             </a:extLst>
           </p:cNvPr>
@@ -17134,7 +17164,7 @@
           <p:cNvPr id="4" name="スライド番号プレースホルダー 3">
             <a:extLst>
               <a:ext uri="{FF2B5EF4-FFF2-40B4-BE49-F238E27FC236}">
-                <a16:creationId xmlns="" xmlns:a16="http://schemas.microsoft.com/office/drawing/2014/main" id="{3A64CE71-C252-41E0-98BA-363CD7954AFC}"/>
+                <a16:creationId xmlns:a16="http://schemas.microsoft.com/office/drawing/2014/main" xmlns="" id="{3A64CE71-C252-41E0-98BA-363CD7954AFC}"/>
               </a:ext>
             </a:extLst>
           </p:cNvPr>
@@ -17985,7 +18015,7 @@
           <p:cNvPr id="2" name="タイトル 1">
             <a:extLst>
               <a:ext uri="{FF2B5EF4-FFF2-40B4-BE49-F238E27FC236}">
-                <a16:creationId xmlns="" xmlns:a16="http://schemas.microsoft.com/office/drawing/2014/main" id="{41FAA20E-7C33-4452-B000-1315C6D7BF74}"/>
+                <a16:creationId xmlns:a16="http://schemas.microsoft.com/office/drawing/2014/main" xmlns="" id="{41FAA20E-7C33-4452-B000-1315C6D7BF74}"/>
               </a:ext>
             </a:extLst>
           </p:cNvPr>
@@ -18018,7 +18048,7 @@
           <p:cNvPr id="3" name="コンテンツ プレースホルダー 2">
             <a:extLst>
               <a:ext uri="{FF2B5EF4-FFF2-40B4-BE49-F238E27FC236}">
-                <a16:creationId xmlns="" xmlns:a16="http://schemas.microsoft.com/office/drawing/2014/main" id="{24173F00-B91E-440E-BAD4-BB493A21AC4B}"/>
+                <a16:creationId xmlns:a16="http://schemas.microsoft.com/office/drawing/2014/main" xmlns="" id="{24173F00-B91E-440E-BAD4-BB493A21AC4B}"/>
               </a:ext>
             </a:extLst>
           </p:cNvPr>
@@ -18376,7 +18406,7 @@
           <p:cNvPr id="4" name="スライド番号プレースホルダー 3">
             <a:extLst>
               <a:ext uri="{FF2B5EF4-FFF2-40B4-BE49-F238E27FC236}">
-                <a16:creationId xmlns="" xmlns:a16="http://schemas.microsoft.com/office/drawing/2014/main" id="{3A64CE71-C252-41E0-98BA-363CD7954AFC}"/>
+                <a16:creationId xmlns:a16="http://schemas.microsoft.com/office/drawing/2014/main" xmlns="" id="{3A64CE71-C252-41E0-98BA-363CD7954AFC}"/>
               </a:ext>
             </a:extLst>
           </p:cNvPr>
@@ -18964,7 +18994,7 @@
           <p:cNvPr id="15" name="表 14">
             <a:extLst>
               <a:ext uri="{FF2B5EF4-FFF2-40B4-BE49-F238E27FC236}">
-                <a16:creationId xmlns="" xmlns:a16="http://schemas.microsoft.com/office/drawing/2014/main" id="{34262436-74E8-488C-8C1B-44C3F88BE676}"/>
+                <a16:creationId xmlns:a16="http://schemas.microsoft.com/office/drawing/2014/main" xmlns="" id="{34262436-74E8-488C-8C1B-44C3F88BE676}"/>
               </a:ext>
             </a:extLst>
           </p:cNvPr>
@@ -18993,21 +19023,21 @@
                 <a:gridCol w="2146489">
                   <a:extLst>
                     <a:ext uri="{9D8B030D-6E8A-4147-A177-3AD203B41FA5}">
-                      <a16:colId xmlns="" xmlns:a16="http://schemas.microsoft.com/office/drawing/2014/main" val="2864215648"/>
+                      <a16:colId xmlns:a16="http://schemas.microsoft.com/office/drawing/2014/main" xmlns="" val="2864215648"/>
                     </a:ext>
                   </a:extLst>
                 </a:gridCol>
                 <a:gridCol w="2746105">
                   <a:extLst>
                     <a:ext uri="{9D8B030D-6E8A-4147-A177-3AD203B41FA5}">
-                      <a16:colId xmlns="" xmlns:a16="http://schemas.microsoft.com/office/drawing/2014/main" val="879769541"/>
+                      <a16:colId xmlns:a16="http://schemas.microsoft.com/office/drawing/2014/main" xmlns="" val="879769541"/>
                     </a:ext>
                   </a:extLst>
                 </a:gridCol>
                 <a:gridCol w="2540479">
                   <a:extLst>
                     <a:ext uri="{9D8B030D-6E8A-4147-A177-3AD203B41FA5}">
-                      <a16:colId xmlns="" xmlns:a16="http://schemas.microsoft.com/office/drawing/2014/main" val="1510221549"/>
+                      <a16:colId xmlns:a16="http://schemas.microsoft.com/office/drawing/2014/main" xmlns="" val="1510221549"/>
                     </a:ext>
                   </a:extLst>
                 </a:gridCol>
@@ -19307,7 +19337,7 @@
           <p:cNvPr id="16" name="表 15">
             <a:extLst>
               <a:ext uri="{FF2B5EF4-FFF2-40B4-BE49-F238E27FC236}">
-                <a16:creationId xmlns="" xmlns:a16="http://schemas.microsoft.com/office/drawing/2014/main" id="{34262436-74E8-488C-8C1B-44C3F88BE676}"/>
+                <a16:creationId xmlns:a16="http://schemas.microsoft.com/office/drawing/2014/main" xmlns="" id="{34262436-74E8-488C-8C1B-44C3F88BE676}"/>
               </a:ext>
             </a:extLst>
           </p:cNvPr>
@@ -19336,14 +19366,14 @@
                 <a:gridCol w="2161256">
                   <a:extLst>
                     <a:ext uri="{9D8B030D-6E8A-4147-A177-3AD203B41FA5}">
-                      <a16:colId xmlns="" xmlns:a16="http://schemas.microsoft.com/office/drawing/2014/main" val="2864215648"/>
+                      <a16:colId xmlns:a16="http://schemas.microsoft.com/office/drawing/2014/main" xmlns="" val="2864215648"/>
                     </a:ext>
                   </a:extLst>
                 </a:gridCol>
                 <a:gridCol w="5257050">
                   <a:extLst>
                     <a:ext uri="{9D8B030D-6E8A-4147-A177-3AD203B41FA5}">
-                      <a16:colId xmlns="" xmlns:a16="http://schemas.microsoft.com/office/drawing/2014/main" val="879769541"/>
+                      <a16:colId xmlns:a16="http://schemas.microsoft.com/office/drawing/2014/main" xmlns="" val="879769541"/>
                     </a:ext>
                   </a:extLst>
                 </a:gridCol>
@@ -19568,7 +19598,7 @@
           <p:cNvPr id="2" name="タイトル 1">
             <a:extLst>
               <a:ext uri="{FF2B5EF4-FFF2-40B4-BE49-F238E27FC236}">
-                <a16:creationId xmlns="" xmlns:a16="http://schemas.microsoft.com/office/drawing/2014/main" id="{41FAA20E-7C33-4452-B000-1315C6D7BF74}"/>
+                <a16:creationId xmlns:a16="http://schemas.microsoft.com/office/drawing/2014/main" xmlns="" id="{41FAA20E-7C33-4452-B000-1315C6D7BF74}"/>
               </a:ext>
             </a:extLst>
           </p:cNvPr>
@@ -19601,7 +19631,7 @@
           <p:cNvPr id="3" name="コンテンツ プレースホルダー 2">
             <a:extLst>
               <a:ext uri="{FF2B5EF4-FFF2-40B4-BE49-F238E27FC236}">
-                <a16:creationId xmlns="" xmlns:a16="http://schemas.microsoft.com/office/drawing/2014/main" id="{24173F00-B91E-440E-BAD4-BB493A21AC4B}"/>
+                <a16:creationId xmlns:a16="http://schemas.microsoft.com/office/drawing/2014/main" xmlns="" id="{24173F00-B91E-440E-BAD4-BB493A21AC4B}"/>
               </a:ext>
             </a:extLst>
           </p:cNvPr>
@@ -20551,7 +20581,7 @@
           <p:cNvPr id="4" name="スライド番号プレースホルダー 3">
             <a:extLst>
               <a:ext uri="{FF2B5EF4-FFF2-40B4-BE49-F238E27FC236}">
-                <a16:creationId xmlns="" xmlns:a16="http://schemas.microsoft.com/office/drawing/2014/main" id="{3A64CE71-C252-41E0-98BA-363CD7954AFC}"/>
+                <a16:creationId xmlns:a16="http://schemas.microsoft.com/office/drawing/2014/main" xmlns="" id="{3A64CE71-C252-41E0-98BA-363CD7954AFC}"/>
               </a:ext>
             </a:extLst>
           </p:cNvPr>
@@ -20618,7 +20648,7 @@
           <p:cNvPr id="2" name="タイトル 1">
             <a:extLst>
               <a:ext uri="{FF2B5EF4-FFF2-40B4-BE49-F238E27FC236}">
-                <a16:creationId xmlns="" xmlns:a16="http://schemas.microsoft.com/office/drawing/2014/main" id="{41FAA20E-7C33-4452-B000-1315C6D7BF74}"/>
+                <a16:creationId xmlns:a16="http://schemas.microsoft.com/office/drawing/2014/main" xmlns="" id="{41FAA20E-7C33-4452-B000-1315C6D7BF74}"/>
               </a:ext>
             </a:extLst>
           </p:cNvPr>
@@ -20651,7 +20681,7 @@
           <p:cNvPr id="3" name="コンテンツ プレースホルダー 2">
             <a:extLst>
               <a:ext uri="{FF2B5EF4-FFF2-40B4-BE49-F238E27FC236}">
-                <a16:creationId xmlns="" xmlns:a16="http://schemas.microsoft.com/office/drawing/2014/main" id="{24173F00-B91E-440E-BAD4-BB493A21AC4B}"/>
+                <a16:creationId xmlns:a16="http://schemas.microsoft.com/office/drawing/2014/main" xmlns="" id="{24173F00-B91E-440E-BAD4-BB493A21AC4B}"/>
               </a:ext>
             </a:extLst>
           </p:cNvPr>
@@ -21063,7 +21093,7 @@
           <p:cNvPr id="4" name="スライド番号プレースホルダー 3">
             <a:extLst>
               <a:ext uri="{FF2B5EF4-FFF2-40B4-BE49-F238E27FC236}">
-                <a16:creationId xmlns="" xmlns:a16="http://schemas.microsoft.com/office/drawing/2014/main" id="{3A64CE71-C252-41E0-98BA-363CD7954AFC}"/>
+                <a16:creationId xmlns:a16="http://schemas.microsoft.com/office/drawing/2014/main" xmlns="" id="{3A64CE71-C252-41E0-98BA-363CD7954AFC}"/>
               </a:ext>
             </a:extLst>
           </p:cNvPr>
@@ -21653,7 +21683,7 @@
           <p:cNvPr id="7" name="表 6">
             <a:extLst>
               <a:ext uri="{FF2B5EF4-FFF2-40B4-BE49-F238E27FC236}">
-                <a16:creationId xmlns="" xmlns:a16="http://schemas.microsoft.com/office/drawing/2014/main" id="{34262436-74E8-488C-8C1B-44C3F88BE676}"/>
+                <a16:creationId xmlns:a16="http://schemas.microsoft.com/office/drawing/2014/main" xmlns="" id="{34262436-74E8-488C-8C1B-44C3F88BE676}"/>
               </a:ext>
             </a:extLst>
           </p:cNvPr>
@@ -21682,14 +21712,14 @@
                 <a:gridCol w="1562174">
                   <a:extLst>
                     <a:ext uri="{9D8B030D-6E8A-4147-A177-3AD203B41FA5}">
-                      <a16:colId xmlns="" xmlns:a16="http://schemas.microsoft.com/office/drawing/2014/main" val="2864215648"/>
+                      <a16:colId xmlns:a16="http://schemas.microsoft.com/office/drawing/2014/main" xmlns="" val="2864215648"/>
                     </a:ext>
                   </a:extLst>
                 </a:gridCol>
                 <a:gridCol w="5881476">
                   <a:extLst>
                     <a:ext uri="{9D8B030D-6E8A-4147-A177-3AD203B41FA5}">
-                      <a16:colId xmlns="" xmlns:a16="http://schemas.microsoft.com/office/drawing/2014/main" val="879769541"/>
+                      <a16:colId xmlns:a16="http://schemas.microsoft.com/office/drawing/2014/main" xmlns="" val="879769541"/>
                     </a:ext>
                   </a:extLst>
                 </a:gridCol>
@@ -22113,7 +22143,7 @@
           <p:cNvPr id="2" name="タイトル 1">
             <a:extLst>
               <a:ext uri="{FF2B5EF4-FFF2-40B4-BE49-F238E27FC236}">
-                <a16:creationId xmlns="" xmlns:a16="http://schemas.microsoft.com/office/drawing/2014/main" id="{41FAA20E-7C33-4452-B000-1315C6D7BF74}"/>
+                <a16:creationId xmlns:a16="http://schemas.microsoft.com/office/drawing/2014/main" xmlns="" id="{41FAA20E-7C33-4452-B000-1315C6D7BF74}"/>
               </a:ext>
             </a:extLst>
           </p:cNvPr>
@@ -22146,7 +22176,7 @@
           <p:cNvPr id="3" name="コンテンツ プレースホルダー 2">
             <a:extLst>
               <a:ext uri="{FF2B5EF4-FFF2-40B4-BE49-F238E27FC236}">
-                <a16:creationId xmlns="" xmlns:a16="http://schemas.microsoft.com/office/drawing/2014/main" id="{24173F00-B91E-440E-BAD4-BB493A21AC4B}"/>
+                <a16:creationId xmlns:a16="http://schemas.microsoft.com/office/drawing/2014/main" xmlns="" id="{24173F00-B91E-440E-BAD4-BB493A21AC4B}"/>
               </a:ext>
             </a:extLst>
           </p:cNvPr>
@@ -22515,7 +22545,7 @@
           <p:cNvPr id="4" name="スライド番号プレースホルダー 3">
             <a:extLst>
               <a:ext uri="{FF2B5EF4-FFF2-40B4-BE49-F238E27FC236}">
-                <a16:creationId xmlns="" xmlns:a16="http://schemas.microsoft.com/office/drawing/2014/main" id="{3A64CE71-C252-41E0-98BA-363CD7954AFC}"/>
+                <a16:creationId xmlns:a16="http://schemas.microsoft.com/office/drawing/2014/main" xmlns="" id="{3A64CE71-C252-41E0-98BA-363CD7954AFC}"/>
               </a:ext>
             </a:extLst>
           </p:cNvPr>
@@ -23098,7 +23128,7 @@
           <p:cNvPr id="7" name="表 6">
             <a:extLst>
               <a:ext uri="{FF2B5EF4-FFF2-40B4-BE49-F238E27FC236}">
-                <a16:creationId xmlns="" xmlns:a16="http://schemas.microsoft.com/office/drawing/2014/main" id="{34262436-74E8-488C-8C1B-44C3F88BE676}"/>
+                <a16:creationId xmlns:a16="http://schemas.microsoft.com/office/drawing/2014/main" xmlns="" id="{34262436-74E8-488C-8C1B-44C3F88BE676}"/>
               </a:ext>
             </a:extLst>
           </p:cNvPr>
@@ -23127,14 +23157,14 @@
                 <a:gridCol w="1562174">
                   <a:extLst>
                     <a:ext uri="{9D8B030D-6E8A-4147-A177-3AD203B41FA5}">
-                      <a16:colId xmlns="" xmlns:a16="http://schemas.microsoft.com/office/drawing/2014/main" val="2864215648"/>
+                      <a16:colId xmlns:a16="http://schemas.microsoft.com/office/drawing/2014/main" xmlns="" val="2864215648"/>
                     </a:ext>
                   </a:extLst>
                 </a:gridCol>
                 <a:gridCol w="5881476">
                   <a:extLst>
                     <a:ext uri="{9D8B030D-6E8A-4147-A177-3AD203B41FA5}">
-                      <a16:colId xmlns="" xmlns:a16="http://schemas.microsoft.com/office/drawing/2014/main" val="879769541"/>
+                      <a16:colId xmlns:a16="http://schemas.microsoft.com/office/drawing/2014/main" xmlns="" val="879769541"/>
                     </a:ext>
                   </a:extLst>
                 </a:gridCol>
@@ -23485,7 +23515,7 @@
           <p:cNvPr id="2" name="タイトル 1">
             <a:extLst>
               <a:ext uri="{FF2B5EF4-FFF2-40B4-BE49-F238E27FC236}">
-                <a16:creationId xmlns="" xmlns:a16="http://schemas.microsoft.com/office/drawing/2014/main" id="{41FAA20E-7C33-4452-B000-1315C6D7BF74}"/>
+                <a16:creationId xmlns:a16="http://schemas.microsoft.com/office/drawing/2014/main" xmlns="" id="{41FAA20E-7C33-4452-B000-1315C6D7BF74}"/>
               </a:ext>
             </a:extLst>
           </p:cNvPr>
@@ -23518,7 +23548,7 @@
           <p:cNvPr id="3" name="コンテンツ プレースホルダー 2">
             <a:extLst>
               <a:ext uri="{FF2B5EF4-FFF2-40B4-BE49-F238E27FC236}">
-                <a16:creationId xmlns="" xmlns:a16="http://schemas.microsoft.com/office/drawing/2014/main" id="{24173F00-B91E-440E-BAD4-BB493A21AC4B}"/>
+                <a16:creationId xmlns:a16="http://schemas.microsoft.com/office/drawing/2014/main" xmlns="" id="{24173F00-B91E-440E-BAD4-BB493A21AC4B}"/>
               </a:ext>
             </a:extLst>
           </p:cNvPr>
@@ -23841,7 +23871,7 @@
           <p:cNvPr id="4" name="スライド番号プレースホルダー 3">
             <a:extLst>
               <a:ext uri="{FF2B5EF4-FFF2-40B4-BE49-F238E27FC236}">
-                <a16:creationId xmlns="" xmlns:a16="http://schemas.microsoft.com/office/drawing/2014/main" id="{3A64CE71-C252-41E0-98BA-363CD7954AFC}"/>
+                <a16:creationId xmlns:a16="http://schemas.microsoft.com/office/drawing/2014/main" xmlns="" id="{3A64CE71-C252-41E0-98BA-363CD7954AFC}"/>
               </a:ext>
             </a:extLst>
           </p:cNvPr>
@@ -24555,7 +24585,7 @@
           <p:cNvPr id="2" name="タイトル 1">
             <a:extLst>
               <a:ext uri="{FF2B5EF4-FFF2-40B4-BE49-F238E27FC236}">
-                <a16:creationId xmlns="" xmlns:a16="http://schemas.microsoft.com/office/drawing/2014/main" id="{41FAA20E-7C33-4452-B000-1315C6D7BF74}"/>
+                <a16:creationId xmlns:a16="http://schemas.microsoft.com/office/drawing/2014/main" xmlns="" id="{41FAA20E-7C33-4452-B000-1315C6D7BF74}"/>
               </a:ext>
             </a:extLst>
           </p:cNvPr>
@@ -24588,7 +24618,7 @@
           <p:cNvPr id="3" name="コンテンツ プレースホルダー 2">
             <a:extLst>
               <a:ext uri="{FF2B5EF4-FFF2-40B4-BE49-F238E27FC236}">
-                <a16:creationId xmlns="" xmlns:a16="http://schemas.microsoft.com/office/drawing/2014/main" id="{24173F00-B91E-440E-BAD4-BB493A21AC4B}"/>
+                <a16:creationId xmlns:a16="http://schemas.microsoft.com/office/drawing/2014/main" xmlns="" id="{24173F00-B91E-440E-BAD4-BB493A21AC4B}"/>
               </a:ext>
             </a:extLst>
           </p:cNvPr>
@@ -24880,7 +24910,7 @@
           <p:cNvPr id="4" name="スライド番号プレースホルダー 3">
             <a:extLst>
               <a:ext uri="{FF2B5EF4-FFF2-40B4-BE49-F238E27FC236}">
-                <a16:creationId xmlns="" xmlns:a16="http://schemas.microsoft.com/office/drawing/2014/main" id="{3A64CE71-C252-41E0-98BA-363CD7954AFC}"/>
+                <a16:creationId xmlns:a16="http://schemas.microsoft.com/office/drawing/2014/main" xmlns="" id="{3A64CE71-C252-41E0-98BA-363CD7954AFC}"/>
               </a:ext>
             </a:extLst>
           </p:cNvPr>
@@ -25459,7 +25489,7 @@
           <p:cNvPr id="11" name="表 10">
             <a:extLst>
               <a:ext uri="{FF2B5EF4-FFF2-40B4-BE49-F238E27FC236}">
-                <a16:creationId xmlns="" xmlns:a16="http://schemas.microsoft.com/office/drawing/2014/main" id="{3824BA45-4555-4A4B-859E-D45B5DBE9166}"/>
+                <a16:creationId xmlns:a16="http://schemas.microsoft.com/office/drawing/2014/main" xmlns="" id="{3824BA45-4555-4A4B-859E-D45B5DBE9166}"/>
               </a:ext>
             </a:extLst>
           </p:cNvPr>
@@ -25488,14 +25518,14 @@
                 <a:gridCol w="1251285">
                   <a:extLst>
                     <a:ext uri="{9D8B030D-6E8A-4147-A177-3AD203B41FA5}">
-                      <a16:colId xmlns="" xmlns:a16="http://schemas.microsoft.com/office/drawing/2014/main" val="486962398"/>
+                      <a16:colId xmlns:a16="http://schemas.microsoft.com/office/drawing/2014/main" xmlns="" val="486962398"/>
                     </a:ext>
                   </a:extLst>
                 </a:gridCol>
                 <a:gridCol w="1251285">
                   <a:extLst>
                     <a:ext uri="{9D8B030D-6E8A-4147-A177-3AD203B41FA5}">
-                      <a16:colId xmlns="" xmlns:a16="http://schemas.microsoft.com/office/drawing/2014/main" val="1228622091"/>
+                      <a16:colId xmlns:a16="http://schemas.microsoft.com/office/drawing/2014/main" xmlns="" val="1228622091"/>
                     </a:ext>
                   </a:extLst>
                 </a:gridCol>
@@ -25558,7 +25588,7 @@
                 </a:tc>
                 <a:extLst>
                   <a:ext uri="{0D108BD9-81ED-4DB2-BD59-A6C34878D82A}">
-                    <a16:rowId xmlns="" xmlns:a16="http://schemas.microsoft.com/office/drawing/2014/main" val="3951679411"/>
+                    <a16:rowId xmlns:a16="http://schemas.microsoft.com/office/drawing/2014/main" xmlns="" val="3951679411"/>
                   </a:ext>
                 </a:extLst>
               </a:tr>
@@ -25652,7 +25682,7 @@
                 </a:tc>
                 <a:extLst>
                   <a:ext uri="{0D108BD9-81ED-4DB2-BD59-A6C34878D82A}">
-                    <a16:rowId xmlns="" xmlns:a16="http://schemas.microsoft.com/office/drawing/2014/main" val="655885765"/>
+                    <a16:rowId xmlns:a16="http://schemas.microsoft.com/office/drawing/2014/main" xmlns="" val="655885765"/>
                   </a:ext>
                 </a:extLst>
               </a:tr>
@@ -25763,7 +25793,7 @@
                 </a:tc>
                 <a:extLst>
                   <a:ext uri="{0D108BD9-81ED-4DB2-BD59-A6C34878D82A}">
-                    <a16:rowId xmlns="" xmlns:a16="http://schemas.microsoft.com/office/drawing/2014/main" val="4269180922"/>
+                    <a16:rowId xmlns:a16="http://schemas.microsoft.com/office/drawing/2014/main" xmlns="" val="4269180922"/>
                   </a:ext>
                 </a:extLst>
               </a:tr>
@@ -25907,7 +25937,7 @@
           <p:cNvPr id="2" name="タイトル 1">
             <a:extLst>
               <a:ext uri="{FF2B5EF4-FFF2-40B4-BE49-F238E27FC236}">
-                <a16:creationId xmlns="" xmlns:a16="http://schemas.microsoft.com/office/drawing/2014/main" id="{41FAA20E-7C33-4452-B000-1315C6D7BF74}"/>
+                <a16:creationId xmlns:a16="http://schemas.microsoft.com/office/drawing/2014/main" xmlns="" id="{41FAA20E-7C33-4452-B000-1315C6D7BF74}"/>
               </a:ext>
             </a:extLst>
           </p:cNvPr>
@@ -25940,7 +25970,7 @@
           <p:cNvPr id="3" name="コンテンツ プレースホルダー 2">
             <a:extLst>
               <a:ext uri="{FF2B5EF4-FFF2-40B4-BE49-F238E27FC236}">
-                <a16:creationId xmlns="" xmlns:a16="http://schemas.microsoft.com/office/drawing/2014/main" id="{24173F00-B91E-440E-BAD4-BB493A21AC4B}"/>
+                <a16:creationId xmlns:a16="http://schemas.microsoft.com/office/drawing/2014/main" xmlns="" id="{24173F00-B91E-440E-BAD4-BB493A21AC4B}"/>
               </a:ext>
             </a:extLst>
           </p:cNvPr>
@@ -26319,7 +26349,7 @@
           <p:cNvPr id="4" name="スライド番号プレースホルダー 3">
             <a:extLst>
               <a:ext uri="{FF2B5EF4-FFF2-40B4-BE49-F238E27FC236}">
-                <a16:creationId xmlns="" xmlns:a16="http://schemas.microsoft.com/office/drawing/2014/main" id="{3A64CE71-C252-41E0-98BA-363CD7954AFC}"/>
+                <a16:creationId xmlns:a16="http://schemas.microsoft.com/office/drawing/2014/main" xmlns="" id="{3A64CE71-C252-41E0-98BA-363CD7954AFC}"/>
               </a:ext>
             </a:extLst>
           </p:cNvPr>
@@ -26898,7 +26928,7 @@
           <p:cNvPr id="7" name="テキスト ボックス 6">
             <a:extLst>
               <a:ext uri="{FF2B5EF4-FFF2-40B4-BE49-F238E27FC236}">
-                <a16:creationId xmlns="" xmlns:a16="http://schemas.microsoft.com/office/drawing/2014/main" id="{71FED841-B37C-4655-B094-D9D9B244EFB4}"/>
+                <a16:creationId xmlns:a16="http://schemas.microsoft.com/office/drawing/2014/main" xmlns="" id="{71FED841-B37C-4655-B094-D9D9B244EFB4}"/>
               </a:ext>
             </a:extLst>
           </p:cNvPr>
@@ -26935,7 +26965,7 @@
           <p:cNvPr id="9" name="テキスト ボックス 8">
             <a:extLst>
               <a:ext uri="{FF2B5EF4-FFF2-40B4-BE49-F238E27FC236}">
-                <a16:creationId xmlns="" xmlns:a16="http://schemas.microsoft.com/office/drawing/2014/main" id="{71FED841-B37C-4655-B094-D9D9B244EFB4}"/>
+                <a16:creationId xmlns:a16="http://schemas.microsoft.com/office/drawing/2014/main" xmlns="" id="{71FED841-B37C-4655-B094-D9D9B244EFB4}"/>
               </a:ext>
             </a:extLst>
           </p:cNvPr>
@@ -26972,7 +27002,7 @@
           <p:cNvPr id="11" name="テキスト ボックス 10">
             <a:extLst>
               <a:ext uri="{FF2B5EF4-FFF2-40B4-BE49-F238E27FC236}">
-                <a16:creationId xmlns="" xmlns:a16="http://schemas.microsoft.com/office/drawing/2014/main" id="{71FED841-B37C-4655-B094-D9D9B244EFB4}"/>
+                <a16:creationId xmlns:a16="http://schemas.microsoft.com/office/drawing/2014/main" xmlns="" id="{71FED841-B37C-4655-B094-D9D9B244EFB4}"/>
               </a:ext>
             </a:extLst>
           </p:cNvPr>
@@ -27024,7 +27054,7 @@
           <p:cNvPr id="12" name="テキスト ボックス 11">
             <a:extLst>
               <a:ext uri="{FF2B5EF4-FFF2-40B4-BE49-F238E27FC236}">
-                <a16:creationId xmlns="" xmlns:a16="http://schemas.microsoft.com/office/drawing/2014/main" id="{71FED841-B37C-4655-B094-D9D9B244EFB4}"/>
+                <a16:creationId xmlns:a16="http://schemas.microsoft.com/office/drawing/2014/main" xmlns="" id="{71FED841-B37C-4655-B094-D9D9B244EFB4}"/>
               </a:ext>
             </a:extLst>
           </p:cNvPr>
@@ -27104,7 +27134,7 @@
           <p:cNvPr id="2" name="タイトル 1">
             <a:extLst>
               <a:ext uri="{FF2B5EF4-FFF2-40B4-BE49-F238E27FC236}">
-                <a16:creationId xmlns="" xmlns:a16="http://schemas.microsoft.com/office/drawing/2014/main" id="{41FAA20E-7C33-4452-B000-1315C6D7BF74}"/>
+                <a16:creationId xmlns:a16="http://schemas.microsoft.com/office/drawing/2014/main" xmlns="" id="{41FAA20E-7C33-4452-B000-1315C6D7BF74}"/>
               </a:ext>
             </a:extLst>
           </p:cNvPr>
@@ -27137,7 +27167,7 @@
           <p:cNvPr id="3" name="コンテンツ プレースホルダー 2">
             <a:extLst>
               <a:ext uri="{FF2B5EF4-FFF2-40B4-BE49-F238E27FC236}">
-                <a16:creationId xmlns="" xmlns:a16="http://schemas.microsoft.com/office/drawing/2014/main" id="{24173F00-B91E-440E-BAD4-BB493A21AC4B}"/>
+                <a16:creationId xmlns:a16="http://schemas.microsoft.com/office/drawing/2014/main" xmlns="" id="{24173F00-B91E-440E-BAD4-BB493A21AC4B}"/>
               </a:ext>
             </a:extLst>
           </p:cNvPr>
@@ -27532,7 +27562,7 @@
           <p:cNvPr id="4" name="スライド番号プレースホルダー 3">
             <a:extLst>
               <a:ext uri="{FF2B5EF4-FFF2-40B4-BE49-F238E27FC236}">
-                <a16:creationId xmlns="" xmlns:a16="http://schemas.microsoft.com/office/drawing/2014/main" id="{3A64CE71-C252-41E0-98BA-363CD7954AFC}"/>
+                <a16:creationId xmlns:a16="http://schemas.microsoft.com/office/drawing/2014/main" xmlns="" id="{3A64CE71-C252-41E0-98BA-363CD7954AFC}"/>
               </a:ext>
             </a:extLst>
           </p:cNvPr>
@@ -28111,7 +28141,7 @@
           <p:cNvPr id="12" name="テキスト ボックス 11">
             <a:extLst>
               <a:ext uri="{FF2B5EF4-FFF2-40B4-BE49-F238E27FC236}">
-                <a16:creationId xmlns="" xmlns:a16="http://schemas.microsoft.com/office/drawing/2014/main" id="{71FED841-B37C-4655-B094-D9D9B244EFB4}"/>
+                <a16:creationId xmlns:a16="http://schemas.microsoft.com/office/drawing/2014/main" xmlns="" id="{71FED841-B37C-4655-B094-D9D9B244EFB4}"/>
               </a:ext>
             </a:extLst>
           </p:cNvPr>
@@ -28245,7 +28275,7 @@
           <p:cNvPr id="2" name="タイトル 1">
             <a:extLst>
               <a:ext uri="{FF2B5EF4-FFF2-40B4-BE49-F238E27FC236}">
-                <a16:creationId xmlns="" xmlns:a16="http://schemas.microsoft.com/office/drawing/2014/main" id="{41FAA20E-7C33-4452-B000-1315C6D7BF74}"/>
+                <a16:creationId xmlns:a16="http://schemas.microsoft.com/office/drawing/2014/main" xmlns="" id="{41FAA20E-7C33-4452-B000-1315C6D7BF74}"/>
               </a:ext>
             </a:extLst>
           </p:cNvPr>
@@ -28278,7 +28308,7 @@
           <p:cNvPr id="3" name="コンテンツ プレースホルダー 2">
             <a:extLst>
               <a:ext uri="{FF2B5EF4-FFF2-40B4-BE49-F238E27FC236}">
-                <a16:creationId xmlns="" xmlns:a16="http://schemas.microsoft.com/office/drawing/2014/main" id="{24173F00-B91E-440E-BAD4-BB493A21AC4B}"/>
+                <a16:creationId xmlns:a16="http://schemas.microsoft.com/office/drawing/2014/main" xmlns="" id="{24173F00-B91E-440E-BAD4-BB493A21AC4B}"/>
               </a:ext>
             </a:extLst>
           </p:cNvPr>
@@ -28551,7 +28581,7 @@
           <p:cNvPr id="4" name="スライド番号プレースホルダー 3">
             <a:extLst>
               <a:ext uri="{FF2B5EF4-FFF2-40B4-BE49-F238E27FC236}">
-                <a16:creationId xmlns="" xmlns:a16="http://schemas.microsoft.com/office/drawing/2014/main" id="{3A64CE71-C252-41E0-98BA-363CD7954AFC}"/>
+                <a16:creationId xmlns:a16="http://schemas.microsoft.com/office/drawing/2014/main" xmlns="" id="{3A64CE71-C252-41E0-98BA-363CD7954AFC}"/>
               </a:ext>
             </a:extLst>
           </p:cNvPr>
@@ -29532,7 +29562,7 @@
           <p:cNvPr id="2" name="タイトル 1">
             <a:extLst>
               <a:ext uri="{FF2B5EF4-FFF2-40B4-BE49-F238E27FC236}">
-                <a16:creationId xmlns="" xmlns:a16="http://schemas.microsoft.com/office/drawing/2014/main" id="{41FAA20E-7C33-4452-B000-1315C6D7BF74}"/>
+                <a16:creationId xmlns:a16="http://schemas.microsoft.com/office/drawing/2014/main" xmlns="" id="{41FAA20E-7C33-4452-B000-1315C6D7BF74}"/>
               </a:ext>
             </a:extLst>
           </p:cNvPr>
@@ -29565,7 +29595,7 @@
           <p:cNvPr id="3" name="コンテンツ プレースホルダー 2">
             <a:extLst>
               <a:ext uri="{FF2B5EF4-FFF2-40B4-BE49-F238E27FC236}">
-                <a16:creationId xmlns="" xmlns:a16="http://schemas.microsoft.com/office/drawing/2014/main" id="{24173F00-B91E-440E-BAD4-BB493A21AC4B}"/>
+                <a16:creationId xmlns:a16="http://schemas.microsoft.com/office/drawing/2014/main" xmlns="" id="{24173F00-B91E-440E-BAD4-BB493A21AC4B}"/>
               </a:ext>
             </a:extLst>
           </p:cNvPr>
@@ -29800,7 +29830,7 @@
           <p:cNvPr id="4" name="スライド番号プレースホルダー 3">
             <a:extLst>
               <a:ext uri="{FF2B5EF4-FFF2-40B4-BE49-F238E27FC236}">
-                <a16:creationId xmlns="" xmlns:a16="http://schemas.microsoft.com/office/drawing/2014/main" id="{3A64CE71-C252-41E0-98BA-363CD7954AFC}"/>
+                <a16:creationId xmlns:a16="http://schemas.microsoft.com/office/drawing/2014/main" xmlns="" id="{3A64CE71-C252-41E0-98BA-363CD7954AFC}"/>
               </a:ext>
             </a:extLst>
           </p:cNvPr>
@@ -30507,10 +30537,287 @@
       </p:grpSpPr>
       <p:sp>
         <p:nvSpPr>
+          <p:cNvPr id="2" name="タイトル 1"/>
+          <p:cNvSpPr>
+            <a:spLocks noGrp="1"/>
+          </p:cNvSpPr>
+          <p:nvPr>
+            <p:ph type="title"/>
+          </p:nvPr>
+        </p:nvSpPr>
+        <p:spPr/>
+        <p:txBody>
+          <a:bodyPr/>
+          <a:lstStyle/>
+          <a:p>
+            <a:r>
+              <a:rPr kumimoji="1" lang="en-US" altLang="ja-JP" dirty="0" smtClean="0"/>
+              <a:t>Google Analytics with Google Firebase</a:t>
+            </a:r>
+            <a:endParaRPr kumimoji="1" lang="ja-JP" altLang="en-US" dirty="0"/>
+          </a:p>
+        </p:txBody>
+      </p:sp>
+      <p:sp>
+        <p:nvSpPr>
+          <p:cNvPr id="3" name="コンテンツ プレースホルダー 2"/>
+          <p:cNvSpPr>
+            <a:spLocks noGrp="1"/>
+          </p:cNvSpPr>
+          <p:nvPr>
+            <p:ph idx="1"/>
+          </p:nvPr>
+        </p:nvSpPr>
+        <p:spPr/>
+        <p:txBody>
+          <a:bodyPr/>
+          <a:lstStyle/>
+          <a:p>
+            <a:r>
+              <a:rPr lang="en-US" altLang="ja-JP" sz="1050" dirty="0"/>
+              <a:t>Step 1: Open link https://console.firebase.google.com/ and login with your Google Account:</a:t>
+            </a:r>
+          </a:p>
+          <a:p>
+            <a:r>
+              <a:rPr lang="en-US" altLang="ja-JP" sz="1050" dirty="0"/>
+              <a:t>Step 2: Create a Firebase project</a:t>
+            </a:r>
+          </a:p>
+          <a:p>
+            <a:pPr lvl="1"/>
+            <a:r>
+              <a:rPr lang="en-US" altLang="ja-JP" sz="1050" dirty="0"/>
+              <a:t>1. In the Firebase console, click Add project, then select or enter a Project name.</a:t>
+            </a:r>
+          </a:p>
+          <a:p>
+            <a:pPr lvl="1"/>
+            <a:r>
+              <a:rPr lang="en-US" altLang="ja-JP" sz="1050" dirty="0"/>
+              <a:t>2. Click Continue =&gt; Click Continue =&gt; Click Create Project</a:t>
+            </a:r>
+          </a:p>
+          <a:p>
+            <a:r>
+              <a:rPr lang="en-US" altLang="ja-JP" sz="1050" dirty="0"/>
+              <a:t>Step 3: Register your app with Firebase</a:t>
+            </a:r>
+          </a:p>
+          <a:p>
+            <a:pPr lvl="1"/>
+            <a:r>
+              <a:rPr lang="en-US" altLang="ja-JP" sz="1050" dirty="0"/>
+              <a:t>1. Go to the Firebase console.</a:t>
+            </a:r>
+          </a:p>
+          <a:p>
+            <a:pPr lvl="1"/>
+            <a:r>
+              <a:rPr lang="en-US" altLang="ja-JP" sz="1050" dirty="0"/>
+              <a:t>2. In the center of the project overview page, click the Unity icon (plat_unity) to launch the setup workflow.</a:t>
+            </a:r>
+          </a:p>
+          <a:p>
+            <a:pPr lvl="2"/>
+            <a:r>
+              <a:rPr lang="en-US" altLang="ja-JP" sz="1050" dirty="0"/>
+              <a:t>If you've already added an app to your Firebase project, click Add app to display the platform options.</a:t>
+            </a:r>
+          </a:p>
+          <a:p>
+            <a:pPr lvl="1"/>
+            <a:r>
+              <a:rPr lang="en-US" altLang="ja-JP" sz="1050" dirty="0"/>
+              <a:t>3. Select which build target of your Unity project that you’d like to register, or you can even select to register both targets now at the same time.</a:t>
+            </a:r>
+          </a:p>
+          <a:p>
+            <a:pPr lvl="1"/>
+            <a:r>
+              <a:rPr lang="en-US" altLang="ja-JP" sz="1050" dirty="0"/>
+              <a:t>4. Enter your Unity project’s platform-specific ID(s).</a:t>
+            </a:r>
+          </a:p>
+          <a:p>
+            <a:pPr lvl="2"/>
+            <a:r>
+              <a:rPr lang="en-US" altLang="ja-JP" sz="1050" dirty="0"/>
+              <a:t>For iOS — Enter your Unity project’s iOS ID in the iOS bundle ID field.</a:t>
+            </a:r>
+          </a:p>
+          <a:p>
+            <a:pPr lvl="2"/>
+            <a:r>
+              <a:rPr lang="en-US" altLang="ja-JP" sz="1050" dirty="0"/>
+              <a:t>For Android — Enter your Unity project’s Android ID in the Android package name field.</a:t>
+            </a:r>
+          </a:p>
+          <a:p>
+            <a:r>
+              <a:rPr lang="en-US" altLang="ja-JP" sz="1050" dirty="0"/>
+              <a:t>Step 4: Download Firebase configuration files</a:t>
+            </a:r>
+          </a:p>
+          <a:p>
+            <a:pPr lvl="1"/>
+            <a:r>
+              <a:rPr lang="en-US" altLang="ja-JP" sz="1050" dirty="0"/>
+              <a:t>Obtain your platform-specific Firebase configuration file(s) in the Firebase console setup workflow.</a:t>
+            </a:r>
+          </a:p>
+          <a:p>
+            <a:pPr lvl="2"/>
+            <a:r>
+              <a:rPr lang="en-US" altLang="ja-JP" sz="1050" dirty="0"/>
+              <a:t>For iOS — Click Download GoogleService-Info.plist.</a:t>
+            </a:r>
+          </a:p>
+          <a:p>
+            <a:pPr lvl="2"/>
+            <a:r>
+              <a:rPr lang="en-US" altLang="ja-JP" sz="1050" dirty="0"/>
+              <a:t>For Android — Click Download google-services.json.</a:t>
+            </a:r>
+          </a:p>
+          <a:p>
+            <a:r>
+              <a:rPr lang="en-US" altLang="ja-JP" sz="1050" dirty="0"/>
+              <a:t>Step 5: Open project on Firebase console</a:t>
+            </a:r>
+          </a:p>
+          <a:p>
+            <a:pPr lvl="1"/>
+            <a:r>
+              <a:rPr lang="en-US" altLang="ja-JP" sz="1050" dirty="0"/>
+              <a:t>1. Click to created project in the Firebase console</a:t>
+            </a:r>
+          </a:p>
+          <a:p>
+            <a:pPr lvl="1"/>
+            <a:r>
+              <a:rPr lang="en-US" altLang="ja-JP" sz="1050" dirty="0"/>
+              <a:t>2. On the left side bar, find Analytics title and click Dashboard</a:t>
+            </a:r>
+          </a:p>
+          <a:p>
+            <a:r>
+              <a:rPr lang="en-US" altLang="ja-JP" sz="1050" dirty="0"/>
+              <a:t>Step 6: Open project on Google Analytics</a:t>
+            </a:r>
+          </a:p>
+          <a:p>
+            <a:pPr lvl="1"/>
+            <a:r>
+              <a:rPr lang="en-US" altLang="ja-JP" sz="1050" dirty="0"/>
+              <a:t>In the Dashboard Analytics in Step 5, click View your data in Google Analytics</a:t>
+            </a:r>
+            <a:endParaRPr kumimoji="1" lang="ja-JP" altLang="en-US" sz="1050" dirty="0"/>
+          </a:p>
+        </p:txBody>
+      </p:sp>
+      <p:sp>
+        <p:nvSpPr>
+          <p:cNvPr id="4" name="スライド番号プレースホルダー 3"/>
+          <p:cNvSpPr>
+            <a:spLocks noGrp="1"/>
+          </p:cNvSpPr>
+          <p:nvPr>
+            <p:ph type="sldNum" sz="quarter" idx="12"/>
+          </p:nvPr>
+        </p:nvSpPr>
+        <p:spPr/>
+        <p:txBody>
+          <a:bodyPr/>
+          <a:lstStyle/>
+          <a:p>
+            <a:fld id="{FC7FC04C-4975-46EC-A609-F7DE0D5B1B51}" type="slidenum">
+              <a:rPr kumimoji="1" lang="ja-JP" altLang="en-US" smtClean="0"/>
+              <a:pPr/>
+              <a:t>31</a:t>
+            </a:fld>
+            <a:endParaRPr kumimoji="1" lang="ja-JP" altLang="en-US" dirty="0"/>
+          </a:p>
+        </p:txBody>
+      </p:sp>
+      <p:sp>
+        <p:nvSpPr>
+          <p:cNvPr id="5" name="正方形/長方形 4"/>
+          <p:cNvSpPr/>
+          <p:nvPr/>
+        </p:nvSpPr>
+        <p:spPr>
+          <a:xfrm>
+            <a:off x="9059720" y="6088726"/>
+            <a:ext cx="2932626" cy="458291"/>
+          </a:xfrm>
+          <a:prstGeom prst="rect">
+            <a:avLst/>
+          </a:prstGeom>
+        </p:spPr>
+        <p:style>
+          <a:lnRef idx="1">
+            <a:schemeClr val="accent1"/>
+          </a:lnRef>
+          <a:fillRef idx="3">
+            <a:schemeClr val="accent1"/>
+          </a:fillRef>
+          <a:effectRef idx="2">
+            <a:schemeClr val="accent1"/>
+          </a:effectRef>
+          <a:fontRef idx="minor">
+            <a:schemeClr val="lt1"/>
+          </a:fontRef>
+        </p:style>
+        <p:txBody>
+          <a:bodyPr rtlCol="0" anchor="ctr"/>
+          <a:lstStyle/>
+          <a:p>
+            <a:pPr algn="ctr"/>
+            <a:r>
+              <a:rPr kumimoji="1" lang="ja-JP" altLang="en-US" dirty="0" smtClean="0"/>
+              <a:t>編集中：要日本語化</a:t>
+            </a:r>
+            <a:endParaRPr kumimoji="1" lang="ja-JP" altLang="en-US" dirty="0"/>
+          </a:p>
+        </p:txBody>
+      </p:sp>
+    </p:spTree>
+    <p:extLst>
+      <p:ext uri="{BB962C8B-B14F-4D97-AF65-F5344CB8AC3E}">
+        <p14:creationId xmlns:p14="http://schemas.microsoft.com/office/powerpoint/2010/main" val="3915747537"/>
+      </p:ext>
+    </p:extLst>
+  </p:cSld>
+  <p:clrMapOvr>
+    <a:masterClrMapping/>
+  </p:clrMapOvr>
+</p:sld>
+</file>
+
+<file path=ppt/slides/slide32.xml><?xml version="1.0" encoding="utf-8"?>
+<p:sld xmlns:a="http://schemas.openxmlformats.org/drawingml/2006/main" xmlns:r="http://schemas.openxmlformats.org/officeDocument/2006/relationships" xmlns:p="http://schemas.openxmlformats.org/presentationml/2006/main">
+  <p:cSld>
+    <p:spTree>
+      <p:nvGrpSpPr>
+        <p:cNvPr id="1" name=""/>
+        <p:cNvGrpSpPr/>
+        <p:nvPr/>
+      </p:nvGrpSpPr>
+      <p:grpSpPr>
+        <a:xfrm>
+          <a:off x="0" y="0"/>
+          <a:ext cx="0" cy="0"/>
+          <a:chOff x="0" y="0"/>
+          <a:chExt cx="0" cy="0"/>
+        </a:xfrm>
+      </p:grpSpPr>
+      <p:sp>
+        <p:nvSpPr>
           <p:cNvPr id="2" name="タイトル 1">
             <a:extLst>
               <a:ext uri="{FF2B5EF4-FFF2-40B4-BE49-F238E27FC236}">
-                <a16:creationId xmlns="" xmlns:a16="http://schemas.microsoft.com/office/drawing/2014/main" id="{088B8BCD-F08D-4BBA-A1AB-1E863725A893}"/>
+                <a16:creationId xmlns:a16="http://schemas.microsoft.com/office/drawing/2014/main" xmlns="" id="{088B8BCD-F08D-4BBA-A1AB-1E863725A893}"/>
               </a:ext>
             </a:extLst>
           </p:cNvPr>
@@ -30543,7 +30850,7 @@
           <p:cNvPr id="3" name="コンテンツ プレースホルダー 2">
             <a:extLst>
               <a:ext uri="{FF2B5EF4-FFF2-40B4-BE49-F238E27FC236}">
-                <a16:creationId xmlns="" xmlns:a16="http://schemas.microsoft.com/office/drawing/2014/main" id="{A7A32151-9B8F-44C6-94BE-A0C67BE48453}"/>
+                <a16:creationId xmlns:a16="http://schemas.microsoft.com/office/drawing/2014/main" xmlns="" id="{A7A32151-9B8F-44C6-94BE-A0C67BE48453}"/>
               </a:ext>
             </a:extLst>
           </p:cNvPr>
@@ -30768,7 +31075,7 @@
           <p:cNvPr id="4" name="スライド番号プレースホルダー 3">
             <a:extLst>
               <a:ext uri="{FF2B5EF4-FFF2-40B4-BE49-F238E27FC236}">
-                <a16:creationId xmlns="" xmlns:a16="http://schemas.microsoft.com/office/drawing/2014/main" id="{36D9B9E9-7BC9-40DD-8ADE-EBEB192923F1}"/>
+                <a16:creationId xmlns:a16="http://schemas.microsoft.com/office/drawing/2014/main" xmlns="" id="{36D9B9E9-7BC9-40DD-8ADE-EBEB192923F1}"/>
               </a:ext>
             </a:extLst>
           </p:cNvPr>
@@ -30787,7 +31094,7 @@
             <a:fld id="{FC7FC04C-4975-46EC-A609-F7DE0D5B1B51}" type="slidenum">
               <a:rPr kumimoji="1" lang="ja-JP" altLang="en-US" smtClean="0"/>
               <a:pPr/>
-              <a:t>31</a:t>
+              <a:t>32</a:t>
             </a:fld>
             <a:endParaRPr kumimoji="1" lang="ja-JP" altLang="en-US" dirty="0"/>
           </a:p>
@@ -30798,7 +31105,7 @@
           <p:cNvPr id="5" name="表 4">
             <a:extLst>
               <a:ext uri="{FF2B5EF4-FFF2-40B4-BE49-F238E27FC236}">
-                <a16:creationId xmlns="" xmlns:a16="http://schemas.microsoft.com/office/drawing/2014/main" id="{D842007C-3FC8-4371-8652-A83A536A50E2}"/>
+                <a16:creationId xmlns:a16="http://schemas.microsoft.com/office/drawing/2014/main" xmlns="" id="{D842007C-3FC8-4371-8652-A83A536A50E2}"/>
               </a:ext>
             </a:extLst>
           </p:cNvPr>
@@ -30827,21 +31134,21 @@
                 <a:gridCol w="1830688">
                   <a:extLst>
                     <a:ext uri="{9D8B030D-6E8A-4147-A177-3AD203B41FA5}">
-                      <a16:colId xmlns="" xmlns:a16="http://schemas.microsoft.com/office/drawing/2014/main" val="2804029949"/>
+                      <a16:colId xmlns:a16="http://schemas.microsoft.com/office/drawing/2014/main" xmlns="" val="2804029949"/>
                     </a:ext>
                   </a:extLst>
                 </a:gridCol>
                 <a:gridCol w="1259021">
                   <a:extLst>
                     <a:ext uri="{9D8B030D-6E8A-4147-A177-3AD203B41FA5}">
-                      <a16:colId xmlns="" xmlns:a16="http://schemas.microsoft.com/office/drawing/2014/main" val="512352544"/>
+                      <a16:colId xmlns:a16="http://schemas.microsoft.com/office/drawing/2014/main" xmlns="" val="512352544"/>
                     </a:ext>
                   </a:extLst>
                 </a:gridCol>
                 <a:gridCol w="2512195">
                   <a:extLst>
                     <a:ext uri="{9D8B030D-6E8A-4147-A177-3AD203B41FA5}">
-                      <a16:colId xmlns="" xmlns:a16="http://schemas.microsoft.com/office/drawing/2014/main" val="3115216659"/>
+                      <a16:colId xmlns:a16="http://schemas.microsoft.com/office/drawing/2014/main" xmlns="" val="3115216659"/>
                     </a:ext>
                   </a:extLst>
                 </a:gridCol>
@@ -30933,7 +31240,7 @@
                 </a:tc>
                 <a:extLst>
                   <a:ext uri="{0D108BD9-81ED-4DB2-BD59-A6C34878D82A}">
-                    <a16:rowId xmlns="" xmlns:a16="http://schemas.microsoft.com/office/drawing/2014/main" val="2148776483"/>
+                    <a16:rowId xmlns:a16="http://schemas.microsoft.com/office/drawing/2014/main" xmlns="" val="2148776483"/>
                   </a:ext>
                 </a:extLst>
               </a:tr>
@@ -31006,7 +31313,7 @@
                 </a:tc>
                 <a:extLst>
                   <a:ext uri="{0D108BD9-81ED-4DB2-BD59-A6C34878D82A}">
-                    <a16:rowId xmlns="" xmlns:a16="http://schemas.microsoft.com/office/drawing/2014/main" val="2791181300"/>
+                    <a16:rowId xmlns:a16="http://schemas.microsoft.com/office/drawing/2014/main" xmlns="" val="2791181300"/>
                   </a:ext>
                 </a:extLst>
               </a:tr>
@@ -31079,7 +31386,7 @@
                 </a:tc>
                 <a:extLst>
                   <a:ext uri="{0D108BD9-81ED-4DB2-BD59-A6C34878D82A}">
-                    <a16:rowId xmlns="" xmlns:a16="http://schemas.microsoft.com/office/drawing/2014/main" val="156981234"/>
+                    <a16:rowId xmlns:a16="http://schemas.microsoft.com/office/drawing/2014/main" xmlns="" val="156981234"/>
                   </a:ext>
                 </a:extLst>
               </a:tr>
@@ -31092,7 +31399,7 @@
           <p:cNvPr id="6" name="表 5">
             <a:extLst>
               <a:ext uri="{FF2B5EF4-FFF2-40B4-BE49-F238E27FC236}">
-                <a16:creationId xmlns="" xmlns:a16="http://schemas.microsoft.com/office/drawing/2014/main" id="{F001A894-50B0-48F0-815C-4C8C6E104348}"/>
+                <a16:creationId xmlns:a16="http://schemas.microsoft.com/office/drawing/2014/main" xmlns="" id="{F001A894-50B0-48F0-815C-4C8C6E104348}"/>
               </a:ext>
             </a:extLst>
           </p:cNvPr>
@@ -31121,21 +31428,21 @@
                 <a:gridCol w="903706">
                   <a:extLst>
                     <a:ext uri="{9D8B030D-6E8A-4147-A177-3AD203B41FA5}">
-                      <a16:colId xmlns="" xmlns:a16="http://schemas.microsoft.com/office/drawing/2014/main" val="2669971787"/>
+                      <a16:colId xmlns:a16="http://schemas.microsoft.com/office/drawing/2014/main" xmlns="" val="2669971787"/>
                     </a:ext>
                   </a:extLst>
                 </a:gridCol>
                 <a:gridCol w="1425074">
                   <a:extLst>
                     <a:ext uri="{9D8B030D-6E8A-4147-A177-3AD203B41FA5}">
-                      <a16:colId xmlns="" xmlns:a16="http://schemas.microsoft.com/office/drawing/2014/main" val="565529827"/>
+                      <a16:colId xmlns:a16="http://schemas.microsoft.com/office/drawing/2014/main" xmlns="" val="565529827"/>
                     </a:ext>
                   </a:extLst>
                 </a:gridCol>
                 <a:gridCol w="2050716">
                   <a:extLst>
                     <a:ext uri="{9D8B030D-6E8A-4147-A177-3AD203B41FA5}">
-                      <a16:colId xmlns="" xmlns:a16="http://schemas.microsoft.com/office/drawing/2014/main" val="1803121343"/>
+                      <a16:colId xmlns:a16="http://schemas.microsoft.com/office/drawing/2014/main" xmlns="" val="1803121343"/>
                     </a:ext>
                   </a:extLst>
                 </a:gridCol>
@@ -31227,7 +31534,7 @@
                 </a:tc>
                 <a:extLst>
                   <a:ext uri="{0D108BD9-81ED-4DB2-BD59-A6C34878D82A}">
-                    <a16:rowId xmlns="" xmlns:a16="http://schemas.microsoft.com/office/drawing/2014/main" val="1474283993"/>
+                    <a16:rowId xmlns:a16="http://schemas.microsoft.com/office/drawing/2014/main" xmlns="" val="1474283993"/>
                   </a:ext>
                 </a:extLst>
               </a:tr>
@@ -31300,7 +31607,7 @@
                 </a:tc>
                 <a:extLst>
                   <a:ext uri="{0D108BD9-81ED-4DB2-BD59-A6C34878D82A}">
-                    <a16:rowId xmlns="" xmlns:a16="http://schemas.microsoft.com/office/drawing/2014/main" val="1116055654"/>
+                    <a16:rowId xmlns:a16="http://schemas.microsoft.com/office/drawing/2014/main" xmlns="" val="1116055654"/>
                   </a:ext>
                 </a:extLst>
               </a:tr>
@@ -31397,7 +31704,7 @@
                 </a:tc>
                 <a:extLst>
                   <a:ext uri="{0D108BD9-81ED-4DB2-BD59-A6C34878D82A}">
-                    <a16:rowId xmlns="" xmlns:a16="http://schemas.microsoft.com/office/drawing/2014/main" val="618552372"/>
+                    <a16:rowId xmlns:a16="http://schemas.microsoft.com/office/drawing/2014/main" xmlns="" val="618552372"/>
                   </a:ext>
                 </a:extLst>
               </a:tr>
@@ -31470,7 +31777,7 @@
                 </a:tc>
                 <a:extLst>
                   <a:ext uri="{0D108BD9-81ED-4DB2-BD59-A6C34878D82A}">
-                    <a16:rowId xmlns="" xmlns:a16="http://schemas.microsoft.com/office/drawing/2014/main" val="616743796"/>
+                    <a16:rowId xmlns:a16="http://schemas.microsoft.com/office/drawing/2014/main" xmlns="" val="616743796"/>
                   </a:ext>
                 </a:extLst>
               </a:tr>
@@ -32074,7 +32381,7 @@
 </p:sld>
 </file>
 
-<file path=ppt/slides/slide32.xml><?xml version="1.0" encoding="utf-8"?>
+<file path=ppt/slides/slide33.xml><?xml version="1.0" encoding="utf-8"?>
 <p:sld xmlns:a="http://schemas.openxmlformats.org/drawingml/2006/main" xmlns:r="http://schemas.openxmlformats.org/officeDocument/2006/relationships" xmlns:p="http://schemas.openxmlformats.org/presentationml/2006/main">
   <p:cSld>
     <p:spTree>
@@ -32096,7 +32403,7 @@
           <p:cNvPr id="2" name="タイトル 1">
             <a:extLst>
               <a:ext uri="{FF2B5EF4-FFF2-40B4-BE49-F238E27FC236}">
-                <a16:creationId xmlns="" xmlns:a16="http://schemas.microsoft.com/office/drawing/2014/main" id="{6560C43E-DBFC-4F26-B1E3-F48CB447A1AB}"/>
+                <a16:creationId xmlns:a16="http://schemas.microsoft.com/office/drawing/2014/main" xmlns="" id="{6560C43E-DBFC-4F26-B1E3-F48CB447A1AB}"/>
               </a:ext>
             </a:extLst>
           </p:cNvPr>
@@ -32129,7 +32436,7 @@
           <p:cNvPr id="3" name="コンテンツ プレースホルダー 2">
             <a:extLst>
               <a:ext uri="{FF2B5EF4-FFF2-40B4-BE49-F238E27FC236}">
-                <a16:creationId xmlns="" xmlns:a16="http://schemas.microsoft.com/office/drawing/2014/main" id="{6FC9A7EE-65C1-414B-9ED9-FF653BF56B4A}"/>
+                <a16:creationId xmlns:a16="http://schemas.microsoft.com/office/drawing/2014/main" xmlns="" id="{6FC9A7EE-65C1-414B-9ED9-FF653BF56B4A}"/>
               </a:ext>
             </a:extLst>
           </p:cNvPr>
@@ -32378,7 +32685,7 @@
           <p:cNvPr id="4" name="スライド番号プレースホルダー 3">
             <a:extLst>
               <a:ext uri="{FF2B5EF4-FFF2-40B4-BE49-F238E27FC236}">
-                <a16:creationId xmlns="" xmlns:a16="http://schemas.microsoft.com/office/drawing/2014/main" id="{3983BF5F-7F92-4E6E-89D1-1F15FFC0653E}"/>
+                <a16:creationId xmlns:a16="http://schemas.microsoft.com/office/drawing/2014/main" xmlns="" id="{3983BF5F-7F92-4E6E-89D1-1F15FFC0653E}"/>
               </a:ext>
             </a:extLst>
           </p:cNvPr>
@@ -32397,7 +32704,7 @@
             <a:fld id="{FC7FC04C-4975-46EC-A609-F7DE0D5B1B51}" type="slidenum">
               <a:rPr kumimoji="1" lang="ja-JP" altLang="en-US" smtClean="0"/>
               <a:pPr/>
-              <a:t>32</a:t>
+              <a:t>33</a:t>
             </a:fld>
             <a:endParaRPr kumimoji="1" lang="ja-JP" altLang="en-US" dirty="0"/>
           </a:p>
@@ -32408,7 +32715,7 @@
           <p:cNvPr id="5" name="表 4">
             <a:extLst>
               <a:ext uri="{FF2B5EF4-FFF2-40B4-BE49-F238E27FC236}">
-                <a16:creationId xmlns="" xmlns:a16="http://schemas.microsoft.com/office/drawing/2014/main" id="{D9843871-5C4A-4C44-8970-402E0DEFC328}"/>
+                <a16:creationId xmlns:a16="http://schemas.microsoft.com/office/drawing/2014/main" xmlns="" id="{D9843871-5C4A-4C44-8970-402E0DEFC328}"/>
               </a:ext>
             </a:extLst>
           </p:cNvPr>
@@ -32437,14 +32744,14 @@
                 <a:gridCol w="1463041">
                   <a:extLst>
                     <a:ext uri="{9D8B030D-6E8A-4147-A177-3AD203B41FA5}">
-                      <a16:colId xmlns="" xmlns:a16="http://schemas.microsoft.com/office/drawing/2014/main" val="2601223865"/>
+                      <a16:colId xmlns:a16="http://schemas.microsoft.com/office/drawing/2014/main" xmlns="" val="2601223865"/>
                     </a:ext>
                   </a:extLst>
                 </a:gridCol>
                 <a:gridCol w="2290813">
                   <a:extLst>
                     <a:ext uri="{9D8B030D-6E8A-4147-A177-3AD203B41FA5}">
-                      <a16:colId xmlns="" xmlns:a16="http://schemas.microsoft.com/office/drawing/2014/main" val="1373850020"/>
+                      <a16:colId xmlns:a16="http://schemas.microsoft.com/office/drawing/2014/main" xmlns="" val="1373850020"/>
                     </a:ext>
                   </a:extLst>
                 </a:gridCol>
@@ -32508,7 +32815,7 @@
                 </a:tc>
                 <a:extLst>
                   <a:ext uri="{0D108BD9-81ED-4DB2-BD59-A6C34878D82A}">
-                    <a16:rowId xmlns="" xmlns:a16="http://schemas.microsoft.com/office/drawing/2014/main" val="955087541"/>
+                    <a16:rowId xmlns:a16="http://schemas.microsoft.com/office/drawing/2014/main" xmlns="" val="955087541"/>
                   </a:ext>
                 </a:extLst>
               </a:tr>
@@ -32571,7 +32878,7 @@
                 </a:tc>
                 <a:extLst>
                   <a:ext uri="{0D108BD9-81ED-4DB2-BD59-A6C34878D82A}">
-                    <a16:rowId xmlns="" xmlns:a16="http://schemas.microsoft.com/office/drawing/2014/main" val="841426669"/>
+                    <a16:rowId xmlns:a16="http://schemas.microsoft.com/office/drawing/2014/main" xmlns="" val="841426669"/>
                   </a:ext>
                 </a:extLst>
               </a:tr>
@@ -32634,7 +32941,7 @@
                 </a:tc>
                 <a:extLst>
                   <a:ext uri="{0D108BD9-81ED-4DB2-BD59-A6C34878D82A}">
-                    <a16:rowId xmlns="" xmlns:a16="http://schemas.microsoft.com/office/drawing/2014/main" val="2866578238"/>
+                    <a16:rowId xmlns:a16="http://schemas.microsoft.com/office/drawing/2014/main" xmlns="" val="2866578238"/>
                   </a:ext>
                 </a:extLst>
               </a:tr>
@@ -32697,7 +33004,7 @@
                 </a:tc>
                 <a:extLst>
                   <a:ext uri="{0D108BD9-81ED-4DB2-BD59-A6C34878D82A}">
-                    <a16:rowId xmlns="" xmlns:a16="http://schemas.microsoft.com/office/drawing/2014/main" val="3638318724"/>
+                    <a16:rowId xmlns:a16="http://schemas.microsoft.com/office/drawing/2014/main" xmlns="" val="3638318724"/>
                   </a:ext>
                 </a:extLst>
               </a:tr>
@@ -32710,7 +33017,7 @@
           <p:cNvPr id="10" name="表 10">
             <a:extLst>
               <a:ext uri="{FF2B5EF4-FFF2-40B4-BE49-F238E27FC236}">
-                <a16:creationId xmlns="" xmlns:a16="http://schemas.microsoft.com/office/drawing/2014/main" id="{3824BA45-4555-4A4B-859E-D45B5DBE9166}"/>
+                <a16:creationId xmlns:a16="http://schemas.microsoft.com/office/drawing/2014/main" xmlns="" id="{3824BA45-4555-4A4B-859E-D45B5DBE9166}"/>
               </a:ext>
             </a:extLst>
           </p:cNvPr>
@@ -32739,14 +33046,14 @@
                 <a:gridCol w="1876927">
                   <a:extLst>
                     <a:ext uri="{9D8B030D-6E8A-4147-A177-3AD203B41FA5}">
-                      <a16:colId xmlns="" xmlns:a16="http://schemas.microsoft.com/office/drawing/2014/main" val="486962398"/>
+                      <a16:colId xmlns:a16="http://schemas.microsoft.com/office/drawing/2014/main" xmlns="" val="486962398"/>
                     </a:ext>
                   </a:extLst>
                 </a:gridCol>
                 <a:gridCol w="1876927">
                   <a:extLst>
                     <a:ext uri="{9D8B030D-6E8A-4147-A177-3AD203B41FA5}">
-                      <a16:colId xmlns="" xmlns:a16="http://schemas.microsoft.com/office/drawing/2014/main" val="1228622091"/>
+                      <a16:colId xmlns:a16="http://schemas.microsoft.com/office/drawing/2014/main" xmlns="" val="1228622091"/>
                     </a:ext>
                   </a:extLst>
                 </a:gridCol>
@@ -32788,7 +33095,7 @@
                 </a:tc>
                 <a:extLst>
                   <a:ext uri="{0D108BD9-81ED-4DB2-BD59-A6C34878D82A}">
-                    <a16:rowId xmlns="" xmlns:a16="http://schemas.microsoft.com/office/drawing/2014/main" val="3951679411"/>
+                    <a16:rowId xmlns:a16="http://schemas.microsoft.com/office/drawing/2014/main" xmlns="" val="3951679411"/>
                   </a:ext>
                 </a:extLst>
               </a:tr>
@@ -32831,7 +33138,7 @@
                 </a:tc>
                 <a:extLst>
                   <a:ext uri="{0D108BD9-81ED-4DB2-BD59-A6C34878D82A}">
-                    <a16:rowId xmlns="" xmlns:a16="http://schemas.microsoft.com/office/drawing/2014/main" val="655885765"/>
+                    <a16:rowId xmlns:a16="http://schemas.microsoft.com/office/drawing/2014/main" xmlns="" val="655885765"/>
                   </a:ext>
                 </a:extLst>
               </a:tr>
@@ -32874,7 +33181,7 @@
                 </a:tc>
                 <a:extLst>
                   <a:ext uri="{0D108BD9-81ED-4DB2-BD59-A6C34878D82A}">
-                    <a16:rowId xmlns="" xmlns:a16="http://schemas.microsoft.com/office/drawing/2014/main" val="4269180922"/>
+                    <a16:rowId xmlns:a16="http://schemas.microsoft.com/office/drawing/2014/main" xmlns="" val="4269180922"/>
                   </a:ext>
                 </a:extLst>
               </a:tr>
@@ -32887,7 +33194,7 @@
           <p:cNvPr id="12" name="表 11">
             <a:extLst>
               <a:ext uri="{FF2B5EF4-FFF2-40B4-BE49-F238E27FC236}">
-                <a16:creationId xmlns="" xmlns:a16="http://schemas.microsoft.com/office/drawing/2014/main" id="{CD33F8CD-E491-4529-B852-9BFD2AB249F4}"/>
+                <a16:creationId xmlns:a16="http://schemas.microsoft.com/office/drawing/2014/main" xmlns="" id="{CD33F8CD-E491-4529-B852-9BFD2AB249F4}"/>
               </a:ext>
             </a:extLst>
           </p:cNvPr>
@@ -32916,7 +33223,7 @@
                 <a:gridCol w="3195587">
                   <a:extLst>
                     <a:ext uri="{9D8B030D-6E8A-4147-A177-3AD203B41FA5}">
-                      <a16:colId xmlns="" xmlns:a16="http://schemas.microsoft.com/office/drawing/2014/main" val="2300322249"/>
+                      <a16:colId xmlns:a16="http://schemas.microsoft.com/office/drawing/2014/main" xmlns="" val="2300322249"/>
                     </a:ext>
                   </a:extLst>
                 </a:gridCol>
@@ -32955,7 +33262,7 @@
                 </a:tc>
                 <a:extLst>
                   <a:ext uri="{0D108BD9-81ED-4DB2-BD59-A6C34878D82A}">
-                    <a16:rowId xmlns="" xmlns:a16="http://schemas.microsoft.com/office/drawing/2014/main" val="2786235083"/>
+                    <a16:rowId xmlns:a16="http://schemas.microsoft.com/office/drawing/2014/main" xmlns="" val="2786235083"/>
                   </a:ext>
                 </a:extLst>
               </a:tr>
@@ -32993,7 +33300,7 @@
                 </a:tc>
                 <a:extLst>
                   <a:ext uri="{0D108BD9-81ED-4DB2-BD59-A6C34878D82A}">
-                    <a16:rowId xmlns="" xmlns:a16="http://schemas.microsoft.com/office/drawing/2014/main" val="3177149070"/>
+                    <a16:rowId xmlns:a16="http://schemas.microsoft.com/office/drawing/2014/main" xmlns="" val="3177149070"/>
                   </a:ext>
                 </a:extLst>
               </a:tr>
@@ -33597,7 +33904,7 @@
 </p:sld>
 </file>
 
-<file path=ppt/slides/slide33.xml><?xml version="1.0" encoding="utf-8"?>
+<file path=ppt/slides/slide34.xml><?xml version="1.0" encoding="utf-8"?>
 <p:sld xmlns:a="http://schemas.openxmlformats.org/drawingml/2006/main" xmlns:r="http://schemas.openxmlformats.org/officeDocument/2006/relationships" xmlns:p="http://schemas.openxmlformats.org/presentationml/2006/main">
   <p:cSld>
     <p:spTree>
@@ -33758,7 +34065,7 @@
             <a:fld id="{FC7FC04C-4975-46EC-A609-F7DE0D5B1B51}" type="slidenum">
               <a:rPr kumimoji="1" lang="ja-JP" altLang="en-US" smtClean="0"/>
               <a:pPr/>
-              <a:t>33</a:t>
+              <a:t>34</a:t>
             </a:fld>
             <a:endParaRPr kumimoji="1" lang="ja-JP" altLang="en-US" dirty="0"/>
           </a:p>
@@ -34335,7 +34642,7 @@
 </p:sld>
 </file>
 
-<file path=ppt/slides/slide34.xml><?xml version="1.0" encoding="utf-8"?>
+<file path=ppt/slides/slide35.xml><?xml version="1.0" encoding="utf-8"?>
 <p:sld xmlns:a="http://schemas.openxmlformats.org/drawingml/2006/main" xmlns:r="http://schemas.openxmlformats.org/officeDocument/2006/relationships" xmlns:p="http://schemas.openxmlformats.org/presentationml/2006/main">
   <p:cSld>
     <p:spTree>
@@ -34357,7 +34664,7 @@
           <p:cNvPr id="2" name="タイトル 1">
             <a:extLst>
               <a:ext uri="{FF2B5EF4-FFF2-40B4-BE49-F238E27FC236}">
-                <a16:creationId xmlns="" xmlns:a16="http://schemas.microsoft.com/office/drawing/2014/main" id="{92F3BE3C-D5D5-433F-8097-54C94A0D9C8D}"/>
+                <a16:creationId xmlns:a16="http://schemas.microsoft.com/office/drawing/2014/main" xmlns="" id="{92F3BE3C-D5D5-433F-8097-54C94A0D9C8D}"/>
               </a:ext>
             </a:extLst>
           </p:cNvPr>
@@ -34398,7 +34705,7 @@
           <p:cNvPr id="3" name="コンテンツ プレースホルダー 2">
             <a:extLst>
               <a:ext uri="{FF2B5EF4-FFF2-40B4-BE49-F238E27FC236}">
-                <a16:creationId xmlns="" xmlns:a16="http://schemas.microsoft.com/office/drawing/2014/main" id="{A93EB655-C80D-4A74-9D21-50647752DED6}"/>
+                <a16:creationId xmlns:a16="http://schemas.microsoft.com/office/drawing/2014/main" xmlns="" id="{A93EB655-C80D-4A74-9D21-50647752DED6}"/>
               </a:ext>
             </a:extLst>
           </p:cNvPr>
@@ -34572,15 +34879,7 @@
             </a:r>
             <a:r>
               <a:rPr lang="en-US" altLang="ja-JP" dirty="0"/>
-              <a:t>https://developer.vuforia.com/</a:t>
-            </a:r>
-            <a:r>
-              <a:rPr lang="en-US" altLang="ja-JP" dirty="0" err="1"/>
-              <a:t>vui</a:t>
-            </a:r>
-            <a:r>
-              <a:rPr lang="en-US" altLang="ja-JP" dirty="0"/>
-              <a:t>/develop/licenses</a:t>
+              <a:t>https://developer.vuforia.com/vui/develop/licenses</a:t>
             </a:r>
             <a:r>
               <a:rPr lang="ja-JP" altLang="en-US" dirty="0"/>
@@ -34605,7 +34904,7 @@
           <p:cNvPr id="4" name="スライド番号プレースホルダー 3">
             <a:extLst>
               <a:ext uri="{FF2B5EF4-FFF2-40B4-BE49-F238E27FC236}">
-                <a16:creationId xmlns="" xmlns:a16="http://schemas.microsoft.com/office/drawing/2014/main" id="{E64C7290-AA49-4814-897E-3E72F67E37DE}"/>
+                <a16:creationId xmlns:a16="http://schemas.microsoft.com/office/drawing/2014/main" xmlns="" id="{E64C7290-AA49-4814-897E-3E72F67E37DE}"/>
               </a:ext>
             </a:extLst>
           </p:cNvPr>
@@ -34624,7 +34923,7 @@
             <a:fld id="{FC7FC04C-4975-46EC-A609-F7DE0D5B1B51}" type="slidenum">
               <a:rPr kumimoji="1" lang="ja-JP" altLang="en-US" smtClean="0"/>
               <a:pPr/>
-              <a:t>34</a:t>
+              <a:t>35</a:t>
             </a:fld>
             <a:endParaRPr kumimoji="1" lang="ja-JP" altLang="en-US" dirty="0"/>
           </a:p>
@@ -34967,7 +35266,7 @@
 </p:sld>
 </file>
 
-<file path=ppt/slides/slide35.xml><?xml version="1.0" encoding="utf-8"?>
+<file path=ppt/slides/slide36.xml><?xml version="1.0" encoding="utf-8"?>
 <p:sld xmlns:a="http://schemas.openxmlformats.org/drawingml/2006/main" xmlns:r="http://schemas.openxmlformats.org/officeDocument/2006/relationships" xmlns:p="http://schemas.openxmlformats.org/presentationml/2006/main">
   <p:cSld>
     <p:spTree>
@@ -34989,7 +35288,7 @@
           <p:cNvPr id="2" name="タイトル 1">
             <a:extLst>
               <a:ext uri="{FF2B5EF4-FFF2-40B4-BE49-F238E27FC236}">
-                <a16:creationId xmlns="" xmlns:a16="http://schemas.microsoft.com/office/drawing/2014/main" id="{4E51E73E-8AF5-43C0-AA71-32FD82309E32}"/>
+                <a16:creationId xmlns:a16="http://schemas.microsoft.com/office/drawing/2014/main" xmlns="" id="{4E51E73E-8AF5-43C0-AA71-32FD82309E32}"/>
               </a:ext>
             </a:extLst>
           </p:cNvPr>
@@ -35026,7 +35325,7 @@
           <p:cNvPr id="3" name="コンテンツ プレースホルダー 2">
             <a:extLst>
               <a:ext uri="{FF2B5EF4-FFF2-40B4-BE49-F238E27FC236}">
-                <a16:creationId xmlns="" xmlns:a16="http://schemas.microsoft.com/office/drawing/2014/main" id="{D9C1B3F4-9EF0-4300-B55B-EE832D41124E}"/>
+                <a16:creationId xmlns:a16="http://schemas.microsoft.com/office/drawing/2014/main" xmlns="" id="{D9C1B3F4-9EF0-4300-B55B-EE832D41124E}"/>
               </a:ext>
             </a:extLst>
           </p:cNvPr>
@@ -35237,7 +35536,15 @@
             </a:r>
             <a:r>
               <a:rPr lang="en-US" altLang="ja-JP" dirty="0"/>
-              <a:t>://developer.vuforia.com/targetmanager/project/</a:t>
+              <a:t>://</a:t>
+            </a:r>
+            <a:r>
+              <a:rPr lang="en-US" altLang="ja-JP" dirty="0" err="1"/>
+              <a:t>developer.vuforia.com</a:t>
+            </a:r>
+            <a:r>
+              <a:rPr lang="en-US" altLang="ja-JP" dirty="0"/>
+              <a:t>/targetmanager/project/</a:t>
             </a:r>
             <a:r>
               <a:rPr lang="en-US" altLang="ja-JP" dirty="0" smtClean="0"/>
@@ -35315,7 +35622,7 @@
           <p:cNvPr id="4" name="スライド番号プレースホルダー 3">
             <a:extLst>
               <a:ext uri="{FF2B5EF4-FFF2-40B4-BE49-F238E27FC236}">
-                <a16:creationId xmlns="" xmlns:a16="http://schemas.microsoft.com/office/drawing/2014/main" id="{96F74474-9D89-4750-A6C5-EB24B011AA5F}"/>
+                <a16:creationId xmlns:a16="http://schemas.microsoft.com/office/drawing/2014/main" xmlns="" id="{96F74474-9D89-4750-A6C5-EB24B011AA5F}"/>
               </a:ext>
             </a:extLst>
           </p:cNvPr>
@@ -35334,7 +35641,7 @@
             <a:fld id="{FC7FC04C-4975-46EC-A609-F7DE0D5B1B51}" type="slidenum">
               <a:rPr kumimoji="1" lang="ja-JP" altLang="en-US" smtClean="0"/>
               <a:pPr/>
-              <a:t>35</a:t>
+              <a:t>36</a:t>
             </a:fld>
             <a:endParaRPr kumimoji="1" lang="ja-JP" altLang="en-US" dirty="0"/>
           </a:p>
@@ -35345,7 +35652,7 @@
           <p:cNvPr id="5" name="テキスト ボックス 4">
             <a:extLst>
               <a:ext uri="{FF2B5EF4-FFF2-40B4-BE49-F238E27FC236}">
-                <a16:creationId xmlns="" xmlns:a16="http://schemas.microsoft.com/office/drawing/2014/main" id="{71FED841-B37C-4655-B094-D9D9B244EFB4}"/>
+                <a16:creationId xmlns:a16="http://schemas.microsoft.com/office/drawing/2014/main" xmlns="" id="{71FED841-B37C-4655-B094-D9D9B244EFB4}"/>
               </a:ext>
             </a:extLst>
           </p:cNvPr>
@@ -35756,89 +36063,6 @@
 </p:sld>
 </file>
 
-<file path=ppt/slides/slide36.xml><?xml version="1.0" encoding="utf-8"?>
-<p:sld xmlns:a="http://schemas.openxmlformats.org/drawingml/2006/main" xmlns:r="http://schemas.openxmlformats.org/officeDocument/2006/relationships" xmlns:p="http://schemas.openxmlformats.org/presentationml/2006/main">
-  <p:cSld>
-    <p:spTree>
-      <p:nvGrpSpPr>
-        <p:cNvPr id="1" name=""/>
-        <p:cNvGrpSpPr/>
-        <p:nvPr/>
-      </p:nvGrpSpPr>
-      <p:grpSpPr>
-        <a:xfrm>
-          <a:off x="0" y="0"/>
-          <a:ext cx="0" cy="0"/>
-          <a:chOff x="0" y="0"/>
-          <a:chExt cx="0" cy="0"/>
-        </a:xfrm>
-      </p:grpSpPr>
-      <p:sp>
-        <p:nvSpPr>
-          <p:cNvPr id="2" name="タイトル 1"/>
-          <p:cNvSpPr>
-            <a:spLocks noGrp="1"/>
-          </p:cNvSpPr>
-          <p:nvPr>
-            <p:ph type="title"/>
-          </p:nvPr>
-        </p:nvSpPr>
-        <p:spPr/>
-        <p:txBody>
-          <a:bodyPr/>
-          <a:lstStyle/>
-          <a:p>
-            <a:r>
-              <a:rPr kumimoji="1" lang="en-US" altLang="ja-JP" dirty="0" smtClean="0"/>
-              <a:t>IV.</a:t>
-            </a:r>
-            <a:r>
-              <a:rPr kumimoji="1" lang="ja-JP" altLang="en-US" dirty="0" smtClean="0"/>
-              <a:t> パラメータ一覧</a:t>
-            </a:r>
-            <a:endParaRPr kumimoji="1" lang="ja-JP" altLang="en-US" dirty="0"/>
-          </a:p>
-        </p:txBody>
-      </p:sp>
-      <p:sp>
-        <p:nvSpPr>
-          <p:cNvPr id="3" name="テキスト プレースホルダー 2"/>
-          <p:cNvSpPr>
-            <a:spLocks noGrp="1"/>
-          </p:cNvSpPr>
-          <p:nvPr>
-            <p:ph type="body" idx="1"/>
-          </p:nvPr>
-        </p:nvSpPr>
-        <p:spPr/>
-        <p:txBody>
-          <a:bodyPr/>
-          <a:lstStyle/>
-          <a:p>
-            <a:endParaRPr kumimoji="1" lang="ja-JP" altLang="en-US"/>
-          </a:p>
-        </p:txBody>
-      </p:sp>
-    </p:spTree>
-    <p:extLst>
-      <p:ext uri="{BB962C8B-B14F-4D97-AF65-F5344CB8AC3E}">
-        <p14:creationId xmlns:p14="http://schemas.microsoft.com/office/powerpoint/2010/main" val="933022980"/>
-      </p:ext>
-    </p:extLst>
-  </p:cSld>
-  <p:clrMapOvr>
-    <a:masterClrMapping/>
-  </p:clrMapOvr>
-  <p:timing>
-    <p:tnLst>
-      <p:par>
-        <p:cTn xmlns:p14="http://schemas.microsoft.com/office/powerpoint/2010/main" id="1" dur="indefinite" restart="never" nodeType="tmRoot"/>
-      </p:par>
-    </p:tnLst>
-  </p:timing>
-</p:sld>
-</file>
-
 <file path=ppt/slides/slide37.xml><?xml version="1.0" encoding="utf-8"?>
 <p:sld xmlns:a="http://schemas.openxmlformats.org/drawingml/2006/main" xmlns:r="http://schemas.openxmlformats.org/officeDocument/2006/relationships" xmlns:p="http://schemas.openxmlformats.org/presentationml/2006/main">
   <p:cSld>
@@ -35872,6 +36096,89 @@
           <a:lstStyle/>
           <a:p>
             <a:r>
+              <a:rPr kumimoji="1" lang="en-US" altLang="ja-JP" dirty="0" smtClean="0"/>
+              <a:t>IV.</a:t>
+            </a:r>
+            <a:r>
+              <a:rPr kumimoji="1" lang="ja-JP" altLang="en-US" dirty="0" smtClean="0"/>
+              <a:t> パラメータ一覧</a:t>
+            </a:r>
+            <a:endParaRPr kumimoji="1" lang="ja-JP" altLang="en-US" dirty="0"/>
+          </a:p>
+        </p:txBody>
+      </p:sp>
+      <p:sp>
+        <p:nvSpPr>
+          <p:cNvPr id="3" name="テキスト プレースホルダー 2"/>
+          <p:cNvSpPr>
+            <a:spLocks noGrp="1"/>
+          </p:cNvSpPr>
+          <p:nvPr>
+            <p:ph type="body" idx="1"/>
+          </p:nvPr>
+        </p:nvSpPr>
+        <p:spPr/>
+        <p:txBody>
+          <a:bodyPr/>
+          <a:lstStyle/>
+          <a:p>
+            <a:endParaRPr kumimoji="1" lang="ja-JP" altLang="en-US"/>
+          </a:p>
+        </p:txBody>
+      </p:sp>
+    </p:spTree>
+    <p:extLst>
+      <p:ext uri="{BB962C8B-B14F-4D97-AF65-F5344CB8AC3E}">
+        <p14:creationId xmlns:p14="http://schemas.microsoft.com/office/powerpoint/2010/main" val="933022980"/>
+      </p:ext>
+    </p:extLst>
+  </p:cSld>
+  <p:clrMapOvr>
+    <a:masterClrMapping/>
+  </p:clrMapOvr>
+  <p:timing>
+    <p:tnLst>
+      <p:par>
+        <p:cTn xmlns:p14="http://schemas.microsoft.com/office/powerpoint/2010/main" id="1" dur="indefinite" restart="never" nodeType="tmRoot"/>
+      </p:par>
+    </p:tnLst>
+  </p:timing>
+</p:sld>
+</file>
+
+<file path=ppt/slides/slide38.xml><?xml version="1.0" encoding="utf-8"?>
+<p:sld xmlns:a="http://schemas.openxmlformats.org/drawingml/2006/main" xmlns:r="http://schemas.openxmlformats.org/officeDocument/2006/relationships" xmlns:p="http://schemas.openxmlformats.org/presentationml/2006/main">
+  <p:cSld>
+    <p:spTree>
+      <p:nvGrpSpPr>
+        <p:cNvPr id="1" name=""/>
+        <p:cNvGrpSpPr/>
+        <p:nvPr/>
+      </p:nvGrpSpPr>
+      <p:grpSpPr>
+        <a:xfrm>
+          <a:off x="0" y="0"/>
+          <a:ext cx="0" cy="0"/>
+          <a:chOff x="0" y="0"/>
+          <a:chExt cx="0" cy="0"/>
+        </a:xfrm>
+      </p:grpSpPr>
+      <p:sp>
+        <p:nvSpPr>
+          <p:cNvPr id="2" name="タイトル 1"/>
+          <p:cNvSpPr>
+            <a:spLocks noGrp="1"/>
+          </p:cNvSpPr>
+          <p:nvPr>
+            <p:ph type="title"/>
+          </p:nvPr>
+        </p:nvSpPr>
+        <p:spPr/>
+        <p:txBody>
+          <a:bodyPr/>
+          <a:lstStyle/>
+          <a:p>
+            <a:r>
               <a:rPr kumimoji="1" lang="ja-JP" altLang="en-US" dirty="0" smtClean="0"/>
               <a:t>パラメータ一覧</a:t>
             </a:r>
@@ -35901,7 +36208,7 @@
             <a:fld id="{FC7FC04C-4975-46EC-A609-F7DE0D5B1B51}" type="slidenum">
               <a:rPr kumimoji="1" lang="ja-JP" altLang="en-US" smtClean="0"/>
               <a:pPr/>
-              <a:t>37</a:t>
+              <a:t>38</a:t>
             </a:fld>
             <a:endParaRPr kumimoji="1" lang="ja-JP" altLang="en-US" dirty="0"/>
           </a:p>
@@ -36337,7 +36644,7 @@
 </p:sld>
 </file>
 
-<file path=ppt/slides/slide38.xml><?xml version="1.0" encoding="utf-8"?>
+<file path=ppt/slides/slide39.xml><?xml version="1.0" encoding="utf-8"?>
 <p:sld xmlns:a="http://schemas.openxmlformats.org/drawingml/2006/main" xmlns:r="http://schemas.openxmlformats.org/officeDocument/2006/relationships" xmlns:p="http://schemas.openxmlformats.org/presentationml/2006/main">
   <p:cSld>
     <p:spTree>
@@ -36399,7 +36706,7 @@
             <a:fld id="{FC7FC04C-4975-46EC-A609-F7DE0D5B1B51}" type="slidenum">
               <a:rPr kumimoji="1" lang="ja-JP" altLang="en-US" smtClean="0"/>
               <a:pPr/>
-              <a:t>38</a:t>
+              <a:t>39</a:t>
             </a:fld>
             <a:endParaRPr kumimoji="1" lang="ja-JP" altLang="en-US" dirty="0"/>
           </a:p>
@@ -36835,7 +37142,7 @@
 </p:sld>
 </file>
 
-<file path=ppt/slides/slide39.xml><?xml version="1.0" encoding="utf-8"?>
+<file path=ppt/slides/slide4.xml><?xml version="1.0" encoding="utf-8"?>
 <p:sld xmlns:a="http://schemas.openxmlformats.org/drawingml/2006/main" xmlns:r="http://schemas.openxmlformats.org/officeDocument/2006/relationships" xmlns:p="http://schemas.openxmlformats.org/presentationml/2006/main">
   <p:cSld>
     <p:spTree>
@@ -36868,6 +37175,89 @@
           <a:lstStyle/>
           <a:p>
             <a:r>
+              <a:rPr kumimoji="1" lang="en-US" altLang="ja-JP" dirty="0" smtClean="0"/>
+              <a:t>I.</a:t>
+            </a:r>
+            <a:r>
+              <a:rPr kumimoji="1" lang="ja-JP" altLang="en-US" dirty="0" smtClean="0"/>
+              <a:t> インフラ構成図</a:t>
+            </a:r>
+            <a:endParaRPr kumimoji="1" lang="ja-JP" altLang="en-US" dirty="0"/>
+          </a:p>
+        </p:txBody>
+      </p:sp>
+      <p:sp>
+        <p:nvSpPr>
+          <p:cNvPr id="3" name="テキスト プレースホルダー 2"/>
+          <p:cNvSpPr>
+            <a:spLocks noGrp="1"/>
+          </p:cNvSpPr>
+          <p:nvPr>
+            <p:ph type="body" idx="1"/>
+          </p:nvPr>
+        </p:nvSpPr>
+        <p:spPr/>
+        <p:txBody>
+          <a:bodyPr/>
+          <a:lstStyle/>
+          <a:p>
+            <a:endParaRPr kumimoji="1" lang="ja-JP" altLang="en-US"/>
+          </a:p>
+        </p:txBody>
+      </p:sp>
+    </p:spTree>
+    <p:extLst>
+      <p:ext uri="{BB962C8B-B14F-4D97-AF65-F5344CB8AC3E}">
+        <p14:creationId xmlns:p14="http://schemas.microsoft.com/office/powerpoint/2010/main" val="2707565104"/>
+      </p:ext>
+    </p:extLst>
+  </p:cSld>
+  <p:clrMapOvr>
+    <a:masterClrMapping/>
+  </p:clrMapOvr>
+  <p:timing>
+    <p:tnLst>
+      <p:par>
+        <p:cTn xmlns:p14="http://schemas.microsoft.com/office/powerpoint/2010/main" id="1" dur="indefinite" restart="never" nodeType="tmRoot"/>
+      </p:par>
+    </p:tnLst>
+  </p:timing>
+</p:sld>
+</file>
+
+<file path=ppt/slides/slide40.xml><?xml version="1.0" encoding="utf-8"?>
+<p:sld xmlns:a="http://schemas.openxmlformats.org/drawingml/2006/main" xmlns:r="http://schemas.openxmlformats.org/officeDocument/2006/relationships" xmlns:p="http://schemas.openxmlformats.org/presentationml/2006/main">
+  <p:cSld>
+    <p:spTree>
+      <p:nvGrpSpPr>
+        <p:cNvPr id="1" name=""/>
+        <p:cNvGrpSpPr/>
+        <p:nvPr/>
+      </p:nvGrpSpPr>
+      <p:grpSpPr>
+        <a:xfrm>
+          <a:off x="0" y="0"/>
+          <a:ext cx="0" cy="0"/>
+          <a:chOff x="0" y="0"/>
+          <a:chExt cx="0" cy="0"/>
+        </a:xfrm>
+      </p:grpSpPr>
+      <p:sp>
+        <p:nvSpPr>
+          <p:cNvPr id="2" name="タイトル 1"/>
+          <p:cNvSpPr>
+            <a:spLocks noGrp="1"/>
+          </p:cNvSpPr>
+          <p:nvPr>
+            <p:ph type="title"/>
+          </p:nvPr>
+        </p:nvSpPr>
+        <p:spPr/>
+        <p:txBody>
+          <a:bodyPr/>
+          <a:lstStyle/>
+          <a:p>
+            <a:r>
               <a:rPr kumimoji="1" lang="ja-JP" altLang="en-US" dirty="0" smtClean="0"/>
               <a:t>パラメータ一覧</a:t>
             </a:r>
@@ -36897,7 +37287,7 @@
             <a:fld id="{FC7FC04C-4975-46EC-A609-F7DE0D5B1B51}" type="slidenum">
               <a:rPr kumimoji="1" lang="ja-JP" altLang="en-US" smtClean="0"/>
               <a:pPr/>
-              <a:t>39</a:t>
+              <a:t>40</a:t>
             </a:fld>
             <a:endParaRPr kumimoji="1" lang="ja-JP" altLang="en-US" dirty="0"/>
           </a:p>
@@ -37333,7 +37723,7 @@
 </p:sld>
 </file>
 
-<file path=ppt/slides/slide4.xml><?xml version="1.0" encoding="utf-8"?>
+<file path=ppt/slides/slide41.xml><?xml version="1.0" encoding="utf-8"?>
 <p:sld xmlns:a="http://schemas.openxmlformats.org/drawingml/2006/main" xmlns:r="http://schemas.openxmlformats.org/officeDocument/2006/relationships" xmlns:p="http://schemas.openxmlformats.org/presentationml/2006/main">
   <p:cSld>
     <p:spTree>
@@ -37366,89 +37756,6 @@
           <a:lstStyle/>
           <a:p>
             <a:r>
-              <a:rPr kumimoji="1" lang="en-US" altLang="ja-JP" dirty="0" smtClean="0"/>
-              <a:t>I.</a:t>
-            </a:r>
-            <a:r>
-              <a:rPr kumimoji="1" lang="ja-JP" altLang="en-US" dirty="0" smtClean="0"/>
-              <a:t> インフラ構成図</a:t>
-            </a:r>
-            <a:endParaRPr kumimoji="1" lang="ja-JP" altLang="en-US" dirty="0"/>
-          </a:p>
-        </p:txBody>
-      </p:sp>
-      <p:sp>
-        <p:nvSpPr>
-          <p:cNvPr id="3" name="テキスト プレースホルダー 2"/>
-          <p:cNvSpPr>
-            <a:spLocks noGrp="1"/>
-          </p:cNvSpPr>
-          <p:nvPr>
-            <p:ph type="body" idx="1"/>
-          </p:nvPr>
-        </p:nvSpPr>
-        <p:spPr/>
-        <p:txBody>
-          <a:bodyPr/>
-          <a:lstStyle/>
-          <a:p>
-            <a:endParaRPr kumimoji="1" lang="ja-JP" altLang="en-US"/>
-          </a:p>
-        </p:txBody>
-      </p:sp>
-    </p:spTree>
-    <p:extLst>
-      <p:ext uri="{BB962C8B-B14F-4D97-AF65-F5344CB8AC3E}">
-        <p14:creationId xmlns:p14="http://schemas.microsoft.com/office/powerpoint/2010/main" val="2707565104"/>
-      </p:ext>
-    </p:extLst>
-  </p:cSld>
-  <p:clrMapOvr>
-    <a:masterClrMapping/>
-  </p:clrMapOvr>
-  <p:timing>
-    <p:tnLst>
-      <p:par>
-        <p:cTn xmlns:p14="http://schemas.microsoft.com/office/powerpoint/2010/main" id="1" dur="indefinite" restart="never" nodeType="tmRoot"/>
-      </p:par>
-    </p:tnLst>
-  </p:timing>
-</p:sld>
-</file>
-
-<file path=ppt/slides/slide40.xml><?xml version="1.0" encoding="utf-8"?>
-<p:sld xmlns:a="http://schemas.openxmlformats.org/drawingml/2006/main" xmlns:r="http://schemas.openxmlformats.org/officeDocument/2006/relationships" xmlns:p="http://schemas.openxmlformats.org/presentationml/2006/main">
-  <p:cSld>
-    <p:spTree>
-      <p:nvGrpSpPr>
-        <p:cNvPr id="1" name=""/>
-        <p:cNvGrpSpPr/>
-        <p:nvPr/>
-      </p:nvGrpSpPr>
-      <p:grpSpPr>
-        <a:xfrm>
-          <a:off x="0" y="0"/>
-          <a:ext cx="0" cy="0"/>
-          <a:chOff x="0" y="0"/>
-          <a:chExt cx="0" cy="0"/>
-        </a:xfrm>
-      </p:grpSpPr>
-      <p:sp>
-        <p:nvSpPr>
-          <p:cNvPr id="2" name="タイトル 1"/>
-          <p:cNvSpPr>
-            <a:spLocks noGrp="1"/>
-          </p:cNvSpPr>
-          <p:nvPr>
-            <p:ph type="title"/>
-          </p:nvPr>
-        </p:nvSpPr>
-        <p:spPr/>
-        <p:txBody>
-          <a:bodyPr/>
-          <a:lstStyle/>
-          <a:p>
-            <a:r>
               <a:rPr kumimoji="1" lang="ja-JP" altLang="en-US" dirty="0" smtClean="0"/>
               <a:t>パラメータ一覧</a:t>
             </a:r>
@@ -37478,7 +37785,7 @@
             <a:fld id="{FC7FC04C-4975-46EC-A609-F7DE0D5B1B51}" type="slidenum">
               <a:rPr kumimoji="1" lang="ja-JP" altLang="en-US" smtClean="0"/>
               <a:pPr/>
-              <a:t>40</a:t>
+              <a:t>41</a:t>
             </a:fld>
             <a:endParaRPr kumimoji="1" lang="ja-JP" altLang="en-US" dirty="0"/>
           </a:p>
@@ -37914,7 +38221,7 @@
 </p:sld>
 </file>
 
-<file path=ppt/slides/slide41.xml><?xml version="1.0" encoding="utf-8"?>
+<file path=ppt/slides/slide42.xml><?xml version="1.0" encoding="utf-8"?>
 <p:sld xmlns:a="http://schemas.openxmlformats.org/drawingml/2006/main" xmlns:r="http://schemas.openxmlformats.org/officeDocument/2006/relationships" xmlns:p="http://schemas.openxmlformats.org/presentationml/2006/main">
   <p:cSld>
     <p:spTree>
@@ -38707,7 +39014,7 @@
             <a:fld id="{FC7FC04C-4975-46EC-A609-F7DE0D5B1B51}" type="slidenum">
               <a:rPr kumimoji="1" lang="ja-JP" altLang="en-US" smtClean="0"/>
               <a:pPr/>
-              <a:t>41</a:t>
+              <a:t>42</a:t>
             </a:fld>
             <a:endParaRPr kumimoji="1" lang="ja-JP" altLang="en-US" dirty="0"/>
           </a:p>
@@ -39122,7 +39429,7 @@
 </p:sld>
 </file>
 
-<file path=ppt/slides/slide42.xml><?xml version="1.0" encoding="utf-8"?>
+<file path=ppt/slides/slide43.xml><?xml version="1.0" encoding="utf-8"?>
 <p:sld xmlns:a="http://schemas.openxmlformats.org/drawingml/2006/main" xmlns:r="http://schemas.openxmlformats.org/officeDocument/2006/relationships" xmlns:p="http://schemas.openxmlformats.org/presentationml/2006/main">
   <p:cSld>
     <p:spTree>
@@ -39543,7 +39850,7 @@
             <a:fld id="{FC7FC04C-4975-46EC-A609-F7DE0D5B1B51}" type="slidenum">
               <a:rPr kumimoji="1" lang="ja-JP" altLang="en-US" smtClean="0"/>
               <a:pPr/>
-              <a:t>42</a:t>
+              <a:t>43</a:t>
             </a:fld>
             <a:endParaRPr kumimoji="1" lang="ja-JP" altLang="en-US" dirty="0"/>
           </a:p>
@@ -39949,7 +40256,7 @@
 </p:sld>
 </file>
 
-<file path=ppt/slides/slide43.xml><?xml version="1.0" encoding="utf-8"?>
+<file path=ppt/slides/slide44.xml><?xml version="1.0" encoding="utf-8"?>
 <p:sld xmlns:a="http://schemas.openxmlformats.org/drawingml/2006/main" xmlns:r="http://schemas.openxmlformats.org/officeDocument/2006/relationships" xmlns:p="http://schemas.openxmlformats.org/presentationml/2006/main">
   <p:cSld>
     <p:spTree>
@@ -40711,7 +41018,7 @@
             <a:fld id="{FC7FC04C-4975-46EC-A609-F7DE0D5B1B51}" type="slidenum">
               <a:rPr kumimoji="1" lang="ja-JP" altLang="en-US" smtClean="0"/>
               <a:pPr/>
-              <a:t>43</a:t>
+              <a:t>44</a:t>
             </a:fld>
             <a:endParaRPr kumimoji="1" lang="ja-JP" altLang="en-US" dirty="0"/>
           </a:p>
@@ -41113,7 +41420,7 @@
 </p:sld>
 </file>
 
-<file path=ppt/slides/slide44.xml><?xml version="1.0" encoding="utf-8"?>
+<file path=ppt/slides/slide45.xml><?xml version="1.0" encoding="utf-8"?>
 <p:sld xmlns:a="http://schemas.openxmlformats.org/drawingml/2006/main" xmlns:r="http://schemas.openxmlformats.org/officeDocument/2006/relationships" xmlns:p="http://schemas.openxmlformats.org/presentationml/2006/main">
   <p:cSld>
     <p:spTree>
@@ -41563,7 +41870,7 @@
             <a:fld id="{FC7FC04C-4975-46EC-A609-F7DE0D5B1B51}" type="slidenum">
               <a:rPr kumimoji="1" lang="ja-JP" altLang="en-US" smtClean="0"/>
               <a:pPr/>
-              <a:t>44</a:t>
+              <a:t>45</a:t>
             </a:fld>
             <a:endParaRPr kumimoji="1" lang="ja-JP" altLang="en-US" dirty="0"/>
           </a:p>
@@ -42733,7 +43040,7 @@
 </p:sld>
 </file>
 
-<file path=ppt/slides/slide45.xml><?xml version="1.0" encoding="utf-8"?>
+<file path=ppt/slides/slide46.xml><?xml version="1.0" encoding="utf-8"?>
 <p:sld xmlns:a="http://schemas.openxmlformats.org/drawingml/2006/main" xmlns:r="http://schemas.openxmlformats.org/officeDocument/2006/relationships" xmlns:p="http://schemas.openxmlformats.org/presentationml/2006/main">
   <p:cSld>
     <p:spTree>
@@ -42795,7 +43102,7 @@
             <a:fld id="{FC7FC04C-4975-46EC-A609-F7DE0D5B1B51}" type="slidenum">
               <a:rPr kumimoji="1" lang="ja-JP" altLang="en-US" smtClean="0"/>
               <a:pPr/>
-              <a:t>45</a:t>
+              <a:t>46</a:t>
             </a:fld>
             <a:endParaRPr kumimoji="1" lang="ja-JP" altLang="en-US" dirty="0"/>
           </a:p>
@@ -43250,7 +43557,7 @@
         </p:nvGrpSpPr>
         <p:grpSpPr>
           <a:xfrm>
-            <a:off x="400302" y="2044755"/>
+            <a:off x="400302" y="1691216"/>
             <a:ext cx="2251103" cy="4260463"/>
             <a:chOff x="400302" y="2195111"/>
             <a:chExt cx="2251103" cy="3949514"/>
@@ -43261,7 +43568,7 @@
             <p:cNvPr id="112" name="Rectangle 47">
               <a:extLst>
                 <a:ext uri="{FF2B5EF4-FFF2-40B4-BE49-F238E27FC236}">
-                  <a16:creationId xmlns:a16="http://schemas.microsoft.com/office/drawing/2014/main" xmlns="" id="{F7C6A05A-B131-904E-9DAD-91CFCA42673E}"/>
+                  <a16:creationId xmlns="" xmlns:a16="http://schemas.microsoft.com/office/drawing/2014/main" id="{F7C6A05A-B131-904E-9DAD-91CFCA42673E}"/>
                 </a:ext>
               </a:extLst>
             </p:cNvPr>
@@ -43326,7 +43633,7 @@
             <p:cNvPr id="111" name="Rectangle 47">
               <a:extLst>
                 <a:ext uri="{FF2B5EF4-FFF2-40B4-BE49-F238E27FC236}">
-                  <a16:creationId xmlns:a16="http://schemas.microsoft.com/office/drawing/2014/main" xmlns="" id="{F7C6A05A-B131-904E-9DAD-91CFCA42673E}"/>
+                  <a16:creationId xmlns="" xmlns:a16="http://schemas.microsoft.com/office/drawing/2014/main" id="{F7C6A05A-B131-904E-9DAD-91CFCA42673E}"/>
                 </a:ext>
               </a:extLst>
             </p:cNvPr>
@@ -43391,7 +43698,7 @@
             <p:cNvPr id="82" name="Rectangle 47">
               <a:extLst>
                 <a:ext uri="{FF2B5EF4-FFF2-40B4-BE49-F238E27FC236}">
-                  <a16:creationId xmlns:a16="http://schemas.microsoft.com/office/drawing/2014/main" xmlns="" id="{F7C6A05A-B131-904E-9DAD-91CFCA42673E}"/>
+                  <a16:creationId xmlns="" xmlns:a16="http://schemas.microsoft.com/office/drawing/2014/main" id="{F7C6A05A-B131-904E-9DAD-91CFCA42673E}"/>
                 </a:ext>
               </a:extLst>
             </p:cNvPr>
@@ -43455,7 +43762,7 @@
           <p:cNvPr id="110" name="Rectangle 47">
             <a:extLst>
               <a:ext uri="{FF2B5EF4-FFF2-40B4-BE49-F238E27FC236}">
-                <a16:creationId xmlns:a16="http://schemas.microsoft.com/office/drawing/2014/main" xmlns="" id="{F7C6A05A-B131-904E-9DAD-91CFCA42673E}"/>
+                <a16:creationId xmlns="" xmlns:a16="http://schemas.microsoft.com/office/drawing/2014/main" id="{F7C6A05A-B131-904E-9DAD-91CFCA42673E}"/>
               </a:ext>
             </a:extLst>
           </p:cNvPr>
@@ -43464,7 +43771,7 @@
         </p:nvSpPr>
         <p:spPr>
           <a:xfrm>
-            <a:off x="469882" y="4660596"/>
+            <a:off x="469882" y="4333245"/>
             <a:ext cx="2000956" cy="1354298"/>
           </a:xfrm>
           <a:prstGeom prst="rect">
@@ -43519,7 +43826,7 @@
           <p:cNvPr id="108" name="Rectangle 47">
             <a:extLst>
               <a:ext uri="{FF2B5EF4-FFF2-40B4-BE49-F238E27FC236}">
-                <a16:creationId xmlns:a16="http://schemas.microsoft.com/office/drawing/2014/main" xmlns="" id="{F7C6A05A-B131-904E-9DAD-91CFCA42673E}"/>
+                <a16:creationId xmlns="" xmlns:a16="http://schemas.microsoft.com/office/drawing/2014/main" id="{F7C6A05A-B131-904E-9DAD-91CFCA42673E}"/>
               </a:ext>
             </a:extLst>
           </p:cNvPr>
@@ -43528,7 +43835,7 @@
         </p:nvSpPr>
         <p:spPr>
           <a:xfrm>
-            <a:off x="469320" y="2451074"/>
+            <a:off x="469320" y="2097535"/>
             <a:ext cx="2001517" cy="2103894"/>
           </a:xfrm>
           <a:prstGeom prst="rect">
@@ -43584,7 +43891,7 @@
           <p:cNvPr id="102" name="Rectangle 36">
             <a:extLst>
               <a:ext uri="{FF2B5EF4-FFF2-40B4-BE49-F238E27FC236}">
-                <a16:creationId xmlns:a16="http://schemas.microsoft.com/office/drawing/2014/main" xmlns="" id="{305B98DC-5AF5-3342-A4B1-F62852BC80FE}"/>
+                <a16:creationId xmlns="" xmlns:a16="http://schemas.microsoft.com/office/drawing/2014/main" id="{305B98DC-5AF5-3342-A4B1-F62852BC80FE}"/>
               </a:ext>
             </a:extLst>
           </p:cNvPr>
@@ -43593,7 +43900,7 @@
         </p:nvSpPr>
         <p:spPr>
           <a:xfrm>
-            <a:off x="7064864" y="1556839"/>
+            <a:off x="7064864" y="1203300"/>
             <a:ext cx="4544412" cy="4691642"/>
           </a:xfrm>
           <a:prstGeom prst="rect">
@@ -43649,7 +43956,7 @@
           <p:cNvPr id="2" name="タイトル 1">
             <a:extLst>
               <a:ext uri="{FF2B5EF4-FFF2-40B4-BE49-F238E27FC236}">
-                <a16:creationId xmlns:a16="http://schemas.microsoft.com/office/drawing/2014/main" xmlns="" id="{1A3C72B1-DD7E-4C64-B1AC-556F59194061}"/>
+                <a16:creationId xmlns="" xmlns:a16="http://schemas.microsoft.com/office/drawing/2014/main" id="{1A3C72B1-DD7E-4C64-B1AC-556F59194061}"/>
               </a:ext>
             </a:extLst>
           </p:cNvPr>
@@ -43692,7 +43999,7 @@
           <p:cNvPr id="28" name="Rectangle 47">
             <a:extLst>
               <a:ext uri="{FF2B5EF4-FFF2-40B4-BE49-F238E27FC236}">
-                <a16:creationId xmlns:a16="http://schemas.microsoft.com/office/drawing/2014/main" xmlns="" id="{F7C6A05A-B131-904E-9DAD-91CFCA42673E}"/>
+                <a16:creationId xmlns="" xmlns:a16="http://schemas.microsoft.com/office/drawing/2014/main" id="{F7C6A05A-B131-904E-9DAD-91CFCA42673E}"/>
               </a:ext>
             </a:extLst>
           </p:cNvPr>
@@ -43701,7 +44008,7 @@
         </p:nvSpPr>
         <p:spPr>
           <a:xfrm>
-            <a:off x="2906534" y="1032690"/>
+            <a:off x="2906534" y="679151"/>
             <a:ext cx="8889942" cy="5376382"/>
           </a:xfrm>
           <a:prstGeom prst="rect">
@@ -43756,7 +44063,7 @@
           <p:cNvPr id="34" name="Graphic 50">
             <a:extLst>
               <a:ext uri="{FF2B5EF4-FFF2-40B4-BE49-F238E27FC236}">
-                <a16:creationId xmlns:a16="http://schemas.microsoft.com/office/drawing/2014/main" xmlns="" id="{90480268-FA8A-6D4B-8724-6B01F65849EB}"/>
+                <a16:creationId xmlns="" xmlns:a16="http://schemas.microsoft.com/office/drawing/2014/main" id="{90480268-FA8A-6D4B-8724-6B01F65849EB}"/>
               </a:ext>
             </a:extLst>
           </p:cNvPr>
@@ -43769,7 +44076,7 @@
           <a:blip r:embed="rId2">
             <a:extLst>
               <a:ext uri="{96DAC541-7B7A-43D3-8B79-37D633B846F1}">
-                <asvg:svgBlip xmlns:asvg="http://schemas.microsoft.com/office/drawing/2016/SVG/main" xmlns="" r:embed="rId7"/>
+                <asvg:svgBlip xmlns="" xmlns:asvg="http://schemas.microsoft.com/office/drawing/2016/SVG/main" r:embed="rId7"/>
               </a:ext>
             </a:extLst>
           </a:blip>
@@ -43779,7 +44086,7 @@
         </p:blipFill>
         <p:spPr>
           <a:xfrm>
-            <a:off x="2906534" y="1032691"/>
+            <a:off x="2906534" y="679152"/>
             <a:ext cx="330200" cy="330200"/>
           </a:xfrm>
           <a:prstGeom prst="rect">
@@ -43795,7 +44102,7 @@
         </p:nvGrpSpPr>
         <p:grpSpPr>
           <a:xfrm>
-            <a:off x="1289166" y="5084677"/>
+            <a:off x="1289166" y="4757326"/>
             <a:ext cx="1072750" cy="879746"/>
             <a:chOff x="612791" y="4460938"/>
             <a:chExt cx="1072750" cy="879746"/>
@@ -43806,7 +44113,7 @@
             <p:cNvPr id="36" name="Graphic 39">
               <a:extLst>
                 <a:ext uri="{FF2B5EF4-FFF2-40B4-BE49-F238E27FC236}">
-                  <a16:creationId xmlns:a16="http://schemas.microsoft.com/office/drawing/2014/main" xmlns="" id="{6FA71975-EA2D-784E-8A28-738A17320E91}"/>
+                  <a16:creationId xmlns="" xmlns:a16="http://schemas.microsoft.com/office/drawing/2014/main" id="{6FA71975-EA2D-784E-8A28-738A17320E91}"/>
                 </a:ext>
               </a:extLst>
             </p:cNvPr>
@@ -43819,7 +44126,7 @@
             <a:blip r:embed="rId8">
               <a:extLst>
                 <a:ext uri="{96DAC541-7B7A-43D3-8B79-37D633B846F1}">
-                  <asvg:svgBlip xmlns:asvg="http://schemas.microsoft.com/office/drawing/2016/SVG/main" xmlns="" r:embed="rId29"/>
+                  <asvg:svgBlip xmlns="" xmlns:asvg="http://schemas.microsoft.com/office/drawing/2016/SVG/main" r:embed="rId29"/>
                 </a:ext>
               </a:extLst>
             </a:blip>
@@ -43842,7 +44149,7 @@
             <p:cNvPr id="38" name="TextBox 90">
               <a:extLst>
                 <a:ext uri="{FF2B5EF4-FFF2-40B4-BE49-F238E27FC236}">
-                  <a16:creationId xmlns:a16="http://schemas.microsoft.com/office/drawing/2014/main" xmlns="" id="{37743B23-AAC5-CC49-9C18-C68DBC507174}"/>
+                  <a16:creationId xmlns="" xmlns:a16="http://schemas.microsoft.com/office/drawing/2014/main" id="{37743B23-AAC5-CC49-9C18-C68DBC507174}"/>
                 </a:ext>
               </a:extLst>
             </p:cNvPr>
@@ -43886,7 +44193,7 @@
         </p:nvGrpSpPr>
         <p:grpSpPr>
           <a:xfrm>
-            <a:off x="533648" y="3518973"/>
+            <a:off x="533648" y="3191622"/>
             <a:ext cx="1072750" cy="879746"/>
             <a:chOff x="630273" y="1575539"/>
             <a:chExt cx="1072750" cy="879746"/>
@@ -43897,7 +44204,7 @@
             <p:cNvPr id="37" name="Graphic 41">
               <a:extLst>
                 <a:ext uri="{FF2B5EF4-FFF2-40B4-BE49-F238E27FC236}">
-                  <a16:creationId xmlns:a16="http://schemas.microsoft.com/office/drawing/2014/main" xmlns="" id="{1A56C62F-612C-5841-B7E7-B15DA92D0BDE}"/>
+                  <a16:creationId xmlns="" xmlns:a16="http://schemas.microsoft.com/office/drawing/2014/main" id="{1A56C62F-612C-5841-B7E7-B15DA92D0BDE}"/>
                 </a:ext>
               </a:extLst>
             </p:cNvPr>
@@ -43910,7 +44217,7 @@
             <a:blip r:embed="rId30">
               <a:extLst>
                 <a:ext uri="{96DAC541-7B7A-43D3-8B79-37D633B846F1}">
-                  <asvg:svgBlip xmlns:asvg="http://schemas.microsoft.com/office/drawing/2016/SVG/main" xmlns="" r:embed="rId31"/>
+                  <asvg:svgBlip xmlns="" xmlns:asvg="http://schemas.microsoft.com/office/drawing/2016/SVG/main" r:embed="rId31"/>
                 </a:ext>
               </a:extLst>
             </a:blip>
@@ -43933,7 +44240,7 @@
             <p:cNvPr id="39" name="TextBox 93">
               <a:extLst>
                 <a:ext uri="{FF2B5EF4-FFF2-40B4-BE49-F238E27FC236}">
-                  <a16:creationId xmlns:a16="http://schemas.microsoft.com/office/drawing/2014/main" xmlns="" id="{4EDB2C05-2F10-9C42-9C35-AE4BB249A665}"/>
+                  <a16:creationId xmlns="" xmlns:a16="http://schemas.microsoft.com/office/drawing/2014/main" id="{4EDB2C05-2F10-9C42-9C35-AE4BB249A665}"/>
                 </a:ext>
               </a:extLst>
             </p:cNvPr>
@@ -43977,7 +44284,7 @@
         </p:nvGrpSpPr>
         <p:grpSpPr>
           <a:xfrm>
-            <a:off x="1352857" y="3781037"/>
+            <a:off x="1352857" y="3453686"/>
             <a:ext cx="1153635" cy="691247"/>
             <a:chOff x="1148052" y="2003516"/>
             <a:chExt cx="1382019" cy="828092"/>
@@ -43988,7 +44295,7 @@
             <p:cNvPr id="40" name="Graphic 23">
               <a:extLst>
                 <a:ext uri="{FF2B5EF4-FFF2-40B4-BE49-F238E27FC236}">
-                  <a16:creationId xmlns:a16="http://schemas.microsoft.com/office/drawing/2014/main" xmlns="" id="{5F43C684-E7CD-7B41-ACA7-B11152EF7F46}"/>
+                  <a16:creationId xmlns="" xmlns:a16="http://schemas.microsoft.com/office/drawing/2014/main" id="{5F43C684-E7CD-7B41-ACA7-B11152EF7F46}"/>
                 </a:ext>
               </a:extLst>
             </p:cNvPr>
@@ -44001,7 +44308,7 @@
             <a:blip r:embed="rId32">
               <a:extLst>
                 <a:ext uri="{96DAC541-7B7A-43D3-8B79-37D633B846F1}">
-                  <asvg:svgBlip xmlns:asvg="http://schemas.microsoft.com/office/drawing/2016/SVG/main" xmlns="" r:embed="rId17"/>
+                  <asvg:svgBlip xmlns="" xmlns:asvg="http://schemas.microsoft.com/office/drawing/2016/SVG/main" r:embed="rId17"/>
                 </a:ext>
               </a:extLst>
             </a:blip>
@@ -44024,7 +44331,7 @@
             <p:cNvPr id="41" name="TextBox 72">
               <a:extLst>
                 <a:ext uri="{FF2B5EF4-FFF2-40B4-BE49-F238E27FC236}">
-                  <a16:creationId xmlns:a16="http://schemas.microsoft.com/office/drawing/2014/main" xmlns="" id="{2E08DBCE-1ACF-424F-814D-23C461589D8E}"/>
+                  <a16:creationId xmlns="" xmlns:a16="http://schemas.microsoft.com/office/drawing/2014/main" id="{2E08DBCE-1ACF-424F-814D-23C461589D8E}"/>
                 </a:ext>
               </a:extLst>
             </p:cNvPr>
@@ -44065,7 +44372,7 @@
           <p:cNvPr id="58" name="Rectangle 32">
             <a:extLst>
               <a:ext uri="{FF2B5EF4-FFF2-40B4-BE49-F238E27FC236}">
-                <a16:creationId xmlns:a16="http://schemas.microsoft.com/office/drawing/2014/main" xmlns="" id="{1D4F0FC7-668E-E64B-A231-B1E7896F3CB6}"/>
+                <a16:creationId xmlns="" xmlns:a16="http://schemas.microsoft.com/office/drawing/2014/main" id="{1D4F0FC7-668E-E64B-A231-B1E7896F3CB6}"/>
               </a:ext>
             </a:extLst>
           </p:cNvPr>
@@ -44074,7 +44381,7 @@
         </p:nvSpPr>
         <p:spPr>
           <a:xfrm>
-            <a:off x="6576824" y="1199414"/>
+            <a:off x="6576824" y="845875"/>
             <a:ext cx="5115235" cy="5136661"/>
           </a:xfrm>
           <a:prstGeom prst="rect">
@@ -44130,7 +44437,7 @@
           <p:cNvPr id="61" name="Graphic 48">
             <a:extLst>
               <a:ext uri="{FF2B5EF4-FFF2-40B4-BE49-F238E27FC236}">
-                <a16:creationId xmlns:a16="http://schemas.microsoft.com/office/drawing/2014/main" xmlns="" id="{C479E131-CAE3-B74A-B95D-A24EEB0BA49D}"/>
+                <a16:creationId xmlns="" xmlns:a16="http://schemas.microsoft.com/office/drawing/2014/main" id="{C479E131-CAE3-B74A-B95D-A24EEB0BA49D}"/>
               </a:ext>
             </a:extLst>
           </p:cNvPr>
@@ -44143,7 +44450,7 @@
           <a:blip r:embed="rId33">
             <a:extLst>
               <a:ext uri="{96DAC541-7B7A-43D3-8B79-37D633B846F1}">
-                <asvg:svgBlip xmlns:asvg="http://schemas.microsoft.com/office/drawing/2016/SVG/main" xmlns="" r:embed="rId40"/>
+                <asvg:svgBlip xmlns="" xmlns:asvg="http://schemas.microsoft.com/office/drawing/2016/SVG/main" r:embed="rId40"/>
               </a:ext>
             </a:extLst>
           </a:blip>
@@ -44153,7 +44460,7 @@
         </p:blipFill>
         <p:spPr>
           <a:xfrm>
-            <a:off x="6576823" y="1199415"/>
+            <a:off x="6576823" y="845876"/>
             <a:ext cx="295212" cy="330200"/>
           </a:xfrm>
           <a:prstGeom prst="rect">
@@ -44169,7 +44476,7 @@
         </p:nvCxnSpPr>
         <p:spPr>
           <a:xfrm flipV="1">
-            <a:off x="3867712" y="2289027"/>
+            <a:off x="3867712" y="1935488"/>
             <a:ext cx="3668621" cy="10095"/>
           </a:xfrm>
           <a:prstGeom prst="straightConnector1">
@@ -44205,7 +44512,7 @@
         </p:nvCxnSpPr>
         <p:spPr>
           <a:xfrm flipV="1">
-            <a:off x="8247533" y="2284410"/>
+            <a:off x="8247533" y="1930871"/>
             <a:ext cx="678560" cy="4617"/>
           </a:xfrm>
           <a:prstGeom prst="straightConnector1">
@@ -44241,7 +44548,7 @@
         </p:nvCxnSpPr>
         <p:spPr>
           <a:xfrm>
-            <a:off x="9637293" y="2284410"/>
+            <a:off x="9637293" y="1930871"/>
             <a:ext cx="1026723" cy="4787"/>
           </a:xfrm>
           <a:prstGeom prst="straightConnector1">
@@ -44280,8 +44587,8 @@
         </p:nvCxnSpPr>
         <p:spPr>
           <a:xfrm flipV="1">
-            <a:off x="1311816" y="2357519"/>
-            <a:ext cx="1831852" cy="1396404"/>
+            <a:off x="1311816" y="2003980"/>
+            <a:ext cx="1831852" cy="1422592"/>
           </a:xfrm>
           <a:prstGeom prst="line">
             <a:avLst/>
@@ -44317,7 +44624,7 @@
         </p:nvCxnSpPr>
         <p:spPr>
           <a:xfrm>
-            <a:off x="10356325" y="2513012"/>
+            <a:off x="10356325" y="2159473"/>
             <a:ext cx="308250" cy="0"/>
           </a:xfrm>
           <a:prstGeom prst="straightConnector1">
@@ -44353,7 +44660,7 @@
         </p:nvCxnSpPr>
         <p:spPr>
           <a:xfrm flipV="1">
-            <a:off x="10127761" y="2511073"/>
+            <a:off x="10127761" y="2157534"/>
             <a:ext cx="203317" cy="2642465"/>
           </a:xfrm>
           <a:prstGeom prst="line">
@@ -44388,7 +44695,7 @@
         </p:nvSpPr>
         <p:spPr>
           <a:xfrm>
-            <a:off x="7567998" y="1252355"/>
+            <a:off x="7567998" y="898816"/>
             <a:ext cx="1900656" cy="276999"/>
           </a:xfrm>
           <a:prstGeom prst="rect">
@@ -44447,7 +44754,7 @@
         </p:nvSpPr>
         <p:spPr>
           <a:xfrm>
-            <a:off x="441714" y="4714900"/>
+            <a:off x="441714" y="4387549"/>
             <a:ext cx="1261884" cy="276999"/>
           </a:xfrm>
           <a:prstGeom prst="rect">
@@ -44474,7 +44781,7 @@
           <p:cNvPr id="103" name="Rectangle 25">
             <a:extLst>
               <a:ext uri="{FF2B5EF4-FFF2-40B4-BE49-F238E27FC236}">
-                <a16:creationId xmlns:a16="http://schemas.microsoft.com/office/drawing/2014/main" xmlns="" id="{92A0ABFB-D447-D349-9C47-3EE861DD0794}"/>
+                <a16:creationId xmlns="" xmlns:a16="http://schemas.microsoft.com/office/drawing/2014/main" id="{92A0ABFB-D447-D349-9C47-3EE861DD0794}"/>
               </a:ext>
             </a:extLst>
           </p:cNvPr>
@@ -44483,7 +44790,7 @@
         </p:nvSpPr>
         <p:spPr>
           <a:xfrm>
-            <a:off x="6668385" y="4730159"/>
+            <a:off x="6668385" y="4402808"/>
             <a:ext cx="3662169" cy="1383087"/>
           </a:xfrm>
           <a:prstGeom prst="rect">
@@ -44539,7 +44846,7 @@
           <p:cNvPr id="104" name="Graphic 66">
             <a:extLst>
               <a:ext uri="{FF2B5EF4-FFF2-40B4-BE49-F238E27FC236}">
-                <a16:creationId xmlns:a16="http://schemas.microsoft.com/office/drawing/2014/main" xmlns="" id="{811370A0-DDEF-2649-86F1-55809DBD16DB}"/>
+                <a16:creationId xmlns="" xmlns:a16="http://schemas.microsoft.com/office/drawing/2014/main" id="{811370A0-DDEF-2649-86F1-55809DBD16DB}"/>
               </a:ext>
             </a:extLst>
           </p:cNvPr>
@@ -44552,7 +44859,7 @@
           <a:blip r:embed="rId41">
             <a:extLst>
               <a:ext uri="{96DAC541-7B7A-43D3-8B79-37D633B846F1}">
-                <asvg:svgBlip xmlns:asvg="http://schemas.microsoft.com/office/drawing/2016/SVG/main" xmlns="" r:embed="rId23"/>
+                <asvg:svgBlip xmlns="" xmlns:asvg="http://schemas.microsoft.com/office/drawing/2016/SVG/main" r:embed="rId23"/>
               </a:ext>
             </a:extLst>
           </a:blip>
@@ -44562,7 +44869,7 @@
         </p:blipFill>
         <p:spPr>
           <a:xfrm>
-            <a:off x="6668385" y="4719354"/>
+            <a:off x="6668385" y="4392003"/>
             <a:ext cx="330200" cy="330200"/>
           </a:xfrm>
           <a:prstGeom prst="rect">
@@ -44578,7 +44885,7 @@
         </p:nvSpPr>
         <p:spPr>
           <a:xfrm>
-            <a:off x="410934" y="2090226"/>
+            <a:off x="410934" y="1736687"/>
             <a:ext cx="954107" cy="276999"/>
           </a:xfrm>
           <a:prstGeom prst="rect">
@@ -44608,7 +44915,7 @@
         </p:nvCxnSpPr>
         <p:spPr>
           <a:xfrm flipV="1">
-            <a:off x="1311816" y="3745511"/>
+            <a:off x="1311816" y="3418160"/>
             <a:ext cx="1831852" cy="8412"/>
           </a:xfrm>
           <a:prstGeom prst="straightConnector1">
@@ -44646,7 +44953,7 @@
         </p:nvCxnSpPr>
         <p:spPr>
           <a:xfrm>
-            <a:off x="2060491" y="5319627"/>
+            <a:off x="2060491" y="4992276"/>
             <a:ext cx="5515262" cy="0"/>
           </a:xfrm>
           <a:prstGeom prst="straightConnector1">
@@ -44682,7 +44989,7 @@
         </p:nvSpPr>
         <p:spPr>
           <a:xfrm>
-            <a:off x="462966" y="4992862"/>
+            <a:off x="462966" y="4665511"/>
             <a:ext cx="400846" cy="276999"/>
           </a:xfrm>
           <a:prstGeom prst="rect">
@@ -44726,7 +45033,7 @@
         </p:nvGrpSpPr>
         <p:grpSpPr>
           <a:xfrm>
-            <a:off x="3857475" y="5410293"/>
+            <a:off x="3857475" y="5056754"/>
             <a:ext cx="846623" cy="684866"/>
             <a:chOff x="5141993" y="1264104"/>
             <a:chExt cx="846623" cy="684866"/>
@@ -44853,8 +45160,8 @@
         </p:nvCxnSpPr>
         <p:spPr>
           <a:xfrm>
-            <a:off x="9281693" y="2698407"/>
-            <a:ext cx="58013" cy="739680"/>
+            <a:off x="9281693" y="2344868"/>
+            <a:ext cx="58013" cy="765868"/>
           </a:xfrm>
           <a:prstGeom prst="straightConnector1">
             <a:avLst/>
@@ -44889,13 +45196,13 @@
         </p:nvSpPr>
         <p:spPr>
           <a:xfrm>
-            <a:off x="8464337" y="5330857"/>
-            <a:ext cx="888621" cy="632678"/>
+            <a:off x="8464337" y="4938036"/>
+            <a:ext cx="1655841" cy="632678"/>
           </a:xfrm>
           <a:prstGeom prst="wedgeRoundRectCallout">
             <a:avLst>
-              <a:gd name="adj1" fmla="val -69095"/>
-              <a:gd name="adj2" fmla="val -24921"/>
+              <a:gd name="adj1" fmla="val -57235"/>
+              <a:gd name="adj2" fmla="val -29060"/>
               <a:gd name="adj3" fmla="val 16667"/>
             </a:avLst>
           </a:prstGeom>
@@ -44944,7 +45251,7 @@
         </p:nvSpPr>
         <p:spPr>
           <a:xfrm>
-            <a:off x="8414539" y="5328711"/>
+            <a:off x="8414539" y="4935890"/>
             <a:ext cx="955911" cy="646331"/>
           </a:xfrm>
           <a:prstGeom prst="rect">
@@ -45001,7 +45308,7 @@
         </p:nvCxnSpPr>
         <p:spPr>
           <a:xfrm flipV="1">
-            <a:off x="7925303" y="4157938"/>
+            <a:off x="7925303" y="3830587"/>
             <a:ext cx="94446" cy="685503"/>
           </a:xfrm>
           <a:prstGeom prst="straightConnector1">
@@ -45037,7 +45344,7 @@
         </p:nvCxnSpPr>
         <p:spPr>
           <a:xfrm flipV="1">
-            <a:off x="3280148" y="4159507"/>
+            <a:off x="3280148" y="3832156"/>
             <a:ext cx="131539" cy="979432"/>
           </a:xfrm>
           <a:prstGeom prst="straightConnector1">
@@ -45073,7 +45380,7 @@
         </p:nvCxnSpPr>
         <p:spPr>
           <a:xfrm>
-            <a:off x="3269689" y="5155045"/>
+            <a:off x="3269689" y="4827694"/>
             <a:ext cx="6860509" cy="0"/>
           </a:xfrm>
           <a:prstGeom prst="line">
@@ -45110,7 +45417,7 @@
         </p:nvCxnSpPr>
         <p:spPr>
           <a:xfrm flipV="1">
-            <a:off x="9247172" y="4149287"/>
+            <a:off x="9247172" y="3821936"/>
             <a:ext cx="92534" cy="989653"/>
           </a:xfrm>
           <a:prstGeom prst="straightConnector1">
@@ -45148,8 +45455,8 @@
         </p:nvCxnSpPr>
         <p:spPr>
           <a:xfrm flipV="1">
-            <a:off x="4601241" y="3207902"/>
-            <a:ext cx="45742" cy="239798"/>
+            <a:off x="4597003" y="2854363"/>
+            <a:ext cx="49980" cy="262017"/>
           </a:xfrm>
           <a:prstGeom prst="straightConnector1">
             <a:avLst/>
@@ -45184,7 +45491,7 @@
         </p:nvGrpSpPr>
         <p:grpSpPr>
           <a:xfrm>
-            <a:off x="1868394" y="1080346"/>
+            <a:off x="1868394" y="726807"/>
             <a:ext cx="853043" cy="729963"/>
             <a:chOff x="1415892" y="919753"/>
             <a:chExt cx="853043" cy="729963"/>
@@ -45285,8 +45592,8 @@
         </p:nvCxnSpPr>
         <p:spPr>
           <a:xfrm flipV="1">
-            <a:off x="1311816" y="1810309"/>
-            <a:ext cx="979948" cy="1943614"/>
+            <a:off x="1311816" y="1456770"/>
+            <a:ext cx="979948" cy="1969802"/>
           </a:xfrm>
           <a:prstGeom prst="line">
             <a:avLst/>
@@ -45325,12 +45632,12 @@
         </p:nvCxnSpPr>
         <p:spPr>
           <a:xfrm rot="10800000" flipH="1">
-            <a:off x="1590590" y="1442573"/>
-            <a:ext cx="277803" cy="3877054"/>
+            <a:off x="1590590" y="1089034"/>
+            <a:ext cx="277803" cy="3903242"/>
           </a:xfrm>
           <a:prstGeom prst="bentConnector3">
             <a:avLst>
-              <a:gd name="adj1" fmla="val -465859"/>
+              <a:gd name="adj1" fmla="val -468732"/>
             </a:avLst>
           </a:prstGeom>
           <a:ln>
@@ -45363,7 +45670,7 @@
         </p:nvCxnSpPr>
         <p:spPr>
           <a:xfrm flipV="1">
-            <a:off x="3854867" y="3744904"/>
+            <a:off x="3854867" y="3417553"/>
             <a:ext cx="431524" cy="607"/>
           </a:xfrm>
           <a:prstGeom prst="straightConnector1">
@@ -45399,7 +45706,7 @@
         </p:nvCxnSpPr>
         <p:spPr>
           <a:xfrm flipV="1">
-            <a:off x="3862543" y="3897304"/>
+            <a:off x="3862543" y="3569953"/>
             <a:ext cx="431524" cy="607"/>
           </a:xfrm>
           <a:prstGeom prst="straightConnector1">
@@ -45435,7 +45742,7 @@
         </p:nvGrpSpPr>
         <p:grpSpPr>
           <a:xfrm>
-            <a:off x="5180279" y="3447700"/>
+            <a:off x="5180279" y="3120349"/>
             <a:ext cx="1287598" cy="1229370"/>
             <a:chOff x="4902939" y="3725084"/>
             <a:chExt cx="1287598" cy="1229370"/>
@@ -45446,7 +45753,7 @@
             <p:cNvPr id="44" name="Graphic 71">
               <a:extLst>
                 <a:ext uri="{FF2B5EF4-FFF2-40B4-BE49-F238E27FC236}">
-                  <a16:creationId xmlns:a16="http://schemas.microsoft.com/office/drawing/2014/main" xmlns="" id="{31D711CB-BE6B-6644-AD61-BCF2CDB2A587}"/>
+                  <a16:creationId xmlns="" xmlns:a16="http://schemas.microsoft.com/office/drawing/2014/main" id="{31D711CB-BE6B-6644-AD61-BCF2CDB2A587}"/>
                 </a:ext>
               </a:extLst>
             </p:cNvPr>
@@ -45459,7 +45766,7 @@
             <a:blip r:embed="rId42">
               <a:extLst>
                 <a:ext uri="{96DAC541-7B7A-43D3-8B79-37D633B846F1}">
-                  <asvg:svgBlip xmlns:asvg="http://schemas.microsoft.com/office/drawing/2016/SVG/main" xmlns="" r:embed="rId19"/>
+                  <asvg:svgBlip xmlns="" xmlns:asvg="http://schemas.microsoft.com/office/drawing/2016/SVG/main" r:embed="rId19"/>
                 </a:ext>
               </a:extLst>
             </a:blip>
@@ -45482,7 +45789,7 @@
             <p:cNvPr id="45" name="TextBox 75">
               <a:extLst>
                 <a:ext uri="{FF2B5EF4-FFF2-40B4-BE49-F238E27FC236}">
-                  <a16:creationId xmlns:a16="http://schemas.microsoft.com/office/drawing/2014/main" xmlns="" id="{9ABBCCC2-6A9F-CE45-9C04-D783E79573D6}"/>
+                  <a16:creationId xmlns="" xmlns:a16="http://schemas.microsoft.com/office/drawing/2014/main" id="{9ABBCCC2-6A9F-CE45-9C04-D783E79573D6}"/>
                 </a:ext>
               </a:extLst>
             </p:cNvPr>
@@ -45534,7 +45841,7 @@
         </p:nvGrpSpPr>
         <p:grpSpPr>
           <a:xfrm>
-            <a:off x="4034880" y="3447700"/>
+            <a:off x="4034880" y="3120349"/>
             <a:ext cx="1249498" cy="1226935"/>
             <a:chOff x="3947298" y="3725084"/>
             <a:chExt cx="1249498" cy="1226935"/>
@@ -45545,7 +45852,7 @@
             <p:cNvPr id="46" name="TextBox 8">
               <a:extLst>
                 <a:ext uri="{FF2B5EF4-FFF2-40B4-BE49-F238E27FC236}">
-                  <a16:creationId xmlns:a16="http://schemas.microsoft.com/office/drawing/2014/main" xmlns="" id="{EE5AD722-65A2-3441-BC67-C1ED5707E6E2}"/>
+                  <a16:creationId xmlns="" xmlns:a16="http://schemas.microsoft.com/office/drawing/2014/main" id="{EE5AD722-65A2-3441-BC67-C1ED5707E6E2}"/>
                 </a:ext>
               </a:extLst>
             </p:cNvPr>
@@ -45593,7 +45900,7 @@
             <p:cNvPr id="47" name="Graphic 33">
               <a:extLst>
                 <a:ext uri="{FF2B5EF4-FFF2-40B4-BE49-F238E27FC236}">
-                  <a16:creationId xmlns:a16="http://schemas.microsoft.com/office/drawing/2014/main" xmlns="" id="{239FDEEB-7049-3C46-AD29-71A07202049A}"/>
+                  <a16:creationId xmlns="" xmlns:a16="http://schemas.microsoft.com/office/drawing/2014/main" id="{239FDEEB-7049-3C46-AD29-71A07202049A}"/>
                 </a:ext>
               </a:extLst>
             </p:cNvPr>
@@ -45606,7 +45913,7 @@
             <a:blip r:embed="rId43">
               <a:extLst>
                 <a:ext uri="{96DAC541-7B7A-43D3-8B79-37D633B846F1}">
-                  <asvg:svgBlip xmlns:asvg="http://schemas.microsoft.com/office/drawing/2016/SVG/main" xmlns="" r:embed="rId16"/>
+                  <asvg:svgBlip xmlns="" xmlns:asvg="http://schemas.microsoft.com/office/drawing/2016/SVG/main" r:embed="rId16"/>
                 </a:ext>
               </a:extLst>
             </a:blip>
@@ -45633,7 +45940,7 @@
         </p:nvGrpSpPr>
         <p:grpSpPr>
           <a:xfrm>
-            <a:off x="7062343" y="1991824"/>
+            <a:off x="7062343" y="1638285"/>
             <a:ext cx="1659180" cy="1211240"/>
             <a:chOff x="3699357" y="1384372"/>
             <a:chExt cx="1659180" cy="1211240"/>
@@ -45644,7 +45951,7 @@
             <p:cNvPr id="48" name="TextBox 4">
               <a:extLst>
                 <a:ext uri="{FF2B5EF4-FFF2-40B4-BE49-F238E27FC236}">
-                  <a16:creationId xmlns:a16="http://schemas.microsoft.com/office/drawing/2014/main" xmlns="" id="{98493F85-0788-B14E-AA06-484C3E93C5D7}"/>
+                  <a16:creationId xmlns="" xmlns:a16="http://schemas.microsoft.com/office/drawing/2014/main" id="{98493F85-0788-B14E-AA06-484C3E93C5D7}"/>
                 </a:ext>
               </a:extLst>
             </p:cNvPr>
@@ -45695,7 +46002,7 @@
             <p:cNvPr id="50" name="Graphic 19">
               <a:extLst>
                 <a:ext uri="{FF2B5EF4-FFF2-40B4-BE49-F238E27FC236}">
-                  <a16:creationId xmlns:a16="http://schemas.microsoft.com/office/drawing/2014/main" xmlns="" id="{E3415E5B-FE82-7A40-8F0B-7A0EC616D16B}"/>
+                  <a16:creationId xmlns="" xmlns:a16="http://schemas.microsoft.com/office/drawing/2014/main" id="{E3415E5B-FE82-7A40-8F0B-7A0EC616D16B}"/>
                 </a:ext>
               </a:extLst>
             </p:cNvPr>
@@ -45708,7 +46015,7 @@
             <a:blip r:embed="rId44">
               <a:extLst>
                 <a:ext uri="{96DAC541-7B7A-43D3-8B79-37D633B846F1}">
-                  <asvg:svgBlip xmlns:asvg="http://schemas.microsoft.com/office/drawing/2016/SVG/main" xmlns="" r:embed="rId6"/>
+                  <asvg:svgBlip xmlns="" xmlns:asvg="http://schemas.microsoft.com/office/drawing/2016/SVG/main" r:embed="rId6"/>
                 </a:ext>
               </a:extLst>
             </a:blip>
@@ -45735,7 +46042,7 @@
         </p:nvGrpSpPr>
         <p:grpSpPr>
           <a:xfrm>
-            <a:off x="10405560" y="1991994"/>
+            <a:off x="10405560" y="1638455"/>
             <a:ext cx="1228112" cy="1212363"/>
             <a:chOff x="8483213" y="1320972"/>
             <a:chExt cx="1228112" cy="1212363"/>
@@ -45746,7 +46053,7 @@
             <p:cNvPr id="51" name="TextBox 9">
               <a:extLst>
                 <a:ext uri="{FF2B5EF4-FFF2-40B4-BE49-F238E27FC236}">
-                  <a16:creationId xmlns:a16="http://schemas.microsoft.com/office/drawing/2014/main" xmlns="" id="{0B311536-12F3-9C40-8153-5AF1A85390A9}"/>
+                  <a16:creationId xmlns="" xmlns:a16="http://schemas.microsoft.com/office/drawing/2014/main" id="{0B311536-12F3-9C40-8153-5AF1A85390A9}"/>
                 </a:ext>
               </a:extLst>
             </p:cNvPr>
@@ -45794,7 +46101,7 @@
             <p:cNvPr id="52" name="Graphic 47">
               <a:extLst>
                 <a:ext uri="{FF2B5EF4-FFF2-40B4-BE49-F238E27FC236}">
-                  <a16:creationId xmlns:a16="http://schemas.microsoft.com/office/drawing/2014/main" xmlns="" id="{64ACDB4E-B998-9447-845B-246D5827B993}"/>
+                  <a16:creationId xmlns="" xmlns:a16="http://schemas.microsoft.com/office/drawing/2014/main" id="{64ACDB4E-B998-9447-845B-246D5827B993}"/>
                 </a:ext>
               </a:extLst>
             </p:cNvPr>
@@ -45807,7 +46114,7 @@
             <a:blip r:embed="rId45">
               <a:extLst>
                 <a:ext uri="{96DAC541-7B7A-43D3-8B79-37D633B846F1}">
-                  <asvg:svgBlip xmlns:asvg="http://schemas.microsoft.com/office/drawing/2016/SVG/main" xmlns="" r:embed="rId25"/>
+                  <asvg:svgBlip xmlns="" xmlns:asvg="http://schemas.microsoft.com/office/drawing/2016/SVG/main" r:embed="rId25"/>
                 </a:ext>
               </a:extLst>
             </a:blip>
@@ -45834,7 +46141,7 @@
         </p:nvGrpSpPr>
         <p:grpSpPr>
           <a:xfrm>
-            <a:off x="2969718" y="3448307"/>
+            <a:off x="2969718" y="3120956"/>
             <a:ext cx="1059100" cy="1045884"/>
             <a:chOff x="2969718" y="3725691"/>
             <a:chExt cx="1059100" cy="1045884"/>
@@ -45845,7 +46152,7 @@
             <p:cNvPr id="56" name="TextBox 8">
               <a:extLst>
                 <a:ext uri="{FF2B5EF4-FFF2-40B4-BE49-F238E27FC236}">
-                  <a16:creationId xmlns:a16="http://schemas.microsoft.com/office/drawing/2014/main" xmlns="" id="{D7ECF936-B8F2-B944-B1E5-0DC7D3F9AAB9}"/>
+                  <a16:creationId xmlns="" xmlns:a16="http://schemas.microsoft.com/office/drawing/2014/main" id="{D7ECF936-B8F2-B944-B1E5-0DC7D3F9AAB9}"/>
                 </a:ext>
               </a:extLst>
             </p:cNvPr>
@@ -45881,7 +46188,7 @@
             <p:cNvPr id="57" name="Graphic 26">
               <a:extLst>
                 <a:ext uri="{FF2B5EF4-FFF2-40B4-BE49-F238E27FC236}">
-                  <a16:creationId xmlns:a16="http://schemas.microsoft.com/office/drawing/2014/main" xmlns="" id="{6474A222-3CF8-3F41-AB6E-29E3FCA4874B}"/>
+                  <a16:creationId xmlns="" xmlns:a16="http://schemas.microsoft.com/office/drawing/2014/main" id="{6474A222-3CF8-3F41-AB6E-29E3FCA4874B}"/>
                 </a:ext>
               </a:extLst>
             </p:cNvPr>
@@ -45894,7 +46201,7 @@
             <a:blip r:embed="rId46">
               <a:extLst>
                 <a:ext uri="{96DAC541-7B7A-43D3-8B79-37D633B846F1}">
-                  <asvg:svgBlip xmlns:asvg="http://schemas.microsoft.com/office/drawing/2016/SVG/main" xmlns="" r:embed="rId9"/>
+                  <asvg:svgBlip xmlns="" xmlns:asvg="http://schemas.microsoft.com/office/drawing/2016/SVG/main" r:embed="rId9"/>
                 </a:ext>
               </a:extLst>
             </a:blip>
@@ -45921,7 +46228,7 @@
         </p:nvGrpSpPr>
         <p:grpSpPr>
           <a:xfrm>
-            <a:off x="2862371" y="5403251"/>
+            <a:off x="2862371" y="5049712"/>
             <a:ext cx="1092240" cy="1015654"/>
             <a:chOff x="2703741" y="3868496"/>
             <a:chExt cx="1092240" cy="1015654"/>
@@ -45932,7 +46239,7 @@
             <p:cNvPr id="62" name="TextBox 8">
               <a:extLst>
                 <a:ext uri="{FF2B5EF4-FFF2-40B4-BE49-F238E27FC236}">
-                  <a16:creationId xmlns:a16="http://schemas.microsoft.com/office/drawing/2014/main" xmlns="" id="{D7ECF936-B8F2-B944-B1E5-0DC7D3F9AAB9}"/>
+                  <a16:creationId xmlns="" xmlns:a16="http://schemas.microsoft.com/office/drawing/2014/main" id="{D7ECF936-B8F2-B944-B1E5-0DC7D3F9AAB9}"/>
                 </a:ext>
               </a:extLst>
             </p:cNvPr>
@@ -45973,7 +46280,7 @@
             <p:cNvPr id="63" name="Graphic 36">
               <a:extLst>
                 <a:ext uri="{FF2B5EF4-FFF2-40B4-BE49-F238E27FC236}">
-                  <a16:creationId xmlns:a16="http://schemas.microsoft.com/office/drawing/2014/main" xmlns="" id="{0B16542F-4C0D-DE45-99C9-05EC9CD8FE3D}"/>
+                  <a16:creationId xmlns="" xmlns:a16="http://schemas.microsoft.com/office/drawing/2014/main" id="{0B16542F-4C0D-DE45-99C9-05EC9CD8FE3D}"/>
                 </a:ext>
               </a:extLst>
             </p:cNvPr>
@@ -45986,7 +46293,7 @@
             <a:blip r:embed="rId47">
               <a:extLst>
                 <a:ext uri="{96DAC541-7B7A-43D3-8B79-37D633B846F1}">
-                  <asvg:svgBlip xmlns:asvg="http://schemas.microsoft.com/office/drawing/2016/SVG/main" xmlns="" r:embed="rId13"/>
+                  <asvg:svgBlip xmlns="" xmlns:asvg="http://schemas.microsoft.com/office/drawing/2016/SVG/main" r:embed="rId13"/>
                 </a:ext>
               </a:extLst>
             </a:blip>
@@ -46013,7 +46320,7 @@
         </p:nvGrpSpPr>
         <p:grpSpPr>
           <a:xfrm>
-            <a:off x="7168651" y="4843441"/>
+            <a:off x="7168651" y="4516090"/>
             <a:ext cx="1513305" cy="1201151"/>
             <a:chOff x="1927650" y="1158419"/>
             <a:chExt cx="1513305" cy="1201151"/>
@@ -46024,7 +46331,7 @@
             <p:cNvPr id="42" name="TextBox 14">
               <a:extLst>
                 <a:ext uri="{FF2B5EF4-FFF2-40B4-BE49-F238E27FC236}">
-                  <a16:creationId xmlns:a16="http://schemas.microsoft.com/office/drawing/2014/main" xmlns="" id="{E3C0960A-3D31-6D47-8EAA-93DE09090CDD}"/>
+                  <a16:creationId xmlns="" xmlns:a16="http://schemas.microsoft.com/office/drawing/2014/main" id="{E3C0960A-3D31-6D47-8EAA-93DE09090CDD}"/>
                 </a:ext>
               </a:extLst>
             </p:cNvPr>
@@ -46072,7 +46379,7 @@
             <p:cNvPr id="43" name="Graphic 8">
               <a:extLst>
                 <a:ext uri="{FF2B5EF4-FFF2-40B4-BE49-F238E27FC236}">
-                  <a16:creationId xmlns:a16="http://schemas.microsoft.com/office/drawing/2014/main" xmlns="" id="{0CFADCF2-BD45-E64B-885E-54763259CE56}"/>
+                  <a16:creationId xmlns="" xmlns:a16="http://schemas.microsoft.com/office/drawing/2014/main" id="{0CFADCF2-BD45-E64B-885E-54763259CE56}"/>
                 </a:ext>
               </a:extLst>
             </p:cNvPr>
@@ -46085,7 +46392,7 @@
             <a:blip r:embed="rId48">
               <a:extLst>
                 <a:ext uri="{96DAC541-7B7A-43D3-8B79-37D633B846F1}">
-                  <asvg:svgBlip xmlns:asvg="http://schemas.microsoft.com/office/drawing/2016/SVG/main" xmlns="" r:embed="rId49"/>
+                  <asvg:svgBlip xmlns="" xmlns:asvg="http://schemas.microsoft.com/office/drawing/2016/SVG/main" r:embed="rId49"/>
                 </a:ext>
               </a:extLst>
             </a:blip>
@@ -46112,7 +46419,7 @@
         </p:nvGrpSpPr>
         <p:grpSpPr>
           <a:xfrm>
-            <a:off x="10321412" y="4964808"/>
+            <a:off x="10321412" y="4637457"/>
             <a:ext cx="1294780" cy="1213152"/>
             <a:chOff x="2376968" y="1257143"/>
             <a:chExt cx="1294780" cy="1213152"/>
@@ -46123,7 +46430,7 @@
             <p:cNvPr id="85" name="TextBox 5">
               <a:extLst>
                 <a:ext uri="{FF2B5EF4-FFF2-40B4-BE49-F238E27FC236}">
-                  <a16:creationId xmlns:a16="http://schemas.microsoft.com/office/drawing/2014/main" xmlns="" id="{48B11175-8F26-E049-8FCE-A7F653ADEDC5}"/>
+                  <a16:creationId xmlns="" xmlns:a16="http://schemas.microsoft.com/office/drawing/2014/main" id="{48B11175-8F26-E049-8FCE-A7F653ADEDC5}"/>
                 </a:ext>
               </a:extLst>
             </p:cNvPr>
@@ -46171,7 +46478,7 @@
             <p:cNvPr id="86" name="Graphic 33">
               <a:extLst>
                 <a:ext uri="{FF2B5EF4-FFF2-40B4-BE49-F238E27FC236}">
-                  <a16:creationId xmlns:a16="http://schemas.microsoft.com/office/drawing/2014/main" xmlns="" id="{E8A76DD7-2470-9240-BE0E-8F1412C59C96}"/>
+                  <a16:creationId xmlns="" xmlns:a16="http://schemas.microsoft.com/office/drawing/2014/main" id="{E8A76DD7-2470-9240-BE0E-8F1412C59C96}"/>
                 </a:ext>
               </a:extLst>
             </p:cNvPr>
@@ -46184,7 +46491,7 @@
             <a:blip r:embed="rId50">
               <a:extLst>
                 <a:ext uri="{96DAC541-7B7A-43D3-8B79-37D633B846F1}">
-                  <asvg:svgBlip xmlns:asvg="http://schemas.microsoft.com/office/drawing/2016/SVG/main" xmlns="" r:embed="rId51"/>
+                  <asvg:svgBlip xmlns="" xmlns:asvg="http://schemas.microsoft.com/office/drawing/2016/SVG/main" r:embed="rId51"/>
                 </a:ext>
               </a:extLst>
             </a:blip>
@@ -46211,7 +46518,7 @@
         </p:nvGrpSpPr>
         <p:grpSpPr>
           <a:xfrm>
-            <a:off x="2969718" y="2001919"/>
+            <a:off x="2969718" y="1648380"/>
             <a:ext cx="1059100" cy="1031285"/>
             <a:chOff x="5262934" y="3959380"/>
             <a:chExt cx="1059100" cy="1031285"/>
@@ -46222,7 +46529,7 @@
             <p:cNvPr id="88" name="TextBox 8">
               <a:extLst>
                 <a:ext uri="{FF2B5EF4-FFF2-40B4-BE49-F238E27FC236}">
-                  <a16:creationId xmlns:a16="http://schemas.microsoft.com/office/drawing/2014/main" xmlns="" id="{D7ECF936-B8F2-B944-B1E5-0DC7D3F9AAB9}"/>
+                  <a16:creationId xmlns="" xmlns:a16="http://schemas.microsoft.com/office/drawing/2014/main" id="{D7ECF936-B8F2-B944-B1E5-0DC7D3F9AAB9}"/>
                 </a:ext>
               </a:extLst>
             </p:cNvPr>
@@ -46258,7 +46565,7 @@
             <p:cNvPr id="89" name="Graphic 26">
               <a:extLst>
                 <a:ext uri="{FF2B5EF4-FFF2-40B4-BE49-F238E27FC236}">
-                  <a16:creationId xmlns:a16="http://schemas.microsoft.com/office/drawing/2014/main" xmlns="" id="{6474A222-3CF8-3F41-AB6E-29E3FCA4874B}"/>
+                  <a16:creationId xmlns="" xmlns:a16="http://schemas.microsoft.com/office/drawing/2014/main" id="{6474A222-3CF8-3F41-AB6E-29E3FCA4874B}"/>
                 </a:ext>
               </a:extLst>
             </p:cNvPr>
@@ -46271,7 +46578,7 @@
             <a:blip r:embed="rId46">
               <a:extLst>
                 <a:ext uri="{96DAC541-7B7A-43D3-8B79-37D633B846F1}">
-                  <asvg:svgBlip xmlns:asvg="http://schemas.microsoft.com/office/drawing/2016/SVG/main" xmlns="" r:embed="rId9"/>
+                  <asvg:svgBlip xmlns="" xmlns:asvg="http://schemas.microsoft.com/office/drawing/2016/SVG/main" r:embed="rId9"/>
                 </a:ext>
               </a:extLst>
             </a:blip>
@@ -46298,7 +46605,7 @@
         </p:nvGrpSpPr>
         <p:grpSpPr>
           <a:xfrm>
-            <a:off x="8549214" y="3438087"/>
+            <a:off x="8549214" y="3110736"/>
             <a:ext cx="1580984" cy="1261241"/>
             <a:chOff x="6920831" y="3286073"/>
             <a:chExt cx="1580984" cy="1261241"/>
@@ -46309,7 +46616,7 @@
             <p:cNvPr id="90" name="TextBox 4">
               <a:extLst>
                 <a:ext uri="{FF2B5EF4-FFF2-40B4-BE49-F238E27FC236}">
-                  <a16:creationId xmlns="" xmlns:a16="http://schemas.microsoft.com/office/drawing/2014/main" id="{1D7C7DB3-3169-5B48-B331-8240019668A8}"/>
+                  <a16:creationId xmlns:a16="http://schemas.microsoft.com/office/drawing/2014/main" xmlns="" id="{1D7C7DB3-3169-5B48-B331-8240019668A8}"/>
                 </a:ext>
               </a:extLst>
             </p:cNvPr>
@@ -46357,7 +46664,7 @@
             <p:cNvPr id="92" name="Graphic 27">
               <a:extLst>
                 <a:ext uri="{FF2B5EF4-FFF2-40B4-BE49-F238E27FC236}">
-                  <a16:creationId xmlns="" xmlns:a16="http://schemas.microsoft.com/office/drawing/2014/main" id="{BE111FD0-BA65-1E49-9BA2-83EC0AED97E8}"/>
+                  <a16:creationId xmlns:a16="http://schemas.microsoft.com/office/drawing/2014/main" xmlns="" id="{BE111FD0-BA65-1E49-9BA2-83EC0AED97E8}"/>
                 </a:ext>
               </a:extLst>
             </p:cNvPr>
@@ -46370,7 +46677,7 @@
             <a:blip r:embed="rId52">
               <a:extLst>
                 <a:ext uri="{96DAC541-7B7A-43D3-8B79-37D633B846F1}">
-                  <asvg:svgBlip xmlns="" xmlns:asvg="http://schemas.microsoft.com/office/drawing/2016/SVG/main" r:embed="rId5"/>
+                  <asvg:svgBlip xmlns:asvg="http://schemas.microsoft.com/office/drawing/2016/SVG/main" xmlns="" r:embed="rId5"/>
                 </a:ext>
               </a:extLst>
             </a:blip>
@@ -46397,7 +46704,7 @@
         </p:nvGrpSpPr>
         <p:grpSpPr>
           <a:xfrm>
-            <a:off x="8578991" y="1987207"/>
+            <a:off x="8578991" y="1633668"/>
             <a:ext cx="1405404" cy="1015513"/>
             <a:chOff x="6186558" y="1444175"/>
             <a:chExt cx="1405404" cy="1015513"/>
@@ -46408,7 +46715,7 @@
             <p:cNvPr id="54" name="TextBox 34">
               <a:extLst>
                 <a:ext uri="{FF2B5EF4-FFF2-40B4-BE49-F238E27FC236}">
-                  <a16:creationId xmlns:a16="http://schemas.microsoft.com/office/drawing/2014/main" xmlns="" id="{15E56E6E-0E7C-E14A-90F3-EFD2E907FD70}"/>
+                  <a16:creationId xmlns="" xmlns:a16="http://schemas.microsoft.com/office/drawing/2014/main" id="{15E56E6E-0E7C-E14A-90F3-EFD2E907FD70}"/>
                 </a:ext>
               </a:extLst>
             </p:cNvPr>
@@ -46445,7 +46752,7 @@
             <p:cNvPr id="55" name="Graphic 44">
               <a:extLst>
                 <a:ext uri="{FF2B5EF4-FFF2-40B4-BE49-F238E27FC236}">
-                  <a16:creationId xmlns:a16="http://schemas.microsoft.com/office/drawing/2014/main" xmlns="" id="{E2DAEC15-20F6-3647-8A23-EC2BA0B080D7}"/>
+                  <a16:creationId xmlns="" xmlns:a16="http://schemas.microsoft.com/office/drawing/2014/main" id="{E2DAEC15-20F6-3647-8A23-EC2BA0B080D7}"/>
                 </a:ext>
               </a:extLst>
             </p:cNvPr>
@@ -46458,7 +46765,7 @@
             <a:blip r:embed="rId53">
               <a:extLst>
                 <a:ext uri="{96DAC541-7B7A-43D3-8B79-37D633B846F1}">
-                  <asvg:svgBlip xmlns:asvg="http://schemas.microsoft.com/office/drawing/2016/SVG/main" xmlns="" r:embed="rId11"/>
+                  <asvg:svgBlip xmlns="" xmlns:asvg="http://schemas.microsoft.com/office/drawing/2016/SVG/main" r:embed="rId11"/>
                 </a:ext>
               </a:extLst>
             </a:blip>
@@ -46485,7 +46792,7 @@
         </p:nvGrpSpPr>
         <p:grpSpPr>
           <a:xfrm>
-            <a:off x="7492843" y="3446738"/>
+            <a:off x="7492843" y="3119387"/>
             <a:ext cx="1053812" cy="1252371"/>
             <a:chOff x="3675104" y="5078509"/>
             <a:chExt cx="1053812" cy="1252371"/>
@@ -46496,7 +46803,7 @@
             <p:cNvPr id="101" name="TextBox 10">
               <a:extLst>
                 <a:ext uri="{FF2B5EF4-FFF2-40B4-BE49-F238E27FC236}">
-                  <a16:creationId xmlns="" xmlns:a16="http://schemas.microsoft.com/office/drawing/2014/main" id="{99E9A16C-C445-9643-9734-20DB6E5D3E42}"/>
+                  <a16:creationId xmlns:a16="http://schemas.microsoft.com/office/drawing/2014/main" xmlns="" id="{99E9A16C-C445-9643-9734-20DB6E5D3E42}"/>
                 </a:ext>
               </a:extLst>
             </p:cNvPr>
@@ -46540,7 +46847,7 @@
             <p:cNvPr id="107" name="Graphic 23">
               <a:extLst>
                 <a:ext uri="{FF2B5EF4-FFF2-40B4-BE49-F238E27FC236}">
-                  <a16:creationId xmlns="" xmlns:a16="http://schemas.microsoft.com/office/drawing/2014/main" id="{E9A0F7B5-2F3A-6242-BCA5-7273277F9F0C}"/>
+                  <a16:creationId xmlns:a16="http://schemas.microsoft.com/office/drawing/2014/main" xmlns="" id="{E9A0F7B5-2F3A-6242-BCA5-7273277F9F0C}"/>
                 </a:ext>
               </a:extLst>
             </p:cNvPr>
@@ -46553,7 +46860,7 @@
             <a:blip r:embed="rId54">
               <a:extLst>
                 <a:ext uri="{96DAC541-7B7A-43D3-8B79-37D633B846F1}">
-                  <asvg:svgBlip xmlns="" xmlns:asvg="http://schemas.microsoft.com/office/drawing/2016/SVG/main" r:embed="rId55"/>
+                  <asvg:svgBlip xmlns:asvg="http://schemas.microsoft.com/office/drawing/2016/SVG/main" xmlns="" r:embed="rId55"/>
                 </a:ext>
               </a:extLst>
             </a:blip>
@@ -46580,7 +46887,7 @@
         </p:nvGrpSpPr>
         <p:grpSpPr>
           <a:xfrm>
-            <a:off x="4262536" y="5394104"/>
+            <a:off x="4262536" y="5040565"/>
             <a:ext cx="1824348" cy="1018117"/>
             <a:chOff x="2852197" y="5145917"/>
             <a:chExt cx="1824348" cy="1018117"/>
@@ -46591,7 +46898,7 @@
             <p:cNvPr id="114" name="TextBox 14">
               <a:extLst>
                 <a:ext uri="{FF2B5EF4-FFF2-40B4-BE49-F238E27FC236}">
-                  <a16:creationId xmlns="" xmlns:a16="http://schemas.microsoft.com/office/drawing/2014/main" id="{70F1D858-0A61-B249-BFE8-EC03E7D2639D}"/>
+                  <a16:creationId xmlns:a16="http://schemas.microsoft.com/office/drawing/2014/main" xmlns="" id="{70F1D858-0A61-B249-BFE8-EC03E7D2639D}"/>
                 </a:ext>
               </a:extLst>
             </p:cNvPr>
@@ -46627,7 +46934,7 @@
             <p:cNvPr id="115" name="Graphic 41">
               <a:extLst>
                 <a:ext uri="{FF2B5EF4-FFF2-40B4-BE49-F238E27FC236}">
-                  <a16:creationId xmlns="" xmlns:a16="http://schemas.microsoft.com/office/drawing/2014/main" id="{5B1FEEC0-A82C-C940-A6B4-4A85ED521E63}"/>
+                  <a16:creationId xmlns:a16="http://schemas.microsoft.com/office/drawing/2014/main" xmlns="" id="{5B1FEEC0-A82C-C940-A6B4-4A85ED521E63}"/>
                 </a:ext>
               </a:extLst>
             </p:cNvPr>
@@ -46640,7 +46947,7 @@
             <a:blip r:embed="rId56">
               <a:extLst>
                 <a:ext uri="{96DAC541-7B7A-43D3-8B79-37D633B846F1}">
-                  <asvg:svgBlip xmlns="" xmlns:asvg="http://schemas.microsoft.com/office/drawing/2016/SVG/main" r:embed="rId24"/>
+                  <asvg:svgBlip xmlns:asvg="http://schemas.microsoft.com/office/drawing/2016/SVG/main" xmlns="" r:embed="rId24"/>
                 </a:ext>
               </a:extLst>
             </a:blip>
@@ -46667,7 +46974,7 @@
         </p:nvGrpSpPr>
         <p:grpSpPr>
           <a:xfrm>
-            <a:off x="4291383" y="2496702"/>
+            <a:off x="4291383" y="2143163"/>
             <a:ext cx="2294452" cy="796452"/>
             <a:chOff x="6533660" y="1473373"/>
             <a:chExt cx="2294452" cy="796452"/>
@@ -46678,7 +46985,7 @@
             <p:cNvPr id="121" name="TextBox 34">
               <a:extLst>
                 <a:ext uri="{FF2B5EF4-FFF2-40B4-BE49-F238E27FC236}">
-                  <a16:creationId xmlns:a16="http://schemas.microsoft.com/office/drawing/2014/main" xmlns="" id="{15E56E6E-0E7C-E14A-90F3-EFD2E907FD70}"/>
+                  <a16:creationId xmlns="" xmlns:a16="http://schemas.microsoft.com/office/drawing/2014/main" id="{15E56E6E-0E7C-E14A-90F3-EFD2E907FD70}"/>
                 </a:ext>
               </a:extLst>
             </p:cNvPr>
@@ -46721,7 +47028,7 @@
             <p:cNvPr id="122" name="Graphic 44">
               <a:extLst>
                 <a:ext uri="{FF2B5EF4-FFF2-40B4-BE49-F238E27FC236}">
-                  <a16:creationId xmlns:a16="http://schemas.microsoft.com/office/drawing/2014/main" xmlns="" id="{E2DAEC15-20F6-3647-8A23-EC2BA0B080D7}"/>
+                  <a16:creationId xmlns="" xmlns:a16="http://schemas.microsoft.com/office/drawing/2014/main" id="{E2DAEC15-20F6-3647-8A23-EC2BA0B080D7}"/>
                 </a:ext>
               </a:extLst>
             </p:cNvPr>
@@ -46734,7 +47041,7 @@
             <a:blip r:embed="rId53">
               <a:extLst>
                 <a:ext uri="{96DAC541-7B7A-43D3-8B79-37D633B846F1}">
-                  <asvg:svgBlip xmlns:asvg="http://schemas.microsoft.com/office/drawing/2016/SVG/main" xmlns="" r:embed="rId11"/>
+                  <asvg:svgBlip xmlns="" xmlns:asvg="http://schemas.microsoft.com/office/drawing/2016/SVG/main" r:embed="rId11"/>
                 </a:ext>
               </a:extLst>
             </a:blip>
@@ -46761,7 +47068,7 @@
         </p:nvGrpSpPr>
         <p:grpSpPr>
           <a:xfrm>
-            <a:off x="5641149" y="5773096"/>
+            <a:off x="5641149" y="5419557"/>
             <a:ext cx="843765" cy="313871"/>
             <a:chOff x="5034507" y="5524909"/>
             <a:chExt cx="843765" cy="313871"/>
@@ -46865,7 +47172,7 @@
         </p:nvSpPr>
         <p:spPr>
           <a:xfrm>
-            <a:off x="2924472" y="1381962"/>
+            <a:off x="2924472" y="1028423"/>
             <a:ext cx="691340" cy="276999"/>
           </a:xfrm>
           <a:prstGeom prst="rect">
@@ -46895,7 +47202,7 @@
         </p:nvCxnSpPr>
         <p:spPr>
           <a:xfrm flipV="1">
-            <a:off x="5006712" y="2481876"/>
+            <a:off x="5006712" y="2128337"/>
             <a:ext cx="2525251" cy="237216"/>
           </a:xfrm>
           <a:prstGeom prst="straightConnector1">
@@ -46931,7 +47238,7 @@
         </p:nvCxnSpPr>
         <p:spPr>
           <a:xfrm flipV="1">
-            <a:off x="8239368" y="2466009"/>
+            <a:off x="8239368" y="2112470"/>
             <a:ext cx="678560" cy="4617"/>
           </a:xfrm>
           <a:prstGeom prst="straightConnector1">
@@ -46967,7 +47274,7 @@
         </p:nvCxnSpPr>
         <p:spPr>
           <a:xfrm flipV="1">
-            <a:off x="5014448" y="3744904"/>
+            <a:off x="5014448" y="3417553"/>
             <a:ext cx="431524" cy="607"/>
           </a:xfrm>
           <a:prstGeom prst="straightConnector1">
@@ -47003,7 +47310,7 @@
         </p:nvCxnSpPr>
         <p:spPr>
           <a:xfrm flipV="1">
-            <a:off x="5022124" y="3897304"/>
+            <a:off x="5022124" y="3569953"/>
             <a:ext cx="431524" cy="607"/>
           </a:xfrm>
           <a:prstGeom prst="straightConnector1">
@@ -47039,7 +47346,7 @@
         </p:nvSpPr>
         <p:spPr>
           <a:xfrm>
-            <a:off x="469320" y="2806273"/>
+            <a:off x="469320" y="2452734"/>
             <a:ext cx="1973392" cy="276999"/>
           </a:xfrm>
           <a:prstGeom prst="rect">
@@ -47105,7 +47412,7 @@
         </p:nvSpPr>
         <p:spPr>
           <a:xfrm>
-            <a:off x="469320" y="2531827"/>
+            <a:off x="469320" y="2178288"/>
             <a:ext cx="1723549" cy="276999"/>
           </a:xfrm>
           <a:prstGeom prst="rect">
@@ -47127,6 +47434,439 @@
           </a:p>
         </p:txBody>
       </p:sp>
+      <p:grpSp>
+        <p:nvGrpSpPr>
+          <p:cNvPr id="127" name="図形グループ 126"/>
+          <p:cNvGrpSpPr/>
+          <p:nvPr/>
+        </p:nvGrpSpPr>
+        <p:grpSpPr>
+          <a:xfrm>
+            <a:off x="9337007" y="6132221"/>
+            <a:ext cx="729963" cy="497544"/>
+            <a:chOff x="1474280" y="919754"/>
+            <a:chExt cx="729963" cy="497544"/>
+          </a:xfrm>
+        </p:grpSpPr>
+        <p:sp>
+          <p:nvSpPr>
+            <p:cNvPr id="128" name="正方形/長方形 127"/>
+            <p:cNvSpPr/>
+            <p:nvPr/>
+          </p:nvSpPr>
+          <p:spPr>
+            <a:xfrm>
+              <a:off x="1474280" y="919754"/>
+              <a:ext cx="729963" cy="497544"/>
+            </a:xfrm>
+            <a:prstGeom prst="rect">
+              <a:avLst/>
+            </a:prstGeom>
+            <a:solidFill>
+              <a:schemeClr val="bg1"/>
+            </a:solidFill>
+            <a:ln>
+              <a:solidFill>
+                <a:schemeClr val="tx1"/>
+              </a:solidFill>
+            </a:ln>
+            <a:effectLst/>
+          </p:spPr>
+          <p:style>
+            <a:lnRef idx="1">
+              <a:schemeClr val="accent1"/>
+            </a:lnRef>
+            <a:fillRef idx="3">
+              <a:schemeClr val="accent1"/>
+            </a:fillRef>
+            <a:effectRef idx="2">
+              <a:schemeClr val="accent1"/>
+            </a:effectRef>
+            <a:fontRef idx="minor">
+              <a:schemeClr val="lt1"/>
+            </a:fontRef>
+          </p:style>
+          <p:txBody>
+            <a:bodyPr rtlCol="0" anchor="ctr"/>
+            <a:lstStyle/>
+            <a:p>
+              <a:pPr algn="ctr"/>
+              <a:endParaRPr kumimoji="1" lang="ja-JP" altLang="en-US"/>
+            </a:p>
+          </p:txBody>
+        </p:sp>
+        <p:sp>
+          <p:nvSpPr>
+            <p:cNvPr id="133" name="テキスト ボックス 132"/>
+            <p:cNvSpPr txBox="1"/>
+            <p:nvPr/>
+          </p:nvSpPr>
+          <p:spPr>
+            <a:xfrm>
+              <a:off x="1481352" y="1024959"/>
+              <a:ext cx="711403" cy="276999"/>
+            </a:xfrm>
+            <a:prstGeom prst="rect">
+              <a:avLst/>
+            </a:prstGeom>
+            <a:noFill/>
+          </p:spPr>
+          <p:txBody>
+            <a:bodyPr wrap="none" rtlCol="0">
+              <a:spAutoFit/>
+            </a:bodyPr>
+            <a:lstStyle/>
+            <a:p>
+              <a:r>
+                <a:rPr kumimoji="1" lang="en-US" altLang="ja-JP" sz="1200" dirty="0" smtClean="0"/>
+                <a:t>Vuforia</a:t>
+              </a:r>
+              <a:endParaRPr kumimoji="1" lang="ja-JP" altLang="en-US" sz="1200" dirty="0"/>
+            </a:p>
+          </p:txBody>
+        </p:sp>
+      </p:grpSp>
+      <p:sp>
+        <p:nvSpPr>
+          <p:cNvPr id="134" name="角丸四角形吹き出し 133"/>
+          <p:cNvSpPr/>
+          <p:nvPr/>
+        </p:nvSpPr>
+        <p:spPr>
+          <a:xfrm>
+            <a:off x="10344891" y="6190335"/>
+            <a:ext cx="1477258" cy="317400"/>
+          </a:xfrm>
+          <a:prstGeom prst="wedgeRoundRectCallout">
+            <a:avLst>
+              <a:gd name="adj1" fmla="val -61119"/>
+              <a:gd name="adj2" fmla="val -24921"/>
+              <a:gd name="adj3" fmla="val 16667"/>
+            </a:avLst>
+          </a:prstGeom>
+          <a:solidFill>
+            <a:srgbClr val="FFFFFF"/>
+          </a:solidFill>
+          <a:ln>
+            <a:noFill/>
+          </a:ln>
+          <a:effectLst>
+            <a:outerShdw blurRad="63500" sx="102000" sy="102000" algn="ctr" rotWithShape="0">
+              <a:prstClr val="black">
+                <a:alpha val="40000"/>
+              </a:prstClr>
+            </a:outerShdw>
+          </a:effectLst>
+        </p:spPr>
+        <p:style>
+          <a:lnRef idx="1">
+            <a:schemeClr val="accent1"/>
+          </a:lnRef>
+          <a:fillRef idx="3">
+            <a:schemeClr val="accent1"/>
+          </a:fillRef>
+          <a:effectRef idx="2">
+            <a:schemeClr val="accent1"/>
+          </a:effectRef>
+          <a:fontRef idx="minor">
+            <a:schemeClr val="lt1"/>
+          </a:fontRef>
+        </p:style>
+        <p:txBody>
+          <a:bodyPr rtlCol="0" anchor="ctr"/>
+          <a:lstStyle/>
+          <a:p>
+            <a:pPr algn="ctr"/>
+            <a:endParaRPr kumimoji="1" lang="ja-JP" altLang="en-US"/>
+          </a:p>
+        </p:txBody>
+      </p:sp>
+      <p:sp>
+        <p:nvSpPr>
+          <p:cNvPr id="135" name="テキスト ボックス 134"/>
+          <p:cNvSpPr txBox="1"/>
+          <p:nvPr/>
+        </p:nvSpPr>
+        <p:spPr>
+          <a:xfrm>
+            <a:off x="10295093" y="6188189"/>
+            <a:ext cx="1469122" cy="276999"/>
+          </a:xfrm>
+          <a:prstGeom prst="rect">
+            <a:avLst/>
+          </a:prstGeom>
+          <a:noFill/>
+        </p:spPr>
+        <p:txBody>
+          <a:bodyPr wrap="none" rtlCol="0">
+            <a:spAutoFit/>
+          </a:bodyPr>
+          <a:lstStyle/>
+          <a:p>
+            <a:r>
+              <a:rPr kumimoji="1" lang="ja-JP" altLang="en-US" sz="1200" dirty="0" smtClean="0"/>
+              <a:t>・</a:t>
+            </a:r>
+            <a:r>
+              <a:rPr kumimoji="1" lang="en-US" altLang="ja-JP" sz="1200" dirty="0" smtClean="0"/>
+              <a:t>AR</a:t>
+            </a:r>
+            <a:r>
+              <a:rPr kumimoji="1" lang="ja-JP" altLang="en-US" sz="1200" dirty="0" smtClean="0"/>
+              <a:t>マーカー作成</a:t>
+            </a:r>
+            <a:endParaRPr kumimoji="1" lang="ja-JP" altLang="en-US" sz="1200" dirty="0"/>
+          </a:p>
+        </p:txBody>
+      </p:sp>
+      <p:cxnSp>
+        <p:nvCxnSpPr>
+          <p:cNvPr id="139" name="直線矢印コネクタ 138"/>
+          <p:cNvCxnSpPr>
+            <a:stCxn id="143" idx="0"/>
+          </p:cNvCxnSpPr>
+          <p:nvPr/>
+        </p:nvCxnSpPr>
+        <p:spPr>
+          <a:xfrm rot="16200000" flipV="1">
+            <a:off x="7491636" y="2746997"/>
+            <a:ext cx="767259" cy="3653447"/>
+          </a:xfrm>
+          <a:prstGeom prst="curvedConnector2">
+            <a:avLst/>
+          </a:prstGeom>
+          <a:ln>
+            <a:solidFill>
+              <a:srgbClr val="FF6600"/>
+            </a:solidFill>
+            <a:tailEnd type="arrow"/>
+          </a:ln>
+        </p:spPr>
+        <p:style>
+          <a:lnRef idx="2">
+            <a:schemeClr val="accent1"/>
+          </a:lnRef>
+          <a:fillRef idx="0">
+            <a:schemeClr val="accent1"/>
+          </a:fillRef>
+          <a:effectRef idx="1">
+            <a:schemeClr val="accent1"/>
+          </a:effectRef>
+          <a:fontRef idx="minor">
+            <a:schemeClr val="tx1"/>
+          </a:fontRef>
+        </p:style>
+      </p:cxnSp>
+      <p:sp>
+        <p:nvSpPr>
+          <p:cNvPr id="143" name="テキスト ボックス 142"/>
+          <p:cNvSpPr txBox="1"/>
+          <p:nvPr/>
+        </p:nvSpPr>
+        <p:spPr>
+          <a:xfrm>
+            <a:off x="9313187" y="4957350"/>
+            <a:ext cx="777602" cy="276999"/>
+          </a:xfrm>
+          <a:prstGeom prst="rect">
+            <a:avLst/>
+          </a:prstGeom>
+          <a:noFill/>
+        </p:spPr>
+        <p:txBody>
+          <a:bodyPr wrap="none" rtlCol="0">
+            <a:spAutoFit/>
+          </a:bodyPr>
+          <a:lstStyle/>
+          <a:p>
+            <a:r>
+              <a:rPr kumimoji="1" lang="ja-JP" altLang="en-US" sz="1200" dirty="0" smtClean="0"/>
+              <a:t>・</a:t>
+            </a:r>
+            <a:r>
+              <a:rPr kumimoji="1" lang="en-US" altLang="en-US" sz="1200" dirty="0" smtClean="0"/>
+              <a:t>Batch</a:t>
+            </a:r>
+            <a:endParaRPr kumimoji="1" lang="en-US" altLang="ja-JP" sz="1200" dirty="0" smtClean="0"/>
+          </a:p>
+        </p:txBody>
+      </p:sp>
+      <p:cxnSp>
+        <p:nvCxnSpPr>
+          <p:cNvPr id="144" name="直線矢印コネクタ 143"/>
+          <p:cNvCxnSpPr>
+            <a:stCxn id="143" idx="2"/>
+            <a:endCxn id="128" idx="0"/>
+          </p:cNvCxnSpPr>
+          <p:nvPr/>
+        </p:nvCxnSpPr>
+        <p:spPr>
+          <a:xfrm>
+            <a:off x="9701988" y="5234349"/>
+            <a:ext cx="1" cy="897872"/>
+          </a:xfrm>
+          <a:prstGeom prst="straightConnector1">
+            <a:avLst/>
+          </a:prstGeom>
+          <a:ln>
+            <a:solidFill>
+              <a:srgbClr val="FF6600"/>
+            </a:solidFill>
+            <a:tailEnd type="arrow"/>
+          </a:ln>
+        </p:spPr>
+        <p:style>
+          <a:lnRef idx="2">
+            <a:schemeClr val="accent1"/>
+          </a:lnRef>
+          <a:fillRef idx="0">
+            <a:schemeClr val="accent1"/>
+          </a:fillRef>
+          <a:effectRef idx="1">
+            <a:schemeClr val="accent1"/>
+          </a:effectRef>
+          <a:fontRef idx="minor">
+            <a:schemeClr val="tx1"/>
+          </a:fontRef>
+        </p:style>
+      </p:cxnSp>
+      <p:grpSp>
+        <p:nvGrpSpPr>
+          <p:cNvPr id="145" name="図形グループ 144"/>
+          <p:cNvGrpSpPr/>
+          <p:nvPr/>
+        </p:nvGrpSpPr>
+        <p:grpSpPr>
+          <a:xfrm>
+            <a:off x="8494409" y="6132221"/>
+            <a:ext cx="729963" cy="497544"/>
+            <a:chOff x="1474280" y="919754"/>
+            <a:chExt cx="729963" cy="497544"/>
+          </a:xfrm>
+        </p:grpSpPr>
+        <p:sp>
+          <p:nvSpPr>
+            <p:cNvPr id="146" name="正方形/長方形 145"/>
+            <p:cNvSpPr/>
+            <p:nvPr/>
+          </p:nvSpPr>
+          <p:spPr>
+            <a:xfrm>
+              <a:off x="1474280" y="919754"/>
+              <a:ext cx="729963" cy="497544"/>
+            </a:xfrm>
+            <a:prstGeom prst="rect">
+              <a:avLst/>
+            </a:prstGeom>
+            <a:solidFill>
+              <a:schemeClr val="bg1"/>
+            </a:solidFill>
+            <a:ln>
+              <a:solidFill>
+                <a:schemeClr val="tx1"/>
+              </a:solidFill>
+            </a:ln>
+            <a:effectLst/>
+          </p:spPr>
+          <p:style>
+            <a:lnRef idx="1">
+              <a:schemeClr val="accent1"/>
+            </a:lnRef>
+            <a:fillRef idx="3">
+              <a:schemeClr val="accent1"/>
+            </a:fillRef>
+            <a:effectRef idx="2">
+              <a:schemeClr val="accent1"/>
+            </a:effectRef>
+            <a:fontRef idx="minor">
+              <a:schemeClr val="lt1"/>
+            </a:fontRef>
+          </p:style>
+          <p:txBody>
+            <a:bodyPr rtlCol="0" anchor="ctr"/>
+            <a:lstStyle/>
+            <a:p>
+              <a:pPr algn="ctr"/>
+              <a:endParaRPr kumimoji="1" lang="ja-JP" altLang="en-US"/>
+            </a:p>
+          </p:txBody>
+        </p:sp>
+        <p:sp>
+          <p:nvSpPr>
+            <p:cNvPr id="147" name="テキスト ボックス 146"/>
+            <p:cNvSpPr txBox="1"/>
+            <p:nvPr/>
+          </p:nvSpPr>
+          <p:spPr>
+            <a:xfrm>
+              <a:off x="1481352" y="946395"/>
+              <a:ext cx="646331" cy="461665"/>
+            </a:xfrm>
+            <a:prstGeom prst="rect">
+              <a:avLst/>
+            </a:prstGeom>
+            <a:noFill/>
+          </p:spPr>
+          <p:txBody>
+            <a:bodyPr wrap="none" rtlCol="0">
+              <a:spAutoFit/>
+            </a:bodyPr>
+            <a:lstStyle/>
+            <a:p>
+              <a:r>
+                <a:rPr kumimoji="1" lang="en-US" altLang="ja-JP" sz="1200" dirty="0" smtClean="0"/>
+                <a:t>SMTP</a:t>
+              </a:r>
+            </a:p>
+            <a:p>
+              <a:r>
+                <a:rPr kumimoji="1" lang="en-US" altLang="ja-JP" sz="1200" dirty="0" smtClean="0"/>
+                <a:t>Server</a:t>
+              </a:r>
+              <a:endParaRPr kumimoji="1" lang="ja-JP" altLang="en-US" sz="1200" dirty="0"/>
+            </a:p>
+          </p:txBody>
+        </p:sp>
+      </p:grpSp>
+      <p:cxnSp>
+        <p:nvCxnSpPr>
+          <p:cNvPr id="149" name="直線矢印コネクタ 148"/>
+          <p:cNvCxnSpPr>
+            <a:stCxn id="143" idx="2"/>
+            <a:endCxn id="147" idx="0"/>
+          </p:cNvCxnSpPr>
+          <p:nvPr/>
+        </p:nvCxnSpPr>
+        <p:spPr>
+          <a:xfrm flipH="1">
+            <a:off x="8824647" y="5234349"/>
+            <a:ext cx="877341" cy="924513"/>
+          </a:xfrm>
+          <a:prstGeom prst="straightConnector1">
+            <a:avLst/>
+          </a:prstGeom>
+          <a:ln>
+            <a:solidFill>
+              <a:srgbClr val="FF6600"/>
+            </a:solidFill>
+            <a:tailEnd type="arrow"/>
+          </a:ln>
+        </p:spPr>
+        <p:style>
+          <a:lnRef idx="2">
+            <a:schemeClr val="accent1"/>
+          </a:lnRef>
+          <a:fillRef idx="0">
+            <a:schemeClr val="accent1"/>
+          </a:fillRef>
+          <a:effectRef idx="1">
+            <a:schemeClr val="accent1"/>
+          </a:effectRef>
+          <a:fontRef idx="minor">
+            <a:schemeClr val="tx1"/>
+          </a:fontRef>
+        </p:style>
+      </p:cxnSp>
     </p:spTree>
     <p:extLst>
       <p:ext uri="{BB962C8B-B14F-4D97-AF65-F5344CB8AC3E}">
@@ -47137,11 +47877,11 @@
   <p:clrMapOvr>
     <a:masterClrMapping/>
   </p:clrMapOvr>
-  <mc:AlternateContent xmlns:mc="http://schemas.openxmlformats.org/markup-compatibility/2006">
-    <mc:Choice xmlns:p14="http://schemas.microsoft.com/office/powerpoint/2010/main" Requires="p14">
+  <mc:AlternateContent xmlns:mc="http://schemas.openxmlformats.org/markup-compatibility/2006" xmlns:p14="http://schemas.microsoft.com/office/powerpoint/2010/main">
+    <mc:Choice Requires="p14">
       <p:transition spd="slow" p14:dur="2000"/>
     </mc:Choice>
-    <mc:Fallback>
+    <mc:Fallback xmlns="">
       <p:transition xmlns:p14="http://schemas.microsoft.com/office/powerpoint/2010/main" spd="slow"/>
     </mc:Fallback>
   </mc:AlternateContent>
@@ -47234,7 +47974,7 @@
           <p:cNvPr id="2" name="タイトル 1">
             <a:extLst>
               <a:ext uri="{FF2B5EF4-FFF2-40B4-BE49-F238E27FC236}">
-                <a16:creationId xmlns="" xmlns:a16="http://schemas.microsoft.com/office/drawing/2014/main" id="{42238E76-FCE3-4A31-BD81-2D6CADD01B29}"/>
+                <a16:creationId xmlns:a16="http://schemas.microsoft.com/office/drawing/2014/main" xmlns="" id="{42238E76-FCE3-4A31-BD81-2D6CADD01B29}"/>
               </a:ext>
             </a:extLst>
           </p:cNvPr>
@@ -47267,7 +48007,7 @@
           <p:cNvPr id="3" name="コンテンツ プレースホルダー 2">
             <a:extLst>
               <a:ext uri="{FF2B5EF4-FFF2-40B4-BE49-F238E27FC236}">
-                <a16:creationId xmlns="" xmlns:a16="http://schemas.microsoft.com/office/drawing/2014/main" id="{8942456B-0BBA-47AC-A7AE-AC486DDE0560}"/>
+                <a16:creationId xmlns:a16="http://schemas.microsoft.com/office/drawing/2014/main" xmlns="" id="{8942456B-0BBA-47AC-A7AE-AC486DDE0560}"/>
               </a:ext>
             </a:extLst>
           </p:cNvPr>
@@ -47469,7 +48209,7 @@
           <p:cNvPr id="4" name="スライド番号プレースホルダー 3">
             <a:extLst>
               <a:ext uri="{FF2B5EF4-FFF2-40B4-BE49-F238E27FC236}">
-                <a16:creationId xmlns="" xmlns:a16="http://schemas.microsoft.com/office/drawing/2014/main" id="{9BFAADB9-E460-4E56-A164-AAFA9F53D091}"/>
+                <a16:creationId xmlns:a16="http://schemas.microsoft.com/office/drawing/2014/main" xmlns="" id="{9BFAADB9-E460-4E56-A164-AAFA9F53D091}"/>
               </a:ext>
             </a:extLst>
           </p:cNvPr>
@@ -47933,7 +48673,7 @@
           <p:cNvPr id="2" name="タイトル 1">
             <a:extLst>
               <a:ext uri="{FF2B5EF4-FFF2-40B4-BE49-F238E27FC236}">
-                <a16:creationId xmlns="" xmlns:a16="http://schemas.microsoft.com/office/drawing/2014/main" id="{42238E76-FCE3-4A31-BD81-2D6CADD01B29}"/>
+                <a16:creationId xmlns:a16="http://schemas.microsoft.com/office/drawing/2014/main" xmlns="" id="{42238E76-FCE3-4A31-BD81-2D6CADD01B29}"/>
               </a:ext>
             </a:extLst>
           </p:cNvPr>
@@ -47966,7 +48706,7 @@
           <p:cNvPr id="3" name="コンテンツ プレースホルダー 2">
             <a:extLst>
               <a:ext uri="{FF2B5EF4-FFF2-40B4-BE49-F238E27FC236}">
-                <a16:creationId xmlns="" xmlns:a16="http://schemas.microsoft.com/office/drawing/2014/main" id="{8942456B-0BBA-47AC-A7AE-AC486DDE0560}"/>
+                <a16:creationId xmlns:a16="http://schemas.microsoft.com/office/drawing/2014/main" xmlns="" id="{8942456B-0BBA-47AC-A7AE-AC486DDE0560}"/>
               </a:ext>
             </a:extLst>
           </p:cNvPr>
@@ -48119,7 +48859,7 @@
           <p:cNvPr id="4" name="スライド番号プレースホルダー 3">
             <a:extLst>
               <a:ext uri="{FF2B5EF4-FFF2-40B4-BE49-F238E27FC236}">
-                <a16:creationId xmlns="" xmlns:a16="http://schemas.microsoft.com/office/drawing/2014/main" id="{9BFAADB9-E460-4E56-A164-AAFA9F53D091}"/>
+                <a16:creationId xmlns:a16="http://schemas.microsoft.com/office/drawing/2014/main" xmlns="" id="{9BFAADB9-E460-4E56-A164-AAFA9F53D091}"/>
               </a:ext>
             </a:extLst>
           </p:cNvPr>
@@ -48583,7 +49323,7 @@
           <p:cNvPr id="2" name="タイトル 1">
             <a:extLst>
               <a:ext uri="{FF2B5EF4-FFF2-40B4-BE49-F238E27FC236}">
-                <a16:creationId xmlns="" xmlns:a16="http://schemas.microsoft.com/office/drawing/2014/main" id="{42238E76-FCE3-4A31-BD81-2D6CADD01B29}"/>
+                <a16:creationId xmlns:a16="http://schemas.microsoft.com/office/drawing/2014/main" xmlns="" id="{42238E76-FCE3-4A31-BD81-2D6CADD01B29}"/>
               </a:ext>
             </a:extLst>
           </p:cNvPr>
@@ -48624,7 +49364,7 @@
           <p:cNvPr id="3" name="コンテンツ プレースホルダー 2">
             <a:extLst>
               <a:ext uri="{FF2B5EF4-FFF2-40B4-BE49-F238E27FC236}">
-                <a16:creationId xmlns="" xmlns:a16="http://schemas.microsoft.com/office/drawing/2014/main" id="{8942456B-0BBA-47AC-A7AE-AC486DDE0560}"/>
+                <a16:creationId xmlns:a16="http://schemas.microsoft.com/office/drawing/2014/main" xmlns="" id="{8942456B-0BBA-47AC-A7AE-AC486DDE0560}"/>
               </a:ext>
             </a:extLst>
           </p:cNvPr>
@@ -48793,7 +49533,7 @@
           <p:cNvPr id="4" name="スライド番号プレースホルダー 3">
             <a:extLst>
               <a:ext uri="{FF2B5EF4-FFF2-40B4-BE49-F238E27FC236}">
-                <a16:creationId xmlns="" xmlns:a16="http://schemas.microsoft.com/office/drawing/2014/main" id="{9BFAADB9-E460-4E56-A164-AAFA9F53D091}"/>
+                <a16:creationId xmlns:a16="http://schemas.microsoft.com/office/drawing/2014/main" xmlns="" id="{9BFAADB9-E460-4E56-A164-AAFA9F53D091}"/>
               </a:ext>
             </a:extLst>
           </p:cNvPr>
@@ -49498,7 +50238,7 @@
   <a:extraClrSchemeLst/>
   <a:extLst>
     <a:ext uri="{05A4C25C-085E-4340-85A3-A5531E510DB2}">
-      <thm15:themeFamily xmlns="" xmlns:thm15="http://schemas.microsoft.com/office/thememl/2012/main" name="プレゼンテーション1" id="{E6564793-4896-4E0C-8801-A9230543B816}" vid="{FD5737D2-78B0-4D47-8894-10CDEF9A2F60}"/>
+      <thm15:themeFamily xmlns:thm15="http://schemas.microsoft.com/office/thememl/2012/main" xmlns="" name="プレゼンテーション1" id="{E6564793-4896-4E0C-8801-A9230543B816}" vid="{FD5737D2-78B0-4D47-8894-10CDEF9A2F60}"/>
     </a:ext>
   </a:extLst>
 </a:theme>
@@ -49793,7 +50533,7 @@
   <a:extraClrSchemeLst/>
   <a:extLst>
     <a:ext uri="{05A4C25C-085E-4340-85A3-A5531E510DB2}">
-      <thm15:themeFamily xmlns="" xmlns:thm15="http://schemas.microsoft.com/office/thememl/2012/main" name="Office Theme" id="{62F939B6-93AF-4DB8-9C6B-D6C7DFDC589F}" vid="{4A3C46E8-61CC-4603-A589-7422A47A8E4A}"/>
+      <thm15:themeFamily xmlns:thm15="http://schemas.microsoft.com/office/thememl/2012/main" xmlns="" name="Office Theme" id="{62F939B6-93AF-4DB8-9C6B-D6C7DFDC589F}" vid="{4A3C46E8-61CC-4603-A589-7422A47A8E4A}"/>
     </a:ext>
   </a:extLst>
 </a:theme>
